--- a/SpotPPTs.pptx
+++ b/SpotPPTs.pptx
@@ -12,6 +12,7 @@
     <p:sldId id="260" r:id="rId6"/>
     <p:sldId id="261" r:id="rId7"/>
     <p:sldId id="262" r:id="rId8"/>
+    <p:sldId id="263" r:id="rId9"/>
   </p:sldIdLst>
   <p:sldSz cx="12192000" cy="6858000"/>
   <p:notesSz cx="6858000" cy="9144000"/>
@@ -110,6 +111,11 @@
       </a:defRPr>
     </a:lvl9pPr>
   </p:defaultTextStyle>
+  <p:extLst>
+    <p:ext uri="{EFAFB233-063F-42B5-8137-9DF3F51BA10A}">
+      <p15:sldGuideLst xmlns:p15="http://schemas.microsoft.com/office/powerpoint/2012/main"/>
+    </p:ext>
+  </p:extLst>
 </p:presentation>
 </file>
 
@@ -262,7 +268,7 @@
           <a:p>
             <a:fld id="{6B75415C-91ED-7941-9068-396BBFB028E8}" type="datetimeFigureOut">
               <a:rPr lang="en-US" smtClean="0"/>
-              <a:t>3/31/21</a:t>
+              <a:t>4/1/21</a:t>
             </a:fld>
             <a:endParaRPr lang="en-US"/>
           </a:p>
@@ -462,7 +468,7 @@
           <a:p>
             <a:fld id="{6B75415C-91ED-7941-9068-396BBFB028E8}" type="datetimeFigureOut">
               <a:rPr lang="en-US" smtClean="0"/>
-              <a:t>3/31/21</a:t>
+              <a:t>4/1/21</a:t>
             </a:fld>
             <a:endParaRPr lang="en-US"/>
           </a:p>
@@ -672,7 +678,7 @@
           <a:p>
             <a:fld id="{6B75415C-91ED-7941-9068-396BBFB028E8}" type="datetimeFigureOut">
               <a:rPr lang="en-US" smtClean="0"/>
-              <a:t>3/31/21</a:t>
+              <a:t>4/1/21</a:t>
             </a:fld>
             <a:endParaRPr lang="en-US"/>
           </a:p>
@@ -872,7 +878,7 @@
           <a:p>
             <a:fld id="{6B75415C-91ED-7941-9068-396BBFB028E8}" type="datetimeFigureOut">
               <a:rPr lang="en-US" smtClean="0"/>
-              <a:t>3/31/21</a:t>
+              <a:t>4/1/21</a:t>
             </a:fld>
             <a:endParaRPr lang="en-US"/>
           </a:p>
@@ -1148,7 +1154,7 @@
           <a:p>
             <a:fld id="{6B75415C-91ED-7941-9068-396BBFB028E8}" type="datetimeFigureOut">
               <a:rPr lang="en-US" smtClean="0"/>
-              <a:t>3/31/21</a:t>
+              <a:t>4/1/21</a:t>
             </a:fld>
             <a:endParaRPr lang="en-US"/>
           </a:p>
@@ -1416,7 +1422,7 @@
           <a:p>
             <a:fld id="{6B75415C-91ED-7941-9068-396BBFB028E8}" type="datetimeFigureOut">
               <a:rPr lang="en-US" smtClean="0"/>
-              <a:t>3/31/21</a:t>
+              <a:t>4/1/21</a:t>
             </a:fld>
             <a:endParaRPr lang="en-US"/>
           </a:p>
@@ -1831,7 +1837,7 @@
           <a:p>
             <a:fld id="{6B75415C-91ED-7941-9068-396BBFB028E8}" type="datetimeFigureOut">
               <a:rPr lang="en-US" smtClean="0"/>
-              <a:t>3/31/21</a:t>
+              <a:t>4/1/21</a:t>
             </a:fld>
             <a:endParaRPr lang="en-US"/>
           </a:p>
@@ -1973,7 +1979,7 @@
           <a:p>
             <a:fld id="{6B75415C-91ED-7941-9068-396BBFB028E8}" type="datetimeFigureOut">
               <a:rPr lang="en-US" smtClean="0"/>
-              <a:t>3/31/21</a:t>
+              <a:t>4/1/21</a:t>
             </a:fld>
             <a:endParaRPr lang="en-US"/>
           </a:p>
@@ -2086,7 +2092,7 @@
           <a:p>
             <a:fld id="{6B75415C-91ED-7941-9068-396BBFB028E8}" type="datetimeFigureOut">
               <a:rPr lang="en-US" smtClean="0"/>
-              <a:t>3/31/21</a:t>
+              <a:t>4/1/21</a:t>
             </a:fld>
             <a:endParaRPr lang="en-US"/>
           </a:p>
@@ -2399,7 +2405,7 @@
           <a:p>
             <a:fld id="{6B75415C-91ED-7941-9068-396BBFB028E8}" type="datetimeFigureOut">
               <a:rPr lang="en-US" smtClean="0"/>
-              <a:t>3/31/21</a:t>
+              <a:t>4/1/21</a:t>
             </a:fld>
             <a:endParaRPr lang="en-US"/>
           </a:p>
@@ -2688,7 +2694,7 @@
           <a:p>
             <a:fld id="{6B75415C-91ED-7941-9068-396BBFB028E8}" type="datetimeFigureOut">
               <a:rPr lang="en-US" smtClean="0"/>
-              <a:t>3/31/21</a:t>
+              <a:t>4/1/21</a:t>
             </a:fld>
             <a:endParaRPr lang="en-US"/>
           </a:p>
@@ -2931,7 +2937,7 @@
           <a:p>
             <a:fld id="{6B75415C-91ED-7941-9068-396BBFB028E8}" type="datetimeFigureOut">
               <a:rPr lang="en-US" smtClean="0"/>
-              <a:t>3/31/21</a:t>
+              <a:t>4/1/21</a:t>
             </a:fld>
             <a:endParaRPr lang="en-US"/>
           </a:p>
@@ -6356,7 +6362,7 @@
         <p:spPr>
           <a:xfrm>
             <a:off x="148046" y="174171"/>
-            <a:ext cx="11861074" cy="1938992"/>
+            <a:ext cx="11861074" cy="5016758"/>
           </a:xfrm>
           <a:prstGeom prst="rect">
             <a:avLst/>
@@ -6401,13 +6407,8 @@
             </a:pPr>
             <a:r>
               <a:rPr lang="en-US" sz="2000" dirty="0"/>
-              <a:t>CSS + JavaScript Plug-Ins for RICH UI and UX (known as </a:t>
-            </a:r>
-            <a:r>
-              <a:rPr lang="en-US" sz="2000"/>
-              <a:t>UI Framework)</a:t>
-            </a:r>
-            <a:endParaRPr lang="en-US" sz="2000" dirty="0"/>
+              <a:t>CSS + JavaScript Plug-Ins for RICH UI and UX (known as UI Framework)</a:t>
+            </a:r>
           </a:p>
           <a:p>
             <a:pPr marL="457200" indent="-457200">
@@ -6429,12 +6430,895 @@
               <a:t>Modern CSS Framework for UI and UX</a:t>
             </a:r>
           </a:p>
+          <a:p>
+            <a:pPr marL="457200" indent="-457200">
+              <a:buFont typeface="+mj-lt"/>
+              <a:buAutoNum type="arabicPeriod"/>
+            </a:pPr>
+            <a:r>
+              <a:rPr lang="en-US" sz="2000" dirty="0" err="1"/>
+              <a:t>FlexBox</a:t>
+            </a:r>
+            <a:r>
+              <a:rPr lang="en-US" sz="2000" dirty="0"/>
+              <a:t>	</a:t>
+            </a:r>
+          </a:p>
+          <a:p>
+            <a:pPr marL="914400" lvl="1" indent="-457200">
+              <a:buFont typeface="+mj-lt"/>
+              <a:buAutoNum type="arabicPeriod"/>
+            </a:pPr>
+            <a:r>
+              <a:rPr lang="en-US" sz="2000" dirty="0"/>
+              <a:t>Modern CSS Framework</a:t>
+            </a:r>
+          </a:p>
+          <a:p>
+            <a:pPr marL="914400" lvl="1" indent="-457200">
+              <a:buFont typeface="+mj-lt"/>
+              <a:buAutoNum type="arabicPeriod"/>
+            </a:pPr>
+            <a:endParaRPr lang="en-US" sz="2000" dirty="0"/>
+          </a:p>
+          <a:p>
+            <a:r>
+              <a:rPr lang="en-US" sz="2000" dirty="0"/>
+              <a:t>JavaScript Tools</a:t>
+            </a:r>
+          </a:p>
+          <a:p>
+            <a:endParaRPr lang="en-US" sz="2000" dirty="0"/>
+          </a:p>
+          <a:p>
+            <a:pPr marL="457200" indent="-457200">
+              <a:buFont typeface="+mj-lt"/>
+              <a:buAutoNum type="arabicPeriod"/>
+            </a:pPr>
+            <a:r>
+              <a:rPr lang="en-US" sz="2000" dirty="0"/>
+              <a:t>Used for Testing</a:t>
+            </a:r>
+          </a:p>
+          <a:p>
+            <a:pPr marL="914400" lvl="1" indent="-457200">
+              <a:buFont typeface="+mj-lt"/>
+              <a:buAutoNum type="arabicPeriod"/>
+            </a:pPr>
+            <a:r>
+              <a:rPr lang="en-US" sz="2000" dirty="0"/>
+              <a:t>Jasmine, Karma, Jest, Enzyme, Mocha, Chai</a:t>
+            </a:r>
+          </a:p>
+          <a:p>
+            <a:pPr marL="457200" indent="-457200">
+              <a:buFont typeface="+mj-lt"/>
+              <a:buAutoNum type="arabicPeriod"/>
+            </a:pPr>
+            <a:r>
+              <a:rPr lang="en-US" sz="2000" dirty="0"/>
+              <a:t>Automation Tools</a:t>
+            </a:r>
+          </a:p>
+          <a:p>
+            <a:pPr marL="914400" lvl="1" indent="-457200">
+              <a:buFont typeface="+mj-lt"/>
+              <a:buAutoNum type="arabicPeriod"/>
+            </a:pPr>
+            <a:r>
+              <a:rPr lang="en-US" sz="2000" dirty="0"/>
+              <a:t>Gulp, Grunt</a:t>
+            </a:r>
+          </a:p>
+          <a:p>
+            <a:pPr marL="914400" lvl="1" indent="-457200">
+              <a:buFont typeface="+mj-lt"/>
+              <a:buAutoNum type="arabicPeriod"/>
+            </a:pPr>
+            <a:r>
+              <a:rPr lang="en-US" sz="2000" dirty="0" err="1"/>
+              <a:t>WebPack</a:t>
+            </a:r>
+            <a:endParaRPr lang="en-US" sz="2000" dirty="0"/>
+          </a:p>
         </p:txBody>
       </p:sp>
     </p:spTree>
     <p:extLst>
       <p:ext uri="{BB962C8B-B14F-4D97-AF65-F5344CB8AC3E}">
         <p14:creationId xmlns:p14="http://schemas.microsoft.com/office/powerpoint/2010/main" val="3946041937"/>
+      </p:ext>
+    </p:extLst>
+  </p:cSld>
+  <p:clrMapOvr>
+    <a:masterClrMapping/>
+  </p:clrMapOvr>
+</p:sld>
+</file>
+
+<file path=ppt/slides/slide8.xml><?xml version="1.0" encoding="utf-8"?>
+<p:sld xmlns:a="http://schemas.openxmlformats.org/drawingml/2006/main" xmlns:r="http://schemas.openxmlformats.org/officeDocument/2006/relationships" xmlns:p="http://schemas.openxmlformats.org/presentationml/2006/main">
+  <p:cSld>
+    <p:spTree>
+      <p:nvGrpSpPr>
+        <p:cNvPr id="1" name=""/>
+        <p:cNvGrpSpPr/>
+        <p:nvPr/>
+      </p:nvGrpSpPr>
+      <p:grpSpPr>
+        <a:xfrm>
+          <a:off x="0" y="0"/>
+          <a:ext cx="0" cy="0"/>
+          <a:chOff x="0" y="0"/>
+          <a:chExt cx="0" cy="0"/>
+        </a:xfrm>
+      </p:grpSpPr>
+      <p:sp>
+        <p:nvSpPr>
+          <p:cNvPr id="2" name="TextBox 1">
+            <a:extLst>
+              <a:ext uri="{FF2B5EF4-FFF2-40B4-BE49-F238E27FC236}">
+                <a16:creationId xmlns:a16="http://schemas.microsoft.com/office/drawing/2014/main" id="{33DEF63F-E397-CC40-B774-6A171868EE42}"/>
+              </a:ext>
+            </a:extLst>
+          </p:cNvPr>
+          <p:cNvSpPr txBox="1"/>
+          <p:nvPr/>
+        </p:nvSpPr>
+        <p:spPr>
+          <a:xfrm>
+            <a:off x="126274" y="235131"/>
+            <a:ext cx="11939451" cy="1754326"/>
+          </a:xfrm>
+          <a:prstGeom prst="rect">
+            <a:avLst/>
+          </a:prstGeom>
+          <a:noFill/>
+        </p:spPr>
+        <p:txBody>
+          <a:bodyPr wrap="square" rtlCol="0">
+            <a:spAutoFit/>
+          </a:bodyPr>
+          <a:lstStyle/>
+          <a:p>
+            <a:r>
+              <a:rPr lang="en-US" dirty="0"/>
+              <a:t>Assignment statement in JavaScript</a:t>
+            </a:r>
+          </a:p>
+          <a:p>
+            <a:endParaRPr lang="en-US" dirty="0"/>
+          </a:p>
+          <a:p>
+            <a:r>
+              <a:rPr lang="en-IN" dirty="0"/>
+              <a:t>var x = 10;</a:t>
+            </a:r>
+          </a:p>
+          <a:p>
+            <a:r>
+              <a:rPr lang="en-IN" dirty="0"/>
+              <a:t>var y = x;</a:t>
+            </a:r>
+          </a:p>
+          <a:p>
+            <a:endParaRPr lang="en-US" dirty="0"/>
+          </a:p>
+          <a:p>
+            <a:endParaRPr lang="en-US" dirty="0"/>
+          </a:p>
+        </p:txBody>
+      </p:sp>
+      <p:sp>
+        <p:nvSpPr>
+          <p:cNvPr id="3" name="Rectangle 2">
+            <a:extLst>
+              <a:ext uri="{FF2B5EF4-FFF2-40B4-BE49-F238E27FC236}">
+                <a16:creationId xmlns:a16="http://schemas.microsoft.com/office/drawing/2014/main" id="{D61A3C0E-9060-5248-AC2B-A082F77B72B8}"/>
+              </a:ext>
+            </a:extLst>
+          </p:cNvPr>
+          <p:cNvSpPr/>
+          <p:nvPr/>
+        </p:nvSpPr>
+        <p:spPr>
+          <a:xfrm>
+            <a:off x="5495109" y="746534"/>
+            <a:ext cx="418011" cy="365760"/>
+          </a:xfrm>
+          <a:prstGeom prst="rect">
+            <a:avLst/>
+          </a:prstGeom>
+        </p:spPr>
+        <p:style>
+          <a:lnRef idx="2">
+            <a:schemeClr val="accent1">
+              <a:shade val="50000"/>
+            </a:schemeClr>
+          </a:lnRef>
+          <a:fillRef idx="1">
+            <a:schemeClr val="accent1"/>
+          </a:fillRef>
+          <a:effectRef idx="0">
+            <a:schemeClr val="accent1"/>
+          </a:effectRef>
+          <a:fontRef idx="minor">
+            <a:schemeClr val="lt1"/>
+          </a:fontRef>
+        </p:style>
+        <p:txBody>
+          <a:bodyPr rtlCol="0" anchor="ctr"/>
+          <a:lstStyle/>
+          <a:p>
+            <a:pPr algn="ctr"/>
+            <a:r>
+              <a:rPr lang="en-US" dirty="0"/>
+              <a:t>10</a:t>
+            </a:r>
+          </a:p>
+        </p:txBody>
+      </p:sp>
+      <p:sp>
+        <p:nvSpPr>
+          <p:cNvPr id="4" name="Oval 3">
+            <a:extLst>
+              <a:ext uri="{FF2B5EF4-FFF2-40B4-BE49-F238E27FC236}">
+                <a16:creationId xmlns:a16="http://schemas.microsoft.com/office/drawing/2014/main" id="{51B61E1D-2016-8B4A-9001-49ACB4098067}"/>
+              </a:ext>
+            </a:extLst>
+          </p:cNvPr>
+          <p:cNvSpPr/>
+          <p:nvPr/>
+        </p:nvSpPr>
+        <p:spPr>
+          <a:xfrm>
+            <a:off x="4502332" y="702992"/>
+            <a:ext cx="339634" cy="409302"/>
+          </a:xfrm>
+          <a:prstGeom prst="ellipse">
+            <a:avLst/>
+          </a:prstGeom>
+        </p:spPr>
+        <p:style>
+          <a:lnRef idx="2">
+            <a:schemeClr val="accent1">
+              <a:shade val="50000"/>
+            </a:schemeClr>
+          </a:lnRef>
+          <a:fillRef idx="1">
+            <a:schemeClr val="accent1"/>
+          </a:fillRef>
+          <a:effectRef idx="0">
+            <a:schemeClr val="accent1"/>
+          </a:effectRef>
+          <a:fontRef idx="minor">
+            <a:schemeClr val="lt1"/>
+          </a:fontRef>
+        </p:style>
+        <p:txBody>
+          <a:bodyPr rtlCol="0" anchor="ctr"/>
+          <a:lstStyle/>
+          <a:p>
+            <a:pPr algn="ctr"/>
+            <a:r>
+              <a:rPr lang="en-US" dirty="0"/>
+              <a:t>x</a:t>
+            </a:r>
+          </a:p>
+        </p:txBody>
+      </p:sp>
+      <p:cxnSp>
+        <p:nvCxnSpPr>
+          <p:cNvPr id="6" name="Straight Arrow Connector 5">
+            <a:extLst>
+              <a:ext uri="{FF2B5EF4-FFF2-40B4-BE49-F238E27FC236}">
+                <a16:creationId xmlns:a16="http://schemas.microsoft.com/office/drawing/2014/main" id="{47C5D78B-D91B-C840-A785-A5C0E18D5C79}"/>
+              </a:ext>
+            </a:extLst>
+          </p:cNvPr>
+          <p:cNvCxnSpPr>
+            <a:endCxn id="3" idx="1"/>
+          </p:cNvCxnSpPr>
+          <p:nvPr/>
+        </p:nvCxnSpPr>
+        <p:spPr>
+          <a:xfrm>
+            <a:off x="4841966" y="907643"/>
+            <a:ext cx="653143" cy="21771"/>
+          </a:xfrm>
+          <a:prstGeom prst="straightConnector1">
+            <a:avLst/>
+          </a:prstGeom>
+          <a:ln>
+            <a:tailEnd type="triangle"/>
+          </a:ln>
+        </p:spPr>
+        <p:style>
+          <a:lnRef idx="1">
+            <a:schemeClr val="accent1"/>
+          </a:lnRef>
+          <a:fillRef idx="0">
+            <a:schemeClr val="accent1"/>
+          </a:fillRef>
+          <a:effectRef idx="0">
+            <a:schemeClr val="accent1"/>
+          </a:effectRef>
+          <a:fontRef idx="minor">
+            <a:schemeClr val="tx1"/>
+          </a:fontRef>
+        </p:style>
+      </p:cxnSp>
+      <p:cxnSp>
+        <p:nvCxnSpPr>
+          <p:cNvPr id="8" name="Straight Arrow Connector 7">
+            <a:extLst>
+              <a:ext uri="{FF2B5EF4-FFF2-40B4-BE49-F238E27FC236}">
+                <a16:creationId xmlns:a16="http://schemas.microsoft.com/office/drawing/2014/main" id="{0536594C-FD0B-7C46-A73C-7A251754B0E2}"/>
+              </a:ext>
+            </a:extLst>
+          </p:cNvPr>
+          <p:cNvCxnSpPr/>
+          <p:nvPr/>
+        </p:nvCxnSpPr>
+        <p:spPr>
+          <a:xfrm>
+            <a:off x="1262743" y="929414"/>
+            <a:ext cx="3056708" cy="0"/>
+          </a:xfrm>
+          <a:prstGeom prst="straightConnector1">
+            <a:avLst/>
+          </a:prstGeom>
+          <a:ln>
+            <a:tailEnd type="triangle"/>
+          </a:ln>
+        </p:spPr>
+        <p:style>
+          <a:lnRef idx="1">
+            <a:schemeClr val="accent1"/>
+          </a:lnRef>
+          <a:fillRef idx="0">
+            <a:schemeClr val="accent1"/>
+          </a:fillRef>
+          <a:effectRef idx="0">
+            <a:schemeClr val="accent1"/>
+          </a:effectRef>
+          <a:fontRef idx="minor">
+            <a:schemeClr val="tx1"/>
+          </a:fontRef>
+        </p:style>
+      </p:cxnSp>
+      <p:sp>
+        <p:nvSpPr>
+          <p:cNvPr id="9" name="Rectangle 8">
+            <a:extLst>
+              <a:ext uri="{FF2B5EF4-FFF2-40B4-BE49-F238E27FC236}">
+                <a16:creationId xmlns:a16="http://schemas.microsoft.com/office/drawing/2014/main" id="{E1D54E30-D355-5D4A-8DDE-F7AB9E673516}"/>
+              </a:ext>
+            </a:extLst>
+          </p:cNvPr>
+          <p:cNvSpPr/>
+          <p:nvPr/>
+        </p:nvSpPr>
+        <p:spPr>
+          <a:xfrm>
+            <a:off x="5495109" y="1360487"/>
+            <a:ext cx="418011" cy="365760"/>
+          </a:xfrm>
+          <a:prstGeom prst="rect">
+            <a:avLst/>
+          </a:prstGeom>
+        </p:spPr>
+        <p:style>
+          <a:lnRef idx="2">
+            <a:schemeClr val="accent1">
+              <a:shade val="50000"/>
+            </a:schemeClr>
+          </a:lnRef>
+          <a:fillRef idx="1">
+            <a:schemeClr val="accent1"/>
+          </a:fillRef>
+          <a:effectRef idx="0">
+            <a:schemeClr val="accent1"/>
+          </a:effectRef>
+          <a:fontRef idx="minor">
+            <a:schemeClr val="lt1"/>
+          </a:fontRef>
+        </p:style>
+        <p:txBody>
+          <a:bodyPr rtlCol="0" anchor="ctr"/>
+          <a:lstStyle/>
+          <a:p>
+            <a:pPr algn="ctr"/>
+            <a:r>
+              <a:rPr lang="en-US" dirty="0"/>
+              <a:t>10</a:t>
+            </a:r>
+          </a:p>
+        </p:txBody>
+      </p:sp>
+      <p:sp>
+        <p:nvSpPr>
+          <p:cNvPr id="10" name="Oval 9">
+            <a:extLst>
+              <a:ext uri="{FF2B5EF4-FFF2-40B4-BE49-F238E27FC236}">
+                <a16:creationId xmlns:a16="http://schemas.microsoft.com/office/drawing/2014/main" id="{EFA77CCE-4AF3-054B-A896-B9A4D05F79E8}"/>
+              </a:ext>
+            </a:extLst>
+          </p:cNvPr>
+          <p:cNvSpPr/>
+          <p:nvPr/>
+        </p:nvSpPr>
+        <p:spPr>
+          <a:xfrm>
+            <a:off x="4502332" y="1316945"/>
+            <a:ext cx="339634" cy="409302"/>
+          </a:xfrm>
+          <a:prstGeom prst="ellipse">
+            <a:avLst/>
+          </a:prstGeom>
+        </p:spPr>
+        <p:style>
+          <a:lnRef idx="2">
+            <a:schemeClr val="accent1">
+              <a:shade val="50000"/>
+            </a:schemeClr>
+          </a:lnRef>
+          <a:fillRef idx="1">
+            <a:schemeClr val="accent1"/>
+          </a:fillRef>
+          <a:effectRef idx="0">
+            <a:schemeClr val="accent1"/>
+          </a:effectRef>
+          <a:fontRef idx="minor">
+            <a:schemeClr val="lt1"/>
+          </a:fontRef>
+        </p:style>
+        <p:txBody>
+          <a:bodyPr rtlCol="0" anchor="ctr"/>
+          <a:lstStyle/>
+          <a:p>
+            <a:pPr algn="ctr"/>
+            <a:r>
+              <a:rPr lang="en-US" dirty="0"/>
+              <a:t>y</a:t>
+            </a:r>
+          </a:p>
+        </p:txBody>
+      </p:sp>
+      <p:cxnSp>
+        <p:nvCxnSpPr>
+          <p:cNvPr id="11" name="Straight Arrow Connector 10">
+            <a:extLst>
+              <a:ext uri="{FF2B5EF4-FFF2-40B4-BE49-F238E27FC236}">
+                <a16:creationId xmlns:a16="http://schemas.microsoft.com/office/drawing/2014/main" id="{703AA39B-815D-C645-B712-6EBA2847C669}"/>
+              </a:ext>
+            </a:extLst>
+          </p:cNvPr>
+          <p:cNvCxnSpPr>
+            <a:endCxn id="9" idx="1"/>
+          </p:cNvCxnSpPr>
+          <p:nvPr/>
+        </p:nvCxnSpPr>
+        <p:spPr>
+          <a:xfrm>
+            <a:off x="4841966" y="1521596"/>
+            <a:ext cx="653143" cy="21771"/>
+          </a:xfrm>
+          <a:prstGeom prst="straightConnector1">
+            <a:avLst/>
+          </a:prstGeom>
+          <a:ln>
+            <a:tailEnd type="triangle"/>
+          </a:ln>
+        </p:spPr>
+        <p:style>
+          <a:lnRef idx="1">
+            <a:schemeClr val="accent1"/>
+          </a:lnRef>
+          <a:fillRef idx="0">
+            <a:schemeClr val="accent1"/>
+          </a:fillRef>
+          <a:effectRef idx="0">
+            <a:schemeClr val="accent1"/>
+          </a:effectRef>
+          <a:fontRef idx="minor">
+            <a:schemeClr val="tx1"/>
+          </a:fontRef>
+        </p:style>
+      </p:cxnSp>
+      <p:cxnSp>
+        <p:nvCxnSpPr>
+          <p:cNvPr id="13" name="Straight Arrow Connector 12">
+            <a:extLst>
+              <a:ext uri="{FF2B5EF4-FFF2-40B4-BE49-F238E27FC236}">
+                <a16:creationId xmlns:a16="http://schemas.microsoft.com/office/drawing/2014/main" id="{0BA36AFC-4A2D-E240-BCB2-DA972A224002}"/>
+              </a:ext>
+            </a:extLst>
+          </p:cNvPr>
+          <p:cNvCxnSpPr/>
+          <p:nvPr/>
+        </p:nvCxnSpPr>
+        <p:spPr>
+          <a:xfrm>
+            <a:off x="1184366" y="1236617"/>
+            <a:ext cx="3213463" cy="284979"/>
+          </a:xfrm>
+          <a:prstGeom prst="straightConnector1">
+            <a:avLst/>
+          </a:prstGeom>
+          <a:ln>
+            <a:tailEnd type="triangle"/>
+          </a:ln>
+        </p:spPr>
+        <p:style>
+          <a:lnRef idx="1">
+            <a:schemeClr val="accent1"/>
+          </a:lnRef>
+          <a:fillRef idx="0">
+            <a:schemeClr val="accent1"/>
+          </a:fillRef>
+          <a:effectRef idx="0">
+            <a:schemeClr val="accent1"/>
+          </a:effectRef>
+          <a:fontRef idx="minor">
+            <a:schemeClr val="tx1"/>
+          </a:fontRef>
+        </p:style>
+      </p:cxnSp>
+      <p:sp>
+        <p:nvSpPr>
+          <p:cNvPr id="14" name="TextBox 13">
+            <a:extLst>
+              <a:ext uri="{FF2B5EF4-FFF2-40B4-BE49-F238E27FC236}">
+                <a16:creationId xmlns:a16="http://schemas.microsoft.com/office/drawing/2014/main" id="{B1ED66A4-ABF8-054D-9070-6A24959A0A2B}"/>
+              </a:ext>
+            </a:extLst>
+          </p:cNvPr>
+          <p:cNvSpPr txBox="1"/>
+          <p:nvPr/>
+        </p:nvSpPr>
+        <p:spPr>
+          <a:xfrm>
+            <a:off x="6183086" y="818606"/>
+            <a:ext cx="3074125" cy="646331"/>
+          </a:xfrm>
+          <a:prstGeom prst="rect">
+            <a:avLst/>
+          </a:prstGeom>
+          <a:noFill/>
+        </p:spPr>
+        <p:txBody>
+          <a:bodyPr wrap="square" rtlCol="0">
+            <a:spAutoFit/>
+          </a:bodyPr>
+          <a:lstStyle/>
+          <a:p>
+            <a:r>
+              <a:rPr lang="en-US" dirty="0"/>
+              <a:t>X and y are pointing to different location</a:t>
+            </a:r>
+          </a:p>
+        </p:txBody>
+      </p:sp>
+      <p:sp>
+        <p:nvSpPr>
+          <p:cNvPr id="15" name="TextBox 14">
+            <a:extLst>
+              <a:ext uri="{FF2B5EF4-FFF2-40B4-BE49-F238E27FC236}">
+                <a16:creationId xmlns:a16="http://schemas.microsoft.com/office/drawing/2014/main" id="{F485F1D6-6F6A-D948-BF1F-FC9454E1E72A}"/>
+              </a:ext>
+            </a:extLst>
+          </p:cNvPr>
+          <p:cNvSpPr txBox="1"/>
+          <p:nvPr/>
+        </p:nvSpPr>
+        <p:spPr>
+          <a:xfrm>
+            <a:off x="126274" y="1991354"/>
+            <a:ext cx="11573692" cy="923330"/>
+          </a:xfrm>
+          <a:prstGeom prst="rect">
+            <a:avLst/>
+          </a:prstGeom>
+          <a:noFill/>
+        </p:spPr>
+        <p:txBody>
+          <a:bodyPr wrap="square" rtlCol="0">
+            <a:spAutoFit/>
+          </a:bodyPr>
+          <a:lstStyle/>
+          <a:p>
+            <a:r>
+              <a:rPr lang="en-IN" dirty="0"/>
+              <a:t>var obj1 = {n:40};</a:t>
+            </a:r>
+          </a:p>
+          <a:p>
+            <a:r>
+              <a:rPr lang="en-IN" dirty="0"/>
+              <a:t>var obj2 = obj1;</a:t>
+            </a:r>
+          </a:p>
+          <a:p>
+            <a:endParaRPr lang="en-US" dirty="0"/>
+          </a:p>
+        </p:txBody>
+      </p:sp>
+      <p:sp>
+        <p:nvSpPr>
+          <p:cNvPr id="16" name="Oval 15">
+            <a:extLst>
+              <a:ext uri="{FF2B5EF4-FFF2-40B4-BE49-F238E27FC236}">
+                <a16:creationId xmlns:a16="http://schemas.microsoft.com/office/drawing/2014/main" id="{84C5258C-5238-2C49-ADCF-5C3F8C60388F}"/>
+              </a:ext>
+            </a:extLst>
+          </p:cNvPr>
+          <p:cNvSpPr/>
+          <p:nvPr/>
+        </p:nvSpPr>
+        <p:spPr>
+          <a:xfrm>
+            <a:off x="7297783" y="2237650"/>
+            <a:ext cx="1480457" cy="1191350"/>
+          </a:xfrm>
+          <a:prstGeom prst="ellipse">
+            <a:avLst/>
+          </a:prstGeom>
+        </p:spPr>
+        <p:style>
+          <a:lnRef idx="2">
+            <a:schemeClr val="accent1">
+              <a:shade val="50000"/>
+            </a:schemeClr>
+          </a:lnRef>
+          <a:fillRef idx="1">
+            <a:schemeClr val="accent1"/>
+          </a:fillRef>
+          <a:effectRef idx="0">
+            <a:schemeClr val="accent1"/>
+          </a:effectRef>
+          <a:fontRef idx="minor">
+            <a:schemeClr val="lt1"/>
+          </a:fontRef>
+        </p:style>
+        <p:txBody>
+          <a:bodyPr rtlCol="0" anchor="ctr"/>
+          <a:lstStyle/>
+          <a:p>
+            <a:pPr algn="ctr"/>
+            <a:r>
+              <a:rPr lang="en-US" dirty="0"/>
+              <a:t>n:10</a:t>
+            </a:r>
+          </a:p>
+        </p:txBody>
+      </p:sp>
+      <p:sp>
+        <p:nvSpPr>
+          <p:cNvPr id="17" name="Rounded Rectangle 16">
+            <a:extLst>
+              <a:ext uri="{FF2B5EF4-FFF2-40B4-BE49-F238E27FC236}">
+                <a16:creationId xmlns:a16="http://schemas.microsoft.com/office/drawing/2014/main" id="{3A59353A-AE9D-874A-8E3E-73428B4052DC}"/>
+              </a:ext>
+            </a:extLst>
+          </p:cNvPr>
+          <p:cNvSpPr/>
+          <p:nvPr/>
+        </p:nvSpPr>
+        <p:spPr>
+          <a:xfrm>
+            <a:off x="4502332" y="2734491"/>
+            <a:ext cx="679268" cy="592183"/>
+          </a:xfrm>
+          <a:prstGeom prst="roundRect">
+            <a:avLst/>
+          </a:prstGeom>
+        </p:spPr>
+        <p:style>
+          <a:lnRef idx="2">
+            <a:schemeClr val="accent1">
+              <a:shade val="50000"/>
+            </a:schemeClr>
+          </a:lnRef>
+          <a:fillRef idx="1">
+            <a:schemeClr val="accent1"/>
+          </a:fillRef>
+          <a:effectRef idx="0">
+            <a:schemeClr val="accent1"/>
+          </a:effectRef>
+          <a:fontRef idx="minor">
+            <a:schemeClr val="lt1"/>
+          </a:fontRef>
+        </p:style>
+        <p:txBody>
+          <a:bodyPr rtlCol="0" anchor="ctr"/>
+          <a:lstStyle/>
+          <a:p>
+            <a:pPr algn="ctr"/>
+            <a:r>
+              <a:rPr lang="en-US" dirty="0"/>
+              <a:t>obj1</a:t>
+            </a:r>
+          </a:p>
+        </p:txBody>
+      </p:sp>
+      <p:cxnSp>
+        <p:nvCxnSpPr>
+          <p:cNvPr id="19" name="Straight Arrow Connector 18">
+            <a:extLst>
+              <a:ext uri="{FF2B5EF4-FFF2-40B4-BE49-F238E27FC236}">
+                <a16:creationId xmlns:a16="http://schemas.microsoft.com/office/drawing/2014/main" id="{D78535E7-A936-674C-BE0A-1652A501A5B5}"/>
+              </a:ext>
+            </a:extLst>
+          </p:cNvPr>
+          <p:cNvCxnSpPr>
+            <a:stCxn id="17" idx="3"/>
+            <a:endCxn id="16" idx="2"/>
+          </p:cNvCxnSpPr>
+          <p:nvPr/>
+        </p:nvCxnSpPr>
+        <p:spPr>
+          <a:xfrm flipV="1">
+            <a:off x="5181600" y="2833325"/>
+            <a:ext cx="2116183" cy="197258"/>
+          </a:xfrm>
+          <a:prstGeom prst="straightConnector1">
+            <a:avLst/>
+          </a:prstGeom>
+          <a:ln>
+            <a:tailEnd type="triangle"/>
+          </a:ln>
+        </p:spPr>
+        <p:style>
+          <a:lnRef idx="1">
+            <a:schemeClr val="accent1"/>
+          </a:lnRef>
+          <a:fillRef idx="0">
+            <a:schemeClr val="accent1"/>
+          </a:fillRef>
+          <a:effectRef idx="0">
+            <a:schemeClr val="accent1"/>
+          </a:effectRef>
+          <a:fontRef idx="minor">
+            <a:schemeClr val="tx1"/>
+          </a:fontRef>
+        </p:style>
+      </p:cxnSp>
+      <p:sp>
+        <p:nvSpPr>
+          <p:cNvPr id="20" name="Rounded Rectangle 19">
+            <a:extLst>
+              <a:ext uri="{FF2B5EF4-FFF2-40B4-BE49-F238E27FC236}">
+                <a16:creationId xmlns:a16="http://schemas.microsoft.com/office/drawing/2014/main" id="{16542436-5C31-2748-9AE5-4847FF08589A}"/>
+              </a:ext>
+            </a:extLst>
+          </p:cNvPr>
+          <p:cNvSpPr/>
+          <p:nvPr/>
+        </p:nvSpPr>
+        <p:spPr>
+          <a:xfrm>
+            <a:off x="7789818" y="4393473"/>
+            <a:ext cx="679268" cy="592183"/>
+          </a:xfrm>
+          <a:prstGeom prst="roundRect">
+            <a:avLst/>
+          </a:prstGeom>
+        </p:spPr>
+        <p:style>
+          <a:lnRef idx="2">
+            <a:schemeClr val="accent1">
+              <a:shade val="50000"/>
+            </a:schemeClr>
+          </a:lnRef>
+          <a:fillRef idx="1">
+            <a:schemeClr val="accent1"/>
+          </a:fillRef>
+          <a:effectRef idx="0">
+            <a:schemeClr val="accent1"/>
+          </a:effectRef>
+          <a:fontRef idx="minor">
+            <a:schemeClr val="lt1"/>
+          </a:fontRef>
+        </p:style>
+        <p:txBody>
+          <a:bodyPr rtlCol="0" anchor="ctr"/>
+          <a:lstStyle/>
+          <a:p>
+            <a:pPr algn="ctr"/>
+            <a:r>
+              <a:rPr lang="en-US" dirty="0"/>
+              <a:t>obj2</a:t>
+            </a:r>
+          </a:p>
+        </p:txBody>
+      </p:sp>
+      <p:cxnSp>
+        <p:nvCxnSpPr>
+          <p:cNvPr id="22" name="Straight Arrow Connector 21">
+            <a:extLst>
+              <a:ext uri="{FF2B5EF4-FFF2-40B4-BE49-F238E27FC236}">
+                <a16:creationId xmlns:a16="http://schemas.microsoft.com/office/drawing/2014/main" id="{D711FB19-3CC5-9F40-B392-C33D1380F3EC}"/>
+              </a:ext>
+            </a:extLst>
+          </p:cNvPr>
+          <p:cNvCxnSpPr>
+            <a:stCxn id="20" idx="0"/>
+            <a:endCxn id="16" idx="4"/>
+          </p:cNvCxnSpPr>
+          <p:nvPr/>
+        </p:nvCxnSpPr>
+        <p:spPr>
+          <a:xfrm flipH="1" flipV="1">
+            <a:off x="8038012" y="3429000"/>
+            <a:ext cx="91440" cy="964473"/>
+          </a:xfrm>
+          <a:prstGeom prst="straightConnector1">
+            <a:avLst/>
+          </a:prstGeom>
+          <a:ln>
+            <a:tailEnd type="triangle"/>
+          </a:ln>
+        </p:spPr>
+        <p:style>
+          <a:lnRef idx="1">
+            <a:schemeClr val="accent1"/>
+          </a:lnRef>
+          <a:fillRef idx="0">
+            <a:schemeClr val="accent1"/>
+          </a:fillRef>
+          <a:effectRef idx="0">
+            <a:schemeClr val="accent1"/>
+          </a:effectRef>
+          <a:fontRef idx="minor">
+            <a:schemeClr val="tx1"/>
+          </a:fontRef>
+        </p:style>
+      </p:cxnSp>
+      <p:sp>
+        <p:nvSpPr>
+          <p:cNvPr id="23" name="TextBox 22">
+            <a:extLst>
+              <a:ext uri="{FF2B5EF4-FFF2-40B4-BE49-F238E27FC236}">
+                <a16:creationId xmlns:a16="http://schemas.microsoft.com/office/drawing/2014/main" id="{70BE8745-7520-C943-AD13-E86FD32EC1F4}"/>
+              </a:ext>
+            </a:extLst>
+          </p:cNvPr>
+          <p:cNvSpPr txBox="1"/>
+          <p:nvPr/>
+        </p:nvSpPr>
+        <p:spPr>
+          <a:xfrm>
+            <a:off x="461554" y="3911236"/>
+            <a:ext cx="5329646" cy="923330"/>
+          </a:xfrm>
+          <a:prstGeom prst="rect">
+            <a:avLst/>
+          </a:prstGeom>
+          <a:noFill/>
+        </p:spPr>
+        <p:txBody>
+          <a:bodyPr wrap="square" rtlCol="0">
+            <a:spAutoFit/>
+          </a:bodyPr>
+          <a:lstStyle/>
+          <a:p>
+            <a:r>
+              <a:rPr lang="en-US" dirty="0"/>
+              <a:t>Obj1 and Obj2 will point to same object or refer to same object so if one is changed other will be notified </a:t>
+            </a:r>
+            <a:r>
+              <a:rPr lang="en-US"/>
+              <a:t>with changes</a:t>
+            </a:r>
+            <a:endParaRPr lang="en-US" dirty="0"/>
+          </a:p>
+        </p:txBody>
+      </p:sp>
+    </p:spTree>
+    <p:extLst>
+      <p:ext uri="{BB962C8B-B14F-4D97-AF65-F5344CB8AC3E}">
+        <p14:creationId xmlns:p14="http://schemas.microsoft.com/office/powerpoint/2010/main" val="2369573776"/>
       </p:ext>
     </p:extLst>
   </p:cSld>

--- a/SpotPPTs.pptx
+++ b/SpotPPTs.pptx
@@ -7,12 +7,14 @@
   <p:sldIdLst>
     <p:sldId id="256" r:id="rId2"/>
     <p:sldId id="257" r:id="rId3"/>
-    <p:sldId id="258" r:id="rId4"/>
-    <p:sldId id="259" r:id="rId5"/>
-    <p:sldId id="260" r:id="rId6"/>
-    <p:sldId id="261" r:id="rId7"/>
-    <p:sldId id="262" r:id="rId8"/>
-    <p:sldId id="263" r:id="rId9"/>
+    <p:sldId id="264" r:id="rId4"/>
+    <p:sldId id="258" r:id="rId5"/>
+    <p:sldId id="259" r:id="rId6"/>
+    <p:sldId id="260" r:id="rId7"/>
+    <p:sldId id="261" r:id="rId8"/>
+    <p:sldId id="262" r:id="rId9"/>
+    <p:sldId id="263" r:id="rId10"/>
+    <p:sldId id="265" r:id="rId11"/>
   </p:sldIdLst>
   <p:sldSz cx="12192000" cy="6858000"/>
   <p:notesSz cx="6858000" cy="9144000"/>
@@ -268,7 +270,7 @@
           <a:p>
             <a:fld id="{6B75415C-91ED-7941-9068-396BBFB028E8}" type="datetimeFigureOut">
               <a:rPr lang="en-US" smtClean="0"/>
-              <a:t>4/1/21</a:t>
+              <a:t>4/5/21</a:t>
             </a:fld>
             <a:endParaRPr lang="en-US"/>
           </a:p>
@@ -468,7 +470,7 @@
           <a:p>
             <a:fld id="{6B75415C-91ED-7941-9068-396BBFB028E8}" type="datetimeFigureOut">
               <a:rPr lang="en-US" smtClean="0"/>
-              <a:t>4/1/21</a:t>
+              <a:t>4/5/21</a:t>
             </a:fld>
             <a:endParaRPr lang="en-US"/>
           </a:p>
@@ -678,7 +680,7 @@
           <a:p>
             <a:fld id="{6B75415C-91ED-7941-9068-396BBFB028E8}" type="datetimeFigureOut">
               <a:rPr lang="en-US" smtClean="0"/>
-              <a:t>4/1/21</a:t>
+              <a:t>4/5/21</a:t>
             </a:fld>
             <a:endParaRPr lang="en-US"/>
           </a:p>
@@ -878,7 +880,7 @@
           <a:p>
             <a:fld id="{6B75415C-91ED-7941-9068-396BBFB028E8}" type="datetimeFigureOut">
               <a:rPr lang="en-US" smtClean="0"/>
-              <a:t>4/1/21</a:t>
+              <a:t>4/5/21</a:t>
             </a:fld>
             <a:endParaRPr lang="en-US"/>
           </a:p>
@@ -1154,7 +1156,7 @@
           <a:p>
             <a:fld id="{6B75415C-91ED-7941-9068-396BBFB028E8}" type="datetimeFigureOut">
               <a:rPr lang="en-US" smtClean="0"/>
-              <a:t>4/1/21</a:t>
+              <a:t>4/5/21</a:t>
             </a:fld>
             <a:endParaRPr lang="en-US"/>
           </a:p>
@@ -1422,7 +1424,7 @@
           <a:p>
             <a:fld id="{6B75415C-91ED-7941-9068-396BBFB028E8}" type="datetimeFigureOut">
               <a:rPr lang="en-US" smtClean="0"/>
-              <a:t>4/1/21</a:t>
+              <a:t>4/5/21</a:t>
             </a:fld>
             <a:endParaRPr lang="en-US"/>
           </a:p>
@@ -1837,7 +1839,7 @@
           <a:p>
             <a:fld id="{6B75415C-91ED-7941-9068-396BBFB028E8}" type="datetimeFigureOut">
               <a:rPr lang="en-US" smtClean="0"/>
-              <a:t>4/1/21</a:t>
+              <a:t>4/5/21</a:t>
             </a:fld>
             <a:endParaRPr lang="en-US"/>
           </a:p>
@@ -1979,7 +1981,7 @@
           <a:p>
             <a:fld id="{6B75415C-91ED-7941-9068-396BBFB028E8}" type="datetimeFigureOut">
               <a:rPr lang="en-US" smtClean="0"/>
-              <a:t>4/1/21</a:t>
+              <a:t>4/5/21</a:t>
             </a:fld>
             <a:endParaRPr lang="en-US"/>
           </a:p>
@@ -2092,7 +2094,7 @@
           <a:p>
             <a:fld id="{6B75415C-91ED-7941-9068-396BBFB028E8}" type="datetimeFigureOut">
               <a:rPr lang="en-US" smtClean="0"/>
-              <a:t>4/1/21</a:t>
+              <a:t>4/5/21</a:t>
             </a:fld>
             <a:endParaRPr lang="en-US"/>
           </a:p>
@@ -2405,7 +2407,7 @@
           <a:p>
             <a:fld id="{6B75415C-91ED-7941-9068-396BBFB028E8}" type="datetimeFigureOut">
               <a:rPr lang="en-US" smtClean="0"/>
-              <a:t>4/1/21</a:t>
+              <a:t>4/5/21</a:t>
             </a:fld>
             <a:endParaRPr lang="en-US"/>
           </a:p>
@@ -2694,7 +2696,7 @@
           <a:p>
             <a:fld id="{6B75415C-91ED-7941-9068-396BBFB028E8}" type="datetimeFigureOut">
               <a:rPr lang="en-US" smtClean="0"/>
-              <a:t>4/1/21</a:t>
+              <a:t>4/5/21</a:t>
             </a:fld>
             <a:endParaRPr lang="en-US"/>
           </a:p>
@@ -2937,7 +2939,7 @@
           <a:p>
             <a:fld id="{6B75415C-91ED-7941-9068-396BBFB028E8}" type="datetimeFigureOut">
               <a:rPr lang="en-US" smtClean="0"/>
-              <a:t>4/1/21</a:t>
+              <a:t>4/5/21</a:t>
             </a:fld>
             <a:endParaRPr lang="en-US"/>
           </a:p>
@@ -3420,6 +3422,312 @@
 </p:sld>
 </file>
 
+<file path=ppt/slides/slide10.xml><?xml version="1.0" encoding="utf-8"?>
+<p:sld xmlns:a="http://schemas.openxmlformats.org/drawingml/2006/main" xmlns:r="http://schemas.openxmlformats.org/officeDocument/2006/relationships" xmlns:p="http://schemas.openxmlformats.org/presentationml/2006/main">
+  <p:cSld>
+    <p:spTree>
+      <p:nvGrpSpPr>
+        <p:cNvPr id="1" name=""/>
+        <p:cNvGrpSpPr/>
+        <p:nvPr/>
+      </p:nvGrpSpPr>
+      <p:grpSpPr>
+        <a:xfrm>
+          <a:off x="0" y="0"/>
+          <a:ext cx="0" cy="0"/>
+          <a:chOff x="0" y="0"/>
+          <a:chExt cx="0" cy="0"/>
+        </a:xfrm>
+      </p:grpSpPr>
+      <p:sp>
+        <p:nvSpPr>
+          <p:cNvPr id="2" name="TextBox 1">
+            <a:extLst>
+              <a:ext uri="{FF2B5EF4-FFF2-40B4-BE49-F238E27FC236}">
+                <a16:creationId xmlns:a16="http://schemas.microsoft.com/office/drawing/2014/main" id="{23D8C8A3-E394-A948-845E-3B8F837B62E5}"/>
+              </a:ext>
+            </a:extLst>
+          </p:cNvPr>
+          <p:cNvSpPr txBox="1"/>
+          <p:nvPr/>
+        </p:nvSpPr>
+        <p:spPr>
+          <a:xfrm>
+            <a:off x="2856411" y="95794"/>
+            <a:ext cx="6801395" cy="369332"/>
+          </a:xfrm>
+          <a:prstGeom prst="rect">
+            <a:avLst/>
+          </a:prstGeom>
+          <a:noFill/>
+        </p:spPr>
+        <p:txBody>
+          <a:bodyPr wrap="square" rtlCol="0">
+            <a:spAutoFit/>
+          </a:bodyPr>
+          <a:lstStyle/>
+          <a:p>
+            <a:pPr algn="ctr"/>
+            <a:r>
+              <a:rPr lang="en-US" dirty="0"/>
+              <a:t>Using JavaScript Objects for App Development</a:t>
+            </a:r>
+          </a:p>
+        </p:txBody>
+      </p:sp>
+      <p:sp>
+        <p:nvSpPr>
+          <p:cNvPr id="3" name="Rectangle 2">
+            <a:extLst>
+              <a:ext uri="{FF2B5EF4-FFF2-40B4-BE49-F238E27FC236}">
+                <a16:creationId xmlns:a16="http://schemas.microsoft.com/office/drawing/2014/main" id="{C477EEDE-2A9D-F043-9FE6-09D95AA24958}"/>
+              </a:ext>
+            </a:extLst>
+          </p:cNvPr>
+          <p:cNvSpPr/>
+          <p:nvPr/>
+        </p:nvSpPr>
+        <p:spPr>
+          <a:xfrm>
+            <a:off x="1062446" y="1219199"/>
+            <a:ext cx="9910354" cy="4632960"/>
+          </a:xfrm>
+          <a:prstGeom prst="rect">
+            <a:avLst/>
+          </a:prstGeom>
+        </p:spPr>
+        <p:style>
+          <a:lnRef idx="2">
+            <a:schemeClr val="accent6"/>
+          </a:lnRef>
+          <a:fillRef idx="1">
+            <a:schemeClr val="lt1"/>
+          </a:fillRef>
+          <a:effectRef idx="0">
+            <a:schemeClr val="accent6"/>
+          </a:effectRef>
+          <a:fontRef idx="minor">
+            <a:schemeClr val="dk1"/>
+          </a:fontRef>
+        </p:style>
+        <p:txBody>
+          <a:bodyPr rtlCol="0" anchor="ctr"/>
+          <a:lstStyle/>
+          <a:p>
+            <a:pPr algn="ctr"/>
+            <a:endParaRPr lang="en-US"/>
+          </a:p>
+        </p:txBody>
+      </p:sp>
+      <p:sp>
+        <p:nvSpPr>
+          <p:cNvPr id="4" name="Rounded Rectangle 3">
+            <a:extLst>
+              <a:ext uri="{FF2B5EF4-FFF2-40B4-BE49-F238E27FC236}">
+                <a16:creationId xmlns:a16="http://schemas.microsoft.com/office/drawing/2014/main" id="{DD2C5967-B516-BC44-BA45-FB69ABB5652F}"/>
+              </a:ext>
+            </a:extLst>
+          </p:cNvPr>
+          <p:cNvSpPr/>
+          <p:nvPr/>
+        </p:nvSpPr>
+        <p:spPr>
+          <a:xfrm>
+            <a:off x="8473440" y="2107474"/>
+            <a:ext cx="2151017" cy="2560320"/>
+          </a:xfrm>
+          <a:prstGeom prst="roundRect">
+            <a:avLst/>
+          </a:prstGeom>
+        </p:spPr>
+        <p:style>
+          <a:lnRef idx="2">
+            <a:schemeClr val="accent1">
+              <a:shade val="50000"/>
+            </a:schemeClr>
+          </a:lnRef>
+          <a:fillRef idx="1">
+            <a:schemeClr val="accent1"/>
+          </a:fillRef>
+          <a:effectRef idx="0">
+            <a:schemeClr val="accent1"/>
+          </a:effectRef>
+          <a:fontRef idx="minor">
+            <a:schemeClr val="lt1"/>
+          </a:fontRef>
+        </p:style>
+        <p:txBody>
+          <a:bodyPr rtlCol="0" anchor="ctr"/>
+          <a:lstStyle/>
+          <a:p>
+            <a:pPr algn="ctr"/>
+            <a:r>
+              <a:rPr lang="en-US" dirty="0"/>
+              <a:t>Object for Data Management</a:t>
+            </a:r>
+          </a:p>
+        </p:txBody>
+      </p:sp>
+      <p:sp>
+        <p:nvSpPr>
+          <p:cNvPr id="5" name="Rounded Rectangle 4">
+            <a:extLst>
+              <a:ext uri="{FF2B5EF4-FFF2-40B4-BE49-F238E27FC236}">
+                <a16:creationId xmlns:a16="http://schemas.microsoft.com/office/drawing/2014/main" id="{3E23FC1C-D49A-FE44-A45C-EFCB0DE02074}"/>
+              </a:ext>
+            </a:extLst>
+          </p:cNvPr>
+          <p:cNvSpPr/>
+          <p:nvPr/>
+        </p:nvSpPr>
+        <p:spPr>
+          <a:xfrm>
+            <a:off x="6096000" y="2107474"/>
+            <a:ext cx="2151017" cy="2560320"/>
+          </a:xfrm>
+          <a:prstGeom prst="roundRect">
+            <a:avLst/>
+          </a:prstGeom>
+        </p:spPr>
+        <p:style>
+          <a:lnRef idx="2">
+            <a:schemeClr val="accent1">
+              <a:shade val="50000"/>
+            </a:schemeClr>
+          </a:lnRef>
+          <a:fillRef idx="1">
+            <a:schemeClr val="accent1"/>
+          </a:fillRef>
+          <a:effectRef idx="0">
+            <a:schemeClr val="accent1"/>
+          </a:effectRef>
+          <a:fontRef idx="minor">
+            <a:schemeClr val="lt1"/>
+          </a:fontRef>
+        </p:style>
+        <p:txBody>
+          <a:bodyPr rtlCol="0" anchor="ctr"/>
+          <a:lstStyle/>
+          <a:p>
+            <a:pPr algn="ctr"/>
+            <a:r>
+              <a:rPr lang="en-US" dirty="0"/>
+              <a:t>Object for Re-usable Utility Logic</a:t>
+            </a:r>
+          </a:p>
+        </p:txBody>
+      </p:sp>
+      <p:sp>
+        <p:nvSpPr>
+          <p:cNvPr id="6" name="Rounded Rectangle 5">
+            <a:extLst>
+              <a:ext uri="{FF2B5EF4-FFF2-40B4-BE49-F238E27FC236}">
+                <a16:creationId xmlns:a16="http://schemas.microsoft.com/office/drawing/2014/main" id="{C04BD29B-F984-C64C-A4EC-CA0EB474B360}"/>
+              </a:ext>
+            </a:extLst>
+          </p:cNvPr>
+          <p:cNvSpPr/>
+          <p:nvPr/>
+        </p:nvSpPr>
+        <p:spPr>
+          <a:xfrm>
+            <a:off x="1295400" y="2107474"/>
+            <a:ext cx="2151017" cy="2560320"/>
+          </a:xfrm>
+          <a:prstGeom prst="roundRect">
+            <a:avLst/>
+          </a:prstGeom>
+        </p:spPr>
+        <p:style>
+          <a:lnRef idx="2">
+            <a:schemeClr val="accent1">
+              <a:shade val="50000"/>
+            </a:schemeClr>
+          </a:lnRef>
+          <a:fillRef idx="1">
+            <a:schemeClr val="accent1"/>
+          </a:fillRef>
+          <a:effectRef idx="0">
+            <a:schemeClr val="accent1"/>
+          </a:effectRef>
+          <a:fontRef idx="minor">
+            <a:schemeClr val="lt1"/>
+          </a:fontRef>
+        </p:style>
+        <p:txBody>
+          <a:bodyPr rtlCol="0" anchor="ctr"/>
+          <a:lstStyle/>
+          <a:p>
+            <a:pPr algn="ctr"/>
+            <a:r>
+              <a:rPr lang="en-US" dirty="0"/>
+              <a:t>Object for Presentation</a:t>
+            </a:r>
+          </a:p>
+        </p:txBody>
+      </p:sp>
+      <p:sp>
+        <p:nvSpPr>
+          <p:cNvPr id="7" name="Rounded Rectangle 6">
+            <a:extLst>
+              <a:ext uri="{FF2B5EF4-FFF2-40B4-BE49-F238E27FC236}">
+                <a16:creationId xmlns:a16="http://schemas.microsoft.com/office/drawing/2014/main" id="{15133FFF-F837-CB43-BA96-68F2E6655496}"/>
+              </a:ext>
+            </a:extLst>
+          </p:cNvPr>
+          <p:cNvSpPr/>
+          <p:nvPr/>
+        </p:nvSpPr>
+        <p:spPr>
+          <a:xfrm>
+            <a:off x="3679371" y="2148840"/>
+            <a:ext cx="2151017" cy="2560320"/>
+          </a:xfrm>
+          <a:prstGeom prst="roundRect">
+            <a:avLst/>
+          </a:prstGeom>
+        </p:spPr>
+        <p:style>
+          <a:lnRef idx="2">
+            <a:schemeClr val="accent1">
+              <a:shade val="50000"/>
+            </a:schemeClr>
+          </a:lnRef>
+          <a:fillRef idx="1">
+            <a:schemeClr val="accent1"/>
+          </a:fillRef>
+          <a:effectRef idx="0">
+            <a:schemeClr val="accent1"/>
+          </a:effectRef>
+          <a:fontRef idx="minor">
+            <a:schemeClr val="lt1"/>
+          </a:fontRef>
+        </p:style>
+        <p:txBody>
+          <a:bodyPr rtlCol="0" anchor="ctr"/>
+          <a:lstStyle/>
+          <a:p>
+            <a:pPr algn="ctr"/>
+            <a:r>
+              <a:rPr lang="en-US" dirty="0"/>
+              <a:t>Object for Managing External HTTP / Socket Calls</a:t>
+            </a:r>
+          </a:p>
+        </p:txBody>
+      </p:sp>
+    </p:spTree>
+    <p:extLst>
+      <p:ext uri="{BB962C8B-B14F-4D97-AF65-F5344CB8AC3E}">
+        <p14:creationId xmlns:p14="http://schemas.microsoft.com/office/powerpoint/2010/main" val="1599427740"/>
+      </p:ext>
+    </p:extLst>
+  </p:cSld>
+  <p:clrMapOvr>
+    <a:masterClrMapping/>
+  </p:clrMapOvr>
+</p:sld>
+</file>
+
 <file path=ppt/slides/slide2.xml><?xml version="1.0" encoding="utf-8"?>
 <p:sld xmlns:a="http://schemas.openxmlformats.org/drawingml/2006/main" xmlns:r="http://schemas.openxmlformats.org/officeDocument/2006/relationships" xmlns:p="http://schemas.openxmlformats.org/presentationml/2006/main">
   <p:cSld>
@@ -5465,10 +5773,54 @@
       </p:grpSpPr>
       <p:sp>
         <p:nvSpPr>
-          <p:cNvPr id="2" name="TextBox 1">
-            <a:extLst>
-              <a:ext uri="{FF2B5EF4-FFF2-40B4-BE49-F238E27FC236}">
-                <a16:creationId xmlns:a16="http://schemas.microsoft.com/office/drawing/2014/main" id="{B522926D-0385-E74A-901E-632937703C7C}"/>
+          <p:cNvPr id="2" name="Rectangle 1">
+            <a:extLst>
+              <a:ext uri="{FF2B5EF4-FFF2-40B4-BE49-F238E27FC236}">
+                <a16:creationId xmlns:a16="http://schemas.microsoft.com/office/drawing/2014/main" id="{A097E5D7-C7D1-8944-893F-1B7499C33666}"/>
+              </a:ext>
+            </a:extLst>
+          </p:cNvPr>
+          <p:cNvSpPr/>
+          <p:nvPr/>
+        </p:nvSpPr>
+        <p:spPr>
+          <a:xfrm>
+            <a:off x="6897189" y="426720"/>
+            <a:ext cx="4519748" cy="6096000"/>
+          </a:xfrm>
+          <a:prstGeom prst="rect">
+            <a:avLst/>
+          </a:prstGeom>
+        </p:spPr>
+        <p:style>
+          <a:lnRef idx="2">
+            <a:schemeClr val="accent6"/>
+          </a:lnRef>
+          <a:fillRef idx="1">
+            <a:schemeClr val="lt1"/>
+          </a:fillRef>
+          <a:effectRef idx="0">
+            <a:schemeClr val="accent6"/>
+          </a:effectRef>
+          <a:fontRef idx="minor">
+            <a:schemeClr val="dk1"/>
+          </a:fontRef>
+        </p:style>
+        <p:txBody>
+          <a:bodyPr rtlCol="0" anchor="ctr"/>
+          <a:lstStyle/>
+          <a:p>
+            <a:pPr algn="ctr"/>
+            <a:endParaRPr lang="en-US"/>
+          </a:p>
+        </p:txBody>
+      </p:sp>
+      <p:sp>
+        <p:nvSpPr>
+          <p:cNvPr id="3" name="TextBox 2">
+            <a:extLst>
+              <a:ext uri="{FF2B5EF4-FFF2-40B4-BE49-F238E27FC236}">
+                <a16:creationId xmlns:a16="http://schemas.microsoft.com/office/drawing/2014/main" id="{C5963886-9B4E-224C-B0E8-0FD36FE2CBF8}"/>
               </a:ext>
             </a:extLst>
           </p:cNvPr>
@@ -5477,8 +5829,8 @@
         </p:nvSpPr>
         <p:spPr>
           <a:xfrm>
-            <a:off x="156754" y="452846"/>
-            <a:ext cx="11765280" cy="5355312"/>
+            <a:off x="7062651" y="531223"/>
+            <a:ext cx="4275909" cy="646331"/>
           </a:xfrm>
           <a:prstGeom prst="rect">
             <a:avLst/>
@@ -5491,182 +5843,802 @@
           </a:bodyPr>
           <a:lstStyle/>
           <a:p>
-            <a:r>
-              <a:rPr lang="en-US" dirty="0"/>
-              <a:t>Challenges for Building Modern Hybrid Apps</a:t>
-            </a:r>
-          </a:p>
-          <a:p>
+            <a:pPr algn="ctr"/>
+            <a:r>
+              <a:rPr lang="en-US" dirty="0"/>
+              <a:t>Web Server</a:t>
+            </a:r>
+          </a:p>
+          <a:p>
+            <a:pPr algn="ctr"/>
+            <a:r>
+              <a:rPr lang="en-US" dirty="0"/>
+              <a:t>http://</a:t>
+            </a:r>
+            <a:r>
+              <a:rPr lang="en-US" dirty="0" err="1"/>
+              <a:t>www.myserverapp.com</a:t>
+            </a:r>
             <a:endParaRPr lang="en-US" dirty="0"/>
           </a:p>
-          <a:p>
-            <a:pPr marL="342900" indent="-342900">
-              <a:buFont typeface="+mj-lt"/>
-              <a:buAutoNum type="arabicPeriod"/>
-            </a:pPr>
-            <a:r>
-              <a:rPr lang="en-US" dirty="0"/>
-              <a:t>What technology to be used? </a:t>
-            </a:r>
-          </a:p>
-          <a:p>
-            <a:pPr marL="342900" indent="-342900">
-              <a:buFont typeface="+mj-lt"/>
-              <a:buAutoNum type="arabicPeriod"/>
-            </a:pPr>
-            <a:r>
-              <a:rPr lang="en-US" dirty="0"/>
-              <a:t>How to find resources for the technology?</a:t>
-            </a:r>
-          </a:p>
-          <a:p>
-            <a:pPr marL="342900" indent="-342900">
-              <a:buFont typeface="+mj-lt"/>
-              <a:buAutoNum type="arabicPeriod"/>
-            </a:pPr>
-            <a:r>
-              <a:rPr lang="en-US" dirty="0"/>
-              <a:t>Programming Fundamentals</a:t>
-            </a:r>
-          </a:p>
-          <a:p>
-            <a:pPr marL="342900" indent="-342900">
-              <a:buFont typeface="+mj-lt"/>
-              <a:buAutoNum type="arabicPeriod"/>
-            </a:pPr>
-            <a:r>
-              <a:rPr lang="en-US" dirty="0"/>
-              <a:t>Architecture Feature Support</a:t>
-            </a:r>
-          </a:p>
-          <a:p>
-            <a:pPr marL="342900" indent="-342900">
-              <a:buFont typeface="+mj-lt"/>
-              <a:buAutoNum type="arabicPeriod"/>
-            </a:pPr>
-            <a:r>
-              <a:rPr lang="en-US" dirty="0"/>
-              <a:t>Coding Time or Development time</a:t>
-            </a:r>
-          </a:p>
-          <a:p>
-            <a:pPr marL="342900" indent="-342900">
-              <a:buFont typeface="+mj-lt"/>
-              <a:buAutoNum type="arabicPeriod"/>
-            </a:pPr>
-            <a:r>
-              <a:rPr lang="en-US" dirty="0"/>
-              <a:t>Support for the Technology from the Community</a:t>
-            </a:r>
-          </a:p>
-          <a:p>
-            <a:pPr marL="342900" indent="-342900">
-              <a:buFont typeface="+mj-lt"/>
-              <a:buAutoNum type="arabicPeriod"/>
-            </a:pPr>
-            <a:r>
-              <a:rPr lang="en-US" dirty="0"/>
-              <a:t>Maintenance</a:t>
-            </a:r>
-          </a:p>
-          <a:p>
-            <a:pPr marL="342900" indent="-342900">
-              <a:buFont typeface="+mj-lt"/>
-              <a:buAutoNum type="arabicPeriod"/>
-            </a:pPr>
-            <a:r>
-              <a:rPr lang="en-US" dirty="0"/>
-              <a:t>Deployment Support</a:t>
-            </a:r>
-          </a:p>
-          <a:p>
-            <a:pPr marL="342900" indent="-342900">
-              <a:buFont typeface="+mj-lt"/>
-              <a:buAutoNum type="arabicPeriod"/>
-            </a:pPr>
-            <a:r>
-              <a:rPr lang="en-US" dirty="0"/>
-              <a:t>Testing Support</a:t>
-            </a:r>
-          </a:p>
-          <a:p>
-            <a:pPr marL="342900" indent="-342900">
-              <a:buFont typeface="+mj-lt"/>
-              <a:buAutoNum type="arabicPeriod"/>
-            </a:pPr>
-            <a:r>
-              <a:rPr lang="en-US" dirty="0"/>
-              <a:t>Separate Technologies for</a:t>
-            </a:r>
-          </a:p>
-          <a:p>
-            <a:pPr marL="800100" lvl="1" indent="-342900">
-              <a:buFont typeface="+mj-lt"/>
-              <a:buAutoNum type="arabicPeriod"/>
-            </a:pPr>
-            <a:r>
-              <a:rPr lang="en-US" dirty="0"/>
-              <a:t>Server-Side App</a:t>
-            </a:r>
-          </a:p>
-          <a:p>
-            <a:pPr marL="1257300" lvl="2" indent="-342900">
-              <a:buFont typeface="+mj-lt"/>
-              <a:buAutoNum type="arabicPeriod"/>
-            </a:pPr>
-            <a:r>
-              <a:rPr lang="en-US" dirty="0"/>
-              <a:t>JAVA</a:t>
-            </a:r>
-          </a:p>
-          <a:p>
-            <a:pPr marL="800100" lvl="1" indent="-342900">
-              <a:buFont typeface="+mj-lt"/>
-              <a:buAutoNum type="arabicPeriod"/>
-            </a:pPr>
-            <a:r>
-              <a:rPr lang="en-US" dirty="0"/>
-              <a:t>Middleware App e.g. REST APIs</a:t>
-            </a:r>
-          </a:p>
-          <a:p>
-            <a:pPr marL="1257300" lvl="2" indent="-342900">
-              <a:buFont typeface="+mj-lt"/>
-              <a:buAutoNum type="arabicPeriod"/>
-            </a:pPr>
-            <a:r>
-              <a:rPr lang="en-US" dirty="0"/>
-              <a:t>Spring Boots</a:t>
-            </a:r>
-          </a:p>
-          <a:p>
-            <a:pPr marL="800100" lvl="1" indent="-342900">
-              <a:buFont typeface="+mj-lt"/>
-              <a:buAutoNum type="arabicPeriod"/>
-            </a:pPr>
-            <a:r>
-              <a:rPr lang="en-US" dirty="0"/>
-              <a:t>Front-End Apps</a:t>
-            </a:r>
-          </a:p>
-          <a:p>
-            <a:pPr marL="1257300" lvl="2" indent="-342900">
-              <a:buFont typeface="+mj-lt"/>
-              <a:buAutoNum type="arabicPeriod"/>
-            </a:pPr>
-            <a:r>
-              <a:rPr lang="en-US" dirty="0"/>
-              <a:t>React</a:t>
-            </a:r>
-          </a:p>
-          <a:p>
-            <a:pPr marL="342900" indent="-342900">
-              <a:buFont typeface="+mj-lt"/>
-              <a:buAutoNum type="arabicPeriod"/>
-            </a:pPr>
-            <a:r>
-              <a:rPr lang="en-US" dirty="0"/>
-              <a:t>Code Repetition</a:t>
+        </p:txBody>
+      </p:sp>
+      <p:sp>
+        <p:nvSpPr>
+          <p:cNvPr id="4" name="Rounded Rectangle 3">
+            <a:extLst>
+              <a:ext uri="{FF2B5EF4-FFF2-40B4-BE49-F238E27FC236}">
+                <a16:creationId xmlns:a16="http://schemas.microsoft.com/office/drawing/2014/main" id="{5AD4645F-5FFC-8B45-86AD-42B0FF0BEC65}"/>
+              </a:ext>
+            </a:extLst>
+          </p:cNvPr>
+          <p:cNvSpPr/>
+          <p:nvPr/>
+        </p:nvSpPr>
+        <p:spPr>
+          <a:xfrm>
+            <a:off x="7201989" y="1097280"/>
+            <a:ext cx="3823062" cy="1132114"/>
+          </a:xfrm>
+          <a:prstGeom prst="roundRect">
+            <a:avLst/>
+          </a:prstGeom>
+        </p:spPr>
+        <p:style>
+          <a:lnRef idx="2">
+            <a:schemeClr val="accent1">
+              <a:shade val="50000"/>
+            </a:schemeClr>
+          </a:lnRef>
+          <a:fillRef idx="1">
+            <a:schemeClr val="accent1"/>
+          </a:fillRef>
+          <a:effectRef idx="0">
+            <a:schemeClr val="accent1"/>
+          </a:effectRef>
+          <a:fontRef idx="minor">
+            <a:schemeClr val="lt1"/>
+          </a:fontRef>
+        </p:style>
+        <p:txBody>
+          <a:bodyPr rtlCol="0" anchor="ctr"/>
+          <a:lstStyle/>
+          <a:p>
+            <a:pPr algn="ctr"/>
+            <a:r>
+              <a:rPr lang="en-US" dirty="0"/>
+              <a:t>App with Server-Side Pages</a:t>
+            </a:r>
+          </a:p>
+          <a:p>
+            <a:pPr algn="ctr"/>
+            <a:r>
+              <a:rPr lang="en-US" dirty="0"/>
+              <a:t>.</a:t>
+            </a:r>
+            <a:r>
+              <a:rPr lang="en-US" dirty="0" err="1"/>
+              <a:t>aspx</a:t>
+            </a:r>
+            <a:r>
+              <a:rPr lang="en-US" dirty="0"/>
+              <a:t> / </a:t>
+            </a:r>
+            <a:r>
+              <a:rPr lang="en-US" dirty="0" err="1"/>
+              <a:t>cshtml</a:t>
+            </a:r>
+            <a:endParaRPr lang="en-US" dirty="0"/>
+          </a:p>
+        </p:txBody>
+      </p:sp>
+      <p:sp>
+        <p:nvSpPr>
+          <p:cNvPr id="5" name="Rectangle 4">
+            <a:extLst>
+              <a:ext uri="{FF2B5EF4-FFF2-40B4-BE49-F238E27FC236}">
+                <a16:creationId xmlns:a16="http://schemas.microsoft.com/office/drawing/2014/main" id="{6EAE7B14-EAB5-5F40-B3CD-3473487CC1C4}"/>
+              </a:ext>
+            </a:extLst>
+          </p:cNvPr>
+          <p:cNvSpPr/>
+          <p:nvPr/>
+        </p:nvSpPr>
+        <p:spPr>
+          <a:xfrm>
+            <a:off x="104503" y="900555"/>
+            <a:ext cx="2220686" cy="1328839"/>
+          </a:xfrm>
+          <a:prstGeom prst="rect">
+            <a:avLst/>
+          </a:prstGeom>
+        </p:spPr>
+        <p:style>
+          <a:lnRef idx="2">
+            <a:schemeClr val="accent1">
+              <a:shade val="50000"/>
+            </a:schemeClr>
+          </a:lnRef>
+          <a:fillRef idx="1">
+            <a:schemeClr val="accent1"/>
+          </a:fillRef>
+          <a:effectRef idx="0">
+            <a:schemeClr val="accent1"/>
+          </a:effectRef>
+          <a:fontRef idx="minor">
+            <a:schemeClr val="lt1"/>
+          </a:fontRef>
+        </p:style>
+        <p:txBody>
+          <a:bodyPr rtlCol="0" anchor="ctr"/>
+          <a:lstStyle/>
+          <a:p>
+            <a:pPr algn="ctr"/>
+            <a:r>
+              <a:rPr lang="en-US" dirty="0"/>
+              <a:t>Browser</a:t>
+            </a:r>
+          </a:p>
+        </p:txBody>
+      </p:sp>
+      <p:sp>
+        <p:nvSpPr>
+          <p:cNvPr id="6" name="Right Arrow 5">
+            <a:extLst>
+              <a:ext uri="{FF2B5EF4-FFF2-40B4-BE49-F238E27FC236}">
+                <a16:creationId xmlns:a16="http://schemas.microsoft.com/office/drawing/2014/main" id="{4CEEF8BA-7F22-B94B-9D00-CCA08C7A128B}"/>
+              </a:ext>
+            </a:extLst>
+          </p:cNvPr>
+          <p:cNvSpPr/>
+          <p:nvPr/>
+        </p:nvSpPr>
+        <p:spPr>
+          <a:xfrm>
+            <a:off x="2325189" y="1036320"/>
+            <a:ext cx="4876800" cy="687977"/>
+          </a:xfrm>
+          <a:prstGeom prst="rightArrow">
+            <a:avLst/>
+          </a:prstGeom>
+        </p:spPr>
+        <p:style>
+          <a:lnRef idx="2">
+            <a:schemeClr val="accent1">
+              <a:shade val="50000"/>
+            </a:schemeClr>
+          </a:lnRef>
+          <a:fillRef idx="1">
+            <a:schemeClr val="accent1"/>
+          </a:fillRef>
+          <a:effectRef idx="0">
+            <a:schemeClr val="accent1"/>
+          </a:effectRef>
+          <a:fontRef idx="minor">
+            <a:schemeClr val="lt1"/>
+          </a:fontRef>
+        </p:style>
+        <p:txBody>
+          <a:bodyPr rtlCol="0" anchor="ctr"/>
+          <a:lstStyle/>
+          <a:p>
+            <a:pPr algn="ctr"/>
+            <a:r>
+              <a:rPr lang="en-US" dirty="0"/>
+              <a:t>Http Request for page</a:t>
+            </a:r>
+          </a:p>
+        </p:txBody>
+      </p:sp>
+      <p:sp>
+        <p:nvSpPr>
+          <p:cNvPr id="7" name="Left Arrow 6">
+            <a:extLst>
+              <a:ext uri="{FF2B5EF4-FFF2-40B4-BE49-F238E27FC236}">
+                <a16:creationId xmlns:a16="http://schemas.microsoft.com/office/drawing/2014/main" id="{37A38A1B-4F3B-004E-AEBB-346C14D02C17}"/>
+              </a:ext>
+            </a:extLst>
+          </p:cNvPr>
+          <p:cNvSpPr/>
+          <p:nvPr/>
+        </p:nvSpPr>
+        <p:spPr>
+          <a:xfrm>
+            <a:off x="2325189" y="1598805"/>
+            <a:ext cx="4876800" cy="644434"/>
+          </a:xfrm>
+          <a:prstGeom prst="leftArrow">
+            <a:avLst/>
+          </a:prstGeom>
+        </p:spPr>
+        <p:style>
+          <a:lnRef idx="2">
+            <a:schemeClr val="accent1">
+              <a:shade val="50000"/>
+            </a:schemeClr>
+          </a:lnRef>
+          <a:fillRef idx="1">
+            <a:schemeClr val="accent1"/>
+          </a:fillRef>
+          <a:effectRef idx="0">
+            <a:schemeClr val="accent1"/>
+          </a:effectRef>
+          <a:fontRef idx="minor">
+            <a:schemeClr val="lt1"/>
+          </a:fontRef>
+        </p:style>
+        <p:txBody>
+          <a:bodyPr rtlCol="0" anchor="ctr"/>
+          <a:lstStyle/>
+          <a:p>
+            <a:pPr algn="ctr"/>
+            <a:r>
+              <a:rPr lang="en-US" dirty="0"/>
+              <a:t>Http Response with HTML Rendered Page</a:t>
+            </a:r>
+          </a:p>
+        </p:txBody>
+      </p:sp>
+      <p:sp>
+        <p:nvSpPr>
+          <p:cNvPr id="8" name="Rounded Rectangle 7">
+            <a:extLst>
+              <a:ext uri="{FF2B5EF4-FFF2-40B4-BE49-F238E27FC236}">
+                <a16:creationId xmlns:a16="http://schemas.microsoft.com/office/drawing/2014/main" id="{40FA69BE-8143-3E4F-8669-190EAF435476}"/>
+              </a:ext>
+            </a:extLst>
+          </p:cNvPr>
+          <p:cNvSpPr/>
+          <p:nvPr/>
+        </p:nvSpPr>
+        <p:spPr>
+          <a:xfrm>
+            <a:off x="3857898" y="2238495"/>
+            <a:ext cx="2525485" cy="1647398"/>
+          </a:xfrm>
+          <a:prstGeom prst="roundRect">
+            <a:avLst/>
+          </a:prstGeom>
+        </p:spPr>
+        <p:style>
+          <a:lnRef idx="2">
+            <a:schemeClr val="accent1">
+              <a:shade val="50000"/>
+            </a:schemeClr>
+          </a:lnRef>
+          <a:fillRef idx="1">
+            <a:schemeClr val="accent1"/>
+          </a:fillRef>
+          <a:effectRef idx="0">
+            <a:schemeClr val="accent1"/>
+          </a:effectRef>
+          <a:fontRef idx="minor">
+            <a:schemeClr val="lt1"/>
+          </a:fontRef>
+        </p:style>
+        <p:txBody>
+          <a:bodyPr rtlCol="0" anchor="ctr"/>
+          <a:lstStyle/>
+          <a:p>
+            <a:pPr algn="ctr"/>
+            <a:r>
+              <a:rPr lang="en-US" dirty="0"/>
+              <a:t>Front-End Web App Server (Node.js)</a:t>
+            </a:r>
+          </a:p>
+          <a:p>
+            <a:pPr algn="ctr"/>
+            <a:r>
+              <a:rPr lang="en-US" dirty="0"/>
+              <a:t>http://</a:t>
+            </a:r>
+            <a:r>
+              <a:rPr lang="en-US" dirty="0" err="1"/>
+              <a:t>www.frontendapp.com</a:t>
+            </a:r>
+            <a:endParaRPr lang="en-US" dirty="0"/>
+          </a:p>
+        </p:txBody>
+      </p:sp>
+      <p:sp>
+        <p:nvSpPr>
+          <p:cNvPr id="9" name="Rectangle 8">
+            <a:extLst>
+              <a:ext uri="{FF2B5EF4-FFF2-40B4-BE49-F238E27FC236}">
+                <a16:creationId xmlns:a16="http://schemas.microsoft.com/office/drawing/2014/main" id="{852E81B0-6848-714D-9022-75CF3503C84E}"/>
+              </a:ext>
+            </a:extLst>
+          </p:cNvPr>
+          <p:cNvSpPr/>
+          <p:nvPr/>
+        </p:nvSpPr>
+        <p:spPr>
+          <a:xfrm>
+            <a:off x="222069" y="2639088"/>
+            <a:ext cx="2220686" cy="1328839"/>
+          </a:xfrm>
+          <a:prstGeom prst="rect">
+            <a:avLst/>
+          </a:prstGeom>
+        </p:spPr>
+        <p:style>
+          <a:lnRef idx="2">
+            <a:schemeClr val="accent1">
+              <a:shade val="50000"/>
+            </a:schemeClr>
+          </a:lnRef>
+          <a:fillRef idx="1">
+            <a:schemeClr val="accent1"/>
+          </a:fillRef>
+          <a:effectRef idx="0">
+            <a:schemeClr val="accent1"/>
+          </a:effectRef>
+          <a:fontRef idx="minor">
+            <a:schemeClr val="lt1"/>
+          </a:fontRef>
+        </p:style>
+        <p:txBody>
+          <a:bodyPr rtlCol="0" anchor="ctr"/>
+          <a:lstStyle/>
+          <a:p>
+            <a:pPr algn="ctr"/>
+            <a:r>
+              <a:rPr lang="en-US" dirty="0"/>
+              <a:t>Browser</a:t>
+            </a:r>
+          </a:p>
+          <a:p>
+            <a:pPr algn="ctr"/>
+            <a:r>
+              <a:rPr lang="en-US" dirty="0"/>
+              <a:t>With Angular app loaded</a:t>
+            </a:r>
+          </a:p>
+        </p:txBody>
+      </p:sp>
+      <p:sp>
+        <p:nvSpPr>
+          <p:cNvPr id="10" name="Right Arrow 9">
+            <a:extLst>
+              <a:ext uri="{FF2B5EF4-FFF2-40B4-BE49-F238E27FC236}">
+                <a16:creationId xmlns:a16="http://schemas.microsoft.com/office/drawing/2014/main" id="{48B051E0-833B-854B-80E2-C50FFD6E49D2}"/>
+              </a:ext>
+            </a:extLst>
+          </p:cNvPr>
+          <p:cNvSpPr/>
+          <p:nvPr/>
+        </p:nvSpPr>
+        <p:spPr>
+          <a:xfrm>
+            <a:off x="2442755" y="2639088"/>
+            <a:ext cx="1415143" cy="687977"/>
+          </a:xfrm>
+          <a:prstGeom prst="rightArrow">
+            <a:avLst/>
+          </a:prstGeom>
+        </p:spPr>
+        <p:style>
+          <a:lnRef idx="2">
+            <a:schemeClr val="accent1">
+              <a:shade val="50000"/>
+            </a:schemeClr>
+          </a:lnRef>
+          <a:fillRef idx="1">
+            <a:schemeClr val="accent1"/>
+          </a:fillRef>
+          <a:effectRef idx="0">
+            <a:schemeClr val="accent1"/>
+          </a:effectRef>
+          <a:fontRef idx="minor">
+            <a:schemeClr val="lt1"/>
+          </a:fontRef>
+        </p:style>
+        <p:txBody>
+          <a:bodyPr rtlCol="0" anchor="ctr"/>
+          <a:lstStyle/>
+          <a:p>
+            <a:pPr algn="ctr"/>
+            <a:r>
+              <a:rPr lang="en-US" dirty="0"/>
+              <a:t>Request</a:t>
+            </a:r>
+          </a:p>
+        </p:txBody>
+      </p:sp>
+      <p:sp>
+        <p:nvSpPr>
+          <p:cNvPr id="11" name="Left Arrow 10">
+            <a:extLst>
+              <a:ext uri="{FF2B5EF4-FFF2-40B4-BE49-F238E27FC236}">
+                <a16:creationId xmlns:a16="http://schemas.microsoft.com/office/drawing/2014/main" id="{69C3890F-0CFE-A74D-AB3B-46CE504CFC51}"/>
+              </a:ext>
+            </a:extLst>
+          </p:cNvPr>
+          <p:cNvSpPr/>
+          <p:nvPr/>
+        </p:nvSpPr>
+        <p:spPr>
+          <a:xfrm>
+            <a:off x="2434047" y="3225522"/>
+            <a:ext cx="1415143" cy="644434"/>
+          </a:xfrm>
+          <a:prstGeom prst="leftArrow">
+            <a:avLst/>
+          </a:prstGeom>
+        </p:spPr>
+        <p:style>
+          <a:lnRef idx="2">
+            <a:schemeClr val="accent1">
+              <a:shade val="50000"/>
+            </a:schemeClr>
+          </a:lnRef>
+          <a:fillRef idx="1">
+            <a:schemeClr val="accent1"/>
+          </a:fillRef>
+          <a:effectRef idx="0">
+            <a:schemeClr val="accent1"/>
+          </a:effectRef>
+          <a:fontRef idx="minor">
+            <a:schemeClr val="lt1"/>
+          </a:fontRef>
+        </p:style>
+        <p:txBody>
+          <a:bodyPr rtlCol="0" anchor="ctr"/>
+          <a:lstStyle/>
+          <a:p>
+            <a:pPr algn="ctr"/>
+            <a:r>
+              <a:rPr lang="en-US" dirty="0"/>
+              <a:t>Response</a:t>
+            </a:r>
+          </a:p>
+        </p:txBody>
+      </p:sp>
+      <p:sp>
+        <p:nvSpPr>
+          <p:cNvPr id="13" name="TextBox 12">
+            <a:extLst>
+              <a:ext uri="{FF2B5EF4-FFF2-40B4-BE49-F238E27FC236}">
+                <a16:creationId xmlns:a16="http://schemas.microsoft.com/office/drawing/2014/main" id="{93B11704-5705-1E4F-B5AB-299DC9B910B8}"/>
+              </a:ext>
+            </a:extLst>
+          </p:cNvPr>
+          <p:cNvSpPr txBox="1"/>
+          <p:nvPr/>
+        </p:nvSpPr>
+        <p:spPr>
+          <a:xfrm>
+            <a:off x="3056709" y="3913499"/>
+            <a:ext cx="2673531" cy="369332"/>
+          </a:xfrm>
+          <a:prstGeom prst="rect">
+            <a:avLst/>
+          </a:prstGeom>
+          <a:noFill/>
+        </p:spPr>
+        <p:txBody>
+          <a:bodyPr wrap="square" rtlCol="0">
+            <a:spAutoFit/>
+          </a:bodyPr>
+          <a:lstStyle/>
+          <a:p>
+            <a:r>
+              <a:rPr lang="en-US" dirty="0"/>
+              <a:t>Calls for REST APIs</a:t>
+            </a:r>
+          </a:p>
+        </p:txBody>
+      </p:sp>
+      <p:sp>
+        <p:nvSpPr>
+          <p:cNvPr id="14" name="Rounded Rectangle 13">
+            <a:extLst>
+              <a:ext uri="{FF2B5EF4-FFF2-40B4-BE49-F238E27FC236}">
+                <a16:creationId xmlns:a16="http://schemas.microsoft.com/office/drawing/2014/main" id="{CD18C75A-BA67-1742-A312-A9FCADA6A81C}"/>
+              </a:ext>
+            </a:extLst>
+          </p:cNvPr>
+          <p:cNvSpPr/>
+          <p:nvPr/>
+        </p:nvSpPr>
+        <p:spPr>
+          <a:xfrm>
+            <a:off x="7080068" y="3403741"/>
+            <a:ext cx="3823062" cy="1132114"/>
+          </a:xfrm>
+          <a:prstGeom prst="roundRect">
+            <a:avLst/>
+          </a:prstGeom>
+        </p:spPr>
+        <p:style>
+          <a:lnRef idx="2">
+            <a:schemeClr val="accent1">
+              <a:shade val="50000"/>
+            </a:schemeClr>
+          </a:lnRef>
+          <a:fillRef idx="1">
+            <a:schemeClr val="accent1"/>
+          </a:fillRef>
+          <a:effectRef idx="0">
+            <a:schemeClr val="accent1"/>
+          </a:effectRef>
+          <a:fontRef idx="minor">
+            <a:schemeClr val="lt1"/>
+          </a:fontRef>
+        </p:style>
+        <p:txBody>
+          <a:bodyPr rtlCol="0" anchor="ctr"/>
+          <a:lstStyle/>
+          <a:p>
+            <a:pPr algn="ctr"/>
+            <a:r>
+              <a:rPr lang="en-US" dirty="0"/>
+              <a:t>REST APIs</a:t>
+            </a:r>
+          </a:p>
+        </p:txBody>
+      </p:sp>
+      <p:sp>
+        <p:nvSpPr>
+          <p:cNvPr id="15" name="Left-up Arrow 14">
+            <a:extLst>
+              <a:ext uri="{FF2B5EF4-FFF2-40B4-BE49-F238E27FC236}">
+                <a16:creationId xmlns:a16="http://schemas.microsoft.com/office/drawing/2014/main" id="{B2B55406-58C7-ED44-B9BF-323785E86691}"/>
+              </a:ext>
+            </a:extLst>
+          </p:cNvPr>
+          <p:cNvSpPr/>
+          <p:nvPr/>
+        </p:nvSpPr>
+        <p:spPr>
+          <a:xfrm rot="5400000">
+            <a:off x="4066358" y="1516618"/>
+            <a:ext cx="644434" cy="5382986"/>
+          </a:xfrm>
+          <a:prstGeom prst="leftUpArrow">
+            <a:avLst/>
+          </a:prstGeom>
+        </p:spPr>
+        <p:style>
+          <a:lnRef idx="2">
+            <a:schemeClr val="accent1">
+              <a:shade val="50000"/>
+            </a:schemeClr>
+          </a:lnRef>
+          <a:fillRef idx="1">
+            <a:schemeClr val="accent1"/>
+          </a:fillRef>
+          <a:effectRef idx="0">
+            <a:schemeClr val="accent1"/>
+          </a:effectRef>
+          <a:fontRef idx="minor">
+            <a:schemeClr val="lt1"/>
+          </a:fontRef>
+        </p:style>
+        <p:txBody>
+          <a:bodyPr rtlCol="0" anchor="ctr"/>
+          <a:lstStyle/>
+          <a:p>
+            <a:pPr algn="ctr"/>
+            <a:endParaRPr lang="en-US"/>
+          </a:p>
+        </p:txBody>
+      </p:sp>
+      <p:sp>
+        <p:nvSpPr>
+          <p:cNvPr id="16" name="Rounded Rectangle 15">
+            <a:extLst>
+              <a:ext uri="{FF2B5EF4-FFF2-40B4-BE49-F238E27FC236}">
+                <a16:creationId xmlns:a16="http://schemas.microsoft.com/office/drawing/2014/main" id="{9F71D549-BCB6-4845-8A3C-497527803ED1}"/>
+              </a:ext>
+            </a:extLst>
+          </p:cNvPr>
+          <p:cNvSpPr/>
+          <p:nvPr/>
+        </p:nvSpPr>
+        <p:spPr>
+          <a:xfrm>
+            <a:off x="7319555" y="4824580"/>
+            <a:ext cx="3823062" cy="1132114"/>
+          </a:xfrm>
+          <a:prstGeom prst="roundRect">
+            <a:avLst/>
+          </a:prstGeom>
+        </p:spPr>
+        <p:style>
+          <a:lnRef idx="2">
+            <a:schemeClr val="accent1">
+              <a:shade val="50000"/>
+            </a:schemeClr>
+          </a:lnRef>
+          <a:fillRef idx="1">
+            <a:schemeClr val="accent1"/>
+          </a:fillRef>
+          <a:effectRef idx="0">
+            <a:schemeClr val="accent1"/>
+          </a:effectRef>
+          <a:fontRef idx="minor">
+            <a:schemeClr val="lt1"/>
+          </a:fontRef>
+        </p:style>
+        <p:txBody>
+          <a:bodyPr rtlCol="0" anchor="ctr"/>
+          <a:lstStyle/>
+          <a:p>
+            <a:pPr algn="ctr"/>
+            <a:r>
+              <a:rPr lang="en-US" dirty="0"/>
+              <a:t>App with Server-Side Pages</a:t>
+            </a:r>
+          </a:p>
+          <a:p>
+            <a:pPr algn="ctr"/>
+            <a:r>
+              <a:rPr lang="en-US" dirty="0"/>
+              <a:t>.</a:t>
+            </a:r>
+            <a:r>
+              <a:rPr lang="en-US" dirty="0" err="1"/>
+              <a:t>aspx</a:t>
+            </a:r>
+            <a:r>
+              <a:rPr lang="en-US" dirty="0"/>
+              <a:t> / </a:t>
+            </a:r>
+            <a:r>
+              <a:rPr lang="en-US" dirty="0" err="1"/>
+              <a:t>cshtml</a:t>
+            </a:r>
+            <a:r>
+              <a:rPr lang="en-US" dirty="0"/>
+              <a:t> using References for Production Scripts for Front End Apps</a:t>
+            </a:r>
+          </a:p>
+        </p:txBody>
+      </p:sp>
+      <p:sp>
+        <p:nvSpPr>
+          <p:cNvPr id="17" name="Rectangle 16">
+            <a:extLst>
+              <a:ext uri="{FF2B5EF4-FFF2-40B4-BE49-F238E27FC236}">
+                <a16:creationId xmlns:a16="http://schemas.microsoft.com/office/drawing/2014/main" id="{866B1434-7190-0A45-9D42-8E0F32E30E33}"/>
+              </a:ext>
+            </a:extLst>
+          </p:cNvPr>
+          <p:cNvSpPr/>
+          <p:nvPr/>
+        </p:nvSpPr>
+        <p:spPr>
+          <a:xfrm>
+            <a:off x="222069" y="4946162"/>
+            <a:ext cx="2220686" cy="1328839"/>
+          </a:xfrm>
+          <a:prstGeom prst="rect">
+            <a:avLst/>
+          </a:prstGeom>
+        </p:spPr>
+        <p:style>
+          <a:lnRef idx="2">
+            <a:schemeClr val="accent1">
+              <a:shade val="50000"/>
+            </a:schemeClr>
+          </a:lnRef>
+          <a:fillRef idx="1">
+            <a:schemeClr val="accent1"/>
+          </a:fillRef>
+          <a:effectRef idx="0">
+            <a:schemeClr val="accent1"/>
+          </a:effectRef>
+          <a:fontRef idx="minor">
+            <a:schemeClr val="lt1"/>
+          </a:fontRef>
+        </p:style>
+        <p:txBody>
+          <a:bodyPr rtlCol="0" anchor="ctr"/>
+          <a:lstStyle/>
+          <a:p>
+            <a:pPr algn="ctr"/>
+            <a:r>
+              <a:rPr lang="en-US" dirty="0"/>
+              <a:t>Browser Host HTML and JS for High Responsive Behavior</a:t>
+            </a:r>
+          </a:p>
+        </p:txBody>
+      </p:sp>
+      <p:sp>
+        <p:nvSpPr>
+          <p:cNvPr id="18" name="Right Arrow 17">
+            <a:extLst>
+              <a:ext uri="{FF2B5EF4-FFF2-40B4-BE49-F238E27FC236}">
+                <a16:creationId xmlns:a16="http://schemas.microsoft.com/office/drawing/2014/main" id="{BF6E73AE-456C-BB44-9CD1-E64EB5A58A87}"/>
+              </a:ext>
+            </a:extLst>
+          </p:cNvPr>
+          <p:cNvSpPr/>
+          <p:nvPr/>
+        </p:nvSpPr>
+        <p:spPr>
+          <a:xfrm>
+            <a:off x="2442755" y="4825500"/>
+            <a:ext cx="4876800" cy="687977"/>
+          </a:xfrm>
+          <a:prstGeom prst="rightArrow">
+            <a:avLst/>
+          </a:prstGeom>
+        </p:spPr>
+        <p:style>
+          <a:lnRef idx="2">
+            <a:schemeClr val="accent1">
+              <a:shade val="50000"/>
+            </a:schemeClr>
+          </a:lnRef>
+          <a:fillRef idx="1">
+            <a:schemeClr val="accent1"/>
+          </a:fillRef>
+          <a:effectRef idx="0">
+            <a:schemeClr val="accent1"/>
+          </a:effectRef>
+          <a:fontRef idx="minor">
+            <a:schemeClr val="lt1"/>
+          </a:fontRef>
+        </p:style>
+        <p:txBody>
+          <a:bodyPr rtlCol="0" anchor="ctr"/>
+          <a:lstStyle/>
+          <a:p>
+            <a:pPr algn="ctr"/>
+            <a:r>
+              <a:rPr lang="en-US" dirty="0"/>
+              <a:t>Http Request for page</a:t>
+            </a:r>
+          </a:p>
+        </p:txBody>
+      </p:sp>
+      <p:sp>
+        <p:nvSpPr>
+          <p:cNvPr id="19" name="Left Arrow 18">
+            <a:extLst>
+              <a:ext uri="{FF2B5EF4-FFF2-40B4-BE49-F238E27FC236}">
+                <a16:creationId xmlns:a16="http://schemas.microsoft.com/office/drawing/2014/main" id="{83D1B172-6BA7-9947-BDDB-02AAC1F1FB63}"/>
+              </a:ext>
+            </a:extLst>
+          </p:cNvPr>
+          <p:cNvSpPr/>
+          <p:nvPr/>
+        </p:nvSpPr>
+        <p:spPr>
+          <a:xfrm>
+            <a:off x="2442755" y="5387985"/>
+            <a:ext cx="4876800" cy="644434"/>
+          </a:xfrm>
+          <a:prstGeom prst="leftArrow">
+            <a:avLst/>
+          </a:prstGeom>
+        </p:spPr>
+        <p:style>
+          <a:lnRef idx="2">
+            <a:schemeClr val="accent1">
+              <a:shade val="50000"/>
+            </a:schemeClr>
+          </a:lnRef>
+          <a:fillRef idx="1">
+            <a:schemeClr val="accent1"/>
+          </a:fillRef>
+          <a:effectRef idx="0">
+            <a:schemeClr val="accent1"/>
+          </a:effectRef>
+          <a:fontRef idx="minor">
+            <a:schemeClr val="lt1"/>
+          </a:fontRef>
+        </p:style>
+        <p:txBody>
+          <a:bodyPr rtlCol="0" anchor="ctr"/>
+          <a:lstStyle/>
+          <a:p>
+            <a:pPr algn="ctr"/>
+            <a:r>
+              <a:rPr lang="en-US" sz="1000" dirty="0"/>
+              <a:t>Http Response with HTML Rendered Page along with the Front-End App Scripts</a:t>
             </a:r>
           </a:p>
         </p:txBody>
@@ -5674,7 +6646,7 @@
     </p:spTree>
     <p:extLst>
       <p:ext uri="{BB962C8B-B14F-4D97-AF65-F5344CB8AC3E}">
-        <p14:creationId xmlns:p14="http://schemas.microsoft.com/office/powerpoint/2010/main" val="1449367408"/>
+        <p14:creationId xmlns:p14="http://schemas.microsoft.com/office/powerpoint/2010/main" val="2770086915"/>
       </p:ext>
     </p:extLst>
   </p:cSld>
@@ -5706,7 +6678,7 @@
           <p:cNvPr id="2" name="TextBox 1">
             <a:extLst>
               <a:ext uri="{FF2B5EF4-FFF2-40B4-BE49-F238E27FC236}">
-                <a16:creationId xmlns:a16="http://schemas.microsoft.com/office/drawing/2014/main" id="{05E2AED1-8A65-BB4F-96C2-1B0C2F4C8013}"/>
+                <a16:creationId xmlns:a16="http://schemas.microsoft.com/office/drawing/2014/main" id="{B522926D-0385-E74A-901E-632937703C7C}"/>
               </a:ext>
             </a:extLst>
           </p:cNvPr>
@@ -5715,8 +6687,8 @@
         </p:nvSpPr>
         <p:spPr>
           <a:xfrm>
-            <a:off x="217714" y="200297"/>
-            <a:ext cx="11747863" cy="3970318"/>
+            <a:off x="156754" y="452846"/>
+            <a:ext cx="11765280" cy="5355312"/>
           </a:xfrm>
           <a:prstGeom prst="rect">
             <a:avLst/>
@@ -5731,7 +6703,7 @@
           <a:p>
             <a:r>
               <a:rPr lang="en-US" dirty="0"/>
-              <a:t>Solution to the Challenges </a:t>
+              <a:t>Challenges for Building Modern Hybrid Apps</a:t>
             </a:r>
           </a:p>
           <a:p>
@@ -5744,7 +6716,97 @@
             </a:pPr>
             <a:r>
               <a:rPr lang="en-US" dirty="0"/>
-              <a:t>Full-Stack Isomorphic (?) Apps</a:t>
+              <a:t>What technology to be used? </a:t>
+            </a:r>
+          </a:p>
+          <a:p>
+            <a:pPr marL="342900" indent="-342900">
+              <a:buFont typeface="+mj-lt"/>
+              <a:buAutoNum type="arabicPeriod"/>
+            </a:pPr>
+            <a:r>
+              <a:rPr lang="en-US" dirty="0"/>
+              <a:t>How to find resources for the technology?</a:t>
+            </a:r>
+          </a:p>
+          <a:p>
+            <a:pPr marL="342900" indent="-342900">
+              <a:buFont typeface="+mj-lt"/>
+              <a:buAutoNum type="arabicPeriod"/>
+            </a:pPr>
+            <a:r>
+              <a:rPr lang="en-US" dirty="0"/>
+              <a:t>Programming Fundamentals</a:t>
+            </a:r>
+          </a:p>
+          <a:p>
+            <a:pPr marL="342900" indent="-342900">
+              <a:buFont typeface="+mj-lt"/>
+              <a:buAutoNum type="arabicPeriod"/>
+            </a:pPr>
+            <a:r>
+              <a:rPr lang="en-US" dirty="0"/>
+              <a:t>Architecture Feature Support</a:t>
+            </a:r>
+          </a:p>
+          <a:p>
+            <a:pPr marL="342900" indent="-342900">
+              <a:buFont typeface="+mj-lt"/>
+              <a:buAutoNum type="arabicPeriod"/>
+            </a:pPr>
+            <a:r>
+              <a:rPr lang="en-US" dirty="0"/>
+              <a:t>Coding Time or Development time</a:t>
+            </a:r>
+          </a:p>
+          <a:p>
+            <a:pPr marL="342900" indent="-342900">
+              <a:buFont typeface="+mj-lt"/>
+              <a:buAutoNum type="arabicPeriod"/>
+            </a:pPr>
+            <a:r>
+              <a:rPr lang="en-US" dirty="0"/>
+              <a:t>Support for the Technology from the Community</a:t>
+            </a:r>
+          </a:p>
+          <a:p>
+            <a:pPr marL="342900" indent="-342900">
+              <a:buFont typeface="+mj-lt"/>
+              <a:buAutoNum type="arabicPeriod"/>
+            </a:pPr>
+            <a:r>
+              <a:rPr lang="en-US" dirty="0"/>
+              <a:t>Maintenance</a:t>
+            </a:r>
+          </a:p>
+          <a:p>
+            <a:pPr marL="342900" indent="-342900">
+              <a:buFont typeface="+mj-lt"/>
+              <a:buAutoNum type="arabicPeriod"/>
+            </a:pPr>
+            <a:r>
+              <a:rPr lang="en-US" dirty="0"/>
+              <a:t>Deployment Support</a:t>
+            </a:r>
+          </a:p>
+          <a:p>
+            <a:pPr marL="342900" indent="-342900">
+              <a:buFont typeface="+mj-lt"/>
+              <a:buAutoNum type="arabicPeriod"/>
+            </a:pPr>
+            <a:r>
+              <a:rPr lang="en-US" dirty="0"/>
+              <a:t>Testing Support</a:t>
+            </a:r>
+          </a:p>
+          <a:p>
+            <a:pPr marL="342900" indent="-342900">
+              <a:buFont typeface="+mj-lt"/>
+              <a:buAutoNum type="arabicPeriod"/>
+            </a:pPr>
+            <a:r>
+              <a:rPr lang="en-US" dirty="0"/>
+              <a:t>Separate Technologies for</a:t>
             </a:r>
           </a:p>
           <a:p>
@@ -5754,7 +6816,17 @@
             </a:pPr>
             <a:r>
               <a:rPr lang="en-US" dirty="0"/>
-              <a:t>Same Technology and Code-Base on Server, Middleware and on Client</a:t>
+              <a:t>Server-Side App</a:t>
+            </a:r>
+          </a:p>
+          <a:p>
+            <a:pPr marL="1257300" lvl="2" indent="-342900">
+              <a:buFont typeface="+mj-lt"/>
+              <a:buAutoNum type="arabicPeriod"/>
+            </a:pPr>
+            <a:r>
+              <a:rPr lang="en-US" dirty="0"/>
+              <a:t>JAVA</a:t>
             </a:r>
           </a:p>
           <a:p>
@@ -5764,7 +6836,7 @@
             </a:pPr>
             <a:r>
               <a:rPr lang="en-US" dirty="0"/>
-              <a:t>E.g.</a:t>
+              <a:t>Middleware App e.g. REST APIs</a:t>
             </a:r>
           </a:p>
           <a:p>
@@ -5774,27 +6846,17 @@
             </a:pPr>
             <a:r>
               <a:rPr lang="en-US" dirty="0"/>
-              <a:t>Microsoft</a:t>
-            </a:r>
-          </a:p>
-          <a:p>
-            <a:pPr marL="1714500" lvl="3" indent="-342900">
+              <a:t>Spring Boots</a:t>
+            </a:r>
+          </a:p>
+          <a:p>
+            <a:pPr marL="800100" lvl="1" indent="-342900">
               <a:buFont typeface="+mj-lt"/>
               <a:buAutoNum type="arabicPeriod"/>
             </a:pPr>
             <a:r>
               <a:rPr lang="en-US" dirty="0"/>
-              <a:t>.NET 5, C#, Blazor (Interactive UI)</a:t>
-            </a:r>
-          </a:p>
-          <a:p>
-            <a:pPr marL="2171700" lvl="4" indent="-342900">
-              <a:buFont typeface="+mj-lt"/>
-              <a:buAutoNum type="arabicPeriod"/>
-            </a:pPr>
-            <a:r>
-              <a:rPr lang="en-US" dirty="0"/>
-              <a:t>Cross Platform</a:t>
+              <a:t>Front-End Apps</a:t>
             </a:r>
           </a:p>
           <a:p>
@@ -5804,70 +6866,25 @@
             </a:pPr>
             <a:r>
               <a:rPr lang="en-US" dirty="0"/>
-              <a:t>JAVA</a:t>
-            </a:r>
-          </a:p>
-          <a:p>
-            <a:pPr marL="1714500" lvl="3" indent="-342900">
+              <a:t>React</a:t>
+            </a:r>
+          </a:p>
+          <a:p>
+            <a:pPr marL="342900" indent="-342900">
               <a:buFont typeface="+mj-lt"/>
               <a:buAutoNum type="arabicPeriod"/>
             </a:pPr>
             <a:r>
               <a:rPr lang="en-US" dirty="0"/>
-              <a:t>JVM, Java, Spring Boot, GWT (Interactive UI)</a:t>
-            </a:r>
-          </a:p>
-          <a:p>
-            <a:pPr marL="2171700" lvl="4" indent="-342900">
-              <a:buFont typeface="+mj-lt"/>
-              <a:buAutoNum type="arabicPeriod"/>
-            </a:pPr>
-            <a:r>
-              <a:rPr lang="en-US" dirty="0"/>
-              <a:t>Cross Platform</a:t>
-            </a:r>
-          </a:p>
-          <a:p>
-            <a:pPr marL="1257300" lvl="2" indent="-342900">
-              <a:buFont typeface="+mj-lt"/>
-              <a:buAutoNum type="arabicPeriod"/>
-            </a:pPr>
-            <a:r>
-              <a:rPr lang="en-US" dirty="0"/>
-              <a:t>JavaScript</a:t>
-            </a:r>
-          </a:p>
-          <a:p>
-            <a:pPr marL="1714500" lvl="3" indent="-342900">
-              <a:buFont typeface="+mj-lt"/>
-              <a:buAutoNum type="arabicPeriod"/>
-            </a:pPr>
-            <a:r>
-              <a:rPr lang="en-US" dirty="0"/>
-              <a:t>Node.js, ES 6 (Modern JavaScript), Express, Angular/React/Vue/Ember etc. (Interactive UI)</a:t>
-            </a:r>
-          </a:p>
-          <a:p>
-            <a:pPr marL="2171700" lvl="4" indent="-342900">
-              <a:buFont typeface="+mj-lt"/>
-              <a:buAutoNum type="arabicPeriod"/>
-            </a:pPr>
-            <a:r>
-              <a:rPr lang="en-US" dirty="0"/>
-              <a:t>Cross Platform and </a:t>
-            </a:r>
-            <a:r>
-              <a:rPr lang="en-US" dirty="0" err="1"/>
-              <a:t>LightWeight</a:t>
-            </a:r>
-            <a:endParaRPr lang="en-US" dirty="0"/>
+              <a:t>Code Repetition</a:t>
+            </a:r>
           </a:p>
         </p:txBody>
       </p:sp>
     </p:spTree>
     <p:extLst>
       <p:ext uri="{BB962C8B-B14F-4D97-AF65-F5344CB8AC3E}">
-        <p14:creationId xmlns:p14="http://schemas.microsoft.com/office/powerpoint/2010/main" val="3200406528"/>
+        <p14:creationId xmlns:p14="http://schemas.microsoft.com/office/powerpoint/2010/main" val="1449367408"/>
       </p:ext>
     </p:extLst>
   </p:cSld>
@@ -5896,148 +6913,10 @@
       </p:grpSpPr>
       <p:sp>
         <p:nvSpPr>
-          <p:cNvPr id="3" name="Content Placeholder 2">
-            <a:extLst>
-              <a:ext uri="{FF2B5EF4-FFF2-40B4-BE49-F238E27FC236}">
-                <a16:creationId xmlns:a16="http://schemas.microsoft.com/office/drawing/2014/main" id="{F4C7CEF1-BCB5-694E-8939-8886631F528B}"/>
-              </a:ext>
-            </a:extLst>
-          </p:cNvPr>
-          <p:cNvSpPr>
-            <a:spLocks noGrp="1"/>
-          </p:cNvSpPr>
-          <p:nvPr>
-            <p:ph idx="1"/>
-          </p:nvPr>
-        </p:nvSpPr>
-        <p:spPr>
-          <a:xfrm>
-            <a:off x="156753" y="156754"/>
-            <a:ext cx="11869783" cy="6470469"/>
-          </a:xfrm>
-        </p:spPr>
-        <p:txBody>
-          <a:bodyPr/>
-          <a:lstStyle/>
-          <a:p>
-            <a:r>
-              <a:rPr lang="en-US" dirty="0"/>
-              <a:t>ES 6</a:t>
-            </a:r>
-          </a:p>
-          <a:p>
-            <a:pPr lvl="1"/>
-            <a:r>
-              <a:rPr lang="en-US" dirty="0"/>
-              <a:t>Modern JavaScript Standard</a:t>
-            </a:r>
-          </a:p>
-          <a:p>
-            <a:pPr lvl="1"/>
-            <a:r>
-              <a:rPr lang="en-US" dirty="0"/>
-              <a:t>Base for most of the JS Libraries and Frameworks</a:t>
-            </a:r>
-          </a:p>
-          <a:p>
-            <a:pPr lvl="1"/>
-            <a:r>
-              <a:rPr lang="en-US" dirty="0"/>
-              <a:t>Used to Support JS Full-Stack Apps</a:t>
-            </a:r>
-          </a:p>
-          <a:p>
-            <a:pPr lvl="1"/>
-            <a:r>
-              <a:rPr lang="en-US" dirty="0"/>
-              <a:t>Languages supporting ES 6</a:t>
-            </a:r>
-          </a:p>
-          <a:p>
-            <a:pPr lvl="2"/>
-            <a:r>
-              <a:rPr lang="en-US" dirty="0"/>
-              <a:t>JavaScript aka Modern JavaScript aka High-Level JavaScript</a:t>
-            </a:r>
-          </a:p>
-          <a:p>
-            <a:pPr lvl="2"/>
-            <a:r>
-              <a:rPr lang="en-US" dirty="0"/>
-              <a:t>TypeScript by Microsoft</a:t>
-            </a:r>
-          </a:p>
-          <a:p>
-            <a:pPr lvl="2"/>
-            <a:r>
-              <a:rPr lang="en-US" dirty="0"/>
-              <a:t>Dart, by google community </a:t>
-            </a:r>
-          </a:p>
-          <a:p>
-            <a:pPr lvl="1"/>
-            <a:r>
-              <a:rPr lang="en-US" dirty="0"/>
-              <a:t>Superset over the JavaScript (ES3/ES5) </a:t>
-            </a:r>
-          </a:p>
-        </p:txBody>
-      </p:sp>
-      <p:sp>
-        <p:nvSpPr>
-          <p:cNvPr id="4" name="Oval 3">
-            <a:extLst>
-              <a:ext uri="{FF2B5EF4-FFF2-40B4-BE49-F238E27FC236}">
-                <a16:creationId xmlns:a16="http://schemas.microsoft.com/office/drawing/2014/main" id="{22B79DCC-F5AA-234F-8DCC-02F02F05A15C}"/>
-              </a:ext>
-            </a:extLst>
-          </p:cNvPr>
-          <p:cNvSpPr/>
-          <p:nvPr/>
-        </p:nvSpPr>
-        <p:spPr>
-          <a:xfrm>
-            <a:off x="7384869" y="2168435"/>
-            <a:ext cx="4162698" cy="3962400"/>
-          </a:xfrm>
-          <a:prstGeom prst="ellipse">
-            <a:avLst/>
-          </a:prstGeom>
-          <a:solidFill>
-            <a:srgbClr val="FFFF00"/>
-          </a:solidFill>
-        </p:spPr>
-        <p:style>
-          <a:lnRef idx="2">
-            <a:schemeClr val="accent1">
-              <a:shade val="50000"/>
-            </a:schemeClr>
-          </a:lnRef>
-          <a:fillRef idx="1">
-            <a:schemeClr val="accent1"/>
-          </a:fillRef>
-          <a:effectRef idx="0">
-            <a:schemeClr val="accent1"/>
-          </a:effectRef>
-          <a:fontRef idx="minor">
-            <a:schemeClr val="lt1"/>
-          </a:fontRef>
-        </p:style>
-        <p:txBody>
-          <a:bodyPr rtlCol="0" anchor="ctr"/>
-          <a:lstStyle/>
-          <a:p>
-            <a:pPr algn="ctr"/>
-            <a:endParaRPr lang="en-US"/>
-          </a:p>
-        </p:txBody>
-      </p:sp>
-      <p:sp>
-        <p:nvSpPr>
-          <p:cNvPr id="5" name="TextBox 4">
-            <a:extLst>
-              <a:ext uri="{FF2B5EF4-FFF2-40B4-BE49-F238E27FC236}">
-                <a16:creationId xmlns:a16="http://schemas.microsoft.com/office/drawing/2014/main" id="{62E9AC2D-C7E7-CE4A-809E-6CF6EFAF0F25}"/>
+          <p:cNvPr id="2" name="TextBox 1">
+            <a:extLst>
+              <a:ext uri="{FF2B5EF4-FFF2-40B4-BE49-F238E27FC236}">
+                <a16:creationId xmlns:a16="http://schemas.microsoft.com/office/drawing/2014/main" id="{05E2AED1-8A65-BB4F-96C2-1B0C2F4C8013}"/>
               </a:ext>
             </a:extLst>
           </p:cNvPr>
@@ -6046,8 +6925,8 @@
         </p:nvSpPr>
         <p:spPr>
           <a:xfrm>
-            <a:off x="8508274" y="2612571"/>
-            <a:ext cx="1898469" cy="365760"/>
+            <a:off x="217714" y="200297"/>
+            <a:ext cx="11747863" cy="3970318"/>
           </a:xfrm>
           <a:prstGeom prst="rect">
             <a:avLst/>
@@ -6060,87 +6939,145 @@
           </a:bodyPr>
           <a:lstStyle/>
           <a:p>
-            <a:pPr algn="ctr"/>
-            <a:r>
-              <a:rPr lang="en-US" b="1" dirty="0">
-                <a:ln w="22225">
-                  <a:solidFill>
-                    <a:schemeClr val="accent2"/>
-                  </a:solidFill>
-                  <a:prstDash val="solid"/>
-                </a:ln>
-                <a:solidFill>
-                  <a:schemeClr val="accent2">
-                    <a:lumMod val="40000"/>
-                    <a:lumOff val="60000"/>
-                  </a:schemeClr>
-                </a:solidFill>
-              </a:rPr>
-              <a:t>ES 6</a:t>
-            </a:r>
-          </a:p>
-        </p:txBody>
-      </p:sp>
-      <p:sp>
-        <p:nvSpPr>
-          <p:cNvPr id="6" name="Oval 5">
-            <a:extLst>
-              <a:ext uri="{FF2B5EF4-FFF2-40B4-BE49-F238E27FC236}">
-                <a16:creationId xmlns:a16="http://schemas.microsoft.com/office/drawing/2014/main" id="{EB6ADF40-E7C3-7C4B-9421-9847097309BF}"/>
-              </a:ext>
-            </a:extLst>
-          </p:cNvPr>
-          <p:cNvSpPr/>
-          <p:nvPr/>
-        </p:nvSpPr>
-        <p:spPr>
-          <a:xfrm>
-            <a:off x="8164286" y="3008812"/>
-            <a:ext cx="2603863" cy="2281646"/>
-          </a:xfrm>
-          <a:prstGeom prst="ellipse">
-            <a:avLst/>
-          </a:prstGeom>
-        </p:spPr>
-        <p:style>
-          <a:lnRef idx="2">
-            <a:schemeClr val="accent1">
-              <a:shade val="50000"/>
-            </a:schemeClr>
-          </a:lnRef>
-          <a:fillRef idx="1">
-            <a:schemeClr val="accent1"/>
-          </a:fillRef>
-          <a:effectRef idx="0">
-            <a:schemeClr val="accent1"/>
-          </a:effectRef>
-          <a:fontRef idx="minor">
-            <a:schemeClr val="lt1"/>
-          </a:fontRef>
-        </p:style>
-        <p:txBody>
-          <a:bodyPr rtlCol="0" anchor="ctr"/>
-          <a:lstStyle/>
-          <a:p>
-            <a:pPr algn="ctr"/>
-            <a:r>
-              <a:rPr lang="en-US" b="1" dirty="0"/>
+            <a:r>
+              <a:rPr lang="en-US" dirty="0"/>
+              <a:t>Solution to the Challenges </a:t>
+            </a:r>
+          </a:p>
+          <a:p>
+            <a:endParaRPr lang="en-US" dirty="0"/>
+          </a:p>
+          <a:p>
+            <a:pPr marL="342900" indent="-342900">
+              <a:buFont typeface="+mj-lt"/>
+              <a:buAutoNum type="arabicPeriod"/>
+            </a:pPr>
+            <a:r>
+              <a:rPr lang="en-US" dirty="0"/>
+              <a:t>Full-Stack Isomorphic (?) Apps</a:t>
+            </a:r>
+          </a:p>
+          <a:p>
+            <a:pPr marL="800100" lvl="1" indent="-342900">
+              <a:buFont typeface="+mj-lt"/>
+              <a:buAutoNum type="arabicPeriod"/>
+            </a:pPr>
+            <a:r>
+              <a:rPr lang="en-US" dirty="0"/>
+              <a:t>Same Technology and Code-Base on Server, Middleware and on Client</a:t>
+            </a:r>
+          </a:p>
+          <a:p>
+            <a:pPr marL="800100" lvl="1" indent="-342900">
+              <a:buFont typeface="+mj-lt"/>
+              <a:buAutoNum type="arabicPeriod"/>
+            </a:pPr>
+            <a:r>
+              <a:rPr lang="en-US" dirty="0"/>
+              <a:t>E.g.</a:t>
+            </a:r>
+          </a:p>
+          <a:p>
+            <a:pPr marL="1257300" lvl="2" indent="-342900">
+              <a:buFont typeface="+mj-lt"/>
+              <a:buAutoNum type="arabicPeriod"/>
+            </a:pPr>
+            <a:r>
+              <a:rPr lang="en-US" dirty="0"/>
+              <a:t>Microsoft</a:t>
+            </a:r>
+          </a:p>
+          <a:p>
+            <a:pPr marL="1714500" lvl="3" indent="-342900">
+              <a:buFont typeface="+mj-lt"/>
+              <a:buAutoNum type="arabicPeriod"/>
+            </a:pPr>
+            <a:r>
+              <a:rPr lang="en-US" dirty="0"/>
+              <a:t>.NET 5, C#, Blazor (Interactive UI)</a:t>
+            </a:r>
+          </a:p>
+          <a:p>
+            <a:pPr marL="2171700" lvl="4" indent="-342900">
+              <a:buFont typeface="+mj-lt"/>
+              <a:buAutoNum type="arabicPeriod"/>
+            </a:pPr>
+            <a:r>
+              <a:rPr lang="en-US" dirty="0"/>
+              <a:t>Cross Platform</a:t>
+            </a:r>
+          </a:p>
+          <a:p>
+            <a:pPr marL="1257300" lvl="2" indent="-342900">
+              <a:buFont typeface="+mj-lt"/>
+              <a:buAutoNum type="arabicPeriod"/>
+            </a:pPr>
+            <a:r>
+              <a:rPr lang="en-US" dirty="0"/>
+              <a:t>JAVA</a:t>
+            </a:r>
+          </a:p>
+          <a:p>
+            <a:pPr marL="1714500" lvl="3" indent="-342900">
+              <a:buFont typeface="+mj-lt"/>
+              <a:buAutoNum type="arabicPeriod"/>
+            </a:pPr>
+            <a:r>
+              <a:rPr lang="en-US" dirty="0"/>
+              <a:t>JVM, Java, Spring Boot, GWT (Interactive UI)</a:t>
+            </a:r>
+          </a:p>
+          <a:p>
+            <a:pPr marL="2171700" lvl="4" indent="-342900">
+              <a:buFont typeface="+mj-lt"/>
+              <a:buAutoNum type="arabicPeriod"/>
+            </a:pPr>
+            <a:r>
+              <a:rPr lang="en-US" dirty="0"/>
+              <a:t>Cross Platform</a:t>
+            </a:r>
+          </a:p>
+          <a:p>
+            <a:pPr marL="1257300" lvl="2" indent="-342900">
+              <a:buFont typeface="+mj-lt"/>
+              <a:buAutoNum type="arabicPeriod"/>
+            </a:pPr>
+            <a:r>
+              <a:rPr lang="en-US" dirty="0"/>
               <a:t>JavaScript</a:t>
             </a:r>
           </a:p>
           <a:p>
-            <a:pPr algn="ctr"/>
-            <a:r>
-              <a:rPr lang="en-US" b="1" dirty="0"/>
-              <a:t>ES 3 Standard</a:t>
-            </a:r>
+            <a:pPr marL="1714500" lvl="3" indent="-342900">
+              <a:buFont typeface="+mj-lt"/>
+              <a:buAutoNum type="arabicPeriod"/>
+            </a:pPr>
+            <a:r>
+              <a:rPr lang="en-US" dirty="0"/>
+              <a:t>Node.js, ES 6 (Modern JavaScript), Express, Angular/React/Vue/Ember etc. (Interactive UI)</a:t>
+            </a:r>
+          </a:p>
+          <a:p>
+            <a:pPr marL="2171700" lvl="4" indent="-342900">
+              <a:buFont typeface="+mj-lt"/>
+              <a:buAutoNum type="arabicPeriod"/>
+            </a:pPr>
+            <a:r>
+              <a:rPr lang="en-US" dirty="0"/>
+              <a:t>Cross Platform and </a:t>
+            </a:r>
+            <a:r>
+              <a:rPr lang="en-US" dirty="0" err="1"/>
+              <a:t>LightWeight</a:t>
+            </a:r>
+            <a:endParaRPr lang="en-US" dirty="0"/>
           </a:p>
         </p:txBody>
       </p:sp>
     </p:spTree>
     <p:extLst>
       <p:ext uri="{BB962C8B-B14F-4D97-AF65-F5344CB8AC3E}">
-        <p14:creationId xmlns:p14="http://schemas.microsoft.com/office/powerpoint/2010/main" val="3957709118"/>
+        <p14:creationId xmlns:p14="http://schemas.microsoft.com/office/powerpoint/2010/main" val="3200406528"/>
       </p:ext>
     </p:extLst>
   </p:cSld>
@@ -6172,7 +7109,7 @@
           <p:cNvPr id="3" name="Content Placeholder 2">
             <a:extLst>
               <a:ext uri="{FF2B5EF4-FFF2-40B4-BE49-F238E27FC236}">
-                <a16:creationId xmlns:a16="http://schemas.microsoft.com/office/drawing/2014/main" id="{FCE14882-8460-EF4D-96B9-2B810551DA30}"/>
+                <a16:creationId xmlns:a16="http://schemas.microsoft.com/office/drawing/2014/main" id="{F4C7CEF1-BCB5-694E-8939-8886631F528B}"/>
               </a:ext>
             </a:extLst>
           </p:cNvPr>
@@ -6185,8 +7122,8 @@
         </p:nvSpPr>
         <p:spPr>
           <a:xfrm>
-            <a:off x="200297" y="269966"/>
-            <a:ext cx="11634652" cy="6357257"/>
+            <a:off x="156753" y="156754"/>
+            <a:ext cx="11869783" cy="6470469"/>
           </a:xfrm>
         </p:spPr>
         <p:txBody>
@@ -6195,124 +7132,217 @@
           <a:p>
             <a:r>
               <a:rPr lang="en-US" dirty="0"/>
-              <a:t>JavaScript Libraries</a:t>
+              <a:t>ES 6</a:t>
             </a:r>
           </a:p>
           <a:p>
             <a:pPr lvl="1"/>
             <a:r>
               <a:rPr lang="en-US" dirty="0"/>
-              <a:t>Single Responsibility Principle for implementing specific solution for JS apps</a:t>
+              <a:t>Modern JavaScript Standard</a:t>
+            </a:r>
+          </a:p>
+          <a:p>
+            <a:pPr lvl="1"/>
+            <a:r>
+              <a:rPr lang="en-US" dirty="0"/>
+              <a:t>Base for most of the JS Libraries and Frameworks</a:t>
+            </a:r>
+          </a:p>
+          <a:p>
+            <a:pPr lvl="1"/>
+            <a:r>
+              <a:rPr lang="en-US" dirty="0"/>
+              <a:t>Used to Support JS Full-Stack Apps</a:t>
+            </a:r>
+          </a:p>
+          <a:p>
+            <a:pPr lvl="1"/>
+            <a:r>
+              <a:rPr lang="en-US" dirty="0"/>
+              <a:t>Languages supporting ES 6</a:t>
             </a:r>
           </a:p>
           <a:p>
             <a:pPr lvl="2"/>
             <a:r>
               <a:rPr lang="en-US" dirty="0"/>
-              <a:t>jQuery, DOM</a:t>
+              <a:t>JavaScript aka Modern JavaScript aka High-Level JavaScript</a:t>
             </a:r>
           </a:p>
           <a:p>
             <a:pPr lvl="2"/>
             <a:r>
               <a:rPr lang="en-US" dirty="0"/>
-              <a:t>D3/c3 etc. for charts</a:t>
+              <a:t>TypeScript by Microsoft</a:t>
             </a:r>
           </a:p>
           <a:p>
             <a:pPr lvl="2"/>
             <a:r>
               <a:rPr lang="en-US" dirty="0"/>
-              <a:t>Moment for </a:t>
-            </a:r>
-            <a:r>
-              <a:rPr lang="en-US" dirty="0" err="1"/>
-              <a:t>DateTime</a:t>
-            </a:r>
-            <a:r>
-              <a:rPr lang="en-US" dirty="0"/>
-              <a:t> Operations</a:t>
-            </a:r>
-          </a:p>
-          <a:p>
-            <a:pPr lvl="2"/>
-            <a:r>
-              <a:rPr lang="en-US" dirty="0" err="1"/>
-              <a:t>React.js</a:t>
-            </a:r>
-            <a:r>
-              <a:rPr lang="en-US" dirty="0"/>
-              <a:t> for View</a:t>
-            </a:r>
-          </a:p>
-          <a:p>
-            <a:pPr lvl="2"/>
-            <a:r>
-              <a:rPr lang="en-US" dirty="0"/>
-              <a:t>Knockout, for MVVM</a:t>
-            </a:r>
-          </a:p>
-          <a:p>
-            <a:r>
-              <a:rPr lang="en-US" dirty="0"/>
-              <a:t>JavaScript Frameworks</a:t>
+              <a:t>Dart, by google community </a:t>
             </a:r>
           </a:p>
           <a:p>
             <a:pPr lvl="1"/>
             <a:r>
               <a:rPr lang="en-US" dirty="0"/>
-              <a:t>E2E Object model for JS Apps development</a:t>
-            </a:r>
-          </a:p>
-          <a:p>
-            <a:pPr lvl="1"/>
-            <a:r>
-              <a:rPr lang="en-US" dirty="0"/>
-              <a:t>Modularity out-of-the-box</a:t>
-            </a:r>
-          </a:p>
-          <a:p>
-            <a:pPr lvl="2"/>
-            <a:r>
-              <a:rPr lang="en-US" dirty="0" err="1"/>
-              <a:t>E.g</a:t>
-            </a:r>
-            <a:endParaRPr lang="en-US" dirty="0"/>
-          </a:p>
-          <a:p>
-            <a:pPr lvl="3"/>
-            <a:r>
-              <a:rPr lang="en-US" dirty="0"/>
-              <a:t>Presentation + Databinding + Events</a:t>
-            </a:r>
-          </a:p>
-          <a:p>
-            <a:pPr lvl="3"/>
-            <a:r>
-              <a:rPr lang="en-US" dirty="0"/>
-              <a:t>Data Model Management</a:t>
-            </a:r>
-          </a:p>
-          <a:p>
-            <a:pPr lvl="3"/>
-            <a:r>
-              <a:rPr lang="en-US" dirty="0"/>
-              <a:t>HTTP Object Model</a:t>
-            </a:r>
-          </a:p>
-          <a:p>
-            <a:pPr lvl="3"/>
-            <a:r>
-              <a:rPr lang="en-US" dirty="0"/>
-              <a:t>UI Reusability</a:t>
-            </a:r>
-          </a:p>
-          <a:p>
-            <a:pPr lvl="2"/>
-            <a:r>
-              <a:rPr lang="en-US" dirty="0"/>
-              <a:t>Angular / Vue (seats in between Library and Framework) / Ember / DOJO </a:t>
+              <a:t>Superset over the JavaScript (ES3/ES5) </a:t>
+            </a:r>
+          </a:p>
+        </p:txBody>
+      </p:sp>
+      <p:sp>
+        <p:nvSpPr>
+          <p:cNvPr id="4" name="Oval 3">
+            <a:extLst>
+              <a:ext uri="{FF2B5EF4-FFF2-40B4-BE49-F238E27FC236}">
+                <a16:creationId xmlns:a16="http://schemas.microsoft.com/office/drawing/2014/main" id="{22B79DCC-F5AA-234F-8DCC-02F02F05A15C}"/>
+              </a:ext>
+            </a:extLst>
+          </p:cNvPr>
+          <p:cNvSpPr/>
+          <p:nvPr/>
+        </p:nvSpPr>
+        <p:spPr>
+          <a:xfrm>
+            <a:off x="7384869" y="2168435"/>
+            <a:ext cx="4162698" cy="3962400"/>
+          </a:xfrm>
+          <a:prstGeom prst="ellipse">
+            <a:avLst/>
+          </a:prstGeom>
+          <a:solidFill>
+            <a:srgbClr val="FFFF00"/>
+          </a:solidFill>
+        </p:spPr>
+        <p:style>
+          <a:lnRef idx="2">
+            <a:schemeClr val="accent1">
+              <a:shade val="50000"/>
+            </a:schemeClr>
+          </a:lnRef>
+          <a:fillRef idx="1">
+            <a:schemeClr val="accent1"/>
+          </a:fillRef>
+          <a:effectRef idx="0">
+            <a:schemeClr val="accent1"/>
+          </a:effectRef>
+          <a:fontRef idx="minor">
+            <a:schemeClr val="lt1"/>
+          </a:fontRef>
+        </p:style>
+        <p:txBody>
+          <a:bodyPr rtlCol="0" anchor="ctr"/>
+          <a:lstStyle/>
+          <a:p>
+            <a:pPr algn="ctr"/>
+            <a:endParaRPr lang="en-US"/>
+          </a:p>
+        </p:txBody>
+      </p:sp>
+      <p:sp>
+        <p:nvSpPr>
+          <p:cNvPr id="5" name="TextBox 4">
+            <a:extLst>
+              <a:ext uri="{FF2B5EF4-FFF2-40B4-BE49-F238E27FC236}">
+                <a16:creationId xmlns:a16="http://schemas.microsoft.com/office/drawing/2014/main" id="{62E9AC2D-C7E7-CE4A-809E-6CF6EFAF0F25}"/>
+              </a:ext>
+            </a:extLst>
+          </p:cNvPr>
+          <p:cNvSpPr txBox="1"/>
+          <p:nvPr/>
+        </p:nvSpPr>
+        <p:spPr>
+          <a:xfrm>
+            <a:off x="8508274" y="2612571"/>
+            <a:ext cx="1898469" cy="365760"/>
+          </a:xfrm>
+          <a:prstGeom prst="rect">
+            <a:avLst/>
+          </a:prstGeom>
+          <a:noFill/>
+        </p:spPr>
+        <p:txBody>
+          <a:bodyPr wrap="square" rtlCol="0">
+            <a:spAutoFit/>
+          </a:bodyPr>
+          <a:lstStyle/>
+          <a:p>
+            <a:pPr algn="ctr"/>
+            <a:r>
+              <a:rPr lang="en-US" b="1" dirty="0">
+                <a:ln w="22225">
+                  <a:solidFill>
+                    <a:schemeClr val="accent2"/>
+                  </a:solidFill>
+                  <a:prstDash val="solid"/>
+                </a:ln>
+                <a:solidFill>
+                  <a:schemeClr val="accent2">
+                    <a:lumMod val="40000"/>
+                    <a:lumOff val="60000"/>
+                  </a:schemeClr>
+                </a:solidFill>
+              </a:rPr>
+              <a:t>ES 6</a:t>
+            </a:r>
+          </a:p>
+        </p:txBody>
+      </p:sp>
+      <p:sp>
+        <p:nvSpPr>
+          <p:cNvPr id="6" name="Oval 5">
+            <a:extLst>
+              <a:ext uri="{FF2B5EF4-FFF2-40B4-BE49-F238E27FC236}">
+                <a16:creationId xmlns:a16="http://schemas.microsoft.com/office/drawing/2014/main" id="{EB6ADF40-E7C3-7C4B-9421-9847097309BF}"/>
+              </a:ext>
+            </a:extLst>
+          </p:cNvPr>
+          <p:cNvSpPr/>
+          <p:nvPr/>
+        </p:nvSpPr>
+        <p:spPr>
+          <a:xfrm>
+            <a:off x="8164286" y="3008812"/>
+            <a:ext cx="2603863" cy="2281646"/>
+          </a:xfrm>
+          <a:prstGeom prst="ellipse">
+            <a:avLst/>
+          </a:prstGeom>
+        </p:spPr>
+        <p:style>
+          <a:lnRef idx="2">
+            <a:schemeClr val="accent1">
+              <a:shade val="50000"/>
+            </a:schemeClr>
+          </a:lnRef>
+          <a:fillRef idx="1">
+            <a:schemeClr val="accent1"/>
+          </a:fillRef>
+          <a:effectRef idx="0">
+            <a:schemeClr val="accent1"/>
+          </a:effectRef>
+          <a:fontRef idx="minor">
+            <a:schemeClr val="lt1"/>
+          </a:fontRef>
+        </p:style>
+        <p:txBody>
+          <a:bodyPr rtlCol="0" anchor="ctr"/>
+          <a:lstStyle/>
+          <a:p>
+            <a:pPr algn="ctr"/>
+            <a:r>
+              <a:rPr lang="en-US" b="1" dirty="0"/>
+              <a:t>JavaScript</a:t>
+            </a:r>
+          </a:p>
+          <a:p>
+            <a:pPr algn="ctr"/>
+            <a:r>
+              <a:rPr lang="en-US" b="1" dirty="0"/>
+              <a:t>ES 3 Standard</a:t>
             </a:r>
           </a:p>
         </p:txBody>
@@ -6320,7 +7350,7 @@
     </p:spTree>
     <p:extLst>
       <p:ext uri="{BB962C8B-B14F-4D97-AF65-F5344CB8AC3E}">
-        <p14:creationId xmlns:p14="http://schemas.microsoft.com/office/powerpoint/2010/main" val="2011183909"/>
+        <p14:creationId xmlns:p14="http://schemas.microsoft.com/office/powerpoint/2010/main" val="3957709118"/>
       </p:ext>
     </p:extLst>
   </p:cSld>
@@ -6349,184 +7379,158 @@
       </p:grpSpPr>
       <p:sp>
         <p:nvSpPr>
-          <p:cNvPr id="2" name="TextBox 1">
-            <a:extLst>
-              <a:ext uri="{FF2B5EF4-FFF2-40B4-BE49-F238E27FC236}">
-                <a16:creationId xmlns:a16="http://schemas.microsoft.com/office/drawing/2014/main" id="{547C65BF-3862-0545-A022-BF98DD7440AF}"/>
-              </a:ext>
-            </a:extLst>
-          </p:cNvPr>
-          <p:cNvSpPr txBox="1"/>
-          <p:nvPr/>
-        </p:nvSpPr>
-        <p:spPr>
-          <a:xfrm>
-            <a:off x="148046" y="174171"/>
-            <a:ext cx="11861074" cy="5016758"/>
-          </a:xfrm>
-          <a:prstGeom prst="rect">
-            <a:avLst/>
-          </a:prstGeom>
-          <a:noFill/>
-        </p:spPr>
-        <p:txBody>
-          <a:bodyPr wrap="square" rtlCol="0">
-            <a:spAutoFit/>
-          </a:bodyPr>
-          <a:lstStyle/>
-          <a:p>
-            <a:r>
-              <a:rPr lang="en-US" sz="2000" dirty="0"/>
-              <a:t>JavaScript UI Object Model</a:t>
-            </a:r>
-          </a:p>
-          <a:p>
-            <a:pPr marL="457200" indent="-457200">
-              <a:buFont typeface="+mj-lt"/>
-              <a:buAutoNum type="arabicPeriod"/>
-            </a:pPr>
-            <a:r>
-              <a:rPr lang="en-US" sz="2000" dirty="0"/>
-              <a:t>Bootstrap</a:t>
-            </a:r>
-          </a:p>
-          <a:p>
-            <a:pPr marL="914400" lvl="1" indent="-457200">
-              <a:buFont typeface="+mj-lt"/>
-              <a:buAutoNum type="arabicPeriod"/>
-            </a:pPr>
-            <a:r>
-              <a:rPr lang="en-US" sz="2000" dirty="0"/>
-              <a:t>CSS Libraries for UI Creation</a:t>
-            </a:r>
-          </a:p>
-          <a:p>
-            <a:pPr marL="914400" lvl="1" indent="-457200">
-              <a:buFont typeface="+mj-lt"/>
-              <a:buAutoNum type="arabicPeriod"/>
-            </a:pPr>
-            <a:r>
-              <a:rPr lang="en-US" sz="2000" dirty="0"/>
-              <a:t>CSS + JavaScript Plug-Ins for RICH UI and UX (known as UI Framework)</a:t>
-            </a:r>
-          </a:p>
-          <a:p>
-            <a:pPr marL="457200" indent="-457200">
-              <a:buFont typeface="+mj-lt"/>
-              <a:buAutoNum type="arabicPeriod"/>
-            </a:pPr>
-            <a:r>
-              <a:rPr lang="en-US" sz="2000" dirty="0"/>
-              <a:t>Iota CSS</a:t>
-            </a:r>
-          </a:p>
-          <a:p>
-            <a:pPr marL="914400" lvl="1" indent="-457200">
-              <a:buFont typeface="+mj-lt"/>
-              <a:buAutoNum type="arabicPeriod"/>
-            </a:pPr>
-            <a:r>
-              <a:rPr lang="en-US" sz="2000" dirty="0"/>
-              <a:t>Modern CSS Framework for UI and UX</a:t>
-            </a:r>
-          </a:p>
-          <a:p>
-            <a:pPr marL="457200" indent="-457200">
-              <a:buFont typeface="+mj-lt"/>
-              <a:buAutoNum type="arabicPeriod"/>
-            </a:pPr>
-            <a:r>
-              <a:rPr lang="en-US" sz="2000" dirty="0" err="1"/>
-              <a:t>FlexBox</a:t>
-            </a:r>
-            <a:r>
-              <a:rPr lang="en-US" sz="2000" dirty="0"/>
-              <a:t>	</a:t>
-            </a:r>
-          </a:p>
-          <a:p>
-            <a:pPr marL="914400" lvl="1" indent="-457200">
-              <a:buFont typeface="+mj-lt"/>
-              <a:buAutoNum type="arabicPeriod"/>
-            </a:pPr>
-            <a:r>
-              <a:rPr lang="en-US" sz="2000" dirty="0"/>
-              <a:t>Modern CSS Framework</a:t>
-            </a:r>
-          </a:p>
-          <a:p>
-            <a:pPr marL="914400" lvl="1" indent="-457200">
-              <a:buFont typeface="+mj-lt"/>
-              <a:buAutoNum type="arabicPeriod"/>
-            </a:pPr>
-            <a:endParaRPr lang="en-US" sz="2000" dirty="0"/>
-          </a:p>
-          <a:p>
-            <a:r>
-              <a:rPr lang="en-US" sz="2000" dirty="0"/>
-              <a:t>JavaScript Tools</a:t>
-            </a:r>
-          </a:p>
-          <a:p>
-            <a:endParaRPr lang="en-US" sz="2000" dirty="0"/>
-          </a:p>
-          <a:p>
-            <a:pPr marL="457200" indent="-457200">
-              <a:buFont typeface="+mj-lt"/>
-              <a:buAutoNum type="arabicPeriod"/>
-            </a:pPr>
-            <a:r>
-              <a:rPr lang="en-US" sz="2000" dirty="0"/>
-              <a:t>Used for Testing</a:t>
-            </a:r>
-          </a:p>
-          <a:p>
-            <a:pPr marL="914400" lvl="1" indent="-457200">
-              <a:buFont typeface="+mj-lt"/>
-              <a:buAutoNum type="arabicPeriod"/>
-            </a:pPr>
-            <a:r>
-              <a:rPr lang="en-US" sz="2000" dirty="0"/>
-              <a:t>Jasmine, Karma, Jest, Enzyme, Mocha, Chai</a:t>
-            </a:r>
-          </a:p>
-          <a:p>
-            <a:pPr marL="457200" indent="-457200">
-              <a:buFont typeface="+mj-lt"/>
-              <a:buAutoNum type="arabicPeriod"/>
-            </a:pPr>
-            <a:r>
-              <a:rPr lang="en-US" sz="2000" dirty="0"/>
-              <a:t>Automation Tools</a:t>
-            </a:r>
-          </a:p>
-          <a:p>
-            <a:pPr marL="914400" lvl="1" indent="-457200">
-              <a:buFont typeface="+mj-lt"/>
-              <a:buAutoNum type="arabicPeriod"/>
-            </a:pPr>
-            <a:r>
-              <a:rPr lang="en-US" sz="2000" dirty="0"/>
-              <a:t>Gulp, Grunt</a:t>
-            </a:r>
-          </a:p>
-          <a:p>
-            <a:pPr marL="914400" lvl="1" indent="-457200">
-              <a:buFont typeface="+mj-lt"/>
-              <a:buAutoNum type="arabicPeriod"/>
-            </a:pPr>
-            <a:r>
-              <a:rPr lang="en-US" sz="2000" dirty="0" err="1"/>
-              <a:t>WebPack</a:t>
-            </a:r>
-            <a:endParaRPr lang="en-US" sz="2000" dirty="0"/>
+          <p:cNvPr id="3" name="Content Placeholder 2">
+            <a:extLst>
+              <a:ext uri="{FF2B5EF4-FFF2-40B4-BE49-F238E27FC236}">
+                <a16:creationId xmlns:a16="http://schemas.microsoft.com/office/drawing/2014/main" id="{FCE14882-8460-EF4D-96B9-2B810551DA30}"/>
+              </a:ext>
+            </a:extLst>
+          </p:cNvPr>
+          <p:cNvSpPr>
+            <a:spLocks noGrp="1"/>
+          </p:cNvSpPr>
+          <p:nvPr>
+            <p:ph idx="1"/>
+          </p:nvPr>
+        </p:nvSpPr>
+        <p:spPr>
+          <a:xfrm>
+            <a:off x="200297" y="269966"/>
+            <a:ext cx="11634652" cy="6357257"/>
+          </a:xfrm>
+        </p:spPr>
+        <p:txBody>
+          <a:bodyPr/>
+          <a:lstStyle/>
+          <a:p>
+            <a:r>
+              <a:rPr lang="en-US" dirty="0"/>
+              <a:t>JavaScript Libraries</a:t>
+            </a:r>
+          </a:p>
+          <a:p>
+            <a:pPr lvl="1"/>
+            <a:r>
+              <a:rPr lang="en-US" dirty="0"/>
+              <a:t>Single Responsibility Principle for implementing specific solution for JS apps</a:t>
+            </a:r>
+          </a:p>
+          <a:p>
+            <a:pPr lvl="2"/>
+            <a:r>
+              <a:rPr lang="en-US" dirty="0"/>
+              <a:t>jQuery, DOM</a:t>
+            </a:r>
+          </a:p>
+          <a:p>
+            <a:pPr lvl="2"/>
+            <a:r>
+              <a:rPr lang="en-US" dirty="0"/>
+              <a:t>D3/c3 etc. for charts</a:t>
+            </a:r>
+          </a:p>
+          <a:p>
+            <a:pPr lvl="2"/>
+            <a:r>
+              <a:rPr lang="en-US" dirty="0"/>
+              <a:t>Moment for </a:t>
+            </a:r>
+            <a:r>
+              <a:rPr lang="en-US" dirty="0" err="1"/>
+              <a:t>DateTime</a:t>
+            </a:r>
+            <a:r>
+              <a:rPr lang="en-US" dirty="0"/>
+              <a:t> Operations</a:t>
+            </a:r>
+          </a:p>
+          <a:p>
+            <a:pPr lvl="2"/>
+            <a:r>
+              <a:rPr lang="en-US" dirty="0" err="1"/>
+              <a:t>React.js</a:t>
+            </a:r>
+            <a:r>
+              <a:rPr lang="en-US" dirty="0"/>
+              <a:t> for View</a:t>
+            </a:r>
+          </a:p>
+          <a:p>
+            <a:pPr lvl="2"/>
+            <a:r>
+              <a:rPr lang="en-US" dirty="0"/>
+              <a:t>Knockout, for MVVM</a:t>
+            </a:r>
+          </a:p>
+          <a:p>
+            <a:r>
+              <a:rPr lang="en-US" dirty="0"/>
+              <a:t>JavaScript Frameworks</a:t>
+            </a:r>
+          </a:p>
+          <a:p>
+            <a:pPr lvl="1"/>
+            <a:r>
+              <a:rPr lang="en-US" dirty="0"/>
+              <a:t>E2E Object model for JS Apps development</a:t>
+            </a:r>
+          </a:p>
+          <a:p>
+            <a:pPr lvl="1"/>
+            <a:r>
+              <a:rPr lang="en-US" dirty="0"/>
+              <a:t>Modularity out-of-the-box</a:t>
+            </a:r>
+          </a:p>
+          <a:p>
+            <a:pPr lvl="2"/>
+            <a:r>
+              <a:rPr lang="en-US" dirty="0" err="1"/>
+              <a:t>E.g</a:t>
+            </a:r>
+            <a:endParaRPr lang="en-US" dirty="0"/>
+          </a:p>
+          <a:p>
+            <a:pPr lvl="3"/>
+            <a:r>
+              <a:rPr lang="en-US" dirty="0"/>
+              <a:t>Presentation + Databinding + Events</a:t>
+            </a:r>
+          </a:p>
+          <a:p>
+            <a:pPr lvl="3"/>
+            <a:r>
+              <a:rPr lang="en-US" dirty="0"/>
+              <a:t>Data Model Management</a:t>
+            </a:r>
+          </a:p>
+          <a:p>
+            <a:pPr lvl="3"/>
+            <a:r>
+              <a:rPr lang="en-US" dirty="0"/>
+              <a:t>HTTP Object Model</a:t>
+            </a:r>
+          </a:p>
+          <a:p>
+            <a:pPr lvl="3"/>
+            <a:r>
+              <a:rPr lang="en-US" dirty="0"/>
+              <a:t>UI Reusability</a:t>
+            </a:r>
+          </a:p>
+          <a:p>
+            <a:pPr lvl="2"/>
+            <a:r>
+              <a:rPr lang="en-US" dirty="0"/>
+              <a:t>Angular / Vue (seats in between Library and Framework) / Ember / DOJO </a:t>
+            </a:r>
           </a:p>
         </p:txBody>
       </p:sp>
     </p:spTree>
     <p:extLst>
       <p:ext uri="{BB962C8B-B14F-4D97-AF65-F5344CB8AC3E}">
-        <p14:creationId xmlns:p14="http://schemas.microsoft.com/office/powerpoint/2010/main" val="3946041937"/>
+        <p14:creationId xmlns:p14="http://schemas.microsoft.com/office/powerpoint/2010/main" val="2011183909"/>
       </p:ext>
     </p:extLst>
   </p:cSld>
@@ -6558,6 +7562,212 @@
           <p:cNvPr id="2" name="TextBox 1">
             <a:extLst>
               <a:ext uri="{FF2B5EF4-FFF2-40B4-BE49-F238E27FC236}">
+                <a16:creationId xmlns:a16="http://schemas.microsoft.com/office/drawing/2014/main" id="{547C65BF-3862-0545-A022-BF98DD7440AF}"/>
+              </a:ext>
+            </a:extLst>
+          </p:cNvPr>
+          <p:cNvSpPr txBox="1"/>
+          <p:nvPr/>
+        </p:nvSpPr>
+        <p:spPr>
+          <a:xfrm>
+            <a:off x="148046" y="174171"/>
+            <a:ext cx="11861074" cy="5016758"/>
+          </a:xfrm>
+          <a:prstGeom prst="rect">
+            <a:avLst/>
+          </a:prstGeom>
+          <a:noFill/>
+        </p:spPr>
+        <p:txBody>
+          <a:bodyPr wrap="square" rtlCol="0">
+            <a:spAutoFit/>
+          </a:bodyPr>
+          <a:lstStyle/>
+          <a:p>
+            <a:r>
+              <a:rPr lang="en-US" sz="2000" dirty="0"/>
+              <a:t>JavaScript UI Object Model</a:t>
+            </a:r>
+          </a:p>
+          <a:p>
+            <a:pPr marL="457200" indent="-457200">
+              <a:buFont typeface="+mj-lt"/>
+              <a:buAutoNum type="arabicPeriod"/>
+            </a:pPr>
+            <a:r>
+              <a:rPr lang="en-US" sz="2000" dirty="0"/>
+              <a:t>Bootstrap</a:t>
+            </a:r>
+          </a:p>
+          <a:p>
+            <a:pPr marL="914400" lvl="1" indent="-457200">
+              <a:buFont typeface="+mj-lt"/>
+              <a:buAutoNum type="arabicPeriod"/>
+            </a:pPr>
+            <a:r>
+              <a:rPr lang="en-US" sz="2000" dirty="0"/>
+              <a:t>CSS Libraries for UI Creation</a:t>
+            </a:r>
+          </a:p>
+          <a:p>
+            <a:pPr marL="914400" lvl="1" indent="-457200">
+              <a:buFont typeface="+mj-lt"/>
+              <a:buAutoNum type="arabicPeriod"/>
+            </a:pPr>
+            <a:r>
+              <a:rPr lang="en-US" sz="2000" dirty="0"/>
+              <a:t>CSS + JavaScript Plug-Ins for RICH UI and UX (known as UI Framework)</a:t>
+            </a:r>
+          </a:p>
+          <a:p>
+            <a:pPr marL="457200" indent="-457200">
+              <a:buFont typeface="+mj-lt"/>
+              <a:buAutoNum type="arabicPeriod"/>
+            </a:pPr>
+            <a:r>
+              <a:rPr lang="en-US" sz="2000" dirty="0"/>
+              <a:t>Iota CSS</a:t>
+            </a:r>
+          </a:p>
+          <a:p>
+            <a:pPr marL="914400" lvl="1" indent="-457200">
+              <a:buFont typeface="+mj-lt"/>
+              <a:buAutoNum type="arabicPeriod"/>
+            </a:pPr>
+            <a:r>
+              <a:rPr lang="en-US" sz="2000" dirty="0"/>
+              <a:t>Modern CSS Framework for UI and UX</a:t>
+            </a:r>
+          </a:p>
+          <a:p>
+            <a:pPr marL="457200" indent="-457200">
+              <a:buFont typeface="+mj-lt"/>
+              <a:buAutoNum type="arabicPeriod"/>
+            </a:pPr>
+            <a:r>
+              <a:rPr lang="en-US" sz="2000" dirty="0" err="1"/>
+              <a:t>FlexBox</a:t>
+            </a:r>
+            <a:r>
+              <a:rPr lang="en-US" sz="2000" dirty="0"/>
+              <a:t>	</a:t>
+            </a:r>
+          </a:p>
+          <a:p>
+            <a:pPr marL="914400" lvl="1" indent="-457200">
+              <a:buFont typeface="+mj-lt"/>
+              <a:buAutoNum type="arabicPeriod"/>
+            </a:pPr>
+            <a:r>
+              <a:rPr lang="en-US" sz="2000" dirty="0"/>
+              <a:t>Modern CSS Framework</a:t>
+            </a:r>
+          </a:p>
+          <a:p>
+            <a:pPr marL="914400" lvl="1" indent="-457200">
+              <a:buFont typeface="+mj-lt"/>
+              <a:buAutoNum type="arabicPeriod"/>
+            </a:pPr>
+            <a:endParaRPr lang="en-US" sz="2000" dirty="0"/>
+          </a:p>
+          <a:p>
+            <a:r>
+              <a:rPr lang="en-US" sz="2000" dirty="0"/>
+              <a:t>JavaScript Tools</a:t>
+            </a:r>
+          </a:p>
+          <a:p>
+            <a:endParaRPr lang="en-US" sz="2000" dirty="0"/>
+          </a:p>
+          <a:p>
+            <a:pPr marL="457200" indent="-457200">
+              <a:buFont typeface="+mj-lt"/>
+              <a:buAutoNum type="arabicPeriod"/>
+            </a:pPr>
+            <a:r>
+              <a:rPr lang="en-US" sz="2000" dirty="0"/>
+              <a:t>Used for Testing</a:t>
+            </a:r>
+          </a:p>
+          <a:p>
+            <a:pPr marL="914400" lvl="1" indent="-457200">
+              <a:buFont typeface="+mj-lt"/>
+              <a:buAutoNum type="arabicPeriod"/>
+            </a:pPr>
+            <a:r>
+              <a:rPr lang="en-US" sz="2000" dirty="0"/>
+              <a:t>Jasmine, Karma, Jest, Enzyme, Mocha, Chai</a:t>
+            </a:r>
+          </a:p>
+          <a:p>
+            <a:pPr marL="457200" indent="-457200">
+              <a:buFont typeface="+mj-lt"/>
+              <a:buAutoNum type="arabicPeriod"/>
+            </a:pPr>
+            <a:r>
+              <a:rPr lang="en-US" sz="2000" dirty="0"/>
+              <a:t>Automation Tools</a:t>
+            </a:r>
+          </a:p>
+          <a:p>
+            <a:pPr marL="914400" lvl="1" indent="-457200">
+              <a:buFont typeface="+mj-lt"/>
+              <a:buAutoNum type="arabicPeriod"/>
+            </a:pPr>
+            <a:r>
+              <a:rPr lang="en-US" sz="2000" dirty="0"/>
+              <a:t>Gulp, Grunt</a:t>
+            </a:r>
+          </a:p>
+          <a:p>
+            <a:pPr marL="914400" lvl="1" indent="-457200">
+              <a:buFont typeface="+mj-lt"/>
+              <a:buAutoNum type="arabicPeriod"/>
+            </a:pPr>
+            <a:r>
+              <a:rPr lang="en-US" sz="2000" dirty="0" err="1"/>
+              <a:t>WebPack</a:t>
+            </a:r>
+            <a:endParaRPr lang="en-US" sz="2000" dirty="0"/>
+          </a:p>
+        </p:txBody>
+      </p:sp>
+    </p:spTree>
+    <p:extLst>
+      <p:ext uri="{BB962C8B-B14F-4D97-AF65-F5344CB8AC3E}">
+        <p14:creationId xmlns:p14="http://schemas.microsoft.com/office/powerpoint/2010/main" val="3946041937"/>
+      </p:ext>
+    </p:extLst>
+  </p:cSld>
+  <p:clrMapOvr>
+    <a:masterClrMapping/>
+  </p:clrMapOvr>
+</p:sld>
+</file>
+
+<file path=ppt/slides/slide9.xml><?xml version="1.0" encoding="utf-8"?>
+<p:sld xmlns:a="http://schemas.openxmlformats.org/drawingml/2006/main" xmlns:r="http://schemas.openxmlformats.org/officeDocument/2006/relationships" xmlns:p="http://schemas.openxmlformats.org/presentationml/2006/main">
+  <p:cSld>
+    <p:spTree>
+      <p:nvGrpSpPr>
+        <p:cNvPr id="1" name=""/>
+        <p:cNvGrpSpPr/>
+        <p:nvPr/>
+      </p:nvGrpSpPr>
+      <p:grpSpPr>
+        <a:xfrm>
+          <a:off x="0" y="0"/>
+          <a:ext cx="0" cy="0"/>
+          <a:chOff x="0" y="0"/>
+          <a:chExt cx="0" cy="0"/>
+        </a:xfrm>
+      </p:grpSpPr>
+      <p:sp>
+        <p:nvSpPr>
+          <p:cNvPr id="2" name="TextBox 1">
+            <a:extLst>
+              <a:ext uri="{FF2B5EF4-FFF2-40B4-BE49-F238E27FC236}">
                 <a16:creationId xmlns:a16="http://schemas.microsoft.com/office/drawing/2014/main" id="{33DEF63F-E397-CC40-B774-6A171868EE42}"/>
               </a:ext>
             </a:extLst>
@@ -7289,7 +8499,7 @@
         </p:nvSpPr>
         <p:spPr>
           <a:xfrm>
-            <a:off x="461554" y="3911236"/>
+            <a:off x="1262743" y="3608146"/>
             <a:ext cx="5329646" cy="923330"/>
           </a:xfrm>
           <a:prstGeom prst="rect">
@@ -7305,13 +8515,426 @@
           <a:p>
             <a:r>
               <a:rPr lang="en-US" dirty="0"/>
-              <a:t>Obj1 and Obj2 will point to same object or refer to same object so if one is changed other will be notified </a:t>
-            </a:r>
-            <a:r>
-              <a:rPr lang="en-US"/>
-              <a:t>with changes</a:t>
-            </a:r>
-            <a:endParaRPr lang="en-US" dirty="0"/>
+              <a:t>Obj1 and Obj2 will point to same object or refer to same object so if one is changed other will be notified with changes</a:t>
+            </a:r>
+          </a:p>
+        </p:txBody>
+      </p:sp>
+      <p:sp>
+        <p:nvSpPr>
+          <p:cNvPr id="24" name="TextBox 23">
+            <a:extLst>
+              <a:ext uri="{FF2B5EF4-FFF2-40B4-BE49-F238E27FC236}">
+                <a16:creationId xmlns:a16="http://schemas.microsoft.com/office/drawing/2014/main" id="{2A988894-AEEA-554A-947F-1EDFCDC8C92A}"/>
+              </a:ext>
+            </a:extLst>
+          </p:cNvPr>
+          <p:cNvSpPr txBox="1"/>
+          <p:nvPr/>
+        </p:nvSpPr>
+        <p:spPr>
+          <a:xfrm>
+            <a:off x="313509" y="5172891"/>
+            <a:ext cx="11094720" cy="646331"/>
+          </a:xfrm>
+          <a:prstGeom prst="rect">
+            <a:avLst/>
+          </a:prstGeom>
+          <a:noFill/>
+        </p:spPr>
+        <p:txBody>
+          <a:bodyPr wrap="square" rtlCol="0">
+            <a:spAutoFit/>
+          </a:bodyPr>
+          <a:lstStyle/>
+          <a:p>
+            <a:r>
+              <a:rPr lang="en-IN" dirty="0"/>
+              <a:t>var obj3 = </a:t>
+            </a:r>
+            <a:r>
+              <a:rPr lang="en-IN" i="1" dirty="0" err="1"/>
+              <a:t>Object</a:t>
+            </a:r>
+            <a:r>
+              <a:rPr lang="en-IN" dirty="0" err="1"/>
+              <a:t>.assign</a:t>
+            </a:r>
+            <a:r>
+              <a:rPr lang="en-IN" dirty="0"/>
+              <a:t>({}, obj1);</a:t>
+            </a:r>
+          </a:p>
+          <a:p>
+            <a:r>
+              <a:rPr lang="en-US" dirty="0"/>
+              <a:t>				</a:t>
+            </a:r>
+          </a:p>
+        </p:txBody>
+      </p:sp>
+      <p:sp>
+        <p:nvSpPr>
+          <p:cNvPr id="25" name="Oval 24">
+            <a:extLst>
+              <a:ext uri="{FF2B5EF4-FFF2-40B4-BE49-F238E27FC236}">
+                <a16:creationId xmlns:a16="http://schemas.microsoft.com/office/drawing/2014/main" id="{8D835C19-1333-DB44-90FE-57D95F2BFDF2}"/>
+              </a:ext>
+            </a:extLst>
+          </p:cNvPr>
+          <p:cNvSpPr/>
+          <p:nvPr/>
+        </p:nvSpPr>
+        <p:spPr>
+          <a:xfrm>
+            <a:off x="6352904" y="5025708"/>
+            <a:ext cx="1480457" cy="1191350"/>
+          </a:xfrm>
+          <a:prstGeom prst="ellipse">
+            <a:avLst/>
+          </a:prstGeom>
+        </p:spPr>
+        <p:style>
+          <a:lnRef idx="2">
+            <a:schemeClr val="accent1">
+              <a:shade val="50000"/>
+            </a:schemeClr>
+          </a:lnRef>
+          <a:fillRef idx="1">
+            <a:schemeClr val="accent1"/>
+          </a:fillRef>
+          <a:effectRef idx="0">
+            <a:schemeClr val="accent1"/>
+          </a:effectRef>
+          <a:fontRef idx="minor">
+            <a:schemeClr val="lt1"/>
+          </a:fontRef>
+        </p:style>
+        <p:txBody>
+          <a:bodyPr rtlCol="0" anchor="ctr"/>
+          <a:lstStyle/>
+          <a:p>
+            <a:pPr algn="ctr"/>
+            <a:r>
+              <a:rPr lang="en-US" dirty="0"/>
+              <a:t>n:10</a:t>
+            </a:r>
+          </a:p>
+        </p:txBody>
+      </p:sp>
+      <p:sp>
+        <p:nvSpPr>
+          <p:cNvPr id="26" name="Rounded Rectangle 25">
+            <a:extLst>
+              <a:ext uri="{FF2B5EF4-FFF2-40B4-BE49-F238E27FC236}">
+                <a16:creationId xmlns:a16="http://schemas.microsoft.com/office/drawing/2014/main" id="{35D44EDC-A054-6542-9462-8A2292189020}"/>
+              </a:ext>
+            </a:extLst>
+          </p:cNvPr>
+          <p:cNvSpPr/>
+          <p:nvPr/>
+        </p:nvSpPr>
+        <p:spPr>
+          <a:xfrm>
+            <a:off x="3557453" y="5522549"/>
+            <a:ext cx="679268" cy="592183"/>
+          </a:xfrm>
+          <a:prstGeom prst="roundRect">
+            <a:avLst/>
+          </a:prstGeom>
+        </p:spPr>
+        <p:style>
+          <a:lnRef idx="2">
+            <a:schemeClr val="accent1">
+              <a:shade val="50000"/>
+            </a:schemeClr>
+          </a:lnRef>
+          <a:fillRef idx="1">
+            <a:schemeClr val="accent1"/>
+          </a:fillRef>
+          <a:effectRef idx="0">
+            <a:schemeClr val="accent1"/>
+          </a:effectRef>
+          <a:fontRef idx="minor">
+            <a:schemeClr val="lt1"/>
+          </a:fontRef>
+        </p:style>
+        <p:txBody>
+          <a:bodyPr rtlCol="0" anchor="ctr"/>
+          <a:lstStyle/>
+          <a:p>
+            <a:pPr algn="ctr"/>
+            <a:r>
+              <a:rPr lang="en-US" dirty="0"/>
+              <a:t>obj1</a:t>
+            </a:r>
+          </a:p>
+        </p:txBody>
+      </p:sp>
+      <p:cxnSp>
+        <p:nvCxnSpPr>
+          <p:cNvPr id="27" name="Straight Arrow Connector 26">
+            <a:extLst>
+              <a:ext uri="{FF2B5EF4-FFF2-40B4-BE49-F238E27FC236}">
+                <a16:creationId xmlns:a16="http://schemas.microsoft.com/office/drawing/2014/main" id="{39D3EE7F-500E-174D-AA06-68E053E097A2}"/>
+              </a:ext>
+            </a:extLst>
+          </p:cNvPr>
+          <p:cNvCxnSpPr>
+            <a:stCxn id="26" idx="3"/>
+            <a:endCxn id="25" idx="2"/>
+          </p:cNvCxnSpPr>
+          <p:nvPr/>
+        </p:nvCxnSpPr>
+        <p:spPr>
+          <a:xfrm flipV="1">
+            <a:off x="4236721" y="5621383"/>
+            <a:ext cx="2116183" cy="197258"/>
+          </a:xfrm>
+          <a:prstGeom prst="straightConnector1">
+            <a:avLst/>
+          </a:prstGeom>
+          <a:ln>
+            <a:tailEnd type="triangle"/>
+          </a:ln>
+        </p:spPr>
+        <p:style>
+          <a:lnRef idx="1">
+            <a:schemeClr val="accent1"/>
+          </a:lnRef>
+          <a:fillRef idx="0">
+            <a:schemeClr val="accent1"/>
+          </a:fillRef>
+          <a:effectRef idx="0">
+            <a:schemeClr val="accent1"/>
+          </a:effectRef>
+          <a:fontRef idx="minor">
+            <a:schemeClr val="tx1"/>
+          </a:fontRef>
+        </p:style>
+      </p:cxnSp>
+      <p:sp>
+        <p:nvSpPr>
+          <p:cNvPr id="28" name="Oval 27">
+            <a:extLst>
+              <a:ext uri="{FF2B5EF4-FFF2-40B4-BE49-F238E27FC236}">
+                <a16:creationId xmlns:a16="http://schemas.microsoft.com/office/drawing/2014/main" id="{808A42B5-92D9-E444-B2E5-F3622829789B}"/>
+              </a:ext>
+            </a:extLst>
+          </p:cNvPr>
+          <p:cNvSpPr/>
+          <p:nvPr/>
+        </p:nvSpPr>
+        <p:spPr>
+          <a:xfrm>
+            <a:off x="10585268" y="5479888"/>
+            <a:ext cx="1480457" cy="1191350"/>
+          </a:xfrm>
+          <a:prstGeom prst="ellipse">
+            <a:avLst/>
+          </a:prstGeom>
+        </p:spPr>
+        <p:style>
+          <a:lnRef idx="2">
+            <a:schemeClr val="accent1">
+              <a:shade val="50000"/>
+            </a:schemeClr>
+          </a:lnRef>
+          <a:fillRef idx="1">
+            <a:schemeClr val="accent1"/>
+          </a:fillRef>
+          <a:effectRef idx="0">
+            <a:schemeClr val="accent1"/>
+          </a:effectRef>
+          <a:fontRef idx="minor">
+            <a:schemeClr val="lt1"/>
+          </a:fontRef>
+        </p:style>
+        <p:txBody>
+          <a:bodyPr rtlCol="0" anchor="ctr"/>
+          <a:lstStyle/>
+          <a:p>
+            <a:pPr algn="ctr"/>
+            <a:r>
+              <a:rPr lang="en-US" dirty="0"/>
+              <a:t>n:10</a:t>
+            </a:r>
+          </a:p>
+        </p:txBody>
+      </p:sp>
+      <p:sp>
+        <p:nvSpPr>
+          <p:cNvPr id="29" name="Rounded Rectangle 28">
+            <a:extLst>
+              <a:ext uri="{FF2B5EF4-FFF2-40B4-BE49-F238E27FC236}">
+                <a16:creationId xmlns:a16="http://schemas.microsoft.com/office/drawing/2014/main" id="{09AD440A-0B71-4040-A1DF-9458EB9E4F68}"/>
+              </a:ext>
+            </a:extLst>
+          </p:cNvPr>
+          <p:cNvSpPr/>
+          <p:nvPr/>
+        </p:nvSpPr>
+        <p:spPr>
+          <a:xfrm>
+            <a:off x="7833361" y="6174997"/>
+            <a:ext cx="679268" cy="592183"/>
+          </a:xfrm>
+          <a:prstGeom prst="roundRect">
+            <a:avLst/>
+          </a:prstGeom>
+        </p:spPr>
+        <p:style>
+          <a:lnRef idx="2">
+            <a:schemeClr val="accent1">
+              <a:shade val="50000"/>
+            </a:schemeClr>
+          </a:lnRef>
+          <a:fillRef idx="1">
+            <a:schemeClr val="accent1"/>
+          </a:fillRef>
+          <a:effectRef idx="0">
+            <a:schemeClr val="accent1"/>
+          </a:effectRef>
+          <a:fontRef idx="minor">
+            <a:schemeClr val="lt1"/>
+          </a:fontRef>
+        </p:style>
+        <p:txBody>
+          <a:bodyPr rtlCol="0" anchor="ctr"/>
+          <a:lstStyle/>
+          <a:p>
+            <a:pPr algn="ctr"/>
+            <a:r>
+              <a:rPr lang="en-US" dirty="0"/>
+              <a:t>obj3</a:t>
+            </a:r>
+          </a:p>
+        </p:txBody>
+      </p:sp>
+      <p:cxnSp>
+        <p:nvCxnSpPr>
+          <p:cNvPr id="30" name="Straight Arrow Connector 29">
+            <a:extLst>
+              <a:ext uri="{FF2B5EF4-FFF2-40B4-BE49-F238E27FC236}">
+                <a16:creationId xmlns:a16="http://schemas.microsoft.com/office/drawing/2014/main" id="{3F93D3F9-9BEA-1245-9152-6423714F6878}"/>
+              </a:ext>
+            </a:extLst>
+          </p:cNvPr>
+          <p:cNvCxnSpPr>
+            <a:stCxn id="29" idx="3"/>
+            <a:endCxn id="28" idx="2"/>
+          </p:cNvCxnSpPr>
+          <p:nvPr/>
+        </p:nvCxnSpPr>
+        <p:spPr>
+          <a:xfrm flipV="1">
+            <a:off x="8512629" y="6075563"/>
+            <a:ext cx="2072639" cy="395526"/>
+          </a:xfrm>
+          <a:prstGeom prst="straightConnector1">
+            <a:avLst/>
+          </a:prstGeom>
+          <a:ln>
+            <a:tailEnd type="triangle"/>
+          </a:ln>
+        </p:spPr>
+        <p:style>
+          <a:lnRef idx="1">
+            <a:schemeClr val="accent1"/>
+          </a:lnRef>
+          <a:fillRef idx="0">
+            <a:schemeClr val="accent1"/>
+          </a:fillRef>
+          <a:effectRef idx="0">
+            <a:schemeClr val="accent1"/>
+          </a:effectRef>
+          <a:fontRef idx="minor">
+            <a:schemeClr val="tx1"/>
+          </a:fontRef>
+        </p:style>
+      </p:cxnSp>
+      <p:sp>
+        <p:nvSpPr>
+          <p:cNvPr id="31" name="Curved Down Arrow 30">
+            <a:extLst>
+              <a:ext uri="{FF2B5EF4-FFF2-40B4-BE49-F238E27FC236}">
+                <a16:creationId xmlns:a16="http://schemas.microsoft.com/office/drawing/2014/main" id="{4A58B23A-1D7D-B14C-A0EF-3D397D5E2181}"/>
+              </a:ext>
+            </a:extLst>
+          </p:cNvPr>
+          <p:cNvSpPr/>
+          <p:nvPr/>
+        </p:nvSpPr>
+        <p:spPr>
+          <a:xfrm>
+            <a:off x="7833361" y="5426922"/>
+            <a:ext cx="2939142" cy="352550"/>
+          </a:xfrm>
+          <a:prstGeom prst="curvedDownArrow">
+            <a:avLst/>
+          </a:prstGeom>
+        </p:spPr>
+        <p:style>
+          <a:lnRef idx="2">
+            <a:schemeClr val="accent1">
+              <a:shade val="50000"/>
+            </a:schemeClr>
+          </a:lnRef>
+          <a:fillRef idx="1">
+            <a:schemeClr val="accent1"/>
+          </a:fillRef>
+          <a:effectRef idx="0">
+            <a:schemeClr val="accent1"/>
+          </a:effectRef>
+          <a:fontRef idx="minor">
+            <a:schemeClr val="lt1"/>
+          </a:fontRef>
+        </p:style>
+        <p:txBody>
+          <a:bodyPr rtlCol="0" anchor="ctr"/>
+          <a:lstStyle/>
+          <a:p>
+            <a:pPr algn="ctr"/>
+            <a:endParaRPr lang="en-US">
+              <a:solidFill>
+                <a:schemeClr val="tx1"/>
+              </a:solidFill>
+            </a:endParaRPr>
+          </a:p>
+        </p:txBody>
+      </p:sp>
+      <p:sp>
+        <p:nvSpPr>
+          <p:cNvPr id="33" name="TextBox 32">
+            <a:extLst>
+              <a:ext uri="{FF2B5EF4-FFF2-40B4-BE49-F238E27FC236}">
+                <a16:creationId xmlns:a16="http://schemas.microsoft.com/office/drawing/2014/main" id="{019AE9F7-97EC-E549-9D39-7542996B03E0}"/>
+              </a:ext>
+            </a:extLst>
+          </p:cNvPr>
+          <p:cNvSpPr txBox="1"/>
+          <p:nvPr/>
+        </p:nvSpPr>
+        <p:spPr>
+          <a:xfrm>
+            <a:off x="9853749" y="3949594"/>
+            <a:ext cx="2373086" cy="1477328"/>
+          </a:xfrm>
+          <a:prstGeom prst="rect">
+            <a:avLst/>
+          </a:prstGeom>
+          <a:noFill/>
+        </p:spPr>
+        <p:txBody>
+          <a:bodyPr wrap="square" rtlCol="0">
+            <a:spAutoFit/>
+          </a:bodyPr>
+          <a:lstStyle/>
+          <a:p>
+            <a:r>
+              <a:rPr lang="en-US" dirty="0"/>
+              <a:t>Obj3 and obj1 are separate objects, but obj3 is created using schema and data of obj1</a:t>
+            </a:r>
           </a:p>
         </p:txBody>
       </p:sp>

--- a/SpotPPTs.pptx
+++ b/SpotPPTs.pptx
@@ -270,7 +270,7 @@
           <a:p>
             <a:fld id="{6B75415C-91ED-7941-9068-396BBFB028E8}" type="datetimeFigureOut">
               <a:rPr lang="en-US" smtClean="0"/>
-              <a:t>4/5/21</a:t>
+              <a:t>4/6/21</a:t>
             </a:fld>
             <a:endParaRPr lang="en-US"/>
           </a:p>
@@ -470,7 +470,7 @@
           <a:p>
             <a:fld id="{6B75415C-91ED-7941-9068-396BBFB028E8}" type="datetimeFigureOut">
               <a:rPr lang="en-US" smtClean="0"/>
-              <a:t>4/5/21</a:t>
+              <a:t>4/6/21</a:t>
             </a:fld>
             <a:endParaRPr lang="en-US"/>
           </a:p>
@@ -680,7 +680,7 @@
           <a:p>
             <a:fld id="{6B75415C-91ED-7941-9068-396BBFB028E8}" type="datetimeFigureOut">
               <a:rPr lang="en-US" smtClean="0"/>
-              <a:t>4/5/21</a:t>
+              <a:t>4/6/21</a:t>
             </a:fld>
             <a:endParaRPr lang="en-US"/>
           </a:p>
@@ -880,7 +880,7 @@
           <a:p>
             <a:fld id="{6B75415C-91ED-7941-9068-396BBFB028E8}" type="datetimeFigureOut">
               <a:rPr lang="en-US" smtClean="0"/>
-              <a:t>4/5/21</a:t>
+              <a:t>4/6/21</a:t>
             </a:fld>
             <a:endParaRPr lang="en-US"/>
           </a:p>
@@ -1156,7 +1156,7 @@
           <a:p>
             <a:fld id="{6B75415C-91ED-7941-9068-396BBFB028E8}" type="datetimeFigureOut">
               <a:rPr lang="en-US" smtClean="0"/>
-              <a:t>4/5/21</a:t>
+              <a:t>4/6/21</a:t>
             </a:fld>
             <a:endParaRPr lang="en-US"/>
           </a:p>
@@ -1424,7 +1424,7 @@
           <a:p>
             <a:fld id="{6B75415C-91ED-7941-9068-396BBFB028E8}" type="datetimeFigureOut">
               <a:rPr lang="en-US" smtClean="0"/>
-              <a:t>4/5/21</a:t>
+              <a:t>4/6/21</a:t>
             </a:fld>
             <a:endParaRPr lang="en-US"/>
           </a:p>
@@ -1839,7 +1839,7 @@
           <a:p>
             <a:fld id="{6B75415C-91ED-7941-9068-396BBFB028E8}" type="datetimeFigureOut">
               <a:rPr lang="en-US" smtClean="0"/>
-              <a:t>4/5/21</a:t>
+              <a:t>4/6/21</a:t>
             </a:fld>
             <a:endParaRPr lang="en-US"/>
           </a:p>
@@ -1981,7 +1981,7 @@
           <a:p>
             <a:fld id="{6B75415C-91ED-7941-9068-396BBFB028E8}" type="datetimeFigureOut">
               <a:rPr lang="en-US" smtClean="0"/>
-              <a:t>4/5/21</a:t>
+              <a:t>4/6/21</a:t>
             </a:fld>
             <a:endParaRPr lang="en-US"/>
           </a:p>
@@ -2094,7 +2094,7 @@
           <a:p>
             <a:fld id="{6B75415C-91ED-7941-9068-396BBFB028E8}" type="datetimeFigureOut">
               <a:rPr lang="en-US" smtClean="0"/>
-              <a:t>4/5/21</a:t>
+              <a:t>4/6/21</a:t>
             </a:fld>
             <a:endParaRPr lang="en-US"/>
           </a:p>
@@ -2407,7 +2407,7 @@
           <a:p>
             <a:fld id="{6B75415C-91ED-7941-9068-396BBFB028E8}" type="datetimeFigureOut">
               <a:rPr lang="en-US" smtClean="0"/>
-              <a:t>4/5/21</a:t>
+              <a:t>4/6/21</a:t>
             </a:fld>
             <a:endParaRPr lang="en-US"/>
           </a:p>
@@ -2696,7 +2696,7 @@
           <a:p>
             <a:fld id="{6B75415C-91ED-7941-9068-396BBFB028E8}" type="datetimeFigureOut">
               <a:rPr lang="en-US" smtClean="0"/>
-              <a:t>4/5/21</a:t>
+              <a:t>4/6/21</a:t>
             </a:fld>
             <a:endParaRPr lang="en-US"/>
           </a:p>
@@ -2939,7 +2939,7 @@
           <a:p>
             <a:fld id="{6B75415C-91ED-7941-9068-396BBFB028E8}" type="datetimeFigureOut">
               <a:rPr lang="en-US" smtClean="0"/>
-              <a:t>4/5/21</a:t>
+              <a:t>4/6/21</a:t>
             </a:fld>
             <a:endParaRPr lang="en-US"/>
           </a:p>
@@ -3489,8 +3489,8 @@
         </p:nvSpPr>
         <p:spPr>
           <a:xfrm>
-            <a:off x="1062446" y="1219199"/>
-            <a:ext cx="9910354" cy="4632960"/>
+            <a:off x="357051" y="1219199"/>
+            <a:ext cx="10615749" cy="4632960"/>
           </a:xfrm>
           <a:prstGeom prst="rect">
             <a:avLst/>
@@ -3533,8 +3533,8 @@
         </p:nvSpPr>
         <p:spPr>
           <a:xfrm>
-            <a:off x="8473440" y="2107474"/>
-            <a:ext cx="2151017" cy="2560320"/>
+            <a:off x="8876211" y="2107474"/>
+            <a:ext cx="1748246" cy="2560320"/>
           </a:xfrm>
           <a:prstGeom prst="roundRect">
             <a:avLst/>
@@ -3582,8 +3582,8 @@
         </p:nvSpPr>
         <p:spPr>
           <a:xfrm>
-            <a:off x="6096000" y="2107474"/>
-            <a:ext cx="2151017" cy="2560320"/>
+            <a:off x="6932022" y="2107474"/>
+            <a:ext cx="1748246" cy="2560320"/>
           </a:xfrm>
           <a:prstGeom prst="roundRect">
             <a:avLst/>
@@ -3631,8 +3631,8 @@
         </p:nvSpPr>
         <p:spPr>
           <a:xfrm>
-            <a:off x="1295400" y="2107474"/>
-            <a:ext cx="2151017" cy="2560320"/>
+            <a:off x="2993571" y="2107474"/>
+            <a:ext cx="1748246" cy="2560320"/>
           </a:xfrm>
           <a:prstGeom prst="roundRect">
             <a:avLst/>
@@ -3680,8 +3680,8 @@
         </p:nvSpPr>
         <p:spPr>
           <a:xfrm>
-            <a:off x="3679371" y="2148840"/>
-            <a:ext cx="2151017" cy="2560320"/>
+            <a:off x="4987834" y="2107474"/>
+            <a:ext cx="1748246" cy="2560320"/>
           </a:xfrm>
           <a:prstGeom prst="roundRect">
             <a:avLst/>
@@ -3712,6 +3712,63 @@
               <a:rPr lang="en-US" dirty="0"/>
               <a:t>Object for Managing External HTTP / Socket Calls</a:t>
             </a:r>
+          </a:p>
+        </p:txBody>
+      </p:sp>
+      <p:sp>
+        <p:nvSpPr>
+          <p:cNvPr id="8" name="Rounded Rectangle 7">
+            <a:extLst>
+              <a:ext uri="{FF2B5EF4-FFF2-40B4-BE49-F238E27FC236}">
+                <a16:creationId xmlns:a16="http://schemas.microsoft.com/office/drawing/2014/main" id="{BB1AA621-7D46-2D49-9F5E-BFB01F0E936D}"/>
+              </a:ext>
+            </a:extLst>
+          </p:cNvPr>
+          <p:cNvSpPr/>
+          <p:nvPr/>
+        </p:nvSpPr>
+        <p:spPr>
+          <a:xfrm>
+            <a:off x="693420" y="2107474"/>
+            <a:ext cx="1748246" cy="2560320"/>
+          </a:xfrm>
+          <a:prstGeom prst="roundRect">
+            <a:avLst/>
+          </a:prstGeom>
+        </p:spPr>
+        <p:style>
+          <a:lnRef idx="2">
+            <a:schemeClr val="accent1">
+              <a:shade val="50000"/>
+            </a:schemeClr>
+          </a:lnRef>
+          <a:fillRef idx="1">
+            <a:schemeClr val="accent1"/>
+          </a:fillRef>
+          <a:effectRef idx="0">
+            <a:schemeClr val="accent1"/>
+          </a:effectRef>
+          <a:fontRef idx="minor">
+            <a:schemeClr val="lt1"/>
+          </a:fontRef>
+        </p:style>
+        <p:txBody>
+          <a:bodyPr rtlCol="0" anchor="ctr"/>
+          <a:lstStyle/>
+          <a:p>
+            <a:pPr algn="ctr"/>
+            <a:r>
+              <a:rPr lang="en-US" dirty="0"/>
+              <a:t>User Interface</a:t>
+            </a:r>
+          </a:p>
+          <a:p>
+            <a:pPr algn="ctr"/>
+            <a:r>
+              <a:rPr lang="en-US"/>
+              <a:t>Using HTML </a:t>
+            </a:r>
+            <a:endParaRPr lang="en-US" dirty="0"/>
           </a:p>
         </p:txBody>
       </p:sp>

--- a/SpotPPTs.pptx
+++ b/SpotPPTs.pptx
@@ -3631,7 +3631,7 @@
         </p:nvSpPr>
         <p:spPr>
           <a:xfrm>
-            <a:off x="2993571" y="2107474"/>
+            <a:off x="2778035" y="2107474"/>
             <a:ext cx="1748246" cy="2560320"/>
           </a:xfrm>
           <a:prstGeom prst="roundRect">
@@ -3765,10 +3765,9 @@
           <a:p>
             <a:pPr algn="ctr"/>
             <a:r>
-              <a:rPr lang="en-US"/>
+              <a:rPr lang="en-US" dirty="0"/>
               <a:t>Using HTML </a:t>
             </a:r>
-            <a:endParaRPr lang="en-US" dirty="0"/>
           </a:p>
         </p:txBody>
       </p:sp>

--- a/SpotPPTs.pptx
+++ b/SpotPPTs.pptx
@@ -15,6 +15,7 @@
     <p:sldId id="262" r:id="rId9"/>
     <p:sldId id="263" r:id="rId10"/>
     <p:sldId id="265" r:id="rId11"/>
+    <p:sldId id="266" r:id="rId12"/>
   </p:sldIdLst>
   <p:sldSz cx="12192000" cy="6858000"/>
   <p:notesSz cx="6858000" cy="9144000"/>
@@ -270,7 +271,7 @@
           <a:p>
             <a:fld id="{6B75415C-91ED-7941-9068-396BBFB028E8}" type="datetimeFigureOut">
               <a:rPr lang="en-US" smtClean="0"/>
-              <a:t>4/6/21</a:t>
+              <a:t>4/8/21</a:t>
             </a:fld>
             <a:endParaRPr lang="en-US"/>
           </a:p>
@@ -470,7 +471,7 @@
           <a:p>
             <a:fld id="{6B75415C-91ED-7941-9068-396BBFB028E8}" type="datetimeFigureOut">
               <a:rPr lang="en-US" smtClean="0"/>
-              <a:t>4/6/21</a:t>
+              <a:t>4/8/21</a:t>
             </a:fld>
             <a:endParaRPr lang="en-US"/>
           </a:p>
@@ -680,7 +681,7 @@
           <a:p>
             <a:fld id="{6B75415C-91ED-7941-9068-396BBFB028E8}" type="datetimeFigureOut">
               <a:rPr lang="en-US" smtClean="0"/>
-              <a:t>4/6/21</a:t>
+              <a:t>4/8/21</a:t>
             </a:fld>
             <a:endParaRPr lang="en-US"/>
           </a:p>
@@ -880,7 +881,7 @@
           <a:p>
             <a:fld id="{6B75415C-91ED-7941-9068-396BBFB028E8}" type="datetimeFigureOut">
               <a:rPr lang="en-US" smtClean="0"/>
-              <a:t>4/6/21</a:t>
+              <a:t>4/8/21</a:t>
             </a:fld>
             <a:endParaRPr lang="en-US"/>
           </a:p>
@@ -1156,7 +1157,7 @@
           <a:p>
             <a:fld id="{6B75415C-91ED-7941-9068-396BBFB028E8}" type="datetimeFigureOut">
               <a:rPr lang="en-US" smtClean="0"/>
-              <a:t>4/6/21</a:t>
+              <a:t>4/8/21</a:t>
             </a:fld>
             <a:endParaRPr lang="en-US"/>
           </a:p>
@@ -1424,7 +1425,7 @@
           <a:p>
             <a:fld id="{6B75415C-91ED-7941-9068-396BBFB028E8}" type="datetimeFigureOut">
               <a:rPr lang="en-US" smtClean="0"/>
-              <a:t>4/6/21</a:t>
+              <a:t>4/8/21</a:t>
             </a:fld>
             <a:endParaRPr lang="en-US"/>
           </a:p>
@@ -1839,7 +1840,7 @@
           <a:p>
             <a:fld id="{6B75415C-91ED-7941-9068-396BBFB028E8}" type="datetimeFigureOut">
               <a:rPr lang="en-US" smtClean="0"/>
-              <a:t>4/6/21</a:t>
+              <a:t>4/8/21</a:t>
             </a:fld>
             <a:endParaRPr lang="en-US"/>
           </a:p>
@@ -1981,7 +1982,7 @@
           <a:p>
             <a:fld id="{6B75415C-91ED-7941-9068-396BBFB028E8}" type="datetimeFigureOut">
               <a:rPr lang="en-US" smtClean="0"/>
-              <a:t>4/6/21</a:t>
+              <a:t>4/8/21</a:t>
             </a:fld>
             <a:endParaRPr lang="en-US"/>
           </a:p>
@@ -2094,7 +2095,7 @@
           <a:p>
             <a:fld id="{6B75415C-91ED-7941-9068-396BBFB028E8}" type="datetimeFigureOut">
               <a:rPr lang="en-US" smtClean="0"/>
-              <a:t>4/6/21</a:t>
+              <a:t>4/8/21</a:t>
             </a:fld>
             <a:endParaRPr lang="en-US"/>
           </a:p>
@@ -2407,7 +2408,7 @@
           <a:p>
             <a:fld id="{6B75415C-91ED-7941-9068-396BBFB028E8}" type="datetimeFigureOut">
               <a:rPr lang="en-US" smtClean="0"/>
-              <a:t>4/6/21</a:t>
+              <a:t>4/8/21</a:t>
             </a:fld>
             <a:endParaRPr lang="en-US"/>
           </a:p>
@@ -2696,7 +2697,7 @@
           <a:p>
             <a:fld id="{6B75415C-91ED-7941-9068-396BBFB028E8}" type="datetimeFigureOut">
               <a:rPr lang="en-US" smtClean="0"/>
-              <a:t>4/6/21</a:t>
+              <a:t>4/8/21</a:t>
             </a:fld>
             <a:endParaRPr lang="en-US"/>
           </a:p>
@@ -2939,7 +2940,7 @@
           <a:p>
             <a:fld id="{6B75415C-91ED-7941-9068-396BBFB028E8}" type="datetimeFigureOut">
               <a:rPr lang="en-US" smtClean="0"/>
-              <a:t>4/6/21</a:t>
+              <a:t>4/8/21</a:t>
             </a:fld>
             <a:endParaRPr lang="en-US"/>
           </a:p>
@@ -3784,6 +3785,263 @@
 </p:sld>
 </file>
 
+<file path=ppt/slides/slide11.xml><?xml version="1.0" encoding="utf-8"?>
+<p:sld xmlns:a="http://schemas.openxmlformats.org/drawingml/2006/main" xmlns:r="http://schemas.openxmlformats.org/officeDocument/2006/relationships" xmlns:p="http://schemas.openxmlformats.org/presentationml/2006/main">
+  <p:cSld>
+    <p:spTree>
+      <p:nvGrpSpPr>
+        <p:cNvPr id="1" name=""/>
+        <p:cNvGrpSpPr/>
+        <p:nvPr/>
+      </p:nvGrpSpPr>
+      <p:grpSpPr>
+        <a:xfrm>
+          <a:off x="0" y="0"/>
+          <a:ext cx="0" cy="0"/>
+          <a:chOff x="0" y="0"/>
+          <a:chExt cx="0" cy="0"/>
+        </a:xfrm>
+      </p:grpSpPr>
+      <p:sp>
+        <p:nvSpPr>
+          <p:cNvPr id="2" name="Rectangle 1">
+            <a:extLst>
+              <a:ext uri="{FF2B5EF4-FFF2-40B4-BE49-F238E27FC236}">
+                <a16:creationId xmlns:a16="http://schemas.microsoft.com/office/drawing/2014/main" id="{5F6A6480-1954-864B-85E6-B476610871B0}"/>
+              </a:ext>
+            </a:extLst>
+          </p:cNvPr>
+          <p:cNvSpPr/>
+          <p:nvPr/>
+        </p:nvSpPr>
+        <p:spPr>
+          <a:xfrm>
+            <a:off x="435429" y="1219200"/>
+            <a:ext cx="4153988" cy="4362994"/>
+          </a:xfrm>
+          <a:prstGeom prst="rect">
+            <a:avLst/>
+          </a:prstGeom>
+        </p:spPr>
+        <p:style>
+          <a:lnRef idx="2">
+            <a:schemeClr val="accent6"/>
+          </a:lnRef>
+          <a:fillRef idx="1">
+            <a:schemeClr val="lt1"/>
+          </a:fillRef>
+          <a:effectRef idx="0">
+            <a:schemeClr val="accent6"/>
+          </a:effectRef>
+          <a:fontRef idx="minor">
+            <a:schemeClr val="dk1"/>
+          </a:fontRef>
+        </p:style>
+        <p:txBody>
+          <a:bodyPr rtlCol="0" anchor="ctr"/>
+          <a:lstStyle/>
+          <a:p>
+            <a:pPr algn="ctr"/>
+            <a:endParaRPr lang="en-US"/>
+          </a:p>
+        </p:txBody>
+      </p:sp>
+      <p:sp>
+        <p:nvSpPr>
+          <p:cNvPr id="3" name="TextBox 2">
+            <a:extLst>
+              <a:ext uri="{FF2B5EF4-FFF2-40B4-BE49-F238E27FC236}">
+                <a16:creationId xmlns:a16="http://schemas.microsoft.com/office/drawing/2014/main" id="{69B9B88A-3E45-EF4C-8A5F-6185BF056DD8}"/>
+              </a:ext>
+            </a:extLst>
+          </p:cNvPr>
+          <p:cNvSpPr txBox="1"/>
+          <p:nvPr/>
+        </p:nvSpPr>
+        <p:spPr>
+          <a:xfrm>
+            <a:off x="505097" y="444137"/>
+            <a:ext cx="3796937" cy="369332"/>
+          </a:xfrm>
+          <a:prstGeom prst="rect">
+            <a:avLst/>
+          </a:prstGeom>
+          <a:noFill/>
+        </p:spPr>
+        <p:txBody>
+          <a:bodyPr wrap="square" rtlCol="0">
+            <a:spAutoFit/>
+          </a:bodyPr>
+          <a:lstStyle/>
+          <a:p>
+            <a:r>
+              <a:rPr lang="en-US" dirty="0"/>
+              <a:t>List of Items available</a:t>
+            </a:r>
+          </a:p>
+        </p:txBody>
+      </p:sp>
+      <p:sp>
+        <p:nvSpPr>
+          <p:cNvPr id="4" name="Rounded Rectangle 3">
+            <a:extLst>
+              <a:ext uri="{FF2B5EF4-FFF2-40B4-BE49-F238E27FC236}">
+                <a16:creationId xmlns:a16="http://schemas.microsoft.com/office/drawing/2014/main" id="{489358AF-B12A-C64F-B1F3-6AFA7655AD64}"/>
+              </a:ext>
+            </a:extLst>
+          </p:cNvPr>
+          <p:cNvSpPr/>
+          <p:nvPr/>
+        </p:nvSpPr>
+        <p:spPr>
+          <a:xfrm>
+            <a:off x="705394" y="1654629"/>
+            <a:ext cx="3422469" cy="775062"/>
+          </a:xfrm>
+          <a:prstGeom prst="roundRect">
+            <a:avLst/>
+          </a:prstGeom>
+        </p:spPr>
+        <p:style>
+          <a:lnRef idx="2">
+            <a:schemeClr val="accent1">
+              <a:shade val="50000"/>
+            </a:schemeClr>
+          </a:lnRef>
+          <a:fillRef idx="1">
+            <a:schemeClr val="accent1"/>
+          </a:fillRef>
+          <a:effectRef idx="0">
+            <a:schemeClr val="accent1"/>
+          </a:effectRef>
+          <a:fontRef idx="minor">
+            <a:schemeClr val="lt1"/>
+          </a:fontRef>
+        </p:style>
+        <p:txBody>
+          <a:bodyPr rtlCol="0" anchor="ctr"/>
+          <a:lstStyle/>
+          <a:p>
+            <a:pPr algn="ctr"/>
+            <a:r>
+              <a:rPr lang="en-US" dirty="0"/>
+              <a:t>Item 1</a:t>
+            </a:r>
+          </a:p>
+        </p:txBody>
+      </p:sp>
+      <p:sp>
+        <p:nvSpPr>
+          <p:cNvPr id="5" name="Rounded Rectangle 4">
+            <a:extLst>
+              <a:ext uri="{FF2B5EF4-FFF2-40B4-BE49-F238E27FC236}">
+                <a16:creationId xmlns:a16="http://schemas.microsoft.com/office/drawing/2014/main" id="{14737B32-50A9-ED4C-BBA3-FF127812C293}"/>
+              </a:ext>
+            </a:extLst>
+          </p:cNvPr>
+          <p:cNvSpPr/>
+          <p:nvPr/>
+        </p:nvSpPr>
+        <p:spPr>
+          <a:xfrm>
+            <a:off x="705394" y="2791879"/>
+            <a:ext cx="3422469" cy="775062"/>
+          </a:xfrm>
+          <a:prstGeom prst="roundRect">
+            <a:avLst/>
+          </a:prstGeom>
+        </p:spPr>
+        <p:style>
+          <a:lnRef idx="2">
+            <a:schemeClr val="accent1">
+              <a:shade val="50000"/>
+            </a:schemeClr>
+          </a:lnRef>
+          <a:fillRef idx="1">
+            <a:schemeClr val="accent1"/>
+          </a:fillRef>
+          <a:effectRef idx="0">
+            <a:schemeClr val="accent1"/>
+          </a:effectRef>
+          <a:fontRef idx="minor">
+            <a:schemeClr val="lt1"/>
+          </a:fontRef>
+        </p:style>
+        <p:txBody>
+          <a:bodyPr rtlCol="0" anchor="ctr"/>
+          <a:lstStyle/>
+          <a:p>
+            <a:pPr algn="ctr"/>
+            <a:r>
+              <a:rPr lang="en-US" dirty="0"/>
+              <a:t>Item 2</a:t>
+            </a:r>
+          </a:p>
+        </p:txBody>
+      </p:sp>
+      <p:sp>
+        <p:nvSpPr>
+          <p:cNvPr id="6" name="Rounded Rectangle 5">
+            <a:extLst>
+              <a:ext uri="{FF2B5EF4-FFF2-40B4-BE49-F238E27FC236}">
+                <a16:creationId xmlns:a16="http://schemas.microsoft.com/office/drawing/2014/main" id="{24905ED9-459F-1945-9283-282BE2FF188A}"/>
+              </a:ext>
+            </a:extLst>
+          </p:cNvPr>
+          <p:cNvSpPr/>
+          <p:nvPr/>
+        </p:nvSpPr>
+        <p:spPr>
+          <a:xfrm>
+            <a:off x="692330" y="3972672"/>
+            <a:ext cx="3422469" cy="775062"/>
+          </a:xfrm>
+          <a:prstGeom prst="roundRect">
+            <a:avLst/>
+          </a:prstGeom>
+        </p:spPr>
+        <p:style>
+          <a:lnRef idx="2">
+            <a:schemeClr val="accent1">
+              <a:shade val="50000"/>
+            </a:schemeClr>
+          </a:lnRef>
+          <a:fillRef idx="1">
+            <a:schemeClr val="accent1"/>
+          </a:fillRef>
+          <a:effectRef idx="0">
+            <a:schemeClr val="accent1"/>
+          </a:effectRef>
+          <a:fontRef idx="minor">
+            <a:schemeClr val="lt1"/>
+          </a:fontRef>
+        </p:style>
+        <p:txBody>
+          <a:bodyPr rtlCol="0" anchor="ctr"/>
+          <a:lstStyle/>
+          <a:p>
+            <a:pPr algn="ctr"/>
+            <a:r>
+              <a:rPr lang="en-US"/>
+              <a:t>Item 3</a:t>
+            </a:r>
+            <a:endParaRPr lang="en-US" dirty="0"/>
+          </a:p>
+        </p:txBody>
+      </p:sp>
+    </p:spTree>
+    <p:extLst>
+      <p:ext uri="{BB962C8B-B14F-4D97-AF65-F5344CB8AC3E}">
+        <p14:creationId xmlns:p14="http://schemas.microsoft.com/office/powerpoint/2010/main" val="2604911210"/>
+      </p:ext>
+    </p:extLst>
+  </p:cSld>
+  <p:clrMapOvr>
+    <a:masterClrMapping/>
+  </p:clrMapOvr>
+</p:sld>
+</file>
+
 <file path=ppt/slides/slide2.xml><?xml version="1.0" encoding="utf-8"?>
 <p:sld xmlns:a="http://schemas.openxmlformats.org/drawingml/2006/main" xmlns:r="http://schemas.openxmlformats.org/officeDocument/2006/relationships" xmlns:p="http://schemas.openxmlformats.org/presentationml/2006/main">
   <p:cSld>

--- a/SpotPPTs.pptx
+++ b/SpotPPTs.pptx
@@ -16,6 +16,7 @@
     <p:sldId id="263" r:id="rId10"/>
     <p:sldId id="265" r:id="rId11"/>
     <p:sldId id="266" r:id="rId12"/>
+    <p:sldId id="267" r:id="rId13"/>
   </p:sldIdLst>
   <p:sldSz cx="12192000" cy="6858000"/>
   <p:notesSz cx="6858000" cy="9144000"/>
@@ -271,7 +272,7 @@
           <a:p>
             <a:fld id="{6B75415C-91ED-7941-9068-396BBFB028E8}" type="datetimeFigureOut">
               <a:rPr lang="en-US" smtClean="0"/>
-              <a:t>4/8/21</a:t>
+              <a:t>4/10/21</a:t>
             </a:fld>
             <a:endParaRPr lang="en-US"/>
           </a:p>
@@ -471,7 +472,7 @@
           <a:p>
             <a:fld id="{6B75415C-91ED-7941-9068-396BBFB028E8}" type="datetimeFigureOut">
               <a:rPr lang="en-US" smtClean="0"/>
-              <a:t>4/8/21</a:t>
+              <a:t>4/10/21</a:t>
             </a:fld>
             <a:endParaRPr lang="en-US"/>
           </a:p>
@@ -681,7 +682,7 @@
           <a:p>
             <a:fld id="{6B75415C-91ED-7941-9068-396BBFB028E8}" type="datetimeFigureOut">
               <a:rPr lang="en-US" smtClean="0"/>
-              <a:t>4/8/21</a:t>
+              <a:t>4/10/21</a:t>
             </a:fld>
             <a:endParaRPr lang="en-US"/>
           </a:p>
@@ -881,7 +882,7 @@
           <a:p>
             <a:fld id="{6B75415C-91ED-7941-9068-396BBFB028E8}" type="datetimeFigureOut">
               <a:rPr lang="en-US" smtClean="0"/>
-              <a:t>4/8/21</a:t>
+              <a:t>4/10/21</a:t>
             </a:fld>
             <a:endParaRPr lang="en-US"/>
           </a:p>
@@ -1157,7 +1158,7 @@
           <a:p>
             <a:fld id="{6B75415C-91ED-7941-9068-396BBFB028E8}" type="datetimeFigureOut">
               <a:rPr lang="en-US" smtClean="0"/>
-              <a:t>4/8/21</a:t>
+              <a:t>4/10/21</a:t>
             </a:fld>
             <a:endParaRPr lang="en-US"/>
           </a:p>
@@ -1425,7 +1426,7 @@
           <a:p>
             <a:fld id="{6B75415C-91ED-7941-9068-396BBFB028E8}" type="datetimeFigureOut">
               <a:rPr lang="en-US" smtClean="0"/>
-              <a:t>4/8/21</a:t>
+              <a:t>4/10/21</a:t>
             </a:fld>
             <a:endParaRPr lang="en-US"/>
           </a:p>
@@ -1840,7 +1841,7 @@
           <a:p>
             <a:fld id="{6B75415C-91ED-7941-9068-396BBFB028E8}" type="datetimeFigureOut">
               <a:rPr lang="en-US" smtClean="0"/>
-              <a:t>4/8/21</a:t>
+              <a:t>4/10/21</a:t>
             </a:fld>
             <a:endParaRPr lang="en-US"/>
           </a:p>
@@ -1982,7 +1983,7 @@
           <a:p>
             <a:fld id="{6B75415C-91ED-7941-9068-396BBFB028E8}" type="datetimeFigureOut">
               <a:rPr lang="en-US" smtClean="0"/>
-              <a:t>4/8/21</a:t>
+              <a:t>4/10/21</a:t>
             </a:fld>
             <a:endParaRPr lang="en-US"/>
           </a:p>
@@ -2095,7 +2096,7 @@
           <a:p>
             <a:fld id="{6B75415C-91ED-7941-9068-396BBFB028E8}" type="datetimeFigureOut">
               <a:rPr lang="en-US" smtClean="0"/>
-              <a:t>4/8/21</a:t>
+              <a:t>4/10/21</a:t>
             </a:fld>
             <a:endParaRPr lang="en-US"/>
           </a:p>
@@ -2408,7 +2409,7 @@
           <a:p>
             <a:fld id="{6B75415C-91ED-7941-9068-396BBFB028E8}" type="datetimeFigureOut">
               <a:rPr lang="en-US" smtClean="0"/>
-              <a:t>4/8/21</a:t>
+              <a:t>4/10/21</a:t>
             </a:fld>
             <a:endParaRPr lang="en-US"/>
           </a:p>
@@ -2697,7 +2698,7 @@
           <a:p>
             <a:fld id="{6B75415C-91ED-7941-9068-396BBFB028E8}" type="datetimeFigureOut">
               <a:rPr lang="en-US" smtClean="0"/>
-              <a:t>4/8/21</a:t>
+              <a:t>4/10/21</a:t>
             </a:fld>
             <a:endParaRPr lang="en-US"/>
           </a:p>
@@ -2940,7 +2941,7 @@
           <a:p>
             <a:fld id="{6B75415C-91ED-7941-9068-396BBFB028E8}" type="datetimeFigureOut">
               <a:rPr lang="en-US" smtClean="0"/>
-              <a:t>4/8/21</a:t>
+              <a:t>4/10/21</a:t>
             </a:fld>
             <a:endParaRPr lang="en-US"/>
           </a:p>
@@ -4042,6 +4043,632 @@
 </p:sld>
 </file>
 
+<file path=ppt/slides/slide12.xml><?xml version="1.0" encoding="utf-8"?>
+<p:sld xmlns:a="http://schemas.openxmlformats.org/drawingml/2006/main" xmlns:r="http://schemas.openxmlformats.org/officeDocument/2006/relationships" xmlns:p="http://schemas.openxmlformats.org/presentationml/2006/main">
+  <p:cSld>
+    <p:spTree>
+      <p:nvGrpSpPr>
+        <p:cNvPr id="1" name=""/>
+        <p:cNvGrpSpPr/>
+        <p:nvPr/>
+      </p:nvGrpSpPr>
+      <p:grpSpPr>
+        <a:xfrm>
+          <a:off x="0" y="0"/>
+          <a:ext cx="0" cy="0"/>
+          <a:chOff x="0" y="0"/>
+          <a:chExt cx="0" cy="0"/>
+        </a:xfrm>
+      </p:grpSpPr>
+      <p:sp>
+        <p:nvSpPr>
+          <p:cNvPr id="2" name="Rectangle 1">
+            <a:extLst>
+              <a:ext uri="{FF2B5EF4-FFF2-40B4-BE49-F238E27FC236}">
+                <a16:creationId xmlns:a16="http://schemas.microsoft.com/office/drawing/2014/main" id="{05DF0AE2-3BF2-BC49-AB38-970786BB2150}"/>
+              </a:ext>
+            </a:extLst>
+          </p:cNvPr>
+          <p:cNvSpPr/>
+          <p:nvPr/>
+        </p:nvSpPr>
+        <p:spPr>
+          <a:xfrm>
+            <a:off x="592183" y="618309"/>
+            <a:ext cx="11068594" cy="5878285"/>
+          </a:xfrm>
+          <a:prstGeom prst="rect">
+            <a:avLst/>
+          </a:prstGeom>
+        </p:spPr>
+        <p:style>
+          <a:lnRef idx="2">
+            <a:schemeClr val="accent6"/>
+          </a:lnRef>
+          <a:fillRef idx="1">
+            <a:schemeClr val="lt1"/>
+          </a:fillRef>
+          <a:effectRef idx="0">
+            <a:schemeClr val="accent6"/>
+          </a:effectRef>
+          <a:fontRef idx="minor">
+            <a:schemeClr val="dk1"/>
+          </a:fontRef>
+        </p:style>
+        <p:txBody>
+          <a:bodyPr rtlCol="0" anchor="ctr"/>
+          <a:lstStyle/>
+          <a:p>
+            <a:pPr algn="ctr"/>
+            <a:endParaRPr lang="en-US"/>
+          </a:p>
+        </p:txBody>
+      </p:sp>
+      <p:sp>
+        <p:nvSpPr>
+          <p:cNvPr id="3" name="TextBox 2">
+            <a:extLst>
+              <a:ext uri="{FF2B5EF4-FFF2-40B4-BE49-F238E27FC236}">
+                <a16:creationId xmlns:a16="http://schemas.microsoft.com/office/drawing/2014/main" id="{FF0F4424-04A6-0449-ABC0-D36E0AECB316}"/>
+              </a:ext>
+            </a:extLst>
+          </p:cNvPr>
+          <p:cNvSpPr txBox="1"/>
+          <p:nvPr/>
+        </p:nvSpPr>
+        <p:spPr>
+          <a:xfrm>
+            <a:off x="3509554" y="69669"/>
+            <a:ext cx="5338355" cy="369332"/>
+          </a:xfrm>
+          <a:prstGeom prst="rect">
+            <a:avLst/>
+          </a:prstGeom>
+          <a:noFill/>
+        </p:spPr>
+        <p:txBody>
+          <a:bodyPr wrap="square" rtlCol="0">
+            <a:spAutoFit/>
+          </a:bodyPr>
+          <a:lstStyle/>
+          <a:p>
+            <a:pPr algn="ctr"/>
+            <a:r>
+              <a:rPr lang="en-US" dirty="0"/>
+              <a:t>Browser</a:t>
+            </a:r>
+          </a:p>
+        </p:txBody>
+      </p:sp>
+      <p:sp>
+        <p:nvSpPr>
+          <p:cNvPr id="4" name="Rectangle 3">
+            <a:extLst>
+              <a:ext uri="{FF2B5EF4-FFF2-40B4-BE49-F238E27FC236}">
+                <a16:creationId xmlns:a16="http://schemas.microsoft.com/office/drawing/2014/main" id="{D4D1BDBA-E4CF-A04D-AFA9-34CA49B75419}"/>
+              </a:ext>
+            </a:extLst>
+          </p:cNvPr>
+          <p:cNvSpPr/>
+          <p:nvPr/>
+        </p:nvSpPr>
+        <p:spPr>
+          <a:xfrm>
+            <a:off x="600891" y="3045822"/>
+            <a:ext cx="11051177" cy="246017"/>
+          </a:xfrm>
+          <a:prstGeom prst="rect">
+            <a:avLst/>
+          </a:prstGeom>
+        </p:spPr>
+        <p:style>
+          <a:lnRef idx="2">
+            <a:schemeClr val="accent1">
+              <a:shade val="50000"/>
+            </a:schemeClr>
+          </a:lnRef>
+          <a:fillRef idx="1">
+            <a:schemeClr val="accent1"/>
+          </a:fillRef>
+          <a:effectRef idx="0">
+            <a:schemeClr val="accent1"/>
+          </a:effectRef>
+          <a:fontRef idx="minor">
+            <a:schemeClr val="lt1"/>
+          </a:fontRef>
+        </p:style>
+        <p:txBody>
+          <a:bodyPr rtlCol="0" anchor="ctr"/>
+          <a:lstStyle/>
+          <a:p>
+            <a:pPr algn="ctr"/>
+            <a:endParaRPr lang="en-US"/>
+          </a:p>
+        </p:txBody>
+      </p:sp>
+      <p:sp>
+        <p:nvSpPr>
+          <p:cNvPr id="5" name="TextBox 4">
+            <a:extLst>
+              <a:ext uri="{FF2B5EF4-FFF2-40B4-BE49-F238E27FC236}">
+                <a16:creationId xmlns:a16="http://schemas.microsoft.com/office/drawing/2014/main" id="{DFFAADF6-E4EE-374A-AC89-F04996FABCA0}"/>
+              </a:ext>
+            </a:extLst>
+          </p:cNvPr>
+          <p:cNvSpPr txBox="1"/>
+          <p:nvPr/>
+        </p:nvSpPr>
+        <p:spPr>
+          <a:xfrm>
+            <a:off x="853440" y="731520"/>
+            <a:ext cx="10624457" cy="2308324"/>
+          </a:xfrm>
+          <a:prstGeom prst="rect">
+            <a:avLst/>
+          </a:prstGeom>
+          <a:noFill/>
+        </p:spPr>
+        <p:txBody>
+          <a:bodyPr wrap="square" rtlCol="0">
+            <a:spAutoFit/>
+          </a:bodyPr>
+          <a:lstStyle/>
+          <a:p>
+            <a:r>
+              <a:rPr lang="en-US" dirty="0"/>
+              <a:t>DOM Explorer</a:t>
+            </a:r>
+          </a:p>
+          <a:p>
+            <a:pPr marL="342900" indent="-342900">
+              <a:buFont typeface="+mj-lt"/>
+              <a:buAutoNum type="arabicPeriod"/>
+            </a:pPr>
+            <a:r>
+              <a:rPr lang="en-US" dirty="0"/>
+              <a:t>HTML Rendering</a:t>
+            </a:r>
+          </a:p>
+          <a:p>
+            <a:pPr marL="342900" indent="-342900">
+              <a:buFont typeface="+mj-lt"/>
+              <a:buAutoNum type="arabicPeriod"/>
+            </a:pPr>
+            <a:r>
+              <a:rPr lang="en-US" dirty="0"/>
+              <a:t>HTML Attribute System Management aka Property Management</a:t>
+            </a:r>
+          </a:p>
+          <a:p>
+            <a:pPr marL="800100" lvl="1" indent="-342900">
+              <a:buFont typeface="+mj-lt"/>
+              <a:buAutoNum type="arabicPeriod"/>
+            </a:pPr>
+            <a:r>
+              <a:rPr lang="en-US" dirty="0"/>
+              <a:t>Properties for controlling rendering of the HTML</a:t>
+            </a:r>
+          </a:p>
+          <a:p>
+            <a:pPr marL="800100" lvl="1" indent="-342900">
+              <a:buFont typeface="+mj-lt"/>
+              <a:buAutoNum type="arabicPeriod"/>
+            </a:pPr>
+            <a:r>
+              <a:rPr lang="en-US" dirty="0"/>
+              <a:t>Events Properties</a:t>
+            </a:r>
+          </a:p>
+          <a:p>
+            <a:pPr marL="342900" indent="-342900">
+              <a:buFont typeface="+mj-lt"/>
+              <a:buAutoNum type="arabicPeriod"/>
+            </a:pPr>
+            <a:r>
+              <a:rPr lang="en-US" dirty="0"/>
+              <a:t>Static DOM for generating UI</a:t>
+            </a:r>
+          </a:p>
+          <a:p>
+            <a:pPr marL="342900" indent="-342900">
+              <a:buFont typeface="+mj-lt"/>
+              <a:buAutoNum type="arabicPeriod"/>
+            </a:pPr>
+            <a:r>
+              <a:rPr lang="en-US" dirty="0"/>
+              <a:t>Dynamic DOM Management</a:t>
+            </a:r>
+          </a:p>
+          <a:p>
+            <a:pPr marL="342900" indent="-342900">
+              <a:buFont typeface="+mj-lt"/>
+              <a:buAutoNum type="arabicPeriod"/>
+            </a:pPr>
+            <a:endParaRPr lang="en-US" dirty="0"/>
+          </a:p>
+        </p:txBody>
+      </p:sp>
+      <p:sp>
+        <p:nvSpPr>
+          <p:cNvPr id="6" name="Rectangle 5">
+            <a:extLst>
+              <a:ext uri="{FF2B5EF4-FFF2-40B4-BE49-F238E27FC236}">
+                <a16:creationId xmlns:a16="http://schemas.microsoft.com/office/drawing/2014/main" id="{87CACB4F-B922-C44A-BBC6-BA54F918C1F5}"/>
+              </a:ext>
+            </a:extLst>
+          </p:cNvPr>
+          <p:cNvSpPr/>
+          <p:nvPr/>
+        </p:nvSpPr>
+        <p:spPr>
+          <a:xfrm>
+            <a:off x="5669280" y="3291839"/>
+            <a:ext cx="252549" cy="3204754"/>
+          </a:xfrm>
+          <a:prstGeom prst="rect">
+            <a:avLst/>
+          </a:prstGeom>
+        </p:spPr>
+        <p:style>
+          <a:lnRef idx="2">
+            <a:schemeClr val="accent1">
+              <a:shade val="50000"/>
+            </a:schemeClr>
+          </a:lnRef>
+          <a:fillRef idx="1">
+            <a:schemeClr val="accent1"/>
+          </a:fillRef>
+          <a:effectRef idx="0">
+            <a:schemeClr val="accent1"/>
+          </a:effectRef>
+          <a:fontRef idx="minor">
+            <a:schemeClr val="lt1"/>
+          </a:fontRef>
+        </p:style>
+        <p:txBody>
+          <a:bodyPr rtlCol="0" anchor="ctr"/>
+          <a:lstStyle/>
+          <a:p>
+            <a:pPr algn="ctr"/>
+            <a:endParaRPr lang="en-US"/>
+          </a:p>
+        </p:txBody>
+      </p:sp>
+      <p:sp>
+        <p:nvSpPr>
+          <p:cNvPr id="7" name="TextBox 6">
+            <a:extLst>
+              <a:ext uri="{FF2B5EF4-FFF2-40B4-BE49-F238E27FC236}">
+                <a16:creationId xmlns:a16="http://schemas.microsoft.com/office/drawing/2014/main" id="{6B58F8E7-5E7A-1649-A7B2-4C342D206F6D}"/>
+              </a:ext>
+            </a:extLst>
+          </p:cNvPr>
+          <p:cNvSpPr txBox="1"/>
+          <p:nvPr/>
+        </p:nvSpPr>
+        <p:spPr>
+          <a:xfrm>
+            <a:off x="753292" y="3417024"/>
+            <a:ext cx="4754880" cy="1477328"/>
+          </a:xfrm>
+          <a:prstGeom prst="rect">
+            <a:avLst/>
+          </a:prstGeom>
+          <a:noFill/>
+        </p:spPr>
+        <p:txBody>
+          <a:bodyPr wrap="square" rtlCol="0">
+            <a:spAutoFit/>
+          </a:bodyPr>
+          <a:lstStyle/>
+          <a:p>
+            <a:r>
+              <a:rPr lang="en-US" dirty="0"/>
+              <a:t>JavaScript Object Model</a:t>
+            </a:r>
+          </a:p>
+          <a:p>
+            <a:endParaRPr lang="en-US" dirty="0"/>
+          </a:p>
+          <a:p>
+            <a:r>
+              <a:rPr lang="en-US" dirty="0"/>
+              <a:t>Objects</a:t>
+            </a:r>
+          </a:p>
+          <a:p>
+            <a:r>
+              <a:rPr lang="en-US" dirty="0"/>
+              <a:t>Functions</a:t>
+            </a:r>
+          </a:p>
+          <a:p>
+            <a:r>
+              <a:rPr lang="en-US" dirty="0"/>
+              <a:t>Modules</a:t>
+            </a:r>
+          </a:p>
+        </p:txBody>
+      </p:sp>
+      <p:sp>
+        <p:nvSpPr>
+          <p:cNvPr id="8" name="TextBox 7">
+            <a:extLst>
+              <a:ext uri="{FF2B5EF4-FFF2-40B4-BE49-F238E27FC236}">
+                <a16:creationId xmlns:a16="http://schemas.microsoft.com/office/drawing/2014/main" id="{B8E52AFD-628B-4948-96C5-C86241D4C39F}"/>
+              </a:ext>
+            </a:extLst>
+          </p:cNvPr>
+          <p:cNvSpPr txBox="1"/>
+          <p:nvPr/>
+        </p:nvSpPr>
+        <p:spPr>
+          <a:xfrm>
+            <a:off x="6096000" y="3429000"/>
+            <a:ext cx="5381897" cy="2862322"/>
+          </a:xfrm>
+          <a:prstGeom prst="rect">
+            <a:avLst/>
+          </a:prstGeom>
+          <a:noFill/>
+        </p:spPr>
+        <p:txBody>
+          <a:bodyPr wrap="square" rtlCol="0">
+            <a:spAutoFit/>
+          </a:bodyPr>
+          <a:lstStyle/>
+          <a:p>
+            <a:r>
+              <a:rPr lang="en-US" dirty="0"/>
+              <a:t>Bridge to the OS Services</a:t>
+            </a:r>
+          </a:p>
+          <a:p>
+            <a:endParaRPr lang="en-US" dirty="0"/>
+          </a:p>
+          <a:p>
+            <a:pPr marL="342900" indent="-342900">
+              <a:buAutoNum type="arabicPeriod"/>
+            </a:pPr>
+            <a:r>
+              <a:rPr lang="en-US" dirty="0"/>
+              <a:t>Localize Settings of OS w.r.t. Date, Time, Culture</a:t>
+            </a:r>
+          </a:p>
+          <a:p>
+            <a:pPr marL="342900" indent="-342900">
+              <a:buAutoNum type="arabicPeriod"/>
+            </a:pPr>
+            <a:r>
+              <a:rPr lang="en-US" dirty="0"/>
+              <a:t>Media Settings</a:t>
+            </a:r>
+          </a:p>
+          <a:p>
+            <a:pPr marL="800100" lvl="1" indent="-342900">
+              <a:buAutoNum type="arabicPeriod"/>
+            </a:pPr>
+            <a:r>
+              <a:rPr lang="en-US" dirty="0"/>
+              <a:t>Graphics</a:t>
+            </a:r>
+          </a:p>
+          <a:p>
+            <a:pPr marL="800100" lvl="1" indent="-342900">
+              <a:buAutoNum type="arabicPeriod"/>
+            </a:pPr>
+            <a:r>
+              <a:rPr lang="en-US" dirty="0"/>
+              <a:t>Videos</a:t>
+            </a:r>
+          </a:p>
+          <a:p>
+            <a:pPr marL="800100" lvl="1" indent="-342900">
+              <a:buAutoNum type="arabicPeriod"/>
+            </a:pPr>
+            <a:r>
+              <a:rPr lang="en-US" dirty="0"/>
+              <a:t>Audios</a:t>
+            </a:r>
+          </a:p>
+          <a:p>
+            <a:pPr marL="342900" indent="-342900">
+              <a:buAutoNum type="arabicPeriod"/>
+            </a:pPr>
+            <a:r>
+              <a:rPr lang="en-US" dirty="0"/>
+              <a:t>Network Settings</a:t>
+            </a:r>
+          </a:p>
+          <a:p>
+            <a:pPr marL="800100" lvl="1" indent="-342900">
+              <a:buAutoNum type="arabicPeriod"/>
+            </a:pPr>
+            <a:r>
+              <a:rPr lang="en-US" dirty="0"/>
+              <a:t>HTTP</a:t>
+            </a:r>
+          </a:p>
+          <a:p>
+            <a:pPr marL="800100" lvl="1" indent="-342900">
+              <a:buAutoNum type="arabicPeriod"/>
+            </a:pPr>
+            <a:r>
+              <a:rPr lang="en-US" dirty="0"/>
+              <a:t>Socket</a:t>
+            </a:r>
+          </a:p>
+        </p:txBody>
+      </p:sp>
+      <p:cxnSp>
+        <p:nvCxnSpPr>
+          <p:cNvPr id="10" name="Straight Arrow Connector 9">
+            <a:extLst>
+              <a:ext uri="{FF2B5EF4-FFF2-40B4-BE49-F238E27FC236}">
+                <a16:creationId xmlns:a16="http://schemas.microsoft.com/office/drawing/2014/main" id="{DA2107AB-1810-094B-9DDE-5F17619D7D39}"/>
+              </a:ext>
+            </a:extLst>
+          </p:cNvPr>
+          <p:cNvCxnSpPr/>
+          <p:nvPr/>
+        </p:nvCxnSpPr>
+        <p:spPr>
+          <a:xfrm flipV="1">
+            <a:off x="1689463" y="2664823"/>
+            <a:ext cx="0" cy="1149531"/>
+          </a:xfrm>
+          <a:prstGeom prst="straightConnector1">
+            <a:avLst/>
+          </a:prstGeom>
+          <a:ln>
+            <a:tailEnd type="triangle"/>
+          </a:ln>
+        </p:spPr>
+        <p:style>
+          <a:lnRef idx="3">
+            <a:schemeClr val="dk1"/>
+          </a:lnRef>
+          <a:fillRef idx="0">
+            <a:schemeClr val="dk1"/>
+          </a:fillRef>
+          <a:effectRef idx="2">
+            <a:schemeClr val="dk1"/>
+          </a:effectRef>
+          <a:fontRef idx="minor">
+            <a:schemeClr val="tx1"/>
+          </a:fontRef>
+        </p:style>
+      </p:cxnSp>
+      <p:cxnSp>
+        <p:nvCxnSpPr>
+          <p:cNvPr id="12" name="Straight Arrow Connector 11">
+            <a:extLst>
+              <a:ext uri="{FF2B5EF4-FFF2-40B4-BE49-F238E27FC236}">
+                <a16:creationId xmlns:a16="http://schemas.microsoft.com/office/drawing/2014/main" id="{6A54AAD6-0D70-D54A-BDE0-BD5D6F92D3CF}"/>
+              </a:ext>
+            </a:extLst>
+          </p:cNvPr>
+          <p:cNvCxnSpPr/>
+          <p:nvPr/>
+        </p:nvCxnSpPr>
+        <p:spPr>
+          <a:xfrm>
+            <a:off x="1942011" y="2682240"/>
+            <a:ext cx="0" cy="1375954"/>
+          </a:xfrm>
+          <a:prstGeom prst="straightConnector1">
+            <a:avLst/>
+          </a:prstGeom>
+          <a:ln>
+            <a:tailEnd type="triangle"/>
+          </a:ln>
+        </p:spPr>
+        <p:style>
+          <a:lnRef idx="3">
+            <a:schemeClr val="dk1"/>
+          </a:lnRef>
+          <a:fillRef idx="0">
+            <a:schemeClr val="dk1"/>
+          </a:fillRef>
+          <a:effectRef idx="2">
+            <a:schemeClr val="dk1"/>
+          </a:effectRef>
+          <a:fontRef idx="minor">
+            <a:schemeClr val="tx1"/>
+          </a:fontRef>
+        </p:style>
+      </p:cxnSp>
+      <p:cxnSp>
+        <p:nvCxnSpPr>
+          <p:cNvPr id="14" name="Straight Arrow Connector 13">
+            <a:extLst>
+              <a:ext uri="{FF2B5EF4-FFF2-40B4-BE49-F238E27FC236}">
+                <a16:creationId xmlns:a16="http://schemas.microsoft.com/office/drawing/2014/main" id="{63DCEB61-99F9-5047-806B-F3785117A2B0}"/>
+              </a:ext>
+            </a:extLst>
+          </p:cNvPr>
+          <p:cNvCxnSpPr/>
+          <p:nvPr/>
+        </p:nvCxnSpPr>
+        <p:spPr>
+          <a:xfrm flipV="1">
+            <a:off x="1942011" y="4155688"/>
+            <a:ext cx="4223657" cy="111512"/>
+          </a:xfrm>
+          <a:prstGeom prst="straightConnector1">
+            <a:avLst/>
+          </a:prstGeom>
+          <a:ln>
+            <a:tailEnd type="triangle"/>
+          </a:ln>
+        </p:spPr>
+        <p:style>
+          <a:lnRef idx="3">
+            <a:schemeClr val="dk1"/>
+          </a:lnRef>
+          <a:fillRef idx="0">
+            <a:schemeClr val="dk1"/>
+          </a:fillRef>
+          <a:effectRef idx="2">
+            <a:schemeClr val="dk1"/>
+          </a:effectRef>
+          <a:fontRef idx="minor">
+            <a:schemeClr val="tx1"/>
+          </a:fontRef>
+        </p:style>
+      </p:cxnSp>
+      <p:cxnSp>
+        <p:nvCxnSpPr>
+          <p:cNvPr id="16" name="Straight Arrow Connector 15">
+            <a:extLst>
+              <a:ext uri="{FF2B5EF4-FFF2-40B4-BE49-F238E27FC236}">
+                <a16:creationId xmlns:a16="http://schemas.microsoft.com/office/drawing/2014/main" id="{41A017EF-8E34-A049-B835-6ADB3EE11447}"/>
+              </a:ext>
+            </a:extLst>
+          </p:cNvPr>
+          <p:cNvCxnSpPr/>
+          <p:nvPr/>
+        </p:nvCxnSpPr>
+        <p:spPr>
+          <a:xfrm>
+            <a:off x="1942011" y="4304211"/>
+            <a:ext cx="4641669" cy="1539240"/>
+          </a:xfrm>
+          <a:prstGeom prst="straightConnector1">
+            <a:avLst/>
+          </a:prstGeom>
+          <a:ln>
+            <a:tailEnd type="triangle"/>
+          </a:ln>
+        </p:spPr>
+        <p:style>
+          <a:lnRef idx="3">
+            <a:schemeClr val="dk1"/>
+          </a:lnRef>
+          <a:fillRef idx="0">
+            <a:schemeClr val="dk1"/>
+          </a:fillRef>
+          <a:effectRef idx="2">
+            <a:schemeClr val="dk1"/>
+          </a:effectRef>
+          <a:fontRef idx="minor">
+            <a:schemeClr val="tx1"/>
+          </a:fontRef>
+        </p:style>
+      </p:cxnSp>
+    </p:spTree>
+    <p:extLst>
+      <p:ext uri="{BB962C8B-B14F-4D97-AF65-F5344CB8AC3E}">
+        <p14:creationId xmlns:p14="http://schemas.microsoft.com/office/powerpoint/2010/main" val="2600037474"/>
+      </p:ext>
+    </p:extLst>
+  </p:cSld>
+  <p:clrMapOvr>
+    <a:masterClrMapping/>
+  </p:clrMapOvr>
+</p:sld>
+</file>
+
 <file path=ppt/slides/slide2.xml><?xml version="1.0" encoding="utf-8"?>
 <p:sld xmlns:a="http://schemas.openxmlformats.org/drawingml/2006/main" xmlns:r="http://schemas.openxmlformats.org/officeDocument/2006/relationships" xmlns:p="http://schemas.openxmlformats.org/presentationml/2006/main">
   <p:cSld>

--- a/SpotPPTs.pptx
+++ b/SpotPPTs.pptx
@@ -17,6 +17,14 @@
     <p:sldId id="265" r:id="rId11"/>
     <p:sldId id="266" r:id="rId12"/>
     <p:sldId id="267" r:id="rId13"/>
+    <p:sldId id="268" r:id="rId14"/>
+    <p:sldId id="269" r:id="rId15"/>
+    <p:sldId id="270" r:id="rId16"/>
+    <p:sldId id="271" r:id="rId17"/>
+    <p:sldId id="272" r:id="rId18"/>
+    <p:sldId id="273" r:id="rId19"/>
+    <p:sldId id="274" r:id="rId20"/>
+    <p:sldId id="275" r:id="rId21"/>
   </p:sldIdLst>
   <p:sldSz cx="12192000" cy="6858000"/>
   <p:notesSz cx="6858000" cy="9144000"/>
@@ -272,7 +280,7 @@
           <a:p>
             <a:fld id="{6B75415C-91ED-7941-9068-396BBFB028E8}" type="datetimeFigureOut">
               <a:rPr lang="en-US" smtClean="0"/>
-              <a:t>4/10/21</a:t>
+              <a:t>4/15/21</a:t>
             </a:fld>
             <a:endParaRPr lang="en-US"/>
           </a:p>
@@ -472,7 +480,7 @@
           <a:p>
             <a:fld id="{6B75415C-91ED-7941-9068-396BBFB028E8}" type="datetimeFigureOut">
               <a:rPr lang="en-US" smtClean="0"/>
-              <a:t>4/10/21</a:t>
+              <a:t>4/15/21</a:t>
             </a:fld>
             <a:endParaRPr lang="en-US"/>
           </a:p>
@@ -682,7 +690,7 @@
           <a:p>
             <a:fld id="{6B75415C-91ED-7941-9068-396BBFB028E8}" type="datetimeFigureOut">
               <a:rPr lang="en-US" smtClean="0"/>
-              <a:t>4/10/21</a:t>
+              <a:t>4/15/21</a:t>
             </a:fld>
             <a:endParaRPr lang="en-US"/>
           </a:p>
@@ -882,7 +890,7 @@
           <a:p>
             <a:fld id="{6B75415C-91ED-7941-9068-396BBFB028E8}" type="datetimeFigureOut">
               <a:rPr lang="en-US" smtClean="0"/>
-              <a:t>4/10/21</a:t>
+              <a:t>4/15/21</a:t>
             </a:fld>
             <a:endParaRPr lang="en-US"/>
           </a:p>
@@ -1158,7 +1166,7 @@
           <a:p>
             <a:fld id="{6B75415C-91ED-7941-9068-396BBFB028E8}" type="datetimeFigureOut">
               <a:rPr lang="en-US" smtClean="0"/>
-              <a:t>4/10/21</a:t>
+              <a:t>4/15/21</a:t>
             </a:fld>
             <a:endParaRPr lang="en-US"/>
           </a:p>
@@ -1426,7 +1434,7 @@
           <a:p>
             <a:fld id="{6B75415C-91ED-7941-9068-396BBFB028E8}" type="datetimeFigureOut">
               <a:rPr lang="en-US" smtClean="0"/>
-              <a:t>4/10/21</a:t>
+              <a:t>4/15/21</a:t>
             </a:fld>
             <a:endParaRPr lang="en-US"/>
           </a:p>
@@ -1841,7 +1849,7 @@
           <a:p>
             <a:fld id="{6B75415C-91ED-7941-9068-396BBFB028E8}" type="datetimeFigureOut">
               <a:rPr lang="en-US" smtClean="0"/>
-              <a:t>4/10/21</a:t>
+              <a:t>4/15/21</a:t>
             </a:fld>
             <a:endParaRPr lang="en-US"/>
           </a:p>
@@ -1983,7 +1991,7 @@
           <a:p>
             <a:fld id="{6B75415C-91ED-7941-9068-396BBFB028E8}" type="datetimeFigureOut">
               <a:rPr lang="en-US" smtClean="0"/>
-              <a:t>4/10/21</a:t>
+              <a:t>4/15/21</a:t>
             </a:fld>
             <a:endParaRPr lang="en-US"/>
           </a:p>
@@ -2096,7 +2104,7 @@
           <a:p>
             <a:fld id="{6B75415C-91ED-7941-9068-396BBFB028E8}" type="datetimeFigureOut">
               <a:rPr lang="en-US" smtClean="0"/>
-              <a:t>4/10/21</a:t>
+              <a:t>4/15/21</a:t>
             </a:fld>
             <a:endParaRPr lang="en-US"/>
           </a:p>
@@ -2409,7 +2417,7 @@
           <a:p>
             <a:fld id="{6B75415C-91ED-7941-9068-396BBFB028E8}" type="datetimeFigureOut">
               <a:rPr lang="en-US" smtClean="0"/>
-              <a:t>4/10/21</a:t>
+              <a:t>4/15/21</a:t>
             </a:fld>
             <a:endParaRPr lang="en-US"/>
           </a:p>
@@ -2698,7 +2706,7 @@
           <a:p>
             <a:fld id="{6B75415C-91ED-7941-9068-396BBFB028E8}" type="datetimeFigureOut">
               <a:rPr lang="en-US" smtClean="0"/>
-              <a:t>4/10/21</a:t>
+              <a:t>4/15/21</a:t>
             </a:fld>
             <a:endParaRPr lang="en-US"/>
           </a:p>
@@ -2941,7 +2949,7 @@
           <a:p>
             <a:fld id="{6B75415C-91ED-7941-9068-396BBFB028E8}" type="datetimeFigureOut">
               <a:rPr lang="en-US" smtClean="0"/>
-              <a:t>4/10/21</a:t>
+              <a:t>4/15/21</a:t>
             </a:fld>
             <a:endParaRPr lang="en-US"/>
           </a:p>
@@ -4669,6 +4677,4309 @@
 </p:sld>
 </file>
 
+<file path=ppt/slides/slide13.xml><?xml version="1.0" encoding="utf-8"?>
+<p:sld xmlns:a="http://schemas.openxmlformats.org/drawingml/2006/main" xmlns:r="http://schemas.openxmlformats.org/officeDocument/2006/relationships" xmlns:p="http://schemas.openxmlformats.org/presentationml/2006/main">
+  <p:cSld>
+    <p:spTree>
+      <p:nvGrpSpPr>
+        <p:cNvPr id="1" name=""/>
+        <p:cNvGrpSpPr/>
+        <p:nvPr/>
+      </p:nvGrpSpPr>
+      <p:grpSpPr>
+        <a:xfrm>
+          <a:off x="0" y="0"/>
+          <a:ext cx="0" cy="0"/>
+          <a:chOff x="0" y="0"/>
+          <a:chExt cx="0" cy="0"/>
+        </a:xfrm>
+      </p:grpSpPr>
+      <p:sp>
+        <p:nvSpPr>
+          <p:cNvPr id="2" name="Rounded Rectangle 1">
+            <a:extLst>
+              <a:ext uri="{FF2B5EF4-FFF2-40B4-BE49-F238E27FC236}">
+                <a16:creationId xmlns:a16="http://schemas.microsoft.com/office/drawing/2014/main" id="{E201A2D0-0AF1-CD40-B4F7-3FA0C9818E3D}"/>
+              </a:ext>
+            </a:extLst>
+          </p:cNvPr>
+          <p:cNvSpPr/>
+          <p:nvPr/>
+        </p:nvSpPr>
+        <p:spPr>
+          <a:xfrm>
+            <a:off x="5460274" y="687977"/>
+            <a:ext cx="2569029" cy="931817"/>
+          </a:xfrm>
+          <a:prstGeom prst="roundRect">
+            <a:avLst/>
+          </a:prstGeom>
+        </p:spPr>
+        <p:style>
+          <a:lnRef idx="2">
+            <a:schemeClr val="accent1">
+              <a:shade val="50000"/>
+            </a:schemeClr>
+          </a:lnRef>
+          <a:fillRef idx="1">
+            <a:schemeClr val="accent1"/>
+          </a:fillRef>
+          <a:effectRef idx="0">
+            <a:schemeClr val="accent1"/>
+          </a:effectRef>
+          <a:fontRef idx="minor">
+            <a:schemeClr val="lt1"/>
+          </a:fontRef>
+        </p:style>
+        <p:txBody>
+          <a:bodyPr rtlCol="0" anchor="ctr"/>
+          <a:lstStyle/>
+          <a:p>
+            <a:pPr algn="ctr"/>
+            <a:r>
+              <a:rPr lang="en-US" dirty="0"/>
+              <a:t>{name: </a:t>
+            </a:r>
+            <a:r>
+              <a:rPr lang="en-US" dirty="0" err="1"/>
+              <a:t>ajay</a:t>
+            </a:r>
+            <a:r>
+              <a:rPr lang="en-US" dirty="0"/>
+              <a:t>}</a:t>
+            </a:r>
+          </a:p>
+        </p:txBody>
+      </p:sp>
+      <p:sp>
+        <p:nvSpPr>
+          <p:cNvPr id="3" name="Oval 2">
+            <a:extLst>
+              <a:ext uri="{FF2B5EF4-FFF2-40B4-BE49-F238E27FC236}">
+                <a16:creationId xmlns:a16="http://schemas.microsoft.com/office/drawing/2014/main" id="{7252F5C7-CAB5-4F41-9F01-4AA6030EC6E7}"/>
+              </a:ext>
+            </a:extLst>
+          </p:cNvPr>
+          <p:cNvSpPr/>
+          <p:nvPr/>
+        </p:nvSpPr>
+        <p:spPr>
+          <a:xfrm>
+            <a:off x="1715589" y="940526"/>
+            <a:ext cx="792480" cy="679268"/>
+          </a:xfrm>
+          <a:prstGeom prst="ellipse">
+            <a:avLst/>
+          </a:prstGeom>
+        </p:spPr>
+        <p:style>
+          <a:lnRef idx="2">
+            <a:schemeClr val="accent1">
+              <a:shade val="50000"/>
+            </a:schemeClr>
+          </a:lnRef>
+          <a:fillRef idx="1">
+            <a:schemeClr val="accent1"/>
+          </a:fillRef>
+          <a:effectRef idx="0">
+            <a:schemeClr val="accent1"/>
+          </a:effectRef>
+          <a:fontRef idx="minor">
+            <a:schemeClr val="lt1"/>
+          </a:fontRef>
+        </p:style>
+        <p:txBody>
+          <a:bodyPr rtlCol="0" anchor="ctr"/>
+          <a:lstStyle/>
+          <a:p>
+            <a:pPr algn="ctr"/>
+            <a:r>
+              <a:rPr lang="en-US" dirty="0"/>
+              <a:t>obj</a:t>
+            </a:r>
+          </a:p>
+        </p:txBody>
+      </p:sp>
+      <p:cxnSp>
+        <p:nvCxnSpPr>
+          <p:cNvPr id="5" name="Straight Arrow Connector 4">
+            <a:extLst>
+              <a:ext uri="{FF2B5EF4-FFF2-40B4-BE49-F238E27FC236}">
+                <a16:creationId xmlns:a16="http://schemas.microsoft.com/office/drawing/2014/main" id="{1F9A0F00-4177-314C-916F-773834DA41C9}"/>
+              </a:ext>
+            </a:extLst>
+          </p:cNvPr>
+          <p:cNvCxnSpPr>
+            <a:stCxn id="3" idx="6"/>
+            <a:endCxn id="2" idx="1"/>
+          </p:cNvCxnSpPr>
+          <p:nvPr/>
+        </p:nvCxnSpPr>
+        <p:spPr>
+          <a:xfrm flipV="1">
+            <a:off x="2508069" y="1153886"/>
+            <a:ext cx="2952205" cy="126274"/>
+          </a:xfrm>
+          <a:prstGeom prst="straightConnector1">
+            <a:avLst/>
+          </a:prstGeom>
+          <a:ln>
+            <a:tailEnd type="triangle"/>
+          </a:ln>
+        </p:spPr>
+        <p:style>
+          <a:lnRef idx="1">
+            <a:schemeClr val="accent1"/>
+          </a:lnRef>
+          <a:fillRef idx="0">
+            <a:schemeClr val="accent1"/>
+          </a:fillRef>
+          <a:effectRef idx="0">
+            <a:schemeClr val="accent1"/>
+          </a:effectRef>
+          <a:fontRef idx="minor">
+            <a:schemeClr val="tx1"/>
+          </a:fontRef>
+        </p:style>
+      </p:cxnSp>
+      <p:sp>
+        <p:nvSpPr>
+          <p:cNvPr id="6" name="TextBox 5">
+            <a:extLst>
+              <a:ext uri="{FF2B5EF4-FFF2-40B4-BE49-F238E27FC236}">
+                <a16:creationId xmlns:a16="http://schemas.microsoft.com/office/drawing/2014/main" id="{6CF85F3F-3A5E-F848-B9A2-146E985C56AA}"/>
+              </a:ext>
+            </a:extLst>
+          </p:cNvPr>
+          <p:cNvSpPr txBox="1"/>
+          <p:nvPr/>
+        </p:nvSpPr>
+        <p:spPr>
+          <a:xfrm>
+            <a:off x="2690949" y="418011"/>
+            <a:ext cx="2159725" cy="369332"/>
+          </a:xfrm>
+          <a:prstGeom prst="rect">
+            <a:avLst/>
+          </a:prstGeom>
+          <a:noFill/>
+        </p:spPr>
+        <p:txBody>
+          <a:bodyPr wrap="square" rtlCol="0">
+            <a:spAutoFit/>
+          </a:bodyPr>
+          <a:lstStyle/>
+          <a:p>
+            <a:r>
+              <a:rPr lang="en-US" dirty="0"/>
+              <a:t>Strong Reference</a:t>
+            </a:r>
+          </a:p>
+        </p:txBody>
+      </p:sp>
+      <p:sp>
+        <p:nvSpPr>
+          <p:cNvPr id="7" name="TextBox 6">
+            <a:extLst>
+              <a:ext uri="{FF2B5EF4-FFF2-40B4-BE49-F238E27FC236}">
+                <a16:creationId xmlns:a16="http://schemas.microsoft.com/office/drawing/2014/main" id="{930F6FBD-3E49-4A46-93C6-16E3940CF0E0}"/>
+              </a:ext>
+            </a:extLst>
+          </p:cNvPr>
+          <p:cNvSpPr txBox="1"/>
+          <p:nvPr/>
+        </p:nvSpPr>
+        <p:spPr>
+          <a:xfrm>
+            <a:off x="1715589" y="2098766"/>
+            <a:ext cx="3579222" cy="646331"/>
+          </a:xfrm>
+          <a:prstGeom prst="rect">
+            <a:avLst/>
+          </a:prstGeom>
+          <a:noFill/>
+        </p:spPr>
+        <p:txBody>
+          <a:bodyPr wrap="square" rtlCol="0">
+            <a:spAutoFit/>
+          </a:bodyPr>
+          <a:lstStyle/>
+          <a:p>
+            <a:r>
+              <a:rPr lang="en-US" dirty="0"/>
+              <a:t>Obj = null; Obj will be removed from memory with its value</a:t>
+            </a:r>
+          </a:p>
+        </p:txBody>
+      </p:sp>
+      <p:sp>
+        <p:nvSpPr>
+          <p:cNvPr id="8" name="Summing Junction 7">
+            <a:extLst>
+              <a:ext uri="{FF2B5EF4-FFF2-40B4-BE49-F238E27FC236}">
+                <a16:creationId xmlns:a16="http://schemas.microsoft.com/office/drawing/2014/main" id="{0A146BBA-3401-7949-BCBD-D3EB7F0EDD70}"/>
+              </a:ext>
+            </a:extLst>
+          </p:cNvPr>
+          <p:cNvSpPr/>
+          <p:nvPr/>
+        </p:nvSpPr>
+        <p:spPr>
+          <a:xfrm>
+            <a:off x="3431177" y="913618"/>
+            <a:ext cx="957942" cy="679268"/>
+          </a:xfrm>
+          <a:prstGeom prst="flowChartSummingJunction">
+            <a:avLst/>
+          </a:prstGeom>
+        </p:spPr>
+        <p:style>
+          <a:lnRef idx="2">
+            <a:schemeClr val="accent1">
+              <a:shade val="50000"/>
+            </a:schemeClr>
+          </a:lnRef>
+          <a:fillRef idx="1">
+            <a:schemeClr val="accent1"/>
+          </a:fillRef>
+          <a:effectRef idx="0">
+            <a:schemeClr val="accent1"/>
+          </a:effectRef>
+          <a:fontRef idx="minor">
+            <a:schemeClr val="lt1"/>
+          </a:fontRef>
+        </p:style>
+        <p:txBody>
+          <a:bodyPr rtlCol="0" anchor="ctr"/>
+          <a:lstStyle/>
+          <a:p>
+            <a:pPr algn="ctr"/>
+            <a:endParaRPr lang="en-US"/>
+          </a:p>
+        </p:txBody>
+      </p:sp>
+      <p:sp>
+        <p:nvSpPr>
+          <p:cNvPr id="9" name="Rounded Rectangle 8">
+            <a:extLst>
+              <a:ext uri="{FF2B5EF4-FFF2-40B4-BE49-F238E27FC236}">
+                <a16:creationId xmlns:a16="http://schemas.microsoft.com/office/drawing/2014/main" id="{6F6E0FAB-8BE6-9742-BC15-DFEBB1BF18D9}"/>
+              </a:ext>
+            </a:extLst>
+          </p:cNvPr>
+          <p:cNvSpPr/>
+          <p:nvPr/>
+        </p:nvSpPr>
+        <p:spPr>
+          <a:xfrm>
+            <a:off x="5460274" y="3365863"/>
+            <a:ext cx="2569029" cy="931817"/>
+          </a:xfrm>
+          <a:prstGeom prst="roundRect">
+            <a:avLst/>
+          </a:prstGeom>
+        </p:spPr>
+        <p:style>
+          <a:lnRef idx="2">
+            <a:schemeClr val="accent1">
+              <a:shade val="50000"/>
+            </a:schemeClr>
+          </a:lnRef>
+          <a:fillRef idx="1">
+            <a:schemeClr val="accent1"/>
+          </a:fillRef>
+          <a:effectRef idx="0">
+            <a:schemeClr val="accent1"/>
+          </a:effectRef>
+          <a:fontRef idx="minor">
+            <a:schemeClr val="lt1"/>
+          </a:fontRef>
+        </p:style>
+        <p:txBody>
+          <a:bodyPr rtlCol="0" anchor="ctr"/>
+          <a:lstStyle/>
+          <a:p>
+            <a:pPr algn="ctr"/>
+            <a:r>
+              <a:rPr lang="en-US" dirty="0"/>
+              <a:t>{name: </a:t>
+            </a:r>
+            <a:r>
+              <a:rPr lang="en-US" dirty="0" err="1"/>
+              <a:t>ajay</a:t>
+            </a:r>
+            <a:r>
+              <a:rPr lang="en-US" dirty="0"/>
+              <a:t>}</a:t>
+            </a:r>
+          </a:p>
+        </p:txBody>
+      </p:sp>
+      <p:sp>
+        <p:nvSpPr>
+          <p:cNvPr id="10" name="Oval 9">
+            <a:extLst>
+              <a:ext uri="{FF2B5EF4-FFF2-40B4-BE49-F238E27FC236}">
+                <a16:creationId xmlns:a16="http://schemas.microsoft.com/office/drawing/2014/main" id="{58DD6753-F8F3-314D-ADC3-6499F0FC9058}"/>
+              </a:ext>
+            </a:extLst>
+          </p:cNvPr>
+          <p:cNvSpPr/>
+          <p:nvPr/>
+        </p:nvSpPr>
+        <p:spPr>
+          <a:xfrm>
+            <a:off x="1715589" y="3618412"/>
+            <a:ext cx="792480" cy="679268"/>
+          </a:xfrm>
+          <a:prstGeom prst="ellipse">
+            <a:avLst/>
+          </a:prstGeom>
+        </p:spPr>
+        <p:style>
+          <a:lnRef idx="2">
+            <a:schemeClr val="accent1">
+              <a:shade val="50000"/>
+            </a:schemeClr>
+          </a:lnRef>
+          <a:fillRef idx="1">
+            <a:schemeClr val="accent1"/>
+          </a:fillRef>
+          <a:effectRef idx="0">
+            <a:schemeClr val="accent1"/>
+          </a:effectRef>
+          <a:fontRef idx="minor">
+            <a:schemeClr val="lt1"/>
+          </a:fontRef>
+        </p:style>
+        <p:txBody>
+          <a:bodyPr rtlCol="0" anchor="ctr"/>
+          <a:lstStyle/>
+          <a:p>
+            <a:pPr algn="ctr"/>
+            <a:r>
+              <a:rPr lang="en-US" dirty="0"/>
+              <a:t>obj</a:t>
+            </a:r>
+          </a:p>
+        </p:txBody>
+      </p:sp>
+      <p:cxnSp>
+        <p:nvCxnSpPr>
+          <p:cNvPr id="11" name="Straight Arrow Connector 10">
+            <a:extLst>
+              <a:ext uri="{FF2B5EF4-FFF2-40B4-BE49-F238E27FC236}">
+                <a16:creationId xmlns:a16="http://schemas.microsoft.com/office/drawing/2014/main" id="{EDEF7EC1-128F-1E4F-A5C1-4035BB9FDB4C}"/>
+              </a:ext>
+            </a:extLst>
+          </p:cNvPr>
+          <p:cNvCxnSpPr>
+            <a:stCxn id="10" idx="6"/>
+            <a:endCxn id="9" idx="1"/>
+          </p:cNvCxnSpPr>
+          <p:nvPr/>
+        </p:nvCxnSpPr>
+        <p:spPr>
+          <a:xfrm flipV="1">
+            <a:off x="2508069" y="3831772"/>
+            <a:ext cx="2952205" cy="126274"/>
+          </a:xfrm>
+          <a:prstGeom prst="straightConnector1">
+            <a:avLst/>
+          </a:prstGeom>
+          <a:ln>
+            <a:tailEnd type="triangle"/>
+          </a:ln>
+        </p:spPr>
+        <p:style>
+          <a:lnRef idx="1">
+            <a:schemeClr val="accent1"/>
+          </a:lnRef>
+          <a:fillRef idx="0">
+            <a:schemeClr val="accent1"/>
+          </a:fillRef>
+          <a:effectRef idx="0">
+            <a:schemeClr val="accent1"/>
+          </a:effectRef>
+          <a:fontRef idx="minor">
+            <a:schemeClr val="tx1"/>
+          </a:fontRef>
+        </p:style>
+      </p:cxnSp>
+      <p:sp>
+        <p:nvSpPr>
+          <p:cNvPr id="12" name="TextBox 11">
+            <a:extLst>
+              <a:ext uri="{FF2B5EF4-FFF2-40B4-BE49-F238E27FC236}">
+                <a16:creationId xmlns:a16="http://schemas.microsoft.com/office/drawing/2014/main" id="{9FFA55C5-F642-4B4F-AE00-1B5A09D508C9}"/>
+              </a:ext>
+            </a:extLst>
+          </p:cNvPr>
+          <p:cNvSpPr txBox="1"/>
+          <p:nvPr/>
+        </p:nvSpPr>
+        <p:spPr>
+          <a:xfrm>
+            <a:off x="2690949" y="3095897"/>
+            <a:ext cx="2159725" cy="369332"/>
+          </a:xfrm>
+          <a:prstGeom prst="rect">
+            <a:avLst/>
+          </a:prstGeom>
+          <a:noFill/>
+        </p:spPr>
+        <p:txBody>
+          <a:bodyPr wrap="square" rtlCol="0">
+            <a:spAutoFit/>
+          </a:bodyPr>
+          <a:lstStyle/>
+          <a:p>
+            <a:r>
+              <a:rPr lang="en-US" dirty="0"/>
+              <a:t>Strong Reference</a:t>
+            </a:r>
+          </a:p>
+        </p:txBody>
+      </p:sp>
+      <p:sp>
+        <p:nvSpPr>
+          <p:cNvPr id="14" name="TextBox 13">
+            <a:extLst>
+              <a:ext uri="{FF2B5EF4-FFF2-40B4-BE49-F238E27FC236}">
+                <a16:creationId xmlns:a16="http://schemas.microsoft.com/office/drawing/2014/main" id="{0FDE70E1-BAA7-6C46-9EA8-3F6F80092EC5}"/>
+              </a:ext>
+            </a:extLst>
+          </p:cNvPr>
+          <p:cNvSpPr txBox="1"/>
+          <p:nvPr/>
+        </p:nvSpPr>
+        <p:spPr>
+          <a:xfrm>
+            <a:off x="1341120" y="4737463"/>
+            <a:ext cx="3840480" cy="369332"/>
+          </a:xfrm>
+          <a:prstGeom prst="rect">
+            <a:avLst/>
+          </a:prstGeom>
+          <a:noFill/>
+        </p:spPr>
+        <p:txBody>
+          <a:bodyPr wrap="square" rtlCol="0">
+            <a:spAutoFit/>
+          </a:bodyPr>
+          <a:lstStyle/>
+          <a:p>
+            <a:r>
+              <a:rPr lang="en-US" dirty="0"/>
+              <a:t>Let </a:t>
+            </a:r>
+            <a:r>
+              <a:rPr lang="en-US" dirty="0" err="1"/>
+              <a:t>arr</a:t>
+            </a:r>
+            <a:r>
+              <a:rPr lang="en-US" dirty="0"/>
+              <a:t> = [obj];</a:t>
+            </a:r>
+          </a:p>
+        </p:txBody>
+      </p:sp>
+      <p:cxnSp>
+        <p:nvCxnSpPr>
+          <p:cNvPr id="16" name="Straight Arrow Connector 15">
+            <a:extLst>
+              <a:ext uri="{FF2B5EF4-FFF2-40B4-BE49-F238E27FC236}">
+                <a16:creationId xmlns:a16="http://schemas.microsoft.com/office/drawing/2014/main" id="{CC2690F3-27F6-1147-A493-1FE473BC62B8}"/>
+              </a:ext>
+            </a:extLst>
+          </p:cNvPr>
+          <p:cNvCxnSpPr>
+            <a:endCxn id="9" idx="2"/>
+          </p:cNvCxnSpPr>
+          <p:nvPr/>
+        </p:nvCxnSpPr>
+        <p:spPr>
+          <a:xfrm flipV="1">
+            <a:off x="2830286" y="4297680"/>
+            <a:ext cx="3914503" cy="465909"/>
+          </a:xfrm>
+          <a:prstGeom prst="straightConnector1">
+            <a:avLst/>
+          </a:prstGeom>
+          <a:ln>
+            <a:tailEnd type="triangle"/>
+          </a:ln>
+        </p:spPr>
+        <p:style>
+          <a:lnRef idx="1">
+            <a:schemeClr val="accent1"/>
+          </a:lnRef>
+          <a:fillRef idx="0">
+            <a:schemeClr val="accent1"/>
+          </a:fillRef>
+          <a:effectRef idx="0">
+            <a:schemeClr val="accent1"/>
+          </a:effectRef>
+          <a:fontRef idx="minor">
+            <a:schemeClr val="tx1"/>
+          </a:fontRef>
+        </p:style>
+      </p:cxnSp>
+      <p:sp>
+        <p:nvSpPr>
+          <p:cNvPr id="17" name="Summing Junction 16">
+            <a:extLst>
+              <a:ext uri="{FF2B5EF4-FFF2-40B4-BE49-F238E27FC236}">
+                <a16:creationId xmlns:a16="http://schemas.microsoft.com/office/drawing/2014/main" id="{8E9877AA-BC47-E940-8BE9-340BC38FE271}"/>
+              </a:ext>
+            </a:extLst>
+          </p:cNvPr>
+          <p:cNvSpPr/>
+          <p:nvPr/>
+        </p:nvSpPr>
+        <p:spPr>
+          <a:xfrm>
+            <a:off x="3431177" y="3618412"/>
+            <a:ext cx="836023" cy="679268"/>
+          </a:xfrm>
+          <a:prstGeom prst="flowChartSummingJunction">
+            <a:avLst/>
+          </a:prstGeom>
+        </p:spPr>
+        <p:style>
+          <a:lnRef idx="2">
+            <a:schemeClr val="accent1">
+              <a:shade val="50000"/>
+            </a:schemeClr>
+          </a:lnRef>
+          <a:fillRef idx="1">
+            <a:schemeClr val="accent1"/>
+          </a:fillRef>
+          <a:effectRef idx="0">
+            <a:schemeClr val="accent1"/>
+          </a:effectRef>
+          <a:fontRef idx="minor">
+            <a:schemeClr val="lt1"/>
+          </a:fontRef>
+        </p:style>
+        <p:txBody>
+          <a:bodyPr rtlCol="0" anchor="ctr"/>
+          <a:lstStyle/>
+          <a:p>
+            <a:pPr algn="ctr"/>
+            <a:endParaRPr lang="en-US"/>
+          </a:p>
+        </p:txBody>
+      </p:sp>
+      <p:sp>
+        <p:nvSpPr>
+          <p:cNvPr id="18" name="TextBox 17">
+            <a:extLst>
+              <a:ext uri="{FF2B5EF4-FFF2-40B4-BE49-F238E27FC236}">
+                <a16:creationId xmlns:a16="http://schemas.microsoft.com/office/drawing/2014/main" id="{0FF84039-C27E-A943-BB70-31114D4CC385}"/>
+              </a:ext>
+            </a:extLst>
+          </p:cNvPr>
+          <p:cNvSpPr txBox="1"/>
+          <p:nvPr/>
+        </p:nvSpPr>
+        <p:spPr>
+          <a:xfrm>
+            <a:off x="818606" y="5564777"/>
+            <a:ext cx="6226628" cy="646331"/>
+          </a:xfrm>
+          <a:prstGeom prst="rect">
+            <a:avLst/>
+          </a:prstGeom>
+          <a:noFill/>
+        </p:spPr>
+        <p:txBody>
+          <a:bodyPr wrap="square" rtlCol="0">
+            <a:spAutoFit/>
+          </a:bodyPr>
+          <a:lstStyle/>
+          <a:p>
+            <a:r>
+              <a:rPr lang="en-US" dirty="0"/>
+              <a:t>Obj </a:t>
+            </a:r>
+            <a:r>
+              <a:rPr lang="en-US" dirty="0" err="1"/>
+              <a:t>wil</a:t>
+            </a:r>
+            <a:r>
+              <a:rPr lang="en-US" dirty="0"/>
+              <a:t> be overwritten but the </a:t>
+            </a:r>
+            <a:r>
+              <a:rPr lang="en-US" dirty="0" err="1"/>
+              <a:t>vaule</a:t>
+            </a:r>
+            <a:r>
+              <a:rPr lang="en-US" dirty="0"/>
+              <a:t> of the object still exist with its weak reference i.e. </a:t>
+            </a:r>
+            <a:r>
+              <a:rPr lang="en-US" dirty="0" err="1"/>
+              <a:t>arr</a:t>
+            </a:r>
+            <a:endParaRPr lang="en-US" dirty="0"/>
+          </a:p>
+        </p:txBody>
+      </p:sp>
+    </p:spTree>
+    <p:extLst>
+      <p:ext uri="{BB962C8B-B14F-4D97-AF65-F5344CB8AC3E}">
+        <p14:creationId xmlns:p14="http://schemas.microsoft.com/office/powerpoint/2010/main" val="1721189472"/>
+      </p:ext>
+    </p:extLst>
+  </p:cSld>
+  <p:clrMapOvr>
+    <a:masterClrMapping/>
+  </p:clrMapOvr>
+</p:sld>
+</file>
+
+<file path=ppt/slides/slide14.xml><?xml version="1.0" encoding="utf-8"?>
+<p:sld xmlns:a="http://schemas.openxmlformats.org/drawingml/2006/main" xmlns:r="http://schemas.openxmlformats.org/officeDocument/2006/relationships" xmlns:p="http://schemas.openxmlformats.org/presentationml/2006/main">
+  <p:cSld>
+    <p:spTree>
+      <p:nvGrpSpPr>
+        <p:cNvPr id="1" name=""/>
+        <p:cNvGrpSpPr/>
+        <p:nvPr/>
+      </p:nvGrpSpPr>
+      <p:grpSpPr>
+        <a:xfrm>
+          <a:off x="0" y="0"/>
+          <a:ext cx="0" cy="0"/>
+          <a:chOff x="0" y="0"/>
+          <a:chExt cx="0" cy="0"/>
+        </a:xfrm>
+      </p:grpSpPr>
+      <p:sp>
+        <p:nvSpPr>
+          <p:cNvPr id="4" name="Oval 3">
+            <a:extLst>
+              <a:ext uri="{FF2B5EF4-FFF2-40B4-BE49-F238E27FC236}">
+                <a16:creationId xmlns:a16="http://schemas.microsoft.com/office/drawing/2014/main" id="{0FDB7685-7C30-9346-B3DF-5E2B8A0F9243}"/>
+              </a:ext>
+            </a:extLst>
+          </p:cNvPr>
+          <p:cNvSpPr/>
+          <p:nvPr/>
+        </p:nvSpPr>
+        <p:spPr>
+          <a:xfrm>
+            <a:off x="4885508" y="2455817"/>
+            <a:ext cx="1985555" cy="2081348"/>
+          </a:xfrm>
+          <a:prstGeom prst="ellipse">
+            <a:avLst/>
+          </a:prstGeom>
+        </p:spPr>
+        <p:style>
+          <a:lnRef idx="2">
+            <a:schemeClr val="accent1">
+              <a:shade val="50000"/>
+            </a:schemeClr>
+          </a:lnRef>
+          <a:fillRef idx="1">
+            <a:schemeClr val="accent1"/>
+          </a:fillRef>
+          <a:effectRef idx="0">
+            <a:schemeClr val="accent1"/>
+          </a:effectRef>
+          <a:fontRef idx="minor">
+            <a:schemeClr val="lt1"/>
+          </a:fontRef>
+        </p:style>
+        <p:txBody>
+          <a:bodyPr rtlCol="0" anchor="ctr"/>
+          <a:lstStyle/>
+          <a:p>
+            <a:pPr algn="ctr"/>
+            <a:r>
+              <a:rPr lang="en-US" dirty="0" err="1"/>
+              <a:t>initialState</a:t>
+            </a:r>
+            <a:r>
+              <a:rPr lang="en-US" dirty="0"/>
+              <a:t> :{a:1}</a:t>
+            </a:r>
+          </a:p>
+        </p:txBody>
+      </p:sp>
+      <p:sp>
+        <p:nvSpPr>
+          <p:cNvPr id="5" name="Rectangle 4">
+            <a:extLst>
+              <a:ext uri="{FF2B5EF4-FFF2-40B4-BE49-F238E27FC236}">
+                <a16:creationId xmlns:a16="http://schemas.microsoft.com/office/drawing/2014/main" id="{53EEEF7A-01D5-FE49-B82A-A756188AB2F1}"/>
+              </a:ext>
+            </a:extLst>
+          </p:cNvPr>
+          <p:cNvSpPr/>
+          <p:nvPr/>
+        </p:nvSpPr>
+        <p:spPr>
+          <a:xfrm>
+            <a:off x="592183" y="2664823"/>
+            <a:ext cx="1811383" cy="1471748"/>
+          </a:xfrm>
+          <a:prstGeom prst="rect">
+            <a:avLst/>
+          </a:prstGeom>
+        </p:spPr>
+        <p:style>
+          <a:lnRef idx="2">
+            <a:schemeClr val="accent1">
+              <a:shade val="50000"/>
+            </a:schemeClr>
+          </a:lnRef>
+          <a:fillRef idx="1">
+            <a:schemeClr val="accent1"/>
+          </a:fillRef>
+          <a:effectRef idx="0">
+            <a:schemeClr val="accent1"/>
+          </a:effectRef>
+          <a:fontRef idx="minor">
+            <a:schemeClr val="lt1"/>
+          </a:fontRef>
+        </p:style>
+        <p:txBody>
+          <a:bodyPr rtlCol="0" anchor="ctr"/>
+          <a:lstStyle/>
+          <a:p>
+            <a:pPr algn="ctr"/>
+            <a:r>
+              <a:rPr lang="en-US" dirty="0"/>
+              <a:t>fn1</a:t>
+            </a:r>
+          </a:p>
+        </p:txBody>
+      </p:sp>
+      <p:sp>
+        <p:nvSpPr>
+          <p:cNvPr id="6" name="Right Arrow 5">
+            <a:extLst>
+              <a:ext uri="{FF2B5EF4-FFF2-40B4-BE49-F238E27FC236}">
+                <a16:creationId xmlns:a16="http://schemas.microsoft.com/office/drawing/2014/main" id="{4D34EF1B-35E0-F548-B531-0AB47877151C}"/>
+              </a:ext>
+            </a:extLst>
+          </p:cNvPr>
+          <p:cNvSpPr/>
+          <p:nvPr/>
+        </p:nvSpPr>
+        <p:spPr>
+          <a:xfrm>
+            <a:off x="2403566" y="2856411"/>
+            <a:ext cx="2481942" cy="792480"/>
+          </a:xfrm>
+          <a:prstGeom prst="rightArrow">
+            <a:avLst/>
+          </a:prstGeom>
+        </p:spPr>
+        <p:style>
+          <a:lnRef idx="2">
+            <a:schemeClr val="accent1">
+              <a:shade val="50000"/>
+            </a:schemeClr>
+          </a:lnRef>
+          <a:fillRef idx="1">
+            <a:schemeClr val="accent1"/>
+          </a:fillRef>
+          <a:effectRef idx="0">
+            <a:schemeClr val="accent1"/>
+          </a:effectRef>
+          <a:fontRef idx="minor">
+            <a:schemeClr val="lt1"/>
+          </a:fontRef>
+        </p:style>
+        <p:txBody>
+          <a:bodyPr rtlCol="0" anchor="ctr"/>
+          <a:lstStyle/>
+          <a:p>
+            <a:pPr algn="ctr"/>
+            <a:r>
+              <a:rPr lang="en-US" dirty="0"/>
+              <a:t>{b:1}</a:t>
+            </a:r>
+          </a:p>
+        </p:txBody>
+      </p:sp>
+      <p:sp>
+        <p:nvSpPr>
+          <p:cNvPr id="7" name="Oval 6">
+            <a:extLst>
+              <a:ext uri="{FF2B5EF4-FFF2-40B4-BE49-F238E27FC236}">
+                <a16:creationId xmlns:a16="http://schemas.microsoft.com/office/drawing/2014/main" id="{536D1391-70F7-ED41-8A6A-4AE5F710629F}"/>
+              </a:ext>
+            </a:extLst>
+          </p:cNvPr>
+          <p:cNvSpPr/>
+          <p:nvPr/>
+        </p:nvSpPr>
+        <p:spPr>
+          <a:xfrm>
+            <a:off x="4885508" y="3940628"/>
+            <a:ext cx="1985555" cy="2081348"/>
+          </a:xfrm>
+          <a:prstGeom prst="ellipse">
+            <a:avLst/>
+          </a:prstGeom>
+        </p:spPr>
+        <p:style>
+          <a:lnRef idx="2">
+            <a:schemeClr val="accent1">
+              <a:shade val="50000"/>
+            </a:schemeClr>
+          </a:lnRef>
+          <a:fillRef idx="1">
+            <a:schemeClr val="accent1"/>
+          </a:fillRef>
+          <a:effectRef idx="0">
+            <a:schemeClr val="accent1"/>
+          </a:effectRef>
+          <a:fontRef idx="minor">
+            <a:schemeClr val="lt1"/>
+          </a:fontRef>
+        </p:style>
+        <p:txBody>
+          <a:bodyPr rtlCol="0" anchor="ctr"/>
+          <a:lstStyle/>
+          <a:p>
+            <a:pPr algn="ctr"/>
+            <a:r>
+              <a:rPr lang="en-US" dirty="0" err="1"/>
+              <a:t>newState</a:t>
+            </a:r>
+            <a:r>
+              <a:rPr lang="en-US" dirty="0"/>
+              <a:t> :{a:1, b:1}</a:t>
+            </a:r>
+          </a:p>
+        </p:txBody>
+      </p:sp>
+      <p:sp>
+        <p:nvSpPr>
+          <p:cNvPr id="9" name="Rectangle 8">
+            <a:extLst>
+              <a:ext uri="{FF2B5EF4-FFF2-40B4-BE49-F238E27FC236}">
+                <a16:creationId xmlns:a16="http://schemas.microsoft.com/office/drawing/2014/main" id="{5C53FFA1-441B-C447-9025-88F06EB651CE}"/>
+              </a:ext>
+            </a:extLst>
+          </p:cNvPr>
+          <p:cNvSpPr/>
+          <p:nvPr/>
+        </p:nvSpPr>
+        <p:spPr>
+          <a:xfrm>
+            <a:off x="8773886" y="2913017"/>
+            <a:ext cx="1811383" cy="1471748"/>
+          </a:xfrm>
+          <a:prstGeom prst="rect">
+            <a:avLst/>
+          </a:prstGeom>
+        </p:spPr>
+        <p:style>
+          <a:lnRef idx="2">
+            <a:schemeClr val="accent1">
+              <a:shade val="50000"/>
+            </a:schemeClr>
+          </a:lnRef>
+          <a:fillRef idx="1">
+            <a:schemeClr val="accent1"/>
+          </a:fillRef>
+          <a:effectRef idx="0">
+            <a:schemeClr val="accent1"/>
+          </a:effectRef>
+          <a:fontRef idx="minor">
+            <a:schemeClr val="lt1"/>
+          </a:fontRef>
+        </p:style>
+        <p:txBody>
+          <a:bodyPr rtlCol="0" anchor="ctr"/>
+          <a:lstStyle/>
+          <a:p>
+            <a:pPr algn="ctr"/>
+            <a:r>
+              <a:rPr lang="en-US" dirty="0"/>
+              <a:t>fn2</a:t>
+            </a:r>
+          </a:p>
+        </p:txBody>
+      </p:sp>
+      <p:sp>
+        <p:nvSpPr>
+          <p:cNvPr id="10" name="Bent Arrow 9">
+            <a:extLst>
+              <a:ext uri="{FF2B5EF4-FFF2-40B4-BE49-F238E27FC236}">
+                <a16:creationId xmlns:a16="http://schemas.microsoft.com/office/drawing/2014/main" id="{DC43A7F7-FD1B-5A44-AA34-669B96CC009D}"/>
+              </a:ext>
+            </a:extLst>
+          </p:cNvPr>
+          <p:cNvSpPr/>
+          <p:nvPr/>
+        </p:nvSpPr>
+        <p:spPr>
+          <a:xfrm rot="10800000">
+            <a:off x="6871063" y="4384765"/>
+            <a:ext cx="2808514" cy="1162595"/>
+          </a:xfrm>
+          <a:prstGeom prst="bentArrow">
+            <a:avLst/>
+          </a:prstGeom>
+        </p:spPr>
+        <p:style>
+          <a:lnRef idx="2">
+            <a:schemeClr val="accent1">
+              <a:shade val="50000"/>
+            </a:schemeClr>
+          </a:lnRef>
+          <a:fillRef idx="1">
+            <a:schemeClr val="accent1"/>
+          </a:fillRef>
+          <a:effectRef idx="0">
+            <a:schemeClr val="accent1"/>
+          </a:effectRef>
+          <a:fontRef idx="minor">
+            <a:schemeClr val="lt1"/>
+          </a:fontRef>
+        </p:style>
+        <p:txBody>
+          <a:bodyPr rtlCol="0" anchor="ctr"/>
+          <a:lstStyle/>
+          <a:p>
+            <a:pPr algn="ctr"/>
+            <a:endParaRPr lang="en-US">
+              <a:solidFill>
+                <a:schemeClr val="tx1"/>
+              </a:solidFill>
+            </a:endParaRPr>
+          </a:p>
+        </p:txBody>
+      </p:sp>
+      <p:sp>
+        <p:nvSpPr>
+          <p:cNvPr id="11" name="TextBox 10">
+            <a:extLst>
+              <a:ext uri="{FF2B5EF4-FFF2-40B4-BE49-F238E27FC236}">
+                <a16:creationId xmlns:a16="http://schemas.microsoft.com/office/drawing/2014/main" id="{59623F9A-5BFB-7C4B-8D57-F89A786E9998}"/>
+              </a:ext>
+            </a:extLst>
+          </p:cNvPr>
+          <p:cNvSpPr txBox="1"/>
+          <p:nvPr/>
+        </p:nvSpPr>
+        <p:spPr>
+          <a:xfrm>
+            <a:off x="7341326" y="4302034"/>
+            <a:ext cx="1219200" cy="369332"/>
+          </a:xfrm>
+          <a:prstGeom prst="rect">
+            <a:avLst/>
+          </a:prstGeom>
+          <a:noFill/>
+        </p:spPr>
+        <p:txBody>
+          <a:bodyPr wrap="square" rtlCol="0">
+            <a:spAutoFit/>
+          </a:bodyPr>
+          <a:lstStyle/>
+          <a:p>
+            <a:r>
+              <a:rPr lang="en-US" dirty="0"/>
+              <a:t>{a:100}</a:t>
+            </a:r>
+          </a:p>
+        </p:txBody>
+      </p:sp>
+      <p:sp>
+        <p:nvSpPr>
+          <p:cNvPr id="12" name="Oval 11">
+            <a:extLst>
+              <a:ext uri="{FF2B5EF4-FFF2-40B4-BE49-F238E27FC236}">
+                <a16:creationId xmlns:a16="http://schemas.microsoft.com/office/drawing/2014/main" id="{246EF62D-7C5E-EF47-9717-365A37432252}"/>
+              </a:ext>
+            </a:extLst>
+          </p:cNvPr>
+          <p:cNvSpPr/>
+          <p:nvPr/>
+        </p:nvSpPr>
+        <p:spPr>
+          <a:xfrm>
+            <a:off x="3296194" y="4728753"/>
+            <a:ext cx="1985555" cy="2081348"/>
+          </a:xfrm>
+          <a:prstGeom prst="ellipse">
+            <a:avLst/>
+          </a:prstGeom>
+        </p:spPr>
+        <p:style>
+          <a:lnRef idx="2">
+            <a:schemeClr val="accent1">
+              <a:shade val="50000"/>
+            </a:schemeClr>
+          </a:lnRef>
+          <a:fillRef idx="1">
+            <a:schemeClr val="accent1"/>
+          </a:fillRef>
+          <a:effectRef idx="0">
+            <a:schemeClr val="accent1"/>
+          </a:effectRef>
+          <a:fontRef idx="minor">
+            <a:schemeClr val="lt1"/>
+          </a:fontRef>
+        </p:style>
+        <p:txBody>
+          <a:bodyPr rtlCol="0" anchor="ctr"/>
+          <a:lstStyle/>
+          <a:p>
+            <a:pPr algn="ctr"/>
+            <a:r>
+              <a:rPr lang="en-US" dirty="0" err="1"/>
+              <a:t>newState</a:t>
+            </a:r>
+            <a:r>
+              <a:rPr lang="en-US" dirty="0"/>
+              <a:t> :{a:1oo, b:1}</a:t>
+            </a:r>
+          </a:p>
+        </p:txBody>
+      </p:sp>
+    </p:spTree>
+    <p:extLst>
+      <p:ext uri="{BB962C8B-B14F-4D97-AF65-F5344CB8AC3E}">
+        <p14:creationId xmlns:p14="http://schemas.microsoft.com/office/powerpoint/2010/main" val="3968015624"/>
+      </p:ext>
+    </p:extLst>
+  </p:cSld>
+  <p:clrMapOvr>
+    <a:masterClrMapping/>
+  </p:clrMapOvr>
+</p:sld>
+</file>
+
+<file path=ppt/slides/slide15.xml><?xml version="1.0" encoding="utf-8"?>
+<p:sld xmlns:a="http://schemas.openxmlformats.org/drawingml/2006/main" xmlns:r="http://schemas.openxmlformats.org/officeDocument/2006/relationships" xmlns:p="http://schemas.openxmlformats.org/presentationml/2006/main">
+  <p:cSld>
+    <p:spTree>
+      <p:nvGrpSpPr>
+        <p:cNvPr id="1" name=""/>
+        <p:cNvGrpSpPr/>
+        <p:nvPr/>
+      </p:nvGrpSpPr>
+      <p:grpSpPr>
+        <a:xfrm>
+          <a:off x="0" y="0"/>
+          <a:ext cx="0" cy="0"/>
+          <a:chOff x="0" y="0"/>
+          <a:chExt cx="0" cy="0"/>
+        </a:xfrm>
+      </p:grpSpPr>
+      <p:sp>
+        <p:nvSpPr>
+          <p:cNvPr id="2" name="Oval 1">
+            <a:extLst>
+              <a:ext uri="{FF2B5EF4-FFF2-40B4-BE49-F238E27FC236}">
+                <a16:creationId xmlns:a16="http://schemas.microsoft.com/office/drawing/2014/main" id="{AFFACF02-526B-EC49-B0DF-F9ED33D73187}"/>
+              </a:ext>
+            </a:extLst>
+          </p:cNvPr>
+          <p:cNvSpPr/>
+          <p:nvPr/>
+        </p:nvSpPr>
+        <p:spPr>
+          <a:xfrm>
+            <a:off x="452846" y="1071154"/>
+            <a:ext cx="905691" cy="818606"/>
+          </a:xfrm>
+          <a:prstGeom prst="ellipse">
+            <a:avLst/>
+          </a:prstGeom>
+        </p:spPr>
+        <p:style>
+          <a:lnRef idx="2">
+            <a:schemeClr val="accent1">
+              <a:shade val="50000"/>
+            </a:schemeClr>
+          </a:lnRef>
+          <a:fillRef idx="1">
+            <a:schemeClr val="accent1"/>
+          </a:fillRef>
+          <a:effectRef idx="0">
+            <a:schemeClr val="accent1"/>
+          </a:effectRef>
+          <a:fontRef idx="minor">
+            <a:schemeClr val="lt1"/>
+          </a:fontRef>
+        </p:style>
+        <p:txBody>
+          <a:bodyPr rtlCol="0" anchor="ctr"/>
+          <a:lstStyle/>
+          <a:p>
+            <a:pPr algn="ctr"/>
+            <a:r>
+              <a:rPr lang="en-US" dirty="0"/>
+              <a:t>1</a:t>
+            </a:r>
+          </a:p>
+        </p:txBody>
+      </p:sp>
+      <p:sp>
+        <p:nvSpPr>
+          <p:cNvPr id="3" name="Oval 2">
+            <a:extLst>
+              <a:ext uri="{FF2B5EF4-FFF2-40B4-BE49-F238E27FC236}">
+                <a16:creationId xmlns:a16="http://schemas.microsoft.com/office/drawing/2014/main" id="{B4A32423-234D-4141-8D25-4FDD76265EE5}"/>
+              </a:ext>
+            </a:extLst>
+          </p:cNvPr>
+          <p:cNvSpPr/>
+          <p:nvPr/>
+        </p:nvSpPr>
+        <p:spPr>
+          <a:xfrm>
+            <a:off x="2164080" y="1071154"/>
+            <a:ext cx="905691" cy="818606"/>
+          </a:xfrm>
+          <a:prstGeom prst="ellipse">
+            <a:avLst/>
+          </a:prstGeom>
+        </p:spPr>
+        <p:style>
+          <a:lnRef idx="2">
+            <a:schemeClr val="accent1">
+              <a:shade val="50000"/>
+            </a:schemeClr>
+          </a:lnRef>
+          <a:fillRef idx="1">
+            <a:schemeClr val="accent1"/>
+          </a:fillRef>
+          <a:effectRef idx="0">
+            <a:schemeClr val="accent1"/>
+          </a:effectRef>
+          <a:fontRef idx="minor">
+            <a:schemeClr val="lt1"/>
+          </a:fontRef>
+        </p:style>
+        <p:txBody>
+          <a:bodyPr rtlCol="0" anchor="ctr"/>
+          <a:lstStyle/>
+          <a:p>
+            <a:pPr algn="ctr"/>
+            <a:r>
+              <a:rPr lang="en-US" dirty="0"/>
+              <a:t>2</a:t>
+            </a:r>
+          </a:p>
+        </p:txBody>
+      </p:sp>
+      <p:sp>
+        <p:nvSpPr>
+          <p:cNvPr id="4" name="Oval 3">
+            <a:extLst>
+              <a:ext uri="{FF2B5EF4-FFF2-40B4-BE49-F238E27FC236}">
+                <a16:creationId xmlns:a16="http://schemas.microsoft.com/office/drawing/2014/main" id="{650C4C57-79FF-6646-83D6-2811ADF69A46}"/>
+              </a:ext>
+            </a:extLst>
+          </p:cNvPr>
+          <p:cNvSpPr/>
+          <p:nvPr/>
+        </p:nvSpPr>
+        <p:spPr>
+          <a:xfrm>
+            <a:off x="3648892" y="1071154"/>
+            <a:ext cx="905691" cy="818606"/>
+          </a:xfrm>
+          <a:prstGeom prst="ellipse">
+            <a:avLst/>
+          </a:prstGeom>
+        </p:spPr>
+        <p:style>
+          <a:lnRef idx="2">
+            <a:schemeClr val="accent1">
+              <a:shade val="50000"/>
+            </a:schemeClr>
+          </a:lnRef>
+          <a:fillRef idx="1">
+            <a:schemeClr val="accent1"/>
+          </a:fillRef>
+          <a:effectRef idx="0">
+            <a:schemeClr val="accent1"/>
+          </a:effectRef>
+          <a:fontRef idx="minor">
+            <a:schemeClr val="lt1"/>
+          </a:fontRef>
+        </p:style>
+        <p:txBody>
+          <a:bodyPr rtlCol="0" anchor="ctr"/>
+          <a:lstStyle/>
+          <a:p>
+            <a:pPr algn="ctr"/>
+            <a:r>
+              <a:rPr lang="en-US" dirty="0"/>
+              <a:t>3</a:t>
+            </a:r>
+          </a:p>
+        </p:txBody>
+      </p:sp>
+      <p:sp>
+        <p:nvSpPr>
+          <p:cNvPr id="5" name="Oval 4">
+            <a:extLst>
+              <a:ext uri="{FF2B5EF4-FFF2-40B4-BE49-F238E27FC236}">
+                <a16:creationId xmlns:a16="http://schemas.microsoft.com/office/drawing/2014/main" id="{CE7BCC86-A0C7-9849-929C-84A83A5D321B}"/>
+              </a:ext>
+            </a:extLst>
+          </p:cNvPr>
+          <p:cNvSpPr/>
+          <p:nvPr/>
+        </p:nvSpPr>
+        <p:spPr>
+          <a:xfrm>
+            <a:off x="5421086" y="1071154"/>
+            <a:ext cx="905691" cy="818606"/>
+          </a:xfrm>
+          <a:prstGeom prst="ellipse">
+            <a:avLst/>
+          </a:prstGeom>
+        </p:spPr>
+        <p:style>
+          <a:lnRef idx="2">
+            <a:schemeClr val="accent1">
+              <a:shade val="50000"/>
+            </a:schemeClr>
+          </a:lnRef>
+          <a:fillRef idx="1">
+            <a:schemeClr val="accent1"/>
+          </a:fillRef>
+          <a:effectRef idx="0">
+            <a:schemeClr val="accent1"/>
+          </a:effectRef>
+          <a:fontRef idx="minor">
+            <a:schemeClr val="lt1"/>
+          </a:fontRef>
+        </p:style>
+        <p:txBody>
+          <a:bodyPr rtlCol="0" anchor="ctr"/>
+          <a:lstStyle/>
+          <a:p>
+            <a:pPr algn="ctr"/>
+            <a:r>
+              <a:rPr lang="en-US" dirty="0"/>
+              <a:t>4</a:t>
+            </a:r>
+          </a:p>
+        </p:txBody>
+      </p:sp>
+      <p:sp>
+        <p:nvSpPr>
+          <p:cNvPr id="6" name="Oval 5">
+            <a:extLst>
+              <a:ext uri="{FF2B5EF4-FFF2-40B4-BE49-F238E27FC236}">
+                <a16:creationId xmlns:a16="http://schemas.microsoft.com/office/drawing/2014/main" id="{7D732879-0B3D-AE4C-A932-CB3EE8473477}"/>
+              </a:ext>
+            </a:extLst>
+          </p:cNvPr>
+          <p:cNvSpPr/>
+          <p:nvPr/>
+        </p:nvSpPr>
+        <p:spPr>
+          <a:xfrm>
+            <a:off x="7154092" y="1071154"/>
+            <a:ext cx="905691" cy="818606"/>
+          </a:xfrm>
+          <a:prstGeom prst="ellipse">
+            <a:avLst/>
+          </a:prstGeom>
+        </p:spPr>
+        <p:style>
+          <a:lnRef idx="2">
+            <a:schemeClr val="accent1">
+              <a:shade val="50000"/>
+            </a:schemeClr>
+          </a:lnRef>
+          <a:fillRef idx="1">
+            <a:schemeClr val="accent1"/>
+          </a:fillRef>
+          <a:effectRef idx="0">
+            <a:schemeClr val="accent1"/>
+          </a:effectRef>
+          <a:fontRef idx="minor">
+            <a:schemeClr val="lt1"/>
+          </a:fontRef>
+        </p:style>
+        <p:txBody>
+          <a:bodyPr rtlCol="0" anchor="ctr"/>
+          <a:lstStyle/>
+          <a:p>
+            <a:pPr algn="ctr"/>
+            <a:r>
+              <a:rPr lang="en-US" dirty="0"/>
+              <a:t>5</a:t>
+            </a:r>
+          </a:p>
+        </p:txBody>
+      </p:sp>
+      <p:sp>
+        <p:nvSpPr>
+          <p:cNvPr id="7" name="Right Arrow 6">
+            <a:extLst>
+              <a:ext uri="{FF2B5EF4-FFF2-40B4-BE49-F238E27FC236}">
+                <a16:creationId xmlns:a16="http://schemas.microsoft.com/office/drawing/2014/main" id="{2BC0228B-A1FA-A945-ADE0-B99BB869A99C}"/>
+              </a:ext>
+            </a:extLst>
+          </p:cNvPr>
+          <p:cNvSpPr/>
+          <p:nvPr/>
+        </p:nvSpPr>
+        <p:spPr>
+          <a:xfrm>
+            <a:off x="513806" y="496389"/>
+            <a:ext cx="7471954" cy="478971"/>
+          </a:xfrm>
+          <a:prstGeom prst="rightArrow">
+            <a:avLst/>
+          </a:prstGeom>
+        </p:spPr>
+        <p:style>
+          <a:lnRef idx="2">
+            <a:schemeClr val="accent1">
+              <a:shade val="50000"/>
+            </a:schemeClr>
+          </a:lnRef>
+          <a:fillRef idx="1">
+            <a:schemeClr val="accent1"/>
+          </a:fillRef>
+          <a:effectRef idx="0">
+            <a:schemeClr val="accent1"/>
+          </a:effectRef>
+          <a:fontRef idx="minor">
+            <a:schemeClr val="lt1"/>
+          </a:fontRef>
+        </p:style>
+        <p:txBody>
+          <a:bodyPr rtlCol="0" anchor="ctr"/>
+          <a:lstStyle/>
+          <a:p>
+            <a:pPr algn="ctr"/>
+            <a:r>
+              <a:rPr lang="en-US" dirty="0"/>
+              <a:t>Application using all objects</a:t>
+            </a:r>
+          </a:p>
+        </p:txBody>
+      </p:sp>
+      <p:sp>
+        <p:nvSpPr>
+          <p:cNvPr id="8" name="Down Arrow 7">
+            <a:extLst>
+              <a:ext uri="{FF2B5EF4-FFF2-40B4-BE49-F238E27FC236}">
+                <a16:creationId xmlns:a16="http://schemas.microsoft.com/office/drawing/2014/main" id="{A7E536D8-E3EC-C34D-B18E-9540A7CF935B}"/>
+              </a:ext>
+            </a:extLst>
+          </p:cNvPr>
+          <p:cNvSpPr/>
+          <p:nvPr/>
+        </p:nvSpPr>
+        <p:spPr>
+          <a:xfrm>
+            <a:off x="3971108" y="1889760"/>
+            <a:ext cx="261257" cy="1114697"/>
+          </a:xfrm>
+          <a:prstGeom prst="downArrow">
+            <a:avLst/>
+          </a:prstGeom>
+        </p:spPr>
+        <p:style>
+          <a:lnRef idx="2">
+            <a:schemeClr val="accent1">
+              <a:shade val="50000"/>
+            </a:schemeClr>
+          </a:lnRef>
+          <a:fillRef idx="1">
+            <a:schemeClr val="accent1"/>
+          </a:fillRef>
+          <a:effectRef idx="0">
+            <a:schemeClr val="accent1"/>
+          </a:effectRef>
+          <a:fontRef idx="minor">
+            <a:schemeClr val="lt1"/>
+          </a:fontRef>
+        </p:style>
+        <p:txBody>
+          <a:bodyPr rtlCol="0" anchor="ctr"/>
+          <a:lstStyle/>
+          <a:p>
+            <a:pPr algn="ctr"/>
+            <a:endParaRPr lang="en-US"/>
+          </a:p>
+        </p:txBody>
+      </p:sp>
+      <p:sp>
+        <p:nvSpPr>
+          <p:cNvPr id="9" name="TextBox 8">
+            <a:extLst>
+              <a:ext uri="{FF2B5EF4-FFF2-40B4-BE49-F238E27FC236}">
+                <a16:creationId xmlns:a16="http://schemas.microsoft.com/office/drawing/2014/main" id="{02F58E1D-C50B-F545-9F8A-EF9428979680}"/>
+              </a:ext>
+            </a:extLst>
+          </p:cNvPr>
+          <p:cNvSpPr txBox="1"/>
+          <p:nvPr/>
+        </p:nvSpPr>
+        <p:spPr>
+          <a:xfrm>
+            <a:off x="2908663" y="3056709"/>
+            <a:ext cx="2512423" cy="372291"/>
+          </a:xfrm>
+          <a:prstGeom prst="rect">
+            <a:avLst/>
+          </a:prstGeom>
+          <a:noFill/>
+        </p:spPr>
+        <p:txBody>
+          <a:bodyPr wrap="square" rtlCol="0">
+            <a:spAutoFit/>
+          </a:bodyPr>
+          <a:lstStyle/>
+          <a:p>
+            <a:r>
+              <a:rPr lang="en-US" dirty="0"/>
+              <a:t>De-Referenced</a:t>
+            </a:r>
+          </a:p>
+        </p:txBody>
+      </p:sp>
+      <p:sp>
+        <p:nvSpPr>
+          <p:cNvPr id="10" name="Oval 9">
+            <a:extLst>
+              <a:ext uri="{FF2B5EF4-FFF2-40B4-BE49-F238E27FC236}">
+                <a16:creationId xmlns:a16="http://schemas.microsoft.com/office/drawing/2014/main" id="{4BA90B0D-4890-8449-9EAE-32526FFE0DC1}"/>
+              </a:ext>
+            </a:extLst>
+          </p:cNvPr>
+          <p:cNvSpPr/>
+          <p:nvPr/>
+        </p:nvSpPr>
+        <p:spPr>
+          <a:xfrm>
+            <a:off x="605246" y="4158342"/>
+            <a:ext cx="905691" cy="818606"/>
+          </a:xfrm>
+          <a:prstGeom prst="ellipse">
+            <a:avLst/>
+          </a:prstGeom>
+        </p:spPr>
+        <p:style>
+          <a:lnRef idx="2">
+            <a:schemeClr val="accent1">
+              <a:shade val="50000"/>
+            </a:schemeClr>
+          </a:lnRef>
+          <a:fillRef idx="1">
+            <a:schemeClr val="accent1"/>
+          </a:fillRef>
+          <a:effectRef idx="0">
+            <a:schemeClr val="accent1"/>
+          </a:effectRef>
+          <a:fontRef idx="minor">
+            <a:schemeClr val="lt1"/>
+          </a:fontRef>
+        </p:style>
+        <p:txBody>
+          <a:bodyPr rtlCol="0" anchor="ctr"/>
+          <a:lstStyle/>
+          <a:p>
+            <a:pPr algn="ctr"/>
+            <a:r>
+              <a:rPr lang="en-US" dirty="0"/>
+              <a:t>1</a:t>
+            </a:r>
+          </a:p>
+        </p:txBody>
+      </p:sp>
+      <p:sp>
+        <p:nvSpPr>
+          <p:cNvPr id="11" name="Oval 10">
+            <a:extLst>
+              <a:ext uri="{FF2B5EF4-FFF2-40B4-BE49-F238E27FC236}">
+                <a16:creationId xmlns:a16="http://schemas.microsoft.com/office/drawing/2014/main" id="{520F948A-4F71-4449-9542-56491FF82617}"/>
+              </a:ext>
+            </a:extLst>
+          </p:cNvPr>
+          <p:cNvSpPr/>
+          <p:nvPr/>
+        </p:nvSpPr>
+        <p:spPr>
+          <a:xfrm>
+            <a:off x="2316480" y="4158342"/>
+            <a:ext cx="905691" cy="818606"/>
+          </a:xfrm>
+          <a:prstGeom prst="ellipse">
+            <a:avLst/>
+          </a:prstGeom>
+        </p:spPr>
+        <p:style>
+          <a:lnRef idx="2">
+            <a:schemeClr val="accent1">
+              <a:shade val="50000"/>
+            </a:schemeClr>
+          </a:lnRef>
+          <a:fillRef idx="1">
+            <a:schemeClr val="accent1"/>
+          </a:fillRef>
+          <a:effectRef idx="0">
+            <a:schemeClr val="accent1"/>
+          </a:effectRef>
+          <a:fontRef idx="minor">
+            <a:schemeClr val="lt1"/>
+          </a:fontRef>
+        </p:style>
+        <p:txBody>
+          <a:bodyPr rtlCol="0" anchor="ctr"/>
+          <a:lstStyle/>
+          <a:p>
+            <a:pPr algn="ctr"/>
+            <a:r>
+              <a:rPr lang="en-US" dirty="0"/>
+              <a:t>2</a:t>
+            </a:r>
+          </a:p>
+        </p:txBody>
+      </p:sp>
+      <p:sp>
+        <p:nvSpPr>
+          <p:cNvPr id="12" name="Oval 11">
+            <a:extLst>
+              <a:ext uri="{FF2B5EF4-FFF2-40B4-BE49-F238E27FC236}">
+                <a16:creationId xmlns:a16="http://schemas.microsoft.com/office/drawing/2014/main" id="{25FEA60E-E7B6-B74E-A806-A6096173AC3D}"/>
+              </a:ext>
+            </a:extLst>
+          </p:cNvPr>
+          <p:cNvSpPr/>
+          <p:nvPr/>
+        </p:nvSpPr>
+        <p:spPr>
+          <a:xfrm>
+            <a:off x="5573486" y="4158342"/>
+            <a:ext cx="905691" cy="818606"/>
+          </a:xfrm>
+          <a:prstGeom prst="ellipse">
+            <a:avLst/>
+          </a:prstGeom>
+        </p:spPr>
+        <p:style>
+          <a:lnRef idx="2">
+            <a:schemeClr val="accent1">
+              <a:shade val="50000"/>
+            </a:schemeClr>
+          </a:lnRef>
+          <a:fillRef idx="1">
+            <a:schemeClr val="accent1"/>
+          </a:fillRef>
+          <a:effectRef idx="0">
+            <a:schemeClr val="accent1"/>
+          </a:effectRef>
+          <a:fontRef idx="minor">
+            <a:schemeClr val="lt1"/>
+          </a:fontRef>
+        </p:style>
+        <p:txBody>
+          <a:bodyPr rtlCol="0" anchor="ctr"/>
+          <a:lstStyle/>
+          <a:p>
+            <a:pPr algn="ctr"/>
+            <a:r>
+              <a:rPr lang="en-US" dirty="0"/>
+              <a:t>4</a:t>
+            </a:r>
+          </a:p>
+        </p:txBody>
+      </p:sp>
+      <p:sp>
+        <p:nvSpPr>
+          <p:cNvPr id="13" name="Oval 12">
+            <a:extLst>
+              <a:ext uri="{FF2B5EF4-FFF2-40B4-BE49-F238E27FC236}">
+                <a16:creationId xmlns:a16="http://schemas.microsoft.com/office/drawing/2014/main" id="{59DE4EC7-D94A-7846-8BFC-99CC701544EC}"/>
+              </a:ext>
+            </a:extLst>
+          </p:cNvPr>
+          <p:cNvSpPr/>
+          <p:nvPr/>
+        </p:nvSpPr>
+        <p:spPr>
+          <a:xfrm>
+            <a:off x="7306492" y="4158342"/>
+            <a:ext cx="905691" cy="818606"/>
+          </a:xfrm>
+          <a:prstGeom prst="ellipse">
+            <a:avLst/>
+          </a:prstGeom>
+        </p:spPr>
+        <p:style>
+          <a:lnRef idx="2">
+            <a:schemeClr val="accent1">
+              <a:shade val="50000"/>
+            </a:schemeClr>
+          </a:lnRef>
+          <a:fillRef idx="1">
+            <a:schemeClr val="accent1"/>
+          </a:fillRef>
+          <a:effectRef idx="0">
+            <a:schemeClr val="accent1"/>
+          </a:effectRef>
+          <a:fontRef idx="minor">
+            <a:schemeClr val="lt1"/>
+          </a:fontRef>
+        </p:style>
+        <p:txBody>
+          <a:bodyPr rtlCol="0" anchor="ctr"/>
+          <a:lstStyle/>
+          <a:p>
+            <a:pPr algn="ctr"/>
+            <a:r>
+              <a:rPr lang="en-US" dirty="0"/>
+              <a:t>5</a:t>
+            </a:r>
+          </a:p>
+        </p:txBody>
+      </p:sp>
+      <p:sp>
+        <p:nvSpPr>
+          <p:cNvPr id="14" name="Right Arrow 13">
+            <a:extLst>
+              <a:ext uri="{FF2B5EF4-FFF2-40B4-BE49-F238E27FC236}">
+                <a16:creationId xmlns:a16="http://schemas.microsoft.com/office/drawing/2014/main" id="{266A8DB3-0F34-A141-9948-048E739E886C}"/>
+              </a:ext>
+            </a:extLst>
+          </p:cNvPr>
+          <p:cNvSpPr/>
+          <p:nvPr/>
+        </p:nvSpPr>
+        <p:spPr>
+          <a:xfrm>
+            <a:off x="666206" y="3583577"/>
+            <a:ext cx="7471954" cy="478971"/>
+          </a:xfrm>
+          <a:prstGeom prst="rightArrow">
+            <a:avLst/>
+          </a:prstGeom>
+        </p:spPr>
+        <p:style>
+          <a:lnRef idx="2">
+            <a:schemeClr val="accent1">
+              <a:shade val="50000"/>
+            </a:schemeClr>
+          </a:lnRef>
+          <a:fillRef idx="1">
+            <a:schemeClr val="accent1"/>
+          </a:fillRef>
+          <a:effectRef idx="0">
+            <a:schemeClr val="accent1"/>
+          </a:effectRef>
+          <a:fontRef idx="minor">
+            <a:schemeClr val="lt1"/>
+          </a:fontRef>
+        </p:style>
+        <p:txBody>
+          <a:bodyPr rtlCol="0" anchor="ctr"/>
+          <a:lstStyle/>
+          <a:p>
+            <a:pPr algn="ctr"/>
+            <a:r>
+              <a:rPr lang="en-US" dirty="0"/>
+              <a:t>Application using all objects</a:t>
+            </a:r>
+          </a:p>
+        </p:txBody>
+      </p:sp>
+      <p:sp>
+        <p:nvSpPr>
+          <p:cNvPr id="15" name="TextBox 14">
+            <a:extLst>
+              <a:ext uri="{FF2B5EF4-FFF2-40B4-BE49-F238E27FC236}">
+                <a16:creationId xmlns:a16="http://schemas.microsoft.com/office/drawing/2014/main" id="{E749C5FC-5186-DA42-AB58-9F7EED24A738}"/>
+              </a:ext>
+            </a:extLst>
+          </p:cNvPr>
+          <p:cNvSpPr txBox="1"/>
+          <p:nvPr/>
+        </p:nvSpPr>
+        <p:spPr>
+          <a:xfrm>
+            <a:off x="9405257" y="2760617"/>
+            <a:ext cx="2116183" cy="369332"/>
+          </a:xfrm>
+          <a:prstGeom prst="rect">
+            <a:avLst/>
+          </a:prstGeom>
+          <a:noFill/>
+        </p:spPr>
+        <p:txBody>
+          <a:bodyPr wrap="square" rtlCol="0">
+            <a:spAutoFit/>
+          </a:bodyPr>
+          <a:lstStyle/>
+          <a:p>
+            <a:r>
+              <a:rPr lang="en-US" dirty="0"/>
+              <a:t>Obj = null</a:t>
+            </a:r>
+          </a:p>
+        </p:txBody>
+      </p:sp>
+      <p:sp>
+        <p:nvSpPr>
+          <p:cNvPr id="16" name="Oval 15">
+            <a:extLst>
+              <a:ext uri="{FF2B5EF4-FFF2-40B4-BE49-F238E27FC236}">
+                <a16:creationId xmlns:a16="http://schemas.microsoft.com/office/drawing/2014/main" id="{6D4D4E31-642D-D04C-B04D-3A15AB40D8AC}"/>
+              </a:ext>
+            </a:extLst>
+          </p:cNvPr>
+          <p:cNvSpPr/>
+          <p:nvPr/>
+        </p:nvSpPr>
+        <p:spPr>
+          <a:xfrm>
+            <a:off x="9570720" y="4567645"/>
+            <a:ext cx="905691" cy="818606"/>
+          </a:xfrm>
+          <a:prstGeom prst="ellipse">
+            <a:avLst/>
+          </a:prstGeom>
+        </p:spPr>
+        <p:style>
+          <a:lnRef idx="2">
+            <a:schemeClr val="accent1">
+              <a:shade val="50000"/>
+            </a:schemeClr>
+          </a:lnRef>
+          <a:fillRef idx="1">
+            <a:schemeClr val="accent1"/>
+          </a:fillRef>
+          <a:effectRef idx="0">
+            <a:schemeClr val="accent1"/>
+          </a:effectRef>
+          <a:fontRef idx="minor">
+            <a:schemeClr val="lt1"/>
+          </a:fontRef>
+        </p:style>
+        <p:txBody>
+          <a:bodyPr rtlCol="0" anchor="ctr"/>
+          <a:lstStyle/>
+          <a:p>
+            <a:pPr algn="ctr"/>
+            <a:r>
+              <a:rPr lang="en-US" dirty="0"/>
+              <a:t>o</a:t>
+            </a:r>
+          </a:p>
+        </p:txBody>
+      </p:sp>
+      <p:cxnSp>
+        <p:nvCxnSpPr>
+          <p:cNvPr id="18" name="Straight Arrow Connector 17">
+            <a:extLst>
+              <a:ext uri="{FF2B5EF4-FFF2-40B4-BE49-F238E27FC236}">
+                <a16:creationId xmlns:a16="http://schemas.microsoft.com/office/drawing/2014/main" id="{AFE14E52-D8C6-7C40-8DC7-2A2609C8031A}"/>
+              </a:ext>
+            </a:extLst>
+          </p:cNvPr>
+          <p:cNvCxnSpPr>
+            <a:endCxn id="16" idx="0"/>
+          </p:cNvCxnSpPr>
+          <p:nvPr/>
+        </p:nvCxnSpPr>
+        <p:spPr>
+          <a:xfrm>
+            <a:off x="10023565" y="3823062"/>
+            <a:ext cx="1" cy="744583"/>
+          </a:xfrm>
+          <a:prstGeom prst="straightConnector1">
+            <a:avLst/>
+          </a:prstGeom>
+          <a:ln>
+            <a:tailEnd type="triangle"/>
+          </a:ln>
+        </p:spPr>
+        <p:style>
+          <a:lnRef idx="1">
+            <a:schemeClr val="accent1"/>
+          </a:lnRef>
+          <a:fillRef idx="0">
+            <a:schemeClr val="accent1"/>
+          </a:fillRef>
+          <a:effectRef idx="0">
+            <a:schemeClr val="accent1"/>
+          </a:effectRef>
+          <a:fontRef idx="minor">
+            <a:schemeClr val="tx1"/>
+          </a:fontRef>
+        </p:style>
+      </p:cxnSp>
+      <p:cxnSp>
+        <p:nvCxnSpPr>
+          <p:cNvPr id="22" name="Straight Arrow Connector 21">
+            <a:extLst>
+              <a:ext uri="{FF2B5EF4-FFF2-40B4-BE49-F238E27FC236}">
+                <a16:creationId xmlns:a16="http://schemas.microsoft.com/office/drawing/2014/main" id="{4089DDA7-5D1C-094D-BB9C-C85CA7897CC0}"/>
+              </a:ext>
+            </a:extLst>
+          </p:cNvPr>
+          <p:cNvCxnSpPr>
+            <a:endCxn id="16" idx="6"/>
+          </p:cNvCxnSpPr>
+          <p:nvPr/>
+        </p:nvCxnSpPr>
+        <p:spPr>
+          <a:xfrm flipH="1">
+            <a:off x="10476411" y="4976948"/>
+            <a:ext cx="714103" cy="0"/>
+          </a:xfrm>
+          <a:prstGeom prst="straightConnector1">
+            <a:avLst/>
+          </a:prstGeom>
+          <a:ln>
+            <a:tailEnd type="triangle"/>
+          </a:ln>
+        </p:spPr>
+        <p:style>
+          <a:lnRef idx="1">
+            <a:schemeClr val="accent1"/>
+          </a:lnRef>
+          <a:fillRef idx="0">
+            <a:schemeClr val="accent1"/>
+          </a:fillRef>
+          <a:effectRef idx="0">
+            <a:schemeClr val="accent1"/>
+          </a:effectRef>
+          <a:fontRef idx="minor">
+            <a:schemeClr val="tx1"/>
+          </a:fontRef>
+        </p:style>
+      </p:cxnSp>
+      <p:cxnSp>
+        <p:nvCxnSpPr>
+          <p:cNvPr id="24" name="Straight Arrow Connector 23">
+            <a:extLst>
+              <a:ext uri="{FF2B5EF4-FFF2-40B4-BE49-F238E27FC236}">
+                <a16:creationId xmlns:a16="http://schemas.microsoft.com/office/drawing/2014/main" id="{8EC6EDEF-2231-2A41-A39B-0579D60218FA}"/>
+              </a:ext>
+            </a:extLst>
+          </p:cNvPr>
+          <p:cNvCxnSpPr>
+            <a:endCxn id="16" idx="4"/>
+          </p:cNvCxnSpPr>
+          <p:nvPr/>
+        </p:nvCxnSpPr>
+        <p:spPr>
+          <a:xfrm flipH="1" flipV="1">
+            <a:off x="10023566" y="5386251"/>
+            <a:ext cx="78377" cy="640080"/>
+          </a:xfrm>
+          <a:prstGeom prst="straightConnector1">
+            <a:avLst/>
+          </a:prstGeom>
+          <a:ln>
+            <a:tailEnd type="triangle"/>
+          </a:ln>
+        </p:spPr>
+        <p:style>
+          <a:lnRef idx="1">
+            <a:schemeClr val="accent1"/>
+          </a:lnRef>
+          <a:fillRef idx="0">
+            <a:schemeClr val="accent1"/>
+          </a:fillRef>
+          <a:effectRef idx="0">
+            <a:schemeClr val="accent1"/>
+          </a:effectRef>
+          <a:fontRef idx="minor">
+            <a:schemeClr val="tx1"/>
+          </a:fontRef>
+        </p:style>
+      </p:cxnSp>
+      <p:cxnSp>
+        <p:nvCxnSpPr>
+          <p:cNvPr id="26" name="Straight Arrow Connector 25">
+            <a:extLst>
+              <a:ext uri="{FF2B5EF4-FFF2-40B4-BE49-F238E27FC236}">
+                <a16:creationId xmlns:a16="http://schemas.microsoft.com/office/drawing/2014/main" id="{8CFE86A2-3FE8-3A48-912A-699CE43A9C66}"/>
+              </a:ext>
+            </a:extLst>
+          </p:cNvPr>
+          <p:cNvCxnSpPr>
+            <a:endCxn id="16" idx="2"/>
+          </p:cNvCxnSpPr>
+          <p:nvPr/>
+        </p:nvCxnSpPr>
+        <p:spPr>
+          <a:xfrm flipV="1">
+            <a:off x="8516983" y="4976948"/>
+            <a:ext cx="1053737" cy="65315"/>
+          </a:xfrm>
+          <a:prstGeom prst="straightConnector1">
+            <a:avLst/>
+          </a:prstGeom>
+          <a:ln>
+            <a:tailEnd type="triangle"/>
+          </a:ln>
+        </p:spPr>
+        <p:style>
+          <a:lnRef idx="1">
+            <a:schemeClr val="accent1"/>
+          </a:lnRef>
+          <a:fillRef idx="0">
+            <a:schemeClr val="accent1"/>
+          </a:fillRef>
+          <a:effectRef idx="0">
+            <a:schemeClr val="accent1"/>
+          </a:effectRef>
+          <a:fontRef idx="minor">
+            <a:schemeClr val="tx1"/>
+          </a:fontRef>
+        </p:style>
+      </p:cxnSp>
+      <p:sp>
+        <p:nvSpPr>
+          <p:cNvPr id="27" name="Rectangle 26">
+            <a:extLst>
+              <a:ext uri="{FF2B5EF4-FFF2-40B4-BE49-F238E27FC236}">
+                <a16:creationId xmlns:a16="http://schemas.microsoft.com/office/drawing/2014/main" id="{D001350E-F485-DF4C-B2C1-2CD09543F558}"/>
+              </a:ext>
+            </a:extLst>
+          </p:cNvPr>
+          <p:cNvSpPr/>
+          <p:nvPr/>
+        </p:nvSpPr>
+        <p:spPr>
+          <a:xfrm>
+            <a:off x="5782491" y="5782491"/>
+            <a:ext cx="2891246" cy="653143"/>
+          </a:xfrm>
+          <a:prstGeom prst="rect">
+            <a:avLst/>
+          </a:prstGeom>
+        </p:spPr>
+        <p:style>
+          <a:lnRef idx="2">
+            <a:schemeClr val="accent1">
+              <a:shade val="50000"/>
+            </a:schemeClr>
+          </a:lnRef>
+          <a:fillRef idx="1">
+            <a:schemeClr val="accent1"/>
+          </a:fillRef>
+          <a:effectRef idx="0">
+            <a:schemeClr val="accent1"/>
+          </a:effectRef>
+          <a:fontRef idx="minor">
+            <a:schemeClr val="lt1"/>
+          </a:fontRef>
+        </p:style>
+        <p:txBody>
+          <a:bodyPr rtlCol="0" anchor="ctr"/>
+          <a:lstStyle/>
+          <a:p>
+            <a:pPr algn="ctr"/>
+            <a:r>
+              <a:rPr lang="en-US" dirty="0"/>
+              <a:t>Array holding o</a:t>
+            </a:r>
+          </a:p>
+        </p:txBody>
+      </p:sp>
+      <p:sp>
+        <p:nvSpPr>
+          <p:cNvPr id="28" name="Bent Arrow 27">
+            <a:extLst>
+              <a:ext uri="{FF2B5EF4-FFF2-40B4-BE49-F238E27FC236}">
+                <a16:creationId xmlns:a16="http://schemas.microsoft.com/office/drawing/2014/main" id="{04089667-6639-B14A-9E8E-E74520EF28D4}"/>
+              </a:ext>
+            </a:extLst>
+          </p:cNvPr>
+          <p:cNvSpPr/>
+          <p:nvPr/>
+        </p:nvSpPr>
+        <p:spPr>
+          <a:xfrm rot="16200000" flipH="1">
+            <a:off x="8596449" y="4775562"/>
+            <a:ext cx="735875" cy="1277985"/>
+          </a:xfrm>
+          <a:prstGeom prst="bentArrow">
+            <a:avLst/>
+          </a:prstGeom>
+        </p:spPr>
+        <p:style>
+          <a:lnRef idx="2">
+            <a:schemeClr val="accent1">
+              <a:shade val="50000"/>
+            </a:schemeClr>
+          </a:lnRef>
+          <a:fillRef idx="1">
+            <a:schemeClr val="accent1"/>
+          </a:fillRef>
+          <a:effectRef idx="0">
+            <a:schemeClr val="accent1"/>
+          </a:effectRef>
+          <a:fontRef idx="minor">
+            <a:schemeClr val="lt1"/>
+          </a:fontRef>
+        </p:style>
+        <p:txBody>
+          <a:bodyPr rtlCol="0" anchor="ctr"/>
+          <a:lstStyle/>
+          <a:p>
+            <a:pPr algn="ctr"/>
+            <a:endParaRPr lang="en-US">
+              <a:solidFill>
+                <a:schemeClr val="tx1"/>
+              </a:solidFill>
+            </a:endParaRPr>
+          </a:p>
+        </p:txBody>
+      </p:sp>
+    </p:spTree>
+    <p:extLst>
+      <p:ext uri="{BB962C8B-B14F-4D97-AF65-F5344CB8AC3E}">
+        <p14:creationId xmlns:p14="http://schemas.microsoft.com/office/powerpoint/2010/main" val="1274837459"/>
+      </p:ext>
+    </p:extLst>
+  </p:cSld>
+  <p:clrMapOvr>
+    <a:masterClrMapping/>
+  </p:clrMapOvr>
+</p:sld>
+</file>
+
+<file path=ppt/slides/slide16.xml><?xml version="1.0" encoding="utf-8"?>
+<p:sld xmlns:a="http://schemas.openxmlformats.org/drawingml/2006/main" xmlns:r="http://schemas.openxmlformats.org/officeDocument/2006/relationships" xmlns:p="http://schemas.openxmlformats.org/presentationml/2006/main">
+  <p:cSld>
+    <p:spTree>
+      <p:nvGrpSpPr>
+        <p:cNvPr id="1" name=""/>
+        <p:cNvGrpSpPr/>
+        <p:nvPr/>
+      </p:nvGrpSpPr>
+      <p:grpSpPr>
+        <a:xfrm>
+          <a:off x="0" y="0"/>
+          <a:ext cx="0" cy="0"/>
+          <a:chOff x="0" y="0"/>
+          <a:chExt cx="0" cy="0"/>
+        </a:xfrm>
+      </p:grpSpPr>
+      <p:sp>
+        <p:nvSpPr>
+          <p:cNvPr id="2" name="Rounded Rectangle 1">
+            <a:extLst>
+              <a:ext uri="{FF2B5EF4-FFF2-40B4-BE49-F238E27FC236}">
+                <a16:creationId xmlns:a16="http://schemas.microsoft.com/office/drawing/2014/main" id="{8E30C01F-DF71-9F41-A912-262604834429}"/>
+              </a:ext>
+            </a:extLst>
+          </p:cNvPr>
+          <p:cNvSpPr/>
+          <p:nvPr/>
+        </p:nvSpPr>
+        <p:spPr>
+          <a:xfrm>
+            <a:off x="635726" y="1863634"/>
+            <a:ext cx="2490651" cy="3918857"/>
+          </a:xfrm>
+          <a:prstGeom prst="roundRect">
+            <a:avLst/>
+          </a:prstGeom>
+        </p:spPr>
+        <p:style>
+          <a:lnRef idx="2">
+            <a:schemeClr val="accent1">
+              <a:shade val="50000"/>
+            </a:schemeClr>
+          </a:lnRef>
+          <a:fillRef idx="1">
+            <a:schemeClr val="accent1"/>
+          </a:fillRef>
+          <a:effectRef idx="0">
+            <a:schemeClr val="accent1"/>
+          </a:effectRef>
+          <a:fontRef idx="minor">
+            <a:schemeClr val="lt1"/>
+          </a:fontRef>
+        </p:style>
+        <p:txBody>
+          <a:bodyPr rtlCol="0" anchor="ctr"/>
+          <a:lstStyle/>
+          <a:p>
+            <a:pPr algn="ctr"/>
+            <a:r>
+              <a:rPr lang="en-US" dirty="0"/>
+              <a:t>Person Object</a:t>
+            </a:r>
+          </a:p>
+          <a:p>
+            <a:pPr algn="ctr"/>
+            <a:r>
+              <a:rPr lang="en-US" dirty="0" err="1"/>
+              <a:t>PerdsonId</a:t>
+            </a:r>
+            <a:endParaRPr lang="en-US" dirty="0"/>
+          </a:p>
+          <a:p>
+            <a:pPr algn="ctr"/>
+            <a:r>
+              <a:rPr lang="en-US" dirty="0" err="1"/>
+              <a:t>PersonName</a:t>
+            </a:r>
+            <a:endParaRPr lang="en-US" dirty="0"/>
+          </a:p>
+          <a:p>
+            <a:pPr algn="ctr"/>
+            <a:r>
+              <a:rPr lang="en-US" dirty="0"/>
+              <a:t>Address</a:t>
+            </a:r>
+          </a:p>
+          <a:p>
+            <a:pPr algn="ctr"/>
+            <a:r>
+              <a:rPr lang="en-US" dirty="0"/>
+              <a:t>City</a:t>
+            </a:r>
+          </a:p>
+          <a:p>
+            <a:pPr algn="ctr"/>
+            <a:r>
+              <a:rPr lang="en-US" dirty="0"/>
+              <a:t>Age</a:t>
+            </a:r>
+          </a:p>
+          <a:p>
+            <a:pPr algn="ctr"/>
+            <a:r>
+              <a:rPr lang="en-US" dirty="0"/>
+              <a:t>Gender</a:t>
+            </a:r>
+          </a:p>
+          <a:p>
+            <a:pPr algn="ctr"/>
+            <a:r>
+              <a:rPr lang="en-US" dirty="0"/>
+              <a:t>Email</a:t>
+            </a:r>
+          </a:p>
+          <a:p>
+            <a:pPr algn="ctr"/>
+            <a:r>
+              <a:rPr lang="en-US" dirty="0"/>
+              <a:t>Income</a:t>
+            </a:r>
+          </a:p>
+          <a:p>
+            <a:pPr algn="ctr"/>
+            <a:r>
+              <a:rPr lang="en-US" dirty="0"/>
+              <a:t>Occupation</a:t>
+            </a:r>
+          </a:p>
+          <a:p>
+            <a:pPr algn="ctr"/>
+            <a:r>
+              <a:rPr lang="en-US" dirty="0" err="1"/>
+              <a:t>ResidentType</a:t>
+            </a:r>
+            <a:endParaRPr lang="en-US" dirty="0"/>
+          </a:p>
+          <a:p>
+            <a:pPr algn="ctr"/>
+            <a:r>
+              <a:rPr lang="en-US" dirty="0" err="1"/>
+              <a:t>HasVehicle</a:t>
+            </a:r>
+            <a:endParaRPr lang="en-US" dirty="0"/>
+          </a:p>
+          <a:p>
+            <a:pPr algn="ctr"/>
+            <a:r>
+              <a:rPr lang="en-US" dirty="0" err="1"/>
+              <a:t>TypeofVehicle</a:t>
+            </a:r>
+            <a:endParaRPr lang="en-US" dirty="0"/>
+          </a:p>
+        </p:txBody>
+      </p:sp>
+      <p:sp>
+        <p:nvSpPr>
+          <p:cNvPr id="3" name="Rectangle 2">
+            <a:extLst>
+              <a:ext uri="{FF2B5EF4-FFF2-40B4-BE49-F238E27FC236}">
+                <a16:creationId xmlns:a16="http://schemas.microsoft.com/office/drawing/2014/main" id="{1C465DD4-FA3D-2F43-94C0-7A5E3B6C317F}"/>
+              </a:ext>
+            </a:extLst>
+          </p:cNvPr>
+          <p:cNvSpPr/>
+          <p:nvPr/>
+        </p:nvSpPr>
+        <p:spPr>
+          <a:xfrm>
+            <a:off x="6496594" y="931817"/>
+            <a:ext cx="2002972" cy="1889760"/>
+          </a:xfrm>
+          <a:prstGeom prst="rect">
+            <a:avLst/>
+          </a:prstGeom>
+        </p:spPr>
+        <p:style>
+          <a:lnRef idx="2">
+            <a:schemeClr val="accent1">
+              <a:shade val="50000"/>
+            </a:schemeClr>
+          </a:lnRef>
+          <a:fillRef idx="1">
+            <a:schemeClr val="accent1"/>
+          </a:fillRef>
+          <a:effectRef idx="0">
+            <a:schemeClr val="accent1"/>
+          </a:effectRef>
+          <a:fontRef idx="minor">
+            <a:schemeClr val="lt1"/>
+          </a:fontRef>
+        </p:style>
+        <p:txBody>
+          <a:bodyPr rtlCol="0" anchor="ctr"/>
+          <a:lstStyle/>
+          <a:p>
+            <a:pPr algn="ctr"/>
+            <a:r>
+              <a:rPr lang="en-US" dirty="0"/>
+              <a:t>Income Tax Dept App</a:t>
+            </a:r>
+          </a:p>
+        </p:txBody>
+      </p:sp>
+      <p:sp>
+        <p:nvSpPr>
+          <p:cNvPr id="4" name="Rectangle 3">
+            <a:extLst>
+              <a:ext uri="{FF2B5EF4-FFF2-40B4-BE49-F238E27FC236}">
+                <a16:creationId xmlns:a16="http://schemas.microsoft.com/office/drawing/2014/main" id="{3BDE67FD-BB49-5D45-80E5-A51814E3333C}"/>
+              </a:ext>
+            </a:extLst>
+          </p:cNvPr>
+          <p:cNvSpPr/>
+          <p:nvPr/>
+        </p:nvSpPr>
+        <p:spPr>
+          <a:xfrm>
+            <a:off x="6496594" y="4724400"/>
+            <a:ext cx="2002972" cy="1889760"/>
+          </a:xfrm>
+          <a:prstGeom prst="rect">
+            <a:avLst/>
+          </a:prstGeom>
+        </p:spPr>
+        <p:style>
+          <a:lnRef idx="2">
+            <a:schemeClr val="accent1">
+              <a:shade val="50000"/>
+            </a:schemeClr>
+          </a:lnRef>
+          <a:fillRef idx="1">
+            <a:schemeClr val="accent1"/>
+          </a:fillRef>
+          <a:effectRef idx="0">
+            <a:schemeClr val="accent1"/>
+          </a:effectRef>
+          <a:fontRef idx="minor">
+            <a:schemeClr val="lt1"/>
+          </a:fontRef>
+        </p:style>
+        <p:txBody>
+          <a:bodyPr rtlCol="0" anchor="ctr"/>
+          <a:lstStyle/>
+          <a:p>
+            <a:pPr algn="ctr"/>
+            <a:r>
+              <a:rPr lang="en-US" dirty="0"/>
+              <a:t>Voter Registration App</a:t>
+            </a:r>
+          </a:p>
+        </p:txBody>
+      </p:sp>
+      <p:sp>
+        <p:nvSpPr>
+          <p:cNvPr id="5" name="Bent Arrow 4">
+            <a:extLst>
+              <a:ext uri="{FF2B5EF4-FFF2-40B4-BE49-F238E27FC236}">
+                <a16:creationId xmlns:a16="http://schemas.microsoft.com/office/drawing/2014/main" id="{C24E154B-4D18-4D44-9B9C-A6828F3F1015}"/>
+              </a:ext>
+            </a:extLst>
+          </p:cNvPr>
+          <p:cNvSpPr/>
+          <p:nvPr/>
+        </p:nvSpPr>
+        <p:spPr>
+          <a:xfrm>
+            <a:off x="2211977" y="1280160"/>
+            <a:ext cx="4284617" cy="583474"/>
+          </a:xfrm>
+          <a:prstGeom prst="bentArrow">
+            <a:avLst/>
+          </a:prstGeom>
+        </p:spPr>
+        <p:style>
+          <a:lnRef idx="2">
+            <a:schemeClr val="accent1">
+              <a:shade val="50000"/>
+            </a:schemeClr>
+          </a:lnRef>
+          <a:fillRef idx="1">
+            <a:schemeClr val="accent1"/>
+          </a:fillRef>
+          <a:effectRef idx="0">
+            <a:schemeClr val="accent1"/>
+          </a:effectRef>
+          <a:fontRef idx="minor">
+            <a:schemeClr val="lt1"/>
+          </a:fontRef>
+        </p:style>
+        <p:txBody>
+          <a:bodyPr rtlCol="0" anchor="ctr"/>
+          <a:lstStyle/>
+          <a:p>
+            <a:pPr algn="ctr"/>
+            <a:endParaRPr lang="en-US">
+              <a:solidFill>
+                <a:schemeClr val="tx1"/>
+              </a:solidFill>
+            </a:endParaRPr>
+          </a:p>
+        </p:txBody>
+      </p:sp>
+      <p:sp>
+        <p:nvSpPr>
+          <p:cNvPr id="6" name="TextBox 5">
+            <a:extLst>
+              <a:ext uri="{FF2B5EF4-FFF2-40B4-BE49-F238E27FC236}">
+                <a16:creationId xmlns:a16="http://schemas.microsoft.com/office/drawing/2014/main" id="{2F70AF12-FD61-9448-B653-6915CA37358F}"/>
+              </a:ext>
+            </a:extLst>
+          </p:cNvPr>
+          <p:cNvSpPr txBox="1"/>
+          <p:nvPr/>
+        </p:nvSpPr>
+        <p:spPr>
+          <a:xfrm>
+            <a:off x="2751908" y="391886"/>
+            <a:ext cx="3344091" cy="923330"/>
+          </a:xfrm>
+          <a:prstGeom prst="rect">
+            <a:avLst/>
+          </a:prstGeom>
+          <a:noFill/>
+        </p:spPr>
+        <p:txBody>
+          <a:bodyPr wrap="square" rtlCol="0">
+            <a:spAutoFit/>
+          </a:bodyPr>
+          <a:lstStyle/>
+          <a:p>
+            <a:r>
+              <a:rPr lang="en-US" dirty="0"/>
+              <a:t>I-T App needs all Person Info</a:t>
+            </a:r>
+          </a:p>
+          <a:p>
+            <a:endParaRPr lang="en-US" dirty="0"/>
+          </a:p>
+          <a:p>
+            <a:r>
+              <a:rPr lang="en-US" dirty="0"/>
+              <a:t>Use information with Validations</a:t>
+            </a:r>
+          </a:p>
+        </p:txBody>
+      </p:sp>
+      <p:sp>
+        <p:nvSpPr>
+          <p:cNvPr id="7" name="Bent Arrow 6">
+            <a:extLst>
+              <a:ext uri="{FF2B5EF4-FFF2-40B4-BE49-F238E27FC236}">
+                <a16:creationId xmlns:a16="http://schemas.microsoft.com/office/drawing/2014/main" id="{DACEF7C7-7FA1-9F49-AD87-F29AEF996FD0}"/>
+              </a:ext>
+            </a:extLst>
+          </p:cNvPr>
+          <p:cNvSpPr/>
+          <p:nvPr/>
+        </p:nvSpPr>
+        <p:spPr>
+          <a:xfrm flipV="1">
+            <a:off x="1754776" y="5782491"/>
+            <a:ext cx="4741818" cy="583474"/>
+          </a:xfrm>
+          <a:prstGeom prst="bentArrow">
+            <a:avLst/>
+          </a:prstGeom>
+        </p:spPr>
+        <p:style>
+          <a:lnRef idx="2">
+            <a:schemeClr val="accent1">
+              <a:shade val="50000"/>
+            </a:schemeClr>
+          </a:lnRef>
+          <a:fillRef idx="1">
+            <a:schemeClr val="accent1"/>
+          </a:fillRef>
+          <a:effectRef idx="0">
+            <a:schemeClr val="accent1"/>
+          </a:effectRef>
+          <a:fontRef idx="minor">
+            <a:schemeClr val="lt1"/>
+          </a:fontRef>
+        </p:style>
+        <p:txBody>
+          <a:bodyPr rtlCol="0" anchor="ctr"/>
+          <a:lstStyle/>
+          <a:p>
+            <a:pPr algn="ctr"/>
+            <a:endParaRPr lang="en-US">
+              <a:solidFill>
+                <a:schemeClr val="tx1"/>
+              </a:solidFill>
+            </a:endParaRPr>
+          </a:p>
+        </p:txBody>
+      </p:sp>
+      <p:sp>
+        <p:nvSpPr>
+          <p:cNvPr id="8" name="TextBox 7">
+            <a:extLst>
+              <a:ext uri="{FF2B5EF4-FFF2-40B4-BE49-F238E27FC236}">
+                <a16:creationId xmlns:a16="http://schemas.microsoft.com/office/drawing/2014/main" id="{11C2E87A-49EE-C541-851F-07A7759CF668}"/>
+              </a:ext>
+            </a:extLst>
+          </p:cNvPr>
+          <p:cNvSpPr txBox="1"/>
+          <p:nvPr/>
+        </p:nvSpPr>
+        <p:spPr>
+          <a:xfrm>
+            <a:off x="3361509" y="4981303"/>
+            <a:ext cx="3030582" cy="646331"/>
+          </a:xfrm>
+          <a:prstGeom prst="rect">
+            <a:avLst/>
+          </a:prstGeom>
+          <a:noFill/>
+        </p:spPr>
+        <p:txBody>
+          <a:bodyPr wrap="square" rtlCol="0">
+            <a:spAutoFit/>
+          </a:bodyPr>
+          <a:lstStyle/>
+          <a:p>
+            <a:r>
+              <a:rPr lang="en-US" dirty="0"/>
+              <a:t>Voter App needs properties</a:t>
+            </a:r>
+          </a:p>
+          <a:p>
+            <a:r>
+              <a:rPr lang="en-US" dirty="0"/>
+              <a:t>Name, Age, City, Address</a:t>
+            </a:r>
+          </a:p>
+        </p:txBody>
+      </p:sp>
+      <p:sp>
+        <p:nvSpPr>
+          <p:cNvPr id="9" name="TextBox 8">
+            <a:extLst>
+              <a:ext uri="{FF2B5EF4-FFF2-40B4-BE49-F238E27FC236}">
+                <a16:creationId xmlns:a16="http://schemas.microsoft.com/office/drawing/2014/main" id="{717E48F2-C775-E541-8FA6-4C53BCBDE175}"/>
+              </a:ext>
+            </a:extLst>
+          </p:cNvPr>
+          <p:cNvSpPr txBox="1"/>
+          <p:nvPr/>
+        </p:nvSpPr>
+        <p:spPr>
+          <a:xfrm>
+            <a:off x="3666308" y="3161211"/>
+            <a:ext cx="3866606" cy="646331"/>
+          </a:xfrm>
+          <a:prstGeom prst="rect">
+            <a:avLst/>
+          </a:prstGeom>
+          <a:noFill/>
+        </p:spPr>
+        <p:txBody>
+          <a:bodyPr wrap="square" rtlCol="0">
+            <a:spAutoFit/>
+          </a:bodyPr>
+          <a:lstStyle/>
+          <a:p>
+            <a:r>
+              <a:rPr lang="en-US" dirty="0"/>
+              <a:t>Sharing Object across Multiple Client App</a:t>
+            </a:r>
+          </a:p>
+        </p:txBody>
+      </p:sp>
+    </p:spTree>
+    <p:extLst>
+      <p:ext uri="{BB962C8B-B14F-4D97-AF65-F5344CB8AC3E}">
+        <p14:creationId xmlns:p14="http://schemas.microsoft.com/office/powerpoint/2010/main" val="4291737851"/>
+      </p:ext>
+    </p:extLst>
+  </p:cSld>
+  <p:clrMapOvr>
+    <a:masterClrMapping/>
+  </p:clrMapOvr>
+</p:sld>
+</file>
+
+<file path=ppt/slides/slide17.xml><?xml version="1.0" encoding="utf-8"?>
+<p:sld xmlns:a="http://schemas.openxmlformats.org/drawingml/2006/main" xmlns:r="http://schemas.openxmlformats.org/officeDocument/2006/relationships" xmlns:p="http://schemas.openxmlformats.org/presentationml/2006/main">
+  <p:cSld>
+    <p:spTree>
+      <p:nvGrpSpPr>
+        <p:cNvPr id="1" name=""/>
+        <p:cNvGrpSpPr/>
+        <p:nvPr/>
+      </p:nvGrpSpPr>
+      <p:grpSpPr>
+        <a:xfrm>
+          <a:off x="0" y="0"/>
+          <a:ext cx="0" cy="0"/>
+          <a:chOff x="0" y="0"/>
+          <a:chExt cx="0" cy="0"/>
+        </a:xfrm>
+      </p:grpSpPr>
+      <p:sp>
+        <p:nvSpPr>
+          <p:cNvPr id="2" name="Rounded Rectangle 1">
+            <a:extLst>
+              <a:ext uri="{FF2B5EF4-FFF2-40B4-BE49-F238E27FC236}">
+                <a16:creationId xmlns:a16="http://schemas.microsoft.com/office/drawing/2014/main" id="{8E30C01F-DF71-9F41-A912-262604834429}"/>
+              </a:ext>
+            </a:extLst>
+          </p:cNvPr>
+          <p:cNvSpPr/>
+          <p:nvPr/>
+        </p:nvSpPr>
+        <p:spPr>
+          <a:xfrm>
+            <a:off x="213361" y="1589425"/>
+            <a:ext cx="2490651" cy="3918857"/>
+          </a:xfrm>
+          <a:prstGeom prst="roundRect">
+            <a:avLst/>
+          </a:prstGeom>
+        </p:spPr>
+        <p:style>
+          <a:lnRef idx="2">
+            <a:schemeClr val="accent1">
+              <a:shade val="50000"/>
+            </a:schemeClr>
+          </a:lnRef>
+          <a:fillRef idx="1">
+            <a:schemeClr val="accent1"/>
+          </a:fillRef>
+          <a:effectRef idx="0">
+            <a:schemeClr val="accent1"/>
+          </a:effectRef>
+          <a:fontRef idx="minor">
+            <a:schemeClr val="lt1"/>
+          </a:fontRef>
+        </p:style>
+        <p:txBody>
+          <a:bodyPr rtlCol="0" anchor="ctr"/>
+          <a:lstStyle/>
+          <a:p>
+            <a:pPr algn="ctr"/>
+            <a:r>
+              <a:rPr lang="en-US" dirty="0"/>
+              <a:t>Person Object</a:t>
+            </a:r>
+          </a:p>
+          <a:p>
+            <a:pPr algn="ctr"/>
+            <a:r>
+              <a:rPr lang="en-US" dirty="0" err="1"/>
+              <a:t>PerdsonId</a:t>
+            </a:r>
+            <a:endParaRPr lang="en-US" dirty="0"/>
+          </a:p>
+          <a:p>
+            <a:pPr algn="ctr"/>
+            <a:r>
+              <a:rPr lang="en-US" dirty="0" err="1"/>
+              <a:t>PersonName</a:t>
+            </a:r>
+            <a:endParaRPr lang="en-US" dirty="0"/>
+          </a:p>
+          <a:p>
+            <a:pPr algn="ctr"/>
+            <a:r>
+              <a:rPr lang="en-US" dirty="0"/>
+              <a:t>Address</a:t>
+            </a:r>
+          </a:p>
+          <a:p>
+            <a:pPr algn="ctr"/>
+            <a:r>
+              <a:rPr lang="en-US" dirty="0"/>
+              <a:t>City</a:t>
+            </a:r>
+          </a:p>
+          <a:p>
+            <a:pPr algn="ctr"/>
+            <a:r>
+              <a:rPr lang="en-US" dirty="0"/>
+              <a:t>Age</a:t>
+            </a:r>
+          </a:p>
+          <a:p>
+            <a:pPr algn="ctr"/>
+            <a:r>
+              <a:rPr lang="en-US" dirty="0"/>
+              <a:t>Gender</a:t>
+            </a:r>
+          </a:p>
+          <a:p>
+            <a:pPr algn="ctr"/>
+            <a:r>
+              <a:rPr lang="en-US" dirty="0"/>
+              <a:t>Email</a:t>
+            </a:r>
+          </a:p>
+          <a:p>
+            <a:pPr algn="ctr"/>
+            <a:r>
+              <a:rPr lang="en-US" dirty="0"/>
+              <a:t>Income</a:t>
+            </a:r>
+          </a:p>
+          <a:p>
+            <a:pPr algn="ctr"/>
+            <a:r>
+              <a:rPr lang="en-US" dirty="0"/>
+              <a:t>Occupation</a:t>
+            </a:r>
+          </a:p>
+          <a:p>
+            <a:pPr algn="ctr"/>
+            <a:r>
+              <a:rPr lang="en-US" dirty="0" err="1"/>
+              <a:t>ResidentType</a:t>
+            </a:r>
+            <a:endParaRPr lang="en-US" dirty="0"/>
+          </a:p>
+          <a:p>
+            <a:pPr algn="ctr"/>
+            <a:r>
+              <a:rPr lang="en-US" dirty="0" err="1"/>
+              <a:t>HasVehicle</a:t>
+            </a:r>
+            <a:endParaRPr lang="en-US" dirty="0"/>
+          </a:p>
+          <a:p>
+            <a:pPr algn="ctr"/>
+            <a:r>
+              <a:rPr lang="en-US" dirty="0" err="1"/>
+              <a:t>TypeofVehicle</a:t>
+            </a:r>
+            <a:endParaRPr lang="en-US" dirty="0"/>
+          </a:p>
+        </p:txBody>
+      </p:sp>
+      <p:sp>
+        <p:nvSpPr>
+          <p:cNvPr id="3" name="Rectangle 2">
+            <a:extLst>
+              <a:ext uri="{FF2B5EF4-FFF2-40B4-BE49-F238E27FC236}">
+                <a16:creationId xmlns:a16="http://schemas.microsoft.com/office/drawing/2014/main" id="{1C465DD4-FA3D-2F43-94C0-7A5E3B6C317F}"/>
+              </a:ext>
+            </a:extLst>
+          </p:cNvPr>
+          <p:cNvSpPr/>
+          <p:nvPr/>
+        </p:nvSpPr>
+        <p:spPr>
+          <a:xfrm>
+            <a:off x="6496594" y="931817"/>
+            <a:ext cx="2002972" cy="1889760"/>
+          </a:xfrm>
+          <a:prstGeom prst="rect">
+            <a:avLst/>
+          </a:prstGeom>
+        </p:spPr>
+        <p:style>
+          <a:lnRef idx="2">
+            <a:schemeClr val="accent1">
+              <a:shade val="50000"/>
+            </a:schemeClr>
+          </a:lnRef>
+          <a:fillRef idx="1">
+            <a:schemeClr val="accent1"/>
+          </a:fillRef>
+          <a:effectRef idx="0">
+            <a:schemeClr val="accent1"/>
+          </a:effectRef>
+          <a:fontRef idx="minor">
+            <a:schemeClr val="lt1"/>
+          </a:fontRef>
+        </p:style>
+        <p:txBody>
+          <a:bodyPr rtlCol="0" anchor="ctr"/>
+          <a:lstStyle/>
+          <a:p>
+            <a:pPr algn="ctr"/>
+            <a:r>
+              <a:rPr lang="en-US" dirty="0"/>
+              <a:t>Income Tax Dept App</a:t>
+            </a:r>
+          </a:p>
+        </p:txBody>
+      </p:sp>
+      <p:sp>
+        <p:nvSpPr>
+          <p:cNvPr id="4" name="Rectangle 3">
+            <a:extLst>
+              <a:ext uri="{FF2B5EF4-FFF2-40B4-BE49-F238E27FC236}">
+                <a16:creationId xmlns:a16="http://schemas.microsoft.com/office/drawing/2014/main" id="{3BDE67FD-BB49-5D45-80E5-A51814E3333C}"/>
+              </a:ext>
+            </a:extLst>
+          </p:cNvPr>
+          <p:cNvSpPr/>
+          <p:nvPr/>
+        </p:nvSpPr>
+        <p:spPr>
+          <a:xfrm>
+            <a:off x="6496594" y="4724400"/>
+            <a:ext cx="2002972" cy="1889760"/>
+          </a:xfrm>
+          <a:prstGeom prst="rect">
+            <a:avLst/>
+          </a:prstGeom>
+        </p:spPr>
+        <p:style>
+          <a:lnRef idx="2">
+            <a:schemeClr val="accent1">
+              <a:shade val="50000"/>
+            </a:schemeClr>
+          </a:lnRef>
+          <a:fillRef idx="1">
+            <a:schemeClr val="accent1"/>
+          </a:fillRef>
+          <a:effectRef idx="0">
+            <a:schemeClr val="accent1"/>
+          </a:effectRef>
+          <a:fontRef idx="minor">
+            <a:schemeClr val="lt1"/>
+          </a:fontRef>
+        </p:style>
+        <p:txBody>
+          <a:bodyPr rtlCol="0" anchor="ctr"/>
+          <a:lstStyle/>
+          <a:p>
+            <a:pPr algn="ctr"/>
+            <a:r>
+              <a:rPr lang="en-US" dirty="0"/>
+              <a:t>Voter Registration App</a:t>
+            </a:r>
+          </a:p>
+        </p:txBody>
+      </p:sp>
+      <p:sp>
+        <p:nvSpPr>
+          <p:cNvPr id="5" name="Bent Arrow 4">
+            <a:extLst>
+              <a:ext uri="{FF2B5EF4-FFF2-40B4-BE49-F238E27FC236}">
+                <a16:creationId xmlns:a16="http://schemas.microsoft.com/office/drawing/2014/main" id="{C24E154B-4D18-4D44-9B9C-A6828F3F1015}"/>
+              </a:ext>
+            </a:extLst>
+          </p:cNvPr>
+          <p:cNvSpPr/>
+          <p:nvPr/>
+        </p:nvSpPr>
+        <p:spPr>
+          <a:xfrm>
+            <a:off x="4632960" y="1280159"/>
+            <a:ext cx="1863634" cy="1641565"/>
+          </a:xfrm>
+          <a:prstGeom prst="bentArrow">
+            <a:avLst/>
+          </a:prstGeom>
+        </p:spPr>
+        <p:style>
+          <a:lnRef idx="2">
+            <a:schemeClr val="accent1">
+              <a:shade val="50000"/>
+            </a:schemeClr>
+          </a:lnRef>
+          <a:fillRef idx="1">
+            <a:schemeClr val="accent1"/>
+          </a:fillRef>
+          <a:effectRef idx="0">
+            <a:schemeClr val="accent1"/>
+          </a:effectRef>
+          <a:fontRef idx="minor">
+            <a:schemeClr val="lt1"/>
+          </a:fontRef>
+        </p:style>
+        <p:txBody>
+          <a:bodyPr rtlCol="0" anchor="ctr"/>
+          <a:lstStyle/>
+          <a:p>
+            <a:pPr algn="ctr"/>
+            <a:endParaRPr lang="en-US">
+              <a:solidFill>
+                <a:schemeClr val="tx1"/>
+              </a:solidFill>
+            </a:endParaRPr>
+          </a:p>
+        </p:txBody>
+      </p:sp>
+      <p:sp>
+        <p:nvSpPr>
+          <p:cNvPr id="6" name="TextBox 5">
+            <a:extLst>
+              <a:ext uri="{FF2B5EF4-FFF2-40B4-BE49-F238E27FC236}">
+                <a16:creationId xmlns:a16="http://schemas.microsoft.com/office/drawing/2014/main" id="{2F70AF12-FD61-9448-B653-6915CA37358F}"/>
+              </a:ext>
+            </a:extLst>
+          </p:cNvPr>
+          <p:cNvSpPr txBox="1"/>
+          <p:nvPr/>
+        </p:nvSpPr>
+        <p:spPr>
+          <a:xfrm>
+            <a:off x="2751908" y="391886"/>
+            <a:ext cx="3344091" cy="923330"/>
+          </a:xfrm>
+          <a:prstGeom prst="rect">
+            <a:avLst/>
+          </a:prstGeom>
+          <a:noFill/>
+        </p:spPr>
+        <p:txBody>
+          <a:bodyPr wrap="square" rtlCol="0">
+            <a:spAutoFit/>
+          </a:bodyPr>
+          <a:lstStyle/>
+          <a:p>
+            <a:r>
+              <a:rPr lang="en-US" dirty="0"/>
+              <a:t>I-T App needs all Person Info</a:t>
+            </a:r>
+          </a:p>
+          <a:p>
+            <a:endParaRPr lang="en-US" dirty="0"/>
+          </a:p>
+          <a:p>
+            <a:r>
+              <a:rPr lang="en-US" dirty="0"/>
+              <a:t>Use information with Validations</a:t>
+            </a:r>
+          </a:p>
+        </p:txBody>
+      </p:sp>
+      <p:sp>
+        <p:nvSpPr>
+          <p:cNvPr id="7" name="Bent Arrow 6">
+            <a:extLst>
+              <a:ext uri="{FF2B5EF4-FFF2-40B4-BE49-F238E27FC236}">
+                <a16:creationId xmlns:a16="http://schemas.microsoft.com/office/drawing/2014/main" id="{DACEF7C7-7FA1-9F49-AD87-F29AEF996FD0}"/>
+              </a:ext>
+            </a:extLst>
+          </p:cNvPr>
+          <p:cNvSpPr/>
+          <p:nvPr/>
+        </p:nvSpPr>
+        <p:spPr>
+          <a:xfrm flipV="1">
+            <a:off x="4632958" y="4323805"/>
+            <a:ext cx="1863635" cy="2042160"/>
+          </a:xfrm>
+          <a:prstGeom prst="bentArrow">
+            <a:avLst/>
+          </a:prstGeom>
+        </p:spPr>
+        <p:style>
+          <a:lnRef idx="2">
+            <a:schemeClr val="accent1">
+              <a:shade val="50000"/>
+            </a:schemeClr>
+          </a:lnRef>
+          <a:fillRef idx="1">
+            <a:schemeClr val="accent1"/>
+          </a:fillRef>
+          <a:effectRef idx="0">
+            <a:schemeClr val="accent1"/>
+          </a:effectRef>
+          <a:fontRef idx="minor">
+            <a:schemeClr val="lt1"/>
+          </a:fontRef>
+        </p:style>
+        <p:txBody>
+          <a:bodyPr rtlCol="0" anchor="ctr"/>
+          <a:lstStyle/>
+          <a:p>
+            <a:pPr algn="ctr"/>
+            <a:endParaRPr lang="en-US">
+              <a:solidFill>
+                <a:schemeClr val="tx1"/>
+              </a:solidFill>
+            </a:endParaRPr>
+          </a:p>
+        </p:txBody>
+      </p:sp>
+      <p:sp>
+        <p:nvSpPr>
+          <p:cNvPr id="8" name="TextBox 7">
+            <a:extLst>
+              <a:ext uri="{FF2B5EF4-FFF2-40B4-BE49-F238E27FC236}">
+                <a16:creationId xmlns:a16="http://schemas.microsoft.com/office/drawing/2014/main" id="{11C2E87A-49EE-C541-851F-07A7759CF668}"/>
+              </a:ext>
+            </a:extLst>
+          </p:cNvPr>
+          <p:cNvSpPr txBox="1"/>
+          <p:nvPr/>
+        </p:nvSpPr>
+        <p:spPr>
+          <a:xfrm>
+            <a:off x="2486298" y="5883030"/>
+            <a:ext cx="3030582" cy="646331"/>
+          </a:xfrm>
+          <a:prstGeom prst="rect">
+            <a:avLst/>
+          </a:prstGeom>
+          <a:noFill/>
+        </p:spPr>
+        <p:txBody>
+          <a:bodyPr wrap="square" rtlCol="0">
+            <a:spAutoFit/>
+          </a:bodyPr>
+          <a:lstStyle/>
+          <a:p>
+            <a:r>
+              <a:rPr lang="en-US" dirty="0"/>
+              <a:t>Voter App needs properties</a:t>
+            </a:r>
+          </a:p>
+          <a:p>
+            <a:r>
+              <a:rPr lang="en-US" dirty="0"/>
+              <a:t>Name, Age, City, Address</a:t>
+            </a:r>
+          </a:p>
+        </p:txBody>
+      </p:sp>
+      <p:sp>
+        <p:nvSpPr>
+          <p:cNvPr id="10" name="Rounded Rectangle 9">
+            <a:extLst>
+              <a:ext uri="{FF2B5EF4-FFF2-40B4-BE49-F238E27FC236}">
+                <a16:creationId xmlns:a16="http://schemas.microsoft.com/office/drawing/2014/main" id="{EA288F11-0D55-F749-94F3-5AFDC94DD3F1}"/>
+              </a:ext>
+            </a:extLst>
+          </p:cNvPr>
+          <p:cNvSpPr/>
+          <p:nvPr/>
+        </p:nvSpPr>
+        <p:spPr>
+          <a:xfrm>
+            <a:off x="4001589" y="2921725"/>
+            <a:ext cx="1750422" cy="1402080"/>
+          </a:xfrm>
+          <a:prstGeom prst="roundRect">
+            <a:avLst/>
+          </a:prstGeom>
+        </p:spPr>
+        <p:style>
+          <a:lnRef idx="2">
+            <a:schemeClr val="accent1">
+              <a:shade val="50000"/>
+            </a:schemeClr>
+          </a:lnRef>
+          <a:fillRef idx="1">
+            <a:schemeClr val="accent1"/>
+          </a:fillRef>
+          <a:effectRef idx="0">
+            <a:schemeClr val="accent1"/>
+          </a:effectRef>
+          <a:fontRef idx="minor">
+            <a:schemeClr val="lt1"/>
+          </a:fontRef>
+        </p:style>
+        <p:txBody>
+          <a:bodyPr rtlCol="0" anchor="ctr"/>
+          <a:lstStyle/>
+          <a:p>
+            <a:pPr algn="ctr"/>
+            <a:r>
+              <a:rPr lang="en-US" dirty="0"/>
+              <a:t>A Proxy Handler to Provide an access of Actual Object</a:t>
+            </a:r>
+          </a:p>
+        </p:txBody>
+      </p:sp>
+      <p:sp>
+        <p:nvSpPr>
+          <p:cNvPr id="11" name="Left-right Arrow 10">
+            <a:extLst>
+              <a:ext uri="{FF2B5EF4-FFF2-40B4-BE49-F238E27FC236}">
+                <a16:creationId xmlns:a16="http://schemas.microsoft.com/office/drawing/2014/main" id="{2E54F508-6B06-F641-BB3D-37C7D76C162E}"/>
+              </a:ext>
+            </a:extLst>
+          </p:cNvPr>
+          <p:cNvSpPr/>
+          <p:nvPr/>
+        </p:nvSpPr>
+        <p:spPr>
+          <a:xfrm>
+            <a:off x="2704012" y="3429000"/>
+            <a:ext cx="1297577" cy="446314"/>
+          </a:xfrm>
+          <a:prstGeom prst="leftRightArrow">
+            <a:avLst/>
+          </a:prstGeom>
+        </p:spPr>
+        <p:style>
+          <a:lnRef idx="2">
+            <a:schemeClr val="accent1">
+              <a:shade val="50000"/>
+            </a:schemeClr>
+          </a:lnRef>
+          <a:fillRef idx="1">
+            <a:schemeClr val="accent1"/>
+          </a:fillRef>
+          <a:effectRef idx="0">
+            <a:schemeClr val="accent1"/>
+          </a:effectRef>
+          <a:fontRef idx="minor">
+            <a:schemeClr val="lt1"/>
+          </a:fontRef>
+        </p:style>
+        <p:txBody>
+          <a:bodyPr rtlCol="0" anchor="ctr"/>
+          <a:lstStyle/>
+          <a:p>
+            <a:pPr algn="ctr"/>
+            <a:endParaRPr lang="en-US"/>
+          </a:p>
+        </p:txBody>
+      </p:sp>
+      <p:sp>
+        <p:nvSpPr>
+          <p:cNvPr id="12" name="TextBox 11">
+            <a:extLst>
+              <a:ext uri="{FF2B5EF4-FFF2-40B4-BE49-F238E27FC236}">
+                <a16:creationId xmlns:a16="http://schemas.microsoft.com/office/drawing/2014/main" id="{A04629C1-0601-9B4C-9063-203D54E7BE55}"/>
+              </a:ext>
+            </a:extLst>
+          </p:cNvPr>
+          <p:cNvSpPr txBox="1"/>
+          <p:nvPr/>
+        </p:nvSpPr>
+        <p:spPr>
+          <a:xfrm>
+            <a:off x="9457509" y="235131"/>
+            <a:ext cx="2595154" cy="1200329"/>
+          </a:xfrm>
+          <a:prstGeom prst="rect">
+            <a:avLst/>
+          </a:prstGeom>
+          <a:noFill/>
+        </p:spPr>
+        <p:txBody>
+          <a:bodyPr wrap="square" rtlCol="0">
+            <a:spAutoFit/>
+          </a:bodyPr>
+          <a:lstStyle/>
+          <a:p>
+            <a:r>
+              <a:rPr lang="en-US" dirty="0"/>
+              <a:t>A Proxy pattern to provide a controlled access of the Original object to client Apps</a:t>
+            </a:r>
+          </a:p>
+        </p:txBody>
+      </p:sp>
+    </p:spTree>
+    <p:extLst>
+      <p:ext uri="{BB962C8B-B14F-4D97-AF65-F5344CB8AC3E}">
+        <p14:creationId xmlns:p14="http://schemas.microsoft.com/office/powerpoint/2010/main" val="2954474373"/>
+      </p:ext>
+    </p:extLst>
+  </p:cSld>
+  <p:clrMapOvr>
+    <a:masterClrMapping/>
+  </p:clrMapOvr>
+</p:sld>
+</file>
+
+<file path=ppt/slides/slide18.xml><?xml version="1.0" encoding="utf-8"?>
+<p:sld xmlns:a="http://schemas.openxmlformats.org/drawingml/2006/main" xmlns:r="http://schemas.openxmlformats.org/officeDocument/2006/relationships" xmlns:p="http://schemas.openxmlformats.org/presentationml/2006/main">
+  <p:cSld>
+    <p:spTree>
+      <p:nvGrpSpPr>
+        <p:cNvPr id="1" name=""/>
+        <p:cNvGrpSpPr/>
+        <p:nvPr/>
+      </p:nvGrpSpPr>
+      <p:grpSpPr>
+        <a:xfrm>
+          <a:off x="0" y="0"/>
+          <a:ext cx="0" cy="0"/>
+          <a:chOff x="0" y="0"/>
+          <a:chExt cx="0" cy="0"/>
+        </a:xfrm>
+      </p:grpSpPr>
+      <p:sp>
+        <p:nvSpPr>
+          <p:cNvPr id="2" name="Rounded Rectangle 1">
+            <a:extLst>
+              <a:ext uri="{FF2B5EF4-FFF2-40B4-BE49-F238E27FC236}">
+                <a16:creationId xmlns:a16="http://schemas.microsoft.com/office/drawing/2014/main" id="{8E30C01F-DF71-9F41-A912-262604834429}"/>
+              </a:ext>
+            </a:extLst>
+          </p:cNvPr>
+          <p:cNvSpPr/>
+          <p:nvPr/>
+        </p:nvSpPr>
+        <p:spPr>
+          <a:xfrm>
+            <a:off x="213361" y="1589425"/>
+            <a:ext cx="2490651" cy="3918857"/>
+          </a:xfrm>
+          <a:prstGeom prst="roundRect">
+            <a:avLst/>
+          </a:prstGeom>
+        </p:spPr>
+        <p:style>
+          <a:lnRef idx="2">
+            <a:schemeClr val="accent1">
+              <a:shade val="50000"/>
+            </a:schemeClr>
+          </a:lnRef>
+          <a:fillRef idx="1">
+            <a:schemeClr val="accent1"/>
+          </a:fillRef>
+          <a:effectRef idx="0">
+            <a:schemeClr val="accent1"/>
+          </a:effectRef>
+          <a:fontRef idx="minor">
+            <a:schemeClr val="lt1"/>
+          </a:fontRef>
+        </p:style>
+        <p:txBody>
+          <a:bodyPr rtlCol="0" anchor="ctr"/>
+          <a:lstStyle/>
+          <a:p>
+            <a:pPr algn="ctr"/>
+            <a:r>
+              <a:rPr lang="en-US" dirty="0"/>
+              <a:t>Person Object</a:t>
+            </a:r>
+          </a:p>
+          <a:p>
+            <a:pPr algn="ctr"/>
+            <a:r>
+              <a:rPr lang="en-US" dirty="0" err="1"/>
+              <a:t>PerdsonId</a:t>
+            </a:r>
+            <a:endParaRPr lang="en-US" dirty="0"/>
+          </a:p>
+          <a:p>
+            <a:pPr algn="ctr"/>
+            <a:r>
+              <a:rPr lang="en-US" dirty="0" err="1"/>
+              <a:t>PersonName</a:t>
+            </a:r>
+            <a:endParaRPr lang="en-US" dirty="0"/>
+          </a:p>
+          <a:p>
+            <a:pPr algn="ctr"/>
+            <a:r>
+              <a:rPr lang="en-US" dirty="0"/>
+              <a:t>Address</a:t>
+            </a:r>
+          </a:p>
+          <a:p>
+            <a:pPr algn="ctr"/>
+            <a:r>
+              <a:rPr lang="en-US" dirty="0"/>
+              <a:t>City</a:t>
+            </a:r>
+          </a:p>
+          <a:p>
+            <a:pPr algn="ctr"/>
+            <a:r>
+              <a:rPr lang="en-US" dirty="0"/>
+              <a:t>Age</a:t>
+            </a:r>
+          </a:p>
+          <a:p>
+            <a:pPr algn="ctr"/>
+            <a:r>
+              <a:rPr lang="en-US" dirty="0"/>
+              <a:t>Gender</a:t>
+            </a:r>
+          </a:p>
+          <a:p>
+            <a:pPr algn="ctr"/>
+            <a:r>
+              <a:rPr lang="en-US" dirty="0"/>
+              <a:t>Email</a:t>
+            </a:r>
+          </a:p>
+          <a:p>
+            <a:pPr algn="ctr"/>
+            <a:r>
+              <a:rPr lang="en-US" dirty="0"/>
+              <a:t>Income</a:t>
+            </a:r>
+          </a:p>
+          <a:p>
+            <a:pPr algn="ctr"/>
+            <a:r>
+              <a:rPr lang="en-US" dirty="0"/>
+              <a:t>Occupation</a:t>
+            </a:r>
+          </a:p>
+          <a:p>
+            <a:pPr algn="ctr"/>
+            <a:r>
+              <a:rPr lang="en-US" dirty="0" err="1"/>
+              <a:t>ResidentType</a:t>
+            </a:r>
+            <a:endParaRPr lang="en-US" dirty="0"/>
+          </a:p>
+          <a:p>
+            <a:pPr algn="ctr"/>
+            <a:r>
+              <a:rPr lang="en-US" dirty="0" err="1"/>
+              <a:t>HasVehicle</a:t>
+            </a:r>
+            <a:endParaRPr lang="en-US" dirty="0"/>
+          </a:p>
+          <a:p>
+            <a:pPr algn="ctr"/>
+            <a:r>
+              <a:rPr lang="en-US" dirty="0" err="1"/>
+              <a:t>TypeofVehicle</a:t>
+            </a:r>
+            <a:endParaRPr lang="en-US" dirty="0"/>
+          </a:p>
+        </p:txBody>
+      </p:sp>
+      <p:sp>
+        <p:nvSpPr>
+          <p:cNvPr id="3" name="Rectangle 2">
+            <a:extLst>
+              <a:ext uri="{FF2B5EF4-FFF2-40B4-BE49-F238E27FC236}">
+                <a16:creationId xmlns:a16="http://schemas.microsoft.com/office/drawing/2014/main" id="{1C465DD4-FA3D-2F43-94C0-7A5E3B6C317F}"/>
+              </a:ext>
+            </a:extLst>
+          </p:cNvPr>
+          <p:cNvSpPr/>
+          <p:nvPr/>
+        </p:nvSpPr>
+        <p:spPr>
+          <a:xfrm>
+            <a:off x="6496594" y="931817"/>
+            <a:ext cx="2002972" cy="1889760"/>
+          </a:xfrm>
+          <a:prstGeom prst="rect">
+            <a:avLst/>
+          </a:prstGeom>
+        </p:spPr>
+        <p:style>
+          <a:lnRef idx="2">
+            <a:schemeClr val="accent1">
+              <a:shade val="50000"/>
+            </a:schemeClr>
+          </a:lnRef>
+          <a:fillRef idx="1">
+            <a:schemeClr val="accent1"/>
+          </a:fillRef>
+          <a:effectRef idx="0">
+            <a:schemeClr val="accent1"/>
+          </a:effectRef>
+          <a:fontRef idx="minor">
+            <a:schemeClr val="lt1"/>
+          </a:fontRef>
+        </p:style>
+        <p:txBody>
+          <a:bodyPr rtlCol="0" anchor="ctr"/>
+          <a:lstStyle/>
+          <a:p>
+            <a:pPr algn="ctr"/>
+            <a:r>
+              <a:rPr lang="en-US" dirty="0"/>
+              <a:t>Income Tax Dept App</a:t>
+            </a:r>
+          </a:p>
+        </p:txBody>
+      </p:sp>
+      <p:sp>
+        <p:nvSpPr>
+          <p:cNvPr id="4" name="Rectangle 3">
+            <a:extLst>
+              <a:ext uri="{FF2B5EF4-FFF2-40B4-BE49-F238E27FC236}">
+                <a16:creationId xmlns:a16="http://schemas.microsoft.com/office/drawing/2014/main" id="{3BDE67FD-BB49-5D45-80E5-A51814E3333C}"/>
+              </a:ext>
+            </a:extLst>
+          </p:cNvPr>
+          <p:cNvSpPr/>
+          <p:nvPr/>
+        </p:nvSpPr>
+        <p:spPr>
+          <a:xfrm>
+            <a:off x="6496594" y="4724400"/>
+            <a:ext cx="2002972" cy="1889760"/>
+          </a:xfrm>
+          <a:prstGeom prst="rect">
+            <a:avLst/>
+          </a:prstGeom>
+        </p:spPr>
+        <p:style>
+          <a:lnRef idx="2">
+            <a:schemeClr val="accent1">
+              <a:shade val="50000"/>
+            </a:schemeClr>
+          </a:lnRef>
+          <a:fillRef idx="1">
+            <a:schemeClr val="accent1"/>
+          </a:fillRef>
+          <a:effectRef idx="0">
+            <a:schemeClr val="accent1"/>
+          </a:effectRef>
+          <a:fontRef idx="minor">
+            <a:schemeClr val="lt1"/>
+          </a:fontRef>
+        </p:style>
+        <p:txBody>
+          <a:bodyPr rtlCol="0" anchor="ctr"/>
+          <a:lstStyle/>
+          <a:p>
+            <a:pPr algn="ctr"/>
+            <a:r>
+              <a:rPr lang="en-US" dirty="0"/>
+              <a:t>Voter Registration App</a:t>
+            </a:r>
+          </a:p>
+        </p:txBody>
+      </p:sp>
+      <p:sp>
+        <p:nvSpPr>
+          <p:cNvPr id="5" name="Bent Arrow 4">
+            <a:extLst>
+              <a:ext uri="{FF2B5EF4-FFF2-40B4-BE49-F238E27FC236}">
+                <a16:creationId xmlns:a16="http://schemas.microsoft.com/office/drawing/2014/main" id="{C24E154B-4D18-4D44-9B9C-A6828F3F1015}"/>
+              </a:ext>
+            </a:extLst>
+          </p:cNvPr>
+          <p:cNvSpPr/>
+          <p:nvPr/>
+        </p:nvSpPr>
+        <p:spPr>
+          <a:xfrm>
+            <a:off x="4632960" y="1280159"/>
+            <a:ext cx="1863634" cy="853441"/>
+          </a:xfrm>
+          <a:prstGeom prst="bentArrow">
+            <a:avLst/>
+          </a:prstGeom>
+        </p:spPr>
+        <p:style>
+          <a:lnRef idx="2">
+            <a:schemeClr val="accent1">
+              <a:shade val="50000"/>
+            </a:schemeClr>
+          </a:lnRef>
+          <a:fillRef idx="1">
+            <a:schemeClr val="accent1"/>
+          </a:fillRef>
+          <a:effectRef idx="0">
+            <a:schemeClr val="accent1"/>
+          </a:effectRef>
+          <a:fontRef idx="minor">
+            <a:schemeClr val="lt1"/>
+          </a:fontRef>
+        </p:style>
+        <p:txBody>
+          <a:bodyPr rtlCol="0" anchor="ctr"/>
+          <a:lstStyle/>
+          <a:p>
+            <a:pPr algn="ctr"/>
+            <a:endParaRPr lang="en-US">
+              <a:solidFill>
+                <a:schemeClr val="tx1"/>
+              </a:solidFill>
+            </a:endParaRPr>
+          </a:p>
+        </p:txBody>
+      </p:sp>
+      <p:sp>
+        <p:nvSpPr>
+          <p:cNvPr id="6" name="TextBox 5">
+            <a:extLst>
+              <a:ext uri="{FF2B5EF4-FFF2-40B4-BE49-F238E27FC236}">
+                <a16:creationId xmlns:a16="http://schemas.microsoft.com/office/drawing/2014/main" id="{2F70AF12-FD61-9448-B653-6915CA37358F}"/>
+              </a:ext>
+            </a:extLst>
+          </p:cNvPr>
+          <p:cNvSpPr txBox="1"/>
+          <p:nvPr/>
+        </p:nvSpPr>
+        <p:spPr>
+          <a:xfrm>
+            <a:off x="2751908" y="391886"/>
+            <a:ext cx="3344091" cy="923330"/>
+          </a:xfrm>
+          <a:prstGeom prst="rect">
+            <a:avLst/>
+          </a:prstGeom>
+          <a:noFill/>
+        </p:spPr>
+        <p:txBody>
+          <a:bodyPr wrap="square" rtlCol="0">
+            <a:spAutoFit/>
+          </a:bodyPr>
+          <a:lstStyle/>
+          <a:p>
+            <a:r>
+              <a:rPr lang="en-US" dirty="0"/>
+              <a:t>I-T App needs all Person Info</a:t>
+            </a:r>
+          </a:p>
+          <a:p>
+            <a:endParaRPr lang="en-US" dirty="0"/>
+          </a:p>
+          <a:p>
+            <a:r>
+              <a:rPr lang="en-US" dirty="0"/>
+              <a:t>Use information with Validations</a:t>
+            </a:r>
+          </a:p>
+        </p:txBody>
+      </p:sp>
+      <p:sp>
+        <p:nvSpPr>
+          <p:cNvPr id="7" name="Bent Arrow 6">
+            <a:extLst>
+              <a:ext uri="{FF2B5EF4-FFF2-40B4-BE49-F238E27FC236}">
+                <a16:creationId xmlns:a16="http://schemas.microsoft.com/office/drawing/2014/main" id="{DACEF7C7-7FA1-9F49-AD87-F29AEF996FD0}"/>
+              </a:ext>
+            </a:extLst>
+          </p:cNvPr>
+          <p:cNvSpPr/>
+          <p:nvPr/>
+        </p:nvSpPr>
+        <p:spPr>
+          <a:xfrm flipV="1">
+            <a:off x="4632958" y="5073133"/>
+            <a:ext cx="1863635" cy="1292832"/>
+          </a:xfrm>
+          <a:prstGeom prst="bentArrow">
+            <a:avLst/>
+          </a:prstGeom>
+        </p:spPr>
+        <p:style>
+          <a:lnRef idx="2">
+            <a:schemeClr val="accent1">
+              <a:shade val="50000"/>
+            </a:schemeClr>
+          </a:lnRef>
+          <a:fillRef idx="1">
+            <a:schemeClr val="accent1"/>
+          </a:fillRef>
+          <a:effectRef idx="0">
+            <a:schemeClr val="accent1"/>
+          </a:effectRef>
+          <a:fontRef idx="minor">
+            <a:schemeClr val="lt1"/>
+          </a:fontRef>
+        </p:style>
+        <p:txBody>
+          <a:bodyPr rtlCol="0" anchor="ctr"/>
+          <a:lstStyle/>
+          <a:p>
+            <a:pPr algn="ctr"/>
+            <a:endParaRPr lang="en-US">
+              <a:solidFill>
+                <a:schemeClr val="tx1"/>
+              </a:solidFill>
+            </a:endParaRPr>
+          </a:p>
+        </p:txBody>
+      </p:sp>
+      <p:sp>
+        <p:nvSpPr>
+          <p:cNvPr id="8" name="TextBox 7">
+            <a:extLst>
+              <a:ext uri="{FF2B5EF4-FFF2-40B4-BE49-F238E27FC236}">
+                <a16:creationId xmlns:a16="http://schemas.microsoft.com/office/drawing/2014/main" id="{11C2E87A-49EE-C541-851F-07A7759CF668}"/>
+              </a:ext>
+            </a:extLst>
+          </p:cNvPr>
+          <p:cNvSpPr txBox="1"/>
+          <p:nvPr/>
+        </p:nvSpPr>
+        <p:spPr>
+          <a:xfrm>
+            <a:off x="2486298" y="5883030"/>
+            <a:ext cx="3030582" cy="646331"/>
+          </a:xfrm>
+          <a:prstGeom prst="rect">
+            <a:avLst/>
+          </a:prstGeom>
+          <a:noFill/>
+        </p:spPr>
+        <p:txBody>
+          <a:bodyPr wrap="square" rtlCol="0">
+            <a:spAutoFit/>
+          </a:bodyPr>
+          <a:lstStyle/>
+          <a:p>
+            <a:r>
+              <a:rPr lang="en-US" dirty="0"/>
+              <a:t>Voter App needs properties</a:t>
+            </a:r>
+          </a:p>
+          <a:p>
+            <a:r>
+              <a:rPr lang="en-US" dirty="0"/>
+              <a:t>Name, Age, City, Address</a:t>
+            </a:r>
+          </a:p>
+        </p:txBody>
+      </p:sp>
+      <p:sp>
+        <p:nvSpPr>
+          <p:cNvPr id="10" name="Rounded Rectangle 9">
+            <a:extLst>
+              <a:ext uri="{FF2B5EF4-FFF2-40B4-BE49-F238E27FC236}">
+                <a16:creationId xmlns:a16="http://schemas.microsoft.com/office/drawing/2014/main" id="{EA288F11-0D55-F749-94F3-5AFDC94DD3F1}"/>
+              </a:ext>
+            </a:extLst>
+          </p:cNvPr>
+          <p:cNvSpPr/>
+          <p:nvPr/>
+        </p:nvSpPr>
+        <p:spPr>
+          <a:xfrm>
+            <a:off x="3944985" y="2146773"/>
+            <a:ext cx="1750422" cy="1402080"/>
+          </a:xfrm>
+          <a:prstGeom prst="roundRect">
+            <a:avLst/>
+          </a:prstGeom>
+        </p:spPr>
+        <p:style>
+          <a:lnRef idx="2">
+            <a:schemeClr val="accent1">
+              <a:shade val="50000"/>
+            </a:schemeClr>
+          </a:lnRef>
+          <a:fillRef idx="1">
+            <a:schemeClr val="accent1"/>
+          </a:fillRef>
+          <a:effectRef idx="0">
+            <a:schemeClr val="accent1"/>
+          </a:effectRef>
+          <a:fontRef idx="minor">
+            <a:schemeClr val="lt1"/>
+          </a:fontRef>
+        </p:style>
+        <p:txBody>
+          <a:bodyPr rtlCol="0" anchor="ctr"/>
+          <a:lstStyle/>
+          <a:p>
+            <a:pPr algn="ctr"/>
+            <a:r>
+              <a:rPr lang="en-US" dirty="0"/>
+              <a:t>Different Proxy Handlers for Diff. Clients</a:t>
+            </a:r>
+          </a:p>
+        </p:txBody>
+      </p:sp>
+      <p:sp>
+        <p:nvSpPr>
+          <p:cNvPr id="11" name="Left-right Arrow 10">
+            <a:extLst>
+              <a:ext uri="{FF2B5EF4-FFF2-40B4-BE49-F238E27FC236}">
+                <a16:creationId xmlns:a16="http://schemas.microsoft.com/office/drawing/2014/main" id="{2E54F508-6B06-F641-BB3D-37C7D76C162E}"/>
+              </a:ext>
+            </a:extLst>
+          </p:cNvPr>
+          <p:cNvSpPr/>
+          <p:nvPr/>
+        </p:nvSpPr>
+        <p:spPr>
+          <a:xfrm>
+            <a:off x="2638697" y="2497183"/>
+            <a:ext cx="1297577" cy="446314"/>
+          </a:xfrm>
+          <a:prstGeom prst="leftRightArrow">
+            <a:avLst/>
+          </a:prstGeom>
+        </p:spPr>
+        <p:style>
+          <a:lnRef idx="2">
+            <a:schemeClr val="accent1">
+              <a:shade val="50000"/>
+            </a:schemeClr>
+          </a:lnRef>
+          <a:fillRef idx="1">
+            <a:schemeClr val="accent1"/>
+          </a:fillRef>
+          <a:effectRef idx="0">
+            <a:schemeClr val="accent1"/>
+          </a:effectRef>
+          <a:fontRef idx="minor">
+            <a:schemeClr val="lt1"/>
+          </a:fontRef>
+        </p:style>
+        <p:txBody>
+          <a:bodyPr rtlCol="0" anchor="ctr"/>
+          <a:lstStyle/>
+          <a:p>
+            <a:pPr algn="ctr"/>
+            <a:endParaRPr lang="en-US" dirty="0"/>
+          </a:p>
+        </p:txBody>
+      </p:sp>
+      <p:sp>
+        <p:nvSpPr>
+          <p:cNvPr id="12" name="TextBox 11">
+            <a:extLst>
+              <a:ext uri="{FF2B5EF4-FFF2-40B4-BE49-F238E27FC236}">
+                <a16:creationId xmlns:a16="http://schemas.microsoft.com/office/drawing/2014/main" id="{A04629C1-0601-9B4C-9063-203D54E7BE55}"/>
+              </a:ext>
+            </a:extLst>
+          </p:cNvPr>
+          <p:cNvSpPr txBox="1"/>
+          <p:nvPr/>
+        </p:nvSpPr>
+        <p:spPr>
+          <a:xfrm>
+            <a:off x="9457509" y="235131"/>
+            <a:ext cx="2595154" cy="3139321"/>
+          </a:xfrm>
+          <a:prstGeom prst="rect">
+            <a:avLst/>
+          </a:prstGeom>
+          <a:noFill/>
+        </p:spPr>
+        <p:txBody>
+          <a:bodyPr wrap="square" rtlCol="0">
+            <a:spAutoFit/>
+          </a:bodyPr>
+          <a:lstStyle/>
+          <a:p>
+            <a:r>
+              <a:rPr lang="en-US" dirty="0"/>
+              <a:t>A Proxy pattern to provide a controlled access of the Original object to client Apps</a:t>
+            </a:r>
+          </a:p>
+          <a:p>
+            <a:endParaRPr lang="en-US" dirty="0"/>
+          </a:p>
+          <a:p>
+            <a:endParaRPr lang="en-US" dirty="0"/>
+          </a:p>
+          <a:p>
+            <a:endParaRPr lang="en-US" dirty="0"/>
+          </a:p>
+          <a:p>
+            <a:r>
+              <a:rPr lang="en-US" dirty="0"/>
+              <a:t>It should be possible to set custom behavior for the properties of original object</a:t>
+            </a:r>
+          </a:p>
+        </p:txBody>
+      </p:sp>
+      <p:sp>
+        <p:nvSpPr>
+          <p:cNvPr id="13" name="Rounded Rectangle 12">
+            <a:extLst>
+              <a:ext uri="{FF2B5EF4-FFF2-40B4-BE49-F238E27FC236}">
+                <a16:creationId xmlns:a16="http://schemas.microsoft.com/office/drawing/2014/main" id="{514A0D04-171D-F547-BDC0-3AECE8B7AB3E}"/>
+              </a:ext>
+            </a:extLst>
+          </p:cNvPr>
+          <p:cNvSpPr/>
+          <p:nvPr/>
+        </p:nvSpPr>
+        <p:spPr>
+          <a:xfrm>
+            <a:off x="3992882" y="3662234"/>
+            <a:ext cx="1750422" cy="1402080"/>
+          </a:xfrm>
+          <a:prstGeom prst="roundRect">
+            <a:avLst/>
+          </a:prstGeom>
+        </p:spPr>
+        <p:style>
+          <a:lnRef idx="2">
+            <a:schemeClr val="accent1">
+              <a:shade val="50000"/>
+            </a:schemeClr>
+          </a:lnRef>
+          <a:fillRef idx="1">
+            <a:schemeClr val="accent1"/>
+          </a:fillRef>
+          <a:effectRef idx="0">
+            <a:schemeClr val="accent1"/>
+          </a:effectRef>
+          <a:fontRef idx="minor">
+            <a:schemeClr val="lt1"/>
+          </a:fontRef>
+        </p:style>
+        <p:txBody>
+          <a:bodyPr rtlCol="0" anchor="ctr"/>
+          <a:lstStyle/>
+          <a:p>
+            <a:pPr algn="ctr"/>
+            <a:r>
+              <a:rPr lang="en-US" dirty="0"/>
+              <a:t>Different Proxy Handler for Diff Clients</a:t>
+            </a:r>
+          </a:p>
+        </p:txBody>
+      </p:sp>
+      <p:sp>
+        <p:nvSpPr>
+          <p:cNvPr id="14" name="Left-right Arrow 13">
+            <a:extLst>
+              <a:ext uri="{FF2B5EF4-FFF2-40B4-BE49-F238E27FC236}">
+                <a16:creationId xmlns:a16="http://schemas.microsoft.com/office/drawing/2014/main" id="{95C708E2-D99B-7B4B-B024-7741F6A7D09D}"/>
+              </a:ext>
+            </a:extLst>
+          </p:cNvPr>
+          <p:cNvSpPr/>
+          <p:nvPr/>
+        </p:nvSpPr>
+        <p:spPr>
+          <a:xfrm>
+            <a:off x="2704012" y="4144412"/>
+            <a:ext cx="1297577" cy="446314"/>
+          </a:xfrm>
+          <a:prstGeom prst="leftRightArrow">
+            <a:avLst/>
+          </a:prstGeom>
+        </p:spPr>
+        <p:style>
+          <a:lnRef idx="2">
+            <a:schemeClr val="accent1">
+              <a:shade val="50000"/>
+            </a:schemeClr>
+          </a:lnRef>
+          <a:fillRef idx="1">
+            <a:schemeClr val="accent1"/>
+          </a:fillRef>
+          <a:effectRef idx="0">
+            <a:schemeClr val="accent1"/>
+          </a:effectRef>
+          <a:fontRef idx="minor">
+            <a:schemeClr val="lt1"/>
+          </a:fontRef>
+        </p:style>
+        <p:txBody>
+          <a:bodyPr rtlCol="0" anchor="ctr"/>
+          <a:lstStyle/>
+          <a:p>
+            <a:pPr algn="ctr"/>
+            <a:endParaRPr lang="en-US" dirty="0"/>
+          </a:p>
+        </p:txBody>
+      </p:sp>
+    </p:spTree>
+    <p:extLst>
+      <p:ext uri="{BB962C8B-B14F-4D97-AF65-F5344CB8AC3E}">
+        <p14:creationId xmlns:p14="http://schemas.microsoft.com/office/powerpoint/2010/main" val="2490182453"/>
+      </p:ext>
+    </p:extLst>
+  </p:cSld>
+  <p:clrMapOvr>
+    <a:masterClrMapping/>
+  </p:clrMapOvr>
+</p:sld>
+</file>
+
+<file path=ppt/slides/slide19.xml><?xml version="1.0" encoding="utf-8"?>
+<p:sld xmlns:a="http://schemas.openxmlformats.org/drawingml/2006/main" xmlns:r="http://schemas.openxmlformats.org/officeDocument/2006/relationships" xmlns:p="http://schemas.openxmlformats.org/presentationml/2006/main">
+  <p:cSld>
+    <p:spTree>
+      <p:nvGrpSpPr>
+        <p:cNvPr id="1" name=""/>
+        <p:cNvGrpSpPr/>
+        <p:nvPr/>
+      </p:nvGrpSpPr>
+      <p:grpSpPr>
+        <a:xfrm>
+          <a:off x="0" y="0"/>
+          <a:ext cx="0" cy="0"/>
+          <a:chOff x="0" y="0"/>
+          <a:chExt cx="0" cy="0"/>
+        </a:xfrm>
+      </p:grpSpPr>
+      <p:sp>
+        <p:nvSpPr>
+          <p:cNvPr id="2" name="Rounded Rectangle 1">
+            <a:extLst>
+              <a:ext uri="{FF2B5EF4-FFF2-40B4-BE49-F238E27FC236}">
+                <a16:creationId xmlns:a16="http://schemas.microsoft.com/office/drawing/2014/main" id="{0439A872-EA93-3947-9CBA-97F7FDF55ABF}"/>
+              </a:ext>
+            </a:extLst>
+          </p:cNvPr>
+          <p:cNvSpPr/>
+          <p:nvPr/>
+        </p:nvSpPr>
+        <p:spPr>
+          <a:xfrm>
+            <a:off x="818606" y="513806"/>
+            <a:ext cx="4519748" cy="4990011"/>
+          </a:xfrm>
+          <a:prstGeom prst="roundRect">
+            <a:avLst/>
+          </a:prstGeom>
+        </p:spPr>
+        <p:style>
+          <a:lnRef idx="2">
+            <a:schemeClr val="accent6"/>
+          </a:lnRef>
+          <a:fillRef idx="1">
+            <a:schemeClr val="lt1"/>
+          </a:fillRef>
+          <a:effectRef idx="0">
+            <a:schemeClr val="accent6"/>
+          </a:effectRef>
+          <a:fontRef idx="minor">
+            <a:schemeClr val="dk1"/>
+          </a:fontRef>
+        </p:style>
+        <p:txBody>
+          <a:bodyPr rtlCol="0" anchor="ctr"/>
+          <a:lstStyle/>
+          <a:p>
+            <a:pPr algn="ctr"/>
+            <a:endParaRPr lang="en-US"/>
+          </a:p>
+        </p:txBody>
+      </p:sp>
+      <p:sp>
+        <p:nvSpPr>
+          <p:cNvPr id="3" name="Can 2">
+            <a:extLst>
+              <a:ext uri="{FF2B5EF4-FFF2-40B4-BE49-F238E27FC236}">
+                <a16:creationId xmlns:a16="http://schemas.microsoft.com/office/drawing/2014/main" id="{8B69E3BD-06B1-3B42-9719-F0B2B3DAA597}"/>
+              </a:ext>
+            </a:extLst>
+          </p:cNvPr>
+          <p:cNvSpPr/>
+          <p:nvPr/>
+        </p:nvSpPr>
+        <p:spPr>
+          <a:xfrm>
+            <a:off x="1132114" y="4188823"/>
+            <a:ext cx="3892732" cy="1097280"/>
+          </a:xfrm>
+          <a:prstGeom prst="can">
+            <a:avLst/>
+          </a:prstGeom>
+        </p:spPr>
+        <p:style>
+          <a:lnRef idx="2">
+            <a:schemeClr val="accent1">
+              <a:shade val="50000"/>
+            </a:schemeClr>
+          </a:lnRef>
+          <a:fillRef idx="1">
+            <a:schemeClr val="accent1"/>
+          </a:fillRef>
+          <a:effectRef idx="0">
+            <a:schemeClr val="accent1"/>
+          </a:effectRef>
+          <a:fontRef idx="minor">
+            <a:schemeClr val="lt1"/>
+          </a:fontRef>
+        </p:style>
+        <p:txBody>
+          <a:bodyPr rtlCol="0" anchor="ctr"/>
+          <a:lstStyle/>
+          <a:p>
+            <a:pPr algn="ctr"/>
+            <a:r>
+              <a:rPr lang="en-US" dirty="0"/>
+              <a:t>Data Stored in Front-End</a:t>
+            </a:r>
+          </a:p>
+        </p:txBody>
+      </p:sp>
+      <p:sp>
+        <p:nvSpPr>
+          <p:cNvPr id="4" name="TextBox 3">
+            <a:extLst>
+              <a:ext uri="{FF2B5EF4-FFF2-40B4-BE49-F238E27FC236}">
+                <a16:creationId xmlns:a16="http://schemas.microsoft.com/office/drawing/2014/main" id="{F3CFE2CF-73B5-F845-981C-C869D7C219C6}"/>
+              </a:ext>
+            </a:extLst>
+          </p:cNvPr>
+          <p:cNvSpPr txBox="1"/>
+          <p:nvPr/>
+        </p:nvSpPr>
+        <p:spPr>
+          <a:xfrm>
+            <a:off x="1393371" y="1271451"/>
+            <a:ext cx="3526971" cy="369332"/>
+          </a:xfrm>
+          <a:prstGeom prst="rect">
+            <a:avLst/>
+          </a:prstGeom>
+          <a:noFill/>
+        </p:spPr>
+        <p:txBody>
+          <a:bodyPr wrap="square" rtlCol="0">
+            <a:spAutoFit/>
+          </a:bodyPr>
+          <a:lstStyle/>
+          <a:p>
+            <a:r>
+              <a:rPr lang="en-US" dirty="0"/>
+              <a:t>Read Data from </a:t>
+            </a:r>
+            <a:r>
+              <a:rPr lang="en-US" dirty="0" err="1"/>
+              <a:t>DataStore</a:t>
+            </a:r>
+            <a:endParaRPr lang="en-US" dirty="0"/>
+          </a:p>
+        </p:txBody>
+      </p:sp>
+      <p:sp>
+        <p:nvSpPr>
+          <p:cNvPr id="5" name="Down Arrow 4">
+            <a:extLst>
+              <a:ext uri="{FF2B5EF4-FFF2-40B4-BE49-F238E27FC236}">
+                <a16:creationId xmlns:a16="http://schemas.microsoft.com/office/drawing/2014/main" id="{C5DC71C1-ED54-E041-AE49-270EF476B809}"/>
+              </a:ext>
+            </a:extLst>
+          </p:cNvPr>
+          <p:cNvSpPr/>
+          <p:nvPr/>
+        </p:nvSpPr>
+        <p:spPr>
+          <a:xfrm>
+            <a:off x="1628503" y="2201092"/>
+            <a:ext cx="374468" cy="2168434"/>
+          </a:xfrm>
+          <a:prstGeom prst="downArrow">
+            <a:avLst/>
+          </a:prstGeom>
+        </p:spPr>
+        <p:style>
+          <a:lnRef idx="2">
+            <a:schemeClr val="accent1">
+              <a:shade val="50000"/>
+            </a:schemeClr>
+          </a:lnRef>
+          <a:fillRef idx="1">
+            <a:schemeClr val="accent1"/>
+          </a:fillRef>
+          <a:effectRef idx="0">
+            <a:schemeClr val="accent1"/>
+          </a:effectRef>
+          <a:fontRef idx="minor">
+            <a:schemeClr val="lt1"/>
+          </a:fontRef>
+        </p:style>
+        <p:txBody>
+          <a:bodyPr rtlCol="0" anchor="ctr"/>
+          <a:lstStyle/>
+          <a:p>
+            <a:pPr algn="ctr"/>
+            <a:endParaRPr lang="en-US"/>
+          </a:p>
+        </p:txBody>
+      </p:sp>
+      <p:sp>
+        <p:nvSpPr>
+          <p:cNvPr id="6" name="TextBox 5">
+            <a:extLst>
+              <a:ext uri="{FF2B5EF4-FFF2-40B4-BE49-F238E27FC236}">
+                <a16:creationId xmlns:a16="http://schemas.microsoft.com/office/drawing/2014/main" id="{DA0B8A57-7174-3E4E-8210-FDE177531DF5}"/>
+              </a:ext>
+            </a:extLst>
+          </p:cNvPr>
+          <p:cNvSpPr txBox="1"/>
+          <p:nvPr/>
+        </p:nvSpPr>
+        <p:spPr>
+          <a:xfrm>
+            <a:off x="1132114" y="1759131"/>
+            <a:ext cx="1837509" cy="369332"/>
+          </a:xfrm>
+          <a:prstGeom prst="rect">
+            <a:avLst/>
+          </a:prstGeom>
+          <a:noFill/>
+        </p:spPr>
+        <p:txBody>
+          <a:bodyPr wrap="square" rtlCol="0">
+            <a:spAutoFit/>
+          </a:bodyPr>
+          <a:lstStyle/>
+          <a:p>
+            <a:r>
+              <a:rPr lang="en-US" dirty="0"/>
+              <a:t>Request to Read</a:t>
+            </a:r>
+          </a:p>
+        </p:txBody>
+      </p:sp>
+      <p:sp>
+        <p:nvSpPr>
+          <p:cNvPr id="7" name="Up Arrow 6">
+            <a:extLst>
+              <a:ext uri="{FF2B5EF4-FFF2-40B4-BE49-F238E27FC236}">
+                <a16:creationId xmlns:a16="http://schemas.microsoft.com/office/drawing/2014/main" id="{497ACADF-70B5-404B-B229-560AA955AC0C}"/>
+              </a:ext>
+            </a:extLst>
+          </p:cNvPr>
+          <p:cNvSpPr/>
+          <p:nvPr/>
+        </p:nvSpPr>
+        <p:spPr>
+          <a:xfrm>
+            <a:off x="3448594" y="2063931"/>
+            <a:ext cx="374468" cy="2229395"/>
+          </a:xfrm>
+          <a:prstGeom prst="upArrow">
+            <a:avLst/>
+          </a:prstGeom>
+        </p:spPr>
+        <p:style>
+          <a:lnRef idx="2">
+            <a:schemeClr val="accent1">
+              <a:shade val="50000"/>
+            </a:schemeClr>
+          </a:lnRef>
+          <a:fillRef idx="1">
+            <a:schemeClr val="accent1"/>
+          </a:fillRef>
+          <a:effectRef idx="0">
+            <a:schemeClr val="accent1"/>
+          </a:effectRef>
+          <a:fontRef idx="minor">
+            <a:schemeClr val="lt1"/>
+          </a:fontRef>
+        </p:style>
+        <p:txBody>
+          <a:bodyPr rtlCol="0" anchor="ctr"/>
+          <a:lstStyle/>
+          <a:p>
+            <a:pPr algn="ctr"/>
+            <a:endParaRPr lang="en-US"/>
+          </a:p>
+        </p:txBody>
+      </p:sp>
+      <p:sp>
+        <p:nvSpPr>
+          <p:cNvPr id="8" name="TextBox 7">
+            <a:extLst>
+              <a:ext uri="{FF2B5EF4-FFF2-40B4-BE49-F238E27FC236}">
+                <a16:creationId xmlns:a16="http://schemas.microsoft.com/office/drawing/2014/main" id="{8457E773-A591-3346-8CB4-6C49AEDEA7B9}"/>
+              </a:ext>
+            </a:extLst>
+          </p:cNvPr>
+          <p:cNvSpPr txBox="1"/>
+          <p:nvPr/>
+        </p:nvSpPr>
+        <p:spPr>
+          <a:xfrm>
+            <a:off x="2969623" y="1759131"/>
+            <a:ext cx="2386148" cy="646331"/>
+          </a:xfrm>
+          <a:prstGeom prst="rect">
+            <a:avLst/>
+          </a:prstGeom>
+          <a:noFill/>
+        </p:spPr>
+        <p:txBody>
+          <a:bodyPr wrap="square" rtlCol="0">
+            <a:spAutoFit/>
+          </a:bodyPr>
+          <a:lstStyle/>
+          <a:p>
+            <a:pPr marL="342900" indent="-342900">
+              <a:buFont typeface="+mj-lt"/>
+              <a:buAutoNum type="arabicPeriod"/>
+            </a:pPr>
+            <a:r>
+              <a:rPr lang="en-US" dirty="0"/>
+              <a:t>Record-By-Record Iteration</a:t>
+            </a:r>
+          </a:p>
+        </p:txBody>
+      </p:sp>
+      <p:sp>
+        <p:nvSpPr>
+          <p:cNvPr id="9" name="U-turn Arrow 8">
+            <a:extLst>
+              <a:ext uri="{FF2B5EF4-FFF2-40B4-BE49-F238E27FC236}">
+                <a16:creationId xmlns:a16="http://schemas.microsoft.com/office/drawing/2014/main" id="{E7A140AD-1B72-5845-96DD-1D6A52917627}"/>
+              </a:ext>
+            </a:extLst>
+          </p:cNvPr>
+          <p:cNvSpPr/>
+          <p:nvPr/>
+        </p:nvSpPr>
+        <p:spPr>
+          <a:xfrm>
+            <a:off x="5338354" y="1175657"/>
+            <a:ext cx="4258492" cy="1025435"/>
+          </a:xfrm>
+          <a:prstGeom prst="uturnArrow">
+            <a:avLst/>
+          </a:prstGeom>
+        </p:spPr>
+        <p:style>
+          <a:lnRef idx="2">
+            <a:schemeClr val="accent1">
+              <a:shade val="50000"/>
+            </a:schemeClr>
+          </a:lnRef>
+          <a:fillRef idx="1">
+            <a:schemeClr val="accent1"/>
+          </a:fillRef>
+          <a:effectRef idx="0">
+            <a:schemeClr val="accent1"/>
+          </a:effectRef>
+          <a:fontRef idx="minor">
+            <a:schemeClr val="lt1"/>
+          </a:fontRef>
+        </p:style>
+        <p:txBody>
+          <a:bodyPr rtlCol="0" anchor="ctr"/>
+          <a:lstStyle/>
+          <a:p>
+            <a:pPr algn="ctr"/>
+            <a:endParaRPr lang="en-US">
+              <a:solidFill>
+                <a:schemeClr val="tx1"/>
+              </a:solidFill>
+            </a:endParaRPr>
+          </a:p>
+        </p:txBody>
+      </p:sp>
+      <p:sp>
+        <p:nvSpPr>
+          <p:cNvPr id="10" name="U-turn Arrow 9">
+            <a:extLst>
+              <a:ext uri="{FF2B5EF4-FFF2-40B4-BE49-F238E27FC236}">
+                <a16:creationId xmlns:a16="http://schemas.microsoft.com/office/drawing/2014/main" id="{B93A7295-CBC7-0E48-AD06-6AECCCBB3911}"/>
+              </a:ext>
+            </a:extLst>
+          </p:cNvPr>
+          <p:cNvSpPr/>
+          <p:nvPr/>
+        </p:nvSpPr>
+        <p:spPr>
+          <a:xfrm rot="10800000">
+            <a:off x="5338354" y="4312920"/>
+            <a:ext cx="4258492" cy="1025435"/>
+          </a:xfrm>
+          <a:prstGeom prst="uturnArrow">
+            <a:avLst/>
+          </a:prstGeom>
+        </p:spPr>
+        <p:style>
+          <a:lnRef idx="2">
+            <a:schemeClr val="accent1">
+              <a:shade val="50000"/>
+            </a:schemeClr>
+          </a:lnRef>
+          <a:fillRef idx="1">
+            <a:schemeClr val="accent1"/>
+          </a:fillRef>
+          <a:effectRef idx="0">
+            <a:schemeClr val="accent1"/>
+          </a:effectRef>
+          <a:fontRef idx="minor">
+            <a:schemeClr val="lt1"/>
+          </a:fontRef>
+        </p:style>
+        <p:txBody>
+          <a:bodyPr rtlCol="0" anchor="ctr"/>
+          <a:lstStyle/>
+          <a:p>
+            <a:pPr algn="ctr"/>
+            <a:endParaRPr lang="en-US">
+              <a:solidFill>
+                <a:schemeClr val="tx1"/>
+              </a:solidFill>
+            </a:endParaRPr>
+          </a:p>
+        </p:txBody>
+      </p:sp>
+      <p:sp>
+        <p:nvSpPr>
+          <p:cNvPr id="11" name="TextBox 10">
+            <a:extLst>
+              <a:ext uri="{FF2B5EF4-FFF2-40B4-BE49-F238E27FC236}">
+                <a16:creationId xmlns:a16="http://schemas.microsoft.com/office/drawing/2014/main" id="{65A57406-B589-6D47-AD00-7B0EB390B298}"/>
+              </a:ext>
+            </a:extLst>
+          </p:cNvPr>
+          <p:cNvSpPr txBox="1"/>
+          <p:nvPr/>
+        </p:nvSpPr>
+        <p:spPr>
+          <a:xfrm>
+            <a:off x="5686697" y="3178628"/>
+            <a:ext cx="3694285" cy="369332"/>
+          </a:xfrm>
+          <a:prstGeom prst="rect">
+            <a:avLst/>
+          </a:prstGeom>
+          <a:noFill/>
+        </p:spPr>
+        <p:txBody>
+          <a:bodyPr wrap="square" rtlCol="0">
+            <a:spAutoFit/>
+          </a:bodyPr>
+          <a:lstStyle/>
+          <a:p>
+            <a:r>
+              <a:rPr lang="en-US" dirty="0"/>
+              <a:t>Async Call Data Fetch</a:t>
+            </a:r>
+          </a:p>
+        </p:txBody>
+      </p:sp>
+    </p:spTree>
+    <p:extLst>
+      <p:ext uri="{BB962C8B-B14F-4D97-AF65-F5344CB8AC3E}">
+        <p14:creationId xmlns:p14="http://schemas.microsoft.com/office/powerpoint/2010/main" val="1885636665"/>
+      </p:ext>
+    </p:extLst>
+  </p:cSld>
+  <p:clrMapOvr>
+    <a:masterClrMapping/>
+  </p:clrMapOvr>
+</p:sld>
+</file>
+
 <file path=ppt/slides/slide2.xml><?xml version="1.0" encoding="utf-8"?>
 <p:sld xmlns:a="http://schemas.openxmlformats.org/drawingml/2006/main" xmlns:r="http://schemas.openxmlformats.org/officeDocument/2006/relationships" xmlns:p="http://schemas.openxmlformats.org/presentationml/2006/main">
   <p:cSld>
@@ -6686,6 +10997,936 @@
     <p:extLst>
       <p:ext uri="{BB962C8B-B14F-4D97-AF65-F5344CB8AC3E}">
         <p14:creationId xmlns:p14="http://schemas.microsoft.com/office/powerpoint/2010/main" val="2359081358"/>
+      </p:ext>
+    </p:extLst>
+  </p:cSld>
+  <p:clrMapOvr>
+    <a:masterClrMapping/>
+  </p:clrMapOvr>
+</p:sld>
+</file>
+
+<file path=ppt/slides/slide20.xml><?xml version="1.0" encoding="utf-8"?>
+<p:sld xmlns:a="http://schemas.openxmlformats.org/drawingml/2006/main" xmlns:r="http://schemas.openxmlformats.org/officeDocument/2006/relationships" xmlns:p="http://schemas.openxmlformats.org/presentationml/2006/main">
+  <p:cSld>
+    <p:spTree>
+      <p:nvGrpSpPr>
+        <p:cNvPr id="1" name=""/>
+        <p:cNvGrpSpPr/>
+        <p:nvPr/>
+      </p:nvGrpSpPr>
+      <p:grpSpPr>
+        <a:xfrm>
+          <a:off x="0" y="0"/>
+          <a:ext cx="0" cy="0"/>
+          <a:chOff x="0" y="0"/>
+          <a:chExt cx="0" cy="0"/>
+        </a:xfrm>
+      </p:grpSpPr>
+      <p:sp>
+        <p:nvSpPr>
+          <p:cNvPr id="2" name="Rectangle 1">
+            <a:extLst>
+              <a:ext uri="{FF2B5EF4-FFF2-40B4-BE49-F238E27FC236}">
+                <a16:creationId xmlns:a16="http://schemas.microsoft.com/office/drawing/2014/main" id="{42B1CE40-B5E8-544F-A89B-7021DB9794DD}"/>
+              </a:ext>
+            </a:extLst>
+          </p:cNvPr>
+          <p:cNvSpPr/>
+          <p:nvPr/>
+        </p:nvSpPr>
+        <p:spPr>
+          <a:xfrm>
+            <a:off x="148046" y="487680"/>
+            <a:ext cx="1959428" cy="6078583"/>
+          </a:xfrm>
+          <a:prstGeom prst="rect">
+            <a:avLst/>
+          </a:prstGeom>
+        </p:spPr>
+        <p:style>
+          <a:lnRef idx="2">
+            <a:schemeClr val="accent1">
+              <a:shade val="50000"/>
+            </a:schemeClr>
+          </a:lnRef>
+          <a:fillRef idx="1">
+            <a:schemeClr val="accent1"/>
+          </a:fillRef>
+          <a:effectRef idx="0">
+            <a:schemeClr val="accent1"/>
+          </a:effectRef>
+          <a:fontRef idx="minor">
+            <a:schemeClr val="lt1"/>
+          </a:fontRef>
+        </p:style>
+        <p:txBody>
+          <a:bodyPr rtlCol="0" anchor="ctr"/>
+          <a:lstStyle/>
+          <a:p>
+            <a:pPr algn="ctr"/>
+            <a:r>
+              <a:rPr lang="en-US" dirty="0"/>
+              <a:t>Client App</a:t>
+            </a:r>
+          </a:p>
+        </p:txBody>
+      </p:sp>
+      <p:sp>
+        <p:nvSpPr>
+          <p:cNvPr id="3" name="Rectangle 2">
+            <a:extLst>
+              <a:ext uri="{FF2B5EF4-FFF2-40B4-BE49-F238E27FC236}">
+                <a16:creationId xmlns:a16="http://schemas.microsoft.com/office/drawing/2014/main" id="{CE105C9D-AF93-B641-A62B-48FCBEC28FAA}"/>
+              </a:ext>
+            </a:extLst>
+          </p:cNvPr>
+          <p:cNvSpPr/>
+          <p:nvPr/>
+        </p:nvSpPr>
+        <p:spPr>
+          <a:xfrm>
+            <a:off x="9570720" y="487679"/>
+            <a:ext cx="2364377" cy="6078583"/>
+          </a:xfrm>
+          <a:prstGeom prst="rect">
+            <a:avLst/>
+          </a:prstGeom>
+        </p:spPr>
+        <p:style>
+          <a:lnRef idx="2">
+            <a:schemeClr val="accent1">
+              <a:shade val="50000"/>
+            </a:schemeClr>
+          </a:lnRef>
+          <a:fillRef idx="1">
+            <a:schemeClr val="accent1"/>
+          </a:fillRef>
+          <a:effectRef idx="0">
+            <a:schemeClr val="accent1"/>
+          </a:effectRef>
+          <a:fontRef idx="minor">
+            <a:schemeClr val="lt1"/>
+          </a:fontRef>
+        </p:style>
+        <p:txBody>
+          <a:bodyPr rtlCol="0" anchor="ctr"/>
+          <a:lstStyle/>
+          <a:p>
+            <a:pPr algn="ctr"/>
+            <a:endParaRPr lang="en-US" dirty="0"/>
+          </a:p>
+          <a:p>
+            <a:pPr algn="ctr"/>
+            <a:endParaRPr lang="en-US" dirty="0"/>
+          </a:p>
+          <a:p>
+            <a:pPr algn="ctr"/>
+            <a:endParaRPr lang="en-US" dirty="0"/>
+          </a:p>
+          <a:p>
+            <a:pPr algn="ctr"/>
+            <a:endParaRPr lang="en-US" dirty="0"/>
+          </a:p>
+          <a:p>
+            <a:pPr algn="ctr"/>
+            <a:endParaRPr lang="en-US" dirty="0"/>
+          </a:p>
+          <a:p>
+            <a:pPr algn="ctr"/>
+            <a:endParaRPr lang="en-US" dirty="0"/>
+          </a:p>
+          <a:p>
+            <a:pPr algn="ctr"/>
+            <a:endParaRPr lang="en-US" dirty="0"/>
+          </a:p>
+          <a:p>
+            <a:pPr algn="ctr"/>
+            <a:endParaRPr lang="en-US" dirty="0"/>
+          </a:p>
+          <a:p>
+            <a:pPr algn="ctr"/>
+            <a:r>
+              <a:rPr lang="en-US" dirty="0"/>
+              <a:t>Service</a:t>
+            </a:r>
+          </a:p>
+        </p:txBody>
+      </p:sp>
+      <p:sp>
+        <p:nvSpPr>
+          <p:cNvPr id="4" name="Right Arrow 3">
+            <a:extLst>
+              <a:ext uri="{FF2B5EF4-FFF2-40B4-BE49-F238E27FC236}">
+                <a16:creationId xmlns:a16="http://schemas.microsoft.com/office/drawing/2014/main" id="{B2262452-B4EC-CC4A-A776-AB3F5ED2BD1B}"/>
+              </a:ext>
+            </a:extLst>
+          </p:cNvPr>
+          <p:cNvSpPr/>
+          <p:nvPr/>
+        </p:nvSpPr>
+        <p:spPr>
+          <a:xfrm>
+            <a:off x="2107474" y="557349"/>
+            <a:ext cx="7463246" cy="757645"/>
+          </a:xfrm>
+          <a:prstGeom prst="rightArrow">
+            <a:avLst/>
+          </a:prstGeom>
+        </p:spPr>
+        <p:style>
+          <a:lnRef idx="2">
+            <a:schemeClr val="accent1">
+              <a:shade val="50000"/>
+            </a:schemeClr>
+          </a:lnRef>
+          <a:fillRef idx="1">
+            <a:schemeClr val="accent1"/>
+          </a:fillRef>
+          <a:effectRef idx="0">
+            <a:schemeClr val="accent1"/>
+          </a:effectRef>
+          <a:fontRef idx="minor">
+            <a:schemeClr val="lt1"/>
+          </a:fontRef>
+        </p:style>
+        <p:txBody>
+          <a:bodyPr rtlCol="0" anchor="ctr"/>
+          <a:lstStyle/>
+          <a:p>
+            <a:pPr algn="ctr"/>
+            <a:r>
+              <a:rPr lang="en-US" dirty="0"/>
+              <a:t>1 http request get/post/put/delete</a:t>
+            </a:r>
+          </a:p>
+        </p:txBody>
+      </p:sp>
+      <p:sp>
+        <p:nvSpPr>
+          <p:cNvPr id="5" name="TextBox 4">
+            <a:extLst>
+              <a:ext uri="{FF2B5EF4-FFF2-40B4-BE49-F238E27FC236}">
+                <a16:creationId xmlns:a16="http://schemas.microsoft.com/office/drawing/2014/main" id="{084687D1-7349-244C-88DA-5004EA735CF3}"/>
+              </a:ext>
+            </a:extLst>
+          </p:cNvPr>
+          <p:cNvSpPr txBox="1"/>
+          <p:nvPr/>
+        </p:nvSpPr>
+        <p:spPr>
+          <a:xfrm>
+            <a:off x="9718766" y="792480"/>
+            <a:ext cx="2002971" cy="1477328"/>
+          </a:xfrm>
+          <a:prstGeom prst="rect">
+            <a:avLst/>
+          </a:prstGeom>
+          <a:noFill/>
+        </p:spPr>
+        <p:txBody>
+          <a:bodyPr wrap="square" rtlCol="0">
+            <a:spAutoFit/>
+          </a:bodyPr>
+          <a:lstStyle/>
+          <a:p>
+            <a:r>
+              <a:rPr lang="en-US" dirty="0">
+                <a:solidFill>
+                  <a:schemeClr val="bg1"/>
+                </a:solidFill>
+              </a:rPr>
+              <a:t>2. Service Accept the request and generate the Promise Acknowledgement</a:t>
+            </a:r>
+          </a:p>
+        </p:txBody>
+      </p:sp>
+      <p:sp>
+        <p:nvSpPr>
+          <p:cNvPr id="6" name="Left Arrow 5">
+            <a:extLst>
+              <a:ext uri="{FF2B5EF4-FFF2-40B4-BE49-F238E27FC236}">
+                <a16:creationId xmlns:a16="http://schemas.microsoft.com/office/drawing/2014/main" id="{A9EFA7EC-970A-1A44-92DB-637D8FD664BA}"/>
+              </a:ext>
+            </a:extLst>
+          </p:cNvPr>
+          <p:cNvSpPr/>
+          <p:nvPr/>
+        </p:nvSpPr>
+        <p:spPr>
+          <a:xfrm>
+            <a:off x="5259977" y="1672046"/>
+            <a:ext cx="4310743" cy="853440"/>
+          </a:xfrm>
+          <a:prstGeom prst="leftArrow">
+            <a:avLst/>
+          </a:prstGeom>
+        </p:spPr>
+        <p:style>
+          <a:lnRef idx="2">
+            <a:schemeClr val="accent1">
+              <a:shade val="50000"/>
+            </a:schemeClr>
+          </a:lnRef>
+          <a:fillRef idx="1">
+            <a:schemeClr val="accent1"/>
+          </a:fillRef>
+          <a:effectRef idx="0">
+            <a:schemeClr val="accent1"/>
+          </a:effectRef>
+          <a:fontRef idx="minor">
+            <a:schemeClr val="lt1"/>
+          </a:fontRef>
+        </p:style>
+        <p:txBody>
+          <a:bodyPr rtlCol="0" anchor="ctr"/>
+          <a:lstStyle/>
+          <a:p>
+            <a:pPr algn="ctr"/>
+            <a:r>
+              <a:rPr lang="en-US" dirty="0"/>
+              <a:t>3. The Promise Response</a:t>
+            </a:r>
+          </a:p>
+        </p:txBody>
+      </p:sp>
+      <p:sp>
+        <p:nvSpPr>
+          <p:cNvPr id="7" name="Right Arrow 6">
+            <a:extLst>
+              <a:ext uri="{FF2B5EF4-FFF2-40B4-BE49-F238E27FC236}">
+                <a16:creationId xmlns:a16="http://schemas.microsoft.com/office/drawing/2014/main" id="{DC17B58E-43B7-8C49-AFA3-DC6A5F2339C0}"/>
+              </a:ext>
+            </a:extLst>
+          </p:cNvPr>
+          <p:cNvSpPr/>
+          <p:nvPr/>
+        </p:nvSpPr>
+        <p:spPr>
+          <a:xfrm>
+            <a:off x="2107473" y="1384663"/>
+            <a:ext cx="3483429" cy="696686"/>
+          </a:xfrm>
+          <a:prstGeom prst="rightArrow">
+            <a:avLst>
+              <a:gd name="adj1" fmla="val 50000"/>
+              <a:gd name="adj2" fmla="val 48275"/>
+            </a:avLst>
+          </a:prstGeom>
+        </p:spPr>
+        <p:style>
+          <a:lnRef idx="2">
+            <a:schemeClr val="accent1">
+              <a:shade val="50000"/>
+            </a:schemeClr>
+          </a:lnRef>
+          <a:fillRef idx="1">
+            <a:schemeClr val="accent1"/>
+          </a:fillRef>
+          <a:effectRef idx="0">
+            <a:schemeClr val="accent1"/>
+          </a:effectRef>
+          <a:fontRef idx="minor">
+            <a:schemeClr val="lt1"/>
+          </a:fontRef>
+        </p:style>
+        <p:txBody>
+          <a:bodyPr rtlCol="0" anchor="ctr"/>
+          <a:lstStyle/>
+          <a:p>
+            <a:pPr algn="ctr"/>
+            <a:r>
+              <a:rPr lang="en-US" dirty="0"/>
+              <a:t>4. Client subscribe to promise</a:t>
+            </a:r>
+          </a:p>
+        </p:txBody>
+      </p:sp>
+      <p:sp>
+        <p:nvSpPr>
+          <p:cNvPr id="8" name="TextBox 7">
+            <a:extLst>
+              <a:ext uri="{FF2B5EF4-FFF2-40B4-BE49-F238E27FC236}">
+                <a16:creationId xmlns:a16="http://schemas.microsoft.com/office/drawing/2014/main" id="{B6F31172-6EDB-7E4E-AC68-AF375745DADB}"/>
+              </a:ext>
+            </a:extLst>
+          </p:cNvPr>
+          <p:cNvSpPr txBox="1"/>
+          <p:nvPr/>
+        </p:nvSpPr>
+        <p:spPr>
+          <a:xfrm>
+            <a:off x="9718766" y="2377440"/>
+            <a:ext cx="2002971" cy="646331"/>
+          </a:xfrm>
+          <a:prstGeom prst="rect">
+            <a:avLst/>
+          </a:prstGeom>
+          <a:noFill/>
+        </p:spPr>
+        <p:txBody>
+          <a:bodyPr wrap="square" rtlCol="0">
+            <a:spAutoFit/>
+          </a:bodyPr>
+          <a:lstStyle/>
+          <a:p>
+            <a:r>
+              <a:rPr lang="en-US" dirty="0">
+                <a:solidFill>
+                  <a:schemeClr val="bg1"/>
+                </a:solidFill>
+              </a:rPr>
+              <a:t>5. Service Continue its execution</a:t>
+            </a:r>
+          </a:p>
+        </p:txBody>
+      </p:sp>
+      <p:sp>
+        <p:nvSpPr>
+          <p:cNvPr id="9" name="TextBox 8">
+            <a:extLst>
+              <a:ext uri="{FF2B5EF4-FFF2-40B4-BE49-F238E27FC236}">
+                <a16:creationId xmlns:a16="http://schemas.microsoft.com/office/drawing/2014/main" id="{860109C1-866A-344F-B669-CB050C67A583}"/>
+              </a:ext>
+            </a:extLst>
+          </p:cNvPr>
+          <p:cNvSpPr txBox="1"/>
+          <p:nvPr/>
+        </p:nvSpPr>
+        <p:spPr>
+          <a:xfrm>
+            <a:off x="357051" y="1968137"/>
+            <a:ext cx="1628503" cy="923330"/>
+          </a:xfrm>
+          <a:prstGeom prst="rect">
+            <a:avLst/>
+          </a:prstGeom>
+          <a:noFill/>
+        </p:spPr>
+        <p:txBody>
+          <a:bodyPr wrap="square" rtlCol="0">
+            <a:spAutoFit/>
+          </a:bodyPr>
+          <a:lstStyle/>
+          <a:p>
+            <a:r>
+              <a:rPr lang="en-US" dirty="0">
+                <a:solidFill>
+                  <a:schemeClr val="bg1"/>
+                </a:solidFill>
+              </a:rPr>
+              <a:t>6. Client Continues its execution</a:t>
+            </a:r>
+          </a:p>
+        </p:txBody>
+      </p:sp>
+      <p:sp>
+        <p:nvSpPr>
+          <p:cNvPr id="11" name="Bent Up Arrow 10">
+            <a:extLst>
+              <a:ext uri="{FF2B5EF4-FFF2-40B4-BE49-F238E27FC236}">
+                <a16:creationId xmlns:a16="http://schemas.microsoft.com/office/drawing/2014/main" id="{BA705636-DCC1-864E-89DB-D3A29D0B833D}"/>
+              </a:ext>
+            </a:extLst>
+          </p:cNvPr>
+          <p:cNvSpPr/>
+          <p:nvPr/>
+        </p:nvSpPr>
+        <p:spPr>
+          <a:xfrm rot="5400000">
+            <a:off x="7287508" y="1296014"/>
+            <a:ext cx="1309417" cy="3257007"/>
+          </a:xfrm>
+          <a:prstGeom prst="bentUpArrow">
+            <a:avLst/>
+          </a:prstGeom>
+        </p:spPr>
+        <p:style>
+          <a:lnRef idx="2">
+            <a:schemeClr val="accent1">
+              <a:shade val="50000"/>
+            </a:schemeClr>
+          </a:lnRef>
+          <a:fillRef idx="1">
+            <a:schemeClr val="accent1"/>
+          </a:fillRef>
+          <a:effectRef idx="0">
+            <a:schemeClr val="accent1"/>
+          </a:effectRef>
+          <a:fontRef idx="minor">
+            <a:schemeClr val="lt1"/>
+          </a:fontRef>
+        </p:style>
+        <p:txBody>
+          <a:bodyPr rtlCol="0" anchor="ctr"/>
+          <a:lstStyle/>
+          <a:p>
+            <a:pPr algn="ctr"/>
+            <a:endParaRPr lang="en-US"/>
+          </a:p>
+        </p:txBody>
+      </p:sp>
+      <p:sp>
+        <p:nvSpPr>
+          <p:cNvPr id="12" name="TextBox 11">
+            <a:extLst>
+              <a:ext uri="{FF2B5EF4-FFF2-40B4-BE49-F238E27FC236}">
+                <a16:creationId xmlns:a16="http://schemas.microsoft.com/office/drawing/2014/main" id="{7B961CE3-A790-444A-B4BC-8B1D34A7E740}"/>
+              </a:ext>
+            </a:extLst>
+          </p:cNvPr>
+          <p:cNvSpPr txBox="1"/>
+          <p:nvPr/>
+        </p:nvSpPr>
+        <p:spPr>
+          <a:xfrm>
+            <a:off x="6631578" y="2520460"/>
+            <a:ext cx="2403565" cy="646331"/>
+          </a:xfrm>
+          <a:prstGeom prst="rect">
+            <a:avLst/>
+          </a:prstGeom>
+          <a:noFill/>
+        </p:spPr>
+        <p:txBody>
+          <a:bodyPr wrap="square" rtlCol="0">
+            <a:spAutoFit/>
+          </a:bodyPr>
+          <a:lstStyle/>
+          <a:p>
+            <a:r>
+              <a:rPr lang="en-US" dirty="0"/>
+              <a:t>7. Waiting for the response from service</a:t>
+            </a:r>
+          </a:p>
+        </p:txBody>
+      </p:sp>
+      <p:sp>
+        <p:nvSpPr>
+          <p:cNvPr id="13" name="TextBox 12">
+            <a:extLst>
+              <a:ext uri="{FF2B5EF4-FFF2-40B4-BE49-F238E27FC236}">
+                <a16:creationId xmlns:a16="http://schemas.microsoft.com/office/drawing/2014/main" id="{5300A0B7-597F-7F4D-B178-B307D0011059}"/>
+              </a:ext>
+            </a:extLst>
+          </p:cNvPr>
+          <p:cNvSpPr txBox="1"/>
+          <p:nvPr/>
+        </p:nvSpPr>
+        <p:spPr>
+          <a:xfrm>
+            <a:off x="9718766" y="3579226"/>
+            <a:ext cx="2098765" cy="646331"/>
+          </a:xfrm>
+          <a:prstGeom prst="rect">
+            <a:avLst/>
+          </a:prstGeom>
+          <a:noFill/>
+        </p:spPr>
+        <p:txBody>
+          <a:bodyPr wrap="square" rtlCol="0">
+            <a:spAutoFit/>
+          </a:bodyPr>
+          <a:lstStyle/>
+          <a:p>
+            <a:r>
+              <a:rPr lang="en-US" dirty="0">
+                <a:solidFill>
+                  <a:schemeClr val="bg1"/>
+                </a:solidFill>
+              </a:rPr>
+              <a:t>8. Service is ready with response</a:t>
+            </a:r>
+          </a:p>
+        </p:txBody>
+      </p:sp>
+      <p:sp>
+        <p:nvSpPr>
+          <p:cNvPr id="14" name="Bent Up Arrow 13">
+            <a:extLst>
+              <a:ext uri="{FF2B5EF4-FFF2-40B4-BE49-F238E27FC236}">
+                <a16:creationId xmlns:a16="http://schemas.microsoft.com/office/drawing/2014/main" id="{313259C7-ACB0-3C47-AC30-E20342D1EAAF}"/>
+              </a:ext>
+            </a:extLst>
+          </p:cNvPr>
+          <p:cNvSpPr/>
+          <p:nvPr/>
+        </p:nvSpPr>
+        <p:spPr>
+          <a:xfrm flipH="1">
+            <a:off x="5242560" y="2520459"/>
+            <a:ext cx="4358639" cy="2121209"/>
+          </a:xfrm>
+          <a:prstGeom prst="bentUpArrow">
+            <a:avLst/>
+          </a:prstGeom>
+        </p:spPr>
+        <p:style>
+          <a:lnRef idx="2">
+            <a:schemeClr val="accent1">
+              <a:shade val="50000"/>
+            </a:schemeClr>
+          </a:lnRef>
+          <a:fillRef idx="1">
+            <a:schemeClr val="accent1"/>
+          </a:fillRef>
+          <a:effectRef idx="0">
+            <a:schemeClr val="accent1"/>
+          </a:effectRef>
+          <a:fontRef idx="minor">
+            <a:schemeClr val="lt1"/>
+          </a:fontRef>
+        </p:style>
+        <p:txBody>
+          <a:bodyPr rtlCol="0" anchor="ctr"/>
+          <a:lstStyle/>
+          <a:p>
+            <a:pPr algn="ctr"/>
+            <a:endParaRPr lang="en-US"/>
+          </a:p>
+        </p:txBody>
+      </p:sp>
+      <p:sp>
+        <p:nvSpPr>
+          <p:cNvPr id="15" name="TextBox 14">
+            <a:extLst>
+              <a:ext uri="{FF2B5EF4-FFF2-40B4-BE49-F238E27FC236}">
+                <a16:creationId xmlns:a16="http://schemas.microsoft.com/office/drawing/2014/main" id="{03438EF8-7B2A-3846-B7A7-3348A289EB4D}"/>
+              </a:ext>
+            </a:extLst>
+          </p:cNvPr>
+          <p:cNvSpPr txBox="1"/>
+          <p:nvPr/>
+        </p:nvSpPr>
+        <p:spPr>
+          <a:xfrm>
+            <a:off x="6200503" y="4225557"/>
+            <a:ext cx="3074126" cy="369332"/>
+          </a:xfrm>
+          <a:prstGeom prst="rect">
+            <a:avLst/>
+          </a:prstGeom>
+          <a:noFill/>
+        </p:spPr>
+        <p:txBody>
+          <a:bodyPr wrap="square" rtlCol="0">
+            <a:spAutoFit/>
+          </a:bodyPr>
+          <a:lstStyle/>
+          <a:p>
+            <a:r>
+              <a:rPr lang="en-US" dirty="0">
+                <a:solidFill>
+                  <a:schemeClr val="bg1"/>
+                </a:solidFill>
+              </a:rPr>
+              <a:t>9. Response to Promise object</a:t>
+            </a:r>
+          </a:p>
+        </p:txBody>
+      </p:sp>
+      <p:sp>
+        <p:nvSpPr>
+          <p:cNvPr id="16" name="TextBox 15">
+            <a:extLst>
+              <a:ext uri="{FF2B5EF4-FFF2-40B4-BE49-F238E27FC236}">
+                <a16:creationId xmlns:a16="http://schemas.microsoft.com/office/drawing/2014/main" id="{FFC4DA0F-9709-0F4D-9083-64806FB22C51}"/>
+              </a:ext>
+            </a:extLst>
+          </p:cNvPr>
+          <p:cNvSpPr txBox="1"/>
+          <p:nvPr/>
+        </p:nvSpPr>
+        <p:spPr>
+          <a:xfrm>
+            <a:off x="5590902" y="4789714"/>
+            <a:ext cx="3683727" cy="646331"/>
+          </a:xfrm>
+          <a:prstGeom prst="rect">
+            <a:avLst/>
+          </a:prstGeom>
+          <a:noFill/>
+        </p:spPr>
+        <p:txBody>
+          <a:bodyPr wrap="square" rtlCol="0">
+            <a:spAutoFit/>
+          </a:bodyPr>
+          <a:lstStyle/>
+          <a:p>
+            <a:r>
+              <a:rPr lang="en-US" dirty="0"/>
+              <a:t>This response can be success (200/201) etc. or fail (400/401/500)</a:t>
+            </a:r>
+          </a:p>
+        </p:txBody>
+      </p:sp>
+      <p:sp>
+        <p:nvSpPr>
+          <p:cNvPr id="17" name="Rounded Rectangle 16">
+            <a:extLst>
+              <a:ext uri="{FF2B5EF4-FFF2-40B4-BE49-F238E27FC236}">
+                <a16:creationId xmlns:a16="http://schemas.microsoft.com/office/drawing/2014/main" id="{996C64EF-8D7A-3A46-A8D1-9729A2399325}"/>
+              </a:ext>
+            </a:extLst>
+          </p:cNvPr>
+          <p:cNvSpPr/>
+          <p:nvPr/>
+        </p:nvSpPr>
+        <p:spPr>
+          <a:xfrm>
+            <a:off x="3169919" y="2429802"/>
+            <a:ext cx="1706881" cy="1384552"/>
+          </a:xfrm>
+          <a:prstGeom prst="roundRect">
+            <a:avLst/>
+          </a:prstGeom>
+        </p:spPr>
+        <p:style>
+          <a:lnRef idx="2">
+            <a:schemeClr val="accent1">
+              <a:shade val="50000"/>
+            </a:schemeClr>
+          </a:lnRef>
+          <a:fillRef idx="1">
+            <a:schemeClr val="accent1"/>
+          </a:fillRef>
+          <a:effectRef idx="0">
+            <a:schemeClr val="accent1"/>
+          </a:effectRef>
+          <a:fontRef idx="minor">
+            <a:schemeClr val="lt1"/>
+          </a:fontRef>
+        </p:style>
+        <p:txBody>
+          <a:bodyPr rtlCol="0" anchor="ctr"/>
+          <a:lstStyle/>
+          <a:p>
+            <a:pPr algn="ctr"/>
+            <a:r>
+              <a:rPr lang="en-US" dirty="0"/>
+              <a:t>10. Response Object</a:t>
+            </a:r>
+          </a:p>
+        </p:txBody>
+      </p:sp>
+      <p:cxnSp>
+        <p:nvCxnSpPr>
+          <p:cNvPr id="19" name="Straight Arrow Connector 18">
+            <a:extLst>
+              <a:ext uri="{FF2B5EF4-FFF2-40B4-BE49-F238E27FC236}">
+                <a16:creationId xmlns:a16="http://schemas.microsoft.com/office/drawing/2014/main" id="{E4A2A19E-CEAB-814A-8C15-2129BB0A27B4}"/>
+              </a:ext>
+            </a:extLst>
+          </p:cNvPr>
+          <p:cNvCxnSpPr>
+            <a:stCxn id="7" idx="2"/>
+            <a:endCxn id="17" idx="3"/>
+          </p:cNvCxnSpPr>
+          <p:nvPr/>
+        </p:nvCxnSpPr>
+        <p:spPr>
+          <a:xfrm flipH="1">
+            <a:off x="4876800" y="2081349"/>
+            <a:ext cx="377777" cy="1040729"/>
+          </a:xfrm>
+          <a:prstGeom prst="straightConnector1">
+            <a:avLst/>
+          </a:prstGeom>
+          <a:ln>
+            <a:tailEnd type="triangle"/>
+          </a:ln>
+        </p:spPr>
+        <p:style>
+          <a:lnRef idx="1">
+            <a:schemeClr val="accent1"/>
+          </a:lnRef>
+          <a:fillRef idx="0">
+            <a:schemeClr val="accent1"/>
+          </a:fillRef>
+          <a:effectRef idx="0">
+            <a:schemeClr val="accent1"/>
+          </a:effectRef>
+          <a:fontRef idx="minor">
+            <a:schemeClr val="tx1"/>
+          </a:fontRef>
+        </p:style>
+      </p:cxnSp>
+      <p:sp>
+        <p:nvSpPr>
+          <p:cNvPr id="20" name="Bent Up Arrow 19">
+            <a:extLst>
+              <a:ext uri="{FF2B5EF4-FFF2-40B4-BE49-F238E27FC236}">
+                <a16:creationId xmlns:a16="http://schemas.microsoft.com/office/drawing/2014/main" id="{A912F146-BF0D-B543-BC38-4290CC0B722B}"/>
+              </a:ext>
+            </a:extLst>
+          </p:cNvPr>
+          <p:cNvSpPr/>
+          <p:nvPr/>
+        </p:nvSpPr>
+        <p:spPr>
+          <a:xfrm rot="5400000">
+            <a:off x="1994318" y="2063993"/>
+            <a:ext cx="1384550" cy="984068"/>
+          </a:xfrm>
+          <a:prstGeom prst="bentUpArrow">
+            <a:avLst/>
+          </a:prstGeom>
+        </p:spPr>
+        <p:style>
+          <a:lnRef idx="2">
+            <a:schemeClr val="accent1">
+              <a:shade val="50000"/>
+            </a:schemeClr>
+          </a:lnRef>
+          <a:fillRef idx="1">
+            <a:schemeClr val="accent1"/>
+          </a:fillRef>
+          <a:effectRef idx="0">
+            <a:schemeClr val="accent1"/>
+          </a:effectRef>
+          <a:fontRef idx="minor">
+            <a:schemeClr val="lt1"/>
+          </a:fontRef>
+        </p:style>
+        <p:txBody>
+          <a:bodyPr rtlCol="0" anchor="ctr"/>
+          <a:lstStyle/>
+          <a:p>
+            <a:pPr algn="ctr"/>
+            <a:endParaRPr lang="en-US"/>
+          </a:p>
+        </p:txBody>
+      </p:sp>
+      <p:cxnSp>
+        <p:nvCxnSpPr>
+          <p:cNvPr id="22" name="Straight Arrow Connector 21">
+            <a:extLst>
+              <a:ext uri="{FF2B5EF4-FFF2-40B4-BE49-F238E27FC236}">
+                <a16:creationId xmlns:a16="http://schemas.microsoft.com/office/drawing/2014/main" id="{3F44F430-7AB9-2547-AE86-8F1190CB8BC6}"/>
+              </a:ext>
+            </a:extLst>
+          </p:cNvPr>
+          <p:cNvCxnSpPr/>
+          <p:nvPr/>
+        </p:nvCxnSpPr>
+        <p:spPr>
+          <a:xfrm flipH="1" flipV="1">
+            <a:off x="2682240" y="3166791"/>
+            <a:ext cx="792480" cy="2101895"/>
+          </a:xfrm>
+          <a:prstGeom prst="straightConnector1">
+            <a:avLst/>
+          </a:prstGeom>
+          <a:ln>
+            <a:tailEnd type="triangle"/>
+          </a:ln>
+        </p:spPr>
+        <p:style>
+          <a:lnRef idx="1">
+            <a:schemeClr val="accent1"/>
+          </a:lnRef>
+          <a:fillRef idx="0">
+            <a:schemeClr val="accent1"/>
+          </a:fillRef>
+          <a:effectRef idx="0">
+            <a:schemeClr val="accent1"/>
+          </a:effectRef>
+          <a:fontRef idx="minor">
+            <a:schemeClr val="tx1"/>
+          </a:fontRef>
+        </p:style>
+      </p:cxnSp>
+      <p:sp>
+        <p:nvSpPr>
+          <p:cNvPr id="23" name="TextBox 22">
+            <a:extLst>
+              <a:ext uri="{FF2B5EF4-FFF2-40B4-BE49-F238E27FC236}">
+                <a16:creationId xmlns:a16="http://schemas.microsoft.com/office/drawing/2014/main" id="{4AA28516-2AEC-774B-9E01-BBFBCE64F43F}"/>
+              </a:ext>
+            </a:extLst>
+          </p:cNvPr>
+          <p:cNvSpPr txBox="1"/>
+          <p:nvPr/>
+        </p:nvSpPr>
+        <p:spPr>
+          <a:xfrm>
+            <a:off x="2508069" y="5268686"/>
+            <a:ext cx="2746508" cy="1477328"/>
+          </a:xfrm>
+          <a:prstGeom prst="rect">
+            <a:avLst/>
+          </a:prstGeom>
+          <a:noFill/>
+        </p:spPr>
+        <p:txBody>
+          <a:bodyPr wrap="square" rtlCol="0">
+            <a:spAutoFit/>
+          </a:bodyPr>
+          <a:lstStyle/>
+          <a:p>
+            <a:r>
+              <a:rPr lang="en-US" dirty="0"/>
+              <a:t>11. Client will use the subscription of Promise to read the promise response either success or fail and load data on UI</a:t>
+            </a:r>
+          </a:p>
+        </p:txBody>
+      </p:sp>
+      <p:sp>
+        <p:nvSpPr>
+          <p:cNvPr id="24" name="TextBox 23">
+            <a:extLst>
+              <a:ext uri="{FF2B5EF4-FFF2-40B4-BE49-F238E27FC236}">
+                <a16:creationId xmlns:a16="http://schemas.microsoft.com/office/drawing/2014/main" id="{2EF3876E-EAE0-D84F-8031-7242DBB88CF6}"/>
+              </a:ext>
+            </a:extLst>
+          </p:cNvPr>
+          <p:cNvSpPr txBox="1"/>
+          <p:nvPr/>
+        </p:nvSpPr>
+        <p:spPr>
+          <a:xfrm>
+            <a:off x="5590902" y="5705285"/>
+            <a:ext cx="3444241" cy="923330"/>
+          </a:xfrm>
+          <a:prstGeom prst="rect">
+            <a:avLst/>
+          </a:prstGeom>
+          <a:noFill/>
+        </p:spPr>
+        <p:txBody>
+          <a:bodyPr wrap="square" rtlCol="0">
+            <a:spAutoFit/>
+          </a:bodyPr>
+          <a:lstStyle/>
+          <a:p>
+            <a:r>
+              <a:rPr lang="en-US" dirty="0" err="1"/>
+              <a:t>initialCall</a:t>
+            </a:r>
+            <a:r>
+              <a:rPr lang="en-US" dirty="0"/>
+              <a:t>, wait for the response, </a:t>
+            </a:r>
+            <a:r>
+              <a:rPr lang="en-US"/>
+              <a:t>received response, </a:t>
+            </a:r>
+            <a:r>
+              <a:rPr lang="en-US" dirty="0"/>
+              <a:t>resolve </a:t>
+            </a:r>
+            <a:r>
+              <a:rPr lang="en-US"/>
+              <a:t>it from client</a:t>
+            </a:r>
+            <a:endParaRPr lang="en-US" dirty="0"/>
+          </a:p>
+        </p:txBody>
+      </p:sp>
+    </p:spTree>
+    <p:extLst>
+      <p:ext uri="{BB962C8B-B14F-4D97-AF65-F5344CB8AC3E}">
+        <p14:creationId xmlns:p14="http://schemas.microsoft.com/office/powerpoint/2010/main" val="1456644307"/>
       </p:ext>
     </p:extLst>
   </p:cSld>

--- a/SpotPPTs.pptx
+++ b/SpotPPTs.pptx
@@ -25,6 +25,17 @@
     <p:sldId id="273" r:id="rId19"/>
     <p:sldId id="274" r:id="rId20"/>
     <p:sldId id="275" r:id="rId21"/>
+    <p:sldId id="276" r:id="rId22"/>
+    <p:sldId id="277" r:id="rId23"/>
+    <p:sldId id="278" r:id="rId24"/>
+    <p:sldId id="279" r:id="rId25"/>
+    <p:sldId id="280" r:id="rId26"/>
+    <p:sldId id="281" r:id="rId27"/>
+    <p:sldId id="282" r:id="rId28"/>
+    <p:sldId id="284" r:id="rId29"/>
+    <p:sldId id="283" r:id="rId30"/>
+    <p:sldId id="285" r:id="rId31"/>
+    <p:sldId id="286" r:id="rId32"/>
   </p:sldIdLst>
   <p:sldSz cx="12192000" cy="6858000"/>
   <p:notesSz cx="6858000" cy="9144000"/>
@@ -280,7 +291,7 @@
           <a:p>
             <a:fld id="{6B75415C-91ED-7941-9068-396BBFB028E8}" type="datetimeFigureOut">
               <a:rPr lang="en-US" smtClean="0"/>
-              <a:t>4/15/21</a:t>
+              <a:t>4/26/21</a:t>
             </a:fld>
             <a:endParaRPr lang="en-US"/>
           </a:p>
@@ -480,7 +491,7 @@
           <a:p>
             <a:fld id="{6B75415C-91ED-7941-9068-396BBFB028E8}" type="datetimeFigureOut">
               <a:rPr lang="en-US" smtClean="0"/>
-              <a:t>4/15/21</a:t>
+              <a:t>4/26/21</a:t>
             </a:fld>
             <a:endParaRPr lang="en-US"/>
           </a:p>
@@ -690,7 +701,7 @@
           <a:p>
             <a:fld id="{6B75415C-91ED-7941-9068-396BBFB028E8}" type="datetimeFigureOut">
               <a:rPr lang="en-US" smtClean="0"/>
-              <a:t>4/15/21</a:t>
+              <a:t>4/26/21</a:t>
             </a:fld>
             <a:endParaRPr lang="en-US"/>
           </a:p>
@@ -890,7 +901,7 @@
           <a:p>
             <a:fld id="{6B75415C-91ED-7941-9068-396BBFB028E8}" type="datetimeFigureOut">
               <a:rPr lang="en-US" smtClean="0"/>
-              <a:t>4/15/21</a:t>
+              <a:t>4/26/21</a:t>
             </a:fld>
             <a:endParaRPr lang="en-US"/>
           </a:p>
@@ -1166,7 +1177,7 @@
           <a:p>
             <a:fld id="{6B75415C-91ED-7941-9068-396BBFB028E8}" type="datetimeFigureOut">
               <a:rPr lang="en-US" smtClean="0"/>
-              <a:t>4/15/21</a:t>
+              <a:t>4/26/21</a:t>
             </a:fld>
             <a:endParaRPr lang="en-US"/>
           </a:p>
@@ -1434,7 +1445,7 @@
           <a:p>
             <a:fld id="{6B75415C-91ED-7941-9068-396BBFB028E8}" type="datetimeFigureOut">
               <a:rPr lang="en-US" smtClean="0"/>
-              <a:t>4/15/21</a:t>
+              <a:t>4/26/21</a:t>
             </a:fld>
             <a:endParaRPr lang="en-US"/>
           </a:p>
@@ -1849,7 +1860,7 @@
           <a:p>
             <a:fld id="{6B75415C-91ED-7941-9068-396BBFB028E8}" type="datetimeFigureOut">
               <a:rPr lang="en-US" smtClean="0"/>
-              <a:t>4/15/21</a:t>
+              <a:t>4/26/21</a:t>
             </a:fld>
             <a:endParaRPr lang="en-US"/>
           </a:p>
@@ -1991,7 +2002,7 @@
           <a:p>
             <a:fld id="{6B75415C-91ED-7941-9068-396BBFB028E8}" type="datetimeFigureOut">
               <a:rPr lang="en-US" smtClean="0"/>
-              <a:t>4/15/21</a:t>
+              <a:t>4/26/21</a:t>
             </a:fld>
             <a:endParaRPr lang="en-US"/>
           </a:p>
@@ -2104,7 +2115,7 @@
           <a:p>
             <a:fld id="{6B75415C-91ED-7941-9068-396BBFB028E8}" type="datetimeFigureOut">
               <a:rPr lang="en-US" smtClean="0"/>
-              <a:t>4/15/21</a:t>
+              <a:t>4/26/21</a:t>
             </a:fld>
             <a:endParaRPr lang="en-US"/>
           </a:p>
@@ -2417,7 +2428,7 @@
           <a:p>
             <a:fld id="{6B75415C-91ED-7941-9068-396BBFB028E8}" type="datetimeFigureOut">
               <a:rPr lang="en-US" smtClean="0"/>
-              <a:t>4/15/21</a:t>
+              <a:t>4/26/21</a:t>
             </a:fld>
             <a:endParaRPr lang="en-US"/>
           </a:p>
@@ -2706,7 +2717,7 @@
           <a:p>
             <a:fld id="{6B75415C-91ED-7941-9068-396BBFB028E8}" type="datetimeFigureOut">
               <a:rPr lang="en-US" smtClean="0"/>
-              <a:t>4/15/21</a:t>
+              <a:t>4/26/21</a:t>
             </a:fld>
             <a:endParaRPr lang="en-US"/>
           </a:p>
@@ -2949,7 +2960,7 @@
           <a:p>
             <a:fld id="{6B75415C-91ED-7941-9068-396BBFB028E8}" type="datetimeFigureOut">
               <a:rPr lang="en-US" smtClean="0"/>
-              <a:t>4/15/21</a:t>
+              <a:t>4/26/21</a:t>
             </a:fld>
             <a:endParaRPr lang="en-US"/>
           </a:p>
@@ -11936,6 +11947,4658 @@
 </p:sld>
 </file>
 
+<file path=ppt/slides/slide21.xml><?xml version="1.0" encoding="utf-8"?>
+<p:sld xmlns:a="http://schemas.openxmlformats.org/drawingml/2006/main" xmlns:r="http://schemas.openxmlformats.org/officeDocument/2006/relationships" xmlns:p="http://schemas.openxmlformats.org/presentationml/2006/main">
+  <p:cSld>
+    <p:spTree>
+      <p:nvGrpSpPr>
+        <p:cNvPr id="1" name=""/>
+        <p:cNvGrpSpPr/>
+        <p:nvPr/>
+      </p:nvGrpSpPr>
+      <p:grpSpPr>
+        <a:xfrm>
+          <a:off x="0" y="0"/>
+          <a:ext cx="0" cy="0"/>
+          <a:chOff x="0" y="0"/>
+          <a:chExt cx="0" cy="0"/>
+        </a:xfrm>
+      </p:grpSpPr>
+      <p:sp>
+        <p:nvSpPr>
+          <p:cNvPr id="2" name="Oval 1">
+            <a:extLst>
+              <a:ext uri="{FF2B5EF4-FFF2-40B4-BE49-F238E27FC236}">
+                <a16:creationId xmlns:a16="http://schemas.microsoft.com/office/drawing/2014/main" id="{7818402A-E295-2D47-B15E-9F6746AA8D69}"/>
+              </a:ext>
+            </a:extLst>
+          </p:cNvPr>
+          <p:cNvSpPr/>
+          <p:nvPr/>
+        </p:nvSpPr>
+        <p:spPr>
+          <a:xfrm>
+            <a:off x="4841967" y="14961"/>
+            <a:ext cx="1898469" cy="1776548"/>
+          </a:xfrm>
+          <a:prstGeom prst="ellipse">
+            <a:avLst/>
+          </a:prstGeom>
+        </p:spPr>
+        <p:style>
+          <a:lnRef idx="2">
+            <a:schemeClr val="accent1">
+              <a:shade val="50000"/>
+            </a:schemeClr>
+          </a:lnRef>
+          <a:fillRef idx="1">
+            <a:schemeClr val="accent1"/>
+          </a:fillRef>
+          <a:effectRef idx="0">
+            <a:schemeClr val="accent1"/>
+          </a:effectRef>
+          <a:fontRef idx="minor">
+            <a:schemeClr val="lt1"/>
+          </a:fontRef>
+        </p:style>
+        <p:txBody>
+          <a:bodyPr rtlCol="0" anchor="ctr"/>
+          <a:lstStyle/>
+          <a:p>
+            <a:pPr algn="ctr"/>
+            <a:r>
+              <a:rPr lang="en-US" dirty="0"/>
+              <a:t>E-Comm</a:t>
+            </a:r>
+          </a:p>
+        </p:txBody>
+      </p:sp>
+      <p:sp>
+        <p:nvSpPr>
+          <p:cNvPr id="3" name="Oval 2">
+            <a:extLst>
+              <a:ext uri="{FF2B5EF4-FFF2-40B4-BE49-F238E27FC236}">
+                <a16:creationId xmlns:a16="http://schemas.microsoft.com/office/drawing/2014/main" id="{7C0A2087-3241-5544-9954-6A495E235AD2}"/>
+              </a:ext>
+            </a:extLst>
+          </p:cNvPr>
+          <p:cNvSpPr/>
+          <p:nvPr/>
+        </p:nvSpPr>
+        <p:spPr>
+          <a:xfrm>
+            <a:off x="457200" y="283030"/>
+            <a:ext cx="1898469" cy="1776548"/>
+          </a:xfrm>
+          <a:prstGeom prst="ellipse">
+            <a:avLst/>
+          </a:prstGeom>
+        </p:spPr>
+        <p:style>
+          <a:lnRef idx="2">
+            <a:schemeClr val="accent1">
+              <a:shade val="50000"/>
+            </a:schemeClr>
+          </a:lnRef>
+          <a:fillRef idx="1">
+            <a:schemeClr val="accent1"/>
+          </a:fillRef>
+          <a:effectRef idx="0">
+            <a:schemeClr val="accent1"/>
+          </a:effectRef>
+          <a:fontRef idx="minor">
+            <a:schemeClr val="lt1"/>
+          </a:fontRef>
+        </p:style>
+        <p:txBody>
+          <a:bodyPr rtlCol="0" anchor="ctr"/>
+          <a:lstStyle/>
+          <a:p>
+            <a:pPr algn="ctr"/>
+            <a:r>
+              <a:rPr lang="en-US" dirty="0"/>
+              <a:t>Vendors</a:t>
+            </a:r>
+          </a:p>
+        </p:txBody>
+      </p:sp>
+      <p:sp>
+        <p:nvSpPr>
+          <p:cNvPr id="4" name="Oval 3">
+            <a:extLst>
+              <a:ext uri="{FF2B5EF4-FFF2-40B4-BE49-F238E27FC236}">
+                <a16:creationId xmlns:a16="http://schemas.microsoft.com/office/drawing/2014/main" id="{2FFF6BFA-859C-D64A-9962-2DC5D731A293}"/>
+              </a:ext>
+            </a:extLst>
+          </p:cNvPr>
+          <p:cNvSpPr/>
+          <p:nvPr/>
+        </p:nvSpPr>
+        <p:spPr>
+          <a:xfrm>
+            <a:off x="9762308" y="283030"/>
+            <a:ext cx="1898469" cy="1776548"/>
+          </a:xfrm>
+          <a:prstGeom prst="ellipse">
+            <a:avLst/>
+          </a:prstGeom>
+        </p:spPr>
+        <p:style>
+          <a:lnRef idx="2">
+            <a:schemeClr val="accent1">
+              <a:shade val="50000"/>
+            </a:schemeClr>
+          </a:lnRef>
+          <a:fillRef idx="1">
+            <a:schemeClr val="accent1"/>
+          </a:fillRef>
+          <a:effectRef idx="0">
+            <a:schemeClr val="accent1"/>
+          </a:effectRef>
+          <a:fontRef idx="minor">
+            <a:schemeClr val="lt1"/>
+          </a:fontRef>
+        </p:style>
+        <p:txBody>
+          <a:bodyPr rtlCol="0" anchor="ctr"/>
+          <a:lstStyle/>
+          <a:p>
+            <a:pPr algn="ctr"/>
+            <a:r>
+              <a:rPr lang="en-US" dirty="0"/>
+              <a:t>Manufacturers</a:t>
+            </a:r>
+          </a:p>
+        </p:txBody>
+      </p:sp>
+      <p:sp>
+        <p:nvSpPr>
+          <p:cNvPr id="5" name="Oval 4">
+            <a:extLst>
+              <a:ext uri="{FF2B5EF4-FFF2-40B4-BE49-F238E27FC236}">
+                <a16:creationId xmlns:a16="http://schemas.microsoft.com/office/drawing/2014/main" id="{744F11FC-9259-8D49-AF85-DFDF2D114E48}"/>
+              </a:ext>
+            </a:extLst>
+          </p:cNvPr>
+          <p:cNvSpPr/>
+          <p:nvPr/>
+        </p:nvSpPr>
+        <p:spPr>
+          <a:xfrm>
+            <a:off x="9762308" y="2619103"/>
+            <a:ext cx="1898469" cy="1776548"/>
+          </a:xfrm>
+          <a:prstGeom prst="ellipse">
+            <a:avLst/>
+          </a:prstGeom>
+        </p:spPr>
+        <p:style>
+          <a:lnRef idx="2">
+            <a:schemeClr val="accent1">
+              <a:shade val="50000"/>
+            </a:schemeClr>
+          </a:lnRef>
+          <a:fillRef idx="1">
+            <a:schemeClr val="accent1"/>
+          </a:fillRef>
+          <a:effectRef idx="0">
+            <a:schemeClr val="accent1"/>
+          </a:effectRef>
+          <a:fontRef idx="minor">
+            <a:schemeClr val="lt1"/>
+          </a:fontRef>
+        </p:style>
+        <p:txBody>
+          <a:bodyPr rtlCol="0" anchor="ctr"/>
+          <a:lstStyle/>
+          <a:p>
+            <a:pPr algn="ctr"/>
+            <a:r>
+              <a:rPr lang="en-US" dirty="0"/>
+              <a:t>Products</a:t>
+            </a:r>
+          </a:p>
+        </p:txBody>
+      </p:sp>
+      <p:sp>
+        <p:nvSpPr>
+          <p:cNvPr id="6" name="TextBox 5">
+            <a:extLst>
+              <a:ext uri="{FF2B5EF4-FFF2-40B4-BE49-F238E27FC236}">
+                <a16:creationId xmlns:a16="http://schemas.microsoft.com/office/drawing/2014/main" id="{ECC3886C-4207-4341-905E-D405C8939C97}"/>
+              </a:ext>
+            </a:extLst>
+          </p:cNvPr>
+          <p:cNvSpPr txBox="1"/>
+          <p:nvPr/>
+        </p:nvSpPr>
+        <p:spPr>
+          <a:xfrm>
+            <a:off x="269966" y="2246811"/>
+            <a:ext cx="2316480" cy="923330"/>
+          </a:xfrm>
+          <a:prstGeom prst="rect">
+            <a:avLst/>
+          </a:prstGeom>
+          <a:noFill/>
+        </p:spPr>
+        <p:txBody>
+          <a:bodyPr wrap="square" rtlCol="0">
+            <a:spAutoFit/>
+          </a:bodyPr>
+          <a:lstStyle/>
+          <a:p>
+            <a:r>
+              <a:rPr lang="en-US" dirty="0"/>
+              <a:t>Supply or market products through the E-Comm Web App</a:t>
+            </a:r>
+          </a:p>
+        </p:txBody>
+      </p:sp>
+      <p:cxnSp>
+        <p:nvCxnSpPr>
+          <p:cNvPr id="8" name="Straight Arrow Connector 7">
+            <a:extLst>
+              <a:ext uri="{FF2B5EF4-FFF2-40B4-BE49-F238E27FC236}">
+                <a16:creationId xmlns:a16="http://schemas.microsoft.com/office/drawing/2014/main" id="{E4B1C830-BE29-FC47-AC80-2E917522A313}"/>
+              </a:ext>
+            </a:extLst>
+          </p:cNvPr>
+          <p:cNvCxnSpPr>
+            <a:stCxn id="2" idx="1"/>
+            <a:endCxn id="3" idx="6"/>
+          </p:cNvCxnSpPr>
+          <p:nvPr/>
+        </p:nvCxnSpPr>
+        <p:spPr>
+          <a:xfrm flipH="1">
+            <a:off x="2355669" y="275130"/>
+            <a:ext cx="2764322" cy="896174"/>
+          </a:xfrm>
+          <a:prstGeom prst="straightConnector1">
+            <a:avLst/>
+          </a:prstGeom>
+          <a:ln>
+            <a:tailEnd type="triangle"/>
+          </a:ln>
+        </p:spPr>
+        <p:style>
+          <a:lnRef idx="3">
+            <a:schemeClr val="dk1"/>
+          </a:lnRef>
+          <a:fillRef idx="0">
+            <a:schemeClr val="dk1"/>
+          </a:fillRef>
+          <a:effectRef idx="2">
+            <a:schemeClr val="dk1"/>
+          </a:effectRef>
+          <a:fontRef idx="minor">
+            <a:schemeClr val="tx1"/>
+          </a:fontRef>
+        </p:style>
+      </p:cxnSp>
+      <p:sp>
+        <p:nvSpPr>
+          <p:cNvPr id="10" name="TextBox 9">
+            <a:extLst>
+              <a:ext uri="{FF2B5EF4-FFF2-40B4-BE49-F238E27FC236}">
+                <a16:creationId xmlns:a16="http://schemas.microsoft.com/office/drawing/2014/main" id="{08188D7C-43DA-BA42-AD32-FA394CE21DC8}"/>
+              </a:ext>
+            </a:extLst>
+          </p:cNvPr>
+          <p:cNvSpPr txBox="1"/>
+          <p:nvPr/>
+        </p:nvSpPr>
+        <p:spPr>
+          <a:xfrm>
+            <a:off x="7576457" y="1171304"/>
+            <a:ext cx="2081349" cy="646331"/>
+          </a:xfrm>
+          <a:prstGeom prst="rect">
+            <a:avLst/>
+          </a:prstGeom>
+          <a:noFill/>
+        </p:spPr>
+        <p:txBody>
+          <a:bodyPr wrap="square" rtlCol="0">
+            <a:spAutoFit/>
+          </a:bodyPr>
+          <a:lstStyle/>
+          <a:p>
+            <a:r>
+              <a:rPr lang="en-US" dirty="0"/>
+              <a:t>Manufacture the Products</a:t>
+            </a:r>
+          </a:p>
+        </p:txBody>
+      </p:sp>
+      <p:cxnSp>
+        <p:nvCxnSpPr>
+          <p:cNvPr id="12" name="Straight Arrow Connector 11">
+            <a:extLst>
+              <a:ext uri="{FF2B5EF4-FFF2-40B4-BE49-F238E27FC236}">
+                <a16:creationId xmlns:a16="http://schemas.microsoft.com/office/drawing/2014/main" id="{6E243BEC-51FF-6945-92FF-CD561AB5F08B}"/>
+              </a:ext>
+            </a:extLst>
+          </p:cNvPr>
+          <p:cNvCxnSpPr>
+            <a:stCxn id="2" idx="7"/>
+            <a:endCxn id="4" idx="3"/>
+          </p:cNvCxnSpPr>
+          <p:nvPr/>
+        </p:nvCxnSpPr>
+        <p:spPr>
+          <a:xfrm>
+            <a:off x="6462412" y="275130"/>
+            <a:ext cx="3577920" cy="1524279"/>
+          </a:xfrm>
+          <a:prstGeom prst="straightConnector1">
+            <a:avLst/>
+          </a:prstGeom>
+          <a:ln>
+            <a:tailEnd type="triangle"/>
+          </a:ln>
+        </p:spPr>
+        <p:style>
+          <a:lnRef idx="3">
+            <a:schemeClr val="dk1"/>
+          </a:lnRef>
+          <a:fillRef idx="0">
+            <a:schemeClr val="dk1"/>
+          </a:fillRef>
+          <a:effectRef idx="2">
+            <a:schemeClr val="dk1"/>
+          </a:effectRef>
+          <a:fontRef idx="minor">
+            <a:schemeClr val="tx1"/>
+          </a:fontRef>
+        </p:style>
+      </p:cxnSp>
+      <p:sp>
+        <p:nvSpPr>
+          <p:cNvPr id="13" name="TextBox 12">
+            <a:extLst>
+              <a:ext uri="{FF2B5EF4-FFF2-40B4-BE49-F238E27FC236}">
+                <a16:creationId xmlns:a16="http://schemas.microsoft.com/office/drawing/2014/main" id="{71654CAE-FBAA-C24D-9D92-1D291EF8C345}"/>
+              </a:ext>
+            </a:extLst>
+          </p:cNvPr>
+          <p:cNvSpPr txBox="1"/>
+          <p:nvPr/>
+        </p:nvSpPr>
+        <p:spPr>
+          <a:xfrm>
+            <a:off x="9657806" y="4528457"/>
+            <a:ext cx="2168434" cy="923330"/>
+          </a:xfrm>
+          <a:prstGeom prst="rect">
+            <a:avLst/>
+          </a:prstGeom>
+          <a:noFill/>
+        </p:spPr>
+        <p:txBody>
+          <a:bodyPr wrap="square" rtlCol="0">
+            <a:spAutoFit/>
+          </a:bodyPr>
+          <a:lstStyle/>
+          <a:p>
+            <a:r>
+              <a:rPr lang="en-US" dirty="0"/>
+              <a:t>Product to be sold by the E-Comm Web App</a:t>
+            </a:r>
+          </a:p>
+        </p:txBody>
+      </p:sp>
+      <p:cxnSp>
+        <p:nvCxnSpPr>
+          <p:cNvPr id="15" name="Straight Arrow Connector 14">
+            <a:extLst>
+              <a:ext uri="{FF2B5EF4-FFF2-40B4-BE49-F238E27FC236}">
+                <a16:creationId xmlns:a16="http://schemas.microsoft.com/office/drawing/2014/main" id="{6510F53D-8AB2-3743-8BC2-9FEC298507A1}"/>
+              </a:ext>
+            </a:extLst>
+          </p:cNvPr>
+          <p:cNvCxnSpPr>
+            <a:stCxn id="2" idx="6"/>
+            <a:endCxn id="5" idx="2"/>
+          </p:cNvCxnSpPr>
+          <p:nvPr/>
+        </p:nvCxnSpPr>
+        <p:spPr>
+          <a:xfrm>
+            <a:off x="6740436" y="903235"/>
+            <a:ext cx="3021872" cy="2604142"/>
+          </a:xfrm>
+          <a:prstGeom prst="straightConnector1">
+            <a:avLst/>
+          </a:prstGeom>
+          <a:ln>
+            <a:tailEnd type="triangle"/>
+          </a:ln>
+        </p:spPr>
+        <p:style>
+          <a:lnRef idx="3">
+            <a:schemeClr val="dk1"/>
+          </a:lnRef>
+          <a:fillRef idx="0">
+            <a:schemeClr val="dk1"/>
+          </a:fillRef>
+          <a:effectRef idx="2">
+            <a:schemeClr val="dk1"/>
+          </a:effectRef>
+          <a:fontRef idx="minor">
+            <a:schemeClr val="tx1"/>
+          </a:fontRef>
+        </p:style>
+      </p:cxnSp>
+      <p:sp>
+        <p:nvSpPr>
+          <p:cNvPr id="16" name="Oval 15">
+            <a:extLst>
+              <a:ext uri="{FF2B5EF4-FFF2-40B4-BE49-F238E27FC236}">
+                <a16:creationId xmlns:a16="http://schemas.microsoft.com/office/drawing/2014/main" id="{A336457E-EC68-9C47-8D49-0EA7F31EBFE4}"/>
+              </a:ext>
+            </a:extLst>
+          </p:cNvPr>
+          <p:cNvSpPr/>
+          <p:nvPr/>
+        </p:nvSpPr>
+        <p:spPr>
+          <a:xfrm>
+            <a:off x="4929052" y="4922520"/>
+            <a:ext cx="1898469" cy="1776548"/>
+          </a:xfrm>
+          <a:prstGeom prst="ellipse">
+            <a:avLst/>
+          </a:prstGeom>
+        </p:spPr>
+        <p:style>
+          <a:lnRef idx="2">
+            <a:schemeClr val="accent1">
+              <a:shade val="50000"/>
+            </a:schemeClr>
+          </a:lnRef>
+          <a:fillRef idx="1">
+            <a:schemeClr val="accent1"/>
+          </a:fillRef>
+          <a:effectRef idx="0">
+            <a:schemeClr val="accent1"/>
+          </a:effectRef>
+          <a:fontRef idx="minor">
+            <a:schemeClr val="lt1"/>
+          </a:fontRef>
+        </p:style>
+        <p:txBody>
+          <a:bodyPr rtlCol="0" anchor="ctr"/>
+          <a:lstStyle/>
+          <a:p>
+            <a:pPr algn="ctr"/>
+            <a:r>
+              <a:rPr lang="en-US" dirty="0"/>
+              <a:t>Customers</a:t>
+            </a:r>
+          </a:p>
+        </p:txBody>
+      </p:sp>
+      <p:sp>
+        <p:nvSpPr>
+          <p:cNvPr id="17" name="TextBox 16">
+            <a:extLst>
+              <a:ext uri="{FF2B5EF4-FFF2-40B4-BE49-F238E27FC236}">
+                <a16:creationId xmlns:a16="http://schemas.microsoft.com/office/drawing/2014/main" id="{24823714-85ED-0244-AAC5-F8F4CBAF0F6D}"/>
+              </a:ext>
+            </a:extLst>
+          </p:cNvPr>
+          <p:cNvSpPr txBox="1"/>
+          <p:nvPr/>
+        </p:nvSpPr>
+        <p:spPr>
+          <a:xfrm>
+            <a:off x="6966857" y="5451787"/>
+            <a:ext cx="2690949" cy="646331"/>
+          </a:xfrm>
+          <a:prstGeom prst="rect">
+            <a:avLst/>
+          </a:prstGeom>
+          <a:noFill/>
+        </p:spPr>
+        <p:txBody>
+          <a:bodyPr wrap="square" rtlCol="0">
+            <a:spAutoFit/>
+          </a:bodyPr>
+          <a:lstStyle/>
+          <a:p>
+            <a:r>
+              <a:rPr lang="en-US" dirty="0"/>
+              <a:t>Search and Purchase Products</a:t>
+            </a:r>
+          </a:p>
+        </p:txBody>
+      </p:sp>
+      <p:cxnSp>
+        <p:nvCxnSpPr>
+          <p:cNvPr id="19" name="Straight Arrow Connector 18">
+            <a:extLst>
+              <a:ext uri="{FF2B5EF4-FFF2-40B4-BE49-F238E27FC236}">
+                <a16:creationId xmlns:a16="http://schemas.microsoft.com/office/drawing/2014/main" id="{556CB62E-20B2-F549-93FD-6BC1BDAFD9B8}"/>
+              </a:ext>
+            </a:extLst>
+          </p:cNvPr>
+          <p:cNvCxnSpPr>
+            <a:stCxn id="2" idx="4"/>
+            <a:endCxn id="16" idx="0"/>
+          </p:cNvCxnSpPr>
+          <p:nvPr/>
+        </p:nvCxnSpPr>
+        <p:spPr>
+          <a:xfrm>
+            <a:off x="5791202" y="1791509"/>
+            <a:ext cx="87085" cy="3131011"/>
+          </a:xfrm>
+          <a:prstGeom prst="straightConnector1">
+            <a:avLst/>
+          </a:prstGeom>
+          <a:ln>
+            <a:tailEnd type="triangle"/>
+          </a:ln>
+        </p:spPr>
+        <p:style>
+          <a:lnRef idx="3">
+            <a:schemeClr val="dk1"/>
+          </a:lnRef>
+          <a:fillRef idx="0">
+            <a:schemeClr val="dk1"/>
+          </a:fillRef>
+          <a:effectRef idx="2">
+            <a:schemeClr val="dk1"/>
+          </a:effectRef>
+          <a:fontRef idx="minor">
+            <a:schemeClr val="tx1"/>
+          </a:fontRef>
+        </p:style>
+      </p:cxnSp>
+      <p:sp>
+        <p:nvSpPr>
+          <p:cNvPr id="20" name="Oval 19">
+            <a:extLst>
+              <a:ext uri="{FF2B5EF4-FFF2-40B4-BE49-F238E27FC236}">
+                <a16:creationId xmlns:a16="http://schemas.microsoft.com/office/drawing/2014/main" id="{BE7EA298-BBC6-F349-B303-52CFF7E263C1}"/>
+              </a:ext>
+            </a:extLst>
+          </p:cNvPr>
+          <p:cNvSpPr/>
+          <p:nvPr/>
+        </p:nvSpPr>
+        <p:spPr>
+          <a:xfrm>
+            <a:off x="47898" y="5081452"/>
+            <a:ext cx="1898469" cy="1776548"/>
+          </a:xfrm>
+          <a:prstGeom prst="ellipse">
+            <a:avLst/>
+          </a:prstGeom>
+        </p:spPr>
+        <p:style>
+          <a:lnRef idx="2">
+            <a:schemeClr val="accent1">
+              <a:shade val="50000"/>
+            </a:schemeClr>
+          </a:lnRef>
+          <a:fillRef idx="1">
+            <a:schemeClr val="accent1"/>
+          </a:fillRef>
+          <a:effectRef idx="0">
+            <a:schemeClr val="accent1"/>
+          </a:effectRef>
+          <a:fontRef idx="minor">
+            <a:schemeClr val="lt1"/>
+          </a:fontRef>
+        </p:style>
+        <p:txBody>
+          <a:bodyPr rtlCol="0" anchor="ctr"/>
+          <a:lstStyle/>
+          <a:p>
+            <a:pPr algn="ctr"/>
+            <a:r>
+              <a:rPr lang="en-US" dirty="0"/>
+              <a:t>Order</a:t>
+            </a:r>
+          </a:p>
+        </p:txBody>
+      </p:sp>
+      <p:cxnSp>
+        <p:nvCxnSpPr>
+          <p:cNvPr id="22" name="Straight Arrow Connector 21">
+            <a:extLst>
+              <a:ext uri="{FF2B5EF4-FFF2-40B4-BE49-F238E27FC236}">
+                <a16:creationId xmlns:a16="http://schemas.microsoft.com/office/drawing/2014/main" id="{1089A10F-FC71-F44D-9DF1-7D6AA3CE61A8}"/>
+              </a:ext>
+            </a:extLst>
+          </p:cNvPr>
+          <p:cNvCxnSpPr>
+            <a:stCxn id="2" idx="3"/>
+            <a:endCxn id="20" idx="7"/>
+          </p:cNvCxnSpPr>
+          <p:nvPr/>
+        </p:nvCxnSpPr>
+        <p:spPr>
+          <a:xfrm flipH="1">
+            <a:off x="1668343" y="1531340"/>
+            <a:ext cx="3451648" cy="3810281"/>
+          </a:xfrm>
+          <a:prstGeom prst="straightConnector1">
+            <a:avLst/>
+          </a:prstGeom>
+          <a:ln>
+            <a:tailEnd type="triangle"/>
+          </a:ln>
+        </p:spPr>
+        <p:style>
+          <a:lnRef idx="3">
+            <a:schemeClr val="dk1"/>
+          </a:lnRef>
+          <a:fillRef idx="0">
+            <a:schemeClr val="dk1"/>
+          </a:fillRef>
+          <a:effectRef idx="2">
+            <a:schemeClr val="dk1"/>
+          </a:effectRef>
+          <a:fontRef idx="minor">
+            <a:schemeClr val="tx1"/>
+          </a:fontRef>
+        </p:style>
+      </p:cxnSp>
+      <p:sp>
+        <p:nvSpPr>
+          <p:cNvPr id="23" name="TextBox 22">
+            <a:extLst>
+              <a:ext uri="{FF2B5EF4-FFF2-40B4-BE49-F238E27FC236}">
+                <a16:creationId xmlns:a16="http://schemas.microsoft.com/office/drawing/2014/main" id="{1B40F4C6-17AF-EC43-AC58-B51D90431587}"/>
+              </a:ext>
+            </a:extLst>
+          </p:cNvPr>
+          <p:cNvSpPr txBox="1"/>
+          <p:nvPr/>
+        </p:nvSpPr>
+        <p:spPr>
+          <a:xfrm>
+            <a:off x="2464526" y="5451787"/>
+            <a:ext cx="2055223" cy="646331"/>
+          </a:xfrm>
+          <a:prstGeom prst="rect">
+            <a:avLst/>
+          </a:prstGeom>
+          <a:noFill/>
+        </p:spPr>
+        <p:txBody>
+          <a:bodyPr wrap="square" rtlCol="0">
+            <a:spAutoFit/>
+          </a:bodyPr>
+          <a:lstStyle/>
+          <a:p>
+            <a:r>
+              <a:rPr lang="en-US" dirty="0"/>
+              <a:t>Order Placed by the customer</a:t>
+            </a:r>
+          </a:p>
+        </p:txBody>
+      </p:sp>
+      <p:sp>
+        <p:nvSpPr>
+          <p:cNvPr id="30" name="Oval 29">
+            <a:extLst>
+              <a:ext uri="{FF2B5EF4-FFF2-40B4-BE49-F238E27FC236}">
+                <a16:creationId xmlns:a16="http://schemas.microsoft.com/office/drawing/2014/main" id="{0B89EDAF-A463-A14A-86CA-FFF4FDCBAD9F}"/>
+              </a:ext>
+            </a:extLst>
+          </p:cNvPr>
+          <p:cNvSpPr/>
+          <p:nvPr/>
+        </p:nvSpPr>
+        <p:spPr>
+          <a:xfrm>
+            <a:off x="191589" y="3208494"/>
+            <a:ext cx="1898469" cy="1776548"/>
+          </a:xfrm>
+          <a:prstGeom prst="ellipse">
+            <a:avLst/>
+          </a:prstGeom>
+        </p:spPr>
+        <p:style>
+          <a:lnRef idx="2">
+            <a:schemeClr val="accent1">
+              <a:shade val="50000"/>
+            </a:schemeClr>
+          </a:lnRef>
+          <a:fillRef idx="1">
+            <a:schemeClr val="accent1"/>
+          </a:fillRef>
+          <a:effectRef idx="0">
+            <a:schemeClr val="accent1"/>
+          </a:effectRef>
+          <a:fontRef idx="minor">
+            <a:schemeClr val="lt1"/>
+          </a:fontRef>
+        </p:style>
+        <p:txBody>
+          <a:bodyPr rtlCol="0" anchor="ctr"/>
+          <a:lstStyle/>
+          <a:p>
+            <a:pPr algn="ctr"/>
+            <a:r>
+              <a:rPr lang="en-US" dirty="0"/>
+              <a:t>Dispatch</a:t>
+            </a:r>
+          </a:p>
+        </p:txBody>
+      </p:sp>
+      <p:cxnSp>
+        <p:nvCxnSpPr>
+          <p:cNvPr id="33" name="Straight Arrow Connector 32">
+            <a:extLst>
+              <a:ext uri="{FF2B5EF4-FFF2-40B4-BE49-F238E27FC236}">
+                <a16:creationId xmlns:a16="http://schemas.microsoft.com/office/drawing/2014/main" id="{A11DDD9C-941E-7C4A-88BE-18BFA7C5D7D3}"/>
+              </a:ext>
+            </a:extLst>
+          </p:cNvPr>
+          <p:cNvCxnSpPr>
+            <a:stCxn id="2" idx="2"/>
+            <a:endCxn id="30" idx="6"/>
+          </p:cNvCxnSpPr>
+          <p:nvPr/>
+        </p:nvCxnSpPr>
+        <p:spPr>
+          <a:xfrm flipH="1">
+            <a:off x="2090058" y="903235"/>
+            <a:ext cx="2751909" cy="3193533"/>
+          </a:xfrm>
+          <a:prstGeom prst="straightConnector1">
+            <a:avLst/>
+          </a:prstGeom>
+          <a:ln>
+            <a:tailEnd type="triangle"/>
+          </a:ln>
+        </p:spPr>
+        <p:style>
+          <a:lnRef idx="3">
+            <a:schemeClr val="dk1"/>
+          </a:lnRef>
+          <a:fillRef idx="0">
+            <a:schemeClr val="dk1"/>
+          </a:fillRef>
+          <a:effectRef idx="2">
+            <a:schemeClr val="dk1"/>
+          </a:effectRef>
+          <a:fontRef idx="minor">
+            <a:schemeClr val="tx1"/>
+          </a:fontRef>
+        </p:style>
+      </p:cxnSp>
+    </p:spTree>
+    <p:extLst>
+      <p:ext uri="{BB962C8B-B14F-4D97-AF65-F5344CB8AC3E}">
+        <p14:creationId xmlns:p14="http://schemas.microsoft.com/office/powerpoint/2010/main" val="2782770413"/>
+      </p:ext>
+    </p:extLst>
+  </p:cSld>
+  <p:clrMapOvr>
+    <a:masterClrMapping/>
+  </p:clrMapOvr>
+</p:sld>
+</file>
+
+<file path=ppt/slides/slide22.xml><?xml version="1.0" encoding="utf-8"?>
+<p:sld xmlns:a="http://schemas.openxmlformats.org/drawingml/2006/main" xmlns:r="http://schemas.openxmlformats.org/officeDocument/2006/relationships" xmlns:p="http://schemas.openxmlformats.org/presentationml/2006/main">
+  <p:cSld>
+    <p:spTree>
+      <p:nvGrpSpPr>
+        <p:cNvPr id="1" name=""/>
+        <p:cNvGrpSpPr/>
+        <p:nvPr/>
+      </p:nvGrpSpPr>
+      <p:grpSpPr>
+        <a:xfrm>
+          <a:off x="0" y="0"/>
+          <a:ext cx="0" cy="0"/>
+          <a:chOff x="0" y="0"/>
+          <a:chExt cx="0" cy="0"/>
+        </a:xfrm>
+      </p:grpSpPr>
+      <p:sp>
+        <p:nvSpPr>
+          <p:cNvPr id="2" name="Title 1">
+            <a:extLst>
+              <a:ext uri="{FF2B5EF4-FFF2-40B4-BE49-F238E27FC236}">
+                <a16:creationId xmlns:a16="http://schemas.microsoft.com/office/drawing/2014/main" id="{459E483B-6BB5-5240-B7DE-03DFAB188E25}"/>
+              </a:ext>
+            </a:extLst>
+          </p:cNvPr>
+          <p:cNvSpPr>
+            <a:spLocks noGrp="1"/>
+          </p:cNvSpPr>
+          <p:nvPr>
+            <p:ph type="title"/>
+          </p:nvPr>
+        </p:nvSpPr>
+        <p:spPr>
+          <a:xfrm>
+            <a:off x="176349" y="156120"/>
+            <a:ext cx="10515600" cy="348978"/>
+          </a:xfrm>
+        </p:spPr>
+        <p:txBody>
+          <a:bodyPr>
+            <a:normAutofit fontScale="90000"/>
+          </a:bodyPr>
+          <a:lstStyle/>
+          <a:p>
+            <a:r>
+              <a:rPr lang="en-US" dirty="0"/>
+              <a:t>DB Design</a:t>
+            </a:r>
+          </a:p>
+        </p:txBody>
+      </p:sp>
+      <p:sp>
+        <p:nvSpPr>
+          <p:cNvPr id="3" name="Content Placeholder 2">
+            <a:extLst>
+              <a:ext uri="{FF2B5EF4-FFF2-40B4-BE49-F238E27FC236}">
+                <a16:creationId xmlns:a16="http://schemas.microsoft.com/office/drawing/2014/main" id="{72E4A685-39F0-D44B-8E31-9894C71ADEFC}"/>
+              </a:ext>
+            </a:extLst>
+          </p:cNvPr>
+          <p:cNvSpPr>
+            <a:spLocks noGrp="1"/>
+          </p:cNvSpPr>
+          <p:nvPr>
+            <p:ph idx="1"/>
+          </p:nvPr>
+        </p:nvSpPr>
+        <p:spPr>
+          <a:xfrm>
+            <a:off x="176349" y="731520"/>
+            <a:ext cx="11745685" cy="5886994"/>
+          </a:xfrm>
+        </p:spPr>
+        <p:txBody>
+          <a:bodyPr/>
+          <a:lstStyle/>
+          <a:p>
+            <a:r>
+              <a:rPr lang="en-US" dirty="0"/>
+              <a:t>One Vendor Can register Various Products</a:t>
+            </a:r>
+          </a:p>
+          <a:p>
+            <a:r>
+              <a:rPr lang="en-US" dirty="0"/>
+              <a:t>Multiple Vendors Can Register Same Product</a:t>
+            </a:r>
+          </a:p>
+          <a:p>
+            <a:r>
+              <a:rPr lang="en-US" dirty="0"/>
+              <a:t>One Manufacturer can manufacture one or more products </a:t>
+            </a:r>
+          </a:p>
+          <a:p>
+            <a:r>
+              <a:rPr lang="en-US" dirty="0"/>
+              <a:t>One Manufacturer can manufacture multiple products of different Categories or same category </a:t>
+            </a:r>
+          </a:p>
+          <a:p>
+            <a:r>
+              <a:rPr lang="en-US" dirty="0"/>
+              <a:t>One Customer can purchase one or more products</a:t>
+            </a:r>
+          </a:p>
+          <a:p>
+            <a:r>
+              <a:rPr lang="en-US" dirty="0"/>
+              <a:t>One order can contain multiple products for one customer’s order</a:t>
+            </a:r>
+          </a:p>
+          <a:p>
+            <a:r>
+              <a:rPr lang="en-US" dirty="0"/>
+              <a:t>Order has Dispatch Status</a:t>
+            </a:r>
+          </a:p>
+          <a:p>
+            <a:r>
+              <a:rPr lang="en-US" dirty="0"/>
+              <a:t>Order has delivery status</a:t>
+            </a:r>
+          </a:p>
+          <a:p>
+            <a:endParaRPr lang="en-US" dirty="0"/>
+          </a:p>
+        </p:txBody>
+      </p:sp>
+    </p:spTree>
+    <p:extLst>
+      <p:ext uri="{BB962C8B-B14F-4D97-AF65-F5344CB8AC3E}">
+        <p14:creationId xmlns:p14="http://schemas.microsoft.com/office/powerpoint/2010/main" val="1627992415"/>
+      </p:ext>
+    </p:extLst>
+  </p:cSld>
+  <p:clrMapOvr>
+    <a:masterClrMapping/>
+  </p:clrMapOvr>
+</p:sld>
+</file>
+
+<file path=ppt/slides/slide23.xml><?xml version="1.0" encoding="utf-8"?>
+<p:sld xmlns:a="http://schemas.openxmlformats.org/drawingml/2006/main" xmlns:r="http://schemas.openxmlformats.org/officeDocument/2006/relationships" xmlns:p="http://schemas.openxmlformats.org/presentationml/2006/main">
+  <p:cSld>
+    <p:spTree>
+      <p:nvGrpSpPr>
+        <p:cNvPr id="1" name=""/>
+        <p:cNvGrpSpPr/>
+        <p:nvPr/>
+      </p:nvGrpSpPr>
+      <p:grpSpPr>
+        <a:xfrm>
+          <a:off x="0" y="0"/>
+          <a:ext cx="0" cy="0"/>
+          <a:chOff x="0" y="0"/>
+          <a:chExt cx="0" cy="0"/>
+        </a:xfrm>
+      </p:grpSpPr>
+      <p:sp>
+        <p:nvSpPr>
+          <p:cNvPr id="2" name="TextBox 1">
+            <a:extLst>
+              <a:ext uri="{FF2B5EF4-FFF2-40B4-BE49-F238E27FC236}">
+                <a16:creationId xmlns:a16="http://schemas.microsoft.com/office/drawing/2014/main" id="{34729B73-664E-A840-820A-628D9D984938}"/>
+              </a:ext>
+            </a:extLst>
+          </p:cNvPr>
+          <p:cNvSpPr txBox="1"/>
+          <p:nvPr/>
+        </p:nvSpPr>
+        <p:spPr>
+          <a:xfrm>
+            <a:off x="217714" y="130629"/>
+            <a:ext cx="11834949" cy="2308324"/>
+          </a:xfrm>
+          <a:prstGeom prst="rect">
+            <a:avLst/>
+          </a:prstGeom>
+          <a:noFill/>
+        </p:spPr>
+        <p:txBody>
+          <a:bodyPr wrap="square" rtlCol="0">
+            <a:spAutoFit/>
+          </a:bodyPr>
+          <a:lstStyle/>
+          <a:p>
+            <a:r>
+              <a:rPr lang="en-US" dirty="0"/>
+              <a:t>Tables</a:t>
+            </a:r>
+          </a:p>
+          <a:p>
+            <a:pPr marL="285750" indent="-285750">
+              <a:buFont typeface="Arial" panose="020B0604020202020204" pitchFamily="34" charset="0"/>
+              <a:buChar char="•"/>
+            </a:pPr>
+            <a:r>
+              <a:rPr lang="en-US" dirty="0"/>
+              <a:t>Manufacturer</a:t>
+            </a:r>
+          </a:p>
+          <a:p>
+            <a:pPr marL="285750" indent="-285750">
+              <a:buFont typeface="Arial" panose="020B0604020202020204" pitchFamily="34" charset="0"/>
+              <a:buChar char="•"/>
+            </a:pPr>
+            <a:r>
+              <a:rPr lang="en-US" dirty="0"/>
+              <a:t>Category</a:t>
+            </a:r>
+          </a:p>
+          <a:p>
+            <a:pPr marL="285750" indent="-285750">
+              <a:buFont typeface="Arial" panose="020B0604020202020204" pitchFamily="34" charset="0"/>
+              <a:buChar char="•"/>
+            </a:pPr>
+            <a:r>
+              <a:rPr lang="en-US" dirty="0"/>
+              <a:t>Vendor</a:t>
+            </a:r>
+          </a:p>
+          <a:p>
+            <a:pPr marL="285750" indent="-285750">
+              <a:buFont typeface="Arial" panose="020B0604020202020204" pitchFamily="34" charset="0"/>
+              <a:buChar char="•"/>
+            </a:pPr>
+            <a:r>
+              <a:rPr lang="en-US" dirty="0"/>
+              <a:t>Product</a:t>
+            </a:r>
+          </a:p>
+          <a:p>
+            <a:pPr marL="285750" indent="-285750">
+              <a:buFont typeface="Arial" panose="020B0604020202020204" pitchFamily="34" charset="0"/>
+              <a:buChar char="•"/>
+            </a:pPr>
+            <a:r>
+              <a:rPr lang="en-US" dirty="0"/>
+              <a:t>Customer</a:t>
+            </a:r>
+          </a:p>
+          <a:p>
+            <a:pPr marL="285750" indent="-285750">
+              <a:buFont typeface="Arial" panose="020B0604020202020204" pitchFamily="34" charset="0"/>
+              <a:buChar char="•"/>
+            </a:pPr>
+            <a:r>
+              <a:rPr lang="en-US" dirty="0"/>
+              <a:t>Order</a:t>
+            </a:r>
+          </a:p>
+          <a:p>
+            <a:pPr marL="285750" indent="-285750">
+              <a:buFont typeface="Arial" panose="020B0604020202020204" pitchFamily="34" charset="0"/>
+              <a:buChar char="•"/>
+            </a:pPr>
+            <a:r>
+              <a:rPr lang="en-US"/>
+              <a:t>Dispatch</a:t>
+            </a:r>
+            <a:endParaRPr lang="en-US" dirty="0"/>
+          </a:p>
+        </p:txBody>
+      </p:sp>
+    </p:spTree>
+    <p:extLst>
+      <p:ext uri="{BB962C8B-B14F-4D97-AF65-F5344CB8AC3E}">
+        <p14:creationId xmlns:p14="http://schemas.microsoft.com/office/powerpoint/2010/main" val="1863567318"/>
+      </p:ext>
+    </p:extLst>
+  </p:cSld>
+  <p:clrMapOvr>
+    <a:masterClrMapping/>
+  </p:clrMapOvr>
+</p:sld>
+</file>
+
+<file path=ppt/slides/slide24.xml><?xml version="1.0" encoding="utf-8"?>
+<p:sld xmlns:a="http://schemas.openxmlformats.org/drawingml/2006/main" xmlns:r="http://schemas.openxmlformats.org/officeDocument/2006/relationships" xmlns:p="http://schemas.openxmlformats.org/presentationml/2006/main">
+  <p:cSld>
+    <p:spTree>
+      <p:nvGrpSpPr>
+        <p:cNvPr id="1" name=""/>
+        <p:cNvGrpSpPr/>
+        <p:nvPr/>
+      </p:nvGrpSpPr>
+      <p:grpSpPr>
+        <a:xfrm>
+          <a:off x="0" y="0"/>
+          <a:ext cx="0" cy="0"/>
+          <a:chOff x="0" y="0"/>
+          <a:chExt cx="0" cy="0"/>
+        </a:xfrm>
+      </p:grpSpPr>
+      <p:sp>
+        <p:nvSpPr>
+          <p:cNvPr id="2" name="Rounded Rectangle 1">
+            <a:extLst>
+              <a:ext uri="{FF2B5EF4-FFF2-40B4-BE49-F238E27FC236}">
+                <a16:creationId xmlns:a16="http://schemas.microsoft.com/office/drawing/2014/main" id="{EFC47886-25FB-444D-9902-9F672C9C23B8}"/>
+              </a:ext>
+            </a:extLst>
+          </p:cNvPr>
+          <p:cNvSpPr/>
+          <p:nvPr/>
+        </p:nvSpPr>
+        <p:spPr>
+          <a:xfrm>
+            <a:off x="104503" y="2116183"/>
+            <a:ext cx="2011680" cy="3648892"/>
+          </a:xfrm>
+          <a:prstGeom prst="roundRect">
+            <a:avLst/>
+          </a:prstGeom>
+        </p:spPr>
+        <p:style>
+          <a:lnRef idx="2">
+            <a:schemeClr val="accent1">
+              <a:shade val="50000"/>
+            </a:schemeClr>
+          </a:lnRef>
+          <a:fillRef idx="1">
+            <a:schemeClr val="accent1"/>
+          </a:fillRef>
+          <a:effectRef idx="0">
+            <a:schemeClr val="accent1"/>
+          </a:effectRef>
+          <a:fontRef idx="minor">
+            <a:schemeClr val="lt1"/>
+          </a:fontRef>
+        </p:style>
+        <p:txBody>
+          <a:bodyPr rtlCol="0" anchor="ctr"/>
+          <a:lstStyle/>
+          <a:p>
+            <a:pPr algn="ctr"/>
+            <a:r>
+              <a:rPr lang="en-US" dirty="0"/>
+              <a:t>Client App</a:t>
+            </a:r>
+          </a:p>
+        </p:txBody>
+      </p:sp>
+      <p:sp>
+        <p:nvSpPr>
+          <p:cNvPr id="3" name="Rectangle 2">
+            <a:extLst>
+              <a:ext uri="{FF2B5EF4-FFF2-40B4-BE49-F238E27FC236}">
+                <a16:creationId xmlns:a16="http://schemas.microsoft.com/office/drawing/2014/main" id="{3C077BD0-4EC4-CB46-B1BE-BC104907E1BA}"/>
+              </a:ext>
+            </a:extLst>
+          </p:cNvPr>
+          <p:cNvSpPr/>
+          <p:nvPr/>
+        </p:nvSpPr>
+        <p:spPr>
+          <a:xfrm>
+            <a:off x="8290560" y="783771"/>
+            <a:ext cx="2368731" cy="1654629"/>
+          </a:xfrm>
+          <a:prstGeom prst="rect">
+            <a:avLst/>
+          </a:prstGeom>
+        </p:spPr>
+        <p:style>
+          <a:lnRef idx="2">
+            <a:schemeClr val="accent1">
+              <a:shade val="50000"/>
+            </a:schemeClr>
+          </a:lnRef>
+          <a:fillRef idx="1">
+            <a:schemeClr val="accent1"/>
+          </a:fillRef>
+          <a:effectRef idx="0">
+            <a:schemeClr val="accent1"/>
+          </a:effectRef>
+          <a:fontRef idx="minor">
+            <a:schemeClr val="lt1"/>
+          </a:fontRef>
+        </p:style>
+        <p:txBody>
+          <a:bodyPr rtlCol="0" anchor="ctr"/>
+          <a:lstStyle/>
+          <a:p>
+            <a:pPr algn="ctr"/>
+            <a:r>
+              <a:rPr lang="en-US" dirty="0"/>
+              <a:t>Serv 1</a:t>
+            </a:r>
+          </a:p>
+        </p:txBody>
+      </p:sp>
+      <p:sp>
+        <p:nvSpPr>
+          <p:cNvPr id="4" name="Rectangle 3">
+            <a:extLst>
+              <a:ext uri="{FF2B5EF4-FFF2-40B4-BE49-F238E27FC236}">
+                <a16:creationId xmlns:a16="http://schemas.microsoft.com/office/drawing/2014/main" id="{A0CAC31E-F3BC-E740-9DE9-E46B770CC5DA}"/>
+              </a:ext>
+            </a:extLst>
+          </p:cNvPr>
+          <p:cNvSpPr/>
+          <p:nvPr/>
+        </p:nvSpPr>
+        <p:spPr>
+          <a:xfrm>
+            <a:off x="8290559" y="3910148"/>
+            <a:ext cx="2368731" cy="1654629"/>
+          </a:xfrm>
+          <a:prstGeom prst="rect">
+            <a:avLst/>
+          </a:prstGeom>
+        </p:spPr>
+        <p:style>
+          <a:lnRef idx="2">
+            <a:schemeClr val="accent1">
+              <a:shade val="50000"/>
+            </a:schemeClr>
+          </a:lnRef>
+          <a:fillRef idx="1">
+            <a:schemeClr val="accent1"/>
+          </a:fillRef>
+          <a:effectRef idx="0">
+            <a:schemeClr val="accent1"/>
+          </a:effectRef>
+          <a:fontRef idx="minor">
+            <a:schemeClr val="lt1"/>
+          </a:fontRef>
+        </p:style>
+        <p:txBody>
+          <a:bodyPr rtlCol="0" anchor="ctr"/>
+          <a:lstStyle/>
+          <a:p>
+            <a:pPr algn="ctr"/>
+            <a:r>
+              <a:rPr lang="en-US" dirty="0"/>
+              <a:t>Serv 2</a:t>
+            </a:r>
+          </a:p>
+        </p:txBody>
+      </p:sp>
+      <p:sp>
+        <p:nvSpPr>
+          <p:cNvPr id="5" name="TextBox 4">
+            <a:extLst>
+              <a:ext uri="{FF2B5EF4-FFF2-40B4-BE49-F238E27FC236}">
+                <a16:creationId xmlns:a16="http://schemas.microsoft.com/office/drawing/2014/main" id="{7862BF41-763D-9E47-97FB-3DEA2DE3C45A}"/>
+              </a:ext>
+            </a:extLst>
+          </p:cNvPr>
+          <p:cNvSpPr txBox="1"/>
+          <p:nvPr/>
+        </p:nvSpPr>
+        <p:spPr>
+          <a:xfrm>
+            <a:off x="418011" y="322217"/>
+            <a:ext cx="5233852" cy="369332"/>
+          </a:xfrm>
+          <a:prstGeom prst="rect">
+            <a:avLst/>
+          </a:prstGeom>
+          <a:noFill/>
+        </p:spPr>
+        <p:txBody>
+          <a:bodyPr wrap="square" rtlCol="0">
+            <a:spAutoFit/>
+          </a:bodyPr>
+          <a:lstStyle/>
+          <a:p>
+            <a:r>
+              <a:rPr lang="en-US" dirty="0"/>
+              <a:t>Promise Chain</a:t>
+            </a:r>
+          </a:p>
+        </p:txBody>
+      </p:sp>
+      <p:sp>
+        <p:nvSpPr>
+          <p:cNvPr id="6" name="Bent Arrow 5">
+            <a:extLst>
+              <a:ext uri="{FF2B5EF4-FFF2-40B4-BE49-F238E27FC236}">
+                <a16:creationId xmlns:a16="http://schemas.microsoft.com/office/drawing/2014/main" id="{F64D03EB-1CD0-6246-908B-CDCBC3BA891F}"/>
+              </a:ext>
+            </a:extLst>
+          </p:cNvPr>
+          <p:cNvSpPr/>
+          <p:nvPr/>
+        </p:nvSpPr>
+        <p:spPr>
+          <a:xfrm>
+            <a:off x="1175657" y="1175657"/>
+            <a:ext cx="7114902" cy="931817"/>
+          </a:xfrm>
+          <a:prstGeom prst="bentArrow">
+            <a:avLst/>
+          </a:prstGeom>
+        </p:spPr>
+        <p:style>
+          <a:lnRef idx="2">
+            <a:schemeClr val="accent1">
+              <a:shade val="50000"/>
+            </a:schemeClr>
+          </a:lnRef>
+          <a:fillRef idx="1">
+            <a:schemeClr val="accent1"/>
+          </a:fillRef>
+          <a:effectRef idx="0">
+            <a:schemeClr val="accent1"/>
+          </a:effectRef>
+          <a:fontRef idx="minor">
+            <a:schemeClr val="lt1"/>
+          </a:fontRef>
+        </p:style>
+        <p:txBody>
+          <a:bodyPr rtlCol="0" anchor="ctr"/>
+          <a:lstStyle/>
+          <a:p>
+            <a:pPr algn="ctr"/>
+            <a:endParaRPr lang="en-US">
+              <a:solidFill>
+                <a:schemeClr val="tx1"/>
+              </a:solidFill>
+            </a:endParaRPr>
+          </a:p>
+        </p:txBody>
+      </p:sp>
+      <p:sp>
+        <p:nvSpPr>
+          <p:cNvPr id="7" name="Bent Arrow 6">
+            <a:extLst>
+              <a:ext uri="{FF2B5EF4-FFF2-40B4-BE49-F238E27FC236}">
+                <a16:creationId xmlns:a16="http://schemas.microsoft.com/office/drawing/2014/main" id="{180D4099-753D-9C48-8C88-9F163E3524C5}"/>
+              </a:ext>
+            </a:extLst>
+          </p:cNvPr>
+          <p:cNvSpPr/>
+          <p:nvPr/>
+        </p:nvSpPr>
+        <p:spPr>
+          <a:xfrm rot="10800000">
+            <a:off x="2007326" y="2407919"/>
+            <a:ext cx="7114902" cy="931817"/>
+          </a:xfrm>
+          <a:prstGeom prst="bentArrow">
+            <a:avLst/>
+          </a:prstGeom>
+        </p:spPr>
+        <p:style>
+          <a:lnRef idx="2">
+            <a:schemeClr val="accent1">
+              <a:shade val="50000"/>
+            </a:schemeClr>
+          </a:lnRef>
+          <a:fillRef idx="1">
+            <a:schemeClr val="accent1"/>
+          </a:fillRef>
+          <a:effectRef idx="0">
+            <a:schemeClr val="accent1"/>
+          </a:effectRef>
+          <a:fontRef idx="minor">
+            <a:schemeClr val="lt1"/>
+          </a:fontRef>
+        </p:style>
+        <p:txBody>
+          <a:bodyPr rtlCol="0" anchor="ctr"/>
+          <a:lstStyle/>
+          <a:p>
+            <a:pPr algn="ctr"/>
+            <a:endParaRPr lang="en-US">
+              <a:solidFill>
+                <a:schemeClr val="tx1"/>
+              </a:solidFill>
+            </a:endParaRPr>
+          </a:p>
+        </p:txBody>
+      </p:sp>
+      <p:sp>
+        <p:nvSpPr>
+          <p:cNvPr id="8" name="TextBox 7">
+            <a:extLst>
+              <a:ext uri="{FF2B5EF4-FFF2-40B4-BE49-F238E27FC236}">
+                <a16:creationId xmlns:a16="http://schemas.microsoft.com/office/drawing/2014/main" id="{982839CA-9B8B-684F-8366-241F8D8A6301}"/>
+              </a:ext>
+            </a:extLst>
+          </p:cNvPr>
+          <p:cNvSpPr txBox="1"/>
+          <p:nvPr/>
+        </p:nvSpPr>
+        <p:spPr>
+          <a:xfrm>
+            <a:off x="2560320" y="1715589"/>
+            <a:ext cx="5294811" cy="369332"/>
+          </a:xfrm>
+          <a:prstGeom prst="rect">
+            <a:avLst/>
+          </a:prstGeom>
+          <a:noFill/>
+        </p:spPr>
+        <p:txBody>
+          <a:bodyPr wrap="square" rtlCol="0">
+            <a:spAutoFit/>
+          </a:bodyPr>
+          <a:lstStyle/>
+          <a:p>
+            <a:r>
+              <a:rPr lang="en-US" dirty="0"/>
+              <a:t>The First Promise Call</a:t>
+            </a:r>
+          </a:p>
+        </p:txBody>
+      </p:sp>
+      <p:sp>
+        <p:nvSpPr>
+          <p:cNvPr id="11" name="Right Arrow 10">
+            <a:extLst>
+              <a:ext uri="{FF2B5EF4-FFF2-40B4-BE49-F238E27FC236}">
+                <a16:creationId xmlns:a16="http://schemas.microsoft.com/office/drawing/2014/main" id="{32526827-100F-8E41-A39F-AC9AD83A1E3C}"/>
+              </a:ext>
+            </a:extLst>
+          </p:cNvPr>
+          <p:cNvSpPr/>
+          <p:nvPr/>
+        </p:nvSpPr>
+        <p:spPr>
+          <a:xfrm>
+            <a:off x="2116183" y="3840480"/>
+            <a:ext cx="6174376" cy="531223"/>
+          </a:xfrm>
+          <a:prstGeom prst="rightArrow">
+            <a:avLst/>
+          </a:prstGeom>
+        </p:spPr>
+        <p:style>
+          <a:lnRef idx="2">
+            <a:schemeClr val="accent1">
+              <a:shade val="50000"/>
+            </a:schemeClr>
+          </a:lnRef>
+          <a:fillRef idx="1">
+            <a:schemeClr val="accent1"/>
+          </a:fillRef>
+          <a:effectRef idx="0">
+            <a:schemeClr val="accent1"/>
+          </a:effectRef>
+          <a:fontRef idx="minor">
+            <a:schemeClr val="lt1"/>
+          </a:fontRef>
+        </p:style>
+        <p:txBody>
+          <a:bodyPr rtlCol="0" anchor="ctr"/>
+          <a:lstStyle/>
+          <a:p>
+            <a:pPr algn="ctr"/>
+            <a:endParaRPr lang="en-US"/>
+          </a:p>
+        </p:txBody>
+      </p:sp>
+      <p:sp>
+        <p:nvSpPr>
+          <p:cNvPr id="12" name="Left Arrow 11">
+            <a:extLst>
+              <a:ext uri="{FF2B5EF4-FFF2-40B4-BE49-F238E27FC236}">
+                <a16:creationId xmlns:a16="http://schemas.microsoft.com/office/drawing/2014/main" id="{FA973928-3DC9-EE44-85CC-C0FBDA816CDB}"/>
+              </a:ext>
+            </a:extLst>
+          </p:cNvPr>
+          <p:cNvSpPr/>
+          <p:nvPr/>
+        </p:nvSpPr>
+        <p:spPr>
+          <a:xfrm>
+            <a:off x="2116183" y="4963885"/>
+            <a:ext cx="6174376" cy="496389"/>
+          </a:xfrm>
+          <a:prstGeom prst="leftArrow">
+            <a:avLst/>
+          </a:prstGeom>
+        </p:spPr>
+        <p:style>
+          <a:lnRef idx="2">
+            <a:schemeClr val="accent1">
+              <a:shade val="50000"/>
+            </a:schemeClr>
+          </a:lnRef>
+          <a:fillRef idx="1">
+            <a:schemeClr val="accent1"/>
+          </a:fillRef>
+          <a:effectRef idx="0">
+            <a:schemeClr val="accent1"/>
+          </a:effectRef>
+          <a:fontRef idx="minor">
+            <a:schemeClr val="lt1"/>
+          </a:fontRef>
+        </p:style>
+        <p:txBody>
+          <a:bodyPr rtlCol="0" anchor="ctr"/>
+          <a:lstStyle/>
+          <a:p>
+            <a:pPr algn="ctr"/>
+            <a:endParaRPr lang="en-US"/>
+          </a:p>
+        </p:txBody>
+      </p:sp>
+      <p:sp>
+        <p:nvSpPr>
+          <p:cNvPr id="13" name="TextBox 12">
+            <a:extLst>
+              <a:ext uri="{FF2B5EF4-FFF2-40B4-BE49-F238E27FC236}">
+                <a16:creationId xmlns:a16="http://schemas.microsoft.com/office/drawing/2014/main" id="{DEFD8263-8593-DF45-B7EC-0AA8A89730D8}"/>
+              </a:ext>
+            </a:extLst>
+          </p:cNvPr>
+          <p:cNvSpPr txBox="1"/>
+          <p:nvPr/>
+        </p:nvSpPr>
+        <p:spPr>
+          <a:xfrm>
+            <a:off x="2403566" y="4299857"/>
+            <a:ext cx="5259977" cy="369332"/>
+          </a:xfrm>
+          <a:prstGeom prst="rect">
+            <a:avLst/>
+          </a:prstGeom>
+          <a:noFill/>
+        </p:spPr>
+        <p:txBody>
+          <a:bodyPr wrap="square" rtlCol="0">
+            <a:spAutoFit/>
+          </a:bodyPr>
+          <a:lstStyle/>
+          <a:p>
+            <a:r>
+              <a:rPr lang="en-US" dirty="0"/>
+              <a:t>The Second Promise Call</a:t>
+            </a:r>
+          </a:p>
+        </p:txBody>
+      </p:sp>
+    </p:spTree>
+    <p:extLst>
+      <p:ext uri="{BB962C8B-B14F-4D97-AF65-F5344CB8AC3E}">
+        <p14:creationId xmlns:p14="http://schemas.microsoft.com/office/powerpoint/2010/main" val="1677217952"/>
+      </p:ext>
+    </p:extLst>
+  </p:cSld>
+  <p:clrMapOvr>
+    <a:masterClrMapping/>
+  </p:clrMapOvr>
+</p:sld>
+</file>
+
+<file path=ppt/slides/slide25.xml><?xml version="1.0" encoding="utf-8"?>
+<p:sld xmlns:a="http://schemas.openxmlformats.org/drawingml/2006/main" xmlns:r="http://schemas.openxmlformats.org/officeDocument/2006/relationships" xmlns:p="http://schemas.openxmlformats.org/presentationml/2006/main">
+  <p:cSld>
+    <p:spTree>
+      <p:nvGrpSpPr>
+        <p:cNvPr id="1" name=""/>
+        <p:cNvGrpSpPr/>
+        <p:nvPr/>
+      </p:nvGrpSpPr>
+      <p:grpSpPr>
+        <a:xfrm>
+          <a:off x="0" y="0"/>
+          <a:ext cx="0" cy="0"/>
+          <a:chOff x="0" y="0"/>
+          <a:chExt cx="0" cy="0"/>
+        </a:xfrm>
+      </p:grpSpPr>
+      <p:sp>
+        <p:nvSpPr>
+          <p:cNvPr id="2" name="Rounded Rectangle 1">
+            <a:extLst>
+              <a:ext uri="{FF2B5EF4-FFF2-40B4-BE49-F238E27FC236}">
+                <a16:creationId xmlns:a16="http://schemas.microsoft.com/office/drawing/2014/main" id="{895219A4-FC87-8A42-B739-0118CF6F6D1B}"/>
+              </a:ext>
+            </a:extLst>
+          </p:cNvPr>
+          <p:cNvSpPr/>
+          <p:nvPr/>
+        </p:nvSpPr>
+        <p:spPr>
+          <a:xfrm>
+            <a:off x="1105989" y="801189"/>
+            <a:ext cx="8891451" cy="5730240"/>
+          </a:xfrm>
+          <a:prstGeom prst="roundRect">
+            <a:avLst/>
+          </a:prstGeom>
+        </p:spPr>
+        <p:style>
+          <a:lnRef idx="2">
+            <a:schemeClr val="accent1">
+              <a:shade val="50000"/>
+            </a:schemeClr>
+          </a:lnRef>
+          <a:fillRef idx="1">
+            <a:schemeClr val="accent1"/>
+          </a:fillRef>
+          <a:effectRef idx="0">
+            <a:schemeClr val="accent1"/>
+          </a:effectRef>
+          <a:fontRef idx="minor">
+            <a:schemeClr val="lt1"/>
+          </a:fontRef>
+        </p:style>
+        <p:txBody>
+          <a:bodyPr rtlCol="0" anchor="ctr"/>
+          <a:lstStyle/>
+          <a:p>
+            <a:pPr algn="ctr"/>
+            <a:endParaRPr lang="en-US"/>
+          </a:p>
+        </p:txBody>
+      </p:sp>
+      <p:sp>
+        <p:nvSpPr>
+          <p:cNvPr id="3" name="TextBox 2">
+            <a:extLst>
+              <a:ext uri="{FF2B5EF4-FFF2-40B4-BE49-F238E27FC236}">
+                <a16:creationId xmlns:a16="http://schemas.microsoft.com/office/drawing/2014/main" id="{6CAABEE2-3AD1-B74A-B93C-38C2E6109837}"/>
+              </a:ext>
+            </a:extLst>
+          </p:cNvPr>
+          <p:cNvSpPr txBox="1"/>
+          <p:nvPr/>
+        </p:nvSpPr>
+        <p:spPr>
+          <a:xfrm>
+            <a:off x="2908663" y="104503"/>
+            <a:ext cx="5416731" cy="369332"/>
+          </a:xfrm>
+          <a:prstGeom prst="rect">
+            <a:avLst/>
+          </a:prstGeom>
+          <a:noFill/>
+        </p:spPr>
+        <p:txBody>
+          <a:bodyPr wrap="square" rtlCol="0">
+            <a:spAutoFit/>
+          </a:bodyPr>
+          <a:lstStyle/>
+          <a:p>
+            <a:r>
+              <a:rPr lang="en-US" dirty="0"/>
+              <a:t>Promise</a:t>
+            </a:r>
+          </a:p>
+        </p:txBody>
+      </p:sp>
+      <p:sp>
+        <p:nvSpPr>
+          <p:cNvPr id="4" name="Rectangle 3">
+            <a:extLst>
+              <a:ext uri="{FF2B5EF4-FFF2-40B4-BE49-F238E27FC236}">
+                <a16:creationId xmlns:a16="http://schemas.microsoft.com/office/drawing/2014/main" id="{FAE7FB81-7382-004C-B8BC-06E08804F5AE}"/>
+              </a:ext>
+            </a:extLst>
+          </p:cNvPr>
+          <p:cNvSpPr/>
+          <p:nvPr/>
+        </p:nvSpPr>
+        <p:spPr>
+          <a:xfrm>
+            <a:off x="1959429" y="1471749"/>
+            <a:ext cx="7480662" cy="853440"/>
+          </a:xfrm>
+          <a:prstGeom prst="rect">
+            <a:avLst/>
+          </a:prstGeom>
+        </p:spPr>
+        <p:style>
+          <a:lnRef idx="2">
+            <a:schemeClr val="dk1">
+              <a:shade val="50000"/>
+            </a:schemeClr>
+          </a:lnRef>
+          <a:fillRef idx="1">
+            <a:schemeClr val="dk1"/>
+          </a:fillRef>
+          <a:effectRef idx="0">
+            <a:schemeClr val="dk1"/>
+          </a:effectRef>
+          <a:fontRef idx="minor">
+            <a:schemeClr val="lt1"/>
+          </a:fontRef>
+        </p:style>
+        <p:txBody>
+          <a:bodyPr rtlCol="0" anchor="ctr"/>
+          <a:lstStyle/>
+          <a:p>
+            <a:pPr algn="ctr"/>
+            <a:r>
+              <a:rPr lang="en-US" dirty="0"/>
+              <a:t>Initialization of the Process</a:t>
+            </a:r>
+          </a:p>
+        </p:txBody>
+      </p:sp>
+      <p:sp>
+        <p:nvSpPr>
+          <p:cNvPr id="5" name="Rectangle 4">
+            <a:extLst>
+              <a:ext uri="{FF2B5EF4-FFF2-40B4-BE49-F238E27FC236}">
+                <a16:creationId xmlns:a16="http://schemas.microsoft.com/office/drawing/2014/main" id="{04FFA20E-8D54-E24E-B7EE-B0B5369C49F2}"/>
+              </a:ext>
+            </a:extLst>
+          </p:cNvPr>
+          <p:cNvSpPr/>
+          <p:nvPr/>
+        </p:nvSpPr>
+        <p:spPr>
+          <a:xfrm>
+            <a:off x="1959429" y="2721428"/>
+            <a:ext cx="7480662" cy="1534103"/>
+          </a:xfrm>
+          <a:prstGeom prst="rect">
+            <a:avLst/>
+          </a:prstGeom>
+          <a:solidFill>
+            <a:schemeClr val="accent6">
+              <a:lumMod val="75000"/>
+            </a:schemeClr>
+          </a:solidFill>
+        </p:spPr>
+        <p:style>
+          <a:lnRef idx="2">
+            <a:schemeClr val="dk1">
+              <a:shade val="50000"/>
+            </a:schemeClr>
+          </a:lnRef>
+          <a:fillRef idx="1">
+            <a:schemeClr val="dk1"/>
+          </a:fillRef>
+          <a:effectRef idx="0">
+            <a:schemeClr val="dk1"/>
+          </a:effectRef>
+          <a:fontRef idx="minor">
+            <a:schemeClr val="lt1"/>
+          </a:fontRef>
+        </p:style>
+        <p:txBody>
+          <a:bodyPr rtlCol="0" anchor="ctr"/>
+          <a:lstStyle/>
+          <a:p>
+            <a:pPr algn="ctr"/>
+            <a:r>
+              <a:rPr lang="en-US" dirty="0"/>
+              <a:t>Success </a:t>
+            </a:r>
+          </a:p>
+          <a:p>
+            <a:pPr algn="ctr"/>
+            <a:r>
+              <a:rPr lang="en-US" dirty="0"/>
+              <a:t>If Success execution is time Consuming </a:t>
+            </a:r>
+          </a:p>
+        </p:txBody>
+      </p:sp>
+      <p:sp>
+        <p:nvSpPr>
+          <p:cNvPr id="6" name="Rectangle 5">
+            <a:extLst>
+              <a:ext uri="{FF2B5EF4-FFF2-40B4-BE49-F238E27FC236}">
+                <a16:creationId xmlns:a16="http://schemas.microsoft.com/office/drawing/2014/main" id="{0CC1317C-54EB-894D-9988-47818DE4590F}"/>
+              </a:ext>
+            </a:extLst>
+          </p:cNvPr>
+          <p:cNvSpPr/>
+          <p:nvPr/>
+        </p:nvSpPr>
+        <p:spPr>
+          <a:xfrm>
+            <a:off x="1876697" y="4582886"/>
+            <a:ext cx="7480662" cy="853440"/>
+          </a:xfrm>
+          <a:prstGeom prst="rect">
+            <a:avLst/>
+          </a:prstGeom>
+          <a:solidFill>
+            <a:srgbClr val="FF0000"/>
+          </a:solidFill>
+        </p:spPr>
+        <p:style>
+          <a:lnRef idx="2">
+            <a:schemeClr val="dk1">
+              <a:shade val="50000"/>
+            </a:schemeClr>
+          </a:lnRef>
+          <a:fillRef idx="1">
+            <a:schemeClr val="dk1"/>
+          </a:fillRef>
+          <a:effectRef idx="0">
+            <a:schemeClr val="dk1"/>
+          </a:effectRef>
+          <a:fontRef idx="minor">
+            <a:schemeClr val="lt1"/>
+          </a:fontRef>
+        </p:style>
+        <p:txBody>
+          <a:bodyPr rtlCol="0" anchor="ctr"/>
+          <a:lstStyle/>
+          <a:p>
+            <a:pPr algn="ctr"/>
+            <a:r>
+              <a:rPr lang="en-US" dirty="0"/>
+              <a:t>Fail / Error</a:t>
+            </a:r>
+          </a:p>
+        </p:txBody>
+      </p:sp>
+      <p:sp>
+        <p:nvSpPr>
+          <p:cNvPr id="7" name="Curved Left Arrow 6">
+            <a:extLst>
+              <a:ext uri="{FF2B5EF4-FFF2-40B4-BE49-F238E27FC236}">
+                <a16:creationId xmlns:a16="http://schemas.microsoft.com/office/drawing/2014/main" id="{42D709CA-1F7E-9040-A4CE-6DD288CFD6E2}"/>
+              </a:ext>
+            </a:extLst>
+          </p:cNvPr>
+          <p:cNvSpPr/>
+          <p:nvPr/>
+        </p:nvSpPr>
+        <p:spPr>
+          <a:xfrm>
+            <a:off x="9440091" y="1811383"/>
+            <a:ext cx="557349" cy="2055223"/>
+          </a:xfrm>
+          <a:prstGeom prst="curvedLeftArrow">
+            <a:avLst/>
+          </a:prstGeom>
+          <a:solidFill>
+            <a:srgbClr val="FFFF00"/>
+          </a:solidFill>
+        </p:spPr>
+        <p:style>
+          <a:lnRef idx="2">
+            <a:schemeClr val="accent1">
+              <a:shade val="50000"/>
+            </a:schemeClr>
+          </a:lnRef>
+          <a:fillRef idx="1">
+            <a:schemeClr val="accent1"/>
+          </a:fillRef>
+          <a:effectRef idx="0">
+            <a:schemeClr val="accent1"/>
+          </a:effectRef>
+          <a:fontRef idx="minor">
+            <a:schemeClr val="lt1"/>
+          </a:fontRef>
+        </p:style>
+        <p:txBody>
+          <a:bodyPr rtlCol="0" anchor="ctr"/>
+          <a:lstStyle/>
+          <a:p>
+            <a:pPr algn="ctr"/>
+            <a:endParaRPr lang="en-US">
+              <a:solidFill>
+                <a:schemeClr val="tx1"/>
+              </a:solidFill>
+            </a:endParaRPr>
+          </a:p>
+        </p:txBody>
+      </p:sp>
+      <p:sp>
+        <p:nvSpPr>
+          <p:cNvPr id="8" name="Curved Left Arrow 7">
+            <a:extLst>
+              <a:ext uri="{FF2B5EF4-FFF2-40B4-BE49-F238E27FC236}">
+                <a16:creationId xmlns:a16="http://schemas.microsoft.com/office/drawing/2014/main" id="{950DAA89-D419-884C-A674-6E20EECA4134}"/>
+              </a:ext>
+            </a:extLst>
+          </p:cNvPr>
+          <p:cNvSpPr/>
+          <p:nvPr/>
+        </p:nvSpPr>
+        <p:spPr>
+          <a:xfrm flipH="1">
+            <a:off x="1254035" y="1811384"/>
+            <a:ext cx="705394" cy="3383280"/>
+          </a:xfrm>
+          <a:prstGeom prst="curvedLeftArrow">
+            <a:avLst/>
+          </a:prstGeom>
+          <a:solidFill>
+            <a:srgbClr val="FFFF00"/>
+          </a:solidFill>
+        </p:spPr>
+        <p:style>
+          <a:lnRef idx="2">
+            <a:schemeClr val="accent1">
+              <a:shade val="50000"/>
+            </a:schemeClr>
+          </a:lnRef>
+          <a:fillRef idx="1">
+            <a:schemeClr val="accent1"/>
+          </a:fillRef>
+          <a:effectRef idx="0">
+            <a:schemeClr val="accent1"/>
+          </a:effectRef>
+          <a:fontRef idx="minor">
+            <a:schemeClr val="lt1"/>
+          </a:fontRef>
+        </p:style>
+        <p:txBody>
+          <a:bodyPr rtlCol="0" anchor="ctr"/>
+          <a:lstStyle/>
+          <a:p>
+            <a:pPr algn="ctr"/>
+            <a:endParaRPr lang="en-US">
+              <a:solidFill>
+                <a:schemeClr val="tx1"/>
+              </a:solidFill>
+            </a:endParaRPr>
+          </a:p>
+        </p:txBody>
+      </p:sp>
+    </p:spTree>
+    <p:extLst>
+      <p:ext uri="{BB962C8B-B14F-4D97-AF65-F5344CB8AC3E}">
+        <p14:creationId xmlns:p14="http://schemas.microsoft.com/office/powerpoint/2010/main" val="2254876587"/>
+      </p:ext>
+    </p:extLst>
+  </p:cSld>
+  <p:clrMapOvr>
+    <a:masterClrMapping/>
+  </p:clrMapOvr>
+</p:sld>
+</file>
+
+<file path=ppt/slides/slide26.xml><?xml version="1.0" encoding="utf-8"?>
+<p:sld xmlns:a="http://schemas.openxmlformats.org/drawingml/2006/main" xmlns:r="http://schemas.openxmlformats.org/officeDocument/2006/relationships" xmlns:p="http://schemas.openxmlformats.org/presentationml/2006/main">
+  <p:cSld>
+    <p:spTree>
+      <p:nvGrpSpPr>
+        <p:cNvPr id="1" name=""/>
+        <p:cNvGrpSpPr/>
+        <p:nvPr/>
+      </p:nvGrpSpPr>
+      <p:grpSpPr>
+        <a:xfrm>
+          <a:off x="0" y="0"/>
+          <a:ext cx="0" cy="0"/>
+          <a:chOff x="0" y="0"/>
+          <a:chExt cx="0" cy="0"/>
+        </a:xfrm>
+      </p:grpSpPr>
+      <p:sp>
+        <p:nvSpPr>
+          <p:cNvPr id="2" name="Rounded Rectangle 1">
+            <a:extLst>
+              <a:ext uri="{FF2B5EF4-FFF2-40B4-BE49-F238E27FC236}">
+                <a16:creationId xmlns:a16="http://schemas.microsoft.com/office/drawing/2014/main" id="{EFC47886-25FB-444D-9902-9F672C9C23B8}"/>
+              </a:ext>
+            </a:extLst>
+          </p:cNvPr>
+          <p:cNvSpPr/>
+          <p:nvPr/>
+        </p:nvSpPr>
+        <p:spPr>
+          <a:xfrm>
+            <a:off x="104503" y="844731"/>
+            <a:ext cx="2011680" cy="4911635"/>
+          </a:xfrm>
+          <a:prstGeom prst="roundRect">
+            <a:avLst/>
+          </a:prstGeom>
+        </p:spPr>
+        <p:style>
+          <a:lnRef idx="2">
+            <a:schemeClr val="accent1">
+              <a:shade val="50000"/>
+            </a:schemeClr>
+          </a:lnRef>
+          <a:fillRef idx="1">
+            <a:schemeClr val="accent1"/>
+          </a:fillRef>
+          <a:effectRef idx="0">
+            <a:schemeClr val="accent1"/>
+          </a:effectRef>
+          <a:fontRef idx="minor">
+            <a:schemeClr val="lt1"/>
+          </a:fontRef>
+        </p:style>
+        <p:txBody>
+          <a:bodyPr rtlCol="0" anchor="ctr"/>
+          <a:lstStyle/>
+          <a:p>
+            <a:pPr algn="ctr"/>
+            <a:r>
+              <a:rPr lang="en-US" dirty="0"/>
+              <a:t>Client App</a:t>
+            </a:r>
+          </a:p>
+        </p:txBody>
+      </p:sp>
+      <p:sp>
+        <p:nvSpPr>
+          <p:cNvPr id="3" name="Rectangle 2">
+            <a:extLst>
+              <a:ext uri="{FF2B5EF4-FFF2-40B4-BE49-F238E27FC236}">
+                <a16:creationId xmlns:a16="http://schemas.microsoft.com/office/drawing/2014/main" id="{3C077BD0-4EC4-CB46-B1BE-BC104907E1BA}"/>
+              </a:ext>
+            </a:extLst>
+          </p:cNvPr>
+          <p:cNvSpPr/>
+          <p:nvPr/>
+        </p:nvSpPr>
+        <p:spPr>
+          <a:xfrm>
+            <a:off x="8290560" y="783771"/>
+            <a:ext cx="2368731" cy="1654629"/>
+          </a:xfrm>
+          <a:prstGeom prst="rect">
+            <a:avLst/>
+          </a:prstGeom>
+        </p:spPr>
+        <p:style>
+          <a:lnRef idx="2">
+            <a:schemeClr val="accent1">
+              <a:shade val="50000"/>
+            </a:schemeClr>
+          </a:lnRef>
+          <a:fillRef idx="1">
+            <a:schemeClr val="accent1"/>
+          </a:fillRef>
+          <a:effectRef idx="0">
+            <a:schemeClr val="accent1"/>
+          </a:effectRef>
+          <a:fontRef idx="minor">
+            <a:schemeClr val="lt1"/>
+          </a:fontRef>
+        </p:style>
+        <p:txBody>
+          <a:bodyPr rtlCol="0" anchor="ctr"/>
+          <a:lstStyle/>
+          <a:p>
+            <a:pPr algn="ctr"/>
+            <a:r>
+              <a:rPr lang="en-US" dirty="0"/>
+              <a:t>Serv 1</a:t>
+            </a:r>
+          </a:p>
+        </p:txBody>
+      </p:sp>
+      <p:sp>
+        <p:nvSpPr>
+          <p:cNvPr id="4" name="Rectangle 3">
+            <a:extLst>
+              <a:ext uri="{FF2B5EF4-FFF2-40B4-BE49-F238E27FC236}">
+                <a16:creationId xmlns:a16="http://schemas.microsoft.com/office/drawing/2014/main" id="{A0CAC31E-F3BC-E740-9DE9-E46B770CC5DA}"/>
+              </a:ext>
+            </a:extLst>
+          </p:cNvPr>
+          <p:cNvSpPr/>
+          <p:nvPr/>
+        </p:nvSpPr>
+        <p:spPr>
+          <a:xfrm>
+            <a:off x="8290560" y="4589417"/>
+            <a:ext cx="2368731" cy="1654629"/>
+          </a:xfrm>
+          <a:prstGeom prst="rect">
+            <a:avLst/>
+          </a:prstGeom>
+        </p:spPr>
+        <p:style>
+          <a:lnRef idx="2">
+            <a:schemeClr val="accent1">
+              <a:shade val="50000"/>
+            </a:schemeClr>
+          </a:lnRef>
+          <a:fillRef idx="1">
+            <a:schemeClr val="accent1"/>
+          </a:fillRef>
+          <a:effectRef idx="0">
+            <a:schemeClr val="accent1"/>
+          </a:effectRef>
+          <a:fontRef idx="minor">
+            <a:schemeClr val="lt1"/>
+          </a:fontRef>
+        </p:style>
+        <p:txBody>
+          <a:bodyPr rtlCol="0" anchor="ctr"/>
+          <a:lstStyle/>
+          <a:p>
+            <a:pPr algn="ctr"/>
+            <a:r>
+              <a:rPr lang="en-US" dirty="0"/>
+              <a:t>Serv 2</a:t>
+            </a:r>
+          </a:p>
+        </p:txBody>
+      </p:sp>
+      <p:sp>
+        <p:nvSpPr>
+          <p:cNvPr id="5" name="TextBox 4">
+            <a:extLst>
+              <a:ext uri="{FF2B5EF4-FFF2-40B4-BE49-F238E27FC236}">
+                <a16:creationId xmlns:a16="http://schemas.microsoft.com/office/drawing/2014/main" id="{7862BF41-763D-9E47-97FB-3DEA2DE3C45A}"/>
+              </a:ext>
+            </a:extLst>
+          </p:cNvPr>
+          <p:cNvSpPr txBox="1"/>
+          <p:nvPr/>
+        </p:nvSpPr>
+        <p:spPr>
+          <a:xfrm>
+            <a:off x="418011" y="322217"/>
+            <a:ext cx="5233852" cy="369332"/>
+          </a:xfrm>
+          <a:prstGeom prst="rect">
+            <a:avLst/>
+          </a:prstGeom>
+          <a:noFill/>
+        </p:spPr>
+        <p:txBody>
+          <a:bodyPr wrap="square" rtlCol="0">
+            <a:spAutoFit/>
+          </a:bodyPr>
+          <a:lstStyle/>
+          <a:p>
+            <a:r>
+              <a:rPr lang="en-US" dirty="0"/>
+              <a:t>Promise All</a:t>
+            </a:r>
+          </a:p>
+        </p:txBody>
+      </p:sp>
+      <p:sp>
+        <p:nvSpPr>
+          <p:cNvPr id="9" name="Rounded Rectangle 8">
+            <a:extLst>
+              <a:ext uri="{FF2B5EF4-FFF2-40B4-BE49-F238E27FC236}">
+                <a16:creationId xmlns:a16="http://schemas.microsoft.com/office/drawing/2014/main" id="{D17198A0-86BF-1749-B910-E53FB47013D3}"/>
+              </a:ext>
+            </a:extLst>
+          </p:cNvPr>
+          <p:cNvSpPr/>
+          <p:nvPr/>
+        </p:nvSpPr>
+        <p:spPr>
+          <a:xfrm>
+            <a:off x="3265714" y="2595154"/>
+            <a:ext cx="2978332" cy="1824447"/>
+          </a:xfrm>
+          <a:prstGeom prst="roundRect">
+            <a:avLst/>
+          </a:prstGeom>
+        </p:spPr>
+        <p:style>
+          <a:lnRef idx="2">
+            <a:schemeClr val="accent1">
+              <a:shade val="50000"/>
+            </a:schemeClr>
+          </a:lnRef>
+          <a:fillRef idx="1">
+            <a:schemeClr val="accent1"/>
+          </a:fillRef>
+          <a:effectRef idx="0">
+            <a:schemeClr val="accent1"/>
+          </a:effectRef>
+          <a:fontRef idx="minor">
+            <a:schemeClr val="lt1"/>
+          </a:fontRef>
+        </p:style>
+        <p:txBody>
+          <a:bodyPr rtlCol="0" anchor="ctr"/>
+          <a:lstStyle/>
+          <a:p>
+            <a:pPr algn="ctr"/>
+            <a:r>
+              <a:rPr lang="en-US" dirty="0"/>
+              <a:t>Promise Container </a:t>
+            </a:r>
+          </a:p>
+        </p:txBody>
+      </p:sp>
+      <p:cxnSp>
+        <p:nvCxnSpPr>
+          <p:cNvPr id="14" name="Straight Arrow Connector 13">
+            <a:extLst>
+              <a:ext uri="{FF2B5EF4-FFF2-40B4-BE49-F238E27FC236}">
+                <a16:creationId xmlns:a16="http://schemas.microsoft.com/office/drawing/2014/main" id="{40B127CE-8F7A-A84A-9C7A-8D22276A6787}"/>
+              </a:ext>
+            </a:extLst>
+          </p:cNvPr>
+          <p:cNvCxnSpPr>
+            <a:stCxn id="9" idx="3"/>
+            <a:endCxn id="3" idx="1"/>
+          </p:cNvCxnSpPr>
+          <p:nvPr/>
+        </p:nvCxnSpPr>
+        <p:spPr>
+          <a:xfrm flipV="1">
+            <a:off x="6244046" y="1611086"/>
+            <a:ext cx="2046514" cy="1896292"/>
+          </a:xfrm>
+          <a:prstGeom prst="straightConnector1">
+            <a:avLst/>
+          </a:prstGeom>
+          <a:ln>
+            <a:tailEnd type="triangle"/>
+          </a:ln>
+        </p:spPr>
+        <p:style>
+          <a:lnRef idx="1">
+            <a:schemeClr val="accent1"/>
+          </a:lnRef>
+          <a:fillRef idx="0">
+            <a:schemeClr val="accent1"/>
+          </a:fillRef>
+          <a:effectRef idx="0">
+            <a:schemeClr val="accent1"/>
+          </a:effectRef>
+          <a:fontRef idx="minor">
+            <a:schemeClr val="tx1"/>
+          </a:fontRef>
+        </p:style>
+      </p:cxnSp>
+      <p:cxnSp>
+        <p:nvCxnSpPr>
+          <p:cNvPr id="16" name="Straight Arrow Connector 15">
+            <a:extLst>
+              <a:ext uri="{FF2B5EF4-FFF2-40B4-BE49-F238E27FC236}">
+                <a16:creationId xmlns:a16="http://schemas.microsoft.com/office/drawing/2014/main" id="{6834EE3F-AA3E-644C-A7E3-44C68EA0B8C6}"/>
+              </a:ext>
+            </a:extLst>
+          </p:cNvPr>
+          <p:cNvCxnSpPr>
+            <a:stCxn id="9" idx="3"/>
+            <a:endCxn id="4" idx="1"/>
+          </p:cNvCxnSpPr>
+          <p:nvPr/>
+        </p:nvCxnSpPr>
+        <p:spPr>
+          <a:xfrm>
+            <a:off x="6244046" y="3507378"/>
+            <a:ext cx="2046514" cy="1909354"/>
+          </a:xfrm>
+          <a:prstGeom prst="straightConnector1">
+            <a:avLst/>
+          </a:prstGeom>
+          <a:ln>
+            <a:tailEnd type="triangle"/>
+          </a:ln>
+        </p:spPr>
+        <p:style>
+          <a:lnRef idx="1">
+            <a:schemeClr val="accent1"/>
+          </a:lnRef>
+          <a:fillRef idx="0">
+            <a:schemeClr val="accent1"/>
+          </a:fillRef>
+          <a:effectRef idx="0">
+            <a:schemeClr val="accent1"/>
+          </a:effectRef>
+          <a:fontRef idx="minor">
+            <a:schemeClr val="tx1"/>
+          </a:fontRef>
+        </p:style>
+      </p:cxnSp>
+      <p:sp>
+        <p:nvSpPr>
+          <p:cNvPr id="17" name="U-turn Arrow 16">
+            <a:extLst>
+              <a:ext uri="{FF2B5EF4-FFF2-40B4-BE49-F238E27FC236}">
+                <a16:creationId xmlns:a16="http://schemas.microsoft.com/office/drawing/2014/main" id="{A29FB018-CE24-274E-AF36-361B18464602}"/>
+              </a:ext>
+            </a:extLst>
+          </p:cNvPr>
+          <p:cNvSpPr/>
+          <p:nvPr/>
+        </p:nvSpPr>
+        <p:spPr>
+          <a:xfrm>
+            <a:off x="1532709" y="2091145"/>
+            <a:ext cx="3701144" cy="694509"/>
+          </a:xfrm>
+          <a:prstGeom prst="uturnArrow">
+            <a:avLst/>
+          </a:prstGeom>
+        </p:spPr>
+        <p:style>
+          <a:lnRef idx="2">
+            <a:schemeClr val="accent1">
+              <a:shade val="50000"/>
+            </a:schemeClr>
+          </a:lnRef>
+          <a:fillRef idx="1">
+            <a:schemeClr val="accent1"/>
+          </a:fillRef>
+          <a:effectRef idx="0">
+            <a:schemeClr val="accent1"/>
+          </a:effectRef>
+          <a:fontRef idx="minor">
+            <a:schemeClr val="lt1"/>
+          </a:fontRef>
+        </p:style>
+        <p:txBody>
+          <a:bodyPr rtlCol="0" anchor="ctr"/>
+          <a:lstStyle/>
+          <a:p>
+            <a:pPr algn="ctr"/>
+            <a:endParaRPr lang="en-US">
+              <a:solidFill>
+                <a:schemeClr val="tx1"/>
+              </a:solidFill>
+            </a:endParaRPr>
+          </a:p>
+        </p:txBody>
+      </p:sp>
+      <p:sp>
+        <p:nvSpPr>
+          <p:cNvPr id="18" name="U-turn Arrow 17">
+            <a:extLst>
+              <a:ext uri="{FF2B5EF4-FFF2-40B4-BE49-F238E27FC236}">
+                <a16:creationId xmlns:a16="http://schemas.microsoft.com/office/drawing/2014/main" id="{64162230-EB14-9D48-86D5-5DF87271C55C}"/>
+              </a:ext>
+            </a:extLst>
+          </p:cNvPr>
+          <p:cNvSpPr/>
+          <p:nvPr/>
+        </p:nvSpPr>
+        <p:spPr>
+          <a:xfrm rot="10800000">
+            <a:off x="1393371" y="4391296"/>
+            <a:ext cx="3701144" cy="694509"/>
+          </a:xfrm>
+          <a:prstGeom prst="uturnArrow">
+            <a:avLst/>
+          </a:prstGeom>
+        </p:spPr>
+        <p:style>
+          <a:lnRef idx="2">
+            <a:schemeClr val="accent1">
+              <a:shade val="50000"/>
+            </a:schemeClr>
+          </a:lnRef>
+          <a:fillRef idx="1">
+            <a:schemeClr val="accent1"/>
+          </a:fillRef>
+          <a:effectRef idx="0">
+            <a:schemeClr val="accent1"/>
+          </a:effectRef>
+          <a:fontRef idx="minor">
+            <a:schemeClr val="lt1"/>
+          </a:fontRef>
+        </p:style>
+        <p:txBody>
+          <a:bodyPr rtlCol="0" anchor="ctr"/>
+          <a:lstStyle/>
+          <a:p>
+            <a:pPr algn="ctr"/>
+            <a:endParaRPr lang="en-US">
+              <a:solidFill>
+                <a:schemeClr val="tx1"/>
+              </a:solidFill>
+            </a:endParaRPr>
+          </a:p>
+        </p:txBody>
+      </p:sp>
+      <p:sp>
+        <p:nvSpPr>
+          <p:cNvPr id="19" name="TextBox 18">
+            <a:extLst>
+              <a:ext uri="{FF2B5EF4-FFF2-40B4-BE49-F238E27FC236}">
+                <a16:creationId xmlns:a16="http://schemas.microsoft.com/office/drawing/2014/main" id="{A2461EA7-010E-C94E-BD34-2BE5E0743248}"/>
+              </a:ext>
+            </a:extLst>
+          </p:cNvPr>
+          <p:cNvSpPr txBox="1"/>
+          <p:nvPr/>
+        </p:nvSpPr>
+        <p:spPr>
+          <a:xfrm>
+            <a:off x="2360023" y="1010194"/>
+            <a:ext cx="3100251" cy="646331"/>
+          </a:xfrm>
+          <a:prstGeom prst="rect">
+            <a:avLst/>
+          </a:prstGeom>
+          <a:noFill/>
+        </p:spPr>
+        <p:txBody>
+          <a:bodyPr wrap="square" rtlCol="0">
+            <a:spAutoFit/>
+          </a:bodyPr>
+          <a:lstStyle/>
+          <a:p>
+            <a:r>
+              <a:rPr lang="en-US" dirty="0"/>
+              <a:t>Client Has a </a:t>
+            </a:r>
+            <a:r>
+              <a:rPr lang="en-US"/>
+              <a:t>single Subscription </a:t>
+            </a:r>
+            <a:r>
+              <a:rPr lang="en-US" dirty="0"/>
+              <a:t>With Promise Array</a:t>
+            </a:r>
+          </a:p>
+        </p:txBody>
+      </p:sp>
+    </p:spTree>
+    <p:extLst>
+      <p:ext uri="{BB962C8B-B14F-4D97-AF65-F5344CB8AC3E}">
+        <p14:creationId xmlns:p14="http://schemas.microsoft.com/office/powerpoint/2010/main" val="952638276"/>
+      </p:ext>
+    </p:extLst>
+  </p:cSld>
+  <p:clrMapOvr>
+    <a:masterClrMapping/>
+  </p:clrMapOvr>
+</p:sld>
+</file>
+
+<file path=ppt/slides/slide27.xml><?xml version="1.0" encoding="utf-8"?>
+<p:sld xmlns:a="http://schemas.openxmlformats.org/drawingml/2006/main" xmlns:r="http://schemas.openxmlformats.org/officeDocument/2006/relationships" xmlns:p="http://schemas.openxmlformats.org/presentationml/2006/main">
+  <p:cSld>
+    <p:spTree>
+      <p:nvGrpSpPr>
+        <p:cNvPr id="1" name=""/>
+        <p:cNvGrpSpPr/>
+        <p:nvPr/>
+      </p:nvGrpSpPr>
+      <p:grpSpPr>
+        <a:xfrm>
+          <a:off x="0" y="0"/>
+          <a:ext cx="0" cy="0"/>
+          <a:chOff x="0" y="0"/>
+          <a:chExt cx="0" cy="0"/>
+        </a:xfrm>
+      </p:grpSpPr>
+      <p:sp>
+        <p:nvSpPr>
+          <p:cNvPr id="2" name="Rectangle 1">
+            <a:extLst>
+              <a:ext uri="{FF2B5EF4-FFF2-40B4-BE49-F238E27FC236}">
+                <a16:creationId xmlns:a16="http://schemas.microsoft.com/office/drawing/2014/main" id="{6194C267-9F0F-B64A-B129-ACD2D68F2F0B}"/>
+              </a:ext>
+            </a:extLst>
+          </p:cNvPr>
+          <p:cNvSpPr/>
+          <p:nvPr/>
+        </p:nvSpPr>
+        <p:spPr>
+          <a:xfrm>
+            <a:off x="513807" y="653144"/>
+            <a:ext cx="11312434" cy="5913120"/>
+          </a:xfrm>
+          <a:prstGeom prst="rect">
+            <a:avLst/>
+          </a:prstGeom>
+        </p:spPr>
+        <p:style>
+          <a:lnRef idx="2">
+            <a:schemeClr val="accent6"/>
+          </a:lnRef>
+          <a:fillRef idx="1">
+            <a:schemeClr val="lt1"/>
+          </a:fillRef>
+          <a:effectRef idx="0">
+            <a:schemeClr val="accent6"/>
+          </a:effectRef>
+          <a:fontRef idx="minor">
+            <a:schemeClr val="dk1"/>
+          </a:fontRef>
+        </p:style>
+        <p:txBody>
+          <a:bodyPr rtlCol="0" anchor="ctr"/>
+          <a:lstStyle/>
+          <a:p>
+            <a:pPr algn="ctr"/>
+            <a:endParaRPr lang="en-US"/>
+          </a:p>
+        </p:txBody>
+      </p:sp>
+      <p:sp>
+        <p:nvSpPr>
+          <p:cNvPr id="3" name="TextBox 2">
+            <a:extLst>
+              <a:ext uri="{FF2B5EF4-FFF2-40B4-BE49-F238E27FC236}">
+                <a16:creationId xmlns:a16="http://schemas.microsoft.com/office/drawing/2014/main" id="{B593F31B-C4AC-B445-B751-93A44625C9E5}"/>
+              </a:ext>
+            </a:extLst>
+          </p:cNvPr>
+          <p:cNvSpPr txBox="1"/>
+          <p:nvPr/>
+        </p:nvSpPr>
+        <p:spPr>
+          <a:xfrm>
+            <a:off x="4249783" y="113211"/>
+            <a:ext cx="3849188" cy="369332"/>
+          </a:xfrm>
+          <a:prstGeom prst="rect">
+            <a:avLst/>
+          </a:prstGeom>
+          <a:noFill/>
+        </p:spPr>
+        <p:txBody>
+          <a:bodyPr wrap="square" rtlCol="0">
+            <a:spAutoFit/>
+          </a:bodyPr>
+          <a:lstStyle/>
+          <a:p>
+            <a:r>
+              <a:rPr lang="en-US" dirty="0"/>
+              <a:t>Browser</a:t>
+            </a:r>
+          </a:p>
+        </p:txBody>
+      </p:sp>
+      <p:sp>
+        <p:nvSpPr>
+          <p:cNvPr id="4" name="Rectangle 3">
+            <a:extLst>
+              <a:ext uri="{FF2B5EF4-FFF2-40B4-BE49-F238E27FC236}">
+                <a16:creationId xmlns:a16="http://schemas.microsoft.com/office/drawing/2014/main" id="{67D4E4FE-4BF4-9C4A-8CE4-581D21E99392}"/>
+              </a:ext>
+            </a:extLst>
+          </p:cNvPr>
+          <p:cNvSpPr/>
+          <p:nvPr/>
+        </p:nvSpPr>
+        <p:spPr>
+          <a:xfrm>
+            <a:off x="801189" y="984069"/>
+            <a:ext cx="10763795" cy="5425440"/>
+          </a:xfrm>
+          <a:prstGeom prst="rect">
+            <a:avLst/>
+          </a:prstGeom>
+        </p:spPr>
+        <p:style>
+          <a:lnRef idx="1">
+            <a:schemeClr val="accent2"/>
+          </a:lnRef>
+          <a:fillRef idx="2">
+            <a:schemeClr val="accent2"/>
+          </a:fillRef>
+          <a:effectRef idx="1">
+            <a:schemeClr val="accent2"/>
+          </a:effectRef>
+          <a:fontRef idx="minor">
+            <a:schemeClr val="dk1"/>
+          </a:fontRef>
+        </p:style>
+        <p:txBody>
+          <a:bodyPr rtlCol="0" anchor="ctr"/>
+          <a:lstStyle/>
+          <a:p>
+            <a:pPr algn="ctr"/>
+            <a:endParaRPr lang="en-US"/>
+          </a:p>
+        </p:txBody>
+      </p:sp>
+      <p:sp>
+        <p:nvSpPr>
+          <p:cNvPr id="5" name="TextBox 4">
+            <a:extLst>
+              <a:ext uri="{FF2B5EF4-FFF2-40B4-BE49-F238E27FC236}">
+                <a16:creationId xmlns:a16="http://schemas.microsoft.com/office/drawing/2014/main" id="{FAD27B19-FF50-7842-B9C4-A8BA01CDCCAF}"/>
+              </a:ext>
+            </a:extLst>
+          </p:cNvPr>
+          <p:cNvSpPr txBox="1"/>
+          <p:nvPr/>
+        </p:nvSpPr>
+        <p:spPr>
+          <a:xfrm>
+            <a:off x="4545874" y="1088571"/>
+            <a:ext cx="3396343" cy="369332"/>
+          </a:xfrm>
+          <a:prstGeom prst="rect">
+            <a:avLst/>
+          </a:prstGeom>
+          <a:noFill/>
+        </p:spPr>
+        <p:txBody>
+          <a:bodyPr wrap="square" rtlCol="0">
+            <a:spAutoFit/>
+          </a:bodyPr>
+          <a:lstStyle/>
+          <a:p>
+            <a:r>
+              <a:rPr lang="en-US" dirty="0"/>
+              <a:t>Parent Component</a:t>
+            </a:r>
+          </a:p>
+        </p:txBody>
+      </p:sp>
+      <p:sp>
+        <p:nvSpPr>
+          <p:cNvPr id="6" name="Rectangle 5">
+            <a:extLst>
+              <a:ext uri="{FF2B5EF4-FFF2-40B4-BE49-F238E27FC236}">
+                <a16:creationId xmlns:a16="http://schemas.microsoft.com/office/drawing/2014/main" id="{77022FFA-9772-354E-84BF-C58E9ED6E2AF}"/>
+              </a:ext>
+            </a:extLst>
+          </p:cNvPr>
+          <p:cNvSpPr/>
+          <p:nvPr/>
+        </p:nvSpPr>
+        <p:spPr>
+          <a:xfrm>
+            <a:off x="914400" y="1652451"/>
+            <a:ext cx="2194560" cy="1776549"/>
+          </a:xfrm>
+          <a:prstGeom prst="rect">
+            <a:avLst/>
+          </a:prstGeom>
+        </p:spPr>
+        <p:style>
+          <a:lnRef idx="2">
+            <a:schemeClr val="accent1">
+              <a:shade val="50000"/>
+            </a:schemeClr>
+          </a:lnRef>
+          <a:fillRef idx="1">
+            <a:schemeClr val="accent1"/>
+          </a:fillRef>
+          <a:effectRef idx="0">
+            <a:schemeClr val="accent1"/>
+          </a:effectRef>
+          <a:fontRef idx="minor">
+            <a:schemeClr val="lt1"/>
+          </a:fontRef>
+        </p:style>
+        <p:txBody>
+          <a:bodyPr rtlCol="0" anchor="ctr"/>
+          <a:lstStyle/>
+          <a:p>
+            <a:pPr algn="ctr"/>
+            <a:r>
+              <a:rPr lang="en-US" dirty="0"/>
+              <a:t>Component 1</a:t>
+            </a:r>
+          </a:p>
+          <a:p>
+            <a:pPr algn="ctr"/>
+            <a:r>
+              <a:rPr lang="en-US" dirty="0"/>
+              <a:t>Props from parent</a:t>
+            </a:r>
+          </a:p>
+          <a:p>
+            <a:pPr algn="ctr"/>
+            <a:r>
+              <a:rPr lang="en-US" dirty="0"/>
+              <a:t>Rendering</a:t>
+            </a:r>
+          </a:p>
+        </p:txBody>
+      </p:sp>
+      <p:sp>
+        <p:nvSpPr>
+          <p:cNvPr id="7" name="Rectangle 6">
+            <a:extLst>
+              <a:ext uri="{FF2B5EF4-FFF2-40B4-BE49-F238E27FC236}">
+                <a16:creationId xmlns:a16="http://schemas.microsoft.com/office/drawing/2014/main" id="{9BC83821-0290-714B-92C9-3483D662E6B0}"/>
+              </a:ext>
+            </a:extLst>
+          </p:cNvPr>
+          <p:cNvSpPr/>
+          <p:nvPr/>
+        </p:nvSpPr>
+        <p:spPr>
+          <a:xfrm>
+            <a:off x="3749040" y="1652451"/>
+            <a:ext cx="2194560" cy="1776549"/>
+          </a:xfrm>
+          <a:prstGeom prst="rect">
+            <a:avLst/>
+          </a:prstGeom>
+        </p:spPr>
+        <p:style>
+          <a:lnRef idx="2">
+            <a:schemeClr val="accent1">
+              <a:shade val="50000"/>
+            </a:schemeClr>
+          </a:lnRef>
+          <a:fillRef idx="1">
+            <a:schemeClr val="accent1"/>
+          </a:fillRef>
+          <a:effectRef idx="0">
+            <a:schemeClr val="accent1"/>
+          </a:effectRef>
+          <a:fontRef idx="minor">
+            <a:schemeClr val="lt1"/>
+          </a:fontRef>
+        </p:style>
+        <p:txBody>
+          <a:bodyPr rtlCol="0" anchor="ctr"/>
+          <a:lstStyle/>
+          <a:p>
+            <a:pPr algn="ctr"/>
+            <a:r>
+              <a:rPr lang="en-US" dirty="0"/>
+              <a:t>Component 2</a:t>
+            </a:r>
+          </a:p>
+          <a:p>
+            <a:pPr algn="ctr"/>
+            <a:r>
+              <a:rPr lang="en-US" dirty="0"/>
+              <a:t>Props from parent</a:t>
+            </a:r>
+          </a:p>
+          <a:p>
+            <a:pPr algn="ctr"/>
+            <a:r>
+              <a:rPr lang="en-US" dirty="0"/>
+              <a:t>Rendering</a:t>
+            </a:r>
+          </a:p>
+        </p:txBody>
+      </p:sp>
+      <p:sp>
+        <p:nvSpPr>
+          <p:cNvPr id="8" name="Rectangle 7">
+            <a:extLst>
+              <a:ext uri="{FF2B5EF4-FFF2-40B4-BE49-F238E27FC236}">
+                <a16:creationId xmlns:a16="http://schemas.microsoft.com/office/drawing/2014/main" id="{D38D8478-EC42-9947-A015-C8ACE80A5752}"/>
+              </a:ext>
+            </a:extLst>
+          </p:cNvPr>
+          <p:cNvSpPr/>
+          <p:nvPr/>
+        </p:nvSpPr>
+        <p:spPr>
+          <a:xfrm>
+            <a:off x="6736082" y="1652451"/>
+            <a:ext cx="2194560" cy="1776549"/>
+          </a:xfrm>
+          <a:prstGeom prst="rect">
+            <a:avLst/>
+          </a:prstGeom>
+        </p:spPr>
+        <p:style>
+          <a:lnRef idx="2">
+            <a:schemeClr val="accent1">
+              <a:shade val="50000"/>
+            </a:schemeClr>
+          </a:lnRef>
+          <a:fillRef idx="1">
+            <a:schemeClr val="accent1"/>
+          </a:fillRef>
+          <a:effectRef idx="0">
+            <a:schemeClr val="accent1"/>
+          </a:effectRef>
+          <a:fontRef idx="minor">
+            <a:schemeClr val="lt1"/>
+          </a:fontRef>
+        </p:style>
+        <p:txBody>
+          <a:bodyPr rtlCol="0" anchor="ctr"/>
+          <a:lstStyle/>
+          <a:p>
+            <a:pPr algn="ctr"/>
+            <a:r>
+              <a:rPr lang="en-US" dirty="0"/>
+              <a:t>Component 3</a:t>
+            </a:r>
+          </a:p>
+          <a:p>
+            <a:pPr algn="ctr"/>
+            <a:r>
+              <a:rPr lang="en-US" dirty="0"/>
+              <a:t>Props from parent</a:t>
+            </a:r>
+          </a:p>
+          <a:p>
+            <a:pPr algn="ctr"/>
+            <a:r>
+              <a:rPr lang="en-US" dirty="0"/>
+              <a:t>Rendering</a:t>
+            </a:r>
+          </a:p>
+        </p:txBody>
+      </p:sp>
+      <p:sp>
+        <p:nvSpPr>
+          <p:cNvPr id="9" name="Rectangle 8">
+            <a:extLst>
+              <a:ext uri="{FF2B5EF4-FFF2-40B4-BE49-F238E27FC236}">
+                <a16:creationId xmlns:a16="http://schemas.microsoft.com/office/drawing/2014/main" id="{56CA31CF-6E05-8C4A-92D4-A26B887014FE}"/>
+              </a:ext>
+            </a:extLst>
+          </p:cNvPr>
+          <p:cNvSpPr/>
+          <p:nvPr/>
+        </p:nvSpPr>
+        <p:spPr>
+          <a:xfrm>
+            <a:off x="2351314" y="4182291"/>
+            <a:ext cx="2194560" cy="1776549"/>
+          </a:xfrm>
+          <a:prstGeom prst="rect">
+            <a:avLst/>
+          </a:prstGeom>
+        </p:spPr>
+        <p:style>
+          <a:lnRef idx="2">
+            <a:schemeClr val="accent1">
+              <a:shade val="50000"/>
+            </a:schemeClr>
+          </a:lnRef>
+          <a:fillRef idx="1">
+            <a:schemeClr val="accent1"/>
+          </a:fillRef>
+          <a:effectRef idx="0">
+            <a:schemeClr val="accent1"/>
+          </a:effectRef>
+          <a:fontRef idx="minor">
+            <a:schemeClr val="lt1"/>
+          </a:fontRef>
+        </p:style>
+        <p:txBody>
+          <a:bodyPr rtlCol="0" anchor="ctr"/>
+          <a:lstStyle/>
+          <a:p>
+            <a:pPr algn="ctr"/>
+            <a:r>
+              <a:rPr lang="en-US" dirty="0"/>
+              <a:t>Component 4</a:t>
+            </a:r>
+          </a:p>
+          <a:p>
+            <a:pPr algn="ctr"/>
+            <a:r>
+              <a:rPr lang="en-US" dirty="0"/>
+              <a:t>Props from parent</a:t>
+            </a:r>
+          </a:p>
+          <a:p>
+            <a:pPr algn="ctr"/>
+            <a:r>
+              <a:rPr lang="en-US" dirty="0"/>
+              <a:t>Rendering</a:t>
+            </a:r>
+          </a:p>
+        </p:txBody>
+      </p:sp>
+      <p:sp>
+        <p:nvSpPr>
+          <p:cNvPr id="10" name="Rectangle 9">
+            <a:extLst>
+              <a:ext uri="{FF2B5EF4-FFF2-40B4-BE49-F238E27FC236}">
+                <a16:creationId xmlns:a16="http://schemas.microsoft.com/office/drawing/2014/main" id="{D16DBF41-4B63-7D4E-9CA5-833B4D4A55C9}"/>
+              </a:ext>
+            </a:extLst>
+          </p:cNvPr>
+          <p:cNvSpPr/>
+          <p:nvPr/>
+        </p:nvSpPr>
+        <p:spPr>
+          <a:xfrm>
+            <a:off x="5682345" y="4182290"/>
+            <a:ext cx="2194560" cy="1776549"/>
+          </a:xfrm>
+          <a:prstGeom prst="rect">
+            <a:avLst/>
+          </a:prstGeom>
+        </p:spPr>
+        <p:style>
+          <a:lnRef idx="2">
+            <a:schemeClr val="accent1">
+              <a:shade val="50000"/>
+            </a:schemeClr>
+          </a:lnRef>
+          <a:fillRef idx="1">
+            <a:schemeClr val="accent1"/>
+          </a:fillRef>
+          <a:effectRef idx="0">
+            <a:schemeClr val="accent1"/>
+          </a:effectRef>
+          <a:fontRef idx="minor">
+            <a:schemeClr val="lt1"/>
+          </a:fontRef>
+        </p:style>
+        <p:txBody>
+          <a:bodyPr rtlCol="0" anchor="ctr"/>
+          <a:lstStyle/>
+          <a:p>
+            <a:pPr algn="ctr"/>
+            <a:r>
+              <a:rPr lang="en-US" dirty="0"/>
+              <a:t>Component 5</a:t>
+            </a:r>
+          </a:p>
+          <a:p>
+            <a:pPr algn="ctr"/>
+            <a:r>
+              <a:rPr lang="en-US" dirty="0"/>
+              <a:t>Props from parent</a:t>
+            </a:r>
+          </a:p>
+          <a:p>
+            <a:pPr algn="ctr"/>
+            <a:r>
+              <a:rPr lang="en-US" dirty="0"/>
+              <a:t>Rendering</a:t>
+            </a:r>
+          </a:p>
+        </p:txBody>
+      </p:sp>
+      <p:sp>
+        <p:nvSpPr>
+          <p:cNvPr id="11" name="&quot;No&quot; Symbol 10">
+            <a:extLst>
+              <a:ext uri="{FF2B5EF4-FFF2-40B4-BE49-F238E27FC236}">
+                <a16:creationId xmlns:a16="http://schemas.microsoft.com/office/drawing/2014/main" id="{1FDAC5C0-C99D-894E-98B9-20AE6F63E0BA}"/>
+              </a:ext>
+            </a:extLst>
+          </p:cNvPr>
+          <p:cNvSpPr/>
+          <p:nvPr/>
+        </p:nvSpPr>
+        <p:spPr>
+          <a:xfrm>
+            <a:off x="2394857" y="3944983"/>
+            <a:ext cx="1854926" cy="2109652"/>
+          </a:xfrm>
+          <a:prstGeom prst="noSmoking">
+            <a:avLst/>
+          </a:prstGeom>
+          <a:solidFill>
+            <a:schemeClr val="accent2"/>
+          </a:solidFill>
+        </p:spPr>
+        <p:style>
+          <a:lnRef idx="2">
+            <a:schemeClr val="accent1">
+              <a:shade val="50000"/>
+            </a:schemeClr>
+          </a:lnRef>
+          <a:fillRef idx="1">
+            <a:schemeClr val="accent1"/>
+          </a:fillRef>
+          <a:effectRef idx="0">
+            <a:schemeClr val="accent1"/>
+          </a:effectRef>
+          <a:fontRef idx="minor">
+            <a:schemeClr val="lt1"/>
+          </a:fontRef>
+        </p:style>
+        <p:txBody>
+          <a:bodyPr rtlCol="0" anchor="ctr"/>
+          <a:lstStyle/>
+          <a:p>
+            <a:pPr algn="ctr"/>
+            <a:endParaRPr lang="en-US">
+              <a:solidFill>
+                <a:schemeClr val="tx1"/>
+              </a:solidFill>
+            </a:endParaRPr>
+          </a:p>
+        </p:txBody>
+      </p:sp>
+    </p:spTree>
+    <p:extLst>
+      <p:ext uri="{BB962C8B-B14F-4D97-AF65-F5344CB8AC3E}">
+        <p14:creationId xmlns:p14="http://schemas.microsoft.com/office/powerpoint/2010/main" val="1636766033"/>
+      </p:ext>
+    </p:extLst>
+  </p:cSld>
+  <p:clrMapOvr>
+    <a:masterClrMapping/>
+  </p:clrMapOvr>
+</p:sld>
+</file>
+
+<file path=ppt/slides/slide28.xml><?xml version="1.0" encoding="utf-8"?>
+<p:sld xmlns:a="http://schemas.openxmlformats.org/drawingml/2006/main" xmlns:r="http://schemas.openxmlformats.org/officeDocument/2006/relationships" xmlns:p="http://schemas.openxmlformats.org/presentationml/2006/main">
+  <p:cSld>
+    <p:spTree>
+      <p:nvGrpSpPr>
+        <p:cNvPr id="1" name=""/>
+        <p:cNvGrpSpPr/>
+        <p:nvPr/>
+      </p:nvGrpSpPr>
+      <p:grpSpPr>
+        <a:xfrm>
+          <a:off x="0" y="0"/>
+          <a:ext cx="0" cy="0"/>
+          <a:chOff x="0" y="0"/>
+          <a:chExt cx="0" cy="0"/>
+        </a:xfrm>
+      </p:grpSpPr>
+      <p:sp>
+        <p:nvSpPr>
+          <p:cNvPr id="2" name="Rectangle 1">
+            <a:extLst>
+              <a:ext uri="{FF2B5EF4-FFF2-40B4-BE49-F238E27FC236}">
+                <a16:creationId xmlns:a16="http://schemas.microsoft.com/office/drawing/2014/main" id="{6194C267-9F0F-B64A-B129-ACD2D68F2F0B}"/>
+              </a:ext>
+            </a:extLst>
+          </p:cNvPr>
+          <p:cNvSpPr/>
+          <p:nvPr/>
+        </p:nvSpPr>
+        <p:spPr>
+          <a:xfrm>
+            <a:off x="513807" y="653144"/>
+            <a:ext cx="11312434" cy="5913120"/>
+          </a:xfrm>
+          <a:prstGeom prst="rect">
+            <a:avLst/>
+          </a:prstGeom>
+        </p:spPr>
+        <p:style>
+          <a:lnRef idx="2">
+            <a:schemeClr val="accent6"/>
+          </a:lnRef>
+          <a:fillRef idx="1">
+            <a:schemeClr val="lt1"/>
+          </a:fillRef>
+          <a:effectRef idx="0">
+            <a:schemeClr val="accent6"/>
+          </a:effectRef>
+          <a:fontRef idx="minor">
+            <a:schemeClr val="dk1"/>
+          </a:fontRef>
+        </p:style>
+        <p:txBody>
+          <a:bodyPr rtlCol="0" anchor="ctr"/>
+          <a:lstStyle/>
+          <a:p>
+            <a:pPr algn="ctr"/>
+            <a:endParaRPr lang="en-US"/>
+          </a:p>
+        </p:txBody>
+      </p:sp>
+      <p:sp>
+        <p:nvSpPr>
+          <p:cNvPr id="3" name="TextBox 2">
+            <a:extLst>
+              <a:ext uri="{FF2B5EF4-FFF2-40B4-BE49-F238E27FC236}">
+                <a16:creationId xmlns:a16="http://schemas.microsoft.com/office/drawing/2014/main" id="{B593F31B-C4AC-B445-B751-93A44625C9E5}"/>
+              </a:ext>
+            </a:extLst>
+          </p:cNvPr>
+          <p:cNvSpPr txBox="1"/>
+          <p:nvPr/>
+        </p:nvSpPr>
+        <p:spPr>
+          <a:xfrm>
+            <a:off x="4249783" y="113211"/>
+            <a:ext cx="3849188" cy="369332"/>
+          </a:xfrm>
+          <a:prstGeom prst="rect">
+            <a:avLst/>
+          </a:prstGeom>
+          <a:noFill/>
+        </p:spPr>
+        <p:txBody>
+          <a:bodyPr wrap="square" rtlCol="0">
+            <a:spAutoFit/>
+          </a:bodyPr>
+          <a:lstStyle/>
+          <a:p>
+            <a:r>
+              <a:rPr lang="en-US" dirty="0"/>
+              <a:t>Browser</a:t>
+            </a:r>
+          </a:p>
+        </p:txBody>
+      </p:sp>
+      <p:sp>
+        <p:nvSpPr>
+          <p:cNvPr id="4" name="Rectangle 3">
+            <a:extLst>
+              <a:ext uri="{FF2B5EF4-FFF2-40B4-BE49-F238E27FC236}">
+                <a16:creationId xmlns:a16="http://schemas.microsoft.com/office/drawing/2014/main" id="{67D4E4FE-4BF4-9C4A-8CE4-581D21E99392}"/>
+              </a:ext>
+            </a:extLst>
+          </p:cNvPr>
+          <p:cNvSpPr/>
+          <p:nvPr/>
+        </p:nvSpPr>
+        <p:spPr>
+          <a:xfrm>
+            <a:off x="801189" y="984069"/>
+            <a:ext cx="10763795" cy="5425440"/>
+          </a:xfrm>
+          <a:prstGeom prst="rect">
+            <a:avLst/>
+          </a:prstGeom>
+        </p:spPr>
+        <p:style>
+          <a:lnRef idx="1">
+            <a:schemeClr val="accent2"/>
+          </a:lnRef>
+          <a:fillRef idx="2">
+            <a:schemeClr val="accent2"/>
+          </a:fillRef>
+          <a:effectRef idx="1">
+            <a:schemeClr val="accent2"/>
+          </a:effectRef>
+          <a:fontRef idx="minor">
+            <a:schemeClr val="dk1"/>
+          </a:fontRef>
+        </p:style>
+        <p:txBody>
+          <a:bodyPr rtlCol="0" anchor="ctr"/>
+          <a:lstStyle/>
+          <a:p>
+            <a:pPr algn="ctr"/>
+            <a:endParaRPr lang="en-US"/>
+          </a:p>
+        </p:txBody>
+      </p:sp>
+      <p:sp>
+        <p:nvSpPr>
+          <p:cNvPr id="5" name="TextBox 4">
+            <a:extLst>
+              <a:ext uri="{FF2B5EF4-FFF2-40B4-BE49-F238E27FC236}">
+                <a16:creationId xmlns:a16="http://schemas.microsoft.com/office/drawing/2014/main" id="{FAD27B19-FF50-7842-B9C4-A8BA01CDCCAF}"/>
+              </a:ext>
+            </a:extLst>
+          </p:cNvPr>
+          <p:cNvSpPr txBox="1"/>
+          <p:nvPr/>
+        </p:nvSpPr>
+        <p:spPr>
+          <a:xfrm>
+            <a:off x="4545874" y="1088571"/>
+            <a:ext cx="3396343" cy="369332"/>
+          </a:xfrm>
+          <a:prstGeom prst="rect">
+            <a:avLst/>
+          </a:prstGeom>
+          <a:noFill/>
+        </p:spPr>
+        <p:txBody>
+          <a:bodyPr wrap="square" rtlCol="0">
+            <a:spAutoFit/>
+          </a:bodyPr>
+          <a:lstStyle/>
+          <a:p>
+            <a:r>
+              <a:rPr lang="en-US" dirty="0"/>
+              <a:t>Parent Component</a:t>
+            </a:r>
+          </a:p>
+        </p:txBody>
+      </p:sp>
+      <p:sp>
+        <p:nvSpPr>
+          <p:cNvPr id="12" name="Rectangle 11">
+            <a:extLst>
+              <a:ext uri="{FF2B5EF4-FFF2-40B4-BE49-F238E27FC236}">
+                <a16:creationId xmlns:a16="http://schemas.microsoft.com/office/drawing/2014/main" id="{95998FAF-B467-1C4D-A59B-F3E4DC205AE0}"/>
+              </a:ext>
+            </a:extLst>
+          </p:cNvPr>
+          <p:cNvSpPr/>
+          <p:nvPr/>
+        </p:nvSpPr>
+        <p:spPr>
+          <a:xfrm>
+            <a:off x="1275805" y="1504404"/>
+            <a:ext cx="9936480" cy="4700452"/>
+          </a:xfrm>
+          <a:prstGeom prst="rect">
+            <a:avLst/>
+          </a:prstGeom>
+          <a:solidFill>
+            <a:schemeClr val="tx1">
+              <a:lumMod val="85000"/>
+              <a:lumOff val="15000"/>
+            </a:schemeClr>
+          </a:solidFill>
+        </p:spPr>
+        <p:style>
+          <a:lnRef idx="2">
+            <a:schemeClr val="accent1">
+              <a:shade val="50000"/>
+            </a:schemeClr>
+          </a:lnRef>
+          <a:fillRef idx="1">
+            <a:schemeClr val="accent1"/>
+          </a:fillRef>
+          <a:effectRef idx="0">
+            <a:schemeClr val="accent1"/>
+          </a:effectRef>
+          <a:fontRef idx="minor">
+            <a:schemeClr val="lt1"/>
+          </a:fontRef>
+        </p:style>
+        <p:txBody>
+          <a:bodyPr rtlCol="0" anchor="ctr"/>
+          <a:lstStyle/>
+          <a:p>
+            <a:pPr algn="ctr"/>
+            <a:endParaRPr lang="en-US"/>
+          </a:p>
+        </p:txBody>
+      </p:sp>
+      <p:sp>
+        <p:nvSpPr>
+          <p:cNvPr id="13" name="Rectangle 12">
+            <a:extLst>
+              <a:ext uri="{FF2B5EF4-FFF2-40B4-BE49-F238E27FC236}">
+                <a16:creationId xmlns:a16="http://schemas.microsoft.com/office/drawing/2014/main" id="{8094CDD6-759E-A64B-8292-B77F59CE4678}"/>
+              </a:ext>
+            </a:extLst>
+          </p:cNvPr>
+          <p:cNvSpPr/>
+          <p:nvPr/>
+        </p:nvSpPr>
+        <p:spPr>
+          <a:xfrm>
+            <a:off x="2291440" y="1685500"/>
+            <a:ext cx="2194560" cy="1776549"/>
+          </a:xfrm>
+          <a:prstGeom prst="rect">
+            <a:avLst/>
+          </a:prstGeom>
+        </p:spPr>
+        <p:style>
+          <a:lnRef idx="2">
+            <a:schemeClr val="accent1">
+              <a:shade val="50000"/>
+            </a:schemeClr>
+          </a:lnRef>
+          <a:fillRef idx="1">
+            <a:schemeClr val="accent1"/>
+          </a:fillRef>
+          <a:effectRef idx="0">
+            <a:schemeClr val="accent1"/>
+          </a:effectRef>
+          <a:fontRef idx="minor">
+            <a:schemeClr val="lt1"/>
+          </a:fontRef>
+        </p:style>
+        <p:txBody>
+          <a:bodyPr rtlCol="0" anchor="ctr"/>
+          <a:lstStyle/>
+          <a:p>
+            <a:pPr algn="ctr"/>
+            <a:r>
+              <a:rPr lang="en-US" dirty="0"/>
+              <a:t>Component 1</a:t>
+            </a:r>
+          </a:p>
+          <a:p>
+            <a:pPr algn="ctr"/>
+            <a:r>
+              <a:rPr lang="en-US" dirty="0"/>
+              <a:t>Props from parent</a:t>
+            </a:r>
+          </a:p>
+          <a:p>
+            <a:pPr algn="ctr"/>
+            <a:r>
+              <a:rPr lang="en-US" dirty="0"/>
+              <a:t>Rendering</a:t>
+            </a:r>
+          </a:p>
+        </p:txBody>
+      </p:sp>
+      <p:sp>
+        <p:nvSpPr>
+          <p:cNvPr id="14" name="Rectangle 13">
+            <a:extLst>
+              <a:ext uri="{FF2B5EF4-FFF2-40B4-BE49-F238E27FC236}">
+                <a16:creationId xmlns:a16="http://schemas.microsoft.com/office/drawing/2014/main" id="{9120B252-F5EC-4A40-B3A4-E66B3897A422}"/>
+              </a:ext>
+            </a:extLst>
+          </p:cNvPr>
+          <p:cNvSpPr/>
+          <p:nvPr/>
+        </p:nvSpPr>
+        <p:spPr>
+          <a:xfrm>
+            <a:off x="5245824" y="1898077"/>
+            <a:ext cx="2194560" cy="1776549"/>
+          </a:xfrm>
+          <a:prstGeom prst="rect">
+            <a:avLst/>
+          </a:prstGeom>
+        </p:spPr>
+        <p:style>
+          <a:lnRef idx="2">
+            <a:schemeClr val="accent1">
+              <a:shade val="50000"/>
+            </a:schemeClr>
+          </a:lnRef>
+          <a:fillRef idx="1">
+            <a:schemeClr val="accent1"/>
+          </a:fillRef>
+          <a:effectRef idx="0">
+            <a:schemeClr val="accent1"/>
+          </a:effectRef>
+          <a:fontRef idx="minor">
+            <a:schemeClr val="lt1"/>
+          </a:fontRef>
+        </p:style>
+        <p:txBody>
+          <a:bodyPr rtlCol="0" anchor="ctr"/>
+          <a:lstStyle/>
+          <a:p>
+            <a:pPr algn="ctr"/>
+            <a:r>
+              <a:rPr lang="en-US" dirty="0"/>
+              <a:t>Component 2</a:t>
+            </a:r>
+          </a:p>
+          <a:p>
+            <a:pPr algn="ctr"/>
+            <a:r>
+              <a:rPr lang="en-US" dirty="0"/>
+              <a:t>Props from parent</a:t>
+            </a:r>
+          </a:p>
+          <a:p>
+            <a:pPr algn="ctr"/>
+            <a:r>
+              <a:rPr lang="en-US" dirty="0"/>
+              <a:t>Rendering</a:t>
+            </a:r>
+          </a:p>
+        </p:txBody>
+      </p:sp>
+      <p:sp>
+        <p:nvSpPr>
+          <p:cNvPr id="15" name="Rectangle 14">
+            <a:extLst>
+              <a:ext uri="{FF2B5EF4-FFF2-40B4-BE49-F238E27FC236}">
+                <a16:creationId xmlns:a16="http://schemas.microsoft.com/office/drawing/2014/main" id="{4990C228-C164-674D-97F7-99F92C0B3D0A}"/>
+              </a:ext>
+            </a:extLst>
+          </p:cNvPr>
+          <p:cNvSpPr/>
+          <p:nvPr/>
+        </p:nvSpPr>
+        <p:spPr>
+          <a:xfrm>
+            <a:off x="7936774" y="1953289"/>
+            <a:ext cx="2194560" cy="1776549"/>
+          </a:xfrm>
+          <a:prstGeom prst="rect">
+            <a:avLst/>
+          </a:prstGeom>
+        </p:spPr>
+        <p:style>
+          <a:lnRef idx="2">
+            <a:schemeClr val="accent1">
+              <a:shade val="50000"/>
+            </a:schemeClr>
+          </a:lnRef>
+          <a:fillRef idx="1">
+            <a:schemeClr val="accent1"/>
+          </a:fillRef>
+          <a:effectRef idx="0">
+            <a:schemeClr val="accent1"/>
+          </a:effectRef>
+          <a:fontRef idx="minor">
+            <a:schemeClr val="lt1"/>
+          </a:fontRef>
+        </p:style>
+        <p:txBody>
+          <a:bodyPr rtlCol="0" anchor="ctr"/>
+          <a:lstStyle/>
+          <a:p>
+            <a:pPr algn="ctr"/>
+            <a:r>
+              <a:rPr lang="en-US" dirty="0"/>
+              <a:t>Component 3</a:t>
+            </a:r>
+          </a:p>
+          <a:p>
+            <a:pPr algn="ctr"/>
+            <a:r>
+              <a:rPr lang="en-US" dirty="0"/>
+              <a:t>Props from parent</a:t>
+            </a:r>
+          </a:p>
+          <a:p>
+            <a:pPr algn="ctr"/>
+            <a:r>
+              <a:rPr lang="en-US" dirty="0"/>
+              <a:t>Rendering</a:t>
+            </a:r>
+          </a:p>
+        </p:txBody>
+      </p:sp>
+      <p:sp>
+        <p:nvSpPr>
+          <p:cNvPr id="16" name="Rectangle 15">
+            <a:extLst>
+              <a:ext uri="{FF2B5EF4-FFF2-40B4-BE49-F238E27FC236}">
+                <a16:creationId xmlns:a16="http://schemas.microsoft.com/office/drawing/2014/main" id="{B4519782-AAB8-3948-AD5F-3E70170E3724}"/>
+              </a:ext>
+            </a:extLst>
+          </p:cNvPr>
+          <p:cNvSpPr/>
+          <p:nvPr/>
+        </p:nvSpPr>
+        <p:spPr>
+          <a:xfrm>
+            <a:off x="3399606" y="4271947"/>
+            <a:ext cx="2194560" cy="1776549"/>
+          </a:xfrm>
+          <a:prstGeom prst="rect">
+            <a:avLst/>
+          </a:prstGeom>
+        </p:spPr>
+        <p:style>
+          <a:lnRef idx="2">
+            <a:schemeClr val="accent1">
+              <a:shade val="50000"/>
+            </a:schemeClr>
+          </a:lnRef>
+          <a:fillRef idx="1">
+            <a:schemeClr val="accent1"/>
+          </a:fillRef>
+          <a:effectRef idx="0">
+            <a:schemeClr val="accent1"/>
+          </a:effectRef>
+          <a:fontRef idx="minor">
+            <a:schemeClr val="lt1"/>
+          </a:fontRef>
+        </p:style>
+        <p:txBody>
+          <a:bodyPr rtlCol="0" anchor="ctr"/>
+          <a:lstStyle/>
+          <a:p>
+            <a:pPr algn="ctr"/>
+            <a:r>
+              <a:rPr lang="en-US" dirty="0"/>
+              <a:t>Component 4</a:t>
+            </a:r>
+          </a:p>
+          <a:p>
+            <a:pPr algn="ctr"/>
+            <a:r>
+              <a:rPr lang="en-US" dirty="0"/>
+              <a:t>Props from parent</a:t>
+            </a:r>
+          </a:p>
+          <a:p>
+            <a:pPr algn="ctr"/>
+            <a:r>
+              <a:rPr lang="en-US" dirty="0"/>
+              <a:t>Rendering</a:t>
+            </a:r>
+          </a:p>
+        </p:txBody>
+      </p:sp>
+      <p:sp>
+        <p:nvSpPr>
+          <p:cNvPr id="17" name="Rectangle 16">
+            <a:extLst>
+              <a:ext uri="{FF2B5EF4-FFF2-40B4-BE49-F238E27FC236}">
+                <a16:creationId xmlns:a16="http://schemas.microsoft.com/office/drawing/2014/main" id="{A380DAEB-B9CF-ED44-81B0-D550FBC390AD}"/>
+              </a:ext>
+            </a:extLst>
+          </p:cNvPr>
+          <p:cNvSpPr/>
+          <p:nvPr/>
+        </p:nvSpPr>
+        <p:spPr>
+          <a:xfrm>
+            <a:off x="6939643" y="4176151"/>
+            <a:ext cx="2194560" cy="1776549"/>
+          </a:xfrm>
+          <a:prstGeom prst="rect">
+            <a:avLst/>
+          </a:prstGeom>
+        </p:spPr>
+        <p:style>
+          <a:lnRef idx="2">
+            <a:schemeClr val="accent1">
+              <a:shade val="50000"/>
+            </a:schemeClr>
+          </a:lnRef>
+          <a:fillRef idx="1">
+            <a:schemeClr val="accent1"/>
+          </a:fillRef>
+          <a:effectRef idx="0">
+            <a:schemeClr val="accent1"/>
+          </a:effectRef>
+          <a:fontRef idx="minor">
+            <a:schemeClr val="lt1"/>
+          </a:fontRef>
+        </p:style>
+        <p:txBody>
+          <a:bodyPr rtlCol="0" anchor="ctr"/>
+          <a:lstStyle/>
+          <a:p>
+            <a:pPr algn="ctr"/>
+            <a:r>
+              <a:rPr lang="en-US" dirty="0"/>
+              <a:t>Component 5</a:t>
+            </a:r>
+          </a:p>
+          <a:p>
+            <a:pPr algn="ctr"/>
+            <a:r>
+              <a:rPr lang="en-US" dirty="0"/>
+              <a:t>Props from parent</a:t>
+            </a:r>
+          </a:p>
+          <a:p>
+            <a:pPr algn="ctr"/>
+            <a:r>
+              <a:rPr lang="en-US" dirty="0"/>
+              <a:t>Rendering</a:t>
+            </a:r>
+          </a:p>
+        </p:txBody>
+      </p:sp>
+      <p:sp>
+        <p:nvSpPr>
+          <p:cNvPr id="18" name="&quot;No&quot; Symbol 17">
+            <a:extLst>
+              <a:ext uri="{FF2B5EF4-FFF2-40B4-BE49-F238E27FC236}">
+                <a16:creationId xmlns:a16="http://schemas.microsoft.com/office/drawing/2014/main" id="{6F3423B2-4040-1E49-9682-F68065656EC6}"/>
+              </a:ext>
+            </a:extLst>
+          </p:cNvPr>
+          <p:cNvSpPr/>
+          <p:nvPr/>
+        </p:nvSpPr>
+        <p:spPr>
+          <a:xfrm>
+            <a:off x="3569423" y="4089065"/>
+            <a:ext cx="1854926" cy="2109652"/>
+          </a:xfrm>
+          <a:prstGeom prst="noSmoking">
+            <a:avLst/>
+          </a:prstGeom>
+          <a:solidFill>
+            <a:schemeClr val="accent2"/>
+          </a:solidFill>
+        </p:spPr>
+        <p:style>
+          <a:lnRef idx="2">
+            <a:schemeClr val="accent1">
+              <a:shade val="50000"/>
+            </a:schemeClr>
+          </a:lnRef>
+          <a:fillRef idx="1">
+            <a:schemeClr val="accent1"/>
+          </a:fillRef>
+          <a:effectRef idx="0">
+            <a:schemeClr val="accent1"/>
+          </a:effectRef>
+          <a:fontRef idx="minor">
+            <a:schemeClr val="lt1"/>
+          </a:fontRef>
+        </p:style>
+        <p:txBody>
+          <a:bodyPr rtlCol="0" anchor="ctr"/>
+          <a:lstStyle/>
+          <a:p>
+            <a:pPr algn="ctr"/>
+            <a:endParaRPr lang="en-US">
+              <a:solidFill>
+                <a:schemeClr val="tx1"/>
+              </a:solidFill>
+            </a:endParaRPr>
+          </a:p>
+        </p:txBody>
+      </p:sp>
+      <p:sp>
+        <p:nvSpPr>
+          <p:cNvPr id="19" name="TextBox 18">
+            <a:extLst>
+              <a:ext uri="{FF2B5EF4-FFF2-40B4-BE49-F238E27FC236}">
+                <a16:creationId xmlns:a16="http://schemas.microsoft.com/office/drawing/2014/main" id="{DED50747-70F7-0048-9B02-6B7DACB024FE}"/>
+              </a:ext>
+            </a:extLst>
+          </p:cNvPr>
+          <p:cNvSpPr txBox="1"/>
+          <p:nvPr/>
+        </p:nvSpPr>
+        <p:spPr>
+          <a:xfrm>
+            <a:off x="1436914" y="3729838"/>
+            <a:ext cx="1793966" cy="646331"/>
+          </a:xfrm>
+          <a:prstGeom prst="rect">
+            <a:avLst/>
+          </a:prstGeom>
+          <a:noFill/>
+        </p:spPr>
+        <p:txBody>
+          <a:bodyPr wrap="square" rtlCol="0">
+            <a:spAutoFit/>
+          </a:bodyPr>
+          <a:lstStyle/>
+          <a:p>
+            <a:r>
+              <a:rPr lang="en-US" b="1" dirty="0">
+                <a:ln w="22225">
+                  <a:solidFill>
+                    <a:schemeClr val="accent2"/>
+                  </a:solidFill>
+                  <a:prstDash val="solid"/>
+                </a:ln>
+                <a:solidFill>
+                  <a:schemeClr val="accent2">
+                    <a:lumMod val="40000"/>
+                    <a:lumOff val="60000"/>
+                  </a:schemeClr>
+                </a:solidFill>
+              </a:rPr>
+              <a:t>Error Boundary Component</a:t>
+            </a:r>
+          </a:p>
+        </p:txBody>
+      </p:sp>
+      <p:cxnSp>
+        <p:nvCxnSpPr>
+          <p:cNvPr id="21" name="Straight Arrow Connector 20">
+            <a:extLst>
+              <a:ext uri="{FF2B5EF4-FFF2-40B4-BE49-F238E27FC236}">
+                <a16:creationId xmlns:a16="http://schemas.microsoft.com/office/drawing/2014/main" id="{4DF369D8-02E7-FC4F-AD9A-2576008C7297}"/>
+              </a:ext>
+            </a:extLst>
+          </p:cNvPr>
+          <p:cNvCxnSpPr>
+            <a:stCxn id="16" idx="1"/>
+          </p:cNvCxnSpPr>
+          <p:nvPr/>
+        </p:nvCxnSpPr>
+        <p:spPr>
+          <a:xfrm flipH="1" flipV="1">
+            <a:off x="2291440" y="4510287"/>
+            <a:ext cx="1108166" cy="649935"/>
+          </a:xfrm>
+          <a:prstGeom prst="straightConnector1">
+            <a:avLst/>
+          </a:prstGeom>
+          <a:ln>
+            <a:tailEnd type="triangle"/>
+          </a:ln>
+        </p:spPr>
+        <p:style>
+          <a:lnRef idx="3">
+            <a:schemeClr val="accent4"/>
+          </a:lnRef>
+          <a:fillRef idx="0">
+            <a:schemeClr val="accent4"/>
+          </a:fillRef>
+          <a:effectRef idx="2">
+            <a:schemeClr val="accent4"/>
+          </a:effectRef>
+          <a:fontRef idx="minor">
+            <a:schemeClr val="tx1"/>
+          </a:fontRef>
+        </p:style>
+      </p:cxnSp>
+    </p:spTree>
+    <p:extLst>
+      <p:ext uri="{BB962C8B-B14F-4D97-AF65-F5344CB8AC3E}">
+        <p14:creationId xmlns:p14="http://schemas.microsoft.com/office/powerpoint/2010/main" val="1407459377"/>
+      </p:ext>
+    </p:extLst>
+  </p:cSld>
+  <p:clrMapOvr>
+    <a:masterClrMapping/>
+  </p:clrMapOvr>
+</p:sld>
+</file>
+
+<file path=ppt/slides/slide29.xml><?xml version="1.0" encoding="utf-8"?>
+<p:sld xmlns:a="http://schemas.openxmlformats.org/drawingml/2006/main" xmlns:r="http://schemas.openxmlformats.org/officeDocument/2006/relationships" xmlns:p="http://schemas.openxmlformats.org/presentationml/2006/main">
+  <p:cSld>
+    <p:spTree>
+      <p:nvGrpSpPr>
+        <p:cNvPr id="1" name=""/>
+        <p:cNvGrpSpPr/>
+        <p:nvPr/>
+      </p:nvGrpSpPr>
+      <p:grpSpPr>
+        <a:xfrm>
+          <a:off x="0" y="0"/>
+          <a:ext cx="0" cy="0"/>
+          <a:chOff x="0" y="0"/>
+          <a:chExt cx="0" cy="0"/>
+        </a:xfrm>
+      </p:grpSpPr>
+      <p:sp>
+        <p:nvSpPr>
+          <p:cNvPr id="2" name="TextBox 1">
+            <a:extLst>
+              <a:ext uri="{FF2B5EF4-FFF2-40B4-BE49-F238E27FC236}">
+                <a16:creationId xmlns:a16="http://schemas.microsoft.com/office/drawing/2014/main" id="{01AD2CB6-0BE0-8247-B6BF-7AB15B8EBD9C}"/>
+              </a:ext>
+            </a:extLst>
+          </p:cNvPr>
+          <p:cNvSpPr txBox="1"/>
+          <p:nvPr/>
+        </p:nvSpPr>
+        <p:spPr>
+          <a:xfrm>
+            <a:off x="522514" y="539931"/>
+            <a:ext cx="2569029" cy="369332"/>
+          </a:xfrm>
+          <a:prstGeom prst="rect">
+            <a:avLst/>
+          </a:prstGeom>
+          <a:noFill/>
+        </p:spPr>
+        <p:txBody>
+          <a:bodyPr wrap="square" rtlCol="0">
+            <a:spAutoFit/>
+          </a:bodyPr>
+          <a:lstStyle/>
+          <a:p>
+            <a:r>
+              <a:rPr lang="en-US" dirty="0"/>
+              <a:t>Let obj1 ={name:’</a:t>
+            </a:r>
+            <a:r>
+              <a:rPr lang="en-US" dirty="0" err="1"/>
+              <a:t>abc</a:t>
+            </a:r>
+            <a:r>
+              <a:rPr lang="en-US" dirty="0"/>
+              <a:t>’}</a:t>
+            </a:r>
+          </a:p>
+        </p:txBody>
+      </p:sp>
+      <p:sp>
+        <p:nvSpPr>
+          <p:cNvPr id="3" name="Rectangle 2">
+            <a:extLst>
+              <a:ext uri="{FF2B5EF4-FFF2-40B4-BE49-F238E27FC236}">
+                <a16:creationId xmlns:a16="http://schemas.microsoft.com/office/drawing/2014/main" id="{994B4298-6B27-6942-A7B9-E1F109886D5C}"/>
+              </a:ext>
+            </a:extLst>
+          </p:cNvPr>
+          <p:cNvSpPr/>
+          <p:nvPr/>
+        </p:nvSpPr>
+        <p:spPr>
+          <a:xfrm>
+            <a:off x="7794171" y="718457"/>
+            <a:ext cx="1480457" cy="766355"/>
+          </a:xfrm>
+          <a:prstGeom prst="rect">
+            <a:avLst/>
+          </a:prstGeom>
+        </p:spPr>
+        <p:style>
+          <a:lnRef idx="2">
+            <a:schemeClr val="accent1">
+              <a:shade val="50000"/>
+            </a:schemeClr>
+          </a:lnRef>
+          <a:fillRef idx="1">
+            <a:schemeClr val="accent1"/>
+          </a:fillRef>
+          <a:effectRef idx="0">
+            <a:schemeClr val="accent1"/>
+          </a:effectRef>
+          <a:fontRef idx="minor">
+            <a:schemeClr val="lt1"/>
+          </a:fontRef>
+        </p:style>
+        <p:txBody>
+          <a:bodyPr rtlCol="0" anchor="ctr"/>
+          <a:lstStyle/>
+          <a:p>
+            <a:pPr algn="ctr"/>
+            <a:r>
+              <a:rPr lang="en-US" dirty="0"/>
+              <a:t>Name:’</a:t>
+            </a:r>
+            <a:r>
+              <a:rPr lang="en-US" dirty="0" err="1"/>
+              <a:t>abc</a:t>
+            </a:r>
+            <a:r>
+              <a:rPr lang="en-US" dirty="0"/>
+              <a:t>’</a:t>
+            </a:r>
+          </a:p>
+        </p:txBody>
+      </p:sp>
+      <p:cxnSp>
+        <p:nvCxnSpPr>
+          <p:cNvPr id="5" name="Straight Arrow Connector 4">
+            <a:extLst>
+              <a:ext uri="{FF2B5EF4-FFF2-40B4-BE49-F238E27FC236}">
+                <a16:creationId xmlns:a16="http://schemas.microsoft.com/office/drawing/2014/main" id="{4C0BEA58-B23C-3C4D-8FE3-2FFA66CB5EC4}"/>
+              </a:ext>
+            </a:extLst>
+          </p:cNvPr>
+          <p:cNvCxnSpPr>
+            <a:cxnSpLocks/>
+            <a:stCxn id="2" idx="3"/>
+            <a:endCxn id="3" idx="1"/>
+          </p:cNvCxnSpPr>
+          <p:nvPr/>
+        </p:nvCxnSpPr>
+        <p:spPr>
+          <a:xfrm>
+            <a:off x="3091543" y="724597"/>
+            <a:ext cx="4702628" cy="377038"/>
+          </a:xfrm>
+          <a:prstGeom prst="straightConnector1">
+            <a:avLst/>
+          </a:prstGeom>
+          <a:ln>
+            <a:tailEnd type="triangle"/>
+          </a:ln>
+        </p:spPr>
+        <p:style>
+          <a:lnRef idx="3">
+            <a:schemeClr val="accent1"/>
+          </a:lnRef>
+          <a:fillRef idx="0">
+            <a:schemeClr val="accent1"/>
+          </a:fillRef>
+          <a:effectRef idx="2">
+            <a:schemeClr val="accent1"/>
+          </a:effectRef>
+          <a:fontRef idx="minor">
+            <a:schemeClr val="tx1"/>
+          </a:fontRef>
+        </p:style>
+      </p:cxnSp>
+      <p:sp>
+        <p:nvSpPr>
+          <p:cNvPr id="6" name="TextBox 5">
+            <a:extLst>
+              <a:ext uri="{FF2B5EF4-FFF2-40B4-BE49-F238E27FC236}">
+                <a16:creationId xmlns:a16="http://schemas.microsoft.com/office/drawing/2014/main" id="{00B756A7-61AB-A045-B2DB-9BC23F458C0C}"/>
+              </a:ext>
+            </a:extLst>
+          </p:cNvPr>
+          <p:cNvSpPr txBox="1"/>
+          <p:nvPr/>
+        </p:nvSpPr>
+        <p:spPr>
+          <a:xfrm>
+            <a:off x="357051" y="1489166"/>
+            <a:ext cx="3048000" cy="369332"/>
+          </a:xfrm>
+          <a:prstGeom prst="rect">
+            <a:avLst/>
+          </a:prstGeom>
+          <a:noFill/>
+        </p:spPr>
+        <p:txBody>
+          <a:bodyPr wrap="square" rtlCol="0">
+            <a:spAutoFit/>
+          </a:bodyPr>
+          <a:lstStyle/>
+          <a:p>
+            <a:r>
+              <a:rPr lang="en-US" dirty="0"/>
+              <a:t>Let obj2 = obj1;</a:t>
+            </a:r>
+          </a:p>
+        </p:txBody>
+      </p:sp>
+      <p:cxnSp>
+        <p:nvCxnSpPr>
+          <p:cNvPr id="8" name="Straight Arrow Connector 7">
+            <a:extLst>
+              <a:ext uri="{FF2B5EF4-FFF2-40B4-BE49-F238E27FC236}">
+                <a16:creationId xmlns:a16="http://schemas.microsoft.com/office/drawing/2014/main" id="{1DE2C867-A65C-9944-9992-071F1E68C813}"/>
+              </a:ext>
+            </a:extLst>
+          </p:cNvPr>
+          <p:cNvCxnSpPr/>
+          <p:nvPr/>
+        </p:nvCxnSpPr>
+        <p:spPr>
+          <a:xfrm flipV="1">
+            <a:off x="2360022" y="1101635"/>
+            <a:ext cx="5434149" cy="391886"/>
+          </a:xfrm>
+          <a:prstGeom prst="straightConnector1">
+            <a:avLst/>
+          </a:prstGeom>
+          <a:ln>
+            <a:tailEnd type="triangle"/>
+          </a:ln>
+        </p:spPr>
+        <p:style>
+          <a:lnRef idx="3">
+            <a:schemeClr val="accent1"/>
+          </a:lnRef>
+          <a:fillRef idx="0">
+            <a:schemeClr val="accent1"/>
+          </a:fillRef>
+          <a:effectRef idx="2">
+            <a:schemeClr val="accent1"/>
+          </a:effectRef>
+          <a:fontRef idx="minor">
+            <a:schemeClr val="tx1"/>
+          </a:fontRef>
+        </p:style>
+      </p:cxnSp>
+      <p:sp>
+        <p:nvSpPr>
+          <p:cNvPr id="10" name="TextBox 9">
+            <a:extLst>
+              <a:ext uri="{FF2B5EF4-FFF2-40B4-BE49-F238E27FC236}">
+                <a16:creationId xmlns:a16="http://schemas.microsoft.com/office/drawing/2014/main" id="{284E18C8-7ABF-D14F-883F-E6CA1CA0C403}"/>
+              </a:ext>
+            </a:extLst>
+          </p:cNvPr>
+          <p:cNvSpPr txBox="1"/>
+          <p:nvPr/>
+        </p:nvSpPr>
+        <p:spPr>
+          <a:xfrm>
+            <a:off x="278674" y="2464526"/>
+            <a:ext cx="3196046" cy="369332"/>
+          </a:xfrm>
+          <a:prstGeom prst="rect">
+            <a:avLst/>
+          </a:prstGeom>
+          <a:noFill/>
+        </p:spPr>
+        <p:txBody>
+          <a:bodyPr wrap="square" rtlCol="0">
+            <a:spAutoFit/>
+          </a:bodyPr>
+          <a:lstStyle/>
+          <a:p>
+            <a:r>
+              <a:rPr lang="en-US" dirty="0"/>
+              <a:t>Obj1 = null;</a:t>
+            </a:r>
+          </a:p>
+        </p:txBody>
+      </p:sp>
+      <p:sp>
+        <p:nvSpPr>
+          <p:cNvPr id="12" name="Rectangle 11">
+            <a:extLst>
+              <a:ext uri="{FF2B5EF4-FFF2-40B4-BE49-F238E27FC236}">
+                <a16:creationId xmlns:a16="http://schemas.microsoft.com/office/drawing/2014/main" id="{5741CCA1-B880-764A-9E1D-92E83997331E}"/>
+              </a:ext>
+            </a:extLst>
+          </p:cNvPr>
+          <p:cNvSpPr/>
+          <p:nvPr/>
+        </p:nvSpPr>
+        <p:spPr>
+          <a:xfrm>
+            <a:off x="7794170" y="2464526"/>
+            <a:ext cx="1480457" cy="766355"/>
+          </a:xfrm>
+          <a:prstGeom prst="rect">
+            <a:avLst/>
+          </a:prstGeom>
+        </p:spPr>
+        <p:style>
+          <a:lnRef idx="2">
+            <a:schemeClr val="accent1">
+              <a:shade val="50000"/>
+            </a:schemeClr>
+          </a:lnRef>
+          <a:fillRef idx="1">
+            <a:schemeClr val="accent1"/>
+          </a:fillRef>
+          <a:effectRef idx="0">
+            <a:schemeClr val="accent1"/>
+          </a:effectRef>
+          <a:fontRef idx="minor">
+            <a:schemeClr val="lt1"/>
+          </a:fontRef>
+        </p:style>
+        <p:txBody>
+          <a:bodyPr rtlCol="0" anchor="ctr"/>
+          <a:lstStyle/>
+          <a:p>
+            <a:pPr algn="ctr"/>
+            <a:r>
+              <a:rPr lang="en-US" dirty="0"/>
+              <a:t>nullified</a:t>
+            </a:r>
+          </a:p>
+        </p:txBody>
+      </p:sp>
+      <p:cxnSp>
+        <p:nvCxnSpPr>
+          <p:cNvPr id="14" name="Straight Arrow Connector 13">
+            <a:extLst>
+              <a:ext uri="{FF2B5EF4-FFF2-40B4-BE49-F238E27FC236}">
+                <a16:creationId xmlns:a16="http://schemas.microsoft.com/office/drawing/2014/main" id="{7A7E294E-2F26-E446-AF97-118D319FC51F}"/>
+              </a:ext>
+            </a:extLst>
+          </p:cNvPr>
+          <p:cNvCxnSpPr>
+            <a:endCxn id="12" idx="1"/>
+          </p:cNvCxnSpPr>
+          <p:nvPr/>
+        </p:nvCxnSpPr>
+        <p:spPr>
+          <a:xfrm>
+            <a:off x="2081349" y="2577737"/>
+            <a:ext cx="5712821" cy="269967"/>
+          </a:xfrm>
+          <a:prstGeom prst="straightConnector1">
+            <a:avLst/>
+          </a:prstGeom>
+          <a:ln>
+            <a:tailEnd type="triangle"/>
+          </a:ln>
+        </p:spPr>
+        <p:style>
+          <a:lnRef idx="3">
+            <a:schemeClr val="accent1"/>
+          </a:lnRef>
+          <a:fillRef idx="0">
+            <a:schemeClr val="accent1"/>
+          </a:fillRef>
+          <a:effectRef idx="2">
+            <a:schemeClr val="accent1"/>
+          </a:effectRef>
+          <a:fontRef idx="minor">
+            <a:schemeClr val="tx1"/>
+          </a:fontRef>
+        </p:style>
+      </p:cxnSp>
+      <p:sp>
+        <p:nvSpPr>
+          <p:cNvPr id="16" name="TextBox 15">
+            <a:extLst>
+              <a:ext uri="{FF2B5EF4-FFF2-40B4-BE49-F238E27FC236}">
+                <a16:creationId xmlns:a16="http://schemas.microsoft.com/office/drawing/2014/main" id="{F879C4C0-5305-5348-9133-11880E8008AD}"/>
+              </a:ext>
+            </a:extLst>
+          </p:cNvPr>
+          <p:cNvSpPr txBox="1"/>
+          <p:nvPr/>
+        </p:nvSpPr>
+        <p:spPr>
+          <a:xfrm>
+            <a:off x="174172" y="3788229"/>
+            <a:ext cx="2455818" cy="369332"/>
+          </a:xfrm>
+          <a:prstGeom prst="rect">
+            <a:avLst/>
+          </a:prstGeom>
+          <a:noFill/>
+        </p:spPr>
+        <p:txBody>
+          <a:bodyPr wrap="square" rtlCol="0">
+            <a:spAutoFit/>
+          </a:bodyPr>
+          <a:lstStyle/>
+          <a:p>
+            <a:r>
+              <a:rPr lang="en-US" dirty="0"/>
+              <a:t>Obj3 = {</a:t>
+            </a:r>
+            <a:r>
+              <a:rPr lang="en-US" dirty="0" err="1"/>
+              <a:t>name:’m</a:t>
+            </a:r>
+            <a:r>
+              <a:rPr lang="en-US" dirty="0"/>
+              <a:t>’};</a:t>
+            </a:r>
+          </a:p>
+        </p:txBody>
+      </p:sp>
+      <p:sp>
+        <p:nvSpPr>
+          <p:cNvPr id="17" name="Rectangle 16">
+            <a:extLst>
+              <a:ext uri="{FF2B5EF4-FFF2-40B4-BE49-F238E27FC236}">
+                <a16:creationId xmlns:a16="http://schemas.microsoft.com/office/drawing/2014/main" id="{DDF27321-F317-F94C-8F57-00C507C3FC7E}"/>
+              </a:ext>
+            </a:extLst>
+          </p:cNvPr>
+          <p:cNvSpPr/>
+          <p:nvPr/>
+        </p:nvSpPr>
+        <p:spPr>
+          <a:xfrm>
+            <a:off x="4415246" y="3788229"/>
+            <a:ext cx="1889760" cy="748937"/>
+          </a:xfrm>
+          <a:prstGeom prst="rect">
+            <a:avLst/>
+          </a:prstGeom>
+        </p:spPr>
+        <p:style>
+          <a:lnRef idx="2">
+            <a:schemeClr val="accent1">
+              <a:shade val="50000"/>
+            </a:schemeClr>
+          </a:lnRef>
+          <a:fillRef idx="1">
+            <a:schemeClr val="accent1"/>
+          </a:fillRef>
+          <a:effectRef idx="0">
+            <a:schemeClr val="accent1"/>
+          </a:effectRef>
+          <a:fontRef idx="minor">
+            <a:schemeClr val="lt1"/>
+          </a:fontRef>
+        </p:style>
+        <p:txBody>
+          <a:bodyPr rtlCol="0" anchor="ctr"/>
+          <a:lstStyle/>
+          <a:p>
+            <a:pPr algn="ctr"/>
+            <a:r>
+              <a:rPr lang="en-US" dirty="0"/>
+              <a:t>nullified</a:t>
+            </a:r>
+          </a:p>
+        </p:txBody>
+      </p:sp>
+      <p:cxnSp>
+        <p:nvCxnSpPr>
+          <p:cNvPr id="19" name="Straight Arrow Connector 18">
+            <a:extLst>
+              <a:ext uri="{FF2B5EF4-FFF2-40B4-BE49-F238E27FC236}">
+                <a16:creationId xmlns:a16="http://schemas.microsoft.com/office/drawing/2014/main" id="{6403D4F2-624C-0643-B89A-E4B73E1165EF}"/>
+              </a:ext>
+            </a:extLst>
+          </p:cNvPr>
+          <p:cNvCxnSpPr>
+            <a:endCxn id="17" idx="1"/>
+          </p:cNvCxnSpPr>
+          <p:nvPr/>
+        </p:nvCxnSpPr>
+        <p:spPr>
+          <a:xfrm>
+            <a:off x="2194560" y="3910149"/>
+            <a:ext cx="2220686" cy="252549"/>
+          </a:xfrm>
+          <a:prstGeom prst="straightConnector1">
+            <a:avLst/>
+          </a:prstGeom>
+          <a:ln>
+            <a:tailEnd type="triangle"/>
+          </a:ln>
+        </p:spPr>
+        <p:style>
+          <a:lnRef idx="3">
+            <a:schemeClr val="accent1"/>
+          </a:lnRef>
+          <a:fillRef idx="0">
+            <a:schemeClr val="accent1"/>
+          </a:fillRef>
+          <a:effectRef idx="2">
+            <a:schemeClr val="accent1"/>
+          </a:effectRef>
+          <a:fontRef idx="minor">
+            <a:schemeClr val="tx1"/>
+          </a:fontRef>
+        </p:style>
+      </p:cxnSp>
+      <p:sp>
+        <p:nvSpPr>
+          <p:cNvPr id="20" name="TextBox 19">
+            <a:extLst>
+              <a:ext uri="{FF2B5EF4-FFF2-40B4-BE49-F238E27FC236}">
+                <a16:creationId xmlns:a16="http://schemas.microsoft.com/office/drawing/2014/main" id="{7C78D0E3-3C24-8746-81F9-277602F7FB91}"/>
+              </a:ext>
+            </a:extLst>
+          </p:cNvPr>
+          <p:cNvSpPr txBox="1"/>
+          <p:nvPr/>
+        </p:nvSpPr>
+        <p:spPr>
+          <a:xfrm>
+            <a:off x="174172" y="4815840"/>
+            <a:ext cx="3230879" cy="369332"/>
+          </a:xfrm>
+          <a:prstGeom prst="rect">
+            <a:avLst/>
+          </a:prstGeom>
+          <a:noFill/>
+        </p:spPr>
+        <p:txBody>
+          <a:bodyPr wrap="square" rtlCol="0">
+            <a:spAutoFit/>
+          </a:bodyPr>
+          <a:lstStyle/>
+          <a:p>
+            <a:r>
+              <a:rPr lang="en-US" dirty="0" err="1"/>
+              <a:t>Arr.push</a:t>
+            </a:r>
+            <a:r>
+              <a:rPr lang="en-US" dirty="0"/>
+              <a:t>(obj3)</a:t>
+            </a:r>
+          </a:p>
+        </p:txBody>
+      </p:sp>
+      <p:sp>
+        <p:nvSpPr>
+          <p:cNvPr id="21" name="Rectangle 20">
+            <a:extLst>
+              <a:ext uri="{FF2B5EF4-FFF2-40B4-BE49-F238E27FC236}">
+                <a16:creationId xmlns:a16="http://schemas.microsoft.com/office/drawing/2014/main" id="{B7A64E5B-FC88-0444-A21E-BA41785166D5}"/>
+              </a:ext>
+            </a:extLst>
+          </p:cNvPr>
+          <p:cNvSpPr/>
+          <p:nvPr/>
+        </p:nvSpPr>
+        <p:spPr>
+          <a:xfrm>
+            <a:off x="3892731" y="4815840"/>
+            <a:ext cx="4632960" cy="722811"/>
+          </a:xfrm>
+          <a:prstGeom prst="rect">
+            <a:avLst/>
+          </a:prstGeom>
+        </p:spPr>
+        <p:style>
+          <a:lnRef idx="2">
+            <a:schemeClr val="accent1">
+              <a:shade val="50000"/>
+            </a:schemeClr>
+          </a:lnRef>
+          <a:fillRef idx="1">
+            <a:schemeClr val="accent1"/>
+          </a:fillRef>
+          <a:effectRef idx="0">
+            <a:schemeClr val="accent1"/>
+          </a:effectRef>
+          <a:fontRef idx="minor">
+            <a:schemeClr val="lt1"/>
+          </a:fontRef>
+        </p:style>
+        <p:txBody>
+          <a:bodyPr rtlCol="0" anchor="ctr"/>
+          <a:lstStyle/>
+          <a:p>
+            <a:pPr algn="ctr"/>
+            <a:r>
+              <a:rPr lang="en-US" dirty="0" err="1"/>
+              <a:t>Name:m</a:t>
+            </a:r>
+            <a:r>
+              <a:rPr lang="en-US" dirty="0"/>
+              <a:t>, </a:t>
+            </a:r>
+            <a:r>
+              <a:rPr lang="en-US"/>
+              <a:t>name:m1</a:t>
+            </a:r>
+            <a:endParaRPr lang="en-US" dirty="0"/>
+          </a:p>
+        </p:txBody>
+      </p:sp>
+      <p:sp>
+        <p:nvSpPr>
+          <p:cNvPr id="22" name="Down Arrow 21">
+            <a:extLst>
+              <a:ext uri="{FF2B5EF4-FFF2-40B4-BE49-F238E27FC236}">
+                <a16:creationId xmlns:a16="http://schemas.microsoft.com/office/drawing/2014/main" id="{1E4F30FD-2E8A-BC4B-A749-DAF129FB46BD}"/>
+              </a:ext>
+            </a:extLst>
+          </p:cNvPr>
+          <p:cNvSpPr/>
+          <p:nvPr/>
+        </p:nvSpPr>
+        <p:spPr>
+          <a:xfrm>
+            <a:off x="5225143" y="4389120"/>
+            <a:ext cx="148045" cy="679269"/>
+          </a:xfrm>
+          <a:prstGeom prst="downArrow">
+            <a:avLst/>
+          </a:prstGeom>
+          <a:solidFill>
+            <a:schemeClr val="accent2"/>
+          </a:solidFill>
+        </p:spPr>
+        <p:style>
+          <a:lnRef idx="2">
+            <a:schemeClr val="accent1">
+              <a:shade val="50000"/>
+            </a:schemeClr>
+          </a:lnRef>
+          <a:fillRef idx="1">
+            <a:schemeClr val="accent1"/>
+          </a:fillRef>
+          <a:effectRef idx="0">
+            <a:schemeClr val="accent1"/>
+          </a:effectRef>
+          <a:fontRef idx="minor">
+            <a:schemeClr val="lt1"/>
+          </a:fontRef>
+        </p:style>
+        <p:txBody>
+          <a:bodyPr rtlCol="0" anchor="ctr"/>
+          <a:lstStyle/>
+          <a:p>
+            <a:pPr algn="ctr"/>
+            <a:endParaRPr lang="en-US"/>
+          </a:p>
+        </p:txBody>
+      </p:sp>
+      <p:sp>
+        <p:nvSpPr>
+          <p:cNvPr id="23" name="TextBox 22">
+            <a:extLst>
+              <a:ext uri="{FF2B5EF4-FFF2-40B4-BE49-F238E27FC236}">
+                <a16:creationId xmlns:a16="http://schemas.microsoft.com/office/drawing/2014/main" id="{6D9625EB-BC93-9540-87D8-6189CEC00B3E}"/>
+              </a:ext>
+            </a:extLst>
+          </p:cNvPr>
+          <p:cNvSpPr txBox="1"/>
+          <p:nvPr/>
+        </p:nvSpPr>
+        <p:spPr>
+          <a:xfrm>
+            <a:off x="174172" y="5477691"/>
+            <a:ext cx="2316479" cy="369332"/>
+          </a:xfrm>
+          <a:prstGeom prst="rect">
+            <a:avLst/>
+          </a:prstGeom>
+          <a:noFill/>
+        </p:spPr>
+        <p:txBody>
+          <a:bodyPr wrap="square" rtlCol="0">
+            <a:spAutoFit/>
+          </a:bodyPr>
+          <a:lstStyle/>
+          <a:p>
+            <a:r>
+              <a:rPr lang="en-US" dirty="0"/>
+              <a:t>Obj3 = null;</a:t>
+            </a:r>
+          </a:p>
+        </p:txBody>
+      </p:sp>
+      <p:cxnSp>
+        <p:nvCxnSpPr>
+          <p:cNvPr id="25" name="Straight Arrow Connector 24">
+            <a:extLst>
+              <a:ext uri="{FF2B5EF4-FFF2-40B4-BE49-F238E27FC236}">
+                <a16:creationId xmlns:a16="http://schemas.microsoft.com/office/drawing/2014/main" id="{3995C678-18E1-D349-ADCC-EB9B199CEAD8}"/>
+              </a:ext>
+            </a:extLst>
+          </p:cNvPr>
+          <p:cNvCxnSpPr>
+            <a:stCxn id="23" idx="0"/>
+            <a:endCxn id="17" idx="1"/>
+          </p:cNvCxnSpPr>
+          <p:nvPr/>
+        </p:nvCxnSpPr>
+        <p:spPr>
+          <a:xfrm flipV="1">
+            <a:off x="1332412" y="4162698"/>
+            <a:ext cx="3082834" cy="1314993"/>
+          </a:xfrm>
+          <a:prstGeom prst="straightConnector1">
+            <a:avLst/>
+          </a:prstGeom>
+          <a:ln>
+            <a:tailEnd type="triangle"/>
+          </a:ln>
+        </p:spPr>
+        <p:style>
+          <a:lnRef idx="3">
+            <a:schemeClr val="accent2"/>
+          </a:lnRef>
+          <a:fillRef idx="0">
+            <a:schemeClr val="accent2"/>
+          </a:fillRef>
+          <a:effectRef idx="2">
+            <a:schemeClr val="accent2"/>
+          </a:effectRef>
+          <a:fontRef idx="minor">
+            <a:schemeClr val="tx1"/>
+          </a:fontRef>
+        </p:style>
+      </p:cxnSp>
+      <p:sp>
+        <p:nvSpPr>
+          <p:cNvPr id="26" name="&quot;No&quot; Symbol 25">
+            <a:extLst>
+              <a:ext uri="{FF2B5EF4-FFF2-40B4-BE49-F238E27FC236}">
+                <a16:creationId xmlns:a16="http://schemas.microsoft.com/office/drawing/2014/main" id="{39B8F522-B9B0-CB46-861C-512D93FE2845}"/>
+              </a:ext>
+            </a:extLst>
+          </p:cNvPr>
+          <p:cNvSpPr/>
+          <p:nvPr/>
+        </p:nvSpPr>
+        <p:spPr>
+          <a:xfrm>
+            <a:off x="2490651" y="4754880"/>
+            <a:ext cx="322218" cy="531223"/>
+          </a:xfrm>
+          <a:prstGeom prst="noSmoking">
+            <a:avLst/>
+          </a:prstGeom>
+        </p:spPr>
+        <p:style>
+          <a:lnRef idx="2">
+            <a:schemeClr val="accent1">
+              <a:shade val="50000"/>
+            </a:schemeClr>
+          </a:lnRef>
+          <a:fillRef idx="1">
+            <a:schemeClr val="accent1"/>
+          </a:fillRef>
+          <a:effectRef idx="0">
+            <a:schemeClr val="accent1"/>
+          </a:effectRef>
+          <a:fontRef idx="minor">
+            <a:schemeClr val="lt1"/>
+          </a:fontRef>
+        </p:style>
+        <p:txBody>
+          <a:bodyPr rtlCol="0" anchor="ctr"/>
+          <a:lstStyle/>
+          <a:p>
+            <a:pPr algn="ctr"/>
+            <a:endParaRPr lang="en-US">
+              <a:solidFill>
+                <a:schemeClr val="tx1"/>
+              </a:solidFill>
+            </a:endParaRPr>
+          </a:p>
+        </p:txBody>
+      </p:sp>
+      <p:sp>
+        <p:nvSpPr>
+          <p:cNvPr id="27" name="TextBox 26">
+            <a:extLst>
+              <a:ext uri="{FF2B5EF4-FFF2-40B4-BE49-F238E27FC236}">
+                <a16:creationId xmlns:a16="http://schemas.microsoft.com/office/drawing/2014/main" id="{B56833B3-4405-F24D-9A8F-9C2C4EEBEC8C}"/>
+              </a:ext>
+            </a:extLst>
+          </p:cNvPr>
+          <p:cNvSpPr txBox="1"/>
+          <p:nvPr/>
+        </p:nvSpPr>
+        <p:spPr>
+          <a:xfrm>
+            <a:off x="174172" y="6026331"/>
+            <a:ext cx="2917371" cy="369332"/>
+          </a:xfrm>
+          <a:prstGeom prst="rect">
+            <a:avLst/>
+          </a:prstGeom>
+          <a:noFill/>
+        </p:spPr>
+        <p:txBody>
+          <a:bodyPr wrap="square" rtlCol="0">
+            <a:spAutoFit/>
+          </a:bodyPr>
+          <a:lstStyle/>
+          <a:p>
+            <a:r>
+              <a:rPr lang="en-US" dirty="0"/>
+              <a:t>Obj3 = {name:m1}</a:t>
+            </a:r>
+          </a:p>
+        </p:txBody>
+      </p:sp>
+      <p:sp>
+        <p:nvSpPr>
+          <p:cNvPr id="28" name="TextBox 27">
+            <a:extLst>
+              <a:ext uri="{FF2B5EF4-FFF2-40B4-BE49-F238E27FC236}">
+                <a16:creationId xmlns:a16="http://schemas.microsoft.com/office/drawing/2014/main" id="{1233E6CD-2CFE-2948-9A16-E5FB2386025C}"/>
+              </a:ext>
+            </a:extLst>
+          </p:cNvPr>
+          <p:cNvSpPr txBox="1"/>
+          <p:nvPr/>
+        </p:nvSpPr>
+        <p:spPr>
+          <a:xfrm>
+            <a:off x="243841" y="6458188"/>
+            <a:ext cx="3230879" cy="369332"/>
+          </a:xfrm>
+          <a:prstGeom prst="rect">
+            <a:avLst/>
+          </a:prstGeom>
+          <a:noFill/>
+        </p:spPr>
+        <p:txBody>
+          <a:bodyPr wrap="square" rtlCol="0">
+            <a:spAutoFit/>
+          </a:bodyPr>
+          <a:lstStyle/>
+          <a:p>
+            <a:r>
+              <a:rPr lang="en-US" dirty="0" err="1"/>
+              <a:t>Arr.push</a:t>
+            </a:r>
+            <a:r>
+              <a:rPr lang="en-US" dirty="0"/>
+              <a:t>(obj3)</a:t>
+            </a:r>
+          </a:p>
+        </p:txBody>
+      </p:sp>
+      <p:cxnSp>
+        <p:nvCxnSpPr>
+          <p:cNvPr id="30" name="Straight Arrow Connector 29">
+            <a:extLst>
+              <a:ext uri="{FF2B5EF4-FFF2-40B4-BE49-F238E27FC236}">
+                <a16:creationId xmlns:a16="http://schemas.microsoft.com/office/drawing/2014/main" id="{A45FB990-9DB7-6B46-A9FA-15A662A8EC07}"/>
+              </a:ext>
+            </a:extLst>
+          </p:cNvPr>
+          <p:cNvCxnSpPr/>
+          <p:nvPr/>
+        </p:nvCxnSpPr>
+        <p:spPr>
+          <a:xfrm flipV="1">
+            <a:off x="2194560" y="6026331"/>
+            <a:ext cx="2621280" cy="104502"/>
+          </a:xfrm>
+          <a:prstGeom prst="straightConnector1">
+            <a:avLst/>
+          </a:prstGeom>
+          <a:ln>
+            <a:tailEnd type="triangle"/>
+          </a:ln>
+        </p:spPr>
+        <p:style>
+          <a:lnRef idx="1">
+            <a:schemeClr val="accent1"/>
+          </a:lnRef>
+          <a:fillRef idx="0">
+            <a:schemeClr val="accent1"/>
+          </a:fillRef>
+          <a:effectRef idx="0">
+            <a:schemeClr val="accent1"/>
+          </a:effectRef>
+          <a:fontRef idx="minor">
+            <a:schemeClr val="tx1"/>
+          </a:fontRef>
+        </p:style>
+      </p:cxnSp>
+      <p:sp>
+        <p:nvSpPr>
+          <p:cNvPr id="31" name="Rectangle 30">
+            <a:extLst>
+              <a:ext uri="{FF2B5EF4-FFF2-40B4-BE49-F238E27FC236}">
+                <a16:creationId xmlns:a16="http://schemas.microsoft.com/office/drawing/2014/main" id="{52D33894-BA55-7A4F-8897-3D7C66BB3F2B}"/>
+              </a:ext>
+            </a:extLst>
+          </p:cNvPr>
+          <p:cNvSpPr/>
+          <p:nvPr/>
+        </p:nvSpPr>
+        <p:spPr>
+          <a:xfrm>
+            <a:off x="4815840" y="5817324"/>
+            <a:ext cx="2704011" cy="748937"/>
+          </a:xfrm>
+          <a:prstGeom prst="rect">
+            <a:avLst/>
+          </a:prstGeom>
+        </p:spPr>
+        <p:style>
+          <a:lnRef idx="2">
+            <a:schemeClr val="accent1">
+              <a:shade val="50000"/>
+            </a:schemeClr>
+          </a:lnRef>
+          <a:fillRef idx="1">
+            <a:schemeClr val="accent1"/>
+          </a:fillRef>
+          <a:effectRef idx="0">
+            <a:schemeClr val="accent1"/>
+          </a:effectRef>
+          <a:fontRef idx="minor">
+            <a:schemeClr val="lt1"/>
+          </a:fontRef>
+        </p:style>
+        <p:txBody>
+          <a:bodyPr rtlCol="0" anchor="ctr"/>
+          <a:lstStyle/>
+          <a:p>
+            <a:pPr algn="ctr"/>
+            <a:r>
+              <a:rPr lang="en-US" dirty="0"/>
+              <a:t>Nasme:m1</a:t>
+            </a:r>
+          </a:p>
+        </p:txBody>
+      </p:sp>
+      <p:cxnSp>
+        <p:nvCxnSpPr>
+          <p:cNvPr id="33" name="Straight Arrow Connector 32">
+            <a:extLst>
+              <a:ext uri="{FF2B5EF4-FFF2-40B4-BE49-F238E27FC236}">
+                <a16:creationId xmlns:a16="http://schemas.microsoft.com/office/drawing/2014/main" id="{7C784FDF-5226-5A45-A4CF-1A80F240054F}"/>
+              </a:ext>
+            </a:extLst>
+          </p:cNvPr>
+          <p:cNvCxnSpPr/>
+          <p:nvPr/>
+        </p:nvCxnSpPr>
+        <p:spPr>
+          <a:xfrm flipV="1">
+            <a:off x="2000794" y="5347063"/>
+            <a:ext cx="3442063" cy="1306285"/>
+          </a:xfrm>
+          <a:prstGeom prst="straightConnector1">
+            <a:avLst/>
+          </a:prstGeom>
+          <a:ln>
+            <a:tailEnd type="triangle"/>
+          </a:ln>
+        </p:spPr>
+        <p:style>
+          <a:lnRef idx="3">
+            <a:schemeClr val="accent1"/>
+          </a:lnRef>
+          <a:fillRef idx="0">
+            <a:schemeClr val="accent1"/>
+          </a:fillRef>
+          <a:effectRef idx="2">
+            <a:schemeClr val="accent1"/>
+          </a:effectRef>
+          <a:fontRef idx="minor">
+            <a:schemeClr val="tx1"/>
+          </a:fontRef>
+        </p:style>
+      </p:cxnSp>
+    </p:spTree>
+    <p:extLst>
+      <p:ext uri="{BB962C8B-B14F-4D97-AF65-F5344CB8AC3E}">
+        <p14:creationId xmlns:p14="http://schemas.microsoft.com/office/powerpoint/2010/main" val="3815153711"/>
+      </p:ext>
+    </p:extLst>
+  </p:cSld>
+  <p:clrMapOvr>
+    <a:masterClrMapping/>
+  </p:clrMapOvr>
+</p:sld>
+</file>
+
 <file path=ppt/slides/slide3.xml><?xml version="1.0" encoding="utf-8"?>
 <p:sld xmlns:a="http://schemas.openxmlformats.org/drawingml/2006/main" xmlns:r="http://schemas.openxmlformats.org/officeDocument/2006/relationships" xmlns:p="http://schemas.openxmlformats.org/presentationml/2006/main">
   <p:cSld>
@@ -12829,6 +17492,641 @@
     <p:extLst>
       <p:ext uri="{BB962C8B-B14F-4D97-AF65-F5344CB8AC3E}">
         <p14:creationId xmlns:p14="http://schemas.microsoft.com/office/powerpoint/2010/main" val="2770086915"/>
+      </p:ext>
+    </p:extLst>
+  </p:cSld>
+  <p:clrMapOvr>
+    <a:masterClrMapping/>
+  </p:clrMapOvr>
+</p:sld>
+</file>
+
+<file path=ppt/slides/slide30.xml><?xml version="1.0" encoding="utf-8"?>
+<p:sld xmlns:a="http://schemas.openxmlformats.org/drawingml/2006/main" xmlns:r="http://schemas.openxmlformats.org/officeDocument/2006/relationships" xmlns:p="http://schemas.openxmlformats.org/presentationml/2006/main">
+  <p:cSld>
+    <p:spTree>
+      <p:nvGrpSpPr>
+        <p:cNvPr id="1" name=""/>
+        <p:cNvGrpSpPr/>
+        <p:nvPr/>
+      </p:nvGrpSpPr>
+      <p:grpSpPr>
+        <a:xfrm>
+          <a:off x="0" y="0"/>
+          <a:ext cx="0" cy="0"/>
+          <a:chOff x="0" y="0"/>
+          <a:chExt cx="0" cy="0"/>
+        </a:xfrm>
+      </p:grpSpPr>
+      <p:sp>
+        <p:nvSpPr>
+          <p:cNvPr id="2" name="Rectangle 1">
+            <a:extLst>
+              <a:ext uri="{FF2B5EF4-FFF2-40B4-BE49-F238E27FC236}">
+                <a16:creationId xmlns:a16="http://schemas.microsoft.com/office/drawing/2014/main" id="{066726E0-AFAD-704D-80B3-B2813354028D}"/>
+              </a:ext>
+            </a:extLst>
+          </p:cNvPr>
+          <p:cNvSpPr/>
+          <p:nvPr/>
+        </p:nvSpPr>
+        <p:spPr>
+          <a:xfrm>
+            <a:off x="705394" y="2438400"/>
+            <a:ext cx="2664823" cy="2238103"/>
+          </a:xfrm>
+          <a:prstGeom prst="rect">
+            <a:avLst/>
+          </a:prstGeom>
+        </p:spPr>
+        <p:style>
+          <a:lnRef idx="2">
+            <a:schemeClr val="accent1">
+              <a:shade val="50000"/>
+            </a:schemeClr>
+          </a:lnRef>
+          <a:fillRef idx="1">
+            <a:schemeClr val="accent1"/>
+          </a:fillRef>
+          <a:effectRef idx="0">
+            <a:schemeClr val="accent1"/>
+          </a:effectRef>
+          <a:fontRef idx="minor">
+            <a:schemeClr val="lt1"/>
+          </a:fontRef>
+        </p:style>
+        <p:txBody>
+          <a:bodyPr rtlCol="0" anchor="ctr"/>
+          <a:lstStyle/>
+          <a:p>
+            <a:pPr algn="ctr"/>
+            <a:r>
+              <a:rPr lang="en-US" dirty="0"/>
+              <a:t>Client App</a:t>
+            </a:r>
+          </a:p>
+        </p:txBody>
+      </p:sp>
+      <p:sp>
+        <p:nvSpPr>
+          <p:cNvPr id="3" name="Can 2">
+            <a:extLst>
+              <a:ext uri="{FF2B5EF4-FFF2-40B4-BE49-F238E27FC236}">
+                <a16:creationId xmlns:a16="http://schemas.microsoft.com/office/drawing/2014/main" id="{938D7461-F1BD-7541-BD72-70B9D987EF17}"/>
+              </a:ext>
+            </a:extLst>
+          </p:cNvPr>
+          <p:cNvSpPr/>
+          <p:nvPr/>
+        </p:nvSpPr>
+        <p:spPr>
+          <a:xfrm>
+            <a:off x="8307977" y="2327365"/>
+            <a:ext cx="3291840" cy="2203269"/>
+          </a:xfrm>
+          <a:prstGeom prst="can">
+            <a:avLst/>
+          </a:prstGeom>
+        </p:spPr>
+        <p:style>
+          <a:lnRef idx="2">
+            <a:schemeClr val="accent1">
+              <a:shade val="50000"/>
+            </a:schemeClr>
+          </a:lnRef>
+          <a:fillRef idx="1">
+            <a:schemeClr val="accent1"/>
+          </a:fillRef>
+          <a:effectRef idx="0">
+            <a:schemeClr val="accent1"/>
+          </a:effectRef>
+          <a:fontRef idx="minor">
+            <a:schemeClr val="lt1"/>
+          </a:fontRef>
+        </p:style>
+        <p:txBody>
+          <a:bodyPr rtlCol="0" anchor="ctr"/>
+          <a:lstStyle/>
+          <a:p>
+            <a:pPr algn="ctr"/>
+            <a:r>
+              <a:rPr lang="en-US" dirty="0"/>
+              <a:t>Relational Database</a:t>
+            </a:r>
+          </a:p>
+        </p:txBody>
+      </p:sp>
+      <p:sp>
+        <p:nvSpPr>
+          <p:cNvPr id="4" name="Right Arrow 3">
+            <a:extLst>
+              <a:ext uri="{FF2B5EF4-FFF2-40B4-BE49-F238E27FC236}">
+                <a16:creationId xmlns:a16="http://schemas.microsoft.com/office/drawing/2014/main" id="{A5704BE9-B211-694D-ADE2-5C3EC82BF02F}"/>
+              </a:ext>
+            </a:extLst>
+          </p:cNvPr>
+          <p:cNvSpPr/>
+          <p:nvPr/>
+        </p:nvSpPr>
+        <p:spPr>
+          <a:xfrm>
+            <a:off x="3370217" y="2743199"/>
+            <a:ext cx="4937760" cy="1532709"/>
+          </a:xfrm>
+          <a:prstGeom prst="rightArrow">
+            <a:avLst/>
+          </a:prstGeom>
+        </p:spPr>
+        <p:style>
+          <a:lnRef idx="2">
+            <a:schemeClr val="accent1">
+              <a:shade val="50000"/>
+            </a:schemeClr>
+          </a:lnRef>
+          <a:fillRef idx="1">
+            <a:schemeClr val="accent1"/>
+          </a:fillRef>
+          <a:effectRef idx="0">
+            <a:schemeClr val="accent1"/>
+          </a:effectRef>
+          <a:fontRef idx="minor">
+            <a:schemeClr val="lt1"/>
+          </a:fontRef>
+        </p:style>
+        <p:txBody>
+          <a:bodyPr rtlCol="0" anchor="ctr"/>
+          <a:lstStyle/>
+          <a:p>
+            <a:pPr algn="ctr"/>
+            <a:r>
+              <a:rPr lang="en-US" dirty="0"/>
+              <a:t>Insert into Categories values(11,’cat-0011’,’sddfdf’)</a:t>
+            </a:r>
+          </a:p>
+        </p:txBody>
+      </p:sp>
+      <p:sp>
+        <p:nvSpPr>
+          <p:cNvPr id="5" name="TextBox 4">
+            <a:extLst>
+              <a:ext uri="{FF2B5EF4-FFF2-40B4-BE49-F238E27FC236}">
+                <a16:creationId xmlns:a16="http://schemas.microsoft.com/office/drawing/2014/main" id="{818E38AD-5A2E-BD4B-9FCB-DCDF21ADF291}"/>
+              </a:ext>
+            </a:extLst>
+          </p:cNvPr>
+          <p:cNvSpPr txBox="1"/>
+          <p:nvPr/>
+        </p:nvSpPr>
+        <p:spPr>
+          <a:xfrm>
+            <a:off x="3949337" y="0"/>
+            <a:ext cx="7127966" cy="3139321"/>
+          </a:xfrm>
+          <a:prstGeom prst="rect">
+            <a:avLst/>
+          </a:prstGeom>
+          <a:noFill/>
+        </p:spPr>
+        <p:txBody>
+          <a:bodyPr wrap="square" rtlCol="0">
+            <a:spAutoFit/>
+          </a:bodyPr>
+          <a:lstStyle/>
+          <a:p>
+            <a:pPr marL="342900" indent="-342900">
+              <a:buAutoNum type="arabicPeriod"/>
+            </a:pPr>
+            <a:r>
+              <a:rPr lang="en-US" dirty="0"/>
+              <a:t>Receive Query</a:t>
+            </a:r>
+          </a:p>
+          <a:p>
+            <a:pPr marL="342900" indent="-342900">
+              <a:buAutoNum type="arabicPeriod"/>
+            </a:pPr>
+            <a:r>
+              <a:rPr lang="en-US" dirty="0"/>
+              <a:t>Parse Query</a:t>
+            </a:r>
+          </a:p>
+          <a:p>
+            <a:pPr marL="342900" indent="-342900">
+              <a:buAutoNum type="arabicPeriod"/>
+            </a:pPr>
+            <a:r>
+              <a:rPr lang="en-US" dirty="0"/>
+              <a:t>Evaluate Query</a:t>
+            </a:r>
+          </a:p>
+          <a:p>
+            <a:pPr marL="800100" lvl="1" indent="-342900">
+              <a:buAutoNum type="arabicPeriod"/>
+            </a:pPr>
+            <a:r>
+              <a:rPr lang="en-US" dirty="0"/>
+              <a:t>Check for Table</a:t>
+            </a:r>
+          </a:p>
+          <a:p>
+            <a:pPr marL="800100" lvl="1" indent="-342900">
+              <a:buAutoNum type="arabicPeriod"/>
+            </a:pPr>
+            <a:r>
+              <a:rPr lang="en-US" dirty="0"/>
+              <a:t>Check for Columns</a:t>
+            </a:r>
+          </a:p>
+          <a:p>
+            <a:pPr marL="1257300" lvl="2" indent="-342900">
+              <a:buAutoNum type="arabicPeriod"/>
+            </a:pPr>
+            <a:r>
+              <a:rPr lang="en-US" dirty="0"/>
+              <a:t>Check for Constraints</a:t>
+            </a:r>
+          </a:p>
+          <a:p>
+            <a:pPr marL="800100" lvl="1" indent="-342900">
+              <a:buAutoNum type="arabicPeriod"/>
+            </a:pPr>
+            <a:r>
+              <a:rPr lang="en-US" dirty="0"/>
+              <a:t>Check for Relations</a:t>
+            </a:r>
+          </a:p>
+          <a:p>
+            <a:pPr marL="1257300" lvl="2" indent="-342900">
+              <a:buAutoNum type="arabicPeriod"/>
+            </a:pPr>
+            <a:r>
+              <a:rPr lang="en-US" dirty="0"/>
+              <a:t>Check for Type of Relation</a:t>
+            </a:r>
+          </a:p>
+          <a:p>
+            <a:pPr marL="342900" indent="-342900">
+              <a:buAutoNum type="arabicPeriod"/>
+            </a:pPr>
+            <a:r>
+              <a:rPr lang="en-US" dirty="0"/>
+              <a:t>Return Query Result</a:t>
+            </a:r>
+          </a:p>
+          <a:p>
+            <a:pPr marL="800100" lvl="1" indent="-342900">
+              <a:buAutoNum type="arabicPeriod"/>
+            </a:pPr>
+            <a:r>
+              <a:rPr lang="en-US" dirty="0"/>
+              <a:t>Success</a:t>
+            </a:r>
+          </a:p>
+          <a:p>
+            <a:pPr marL="800100" lvl="1" indent="-342900">
+              <a:buAutoNum type="arabicPeriod"/>
+            </a:pPr>
+            <a:r>
+              <a:rPr lang="en-US" dirty="0"/>
+              <a:t>Fail</a:t>
+            </a:r>
+          </a:p>
+        </p:txBody>
+      </p:sp>
+    </p:spTree>
+    <p:extLst>
+      <p:ext uri="{BB962C8B-B14F-4D97-AF65-F5344CB8AC3E}">
+        <p14:creationId xmlns:p14="http://schemas.microsoft.com/office/powerpoint/2010/main" val="1234247912"/>
+      </p:ext>
+    </p:extLst>
+  </p:cSld>
+  <p:clrMapOvr>
+    <a:masterClrMapping/>
+  </p:clrMapOvr>
+</p:sld>
+</file>
+
+<file path=ppt/slides/slide31.xml><?xml version="1.0" encoding="utf-8"?>
+<p:sld xmlns:a="http://schemas.openxmlformats.org/drawingml/2006/main" xmlns:r="http://schemas.openxmlformats.org/officeDocument/2006/relationships" xmlns:p="http://schemas.openxmlformats.org/presentationml/2006/main">
+  <p:cSld>
+    <p:spTree>
+      <p:nvGrpSpPr>
+        <p:cNvPr id="1" name=""/>
+        <p:cNvGrpSpPr/>
+        <p:nvPr/>
+      </p:nvGrpSpPr>
+      <p:grpSpPr>
+        <a:xfrm>
+          <a:off x="0" y="0"/>
+          <a:ext cx="0" cy="0"/>
+          <a:chOff x="0" y="0"/>
+          <a:chExt cx="0" cy="0"/>
+        </a:xfrm>
+      </p:grpSpPr>
+      <p:sp>
+        <p:nvSpPr>
+          <p:cNvPr id="2" name="Rectangle 1">
+            <a:extLst>
+              <a:ext uri="{FF2B5EF4-FFF2-40B4-BE49-F238E27FC236}">
+                <a16:creationId xmlns:a16="http://schemas.microsoft.com/office/drawing/2014/main" id="{066726E0-AFAD-704D-80B3-B2813354028D}"/>
+              </a:ext>
+            </a:extLst>
+          </p:cNvPr>
+          <p:cNvSpPr/>
+          <p:nvPr/>
+        </p:nvSpPr>
+        <p:spPr>
+          <a:xfrm>
+            <a:off x="705394" y="2438400"/>
+            <a:ext cx="2664823" cy="2238103"/>
+          </a:xfrm>
+          <a:prstGeom prst="rect">
+            <a:avLst/>
+          </a:prstGeom>
+        </p:spPr>
+        <p:style>
+          <a:lnRef idx="2">
+            <a:schemeClr val="accent1">
+              <a:shade val="50000"/>
+            </a:schemeClr>
+          </a:lnRef>
+          <a:fillRef idx="1">
+            <a:schemeClr val="accent1"/>
+          </a:fillRef>
+          <a:effectRef idx="0">
+            <a:schemeClr val="accent1"/>
+          </a:effectRef>
+          <a:fontRef idx="minor">
+            <a:schemeClr val="lt1"/>
+          </a:fontRef>
+        </p:style>
+        <p:txBody>
+          <a:bodyPr rtlCol="0" anchor="ctr"/>
+          <a:lstStyle/>
+          <a:p>
+            <a:pPr algn="ctr"/>
+            <a:r>
+              <a:rPr lang="en-US" dirty="0"/>
+              <a:t>Client App</a:t>
+            </a:r>
+          </a:p>
+        </p:txBody>
+      </p:sp>
+      <p:sp>
+        <p:nvSpPr>
+          <p:cNvPr id="3" name="Can 2">
+            <a:extLst>
+              <a:ext uri="{FF2B5EF4-FFF2-40B4-BE49-F238E27FC236}">
+                <a16:creationId xmlns:a16="http://schemas.microsoft.com/office/drawing/2014/main" id="{938D7461-F1BD-7541-BD72-70B9D987EF17}"/>
+              </a:ext>
+            </a:extLst>
+          </p:cNvPr>
+          <p:cNvSpPr/>
+          <p:nvPr/>
+        </p:nvSpPr>
+        <p:spPr>
+          <a:xfrm>
+            <a:off x="8307977" y="2327365"/>
+            <a:ext cx="3291840" cy="2203269"/>
+          </a:xfrm>
+          <a:prstGeom prst="can">
+            <a:avLst/>
+          </a:prstGeom>
+        </p:spPr>
+        <p:style>
+          <a:lnRef idx="2">
+            <a:schemeClr val="accent1">
+              <a:shade val="50000"/>
+            </a:schemeClr>
+          </a:lnRef>
+          <a:fillRef idx="1">
+            <a:schemeClr val="accent1"/>
+          </a:fillRef>
+          <a:effectRef idx="0">
+            <a:schemeClr val="accent1"/>
+          </a:effectRef>
+          <a:fontRef idx="minor">
+            <a:schemeClr val="lt1"/>
+          </a:fontRef>
+        </p:style>
+        <p:txBody>
+          <a:bodyPr rtlCol="0" anchor="ctr"/>
+          <a:lstStyle/>
+          <a:p>
+            <a:pPr algn="ctr"/>
+            <a:r>
+              <a:rPr lang="en-US" dirty="0"/>
+              <a:t>Relational Database</a:t>
+            </a:r>
+          </a:p>
+        </p:txBody>
+      </p:sp>
+      <p:sp>
+        <p:nvSpPr>
+          <p:cNvPr id="4" name="Right Arrow 3">
+            <a:extLst>
+              <a:ext uri="{FF2B5EF4-FFF2-40B4-BE49-F238E27FC236}">
+                <a16:creationId xmlns:a16="http://schemas.microsoft.com/office/drawing/2014/main" id="{A5704BE9-B211-694D-ADE2-5C3EC82BF02F}"/>
+              </a:ext>
+            </a:extLst>
+          </p:cNvPr>
+          <p:cNvSpPr/>
+          <p:nvPr/>
+        </p:nvSpPr>
+        <p:spPr>
+          <a:xfrm>
+            <a:off x="3357154" y="2791096"/>
+            <a:ext cx="4937760" cy="1532709"/>
+          </a:xfrm>
+          <a:prstGeom prst="rightArrow">
+            <a:avLst/>
+          </a:prstGeom>
+        </p:spPr>
+        <p:style>
+          <a:lnRef idx="2">
+            <a:schemeClr val="accent1">
+              <a:shade val="50000"/>
+            </a:schemeClr>
+          </a:lnRef>
+          <a:fillRef idx="1">
+            <a:schemeClr val="accent1"/>
+          </a:fillRef>
+          <a:effectRef idx="0">
+            <a:schemeClr val="accent1"/>
+          </a:effectRef>
+          <a:fontRef idx="minor">
+            <a:schemeClr val="lt1"/>
+          </a:fontRef>
+        </p:style>
+        <p:txBody>
+          <a:bodyPr rtlCol="0" anchor="ctr"/>
+          <a:lstStyle/>
+          <a:p>
+            <a:pPr algn="ctr"/>
+            <a:r>
+              <a:rPr lang="en-US" dirty="0" err="1"/>
+              <a:t>Sp_InsertData</a:t>
+            </a:r>
+            <a:r>
+              <a:rPr lang="en-US" dirty="0"/>
+              <a:t>(parameters)</a:t>
+            </a:r>
+          </a:p>
+        </p:txBody>
+      </p:sp>
+      <p:sp>
+        <p:nvSpPr>
+          <p:cNvPr id="5" name="TextBox 4">
+            <a:extLst>
+              <a:ext uri="{FF2B5EF4-FFF2-40B4-BE49-F238E27FC236}">
+                <a16:creationId xmlns:a16="http://schemas.microsoft.com/office/drawing/2014/main" id="{818E38AD-5A2E-BD4B-9FCB-DCDF21ADF291}"/>
+              </a:ext>
+            </a:extLst>
+          </p:cNvPr>
+          <p:cNvSpPr txBox="1"/>
+          <p:nvPr/>
+        </p:nvSpPr>
+        <p:spPr>
+          <a:xfrm>
+            <a:off x="3949337" y="0"/>
+            <a:ext cx="7127966" cy="2585323"/>
+          </a:xfrm>
+          <a:prstGeom prst="rect">
+            <a:avLst/>
+          </a:prstGeom>
+          <a:noFill/>
+        </p:spPr>
+        <p:txBody>
+          <a:bodyPr wrap="square" rtlCol="0">
+            <a:spAutoFit/>
+          </a:bodyPr>
+          <a:lstStyle/>
+          <a:p>
+            <a:pPr marL="342900" indent="-342900">
+              <a:buAutoNum type="arabicPeriod"/>
+            </a:pPr>
+            <a:r>
+              <a:rPr lang="en-US" dirty="0"/>
+              <a:t>DB will receive the Request Command</a:t>
+            </a:r>
+          </a:p>
+          <a:p>
+            <a:pPr marL="342900" indent="-342900">
+              <a:buAutoNum type="arabicPeriod"/>
+            </a:pPr>
+            <a:r>
+              <a:rPr lang="en-US" dirty="0"/>
+              <a:t>The Command contains Stored Proc Name</a:t>
+            </a:r>
+          </a:p>
+          <a:p>
+            <a:pPr marL="342900" indent="-342900">
+              <a:buAutoNum type="arabicPeriod"/>
+            </a:pPr>
+            <a:r>
+              <a:rPr lang="en-US" dirty="0"/>
+              <a:t>Check if SP exist</a:t>
+            </a:r>
+          </a:p>
+          <a:p>
+            <a:pPr marL="342900" indent="-342900">
+              <a:buAutoNum type="arabicPeriod"/>
+            </a:pPr>
+            <a:r>
+              <a:rPr lang="en-US" dirty="0"/>
+              <a:t>Evaluate SP</a:t>
+            </a:r>
+          </a:p>
+          <a:p>
+            <a:pPr marL="800100" lvl="1" indent="-342900">
+              <a:buAutoNum type="arabicPeriod"/>
+            </a:pPr>
+            <a:r>
+              <a:rPr lang="en-US" dirty="0"/>
+              <a:t>Load SP in Process</a:t>
+            </a:r>
+          </a:p>
+          <a:p>
+            <a:pPr marL="800100" lvl="1" indent="-342900">
+              <a:buAutoNum type="arabicPeriod"/>
+            </a:pPr>
+            <a:r>
+              <a:rPr lang="en-US" dirty="0"/>
+              <a:t>Read Parameters</a:t>
+            </a:r>
+          </a:p>
+          <a:p>
+            <a:pPr marL="800100" lvl="1" indent="-342900">
+              <a:buAutoNum type="arabicPeriod"/>
+            </a:pPr>
+            <a:r>
+              <a:rPr lang="en-US" dirty="0"/>
+              <a:t>Validate Parameters</a:t>
+            </a:r>
+          </a:p>
+          <a:p>
+            <a:pPr marL="800100" lvl="1" indent="-342900">
+              <a:buAutoNum type="arabicPeriod"/>
+            </a:pPr>
+            <a:r>
+              <a:rPr lang="en-US" dirty="0"/>
+              <a:t>Execute</a:t>
+            </a:r>
+          </a:p>
+          <a:p>
+            <a:pPr marL="800100" lvl="1" indent="-342900">
+              <a:buAutoNum type="arabicPeriod"/>
+            </a:pPr>
+            <a:r>
+              <a:rPr lang="en-US" dirty="0"/>
+              <a:t>Generate Result if any</a:t>
+            </a:r>
+          </a:p>
+        </p:txBody>
+      </p:sp>
+      <p:sp>
+        <p:nvSpPr>
+          <p:cNvPr id="6" name="TextBox 5">
+            <a:extLst>
+              <a:ext uri="{FF2B5EF4-FFF2-40B4-BE49-F238E27FC236}">
+                <a16:creationId xmlns:a16="http://schemas.microsoft.com/office/drawing/2014/main" id="{73D9E3A6-5C46-FB44-A77A-79F8CB8711A0}"/>
+              </a:ext>
+            </a:extLst>
+          </p:cNvPr>
+          <p:cNvSpPr txBox="1"/>
+          <p:nvPr/>
+        </p:nvSpPr>
+        <p:spPr>
+          <a:xfrm>
+            <a:off x="3884024" y="4929051"/>
+            <a:ext cx="5050970" cy="646331"/>
+          </a:xfrm>
+          <a:prstGeom prst="rect">
+            <a:avLst/>
+          </a:prstGeom>
+          <a:noFill/>
+        </p:spPr>
+        <p:txBody>
+          <a:bodyPr wrap="square" rtlCol="0">
+            <a:spAutoFit/>
+          </a:bodyPr>
+          <a:lstStyle/>
+          <a:p>
+            <a:r>
+              <a:rPr lang="en-US" dirty="0"/>
+              <a:t>Stored Procs are always resides in the DB Engine’s memory in </a:t>
+            </a:r>
+            <a:r>
+              <a:rPr lang="en-US"/>
+              <a:t>precompiled form</a:t>
+            </a:r>
+          </a:p>
+        </p:txBody>
+      </p:sp>
+    </p:spTree>
+    <p:extLst>
+      <p:ext uri="{BB962C8B-B14F-4D97-AF65-F5344CB8AC3E}">
+        <p14:creationId xmlns:p14="http://schemas.microsoft.com/office/powerpoint/2010/main" val="2923233896"/>
       </p:ext>
     </p:extLst>
   </p:cSld>

--- a/SpotPPTs.pptx
+++ b/SpotPPTs.pptx
@@ -18114,11 +18114,7 @@
           <a:p>
             <a:r>
               <a:rPr lang="en-US" dirty="0"/>
-              <a:t>Stored Procs are always resides in the DB Engine’s memory in </a:t>
-            </a:r>
-            <a:r>
-              <a:rPr lang="en-US"/>
-              <a:t>precompiled form</a:t>
+              <a:t>Stored Procs are always resides in the DB Engine’s memory in precompiled form</a:t>
             </a:r>
           </a:p>
         </p:txBody>

--- a/SpotPPTs.pptx
+++ b/SpotPPTs.pptx
@@ -36,6 +36,12 @@
     <p:sldId id="283" r:id="rId30"/>
     <p:sldId id="285" r:id="rId31"/>
     <p:sldId id="286" r:id="rId32"/>
+    <p:sldId id="287" r:id="rId33"/>
+    <p:sldId id="288" r:id="rId34"/>
+    <p:sldId id="289" r:id="rId35"/>
+    <p:sldId id="290" r:id="rId36"/>
+    <p:sldId id="291" r:id="rId37"/>
+    <p:sldId id="292" r:id="rId38"/>
   </p:sldIdLst>
   <p:sldSz cx="12192000" cy="6858000"/>
   <p:notesSz cx="6858000" cy="9144000"/>
@@ -291,7 +297,7 @@
           <a:p>
             <a:fld id="{6B75415C-91ED-7941-9068-396BBFB028E8}" type="datetimeFigureOut">
               <a:rPr lang="en-US" smtClean="0"/>
-              <a:t>4/26/21</a:t>
+              <a:t>4/28/21</a:t>
             </a:fld>
             <a:endParaRPr lang="en-US"/>
           </a:p>
@@ -491,7 +497,7 @@
           <a:p>
             <a:fld id="{6B75415C-91ED-7941-9068-396BBFB028E8}" type="datetimeFigureOut">
               <a:rPr lang="en-US" smtClean="0"/>
-              <a:t>4/26/21</a:t>
+              <a:t>4/28/21</a:t>
             </a:fld>
             <a:endParaRPr lang="en-US"/>
           </a:p>
@@ -701,7 +707,7 @@
           <a:p>
             <a:fld id="{6B75415C-91ED-7941-9068-396BBFB028E8}" type="datetimeFigureOut">
               <a:rPr lang="en-US" smtClean="0"/>
-              <a:t>4/26/21</a:t>
+              <a:t>4/28/21</a:t>
             </a:fld>
             <a:endParaRPr lang="en-US"/>
           </a:p>
@@ -901,7 +907,7 @@
           <a:p>
             <a:fld id="{6B75415C-91ED-7941-9068-396BBFB028E8}" type="datetimeFigureOut">
               <a:rPr lang="en-US" smtClean="0"/>
-              <a:t>4/26/21</a:t>
+              <a:t>4/28/21</a:t>
             </a:fld>
             <a:endParaRPr lang="en-US"/>
           </a:p>
@@ -1177,7 +1183,7 @@
           <a:p>
             <a:fld id="{6B75415C-91ED-7941-9068-396BBFB028E8}" type="datetimeFigureOut">
               <a:rPr lang="en-US" smtClean="0"/>
-              <a:t>4/26/21</a:t>
+              <a:t>4/28/21</a:t>
             </a:fld>
             <a:endParaRPr lang="en-US"/>
           </a:p>
@@ -1445,7 +1451,7 @@
           <a:p>
             <a:fld id="{6B75415C-91ED-7941-9068-396BBFB028E8}" type="datetimeFigureOut">
               <a:rPr lang="en-US" smtClean="0"/>
-              <a:t>4/26/21</a:t>
+              <a:t>4/28/21</a:t>
             </a:fld>
             <a:endParaRPr lang="en-US"/>
           </a:p>
@@ -1860,7 +1866,7 @@
           <a:p>
             <a:fld id="{6B75415C-91ED-7941-9068-396BBFB028E8}" type="datetimeFigureOut">
               <a:rPr lang="en-US" smtClean="0"/>
-              <a:t>4/26/21</a:t>
+              <a:t>4/28/21</a:t>
             </a:fld>
             <a:endParaRPr lang="en-US"/>
           </a:p>
@@ -2002,7 +2008,7 @@
           <a:p>
             <a:fld id="{6B75415C-91ED-7941-9068-396BBFB028E8}" type="datetimeFigureOut">
               <a:rPr lang="en-US" smtClean="0"/>
-              <a:t>4/26/21</a:t>
+              <a:t>4/28/21</a:t>
             </a:fld>
             <a:endParaRPr lang="en-US"/>
           </a:p>
@@ -2115,7 +2121,7 @@
           <a:p>
             <a:fld id="{6B75415C-91ED-7941-9068-396BBFB028E8}" type="datetimeFigureOut">
               <a:rPr lang="en-US" smtClean="0"/>
-              <a:t>4/26/21</a:t>
+              <a:t>4/28/21</a:t>
             </a:fld>
             <a:endParaRPr lang="en-US"/>
           </a:p>
@@ -2428,7 +2434,7 @@
           <a:p>
             <a:fld id="{6B75415C-91ED-7941-9068-396BBFB028E8}" type="datetimeFigureOut">
               <a:rPr lang="en-US" smtClean="0"/>
-              <a:t>4/26/21</a:t>
+              <a:t>4/28/21</a:t>
             </a:fld>
             <a:endParaRPr lang="en-US"/>
           </a:p>
@@ -2717,7 +2723,7 @@
           <a:p>
             <a:fld id="{6B75415C-91ED-7941-9068-396BBFB028E8}" type="datetimeFigureOut">
               <a:rPr lang="en-US" smtClean="0"/>
-              <a:t>4/26/21</a:t>
+              <a:t>4/28/21</a:t>
             </a:fld>
             <a:endParaRPr lang="en-US"/>
           </a:p>
@@ -2960,7 +2966,7 @@
           <a:p>
             <a:fld id="{6B75415C-91ED-7941-9068-396BBFB028E8}" type="datetimeFigureOut">
               <a:rPr lang="en-US" smtClean="0"/>
-              <a:t>4/26/21</a:t>
+              <a:t>4/28/21</a:t>
             </a:fld>
             <a:endParaRPr lang="en-US"/>
           </a:p>
@@ -18132,6 +18138,3724 @@
 </p:sld>
 </file>
 
+<file path=ppt/slides/slide32.xml><?xml version="1.0" encoding="utf-8"?>
+<p:sld xmlns:a="http://schemas.openxmlformats.org/drawingml/2006/main" xmlns:r="http://schemas.openxmlformats.org/officeDocument/2006/relationships" xmlns:p="http://schemas.openxmlformats.org/presentationml/2006/main">
+  <p:cSld>
+    <p:spTree>
+      <p:nvGrpSpPr>
+        <p:cNvPr id="1" name=""/>
+        <p:cNvGrpSpPr/>
+        <p:nvPr/>
+      </p:nvGrpSpPr>
+      <p:grpSpPr>
+        <a:xfrm>
+          <a:off x="0" y="0"/>
+          <a:ext cx="0" cy="0"/>
+          <a:chOff x="0" y="0"/>
+          <a:chExt cx="0" cy="0"/>
+        </a:xfrm>
+      </p:grpSpPr>
+      <p:sp>
+        <p:nvSpPr>
+          <p:cNvPr id="2" name="Rectangle 1">
+            <a:extLst>
+              <a:ext uri="{FF2B5EF4-FFF2-40B4-BE49-F238E27FC236}">
+                <a16:creationId xmlns:a16="http://schemas.microsoft.com/office/drawing/2014/main" id="{B7793D51-817C-6F4E-9947-A109CEF3AD8E}"/>
+              </a:ext>
+            </a:extLst>
+          </p:cNvPr>
+          <p:cNvSpPr/>
+          <p:nvPr/>
+        </p:nvSpPr>
+        <p:spPr>
+          <a:xfrm>
+            <a:off x="1001485" y="383178"/>
+            <a:ext cx="10006149" cy="5939246"/>
+          </a:xfrm>
+          <a:prstGeom prst="rect">
+            <a:avLst/>
+          </a:prstGeom>
+        </p:spPr>
+        <p:style>
+          <a:lnRef idx="1">
+            <a:schemeClr val="accent3"/>
+          </a:lnRef>
+          <a:fillRef idx="2">
+            <a:schemeClr val="accent3"/>
+          </a:fillRef>
+          <a:effectRef idx="1">
+            <a:schemeClr val="accent3"/>
+          </a:effectRef>
+          <a:fontRef idx="minor">
+            <a:schemeClr val="dk1"/>
+          </a:fontRef>
+        </p:style>
+        <p:txBody>
+          <a:bodyPr rtlCol="0" anchor="ctr"/>
+          <a:lstStyle/>
+          <a:p>
+            <a:pPr algn="ctr"/>
+            <a:endParaRPr lang="en-US"/>
+          </a:p>
+        </p:txBody>
+      </p:sp>
+      <p:sp>
+        <p:nvSpPr>
+          <p:cNvPr id="3" name="TextBox 2">
+            <a:extLst>
+              <a:ext uri="{FF2B5EF4-FFF2-40B4-BE49-F238E27FC236}">
+                <a16:creationId xmlns:a16="http://schemas.microsoft.com/office/drawing/2014/main" id="{E4D16103-F46C-614A-BEBB-E021D137FBD7}"/>
+              </a:ext>
+            </a:extLst>
+          </p:cNvPr>
+          <p:cNvSpPr txBox="1"/>
+          <p:nvPr/>
+        </p:nvSpPr>
+        <p:spPr>
+          <a:xfrm>
+            <a:off x="3431177" y="505097"/>
+            <a:ext cx="4885509" cy="369332"/>
+          </a:xfrm>
+          <a:prstGeom prst="rect">
+            <a:avLst/>
+          </a:prstGeom>
+          <a:noFill/>
+        </p:spPr>
+        <p:txBody>
+          <a:bodyPr wrap="square" rtlCol="0">
+            <a:spAutoFit/>
+          </a:bodyPr>
+          <a:lstStyle/>
+          <a:p>
+            <a:pPr algn="ctr"/>
+            <a:r>
+              <a:rPr lang="en-US" dirty="0"/>
+              <a:t>Parent Component</a:t>
+            </a:r>
+          </a:p>
+        </p:txBody>
+      </p:sp>
+      <p:sp>
+        <p:nvSpPr>
+          <p:cNvPr id="4" name="Rectangle 3">
+            <a:extLst>
+              <a:ext uri="{FF2B5EF4-FFF2-40B4-BE49-F238E27FC236}">
+                <a16:creationId xmlns:a16="http://schemas.microsoft.com/office/drawing/2014/main" id="{BA9D1A46-5ACA-C748-B93C-9A17AF60BB78}"/>
+              </a:ext>
+            </a:extLst>
+          </p:cNvPr>
+          <p:cNvSpPr/>
+          <p:nvPr/>
+        </p:nvSpPr>
+        <p:spPr>
+          <a:xfrm>
+            <a:off x="1184366" y="1576251"/>
+            <a:ext cx="9535885" cy="1193075"/>
+          </a:xfrm>
+          <a:prstGeom prst="rect">
+            <a:avLst/>
+          </a:prstGeom>
+        </p:spPr>
+        <p:style>
+          <a:lnRef idx="2">
+            <a:schemeClr val="accent1">
+              <a:shade val="50000"/>
+            </a:schemeClr>
+          </a:lnRef>
+          <a:fillRef idx="1">
+            <a:schemeClr val="accent1"/>
+          </a:fillRef>
+          <a:effectRef idx="0">
+            <a:schemeClr val="accent1"/>
+          </a:effectRef>
+          <a:fontRef idx="minor">
+            <a:schemeClr val="lt1"/>
+          </a:fontRef>
+        </p:style>
+        <p:txBody>
+          <a:bodyPr rtlCol="0" anchor="ctr"/>
+          <a:lstStyle/>
+          <a:p>
+            <a:pPr algn="ctr"/>
+            <a:r>
+              <a:rPr lang="en-US" dirty="0"/>
+              <a:t>C1</a:t>
+            </a:r>
+          </a:p>
+          <a:p>
+            <a:pPr algn="ctr"/>
+            <a:r>
+              <a:rPr lang="en-US" dirty="0"/>
+              <a:t>This.props.v1</a:t>
+            </a:r>
+          </a:p>
+        </p:txBody>
+      </p:sp>
+      <p:sp>
+        <p:nvSpPr>
+          <p:cNvPr id="5" name="Rectangle 4">
+            <a:extLst>
+              <a:ext uri="{FF2B5EF4-FFF2-40B4-BE49-F238E27FC236}">
+                <a16:creationId xmlns:a16="http://schemas.microsoft.com/office/drawing/2014/main" id="{E2A7267A-56DB-774F-89E2-ED600363A87C}"/>
+              </a:ext>
+            </a:extLst>
+          </p:cNvPr>
+          <p:cNvSpPr/>
+          <p:nvPr/>
+        </p:nvSpPr>
+        <p:spPr>
+          <a:xfrm>
+            <a:off x="1236616" y="3078480"/>
+            <a:ext cx="9535885" cy="1193075"/>
+          </a:xfrm>
+          <a:prstGeom prst="rect">
+            <a:avLst/>
+          </a:prstGeom>
+        </p:spPr>
+        <p:style>
+          <a:lnRef idx="2">
+            <a:schemeClr val="accent1">
+              <a:shade val="50000"/>
+            </a:schemeClr>
+          </a:lnRef>
+          <a:fillRef idx="1">
+            <a:schemeClr val="accent1"/>
+          </a:fillRef>
+          <a:effectRef idx="0">
+            <a:schemeClr val="accent1"/>
+          </a:effectRef>
+          <a:fontRef idx="minor">
+            <a:schemeClr val="lt1"/>
+          </a:fontRef>
+        </p:style>
+        <p:txBody>
+          <a:bodyPr rtlCol="0" anchor="ctr"/>
+          <a:lstStyle/>
+          <a:p>
+            <a:pPr algn="ctr"/>
+            <a:r>
+              <a:rPr lang="en-US" dirty="0"/>
+              <a:t>C2</a:t>
+            </a:r>
+          </a:p>
+          <a:p>
+            <a:pPr algn="ctr"/>
+            <a:r>
+              <a:rPr lang="en-US" dirty="0"/>
+              <a:t>This.props.v2</a:t>
+            </a:r>
+          </a:p>
+        </p:txBody>
+      </p:sp>
+      <p:sp>
+        <p:nvSpPr>
+          <p:cNvPr id="6" name="Rectangle 5">
+            <a:extLst>
+              <a:ext uri="{FF2B5EF4-FFF2-40B4-BE49-F238E27FC236}">
+                <a16:creationId xmlns:a16="http://schemas.microsoft.com/office/drawing/2014/main" id="{4F783F78-B7A8-9344-9FDE-6C6152D3F4C9}"/>
+              </a:ext>
+            </a:extLst>
+          </p:cNvPr>
+          <p:cNvSpPr/>
+          <p:nvPr/>
+        </p:nvSpPr>
+        <p:spPr>
+          <a:xfrm>
+            <a:off x="1236616" y="4700452"/>
+            <a:ext cx="9535885" cy="1193075"/>
+          </a:xfrm>
+          <a:prstGeom prst="rect">
+            <a:avLst/>
+          </a:prstGeom>
+        </p:spPr>
+        <p:style>
+          <a:lnRef idx="2">
+            <a:schemeClr val="accent1">
+              <a:shade val="50000"/>
+            </a:schemeClr>
+          </a:lnRef>
+          <a:fillRef idx="1">
+            <a:schemeClr val="accent1"/>
+          </a:fillRef>
+          <a:effectRef idx="0">
+            <a:schemeClr val="accent1"/>
+          </a:effectRef>
+          <a:fontRef idx="minor">
+            <a:schemeClr val="lt1"/>
+          </a:fontRef>
+        </p:style>
+        <p:txBody>
+          <a:bodyPr rtlCol="0" anchor="ctr"/>
+          <a:lstStyle/>
+          <a:p>
+            <a:pPr algn="ctr"/>
+            <a:r>
+              <a:rPr lang="en-US" dirty="0"/>
+              <a:t>C3</a:t>
+            </a:r>
+          </a:p>
+          <a:p>
+            <a:pPr algn="ctr"/>
+            <a:r>
+              <a:rPr lang="en-US" dirty="0"/>
+              <a:t>This.porps.v3</a:t>
+            </a:r>
+          </a:p>
+        </p:txBody>
+      </p:sp>
+      <p:sp>
+        <p:nvSpPr>
+          <p:cNvPr id="7" name="TextBox 6">
+            <a:extLst>
+              <a:ext uri="{FF2B5EF4-FFF2-40B4-BE49-F238E27FC236}">
+                <a16:creationId xmlns:a16="http://schemas.microsoft.com/office/drawing/2014/main" id="{4279F48C-D88F-7646-912E-6546930C296D}"/>
+              </a:ext>
+            </a:extLst>
+          </p:cNvPr>
+          <p:cNvSpPr txBox="1"/>
+          <p:nvPr/>
+        </p:nvSpPr>
+        <p:spPr>
+          <a:xfrm>
+            <a:off x="1349829" y="874429"/>
+            <a:ext cx="9422672" cy="646331"/>
+          </a:xfrm>
+          <a:prstGeom prst="rect">
+            <a:avLst/>
+          </a:prstGeom>
+          <a:noFill/>
+        </p:spPr>
+        <p:txBody>
+          <a:bodyPr wrap="square" rtlCol="0">
+            <a:spAutoFit/>
+          </a:bodyPr>
+          <a:lstStyle/>
+          <a:p>
+            <a:r>
+              <a:rPr lang="en-US" dirty="0"/>
+              <a:t>X=10</a:t>
+            </a:r>
+          </a:p>
+          <a:p>
+            <a:r>
+              <a:rPr lang="en-US" dirty="0"/>
+              <a:t>&lt;C1 v1={X}/&gt; &lt;C2 v2={X}/&gt; &lt;C3 v3={X}/&gt;.    </a:t>
+            </a:r>
+            <a:r>
+              <a:rPr lang="en-US" dirty="0" err="1"/>
+              <a:t>Props.children</a:t>
+            </a:r>
+            <a:endParaRPr lang="en-US" dirty="0"/>
+          </a:p>
+        </p:txBody>
+      </p:sp>
+    </p:spTree>
+    <p:extLst>
+      <p:ext uri="{BB962C8B-B14F-4D97-AF65-F5344CB8AC3E}">
+        <p14:creationId xmlns:p14="http://schemas.microsoft.com/office/powerpoint/2010/main" val="3719716266"/>
+      </p:ext>
+    </p:extLst>
+  </p:cSld>
+  <p:clrMapOvr>
+    <a:masterClrMapping/>
+  </p:clrMapOvr>
+</p:sld>
+</file>
+
+<file path=ppt/slides/slide33.xml><?xml version="1.0" encoding="utf-8"?>
+<p:sld xmlns:a="http://schemas.openxmlformats.org/drawingml/2006/main" xmlns:r="http://schemas.openxmlformats.org/officeDocument/2006/relationships" xmlns:p="http://schemas.openxmlformats.org/presentationml/2006/main">
+  <p:cSld>
+    <p:spTree>
+      <p:nvGrpSpPr>
+        <p:cNvPr id="1" name=""/>
+        <p:cNvGrpSpPr/>
+        <p:nvPr/>
+      </p:nvGrpSpPr>
+      <p:grpSpPr>
+        <a:xfrm>
+          <a:off x="0" y="0"/>
+          <a:ext cx="0" cy="0"/>
+          <a:chOff x="0" y="0"/>
+          <a:chExt cx="0" cy="0"/>
+        </a:xfrm>
+      </p:grpSpPr>
+      <p:sp>
+        <p:nvSpPr>
+          <p:cNvPr id="2" name="Rectangle 1">
+            <a:extLst>
+              <a:ext uri="{FF2B5EF4-FFF2-40B4-BE49-F238E27FC236}">
+                <a16:creationId xmlns:a16="http://schemas.microsoft.com/office/drawing/2014/main" id="{B7793D51-817C-6F4E-9947-A109CEF3AD8E}"/>
+              </a:ext>
+            </a:extLst>
+          </p:cNvPr>
+          <p:cNvSpPr/>
+          <p:nvPr/>
+        </p:nvSpPr>
+        <p:spPr>
+          <a:xfrm>
+            <a:off x="1001485" y="383178"/>
+            <a:ext cx="10006149" cy="5939246"/>
+          </a:xfrm>
+          <a:prstGeom prst="rect">
+            <a:avLst/>
+          </a:prstGeom>
+        </p:spPr>
+        <p:style>
+          <a:lnRef idx="1">
+            <a:schemeClr val="accent3"/>
+          </a:lnRef>
+          <a:fillRef idx="2">
+            <a:schemeClr val="accent3"/>
+          </a:fillRef>
+          <a:effectRef idx="1">
+            <a:schemeClr val="accent3"/>
+          </a:effectRef>
+          <a:fontRef idx="minor">
+            <a:schemeClr val="dk1"/>
+          </a:fontRef>
+        </p:style>
+        <p:txBody>
+          <a:bodyPr rtlCol="0" anchor="ctr"/>
+          <a:lstStyle/>
+          <a:p>
+            <a:pPr algn="ctr"/>
+            <a:endParaRPr lang="en-US"/>
+          </a:p>
+        </p:txBody>
+      </p:sp>
+      <p:sp>
+        <p:nvSpPr>
+          <p:cNvPr id="3" name="TextBox 2">
+            <a:extLst>
+              <a:ext uri="{FF2B5EF4-FFF2-40B4-BE49-F238E27FC236}">
+                <a16:creationId xmlns:a16="http://schemas.microsoft.com/office/drawing/2014/main" id="{E4D16103-F46C-614A-BEBB-E021D137FBD7}"/>
+              </a:ext>
+            </a:extLst>
+          </p:cNvPr>
+          <p:cNvSpPr txBox="1"/>
+          <p:nvPr/>
+        </p:nvSpPr>
+        <p:spPr>
+          <a:xfrm>
+            <a:off x="3431177" y="505097"/>
+            <a:ext cx="4885509" cy="646331"/>
+          </a:xfrm>
+          <a:prstGeom prst="rect">
+            <a:avLst/>
+          </a:prstGeom>
+          <a:noFill/>
+        </p:spPr>
+        <p:txBody>
+          <a:bodyPr wrap="square" rtlCol="0">
+            <a:spAutoFit/>
+          </a:bodyPr>
+          <a:lstStyle/>
+          <a:p>
+            <a:pPr algn="ctr"/>
+            <a:r>
+              <a:rPr lang="en-US" dirty="0"/>
+              <a:t>Parent Component the having the execution context access of the Child  </a:t>
+            </a:r>
+          </a:p>
+        </p:txBody>
+      </p:sp>
+      <p:sp>
+        <p:nvSpPr>
+          <p:cNvPr id="4" name="Rectangle 3">
+            <a:extLst>
+              <a:ext uri="{FF2B5EF4-FFF2-40B4-BE49-F238E27FC236}">
+                <a16:creationId xmlns:a16="http://schemas.microsoft.com/office/drawing/2014/main" id="{BA9D1A46-5ACA-C748-B93C-9A17AF60BB78}"/>
+              </a:ext>
+            </a:extLst>
+          </p:cNvPr>
+          <p:cNvSpPr/>
+          <p:nvPr/>
+        </p:nvSpPr>
+        <p:spPr>
+          <a:xfrm>
+            <a:off x="1236616" y="2649583"/>
+            <a:ext cx="9535885" cy="670560"/>
+          </a:xfrm>
+          <a:prstGeom prst="rect">
+            <a:avLst/>
+          </a:prstGeom>
+        </p:spPr>
+        <p:style>
+          <a:lnRef idx="2">
+            <a:schemeClr val="accent1">
+              <a:shade val="50000"/>
+            </a:schemeClr>
+          </a:lnRef>
+          <a:fillRef idx="1">
+            <a:schemeClr val="accent1"/>
+          </a:fillRef>
+          <a:effectRef idx="0">
+            <a:schemeClr val="accent1"/>
+          </a:effectRef>
+          <a:fontRef idx="minor">
+            <a:schemeClr val="lt1"/>
+          </a:fontRef>
+        </p:style>
+        <p:txBody>
+          <a:bodyPr rtlCol="0" anchor="ctr"/>
+          <a:lstStyle/>
+          <a:p>
+            <a:pPr algn="ctr"/>
+            <a:r>
+              <a:rPr lang="en-US" dirty="0"/>
+              <a:t>C1</a:t>
+            </a:r>
+          </a:p>
+          <a:p>
+            <a:pPr algn="ctr"/>
+            <a:r>
+              <a:rPr lang="en-US" dirty="0"/>
+              <a:t> </a:t>
+            </a:r>
+          </a:p>
+        </p:txBody>
+      </p:sp>
+      <p:sp>
+        <p:nvSpPr>
+          <p:cNvPr id="5" name="Rectangle 4">
+            <a:extLst>
+              <a:ext uri="{FF2B5EF4-FFF2-40B4-BE49-F238E27FC236}">
+                <a16:creationId xmlns:a16="http://schemas.microsoft.com/office/drawing/2014/main" id="{E2A7267A-56DB-774F-89E2-ED600363A87C}"/>
+              </a:ext>
+            </a:extLst>
+          </p:cNvPr>
+          <p:cNvSpPr/>
+          <p:nvPr/>
+        </p:nvSpPr>
+        <p:spPr>
+          <a:xfrm>
+            <a:off x="1236616" y="3936275"/>
+            <a:ext cx="9535885" cy="670560"/>
+          </a:xfrm>
+          <a:prstGeom prst="rect">
+            <a:avLst/>
+          </a:prstGeom>
+        </p:spPr>
+        <p:style>
+          <a:lnRef idx="2">
+            <a:schemeClr val="accent1">
+              <a:shade val="50000"/>
+            </a:schemeClr>
+          </a:lnRef>
+          <a:fillRef idx="1">
+            <a:schemeClr val="accent1"/>
+          </a:fillRef>
+          <a:effectRef idx="0">
+            <a:schemeClr val="accent1"/>
+          </a:effectRef>
+          <a:fontRef idx="minor">
+            <a:schemeClr val="lt1"/>
+          </a:fontRef>
+        </p:style>
+        <p:txBody>
+          <a:bodyPr rtlCol="0" anchor="ctr"/>
+          <a:lstStyle/>
+          <a:p>
+            <a:pPr algn="ctr"/>
+            <a:r>
+              <a:rPr lang="en-US" dirty="0"/>
+              <a:t>C2</a:t>
+            </a:r>
+          </a:p>
+          <a:p>
+            <a:pPr algn="ctr"/>
+            <a:r>
+              <a:rPr lang="en-US" dirty="0"/>
+              <a:t> </a:t>
+            </a:r>
+          </a:p>
+        </p:txBody>
+      </p:sp>
+      <p:sp>
+        <p:nvSpPr>
+          <p:cNvPr id="6" name="Rectangle 5">
+            <a:extLst>
+              <a:ext uri="{FF2B5EF4-FFF2-40B4-BE49-F238E27FC236}">
+                <a16:creationId xmlns:a16="http://schemas.microsoft.com/office/drawing/2014/main" id="{4F783F78-B7A8-9344-9FDE-6C6152D3F4C9}"/>
+              </a:ext>
+            </a:extLst>
+          </p:cNvPr>
+          <p:cNvSpPr/>
+          <p:nvPr/>
+        </p:nvSpPr>
+        <p:spPr>
+          <a:xfrm>
+            <a:off x="1236616" y="5222967"/>
+            <a:ext cx="9535885" cy="670560"/>
+          </a:xfrm>
+          <a:prstGeom prst="rect">
+            <a:avLst/>
+          </a:prstGeom>
+        </p:spPr>
+        <p:style>
+          <a:lnRef idx="2">
+            <a:schemeClr val="accent1">
+              <a:shade val="50000"/>
+            </a:schemeClr>
+          </a:lnRef>
+          <a:fillRef idx="1">
+            <a:schemeClr val="accent1"/>
+          </a:fillRef>
+          <a:effectRef idx="0">
+            <a:schemeClr val="accent1"/>
+          </a:effectRef>
+          <a:fontRef idx="minor">
+            <a:schemeClr val="lt1"/>
+          </a:fontRef>
+        </p:style>
+        <p:txBody>
+          <a:bodyPr rtlCol="0" anchor="ctr"/>
+          <a:lstStyle/>
+          <a:p>
+            <a:pPr algn="ctr"/>
+            <a:r>
+              <a:rPr lang="en-US" dirty="0"/>
+              <a:t>C3</a:t>
+            </a:r>
+          </a:p>
+          <a:p>
+            <a:pPr algn="ctr"/>
+            <a:r>
+              <a:rPr lang="en-US" dirty="0"/>
+              <a:t> </a:t>
+            </a:r>
+          </a:p>
+        </p:txBody>
+      </p:sp>
+      <p:sp>
+        <p:nvSpPr>
+          <p:cNvPr id="7" name="TextBox 6">
+            <a:extLst>
+              <a:ext uri="{FF2B5EF4-FFF2-40B4-BE49-F238E27FC236}">
+                <a16:creationId xmlns:a16="http://schemas.microsoft.com/office/drawing/2014/main" id="{4279F48C-D88F-7646-912E-6546930C296D}"/>
+              </a:ext>
+            </a:extLst>
+          </p:cNvPr>
+          <p:cNvSpPr txBox="1"/>
+          <p:nvPr/>
+        </p:nvSpPr>
+        <p:spPr>
+          <a:xfrm>
+            <a:off x="1349829" y="874429"/>
+            <a:ext cx="9422672" cy="369332"/>
+          </a:xfrm>
+          <a:prstGeom prst="rect">
+            <a:avLst/>
+          </a:prstGeom>
+          <a:noFill/>
+        </p:spPr>
+        <p:txBody>
+          <a:bodyPr wrap="square" rtlCol="0">
+            <a:spAutoFit/>
+          </a:bodyPr>
+          <a:lstStyle/>
+          <a:p>
+            <a:r>
+              <a:rPr lang="en-US" dirty="0"/>
+              <a:t>X=10     </a:t>
+            </a:r>
+          </a:p>
+        </p:txBody>
+      </p:sp>
+      <p:sp>
+        <p:nvSpPr>
+          <p:cNvPr id="8" name="TextBox 7">
+            <a:extLst>
+              <a:ext uri="{FF2B5EF4-FFF2-40B4-BE49-F238E27FC236}">
+                <a16:creationId xmlns:a16="http://schemas.microsoft.com/office/drawing/2014/main" id="{8DBCD2D5-BFDC-F344-A321-96C463D93BBB}"/>
+              </a:ext>
+            </a:extLst>
+          </p:cNvPr>
+          <p:cNvSpPr txBox="1"/>
+          <p:nvPr/>
+        </p:nvSpPr>
+        <p:spPr>
+          <a:xfrm>
+            <a:off x="1236616" y="1454331"/>
+            <a:ext cx="9344298" cy="923330"/>
+          </a:xfrm>
+          <a:prstGeom prst="rect">
+            <a:avLst/>
+          </a:prstGeom>
+          <a:noFill/>
+        </p:spPr>
+        <p:txBody>
+          <a:bodyPr wrap="square" rtlCol="0">
+            <a:spAutoFit/>
+          </a:bodyPr>
+          <a:lstStyle/>
+          <a:p>
+            <a:r>
+              <a:rPr lang="en-US" dirty="0"/>
+              <a:t>&lt;C1/&gt;</a:t>
+            </a:r>
+          </a:p>
+          <a:p>
+            <a:r>
+              <a:rPr lang="en-US" dirty="0"/>
+              <a:t>&lt;C2/&gt;</a:t>
+            </a:r>
+          </a:p>
+          <a:p>
+            <a:r>
+              <a:rPr lang="en-US" dirty="0"/>
+              <a:t>&lt;C3/&gt;</a:t>
+            </a:r>
+          </a:p>
+        </p:txBody>
+      </p:sp>
+    </p:spTree>
+    <p:extLst>
+      <p:ext uri="{BB962C8B-B14F-4D97-AF65-F5344CB8AC3E}">
+        <p14:creationId xmlns:p14="http://schemas.microsoft.com/office/powerpoint/2010/main" val="2695875257"/>
+      </p:ext>
+    </p:extLst>
+  </p:cSld>
+  <p:clrMapOvr>
+    <a:masterClrMapping/>
+  </p:clrMapOvr>
+</p:sld>
+</file>
+
+<file path=ppt/slides/slide34.xml><?xml version="1.0" encoding="utf-8"?>
+<p:sld xmlns:a="http://schemas.openxmlformats.org/drawingml/2006/main" xmlns:r="http://schemas.openxmlformats.org/officeDocument/2006/relationships" xmlns:p="http://schemas.openxmlformats.org/presentationml/2006/main">
+  <p:cSld>
+    <p:spTree>
+      <p:nvGrpSpPr>
+        <p:cNvPr id="1" name=""/>
+        <p:cNvGrpSpPr/>
+        <p:nvPr/>
+      </p:nvGrpSpPr>
+      <p:grpSpPr>
+        <a:xfrm>
+          <a:off x="0" y="0"/>
+          <a:ext cx="0" cy="0"/>
+          <a:chOff x="0" y="0"/>
+          <a:chExt cx="0" cy="0"/>
+        </a:xfrm>
+      </p:grpSpPr>
+      <p:sp>
+        <p:nvSpPr>
+          <p:cNvPr id="2" name="Rectangle 1">
+            <a:extLst>
+              <a:ext uri="{FF2B5EF4-FFF2-40B4-BE49-F238E27FC236}">
+                <a16:creationId xmlns:a16="http://schemas.microsoft.com/office/drawing/2014/main" id="{940F63A8-A268-6F4D-96A5-EAF667EE45B0}"/>
+              </a:ext>
+            </a:extLst>
+          </p:cNvPr>
+          <p:cNvSpPr/>
+          <p:nvPr/>
+        </p:nvSpPr>
+        <p:spPr>
+          <a:xfrm>
+            <a:off x="748937" y="1280160"/>
+            <a:ext cx="6879772" cy="5016137"/>
+          </a:xfrm>
+          <a:prstGeom prst="rect">
+            <a:avLst/>
+          </a:prstGeom>
+        </p:spPr>
+        <p:style>
+          <a:lnRef idx="1">
+            <a:schemeClr val="dk1"/>
+          </a:lnRef>
+          <a:fillRef idx="2">
+            <a:schemeClr val="dk1"/>
+          </a:fillRef>
+          <a:effectRef idx="1">
+            <a:schemeClr val="dk1"/>
+          </a:effectRef>
+          <a:fontRef idx="minor">
+            <a:schemeClr val="dk1"/>
+          </a:fontRef>
+        </p:style>
+        <p:txBody>
+          <a:bodyPr rtlCol="0" anchor="ctr"/>
+          <a:lstStyle/>
+          <a:p>
+            <a:pPr algn="ctr"/>
+            <a:endParaRPr lang="en-US"/>
+          </a:p>
+        </p:txBody>
+      </p:sp>
+      <p:sp>
+        <p:nvSpPr>
+          <p:cNvPr id="3" name="Rounded Rectangle 2">
+            <a:extLst>
+              <a:ext uri="{FF2B5EF4-FFF2-40B4-BE49-F238E27FC236}">
+                <a16:creationId xmlns:a16="http://schemas.microsoft.com/office/drawing/2014/main" id="{51763C9F-F291-984F-A98E-CF082D519161}"/>
+              </a:ext>
+            </a:extLst>
+          </p:cNvPr>
+          <p:cNvSpPr/>
+          <p:nvPr/>
+        </p:nvSpPr>
+        <p:spPr>
+          <a:xfrm>
+            <a:off x="1071154" y="3248297"/>
+            <a:ext cx="6087292" cy="1593669"/>
+          </a:xfrm>
+          <a:prstGeom prst="roundRect">
+            <a:avLst/>
+          </a:prstGeom>
+        </p:spPr>
+        <p:style>
+          <a:lnRef idx="2">
+            <a:schemeClr val="accent1">
+              <a:shade val="50000"/>
+            </a:schemeClr>
+          </a:lnRef>
+          <a:fillRef idx="1">
+            <a:schemeClr val="accent1"/>
+          </a:fillRef>
+          <a:effectRef idx="0">
+            <a:schemeClr val="accent1"/>
+          </a:effectRef>
+          <a:fontRef idx="minor">
+            <a:schemeClr val="lt1"/>
+          </a:fontRef>
+        </p:style>
+        <p:txBody>
+          <a:bodyPr rtlCol="0" anchor="ctr"/>
+          <a:lstStyle/>
+          <a:p>
+            <a:pPr algn="ctr"/>
+            <a:r>
+              <a:rPr lang="en-US" dirty="0"/>
+              <a:t>Child</a:t>
+            </a:r>
+          </a:p>
+          <a:p>
+            <a:pPr algn="ctr"/>
+            <a:r>
+              <a:rPr lang="en-US" dirty="0"/>
+              <a:t>Subscribe to the Context to read values from the properties</a:t>
+            </a:r>
+          </a:p>
+        </p:txBody>
+      </p:sp>
+      <p:sp>
+        <p:nvSpPr>
+          <p:cNvPr id="4" name="TextBox 3">
+            <a:extLst>
+              <a:ext uri="{FF2B5EF4-FFF2-40B4-BE49-F238E27FC236}">
+                <a16:creationId xmlns:a16="http://schemas.microsoft.com/office/drawing/2014/main" id="{B5AE0839-80C5-B745-A77E-1A00BB568FD9}"/>
+              </a:ext>
+            </a:extLst>
+          </p:cNvPr>
+          <p:cNvSpPr txBox="1"/>
+          <p:nvPr/>
+        </p:nvSpPr>
+        <p:spPr>
+          <a:xfrm>
+            <a:off x="1349829" y="1584960"/>
+            <a:ext cx="5320937" cy="369332"/>
+          </a:xfrm>
+          <a:prstGeom prst="rect">
+            <a:avLst/>
+          </a:prstGeom>
+          <a:noFill/>
+        </p:spPr>
+        <p:txBody>
+          <a:bodyPr wrap="square" rtlCol="0">
+            <a:spAutoFit/>
+          </a:bodyPr>
+          <a:lstStyle/>
+          <a:p>
+            <a:r>
+              <a:rPr lang="en-US" dirty="0"/>
+              <a:t>Parent</a:t>
+            </a:r>
+          </a:p>
+        </p:txBody>
+      </p:sp>
+      <p:sp>
+        <p:nvSpPr>
+          <p:cNvPr id="5" name="Rounded Rectangle 4">
+            <a:extLst>
+              <a:ext uri="{FF2B5EF4-FFF2-40B4-BE49-F238E27FC236}">
+                <a16:creationId xmlns:a16="http://schemas.microsoft.com/office/drawing/2014/main" id="{987CE7DB-4E00-984D-BACE-8446BEE1DE68}"/>
+              </a:ext>
+            </a:extLst>
+          </p:cNvPr>
+          <p:cNvSpPr/>
+          <p:nvPr/>
+        </p:nvSpPr>
+        <p:spPr>
+          <a:xfrm>
+            <a:off x="8212183" y="2307771"/>
+            <a:ext cx="3361508" cy="1393372"/>
+          </a:xfrm>
+          <a:prstGeom prst="roundRect">
+            <a:avLst/>
+          </a:prstGeom>
+        </p:spPr>
+        <p:style>
+          <a:lnRef idx="2">
+            <a:schemeClr val="accent1">
+              <a:shade val="50000"/>
+            </a:schemeClr>
+          </a:lnRef>
+          <a:fillRef idx="1">
+            <a:schemeClr val="accent1"/>
+          </a:fillRef>
+          <a:effectRef idx="0">
+            <a:schemeClr val="accent1"/>
+          </a:effectRef>
+          <a:fontRef idx="minor">
+            <a:schemeClr val="lt1"/>
+          </a:fontRef>
+        </p:style>
+        <p:txBody>
+          <a:bodyPr rtlCol="0" anchor="ctr"/>
+          <a:lstStyle/>
+          <a:p>
+            <a:pPr algn="ctr"/>
+            <a:r>
+              <a:rPr lang="en-US" dirty="0"/>
+              <a:t>Context</a:t>
+            </a:r>
+          </a:p>
+          <a:p>
+            <a:pPr algn="ctr"/>
+            <a:r>
+              <a:rPr lang="en-US" dirty="0"/>
+              <a:t>{</a:t>
+            </a:r>
+          </a:p>
+          <a:p>
+            <a:pPr algn="ctr"/>
+            <a:r>
+              <a:rPr lang="en-US" dirty="0"/>
+              <a:t>  Collection of Properties</a:t>
+            </a:r>
+          </a:p>
+          <a:p>
+            <a:pPr algn="ctr"/>
+            <a:r>
+              <a:rPr lang="en-US" dirty="0"/>
+              <a:t>} </a:t>
+            </a:r>
+          </a:p>
+        </p:txBody>
+      </p:sp>
+      <p:cxnSp>
+        <p:nvCxnSpPr>
+          <p:cNvPr id="7" name="Straight Arrow Connector 6">
+            <a:extLst>
+              <a:ext uri="{FF2B5EF4-FFF2-40B4-BE49-F238E27FC236}">
+                <a16:creationId xmlns:a16="http://schemas.microsoft.com/office/drawing/2014/main" id="{04E2AB13-D38C-5D4D-A870-93AFDCA8DB5C}"/>
+              </a:ext>
+            </a:extLst>
+          </p:cNvPr>
+          <p:cNvCxnSpPr/>
+          <p:nvPr/>
+        </p:nvCxnSpPr>
+        <p:spPr>
+          <a:xfrm>
+            <a:off x="2699657" y="1802674"/>
+            <a:ext cx="6339840" cy="1140823"/>
+          </a:xfrm>
+          <a:prstGeom prst="straightConnector1">
+            <a:avLst/>
+          </a:prstGeom>
+          <a:ln>
+            <a:tailEnd type="triangle"/>
+          </a:ln>
+        </p:spPr>
+        <p:style>
+          <a:lnRef idx="3">
+            <a:schemeClr val="accent2"/>
+          </a:lnRef>
+          <a:fillRef idx="0">
+            <a:schemeClr val="accent2"/>
+          </a:fillRef>
+          <a:effectRef idx="2">
+            <a:schemeClr val="accent2"/>
+          </a:effectRef>
+          <a:fontRef idx="minor">
+            <a:schemeClr val="tx1"/>
+          </a:fontRef>
+        </p:style>
+      </p:cxnSp>
+      <p:sp>
+        <p:nvSpPr>
+          <p:cNvPr id="8" name="TextBox 7">
+            <a:extLst>
+              <a:ext uri="{FF2B5EF4-FFF2-40B4-BE49-F238E27FC236}">
+                <a16:creationId xmlns:a16="http://schemas.microsoft.com/office/drawing/2014/main" id="{0F7CBD3F-007F-3F48-9055-154666456592}"/>
+              </a:ext>
+            </a:extLst>
+          </p:cNvPr>
+          <p:cNvSpPr txBox="1"/>
+          <p:nvPr/>
+        </p:nvSpPr>
+        <p:spPr>
+          <a:xfrm>
+            <a:off x="7741920" y="400594"/>
+            <a:ext cx="2995749" cy="923330"/>
+          </a:xfrm>
+          <a:prstGeom prst="rect">
+            <a:avLst/>
+          </a:prstGeom>
+          <a:noFill/>
+        </p:spPr>
+        <p:txBody>
+          <a:bodyPr wrap="square" rtlCol="0">
+            <a:spAutoFit/>
+          </a:bodyPr>
+          <a:lstStyle/>
+          <a:p>
+            <a:r>
+              <a:rPr lang="en-US" dirty="0"/>
+              <a:t>Parent Component Set value for the Property in Context Object</a:t>
+            </a:r>
+          </a:p>
+        </p:txBody>
+      </p:sp>
+      <p:cxnSp>
+        <p:nvCxnSpPr>
+          <p:cNvPr id="10" name="Straight Arrow Connector 9">
+            <a:extLst>
+              <a:ext uri="{FF2B5EF4-FFF2-40B4-BE49-F238E27FC236}">
+                <a16:creationId xmlns:a16="http://schemas.microsoft.com/office/drawing/2014/main" id="{232383D1-94C5-2846-BB54-E8B1E9179FFF}"/>
+              </a:ext>
+            </a:extLst>
+          </p:cNvPr>
+          <p:cNvCxnSpPr/>
+          <p:nvPr/>
+        </p:nvCxnSpPr>
+        <p:spPr>
+          <a:xfrm flipH="1">
+            <a:off x="6156960" y="3309257"/>
+            <a:ext cx="3082834" cy="957943"/>
+          </a:xfrm>
+          <a:prstGeom prst="straightConnector1">
+            <a:avLst/>
+          </a:prstGeom>
+          <a:ln>
+            <a:tailEnd type="triangle"/>
+          </a:ln>
+        </p:spPr>
+        <p:style>
+          <a:lnRef idx="3">
+            <a:schemeClr val="accent2"/>
+          </a:lnRef>
+          <a:fillRef idx="0">
+            <a:schemeClr val="accent2"/>
+          </a:fillRef>
+          <a:effectRef idx="2">
+            <a:schemeClr val="accent2"/>
+          </a:effectRef>
+          <a:fontRef idx="minor">
+            <a:schemeClr val="tx1"/>
+          </a:fontRef>
+        </p:style>
+      </p:cxnSp>
+      <p:sp>
+        <p:nvSpPr>
+          <p:cNvPr id="11" name="TextBox 10">
+            <a:extLst>
+              <a:ext uri="{FF2B5EF4-FFF2-40B4-BE49-F238E27FC236}">
+                <a16:creationId xmlns:a16="http://schemas.microsoft.com/office/drawing/2014/main" id="{F35D77D5-84BF-2D47-B5B5-0945B367DB14}"/>
+              </a:ext>
+            </a:extLst>
+          </p:cNvPr>
+          <p:cNvSpPr txBox="1"/>
+          <p:nvPr/>
+        </p:nvSpPr>
+        <p:spPr>
+          <a:xfrm>
+            <a:off x="7907383" y="4127863"/>
+            <a:ext cx="3744686" cy="646331"/>
+          </a:xfrm>
+          <a:prstGeom prst="rect">
+            <a:avLst/>
+          </a:prstGeom>
+          <a:noFill/>
+        </p:spPr>
+        <p:txBody>
+          <a:bodyPr wrap="square" rtlCol="0">
+            <a:spAutoFit/>
+          </a:bodyPr>
+          <a:lstStyle/>
+          <a:p>
+            <a:r>
+              <a:rPr lang="en-US" dirty="0"/>
+              <a:t>Child Component will be provided the values from the Context Object </a:t>
+            </a:r>
+          </a:p>
+        </p:txBody>
+      </p:sp>
+      <p:sp>
+        <p:nvSpPr>
+          <p:cNvPr id="12" name="TextBox 11">
+            <a:extLst>
+              <a:ext uri="{FF2B5EF4-FFF2-40B4-BE49-F238E27FC236}">
+                <a16:creationId xmlns:a16="http://schemas.microsoft.com/office/drawing/2014/main" id="{26EC900A-5ACD-EC4C-B5B1-F2DCA567E427}"/>
+              </a:ext>
+            </a:extLst>
+          </p:cNvPr>
+          <p:cNvSpPr txBox="1"/>
+          <p:nvPr/>
+        </p:nvSpPr>
+        <p:spPr>
+          <a:xfrm>
+            <a:off x="1001486" y="2673531"/>
+            <a:ext cx="3875314" cy="369332"/>
+          </a:xfrm>
+          <a:prstGeom prst="rect">
+            <a:avLst/>
+          </a:prstGeom>
+          <a:noFill/>
+        </p:spPr>
+        <p:txBody>
+          <a:bodyPr wrap="square" rtlCol="0">
+            <a:spAutoFit/>
+          </a:bodyPr>
+          <a:lstStyle/>
+          <a:p>
+            <a:r>
+              <a:rPr lang="en-US" dirty="0"/>
+              <a:t>&lt;</a:t>
+            </a:r>
+            <a:r>
+              <a:rPr lang="en-US" dirty="0" err="1"/>
+              <a:t>Context.Provider</a:t>
+            </a:r>
+            <a:r>
+              <a:rPr lang="en-US" dirty="0"/>
+              <a:t> value={}&gt;</a:t>
+            </a:r>
+          </a:p>
+        </p:txBody>
+      </p:sp>
+      <p:sp>
+        <p:nvSpPr>
+          <p:cNvPr id="13" name="TextBox 12">
+            <a:extLst>
+              <a:ext uri="{FF2B5EF4-FFF2-40B4-BE49-F238E27FC236}">
+                <a16:creationId xmlns:a16="http://schemas.microsoft.com/office/drawing/2014/main" id="{E373FD8A-4B06-EA4A-A476-C1D4E5C9168D}"/>
+              </a:ext>
+            </a:extLst>
+          </p:cNvPr>
+          <p:cNvSpPr txBox="1"/>
+          <p:nvPr/>
+        </p:nvSpPr>
+        <p:spPr>
+          <a:xfrm>
+            <a:off x="1001486" y="5146766"/>
+            <a:ext cx="3875314" cy="369332"/>
+          </a:xfrm>
+          <a:prstGeom prst="rect">
+            <a:avLst/>
+          </a:prstGeom>
+          <a:noFill/>
+        </p:spPr>
+        <p:txBody>
+          <a:bodyPr wrap="square" rtlCol="0">
+            <a:spAutoFit/>
+          </a:bodyPr>
+          <a:lstStyle/>
+          <a:p>
+            <a:r>
+              <a:rPr lang="en-US" dirty="0"/>
+              <a:t>&lt;/</a:t>
+            </a:r>
+            <a:r>
+              <a:rPr lang="en-US" dirty="0" err="1"/>
+              <a:t>Context.Provider</a:t>
+            </a:r>
+            <a:r>
+              <a:rPr lang="en-US" dirty="0"/>
+              <a:t>&gt;</a:t>
+            </a:r>
+          </a:p>
+        </p:txBody>
+      </p:sp>
+      <p:cxnSp>
+        <p:nvCxnSpPr>
+          <p:cNvPr id="15" name="Straight Arrow Connector 14">
+            <a:extLst>
+              <a:ext uri="{FF2B5EF4-FFF2-40B4-BE49-F238E27FC236}">
+                <a16:creationId xmlns:a16="http://schemas.microsoft.com/office/drawing/2014/main" id="{D22DB4BC-87FE-DB40-B12B-D5BE87D9D312}"/>
+              </a:ext>
+            </a:extLst>
+          </p:cNvPr>
+          <p:cNvCxnSpPr/>
+          <p:nvPr/>
+        </p:nvCxnSpPr>
+        <p:spPr>
+          <a:xfrm flipH="1" flipV="1">
+            <a:off x="3509554" y="2911231"/>
+            <a:ext cx="5259977" cy="249980"/>
+          </a:xfrm>
+          <a:prstGeom prst="straightConnector1">
+            <a:avLst/>
+          </a:prstGeom>
+          <a:ln>
+            <a:tailEnd type="triangle"/>
+          </a:ln>
+        </p:spPr>
+        <p:style>
+          <a:lnRef idx="3">
+            <a:schemeClr val="accent2"/>
+          </a:lnRef>
+          <a:fillRef idx="0">
+            <a:schemeClr val="accent2"/>
+          </a:fillRef>
+          <a:effectRef idx="2">
+            <a:schemeClr val="accent2"/>
+          </a:effectRef>
+          <a:fontRef idx="minor">
+            <a:schemeClr val="tx1"/>
+          </a:fontRef>
+        </p:style>
+      </p:cxnSp>
+      <p:sp>
+        <p:nvSpPr>
+          <p:cNvPr id="16" name="TextBox 15">
+            <a:extLst>
+              <a:ext uri="{FF2B5EF4-FFF2-40B4-BE49-F238E27FC236}">
+                <a16:creationId xmlns:a16="http://schemas.microsoft.com/office/drawing/2014/main" id="{6F32FCB0-2BD8-A147-A7BD-E970ACC54B3A}"/>
+              </a:ext>
+            </a:extLst>
+          </p:cNvPr>
+          <p:cNvSpPr txBox="1"/>
+          <p:nvPr/>
+        </p:nvSpPr>
+        <p:spPr>
+          <a:xfrm>
+            <a:off x="470263" y="181596"/>
+            <a:ext cx="6069874" cy="646331"/>
+          </a:xfrm>
+          <a:prstGeom prst="rect">
+            <a:avLst/>
+          </a:prstGeom>
+          <a:noFill/>
+        </p:spPr>
+        <p:txBody>
+          <a:bodyPr wrap="square" rtlCol="0">
+            <a:spAutoFit/>
+          </a:bodyPr>
+          <a:lstStyle/>
+          <a:p>
+            <a:r>
+              <a:rPr lang="en-US" dirty="0"/>
+              <a:t>React Component. Communication using Context (</a:t>
+            </a:r>
+            <a:r>
+              <a:rPr lang="en-US" dirty="0" err="1"/>
+              <a:t>useContext</a:t>
+            </a:r>
+            <a:r>
+              <a:rPr lang="en-US" dirty="0"/>
+              <a:t> and </a:t>
+            </a:r>
+            <a:r>
+              <a:rPr lang="en-US" dirty="0" err="1"/>
+              <a:t>createContext</a:t>
+            </a:r>
+            <a:r>
+              <a:rPr lang="en-US" dirty="0"/>
+              <a:t>) </a:t>
+            </a:r>
+          </a:p>
+        </p:txBody>
+      </p:sp>
+    </p:spTree>
+    <p:extLst>
+      <p:ext uri="{BB962C8B-B14F-4D97-AF65-F5344CB8AC3E}">
+        <p14:creationId xmlns:p14="http://schemas.microsoft.com/office/powerpoint/2010/main" val="352823219"/>
+      </p:ext>
+    </p:extLst>
+  </p:cSld>
+  <p:clrMapOvr>
+    <a:masterClrMapping/>
+  </p:clrMapOvr>
+</p:sld>
+</file>
+
+<file path=ppt/slides/slide35.xml><?xml version="1.0" encoding="utf-8"?>
+<p:sld xmlns:a="http://schemas.openxmlformats.org/drawingml/2006/main" xmlns:r="http://schemas.openxmlformats.org/officeDocument/2006/relationships" xmlns:p="http://schemas.openxmlformats.org/presentationml/2006/main">
+  <p:cSld>
+    <p:spTree>
+      <p:nvGrpSpPr>
+        <p:cNvPr id="1" name=""/>
+        <p:cNvGrpSpPr/>
+        <p:nvPr/>
+      </p:nvGrpSpPr>
+      <p:grpSpPr>
+        <a:xfrm>
+          <a:off x="0" y="0"/>
+          <a:ext cx="0" cy="0"/>
+          <a:chOff x="0" y="0"/>
+          <a:chExt cx="0" cy="0"/>
+        </a:xfrm>
+      </p:grpSpPr>
+      <p:sp>
+        <p:nvSpPr>
+          <p:cNvPr id="2" name="Rectangle 1">
+            <a:extLst>
+              <a:ext uri="{FF2B5EF4-FFF2-40B4-BE49-F238E27FC236}">
+                <a16:creationId xmlns:a16="http://schemas.microsoft.com/office/drawing/2014/main" id="{AA36FEE4-0DF2-EC4A-A9D3-085365603F80}"/>
+              </a:ext>
+            </a:extLst>
+          </p:cNvPr>
+          <p:cNvSpPr/>
+          <p:nvPr/>
+        </p:nvSpPr>
+        <p:spPr>
+          <a:xfrm>
+            <a:off x="322217" y="1323703"/>
+            <a:ext cx="2899954" cy="4467497"/>
+          </a:xfrm>
+          <a:prstGeom prst="rect">
+            <a:avLst/>
+          </a:prstGeom>
+        </p:spPr>
+        <p:style>
+          <a:lnRef idx="2">
+            <a:schemeClr val="accent1">
+              <a:shade val="50000"/>
+            </a:schemeClr>
+          </a:lnRef>
+          <a:fillRef idx="1">
+            <a:schemeClr val="accent1"/>
+          </a:fillRef>
+          <a:effectRef idx="0">
+            <a:schemeClr val="accent1"/>
+          </a:effectRef>
+          <a:fontRef idx="minor">
+            <a:schemeClr val="lt1"/>
+          </a:fontRef>
+        </p:style>
+        <p:txBody>
+          <a:bodyPr rtlCol="0" anchor="ctr"/>
+          <a:lstStyle/>
+          <a:p>
+            <a:pPr algn="ctr"/>
+            <a:r>
+              <a:rPr lang="en-US" dirty="0"/>
+              <a:t>Client App</a:t>
+            </a:r>
+          </a:p>
+        </p:txBody>
+      </p:sp>
+      <p:sp>
+        <p:nvSpPr>
+          <p:cNvPr id="3" name="Rectangle 2">
+            <a:extLst>
+              <a:ext uri="{FF2B5EF4-FFF2-40B4-BE49-F238E27FC236}">
+                <a16:creationId xmlns:a16="http://schemas.microsoft.com/office/drawing/2014/main" id="{24514C82-E0F2-4845-A47A-05CEF850AA3F}"/>
+              </a:ext>
+            </a:extLst>
+          </p:cNvPr>
+          <p:cNvSpPr/>
+          <p:nvPr/>
+        </p:nvSpPr>
+        <p:spPr>
+          <a:xfrm>
+            <a:off x="8112035" y="1323702"/>
+            <a:ext cx="2899954" cy="4467497"/>
+          </a:xfrm>
+          <a:prstGeom prst="rect">
+            <a:avLst/>
+          </a:prstGeom>
+        </p:spPr>
+        <p:style>
+          <a:lnRef idx="1">
+            <a:schemeClr val="accent4"/>
+          </a:lnRef>
+          <a:fillRef idx="2">
+            <a:schemeClr val="accent4"/>
+          </a:fillRef>
+          <a:effectRef idx="1">
+            <a:schemeClr val="accent4"/>
+          </a:effectRef>
+          <a:fontRef idx="minor">
+            <a:schemeClr val="dk1"/>
+          </a:fontRef>
+        </p:style>
+        <p:txBody>
+          <a:bodyPr rtlCol="0" anchor="ctr"/>
+          <a:lstStyle/>
+          <a:p>
+            <a:pPr algn="ctr"/>
+            <a:r>
+              <a:rPr lang="en-US" dirty="0"/>
+              <a:t>Provider App</a:t>
+            </a:r>
+          </a:p>
+        </p:txBody>
+      </p:sp>
+      <p:sp>
+        <p:nvSpPr>
+          <p:cNvPr id="4" name="Can 3">
+            <a:extLst>
+              <a:ext uri="{FF2B5EF4-FFF2-40B4-BE49-F238E27FC236}">
+                <a16:creationId xmlns:a16="http://schemas.microsoft.com/office/drawing/2014/main" id="{036C22EE-9FF9-9042-9490-5EA30BBBB462}"/>
+              </a:ext>
+            </a:extLst>
+          </p:cNvPr>
+          <p:cNvSpPr/>
+          <p:nvPr/>
+        </p:nvSpPr>
+        <p:spPr>
+          <a:xfrm>
+            <a:off x="10014860" y="4815839"/>
+            <a:ext cx="1619794" cy="975360"/>
+          </a:xfrm>
+          <a:prstGeom prst="can">
+            <a:avLst/>
+          </a:prstGeom>
+        </p:spPr>
+        <p:style>
+          <a:lnRef idx="2">
+            <a:schemeClr val="accent1">
+              <a:shade val="50000"/>
+            </a:schemeClr>
+          </a:lnRef>
+          <a:fillRef idx="1">
+            <a:schemeClr val="accent1"/>
+          </a:fillRef>
+          <a:effectRef idx="0">
+            <a:schemeClr val="accent1"/>
+          </a:effectRef>
+          <a:fontRef idx="minor">
+            <a:schemeClr val="lt1"/>
+          </a:fontRef>
+        </p:style>
+        <p:txBody>
+          <a:bodyPr rtlCol="0" anchor="ctr"/>
+          <a:lstStyle/>
+          <a:p>
+            <a:pPr algn="ctr"/>
+            <a:r>
+              <a:rPr lang="en-US" dirty="0"/>
+              <a:t>DB</a:t>
+            </a:r>
+          </a:p>
+        </p:txBody>
+      </p:sp>
+      <p:sp>
+        <p:nvSpPr>
+          <p:cNvPr id="5" name="TextBox 4">
+            <a:extLst>
+              <a:ext uri="{FF2B5EF4-FFF2-40B4-BE49-F238E27FC236}">
+                <a16:creationId xmlns:a16="http://schemas.microsoft.com/office/drawing/2014/main" id="{5EA61665-A505-6046-968F-0CA3832F4AFC}"/>
+              </a:ext>
+            </a:extLst>
+          </p:cNvPr>
+          <p:cNvSpPr txBox="1"/>
+          <p:nvPr/>
+        </p:nvSpPr>
+        <p:spPr>
+          <a:xfrm>
+            <a:off x="452846" y="670560"/>
+            <a:ext cx="2499360" cy="369332"/>
+          </a:xfrm>
+          <a:prstGeom prst="rect">
+            <a:avLst/>
+          </a:prstGeom>
+          <a:noFill/>
+        </p:spPr>
+        <p:txBody>
+          <a:bodyPr wrap="square" rtlCol="0">
+            <a:spAutoFit/>
+          </a:bodyPr>
+          <a:lstStyle/>
+          <a:p>
+            <a:r>
+              <a:rPr lang="en-US" dirty="0"/>
+              <a:t>Facebook</a:t>
+            </a:r>
+          </a:p>
+        </p:txBody>
+      </p:sp>
+      <p:sp>
+        <p:nvSpPr>
+          <p:cNvPr id="6" name="TextBox 5">
+            <a:extLst>
+              <a:ext uri="{FF2B5EF4-FFF2-40B4-BE49-F238E27FC236}">
+                <a16:creationId xmlns:a16="http://schemas.microsoft.com/office/drawing/2014/main" id="{2DB1C080-9F95-F74E-B3B8-1565395A90D7}"/>
+              </a:ext>
+            </a:extLst>
+          </p:cNvPr>
+          <p:cNvSpPr txBox="1"/>
+          <p:nvPr/>
+        </p:nvSpPr>
+        <p:spPr>
+          <a:xfrm>
+            <a:off x="8512629" y="755858"/>
+            <a:ext cx="2499360" cy="369332"/>
+          </a:xfrm>
+          <a:prstGeom prst="rect">
+            <a:avLst/>
+          </a:prstGeom>
+          <a:noFill/>
+        </p:spPr>
+        <p:txBody>
+          <a:bodyPr wrap="square" rtlCol="0">
+            <a:spAutoFit/>
+          </a:bodyPr>
+          <a:lstStyle/>
+          <a:p>
+            <a:r>
+              <a:rPr lang="en-US" dirty="0"/>
+              <a:t>Flipkart</a:t>
+            </a:r>
+          </a:p>
+        </p:txBody>
+      </p:sp>
+      <p:sp>
+        <p:nvSpPr>
+          <p:cNvPr id="7" name="Curved Up Arrow 6">
+            <a:extLst>
+              <a:ext uri="{FF2B5EF4-FFF2-40B4-BE49-F238E27FC236}">
+                <a16:creationId xmlns:a16="http://schemas.microsoft.com/office/drawing/2014/main" id="{47B1CF45-4AFB-D84E-95A8-31E42FD6518B}"/>
+              </a:ext>
+            </a:extLst>
+          </p:cNvPr>
+          <p:cNvSpPr/>
+          <p:nvPr/>
+        </p:nvSpPr>
+        <p:spPr>
+          <a:xfrm rot="10800000">
+            <a:off x="3106782" y="639296"/>
+            <a:ext cx="5314406" cy="684405"/>
+          </a:xfrm>
+          <a:prstGeom prst="curvedUpArrow">
+            <a:avLst/>
+          </a:prstGeom>
+        </p:spPr>
+        <p:style>
+          <a:lnRef idx="2">
+            <a:schemeClr val="accent1">
+              <a:shade val="50000"/>
+            </a:schemeClr>
+          </a:lnRef>
+          <a:fillRef idx="1">
+            <a:schemeClr val="accent1"/>
+          </a:fillRef>
+          <a:effectRef idx="0">
+            <a:schemeClr val="accent1"/>
+          </a:effectRef>
+          <a:fontRef idx="minor">
+            <a:schemeClr val="lt1"/>
+          </a:fontRef>
+        </p:style>
+        <p:txBody>
+          <a:bodyPr rtlCol="0" anchor="ctr"/>
+          <a:lstStyle/>
+          <a:p>
+            <a:pPr algn="ctr"/>
+            <a:endParaRPr lang="en-US">
+              <a:solidFill>
+                <a:schemeClr val="tx1"/>
+              </a:solidFill>
+            </a:endParaRPr>
+          </a:p>
+        </p:txBody>
+      </p:sp>
+      <p:sp>
+        <p:nvSpPr>
+          <p:cNvPr id="8" name="TextBox 7">
+            <a:extLst>
+              <a:ext uri="{FF2B5EF4-FFF2-40B4-BE49-F238E27FC236}">
+                <a16:creationId xmlns:a16="http://schemas.microsoft.com/office/drawing/2014/main" id="{95428826-3237-0544-BE21-453479417708}"/>
+              </a:ext>
+            </a:extLst>
+          </p:cNvPr>
+          <p:cNvSpPr txBox="1"/>
+          <p:nvPr/>
+        </p:nvSpPr>
+        <p:spPr>
+          <a:xfrm>
+            <a:off x="3953691" y="1039892"/>
+            <a:ext cx="3492138" cy="923330"/>
+          </a:xfrm>
+          <a:prstGeom prst="rect">
+            <a:avLst/>
+          </a:prstGeom>
+          <a:noFill/>
+        </p:spPr>
+        <p:txBody>
+          <a:bodyPr wrap="square" rtlCol="0">
+            <a:spAutoFit/>
+          </a:bodyPr>
+          <a:lstStyle/>
+          <a:p>
+            <a:r>
+              <a:rPr lang="en-US" dirty="0"/>
+              <a:t>FB App is Interested only in Showing Some Category Products based on interest </a:t>
+            </a:r>
+          </a:p>
+        </p:txBody>
+      </p:sp>
+      <p:sp>
+        <p:nvSpPr>
+          <p:cNvPr id="9" name="TextBox 8">
+            <a:extLst>
+              <a:ext uri="{FF2B5EF4-FFF2-40B4-BE49-F238E27FC236}">
+                <a16:creationId xmlns:a16="http://schemas.microsoft.com/office/drawing/2014/main" id="{02070C06-8DA9-1447-B044-61DF3F5A8307}"/>
+              </a:ext>
+            </a:extLst>
+          </p:cNvPr>
+          <p:cNvSpPr txBox="1"/>
+          <p:nvPr/>
+        </p:nvSpPr>
+        <p:spPr>
+          <a:xfrm>
+            <a:off x="3483429" y="2177143"/>
+            <a:ext cx="4371702" cy="369332"/>
+          </a:xfrm>
+          <a:prstGeom prst="rect">
+            <a:avLst/>
+          </a:prstGeom>
+          <a:noFill/>
+        </p:spPr>
+        <p:txBody>
+          <a:bodyPr wrap="square" rtlCol="0">
+            <a:spAutoFit/>
+          </a:bodyPr>
+          <a:lstStyle/>
+          <a:p>
+            <a:pPr algn="ctr"/>
+            <a:r>
+              <a:rPr lang="en-US" dirty="0"/>
+              <a:t>B2B Partner Communication with DATA</a:t>
+            </a:r>
+          </a:p>
+        </p:txBody>
+      </p:sp>
+      <p:sp>
+        <p:nvSpPr>
+          <p:cNvPr id="10" name="Rounded Rectangle 9">
+            <a:extLst>
+              <a:ext uri="{FF2B5EF4-FFF2-40B4-BE49-F238E27FC236}">
+                <a16:creationId xmlns:a16="http://schemas.microsoft.com/office/drawing/2014/main" id="{A6032223-F79F-EA47-A8E0-FD99EBE11ABE}"/>
+              </a:ext>
+            </a:extLst>
+          </p:cNvPr>
+          <p:cNvSpPr/>
+          <p:nvPr/>
+        </p:nvSpPr>
+        <p:spPr>
+          <a:xfrm>
+            <a:off x="4537166" y="2816663"/>
+            <a:ext cx="2151017" cy="1594230"/>
+          </a:xfrm>
+          <a:prstGeom prst="roundRect">
+            <a:avLst/>
+          </a:prstGeom>
+        </p:spPr>
+        <p:style>
+          <a:lnRef idx="2">
+            <a:schemeClr val="accent1">
+              <a:shade val="50000"/>
+            </a:schemeClr>
+          </a:lnRef>
+          <a:fillRef idx="1">
+            <a:schemeClr val="accent1"/>
+          </a:fillRef>
+          <a:effectRef idx="0">
+            <a:schemeClr val="accent1"/>
+          </a:effectRef>
+          <a:fontRef idx="minor">
+            <a:schemeClr val="lt1"/>
+          </a:fontRef>
+        </p:style>
+        <p:txBody>
+          <a:bodyPr rtlCol="0" anchor="ctr"/>
+          <a:lstStyle/>
+          <a:p>
+            <a:pPr algn="ctr"/>
+            <a:r>
+              <a:rPr lang="en-US" dirty="0"/>
+              <a:t>Node.js App used as a Data Communication Bridge</a:t>
+            </a:r>
+          </a:p>
+        </p:txBody>
+      </p:sp>
+      <p:sp>
+        <p:nvSpPr>
+          <p:cNvPr id="11" name="Curved Down Arrow 10">
+            <a:extLst>
+              <a:ext uri="{FF2B5EF4-FFF2-40B4-BE49-F238E27FC236}">
+                <a16:creationId xmlns:a16="http://schemas.microsoft.com/office/drawing/2014/main" id="{29D44C1B-0657-074C-8D55-4842D52DD21D}"/>
+              </a:ext>
+            </a:extLst>
+          </p:cNvPr>
+          <p:cNvSpPr/>
+          <p:nvPr/>
+        </p:nvSpPr>
+        <p:spPr>
+          <a:xfrm>
+            <a:off x="3106782" y="3013166"/>
+            <a:ext cx="1630681" cy="544284"/>
+          </a:xfrm>
+          <a:prstGeom prst="curvedDownArrow">
+            <a:avLst/>
+          </a:prstGeom>
+          <a:solidFill>
+            <a:srgbClr val="FF0000"/>
+          </a:solidFill>
+        </p:spPr>
+        <p:style>
+          <a:lnRef idx="2">
+            <a:schemeClr val="accent1">
+              <a:shade val="50000"/>
+            </a:schemeClr>
+          </a:lnRef>
+          <a:fillRef idx="1">
+            <a:schemeClr val="accent1"/>
+          </a:fillRef>
+          <a:effectRef idx="0">
+            <a:schemeClr val="accent1"/>
+          </a:effectRef>
+          <a:fontRef idx="minor">
+            <a:schemeClr val="lt1"/>
+          </a:fontRef>
+        </p:style>
+        <p:txBody>
+          <a:bodyPr rtlCol="0" anchor="ctr"/>
+          <a:lstStyle/>
+          <a:p>
+            <a:pPr algn="ctr"/>
+            <a:endParaRPr lang="en-US">
+              <a:solidFill>
+                <a:schemeClr val="tx1"/>
+              </a:solidFill>
+            </a:endParaRPr>
+          </a:p>
+        </p:txBody>
+      </p:sp>
+      <p:sp>
+        <p:nvSpPr>
+          <p:cNvPr id="12" name="Curved Down Arrow 11">
+            <a:extLst>
+              <a:ext uri="{FF2B5EF4-FFF2-40B4-BE49-F238E27FC236}">
+                <a16:creationId xmlns:a16="http://schemas.microsoft.com/office/drawing/2014/main" id="{5DBCBD23-0073-8240-AAED-66163D4FC97A}"/>
+              </a:ext>
+            </a:extLst>
+          </p:cNvPr>
+          <p:cNvSpPr/>
+          <p:nvPr/>
+        </p:nvSpPr>
+        <p:spPr>
+          <a:xfrm rot="10800000">
+            <a:off x="3015342" y="3868787"/>
+            <a:ext cx="1630681" cy="544284"/>
+          </a:xfrm>
+          <a:prstGeom prst="curvedDownArrow">
+            <a:avLst/>
+          </a:prstGeom>
+          <a:solidFill>
+            <a:srgbClr val="FF0000"/>
+          </a:solidFill>
+        </p:spPr>
+        <p:style>
+          <a:lnRef idx="2">
+            <a:schemeClr val="accent1">
+              <a:shade val="50000"/>
+            </a:schemeClr>
+          </a:lnRef>
+          <a:fillRef idx="1">
+            <a:schemeClr val="accent1"/>
+          </a:fillRef>
+          <a:effectRef idx="0">
+            <a:schemeClr val="accent1"/>
+          </a:effectRef>
+          <a:fontRef idx="minor">
+            <a:schemeClr val="lt1"/>
+          </a:fontRef>
+        </p:style>
+        <p:txBody>
+          <a:bodyPr rtlCol="0" anchor="ctr"/>
+          <a:lstStyle/>
+          <a:p>
+            <a:pPr algn="ctr"/>
+            <a:endParaRPr lang="en-US">
+              <a:solidFill>
+                <a:schemeClr val="tx1"/>
+              </a:solidFill>
+            </a:endParaRPr>
+          </a:p>
+        </p:txBody>
+      </p:sp>
+      <p:sp>
+        <p:nvSpPr>
+          <p:cNvPr id="13" name="Oval 12">
+            <a:extLst>
+              <a:ext uri="{FF2B5EF4-FFF2-40B4-BE49-F238E27FC236}">
+                <a16:creationId xmlns:a16="http://schemas.microsoft.com/office/drawing/2014/main" id="{9A37A5F2-4079-8449-8F54-1CAF18A8225E}"/>
+              </a:ext>
+            </a:extLst>
+          </p:cNvPr>
+          <p:cNvSpPr/>
+          <p:nvPr/>
+        </p:nvSpPr>
+        <p:spPr>
+          <a:xfrm>
+            <a:off x="3735977" y="2830286"/>
+            <a:ext cx="418012" cy="455022"/>
+          </a:xfrm>
+          <a:prstGeom prst="ellipse">
+            <a:avLst/>
+          </a:prstGeom>
+        </p:spPr>
+        <p:style>
+          <a:lnRef idx="2">
+            <a:schemeClr val="accent1">
+              <a:shade val="50000"/>
+            </a:schemeClr>
+          </a:lnRef>
+          <a:fillRef idx="1">
+            <a:schemeClr val="accent1"/>
+          </a:fillRef>
+          <a:effectRef idx="0">
+            <a:schemeClr val="accent1"/>
+          </a:effectRef>
+          <a:fontRef idx="minor">
+            <a:schemeClr val="lt1"/>
+          </a:fontRef>
+        </p:style>
+        <p:txBody>
+          <a:bodyPr rtlCol="0" anchor="ctr"/>
+          <a:lstStyle/>
+          <a:p>
+            <a:pPr algn="ctr"/>
+            <a:r>
+              <a:rPr lang="en-US" dirty="0"/>
+              <a:t>1</a:t>
+            </a:r>
+          </a:p>
+        </p:txBody>
+      </p:sp>
+      <p:sp>
+        <p:nvSpPr>
+          <p:cNvPr id="14" name="Curved Down Arrow 13">
+            <a:extLst>
+              <a:ext uri="{FF2B5EF4-FFF2-40B4-BE49-F238E27FC236}">
+                <a16:creationId xmlns:a16="http://schemas.microsoft.com/office/drawing/2014/main" id="{F0101ADA-FA0B-BE40-83D2-3C6F596FB76D}"/>
+              </a:ext>
+            </a:extLst>
+          </p:cNvPr>
+          <p:cNvSpPr/>
+          <p:nvPr/>
+        </p:nvSpPr>
+        <p:spPr>
+          <a:xfrm>
+            <a:off x="6603275" y="2814485"/>
+            <a:ext cx="1630681" cy="544284"/>
+          </a:xfrm>
+          <a:prstGeom prst="curvedDownArrow">
+            <a:avLst/>
+          </a:prstGeom>
+          <a:solidFill>
+            <a:srgbClr val="FF0000"/>
+          </a:solidFill>
+        </p:spPr>
+        <p:style>
+          <a:lnRef idx="2">
+            <a:schemeClr val="accent1">
+              <a:shade val="50000"/>
+            </a:schemeClr>
+          </a:lnRef>
+          <a:fillRef idx="1">
+            <a:schemeClr val="accent1"/>
+          </a:fillRef>
+          <a:effectRef idx="0">
+            <a:schemeClr val="accent1"/>
+          </a:effectRef>
+          <a:fontRef idx="minor">
+            <a:schemeClr val="lt1"/>
+          </a:fontRef>
+        </p:style>
+        <p:txBody>
+          <a:bodyPr rtlCol="0" anchor="ctr"/>
+          <a:lstStyle/>
+          <a:p>
+            <a:pPr algn="ctr"/>
+            <a:endParaRPr lang="en-US">
+              <a:solidFill>
+                <a:schemeClr val="tx1"/>
+              </a:solidFill>
+            </a:endParaRPr>
+          </a:p>
+        </p:txBody>
+      </p:sp>
+      <p:sp>
+        <p:nvSpPr>
+          <p:cNvPr id="15" name="Oval 14">
+            <a:extLst>
+              <a:ext uri="{FF2B5EF4-FFF2-40B4-BE49-F238E27FC236}">
+                <a16:creationId xmlns:a16="http://schemas.microsoft.com/office/drawing/2014/main" id="{C8BCC84A-1268-1244-9D61-101027214FDF}"/>
+              </a:ext>
+            </a:extLst>
+          </p:cNvPr>
+          <p:cNvSpPr/>
+          <p:nvPr/>
+        </p:nvSpPr>
+        <p:spPr>
+          <a:xfrm>
+            <a:off x="7232470" y="2631605"/>
+            <a:ext cx="418012" cy="455022"/>
+          </a:xfrm>
+          <a:prstGeom prst="ellipse">
+            <a:avLst/>
+          </a:prstGeom>
+        </p:spPr>
+        <p:style>
+          <a:lnRef idx="2">
+            <a:schemeClr val="accent1">
+              <a:shade val="50000"/>
+            </a:schemeClr>
+          </a:lnRef>
+          <a:fillRef idx="1">
+            <a:schemeClr val="accent1"/>
+          </a:fillRef>
+          <a:effectRef idx="0">
+            <a:schemeClr val="accent1"/>
+          </a:effectRef>
+          <a:fontRef idx="minor">
+            <a:schemeClr val="lt1"/>
+          </a:fontRef>
+        </p:style>
+        <p:txBody>
+          <a:bodyPr rtlCol="0" anchor="ctr"/>
+          <a:lstStyle/>
+          <a:p>
+            <a:pPr algn="ctr"/>
+            <a:r>
+              <a:rPr lang="en-US" dirty="0"/>
+              <a:t>2</a:t>
+            </a:r>
+          </a:p>
+        </p:txBody>
+      </p:sp>
+      <p:sp>
+        <p:nvSpPr>
+          <p:cNvPr id="16" name="TextBox 15">
+            <a:extLst>
+              <a:ext uri="{FF2B5EF4-FFF2-40B4-BE49-F238E27FC236}">
+                <a16:creationId xmlns:a16="http://schemas.microsoft.com/office/drawing/2014/main" id="{36E76A8C-F962-1A46-AD01-68773977AD56}"/>
+              </a:ext>
+            </a:extLst>
+          </p:cNvPr>
+          <p:cNvSpPr txBox="1"/>
+          <p:nvPr/>
+        </p:nvSpPr>
+        <p:spPr>
+          <a:xfrm>
+            <a:off x="261257" y="6017623"/>
+            <a:ext cx="5085806" cy="646331"/>
+          </a:xfrm>
+          <a:prstGeom prst="rect">
+            <a:avLst/>
+          </a:prstGeom>
+          <a:noFill/>
+        </p:spPr>
+        <p:txBody>
+          <a:bodyPr wrap="square" rtlCol="0">
+            <a:spAutoFit/>
+          </a:bodyPr>
+          <a:lstStyle/>
+          <a:p>
+            <a:pPr marL="342900" indent="-342900">
+              <a:buAutoNum type="arabicPeriod"/>
+            </a:pPr>
+            <a:r>
+              <a:rPr lang="en-US" dirty="0"/>
+              <a:t>Client will call Node Endpoints to access data. </a:t>
+            </a:r>
+          </a:p>
+          <a:p>
+            <a:pPr marL="342900" indent="-342900">
+              <a:buAutoNum type="arabicPeriod"/>
+            </a:pPr>
+            <a:r>
+              <a:rPr lang="en-US" dirty="0"/>
+              <a:t>Node.js will forward Request to actual Provider </a:t>
+            </a:r>
+          </a:p>
+        </p:txBody>
+      </p:sp>
+      <p:sp>
+        <p:nvSpPr>
+          <p:cNvPr id="17" name="Curved Down Arrow 16">
+            <a:extLst>
+              <a:ext uri="{FF2B5EF4-FFF2-40B4-BE49-F238E27FC236}">
+                <a16:creationId xmlns:a16="http://schemas.microsoft.com/office/drawing/2014/main" id="{0C571F3F-F379-A34C-BEB4-C640E950395C}"/>
+              </a:ext>
+            </a:extLst>
+          </p:cNvPr>
+          <p:cNvSpPr/>
+          <p:nvPr/>
+        </p:nvSpPr>
+        <p:spPr>
+          <a:xfrm rot="10800000">
+            <a:off x="6523806" y="3878885"/>
+            <a:ext cx="1630681" cy="544284"/>
+          </a:xfrm>
+          <a:prstGeom prst="curvedDownArrow">
+            <a:avLst/>
+          </a:prstGeom>
+          <a:solidFill>
+            <a:srgbClr val="FF0000"/>
+          </a:solidFill>
+        </p:spPr>
+        <p:style>
+          <a:lnRef idx="2">
+            <a:schemeClr val="accent1">
+              <a:shade val="50000"/>
+            </a:schemeClr>
+          </a:lnRef>
+          <a:fillRef idx="1">
+            <a:schemeClr val="accent1"/>
+          </a:fillRef>
+          <a:effectRef idx="0">
+            <a:schemeClr val="accent1"/>
+          </a:effectRef>
+          <a:fontRef idx="minor">
+            <a:schemeClr val="lt1"/>
+          </a:fontRef>
+        </p:style>
+        <p:txBody>
+          <a:bodyPr rtlCol="0" anchor="ctr"/>
+          <a:lstStyle/>
+          <a:p>
+            <a:pPr algn="ctr"/>
+            <a:endParaRPr lang="en-US">
+              <a:solidFill>
+                <a:schemeClr val="tx1"/>
+              </a:solidFill>
+            </a:endParaRPr>
+          </a:p>
+        </p:txBody>
+      </p:sp>
+      <p:sp>
+        <p:nvSpPr>
+          <p:cNvPr id="18" name="Oval 17">
+            <a:extLst>
+              <a:ext uri="{FF2B5EF4-FFF2-40B4-BE49-F238E27FC236}">
+                <a16:creationId xmlns:a16="http://schemas.microsoft.com/office/drawing/2014/main" id="{0B6A533C-1DE1-4A40-B464-6BF464C54AFF}"/>
+              </a:ext>
+            </a:extLst>
+          </p:cNvPr>
+          <p:cNvSpPr/>
+          <p:nvPr/>
+        </p:nvSpPr>
+        <p:spPr>
+          <a:xfrm>
+            <a:off x="7215054" y="4226822"/>
+            <a:ext cx="418012" cy="388337"/>
+          </a:xfrm>
+          <a:prstGeom prst="ellipse">
+            <a:avLst/>
+          </a:prstGeom>
+        </p:spPr>
+        <p:style>
+          <a:lnRef idx="2">
+            <a:schemeClr val="accent1">
+              <a:shade val="50000"/>
+            </a:schemeClr>
+          </a:lnRef>
+          <a:fillRef idx="1">
+            <a:schemeClr val="accent1"/>
+          </a:fillRef>
+          <a:effectRef idx="0">
+            <a:schemeClr val="accent1"/>
+          </a:effectRef>
+          <a:fontRef idx="minor">
+            <a:schemeClr val="lt1"/>
+          </a:fontRef>
+        </p:style>
+        <p:txBody>
+          <a:bodyPr rtlCol="0" anchor="ctr"/>
+          <a:lstStyle/>
+          <a:p>
+            <a:pPr algn="ctr"/>
+            <a:r>
+              <a:rPr lang="en-US" dirty="0"/>
+              <a:t>3</a:t>
+            </a:r>
+          </a:p>
+        </p:txBody>
+      </p:sp>
+      <p:sp>
+        <p:nvSpPr>
+          <p:cNvPr id="19" name="TextBox 18">
+            <a:extLst>
+              <a:ext uri="{FF2B5EF4-FFF2-40B4-BE49-F238E27FC236}">
+                <a16:creationId xmlns:a16="http://schemas.microsoft.com/office/drawing/2014/main" id="{78C40F32-4BC6-3741-B6A3-7FEAF90679C5}"/>
+              </a:ext>
+            </a:extLst>
+          </p:cNvPr>
+          <p:cNvSpPr txBox="1"/>
+          <p:nvPr/>
+        </p:nvSpPr>
+        <p:spPr>
+          <a:xfrm>
+            <a:off x="5347063" y="6037917"/>
+            <a:ext cx="5190308" cy="646331"/>
+          </a:xfrm>
+          <a:prstGeom prst="rect">
+            <a:avLst/>
+          </a:prstGeom>
+          <a:noFill/>
+        </p:spPr>
+        <p:txBody>
+          <a:bodyPr wrap="square" rtlCol="0">
+            <a:spAutoFit/>
+          </a:bodyPr>
+          <a:lstStyle/>
+          <a:p>
+            <a:r>
+              <a:rPr lang="en-US" dirty="0"/>
+              <a:t>3. Actual Provider will provide data to Node.js App</a:t>
+            </a:r>
+          </a:p>
+          <a:p>
+            <a:r>
+              <a:rPr lang="en-US" dirty="0"/>
+              <a:t>4. Node.js will deliver data to Client  </a:t>
+            </a:r>
+          </a:p>
+        </p:txBody>
+      </p:sp>
+      <p:sp>
+        <p:nvSpPr>
+          <p:cNvPr id="20" name="Oval 19">
+            <a:extLst>
+              <a:ext uri="{FF2B5EF4-FFF2-40B4-BE49-F238E27FC236}">
+                <a16:creationId xmlns:a16="http://schemas.microsoft.com/office/drawing/2014/main" id="{9C41FAD4-63C5-5841-B3DE-296F1B4897CF}"/>
+              </a:ext>
+            </a:extLst>
+          </p:cNvPr>
+          <p:cNvSpPr/>
+          <p:nvPr/>
+        </p:nvSpPr>
+        <p:spPr>
+          <a:xfrm>
+            <a:off x="3773530" y="4140929"/>
+            <a:ext cx="418012" cy="388337"/>
+          </a:xfrm>
+          <a:prstGeom prst="ellipse">
+            <a:avLst/>
+          </a:prstGeom>
+        </p:spPr>
+        <p:style>
+          <a:lnRef idx="2">
+            <a:schemeClr val="accent1">
+              <a:shade val="50000"/>
+            </a:schemeClr>
+          </a:lnRef>
+          <a:fillRef idx="1">
+            <a:schemeClr val="accent1"/>
+          </a:fillRef>
+          <a:effectRef idx="0">
+            <a:schemeClr val="accent1"/>
+          </a:effectRef>
+          <a:fontRef idx="minor">
+            <a:schemeClr val="lt1"/>
+          </a:fontRef>
+        </p:style>
+        <p:txBody>
+          <a:bodyPr rtlCol="0" anchor="ctr"/>
+          <a:lstStyle/>
+          <a:p>
+            <a:pPr algn="ctr"/>
+            <a:r>
+              <a:rPr lang="en-US" dirty="0"/>
+              <a:t>4</a:t>
+            </a:r>
+          </a:p>
+        </p:txBody>
+      </p:sp>
+      <p:sp>
+        <p:nvSpPr>
+          <p:cNvPr id="21" name="TextBox 20">
+            <a:extLst>
+              <a:ext uri="{FF2B5EF4-FFF2-40B4-BE49-F238E27FC236}">
+                <a16:creationId xmlns:a16="http://schemas.microsoft.com/office/drawing/2014/main" id="{6B2F9F76-2183-AB4C-8E78-05E1DFFCD3E0}"/>
+              </a:ext>
+            </a:extLst>
+          </p:cNvPr>
+          <p:cNvSpPr txBox="1"/>
+          <p:nvPr/>
+        </p:nvSpPr>
+        <p:spPr>
+          <a:xfrm>
+            <a:off x="6908075" y="3369028"/>
+            <a:ext cx="852900" cy="369332"/>
+          </a:xfrm>
+          <a:prstGeom prst="rect">
+            <a:avLst/>
+          </a:prstGeom>
+          <a:noFill/>
+        </p:spPr>
+        <p:txBody>
+          <a:bodyPr wrap="square" rtlCol="0">
+            <a:spAutoFit/>
+          </a:bodyPr>
+          <a:lstStyle/>
+          <a:p>
+            <a:r>
+              <a:rPr lang="en-US" dirty="0"/>
+              <a:t>delay</a:t>
+            </a:r>
+          </a:p>
+        </p:txBody>
+      </p:sp>
+      <p:sp>
+        <p:nvSpPr>
+          <p:cNvPr id="22" name="TextBox 21">
+            <a:extLst>
+              <a:ext uri="{FF2B5EF4-FFF2-40B4-BE49-F238E27FC236}">
+                <a16:creationId xmlns:a16="http://schemas.microsoft.com/office/drawing/2014/main" id="{FD223414-6C3F-F545-B903-A03FFCAEFB1B}"/>
+              </a:ext>
+            </a:extLst>
+          </p:cNvPr>
+          <p:cNvSpPr txBox="1"/>
+          <p:nvPr/>
+        </p:nvSpPr>
+        <p:spPr>
+          <a:xfrm>
+            <a:off x="3479075" y="3474317"/>
+            <a:ext cx="852900" cy="369332"/>
+          </a:xfrm>
+          <a:prstGeom prst="rect">
+            <a:avLst/>
+          </a:prstGeom>
+          <a:noFill/>
+        </p:spPr>
+        <p:txBody>
+          <a:bodyPr wrap="square" rtlCol="0">
+            <a:spAutoFit/>
+          </a:bodyPr>
+          <a:lstStyle/>
+          <a:p>
+            <a:r>
+              <a:rPr lang="en-US" dirty="0"/>
+              <a:t>delay</a:t>
+            </a:r>
+          </a:p>
+        </p:txBody>
+      </p:sp>
+    </p:spTree>
+    <p:extLst>
+      <p:ext uri="{BB962C8B-B14F-4D97-AF65-F5344CB8AC3E}">
+        <p14:creationId xmlns:p14="http://schemas.microsoft.com/office/powerpoint/2010/main" val="398402439"/>
+      </p:ext>
+    </p:extLst>
+  </p:cSld>
+  <p:clrMapOvr>
+    <a:masterClrMapping/>
+  </p:clrMapOvr>
+</p:sld>
+</file>
+
+<file path=ppt/slides/slide36.xml><?xml version="1.0" encoding="utf-8"?>
+<p:sld xmlns:a="http://schemas.openxmlformats.org/drawingml/2006/main" xmlns:r="http://schemas.openxmlformats.org/officeDocument/2006/relationships" xmlns:p="http://schemas.openxmlformats.org/presentationml/2006/main">
+  <p:cSld>
+    <p:spTree>
+      <p:nvGrpSpPr>
+        <p:cNvPr id="1" name=""/>
+        <p:cNvGrpSpPr/>
+        <p:nvPr/>
+      </p:nvGrpSpPr>
+      <p:grpSpPr>
+        <a:xfrm>
+          <a:off x="0" y="0"/>
+          <a:ext cx="0" cy="0"/>
+          <a:chOff x="0" y="0"/>
+          <a:chExt cx="0" cy="0"/>
+        </a:xfrm>
+      </p:grpSpPr>
+      <p:sp>
+        <p:nvSpPr>
+          <p:cNvPr id="2" name="Right Arrow 1">
+            <a:extLst>
+              <a:ext uri="{FF2B5EF4-FFF2-40B4-BE49-F238E27FC236}">
+                <a16:creationId xmlns:a16="http://schemas.microsoft.com/office/drawing/2014/main" id="{1F64194F-9C45-5D4A-91E8-878DD1819B79}"/>
+              </a:ext>
+            </a:extLst>
+          </p:cNvPr>
+          <p:cNvSpPr/>
+          <p:nvPr/>
+        </p:nvSpPr>
+        <p:spPr>
+          <a:xfrm>
+            <a:off x="3971108" y="1985554"/>
+            <a:ext cx="5599612" cy="1184366"/>
+          </a:xfrm>
+          <a:prstGeom prst="rightArrow">
+            <a:avLst/>
+          </a:prstGeom>
+        </p:spPr>
+        <p:style>
+          <a:lnRef idx="2">
+            <a:schemeClr val="accent1">
+              <a:shade val="50000"/>
+            </a:schemeClr>
+          </a:lnRef>
+          <a:fillRef idx="1">
+            <a:schemeClr val="accent1"/>
+          </a:fillRef>
+          <a:effectRef idx="0">
+            <a:schemeClr val="accent1"/>
+          </a:effectRef>
+          <a:fontRef idx="minor">
+            <a:schemeClr val="lt1"/>
+          </a:fontRef>
+        </p:style>
+        <p:txBody>
+          <a:bodyPr rtlCol="0" anchor="ctr"/>
+          <a:lstStyle/>
+          <a:p>
+            <a:pPr algn="ctr"/>
+            <a:r>
+              <a:rPr lang="en-US" dirty="0" err="1"/>
+              <a:t>http.request</a:t>
+            </a:r>
+            <a:r>
+              <a:rPr lang="en-US" dirty="0"/>
+              <a:t>()</a:t>
+            </a:r>
+          </a:p>
+        </p:txBody>
+      </p:sp>
+      <p:sp>
+        <p:nvSpPr>
+          <p:cNvPr id="3" name="Rounded Rectangle 2">
+            <a:extLst>
+              <a:ext uri="{FF2B5EF4-FFF2-40B4-BE49-F238E27FC236}">
+                <a16:creationId xmlns:a16="http://schemas.microsoft.com/office/drawing/2014/main" id="{E61B0E0D-C473-1743-AF83-9DAC00A4C317}"/>
+              </a:ext>
+            </a:extLst>
+          </p:cNvPr>
+          <p:cNvSpPr/>
+          <p:nvPr/>
+        </p:nvSpPr>
+        <p:spPr>
+          <a:xfrm>
+            <a:off x="2682239" y="1436914"/>
+            <a:ext cx="1271451" cy="3988526"/>
+          </a:xfrm>
+          <a:prstGeom prst="roundRect">
+            <a:avLst/>
+          </a:prstGeom>
+        </p:spPr>
+        <p:style>
+          <a:lnRef idx="2">
+            <a:schemeClr val="accent1">
+              <a:shade val="50000"/>
+            </a:schemeClr>
+          </a:lnRef>
+          <a:fillRef idx="1">
+            <a:schemeClr val="accent1"/>
+          </a:fillRef>
+          <a:effectRef idx="0">
+            <a:schemeClr val="accent1"/>
+          </a:effectRef>
+          <a:fontRef idx="minor">
+            <a:schemeClr val="lt1"/>
+          </a:fontRef>
+        </p:style>
+        <p:txBody>
+          <a:bodyPr rtlCol="0" anchor="ctr"/>
+          <a:lstStyle/>
+          <a:p>
+            <a:pPr algn="ctr"/>
+            <a:r>
+              <a:rPr lang="en-US" dirty="0"/>
+              <a:t>Defer() object</a:t>
+            </a:r>
+          </a:p>
+        </p:txBody>
+      </p:sp>
+      <p:sp>
+        <p:nvSpPr>
+          <p:cNvPr id="4" name="Bent Up Arrow 3">
+            <a:extLst>
+              <a:ext uri="{FF2B5EF4-FFF2-40B4-BE49-F238E27FC236}">
+                <a16:creationId xmlns:a16="http://schemas.microsoft.com/office/drawing/2014/main" id="{5E45B0C3-2582-DA44-A15A-44485034BB45}"/>
+              </a:ext>
+            </a:extLst>
+          </p:cNvPr>
+          <p:cNvSpPr/>
+          <p:nvPr/>
+        </p:nvSpPr>
+        <p:spPr>
+          <a:xfrm>
+            <a:off x="3971108" y="2856411"/>
+            <a:ext cx="836023" cy="687978"/>
+          </a:xfrm>
+          <a:prstGeom prst="bentUpArrow">
+            <a:avLst/>
+          </a:prstGeom>
+        </p:spPr>
+        <p:style>
+          <a:lnRef idx="2">
+            <a:schemeClr val="accent1">
+              <a:shade val="50000"/>
+            </a:schemeClr>
+          </a:lnRef>
+          <a:fillRef idx="1">
+            <a:schemeClr val="accent1"/>
+          </a:fillRef>
+          <a:effectRef idx="0">
+            <a:schemeClr val="accent1"/>
+          </a:effectRef>
+          <a:fontRef idx="minor">
+            <a:schemeClr val="lt1"/>
+          </a:fontRef>
+        </p:style>
+        <p:txBody>
+          <a:bodyPr rtlCol="0" anchor="ctr"/>
+          <a:lstStyle/>
+          <a:p>
+            <a:pPr algn="ctr"/>
+            <a:endParaRPr lang="en-US"/>
+          </a:p>
+        </p:txBody>
+      </p:sp>
+      <p:sp>
+        <p:nvSpPr>
+          <p:cNvPr id="5" name="TextBox 4">
+            <a:extLst>
+              <a:ext uri="{FF2B5EF4-FFF2-40B4-BE49-F238E27FC236}">
+                <a16:creationId xmlns:a16="http://schemas.microsoft.com/office/drawing/2014/main" id="{591971A7-BC14-8B46-8D40-CEE6AEE1642C}"/>
+              </a:ext>
+            </a:extLst>
+          </p:cNvPr>
+          <p:cNvSpPr txBox="1"/>
+          <p:nvPr/>
+        </p:nvSpPr>
+        <p:spPr>
+          <a:xfrm>
+            <a:off x="4728753" y="2967335"/>
+            <a:ext cx="3196046" cy="923330"/>
+          </a:xfrm>
+          <a:prstGeom prst="rect">
+            <a:avLst/>
+          </a:prstGeom>
+          <a:noFill/>
+        </p:spPr>
+        <p:txBody>
+          <a:bodyPr wrap="square" rtlCol="0">
+            <a:spAutoFit/>
+          </a:bodyPr>
+          <a:lstStyle/>
+          <a:p>
+            <a:r>
+              <a:rPr lang="en-US" dirty="0"/>
+              <a:t>Defer() monitor to makes sure that the </a:t>
+            </a:r>
+            <a:r>
+              <a:rPr lang="en-US" dirty="0" err="1"/>
+              <a:t>Asnc</a:t>
+            </a:r>
+            <a:r>
+              <a:rPr lang="en-US" dirty="0"/>
+              <a:t> call will be bundled in a container</a:t>
+            </a:r>
+          </a:p>
+        </p:txBody>
+      </p:sp>
+      <p:sp>
+        <p:nvSpPr>
+          <p:cNvPr id="6" name="Rounded Rectangle 5">
+            <a:extLst>
+              <a:ext uri="{FF2B5EF4-FFF2-40B4-BE49-F238E27FC236}">
+                <a16:creationId xmlns:a16="http://schemas.microsoft.com/office/drawing/2014/main" id="{66AF6BC4-36B8-4840-96D1-44CE81329DDC}"/>
+              </a:ext>
+            </a:extLst>
+          </p:cNvPr>
+          <p:cNvSpPr/>
+          <p:nvPr/>
+        </p:nvSpPr>
+        <p:spPr>
+          <a:xfrm>
+            <a:off x="9588137" y="1434737"/>
+            <a:ext cx="2316480" cy="3988526"/>
+          </a:xfrm>
+          <a:prstGeom prst="roundRect">
+            <a:avLst/>
+          </a:prstGeom>
+        </p:spPr>
+        <p:style>
+          <a:lnRef idx="2">
+            <a:schemeClr val="accent1">
+              <a:shade val="50000"/>
+            </a:schemeClr>
+          </a:lnRef>
+          <a:fillRef idx="1">
+            <a:schemeClr val="accent1"/>
+          </a:fillRef>
+          <a:effectRef idx="0">
+            <a:schemeClr val="accent1"/>
+          </a:effectRef>
+          <a:fontRef idx="minor">
+            <a:schemeClr val="lt1"/>
+          </a:fontRef>
+        </p:style>
+        <p:txBody>
+          <a:bodyPr rtlCol="0" anchor="ctr"/>
+          <a:lstStyle/>
+          <a:p>
+            <a:pPr algn="ctr"/>
+            <a:r>
+              <a:rPr lang="en-US" dirty="0"/>
+              <a:t>Service</a:t>
+            </a:r>
+          </a:p>
+        </p:txBody>
+      </p:sp>
+      <p:sp>
+        <p:nvSpPr>
+          <p:cNvPr id="7" name="Left Arrow 6">
+            <a:extLst>
+              <a:ext uri="{FF2B5EF4-FFF2-40B4-BE49-F238E27FC236}">
+                <a16:creationId xmlns:a16="http://schemas.microsoft.com/office/drawing/2014/main" id="{11A670F3-25F7-9248-811F-3331F9A33610}"/>
+              </a:ext>
+            </a:extLst>
+          </p:cNvPr>
+          <p:cNvSpPr/>
+          <p:nvPr/>
+        </p:nvSpPr>
+        <p:spPr>
+          <a:xfrm>
+            <a:off x="4998721" y="4032069"/>
+            <a:ext cx="4572000" cy="1184366"/>
+          </a:xfrm>
+          <a:prstGeom prst="leftArrow">
+            <a:avLst/>
+          </a:prstGeom>
+        </p:spPr>
+        <p:style>
+          <a:lnRef idx="2">
+            <a:schemeClr val="accent1">
+              <a:shade val="50000"/>
+            </a:schemeClr>
+          </a:lnRef>
+          <a:fillRef idx="1">
+            <a:schemeClr val="accent1"/>
+          </a:fillRef>
+          <a:effectRef idx="0">
+            <a:schemeClr val="accent1"/>
+          </a:effectRef>
+          <a:fontRef idx="minor">
+            <a:schemeClr val="lt1"/>
+          </a:fontRef>
+        </p:style>
+        <p:txBody>
+          <a:bodyPr rtlCol="0" anchor="ctr"/>
+          <a:lstStyle/>
+          <a:p>
+            <a:pPr algn="ctr"/>
+            <a:r>
+              <a:rPr lang="en-US" dirty="0"/>
+              <a:t>Response with data / error</a:t>
+            </a:r>
+          </a:p>
+        </p:txBody>
+      </p:sp>
+      <p:sp>
+        <p:nvSpPr>
+          <p:cNvPr id="8" name="Bent Arrow 7">
+            <a:extLst>
+              <a:ext uri="{FF2B5EF4-FFF2-40B4-BE49-F238E27FC236}">
+                <a16:creationId xmlns:a16="http://schemas.microsoft.com/office/drawing/2014/main" id="{FA356B50-0FD1-D049-9CAC-194AC1743076}"/>
+              </a:ext>
+            </a:extLst>
+          </p:cNvPr>
+          <p:cNvSpPr/>
+          <p:nvPr/>
+        </p:nvSpPr>
+        <p:spPr>
+          <a:xfrm rot="16200000">
+            <a:off x="3888379" y="3635825"/>
+            <a:ext cx="1184364" cy="1001489"/>
+          </a:xfrm>
+          <a:prstGeom prst="bentArrow">
+            <a:avLst/>
+          </a:prstGeom>
+        </p:spPr>
+        <p:style>
+          <a:lnRef idx="2">
+            <a:schemeClr val="accent1">
+              <a:shade val="50000"/>
+            </a:schemeClr>
+          </a:lnRef>
+          <a:fillRef idx="1">
+            <a:schemeClr val="accent1"/>
+          </a:fillRef>
+          <a:effectRef idx="0">
+            <a:schemeClr val="accent1"/>
+          </a:effectRef>
+          <a:fontRef idx="minor">
+            <a:schemeClr val="lt1"/>
+          </a:fontRef>
+        </p:style>
+        <p:txBody>
+          <a:bodyPr rtlCol="0" anchor="ctr"/>
+          <a:lstStyle/>
+          <a:p>
+            <a:pPr algn="ctr"/>
+            <a:endParaRPr lang="en-US">
+              <a:solidFill>
+                <a:schemeClr val="tx1"/>
+              </a:solidFill>
+            </a:endParaRPr>
+          </a:p>
+        </p:txBody>
+      </p:sp>
+      <p:sp>
+        <p:nvSpPr>
+          <p:cNvPr id="9" name="TextBox 8">
+            <a:extLst>
+              <a:ext uri="{FF2B5EF4-FFF2-40B4-BE49-F238E27FC236}">
+                <a16:creationId xmlns:a16="http://schemas.microsoft.com/office/drawing/2014/main" id="{6D44218C-78A9-B042-A72C-A5E260E904E8}"/>
+              </a:ext>
+            </a:extLst>
+          </p:cNvPr>
+          <p:cNvSpPr txBox="1"/>
+          <p:nvPr/>
+        </p:nvSpPr>
+        <p:spPr>
+          <a:xfrm>
+            <a:off x="3979816" y="5686697"/>
+            <a:ext cx="4537167" cy="369332"/>
+          </a:xfrm>
+          <a:prstGeom prst="rect">
+            <a:avLst/>
+          </a:prstGeom>
+          <a:noFill/>
+        </p:spPr>
+        <p:txBody>
+          <a:bodyPr wrap="square" rtlCol="0">
+            <a:spAutoFit/>
+          </a:bodyPr>
+          <a:lstStyle/>
+          <a:p>
+            <a:r>
+              <a:rPr lang="en-US" dirty="0"/>
+              <a:t>Response will be notified back to the defer()</a:t>
+            </a:r>
+          </a:p>
+        </p:txBody>
+      </p:sp>
+      <p:cxnSp>
+        <p:nvCxnSpPr>
+          <p:cNvPr id="11" name="Straight Arrow Connector 10">
+            <a:extLst>
+              <a:ext uri="{FF2B5EF4-FFF2-40B4-BE49-F238E27FC236}">
+                <a16:creationId xmlns:a16="http://schemas.microsoft.com/office/drawing/2014/main" id="{D3C8D4E6-4F22-B64B-BAEF-2B77B1CEEFC1}"/>
+              </a:ext>
+            </a:extLst>
+          </p:cNvPr>
+          <p:cNvCxnSpPr/>
+          <p:nvPr/>
+        </p:nvCxnSpPr>
+        <p:spPr>
+          <a:xfrm flipV="1">
+            <a:off x="4728753" y="4728752"/>
+            <a:ext cx="0" cy="966654"/>
+          </a:xfrm>
+          <a:prstGeom prst="straightConnector1">
+            <a:avLst/>
+          </a:prstGeom>
+          <a:ln>
+            <a:tailEnd type="triangle"/>
+          </a:ln>
+        </p:spPr>
+        <p:style>
+          <a:lnRef idx="3">
+            <a:schemeClr val="accent2"/>
+          </a:lnRef>
+          <a:fillRef idx="0">
+            <a:schemeClr val="accent2"/>
+          </a:fillRef>
+          <a:effectRef idx="2">
+            <a:schemeClr val="accent2"/>
+          </a:effectRef>
+          <a:fontRef idx="minor">
+            <a:schemeClr val="tx1"/>
+          </a:fontRef>
+        </p:style>
+      </p:cxnSp>
+      <p:sp>
+        <p:nvSpPr>
+          <p:cNvPr id="12" name="Rounded Rectangle 11">
+            <a:extLst>
+              <a:ext uri="{FF2B5EF4-FFF2-40B4-BE49-F238E27FC236}">
+                <a16:creationId xmlns:a16="http://schemas.microsoft.com/office/drawing/2014/main" id="{A7085349-A189-5C4E-9C49-7D88DF79A40C}"/>
+              </a:ext>
+            </a:extLst>
+          </p:cNvPr>
+          <p:cNvSpPr/>
+          <p:nvPr/>
+        </p:nvSpPr>
+        <p:spPr>
+          <a:xfrm>
+            <a:off x="182879" y="2508069"/>
+            <a:ext cx="1715590" cy="1733005"/>
+          </a:xfrm>
+          <a:prstGeom prst="roundRect">
+            <a:avLst/>
+          </a:prstGeom>
+        </p:spPr>
+        <p:style>
+          <a:lnRef idx="2">
+            <a:schemeClr val="accent1">
+              <a:shade val="50000"/>
+            </a:schemeClr>
+          </a:lnRef>
+          <a:fillRef idx="1">
+            <a:schemeClr val="accent1"/>
+          </a:fillRef>
+          <a:effectRef idx="0">
+            <a:schemeClr val="accent1"/>
+          </a:effectRef>
+          <a:fontRef idx="minor">
+            <a:schemeClr val="lt1"/>
+          </a:fontRef>
+        </p:style>
+        <p:txBody>
+          <a:bodyPr rtlCol="0" anchor="ctr"/>
+          <a:lstStyle/>
+          <a:p>
+            <a:pPr algn="ctr"/>
+            <a:r>
+              <a:rPr lang="en-US" dirty="0"/>
+              <a:t>Node.js Caller</a:t>
+            </a:r>
+          </a:p>
+        </p:txBody>
+      </p:sp>
+      <p:sp>
+        <p:nvSpPr>
+          <p:cNvPr id="13" name="Curved Down Arrow 12">
+            <a:extLst>
+              <a:ext uri="{FF2B5EF4-FFF2-40B4-BE49-F238E27FC236}">
+                <a16:creationId xmlns:a16="http://schemas.microsoft.com/office/drawing/2014/main" id="{FED1CD22-35B7-8644-9A7F-92DDBA6670D0}"/>
+              </a:ext>
+            </a:extLst>
+          </p:cNvPr>
+          <p:cNvSpPr/>
+          <p:nvPr/>
+        </p:nvSpPr>
+        <p:spPr>
+          <a:xfrm>
+            <a:off x="1515291" y="2508069"/>
+            <a:ext cx="1314995" cy="459266"/>
+          </a:xfrm>
+          <a:prstGeom prst="curvedDownArrow">
+            <a:avLst/>
+          </a:prstGeom>
+          <a:solidFill>
+            <a:srgbClr val="FF0000"/>
+          </a:solidFill>
+        </p:spPr>
+        <p:style>
+          <a:lnRef idx="2">
+            <a:schemeClr val="accent1">
+              <a:shade val="50000"/>
+            </a:schemeClr>
+          </a:lnRef>
+          <a:fillRef idx="1">
+            <a:schemeClr val="accent1"/>
+          </a:fillRef>
+          <a:effectRef idx="0">
+            <a:schemeClr val="accent1"/>
+          </a:effectRef>
+          <a:fontRef idx="minor">
+            <a:schemeClr val="lt1"/>
+          </a:fontRef>
+        </p:style>
+        <p:txBody>
+          <a:bodyPr rtlCol="0" anchor="ctr"/>
+          <a:lstStyle/>
+          <a:p>
+            <a:pPr algn="ctr"/>
+            <a:endParaRPr lang="en-US">
+              <a:solidFill>
+                <a:schemeClr val="tx1"/>
+              </a:solidFill>
+            </a:endParaRPr>
+          </a:p>
+        </p:txBody>
+      </p:sp>
+      <p:sp>
+        <p:nvSpPr>
+          <p:cNvPr id="14" name="TextBox 13">
+            <a:extLst>
+              <a:ext uri="{FF2B5EF4-FFF2-40B4-BE49-F238E27FC236}">
+                <a16:creationId xmlns:a16="http://schemas.microsoft.com/office/drawing/2014/main" id="{474FE801-8A28-7143-8EE5-EB996540D5E7}"/>
+              </a:ext>
+            </a:extLst>
+          </p:cNvPr>
+          <p:cNvSpPr txBox="1"/>
+          <p:nvPr/>
+        </p:nvSpPr>
+        <p:spPr>
+          <a:xfrm>
+            <a:off x="522514" y="557349"/>
+            <a:ext cx="3152503" cy="646331"/>
+          </a:xfrm>
+          <a:prstGeom prst="rect">
+            <a:avLst/>
+          </a:prstGeom>
+          <a:noFill/>
+        </p:spPr>
+        <p:txBody>
+          <a:bodyPr wrap="square" rtlCol="0">
+            <a:spAutoFit/>
+          </a:bodyPr>
+          <a:lstStyle/>
+          <a:p>
+            <a:r>
+              <a:rPr lang="en-US" dirty="0"/>
+              <a:t>Caller subscription to defer object (aka an internal Promise)</a:t>
+            </a:r>
+          </a:p>
+        </p:txBody>
+      </p:sp>
+      <p:cxnSp>
+        <p:nvCxnSpPr>
+          <p:cNvPr id="16" name="Straight Arrow Connector 15">
+            <a:extLst>
+              <a:ext uri="{FF2B5EF4-FFF2-40B4-BE49-F238E27FC236}">
+                <a16:creationId xmlns:a16="http://schemas.microsoft.com/office/drawing/2014/main" id="{36FB4D44-C82C-C24D-915D-640F924F9909}"/>
+              </a:ext>
+            </a:extLst>
+          </p:cNvPr>
+          <p:cNvCxnSpPr>
+            <a:stCxn id="14" idx="2"/>
+            <a:endCxn id="13" idx="0"/>
+          </p:cNvCxnSpPr>
+          <p:nvPr/>
+        </p:nvCxnSpPr>
+        <p:spPr>
+          <a:xfrm>
+            <a:off x="2098766" y="1203680"/>
+            <a:ext cx="45318" cy="1304389"/>
+          </a:xfrm>
+          <a:prstGeom prst="straightConnector1">
+            <a:avLst/>
+          </a:prstGeom>
+          <a:ln>
+            <a:tailEnd type="triangle"/>
+          </a:ln>
+        </p:spPr>
+        <p:style>
+          <a:lnRef idx="3">
+            <a:schemeClr val="accent2"/>
+          </a:lnRef>
+          <a:fillRef idx="0">
+            <a:schemeClr val="accent2"/>
+          </a:fillRef>
+          <a:effectRef idx="2">
+            <a:schemeClr val="accent2"/>
+          </a:effectRef>
+          <a:fontRef idx="minor">
+            <a:schemeClr val="tx1"/>
+          </a:fontRef>
+        </p:style>
+      </p:cxnSp>
+      <p:sp>
+        <p:nvSpPr>
+          <p:cNvPr id="17" name="Curved Down Arrow 16">
+            <a:extLst>
+              <a:ext uri="{FF2B5EF4-FFF2-40B4-BE49-F238E27FC236}">
+                <a16:creationId xmlns:a16="http://schemas.microsoft.com/office/drawing/2014/main" id="{726834D4-B6F9-C847-B591-FF4038A9A033}"/>
+              </a:ext>
+            </a:extLst>
+          </p:cNvPr>
+          <p:cNvSpPr/>
+          <p:nvPr/>
+        </p:nvSpPr>
+        <p:spPr>
+          <a:xfrm rot="10568328">
+            <a:off x="1524001" y="3586965"/>
+            <a:ext cx="1314995" cy="459266"/>
+          </a:xfrm>
+          <a:prstGeom prst="curvedDownArrow">
+            <a:avLst/>
+          </a:prstGeom>
+          <a:solidFill>
+            <a:srgbClr val="FF0000"/>
+          </a:solidFill>
+        </p:spPr>
+        <p:style>
+          <a:lnRef idx="2">
+            <a:schemeClr val="accent1">
+              <a:shade val="50000"/>
+            </a:schemeClr>
+          </a:lnRef>
+          <a:fillRef idx="1">
+            <a:schemeClr val="accent1"/>
+          </a:fillRef>
+          <a:effectRef idx="0">
+            <a:schemeClr val="accent1"/>
+          </a:effectRef>
+          <a:fontRef idx="minor">
+            <a:schemeClr val="lt1"/>
+          </a:fontRef>
+        </p:style>
+        <p:txBody>
+          <a:bodyPr rtlCol="0" anchor="ctr"/>
+          <a:lstStyle/>
+          <a:p>
+            <a:pPr algn="ctr"/>
+            <a:endParaRPr lang="en-US">
+              <a:solidFill>
+                <a:schemeClr val="tx1"/>
+              </a:solidFill>
+            </a:endParaRPr>
+          </a:p>
+        </p:txBody>
+      </p:sp>
+      <p:sp>
+        <p:nvSpPr>
+          <p:cNvPr id="18" name="TextBox 17">
+            <a:extLst>
+              <a:ext uri="{FF2B5EF4-FFF2-40B4-BE49-F238E27FC236}">
+                <a16:creationId xmlns:a16="http://schemas.microsoft.com/office/drawing/2014/main" id="{2E51456D-0556-9F4D-A752-5EC68A713C51}"/>
+              </a:ext>
+            </a:extLst>
+          </p:cNvPr>
+          <p:cNvSpPr txBox="1"/>
+          <p:nvPr/>
+        </p:nvSpPr>
+        <p:spPr>
+          <a:xfrm>
+            <a:off x="439781" y="5700486"/>
+            <a:ext cx="3152503" cy="1200329"/>
+          </a:xfrm>
+          <a:prstGeom prst="rect">
+            <a:avLst/>
+          </a:prstGeom>
+          <a:noFill/>
+        </p:spPr>
+        <p:txBody>
+          <a:bodyPr wrap="square" rtlCol="0">
+            <a:spAutoFit/>
+          </a:bodyPr>
+          <a:lstStyle/>
+          <a:p>
+            <a:r>
+              <a:rPr lang="en-US" dirty="0"/>
+              <a:t>When the defer has result with it, the result will be delivered to the caller asynchronously w/o Bocking</a:t>
+            </a:r>
+          </a:p>
+        </p:txBody>
+      </p:sp>
+      <p:cxnSp>
+        <p:nvCxnSpPr>
+          <p:cNvPr id="20" name="Straight Arrow Connector 19">
+            <a:extLst>
+              <a:ext uri="{FF2B5EF4-FFF2-40B4-BE49-F238E27FC236}">
+                <a16:creationId xmlns:a16="http://schemas.microsoft.com/office/drawing/2014/main" id="{BD5F86D0-A721-A448-8C9A-2696554DB3F6}"/>
+              </a:ext>
+            </a:extLst>
+          </p:cNvPr>
+          <p:cNvCxnSpPr>
+            <a:cxnSpLocks/>
+          </p:cNvCxnSpPr>
+          <p:nvPr/>
+        </p:nvCxnSpPr>
+        <p:spPr>
+          <a:xfrm flipV="1">
+            <a:off x="2098765" y="4047196"/>
+            <a:ext cx="40521" cy="1709923"/>
+          </a:xfrm>
+          <a:prstGeom prst="straightConnector1">
+            <a:avLst/>
+          </a:prstGeom>
+          <a:ln>
+            <a:tailEnd type="triangle"/>
+          </a:ln>
+        </p:spPr>
+        <p:style>
+          <a:lnRef idx="3">
+            <a:schemeClr val="accent2"/>
+          </a:lnRef>
+          <a:fillRef idx="0">
+            <a:schemeClr val="accent2"/>
+          </a:fillRef>
+          <a:effectRef idx="2">
+            <a:schemeClr val="accent2"/>
+          </a:effectRef>
+          <a:fontRef idx="minor">
+            <a:schemeClr val="tx1"/>
+          </a:fontRef>
+        </p:style>
+      </p:cxnSp>
+      <p:sp>
+        <p:nvSpPr>
+          <p:cNvPr id="22" name="TextBox 21">
+            <a:extLst>
+              <a:ext uri="{FF2B5EF4-FFF2-40B4-BE49-F238E27FC236}">
+                <a16:creationId xmlns:a16="http://schemas.microsoft.com/office/drawing/2014/main" id="{CA1C007B-712C-A043-AB00-7B56D916E411}"/>
+              </a:ext>
+            </a:extLst>
+          </p:cNvPr>
+          <p:cNvSpPr txBox="1"/>
+          <p:nvPr/>
+        </p:nvSpPr>
+        <p:spPr>
+          <a:xfrm>
+            <a:off x="4833257" y="261257"/>
+            <a:ext cx="4580705" cy="369332"/>
+          </a:xfrm>
+          <a:prstGeom prst="rect">
+            <a:avLst/>
+          </a:prstGeom>
+          <a:noFill/>
+        </p:spPr>
+        <p:txBody>
+          <a:bodyPr wrap="square" rtlCol="0">
+            <a:spAutoFit/>
+          </a:bodyPr>
+          <a:lstStyle/>
+          <a:p>
+            <a:r>
+              <a:rPr lang="en-US" dirty="0"/>
+              <a:t>Using Q based Promises in Node.js Application</a:t>
+            </a:r>
+          </a:p>
+        </p:txBody>
+      </p:sp>
+    </p:spTree>
+    <p:extLst>
+      <p:ext uri="{BB962C8B-B14F-4D97-AF65-F5344CB8AC3E}">
+        <p14:creationId xmlns:p14="http://schemas.microsoft.com/office/powerpoint/2010/main" val="1047550540"/>
+      </p:ext>
+    </p:extLst>
+  </p:cSld>
+  <p:clrMapOvr>
+    <a:masterClrMapping/>
+  </p:clrMapOvr>
+</p:sld>
+</file>
+
+<file path=ppt/slides/slide37.xml><?xml version="1.0" encoding="utf-8"?>
+<p:sld xmlns:a="http://schemas.openxmlformats.org/drawingml/2006/main" xmlns:r="http://schemas.openxmlformats.org/officeDocument/2006/relationships" xmlns:p="http://schemas.openxmlformats.org/presentationml/2006/main">
+  <p:cSld>
+    <p:spTree>
+      <p:nvGrpSpPr>
+        <p:cNvPr id="1" name=""/>
+        <p:cNvGrpSpPr/>
+        <p:nvPr/>
+      </p:nvGrpSpPr>
+      <p:grpSpPr>
+        <a:xfrm>
+          <a:off x="0" y="0"/>
+          <a:ext cx="0" cy="0"/>
+          <a:chOff x="0" y="0"/>
+          <a:chExt cx="0" cy="0"/>
+        </a:xfrm>
+      </p:grpSpPr>
+      <p:sp>
+        <p:nvSpPr>
+          <p:cNvPr id="2" name="TextBox 1">
+            <a:extLst>
+              <a:ext uri="{FF2B5EF4-FFF2-40B4-BE49-F238E27FC236}">
+                <a16:creationId xmlns:a16="http://schemas.microsoft.com/office/drawing/2014/main" id="{6ED6D9A8-F0A7-484F-A30A-7936490F6BB0}"/>
+              </a:ext>
+            </a:extLst>
+          </p:cNvPr>
+          <p:cNvSpPr txBox="1"/>
+          <p:nvPr/>
+        </p:nvSpPr>
+        <p:spPr>
+          <a:xfrm>
+            <a:off x="3605349" y="87086"/>
+            <a:ext cx="5120640" cy="369332"/>
+          </a:xfrm>
+          <a:prstGeom prst="rect">
+            <a:avLst/>
+          </a:prstGeom>
+          <a:noFill/>
+        </p:spPr>
+        <p:txBody>
+          <a:bodyPr wrap="square" rtlCol="0">
+            <a:spAutoFit/>
+          </a:bodyPr>
+          <a:lstStyle/>
+          <a:p>
+            <a:pPr algn="ctr"/>
+            <a:r>
+              <a:rPr lang="en-US" dirty="0"/>
+              <a:t>Express Request Processing </a:t>
+            </a:r>
+          </a:p>
+        </p:txBody>
+      </p:sp>
+      <p:sp>
+        <p:nvSpPr>
+          <p:cNvPr id="3" name="Right Arrow 2">
+            <a:extLst>
+              <a:ext uri="{FF2B5EF4-FFF2-40B4-BE49-F238E27FC236}">
+                <a16:creationId xmlns:a16="http://schemas.microsoft.com/office/drawing/2014/main" id="{CC0ACD2A-3434-A548-8DCB-351FF44DA3EE}"/>
+              </a:ext>
+            </a:extLst>
+          </p:cNvPr>
+          <p:cNvSpPr/>
+          <p:nvPr/>
+        </p:nvSpPr>
+        <p:spPr>
+          <a:xfrm>
+            <a:off x="217714" y="1158240"/>
+            <a:ext cx="1158240" cy="400594"/>
+          </a:xfrm>
+          <a:prstGeom prst="rightArrow">
+            <a:avLst/>
+          </a:prstGeom>
+        </p:spPr>
+        <p:style>
+          <a:lnRef idx="2">
+            <a:schemeClr val="accent1">
+              <a:shade val="50000"/>
+            </a:schemeClr>
+          </a:lnRef>
+          <a:fillRef idx="1">
+            <a:schemeClr val="accent1"/>
+          </a:fillRef>
+          <a:effectRef idx="0">
+            <a:schemeClr val="accent1"/>
+          </a:effectRef>
+          <a:fontRef idx="minor">
+            <a:schemeClr val="lt1"/>
+          </a:fontRef>
+        </p:style>
+        <p:txBody>
+          <a:bodyPr rtlCol="0" anchor="ctr"/>
+          <a:lstStyle/>
+          <a:p>
+            <a:pPr algn="ctr"/>
+            <a:r>
+              <a:rPr lang="en-US" dirty="0"/>
+              <a:t>Request</a:t>
+            </a:r>
+          </a:p>
+        </p:txBody>
+      </p:sp>
+      <p:sp>
+        <p:nvSpPr>
+          <p:cNvPr id="4" name="Rectangle 3">
+            <a:extLst>
+              <a:ext uri="{FF2B5EF4-FFF2-40B4-BE49-F238E27FC236}">
+                <a16:creationId xmlns:a16="http://schemas.microsoft.com/office/drawing/2014/main" id="{B080245C-2FEF-8843-95CD-DD6497E91821}"/>
+              </a:ext>
+            </a:extLst>
+          </p:cNvPr>
+          <p:cNvSpPr/>
+          <p:nvPr/>
+        </p:nvSpPr>
+        <p:spPr>
+          <a:xfrm>
+            <a:off x="1410789" y="1045029"/>
+            <a:ext cx="1532708" cy="687977"/>
+          </a:xfrm>
+          <a:prstGeom prst="rect">
+            <a:avLst/>
+          </a:prstGeom>
+        </p:spPr>
+        <p:style>
+          <a:lnRef idx="2">
+            <a:schemeClr val="accent1">
+              <a:shade val="50000"/>
+            </a:schemeClr>
+          </a:lnRef>
+          <a:fillRef idx="1">
+            <a:schemeClr val="accent1"/>
+          </a:fillRef>
+          <a:effectRef idx="0">
+            <a:schemeClr val="accent1"/>
+          </a:effectRef>
+          <a:fontRef idx="minor">
+            <a:schemeClr val="lt1"/>
+          </a:fontRef>
+        </p:style>
+        <p:txBody>
+          <a:bodyPr rtlCol="0" anchor="ctr"/>
+          <a:lstStyle/>
+          <a:p>
+            <a:pPr algn="ctr"/>
+            <a:r>
+              <a:rPr lang="en-US" dirty="0"/>
+              <a:t>Express Listener</a:t>
+            </a:r>
+          </a:p>
+        </p:txBody>
+      </p:sp>
+      <p:sp>
+        <p:nvSpPr>
+          <p:cNvPr id="5" name="TextBox 4">
+            <a:extLst>
+              <a:ext uri="{FF2B5EF4-FFF2-40B4-BE49-F238E27FC236}">
+                <a16:creationId xmlns:a16="http://schemas.microsoft.com/office/drawing/2014/main" id="{DED6FD17-C22B-E84B-AD4B-2BF188DE881E}"/>
+              </a:ext>
+            </a:extLst>
+          </p:cNvPr>
+          <p:cNvSpPr txBox="1"/>
+          <p:nvPr/>
+        </p:nvSpPr>
+        <p:spPr>
+          <a:xfrm>
+            <a:off x="1018903" y="1854926"/>
+            <a:ext cx="2142308" cy="923330"/>
+          </a:xfrm>
+          <a:prstGeom prst="rect">
+            <a:avLst/>
+          </a:prstGeom>
+          <a:noFill/>
+        </p:spPr>
+        <p:txBody>
+          <a:bodyPr wrap="square" rtlCol="0">
+            <a:spAutoFit/>
+          </a:bodyPr>
+          <a:lstStyle/>
+          <a:p>
+            <a:r>
+              <a:rPr lang="en-US" dirty="0"/>
+              <a:t>Endpoint on which express app is executing</a:t>
+            </a:r>
+          </a:p>
+        </p:txBody>
+      </p:sp>
+      <p:sp>
+        <p:nvSpPr>
+          <p:cNvPr id="6" name="Right Arrow 5">
+            <a:extLst>
+              <a:ext uri="{FF2B5EF4-FFF2-40B4-BE49-F238E27FC236}">
+                <a16:creationId xmlns:a16="http://schemas.microsoft.com/office/drawing/2014/main" id="{AEB75F1E-7CAA-B142-AA24-423CAAF08041}"/>
+              </a:ext>
+            </a:extLst>
+          </p:cNvPr>
+          <p:cNvSpPr/>
+          <p:nvPr/>
+        </p:nvSpPr>
+        <p:spPr>
+          <a:xfrm>
+            <a:off x="2952206" y="1188721"/>
+            <a:ext cx="1158240" cy="400594"/>
+          </a:xfrm>
+          <a:prstGeom prst="rightArrow">
+            <a:avLst/>
+          </a:prstGeom>
+        </p:spPr>
+        <p:style>
+          <a:lnRef idx="2">
+            <a:schemeClr val="accent1">
+              <a:shade val="50000"/>
+            </a:schemeClr>
+          </a:lnRef>
+          <a:fillRef idx="1">
+            <a:schemeClr val="accent1"/>
+          </a:fillRef>
+          <a:effectRef idx="0">
+            <a:schemeClr val="accent1"/>
+          </a:effectRef>
+          <a:fontRef idx="minor">
+            <a:schemeClr val="lt1"/>
+          </a:fontRef>
+        </p:style>
+        <p:txBody>
+          <a:bodyPr rtlCol="0" anchor="ctr"/>
+          <a:lstStyle/>
+          <a:p>
+            <a:pPr algn="ctr"/>
+            <a:r>
+              <a:rPr lang="en-US" dirty="0"/>
+              <a:t>Request</a:t>
+            </a:r>
+          </a:p>
+        </p:txBody>
+      </p:sp>
+      <p:sp>
+        <p:nvSpPr>
+          <p:cNvPr id="7" name="Rectangle 6">
+            <a:extLst>
+              <a:ext uri="{FF2B5EF4-FFF2-40B4-BE49-F238E27FC236}">
+                <a16:creationId xmlns:a16="http://schemas.microsoft.com/office/drawing/2014/main" id="{32DBB07C-90CD-0746-8C76-908F37AADB39}"/>
+              </a:ext>
+            </a:extLst>
+          </p:cNvPr>
+          <p:cNvSpPr/>
+          <p:nvPr/>
+        </p:nvSpPr>
+        <p:spPr>
+          <a:xfrm>
+            <a:off x="4145281" y="1075510"/>
+            <a:ext cx="1532708" cy="687977"/>
+          </a:xfrm>
+          <a:prstGeom prst="rect">
+            <a:avLst/>
+          </a:prstGeom>
+        </p:spPr>
+        <p:style>
+          <a:lnRef idx="2">
+            <a:schemeClr val="accent1">
+              <a:shade val="50000"/>
+            </a:schemeClr>
+          </a:lnRef>
+          <a:fillRef idx="1">
+            <a:schemeClr val="accent1"/>
+          </a:fillRef>
+          <a:effectRef idx="0">
+            <a:schemeClr val="accent1"/>
+          </a:effectRef>
+          <a:fontRef idx="minor">
+            <a:schemeClr val="lt1"/>
+          </a:fontRef>
+        </p:style>
+        <p:txBody>
+          <a:bodyPr rtlCol="0" anchor="ctr"/>
+          <a:lstStyle/>
+          <a:p>
+            <a:pPr algn="ctr"/>
+            <a:r>
+              <a:rPr lang="en-US" dirty="0"/>
+              <a:t>Express Router</a:t>
+            </a:r>
+          </a:p>
+        </p:txBody>
+      </p:sp>
+      <p:sp>
+        <p:nvSpPr>
+          <p:cNvPr id="8" name="TextBox 7">
+            <a:extLst>
+              <a:ext uri="{FF2B5EF4-FFF2-40B4-BE49-F238E27FC236}">
+                <a16:creationId xmlns:a16="http://schemas.microsoft.com/office/drawing/2014/main" id="{E8501C90-C64A-CA49-9788-1D4FC1ADB742}"/>
+              </a:ext>
+            </a:extLst>
+          </p:cNvPr>
+          <p:cNvSpPr txBox="1"/>
+          <p:nvPr/>
+        </p:nvSpPr>
+        <p:spPr>
+          <a:xfrm>
+            <a:off x="3605349" y="1854926"/>
+            <a:ext cx="2420982" cy="646331"/>
+          </a:xfrm>
+          <a:prstGeom prst="rect">
+            <a:avLst/>
+          </a:prstGeom>
+          <a:noFill/>
+        </p:spPr>
+        <p:txBody>
+          <a:bodyPr wrap="square" rtlCol="0">
+            <a:spAutoFit/>
+          </a:bodyPr>
+          <a:lstStyle/>
+          <a:p>
+            <a:r>
+              <a:rPr lang="en-US" dirty="0"/>
+              <a:t>Route URLs and its resources</a:t>
+            </a:r>
+          </a:p>
+        </p:txBody>
+      </p:sp>
+      <p:sp>
+        <p:nvSpPr>
+          <p:cNvPr id="9" name="Right Arrow 8">
+            <a:extLst>
+              <a:ext uri="{FF2B5EF4-FFF2-40B4-BE49-F238E27FC236}">
+                <a16:creationId xmlns:a16="http://schemas.microsoft.com/office/drawing/2014/main" id="{32A56DC2-3282-C742-9183-777B10C0BF6F}"/>
+              </a:ext>
+            </a:extLst>
+          </p:cNvPr>
+          <p:cNvSpPr/>
+          <p:nvPr/>
+        </p:nvSpPr>
+        <p:spPr>
+          <a:xfrm>
+            <a:off x="5686698" y="1199608"/>
+            <a:ext cx="1158240" cy="400594"/>
+          </a:xfrm>
+          <a:prstGeom prst="rightArrow">
+            <a:avLst/>
+          </a:prstGeom>
+        </p:spPr>
+        <p:style>
+          <a:lnRef idx="2">
+            <a:schemeClr val="accent1">
+              <a:shade val="50000"/>
+            </a:schemeClr>
+          </a:lnRef>
+          <a:fillRef idx="1">
+            <a:schemeClr val="accent1"/>
+          </a:fillRef>
+          <a:effectRef idx="0">
+            <a:schemeClr val="accent1"/>
+          </a:effectRef>
+          <a:fontRef idx="minor">
+            <a:schemeClr val="lt1"/>
+          </a:fontRef>
+        </p:style>
+        <p:txBody>
+          <a:bodyPr rtlCol="0" anchor="ctr"/>
+          <a:lstStyle/>
+          <a:p>
+            <a:pPr algn="ctr"/>
+            <a:r>
+              <a:rPr lang="en-US" dirty="0"/>
+              <a:t>Request</a:t>
+            </a:r>
+          </a:p>
+        </p:txBody>
+      </p:sp>
+      <p:sp>
+        <p:nvSpPr>
+          <p:cNvPr id="10" name="Rectangle 9">
+            <a:extLst>
+              <a:ext uri="{FF2B5EF4-FFF2-40B4-BE49-F238E27FC236}">
+                <a16:creationId xmlns:a16="http://schemas.microsoft.com/office/drawing/2014/main" id="{85CFB1F9-5EF0-9A47-8683-23473FDB5298}"/>
+              </a:ext>
+            </a:extLst>
+          </p:cNvPr>
+          <p:cNvSpPr/>
+          <p:nvPr/>
+        </p:nvSpPr>
+        <p:spPr>
+          <a:xfrm>
+            <a:off x="6879773" y="1086397"/>
+            <a:ext cx="1532708" cy="687977"/>
+          </a:xfrm>
+          <a:prstGeom prst="rect">
+            <a:avLst/>
+          </a:prstGeom>
+        </p:spPr>
+        <p:style>
+          <a:lnRef idx="2">
+            <a:schemeClr val="accent1">
+              <a:shade val="50000"/>
+            </a:schemeClr>
+          </a:lnRef>
+          <a:fillRef idx="1">
+            <a:schemeClr val="accent1"/>
+          </a:fillRef>
+          <a:effectRef idx="0">
+            <a:schemeClr val="accent1"/>
+          </a:effectRef>
+          <a:fontRef idx="minor">
+            <a:schemeClr val="lt1"/>
+          </a:fontRef>
+        </p:style>
+        <p:txBody>
+          <a:bodyPr rtlCol="0" anchor="ctr"/>
+          <a:lstStyle/>
+          <a:p>
+            <a:pPr algn="ctr"/>
+            <a:r>
+              <a:rPr lang="en-US" dirty="0"/>
+              <a:t>Express Middlewares</a:t>
+            </a:r>
+          </a:p>
+        </p:txBody>
+      </p:sp>
+      <p:sp>
+        <p:nvSpPr>
+          <p:cNvPr id="11" name="TextBox 10">
+            <a:extLst>
+              <a:ext uri="{FF2B5EF4-FFF2-40B4-BE49-F238E27FC236}">
+                <a16:creationId xmlns:a16="http://schemas.microsoft.com/office/drawing/2014/main" id="{AFEA9000-893D-FA44-9585-31BEE1A63D2E}"/>
+              </a:ext>
+            </a:extLst>
+          </p:cNvPr>
+          <p:cNvSpPr txBox="1"/>
+          <p:nvPr/>
+        </p:nvSpPr>
+        <p:spPr>
+          <a:xfrm>
+            <a:off x="6096000" y="1942011"/>
+            <a:ext cx="3169920" cy="1477328"/>
+          </a:xfrm>
+          <a:prstGeom prst="rect">
+            <a:avLst/>
+          </a:prstGeom>
+          <a:noFill/>
+        </p:spPr>
+        <p:txBody>
+          <a:bodyPr wrap="square" rtlCol="0">
+            <a:spAutoFit/>
+          </a:bodyPr>
+          <a:lstStyle/>
+          <a:p>
+            <a:r>
+              <a:rPr lang="en-US" dirty="0"/>
+              <a:t>Static File Config, Sessions, CORS, Routing Expression Evaluation, Security, Custom Middlewares for encryption of Tokens </a:t>
+            </a:r>
+          </a:p>
+        </p:txBody>
+      </p:sp>
+      <p:sp>
+        <p:nvSpPr>
+          <p:cNvPr id="12" name="U-turn Arrow 11">
+            <a:extLst>
+              <a:ext uri="{FF2B5EF4-FFF2-40B4-BE49-F238E27FC236}">
+                <a16:creationId xmlns:a16="http://schemas.microsoft.com/office/drawing/2014/main" id="{DC897A2D-526A-8647-A7C1-5E449178EAFA}"/>
+              </a:ext>
+            </a:extLst>
+          </p:cNvPr>
+          <p:cNvSpPr/>
+          <p:nvPr/>
+        </p:nvSpPr>
+        <p:spPr>
+          <a:xfrm rot="5400000">
+            <a:off x="7589520" y="2111831"/>
+            <a:ext cx="3257005" cy="1611084"/>
+          </a:xfrm>
+          <a:prstGeom prst="uturnArrow">
+            <a:avLst/>
+          </a:prstGeom>
+        </p:spPr>
+        <p:style>
+          <a:lnRef idx="2">
+            <a:schemeClr val="accent1">
+              <a:shade val="50000"/>
+            </a:schemeClr>
+          </a:lnRef>
+          <a:fillRef idx="1">
+            <a:schemeClr val="accent1"/>
+          </a:fillRef>
+          <a:effectRef idx="0">
+            <a:schemeClr val="accent1"/>
+          </a:effectRef>
+          <a:fontRef idx="minor">
+            <a:schemeClr val="lt1"/>
+          </a:fontRef>
+        </p:style>
+        <p:txBody>
+          <a:bodyPr rtlCol="0" anchor="ctr"/>
+          <a:lstStyle/>
+          <a:p>
+            <a:pPr algn="ctr"/>
+            <a:endParaRPr lang="en-US">
+              <a:solidFill>
+                <a:schemeClr val="tx1"/>
+              </a:solidFill>
+            </a:endParaRPr>
+          </a:p>
+        </p:txBody>
+      </p:sp>
+      <p:sp>
+        <p:nvSpPr>
+          <p:cNvPr id="13" name="Rectangle 12">
+            <a:extLst>
+              <a:ext uri="{FF2B5EF4-FFF2-40B4-BE49-F238E27FC236}">
+                <a16:creationId xmlns:a16="http://schemas.microsoft.com/office/drawing/2014/main" id="{6C05F251-59D2-AF45-8D8D-2C0C32FE5335}"/>
+              </a:ext>
+            </a:extLst>
+          </p:cNvPr>
+          <p:cNvSpPr/>
+          <p:nvPr/>
+        </p:nvSpPr>
+        <p:spPr>
+          <a:xfrm>
+            <a:off x="6844938" y="3701143"/>
+            <a:ext cx="1950719" cy="844733"/>
+          </a:xfrm>
+          <a:prstGeom prst="rect">
+            <a:avLst/>
+          </a:prstGeom>
+        </p:spPr>
+        <p:style>
+          <a:lnRef idx="2">
+            <a:schemeClr val="accent1">
+              <a:shade val="50000"/>
+            </a:schemeClr>
+          </a:lnRef>
+          <a:fillRef idx="1">
+            <a:schemeClr val="accent1"/>
+          </a:fillRef>
+          <a:effectRef idx="0">
+            <a:schemeClr val="accent1"/>
+          </a:effectRef>
+          <a:fontRef idx="minor">
+            <a:schemeClr val="lt1"/>
+          </a:fontRef>
+        </p:style>
+        <p:txBody>
+          <a:bodyPr rtlCol="0" anchor="ctr"/>
+          <a:lstStyle/>
+          <a:p>
+            <a:pPr algn="ctr"/>
+            <a:r>
+              <a:rPr lang="en-US" dirty="0"/>
+              <a:t>The Resource Execution</a:t>
+            </a:r>
+          </a:p>
+        </p:txBody>
+      </p:sp>
+      <p:sp>
+        <p:nvSpPr>
+          <p:cNvPr id="14" name="TextBox 13">
+            <a:extLst>
+              <a:ext uri="{FF2B5EF4-FFF2-40B4-BE49-F238E27FC236}">
+                <a16:creationId xmlns:a16="http://schemas.microsoft.com/office/drawing/2014/main" id="{F5269D7E-CFB9-CE45-9C01-0068DE914B6A}"/>
+              </a:ext>
+            </a:extLst>
+          </p:cNvPr>
+          <p:cNvSpPr txBox="1"/>
+          <p:nvPr/>
+        </p:nvSpPr>
+        <p:spPr>
+          <a:xfrm>
+            <a:off x="6265818" y="4686778"/>
+            <a:ext cx="3513908" cy="1200329"/>
+          </a:xfrm>
+          <a:prstGeom prst="rect">
+            <a:avLst/>
+          </a:prstGeom>
+          <a:noFill/>
+        </p:spPr>
+        <p:txBody>
+          <a:bodyPr wrap="square" rtlCol="0">
+            <a:spAutoFit/>
+          </a:bodyPr>
+          <a:lstStyle/>
+          <a:p>
+            <a:r>
+              <a:rPr lang="en-US" dirty="0"/>
+              <a:t>Searching the Static Resource (html, </a:t>
+            </a:r>
+            <a:r>
+              <a:rPr lang="en-US" dirty="0" err="1"/>
+              <a:t>js</a:t>
+            </a:r>
+            <a:r>
+              <a:rPr lang="en-US" dirty="0"/>
+              <a:t> and CSS files), executing logic (DAL), Verify Sessions and Security</a:t>
+            </a:r>
+          </a:p>
+        </p:txBody>
+      </p:sp>
+      <p:sp>
+        <p:nvSpPr>
+          <p:cNvPr id="15" name="Left Arrow 14">
+            <a:extLst>
+              <a:ext uri="{FF2B5EF4-FFF2-40B4-BE49-F238E27FC236}">
+                <a16:creationId xmlns:a16="http://schemas.microsoft.com/office/drawing/2014/main" id="{D9D1EEB1-DB8A-0841-A872-14E51A8318B2}"/>
+              </a:ext>
+            </a:extLst>
+          </p:cNvPr>
+          <p:cNvSpPr/>
+          <p:nvPr/>
+        </p:nvSpPr>
+        <p:spPr>
+          <a:xfrm>
+            <a:off x="217714" y="3761148"/>
+            <a:ext cx="6627224" cy="747832"/>
+          </a:xfrm>
+          <a:prstGeom prst="leftArrow">
+            <a:avLst/>
+          </a:prstGeom>
+        </p:spPr>
+        <p:style>
+          <a:lnRef idx="2">
+            <a:schemeClr val="accent1">
+              <a:shade val="50000"/>
+            </a:schemeClr>
+          </a:lnRef>
+          <a:fillRef idx="1">
+            <a:schemeClr val="accent1"/>
+          </a:fillRef>
+          <a:effectRef idx="0">
+            <a:schemeClr val="accent1"/>
+          </a:effectRef>
+          <a:fontRef idx="minor">
+            <a:schemeClr val="lt1"/>
+          </a:fontRef>
+        </p:style>
+        <p:txBody>
+          <a:bodyPr rtlCol="0" anchor="ctr"/>
+          <a:lstStyle/>
+          <a:p>
+            <a:pPr algn="ctr"/>
+            <a:r>
+              <a:rPr lang="en-US" dirty="0"/>
+              <a:t>Response (Success / Fail)</a:t>
+            </a:r>
+          </a:p>
+        </p:txBody>
+      </p:sp>
+      <p:sp>
+        <p:nvSpPr>
+          <p:cNvPr id="16" name="TextBox 15">
+            <a:extLst>
+              <a:ext uri="{FF2B5EF4-FFF2-40B4-BE49-F238E27FC236}">
+                <a16:creationId xmlns:a16="http://schemas.microsoft.com/office/drawing/2014/main" id="{D2459354-B4B2-8147-A8B8-291F2E67F1E3}"/>
+              </a:ext>
+            </a:extLst>
+          </p:cNvPr>
+          <p:cNvSpPr txBox="1"/>
+          <p:nvPr/>
+        </p:nvSpPr>
+        <p:spPr>
+          <a:xfrm>
+            <a:off x="1018903" y="4545876"/>
+            <a:ext cx="3779520" cy="1477328"/>
+          </a:xfrm>
+          <a:prstGeom prst="rect">
+            <a:avLst/>
+          </a:prstGeom>
+          <a:noFill/>
+        </p:spPr>
+        <p:txBody>
+          <a:bodyPr wrap="square" rtlCol="0">
+            <a:spAutoFit/>
+          </a:bodyPr>
+          <a:lstStyle/>
+          <a:p>
+            <a:r>
+              <a:rPr lang="en-US" dirty="0"/>
+              <a:t>If Success then respond Pages (views) with Static Files</a:t>
+            </a:r>
+          </a:p>
+          <a:p>
+            <a:r>
+              <a:rPr lang="en-US" dirty="0"/>
+              <a:t>OR API Response </a:t>
+            </a:r>
+          </a:p>
+          <a:p>
+            <a:r>
+              <a:rPr lang="en-US" dirty="0"/>
+              <a:t>If Fail then Not Found, Authentication Failed or Session Inability Filed</a:t>
+            </a:r>
+            <a:r>
+              <a:rPr lang="en-US"/>
+              <a:t>, etc.</a:t>
+            </a:r>
+            <a:endParaRPr lang="en-US" dirty="0"/>
+          </a:p>
+        </p:txBody>
+      </p:sp>
+    </p:spTree>
+    <p:extLst>
+      <p:ext uri="{BB962C8B-B14F-4D97-AF65-F5344CB8AC3E}">
+        <p14:creationId xmlns:p14="http://schemas.microsoft.com/office/powerpoint/2010/main" val="885989130"/>
+      </p:ext>
+    </p:extLst>
+  </p:cSld>
+  <p:clrMapOvr>
+    <a:masterClrMapping/>
+  </p:clrMapOvr>
+</p:sld>
+</file>
+
 <file path=ppt/slides/slide4.xml><?xml version="1.0" encoding="utf-8"?>
 <p:sld xmlns:a="http://schemas.openxmlformats.org/drawingml/2006/main" xmlns:r="http://schemas.openxmlformats.org/officeDocument/2006/relationships" xmlns:p="http://schemas.openxmlformats.org/presentationml/2006/main">
   <p:cSld>

--- a/SpotPPTs.pptx
+++ b/SpotPPTs.pptx
@@ -41,7 +41,9 @@
     <p:sldId id="289" r:id="rId35"/>
     <p:sldId id="290" r:id="rId36"/>
     <p:sldId id="291" r:id="rId37"/>
-    <p:sldId id="292" r:id="rId38"/>
+    <p:sldId id="293" r:id="rId38"/>
+    <p:sldId id="292" r:id="rId39"/>
+    <p:sldId id="294" r:id="rId40"/>
   </p:sldIdLst>
   <p:sldSz cx="12192000" cy="6858000"/>
   <p:notesSz cx="6858000" cy="9144000"/>
@@ -297,7 +299,7 @@
           <a:p>
             <a:fld id="{6B75415C-91ED-7941-9068-396BBFB028E8}" type="datetimeFigureOut">
               <a:rPr lang="en-US" smtClean="0"/>
-              <a:t>4/28/21</a:t>
+              <a:t>4/29/21</a:t>
             </a:fld>
             <a:endParaRPr lang="en-US"/>
           </a:p>
@@ -497,7 +499,7 @@
           <a:p>
             <a:fld id="{6B75415C-91ED-7941-9068-396BBFB028E8}" type="datetimeFigureOut">
               <a:rPr lang="en-US" smtClean="0"/>
-              <a:t>4/28/21</a:t>
+              <a:t>4/29/21</a:t>
             </a:fld>
             <a:endParaRPr lang="en-US"/>
           </a:p>
@@ -707,7 +709,7 @@
           <a:p>
             <a:fld id="{6B75415C-91ED-7941-9068-396BBFB028E8}" type="datetimeFigureOut">
               <a:rPr lang="en-US" smtClean="0"/>
-              <a:t>4/28/21</a:t>
+              <a:t>4/29/21</a:t>
             </a:fld>
             <a:endParaRPr lang="en-US"/>
           </a:p>
@@ -907,7 +909,7 @@
           <a:p>
             <a:fld id="{6B75415C-91ED-7941-9068-396BBFB028E8}" type="datetimeFigureOut">
               <a:rPr lang="en-US" smtClean="0"/>
-              <a:t>4/28/21</a:t>
+              <a:t>4/29/21</a:t>
             </a:fld>
             <a:endParaRPr lang="en-US"/>
           </a:p>
@@ -1183,7 +1185,7 @@
           <a:p>
             <a:fld id="{6B75415C-91ED-7941-9068-396BBFB028E8}" type="datetimeFigureOut">
               <a:rPr lang="en-US" smtClean="0"/>
-              <a:t>4/28/21</a:t>
+              <a:t>4/29/21</a:t>
             </a:fld>
             <a:endParaRPr lang="en-US"/>
           </a:p>
@@ -1451,7 +1453,7 @@
           <a:p>
             <a:fld id="{6B75415C-91ED-7941-9068-396BBFB028E8}" type="datetimeFigureOut">
               <a:rPr lang="en-US" smtClean="0"/>
-              <a:t>4/28/21</a:t>
+              <a:t>4/29/21</a:t>
             </a:fld>
             <a:endParaRPr lang="en-US"/>
           </a:p>
@@ -1866,7 +1868,7 @@
           <a:p>
             <a:fld id="{6B75415C-91ED-7941-9068-396BBFB028E8}" type="datetimeFigureOut">
               <a:rPr lang="en-US" smtClean="0"/>
-              <a:t>4/28/21</a:t>
+              <a:t>4/29/21</a:t>
             </a:fld>
             <a:endParaRPr lang="en-US"/>
           </a:p>
@@ -2008,7 +2010,7 @@
           <a:p>
             <a:fld id="{6B75415C-91ED-7941-9068-396BBFB028E8}" type="datetimeFigureOut">
               <a:rPr lang="en-US" smtClean="0"/>
-              <a:t>4/28/21</a:t>
+              <a:t>4/29/21</a:t>
             </a:fld>
             <a:endParaRPr lang="en-US"/>
           </a:p>
@@ -2121,7 +2123,7 @@
           <a:p>
             <a:fld id="{6B75415C-91ED-7941-9068-396BBFB028E8}" type="datetimeFigureOut">
               <a:rPr lang="en-US" smtClean="0"/>
-              <a:t>4/28/21</a:t>
+              <a:t>4/29/21</a:t>
             </a:fld>
             <a:endParaRPr lang="en-US"/>
           </a:p>
@@ -2434,7 +2436,7 @@
           <a:p>
             <a:fld id="{6B75415C-91ED-7941-9068-396BBFB028E8}" type="datetimeFigureOut">
               <a:rPr lang="en-US" smtClean="0"/>
-              <a:t>4/28/21</a:t>
+              <a:t>4/29/21</a:t>
             </a:fld>
             <a:endParaRPr lang="en-US"/>
           </a:p>
@@ -2723,7 +2725,7 @@
           <a:p>
             <a:fld id="{6B75415C-91ED-7941-9068-396BBFB028E8}" type="datetimeFigureOut">
               <a:rPr lang="en-US" smtClean="0"/>
-              <a:t>4/28/21</a:t>
+              <a:t>4/29/21</a:t>
             </a:fld>
             <a:endParaRPr lang="en-US"/>
           </a:p>
@@ -2966,7 +2968,7 @@
           <a:p>
             <a:fld id="{6B75415C-91ED-7941-9068-396BBFB028E8}" type="datetimeFigureOut">
               <a:rPr lang="en-US" smtClean="0"/>
-              <a:t>4/28/21</a:t>
+              <a:t>4/29/21</a:t>
             </a:fld>
             <a:endParaRPr lang="en-US"/>
           </a:p>
@@ -21170,6 +21172,970 @@
           <p:cNvPr id="2" name="TextBox 1">
             <a:extLst>
               <a:ext uri="{FF2B5EF4-FFF2-40B4-BE49-F238E27FC236}">
+                <a16:creationId xmlns:a16="http://schemas.microsoft.com/office/drawing/2014/main" id="{7B1BB476-4152-ED4F-9B71-D69AFF530D47}"/>
+              </a:ext>
+            </a:extLst>
+          </p:cNvPr>
+          <p:cNvSpPr txBox="1"/>
+          <p:nvPr/>
+        </p:nvSpPr>
+        <p:spPr>
+          <a:xfrm>
+            <a:off x="182880" y="121920"/>
+            <a:ext cx="5181600" cy="369332"/>
+          </a:xfrm>
+          <a:prstGeom prst="rect">
+            <a:avLst/>
+          </a:prstGeom>
+          <a:noFill/>
+        </p:spPr>
+        <p:txBody>
+          <a:bodyPr wrap="square" rtlCol="0">
+            <a:spAutoFit/>
+          </a:bodyPr>
+          <a:lstStyle/>
+          <a:p>
+            <a:pPr algn="ctr"/>
+            <a:r>
+              <a:rPr lang="en-US" dirty="0"/>
+              <a:t>Web Host Service for Its Execution</a:t>
+            </a:r>
+          </a:p>
+        </p:txBody>
+      </p:sp>
+      <p:sp>
+        <p:nvSpPr>
+          <p:cNvPr id="3" name="Rectangle 2">
+            <a:extLst>
+              <a:ext uri="{FF2B5EF4-FFF2-40B4-BE49-F238E27FC236}">
+                <a16:creationId xmlns:a16="http://schemas.microsoft.com/office/drawing/2014/main" id="{17A1D6D6-A5DA-0246-9938-F64F7663F6F9}"/>
+              </a:ext>
+            </a:extLst>
+          </p:cNvPr>
+          <p:cNvSpPr/>
+          <p:nvPr/>
+        </p:nvSpPr>
+        <p:spPr>
+          <a:xfrm>
+            <a:off x="5468982" y="653143"/>
+            <a:ext cx="4702629" cy="5538651"/>
+          </a:xfrm>
+          <a:prstGeom prst="rect">
+            <a:avLst/>
+          </a:prstGeom>
+        </p:spPr>
+        <p:style>
+          <a:lnRef idx="2">
+            <a:schemeClr val="accent6"/>
+          </a:lnRef>
+          <a:fillRef idx="1">
+            <a:schemeClr val="lt1"/>
+          </a:fillRef>
+          <a:effectRef idx="0">
+            <a:schemeClr val="accent6"/>
+          </a:effectRef>
+          <a:fontRef idx="minor">
+            <a:schemeClr val="dk1"/>
+          </a:fontRef>
+        </p:style>
+        <p:txBody>
+          <a:bodyPr rtlCol="0" anchor="ctr"/>
+          <a:lstStyle/>
+          <a:p>
+            <a:pPr algn="ctr"/>
+            <a:endParaRPr lang="en-US"/>
+          </a:p>
+        </p:txBody>
+      </p:sp>
+      <p:sp>
+        <p:nvSpPr>
+          <p:cNvPr id="4" name="TextBox 3">
+            <a:extLst>
+              <a:ext uri="{FF2B5EF4-FFF2-40B4-BE49-F238E27FC236}">
+                <a16:creationId xmlns:a16="http://schemas.microsoft.com/office/drawing/2014/main" id="{52E13AD3-57E9-8C47-A3DD-08A355B6FAE0}"/>
+              </a:ext>
+            </a:extLst>
+          </p:cNvPr>
+          <p:cNvSpPr txBox="1"/>
+          <p:nvPr/>
+        </p:nvSpPr>
+        <p:spPr>
+          <a:xfrm>
+            <a:off x="5817326" y="775063"/>
+            <a:ext cx="4040777" cy="369332"/>
+          </a:xfrm>
+          <a:prstGeom prst="rect">
+            <a:avLst/>
+          </a:prstGeom>
+          <a:noFill/>
+        </p:spPr>
+        <p:txBody>
+          <a:bodyPr wrap="square" rtlCol="0">
+            <a:spAutoFit/>
+          </a:bodyPr>
+          <a:lstStyle/>
+          <a:p>
+            <a:pPr algn="ctr"/>
+            <a:r>
+              <a:rPr lang="en-US" dirty="0"/>
+              <a:t>Web Server</a:t>
+            </a:r>
+          </a:p>
+        </p:txBody>
+      </p:sp>
+      <p:sp>
+        <p:nvSpPr>
+          <p:cNvPr id="5" name="Right Arrow 4">
+            <a:extLst>
+              <a:ext uri="{FF2B5EF4-FFF2-40B4-BE49-F238E27FC236}">
+                <a16:creationId xmlns:a16="http://schemas.microsoft.com/office/drawing/2014/main" id="{C7A6CC44-EE3A-B447-8ECC-9A42E644A191}"/>
+              </a:ext>
+            </a:extLst>
+          </p:cNvPr>
+          <p:cNvSpPr/>
+          <p:nvPr/>
+        </p:nvSpPr>
+        <p:spPr>
+          <a:xfrm>
+            <a:off x="243840" y="1006844"/>
+            <a:ext cx="5225142" cy="792480"/>
+          </a:xfrm>
+          <a:prstGeom prst="rightArrow">
+            <a:avLst/>
+          </a:prstGeom>
+        </p:spPr>
+        <p:style>
+          <a:lnRef idx="2">
+            <a:schemeClr val="accent1">
+              <a:shade val="50000"/>
+            </a:schemeClr>
+          </a:lnRef>
+          <a:fillRef idx="1">
+            <a:schemeClr val="accent1"/>
+          </a:fillRef>
+          <a:effectRef idx="0">
+            <a:schemeClr val="accent1"/>
+          </a:effectRef>
+          <a:fontRef idx="minor">
+            <a:schemeClr val="lt1"/>
+          </a:fontRef>
+        </p:style>
+        <p:txBody>
+          <a:bodyPr rtlCol="0" anchor="ctr"/>
+          <a:lstStyle/>
+          <a:p>
+            <a:pPr algn="ctr"/>
+            <a:r>
+              <a:rPr lang="en-US" dirty="0"/>
+              <a:t>HTTP Request http://</a:t>
+            </a:r>
+            <a:r>
+              <a:rPr lang="en-US" dirty="0" err="1"/>
+              <a:t>www.xyz.com</a:t>
+            </a:r>
+            <a:r>
+              <a:rPr lang="en-US" dirty="0"/>
+              <a:t>/</a:t>
+            </a:r>
+            <a:r>
+              <a:rPr lang="en-US" dirty="0" err="1"/>
+              <a:t>MyApp</a:t>
+            </a:r>
+            <a:r>
+              <a:rPr lang="en-US" dirty="0"/>
+              <a:t>/</a:t>
+            </a:r>
+            <a:r>
+              <a:rPr lang="en-US" dirty="0" err="1"/>
+              <a:t>MyPage</a:t>
+            </a:r>
+            <a:endParaRPr lang="en-US" dirty="0"/>
+          </a:p>
+        </p:txBody>
+      </p:sp>
+      <p:sp>
+        <p:nvSpPr>
+          <p:cNvPr id="6" name="Rectangle 5">
+            <a:extLst>
+              <a:ext uri="{FF2B5EF4-FFF2-40B4-BE49-F238E27FC236}">
+                <a16:creationId xmlns:a16="http://schemas.microsoft.com/office/drawing/2014/main" id="{1251695F-B1C3-DD4A-93B4-1CE9B2BE8EB0}"/>
+              </a:ext>
+            </a:extLst>
+          </p:cNvPr>
+          <p:cNvSpPr/>
+          <p:nvPr/>
+        </p:nvSpPr>
+        <p:spPr>
+          <a:xfrm>
+            <a:off x="5590903" y="1262743"/>
+            <a:ext cx="4423954" cy="661851"/>
+          </a:xfrm>
+          <a:prstGeom prst="rect">
+            <a:avLst/>
+          </a:prstGeom>
+        </p:spPr>
+        <p:style>
+          <a:lnRef idx="2">
+            <a:schemeClr val="accent1">
+              <a:shade val="50000"/>
+            </a:schemeClr>
+          </a:lnRef>
+          <a:fillRef idx="1">
+            <a:schemeClr val="accent1"/>
+          </a:fillRef>
+          <a:effectRef idx="0">
+            <a:schemeClr val="accent1"/>
+          </a:effectRef>
+          <a:fontRef idx="minor">
+            <a:schemeClr val="lt1"/>
+          </a:fontRef>
+        </p:style>
+        <p:txBody>
+          <a:bodyPr rtlCol="0" anchor="ctr"/>
+          <a:lstStyle/>
+          <a:p>
+            <a:pPr algn="ctr"/>
+            <a:r>
+              <a:rPr lang="en-US" dirty="0"/>
+              <a:t>Request Interceptor</a:t>
+            </a:r>
+          </a:p>
+          <a:p>
+            <a:pPr algn="ctr"/>
+            <a:r>
+              <a:rPr lang="en-US" dirty="0"/>
+              <a:t>Respond to Discovery of Server Address</a:t>
+            </a:r>
+          </a:p>
+        </p:txBody>
+      </p:sp>
+      <p:sp>
+        <p:nvSpPr>
+          <p:cNvPr id="7" name="Right Brace 6">
+            <a:extLst>
+              <a:ext uri="{FF2B5EF4-FFF2-40B4-BE49-F238E27FC236}">
+                <a16:creationId xmlns:a16="http://schemas.microsoft.com/office/drawing/2014/main" id="{AD575603-7160-2741-B04C-32590946B1E6}"/>
+              </a:ext>
+            </a:extLst>
+          </p:cNvPr>
+          <p:cNvSpPr/>
+          <p:nvPr/>
+        </p:nvSpPr>
+        <p:spPr>
+          <a:xfrm rot="5400000">
+            <a:off x="4223657" y="1181015"/>
+            <a:ext cx="104503" cy="1132114"/>
+          </a:xfrm>
+          <a:prstGeom prst="rightBrace">
+            <a:avLst/>
+          </a:prstGeom>
+        </p:spPr>
+        <p:style>
+          <a:lnRef idx="3">
+            <a:schemeClr val="accent2"/>
+          </a:lnRef>
+          <a:fillRef idx="0">
+            <a:schemeClr val="accent2"/>
+          </a:fillRef>
+          <a:effectRef idx="2">
+            <a:schemeClr val="accent2"/>
+          </a:effectRef>
+          <a:fontRef idx="minor">
+            <a:schemeClr val="tx1"/>
+          </a:fontRef>
+        </p:style>
+        <p:txBody>
+          <a:bodyPr rtlCol="0" anchor="ctr"/>
+          <a:lstStyle/>
+          <a:p>
+            <a:pPr algn="ctr"/>
+            <a:endParaRPr lang="en-US"/>
+          </a:p>
+        </p:txBody>
+      </p:sp>
+      <p:sp>
+        <p:nvSpPr>
+          <p:cNvPr id="8" name="TextBox 7">
+            <a:extLst>
+              <a:ext uri="{FF2B5EF4-FFF2-40B4-BE49-F238E27FC236}">
+                <a16:creationId xmlns:a16="http://schemas.microsoft.com/office/drawing/2014/main" id="{8E90117C-3543-AC44-9E0A-BC22CB4B622C}"/>
+              </a:ext>
+            </a:extLst>
+          </p:cNvPr>
+          <p:cNvSpPr txBox="1"/>
+          <p:nvPr/>
+        </p:nvSpPr>
+        <p:spPr>
+          <a:xfrm>
+            <a:off x="3239589" y="1799324"/>
+            <a:ext cx="1881049" cy="369332"/>
+          </a:xfrm>
+          <a:prstGeom prst="rect">
+            <a:avLst/>
+          </a:prstGeom>
+          <a:noFill/>
+        </p:spPr>
+        <p:txBody>
+          <a:bodyPr wrap="square" rtlCol="0">
+            <a:spAutoFit/>
+          </a:bodyPr>
+          <a:lstStyle/>
+          <a:p>
+            <a:r>
+              <a:rPr lang="en-US" dirty="0"/>
+              <a:t>Listener Endpoint</a:t>
+            </a:r>
+          </a:p>
+        </p:txBody>
+      </p:sp>
+      <p:sp>
+        <p:nvSpPr>
+          <p:cNvPr id="9" name="TextBox 8">
+            <a:extLst>
+              <a:ext uri="{FF2B5EF4-FFF2-40B4-BE49-F238E27FC236}">
+                <a16:creationId xmlns:a16="http://schemas.microsoft.com/office/drawing/2014/main" id="{5F8947C9-2171-A748-AFE8-9AF380E5FD65}"/>
+              </a:ext>
+            </a:extLst>
+          </p:cNvPr>
+          <p:cNvSpPr txBox="1"/>
+          <p:nvPr/>
+        </p:nvSpPr>
+        <p:spPr>
+          <a:xfrm>
+            <a:off x="10293532" y="1144395"/>
+            <a:ext cx="1793965" cy="1200329"/>
+          </a:xfrm>
+          <a:prstGeom prst="rect">
+            <a:avLst/>
+          </a:prstGeom>
+          <a:noFill/>
+        </p:spPr>
+        <p:txBody>
+          <a:bodyPr wrap="square" rtlCol="0">
+            <a:spAutoFit/>
+          </a:bodyPr>
+          <a:lstStyle/>
+          <a:p>
+            <a:r>
+              <a:rPr lang="en-US" dirty="0"/>
+              <a:t>Search Resource and Delegate the request for Execution</a:t>
+            </a:r>
+          </a:p>
+        </p:txBody>
+      </p:sp>
+      <p:sp>
+        <p:nvSpPr>
+          <p:cNvPr id="10" name="Down Arrow 9">
+            <a:extLst>
+              <a:ext uri="{FF2B5EF4-FFF2-40B4-BE49-F238E27FC236}">
+                <a16:creationId xmlns:a16="http://schemas.microsoft.com/office/drawing/2014/main" id="{9EB11162-7A49-0E4C-812D-CDA83AC15C2E}"/>
+              </a:ext>
+            </a:extLst>
+          </p:cNvPr>
+          <p:cNvSpPr/>
+          <p:nvPr/>
+        </p:nvSpPr>
+        <p:spPr>
+          <a:xfrm>
+            <a:off x="7698377" y="1924594"/>
+            <a:ext cx="296092" cy="670560"/>
+          </a:xfrm>
+          <a:prstGeom prst="downArrow">
+            <a:avLst/>
+          </a:prstGeom>
+        </p:spPr>
+        <p:style>
+          <a:lnRef idx="2">
+            <a:schemeClr val="accent1">
+              <a:shade val="50000"/>
+            </a:schemeClr>
+          </a:lnRef>
+          <a:fillRef idx="1">
+            <a:schemeClr val="accent1"/>
+          </a:fillRef>
+          <a:effectRef idx="0">
+            <a:schemeClr val="accent1"/>
+          </a:effectRef>
+          <a:fontRef idx="minor">
+            <a:schemeClr val="lt1"/>
+          </a:fontRef>
+        </p:style>
+        <p:txBody>
+          <a:bodyPr rtlCol="0" anchor="ctr"/>
+          <a:lstStyle/>
+          <a:p>
+            <a:pPr algn="ctr"/>
+            <a:endParaRPr lang="en-US"/>
+          </a:p>
+        </p:txBody>
+      </p:sp>
+      <p:cxnSp>
+        <p:nvCxnSpPr>
+          <p:cNvPr id="12" name="Straight Arrow Connector 11">
+            <a:extLst>
+              <a:ext uri="{FF2B5EF4-FFF2-40B4-BE49-F238E27FC236}">
+                <a16:creationId xmlns:a16="http://schemas.microsoft.com/office/drawing/2014/main" id="{1D3764E4-62CE-9949-BD76-4E1D99B52441}"/>
+              </a:ext>
+            </a:extLst>
+          </p:cNvPr>
+          <p:cNvCxnSpPr>
+            <a:stCxn id="9" idx="1"/>
+          </p:cNvCxnSpPr>
+          <p:nvPr/>
+        </p:nvCxnSpPr>
+        <p:spPr>
+          <a:xfrm flipH="1" flipV="1">
+            <a:off x="9562011" y="1593668"/>
+            <a:ext cx="731521" cy="150892"/>
+          </a:xfrm>
+          <a:prstGeom prst="straightConnector1">
+            <a:avLst/>
+          </a:prstGeom>
+          <a:ln>
+            <a:tailEnd type="triangle"/>
+          </a:ln>
+        </p:spPr>
+        <p:style>
+          <a:lnRef idx="3">
+            <a:schemeClr val="accent2"/>
+          </a:lnRef>
+          <a:fillRef idx="0">
+            <a:schemeClr val="accent2"/>
+          </a:fillRef>
+          <a:effectRef idx="2">
+            <a:schemeClr val="accent2"/>
+          </a:effectRef>
+          <a:fontRef idx="minor">
+            <a:schemeClr val="tx1"/>
+          </a:fontRef>
+        </p:style>
+      </p:cxnSp>
+      <p:sp>
+        <p:nvSpPr>
+          <p:cNvPr id="13" name="Rounded Rectangle 12">
+            <a:extLst>
+              <a:ext uri="{FF2B5EF4-FFF2-40B4-BE49-F238E27FC236}">
+                <a16:creationId xmlns:a16="http://schemas.microsoft.com/office/drawing/2014/main" id="{D61049CB-7A3E-894E-A997-B303F8794A4D}"/>
+              </a:ext>
+            </a:extLst>
+          </p:cNvPr>
+          <p:cNvSpPr/>
+          <p:nvPr/>
+        </p:nvSpPr>
+        <p:spPr>
+          <a:xfrm>
+            <a:off x="5704114" y="2595154"/>
+            <a:ext cx="4310743" cy="3344092"/>
+          </a:xfrm>
+          <a:prstGeom prst="roundRect">
+            <a:avLst>
+              <a:gd name="adj" fmla="val 8855"/>
+            </a:avLst>
+          </a:prstGeom>
+        </p:spPr>
+        <p:style>
+          <a:lnRef idx="1">
+            <a:schemeClr val="accent3"/>
+          </a:lnRef>
+          <a:fillRef idx="3">
+            <a:schemeClr val="accent3"/>
+          </a:fillRef>
+          <a:effectRef idx="2">
+            <a:schemeClr val="accent3"/>
+          </a:effectRef>
+          <a:fontRef idx="minor">
+            <a:schemeClr val="lt1"/>
+          </a:fontRef>
+        </p:style>
+        <p:txBody>
+          <a:bodyPr rtlCol="0" anchor="ctr"/>
+          <a:lstStyle/>
+          <a:p>
+            <a:pPr algn="ctr"/>
+            <a:endParaRPr lang="en-US"/>
+          </a:p>
+        </p:txBody>
+      </p:sp>
+      <p:sp>
+        <p:nvSpPr>
+          <p:cNvPr id="14" name="TextBox 13">
+            <a:extLst>
+              <a:ext uri="{FF2B5EF4-FFF2-40B4-BE49-F238E27FC236}">
+                <a16:creationId xmlns:a16="http://schemas.microsoft.com/office/drawing/2014/main" id="{4F0B28E6-A483-1449-A160-39621D6F2DA2}"/>
+              </a:ext>
+            </a:extLst>
+          </p:cNvPr>
+          <p:cNvSpPr txBox="1"/>
+          <p:nvPr/>
+        </p:nvSpPr>
+        <p:spPr>
+          <a:xfrm>
+            <a:off x="10293532" y="3039291"/>
+            <a:ext cx="1715588" cy="923330"/>
+          </a:xfrm>
+          <a:prstGeom prst="rect">
+            <a:avLst/>
+          </a:prstGeom>
+          <a:noFill/>
+        </p:spPr>
+        <p:txBody>
+          <a:bodyPr wrap="square" rtlCol="0">
+            <a:spAutoFit/>
+          </a:bodyPr>
+          <a:lstStyle/>
+          <a:p>
+            <a:r>
+              <a:rPr lang="en-US" dirty="0"/>
+              <a:t>Web App Framework</a:t>
+            </a:r>
+          </a:p>
+          <a:p>
+            <a:r>
+              <a:rPr lang="en-US" dirty="0"/>
+              <a:t>Environment</a:t>
+            </a:r>
+          </a:p>
+        </p:txBody>
+      </p:sp>
+      <p:sp>
+        <p:nvSpPr>
+          <p:cNvPr id="15" name="Rectangle 14">
+            <a:extLst>
+              <a:ext uri="{FF2B5EF4-FFF2-40B4-BE49-F238E27FC236}">
+                <a16:creationId xmlns:a16="http://schemas.microsoft.com/office/drawing/2014/main" id="{77735BE4-94E5-354A-89C2-B7BF80CD43E0}"/>
+              </a:ext>
+            </a:extLst>
+          </p:cNvPr>
+          <p:cNvSpPr/>
+          <p:nvPr/>
+        </p:nvSpPr>
+        <p:spPr>
+          <a:xfrm>
+            <a:off x="6096000" y="2685085"/>
+            <a:ext cx="3614057" cy="450001"/>
+          </a:xfrm>
+          <a:prstGeom prst="rect">
+            <a:avLst/>
+          </a:prstGeom>
+        </p:spPr>
+        <p:style>
+          <a:lnRef idx="3">
+            <a:schemeClr val="lt1"/>
+          </a:lnRef>
+          <a:fillRef idx="1">
+            <a:schemeClr val="accent2"/>
+          </a:fillRef>
+          <a:effectRef idx="1">
+            <a:schemeClr val="accent2"/>
+          </a:effectRef>
+          <a:fontRef idx="minor">
+            <a:schemeClr val="lt1"/>
+          </a:fontRef>
+        </p:style>
+        <p:txBody>
+          <a:bodyPr rtlCol="0" anchor="ctr"/>
+          <a:lstStyle/>
+          <a:p>
+            <a:pPr algn="ctr"/>
+            <a:r>
+              <a:rPr lang="en-US" dirty="0"/>
+              <a:t>Actual Listener Endpoint</a:t>
+            </a:r>
+          </a:p>
+        </p:txBody>
+      </p:sp>
+      <p:sp>
+        <p:nvSpPr>
+          <p:cNvPr id="16" name="Rectangle 15">
+            <a:extLst>
+              <a:ext uri="{FF2B5EF4-FFF2-40B4-BE49-F238E27FC236}">
+                <a16:creationId xmlns:a16="http://schemas.microsoft.com/office/drawing/2014/main" id="{A1DE7FD3-2BFA-5D41-A423-E81AF6411A21}"/>
+              </a:ext>
+            </a:extLst>
+          </p:cNvPr>
+          <p:cNvSpPr/>
+          <p:nvPr/>
+        </p:nvSpPr>
+        <p:spPr>
+          <a:xfrm>
+            <a:off x="6095998" y="3265714"/>
+            <a:ext cx="3614057" cy="450001"/>
+          </a:xfrm>
+          <a:prstGeom prst="rect">
+            <a:avLst/>
+          </a:prstGeom>
+        </p:spPr>
+        <p:style>
+          <a:lnRef idx="3">
+            <a:schemeClr val="lt1"/>
+          </a:lnRef>
+          <a:fillRef idx="1">
+            <a:schemeClr val="accent1"/>
+          </a:fillRef>
+          <a:effectRef idx="1">
+            <a:schemeClr val="accent1"/>
+          </a:effectRef>
+          <a:fontRef idx="minor">
+            <a:schemeClr val="lt1"/>
+          </a:fontRef>
+        </p:style>
+        <p:txBody>
+          <a:bodyPr rtlCol="0" anchor="ctr"/>
+          <a:lstStyle/>
+          <a:p>
+            <a:pPr algn="ctr"/>
+            <a:r>
+              <a:rPr lang="en-US" dirty="0"/>
+              <a:t>Request Verification Middleware</a:t>
+            </a:r>
+          </a:p>
+        </p:txBody>
+      </p:sp>
+      <p:sp>
+        <p:nvSpPr>
+          <p:cNvPr id="17" name="Rectangle 16">
+            <a:extLst>
+              <a:ext uri="{FF2B5EF4-FFF2-40B4-BE49-F238E27FC236}">
+                <a16:creationId xmlns:a16="http://schemas.microsoft.com/office/drawing/2014/main" id="{864105B4-8D2C-DC42-87BD-8417657768D0}"/>
+              </a:ext>
+            </a:extLst>
+          </p:cNvPr>
+          <p:cNvSpPr/>
+          <p:nvPr/>
+        </p:nvSpPr>
+        <p:spPr>
+          <a:xfrm>
+            <a:off x="6095998" y="3846343"/>
+            <a:ext cx="3614057" cy="912978"/>
+          </a:xfrm>
+          <a:prstGeom prst="rect">
+            <a:avLst/>
+          </a:prstGeom>
+        </p:spPr>
+        <p:style>
+          <a:lnRef idx="3">
+            <a:schemeClr val="lt1"/>
+          </a:lnRef>
+          <a:fillRef idx="1">
+            <a:schemeClr val="accent1"/>
+          </a:fillRef>
+          <a:effectRef idx="1">
+            <a:schemeClr val="accent1"/>
+          </a:effectRef>
+          <a:fontRef idx="minor">
+            <a:schemeClr val="lt1"/>
+          </a:fontRef>
+        </p:style>
+        <p:txBody>
+          <a:bodyPr rtlCol="0" anchor="ctr"/>
+          <a:lstStyle/>
+          <a:p>
+            <a:pPr algn="ctr"/>
+            <a:r>
+              <a:rPr lang="en-US" dirty="0"/>
+              <a:t>Custom Middlewares</a:t>
+            </a:r>
+          </a:p>
+          <a:p>
+            <a:pPr algn="ctr"/>
+            <a:r>
+              <a:rPr lang="en-US" dirty="0"/>
+              <a:t>CORS, Static File, </a:t>
+            </a:r>
+            <a:r>
+              <a:rPr lang="en-US" dirty="0" err="1"/>
+              <a:t>Encyrption</a:t>
+            </a:r>
+            <a:r>
+              <a:rPr lang="en-US" dirty="0"/>
+              <a:t>, Token, View Engine, etc.</a:t>
+            </a:r>
+          </a:p>
+        </p:txBody>
+      </p:sp>
+      <p:sp>
+        <p:nvSpPr>
+          <p:cNvPr id="18" name="Down Arrow 17">
+            <a:extLst>
+              <a:ext uri="{FF2B5EF4-FFF2-40B4-BE49-F238E27FC236}">
+                <a16:creationId xmlns:a16="http://schemas.microsoft.com/office/drawing/2014/main" id="{65E4D614-AB11-544E-B566-C54E7F7D6F73}"/>
+              </a:ext>
+            </a:extLst>
+          </p:cNvPr>
+          <p:cNvSpPr/>
+          <p:nvPr/>
+        </p:nvSpPr>
+        <p:spPr>
+          <a:xfrm>
+            <a:off x="7711439" y="3086434"/>
+            <a:ext cx="296092" cy="227932"/>
+          </a:xfrm>
+          <a:prstGeom prst="downArrow">
+            <a:avLst/>
+          </a:prstGeom>
+          <a:solidFill>
+            <a:srgbClr val="FFFF00"/>
+          </a:solidFill>
+        </p:spPr>
+        <p:style>
+          <a:lnRef idx="2">
+            <a:schemeClr val="accent1">
+              <a:shade val="50000"/>
+            </a:schemeClr>
+          </a:lnRef>
+          <a:fillRef idx="1">
+            <a:schemeClr val="accent1"/>
+          </a:fillRef>
+          <a:effectRef idx="0">
+            <a:schemeClr val="accent1"/>
+          </a:effectRef>
+          <a:fontRef idx="minor">
+            <a:schemeClr val="lt1"/>
+          </a:fontRef>
+        </p:style>
+        <p:txBody>
+          <a:bodyPr rtlCol="0" anchor="ctr"/>
+          <a:lstStyle/>
+          <a:p>
+            <a:pPr algn="ctr"/>
+            <a:endParaRPr lang="en-US"/>
+          </a:p>
+        </p:txBody>
+      </p:sp>
+      <p:sp>
+        <p:nvSpPr>
+          <p:cNvPr id="19" name="Down Arrow 18">
+            <a:extLst>
+              <a:ext uri="{FF2B5EF4-FFF2-40B4-BE49-F238E27FC236}">
+                <a16:creationId xmlns:a16="http://schemas.microsoft.com/office/drawing/2014/main" id="{602D8062-C602-F849-BEF3-D6E6B046CD1B}"/>
+              </a:ext>
+            </a:extLst>
+          </p:cNvPr>
+          <p:cNvSpPr/>
+          <p:nvPr/>
+        </p:nvSpPr>
+        <p:spPr>
+          <a:xfrm>
+            <a:off x="7711439" y="3618411"/>
+            <a:ext cx="296092" cy="227932"/>
+          </a:xfrm>
+          <a:prstGeom prst="downArrow">
+            <a:avLst/>
+          </a:prstGeom>
+          <a:solidFill>
+            <a:srgbClr val="FFFF00"/>
+          </a:solidFill>
+        </p:spPr>
+        <p:style>
+          <a:lnRef idx="2">
+            <a:schemeClr val="accent1">
+              <a:shade val="50000"/>
+            </a:schemeClr>
+          </a:lnRef>
+          <a:fillRef idx="1">
+            <a:schemeClr val="accent1"/>
+          </a:fillRef>
+          <a:effectRef idx="0">
+            <a:schemeClr val="accent1"/>
+          </a:effectRef>
+          <a:fontRef idx="minor">
+            <a:schemeClr val="lt1"/>
+          </a:fontRef>
+        </p:style>
+        <p:txBody>
+          <a:bodyPr rtlCol="0" anchor="ctr"/>
+          <a:lstStyle/>
+          <a:p>
+            <a:pPr algn="ctr"/>
+            <a:endParaRPr lang="en-US"/>
+          </a:p>
+        </p:txBody>
+      </p:sp>
+      <p:sp>
+        <p:nvSpPr>
+          <p:cNvPr id="20" name="Rectangle 19">
+            <a:extLst>
+              <a:ext uri="{FF2B5EF4-FFF2-40B4-BE49-F238E27FC236}">
+                <a16:creationId xmlns:a16="http://schemas.microsoft.com/office/drawing/2014/main" id="{40CE116B-EEA4-8E45-AF8E-D29F85FBBE1F}"/>
+              </a:ext>
+            </a:extLst>
+          </p:cNvPr>
+          <p:cNvSpPr/>
+          <p:nvPr/>
+        </p:nvSpPr>
+        <p:spPr>
+          <a:xfrm>
+            <a:off x="6095997" y="4979880"/>
+            <a:ext cx="3614057" cy="615377"/>
+          </a:xfrm>
+          <a:prstGeom prst="rect">
+            <a:avLst/>
+          </a:prstGeom>
+        </p:spPr>
+        <p:style>
+          <a:lnRef idx="3">
+            <a:schemeClr val="lt1"/>
+          </a:lnRef>
+          <a:fillRef idx="1">
+            <a:schemeClr val="accent1"/>
+          </a:fillRef>
+          <a:effectRef idx="1">
+            <a:schemeClr val="accent1"/>
+          </a:effectRef>
+          <a:fontRef idx="minor">
+            <a:schemeClr val="lt1"/>
+          </a:fontRef>
+        </p:style>
+        <p:txBody>
+          <a:bodyPr rtlCol="0" anchor="ctr"/>
+          <a:lstStyle/>
+          <a:p>
+            <a:pPr algn="ctr"/>
+            <a:r>
+              <a:rPr lang="en-US" dirty="0"/>
+              <a:t>Resource Execution with DAL / Business Logic, </a:t>
+            </a:r>
+            <a:r>
+              <a:rPr lang="en-US" dirty="0" err="1"/>
+              <a:t>etc</a:t>
+            </a:r>
+            <a:endParaRPr lang="en-US" dirty="0"/>
+          </a:p>
+        </p:txBody>
+      </p:sp>
+      <p:sp>
+        <p:nvSpPr>
+          <p:cNvPr id="21" name="Down Arrow 20">
+            <a:extLst>
+              <a:ext uri="{FF2B5EF4-FFF2-40B4-BE49-F238E27FC236}">
+                <a16:creationId xmlns:a16="http://schemas.microsoft.com/office/drawing/2014/main" id="{DDF162A4-0312-074D-AE47-CF6992E30587}"/>
+              </a:ext>
+            </a:extLst>
+          </p:cNvPr>
+          <p:cNvSpPr/>
+          <p:nvPr/>
+        </p:nvSpPr>
+        <p:spPr>
+          <a:xfrm>
+            <a:off x="7689668" y="4771629"/>
+            <a:ext cx="296092" cy="227932"/>
+          </a:xfrm>
+          <a:prstGeom prst="downArrow">
+            <a:avLst/>
+          </a:prstGeom>
+          <a:solidFill>
+            <a:srgbClr val="FFFF00"/>
+          </a:solidFill>
+        </p:spPr>
+        <p:style>
+          <a:lnRef idx="2">
+            <a:schemeClr val="accent1">
+              <a:shade val="50000"/>
+            </a:schemeClr>
+          </a:lnRef>
+          <a:fillRef idx="1">
+            <a:schemeClr val="accent1"/>
+          </a:fillRef>
+          <a:effectRef idx="0">
+            <a:schemeClr val="accent1"/>
+          </a:effectRef>
+          <a:fontRef idx="minor">
+            <a:schemeClr val="lt1"/>
+          </a:fontRef>
+        </p:style>
+        <p:txBody>
+          <a:bodyPr rtlCol="0" anchor="ctr"/>
+          <a:lstStyle/>
+          <a:p>
+            <a:pPr algn="ctr"/>
+            <a:endParaRPr lang="en-US"/>
+          </a:p>
+        </p:txBody>
+      </p:sp>
+      <p:sp>
+        <p:nvSpPr>
+          <p:cNvPr id="22" name="Left Arrow 21">
+            <a:extLst>
+              <a:ext uri="{FF2B5EF4-FFF2-40B4-BE49-F238E27FC236}">
+                <a16:creationId xmlns:a16="http://schemas.microsoft.com/office/drawing/2014/main" id="{DAB26317-32FC-ED47-88F6-ACF2E90AC525}"/>
+              </a:ext>
+            </a:extLst>
+          </p:cNvPr>
+          <p:cNvSpPr/>
+          <p:nvPr/>
+        </p:nvSpPr>
+        <p:spPr>
+          <a:xfrm>
+            <a:off x="182880" y="4817349"/>
+            <a:ext cx="5521234" cy="661851"/>
+          </a:xfrm>
+          <a:prstGeom prst="leftArrow">
+            <a:avLst/>
+          </a:prstGeom>
+        </p:spPr>
+        <p:style>
+          <a:lnRef idx="2">
+            <a:schemeClr val="accent1">
+              <a:shade val="50000"/>
+            </a:schemeClr>
+          </a:lnRef>
+          <a:fillRef idx="1">
+            <a:schemeClr val="accent1"/>
+          </a:fillRef>
+          <a:effectRef idx="0">
+            <a:schemeClr val="accent1"/>
+          </a:effectRef>
+          <a:fontRef idx="minor">
+            <a:schemeClr val="lt1"/>
+          </a:fontRef>
+        </p:style>
+        <p:txBody>
+          <a:bodyPr rtlCol="0" anchor="ctr"/>
+          <a:lstStyle/>
+          <a:p>
+            <a:pPr algn="ctr"/>
+            <a:r>
+              <a:rPr lang="en-US" dirty="0"/>
+              <a:t>Response  (Static HTML + JS + CSS) OR REST APIs</a:t>
+            </a:r>
+          </a:p>
+        </p:txBody>
+      </p:sp>
+    </p:spTree>
+    <p:extLst>
+      <p:ext uri="{BB962C8B-B14F-4D97-AF65-F5344CB8AC3E}">
+        <p14:creationId xmlns:p14="http://schemas.microsoft.com/office/powerpoint/2010/main" val="1644503490"/>
+      </p:ext>
+    </p:extLst>
+  </p:cSld>
+  <p:clrMapOvr>
+    <a:masterClrMapping/>
+  </p:clrMapOvr>
+</p:sld>
+</file>
+
+<file path=ppt/slides/slide38.xml><?xml version="1.0" encoding="utf-8"?>
+<p:sld xmlns:a="http://schemas.openxmlformats.org/drawingml/2006/main" xmlns:r="http://schemas.openxmlformats.org/officeDocument/2006/relationships" xmlns:p="http://schemas.openxmlformats.org/presentationml/2006/main">
+  <p:cSld>
+    <p:spTree>
+      <p:nvGrpSpPr>
+        <p:cNvPr id="1" name=""/>
+        <p:cNvGrpSpPr/>
+        <p:nvPr/>
+      </p:nvGrpSpPr>
+      <p:grpSpPr>
+        <a:xfrm>
+          <a:off x="0" y="0"/>
+          <a:ext cx="0" cy="0"/>
+          <a:chOff x="0" y="0"/>
+          <a:chExt cx="0" cy="0"/>
+        </a:xfrm>
+      </p:grpSpPr>
+      <p:sp>
+        <p:nvSpPr>
+          <p:cNvPr id="2" name="TextBox 1">
+            <a:extLst>
+              <a:ext uri="{FF2B5EF4-FFF2-40B4-BE49-F238E27FC236}">
                 <a16:creationId xmlns:a16="http://schemas.microsoft.com/office/drawing/2014/main" id="{6ED6D9A8-F0A7-484F-A30A-7936490F6BB0}"/>
               </a:ext>
             </a:extLst>
@@ -21847,6 +22813,597 @@
     <p:extLst>
       <p:ext uri="{BB962C8B-B14F-4D97-AF65-F5344CB8AC3E}">
         <p14:creationId xmlns:p14="http://schemas.microsoft.com/office/powerpoint/2010/main" val="885989130"/>
+      </p:ext>
+    </p:extLst>
+  </p:cSld>
+  <p:clrMapOvr>
+    <a:masterClrMapping/>
+  </p:clrMapOvr>
+</p:sld>
+</file>
+
+<file path=ppt/slides/slide39.xml><?xml version="1.0" encoding="utf-8"?>
+<p:sld xmlns:a="http://schemas.openxmlformats.org/drawingml/2006/main" xmlns:r="http://schemas.openxmlformats.org/officeDocument/2006/relationships" xmlns:p="http://schemas.openxmlformats.org/presentationml/2006/main">
+  <p:cSld>
+    <p:spTree>
+      <p:nvGrpSpPr>
+        <p:cNvPr id="1" name=""/>
+        <p:cNvGrpSpPr/>
+        <p:nvPr/>
+      </p:nvGrpSpPr>
+      <p:grpSpPr>
+        <a:xfrm>
+          <a:off x="0" y="0"/>
+          <a:ext cx="0" cy="0"/>
+          <a:chOff x="0" y="0"/>
+          <a:chExt cx="0" cy="0"/>
+        </a:xfrm>
+      </p:grpSpPr>
+      <p:sp>
+        <p:nvSpPr>
+          <p:cNvPr id="2" name="Rectangle 1">
+            <a:extLst>
+              <a:ext uri="{FF2B5EF4-FFF2-40B4-BE49-F238E27FC236}">
+                <a16:creationId xmlns:a16="http://schemas.microsoft.com/office/drawing/2014/main" id="{38E2BE35-7525-8649-B427-EA154FF18BAD}"/>
+              </a:ext>
+            </a:extLst>
+          </p:cNvPr>
+          <p:cNvSpPr/>
+          <p:nvPr/>
+        </p:nvSpPr>
+        <p:spPr>
+          <a:xfrm>
+            <a:off x="165463" y="2148840"/>
+            <a:ext cx="2560320" cy="2560320"/>
+          </a:xfrm>
+          <a:prstGeom prst="rect">
+            <a:avLst/>
+          </a:prstGeom>
+        </p:spPr>
+        <p:style>
+          <a:lnRef idx="2">
+            <a:schemeClr val="accent1">
+              <a:shade val="50000"/>
+            </a:schemeClr>
+          </a:lnRef>
+          <a:fillRef idx="1">
+            <a:schemeClr val="accent1"/>
+          </a:fillRef>
+          <a:effectRef idx="0">
+            <a:schemeClr val="accent1"/>
+          </a:effectRef>
+          <a:fontRef idx="minor">
+            <a:schemeClr val="lt1"/>
+          </a:fontRef>
+        </p:style>
+        <p:txBody>
+          <a:bodyPr rtlCol="0" anchor="ctr"/>
+          <a:lstStyle/>
+          <a:p>
+            <a:pPr algn="ctr"/>
+            <a:r>
+              <a:rPr lang="en-US" dirty="0"/>
+              <a:t>React Client</a:t>
+            </a:r>
+          </a:p>
+        </p:txBody>
+      </p:sp>
+      <p:sp>
+        <p:nvSpPr>
+          <p:cNvPr id="3" name="Rectangle 2">
+            <a:extLst>
+              <a:ext uri="{FF2B5EF4-FFF2-40B4-BE49-F238E27FC236}">
+                <a16:creationId xmlns:a16="http://schemas.microsoft.com/office/drawing/2014/main" id="{1D0B22AD-28A7-5447-9AE4-120DC6A0EF5D}"/>
+              </a:ext>
+            </a:extLst>
+          </p:cNvPr>
+          <p:cNvSpPr/>
+          <p:nvPr/>
+        </p:nvSpPr>
+        <p:spPr>
+          <a:xfrm>
+            <a:off x="6640287" y="2148840"/>
+            <a:ext cx="2560320" cy="2560320"/>
+          </a:xfrm>
+          <a:prstGeom prst="rect">
+            <a:avLst/>
+          </a:prstGeom>
+        </p:spPr>
+        <p:style>
+          <a:lnRef idx="2">
+            <a:schemeClr val="accent1">
+              <a:shade val="50000"/>
+            </a:schemeClr>
+          </a:lnRef>
+          <a:fillRef idx="1">
+            <a:schemeClr val="accent1"/>
+          </a:fillRef>
+          <a:effectRef idx="0">
+            <a:schemeClr val="accent1"/>
+          </a:effectRef>
+          <a:fontRef idx="minor">
+            <a:schemeClr val="lt1"/>
+          </a:fontRef>
+        </p:style>
+        <p:txBody>
+          <a:bodyPr rtlCol="0" anchor="ctr"/>
+          <a:lstStyle/>
+          <a:p>
+            <a:pPr algn="ctr"/>
+            <a:r>
+              <a:rPr lang="en-US" dirty="0"/>
+              <a:t>Node.js Server with APIs</a:t>
+            </a:r>
+          </a:p>
+        </p:txBody>
+      </p:sp>
+      <p:sp>
+        <p:nvSpPr>
+          <p:cNvPr id="4" name="Can 3">
+            <a:extLst>
+              <a:ext uri="{FF2B5EF4-FFF2-40B4-BE49-F238E27FC236}">
+                <a16:creationId xmlns:a16="http://schemas.microsoft.com/office/drawing/2014/main" id="{67E1E461-9F3B-B84F-B111-0E4DFF3A1ADE}"/>
+              </a:ext>
+            </a:extLst>
+          </p:cNvPr>
+          <p:cNvSpPr/>
+          <p:nvPr/>
+        </p:nvSpPr>
+        <p:spPr>
+          <a:xfrm>
+            <a:off x="10450286" y="2682240"/>
+            <a:ext cx="1384663" cy="1558834"/>
+          </a:xfrm>
+          <a:prstGeom prst="can">
+            <a:avLst/>
+          </a:prstGeom>
+        </p:spPr>
+        <p:style>
+          <a:lnRef idx="2">
+            <a:schemeClr val="accent1">
+              <a:shade val="50000"/>
+            </a:schemeClr>
+          </a:lnRef>
+          <a:fillRef idx="1">
+            <a:schemeClr val="accent1"/>
+          </a:fillRef>
+          <a:effectRef idx="0">
+            <a:schemeClr val="accent1"/>
+          </a:effectRef>
+          <a:fontRef idx="minor">
+            <a:schemeClr val="lt1"/>
+          </a:fontRef>
+        </p:style>
+        <p:txBody>
+          <a:bodyPr rtlCol="0" anchor="ctr"/>
+          <a:lstStyle/>
+          <a:p>
+            <a:pPr algn="ctr"/>
+            <a:r>
+              <a:rPr lang="en-US" dirty="0"/>
+              <a:t>DB</a:t>
+            </a:r>
+          </a:p>
+        </p:txBody>
+      </p:sp>
+      <p:sp>
+        <p:nvSpPr>
+          <p:cNvPr id="5" name="Rectangle 4">
+            <a:extLst>
+              <a:ext uri="{FF2B5EF4-FFF2-40B4-BE49-F238E27FC236}">
+                <a16:creationId xmlns:a16="http://schemas.microsoft.com/office/drawing/2014/main" id="{4584FEC4-5AD3-A84A-B0C4-6427B0056AEC}"/>
+              </a:ext>
+            </a:extLst>
+          </p:cNvPr>
+          <p:cNvSpPr/>
+          <p:nvPr/>
+        </p:nvSpPr>
+        <p:spPr>
+          <a:xfrm>
+            <a:off x="165463" y="705394"/>
+            <a:ext cx="9035144" cy="957943"/>
+          </a:xfrm>
+          <a:prstGeom prst="rect">
+            <a:avLst/>
+          </a:prstGeom>
+        </p:spPr>
+        <p:style>
+          <a:lnRef idx="2">
+            <a:schemeClr val="accent1">
+              <a:shade val="50000"/>
+            </a:schemeClr>
+          </a:lnRef>
+          <a:fillRef idx="1">
+            <a:schemeClr val="accent1"/>
+          </a:fillRef>
+          <a:effectRef idx="0">
+            <a:schemeClr val="accent1"/>
+          </a:effectRef>
+          <a:fontRef idx="minor">
+            <a:schemeClr val="lt1"/>
+          </a:fontRef>
+        </p:style>
+        <p:txBody>
+          <a:bodyPr rtlCol="0" anchor="ctr"/>
+          <a:lstStyle/>
+          <a:p>
+            <a:pPr algn="ctr"/>
+            <a:r>
+              <a:rPr lang="en-US" dirty="0"/>
+              <a:t>Common Validation Module</a:t>
+            </a:r>
+          </a:p>
+          <a:p>
+            <a:pPr algn="ctr"/>
+            <a:r>
+              <a:rPr lang="en-US" dirty="0"/>
+              <a:t>Perform Validations on Models as per the Rule </a:t>
+            </a:r>
+          </a:p>
+        </p:txBody>
+      </p:sp>
+      <p:sp>
+        <p:nvSpPr>
+          <p:cNvPr id="6" name="Down Arrow 5">
+            <a:extLst>
+              <a:ext uri="{FF2B5EF4-FFF2-40B4-BE49-F238E27FC236}">
+                <a16:creationId xmlns:a16="http://schemas.microsoft.com/office/drawing/2014/main" id="{245E7244-4C0B-5342-95C0-05435CAD6EE9}"/>
+              </a:ext>
+            </a:extLst>
+          </p:cNvPr>
+          <p:cNvSpPr/>
+          <p:nvPr/>
+        </p:nvSpPr>
+        <p:spPr>
+          <a:xfrm>
+            <a:off x="1097280" y="1419497"/>
+            <a:ext cx="531223" cy="896983"/>
+          </a:xfrm>
+          <a:prstGeom prst="downArrow">
+            <a:avLst/>
+          </a:prstGeom>
+          <a:solidFill>
+            <a:srgbClr val="FFFF00"/>
+          </a:solidFill>
+        </p:spPr>
+        <p:style>
+          <a:lnRef idx="2">
+            <a:schemeClr val="accent1">
+              <a:shade val="50000"/>
+            </a:schemeClr>
+          </a:lnRef>
+          <a:fillRef idx="1">
+            <a:schemeClr val="accent1"/>
+          </a:fillRef>
+          <a:effectRef idx="0">
+            <a:schemeClr val="accent1"/>
+          </a:effectRef>
+          <a:fontRef idx="minor">
+            <a:schemeClr val="lt1"/>
+          </a:fontRef>
+        </p:style>
+        <p:txBody>
+          <a:bodyPr rtlCol="0" anchor="ctr"/>
+          <a:lstStyle/>
+          <a:p>
+            <a:pPr algn="ctr"/>
+            <a:endParaRPr lang="en-US"/>
+          </a:p>
+        </p:txBody>
+      </p:sp>
+      <p:sp>
+        <p:nvSpPr>
+          <p:cNvPr id="7" name="Down Arrow 6">
+            <a:extLst>
+              <a:ext uri="{FF2B5EF4-FFF2-40B4-BE49-F238E27FC236}">
+                <a16:creationId xmlns:a16="http://schemas.microsoft.com/office/drawing/2014/main" id="{0132B474-E01A-B640-80CE-BA6A5FBE7FE1}"/>
+              </a:ext>
+            </a:extLst>
+          </p:cNvPr>
+          <p:cNvSpPr/>
+          <p:nvPr/>
+        </p:nvSpPr>
+        <p:spPr>
+          <a:xfrm>
+            <a:off x="7654835" y="1419496"/>
+            <a:ext cx="531223" cy="896983"/>
+          </a:xfrm>
+          <a:prstGeom prst="downArrow">
+            <a:avLst/>
+          </a:prstGeom>
+          <a:solidFill>
+            <a:srgbClr val="FFFF00"/>
+          </a:solidFill>
+        </p:spPr>
+        <p:style>
+          <a:lnRef idx="2">
+            <a:schemeClr val="accent1">
+              <a:shade val="50000"/>
+            </a:schemeClr>
+          </a:lnRef>
+          <a:fillRef idx="1">
+            <a:schemeClr val="accent1"/>
+          </a:fillRef>
+          <a:effectRef idx="0">
+            <a:schemeClr val="accent1"/>
+          </a:effectRef>
+          <a:fontRef idx="minor">
+            <a:schemeClr val="lt1"/>
+          </a:fontRef>
+        </p:style>
+        <p:txBody>
+          <a:bodyPr rtlCol="0" anchor="ctr"/>
+          <a:lstStyle/>
+          <a:p>
+            <a:pPr algn="ctr"/>
+            <a:endParaRPr lang="en-US"/>
+          </a:p>
+        </p:txBody>
+      </p:sp>
+      <p:sp>
+        <p:nvSpPr>
+          <p:cNvPr id="8" name="Left-right Arrow 7">
+            <a:extLst>
+              <a:ext uri="{FF2B5EF4-FFF2-40B4-BE49-F238E27FC236}">
+                <a16:creationId xmlns:a16="http://schemas.microsoft.com/office/drawing/2014/main" id="{5BEE7E71-67AB-B342-8FED-3A2505C0DEDC}"/>
+              </a:ext>
+            </a:extLst>
+          </p:cNvPr>
+          <p:cNvSpPr/>
+          <p:nvPr/>
+        </p:nvSpPr>
+        <p:spPr>
+          <a:xfrm>
+            <a:off x="9135291" y="3248297"/>
+            <a:ext cx="1375955" cy="435429"/>
+          </a:xfrm>
+          <a:prstGeom prst="leftRightArrow">
+            <a:avLst/>
+          </a:prstGeom>
+          <a:solidFill>
+            <a:srgbClr val="FFFF00"/>
+          </a:solidFill>
+        </p:spPr>
+        <p:style>
+          <a:lnRef idx="2">
+            <a:schemeClr val="accent1">
+              <a:shade val="50000"/>
+            </a:schemeClr>
+          </a:lnRef>
+          <a:fillRef idx="1">
+            <a:schemeClr val="accent1"/>
+          </a:fillRef>
+          <a:effectRef idx="0">
+            <a:schemeClr val="accent1"/>
+          </a:effectRef>
+          <a:fontRef idx="minor">
+            <a:schemeClr val="lt1"/>
+          </a:fontRef>
+        </p:style>
+        <p:txBody>
+          <a:bodyPr rtlCol="0" anchor="ctr"/>
+          <a:lstStyle/>
+          <a:p>
+            <a:pPr algn="ctr"/>
+            <a:endParaRPr lang="en-US"/>
+          </a:p>
+        </p:txBody>
+      </p:sp>
+      <p:sp>
+        <p:nvSpPr>
+          <p:cNvPr id="9" name="TextBox 8">
+            <a:extLst>
+              <a:ext uri="{FF2B5EF4-FFF2-40B4-BE49-F238E27FC236}">
+                <a16:creationId xmlns:a16="http://schemas.microsoft.com/office/drawing/2014/main" id="{9479FB3D-F21A-6447-B80B-C51504EB577A}"/>
+              </a:ext>
+            </a:extLst>
+          </p:cNvPr>
+          <p:cNvSpPr txBox="1"/>
+          <p:nvPr/>
+        </p:nvSpPr>
+        <p:spPr>
+          <a:xfrm>
+            <a:off x="165463" y="4929051"/>
+            <a:ext cx="3065417" cy="646331"/>
+          </a:xfrm>
+          <a:prstGeom prst="rect">
+            <a:avLst/>
+          </a:prstGeom>
+          <a:noFill/>
+        </p:spPr>
+        <p:txBody>
+          <a:bodyPr wrap="square" rtlCol="0">
+            <a:spAutoFit/>
+          </a:bodyPr>
+          <a:lstStyle/>
+          <a:p>
+            <a:r>
+              <a:rPr lang="en-US" dirty="0"/>
+              <a:t>Make sure that client send valid values to server</a:t>
+            </a:r>
+          </a:p>
+        </p:txBody>
+      </p:sp>
+      <p:sp>
+        <p:nvSpPr>
+          <p:cNvPr id="10" name="TextBox 9">
+            <a:extLst>
+              <a:ext uri="{FF2B5EF4-FFF2-40B4-BE49-F238E27FC236}">
+                <a16:creationId xmlns:a16="http://schemas.microsoft.com/office/drawing/2014/main" id="{170CB7FB-C41F-A14B-B513-7EB64D4B7554}"/>
+              </a:ext>
+            </a:extLst>
+          </p:cNvPr>
+          <p:cNvSpPr txBox="1"/>
+          <p:nvPr/>
+        </p:nvSpPr>
+        <p:spPr>
+          <a:xfrm>
+            <a:off x="6474823" y="4952051"/>
+            <a:ext cx="3065417" cy="646331"/>
+          </a:xfrm>
+          <a:prstGeom prst="rect">
+            <a:avLst/>
+          </a:prstGeom>
+          <a:noFill/>
+        </p:spPr>
+        <p:txBody>
+          <a:bodyPr wrap="square" rtlCol="0">
+            <a:spAutoFit/>
+          </a:bodyPr>
+          <a:lstStyle/>
+          <a:p>
+            <a:r>
+              <a:rPr lang="en-US" dirty="0"/>
+              <a:t>Make sure that Server send valid values to DB</a:t>
+            </a:r>
+          </a:p>
+        </p:txBody>
+      </p:sp>
+      <p:sp>
+        <p:nvSpPr>
+          <p:cNvPr id="11" name="Left-right Arrow 10">
+            <a:extLst>
+              <a:ext uri="{FF2B5EF4-FFF2-40B4-BE49-F238E27FC236}">
+                <a16:creationId xmlns:a16="http://schemas.microsoft.com/office/drawing/2014/main" id="{F23F6925-092B-3747-89FC-A7D91AFEF95A}"/>
+              </a:ext>
+            </a:extLst>
+          </p:cNvPr>
+          <p:cNvSpPr/>
+          <p:nvPr/>
+        </p:nvSpPr>
+        <p:spPr>
+          <a:xfrm>
+            <a:off x="2725783" y="3108960"/>
+            <a:ext cx="3914504" cy="801189"/>
+          </a:xfrm>
+          <a:prstGeom prst="leftRightArrow">
+            <a:avLst/>
+          </a:prstGeom>
+          <a:solidFill>
+            <a:srgbClr val="FFFF00"/>
+          </a:solidFill>
+        </p:spPr>
+        <p:style>
+          <a:lnRef idx="2">
+            <a:schemeClr val="accent1">
+              <a:shade val="50000"/>
+            </a:schemeClr>
+          </a:lnRef>
+          <a:fillRef idx="1">
+            <a:schemeClr val="accent1"/>
+          </a:fillRef>
+          <a:effectRef idx="0">
+            <a:schemeClr val="accent1"/>
+          </a:effectRef>
+          <a:fontRef idx="minor">
+            <a:schemeClr val="lt1"/>
+          </a:fontRef>
+        </p:style>
+        <p:txBody>
+          <a:bodyPr rtlCol="0" anchor="ctr"/>
+          <a:lstStyle/>
+          <a:p>
+            <a:pPr algn="ctr"/>
+            <a:r>
+              <a:rPr lang="en-US" dirty="0">
+                <a:ln w="0"/>
+                <a:solidFill>
+                  <a:schemeClr val="tx1"/>
+                </a:solidFill>
+                <a:effectLst>
+                  <a:outerShdw blurRad="38100" dist="19050" dir="2700000" algn="tl" rotWithShape="0">
+                    <a:schemeClr val="dk1">
+                      <a:alpha val="40000"/>
+                    </a:schemeClr>
+                  </a:outerShdw>
+                </a:effectLst>
+              </a:rPr>
+              <a:t>Call if values are valid on Client</a:t>
+            </a:r>
+          </a:p>
+        </p:txBody>
+      </p:sp>
+      <p:sp>
+        <p:nvSpPr>
+          <p:cNvPr id="12" name="TextBox 11">
+            <a:extLst>
+              <a:ext uri="{FF2B5EF4-FFF2-40B4-BE49-F238E27FC236}">
+                <a16:creationId xmlns:a16="http://schemas.microsoft.com/office/drawing/2014/main" id="{6E30BD1A-05C4-104E-B646-D507BBE5C115}"/>
+              </a:ext>
+            </a:extLst>
+          </p:cNvPr>
+          <p:cNvSpPr txBox="1"/>
+          <p:nvPr/>
+        </p:nvSpPr>
+        <p:spPr>
+          <a:xfrm>
+            <a:off x="9631680" y="4483965"/>
+            <a:ext cx="2264229" cy="646331"/>
+          </a:xfrm>
+          <a:prstGeom prst="rect">
+            <a:avLst/>
+          </a:prstGeom>
+          <a:noFill/>
+        </p:spPr>
+        <p:txBody>
+          <a:bodyPr wrap="square" rtlCol="0">
+            <a:spAutoFit/>
+          </a:bodyPr>
+          <a:lstStyle/>
+          <a:p>
+            <a:r>
+              <a:rPr lang="en-US" dirty="0"/>
+              <a:t>Call DB is Values are validated by server</a:t>
+            </a:r>
+          </a:p>
+        </p:txBody>
+      </p:sp>
+      <p:cxnSp>
+        <p:nvCxnSpPr>
+          <p:cNvPr id="14" name="Straight Arrow Connector 13">
+            <a:extLst>
+              <a:ext uri="{FF2B5EF4-FFF2-40B4-BE49-F238E27FC236}">
+                <a16:creationId xmlns:a16="http://schemas.microsoft.com/office/drawing/2014/main" id="{2515B5ED-7BD6-4F48-97F1-00804361DD81}"/>
+              </a:ext>
+            </a:extLst>
+          </p:cNvPr>
+          <p:cNvCxnSpPr>
+            <a:stCxn id="12" idx="0"/>
+            <a:endCxn id="8" idx="5"/>
+          </p:cNvCxnSpPr>
+          <p:nvPr/>
+        </p:nvCxnSpPr>
+        <p:spPr>
+          <a:xfrm flipH="1" flipV="1">
+            <a:off x="9823269" y="3574869"/>
+            <a:ext cx="940526" cy="909096"/>
+          </a:xfrm>
+          <a:prstGeom prst="straightConnector1">
+            <a:avLst/>
+          </a:prstGeom>
+          <a:ln>
+            <a:tailEnd type="triangle"/>
+          </a:ln>
+        </p:spPr>
+        <p:style>
+          <a:lnRef idx="3">
+            <a:schemeClr val="dk1"/>
+          </a:lnRef>
+          <a:fillRef idx="0">
+            <a:schemeClr val="dk1"/>
+          </a:fillRef>
+          <a:effectRef idx="2">
+            <a:schemeClr val="dk1"/>
+          </a:effectRef>
+          <a:fontRef idx="minor">
+            <a:schemeClr val="tx1"/>
+          </a:fontRef>
+        </p:style>
+      </p:cxnSp>
+    </p:spTree>
+    <p:extLst>
+      <p:ext uri="{BB962C8B-B14F-4D97-AF65-F5344CB8AC3E}">
+        <p14:creationId xmlns:p14="http://schemas.microsoft.com/office/powerpoint/2010/main" val="1867849359"/>
       </p:ext>
     </p:extLst>
   </p:cSld>

--- a/SpotPPTs.pptx
+++ b/SpotPPTs.pptx
@@ -44,6 +44,9 @@
     <p:sldId id="293" r:id="rId38"/>
     <p:sldId id="292" r:id="rId39"/>
     <p:sldId id="294" r:id="rId40"/>
+    <p:sldId id="295" r:id="rId41"/>
+    <p:sldId id="296" r:id="rId42"/>
+    <p:sldId id="297" r:id="rId43"/>
   </p:sldIdLst>
   <p:sldSz cx="12192000" cy="6858000"/>
   <p:notesSz cx="6858000" cy="9144000"/>
@@ -299,7 +302,7 @@
           <a:p>
             <a:fld id="{6B75415C-91ED-7941-9068-396BBFB028E8}" type="datetimeFigureOut">
               <a:rPr lang="en-US" smtClean="0"/>
-              <a:t>4/29/21</a:t>
+              <a:t>4/30/21</a:t>
             </a:fld>
             <a:endParaRPr lang="en-US"/>
           </a:p>
@@ -499,7 +502,7 @@
           <a:p>
             <a:fld id="{6B75415C-91ED-7941-9068-396BBFB028E8}" type="datetimeFigureOut">
               <a:rPr lang="en-US" smtClean="0"/>
-              <a:t>4/29/21</a:t>
+              <a:t>4/30/21</a:t>
             </a:fld>
             <a:endParaRPr lang="en-US"/>
           </a:p>
@@ -709,7 +712,7 @@
           <a:p>
             <a:fld id="{6B75415C-91ED-7941-9068-396BBFB028E8}" type="datetimeFigureOut">
               <a:rPr lang="en-US" smtClean="0"/>
-              <a:t>4/29/21</a:t>
+              <a:t>4/30/21</a:t>
             </a:fld>
             <a:endParaRPr lang="en-US"/>
           </a:p>
@@ -909,7 +912,7 @@
           <a:p>
             <a:fld id="{6B75415C-91ED-7941-9068-396BBFB028E8}" type="datetimeFigureOut">
               <a:rPr lang="en-US" smtClean="0"/>
-              <a:t>4/29/21</a:t>
+              <a:t>4/30/21</a:t>
             </a:fld>
             <a:endParaRPr lang="en-US"/>
           </a:p>
@@ -1185,7 +1188,7 @@
           <a:p>
             <a:fld id="{6B75415C-91ED-7941-9068-396BBFB028E8}" type="datetimeFigureOut">
               <a:rPr lang="en-US" smtClean="0"/>
-              <a:t>4/29/21</a:t>
+              <a:t>4/30/21</a:t>
             </a:fld>
             <a:endParaRPr lang="en-US"/>
           </a:p>
@@ -1453,7 +1456,7 @@
           <a:p>
             <a:fld id="{6B75415C-91ED-7941-9068-396BBFB028E8}" type="datetimeFigureOut">
               <a:rPr lang="en-US" smtClean="0"/>
-              <a:t>4/29/21</a:t>
+              <a:t>4/30/21</a:t>
             </a:fld>
             <a:endParaRPr lang="en-US"/>
           </a:p>
@@ -1868,7 +1871,7 @@
           <a:p>
             <a:fld id="{6B75415C-91ED-7941-9068-396BBFB028E8}" type="datetimeFigureOut">
               <a:rPr lang="en-US" smtClean="0"/>
-              <a:t>4/29/21</a:t>
+              <a:t>4/30/21</a:t>
             </a:fld>
             <a:endParaRPr lang="en-US"/>
           </a:p>
@@ -2010,7 +2013,7 @@
           <a:p>
             <a:fld id="{6B75415C-91ED-7941-9068-396BBFB028E8}" type="datetimeFigureOut">
               <a:rPr lang="en-US" smtClean="0"/>
-              <a:t>4/29/21</a:t>
+              <a:t>4/30/21</a:t>
             </a:fld>
             <a:endParaRPr lang="en-US"/>
           </a:p>
@@ -2123,7 +2126,7 @@
           <a:p>
             <a:fld id="{6B75415C-91ED-7941-9068-396BBFB028E8}" type="datetimeFigureOut">
               <a:rPr lang="en-US" smtClean="0"/>
-              <a:t>4/29/21</a:t>
+              <a:t>4/30/21</a:t>
             </a:fld>
             <a:endParaRPr lang="en-US"/>
           </a:p>
@@ -2436,7 +2439,7 @@
           <a:p>
             <a:fld id="{6B75415C-91ED-7941-9068-396BBFB028E8}" type="datetimeFigureOut">
               <a:rPr lang="en-US" smtClean="0"/>
-              <a:t>4/29/21</a:t>
+              <a:t>4/30/21</a:t>
             </a:fld>
             <a:endParaRPr lang="en-US"/>
           </a:p>
@@ -2725,7 +2728,7 @@
           <a:p>
             <a:fld id="{6B75415C-91ED-7941-9068-396BBFB028E8}" type="datetimeFigureOut">
               <a:rPr lang="en-US" smtClean="0"/>
-              <a:t>4/29/21</a:t>
+              <a:t>4/30/21</a:t>
             </a:fld>
             <a:endParaRPr lang="en-US"/>
           </a:p>
@@ -2968,7 +2971,7 @@
           <a:p>
             <a:fld id="{6B75415C-91ED-7941-9068-396BBFB028E8}" type="datetimeFigureOut">
               <a:rPr lang="en-US" smtClean="0"/>
-              <a:t>4/29/21</a:t>
+              <a:t>4/30/21</a:t>
             </a:fld>
             <a:endParaRPr lang="en-US"/>
           </a:p>
@@ -23651,6 +23654,2546 @@
 </p:sld>
 </file>
 
+<file path=ppt/slides/slide40.xml><?xml version="1.0" encoding="utf-8"?>
+<p:sld xmlns:a="http://schemas.openxmlformats.org/drawingml/2006/main" xmlns:r="http://schemas.openxmlformats.org/officeDocument/2006/relationships" xmlns:p="http://schemas.openxmlformats.org/presentationml/2006/main">
+  <p:cSld>
+    <p:spTree>
+      <p:nvGrpSpPr>
+        <p:cNvPr id="1" name=""/>
+        <p:cNvGrpSpPr/>
+        <p:nvPr/>
+      </p:nvGrpSpPr>
+      <p:grpSpPr>
+        <a:xfrm>
+          <a:off x="0" y="0"/>
+          <a:ext cx="0" cy="0"/>
+          <a:chOff x="0" y="0"/>
+          <a:chExt cx="0" cy="0"/>
+        </a:xfrm>
+      </p:grpSpPr>
+      <p:sp>
+        <p:nvSpPr>
+          <p:cNvPr id="2" name="Rectangle 1">
+            <a:extLst>
+              <a:ext uri="{FF2B5EF4-FFF2-40B4-BE49-F238E27FC236}">
+                <a16:creationId xmlns:a16="http://schemas.microsoft.com/office/drawing/2014/main" id="{8EADB281-42F7-E84D-A7B0-F5A3783A8D3F}"/>
+              </a:ext>
+            </a:extLst>
+          </p:cNvPr>
+          <p:cNvSpPr/>
+          <p:nvPr/>
+        </p:nvSpPr>
+        <p:spPr>
+          <a:xfrm>
+            <a:off x="252548" y="2292531"/>
+            <a:ext cx="2046515" cy="2272937"/>
+          </a:xfrm>
+          <a:prstGeom prst="rect">
+            <a:avLst/>
+          </a:prstGeom>
+        </p:spPr>
+        <p:style>
+          <a:lnRef idx="2">
+            <a:schemeClr val="accent1">
+              <a:shade val="50000"/>
+            </a:schemeClr>
+          </a:lnRef>
+          <a:fillRef idx="1">
+            <a:schemeClr val="accent1"/>
+          </a:fillRef>
+          <a:effectRef idx="0">
+            <a:schemeClr val="accent1"/>
+          </a:effectRef>
+          <a:fontRef idx="minor">
+            <a:schemeClr val="lt1"/>
+          </a:fontRef>
+        </p:style>
+        <p:txBody>
+          <a:bodyPr rtlCol="0" anchor="ctr"/>
+          <a:lstStyle/>
+          <a:p>
+            <a:pPr algn="ctr"/>
+            <a:r>
+              <a:rPr lang="en-US" dirty="0"/>
+              <a:t>Caller Component</a:t>
+            </a:r>
+          </a:p>
+        </p:txBody>
+      </p:sp>
+      <p:sp>
+        <p:nvSpPr>
+          <p:cNvPr id="3" name="Rounded Rectangle 2">
+            <a:extLst>
+              <a:ext uri="{FF2B5EF4-FFF2-40B4-BE49-F238E27FC236}">
+                <a16:creationId xmlns:a16="http://schemas.microsoft.com/office/drawing/2014/main" id="{2828615A-D5B3-374F-9F3B-A97467385682}"/>
+              </a:ext>
+            </a:extLst>
+          </p:cNvPr>
+          <p:cNvSpPr/>
+          <p:nvPr/>
+        </p:nvSpPr>
+        <p:spPr>
+          <a:xfrm>
+            <a:off x="6992983" y="1393594"/>
+            <a:ext cx="1358537" cy="1079863"/>
+          </a:xfrm>
+          <a:prstGeom prst="roundRect">
+            <a:avLst/>
+          </a:prstGeom>
+        </p:spPr>
+        <p:style>
+          <a:lnRef idx="2">
+            <a:schemeClr val="accent1">
+              <a:shade val="50000"/>
+            </a:schemeClr>
+          </a:lnRef>
+          <a:fillRef idx="1">
+            <a:schemeClr val="accent1"/>
+          </a:fillRef>
+          <a:effectRef idx="0">
+            <a:schemeClr val="accent1"/>
+          </a:effectRef>
+          <a:fontRef idx="minor">
+            <a:schemeClr val="lt1"/>
+          </a:fontRef>
+        </p:style>
+        <p:txBody>
+          <a:bodyPr rtlCol="0" anchor="ctr"/>
+          <a:lstStyle/>
+          <a:p>
+            <a:pPr algn="ctr"/>
+            <a:r>
+              <a:rPr lang="en-US" dirty="0"/>
+              <a:t>S1</a:t>
+            </a:r>
+          </a:p>
+        </p:txBody>
+      </p:sp>
+      <p:sp>
+        <p:nvSpPr>
+          <p:cNvPr id="4" name="Rounded Rectangle 3">
+            <a:extLst>
+              <a:ext uri="{FF2B5EF4-FFF2-40B4-BE49-F238E27FC236}">
+                <a16:creationId xmlns:a16="http://schemas.microsoft.com/office/drawing/2014/main" id="{55065D66-819E-A847-814B-4BCA46FC58B8}"/>
+              </a:ext>
+            </a:extLst>
+          </p:cNvPr>
+          <p:cNvSpPr/>
+          <p:nvPr/>
+        </p:nvSpPr>
+        <p:spPr>
+          <a:xfrm>
+            <a:off x="6992983" y="3126600"/>
+            <a:ext cx="1358537" cy="1079863"/>
+          </a:xfrm>
+          <a:prstGeom prst="roundRect">
+            <a:avLst/>
+          </a:prstGeom>
+        </p:spPr>
+        <p:style>
+          <a:lnRef idx="2">
+            <a:schemeClr val="accent1">
+              <a:shade val="50000"/>
+            </a:schemeClr>
+          </a:lnRef>
+          <a:fillRef idx="1">
+            <a:schemeClr val="accent1"/>
+          </a:fillRef>
+          <a:effectRef idx="0">
+            <a:schemeClr val="accent1"/>
+          </a:effectRef>
+          <a:fontRef idx="minor">
+            <a:schemeClr val="lt1"/>
+          </a:fontRef>
+        </p:style>
+        <p:txBody>
+          <a:bodyPr rtlCol="0" anchor="ctr"/>
+          <a:lstStyle/>
+          <a:p>
+            <a:pPr algn="ctr"/>
+            <a:r>
+              <a:rPr lang="en-US" dirty="0"/>
+              <a:t>S2</a:t>
+            </a:r>
+          </a:p>
+        </p:txBody>
+      </p:sp>
+      <p:sp>
+        <p:nvSpPr>
+          <p:cNvPr id="5" name="Rounded Rectangle 4">
+            <a:extLst>
+              <a:ext uri="{FF2B5EF4-FFF2-40B4-BE49-F238E27FC236}">
+                <a16:creationId xmlns:a16="http://schemas.microsoft.com/office/drawing/2014/main" id="{EA3F6CA8-43F8-654C-A83D-DA4336DFF665}"/>
+              </a:ext>
+            </a:extLst>
+          </p:cNvPr>
+          <p:cNvSpPr/>
+          <p:nvPr/>
+        </p:nvSpPr>
+        <p:spPr>
+          <a:xfrm>
+            <a:off x="6992983" y="4859606"/>
+            <a:ext cx="1358537" cy="1079863"/>
+          </a:xfrm>
+          <a:prstGeom prst="roundRect">
+            <a:avLst/>
+          </a:prstGeom>
+        </p:spPr>
+        <p:style>
+          <a:lnRef idx="2">
+            <a:schemeClr val="accent1">
+              <a:shade val="50000"/>
+            </a:schemeClr>
+          </a:lnRef>
+          <a:fillRef idx="1">
+            <a:schemeClr val="accent1"/>
+          </a:fillRef>
+          <a:effectRef idx="0">
+            <a:schemeClr val="accent1"/>
+          </a:effectRef>
+          <a:fontRef idx="minor">
+            <a:schemeClr val="lt1"/>
+          </a:fontRef>
+        </p:style>
+        <p:txBody>
+          <a:bodyPr rtlCol="0" anchor="ctr"/>
+          <a:lstStyle/>
+          <a:p>
+            <a:pPr algn="ctr"/>
+            <a:r>
+              <a:rPr lang="en-US" dirty="0"/>
+              <a:t>S3</a:t>
+            </a:r>
+          </a:p>
+        </p:txBody>
+      </p:sp>
+      <p:cxnSp>
+        <p:nvCxnSpPr>
+          <p:cNvPr id="7" name="Straight Arrow Connector 6">
+            <a:extLst>
+              <a:ext uri="{FF2B5EF4-FFF2-40B4-BE49-F238E27FC236}">
+                <a16:creationId xmlns:a16="http://schemas.microsoft.com/office/drawing/2014/main" id="{57CBE93A-BCEB-B349-BB96-4CEFEBF8FDC3}"/>
+              </a:ext>
+            </a:extLst>
+          </p:cNvPr>
+          <p:cNvCxnSpPr>
+            <a:cxnSpLocks/>
+            <a:endCxn id="3" idx="1"/>
+          </p:cNvCxnSpPr>
+          <p:nvPr/>
+        </p:nvCxnSpPr>
+        <p:spPr>
+          <a:xfrm flipV="1">
+            <a:off x="4345577" y="1933526"/>
+            <a:ext cx="2647406" cy="1556657"/>
+          </a:xfrm>
+          <a:prstGeom prst="straightConnector1">
+            <a:avLst/>
+          </a:prstGeom>
+          <a:ln>
+            <a:tailEnd type="triangle"/>
+          </a:ln>
+        </p:spPr>
+        <p:style>
+          <a:lnRef idx="3">
+            <a:schemeClr val="accent2"/>
+          </a:lnRef>
+          <a:fillRef idx="0">
+            <a:schemeClr val="accent2"/>
+          </a:fillRef>
+          <a:effectRef idx="2">
+            <a:schemeClr val="accent2"/>
+          </a:effectRef>
+          <a:fontRef idx="minor">
+            <a:schemeClr val="tx1"/>
+          </a:fontRef>
+        </p:style>
+      </p:cxnSp>
+      <p:cxnSp>
+        <p:nvCxnSpPr>
+          <p:cNvPr id="9" name="Straight Arrow Connector 8">
+            <a:extLst>
+              <a:ext uri="{FF2B5EF4-FFF2-40B4-BE49-F238E27FC236}">
+                <a16:creationId xmlns:a16="http://schemas.microsoft.com/office/drawing/2014/main" id="{2B976C60-99D1-204F-9A8E-EC66446C6C82}"/>
+              </a:ext>
+            </a:extLst>
+          </p:cNvPr>
+          <p:cNvCxnSpPr>
+            <a:cxnSpLocks/>
+            <a:endCxn id="4" idx="1"/>
+          </p:cNvCxnSpPr>
+          <p:nvPr/>
+        </p:nvCxnSpPr>
+        <p:spPr>
+          <a:xfrm>
+            <a:off x="4345577" y="3490183"/>
+            <a:ext cx="2647406" cy="176349"/>
+          </a:xfrm>
+          <a:prstGeom prst="straightConnector1">
+            <a:avLst/>
+          </a:prstGeom>
+          <a:ln>
+            <a:tailEnd type="triangle"/>
+          </a:ln>
+        </p:spPr>
+        <p:style>
+          <a:lnRef idx="3">
+            <a:schemeClr val="accent2"/>
+          </a:lnRef>
+          <a:fillRef idx="0">
+            <a:schemeClr val="accent2"/>
+          </a:fillRef>
+          <a:effectRef idx="2">
+            <a:schemeClr val="accent2"/>
+          </a:effectRef>
+          <a:fontRef idx="minor">
+            <a:schemeClr val="tx1"/>
+          </a:fontRef>
+        </p:style>
+      </p:cxnSp>
+      <p:cxnSp>
+        <p:nvCxnSpPr>
+          <p:cNvPr id="11" name="Straight Arrow Connector 10">
+            <a:extLst>
+              <a:ext uri="{FF2B5EF4-FFF2-40B4-BE49-F238E27FC236}">
+                <a16:creationId xmlns:a16="http://schemas.microsoft.com/office/drawing/2014/main" id="{9D791283-4897-F745-A1A2-70987BE586AB}"/>
+              </a:ext>
+            </a:extLst>
+          </p:cNvPr>
+          <p:cNvCxnSpPr>
+            <a:cxnSpLocks/>
+            <a:endCxn id="5" idx="1"/>
+          </p:cNvCxnSpPr>
+          <p:nvPr/>
+        </p:nvCxnSpPr>
+        <p:spPr>
+          <a:xfrm>
+            <a:off x="4345577" y="3490183"/>
+            <a:ext cx="2647406" cy="1909355"/>
+          </a:xfrm>
+          <a:prstGeom prst="straightConnector1">
+            <a:avLst/>
+          </a:prstGeom>
+          <a:ln>
+            <a:tailEnd type="triangle"/>
+          </a:ln>
+        </p:spPr>
+        <p:style>
+          <a:lnRef idx="3">
+            <a:schemeClr val="accent2"/>
+          </a:lnRef>
+          <a:fillRef idx="0">
+            <a:schemeClr val="accent2"/>
+          </a:fillRef>
+          <a:effectRef idx="2">
+            <a:schemeClr val="accent2"/>
+          </a:effectRef>
+          <a:fontRef idx="minor">
+            <a:schemeClr val="tx1"/>
+          </a:fontRef>
+        </p:style>
+      </p:cxnSp>
+      <p:sp>
+        <p:nvSpPr>
+          <p:cNvPr id="23" name="Rounded Rectangle 22">
+            <a:extLst>
+              <a:ext uri="{FF2B5EF4-FFF2-40B4-BE49-F238E27FC236}">
+                <a16:creationId xmlns:a16="http://schemas.microsoft.com/office/drawing/2014/main" id="{E54EA2E7-075F-4843-AA2A-1D91F7EE089D}"/>
+              </a:ext>
+            </a:extLst>
+          </p:cNvPr>
+          <p:cNvSpPr/>
+          <p:nvPr/>
+        </p:nvSpPr>
+        <p:spPr>
+          <a:xfrm>
+            <a:off x="3283131" y="3065417"/>
+            <a:ext cx="1062446" cy="766354"/>
+          </a:xfrm>
+          <a:prstGeom prst="roundRect">
+            <a:avLst/>
+          </a:prstGeom>
+        </p:spPr>
+        <p:style>
+          <a:lnRef idx="2">
+            <a:schemeClr val="accent1">
+              <a:shade val="50000"/>
+            </a:schemeClr>
+          </a:lnRef>
+          <a:fillRef idx="1">
+            <a:schemeClr val="accent1"/>
+          </a:fillRef>
+          <a:effectRef idx="0">
+            <a:schemeClr val="accent1"/>
+          </a:effectRef>
+          <a:fontRef idx="minor">
+            <a:schemeClr val="lt1"/>
+          </a:fontRef>
+        </p:style>
+        <p:txBody>
+          <a:bodyPr rtlCol="0" anchor="ctr"/>
+          <a:lstStyle/>
+          <a:p>
+            <a:pPr algn="ctr"/>
+            <a:r>
+              <a:rPr lang="en-US" dirty="0"/>
+              <a:t>Caller Facade</a:t>
+            </a:r>
+          </a:p>
+        </p:txBody>
+      </p:sp>
+      <p:sp>
+        <p:nvSpPr>
+          <p:cNvPr id="24" name="Left-right Arrow 23">
+            <a:extLst>
+              <a:ext uri="{FF2B5EF4-FFF2-40B4-BE49-F238E27FC236}">
+                <a16:creationId xmlns:a16="http://schemas.microsoft.com/office/drawing/2014/main" id="{BDE890AA-B863-1B40-887B-D3DF3C69EF8E}"/>
+              </a:ext>
+            </a:extLst>
+          </p:cNvPr>
+          <p:cNvSpPr/>
+          <p:nvPr/>
+        </p:nvSpPr>
+        <p:spPr>
+          <a:xfrm>
+            <a:off x="2299063" y="3344091"/>
+            <a:ext cx="984068" cy="261258"/>
+          </a:xfrm>
+          <a:prstGeom prst="leftRightArrow">
+            <a:avLst/>
+          </a:prstGeom>
+        </p:spPr>
+        <p:style>
+          <a:lnRef idx="2">
+            <a:schemeClr val="accent1">
+              <a:shade val="50000"/>
+            </a:schemeClr>
+          </a:lnRef>
+          <a:fillRef idx="1">
+            <a:schemeClr val="accent1"/>
+          </a:fillRef>
+          <a:effectRef idx="0">
+            <a:schemeClr val="accent1"/>
+          </a:effectRef>
+          <a:fontRef idx="minor">
+            <a:schemeClr val="lt1"/>
+          </a:fontRef>
+        </p:style>
+        <p:txBody>
+          <a:bodyPr rtlCol="0" anchor="ctr"/>
+          <a:lstStyle/>
+          <a:p>
+            <a:pPr algn="ctr"/>
+            <a:endParaRPr lang="en-US"/>
+          </a:p>
+        </p:txBody>
+      </p:sp>
+      <p:sp>
+        <p:nvSpPr>
+          <p:cNvPr id="25" name="TextBox 24">
+            <a:extLst>
+              <a:ext uri="{FF2B5EF4-FFF2-40B4-BE49-F238E27FC236}">
+                <a16:creationId xmlns:a16="http://schemas.microsoft.com/office/drawing/2014/main" id="{8C29FCF2-F50D-A741-80DD-CBB24E26636A}"/>
+              </a:ext>
+            </a:extLst>
+          </p:cNvPr>
+          <p:cNvSpPr txBox="1"/>
+          <p:nvPr/>
+        </p:nvSpPr>
+        <p:spPr>
+          <a:xfrm>
+            <a:off x="744583" y="426720"/>
+            <a:ext cx="4393474" cy="923330"/>
+          </a:xfrm>
+          <a:prstGeom prst="rect">
+            <a:avLst/>
+          </a:prstGeom>
+          <a:noFill/>
+        </p:spPr>
+        <p:txBody>
+          <a:bodyPr wrap="square" rtlCol="0">
+            <a:spAutoFit/>
+          </a:bodyPr>
+          <a:lstStyle/>
+          <a:p>
+            <a:r>
+              <a:rPr lang="en-US" dirty="0"/>
+              <a:t>The Component is delegating the responsibility to other object for Async Call Management</a:t>
+            </a:r>
+          </a:p>
+        </p:txBody>
+      </p:sp>
+      <p:cxnSp>
+        <p:nvCxnSpPr>
+          <p:cNvPr id="27" name="Straight Arrow Connector 26">
+            <a:extLst>
+              <a:ext uri="{FF2B5EF4-FFF2-40B4-BE49-F238E27FC236}">
+                <a16:creationId xmlns:a16="http://schemas.microsoft.com/office/drawing/2014/main" id="{81F943DD-8244-FC4C-A4EB-52A4AB62731D}"/>
+              </a:ext>
+            </a:extLst>
+          </p:cNvPr>
+          <p:cNvCxnSpPr>
+            <a:stCxn id="25" idx="2"/>
+            <a:endCxn id="23" idx="0"/>
+          </p:cNvCxnSpPr>
+          <p:nvPr/>
+        </p:nvCxnSpPr>
+        <p:spPr>
+          <a:xfrm>
+            <a:off x="2941320" y="1350050"/>
+            <a:ext cx="873034" cy="1715367"/>
+          </a:xfrm>
+          <a:prstGeom prst="straightConnector1">
+            <a:avLst/>
+          </a:prstGeom>
+          <a:ln>
+            <a:tailEnd type="triangle"/>
+          </a:ln>
+        </p:spPr>
+        <p:style>
+          <a:lnRef idx="3">
+            <a:schemeClr val="accent1"/>
+          </a:lnRef>
+          <a:fillRef idx="0">
+            <a:schemeClr val="accent1"/>
+          </a:fillRef>
+          <a:effectRef idx="2">
+            <a:schemeClr val="accent1"/>
+          </a:effectRef>
+          <a:fontRef idx="minor">
+            <a:schemeClr val="tx1"/>
+          </a:fontRef>
+        </p:style>
+      </p:cxnSp>
+      <p:sp>
+        <p:nvSpPr>
+          <p:cNvPr id="28" name="TextBox 27">
+            <a:extLst>
+              <a:ext uri="{FF2B5EF4-FFF2-40B4-BE49-F238E27FC236}">
+                <a16:creationId xmlns:a16="http://schemas.microsoft.com/office/drawing/2014/main" id="{7F524E46-5F2F-4E42-84F8-E4A777A24B86}"/>
+              </a:ext>
+            </a:extLst>
+          </p:cNvPr>
+          <p:cNvSpPr txBox="1"/>
+          <p:nvPr/>
+        </p:nvSpPr>
+        <p:spPr>
+          <a:xfrm>
+            <a:off x="1375954" y="5225144"/>
+            <a:ext cx="4293326" cy="1200329"/>
+          </a:xfrm>
+          <a:prstGeom prst="rect">
+            <a:avLst/>
+          </a:prstGeom>
+          <a:noFill/>
+        </p:spPr>
+        <p:txBody>
+          <a:bodyPr wrap="square" rtlCol="0">
+            <a:spAutoFit/>
+          </a:bodyPr>
+          <a:lstStyle/>
+          <a:p>
+            <a:r>
+              <a:rPr lang="en-US" dirty="0"/>
+              <a:t>Component must have the delegate object at component’s scope so that state objects should be executed using the response received from the Façade. </a:t>
+            </a:r>
+          </a:p>
+        </p:txBody>
+      </p:sp>
+      <p:cxnSp>
+        <p:nvCxnSpPr>
+          <p:cNvPr id="30" name="Straight Arrow Connector 29">
+            <a:extLst>
+              <a:ext uri="{FF2B5EF4-FFF2-40B4-BE49-F238E27FC236}">
+                <a16:creationId xmlns:a16="http://schemas.microsoft.com/office/drawing/2014/main" id="{8A372C8F-C9AC-9E47-B023-CE514A837A57}"/>
+              </a:ext>
+            </a:extLst>
+          </p:cNvPr>
+          <p:cNvCxnSpPr>
+            <a:stCxn id="28" idx="0"/>
+            <a:endCxn id="23" idx="2"/>
+          </p:cNvCxnSpPr>
+          <p:nvPr/>
+        </p:nvCxnSpPr>
+        <p:spPr>
+          <a:xfrm flipV="1">
+            <a:off x="3522617" y="3831771"/>
+            <a:ext cx="291737" cy="1393373"/>
+          </a:xfrm>
+          <a:prstGeom prst="straightConnector1">
+            <a:avLst/>
+          </a:prstGeom>
+          <a:ln>
+            <a:tailEnd type="triangle"/>
+          </a:ln>
+        </p:spPr>
+        <p:style>
+          <a:lnRef idx="3">
+            <a:schemeClr val="accent3"/>
+          </a:lnRef>
+          <a:fillRef idx="0">
+            <a:schemeClr val="accent3"/>
+          </a:fillRef>
+          <a:effectRef idx="2">
+            <a:schemeClr val="accent3"/>
+          </a:effectRef>
+          <a:fontRef idx="minor">
+            <a:schemeClr val="tx1"/>
+          </a:fontRef>
+        </p:style>
+      </p:cxnSp>
+      <p:cxnSp>
+        <p:nvCxnSpPr>
+          <p:cNvPr id="32" name="Straight Arrow Connector 31">
+            <a:extLst>
+              <a:ext uri="{FF2B5EF4-FFF2-40B4-BE49-F238E27FC236}">
+                <a16:creationId xmlns:a16="http://schemas.microsoft.com/office/drawing/2014/main" id="{62315452-140F-C54E-AB26-E4EDF5592925}"/>
+              </a:ext>
+            </a:extLst>
+          </p:cNvPr>
+          <p:cNvCxnSpPr>
+            <a:endCxn id="25" idx="3"/>
+          </p:cNvCxnSpPr>
+          <p:nvPr/>
+        </p:nvCxnSpPr>
+        <p:spPr>
+          <a:xfrm flipH="1">
+            <a:off x="5138057" y="566057"/>
+            <a:ext cx="2882537" cy="322328"/>
+          </a:xfrm>
+          <a:prstGeom prst="straightConnector1">
+            <a:avLst/>
+          </a:prstGeom>
+          <a:ln>
+            <a:tailEnd type="triangle"/>
+          </a:ln>
+        </p:spPr>
+        <p:style>
+          <a:lnRef idx="1">
+            <a:schemeClr val="accent1"/>
+          </a:lnRef>
+          <a:fillRef idx="0">
+            <a:schemeClr val="accent1"/>
+          </a:fillRef>
+          <a:effectRef idx="0">
+            <a:schemeClr val="accent1"/>
+          </a:effectRef>
+          <a:fontRef idx="minor">
+            <a:schemeClr val="tx1"/>
+          </a:fontRef>
+        </p:style>
+      </p:cxnSp>
+      <p:sp>
+        <p:nvSpPr>
+          <p:cNvPr id="33" name="TextBox 32">
+            <a:extLst>
+              <a:ext uri="{FF2B5EF4-FFF2-40B4-BE49-F238E27FC236}">
+                <a16:creationId xmlns:a16="http://schemas.microsoft.com/office/drawing/2014/main" id="{09BA160C-37FD-4D40-804C-DE4BE7B3CDEC}"/>
+              </a:ext>
+            </a:extLst>
+          </p:cNvPr>
+          <p:cNvSpPr txBox="1"/>
+          <p:nvPr/>
+        </p:nvSpPr>
+        <p:spPr>
+          <a:xfrm>
+            <a:off x="8055429" y="261481"/>
+            <a:ext cx="2621280" cy="646331"/>
+          </a:xfrm>
+          <a:prstGeom prst="rect">
+            <a:avLst/>
+          </a:prstGeom>
+          <a:noFill/>
+        </p:spPr>
+        <p:txBody>
+          <a:bodyPr wrap="square" rtlCol="0">
+            <a:spAutoFit/>
+          </a:bodyPr>
+          <a:lstStyle/>
+          <a:p>
+            <a:r>
+              <a:rPr lang="en-US" dirty="0"/>
+              <a:t>Use ‘useEffect()’ to manage all calls</a:t>
+            </a:r>
+          </a:p>
+        </p:txBody>
+      </p:sp>
+      <p:cxnSp>
+        <p:nvCxnSpPr>
+          <p:cNvPr id="35" name="Straight Arrow Connector 34">
+            <a:extLst>
+              <a:ext uri="{FF2B5EF4-FFF2-40B4-BE49-F238E27FC236}">
+                <a16:creationId xmlns:a16="http://schemas.microsoft.com/office/drawing/2014/main" id="{02E16BF8-52E7-C941-93EE-58CB08D479B8}"/>
+              </a:ext>
+            </a:extLst>
+          </p:cNvPr>
+          <p:cNvCxnSpPr>
+            <a:cxnSpLocks/>
+            <a:endCxn id="28" idx="3"/>
+          </p:cNvCxnSpPr>
+          <p:nvPr/>
+        </p:nvCxnSpPr>
+        <p:spPr>
+          <a:xfrm flipH="1" flipV="1">
+            <a:off x="5669280" y="5825309"/>
+            <a:ext cx="4032069" cy="661347"/>
+          </a:xfrm>
+          <a:prstGeom prst="straightConnector1">
+            <a:avLst/>
+          </a:prstGeom>
+          <a:ln>
+            <a:tailEnd type="triangle"/>
+          </a:ln>
+        </p:spPr>
+        <p:style>
+          <a:lnRef idx="1">
+            <a:schemeClr val="accent1"/>
+          </a:lnRef>
+          <a:fillRef idx="0">
+            <a:schemeClr val="accent1"/>
+          </a:fillRef>
+          <a:effectRef idx="0">
+            <a:schemeClr val="accent1"/>
+          </a:effectRef>
+          <a:fontRef idx="minor">
+            <a:schemeClr val="tx1"/>
+          </a:fontRef>
+        </p:style>
+      </p:cxnSp>
+      <p:sp>
+        <p:nvSpPr>
+          <p:cNvPr id="36" name="TextBox 35">
+            <a:extLst>
+              <a:ext uri="{FF2B5EF4-FFF2-40B4-BE49-F238E27FC236}">
+                <a16:creationId xmlns:a16="http://schemas.microsoft.com/office/drawing/2014/main" id="{9B1014FE-26BA-7147-BCDC-C0AC30566662}"/>
+              </a:ext>
+            </a:extLst>
+          </p:cNvPr>
+          <p:cNvSpPr txBox="1"/>
+          <p:nvPr/>
+        </p:nvSpPr>
+        <p:spPr>
+          <a:xfrm>
+            <a:off x="9675223" y="5555817"/>
+            <a:ext cx="1828800" cy="1200329"/>
+          </a:xfrm>
+          <a:prstGeom prst="rect">
+            <a:avLst/>
+          </a:prstGeom>
+          <a:noFill/>
+        </p:spPr>
+        <p:txBody>
+          <a:bodyPr wrap="square" rtlCol="0">
+            <a:spAutoFit/>
+          </a:bodyPr>
+          <a:lstStyle/>
+          <a:p>
+            <a:r>
+              <a:rPr lang="en-US" dirty="0"/>
+              <a:t>Create a Custom Hook that will be scoped to the Component</a:t>
+            </a:r>
+          </a:p>
+        </p:txBody>
+      </p:sp>
+      <p:cxnSp>
+        <p:nvCxnSpPr>
+          <p:cNvPr id="39" name="Straight Arrow Connector 38">
+            <a:extLst>
+              <a:ext uri="{FF2B5EF4-FFF2-40B4-BE49-F238E27FC236}">
+                <a16:creationId xmlns:a16="http://schemas.microsoft.com/office/drawing/2014/main" id="{7561A1B3-A79C-0541-BF19-808198D60C26}"/>
+              </a:ext>
+            </a:extLst>
+          </p:cNvPr>
+          <p:cNvCxnSpPr/>
+          <p:nvPr/>
+        </p:nvCxnSpPr>
+        <p:spPr>
+          <a:xfrm flipH="1" flipV="1">
+            <a:off x="9501051" y="907812"/>
+            <a:ext cx="696686" cy="4648005"/>
+          </a:xfrm>
+          <a:prstGeom prst="straightConnector1">
+            <a:avLst/>
+          </a:prstGeom>
+          <a:ln>
+            <a:headEnd type="triangle"/>
+            <a:tailEnd type="triangle"/>
+          </a:ln>
+        </p:spPr>
+        <p:style>
+          <a:lnRef idx="1">
+            <a:schemeClr val="accent1"/>
+          </a:lnRef>
+          <a:fillRef idx="0">
+            <a:schemeClr val="accent1"/>
+          </a:fillRef>
+          <a:effectRef idx="0">
+            <a:schemeClr val="accent1"/>
+          </a:effectRef>
+          <a:fontRef idx="minor">
+            <a:schemeClr val="tx1"/>
+          </a:fontRef>
+        </p:style>
+      </p:cxnSp>
+    </p:spTree>
+    <p:extLst>
+      <p:ext uri="{BB962C8B-B14F-4D97-AF65-F5344CB8AC3E}">
+        <p14:creationId xmlns:p14="http://schemas.microsoft.com/office/powerpoint/2010/main" val="2940150898"/>
+      </p:ext>
+    </p:extLst>
+  </p:cSld>
+  <p:clrMapOvr>
+    <a:masterClrMapping/>
+  </p:clrMapOvr>
+</p:sld>
+</file>
+
+<file path=ppt/slides/slide41.xml><?xml version="1.0" encoding="utf-8"?>
+<p:sld xmlns:a="http://schemas.openxmlformats.org/drawingml/2006/main" xmlns:r="http://schemas.openxmlformats.org/officeDocument/2006/relationships" xmlns:p="http://schemas.openxmlformats.org/presentationml/2006/main">
+  <p:cSld>
+    <p:spTree>
+      <p:nvGrpSpPr>
+        <p:cNvPr id="1" name=""/>
+        <p:cNvGrpSpPr/>
+        <p:nvPr/>
+      </p:nvGrpSpPr>
+      <p:grpSpPr>
+        <a:xfrm>
+          <a:off x="0" y="0"/>
+          <a:ext cx="0" cy="0"/>
+          <a:chOff x="0" y="0"/>
+          <a:chExt cx="0" cy="0"/>
+        </a:xfrm>
+      </p:grpSpPr>
+      <p:sp>
+        <p:nvSpPr>
+          <p:cNvPr id="2" name="Can 1">
+            <a:extLst>
+              <a:ext uri="{FF2B5EF4-FFF2-40B4-BE49-F238E27FC236}">
+                <a16:creationId xmlns:a16="http://schemas.microsoft.com/office/drawing/2014/main" id="{6031D15E-1448-734D-A03A-F98D59775847}"/>
+              </a:ext>
+            </a:extLst>
+          </p:cNvPr>
+          <p:cNvSpPr/>
+          <p:nvPr/>
+        </p:nvSpPr>
+        <p:spPr>
+          <a:xfrm>
+            <a:off x="7820297" y="1489166"/>
+            <a:ext cx="4145280" cy="4066903"/>
+          </a:xfrm>
+          <a:prstGeom prst="can">
+            <a:avLst>
+              <a:gd name="adj" fmla="val 16435"/>
+            </a:avLst>
+          </a:prstGeom>
+        </p:spPr>
+        <p:style>
+          <a:lnRef idx="2">
+            <a:schemeClr val="accent1">
+              <a:shade val="50000"/>
+            </a:schemeClr>
+          </a:lnRef>
+          <a:fillRef idx="1">
+            <a:schemeClr val="accent1"/>
+          </a:fillRef>
+          <a:effectRef idx="0">
+            <a:schemeClr val="accent1"/>
+          </a:effectRef>
+          <a:fontRef idx="minor">
+            <a:schemeClr val="lt1"/>
+          </a:fontRef>
+        </p:style>
+        <p:txBody>
+          <a:bodyPr rtlCol="0" anchor="ctr"/>
+          <a:lstStyle/>
+          <a:p>
+            <a:pPr algn="ctr"/>
+            <a:endParaRPr lang="en-US"/>
+          </a:p>
+        </p:txBody>
+      </p:sp>
+      <p:graphicFrame>
+        <p:nvGraphicFramePr>
+          <p:cNvPr id="3" name="Table 3">
+            <a:extLst>
+              <a:ext uri="{FF2B5EF4-FFF2-40B4-BE49-F238E27FC236}">
+                <a16:creationId xmlns:a16="http://schemas.microsoft.com/office/drawing/2014/main" id="{302BE98A-7DF1-1E40-8FC7-3F045E4AD0BF}"/>
+              </a:ext>
+            </a:extLst>
+          </p:cNvPr>
+          <p:cNvGraphicFramePr>
+            <a:graphicFrameLocks noGrp="1"/>
+          </p:cNvGraphicFramePr>
+          <p:nvPr>
+            <p:extLst>
+              <p:ext uri="{D42A27DB-BD31-4B8C-83A1-F6EECF244321}">
+                <p14:modId xmlns:p14="http://schemas.microsoft.com/office/powerpoint/2010/main" val="2631263423"/>
+              </p:ext>
+            </p:extLst>
+          </p:nvPr>
+        </p:nvGraphicFramePr>
+        <p:xfrm>
+          <a:off x="8084458" y="2425337"/>
+          <a:ext cx="1381761" cy="1097280"/>
+        </p:xfrm>
+        <a:graphic>
+          <a:graphicData uri="http://schemas.openxmlformats.org/drawingml/2006/table">
+            <a:tbl>
+              <a:tblPr firstRow="1" bandRow="1">
+                <a:tableStyleId>{5C22544A-7EE6-4342-B048-85BDC9FD1C3A}</a:tableStyleId>
+              </a:tblPr>
+              <a:tblGrid>
+                <a:gridCol w="460587">
+                  <a:extLst>
+                    <a:ext uri="{9D8B030D-6E8A-4147-A177-3AD203B41FA5}">
+                      <a16:colId xmlns:a16="http://schemas.microsoft.com/office/drawing/2014/main" val="3846684788"/>
+                    </a:ext>
+                  </a:extLst>
+                </a:gridCol>
+                <a:gridCol w="460587">
+                  <a:extLst>
+                    <a:ext uri="{9D8B030D-6E8A-4147-A177-3AD203B41FA5}">
+                      <a16:colId xmlns:a16="http://schemas.microsoft.com/office/drawing/2014/main" val="978179017"/>
+                    </a:ext>
+                  </a:extLst>
+                </a:gridCol>
+                <a:gridCol w="460587">
+                  <a:extLst>
+                    <a:ext uri="{9D8B030D-6E8A-4147-A177-3AD203B41FA5}">
+                      <a16:colId xmlns:a16="http://schemas.microsoft.com/office/drawing/2014/main" val="1495013508"/>
+                    </a:ext>
+                  </a:extLst>
+                </a:gridCol>
+              </a:tblGrid>
+              <a:tr h="204248">
+                <a:tc>
+                  <a:txBody>
+                    <a:bodyPr/>
+                    <a:lstStyle/>
+                    <a:p>
+                      <a:endParaRPr lang="en-US"/>
+                    </a:p>
+                  </a:txBody>
+                  <a:tcPr/>
+                </a:tc>
+                <a:tc>
+                  <a:txBody>
+                    <a:bodyPr/>
+                    <a:lstStyle/>
+                    <a:p>
+                      <a:endParaRPr lang="en-US" dirty="0"/>
+                    </a:p>
+                  </a:txBody>
+                  <a:tcPr/>
+                </a:tc>
+                <a:tc>
+                  <a:txBody>
+                    <a:bodyPr/>
+                    <a:lstStyle/>
+                    <a:p>
+                      <a:endParaRPr lang="en-US"/>
+                    </a:p>
+                  </a:txBody>
+                  <a:tcPr/>
+                </a:tc>
+                <a:extLst>
+                  <a:ext uri="{0D108BD9-81ED-4DB2-BD59-A6C34878D82A}">
+                    <a16:rowId xmlns:a16="http://schemas.microsoft.com/office/drawing/2014/main" val="2150289206"/>
+                  </a:ext>
+                </a:extLst>
+              </a:tr>
+              <a:tr h="204248">
+                <a:tc>
+                  <a:txBody>
+                    <a:bodyPr/>
+                    <a:lstStyle/>
+                    <a:p>
+                      <a:endParaRPr lang="en-US"/>
+                    </a:p>
+                  </a:txBody>
+                  <a:tcPr/>
+                </a:tc>
+                <a:tc>
+                  <a:txBody>
+                    <a:bodyPr/>
+                    <a:lstStyle/>
+                    <a:p>
+                      <a:endParaRPr lang="en-US"/>
+                    </a:p>
+                  </a:txBody>
+                  <a:tcPr/>
+                </a:tc>
+                <a:tc>
+                  <a:txBody>
+                    <a:bodyPr/>
+                    <a:lstStyle/>
+                    <a:p>
+                      <a:endParaRPr lang="en-US"/>
+                    </a:p>
+                  </a:txBody>
+                  <a:tcPr/>
+                </a:tc>
+                <a:extLst>
+                  <a:ext uri="{0D108BD9-81ED-4DB2-BD59-A6C34878D82A}">
+                    <a16:rowId xmlns:a16="http://schemas.microsoft.com/office/drawing/2014/main" val="3404253126"/>
+                  </a:ext>
+                </a:extLst>
+              </a:tr>
+              <a:tr h="204248">
+                <a:tc>
+                  <a:txBody>
+                    <a:bodyPr/>
+                    <a:lstStyle/>
+                    <a:p>
+                      <a:endParaRPr lang="en-US"/>
+                    </a:p>
+                  </a:txBody>
+                  <a:tcPr/>
+                </a:tc>
+                <a:tc>
+                  <a:txBody>
+                    <a:bodyPr/>
+                    <a:lstStyle/>
+                    <a:p>
+                      <a:endParaRPr lang="en-US"/>
+                    </a:p>
+                  </a:txBody>
+                  <a:tcPr/>
+                </a:tc>
+                <a:tc>
+                  <a:txBody>
+                    <a:bodyPr/>
+                    <a:lstStyle/>
+                    <a:p>
+                      <a:endParaRPr lang="en-US" dirty="0"/>
+                    </a:p>
+                  </a:txBody>
+                  <a:tcPr/>
+                </a:tc>
+                <a:extLst>
+                  <a:ext uri="{0D108BD9-81ED-4DB2-BD59-A6C34878D82A}">
+                    <a16:rowId xmlns:a16="http://schemas.microsoft.com/office/drawing/2014/main" val="3017759141"/>
+                  </a:ext>
+                </a:extLst>
+              </a:tr>
+            </a:tbl>
+          </a:graphicData>
+        </a:graphic>
+      </p:graphicFrame>
+      <p:graphicFrame>
+        <p:nvGraphicFramePr>
+          <p:cNvPr id="4" name="Table 3">
+            <a:extLst>
+              <a:ext uri="{FF2B5EF4-FFF2-40B4-BE49-F238E27FC236}">
+                <a16:creationId xmlns:a16="http://schemas.microsoft.com/office/drawing/2014/main" id="{43118EB2-5059-6745-9AC0-1910AFE4E4E3}"/>
+              </a:ext>
+            </a:extLst>
+          </p:cNvPr>
+          <p:cNvGraphicFramePr>
+            <a:graphicFrameLocks noGrp="1"/>
+          </p:cNvGraphicFramePr>
+          <p:nvPr>
+            <p:extLst>
+              <p:ext uri="{D42A27DB-BD31-4B8C-83A1-F6EECF244321}">
+                <p14:modId xmlns:p14="http://schemas.microsoft.com/office/powerpoint/2010/main" val="3653620354"/>
+              </p:ext>
+            </p:extLst>
+          </p:nvPr>
+        </p:nvGraphicFramePr>
+        <p:xfrm>
+          <a:off x="10091784" y="2425337"/>
+          <a:ext cx="1381761" cy="1097280"/>
+        </p:xfrm>
+        <a:graphic>
+          <a:graphicData uri="http://schemas.openxmlformats.org/drawingml/2006/table">
+            <a:tbl>
+              <a:tblPr firstRow="1" bandRow="1">
+                <a:tableStyleId>{5C22544A-7EE6-4342-B048-85BDC9FD1C3A}</a:tableStyleId>
+              </a:tblPr>
+              <a:tblGrid>
+                <a:gridCol w="460587">
+                  <a:extLst>
+                    <a:ext uri="{9D8B030D-6E8A-4147-A177-3AD203B41FA5}">
+                      <a16:colId xmlns:a16="http://schemas.microsoft.com/office/drawing/2014/main" val="3846684788"/>
+                    </a:ext>
+                  </a:extLst>
+                </a:gridCol>
+                <a:gridCol w="460587">
+                  <a:extLst>
+                    <a:ext uri="{9D8B030D-6E8A-4147-A177-3AD203B41FA5}">
+                      <a16:colId xmlns:a16="http://schemas.microsoft.com/office/drawing/2014/main" val="978179017"/>
+                    </a:ext>
+                  </a:extLst>
+                </a:gridCol>
+                <a:gridCol w="460587">
+                  <a:extLst>
+                    <a:ext uri="{9D8B030D-6E8A-4147-A177-3AD203B41FA5}">
+                      <a16:colId xmlns:a16="http://schemas.microsoft.com/office/drawing/2014/main" val="1495013508"/>
+                    </a:ext>
+                  </a:extLst>
+                </a:gridCol>
+              </a:tblGrid>
+              <a:tr h="204248">
+                <a:tc>
+                  <a:txBody>
+                    <a:bodyPr/>
+                    <a:lstStyle/>
+                    <a:p>
+                      <a:endParaRPr lang="en-US"/>
+                    </a:p>
+                  </a:txBody>
+                  <a:tcPr/>
+                </a:tc>
+                <a:tc>
+                  <a:txBody>
+                    <a:bodyPr/>
+                    <a:lstStyle/>
+                    <a:p>
+                      <a:endParaRPr lang="en-US"/>
+                    </a:p>
+                  </a:txBody>
+                  <a:tcPr/>
+                </a:tc>
+                <a:tc>
+                  <a:txBody>
+                    <a:bodyPr/>
+                    <a:lstStyle/>
+                    <a:p>
+                      <a:endParaRPr lang="en-US"/>
+                    </a:p>
+                  </a:txBody>
+                  <a:tcPr/>
+                </a:tc>
+                <a:extLst>
+                  <a:ext uri="{0D108BD9-81ED-4DB2-BD59-A6C34878D82A}">
+                    <a16:rowId xmlns:a16="http://schemas.microsoft.com/office/drawing/2014/main" val="2150289206"/>
+                  </a:ext>
+                </a:extLst>
+              </a:tr>
+              <a:tr h="204248">
+                <a:tc>
+                  <a:txBody>
+                    <a:bodyPr/>
+                    <a:lstStyle/>
+                    <a:p>
+                      <a:endParaRPr lang="en-US"/>
+                    </a:p>
+                  </a:txBody>
+                  <a:tcPr/>
+                </a:tc>
+                <a:tc>
+                  <a:txBody>
+                    <a:bodyPr/>
+                    <a:lstStyle/>
+                    <a:p>
+                      <a:endParaRPr lang="en-US"/>
+                    </a:p>
+                  </a:txBody>
+                  <a:tcPr/>
+                </a:tc>
+                <a:tc>
+                  <a:txBody>
+                    <a:bodyPr/>
+                    <a:lstStyle/>
+                    <a:p>
+                      <a:endParaRPr lang="en-US"/>
+                    </a:p>
+                  </a:txBody>
+                  <a:tcPr/>
+                </a:tc>
+                <a:extLst>
+                  <a:ext uri="{0D108BD9-81ED-4DB2-BD59-A6C34878D82A}">
+                    <a16:rowId xmlns:a16="http://schemas.microsoft.com/office/drawing/2014/main" val="3404253126"/>
+                  </a:ext>
+                </a:extLst>
+              </a:tr>
+              <a:tr h="204248">
+                <a:tc>
+                  <a:txBody>
+                    <a:bodyPr/>
+                    <a:lstStyle/>
+                    <a:p>
+                      <a:endParaRPr lang="en-US"/>
+                    </a:p>
+                  </a:txBody>
+                  <a:tcPr/>
+                </a:tc>
+                <a:tc>
+                  <a:txBody>
+                    <a:bodyPr/>
+                    <a:lstStyle/>
+                    <a:p>
+                      <a:endParaRPr lang="en-US"/>
+                    </a:p>
+                  </a:txBody>
+                  <a:tcPr/>
+                </a:tc>
+                <a:tc>
+                  <a:txBody>
+                    <a:bodyPr/>
+                    <a:lstStyle/>
+                    <a:p>
+                      <a:endParaRPr lang="en-US" dirty="0"/>
+                    </a:p>
+                  </a:txBody>
+                  <a:tcPr/>
+                </a:tc>
+                <a:extLst>
+                  <a:ext uri="{0D108BD9-81ED-4DB2-BD59-A6C34878D82A}">
+                    <a16:rowId xmlns:a16="http://schemas.microsoft.com/office/drawing/2014/main" val="3017759141"/>
+                  </a:ext>
+                </a:extLst>
+              </a:tr>
+            </a:tbl>
+          </a:graphicData>
+        </a:graphic>
+      </p:graphicFrame>
+      <p:graphicFrame>
+        <p:nvGraphicFramePr>
+          <p:cNvPr id="5" name="Table 4">
+            <a:extLst>
+              <a:ext uri="{FF2B5EF4-FFF2-40B4-BE49-F238E27FC236}">
+                <a16:creationId xmlns:a16="http://schemas.microsoft.com/office/drawing/2014/main" id="{2C13E223-F133-3E44-BC0D-68FEC9FC6D5C}"/>
+              </a:ext>
+            </a:extLst>
+          </p:cNvPr>
+          <p:cNvGraphicFramePr>
+            <a:graphicFrameLocks noGrp="1"/>
+          </p:cNvGraphicFramePr>
+          <p:nvPr>
+            <p:extLst>
+              <p:ext uri="{D42A27DB-BD31-4B8C-83A1-F6EECF244321}">
+                <p14:modId xmlns:p14="http://schemas.microsoft.com/office/powerpoint/2010/main" val="2284775499"/>
+              </p:ext>
+            </p:extLst>
+          </p:nvPr>
+        </p:nvGraphicFramePr>
+        <p:xfrm>
+          <a:off x="10091783" y="3840480"/>
+          <a:ext cx="1381761" cy="1097280"/>
+        </p:xfrm>
+        <a:graphic>
+          <a:graphicData uri="http://schemas.openxmlformats.org/drawingml/2006/table">
+            <a:tbl>
+              <a:tblPr firstRow="1" bandRow="1">
+                <a:tableStyleId>{5C22544A-7EE6-4342-B048-85BDC9FD1C3A}</a:tableStyleId>
+              </a:tblPr>
+              <a:tblGrid>
+                <a:gridCol w="460587">
+                  <a:extLst>
+                    <a:ext uri="{9D8B030D-6E8A-4147-A177-3AD203B41FA5}">
+                      <a16:colId xmlns:a16="http://schemas.microsoft.com/office/drawing/2014/main" val="3846684788"/>
+                    </a:ext>
+                  </a:extLst>
+                </a:gridCol>
+                <a:gridCol w="460587">
+                  <a:extLst>
+                    <a:ext uri="{9D8B030D-6E8A-4147-A177-3AD203B41FA5}">
+                      <a16:colId xmlns:a16="http://schemas.microsoft.com/office/drawing/2014/main" val="978179017"/>
+                    </a:ext>
+                  </a:extLst>
+                </a:gridCol>
+                <a:gridCol w="460587">
+                  <a:extLst>
+                    <a:ext uri="{9D8B030D-6E8A-4147-A177-3AD203B41FA5}">
+                      <a16:colId xmlns:a16="http://schemas.microsoft.com/office/drawing/2014/main" val="1495013508"/>
+                    </a:ext>
+                  </a:extLst>
+                </a:gridCol>
+              </a:tblGrid>
+              <a:tr h="204248">
+                <a:tc>
+                  <a:txBody>
+                    <a:bodyPr/>
+                    <a:lstStyle/>
+                    <a:p>
+                      <a:endParaRPr lang="en-US"/>
+                    </a:p>
+                  </a:txBody>
+                  <a:tcPr/>
+                </a:tc>
+                <a:tc>
+                  <a:txBody>
+                    <a:bodyPr/>
+                    <a:lstStyle/>
+                    <a:p>
+                      <a:endParaRPr lang="en-US"/>
+                    </a:p>
+                  </a:txBody>
+                  <a:tcPr/>
+                </a:tc>
+                <a:tc>
+                  <a:txBody>
+                    <a:bodyPr/>
+                    <a:lstStyle/>
+                    <a:p>
+                      <a:endParaRPr lang="en-US"/>
+                    </a:p>
+                  </a:txBody>
+                  <a:tcPr/>
+                </a:tc>
+                <a:extLst>
+                  <a:ext uri="{0D108BD9-81ED-4DB2-BD59-A6C34878D82A}">
+                    <a16:rowId xmlns:a16="http://schemas.microsoft.com/office/drawing/2014/main" val="2150289206"/>
+                  </a:ext>
+                </a:extLst>
+              </a:tr>
+              <a:tr h="204248">
+                <a:tc>
+                  <a:txBody>
+                    <a:bodyPr/>
+                    <a:lstStyle/>
+                    <a:p>
+                      <a:endParaRPr lang="en-US"/>
+                    </a:p>
+                  </a:txBody>
+                  <a:tcPr/>
+                </a:tc>
+                <a:tc>
+                  <a:txBody>
+                    <a:bodyPr/>
+                    <a:lstStyle/>
+                    <a:p>
+                      <a:endParaRPr lang="en-US" dirty="0"/>
+                    </a:p>
+                  </a:txBody>
+                  <a:tcPr/>
+                </a:tc>
+                <a:tc>
+                  <a:txBody>
+                    <a:bodyPr/>
+                    <a:lstStyle/>
+                    <a:p>
+                      <a:endParaRPr lang="en-US"/>
+                    </a:p>
+                  </a:txBody>
+                  <a:tcPr/>
+                </a:tc>
+                <a:extLst>
+                  <a:ext uri="{0D108BD9-81ED-4DB2-BD59-A6C34878D82A}">
+                    <a16:rowId xmlns:a16="http://schemas.microsoft.com/office/drawing/2014/main" val="3404253126"/>
+                  </a:ext>
+                </a:extLst>
+              </a:tr>
+              <a:tr h="204248">
+                <a:tc>
+                  <a:txBody>
+                    <a:bodyPr/>
+                    <a:lstStyle/>
+                    <a:p>
+                      <a:endParaRPr lang="en-US"/>
+                    </a:p>
+                  </a:txBody>
+                  <a:tcPr/>
+                </a:tc>
+                <a:tc>
+                  <a:txBody>
+                    <a:bodyPr/>
+                    <a:lstStyle/>
+                    <a:p>
+                      <a:endParaRPr lang="en-US"/>
+                    </a:p>
+                  </a:txBody>
+                  <a:tcPr/>
+                </a:tc>
+                <a:tc>
+                  <a:txBody>
+                    <a:bodyPr/>
+                    <a:lstStyle/>
+                    <a:p>
+                      <a:endParaRPr lang="en-US" dirty="0"/>
+                    </a:p>
+                  </a:txBody>
+                  <a:tcPr/>
+                </a:tc>
+                <a:extLst>
+                  <a:ext uri="{0D108BD9-81ED-4DB2-BD59-A6C34878D82A}">
+                    <a16:rowId xmlns:a16="http://schemas.microsoft.com/office/drawing/2014/main" val="3017759141"/>
+                  </a:ext>
+                </a:extLst>
+              </a:tr>
+            </a:tbl>
+          </a:graphicData>
+        </a:graphic>
+      </p:graphicFrame>
+      <p:graphicFrame>
+        <p:nvGraphicFramePr>
+          <p:cNvPr id="6" name="Table 5">
+            <a:extLst>
+              <a:ext uri="{FF2B5EF4-FFF2-40B4-BE49-F238E27FC236}">
+                <a16:creationId xmlns:a16="http://schemas.microsoft.com/office/drawing/2014/main" id="{B5F8FA58-9683-1F41-B372-EAFA5EAE13B5}"/>
+              </a:ext>
+            </a:extLst>
+          </p:cNvPr>
+          <p:cNvGraphicFramePr>
+            <a:graphicFrameLocks noGrp="1"/>
+          </p:cNvGraphicFramePr>
+          <p:nvPr>
+            <p:extLst>
+              <p:ext uri="{D42A27DB-BD31-4B8C-83A1-F6EECF244321}">
+                <p14:modId xmlns:p14="http://schemas.microsoft.com/office/powerpoint/2010/main" val="4141041572"/>
+              </p:ext>
+            </p:extLst>
+          </p:nvPr>
+        </p:nvGraphicFramePr>
+        <p:xfrm>
+          <a:off x="8084458" y="3990703"/>
+          <a:ext cx="1381761" cy="1097280"/>
+        </p:xfrm>
+        <a:graphic>
+          <a:graphicData uri="http://schemas.openxmlformats.org/drawingml/2006/table">
+            <a:tbl>
+              <a:tblPr firstRow="1" bandRow="1">
+                <a:tableStyleId>{5C22544A-7EE6-4342-B048-85BDC9FD1C3A}</a:tableStyleId>
+              </a:tblPr>
+              <a:tblGrid>
+                <a:gridCol w="460587">
+                  <a:extLst>
+                    <a:ext uri="{9D8B030D-6E8A-4147-A177-3AD203B41FA5}">
+                      <a16:colId xmlns:a16="http://schemas.microsoft.com/office/drawing/2014/main" val="3846684788"/>
+                    </a:ext>
+                  </a:extLst>
+                </a:gridCol>
+                <a:gridCol w="460587">
+                  <a:extLst>
+                    <a:ext uri="{9D8B030D-6E8A-4147-A177-3AD203B41FA5}">
+                      <a16:colId xmlns:a16="http://schemas.microsoft.com/office/drawing/2014/main" val="978179017"/>
+                    </a:ext>
+                  </a:extLst>
+                </a:gridCol>
+                <a:gridCol w="460587">
+                  <a:extLst>
+                    <a:ext uri="{9D8B030D-6E8A-4147-A177-3AD203B41FA5}">
+                      <a16:colId xmlns:a16="http://schemas.microsoft.com/office/drawing/2014/main" val="1495013508"/>
+                    </a:ext>
+                  </a:extLst>
+                </a:gridCol>
+              </a:tblGrid>
+              <a:tr h="204248">
+                <a:tc>
+                  <a:txBody>
+                    <a:bodyPr/>
+                    <a:lstStyle/>
+                    <a:p>
+                      <a:endParaRPr lang="en-US"/>
+                    </a:p>
+                  </a:txBody>
+                  <a:tcPr/>
+                </a:tc>
+                <a:tc>
+                  <a:txBody>
+                    <a:bodyPr/>
+                    <a:lstStyle/>
+                    <a:p>
+                      <a:endParaRPr lang="en-US"/>
+                    </a:p>
+                  </a:txBody>
+                  <a:tcPr/>
+                </a:tc>
+                <a:tc>
+                  <a:txBody>
+                    <a:bodyPr/>
+                    <a:lstStyle/>
+                    <a:p>
+                      <a:endParaRPr lang="en-US"/>
+                    </a:p>
+                  </a:txBody>
+                  <a:tcPr/>
+                </a:tc>
+                <a:extLst>
+                  <a:ext uri="{0D108BD9-81ED-4DB2-BD59-A6C34878D82A}">
+                    <a16:rowId xmlns:a16="http://schemas.microsoft.com/office/drawing/2014/main" val="2150289206"/>
+                  </a:ext>
+                </a:extLst>
+              </a:tr>
+              <a:tr h="204248">
+                <a:tc>
+                  <a:txBody>
+                    <a:bodyPr/>
+                    <a:lstStyle/>
+                    <a:p>
+                      <a:endParaRPr lang="en-US"/>
+                    </a:p>
+                  </a:txBody>
+                  <a:tcPr/>
+                </a:tc>
+                <a:tc>
+                  <a:txBody>
+                    <a:bodyPr/>
+                    <a:lstStyle/>
+                    <a:p>
+                      <a:endParaRPr lang="en-US"/>
+                    </a:p>
+                  </a:txBody>
+                  <a:tcPr/>
+                </a:tc>
+                <a:tc>
+                  <a:txBody>
+                    <a:bodyPr/>
+                    <a:lstStyle/>
+                    <a:p>
+                      <a:endParaRPr lang="en-US"/>
+                    </a:p>
+                  </a:txBody>
+                  <a:tcPr/>
+                </a:tc>
+                <a:extLst>
+                  <a:ext uri="{0D108BD9-81ED-4DB2-BD59-A6C34878D82A}">
+                    <a16:rowId xmlns:a16="http://schemas.microsoft.com/office/drawing/2014/main" val="3404253126"/>
+                  </a:ext>
+                </a:extLst>
+              </a:tr>
+              <a:tr h="204248">
+                <a:tc>
+                  <a:txBody>
+                    <a:bodyPr/>
+                    <a:lstStyle/>
+                    <a:p>
+                      <a:endParaRPr lang="en-US"/>
+                    </a:p>
+                  </a:txBody>
+                  <a:tcPr/>
+                </a:tc>
+                <a:tc>
+                  <a:txBody>
+                    <a:bodyPr/>
+                    <a:lstStyle/>
+                    <a:p>
+                      <a:endParaRPr lang="en-US"/>
+                    </a:p>
+                  </a:txBody>
+                  <a:tcPr/>
+                </a:tc>
+                <a:tc>
+                  <a:txBody>
+                    <a:bodyPr/>
+                    <a:lstStyle/>
+                    <a:p>
+                      <a:endParaRPr lang="en-US" dirty="0"/>
+                    </a:p>
+                  </a:txBody>
+                  <a:tcPr/>
+                </a:tc>
+                <a:extLst>
+                  <a:ext uri="{0D108BD9-81ED-4DB2-BD59-A6C34878D82A}">
+                    <a16:rowId xmlns:a16="http://schemas.microsoft.com/office/drawing/2014/main" val="3017759141"/>
+                  </a:ext>
+                </a:extLst>
+              </a:tr>
+            </a:tbl>
+          </a:graphicData>
+        </a:graphic>
+      </p:graphicFrame>
+      <p:sp>
+        <p:nvSpPr>
+          <p:cNvPr id="7" name="Rectangle 6">
+            <a:extLst>
+              <a:ext uri="{FF2B5EF4-FFF2-40B4-BE49-F238E27FC236}">
+                <a16:creationId xmlns:a16="http://schemas.microsoft.com/office/drawing/2014/main" id="{E91CE077-FDF3-3048-B4F4-C844FF542FCC}"/>
+              </a:ext>
+            </a:extLst>
+          </p:cNvPr>
+          <p:cNvSpPr/>
+          <p:nvPr/>
+        </p:nvSpPr>
+        <p:spPr>
+          <a:xfrm>
+            <a:off x="400594" y="2425337"/>
+            <a:ext cx="2917371" cy="2821577"/>
+          </a:xfrm>
+          <a:prstGeom prst="rect">
+            <a:avLst/>
+          </a:prstGeom>
+        </p:spPr>
+        <p:style>
+          <a:lnRef idx="2">
+            <a:schemeClr val="accent1">
+              <a:shade val="50000"/>
+            </a:schemeClr>
+          </a:lnRef>
+          <a:fillRef idx="1">
+            <a:schemeClr val="accent1"/>
+          </a:fillRef>
+          <a:effectRef idx="0">
+            <a:schemeClr val="accent1"/>
+          </a:effectRef>
+          <a:fontRef idx="minor">
+            <a:schemeClr val="lt1"/>
+          </a:fontRef>
+        </p:style>
+        <p:txBody>
+          <a:bodyPr rtlCol="0" anchor="ctr"/>
+          <a:lstStyle/>
+          <a:p>
+            <a:pPr algn="ctr"/>
+            <a:r>
+              <a:rPr lang="en-US" dirty="0"/>
+              <a:t>Client App</a:t>
+            </a:r>
+          </a:p>
+          <a:p>
+            <a:pPr algn="ctr"/>
+            <a:r>
+              <a:rPr lang="en-US" dirty="0"/>
+              <a:t>Should access all Data then logically process it and send it back to database to persist</a:t>
+            </a:r>
+          </a:p>
+        </p:txBody>
+      </p:sp>
+      <p:cxnSp>
+        <p:nvCxnSpPr>
+          <p:cNvPr id="9" name="Straight Arrow Connector 8">
+            <a:extLst>
+              <a:ext uri="{FF2B5EF4-FFF2-40B4-BE49-F238E27FC236}">
+                <a16:creationId xmlns:a16="http://schemas.microsoft.com/office/drawing/2014/main" id="{AEA9A390-FE77-2F45-B2EF-2E6B30D1E667}"/>
+              </a:ext>
+            </a:extLst>
+          </p:cNvPr>
+          <p:cNvCxnSpPr>
+            <a:endCxn id="3" idx="1"/>
+          </p:cNvCxnSpPr>
+          <p:nvPr/>
+        </p:nvCxnSpPr>
+        <p:spPr>
+          <a:xfrm>
+            <a:off x="3344091" y="2973977"/>
+            <a:ext cx="4740367" cy="0"/>
+          </a:xfrm>
+          <a:prstGeom prst="straightConnector1">
+            <a:avLst/>
+          </a:prstGeom>
+          <a:ln>
+            <a:tailEnd type="triangle"/>
+          </a:ln>
+        </p:spPr>
+        <p:style>
+          <a:lnRef idx="3">
+            <a:schemeClr val="accent2"/>
+          </a:lnRef>
+          <a:fillRef idx="0">
+            <a:schemeClr val="accent2"/>
+          </a:fillRef>
+          <a:effectRef idx="2">
+            <a:schemeClr val="accent2"/>
+          </a:effectRef>
+          <a:fontRef idx="minor">
+            <a:schemeClr val="tx1"/>
+          </a:fontRef>
+        </p:style>
+      </p:cxnSp>
+      <p:sp>
+        <p:nvSpPr>
+          <p:cNvPr id="10" name="TextBox 9">
+            <a:extLst>
+              <a:ext uri="{FF2B5EF4-FFF2-40B4-BE49-F238E27FC236}">
+                <a16:creationId xmlns:a16="http://schemas.microsoft.com/office/drawing/2014/main" id="{A2EAC1D9-939E-2F42-9DCE-F586C63C5E96}"/>
+              </a:ext>
+            </a:extLst>
+          </p:cNvPr>
+          <p:cNvSpPr txBox="1"/>
+          <p:nvPr/>
+        </p:nvSpPr>
+        <p:spPr>
+          <a:xfrm>
+            <a:off x="3640183" y="2002971"/>
+            <a:ext cx="3378926" cy="369332"/>
+          </a:xfrm>
+          <a:prstGeom prst="rect">
+            <a:avLst/>
+          </a:prstGeom>
+          <a:noFill/>
+        </p:spPr>
+        <p:txBody>
+          <a:bodyPr wrap="square" rtlCol="0">
+            <a:spAutoFit/>
+          </a:bodyPr>
+          <a:lstStyle/>
+          <a:p>
+            <a:r>
+              <a:rPr lang="en-US" dirty="0"/>
+              <a:t>Query to Table 1 and Get Data</a:t>
+            </a:r>
+          </a:p>
+        </p:txBody>
+      </p:sp>
+      <p:cxnSp>
+        <p:nvCxnSpPr>
+          <p:cNvPr id="12" name="Straight Arrow Connector 11">
+            <a:extLst>
+              <a:ext uri="{FF2B5EF4-FFF2-40B4-BE49-F238E27FC236}">
+                <a16:creationId xmlns:a16="http://schemas.microsoft.com/office/drawing/2014/main" id="{EE5E1A31-A8EA-C944-B27B-D91D1305A0F5}"/>
+              </a:ext>
+            </a:extLst>
+          </p:cNvPr>
+          <p:cNvCxnSpPr/>
+          <p:nvPr/>
+        </p:nvCxnSpPr>
+        <p:spPr>
+          <a:xfrm>
+            <a:off x="3344091" y="3222171"/>
+            <a:ext cx="6747692" cy="75503"/>
+          </a:xfrm>
+          <a:prstGeom prst="straightConnector1">
+            <a:avLst/>
+          </a:prstGeom>
+          <a:ln>
+            <a:tailEnd type="triangle"/>
+          </a:ln>
+        </p:spPr>
+        <p:style>
+          <a:lnRef idx="3">
+            <a:schemeClr val="accent2"/>
+          </a:lnRef>
+          <a:fillRef idx="0">
+            <a:schemeClr val="accent2"/>
+          </a:fillRef>
+          <a:effectRef idx="2">
+            <a:schemeClr val="accent2"/>
+          </a:effectRef>
+          <a:fontRef idx="minor">
+            <a:schemeClr val="tx1"/>
+          </a:fontRef>
+        </p:style>
+      </p:cxnSp>
+      <p:sp>
+        <p:nvSpPr>
+          <p:cNvPr id="13" name="TextBox 12">
+            <a:extLst>
+              <a:ext uri="{FF2B5EF4-FFF2-40B4-BE49-F238E27FC236}">
+                <a16:creationId xmlns:a16="http://schemas.microsoft.com/office/drawing/2014/main" id="{7F838F7A-947C-D541-9BBC-AD0C65AB3C33}"/>
+              </a:ext>
+            </a:extLst>
+          </p:cNvPr>
+          <p:cNvSpPr txBox="1"/>
+          <p:nvPr/>
+        </p:nvSpPr>
+        <p:spPr>
+          <a:xfrm>
+            <a:off x="3640183" y="3308474"/>
+            <a:ext cx="3204754" cy="646331"/>
+          </a:xfrm>
+          <a:prstGeom prst="rect">
+            <a:avLst/>
+          </a:prstGeom>
+          <a:noFill/>
+        </p:spPr>
+        <p:txBody>
+          <a:bodyPr wrap="square" rtlCol="0">
+            <a:spAutoFit/>
+          </a:bodyPr>
+          <a:lstStyle/>
+          <a:p>
+            <a:r>
+              <a:rPr lang="en-US" dirty="0"/>
+              <a:t>Call Table 2 using query and get data </a:t>
+            </a:r>
+          </a:p>
+        </p:txBody>
+      </p:sp>
+      <p:cxnSp>
+        <p:nvCxnSpPr>
+          <p:cNvPr id="15" name="Straight Arrow Connector 14">
+            <a:extLst>
+              <a:ext uri="{FF2B5EF4-FFF2-40B4-BE49-F238E27FC236}">
+                <a16:creationId xmlns:a16="http://schemas.microsoft.com/office/drawing/2014/main" id="{48E1D6DB-C659-A344-8450-80A99235BD64}"/>
+              </a:ext>
+            </a:extLst>
+          </p:cNvPr>
+          <p:cNvCxnSpPr/>
+          <p:nvPr/>
+        </p:nvCxnSpPr>
+        <p:spPr>
+          <a:xfrm>
+            <a:off x="3344091" y="4171406"/>
+            <a:ext cx="4740367" cy="69668"/>
+          </a:xfrm>
+          <a:prstGeom prst="straightConnector1">
+            <a:avLst/>
+          </a:prstGeom>
+          <a:ln>
+            <a:tailEnd type="triangle"/>
+          </a:ln>
+        </p:spPr>
+        <p:style>
+          <a:lnRef idx="3">
+            <a:schemeClr val="accent2"/>
+          </a:lnRef>
+          <a:fillRef idx="0">
+            <a:schemeClr val="accent2"/>
+          </a:fillRef>
+          <a:effectRef idx="2">
+            <a:schemeClr val="accent2"/>
+          </a:effectRef>
+          <a:fontRef idx="minor">
+            <a:schemeClr val="tx1"/>
+          </a:fontRef>
+        </p:style>
+      </p:cxnSp>
+      <p:cxnSp>
+        <p:nvCxnSpPr>
+          <p:cNvPr id="17" name="Straight Arrow Connector 16">
+            <a:extLst>
+              <a:ext uri="{FF2B5EF4-FFF2-40B4-BE49-F238E27FC236}">
+                <a16:creationId xmlns:a16="http://schemas.microsoft.com/office/drawing/2014/main" id="{1035F8F0-FE77-324E-9150-B268E3E5FD56}"/>
+              </a:ext>
+            </a:extLst>
+          </p:cNvPr>
+          <p:cNvCxnSpPr/>
+          <p:nvPr/>
+        </p:nvCxnSpPr>
+        <p:spPr>
+          <a:xfrm>
+            <a:off x="3344091" y="4706983"/>
+            <a:ext cx="6747692" cy="74023"/>
+          </a:xfrm>
+          <a:prstGeom prst="straightConnector1">
+            <a:avLst/>
+          </a:prstGeom>
+          <a:ln>
+            <a:tailEnd type="triangle"/>
+          </a:ln>
+        </p:spPr>
+        <p:style>
+          <a:lnRef idx="3">
+            <a:schemeClr val="accent2"/>
+          </a:lnRef>
+          <a:fillRef idx="0">
+            <a:schemeClr val="accent2"/>
+          </a:fillRef>
+          <a:effectRef idx="2">
+            <a:schemeClr val="accent2"/>
+          </a:effectRef>
+          <a:fontRef idx="minor">
+            <a:schemeClr val="tx1"/>
+          </a:fontRef>
+        </p:style>
+      </p:cxnSp>
+      <p:sp>
+        <p:nvSpPr>
+          <p:cNvPr id="18" name="TextBox 17">
+            <a:extLst>
+              <a:ext uri="{FF2B5EF4-FFF2-40B4-BE49-F238E27FC236}">
+                <a16:creationId xmlns:a16="http://schemas.microsoft.com/office/drawing/2014/main" id="{9746125F-557F-CF45-8A96-F208DFB67427}"/>
+              </a:ext>
+            </a:extLst>
+          </p:cNvPr>
+          <p:cNvSpPr txBox="1"/>
+          <p:nvPr/>
+        </p:nvSpPr>
+        <p:spPr>
+          <a:xfrm>
+            <a:off x="226423" y="5373189"/>
+            <a:ext cx="3553097" cy="1477328"/>
+          </a:xfrm>
+          <a:prstGeom prst="rect">
+            <a:avLst/>
+          </a:prstGeom>
+          <a:noFill/>
+        </p:spPr>
+        <p:txBody>
+          <a:bodyPr wrap="square" rtlCol="0">
+            <a:spAutoFit/>
+          </a:bodyPr>
+          <a:lstStyle/>
+          <a:p>
+            <a:r>
+              <a:rPr lang="en-US" dirty="0"/>
+              <a:t>Advantage: Application Developer with basis knowledge can easily work with Data Access and Process it using Application Code (C#,</a:t>
+            </a:r>
+            <a:r>
+              <a:rPr lang="en-US" dirty="0" err="1"/>
+              <a:t>JAVA,Node.js</a:t>
+            </a:r>
+            <a:r>
+              <a:rPr lang="en-US" dirty="0"/>
+              <a:t>)  </a:t>
+            </a:r>
+          </a:p>
+        </p:txBody>
+      </p:sp>
+      <p:sp>
+        <p:nvSpPr>
+          <p:cNvPr id="19" name="TextBox 18">
+            <a:extLst>
+              <a:ext uri="{FF2B5EF4-FFF2-40B4-BE49-F238E27FC236}">
+                <a16:creationId xmlns:a16="http://schemas.microsoft.com/office/drawing/2014/main" id="{4170FDE9-B11E-174B-B8D5-3E67844F295C}"/>
+              </a:ext>
+            </a:extLst>
+          </p:cNvPr>
+          <p:cNvSpPr txBox="1"/>
+          <p:nvPr/>
+        </p:nvSpPr>
+        <p:spPr>
+          <a:xfrm>
+            <a:off x="4110447" y="5497286"/>
+            <a:ext cx="4171406" cy="1200329"/>
+          </a:xfrm>
+          <a:prstGeom prst="rect">
+            <a:avLst/>
+          </a:prstGeom>
+          <a:noFill/>
+        </p:spPr>
+        <p:txBody>
+          <a:bodyPr wrap="square" rtlCol="0">
+            <a:spAutoFit/>
+          </a:bodyPr>
+          <a:lstStyle/>
+          <a:p>
+            <a:r>
+              <a:rPr lang="en-US" dirty="0"/>
+              <a:t>Limitations: 1 Frequent call to DB. 2. Huge data in traffic. 3. </a:t>
+            </a:r>
+            <a:r>
+              <a:rPr lang="en-US" dirty="0">
+                <a:solidFill>
+                  <a:srgbClr val="FF0000"/>
+                </a:solidFill>
+              </a:rPr>
+              <a:t>Managing Inter dependent Table Transactions (IMP and Considerable Limitation)</a:t>
+            </a:r>
+          </a:p>
+        </p:txBody>
+      </p:sp>
+      <p:sp>
+        <p:nvSpPr>
+          <p:cNvPr id="20" name="TextBox 19">
+            <a:extLst>
+              <a:ext uri="{FF2B5EF4-FFF2-40B4-BE49-F238E27FC236}">
+                <a16:creationId xmlns:a16="http://schemas.microsoft.com/office/drawing/2014/main" id="{C5E60DD7-D5A2-0444-AE39-2A07A8693088}"/>
+              </a:ext>
+            </a:extLst>
+          </p:cNvPr>
+          <p:cNvSpPr txBox="1"/>
+          <p:nvPr/>
+        </p:nvSpPr>
+        <p:spPr>
+          <a:xfrm>
+            <a:off x="9109166" y="5738949"/>
+            <a:ext cx="2364378" cy="923330"/>
+          </a:xfrm>
+          <a:prstGeom prst="rect">
+            <a:avLst/>
+          </a:prstGeom>
+          <a:noFill/>
+        </p:spPr>
+        <p:txBody>
+          <a:bodyPr wrap="square" rtlCol="0">
+            <a:spAutoFit/>
+          </a:bodyPr>
+          <a:lstStyle/>
+          <a:p>
+            <a:r>
+              <a:rPr lang="en-US" dirty="0"/>
+              <a:t>Solution for all Limitations is Writing Stored Procedure</a:t>
+            </a:r>
+          </a:p>
+        </p:txBody>
+      </p:sp>
+    </p:spTree>
+    <p:extLst>
+      <p:ext uri="{BB962C8B-B14F-4D97-AF65-F5344CB8AC3E}">
+        <p14:creationId xmlns:p14="http://schemas.microsoft.com/office/powerpoint/2010/main" val="218218048"/>
+      </p:ext>
+    </p:extLst>
+  </p:cSld>
+  <p:clrMapOvr>
+    <a:masterClrMapping/>
+  </p:clrMapOvr>
+</p:sld>
+</file>
+
+<file path=ppt/slides/slide42.xml><?xml version="1.0" encoding="utf-8"?>
+<p:sld xmlns:a="http://schemas.openxmlformats.org/drawingml/2006/main" xmlns:r="http://schemas.openxmlformats.org/officeDocument/2006/relationships" xmlns:p="http://schemas.openxmlformats.org/presentationml/2006/main">
+  <p:cSld>
+    <p:spTree>
+      <p:nvGrpSpPr>
+        <p:cNvPr id="1" name=""/>
+        <p:cNvGrpSpPr/>
+        <p:nvPr/>
+      </p:nvGrpSpPr>
+      <p:grpSpPr>
+        <a:xfrm>
+          <a:off x="0" y="0"/>
+          <a:ext cx="0" cy="0"/>
+          <a:chOff x="0" y="0"/>
+          <a:chExt cx="0" cy="0"/>
+        </a:xfrm>
+      </p:grpSpPr>
+      <p:sp>
+        <p:nvSpPr>
+          <p:cNvPr id="2" name="Rectangle 1">
+            <a:extLst>
+              <a:ext uri="{FF2B5EF4-FFF2-40B4-BE49-F238E27FC236}">
+                <a16:creationId xmlns:a16="http://schemas.microsoft.com/office/drawing/2014/main" id="{BD990AF9-7DEE-FB44-8470-235147F6E653}"/>
+              </a:ext>
+            </a:extLst>
+          </p:cNvPr>
+          <p:cNvSpPr/>
+          <p:nvPr/>
+        </p:nvSpPr>
+        <p:spPr>
+          <a:xfrm>
+            <a:off x="5599611" y="827314"/>
+            <a:ext cx="4972595" cy="5590903"/>
+          </a:xfrm>
+          <a:prstGeom prst="rect">
+            <a:avLst/>
+          </a:prstGeom>
+        </p:spPr>
+        <p:style>
+          <a:lnRef idx="2">
+            <a:schemeClr val="accent6"/>
+          </a:lnRef>
+          <a:fillRef idx="1">
+            <a:schemeClr val="lt1"/>
+          </a:fillRef>
+          <a:effectRef idx="0">
+            <a:schemeClr val="accent6"/>
+          </a:effectRef>
+          <a:fontRef idx="minor">
+            <a:schemeClr val="dk1"/>
+          </a:fontRef>
+        </p:style>
+        <p:txBody>
+          <a:bodyPr rtlCol="0" anchor="ctr"/>
+          <a:lstStyle/>
+          <a:p>
+            <a:pPr algn="ctr"/>
+            <a:endParaRPr lang="en-US"/>
+          </a:p>
+        </p:txBody>
+      </p:sp>
+      <p:sp>
+        <p:nvSpPr>
+          <p:cNvPr id="3" name="TextBox 2">
+            <a:extLst>
+              <a:ext uri="{FF2B5EF4-FFF2-40B4-BE49-F238E27FC236}">
+                <a16:creationId xmlns:a16="http://schemas.microsoft.com/office/drawing/2014/main" id="{DB60540B-54D7-2645-B327-4115F5C3C6D9}"/>
+              </a:ext>
+            </a:extLst>
+          </p:cNvPr>
+          <p:cNvSpPr txBox="1"/>
+          <p:nvPr/>
+        </p:nvSpPr>
+        <p:spPr>
+          <a:xfrm>
+            <a:off x="5930537" y="896983"/>
+            <a:ext cx="4493623" cy="369332"/>
+          </a:xfrm>
+          <a:prstGeom prst="rect">
+            <a:avLst/>
+          </a:prstGeom>
+          <a:noFill/>
+        </p:spPr>
+        <p:txBody>
+          <a:bodyPr wrap="square" rtlCol="0">
+            <a:spAutoFit/>
+          </a:bodyPr>
+          <a:lstStyle/>
+          <a:p>
+            <a:pPr algn="ctr"/>
+            <a:r>
+              <a:rPr lang="en-US" dirty="0"/>
+              <a:t>Web Application Hosting Server</a:t>
+            </a:r>
+          </a:p>
+        </p:txBody>
+      </p:sp>
+      <p:sp>
+        <p:nvSpPr>
+          <p:cNvPr id="4" name="Right Arrow 3">
+            <a:extLst>
+              <a:ext uri="{FF2B5EF4-FFF2-40B4-BE49-F238E27FC236}">
+                <a16:creationId xmlns:a16="http://schemas.microsoft.com/office/drawing/2014/main" id="{E4717C87-53CA-4342-A955-D77C9E9F9C28}"/>
+              </a:ext>
+            </a:extLst>
+          </p:cNvPr>
+          <p:cNvSpPr/>
+          <p:nvPr/>
+        </p:nvSpPr>
+        <p:spPr>
+          <a:xfrm>
+            <a:off x="513806" y="1428206"/>
+            <a:ext cx="5085805" cy="931817"/>
+          </a:xfrm>
+          <a:prstGeom prst="rightArrow">
+            <a:avLst/>
+          </a:prstGeom>
+        </p:spPr>
+        <p:style>
+          <a:lnRef idx="2">
+            <a:schemeClr val="accent1">
+              <a:shade val="50000"/>
+            </a:schemeClr>
+          </a:lnRef>
+          <a:fillRef idx="1">
+            <a:schemeClr val="accent1"/>
+          </a:fillRef>
+          <a:effectRef idx="0">
+            <a:schemeClr val="accent1"/>
+          </a:effectRef>
+          <a:fontRef idx="minor">
+            <a:schemeClr val="lt1"/>
+          </a:fontRef>
+        </p:style>
+        <p:txBody>
+          <a:bodyPr rtlCol="0" anchor="ctr"/>
+          <a:lstStyle/>
+          <a:p>
+            <a:pPr algn="ctr"/>
+            <a:r>
+              <a:rPr lang="en-US" dirty="0"/>
+              <a:t>HTTP Request </a:t>
+            </a:r>
+          </a:p>
+        </p:txBody>
+      </p:sp>
+      <p:sp>
+        <p:nvSpPr>
+          <p:cNvPr id="5" name="Rectangle 4">
+            <a:extLst>
+              <a:ext uri="{FF2B5EF4-FFF2-40B4-BE49-F238E27FC236}">
+                <a16:creationId xmlns:a16="http://schemas.microsoft.com/office/drawing/2014/main" id="{1B75773D-1128-9548-80F1-C40A3D092FFE}"/>
+              </a:ext>
+            </a:extLst>
+          </p:cNvPr>
+          <p:cNvSpPr/>
+          <p:nvPr/>
+        </p:nvSpPr>
+        <p:spPr>
+          <a:xfrm>
+            <a:off x="8638903" y="1706880"/>
+            <a:ext cx="1785257" cy="4058195"/>
+          </a:xfrm>
+          <a:prstGeom prst="rect">
+            <a:avLst/>
+          </a:prstGeom>
+        </p:spPr>
+        <p:style>
+          <a:lnRef idx="2">
+            <a:schemeClr val="accent1">
+              <a:shade val="50000"/>
+            </a:schemeClr>
+          </a:lnRef>
+          <a:fillRef idx="1">
+            <a:schemeClr val="accent1"/>
+          </a:fillRef>
+          <a:effectRef idx="0">
+            <a:schemeClr val="accent1"/>
+          </a:effectRef>
+          <a:fontRef idx="minor">
+            <a:schemeClr val="lt1"/>
+          </a:fontRef>
+        </p:style>
+        <p:txBody>
+          <a:bodyPr rtlCol="0" anchor="ctr"/>
+          <a:lstStyle/>
+          <a:p>
+            <a:pPr algn="ctr"/>
+            <a:r>
+              <a:rPr lang="en-US" dirty="0"/>
+              <a:t>Session Store Metabase</a:t>
+            </a:r>
+          </a:p>
+          <a:p>
+            <a:pPr algn="ctr"/>
+            <a:r>
+              <a:rPr lang="en-US" dirty="0"/>
+              <a:t>Express-Session</a:t>
+            </a:r>
+          </a:p>
+          <a:p>
+            <a:pPr algn="ctr"/>
+            <a:r>
+              <a:rPr lang="en-US" dirty="0"/>
+              <a:t>Session Secret aka ID</a:t>
+            </a:r>
+          </a:p>
+          <a:p>
+            <a:pPr algn="ctr"/>
+            <a:r>
+              <a:rPr lang="en-US" dirty="0"/>
+              <a:t>Session Save Policies</a:t>
+            </a:r>
+          </a:p>
+        </p:txBody>
+      </p:sp>
+      <p:sp>
+        <p:nvSpPr>
+          <p:cNvPr id="6" name="TextBox 5">
+            <a:extLst>
+              <a:ext uri="{FF2B5EF4-FFF2-40B4-BE49-F238E27FC236}">
+                <a16:creationId xmlns:a16="http://schemas.microsoft.com/office/drawing/2014/main" id="{8C1FA202-8977-1C4F-BA0D-2E359CC08E47}"/>
+              </a:ext>
+            </a:extLst>
+          </p:cNvPr>
+          <p:cNvSpPr txBox="1"/>
+          <p:nvPr/>
+        </p:nvSpPr>
+        <p:spPr>
+          <a:xfrm>
+            <a:off x="10685416" y="2177143"/>
+            <a:ext cx="1436915" cy="2585323"/>
+          </a:xfrm>
+          <a:prstGeom prst="rect">
+            <a:avLst/>
+          </a:prstGeom>
+          <a:noFill/>
+        </p:spPr>
+        <p:txBody>
+          <a:bodyPr wrap="square" rtlCol="0">
+            <a:spAutoFit/>
+          </a:bodyPr>
+          <a:lstStyle/>
+          <a:p>
+            <a:r>
+              <a:rPr lang="en-US" dirty="0"/>
+              <a:t>Configure the Request in a single Session Context based on ID / Name and Expiry </a:t>
+            </a:r>
+          </a:p>
+          <a:p>
+            <a:endParaRPr lang="en-US" dirty="0"/>
+          </a:p>
+        </p:txBody>
+      </p:sp>
+      <p:cxnSp>
+        <p:nvCxnSpPr>
+          <p:cNvPr id="8" name="Straight Arrow Connector 7">
+            <a:extLst>
+              <a:ext uri="{FF2B5EF4-FFF2-40B4-BE49-F238E27FC236}">
+                <a16:creationId xmlns:a16="http://schemas.microsoft.com/office/drawing/2014/main" id="{B23BA344-E9F1-0148-916A-66F3818312FF}"/>
+              </a:ext>
+            </a:extLst>
+          </p:cNvPr>
+          <p:cNvCxnSpPr>
+            <a:stCxn id="6" idx="1"/>
+          </p:cNvCxnSpPr>
+          <p:nvPr/>
+        </p:nvCxnSpPr>
+        <p:spPr>
+          <a:xfrm flipH="1">
+            <a:off x="10128069" y="3469805"/>
+            <a:ext cx="557347" cy="361966"/>
+          </a:xfrm>
+          <a:prstGeom prst="straightConnector1">
+            <a:avLst/>
+          </a:prstGeom>
+          <a:ln>
+            <a:tailEnd type="triangle"/>
+          </a:ln>
+        </p:spPr>
+        <p:style>
+          <a:lnRef idx="3">
+            <a:schemeClr val="accent2"/>
+          </a:lnRef>
+          <a:fillRef idx="0">
+            <a:schemeClr val="accent2"/>
+          </a:fillRef>
+          <a:effectRef idx="2">
+            <a:schemeClr val="accent2"/>
+          </a:effectRef>
+          <a:fontRef idx="minor">
+            <a:schemeClr val="tx1"/>
+          </a:fontRef>
+        </p:style>
+      </p:cxnSp>
+      <p:sp>
+        <p:nvSpPr>
+          <p:cNvPr id="9" name="Right Arrow 8">
+            <a:extLst>
+              <a:ext uri="{FF2B5EF4-FFF2-40B4-BE49-F238E27FC236}">
+                <a16:creationId xmlns:a16="http://schemas.microsoft.com/office/drawing/2014/main" id="{A09A34B8-6D39-F242-A0A1-5615B4AF6F17}"/>
+              </a:ext>
+            </a:extLst>
+          </p:cNvPr>
+          <p:cNvSpPr/>
+          <p:nvPr/>
+        </p:nvSpPr>
+        <p:spPr>
+          <a:xfrm>
+            <a:off x="5599611" y="2090059"/>
+            <a:ext cx="3004458" cy="931816"/>
+          </a:xfrm>
+          <a:prstGeom prst="rightArrow">
+            <a:avLst/>
+          </a:prstGeom>
+        </p:spPr>
+        <p:style>
+          <a:lnRef idx="2">
+            <a:schemeClr val="accent1">
+              <a:shade val="50000"/>
+            </a:schemeClr>
+          </a:lnRef>
+          <a:fillRef idx="1">
+            <a:schemeClr val="accent1"/>
+          </a:fillRef>
+          <a:effectRef idx="0">
+            <a:schemeClr val="accent1"/>
+          </a:effectRef>
+          <a:fontRef idx="minor">
+            <a:schemeClr val="lt1"/>
+          </a:fontRef>
+        </p:style>
+        <p:txBody>
+          <a:bodyPr rtlCol="0" anchor="ctr"/>
+          <a:lstStyle/>
+          <a:p>
+            <a:pPr algn="ctr"/>
+            <a:r>
+              <a:rPr lang="en-US" dirty="0"/>
+              <a:t>Check is Req. is Enabled for Session</a:t>
+            </a:r>
+          </a:p>
+        </p:txBody>
+      </p:sp>
+      <p:sp>
+        <p:nvSpPr>
+          <p:cNvPr id="10" name="TextBox 9">
+            <a:extLst>
+              <a:ext uri="{FF2B5EF4-FFF2-40B4-BE49-F238E27FC236}">
+                <a16:creationId xmlns:a16="http://schemas.microsoft.com/office/drawing/2014/main" id="{6FDDEA09-66A3-0A41-9278-0C1D6A9B85F6}"/>
+              </a:ext>
+            </a:extLst>
+          </p:cNvPr>
+          <p:cNvSpPr txBox="1"/>
+          <p:nvPr/>
+        </p:nvSpPr>
+        <p:spPr>
+          <a:xfrm>
+            <a:off x="5791200" y="3021875"/>
+            <a:ext cx="2473234" cy="1477328"/>
+          </a:xfrm>
+          <a:prstGeom prst="rect">
+            <a:avLst/>
+          </a:prstGeom>
+          <a:noFill/>
+        </p:spPr>
+        <p:txBody>
+          <a:bodyPr wrap="square" rtlCol="0">
+            <a:spAutoFit/>
+          </a:bodyPr>
+          <a:lstStyle/>
+          <a:p>
+            <a:r>
+              <a:rPr lang="en-US" dirty="0"/>
+              <a:t>Session Store will </a:t>
+            </a:r>
+            <a:r>
+              <a:rPr lang="en-US" dirty="0" err="1"/>
+              <a:t>varifiy</a:t>
+            </a:r>
+            <a:r>
+              <a:rPr lang="en-US" dirty="0"/>
+              <a:t> the secret (ID) / name and if it not present it will be allocated to the request</a:t>
+            </a:r>
+          </a:p>
+        </p:txBody>
+      </p:sp>
+      <p:sp>
+        <p:nvSpPr>
+          <p:cNvPr id="11" name="Left Arrow 10">
+            <a:extLst>
+              <a:ext uri="{FF2B5EF4-FFF2-40B4-BE49-F238E27FC236}">
+                <a16:creationId xmlns:a16="http://schemas.microsoft.com/office/drawing/2014/main" id="{3CBEFC34-101A-0549-9C33-8A20FF4A4ED8}"/>
+              </a:ext>
+            </a:extLst>
+          </p:cNvPr>
+          <p:cNvSpPr/>
+          <p:nvPr/>
+        </p:nvSpPr>
+        <p:spPr>
+          <a:xfrm>
+            <a:off x="5599611" y="4762466"/>
+            <a:ext cx="3021875" cy="931816"/>
+          </a:xfrm>
+          <a:prstGeom prst="leftArrow">
+            <a:avLst/>
+          </a:prstGeom>
+        </p:spPr>
+        <p:style>
+          <a:lnRef idx="2">
+            <a:schemeClr val="accent1">
+              <a:shade val="50000"/>
+            </a:schemeClr>
+          </a:lnRef>
+          <a:fillRef idx="1">
+            <a:schemeClr val="accent1"/>
+          </a:fillRef>
+          <a:effectRef idx="0">
+            <a:schemeClr val="accent1"/>
+          </a:effectRef>
+          <a:fontRef idx="minor">
+            <a:schemeClr val="lt1"/>
+          </a:fontRef>
+        </p:style>
+        <p:txBody>
+          <a:bodyPr rtlCol="0" anchor="ctr"/>
+          <a:lstStyle/>
+          <a:p>
+            <a:pPr algn="ctr"/>
+            <a:r>
+              <a:rPr lang="en-US" dirty="0"/>
+              <a:t>Response with Session Info</a:t>
+            </a:r>
+          </a:p>
+        </p:txBody>
+      </p:sp>
+      <p:sp>
+        <p:nvSpPr>
+          <p:cNvPr id="12" name="Left Arrow 11">
+            <a:extLst>
+              <a:ext uri="{FF2B5EF4-FFF2-40B4-BE49-F238E27FC236}">
+                <a16:creationId xmlns:a16="http://schemas.microsoft.com/office/drawing/2014/main" id="{4442A992-E8AA-BE43-9764-5D683EBB073B}"/>
+              </a:ext>
+            </a:extLst>
+          </p:cNvPr>
+          <p:cNvSpPr/>
+          <p:nvPr/>
+        </p:nvSpPr>
+        <p:spPr>
+          <a:xfrm>
+            <a:off x="452846" y="5390605"/>
+            <a:ext cx="5146765" cy="931818"/>
+          </a:xfrm>
+          <a:prstGeom prst="leftArrow">
+            <a:avLst/>
+          </a:prstGeom>
+        </p:spPr>
+        <p:style>
+          <a:lnRef idx="2">
+            <a:schemeClr val="accent1">
+              <a:shade val="50000"/>
+            </a:schemeClr>
+          </a:lnRef>
+          <a:fillRef idx="1">
+            <a:schemeClr val="accent1"/>
+          </a:fillRef>
+          <a:effectRef idx="0">
+            <a:schemeClr val="accent1"/>
+          </a:effectRef>
+          <a:fontRef idx="minor">
+            <a:schemeClr val="lt1"/>
+          </a:fontRef>
+        </p:style>
+        <p:txBody>
+          <a:bodyPr rtlCol="0" anchor="ctr"/>
+          <a:lstStyle/>
+          <a:p>
+            <a:pPr algn="ctr"/>
+            <a:r>
+              <a:rPr lang="en-US" dirty="0"/>
+              <a:t>Response with Session </a:t>
+            </a:r>
+          </a:p>
+        </p:txBody>
+      </p:sp>
+      <p:sp>
+        <p:nvSpPr>
+          <p:cNvPr id="13" name="Rectangle 12">
+            <a:extLst>
+              <a:ext uri="{FF2B5EF4-FFF2-40B4-BE49-F238E27FC236}">
+                <a16:creationId xmlns:a16="http://schemas.microsoft.com/office/drawing/2014/main" id="{D89EE1A7-42BB-9541-9849-1C6A79562A22}"/>
+              </a:ext>
+            </a:extLst>
+          </p:cNvPr>
+          <p:cNvSpPr/>
+          <p:nvPr/>
+        </p:nvSpPr>
+        <p:spPr>
+          <a:xfrm rot="19996373">
+            <a:off x="552388" y="3156874"/>
+            <a:ext cx="4590631" cy="984034"/>
+          </a:xfrm>
+          <a:prstGeom prst="rect">
+            <a:avLst/>
+          </a:prstGeom>
+        </p:spPr>
+        <p:style>
+          <a:lnRef idx="2">
+            <a:schemeClr val="accent1">
+              <a:shade val="50000"/>
+            </a:schemeClr>
+          </a:lnRef>
+          <a:fillRef idx="1">
+            <a:schemeClr val="accent1"/>
+          </a:fillRef>
+          <a:effectRef idx="0">
+            <a:schemeClr val="accent1"/>
+          </a:effectRef>
+          <a:fontRef idx="minor">
+            <a:schemeClr val="lt1"/>
+          </a:fontRef>
+        </p:style>
+        <p:txBody>
+          <a:bodyPr rtlCol="0" anchor="ctr"/>
+          <a:lstStyle/>
+          <a:p>
+            <a:pPr algn="ctr"/>
+            <a:r>
+              <a:rPr lang="en-US" dirty="0"/>
+              <a:t>The Session Context to Manage all request inside a Session Monitor till the session is not destroyed aka request for Logout</a:t>
+            </a:r>
+          </a:p>
+        </p:txBody>
+      </p:sp>
+      <p:sp>
+        <p:nvSpPr>
+          <p:cNvPr id="14" name="Left Brace 13">
+            <a:extLst>
+              <a:ext uri="{FF2B5EF4-FFF2-40B4-BE49-F238E27FC236}">
+                <a16:creationId xmlns:a16="http://schemas.microsoft.com/office/drawing/2014/main" id="{CD379B8A-5BCC-F049-A0D2-FF8891D499D5}"/>
+              </a:ext>
+            </a:extLst>
+          </p:cNvPr>
+          <p:cNvSpPr/>
+          <p:nvPr/>
+        </p:nvSpPr>
+        <p:spPr>
+          <a:xfrm>
+            <a:off x="0" y="1706880"/>
+            <a:ext cx="391886" cy="4615543"/>
+          </a:xfrm>
+          <a:prstGeom prst="leftBrace">
+            <a:avLst/>
+          </a:prstGeom>
+        </p:spPr>
+        <p:style>
+          <a:lnRef idx="3">
+            <a:schemeClr val="accent2"/>
+          </a:lnRef>
+          <a:fillRef idx="0">
+            <a:schemeClr val="accent2"/>
+          </a:fillRef>
+          <a:effectRef idx="2">
+            <a:schemeClr val="accent2"/>
+          </a:effectRef>
+          <a:fontRef idx="minor">
+            <a:schemeClr val="tx1"/>
+          </a:fontRef>
+        </p:style>
+        <p:txBody>
+          <a:bodyPr rtlCol="0" anchor="ctr"/>
+          <a:lstStyle/>
+          <a:p>
+            <a:pPr algn="ctr"/>
+            <a:endParaRPr lang="en-US"/>
+          </a:p>
+        </p:txBody>
+      </p:sp>
+    </p:spTree>
+    <p:extLst>
+      <p:ext uri="{BB962C8B-B14F-4D97-AF65-F5344CB8AC3E}">
+        <p14:creationId xmlns:p14="http://schemas.microsoft.com/office/powerpoint/2010/main" val="3327992437"/>
+      </p:ext>
+    </p:extLst>
+  </p:cSld>
+  <p:clrMapOvr>
+    <a:masterClrMapping/>
+  </p:clrMapOvr>
+</p:sld>
+</file>
+
 <file path=ppt/slides/slide5.xml><?xml version="1.0" encoding="utf-8"?>
 <p:sld xmlns:a="http://schemas.openxmlformats.org/drawingml/2006/main" xmlns:r="http://schemas.openxmlformats.org/officeDocument/2006/relationships" xmlns:p="http://schemas.openxmlformats.org/presentationml/2006/main">
   <p:cSld>

--- a/SpotPPTs.pptx
+++ b/SpotPPTs.pptx
@@ -25977,15 +25977,7 @@
           <a:p>
             <a:r>
               <a:rPr lang="en-US" dirty="0"/>
-              <a:t>Session Store will </a:t>
-            </a:r>
-            <a:r>
-              <a:rPr lang="en-US" dirty="0" err="1"/>
-              <a:t>varifiy</a:t>
-            </a:r>
-            <a:r>
-              <a:rPr lang="en-US" dirty="0"/>
-              <a:t> the secret (ID) / name and if it not present it will be allocated to the request</a:t>
+              <a:t>Session Store will verify the secret (ID) / name and if it not present it will be allocated to the request</a:t>
             </a:r>
           </a:p>
         </p:txBody>

--- a/SpotPPTs.pptx
+++ b/SpotPPTs.pptx
@@ -47,6 +47,9 @@
     <p:sldId id="295" r:id="rId41"/>
     <p:sldId id="296" r:id="rId42"/>
     <p:sldId id="297" r:id="rId43"/>
+    <p:sldId id="298" r:id="rId44"/>
+    <p:sldId id="299" r:id="rId45"/>
+    <p:sldId id="300" r:id="rId46"/>
   </p:sldIdLst>
   <p:sldSz cx="12192000" cy="6858000"/>
   <p:notesSz cx="6858000" cy="9144000"/>
@@ -302,7 +305,7 @@
           <a:p>
             <a:fld id="{6B75415C-91ED-7941-9068-396BBFB028E8}" type="datetimeFigureOut">
               <a:rPr lang="en-US" smtClean="0"/>
-              <a:t>4/30/21</a:t>
+              <a:t>5/6/21</a:t>
             </a:fld>
             <a:endParaRPr lang="en-US"/>
           </a:p>
@@ -502,7 +505,7 @@
           <a:p>
             <a:fld id="{6B75415C-91ED-7941-9068-396BBFB028E8}" type="datetimeFigureOut">
               <a:rPr lang="en-US" smtClean="0"/>
-              <a:t>4/30/21</a:t>
+              <a:t>5/6/21</a:t>
             </a:fld>
             <a:endParaRPr lang="en-US"/>
           </a:p>
@@ -712,7 +715,7 @@
           <a:p>
             <a:fld id="{6B75415C-91ED-7941-9068-396BBFB028E8}" type="datetimeFigureOut">
               <a:rPr lang="en-US" smtClean="0"/>
-              <a:t>4/30/21</a:t>
+              <a:t>5/6/21</a:t>
             </a:fld>
             <a:endParaRPr lang="en-US"/>
           </a:p>
@@ -912,7 +915,7 @@
           <a:p>
             <a:fld id="{6B75415C-91ED-7941-9068-396BBFB028E8}" type="datetimeFigureOut">
               <a:rPr lang="en-US" smtClean="0"/>
-              <a:t>4/30/21</a:t>
+              <a:t>5/6/21</a:t>
             </a:fld>
             <a:endParaRPr lang="en-US"/>
           </a:p>
@@ -1188,7 +1191,7 @@
           <a:p>
             <a:fld id="{6B75415C-91ED-7941-9068-396BBFB028E8}" type="datetimeFigureOut">
               <a:rPr lang="en-US" smtClean="0"/>
-              <a:t>4/30/21</a:t>
+              <a:t>5/6/21</a:t>
             </a:fld>
             <a:endParaRPr lang="en-US"/>
           </a:p>
@@ -1456,7 +1459,7 @@
           <a:p>
             <a:fld id="{6B75415C-91ED-7941-9068-396BBFB028E8}" type="datetimeFigureOut">
               <a:rPr lang="en-US" smtClean="0"/>
-              <a:t>4/30/21</a:t>
+              <a:t>5/6/21</a:t>
             </a:fld>
             <a:endParaRPr lang="en-US"/>
           </a:p>
@@ -1871,7 +1874,7 @@
           <a:p>
             <a:fld id="{6B75415C-91ED-7941-9068-396BBFB028E8}" type="datetimeFigureOut">
               <a:rPr lang="en-US" smtClean="0"/>
-              <a:t>4/30/21</a:t>
+              <a:t>5/6/21</a:t>
             </a:fld>
             <a:endParaRPr lang="en-US"/>
           </a:p>
@@ -2013,7 +2016,7 @@
           <a:p>
             <a:fld id="{6B75415C-91ED-7941-9068-396BBFB028E8}" type="datetimeFigureOut">
               <a:rPr lang="en-US" smtClean="0"/>
-              <a:t>4/30/21</a:t>
+              <a:t>5/6/21</a:t>
             </a:fld>
             <a:endParaRPr lang="en-US"/>
           </a:p>
@@ -2126,7 +2129,7 @@
           <a:p>
             <a:fld id="{6B75415C-91ED-7941-9068-396BBFB028E8}" type="datetimeFigureOut">
               <a:rPr lang="en-US" smtClean="0"/>
-              <a:t>4/30/21</a:t>
+              <a:t>5/6/21</a:t>
             </a:fld>
             <a:endParaRPr lang="en-US"/>
           </a:p>
@@ -2439,7 +2442,7 @@
           <a:p>
             <a:fld id="{6B75415C-91ED-7941-9068-396BBFB028E8}" type="datetimeFigureOut">
               <a:rPr lang="en-US" smtClean="0"/>
-              <a:t>4/30/21</a:t>
+              <a:t>5/6/21</a:t>
             </a:fld>
             <a:endParaRPr lang="en-US"/>
           </a:p>
@@ -2728,7 +2731,7 @@
           <a:p>
             <a:fld id="{6B75415C-91ED-7941-9068-396BBFB028E8}" type="datetimeFigureOut">
               <a:rPr lang="en-US" smtClean="0"/>
-              <a:t>4/30/21</a:t>
+              <a:t>5/6/21</a:t>
             </a:fld>
             <a:endParaRPr lang="en-US"/>
           </a:p>
@@ -2971,7 +2974,7 @@
           <a:p>
             <a:fld id="{6B75415C-91ED-7941-9068-396BBFB028E8}" type="datetimeFigureOut">
               <a:rPr lang="en-US" smtClean="0"/>
-              <a:t>4/30/21</a:t>
+              <a:t>5/6/21</a:t>
             </a:fld>
             <a:endParaRPr lang="en-US"/>
           </a:p>
@@ -26186,6 +26189,2428 @@
 </p:sld>
 </file>
 
+<file path=ppt/slides/slide43.xml><?xml version="1.0" encoding="utf-8"?>
+<p:sld xmlns:a="http://schemas.openxmlformats.org/drawingml/2006/main" xmlns:r="http://schemas.openxmlformats.org/officeDocument/2006/relationships" xmlns:p="http://schemas.openxmlformats.org/presentationml/2006/main">
+  <p:cSld>
+    <p:spTree>
+      <p:nvGrpSpPr>
+        <p:cNvPr id="1" name=""/>
+        <p:cNvGrpSpPr/>
+        <p:nvPr/>
+      </p:nvGrpSpPr>
+      <p:grpSpPr>
+        <a:xfrm>
+          <a:off x="0" y="0"/>
+          <a:ext cx="0" cy="0"/>
+          <a:chOff x="0" y="0"/>
+          <a:chExt cx="0" cy="0"/>
+        </a:xfrm>
+      </p:grpSpPr>
+      <p:sp>
+        <p:nvSpPr>
+          <p:cNvPr id="2" name="TextBox 1">
+            <a:extLst>
+              <a:ext uri="{FF2B5EF4-FFF2-40B4-BE49-F238E27FC236}">
+                <a16:creationId xmlns:a16="http://schemas.microsoft.com/office/drawing/2014/main" id="{67B54838-AB60-0F4B-92DE-EBA9EC62874E}"/>
+              </a:ext>
+            </a:extLst>
+          </p:cNvPr>
+          <p:cNvSpPr txBox="1"/>
+          <p:nvPr/>
+        </p:nvSpPr>
+        <p:spPr>
+          <a:xfrm>
+            <a:off x="418011" y="766354"/>
+            <a:ext cx="1881052" cy="369332"/>
+          </a:xfrm>
+          <a:prstGeom prst="rect">
+            <a:avLst/>
+          </a:prstGeom>
+          <a:noFill/>
+        </p:spPr>
+        <p:txBody>
+          <a:bodyPr wrap="square" rtlCol="0">
+            <a:spAutoFit/>
+          </a:bodyPr>
+          <a:lstStyle/>
+          <a:p>
+            <a:r>
+              <a:rPr lang="en-US" dirty="0"/>
+              <a:t>Recursion 1</a:t>
+            </a:r>
+          </a:p>
+        </p:txBody>
+      </p:sp>
+      <p:cxnSp>
+        <p:nvCxnSpPr>
+          <p:cNvPr id="4" name="Straight Arrow Connector 3">
+            <a:extLst>
+              <a:ext uri="{FF2B5EF4-FFF2-40B4-BE49-F238E27FC236}">
+                <a16:creationId xmlns:a16="http://schemas.microsoft.com/office/drawing/2014/main" id="{6E1CD402-8A5A-3743-8017-3AE2F74119F7}"/>
+              </a:ext>
+            </a:extLst>
+          </p:cNvPr>
+          <p:cNvCxnSpPr>
+            <a:stCxn id="2" idx="3"/>
+          </p:cNvCxnSpPr>
+          <p:nvPr/>
+        </p:nvCxnSpPr>
+        <p:spPr>
+          <a:xfrm flipV="1">
+            <a:off x="2299063" y="940526"/>
+            <a:ext cx="1097280" cy="10494"/>
+          </a:xfrm>
+          <a:prstGeom prst="straightConnector1">
+            <a:avLst/>
+          </a:prstGeom>
+          <a:ln>
+            <a:tailEnd type="triangle"/>
+          </a:ln>
+        </p:spPr>
+        <p:style>
+          <a:lnRef idx="1">
+            <a:schemeClr val="accent1"/>
+          </a:lnRef>
+          <a:fillRef idx="0">
+            <a:schemeClr val="accent1"/>
+          </a:fillRef>
+          <a:effectRef idx="0">
+            <a:schemeClr val="accent1"/>
+          </a:effectRef>
+          <a:fontRef idx="minor">
+            <a:schemeClr val="tx1"/>
+          </a:fontRef>
+        </p:style>
+      </p:cxnSp>
+      <p:sp>
+        <p:nvSpPr>
+          <p:cNvPr id="5" name="Rounded Rectangle 4">
+            <a:extLst>
+              <a:ext uri="{FF2B5EF4-FFF2-40B4-BE49-F238E27FC236}">
+                <a16:creationId xmlns:a16="http://schemas.microsoft.com/office/drawing/2014/main" id="{A05097AD-E329-4D43-A200-1D1BECB4886C}"/>
+              </a:ext>
+            </a:extLst>
+          </p:cNvPr>
+          <p:cNvSpPr/>
+          <p:nvPr/>
+        </p:nvSpPr>
+        <p:spPr>
+          <a:xfrm>
+            <a:off x="3500846" y="766354"/>
+            <a:ext cx="1793965" cy="478972"/>
+          </a:xfrm>
+          <a:prstGeom prst="roundRect">
+            <a:avLst/>
+          </a:prstGeom>
+        </p:spPr>
+        <p:style>
+          <a:lnRef idx="2">
+            <a:schemeClr val="accent1">
+              <a:shade val="50000"/>
+            </a:schemeClr>
+          </a:lnRef>
+          <a:fillRef idx="1">
+            <a:schemeClr val="accent1"/>
+          </a:fillRef>
+          <a:effectRef idx="0">
+            <a:schemeClr val="accent1"/>
+          </a:effectRef>
+          <a:fontRef idx="minor">
+            <a:schemeClr val="lt1"/>
+          </a:fontRef>
+        </p:style>
+        <p:txBody>
+          <a:bodyPr rtlCol="0" anchor="ctr"/>
+          <a:lstStyle/>
+          <a:p>
+            <a:pPr algn="ctr"/>
+            <a:r>
+              <a:rPr lang="en-US" dirty="0"/>
+              <a:t>Result 1</a:t>
+            </a:r>
+          </a:p>
+        </p:txBody>
+      </p:sp>
+      <p:cxnSp>
+        <p:nvCxnSpPr>
+          <p:cNvPr id="7" name="Straight Arrow Connector 6">
+            <a:extLst>
+              <a:ext uri="{FF2B5EF4-FFF2-40B4-BE49-F238E27FC236}">
+                <a16:creationId xmlns:a16="http://schemas.microsoft.com/office/drawing/2014/main" id="{992E8331-44FC-924B-A2F8-63E1A3A52FAE}"/>
+              </a:ext>
+            </a:extLst>
+          </p:cNvPr>
+          <p:cNvCxnSpPr>
+            <a:stCxn id="5" idx="2"/>
+          </p:cNvCxnSpPr>
+          <p:nvPr/>
+        </p:nvCxnSpPr>
+        <p:spPr>
+          <a:xfrm>
+            <a:off x="4397829" y="1245326"/>
+            <a:ext cx="0" cy="862148"/>
+          </a:xfrm>
+          <a:prstGeom prst="straightConnector1">
+            <a:avLst/>
+          </a:prstGeom>
+          <a:ln>
+            <a:tailEnd type="triangle"/>
+          </a:ln>
+        </p:spPr>
+        <p:style>
+          <a:lnRef idx="1">
+            <a:schemeClr val="accent1"/>
+          </a:lnRef>
+          <a:fillRef idx="0">
+            <a:schemeClr val="accent1"/>
+          </a:fillRef>
+          <a:effectRef idx="0">
+            <a:schemeClr val="accent1"/>
+          </a:effectRef>
+          <a:fontRef idx="minor">
+            <a:schemeClr val="tx1"/>
+          </a:fontRef>
+        </p:style>
+      </p:cxnSp>
+      <p:sp>
+        <p:nvSpPr>
+          <p:cNvPr id="8" name="TextBox 7">
+            <a:extLst>
+              <a:ext uri="{FF2B5EF4-FFF2-40B4-BE49-F238E27FC236}">
+                <a16:creationId xmlns:a16="http://schemas.microsoft.com/office/drawing/2014/main" id="{6E793BB7-2DF2-1843-B15F-3809BC3DAEEA}"/>
+              </a:ext>
+            </a:extLst>
+          </p:cNvPr>
+          <p:cNvSpPr txBox="1"/>
+          <p:nvPr/>
+        </p:nvSpPr>
+        <p:spPr>
+          <a:xfrm>
+            <a:off x="3600994" y="2033451"/>
+            <a:ext cx="1881052" cy="369332"/>
+          </a:xfrm>
+          <a:prstGeom prst="rect">
+            <a:avLst/>
+          </a:prstGeom>
+          <a:noFill/>
+        </p:spPr>
+        <p:txBody>
+          <a:bodyPr wrap="square" rtlCol="0">
+            <a:spAutoFit/>
+          </a:bodyPr>
+          <a:lstStyle/>
+          <a:p>
+            <a:r>
+              <a:rPr lang="en-US" dirty="0"/>
+              <a:t>Recursion 2</a:t>
+            </a:r>
+          </a:p>
+        </p:txBody>
+      </p:sp>
+      <p:cxnSp>
+        <p:nvCxnSpPr>
+          <p:cNvPr id="9" name="Straight Arrow Connector 8">
+            <a:extLst>
+              <a:ext uri="{FF2B5EF4-FFF2-40B4-BE49-F238E27FC236}">
+                <a16:creationId xmlns:a16="http://schemas.microsoft.com/office/drawing/2014/main" id="{F3841C79-7610-FC44-8D10-6C1FAFFAEDB5}"/>
+              </a:ext>
+            </a:extLst>
+          </p:cNvPr>
+          <p:cNvCxnSpPr/>
+          <p:nvPr/>
+        </p:nvCxnSpPr>
+        <p:spPr>
+          <a:xfrm flipV="1">
+            <a:off x="4894217" y="2207623"/>
+            <a:ext cx="1097280" cy="10494"/>
+          </a:xfrm>
+          <a:prstGeom prst="straightConnector1">
+            <a:avLst/>
+          </a:prstGeom>
+          <a:ln>
+            <a:tailEnd type="triangle"/>
+          </a:ln>
+        </p:spPr>
+        <p:style>
+          <a:lnRef idx="1">
+            <a:schemeClr val="accent1"/>
+          </a:lnRef>
+          <a:fillRef idx="0">
+            <a:schemeClr val="accent1"/>
+          </a:fillRef>
+          <a:effectRef idx="0">
+            <a:schemeClr val="accent1"/>
+          </a:effectRef>
+          <a:fontRef idx="minor">
+            <a:schemeClr val="tx1"/>
+          </a:fontRef>
+        </p:style>
+      </p:cxnSp>
+      <p:sp>
+        <p:nvSpPr>
+          <p:cNvPr id="10" name="Rounded Rectangle 9">
+            <a:extLst>
+              <a:ext uri="{FF2B5EF4-FFF2-40B4-BE49-F238E27FC236}">
+                <a16:creationId xmlns:a16="http://schemas.microsoft.com/office/drawing/2014/main" id="{2C01C0E7-B2DD-0C47-8835-B6B7644BCD79}"/>
+              </a:ext>
+            </a:extLst>
+          </p:cNvPr>
+          <p:cNvSpPr/>
+          <p:nvPr/>
+        </p:nvSpPr>
+        <p:spPr>
+          <a:xfrm>
+            <a:off x="6096000" y="2033451"/>
+            <a:ext cx="1793965" cy="478972"/>
+          </a:xfrm>
+          <a:prstGeom prst="roundRect">
+            <a:avLst/>
+          </a:prstGeom>
+        </p:spPr>
+        <p:style>
+          <a:lnRef idx="2">
+            <a:schemeClr val="accent1">
+              <a:shade val="50000"/>
+            </a:schemeClr>
+          </a:lnRef>
+          <a:fillRef idx="1">
+            <a:schemeClr val="accent1"/>
+          </a:fillRef>
+          <a:effectRef idx="0">
+            <a:schemeClr val="accent1"/>
+          </a:effectRef>
+          <a:fontRef idx="minor">
+            <a:schemeClr val="lt1"/>
+          </a:fontRef>
+        </p:style>
+        <p:txBody>
+          <a:bodyPr rtlCol="0" anchor="ctr"/>
+          <a:lstStyle/>
+          <a:p>
+            <a:pPr algn="ctr"/>
+            <a:r>
+              <a:rPr lang="en-US" dirty="0"/>
+              <a:t>Result 2</a:t>
+            </a:r>
+          </a:p>
+        </p:txBody>
+      </p:sp>
+      <p:sp>
+        <p:nvSpPr>
+          <p:cNvPr id="11" name="&quot;No&quot; Symbol 10">
+            <a:extLst>
+              <a:ext uri="{FF2B5EF4-FFF2-40B4-BE49-F238E27FC236}">
+                <a16:creationId xmlns:a16="http://schemas.microsoft.com/office/drawing/2014/main" id="{87EE5BDA-E687-074D-9154-967B8029F30E}"/>
+              </a:ext>
+            </a:extLst>
+          </p:cNvPr>
+          <p:cNvSpPr/>
+          <p:nvPr/>
+        </p:nvSpPr>
+        <p:spPr>
+          <a:xfrm>
+            <a:off x="3762103" y="374469"/>
+            <a:ext cx="1271451" cy="1105988"/>
+          </a:xfrm>
+          <a:prstGeom prst="noSmoking">
+            <a:avLst/>
+          </a:prstGeom>
+          <a:solidFill>
+            <a:schemeClr val="accent2"/>
+          </a:solidFill>
+        </p:spPr>
+        <p:style>
+          <a:lnRef idx="2">
+            <a:schemeClr val="accent1">
+              <a:shade val="50000"/>
+            </a:schemeClr>
+          </a:lnRef>
+          <a:fillRef idx="1">
+            <a:schemeClr val="accent1"/>
+          </a:fillRef>
+          <a:effectRef idx="0">
+            <a:schemeClr val="accent1"/>
+          </a:effectRef>
+          <a:fontRef idx="minor">
+            <a:schemeClr val="lt1"/>
+          </a:fontRef>
+        </p:style>
+        <p:txBody>
+          <a:bodyPr rtlCol="0" anchor="ctr"/>
+          <a:lstStyle/>
+          <a:p>
+            <a:pPr algn="ctr"/>
+            <a:endParaRPr lang="en-US">
+              <a:solidFill>
+                <a:schemeClr val="tx1"/>
+              </a:solidFill>
+            </a:endParaRPr>
+          </a:p>
+        </p:txBody>
+      </p:sp>
+      <p:cxnSp>
+        <p:nvCxnSpPr>
+          <p:cNvPr id="12" name="Straight Arrow Connector 11">
+            <a:extLst>
+              <a:ext uri="{FF2B5EF4-FFF2-40B4-BE49-F238E27FC236}">
+                <a16:creationId xmlns:a16="http://schemas.microsoft.com/office/drawing/2014/main" id="{4E3124C9-0490-354D-B901-1B94E859E25C}"/>
+              </a:ext>
+            </a:extLst>
+          </p:cNvPr>
+          <p:cNvCxnSpPr/>
+          <p:nvPr/>
+        </p:nvCxnSpPr>
+        <p:spPr>
+          <a:xfrm>
+            <a:off x="7058298" y="2555966"/>
+            <a:ext cx="0" cy="862148"/>
+          </a:xfrm>
+          <a:prstGeom prst="straightConnector1">
+            <a:avLst/>
+          </a:prstGeom>
+          <a:ln>
+            <a:tailEnd type="triangle"/>
+          </a:ln>
+        </p:spPr>
+        <p:style>
+          <a:lnRef idx="1">
+            <a:schemeClr val="accent1"/>
+          </a:lnRef>
+          <a:fillRef idx="0">
+            <a:schemeClr val="accent1"/>
+          </a:fillRef>
+          <a:effectRef idx="0">
+            <a:schemeClr val="accent1"/>
+          </a:effectRef>
+          <a:fontRef idx="minor">
+            <a:schemeClr val="tx1"/>
+          </a:fontRef>
+        </p:style>
+      </p:cxnSp>
+      <p:sp>
+        <p:nvSpPr>
+          <p:cNvPr id="13" name="TextBox 12">
+            <a:extLst>
+              <a:ext uri="{FF2B5EF4-FFF2-40B4-BE49-F238E27FC236}">
+                <a16:creationId xmlns:a16="http://schemas.microsoft.com/office/drawing/2014/main" id="{694D98A0-01A6-1E4A-B36B-9C1C4D07D02D}"/>
+              </a:ext>
+            </a:extLst>
+          </p:cNvPr>
+          <p:cNvSpPr txBox="1"/>
+          <p:nvPr/>
+        </p:nvSpPr>
+        <p:spPr>
+          <a:xfrm>
+            <a:off x="6261463" y="3344091"/>
+            <a:ext cx="1881052" cy="369332"/>
+          </a:xfrm>
+          <a:prstGeom prst="rect">
+            <a:avLst/>
+          </a:prstGeom>
+          <a:noFill/>
+        </p:spPr>
+        <p:txBody>
+          <a:bodyPr wrap="square" rtlCol="0">
+            <a:spAutoFit/>
+          </a:bodyPr>
+          <a:lstStyle/>
+          <a:p>
+            <a:r>
+              <a:rPr lang="en-US" dirty="0"/>
+              <a:t>Recursion 3</a:t>
+            </a:r>
+          </a:p>
+        </p:txBody>
+      </p:sp>
+      <p:cxnSp>
+        <p:nvCxnSpPr>
+          <p:cNvPr id="14" name="Straight Arrow Connector 13">
+            <a:extLst>
+              <a:ext uri="{FF2B5EF4-FFF2-40B4-BE49-F238E27FC236}">
+                <a16:creationId xmlns:a16="http://schemas.microsoft.com/office/drawing/2014/main" id="{9309623E-3E06-3D45-8073-32D84798B62D}"/>
+              </a:ext>
+            </a:extLst>
+          </p:cNvPr>
+          <p:cNvCxnSpPr/>
+          <p:nvPr/>
+        </p:nvCxnSpPr>
+        <p:spPr>
+          <a:xfrm flipV="1">
+            <a:off x="7554686" y="3518263"/>
+            <a:ext cx="1097280" cy="10494"/>
+          </a:xfrm>
+          <a:prstGeom prst="straightConnector1">
+            <a:avLst/>
+          </a:prstGeom>
+          <a:ln>
+            <a:tailEnd type="triangle"/>
+          </a:ln>
+        </p:spPr>
+        <p:style>
+          <a:lnRef idx="1">
+            <a:schemeClr val="accent1"/>
+          </a:lnRef>
+          <a:fillRef idx="0">
+            <a:schemeClr val="accent1"/>
+          </a:fillRef>
+          <a:effectRef idx="0">
+            <a:schemeClr val="accent1"/>
+          </a:effectRef>
+          <a:fontRef idx="minor">
+            <a:schemeClr val="tx1"/>
+          </a:fontRef>
+        </p:style>
+      </p:cxnSp>
+      <p:sp>
+        <p:nvSpPr>
+          <p:cNvPr id="15" name="Rounded Rectangle 14">
+            <a:extLst>
+              <a:ext uri="{FF2B5EF4-FFF2-40B4-BE49-F238E27FC236}">
+                <a16:creationId xmlns:a16="http://schemas.microsoft.com/office/drawing/2014/main" id="{3C74B9D1-D4F7-A14C-98AE-99A41E6877CA}"/>
+              </a:ext>
+            </a:extLst>
+          </p:cNvPr>
+          <p:cNvSpPr/>
+          <p:nvPr/>
+        </p:nvSpPr>
+        <p:spPr>
+          <a:xfrm>
+            <a:off x="8756469" y="3344091"/>
+            <a:ext cx="1793965" cy="478972"/>
+          </a:xfrm>
+          <a:prstGeom prst="roundRect">
+            <a:avLst/>
+          </a:prstGeom>
+        </p:spPr>
+        <p:style>
+          <a:lnRef idx="2">
+            <a:schemeClr val="accent1">
+              <a:shade val="50000"/>
+            </a:schemeClr>
+          </a:lnRef>
+          <a:fillRef idx="1">
+            <a:schemeClr val="accent1"/>
+          </a:fillRef>
+          <a:effectRef idx="0">
+            <a:schemeClr val="accent1"/>
+          </a:effectRef>
+          <a:fontRef idx="minor">
+            <a:schemeClr val="lt1"/>
+          </a:fontRef>
+        </p:style>
+        <p:txBody>
+          <a:bodyPr rtlCol="0" anchor="ctr"/>
+          <a:lstStyle/>
+          <a:p>
+            <a:pPr algn="ctr"/>
+            <a:r>
+              <a:rPr lang="en-US" dirty="0"/>
+              <a:t>Result 3</a:t>
+            </a:r>
+          </a:p>
+        </p:txBody>
+      </p:sp>
+      <p:sp>
+        <p:nvSpPr>
+          <p:cNvPr id="16" name="&quot;No&quot; Symbol 15">
+            <a:extLst>
+              <a:ext uri="{FF2B5EF4-FFF2-40B4-BE49-F238E27FC236}">
+                <a16:creationId xmlns:a16="http://schemas.microsoft.com/office/drawing/2014/main" id="{C1B5C205-00E7-D641-8626-215C7833C0E3}"/>
+              </a:ext>
+            </a:extLst>
+          </p:cNvPr>
+          <p:cNvSpPr/>
+          <p:nvPr/>
+        </p:nvSpPr>
+        <p:spPr>
+          <a:xfrm>
+            <a:off x="6422572" y="1665123"/>
+            <a:ext cx="1271451" cy="1105988"/>
+          </a:xfrm>
+          <a:prstGeom prst="noSmoking">
+            <a:avLst/>
+          </a:prstGeom>
+          <a:solidFill>
+            <a:schemeClr val="accent2"/>
+          </a:solidFill>
+        </p:spPr>
+        <p:style>
+          <a:lnRef idx="2">
+            <a:schemeClr val="accent1">
+              <a:shade val="50000"/>
+            </a:schemeClr>
+          </a:lnRef>
+          <a:fillRef idx="1">
+            <a:schemeClr val="accent1"/>
+          </a:fillRef>
+          <a:effectRef idx="0">
+            <a:schemeClr val="accent1"/>
+          </a:effectRef>
+          <a:fontRef idx="minor">
+            <a:schemeClr val="lt1"/>
+          </a:fontRef>
+        </p:style>
+        <p:txBody>
+          <a:bodyPr rtlCol="0" anchor="ctr"/>
+          <a:lstStyle/>
+          <a:p>
+            <a:pPr algn="ctr"/>
+            <a:endParaRPr lang="en-US">
+              <a:solidFill>
+                <a:schemeClr val="tx1"/>
+              </a:solidFill>
+            </a:endParaRPr>
+          </a:p>
+        </p:txBody>
+      </p:sp>
+    </p:spTree>
+    <p:extLst>
+      <p:ext uri="{BB962C8B-B14F-4D97-AF65-F5344CB8AC3E}">
+        <p14:creationId xmlns:p14="http://schemas.microsoft.com/office/powerpoint/2010/main" val="207495980"/>
+      </p:ext>
+    </p:extLst>
+  </p:cSld>
+  <p:clrMapOvr>
+    <a:masterClrMapping/>
+  </p:clrMapOvr>
+</p:sld>
+</file>
+
+<file path=ppt/slides/slide44.xml><?xml version="1.0" encoding="utf-8"?>
+<p:sld xmlns:a="http://schemas.openxmlformats.org/drawingml/2006/main" xmlns:r="http://schemas.openxmlformats.org/officeDocument/2006/relationships" xmlns:p="http://schemas.openxmlformats.org/presentationml/2006/main">
+  <p:cSld>
+    <p:spTree>
+      <p:nvGrpSpPr>
+        <p:cNvPr id="1" name=""/>
+        <p:cNvGrpSpPr/>
+        <p:nvPr/>
+      </p:nvGrpSpPr>
+      <p:grpSpPr>
+        <a:xfrm>
+          <a:off x="0" y="0"/>
+          <a:ext cx="0" cy="0"/>
+          <a:chOff x="0" y="0"/>
+          <a:chExt cx="0" cy="0"/>
+        </a:xfrm>
+      </p:grpSpPr>
+      <p:sp>
+        <p:nvSpPr>
+          <p:cNvPr id="2" name="Rectangle 1">
+            <a:extLst>
+              <a:ext uri="{FF2B5EF4-FFF2-40B4-BE49-F238E27FC236}">
+                <a16:creationId xmlns:a16="http://schemas.microsoft.com/office/drawing/2014/main" id="{27A2CA18-E8FC-DF48-B9D4-CCE1CA72A41D}"/>
+              </a:ext>
+            </a:extLst>
+          </p:cNvPr>
+          <p:cNvSpPr/>
+          <p:nvPr/>
+        </p:nvSpPr>
+        <p:spPr>
+          <a:xfrm>
+            <a:off x="452846" y="452846"/>
+            <a:ext cx="11408228" cy="6217920"/>
+          </a:xfrm>
+          <a:prstGeom prst="rect">
+            <a:avLst/>
+          </a:prstGeom>
+        </p:spPr>
+        <p:style>
+          <a:lnRef idx="2">
+            <a:schemeClr val="accent6"/>
+          </a:lnRef>
+          <a:fillRef idx="1">
+            <a:schemeClr val="lt1"/>
+          </a:fillRef>
+          <a:effectRef idx="0">
+            <a:schemeClr val="accent6"/>
+          </a:effectRef>
+          <a:fontRef idx="minor">
+            <a:schemeClr val="dk1"/>
+          </a:fontRef>
+        </p:style>
+        <p:txBody>
+          <a:bodyPr rtlCol="0" anchor="ctr"/>
+          <a:lstStyle/>
+          <a:p>
+            <a:pPr algn="ctr"/>
+            <a:endParaRPr lang="en-US"/>
+          </a:p>
+        </p:txBody>
+      </p:sp>
+      <p:sp>
+        <p:nvSpPr>
+          <p:cNvPr id="3" name="TextBox 2">
+            <a:extLst>
+              <a:ext uri="{FF2B5EF4-FFF2-40B4-BE49-F238E27FC236}">
+                <a16:creationId xmlns:a16="http://schemas.microsoft.com/office/drawing/2014/main" id="{FEAD5ABC-8915-DA49-B03F-300E6032D7FA}"/>
+              </a:ext>
+            </a:extLst>
+          </p:cNvPr>
+          <p:cNvSpPr txBox="1"/>
+          <p:nvPr/>
+        </p:nvSpPr>
+        <p:spPr>
+          <a:xfrm>
+            <a:off x="3979817" y="600891"/>
+            <a:ext cx="3884023" cy="369332"/>
+          </a:xfrm>
+          <a:prstGeom prst="rect">
+            <a:avLst/>
+          </a:prstGeom>
+          <a:noFill/>
+        </p:spPr>
+        <p:txBody>
+          <a:bodyPr wrap="square" rtlCol="0">
+            <a:spAutoFit/>
+          </a:bodyPr>
+          <a:lstStyle/>
+          <a:p>
+            <a:pPr algn="ctr"/>
+            <a:r>
+              <a:rPr lang="en-US" dirty="0"/>
+              <a:t>Container Component</a:t>
+            </a:r>
+          </a:p>
+        </p:txBody>
+      </p:sp>
+      <p:sp>
+        <p:nvSpPr>
+          <p:cNvPr id="4" name="Rounded Rectangle 3">
+            <a:extLst>
+              <a:ext uri="{FF2B5EF4-FFF2-40B4-BE49-F238E27FC236}">
+                <a16:creationId xmlns:a16="http://schemas.microsoft.com/office/drawing/2014/main" id="{1E04D8F1-C455-894D-B6FF-5E37EF8A6B59}"/>
+              </a:ext>
+            </a:extLst>
+          </p:cNvPr>
+          <p:cNvSpPr/>
+          <p:nvPr/>
+        </p:nvSpPr>
+        <p:spPr>
+          <a:xfrm>
+            <a:off x="827314" y="1611086"/>
+            <a:ext cx="1846217" cy="1994263"/>
+          </a:xfrm>
+          <a:prstGeom prst="roundRect">
+            <a:avLst/>
+          </a:prstGeom>
+        </p:spPr>
+        <p:style>
+          <a:lnRef idx="2">
+            <a:schemeClr val="accent1">
+              <a:shade val="50000"/>
+            </a:schemeClr>
+          </a:lnRef>
+          <a:fillRef idx="1">
+            <a:schemeClr val="accent1"/>
+          </a:fillRef>
+          <a:effectRef idx="0">
+            <a:schemeClr val="accent1"/>
+          </a:effectRef>
+          <a:fontRef idx="minor">
+            <a:schemeClr val="lt1"/>
+          </a:fontRef>
+        </p:style>
+        <p:txBody>
+          <a:bodyPr rtlCol="0" anchor="ctr"/>
+          <a:lstStyle/>
+          <a:p>
+            <a:pPr algn="ctr"/>
+            <a:r>
+              <a:rPr lang="en-US" dirty="0"/>
+              <a:t>C1</a:t>
+            </a:r>
+          </a:p>
+        </p:txBody>
+      </p:sp>
+      <p:sp>
+        <p:nvSpPr>
+          <p:cNvPr id="5" name="Rounded Rectangle 4">
+            <a:extLst>
+              <a:ext uri="{FF2B5EF4-FFF2-40B4-BE49-F238E27FC236}">
+                <a16:creationId xmlns:a16="http://schemas.microsoft.com/office/drawing/2014/main" id="{86BB9395-3550-A54F-ACC4-1D394E73ACFA}"/>
+              </a:ext>
+            </a:extLst>
+          </p:cNvPr>
+          <p:cNvSpPr/>
+          <p:nvPr/>
+        </p:nvSpPr>
+        <p:spPr>
+          <a:xfrm>
+            <a:off x="3156856" y="1676401"/>
+            <a:ext cx="1846217" cy="1994263"/>
+          </a:xfrm>
+          <a:prstGeom prst="roundRect">
+            <a:avLst/>
+          </a:prstGeom>
+        </p:spPr>
+        <p:style>
+          <a:lnRef idx="2">
+            <a:schemeClr val="accent1">
+              <a:shade val="50000"/>
+            </a:schemeClr>
+          </a:lnRef>
+          <a:fillRef idx="1">
+            <a:schemeClr val="accent1"/>
+          </a:fillRef>
+          <a:effectRef idx="0">
+            <a:schemeClr val="accent1"/>
+          </a:effectRef>
+          <a:fontRef idx="minor">
+            <a:schemeClr val="lt1"/>
+          </a:fontRef>
+        </p:style>
+        <p:txBody>
+          <a:bodyPr rtlCol="0" anchor="ctr"/>
+          <a:lstStyle/>
+          <a:p>
+            <a:pPr algn="ctr"/>
+            <a:r>
+              <a:rPr lang="en-US" dirty="0"/>
+              <a:t>C2</a:t>
+            </a:r>
+          </a:p>
+        </p:txBody>
+      </p:sp>
+      <p:sp>
+        <p:nvSpPr>
+          <p:cNvPr id="6" name="Rounded Rectangle 5">
+            <a:extLst>
+              <a:ext uri="{FF2B5EF4-FFF2-40B4-BE49-F238E27FC236}">
+                <a16:creationId xmlns:a16="http://schemas.microsoft.com/office/drawing/2014/main" id="{C12278BF-A979-C048-94B9-426991F44DC1}"/>
+              </a:ext>
+            </a:extLst>
+          </p:cNvPr>
+          <p:cNvSpPr/>
+          <p:nvPr/>
+        </p:nvSpPr>
+        <p:spPr>
+          <a:xfrm>
+            <a:off x="6344194" y="1676401"/>
+            <a:ext cx="1846217" cy="4471850"/>
+          </a:xfrm>
+          <a:prstGeom prst="roundRect">
+            <a:avLst/>
+          </a:prstGeom>
+        </p:spPr>
+        <p:style>
+          <a:lnRef idx="2">
+            <a:schemeClr val="accent1">
+              <a:shade val="50000"/>
+            </a:schemeClr>
+          </a:lnRef>
+          <a:fillRef idx="1">
+            <a:schemeClr val="accent1"/>
+          </a:fillRef>
+          <a:effectRef idx="0">
+            <a:schemeClr val="accent1"/>
+          </a:effectRef>
+          <a:fontRef idx="minor">
+            <a:schemeClr val="lt1"/>
+          </a:fontRef>
+        </p:style>
+        <p:txBody>
+          <a:bodyPr rtlCol="0" anchor="ctr"/>
+          <a:lstStyle/>
+          <a:p>
+            <a:pPr algn="ctr"/>
+            <a:r>
+              <a:rPr lang="en-US" dirty="0"/>
+              <a:t>C3</a:t>
+            </a:r>
+          </a:p>
+        </p:txBody>
+      </p:sp>
+      <p:sp>
+        <p:nvSpPr>
+          <p:cNvPr id="7" name="Rectangle 6">
+            <a:extLst>
+              <a:ext uri="{FF2B5EF4-FFF2-40B4-BE49-F238E27FC236}">
+                <a16:creationId xmlns:a16="http://schemas.microsoft.com/office/drawing/2014/main" id="{B6218BF8-50D9-694F-81E4-C6052EA815EA}"/>
+              </a:ext>
+            </a:extLst>
+          </p:cNvPr>
+          <p:cNvSpPr/>
+          <p:nvPr/>
+        </p:nvSpPr>
+        <p:spPr>
+          <a:xfrm>
+            <a:off x="6514011" y="4258491"/>
+            <a:ext cx="1463040" cy="1520428"/>
+          </a:xfrm>
+          <a:prstGeom prst="rect">
+            <a:avLst/>
+          </a:prstGeom>
+          <a:solidFill>
+            <a:schemeClr val="accent2"/>
+          </a:solidFill>
+        </p:spPr>
+        <p:style>
+          <a:lnRef idx="2">
+            <a:schemeClr val="accent1">
+              <a:shade val="50000"/>
+            </a:schemeClr>
+          </a:lnRef>
+          <a:fillRef idx="1">
+            <a:schemeClr val="accent1"/>
+          </a:fillRef>
+          <a:effectRef idx="0">
+            <a:schemeClr val="accent1"/>
+          </a:effectRef>
+          <a:fontRef idx="minor">
+            <a:schemeClr val="lt1"/>
+          </a:fontRef>
+        </p:style>
+        <p:txBody>
+          <a:bodyPr rtlCol="0" anchor="ctr"/>
+          <a:lstStyle/>
+          <a:p>
+            <a:pPr algn="ctr"/>
+            <a:r>
+              <a:rPr lang="en-US" dirty="0"/>
+              <a:t>C3.1</a:t>
+            </a:r>
+          </a:p>
+        </p:txBody>
+      </p:sp>
+      <p:sp>
+        <p:nvSpPr>
+          <p:cNvPr id="8" name="Rounded Rectangle 7">
+            <a:extLst>
+              <a:ext uri="{FF2B5EF4-FFF2-40B4-BE49-F238E27FC236}">
+                <a16:creationId xmlns:a16="http://schemas.microsoft.com/office/drawing/2014/main" id="{C0373A5E-ED35-6D43-B6F5-036A3074FE0F}"/>
+              </a:ext>
+            </a:extLst>
+          </p:cNvPr>
+          <p:cNvSpPr/>
+          <p:nvPr/>
+        </p:nvSpPr>
+        <p:spPr>
+          <a:xfrm>
+            <a:off x="8421187" y="1675619"/>
+            <a:ext cx="3222173" cy="4629387"/>
+          </a:xfrm>
+          <a:prstGeom prst="roundRect">
+            <a:avLst/>
+          </a:prstGeom>
+        </p:spPr>
+        <p:style>
+          <a:lnRef idx="2">
+            <a:schemeClr val="accent1">
+              <a:shade val="50000"/>
+            </a:schemeClr>
+          </a:lnRef>
+          <a:fillRef idx="1">
+            <a:schemeClr val="accent1"/>
+          </a:fillRef>
+          <a:effectRef idx="0">
+            <a:schemeClr val="accent1"/>
+          </a:effectRef>
+          <a:fontRef idx="minor">
+            <a:schemeClr val="lt1"/>
+          </a:fontRef>
+        </p:style>
+        <p:txBody>
+          <a:bodyPr rtlCol="0" anchor="ctr"/>
+          <a:lstStyle/>
+          <a:p>
+            <a:pPr algn="ctr"/>
+            <a:r>
+              <a:rPr lang="en-US" dirty="0"/>
+              <a:t>C4</a:t>
+            </a:r>
+          </a:p>
+        </p:txBody>
+      </p:sp>
+      <p:sp>
+        <p:nvSpPr>
+          <p:cNvPr id="9" name="Rectangle 8">
+            <a:extLst>
+              <a:ext uri="{FF2B5EF4-FFF2-40B4-BE49-F238E27FC236}">
+                <a16:creationId xmlns:a16="http://schemas.microsoft.com/office/drawing/2014/main" id="{91131010-4D15-1F4C-9E7D-1315C93721D1}"/>
+              </a:ext>
+            </a:extLst>
+          </p:cNvPr>
+          <p:cNvSpPr/>
+          <p:nvPr/>
+        </p:nvSpPr>
+        <p:spPr>
+          <a:xfrm>
+            <a:off x="8569233" y="4258491"/>
+            <a:ext cx="1463040" cy="1520428"/>
+          </a:xfrm>
+          <a:prstGeom prst="rect">
+            <a:avLst/>
+          </a:prstGeom>
+          <a:solidFill>
+            <a:schemeClr val="accent2"/>
+          </a:solidFill>
+        </p:spPr>
+        <p:style>
+          <a:lnRef idx="2">
+            <a:schemeClr val="accent1">
+              <a:shade val="50000"/>
+            </a:schemeClr>
+          </a:lnRef>
+          <a:fillRef idx="1">
+            <a:schemeClr val="accent1"/>
+          </a:fillRef>
+          <a:effectRef idx="0">
+            <a:schemeClr val="accent1"/>
+          </a:effectRef>
+          <a:fontRef idx="minor">
+            <a:schemeClr val="lt1"/>
+          </a:fontRef>
+        </p:style>
+        <p:txBody>
+          <a:bodyPr rtlCol="0" anchor="ctr"/>
+          <a:lstStyle/>
+          <a:p>
+            <a:pPr algn="ctr"/>
+            <a:r>
+              <a:rPr lang="en-US" dirty="0"/>
+              <a:t>C4.1</a:t>
+            </a:r>
+          </a:p>
+        </p:txBody>
+      </p:sp>
+      <p:sp>
+        <p:nvSpPr>
+          <p:cNvPr id="10" name="Rectangle 9">
+            <a:extLst>
+              <a:ext uri="{FF2B5EF4-FFF2-40B4-BE49-F238E27FC236}">
+                <a16:creationId xmlns:a16="http://schemas.microsoft.com/office/drawing/2014/main" id="{F76F75D1-9D15-F143-B77B-B8319F71E040}"/>
+              </a:ext>
+            </a:extLst>
+          </p:cNvPr>
+          <p:cNvSpPr/>
+          <p:nvPr/>
+        </p:nvSpPr>
+        <p:spPr>
+          <a:xfrm>
+            <a:off x="10106296" y="4258490"/>
+            <a:ext cx="1463040" cy="1469181"/>
+          </a:xfrm>
+          <a:prstGeom prst="rect">
+            <a:avLst/>
+          </a:prstGeom>
+          <a:solidFill>
+            <a:schemeClr val="accent2"/>
+          </a:solidFill>
+        </p:spPr>
+        <p:style>
+          <a:lnRef idx="2">
+            <a:schemeClr val="accent1">
+              <a:shade val="50000"/>
+            </a:schemeClr>
+          </a:lnRef>
+          <a:fillRef idx="1">
+            <a:schemeClr val="accent1"/>
+          </a:fillRef>
+          <a:effectRef idx="0">
+            <a:schemeClr val="accent1"/>
+          </a:effectRef>
+          <a:fontRef idx="minor">
+            <a:schemeClr val="lt1"/>
+          </a:fontRef>
+        </p:style>
+        <p:txBody>
+          <a:bodyPr rtlCol="0" anchor="ctr"/>
+          <a:lstStyle/>
+          <a:p>
+            <a:pPr algn="ctr"/>
+            <a:r>
+              <a:rPr lang="en-US" dirty="0"/>
+              <a:t>C4.2</a:t>
+            </a:r>
+          </a:p>
+        </p:txBody>
+      </p:sp>
+      <p:sp>
+        <p:nvSpPr>
+          <p:cNvPr id="12" name="Down Arrow 11">
+            <a:extLst>
+              <a:ext uri="{FF2B5EF4-FFF2-40B4-BE49-F238E27FC236}">
+                <a16:creationId xmlns:a16="http://schemas.microsoft.com/office/drawing/2014/main" id="{CB199171-F865-D54C-BEE4-6B2C70980598}"/>
+              </a:ext>
+            </a:extLst>
+          </p:cNvPr>
+          <p:cNvSpPr/>
+          <p:nvPr/>
+        </p:nvSpPr>
+        <p:spPr>
+          <a:xfrm>
+            <a:off x="7611291" y="3857897"/>
+            <a:ext cx="156755" cy="714103"/>
+          </a:xfrm>
+          <a:prstGeom prst="downArrow">
+            <a:avLst/>
+          </a:prstGeom>
+        </p:spPr>
+        <p:style>
+          <a:lnRef idx="2">
+            <a:schemeClr val="accent1">
+              <a:shade val="50000"/>
+            </a:schemeClr>
+          </a:lnRef>
+          <a:fillRef idx="1">
+            <a:schemeClr val="accent1"/>
+          </a:fillRef>
+          <a:effectRef idx="0">
+            <a:schemeClr val="accent1"/>
+          </a:effectRef>
+          <a:fontRef idx="minor">
+            <a:schemeClr val="lt1"/>
+          </a:fontRef>
+        </p:style>
+        <p:txBody>
+          <a:bodyPr rtlCol="0" anchor="ctr"/>
+          <a:lstStyle/>
+          <a:p>
+            <a:pPr algn="ctr"/>
+            <a:endParaRPr lang="en-US"/>
+          </a:p>
+        </p:txBody>
+      </p:sp>
+      <p:cxnSp>
+        <p:nvCxnSpPr>
+          <p:cNvPr id="14" name="Straight Arrow Connector 13">
+            <a:extLst>
+              <a:ext uri="{FF2B5EF4-FFF2-40B4-BE49-F238E27FC236}">
+                <a16:creationId xmlns:a16="http://schemas.microsoft.com/office/drawing/2014/main" id="{CA60A52B-AC53-1D45-8F86-E8E41C59F704}"/>
+              </a:ext>
+            </a:extLst>
+          </p:cNvPr>
+          <p:cNvCxnSpPr>
+            <a:stCxn id="3" idx="2"/>
+            <a:endCxn id="4" idx="0"/>
+          </p:cNvCxnSpPr>
+          <p:nvPr/>
+        </p:nvCxnSpPr>
+        <p:spPr>
+          <a:xfrm flipH="1">
+            <a:off x="1750423" y="970223"/>
+            <a:ext cx="4171406" cy="640863"/>
+          </a:xfrm>
+          <a:prstGeom prst="straightConnector1">
+            <a:avLst/>
+          </a:prstGeom>
+          <a:ln>
+            <a:tailEnd type="triangle"/>
+          </a:ln>
+        </p:spPr>
+        <p:style>
+          <a:lnRef idx="3">
+            <a:schemeClr val="dk1"/>
+          </a:lnRef>
+          <a:fillRef idx="0">
+            <a:schemeClr val="dk1"/>
+          </a:fillRef>
+          <a:effectRef idx="2">
+            <a:schemeClr val="dk1"/>
+          </a:effectRef>
+          <a:fontRef idx="minor">
+            <a:schemeClr val="tx1"/>
+          </a:fontRef>
+        </p:style>
+      </p:cxnSp>
+      <p:cxnSp>
+        <p:nvCxnSpPr>
+          <p:cNvPr id="15" name="Straight Arrow Connector 14">
+            <a:extLst>
+              <a:ext uri="{FF2B5EF4-FFF2-40B4-BE49-F238E27FC236}">
+                <a16:creationId xmlns:a16="http://schemas.microsoft.com/office/drawing/2014/main" id="{FC31828D-9C9F-7247-A55E-B750CE67CD74}"/>
+              </a:ext>
+            </a:extLst>
+          </p:cNvPr>
+          <p:cNvCxnSpPr>
+            <a:cxnSpLocks/>
+            <a:stCxn id="3" idx="2"/>
+            <a:endCxn id="5" idx="0"/>
+          </p:cNvCxnSpPr>
+          <p:nvPr/>
+        </p:nvCxnSpPr>
+        <p:spPr>
+          <a:xfrm flipH="1">
+            <a:off x="4079965" y="970223"/>
+            <a:ext cx="1841864" cy="706178"/>
+          </a:xfrm>
+          <a:prstGeom prst="straightConnector1">
+            <a:avLst/>
+          </a:prstGeom>
+          <a:ln>
+            <a:tailEnd type="triangle"/>
+          </a:ln>
+        </p:spPr>
+        <p:style>
+          <a:lnRef idx="3">
+            <a:schemeClr val="dk1"/>
+          </a:lnRef>
+          <a:fillRef idx="0">
+            <a:schemeClr val="dk1"/>
+          </a:fillRef>
+          <a:effectRef idx="2">
+            <a:schemeClr val="dk1"/>
+          </a:effectRef>
+          <a:fontRef idx="minor">
+            <a:schemeClr val="tx1"/>
+          </a:fontRef>
+        </p:style>
+      </p:cxnSp>
+      <p:cxnSp>
+        <p:nvCxnSpPr>
+          <p:cNvPr id="18" name="Straight Arrow Connector 17">
+            <a:extLst>
+              <a:ext uri="{FF2B5EF4-FFF2-40B4-BE49-F238E27FC236}">
+                <a16:creationId xmlns:a16="http://schemas.microsoft.com/office/drawing/2014/main" id="{B87E0B29-9BCE-0142-805E-3E35636DA47B}"/>
+              </a:ext>
+            </a:extLst>
+          </p:cNvPr>
+          <p:cNvCxnSpPr>
+            <a:cxnSpLocks/>
+            <a:stCxn id="3" idx="2"/>
+          </p:cNvCxnSpPr>
+          <p:nvPr/>
+        </p:nvCxnSpPr>
+        <p:spPr>
+          <a:xfrm>
+            <a:off x="5921829" y="970223"/>
+            <a:ext cx="1267100" cy="705396"/>
+          </a:xfrm>
+          <a:prstGeom prst="straightConnector1">
+            <a:avLst/>
+          </a:prstGeom>
+          <a:ln>
+            <a:tailEnd type="triangle"/>
+          </a:ln>
+        </p:spPr>
+        <p:style>
+          <a:lnRef idx="3">
+            <a:schemeClr val="dk1"/>
+          </a:lnRef>
+          <a:fillRef idx="0">
+            <a:schemeClr val="dk1"/>
+          </a:fillRef>
+          <a:effectRef idx="2">
+            <a:schemeClr val="dk1"/>
+          </a:effectRef>
+          <a:fontRef idx="minor">
+            <a:schemeClr val="tx1"/>
+          </a:fontRef>
+        </p:style>
+      </p:cxnSp>
+      <p:cxnSp>
+        <p:nvCxnSpPr>
+          <p:cNvPr id="21" name="Straight Arrow Connector 20">
+            <a:extLst>
+              <a:ext uri="{FF2B5EF4-FFF2-40B4-BE49-F238E27FC236}">
+                <a16:creationId xmlns:a16="http://schemas.microsoft.com/office/drawing/2014/main" id="{05AB4852-12C3-E943-9ACE-449F104966AC}"/>
+              </a:ext>
+            </a:extLst>
+          </p:cNvPr>
+          <p:cNvCxnSpPr>
+            <a:cxnSpLocks/>
+            <a:stCxn id="3" idx="2"/>
+          </p:cNvCxnSpPr>
+          <p:nvPr/>
+        </p:nvCxnSpPr>
+        <p:spPr>
+          <a:xfrm>
+            <a:off x="5921829" y="970223"/>
+            <a:ext cx="4110444" cy="705396"/>
+          </a:xfrm>
+          <a:prstGeom prst="straightConnector1">
+            <a:avLst/>
+          </a:prstGeom>
+          <a:ln>
+            <a:tailEnd type="triangle"/>
+          </a:ln>
+        </p:spPr>
+        <p:style>
+          <a:lnRef idx="3">
+            <a:schemeClr val="dk1"/>
+          </a:lnRef>
+          <a:fillRef idx="0">
+            <a:schemeClr val="dk1"/>
+          </a:fillRef>
+          <a:effectRef idx="2">
+            <a:schemeClr val="dk1"/>
+          </a:effectRef>
+          <a:fontRef idx="minor">
+            <a:schemeClr val="tx1"/>
+          </a:fontRef>
+        </p:style>
+      </p:cxnSp>
+      <p:sp>
+        <p:nvSpPr>
+          <p:cNvPr id="24" name="TextBox 23">
+            <a:extLst>
+              <a:ext uri="{FF2B5EF4-FFF2-40B4-BE49-F238E27FC236}">
+                <a16:creationId xmlns:a16="http://schemas.microsoft.com/office/drawing/2014/main" id="{C3651B76-EF34-3746-9C4F-FF5F7B7B08B9}"/>
+              </a:ext>
+            </a:extLst>
+          </p:cNvPr>
+          <p:cNvSpPr txBox="1"/>
+          <p:nvPr/>
+        </p:nvSpPr>
+        <p:spPr>
+          <a:xfrm>
+            <a:off x="622664" y="4258490"/>
+            <a:ext cx="5107576" cy="923330"/>
+          </a:xfrm>
+          <a:prstGeom prst="rect">
+            <a:avLst/>
+          </a:prstGeom>
+          <a:noFill/>
+        </p:spPr>
+        <p:txBody>
+          <a:bodyPr wrap="square" rtlCol="0">
+            <a:spAutoFit/>
+          </a:bodyPr>
+          <a:lstStyle/>
+          <a:p>
+            <a:r>
+              <a:rPr lang="en-US" dirty="0"/>
+              <a:t>Import c1 from ‘./’</a:t>
+            </a:r>
+          </a:p>
+          <a:p>
+            <a:r>
+              <a:rPr lang="en-US" dirty="0"/>
+              <a:t>Import c2 from ‘./’</a:t>
+            </a:r>
+          </a:p>
+          <a:p>
+            <a:r>
+              <a:rPr lang="en-US" dirty="0"/>
+              <a:t>Import c3 from ‘./’</a:t>
+            </a:r>
+          </a:p>
+        </p:txBody>
+      </p:sp>
+    </p:spTree>
+    <p:extLst>
+      <p:ext uri="{BB962C8B-B14F-4D97-AF65-F5344CB8AC3E}">
+        <p14:creationId xmlns:p14="http://schemas.microsoft.com/office/powerpoint/2010/main" val="2445701055"/>
+      </p:ext>
+    </p:extLst>
+  </p:cSld>
+  <p:clrMapOvr>
+    <a:masterClrMapping/>
+  </p:clrMapOvr>
+</p:sld>
+</file>
+
+<file path=ppt/slides/slide45.xml><?xml version="1.0" encoding="utf-8"?>
+<p:sld xmlns:a="http://schemas.openxmlformats.org/drawingml/2006/main" xmlns:r="http://schemas.openxmlformats.org/officeDocument/2006/relationships" xmlns:p="http://schemas.openxmlformats.org/presentationml/2006/main">
+  <p:cSld>
+    <p:spTree>
+      <p:nvGrpSpPr>
+        <p:cNvPr id="1" name=""/>
+        <p:cNvGrpSpPr/>
+        <p:nvPr/>
+      </p:nvGrpSpPr>
+      <p:grpSpPr>
+        <a:xfrm>
+          <a:off x="0" y="0"/>
+          <a:ext cx="0" cy="0"/>
+          <a:chOff x="0" y="0"/>
+          <a:chExt cx="0" cy="0"/>
+        </a:xfrm>
+      </p:grpSpPr>
+      <p:sp>
+        <p:nvSpPr>
+          <p:cNvPr id="2" name="Cube 1">
+            <a:extLst>
+              <a:ext uri="{FF2B5EF4-FFF2-40B4-BE49-F238E27FC236}">
+                <a16:creationId xmlns:a16="http://schemas.microsoft.com/office/drawing/2014/main" id="{DB0BE93D-E5ED-3A4A-974C-C72E5720E504}"/>
+              </a:ext>
+            </a:extLst>
+          </p:cNvPr>
+          <p:cNvSpPr/>
+          <p:nvPr/>
+        </p:nvSpPr>
+        <p:spPr>
+          <a:xfrm>
+            <a:off x="3030583" y="783772"/>
+            <a:ext cx="3396343" cy="4598126"/>
+          </a:xfrm>
+          <a:prstGeom prst="cube">
+            <a:avLst>
+              <a:gd name="adj" fmla="val 11923"/>
+            </a:avLst>
+          </a:prstGeom>
+        </p:spPr>
+        <p:style>
+          <a:lnRef idx="2">
+            <a:schemeClr val="accent1">
+              <a:shade val="50000"/>
+            </a:schemeClr>
+          </a:lnRef>
+          <a:fillRef idx="1">
+            <a:schemeClr val="accent1"/>
+          </a:fillRef>
+          <a:effectRef idx="0">
+            <a:schemeClr val="accent1"/>
+          </a:effectRef>
+          <a:fontRef idx="minor">
+            <a:schemeClr val="lt1"/>
+          </a:fontRef>
+        </p:style>
+        <p:txBody>
+          <a:bodyPr rtlCol="0" anchor="ctr"/>
+          <a:lstStyle/>
+          <a:p>
+            <a:pPr algn="ctr"/>
+            <a:endParaRPr lang="en-US"/>
+          </a:p>
+        </p:txBody>
+      </p:sp>
+      <p:sp>
+        <p:nvSpPr>
+          <p:cNvPr id="4" name="Rectangle 3">
+            <a:extLst>
+              <a:ext uri="{FF2B5EF4-FFF2-40B4-BE49-F238E27FC236}">
+                <a16:creationId xmlns:a16="http://schemas.microsoft.com/office/drawing/2014/main" id="{856268B8-6871-6A40-A176-40EFC12F45B1}"/>
+              </a:ext>
+            </a:extLst>
+          </p:cNvPr>
+          <p:cNvSpPr/>
+          <p:nvPr/>
+        </p:nvSpPr>
+        <p:spPr>
+          <a:xfrm>
+            <a:off x="4319451" y="1193074"/>
+            <a:ext cx="313509" cy="4188824"/>
+          </a:xfrm>
+          <a:prstGeom prst="rect">
+            <a:avLst/>
+          </a:prstGeom>
+          <a:solidFill>
+            <a:schemeClr val="accent2"/>
+          </a:solidFill>
+        </p:spPr>
+        <p:style>
+          <a:lnRef idx="2">
+            <a:schemeClr val="accent1">
+              <a:shade val="50000"/>
+            </a:schemeClr>
+          </a:lnRef>
+          <a:fillRef idx="1">
+            <a:schemeClr val="accent1"/>
+          </a:fillRef>
+          <a:effectRef idx="0">
+            <a:schemeClr val="accent1"/>
+          </a:effectRef>
+          <a:fontRef idx="minor">
+            <a:schemeClr val="lt1"/>
+          </a:fontRef>
+        </p:style>
+        <p:txBody>
+          <a:bodyPr rtlCol="0" anchor="ctr"/>
+          <a:lstStyle/>
+          <a:p>
+            <a:pPr algn="ctr"/>
+            <a:endParaRPr lang="en-US"/>
+          </a:p>
+        </p:txBody>
+      </p:sp>
+      <p:sp>
+        <p:nvSpPr>
+          <p:cNvPr id="5" name="Rectangle 4">
+            <a:extLst>
+              <a:ext uri="{FF2B5EF4-FFF2-40B4-BE49-F238E27FC236}">
+                <a16:creationId xmlns:a16="http://schemas.microsoft.com/office/drawing/2014/main" id="{CE8F6C7D-D1D9-834E-B565-E611CBB4DA21}"/>
+              </a:ext>
+            </a:extLst>
+          </p:cNvPr>
+          <p:cNvSpPr/>
+          <p:nvPr/>
+        </p:nvSpPr>
+        <p:spPr>
+          <a:xfrm>
+            <a:off x="3030583" y="1907177"/>
+            <a:ext cx="2978331" cy="235132"/>
+          </a:xfrm>
+          <a:prstGeom prst="rect">
+            <a:avLst/>
+          </a:prstGeom>
+          <a:solidFill>
+            <a:schemeClr val="accent2"/>
+          </a:solidFill>
+        </p:spPr>
+        <p:style>
+          <a:lnRef idx="2">
+            <a:schemeClr val="accent1">
+              <a:shade val="50000"/>
+            </a:schemeClr>
+          </a:lnRef>
+          <a:fillRef idx="1">
+            <a:schemeClr val="accent1"/>
+          </a:fillRef>
+          <a:effectRef idx="0">
+            <a:schemeClr val="accent1"/>
+          </a:effectRef>
+          <a:fontRef idx="minor">
+            <a:schemeClr val="lt1"/>
+          </a:fontRef>
+        </p:style>
+        <p:txBody>
+          <a:bodyPr rtlCol="0" anchor="ctr"/>
+          <a:lstStyle/>
+          <a:p>
+            <a:pPr algn="ctr"/>
+            <a:endParaRPr lang="en-US"/>
+          </a:p>
+        </p:txBody>
+      </p:sp>
+      <p:sp>
+        <p:nvSpPr>
+          <p:cNvPr id="6" name="TextBox 5">
+            <a:extLst>
+              <a:ext uri="{FF2B5EF4-FFF2-40B4-BE49-F238E27FC236}">
+                <a16:creationId xmlns:a16="http://schemas.microsoft.com/office/drawing/2014/main" id="{A2CC28E7-FD0A-7E4B-8A8E-5141C2F3EFA9}"/>
+              </a:ext>
+            </a:extLst>
+          </p:cNvPr>
+          <p:cNvSpPr txBox="1"/>
+          <p:nvPr/>
+        </p:nvSpPr>
+        <p:spPr>
+          <a:xfrm>
+            <a:off x="3152503" y="1341120"/>
+            <a:ext cx="1027611" cy="369332"/>
+          </a:xfrm>
+          <a:prstGeom prst="rect">
+            <a:avLst/>
+          </a:prstGeom>
+          <a:noFill/>
+        </p:spPr>
+        <p:txBody>
+          <a:bodyPr wrap="square" rtlCol="0">
+            <a:spAutoFit/>
+          </a:bodyPr>
+          <a:lstStyle/>
+          <a:p>
+            <a:r>
+              <a:rPr lang="en-US" dirty="0">
+                <a:solidFill>
+                  <a:srgbClr val="FFFF00"/>
+                </a:solidFill>
+              </a:rPr>
+              <a:t>path</a:t>
+            </a:r>
+          </a:p>
+        </p:txBody>
+      </p:sp>
+      <p:sp>
+        <p:nvSpPr>
+          <p:cNvPr id="7" name="TextBox 6">
+            <a:extLst>
+              <a:ext uri="{FF2B5EF4-FFF2-40B4-BE49-F238E27FC236}">
+                <a16:creationId xmlns:a16="http://schemas.microsoft.com/office/drawing/2014/main" id="{0267A53E-1CC6-4C44-8C51-E9497ED54549}"/>
+              </a:ext>
+            </a:extLst>
+          </p:cNvPr>
+          <p:cNvSpPr txBox="1"/>
+          <p:nvPr/>
+        </p:nvSpPr>
+        <p:spPr>
+          <a:xfrm>
+            <a:off x="4693920" y="1341120"/>
+            <a:ext cx="1271451" cy="369332"/>
+          </a:xfrm>
+          <a:prstGeom prst="rect">
+            <a:avLst/>
+          </a:prstGeom>
+          <a:noFill/>
+        </p:spPr>
+        <p:txBody>
+          <a:bodyPr wrap="square" rtlCol="0">
+            <a:spAutoFit/>
+          </a:bodyPr>
+          <a:lstStyle/>
+          <a:p>
+            <a:r>
+              <a:rPr lang="en-US" dirty="0">
+                <a:solidFill>
+                  <a:srgbClr val="FFFF00"/>
+                </a:solidFill>
+              </a:rPr>
+              <a:t>component</a:t>
+            </a:r>
+          </a:p>
+        </p:txBody>
+      </p:sp>
+      <p:sp>
+        <p:nvSpPr>
+          <p:cNvPr id="8" name="Rectangle 7">
+            <a:extLst>
+              <a:ext uri="{FF2B5EF4-FFF2-40B4-BE49-F238E27FC236}">
+                <a16:creationId xmlns:a16="http://schemas.microsoft.com/office/drawing/2014/main" id="{595B4EB4-E70F-BD40-9CB7-C63A17243563}"/>
+              </a:ext>
+            </a:extLst>
+          </p:cNvPr>
+          <p:cNvSpPr/>
+          <p:nvPr/>
+        </p:nvSpPr>
+        <p:spPr>
+          <a:xfrm>
+            <a:off x="3030583" y="2856412"/>
+            <a:ext cx="2978331" cy="235132"/>
+          </a:xfrm>
+          <a:prstGeom prst="rect">
+            <a:avLst/>
+          </a:prstGeom>
+          <a:solidFill>
+            <a:schemeClr val="accent2"/>
+          </a:solidFill>
+        </p:spPr>
+        <p:style>
+          <a:lnRef idx="2">
+            <a:schemeClr val="accent1">
+              <a:shade val="50000"/>
+            </a:schemeClr>
+          </a:lnRef>
+          <a:fillRef idx="1">
+            <a:schemeClr val="accent1"/>
+          </a:fillRef>
+          <a:effectRef idx="0">
+            <a:schemeClr val="accent1"/>
+          </a:effectRef>
+          <a:fontRef idx="minor">
+            <a:schemeClr val="lt1"/>
+          </a:fontRef>
+        </p:style>
+        <p:txBody>
+          <a:bodyPr rtlCol="0" anchor="ctr"/>
+          <a:lstStyle/>
+          <a:p>
+            <a:pPr algn="ctr"/>
+            <a:endParaRPr lang="en-US"/>
+          </a:p>
+        </p:txBody>
+      </p:sp>
+      <p:sp>
+        <p:nvSpPr>
+          <p:cNvPr id="9" name="TextBox 8">
+            <a:extLst>
+              <a:ext uri="{FF2B5EF4-FFF2-40B4-BE49-F238E27FC236}">
+                <a16:creationId xmlns:a16="http://schemas.microsoft.com/office/drawing/2014/main" id="{0019DB63-E64B-3B40-B6B1-0C04AEBD9F4A}"/>
+              </a:ext>
+            </a:extLst>
+          </p:cNvPr>
+          <p:cNvSpPr txBox="1"/>
+          <p:nvPr/>
+        </p:nvSpPr>
+        <p:spPr>
+          <a:xfrm>
+            <a:off x="3152503" y="2290355"/>
+            <a:ext cx="1027611" cy="369332"/>
+          </a:xfrm>
+          <a:prstGeom prst="rect">
+            <a:avLst/>
+          </a:prstGeom>
+          <a:noFill/>
+        </p:spPr>
+        <p:txBody>
+          <a:bodyPr wrap="square" rtlCol="0">
+            <a:spAutoFit/>
+          </a:bodyPr>
+          <a:lstStyle/>
+          <a:p>
+            <a:r>
+              <a:rPr lang="en-US" dirty="0">
+                <a:solidFill>
+                  <a:srgbClr val="FFFF00"/>
+                </a:solidFill>
+              </a:rPr>
+              <a:t>path</a:t>
+            </a:r>
+          </a:p>
+        </p:txBody>
+      </p:sp>
+      <p:sp>
+        <p:nvSpPr>
+          <p:cNvPr id="10" name="TextBox 9">
+            <a:extLst>
+              <a:ext uri="{FF2B5EF4-FFF2-40B4-BE49-F238E27FC236}">
+                <a16:creationId xmlns:a16="http://schemas.microsoft.com/office/drawing/2014/main" id="{576D2787-03A8-B144-AFB3-4F69BEBC77A7}"/>
+              </a:ext>
+            </a:extLst>
+          </p:cNvPr>
+          <p:cNvSpPr txBox="1"/>
+          <p:nvPr/>
+        </p:nvSpPr>
+        <p:spPr>
+          <a:xfrm>
+            <a:off x="4693920" y="2290355"/>
+            <a:ext cx="1271451" cy="369332"/>
+          </a:xfrm>
+          <a:prstGeom prst="rect">
+            <a:avLst/>
+          </a:prstGeom>
+          <a:noFill/>
+        </p:spPr>
+        <p:txBody>
+          <a:bodyPr wrap="square" rtlCol="0">
+            <a:spAutoFit/>
+          </a:bodyPr>
+          <a:lstStyle/>
+          <a:p>
+            <a:r>
+              <a:rPr lang="en-US" dirty="0">
+                <a:solidFill>
+                  <a:srgbClr val="FFFF00"/>
+                </a:solidFill>
+              </a:rPr>
+              <a:t>component</a:t>
+            </a:r>
+          </a:p>
+        </p:txBody>
+      </p:sp>
+      <p:sp>
+        <p:nvSpPr>
+          <p:cNvPr id="11" name="Rectangle 10">
+            <a:extLst>
+              <a:ext uri="{FF2B5EF4-FFF2-40B4-BE49-F238E27FC236}">
+                <a16:creationId xmlns:a16="http://schemas.microsoft.com/office/drawing/2014/main" id="{2AB1A6DF-C118-D74A-BFF0-9B50BD033CEA}"/>
+              </a:ext>
+            </a:extLst>
+          </p:cNvPr>
+          <p:cNvSpPr/>
+          <p:nvPr/>
+        </p:nvSpPr>
+        <p:spPr>
+          <a:xfrm>
+            <a:off x="3030583" y="3718560"/>
+            <a:ext cx="2978331" cy="235132"/>
+          </a:xfrm>
+          <a:prstGeom prst="rect">
+            <a:avLst/>
+          </a:prstGeom>
+          <a:solidFill>
+            <a:schemeClr val="accent2"/>
+          </a:solidFill>
+        </p:spPr>
+        <p:style>
+          <a:lnRef idx="2">
+            <a:schemeClr val="accent1">
+              <a:shade val="50000"/>
+            </a:schemeClr>
+          </a:lnRef>
+          <a:fillRef idx="1">
+            <a:schemeClr val="accent1"/>
+          </a:fillRef>
+          <a:effectRef idx="0">
+            <a:schemeClr val="accent1"/>
+          </a:effectRef>
+          <a:fontRef idx="minor">
+            <a:schemeClr val="lt1"/>
+          </a:fontRef>
+        </p:style>
+        <p:txBody>
+          <a:bodyPr rtlCol="0" anchor="ctr"/>
+          <a:lstStyle/>
+          <a:p>
+            <a:pPr algn="ctr"/>
+            <a:endParaRPr lang="en-US"/>
+          </a:p>
+        </p:txBody>
+      </p:sp>
+      <p:sp>
+        <p:nvSpPr>
+          <p:cNvPr id="12" name="TextBox 11">
+            <a:extLst>
+              <a:ext uri="{FF2B5EF4-FFF2-40B4-BE49-F238E27FC236}">
+                <a16:creationId xmlns:a16="http://schemas.microsoft.com/office/drawing/2014/main" id="{73318E2D-B337-F645-984C-6550B1FC7FFA}"/>
+              </a:ext>
+            </a:extLst>
+          </p:cNvPr>
+          <p:cNvSpPr txBox="1"/>
+          <p:nvPr/>
+        </p:nvSpPr>
+        <p:spPr>
+          <a:xfrm>
+            <a:off x="3152503" y="3152503"/>
+            <a:ext cx="1027611" cy="369332"/>
+          </a:xfrm>
+          <a:prstGeom prst="rect">
+            <a:avLst/>
+          </a:prstGeom>
+          <a:noFill/>
+        </p:spPr>
+        <p:txBody>
+          <a:bodyPr wrap="square" rtlCol="0">
+            <a:spAutoFit/>
+          </a:bodyPr>
+          <a:lstStyle/>
+          <a:p>
+            <a:r>
+              <a:rPr lang="en-US" dirty="0">
+                <a:solidFill>
+                  <a:srgbClr val="FFFF00"/>
+                </a:solidFill>
+              </a:rPr>
+              <a:t>path</a:t>
+            </a:r>
+          </a:p>
+        </p:txBody>
+      </p:sp>
+      <p:sp>
+        <p:nvSpPr>
+          <p:cNvPr id="13" name="TextBox 12">
+            <a:extLst>
+              <a:ext uri="{FF2B5EF4-FFF2-40B4-BE49-F238E27FC236}">
+                <a16:creationId xmlns:a16="http://schemas.microsoft.com/office/drawing/2014/main" id="{F4558094-7955-754B-8497-86C8DAE3860E}"/>
+              </a:ext>
+            </a:extLst>
+          </p:cNvPr>
+          <p:cNvSpPr txBox="1"/>
+          <p:nvPr/>
+        </p:nvSpPr>
+        <p:spPr>
+          <a:xfrm>
+            <a:off x="4693920" y="3152503"/>
+            <a:ext cx="1271451" cy="369332"/>
+          </a:xfrm>
+          <a:prstGeom prst="rect">
+            <a:avLst/>
+          </a:prstGeom>
+          <a:noFill/>
+        </p:spPr>
+        <p:txBody>
+          <a:bodyPr wrap="square" rtlCol="0">
+            <a:spAutoFit/>
+          </a:bodyPr>
+          <a:lstStyle/>
+          <a:p>
+            <a:r>
+              <a:rPr lang="en-US" dirty="0">
+                <a:solidFill>
+                  <a:srgbClr val="FFFF00"/>
+                </a:solidFill>
+              </a:rPr>
+              <a:t>component</a:t>
+            </a:r>
+          </a:p>
+        </p:txBody>
+      </p:sp>
+      <p:sp>
+        <p:nvSpPr>
+          <p:cNvPr id="14" name="Rectangle 13">
+            <a:extLst>
+              <a:ext uri="{FF2B5EF4-FFF2-40B4-BE49-F238E27FC236}">
+                <a16:creationId xmlns:a16="http://schemas.microsoft.com/office/drawing/2014/main" id="{1FFB4CBE-CDE9-5A4C-8049-45915D48ECE2}"/>
+              </a:ext>
+            </a:extLst>
+          </p:cNvPr>
+          <p:cNvSpPr/>
+          <p:nvPr/>
+        </p:nvSpPr>
+        <p:spPr>
+          <a:xfrm>
+            <a:off x="3030583" y="4519749"/>
+            <a:ext cx="2978331" cy="235132"/>
+          </a:xfrm>
+          <a:prstGeom prst="rect">
+            <a:avLst/>
+          </a:prstGeom>
+          <a:solidFill>
+            <a:schemeClr val="accent2"/>
+          </a:solidFill>
+        </p:spPr>
+        <p:style>
+          <a:lnRef idx="2">
+            <a:schemeClr val="accent1">
+              <a:shade val="50000"/>
+            </a:schemeClr>
+          </a:lnRef>
+          <a:fillRef idx="1">
+            <a:schemeClr val="accent1"/>
+          </a:fillRef>
+          <a:effectRef idx="0">
+            <a:schemeClr val="accent1"/>
+          </a:effectRef>
+          <a:fontRef idx="minor">
+            <a:schemeClr val="lt1"/>
+          </a:fontRef>
+        </p:style>
+        <p:txBody>
+          <a:bodyPr rtlCol="0" anchor="ctr"/>
+          <a:lstStyle/>
+          <a:p>
+            <a:pPr algn="ctr"/>
+            <a:endParaRPr lang="en-US"/>
+          </a:p>
+        </p:txBody>
+      </p:sp>
+      <p:sp>
+        <p:nvSpPr>
+          <p:cNvPr id="15" name="TextBox 14">
+            <a:extLst>
+              <a:ext uri="{FF2B5EF4-FFF2-40B4-BE49-F238E27FC236}">
+                <a16:creationId xmlns:a16="http://schemas.microsoft.com/office/drawing/2014/main" id="{30737999-D10D-A240-B346-87B1E99F0D98}"/>
+              </a:ext>
+            </a:extLst>
+          </p:cNvPr>
+          <p:cNvSpPr txBox="1"/>
+          <p:nvPr/>
+        </p:nvSpPr>
+        <p:spPr>
+          <a:xfrm>
+            <a:off x="3152503" y="3953692"/>
+            <a:ext cx="1027611" cy="369332"/>
+          </a:xfrm>
+          <a:prstGeom prst="rect">
+            <a:avLst/>
+          </a:prstGeom>
+          <a:noFill/>
+        </p:spPr>
+        <p:txBody>
+          <a:bodyPr wrap="square" rtlCol="0">
+            <a:spAutoFit/>
+          </a:bodyPr>
+          <a:lstStyle/>
+          <a:p>
+            <a:r>
+              <a:rPr lang="en-US" dirty="0">
+                <a:solidFill>
+                  <a:srgbClr val="FFFF00"/>
+                </a:solidFill>
+              </a:rPr>
+              <a:t>path</a:t>
+            </a:r>
+          </a:p>
+        </p:txBody>
+      </p:sp>
+      <p:sp>
+        <p:nvSpPr>
+          <p:cNvPr id="16" name="TextBox 15">
+            <a:extLst>
+              <a:ext uri="{FF2B5EF4-FFF2-40B4-BE49-F238E27FC236}">
+                <a16:creationId xmlns:a16="http://schemas.microsoft.com/office/drawing/2014/main" id="{A657CAE7-04E4-A648-A417-F9D8E095A384}"/>
+              </a:ext>
+            </a:extLst>
+          </p:cNvPr>
+          <p:cNvSpPr txBox="1"/>
+          <p:nvPr/>
+        </p:nvSpPr>
+        <p:spPr>
+          <a:xfrm>
+            <a:off x="4693920" y="3953692"/>
+            <a:ext cx="1271451" cy="369332"/>
+          </a:xfrm>
+          <a:prstGeom prst="rect">
+            <a:avLst/>
+          </a:prstGeom>
+          <a:noFill/>
+        </p:spPr>
+        <p:txBody>
+          <a:bodyPr wrap="square" rtlCol="0">
+            <a:spAutoFit/>
+          </a:bodyPr>
+          <a:lstStyle/>
+          <a:p>
+            <a:r>
+              <a:rPr lang="en-US" dirty="0">
+                <a:solidFill>
+                  <a:srgbClr val="FFFF00"/>
+                </a:solidFill>
+              </a:rPr>
+              <a:t>component</a:t>
+            </a:r>
+          </a:p>
+        </p:txBody>
+      </p:sp>
+      <p:sp>
+        <p:nvSpPr>
+          <p:cNvPr id="17" name="TextBox 16">
+            <a:extLst>
+              <a:ext uri="{FF2B5EF4-FFF2-40B4-BE49-F238E27FC236}">
+                <a16:creationId xmlns:a16="http://schemas.microsoft.com/office/drawing/2014/main" id="{C821929D-E876-6D46-8705-0F4F597D9F72}"/>
+              </a:ext>
+            </a:extLst>
+          </p:cNvPr>
+          <p:cNvSpPr txBox="1"/>
+          <p:nvPr/>
+        </p:nvSpPr>
+        <p:spPr>
+          <a:xfrm>
+            <a:off x="3004457" y="4806129"/>
+            <a:ext cx="1027611" cy="369332"/>
+          </a:xfrm>
+          <a:prstGeom prst="rect">
+            <a:avLst/>
+          </a:prstGeom>
+          <a:noFill/>
+        </p:spPr>
+        <p:txBody>
+          <a:bodyPr wrap="square" rtlCol="0">
+            <a:spAutoFit/>
+          </a:bodyPr>
+          <a:lstStyle/>
+          <a:p>
+            <a:r>
+              <a:rPr lang="en-US" dirty="0">
+                <a:solidFill>
+                  <a:srgbClr val="FFFF00"/>
+                </a:solidFill>
+              </a:rPr>
+              <a:t>path</a:t>
+            </a:r>
+          </a:p>
+        </p:txBody>
+      </p:sp>
+      <p:sp>
+        <p:nvSpPr>
+          <p:cNvPr id="18" name="TextBox 17">
+            <a:extLst>
+              <a:ext uri="{FF2B5EF4-FFF2-40B4-BE49-F238E27FC236}">
+                <a16:creationId xmlns:a16="http://schemas.microsoft.com/office/drawing/2014/main" id="{2AAF7981-6077-434A-A988-ED2D9678EFAB}"/>
+              </a:ext>
+            </a:extLst>
+          </p:cNvPr>
+          <p:cNvSpPr txBox="1"/>
+          <p:nvPr/>
+        </p:nvSpPr>
+        <p:spPr>
+          <a:xfrm>
+            <a:off x="4545874" y="4806129"/>
+            <a:ext cx="1271451" cy="369332"/>
+          </a:xfrm>
+          <a:prstGeom prst="rect">
+            <a:avLst/>
+          </a:prstGeom>
+          <a:noFill/>
+        </p:spPr>
+        <p:txBody>
+          <a:bodyPr wrap="square" rtlCol="0">
+            <a:spAutoFit/>
+          </a:bodyPr>
+          <a:lstStyle/>
+          <a:p>
+            <a:r>
+              <a:rPr lang="en-US" dirty="0">
+                <a:solidFill>
+                  <a:srgbClr val="FFFF00"/>
+                </a:solidFill>
+              </a:rPr>
+              <a:t>component</a:t>
+            </a:r>
+          </a:p>
+        </p:txBody>
+      </p:sp>
+      <p:sp>
+        <p:nvSpPr>
+          <p:cNvPr id="19" name="TextBox 18">
+            <a:extLst>
+              <a:ext uri="{FF2B5EF4-FFF2-40B4-BE49-F238E27FC236}">
+                <a16:creationId xmlns:a16="http://schemas.microsoft.com/office/drawing/2014/main" id="{AFF8977E-27C0-4E45-BD83-18877AA6D984}"/>
+              </a:ext>
+            </a:extLst>
+          </p:cNvPr>
+          <p:cNvSpPr txBox="1"/>
+          <p:nvPr/>
+        </p:nvSpPr>
+        <p:spPr>
+          <a:xfrm>
+            <a:off x="513806" y="182880"/>
+            <a:ext cx="2281645" cy="369332"/>
+          </a:xfrm>
+          <a:prstGeom prst="rect">
+            <a:avLst/>
+          </a:prstGeom>
+          <a:noFill/>
+        </p:spPr>
+        <p:txBody>
+          <a:bodyPr wrap="square" rtlCol="0">
+            <a:spAutoFit/>
+          </a:bodyPr>
+          <a:lstStyle/>
+          <a:p>
+            <a:r>
+              <a:rPr lang="en-US" dirty="0"/>
+              <a:t>Route Dictionary</a:t>
+            </a:r>
+          </a:p>
+        </p:txBody>
+      </p:sp>
+      <p:sp>
+        <p:nvSpPr>
+          <p:cNvPr id="20" name="Curved Left Arrow 19">
+            <a:extLst>
+              <a:ext uri="{FF2B5EF4-FFF2-40B4-BE49-F238E27FC236}">
+                <a16:creationId xmlns:a16="http://schemas.microsoft.com/office/drawing/2014/main" id="{E228B521-DF01-4A4F-AA15-A6D318E0B2E6}"/>
+              </a:ext>
+            </a:extLst>
+          </p:cNvPr>
+          <p:cNvSpPr/>
+          <p:nvPr/>
+        </p:nvSpPr>
+        <p:spPr>
+          <a:xfrm>
+            <a:off x="6096000" y="1454331"/>
+            <a:ext cx="574766" cy="1123406"/>
+          </a:xfrm>
+          <a:prstGeom prst="curvedLeftArrow">
+            <a:avLst/>
+          </a:prstGeom>
+          <a:solidFill>
+            <a:srgbClr val="FFFF00"/>
+          </a:solidFill>
+        </p:spPr>
+        <p:style>
+          <a:lnRef idx="2">
+            <a:schemeClr val="accent1">
+              <a:shade val="50000"/>
+            </a:schemeClr>
+          </a:lnRef>
+          <a:fillRef idx="1">
+            <a:schemeClr val="accent1"/>
+          </a:fillRef>
+          <a:effectRef idx="0">
+            <a:schemeClr val="accent1"/>
+          </a:effectRef>
+          <a:fontRef idx="minor">
+            <a:schemeClr val="lt1"/>
+          </a:fontRef>
+        </p:style>
+        <p:txBody>
+          <a:bodyPr rtlCol="0" anchor="ctr"/>
+          <a:lstStyle/>
+          <a:p>
+            <a:pPr algn="ctr"/>
+            <a:endParaRPr lang="en-US">
+              <a:solidFill>
+                <a:schemeClr val="tx1"/>
+              </a:solidFill>
+            </a:endParaRPr>
+          </a:p>
+        </p:txBody>
+      </p:sp>
+      <p:sp>
+        <p:nvSpPr>
+          <p:cNvPr id="21" name="Curved Left Arrow 20">
+            <a:extLst>
+              <a:ext uri="{FF2B5EF4-FFF2-40B4-BE49-F238E27FC236}">
+                <a16:creationId xmlns:a16="http://schemas.microsoft.com/office/drawing/2014/main" id="{EF20A115-FFE8-CB42-A951-DD8BC415D540}"/>
+              </a:ext>
+            </a:extLst>
+          </p:cNvPr>
+          <p:cNvSpPr/>
+          <p:nvPr/>
+        </p:nvSpPr>
+        <p:spPr>
+          <a:xfrm>
+            <a:off x="6148251" y="2659687"/>
+            <a:ext cx="574766" cy="1123406"/>
+          </a:xfrm>
+          <a:prstGeom prst="curvedLeftArrow">
+            <a:avLst/>
+          </a:prstGeom>
+          <a:solidFill>
+            <a:srgbClr val="FFFF00"/>
+          </a:solidFill>
+        </p:spPr>
+        <p:style>
+          <a:lnRef idx="2">
+            <a:schemeClr val="accent1">
+              <a:shade val="50000"/>
+            </a:schemeClr>
+          </a:lnRef>
+          <a:fillRef idx="1">
+            <a:schemeClr val="accent1"/>
+          </a:fillRef>
+          <a:effectRef idx="0">
+            <a:schemeClr val="accent1"/>
+          </a:effectRef>
+          <a:fontRef idx="minor">
+            <a:schemeClr val="lt1"/>
+          </a:fontRef>
+        </p:style>
+        <p:txBody>
+          <a:bodyPr rtlCol="0" anchor="ctr"/>
+          <a:lstStyle/>
+          <a:p>
+            <a:pPr algn="ctr"/>
+            <a:endParaRPr lang="en-US">
+              <a:solidFill>
+                <a:schemeClr val="tx1"/>
+              </a:solidFill>
+            </a:endParaRPr>
+          </a:p>
+        </p:txBody>
+      </p:sp>
+      <p:sp>
+        <p:nvSpPr>
+          <p:cNvPr id="22" name="Curved Left Arrow 21">
+            <a:extLst>
+              <a:ext uri="{FF2B5EF4-FFF2-40B4-BE49-F238E27FC236}">
+                <a16:creationId xmlns:a16="http://schemas.microsoft.com/office/drawing/2014/main" id="{A10B2F0A-049D-1D49-8AC7-60F629F4B961}"/>
+              </a:ext>
+            </a:extLst>
+          </p:cNvPr>
+          <p:cNvSpPr/>
+          <p:nvPr/>
+        </p:nvSpPr>
+        <p:spPr>
+          <a:xfrm>
+            <a:off x="6122125" y="4020792"/>
+            <a:ext cx="574766" cy="1123406"/>
+          </a:xfrm>
+          <a:prstGeom prst="curvedLeftArrow">
+            <a:avLst/>
+          </a:prstGeom>
+          <a:solidFill>
+            <a:srgbClr val="FFFF00"/>
+          </a:solidFill>
+        </p:spPr>
+        <p:style>
+          <a:lnRef idx="2">
+            <a:schemeClr val="accent1">
+              <a:shade val="50000"/>
+            </a:schemeClr>
+          </a:lnRef>
+          <a:fillRef idx="1">
+            <a:schemeClr val="accent1"/>
+          </a:fillRef>
+          <a:effectRef idx="0">
+            <a:schemeClr val="accent1"/>
+          </a:effectRef>
+          <a:fontRef idx="minor">
+            <a:schemeClr val="lt1"/>
+          </a:fontRef>
+        </p:style>
+        <p:txBody>
+          <a:bodyPr rtlCol="0" anchor="ctr"/>
+          <a:lstStyle/>
+          <a:p>
+            <a:pPr algn="ctr"/>
+            <a:endParaRPr lang="en-US">
+              <a:solidFill>
+                <a:schemeClr val="tx1"/>
+              </a:solidFill>
+            </a:endParaRPr>
+          </a:p>
+        </p:txBody>
+      </p:sp>
+      <p:sp>
+        <p:nvSpPr>
+          <p:cNvPr id="23" name="TextBox 22">
+            <a:extLst>
+              <a:ext uri="{FF2B5EF4-FFF2-40B4-BE49-F238E27FC236}">
+                <a16:creationId xmlns:a16="http://schemas.microsoft.com/office/drawing/2014/main" id="{505B89CE-F43A-2644-A951-64D31E64A2F8}"/>
+              </a:ext>
+            </a:extLst>
+          </p:cNvPr>
+          <p:cNvSpPr txBox="1"/>
+          <p:nvPr/>
+        </p:nvSpPr>
+        <p:spPr>
+          <a:xfrm>
+            <a:off x="7524206" y="1193074"/>
+            <a:ext cx="4101737" cy="1754326"/>
+          </a:xfrm>
+          <a:prstGeom prst="rect">
+            <a:avLst/>
+          </a:prstGeom>
+          <a:noFill/>
+        </p:spPr>
+        <p:txBody>
+          <a:bodyPr wrap="square" rtlCol="0">
+            <a:spAutoFit/>
+          </a:bodyPr>
+          <a:lstStyle/>
+          <a:p>
+            <a:r>
+              <a:rPr lang="en-US" dirty="0"/>
+              <a:t>History: </a:t>
+            </a:r>
+            <a:r>
+              <a:rPr lang="en-US" dirty="0" err="1"/>
+              <a:t>Obejct</a:t>
+            </a:r>
+            <a:r>
+              <a:rPr lang="en-US" dirty="0"/>
+              <a:t> that contains the previous Routing </a:t>
+            </a:r>
+            <a:r>
+              <a:rPr lang="en-US" dirty="0" err="1"/>
+              <a:t>path:component</a:t>
+            </a:r>
+            <a:r>
+              <a:rPr lang="en-US" dirty="0"/>
+              <a:t> pair by default.</a:t>
+            </a:r>
+          </a:p>
+          <a:p>
+            <a:r>
+              <a:rPr lang="en-US" dirty="0"/>
+              <a:t>Also the explicitly the history object can be pushed with the target navigable </a:t>
+            </a:r>
+            <a:r>
+              <a:rPr lang="en-US" dirty="0" err="1"/>
+              <a:t>path:component</a:t>
+            </a:r>
+            <a:r>
+              <a:rPr lang="en-US" dirty="0"/>
+              <a:t> pair for custom or event based routing</a:t>
+            </a:r>
+          </a:p>
+        </p:txBody>
+      </p:sp>
+      <p:sp>
+        <p:nvSpPr>
+          <p:cNvPr id="24" name="Curved Right Arrow 23">
+            <a:extLst>
+              <a:ext uri="{FF2B5EF4-FFF2-40B4-BE49-F238E27FC236}">
+                <a16:creationId xmlns:a16="http://schemas.microsoft.com/office/drawing/2014/main" id="{D5855A49-44D9-814C-AA81-CABD384FEEAD}"/>
+              </a:ext>
+            </a:extLst>
+          </p:cNvPr>
+          <p:cNvSpPr/>
+          <p:nvPr/>
+        </p:nvSpPr>
+        <p:spPr>
+          <a:xfrm>
+            <a:off x="1968138" y="2290355"/>
+            <a:ext cx="1001485" cy="2853843"/>
+          </a:xfrm>
+          <a:prstGeom prst="curvedRightArrow">
+            <a:avLst/>
+          </a:prstGeom>
+          <a:solidFill>
+            <a:srgbClr val="FFFF00"/>
+          </a:solidFill>
+        </p:spPr>
+        <p:style>
+          <a:lnRef idx="2">
+            <a:schemeClr val="accent1">
+              <a:shade val="50000"/>
+            </a:schemeClr>
+          </a:lnRef>
+          <a:fillRef idx="1">
+            <a:schemeClr val="accent1"/>
+          </a:fillRef>
+          <a:effectRef idx="0">
+            <a:schemeClr val="accent1"/>
+          </a:effectRef>
+          <a:fontRef idx="minor">
+            <a:schemeClr val="lt1"/>
+          </a:fontRef>
+        </p:style>
+        <p:txBody>
+          <a:bodyPr rtlCol="0" anchor="ctr"/>
+          <a:lstStyle/>
+          <a:p>
+            <a:pPr algn="ctr"/>
+            <a:endParaRPr lang="en-US">
+              <a:solidFill>
+                <a:schemeClr val="tx1"/>
+              </a:solidFill>
+            </a:endParaRPr>
+          </a:p>
+        </p:txBody>
+      </p:sp>
+      <p:sp>
+        <p:nvSpPr>
+          <p:cNvPr id="25" name="TextBox 24">
+            <a:extLst>
+              <a:ext uri="{FF2B5EF4-FFF2-40B4-BE49-F238E27FC236}">
+                <a16:creationId xmlns:a16="http://schemas.microsoft.com/office/drawing/2014/main" id="{815C1622-807C-674B-9C42-E1465A66D91F}"/>
+              </a:ext>
+            </a:extLst>
+          </p:cNvPr>
+          <p:cNvSpPr txBox="1"/>
+          <p:nvPr/>
+        </p:nvSpPr>
+        <p:spPr>
+          <a:xfrm>
+            <a:off x="121920" y="5860869"/>
+            <a:ext cx="3396342" cy="646331"/>
+          </a:xfrm>
+          <a:prstGeom prst="rect">
+            <a:avLst/>
+          </a:prstGeom>
+          <a:noFill/>
+        </p:spPr>
+        <p:txBody>
+          <a:bodyPr wrap="square" rtlCol="0">
+            <a:spAutoFit/>
+          </a:bodyPr>
+          <a:lstStyle/>
+          <a:p>
+            <a:r>
+              <a:rPr lang="en-US" dirty="0" err="1"/>
+              <a:t>Props.history.push</a:t>
+            </a:r>
+            <a:r>
+              <a:rPr lang="en-US" dirty="0"/>
+              <a:t>(path)</a:t>
+            </a:r>
+          </a:p>
+          <a:p>
+            <a:r>
+              <a:rPr lang="en-US" dirty="0"/>
+              <a:t>For conditional navigation</a:t>
+            </a:r>
+          </a:p>
+        </p:txBody>
+      </p:sp>
+      <p:cxnSp>
+        <p:nvCxnSpPr>
+          <p:cNvPr id="27" name="Straight Arrow Connector 26">
+            <a:extLst>
+              <a:ext uri="{FF2B5EF4-FFF2-40B4-BE49-F238E27FC236}">
+                <a16:creationId xmlns:a16="http://schemas.microsoft.com/office/drawing/2014/main" id="{4455EA77-9700-AC4F-9B6F-48D1245013AD}"/>
+              </a:ext>
+            </a:extLst>
+          </p:cNvPr>
+          <p:cNvCxnSpPr>
+            <a:stCxn id="25" idx="0"/>
+          </p:cNvCxnSpPr>
+          <p:nvPr/>
+        </p:nvCxnSpPr>
+        <p:spPr>
+          <a:xfrm flipV="1">
+            <a:off x="1820091" y="4637315"/>
+            <a:ext cx="374469" cy="1223554"/>
+          </a:xfrm>
+          <a:prstGeom prst="straightConnector1">
+            <a:avLst/>
+          </a:prstGeom>
+          <a:ln>
+            <a:tailEnd type="triangle"/>
+          </a:ln>
+        </p:spPr>
+        <p:style>
+          <a:lnRef idx="1">
+            <a:schemeClr val="accent1"/>
+          </a:lnRef>
+          <a:fillRef idx="0">
+            <a:schemeClr val="accent1"/>
+          </a:fillRef>
+          <a:effectRef idx="0">
+            <a:schemeClr val="accent1"/>
+          </a:effectRef>
+          <a:fontRef idx="minor">
+            <a:schemeClr val="tx1"/>
+          </a:fontRef>
+        </p:style>
+      </p:cxnSp>
+    </p:spTree>
+    <p:extLst>
+      <p:ext uri="{BB962C8B-B14F-4D97-AF65-F5344CB8AC3E}">
+        <p14:creationId xmlns:p14="http://schemas.microsoft.com/office/powerpoint/2010/main" val="3905157654"/>
+      </p:ext>
+    </p:extLst>
+  </p:cSld>
+  <p:clrMapOvr>
+    <a:masterClrMapping/>
+  </p:clrMapOvr>
+</p:sld>
+</file>
+
 <file path=ppt/slides/slide5.xml><?xml version="1.0" encoding="utf-8"?>
 <p:sld xmlns:a="http://schemas.openxmlformats.org/drawingml/2006/main" xmlns:r="http://schemas.openxmlformats.org/officeDocument/2006/relationships" xmlns:p="http://schemas.openxmlformats.org/presentationml/2006/main">
   <p:cSld>

--- a/SpotPPTs.pptx
+++ b/SpotPPTs.pptx
@@ -54,6 +54,7 @@
     <p:sldId id="301" r:id="rId48"/>
     <p:sldId id="302" r:id="rId49"/>
     <p:sldId id="304" r:id="rId50"/>
+    <p:sldId id="305" r:id="rId51"/>
   </p:sldIdLst>
   <p:sldSz cx="12192000" cy="6858000"/>
   <p:notesSz cx="6858000" cy="9144000"/>
@@ -309,7 +310,7 @@
           <a:p>
             <a:fld id="{6B75415C-91ED-7941-9068-396BBFB028E8}" type="datetimeFigureOut">
               <a:rPr lang="en-US" smtClean="0"/>
-              <a:t>5/7/21</a:t>
+              <a:t>5/8/21</a:t>
             </a:fld>
             <a:endParaRPr lang="en-US"/>
           </a:p>
@@ -509,7 +510,7 @@
           <a:p>
             <a:fld id="{6B75415C-91ED-7941-9068-396BBFB028E8}" type="datetimeFigureOut">
               <a:rPr lang="en-US" smtClean="0"/>
-              <a:t>5/7/21</a:t>
+              <a:t>5/8/21</a:t>
             </a:fld>
             <a:endParaRPr lang="en-US"/>
           </a:p>
@@ -719,7 +720,7 @@
           <a:p>
             <a:fld id="{6B75415C-91ED-7941-9068-396BBFB028E8}" type="datetimeFigureOut">
               <a:rPr lang="en-US" smtClean="0"/>
-              <a:t>5/7/21</a:t>
+              <a:t>5/8/21</a:t>
             </a:fld>
             <a:endParaRPr lang="en-US"/>
           </a:p>
@@ -919,7 +920,7 @@
           <a:p>
             <a:fld id="{6B75415C-91ED-7941-9068-396BBFB028E8}" type="datetimeFigureOut">
               <a:rPr lang="en-US" smtClean="0"/>
-              <a:t>5/7/21</a:t>
+              <a:t>5/8/21</a:t>
             </a:fld>
             <a:endParaRPr lang="en-US"/>
           </a:p>
@@ -1195,7 +1196,7 @@
           <a:p>
             <a:fld id="{6B75415C-91ED-7941-9068-396BBFB028E8}" type="datetimeFigureOut">
               <a:rPr lang="en-US" smtClean="0"/>
-              <a:t>5/7/21</a:t>
+              <a:t>5/8/21</a:t>
             </a:fld>
             <a:endParaRPr lang="en-US"/>
           </a:p>
@@ -1463,7 +1464,7 @@
           <a:p>
             <a:fld id="{6B75415C-91ED-7941-9068-396BBFB028E8}" type="datetimeFigureOut">
               <a:rPr lang="en-US" smtClean="0"/>
-              <a:t>5/7/21</a:t>
+              <a:t>5/8/21</a:t>
             </a:fld>
             <a:endParaRPr lang="en-US"/>
           </a:p>
@@ -1878,7 +1879,7 @@
           <a:p>
             <a:fld id="{6B75415C-91ED-7941-9068-396BBFB028E8}" type="datetimeFigureOut">
               <a:rPr lang="en-US" smtClean="0"/>
-              <a:t>5/7/21</a:t>
+              <a:t>5/8/21</a:t>
             </a:fld>
             <a:endParaRPr lang="en-US"/>
           </a:p>
@@ -2020,7 +2021,7 @@
           <a:p>
             <a:fld id="{6B75415C-91ED-7941-9068-396BBFB028E8}" type="datetimeFigureOut">
               <a:rPr lang="en-US" smtClean="0"/>
-              <a:t>5/7/21</a:t>
+              <a:t>5/8/21</a:t>
             </a:fld>
             <a:endParaRPr lang="en-US"/>
           </a:p>
@@ -2133,7 +2134,7 @@
           <a:p>
             <a:fld id="{6B75415C-91ED-7941-9068-396BBFB028E8}" type="datetimeFigureOut">
               <a:rPr lang="en-US" smtClean="0"/>
-              <a:t>5/7/21</a:t>
+              <a:t>5/8/21</a:t>
             </a:fld>
             <a:endParaRPr lang="en-US"/>
           </a:p>
@@ -2446,7 +2447,7 @@
           <a:p>
             <a:fld id="{6B75415C-91ED-7941-9068-396BBFB028E8}" type="datetimeFigureOut">
               <a:rPr lang="en-US" smtClean="0"/>
-              <a:t>5/7/21</a:t>
+              <a:t>5/8/21</a:t>
             </a:fld>
             <a:endParaRPr lang="en-US"/>
           </a:p>
@@ -2735,7 +2736,7 @@
           <a:p>
             <a:fld id="{6B75415C-91ED-7941-9068-396BBFB028E8}" type="datetimeFigureOut">
               <a:rPr lang="en-US" smtClean="0"/>
-              <a:t>5/7/21</a:t>
+              <a:t>5/8/21</a:t>
             </a:fld>
             <a:endParaRPr lang="en-US"/>
           </a:p>
@@ -2978,7 +2979,7 @@
           <a:p>
             <a:fld id="{6B75415C-91ED-7941-9068-396BBFB028E8}" type="datetimeFigureOut">
               <a:rPr lang="en-US" smtClean="0"/>
-              <a:t>5/7/21</a:t>
+              <a:t>5/8/21</a:t>
             </a:fld>
             <a:endParaRPr lang="en-US"/>
           </a:p>
@@ -33699,11 +33700,7 @@
           <a:p>
             <a:r>
               <a:rPr lang="en-US" dirty="0"/>
-              <a:t>Global Application </a:t>
-            </a:r>
-            <a:r>
-              <a:rPr lang="en-US"/>
-              <a:t>State Management</a:t>
+              <a:t>Global Application State Management</a:t>
             </a:r>
           </a:p>
         </p:txBody>
@@ -33950,6 +33947,878 @@
     <p:extLst>
       <p:ext uri="{BB962C8B-B14F-4D97-AF65-F5344CB8AC3E}">
         <p14:creationId xmlns:p14="http://schemas.microsoft.com/office/powerpoint/2010/main" val="1449367408"/>
+      </p:ext>
+    </p:extLst>
+  </p:cSld>
+  <p:clrMapOvr>
+    <a:masterClrMapping/>
+  </p:clrMapOvr>
+</p:sld>
+</file>
+
+<file path=ppt/slides/slide50.xml><?xml version="1.0" encoding="utf-8"?>
+<p:sld xmlns:a="http://schemas.openxmlformats.org/drawingml/2006/main" xmlns:r="http://schemas.openxmlformats.org/officeDocument/2006/relationships" xmlns:p="http://schemas.openxmlformats.org/presentationml/2006/main">
+  <p:cSld>
+    <p:spTree>
+      <p:nvGrpSpPr>
+        <p:cNvPr id="1" name=""/>
+        <p:cNvGrpSpPr/>
+        <p:nvPr/>
+      </p:nvGrpSpPr>
+      <p:grpSpPr>
+        <a:xfrm>
+          <a:off x="0" y="0"/>
+          <a:ext cx="0" cy="0"/>
+          <a:chOff x="0" y="0"/>
+          <a:chExt cx="0" cy="0"/>
+        </a:xfrm>
+      </p:grpSpPr>
+      <p:sp>
+        <p:nvSpPr>
+          <p:cNvPr id="2" name="Can 1">
+            <a:extLst>
+              <a:ext uri="{FF2B5EF4-FFF2-40B4-BE49-F238E27FC236}">
+                <a16:creationId xmlns:a16="http://schemas.microsoft.com/office/drawing/2014/main" id="{3E99F018-D108-124E-9C0A-995B6586E45D}"/>
+              </a:ext>
+            </a:extLst>
+          </p:cNvPr>
+          <p:cNvSpPr/>
+          <p:nvPr/>
+        </p:nvSpPr>
+        <p:spPr>
+          <a:xfrm>
+            <a:off x="8786949" y="1602377"/>
+            <a:ext cx="2830285" cy="4380412"/>
+          </a:xfrm>
+          <a:prstGeom prst="can">
+            <a:avLst/>
+          </a:prstGeom>
+        </p:spPr>
+        <p:style>
+          <a:lnRef idx="2">
+            <a:schemeClr val="accent1">
+              <a:shade val="50000"/>
+            </a:schemeClr>
+          </a:lnRef>
+          <a:fillRef idx="1">
+            <a:schemeClr val="accent1"/>
+          </a:fillRef>
+          <a:effectRef idx="0">
+            <a:schemeClr val="accent1"/>
+          </a:effectRef>
+          <a:fontRef idx="minor">
+            <a:schemeClr val="lt1"/>
+          </a:fontRef>
+        </p:style>
+        <p:txBody>
+          <a:bodyPr rtlCol="0" anchor="ctr"/>
+          <a:lstStyle/>
+          <a:p>
+            <a:pPr algn="ctr"/>
+            <a:endParaRPr lang="en-US"/>
+          </a:p>
+        </p:txBody>
+      </p:sp>
+      <p:graphicFrame>
+        <p:nvGraphicFramePr>
+          <p:cNvPr id="3" name="Table 3">
+            <a:extLst>
+              <a:ext uri="{FF2B5EF4-FFF2-40B4-BE49-F238E27FC236}">
+                <a16:creationId xmlns:a16="http://schemas.microsoft.com/office/drawing/2014/main" id="{01FD666D-0FCF-2449-83D7-EA445FCD8EAF}"/>
+              </a:ext>
+            </a:extLst>
+          </p:cNvPr>
+          <p:cNvGraphicFramePr>
+            <a:graphicFrameLocks noGrp="1"/>
+          </p:cNvGraphicFramePr>
+          <p:nvPr>
+            <p:extLst>
+              <p:ext uri="{D42A27DB-BD31-4B8C-83A1-F6EECF244321}">
+                <p14:modId xmlns:p14="http://schemas.microsoft.com/office/powerpoint/2010/main" val="2691500326"/>
+              </p:ext>
+            </p:extLst>
+          </p:nvPr>
+        </p:nvGraphicFramePr>
+        <p:xfrm>
+          <a:off x="8972731" y="2687320"/>
+          <a:ext cx="2008776" cy="741680"/>
+        </p:xfrm>
+        <a:graphic>
+          <a:graphicData uri="http://schemas.openxmlformats.org/drawingml/2006/table">
+            <a:tbl>
+              <a:tblPr firstRow="1" bandRow="1">
+                <a:tableStyleId>{5C22544A-7EE6-4342-B048-85BDC9FD1C3A}</a:tableStyleId>
+              </a:tblPr>
+              <a:tblGrid>
+                <a:gridCol w="669592">
+                  <a:extLst>
+                    <a:ext uri="{9D8B030D-6E8A-4147-A177-3AD203B41FA5}">
+                      <a16:colId xmlns:a16="http://schemas.microsoft.com/office/drawing/2014/main" val="3872379514"/>
+                    </a:ext>
+                  </a:extLst>
+                </a:gridCol>
+                <a:gridCol w="669592">
+                  <a:extLst>
+                    <a:ext uri="{9D8B030D-6E8A-4147-A177-3AD203B41FA5}">
+                      <a16:colId xmlns:a16="http://schemas.microsoft.com/office/drawing/2014/main" val="2972590580"/>
+                    </a:ext>
+                  </a:extLst>
+                </a:gridCol>
+                <a:gridCol w="669592">
+                  <a:extLst>
+                    <a:ext uri="{9D8B030D-6E8A-4147-A177-3AD203B41FA5}">
+                      <a16:colId xmlns:a16="http://schemas.microsoft.com/office/drawing/2014/main" val="1947381168"/>
+                    </a:ext>
+                  </a:extLst>
+                </a:gridCol>
+              </a:tblGrid>
+              <a:tr h="370840">
+                <a:tc>
+                  <a:txBody>
+                    <a:bodyPr/>
+                    <a:lstStyle/>
+                    <a:p>
+                      <a:endParaRPr lang="en-US"/>
+                    </a:p>
+                  </a:txBody>
+                  <a:tcPr/>
+                </a:tc>
+                <a:tc>
+                  <a:txBody>
+                    <a:bodyPr/>
+                    <a:lstStyle/>
+                    <a:p>
+                      <a:endParaRPr lang="en-US"/>
+                    </a:p>
+                  </a:txBody>
+                  <a:tcPr/>
+                </a:tc>
+                <a:tc>
+                  <a:txBody>
+                    <a:bodyPr/>
+                    <a:lstStyle/>
+                    <a:p>
+                      <a:endParaRPr lang="en-US" dirty="0"/>
+                    </a:p>
+                  </a:txBody>
+                  <a:tcPr/>
+                </a:tc>
+                <a:extLst>
+                  <a:ext uri="{0D108BD9-81ED-4DB2-BD59-A6C34878D82A}">
+                    <a16:rowId xmlns:a16="http://schemas.microsoft.com/office/drawing/2014/main" val="667399453"/>
+                  </a:ext>
+                </a:extLst>
+              </a:tr>
+              <a:tr h="370840">
+                <a:tc>
+                  <a:txBody>
+                    <a:bodyPr/>
+                    <a:lstStyle/>
+                    <a:p>
+                      <a:endParaRPr lang="en-US"/>
+                    </a:p>
+                  </a:txBody>
+                  <a:tcPr/>
+                </a:tc>
+                <a:tc>
+                  <a:txBody>
+                    <a:bodyPr/>
+                    <a:lstStyle/>
+                    <a:p>
+                      <a:endParaRPr lang="en-US"/>
+                    </a:p>
+                  </a:txBody>
+                  <a:tcPr/>
+                </a:tc>
+                <a:tc>
+                  <a:txBody>
+                    <a:bodyPr/>
+                    <a:lstStyle/>
+                    <a:p>
+                      <a:endParaRPr lang="en-US" dirty="0"/>
+                    </a:p>
+                  </a:txBody>
+                  <a:tcPr/>
+                </a:tc>
+                <a:extLst>
+                  <a:ext uri="{0D108BD9-81ED-4DB2-BD59-A6C34878D82A}">
+                    <a16:rowId xmlns:a16="http://schemas.microsoft.com/office/drawing/2014/main" val="2169082404"/>
+                  </a:ext>
+                </a:extLst>
+              </a:tr>
+            </a:tbl>
+          </a:graphicData>
+        </a:graphic>
+      </p:graphicFrame>
+      <p:sp>
+        <p:nvSpPr>
+          <p:cNvPr id="4" name="Rectangle 3">
+            <a:extLst>
+              <a:ext uri="{FF2B5EF4-FFF2-40B4-BE49-F238E27FC236}">
+                <a16:creationId xmlns:a16="http://schemas.microsoft.com/office/drawing/2014/main" id="{7DE85E80-674C-5145-8E6D-0B9A4374458A}"/>
+              </a:ext>
+            </a:extLst>
+          </p:cNvPr>
+          <p:cNvSpPr/>
+          <p:nvPr/>
+        </p:nvSpPr>
+        <p:spPr>
+          <a:xfrm>
+            <a:off x="448492" y="1436914"/>
+            <a:ext cx="5913120" cy="4929052"/>
+          </a:xfrm>
+          <a:prstGeom prst="rect">
+            <a:avLst/>
+          </a:prstGeom>
+        </p:spPr>
+        <p:style>
+          <a:lnRef idx="2">
+            <a:schemeClr val="accent6"/>
+          </a:lnRef>
+          <a:fillRef idx="1">
+            <a:schemeClr val="lt1"/>
+          </a:fillRef>
+          <a:effectRef idx="0">
+            <a:schemeClr val="accent6"/>
+          </a:effectRef>
+          <a:fontRef idx="minor">
+            <a:schemeClr val="dk1"/>
+          </a:fontRef>
+        </p:style>
+        <p:txBody>
+          <a:bodyPr rtlCol="0" anchor="ctr"/>
+          <a:lstStyle/>
+          <a:p>
+            <a:pPr algn="ctr"/>
+            <a:endParaRPr lang="en-US"/>
+          </a:p>
+        </p:txBody>
+      </p:sp>
+      <p:sp>
+        <p:nvSpPr>
+          <p:cNvPr id="5" name="TextBox 4">
+            <a:extLst>
+              <a:ext uri="{FF2B5EF4-FFF2-40B4-BE49-F238E27FC236}">
+                <a16:creationId xmlns:a16="http://schemas.microsoft.com/office/drawing/2014/main" id="{8E87D20C-5EF8-A943-BCFC-846816EF5544}"/>
+              </a:ext>
+            </a:extLst>
+          </p:cNvPr>
+          <p:cNvSpPr txBox="1"/>
+          <p:nvPr/>
+        </p:nvSpPr>
+        <p:spPr>
+          <a:xfrm>
+            <a:off x="940526" y="670560"/>
+            <a:ext cx="4641668" cy="369332"/>
+          </a:xfrm>
+          <a:prstGeom prst="rect">
+            <a:avLst/>
+          </a:prstGeom>
+          <a:noFill/>
+        </p:spPr>
+        <p:txBody>
+          <a:bodyPr wrap="square" rtlCol="0">
+            <a:spAutoFit/>
+          </a:bodyPr>
+          <a:lstStyle/>
+          <a:p>
+            <a:pPr algn="ctr"/>
+            <a:r>
+              <a:rPr lang="en-US" dirty="0"/>
+              <a:t>App Using EF Core</a:t>
+            </a:r>
+          </a:p>
+        </p:txBody>
+      </p:sp>
+      <p:sp>
+        <p:nvSpPr>
+          <p:cNvPr id="6" name="Left Arrow 5">
+            <a:extLst>
+              <a:ext uri="{FF2B5EF4-FFF2-40B4-BE49-F238E27FC236}">
+                <a16:creationId xmlns:a16="http://schemas.microsoft.com/office/drawing/2014/main" id="{9B4F361E-88B9-EC42-8B16-228D052B3EB5}"/>
+              </a:ext>
+            </a:extLst>
+          </p:cNvPr>
+          <p:cNvSpPr/>
+          <p:nvPr/>
+        </p:nvSpPr>
+        <p:spPr>
+          <a:xfrm>
+            <a:off x="6479177" y="3058160"/>
+            <a:ext cx="2087880" cy="608149"/>
+          </a:xfrm>
+          <a:prstGeom prst="leftArrow">
+            <a:avLst/>
+          </a:prstGeom>
+        </p:spPr>
+        <p:style>
+          <a:lnRef idx="2">
+            <a:schemeClr val="accent1">
+              <a:shade val="50000"/>
+            </a:schemeClr>
+          </a:lnRef>
+          <a:fillRef idx="1">
+            <a:schemeClr val="accent1"/>
+          </a:fillRef>
+          <a:effectRef idx="0">
+            <a:schemeClr val="accent1"/>
+          </a:effectRef>
+          <a:fontRef idx="minor">
+            <a:schemeClr val="lt1"/>
+          </a:fontRef>
+        </p:style>
+        <p:txBody>
+          <a:bodyPr rtlCol="0" anchor="ctr"/>
+          <a:lstStyle/>
+          <a:p>
+            <a:pPr algn="ctr"/>
+            <a:endParaRPr lang="en-US"/>
+          </a:p>
+        </p:txBody>
+      </p:sp>
+      <p:sp>
+        <p:nvSpPr>
+          <p:cNvPr id="7" name="Rounded Rectangle 6">
+            <a:extLst>
+              <a:ext uri="{FF2B5EF4-FFF2-40B4-BE49-F238E27FC236}">
+                <a16:creationId xmlns:a16="http://schemas.microsoft.com/office/drawing/2014/main" id="{1FC2202D-AF6F-3743-ADC9-E72C574C55CF}"/>
+              </a:ext>
+            </a:extLst>
+          </p:cNvPr>
+          <p:cNvSpPr/>
+          <p:nvPr/>
+        </p:nvSpPr>
+        <p:spPr>
+          <a:xfrm>
+            <a:off x="3405052" y="2420983"/>
+            <a:ext cx="2778034" cy="3396343"/>
+          </a:xfrm>
+          <a:prstGeom prst="roundRect">
+            <a:avLst>
+              <a:gd name="adj" fmla="val 4128"/>
+            </a:avLst>
+          </a:prstGeom>
+        </p:spPr>
+        <p:style>
+          <a:lnRef idx="2">
+            <a:schemeClr val="accent1">
+              <a:shade val="50000"/>
+            </a:schemeClr>
+          </a:lnRef>
+          <a:fillRef idx="1">
+            <a:schemeClr val="accent1"/>
+          </a:fillRef>
+          <a:effectRef idx="0">
+            <a:schemeClr val="accent1"/>
+          </a:effectRef>
+          <a:fontRef idx="minor">
+            <a:schemeClr val="lt1"/>
+          </a:fontRef>
+        </p:style>
+        <p:txBody>
+          <a:bodyPr rtlCol="0" anchor="ctr"/>
+          <a:lstStyle/>
+          <a:p>
+            <a:pPr algn="ctr"/>
+            <a:endParaRPr lang="en-US"/>
+          </a:p>
+        </p:txBody>
+      </p:sp>
+      <p:sp>
+        <p:nvSpPr>
+          <p:cNvPr id="8" name="TextBox 7">
+            <a:extLst>
+              <a:ext uri="{FF2B5EF4-FFF2-40B4-BE49-F238E27FC236}">
+                <a16:creationId xmlns:a16="http://schemas.microsoft.com/office/drawing/2014/main" id="{E48F3E54-122B-1040-AAF0-7C473DC2B934}"/>
+              </a:ext>
+            </a:extLst>
+          </p:cNvPr>
+          <p:cNvSpPr txBox="1"/>
+          <p:nvPr/>
+        </p:nvSpPr>
+        <p:spPr>
+          <a:xfrm>
+            <a:off x="3535680" y="1846217"/>
+            <a:ext cx="2307770" cy="369332"/>
+          </a:xfrm>
+          <a:prstGeom prst="rect">
+            <a:avLst/>
+          </a:prstGeom>
+          <a:noFill/>
+        </p:spPr>
+        <p:txBody>
+          <a:bodyPr wrap="square" rtlCol="0">
+            <a:spAutoFit/>
+          </a:bodyPr>
+          <a:lstStyle/>
+          <a:p>
+            <a:r>
+              <a:rPr lang="en-US" dirty="0" err="1"/>
+              <a:t>DbSet</a:t>
+            </a:r>
+            <a:r>
+              <a:rPr lang="en-US" dirty="0"/>
+              <a:t> Cursor</a:t>
+            </a:r>
+          </a:p>
+        </p:txBody>
+      </p:sp>
+      <p:graphicFrame>
+        <p:nvGraphicFramePr>
+          <p:cNvPr id="9" name="Table 3">
+            <a:extLst>
+              <a:ext uri="{FF2B5EF4-FFF2-40B4-BE49-F238E27FC236}">
+                <a16:creationId xmlns:a16="http://schemas.microsoft.com/office/drawing/2014/main" id="{ACDA4C3C-04A3-D54A-8D38-179B541A854A}"/>
+              </a:ext>
+            </a:extLst>
+          </p:cNvPr>
+          <p:cNvGraphicFramePr>
+            <a:graphicFrameLocks noGrp="1"/>
+          </p:cNvGraphicFramePr>
+          <p:nvPr>
+            <p:extLst>
+              <p:ext uri="{D42A27DB-BD31-4B8C-83A1-F6EECF244321}">
+                <p14:modId xmlns:p14="http://schemas.microsoft.com/office/powerpoint/2010/main" val="1432204991"/>
+              </p:ext>
+            </p:extLst>
+          </p:nvPr>
+        </p:nvGraphicFramePr>
+        <p:xfrm>
+          <a:off x="3679372" y="3110693"/>
+          <a:ext cx="2246808" cy="1098732"/>
+        </p:xfrm>
+        <a:graphic>
+          <a:graphicData uri="http://schemas.openxmlformats.org/drawingml/2006/table">
+            <a:tbl>
+              <a:tblPr firstRow="1" bandRow="1">
+                <a:tableStyleId>{5C22544A-7EE6-4342-B048-85BDC9FD1C3A}</a:tableStyleId>
+              </a:tblPr>
+              <a:tblGrid>
+                <a:gridCol w="748936">
+                  <a:extLst>
+                    <a:ext uri="{9D8B030D-6E8A-4147-A177-3AD203B41FA5}">
+                      <a16:colId xmlns:a16="http://schemas.microsoft.com/office/drawing/2014/main" val="3872379514"/>
+                    </a:ext>
+                  </a:extLst>
+                </a:gridCol>
+                <a:gridCol w="748936">
+                  <a:extLst>
+                    <a:ext uri="{9D8B030D-6E8A-4147-A177-3AD203B41FA5}">
+                      <a16:colId xmlns:a16="http://schemas.microsoft.com/office/drawing/2014/main" val="2972590580"/>
+                    </a:ext>
+                  </a:extLst>
+                </a:gridCol>
+                <a:gridCol w="748936">
+                  <a:extLst>
+                    <a:ext uri="{9D8B030D-6E8A-4147-A177-3AD203B41FA5}">
+                      <a16:colId xmlns:a16="http://schemas.microsoft.com/office/drawing/2014/main" val="1947381168"/>
+                    </a:ext>
+                  </a:extLst>
+                </a:gridCol>
+              </a:tblGrid>
+              <a:tr h="549366">
+                <a:tc>
+                  <a:txBody>
+                    <a:bodyPr/>
+                    <a:lstStyle/>
+                    <a:p>
+                      <a:endParaRPr lang="en-US"/>
+                    </a:p>
+                  </a:txBody>
+                  <a:tcPr/>
+                </a:tc>
+                <a:tc>
+                  <a:txBody>
+                    <a:bodyPr/>
+                    <a:lstStyle/>
+                    <a:p>
+                      <a:endParaRPr lang="en-US"/>
+                    </a:p>
+                  </a:txBody>
+                  <a:tcPr/>
+                </a:tc>
+                <a:tc>
+                  <a:txBody>
+                    <a:bodyPr/>
+                    <a:lstStyle/>
+                    <a:p>
+                      <a:endParaRPr lang="en-US" dirty="0"/>
+                    </a:p>
+                  </a:txBody>
+                  <a:tcPr/>
+                </a:tc>
+                <a:extLst>
+                  <a:ext uri="{0D108BD9-81ED-4DB2-BD59-A6C34878D82A}">
+                    <a16:rowId xmlns:a16="http://schemas.microsoft.com/office/drawing/2014/main" val="667399453"/>
+                  </a:ext>
+                </a:extLst>
+              </a:tr>
+              <a:tr h="549366">
+                <a:tc>
+                  <a:txBody>
+                    <a:bodyPr/>
+                    <a:lstStyle/>
+                    <a:p>
+                      <a:endParaRPr lang="en-US" dirty="0"/>
+                    </a:p>
+                  </a:txBody>
+                  <a:tcPr/>
+                </a:tc>
+                <a:tc>
+                  <a:txBody>
+                    <a:bodyPr/>
+                    <a:lstStyle/>
+                    <a:p>
+                      <a:endParaRPr lang="en-US" dirty="0"/>
+                    </a:p>
+                  </a:txBody>
+                  <a:tcPr/>
+                </a:tc>
+                <a:tc>
+                  <a:txBody>
+                    <a:bodyPr/>
+                    <a:lstStyle/>
+                    <a:p>
+                      <a:endParaRPr lang="en-US" dirty="0"/>
+                    </a:p>
+                  </a:txBody>
+                  <a:tcPr/>
+                </a:tc>
+                <a:extLst>
+                  <a:ext uri="{0D108BD9-81ED-4DB2-BD59-A6C34878D82A}">
+                    <a16:rowId xmlns:a16="http://schemas.microsoft.com/office/drawing/2014/main" val="2169082404"/>
+                  </a:ext>
+                </a:extLst>
+              </a:tr>
+            </a:tbl>
+          </a:graphicData>
+        </a:graphic>
+      </p:graphicFrame>
+      <p:sp>
+        <p:nvSpPr>
+          <p:cNvPr id="10" name="TextBox 9">
+            <a:extLst>
+              <a:ext uri="{FF2B5EF4-FFF2-40B4-BE49-F238E27FC236}">
+                <a16:creationId xmlns:a16="http://schemas.microsoft.com/office/drawing/2014/main" id="{E6817AC9-7A23-224C-9DC1-1E31282834B3}"/>
+              </a:ext>
+            </a:extLst>
+          </p:cNvPr>
+          <p:cNvSpPr txBox="1"/>
+          <p:nvPr/>
+        </p:nvSpPr>
+        <p:spPr>
+          <a:xfrm>
+            <a:off x="3796937" y="2551611"/>
+            <a:ext cx="2246808" cy="646331"/>
+          </a:xfrm>
+          <a:prstGeom prst="rect">
+            <a:avLst/>
+          </a:prstGeom>
+          <a:noFill/>
+        </p:spPr>
+        <p:txBody>
+          <a:bodyPr wrap="square" rtlCol="0">
+            <a:spAutoFit/>
+          </a:bodyPr>
+          <a:lstStyle/>
+          <a:p>
+            <a:r>
+              <a:rPr lang="en-US" dirty="0"/>
+              <a:t>Record Set with Original Values</a:t>
+            </a:r>
+          </a:p>
+        </p:txBody>
+      </p:sp>
+      <p:sp>
+        <p:nvSpPr>
+          <p:cNvPr id="11" name="Rectangle 10">
+            <a:extLst>
+              <a:ext uri="{FF2B5EF4-FFF2-40B4-BE49-F238E27FC236}">
+                <a16:creationId xmlns:a16="http://schemas.microsoft.com/office/drawing/2014/main" id="{E6DD6DF5-7ABE-C749-BBA3-837E3A17A4E4}"/>
+              </a:ext>
+            </a:extLst>
+          </p:cNvPr>
+          <p:cNvSpPr/>
+          <p:nvPr/>
+        </p:nvSpPr>
+        <p:spPr>
+          <a:xfrm>
+            <a:off x="696686" y="2922896"/>
+            <a:ext cx="1918065" cy="1971321"/>
+          </a:xfrm>
+          <a:prstGeom prst="rect">
+            <a:avLst/>
+          </a:prstGeom>
+        </p:spPr>
+        <p:style>
+          <a:lnRef idx="2">
+            <a:schemeClr val="accent1">
+              <a:shade val="50000"/>
+            </a:schemeClr>
+          </a:lnRef>
+          <a:fillRef idx="1">
+            <a:schemeClr val="accent1"/>
+          </a:fillRef>
+          <a:effectRef idx="0">
+            <a:schemeClr val="accent1"/>
+          </a:effectRef>
+          <a:fontRef idx="minor">
+            <a:schemeClr val="lt1"/>
+          </a:fontRef>
+        </p:style>
+        <p:txBody>
+          <a:bodyPr rtlCol="0" anchor="ctr"/>
+          <a:lstStyle/>
+          <a:p>
+            <a:pPr algn="ctr"/>
+            <a:endParaRPr lang="en-US"/>
+          </a:p>
+        </p:txBody>
+      </p:sp>
+      <p:cxnSp>
+        <p:nvCxnSpPr>
+          <p:cNvPr id="13" name="Elbow Connector 12">
+            <a:extLst>
+              <a:ext uri="{FF2B5EF4-FFF2-40B4-BE49-F238E27FC236}">
+                <a16:creationId xmlns:a16="http://schemas.microsoft.com/office/drawing/2014/main" id="{AE90117D-421E-AE45-9EF8-DE1F8C2D6CDD}"/>
+              </a:ext>
+            </a:extLst>
+          </p:cNvPr>
+          <p:cNvCxnSpPr>
+            <a:stCxn id="11" idx="3"/>
+          </p:cNvCxnSpPr>
+          <p:nvPr/>
+        </p:nvCxnSpPr>
+        <p:spPr>
+          <a:xfrm flipV="1">
+            <a:off x="2614751" y="3901440"/>
+            <a:ext cx="1064621" cy="7117"/>
+          </a:xfrm>
+          <a:prstGeom prst="bentConnector3">
+            <a:avLst/>
+          </a:prstGeom>
+          <a:ln>
+            <a:tailEnd type="triangle"/>
+          </a:ln>
+        </p:spPr>
+        <p:style>
+          <a:lnRef idx="3">
+            <a:schemeClr val="accent2"/>
+          </a:lnRef>
+          <a:fillRef idx="0">
+            <a:schemeClr val="accent2"/>
+          </a:fillRef>
+          <a:effectRef idx="2">
+            <a:schemeClr val="accent2"/>
+          </a:effectRef>
+          <a:fontRef idx="minor">
+            <a:schemeClr val="tx1"/>
+          </a:fontRef>
+        </p:style>
+      </p:cxnSp>
+      <p:graphicFrame>
+        <p:nvGraphicFramePr>
+          <p:cNvPr id="14" name="Table 14">
+            <a:extLst>
+              <a:ext uri="{FF2B5EF4-FFF2-40B4-BE49-F238E27FC236}">
+                <a16:creationId xmlns:a16="http://schemas.microsoft.com/office/drawing/2014/main" id="{2A1ED584-C115-0E42-8A0A-A7CB236FAEEB}"/>
+              </a:ext>
+            </a:extLst>
+          </p:cNvPr>
+          <p:cNvGraphicFramePr>
+            <a:graphicFrameLocks noGrp="1"/>
+          </p:cNvGraphicFramePr>
+          <p:nvPr>
+            <p:extLst>
+              <p:ext uri="{D42A27DB-BD31-4B8C-83A1-F6EECF244321}">
+                <p14:modId xmlns:p14="http://schemas.microsoft.com/office/powerpoint/2010/main" val="3072161892"/>
+              </p:ext>
+            </p:extLst>
+          </p:nvPr>
+        </p:nvGraphicFramePr>
+        <p:xfrm>
+          <a:off x="3679372" y="4607549"/>
+          <a:ext cx="2246808" cy="370840"/>
+        </p:xfrm>
+        <a:graphic>
+          <a:graphicData uri="http://schemas.openxmlformats.org/drawingml/2006/table">
+            <a:tbl>
+              <a:tblPr firstRow="1" bandRow="1">
+                <a:tableStyleId>{5C22544A-7EE6-4342-B048-85BDC9FD1C3A}</a:tableStyleId>
+              </a:tblPr>
+              <a:tblGrid>
+                <a:gridCol w="748936">
+                  <a:extLst>
+                    <a:ext uri="{9D8B030D-6E8A-4147-A177-3AD203B41FA5}">
+                      <a16:colId xmlns:a16="http://schemas.microsoft.com/office/drawing/2014/main" val="334522392"/>
+                    </a:ext>
+                  </a:extLst>
+                </a:gridCol>
+                <a:gridCol w="748936">
+                  <a:extLst>
+                    <a:ext uri="{9D8B030D-6E8A-4147-A177-3AD203B41FA5}">
+                      <a16:colId xmlns:a16="http://schemas.microsoft.com/office/drawing/2014/main" val="1545141396"/>
+                    </a:ext>
+                  </a:extLst>
+                </a:gridCol>
+                <a:gridCol w="748936">
+                  <a:extLst>
+                    <a:ext uri="{9D8B030D-6E8A-4147-A177-3AD203B41FA5}">
+                      <a16:colId xmlns:a16="http://schemas.microsoft.com/office/drawing/2014/main" val="4124171746"/>
+                    </a:ext>
+                  </a:extLst>
+                </a:gridCol>
+              </a:tblGrid>
+              <a:tr h="370840">
+                <a:tc>
+                  <a:txBody>
+                    <a:bodyPr/>
+                    <a:lstStyle/>
+                    <a:p>
+                      <a:r>
+                        <a:rPr lang="en-US" dirty="0"/>
+                        <a:t>MV1</a:t>
+                      </a:r>
+                    </a:p>
+                  </a:txBody>
+                  <a:tcPr/>
+                </a:tc>
+                <a:tc>
+                  <a:txBody>
+                    <a:bodyPr/>
+                    <a:lstStyle/>
+                    <a:p>
+                      <a:r>
+                        <a:rPr lang="en-US" dirty="0"/>
+                        <a:t>MV2</a:t>
+                      </a:r>
+                    </a:p>
+                  </a:txBody>
+                  <a:tcPr/>
+                </a:tc>
+                <a:tc>
+                  <a:txBody>
+                    <a:bodyPr/>
+                    <a:lstStyle/>
+                    <a:p>
+                      <a:r>
+                        <a:rPr lang="en-US" dirty="0"/>
+                        <a:t>MV3</a:t>
+                      </a:r>
+                    </a:p>
+                  </a:txBody>
+                  <a:tcPr/>
+                </a:tc>
+                <a:extLst>
+                  <a:ext uri="{0D108BD9-81ED-4DB2-BD59-A6C34878D82A}">
+                    <a16:rowId xmlns:a16="http://schemas.microsoft.com/office/drawing/2014/main" val="3094335138"/>
+                  </a:ext>
+                </a:extLst>
+              </a:tr>
+            </a:tbl>
+          </a:graphicData>
+        </a:graphic>
+      </p:graphicFrame>
+      <p:sp>
+        <p:nvSpPr>
+          <p:cNvPr id="15" name="Curved Right Arrow 14">
+            <a:extLst>
+              <a:ext uri="{FF2B5EF4-FFF2-40B4-BE49-F238E27FC236}">
+                <a16:creationId xmlns:a16="http://schemas.microsoft.com/office/drawing/2014/main" id="{EF715136-C856-574F-98F4-07C9656D68F1}"/>
+              </a:ext>
+            </a:extLst>
+          </p:cNvPr>
+          <p:cNvSpPr/>
+          <p:nvPr/>
+        </p:nvSpPr>
+        <p:spPr>
+          <a:xfrm rot="10800000" flipH="1">
+            <a:off x="3376749" y="3951250"/>
+            <a:ext cx="302623" cy="1002031"/>
+          </a:xfrm>
+          <a:prstGeom prst="curvedRightArrow">
+            <a:avLst/>
+          </a:prstGeom>
+        </p:spPr>
+        <p:style>
+          <a:lnRef idx="2">
+            <a:schemeClr val="accent1">
+              <a:shade val="50000"/>
+            </a:schemeClr>
+          </a:lnRef>
+          <a:fillRef idx="1">
+            <a:schemeClr val="accent1"/>
+          </a:fillRef>
+          <a:effectRef idx="0">
+            <a:schemeClr val="accent1"/>
+          </a:effectRef>
+          <a:fontRef idx="minor">
+            <a:schemeClr val="lt1"/>
+          </a:fontRef>
+        </p:style>
+        <p:txBody>
+          <a:bodyPr rtlCol="0" anchor="ctr"/>
+          <a:lstStyle/>
+          <a:p>
+            <a:pPr algn="ctr"/>
+            <a:endParaRPr lang="en-US">
+              <a:solidFill>
+                <a:schemeClr val="tx1"/>
+              </a:solidFill>
+            </a:endParaRPr>
+          </a:p>
+        </p:txBody>
+      </p:sp>
+      <p:sp>
+        <p:nvSpPr>
+          <p:cNvPr id="16" name="Right Arrow 15">
+            <a:extLst>
+              <a:ext uri="{FF2B5EF4-FFF2-40B4-BE49-F238E27FC236}">
+                <a16:creationId xmlns:a16="http://schemas.microsoft.com/office/drawing/2014/main" id="{C21EA56C-0F6F-844B-939C-D9C852450027}"/>
+              </a:ext>
+            </a:extLst>
+          </p:cNvPr>
+          <p:cNvSpPr/>
+          <p:nvPr/>
+        </p:nvSpPr>
+        <p:spPr>
+          <a:xfrm>
+            <a:off x="6402978" y="4182011"/>
+            <a:ext cx="2281644" cy="839071"/>
+          </a:xfrm>
+          <a:prstGeom prst="rightArrow">
+            <a:avLst/>
+          </a:prstGeom>
+        </p:spPr>
+        <p:style>
+          <a:lnRef idx="2">
+            <a:schemeClr val="accent1">
+              <a:shade val="50000"/>
+            </a:schemeClr>
+          </a:lnRef>
+          <a:fillRef idx="1">
+            <a:schemeClr val="accent1"/>
+          </a:fillRef>
+          <a:effectRef idx="0">
+            <a:schemeClr val="accent1"/>
+          </a:effectRef>
+          <a:fontRef idx="minor">
+            <a:schemeClr val="lt1"/>
+          </a:fontRef>
+        </p:style>
+        <p:txBody>
+          <a:bodyPr rtlCol="0" anchor="ctr"/>
+          <a:lstStyle/>
+          <a:p>
+            <a:pPr algn="ctr"/>
+            <a:endParaRPr lang="en-US"/>
+          </a:p>
+        </p:txBody>
+      </p:sp>
+    </p:spTree>
+    <p:extLst>
+      <p:ext uri="{BB962C8B-B14F-4D97-AF65-F5344CB8AC3E}">
+        <p14:creationId xmlns:p14="http://schemas.microsoft.com/office/powerpoint/2010/main" val="858713552"/>
       </p:ext>
     </p:extLst>
   </p:cSld>

--- a/SpotPPTs.pptx
+++ b/SpotPPTs.pptx
@@ -55,6 +55,7 @@
     <p:sldId id="302" r:id="rId49"/>
     <p:sldId id="304" r:id="rId50"/>
     <p:sldId id="305" r:id="rId51"/>
+    <p:sldId id="306" r:id="rId52"/>
   </p:sldIdLst>
   <p:sldSz cx="12192000" cy="6858000"/>
   <p:notesSz cx="6858000" cy="9144000"/>
@@ -310,7 +311,7 @@
           <a:p>
             <a:fld id="{6B75415C-91ED-7941-9068-396BBFB028E8}" type="datetimeFigureOut">
               <a:rPr lang="en-US" smtClean="0"/>
-              <a:t>5/8/21</a:t>
+              <a:t>5/11/21</a:t>
             </a:fld>
             <a:endParaRPr lang="en-US"/>
           </a:p>
@@ -510,7 +511,7 @@
           <a:p>
             <a:fld id="{6B75415C-91ED-7941-9068-396BBFB028E8}" type="datetimeFigureOut">
               <a:rPr lang="en-US" smtClean="0"/>
-              <a:t>5/8/21</a:t>
+              <a:t>5/11/21</a:t>
             </a:fld>
             <a:endParaRPr lang="en-US"/>
           </a:p>
@@ -720,7 +721,7 @@
           <a:p>
             <a:fld id="{6B75415C-91ED-7941-9068-396BBFB028E8}" type="datetimeFigureOut">
               <a:rPr lang="en-US" smtClean="0"/>
-              <a:t>5/8/21</a:t>
+              <a:t>5/11/21</a:t>
             </a:fld>
             <a:endParaRPr lang="en-US"/>
           </a:p>
@@ -920,7 +921,7 @@
           <a:p>
             <a:fld id="{6B75415C-91ED-7941-9068-396BBFB028E8}" type="datetimeFigureOut">
               <a:rPr lang="en-US" smtClean="0"/>
-              <a:t>5/8/21</a:t>
+              <a:t>5/11/21</a:t>
             </a:fld>
             <a:endParaRPr lang="en-US"/>
           </a:p>
@@ -1196,7 +1197,7 @@
           <a:p>
             <a:fld id="{6B75415C-91ED-7941-9068-396BBFB028E8}" type="datetimeFigureOut">
               <a:rPr lang="en-US" smtClean="0"/>
-              <a:t>5/8/21</a:t>
+              <a:t>5/11/21</a:t>
             </a:fld>
             <a:endParaRPr lang="en-US"/>
           </a:p>
@@ -1464,7 +1465,7 @@
           <a:p>
             <a:fld id="{6B75415C-91ED-7941-9068-396BBFB028E8}" type="datetimeFigureOut">
               <a:rPr lang="en-US" smtClean="0"/>
-              <a:t>5/8/21</a:t>
+              <a:t>5/11/21</a:t>
             </a:fld>
             <a:endParaRPr lang="en-US"/>
           </a:p>
@@ -1879,7 +1880,7 @@
           <a:p>
             <a:fld id="{6B75415C-91ED-7941-9068-396BBFB028E8}" type="datetimeFigureOut">
               <a:rPr lang="en-US" smtClean="0"/>
-              <a:t>5/8/21</a:t>
+              <a:t>5/11/21</a:t>
             </a:fld>
             <a:endParaRPr lang="en-US"/>
           </a:p>
@@ -2021,7 +2022,7 @@
           <a:p>
             <a:fld id="{6B75415C-91ED-7941-9068-396BBFB028E8}" type="datetimeFigureOut">
               <a:rPr lang="en-US" smtClean="0"/>
-              <a:t>5/8/21</a:t>
+              <a:t>5/11/21</a:t>
             </a:fld>
             <a:endParaRPr lang="en-US"/>
           </a:p>
@@ -2134,7 +2135,7 @@
           <a:p>
             <a:fld id="{6B75415C-91ED-7941-9068-396BBFB028E8}" type="datetimeFigureOut">
               <a:rPr lang="en-US" smtClean="0"/>
-              <a:t>5/8/21</a:t>
+              <a:t>5/11/21</a:t>
             </a:fld>
             <a:endParaRPr lang="en-US"/>
           </a:p>
@@ -2447,7 +2448,7 @@
           <a:p>
             <a:fld id="{6B75415C-91ED-7941-9068-396BBFB028E8}" type="datetimeFigureOut">
               <a:rPr lang="en-US" smtClean="0"/>
-              <a:t>5/8/21</a:t>
+              <a:t>5/11/21</a:t>
             </a:fld>
             <a:endParaRPr lang="en-US"/>
           </a:p>
@@ -2736,7 +2737,7 @@
           <a:p>
             <a:fld id="{6B75415C-91ED-7941-9068-396BBFB028E8}" type="datetimeFigureOut">
               <a:rPr lang="en-US" smtClean="0"/>
-              <a:t>5/8/21</a:t>
+              <a:t>5/11/21</a:t>
             </a:fld>
             <a:endParaRPr lang="en-US"/>
           </a:p>
@@ -2979,7 +2980,7 @@
           <a:p>
             <a:fld id="{6B75415C-91ED-7941-9068-396BBFB028E8}" type="datetimeFigureOut">
               <a:rPr lang="en-US" smtClean="0"/>
-              <a:t>5/8/21</a:t>
+              <a:t>5/11/21</a:t>
             </a:fld>
             <a:endParaRPr lang="en-US"/>
           </a:p>
@@ -34828,6 +34829,1044 @@
 </p:sld>
 </file>
 
+<file path=ppt/slides/slide51.xml><?xml version="1.0" encoding="utf-8"?>
+<p:sld xmlns:a="http://schemas.openxmlformats.org/drawingml/2006/main" xmlns:r="http://schemas.openxmlformats.org/officeDocument/2006/relationships" xmlns:p="http://schemas.openxmlformats.org/presentationml/2006/main">
+  <p:cSld>
+    <p:spTree>
+      <p:nvGrpSpPr>
+        <p:cNvPr id="1" name=""/>
+        <p:cNvGrpSpPr/>
+        <p:nvPr/>
+      </p:nvGrpSpPr>
+      <p:grpSpPr>
+        <a:xfrm>
+          <a:off x="0" y="0"/>
+          <a:ext cx="0" cy="0"/>
+          <a:chOff x="0" y="0"/>
+          <a:chExt cx="0" cy="0"/>
+        </a:xfrm>
+      </p:grpSpPr>
+      <p:sp>
+        <p:nvSpPr>
+          <p:cNvPr id="2" name="Rectangle 1">
+            <a:extLst>
+              <a:ext uri="{FF2B5EF4-FFF2-40B4-BE49-F238E27FC236}">
+                <a16:creationId xmlns:a16="http://schemas.microsoft.com/office/drawing/2014/main" id="{E1DB7E2C-839B-094E-A78E-82D0748CD571}"/>
+              </a:ext>
+            </a:extLst>
+          </p:cNvPr>
+          <p:cNvSpPr/>
+          <p:nvPr/>
+        </p:nvSpPr>
+        <p:spPr>
+          <a:xfrm>
+            <a:off x="531224" y="966651"/>
+            <a:ext cx="8987246" cy="5451566"/>
+          </a:xfrm>
+          <a:prstGeom prst="rect">
+            <a:avLst/>
+          </a:prstGeom>
+        </p:spPr>
+        <p:style>
+          <a:lnRef idx="2">
+            <a:schemeClr val="accent6"/>
+          </a:lnRef>
+          <a:fillRef idx="1">
+            <a:schemeClr val="lt1"/>
+          </a:fillRef>
+          <a:effectRef idx="0">
+            <a:schemeClr val="accent6"/>
+          </a:effectRef>
+          <a:fontRef idx="minor">
+            <a:schemeClr val="dk1"/>
+          </a:fontRef>
+        </p:style>
+        <p:txBody>
+          <a:bodyPr rtlCol="0" anchor="ctr"/>
+          <a:lstStyle/>
+          <a:p>
+            <a:pPr algn="ctr"/>
+            <a:endParaRPr lang="en-US"/>
+          </a:p>
+        </p:txBody>
+      </p:sp>
+      <p:sp>
+        <p:nvSpPr>
+          <p:cNvPr id="3" name="TextBox 2">
+            <a:extLst>
+              <a:ext uri="{FF2B5EF4-FFF2-40B4-BE49-F238E27FC236}">
+                <a16:creationId xmlns:a16="http://schemas.microsoft.com/office/drawing/2014/main" id="{BE13088B-2A4C-3C45-B598-18319ED73C72}"/>
+              </a:ext>
+            </a:extLst>
+          </p:cNvPr>
+          <p:cNvSpPr txBox="1"/>
+          <p:nvPr/>
+        </p:nvSpPr>
+        <p:spPr>
+          <a:xfrm>
+            <a:off x="531223" y="139337"/>
+            <a:ext cx="8656320" cy="369332"/>
+          </a:xfrm>
+          <a:prstGeom prst="rect">
+            <a:avLst/>
+          </a:prstGeom>
+          <a:noFill/>
+        </p:spPr>
+        <p:txBody>
+          <a:bodyPr wrap="square" rtlCol="0">
+            <a:spAutoFit/>
+          </a:bodyPr>
+          <a:lstStyle/>
+          <a:p>
+            <a:pPr algn="ctr"/>
+            <a:r>
+              <a:rPr lang="en-US" dirty="0"/>
+              <a:t>Browser Thread aka UI Thread that loads and executes the App</a:t>
+            </a:r>
+          </a:p>
+        </p:txBody>
+      </p:sp>
+      <p:sp>
+        <p:nvSpPr>
+          <p:cNvPr id="4" name="Rounded Rectangle 3">
+            <a:extLst>
+              <a:ext uri="{FF2B5EF4-FFF2-40B4-BE49-F238E27FC236}">
+                <a16:creationId xmlns:a16="http://schemas.microsoft.com/office/drawing/2014/main" id="{73852F40-3A1C-4F41-9867-36BEC6D9772C}"/>
+              </a:ext>
+            </a:extLst>
+          </p:cNvPr>
+          <p:cNvSpPr/>
+          <p:nvPr/>
+        </p:nvSpPr>
+        <p:spPr>
+          <a:xfrm>
+            <a:off x="1038496" y="1402191"/>
+            <a:ext cx="2586446" cy="4873228"/>
+          </a:xfrm>
+          <a:prstGeom prst="roundRect">
+            <a:avLst>
+              <a:gd name="adj" fmla="val 8270"/>
+            </a:avLst>
+          </a:prstGeom>
+        </p:spPr>
+        <p:style>
+          <a:lnRef idx="1">
+            <a:schemeClr val="accent3"/>
+          </a:lnRef>
+          <a:fillRef idx="2">
+            <a:schemeClr val="accent3"/>
+          </a:fillRef>
+          <a:effectRef idx="1">
+            <a:schemeClr val="accent3"/>
+          </a:effectRef>
+          <a:fontRef idx="minor">
+            <a:schemeClr val="dk1"/>
+          </a:fontRef>
+        </p:style>
+        <p:txBody>
+          <a:bodyPr rtlCol="0" anchor="ctr"/>
+          <a:lstStyle/>
+          <a:p>
+            <a:pPr algn="ctr"/>
+            <a:endParaRPr lang="en-US"/>
+          </a:p>
+        </p:txBody>
+      </p:sp>
+      <p:sp>
+        <p:nvSpPr>
+          <p:cNvPr id="5" name="TextBox 4">
+            <a:extLst>
+              <a:ext uri="{FF2B5EF4-FFF2-40B4-BE49-F238E27FC236}">
+                <a16:creationId xmlns:a16="http://schemas.microsoft.com/office/drawing/2014/main" id="{A0D6FF96-44B8-9E44-859A-CBF3B532058B}"/>
+              </a:ext>
+            </a:extLst>
+          </p:cNvPr>
+          <p:cNvSpPr txBox="1"/>
+          <p:nvPr/>
+        </p:nvSpPr>
+        <p:spPr>
+          <a:xfrm>
+            <a:off x="1358537" y="1506583"/>
+            <a:ext cx="1802674" cy="369332"/>
+          </a:xfrm>
+          <a:prstGeom prst="rect">
+            <a:avLst/>
+          </a:prstGeom>
+          <a:noFill/>
+        </p:spPr>
+        <p:txBody>
+          <a:bodyPr wrap="square" rtlCol="0">
+            <a:spAutoFit/>
+          </a:bodyPr>
+          <a:lstStyle/>
+          <a:p>
+            <a:pPr algn="ctr"/>
+            <a:r>
+              <a:rPr lang="en-US" dirty="0"/>
+              <a:t>Root Component</a:t>
+            </a:r>
+          </a:p>
+        </p:txBody>
+      </p:sp>
+      <p:sp>
+        <p:nvSpPr>
+          <p:cNvPr id="6" name="Rounded Rectangle 5">
+            <a:extLst>
+              <a:ext uri="{FF2B5EF4-FFF2-40B4-BE49-F238E27FC236}">
+                <a16:creationId xmlns:a16="http://schemas.microsoft.com/office/drawing/2014/main" id="{90EEEDAD-C6F5-0844-9D41-F559C907A395}"/>
+              </a:ext>
+            </a:extLst>
+          </p:cNvPr>
+          <p:cNvSpPr/>
+          <p:nvPr/>
+        </p:nvSpPr>
+        <p:spPr>
+          <a:xfrm>
+            <a:off x="4946469" y="1335983"/>
+            <a:ext cx="1680754" cy="1067583"/>
+          </a:xfrm>
+          <a:prstGeom prst="roundRect">
+            <a:avLst/>
+          </a:prstGeom>
+        </p:spPr>
+        <p:style>
+          <a:lnRef idx="2">
+            <a:schemeClr val="accent1">
+              <a:shade val="50000"/>
+            </a:schemeClr>
+          </a:lnRef>
+          <a:fillRef idx="1">
+            <a:schemeClr val="accent1"/>
+          </a:fillRef>
+          <a:effectRef idx="0">
+            <a:schemeClr val="accent1"/>
+          </a:effectRef>
+          <a:fontRef idx="minor">
+            <a:schemeClr val="lt1"/>
+          </a:fontRef>
+        </p:style>
+        <p:txBody>
+          <a:bodyPr rtlCol="0" anchor="ctr"/>
+          <a:lstStyle/>
+          <a:p>
+            <a:pPr algn="ctr"/>
+            <a:r>
+              <a:rPr lang="en-US" dirty="0"/>
+              <a:t>C1</a:t>
+            </a:r>
+          </a:p>
+        </p:txBody>
+      </p:sp>
+      <p:sp>
+        <p:nvSpPr>
+          <p:cNvPr id="7" name="Rectangle 6">
+            <a:extLst>
+              <a:ext uri="{FF2B5EF4-FFF2-40B4-BE49-F238E27FC236}">
+                <a16:creationId xmlns:a16="http://schemas.microsoft.com/office/drawing/2014/main" id="{E7E58E18-091D-DA47-A085-AA56E108D387}"/>
+              </a:ext>
+            </a:extLst>
+          </p:cNvPr>
+          <p:cNvSpPr/>
+          <p:nvPr/>
+        </p:nvSpPr>
+        <p:spPr>
+          <a:xfrm>
+            <a:off x="7341326" y="1335983"/>
+            <a:ext cx="1846217" cy="957943"/>
+          </a:xfrm>
+          <a:prstGeom prst="rect">
+            <a:avLst/>
+          </a:prstGeom>
+        </p:spPr>
+        <p:style>
+          <a:lnRef idx="2">
+            <a:schemeClr val="accent1">
+              <a:shade val="50000"/>
+            </a:schemeClr>
+          </a:lnRef>
+          <a:fillRef idx="1">
+            <a:schemeClr val="accent1"/>
+          </a:fillRef>
+          <a:effectRef idx="0">
+            <a:schemeClr val="accent1"/>
+          </a:effectRef>
+          <a:fontRef idx="minor">
+            <a:schemeClr val="lt1"/>
+          </a:fontRef>
+        </p:style>
+        <p:txBody>
+          <a:bodyPr rtlCol="0" anchor="ctr"/>
+          <a:lstStyle/>
+          <a:p>
+            <a:pPr algn="ctr"/>
+            <a:r>
+              <a:rPr lang="en-US" dirty="0"/>
+              <a:t>Service Obj</a:t>
+            </a:r>
+          </a:p>
+          <a:p>
+            <a:pPr algn="ctr"/>
+            <a:r>
+              <a:rPr lang="en-US" dirty="0"/>
+              <a:t>HTTP Calls</a:t>
+            </a:r>
+          </a:p>
+        </p:txBody>
+      </p:sp>
+      <p:sp>
+        <p:nvSpPr>
+          <p:cNvPr id="8" name="Curved Down Arrow 7">
+            <a:extLst>
+              <a:ext uri="{FF2B5EF4-FFF2-40B4-BE49-F238E27FC236}">
+                <a16:creationId xmlns:a16="http://schemas.microsoft.com/office/drawing/2014/main" id="{4A118AFC-A30E-4C47-88B8-0F0F27733514}"/>
+              </a:ext>
+            </a:extLst>
+          </p:cNvPr>
+          <p:cNvSpPr/>
+          <p:nvPr/>
+        </p:nvSpPr>
+        <p:spPr>
+          <a:xfrm>
+            <a:off x="6627223" y="1611086"/>
+            <a:ext cx="714103" cy="258688"/>
+          </a:xfrm>
+          <a:prstGeom prst="curvedDownArrow">
+            <a:avLst/>
+          </a:prstGeom>
+          <a:solidFill>
+            <a:schemeClr val="accent2"/>
+          </a:solidFill>
+        </p:spPr>
+        <p:style>
+          <a:lnRef idx="2">
+            <a:schemeClr val="accent1">
+              <a:shade val="50000"/>
+            </a:schemeClr>
+          </a:lnRef>
+          <a:fillRef idx="1">
+            <a:schemeClr val="accent1"/>
+          </a:fillRef>
+          <a:effectRef idx="0">
+            <a:schemeClr val="accent1"/>
+          </a:effectRef>
+          <a:fontRef idx="minor">
+            <a:schemeClr val="lt1"/>
+          </a:fontRef>
+        </p:style>
+        <p:txBody>
+          <a:bodyPr rtlCol="0" anchor="ctr"/>
+          <a:lstStyle/>
+          <a:p>
+            <a:pPr algn="ctr"/>
+            <a:endParaRPr lang="en-US">
+              <a:solidFill>
+                <a:schemeClr val="tx1"/>
+              </a:solidFill>
+            </a:endParaRPr>
+          </a:p>
+        </p:txBody>
+      </p:sp>
+      <p:sp>
+        <p:nvSpPr>
+          <p:cNvPr id="9" name="Curved Down Arrow 8">
+            <a:extLst>
+              <a:ext uri="{FF2B5EF4-FFF2-40B4-BE49-F238E27FC236}">
+                <a16:creationId xmlns:a16="http://schemas.microsoft.com/office/drawing/2014/main" id="{41DDE027-E4E8-6C42-9D0D-410E366A806F}"/>
+              </a:ext>
+            </a:extLst>
+          </p:cNvPr>
+          <p:cNvSpPr/>
+          <p:nvPr/>
+        </p:nvSpPr>
+        <p:spPr>
+          <a:xfrm rot="10800000">
+            <a:off x="6627222" y="2015533"/>
+            <a:ext cx="714103" cy="258688"/>
+          </a:xfrm>
+          <a:prstGeom prst="curvedDownArrow">
+            <a:avLst/>
+          </a:prstGeom>
+          <a:solidFill>
+            <a:schemeClr val="accent2"/>
+          </a:solidFill>
+        </p:spPr>
+        <p:style>
+          <a:lnRef idx="2">
+            <a:schemeClr val="accent1">
+              <a:shade val="50000"/>
+            </a:schemeClr>
+          </a:lnRef>
+          <a:fillRef idx="1">
+            <a:schemeClr val="accent1"/>
+          </a:fillRef>
+          <a:effectRef idx="0">
+            <a:schemeClr val="accent1"/>
+          </a:effectRef>
+          <a:fontRef idx="minor">
+            <a:schemeClr val="lt1"/>
+          </a:fontRef>
+        </p:style>
+        <p:txBody>
+          <a:bodyPr rtlCol="0" anchor="ctr"/>
+          <a:lstStyle/>
+          <a:p>
+            <a:pPr algn="ctr"/>
+            <a:endParaRPr lang="en-US">
+              <a:solidFill>
+                <a:schemeClr val="tx1"/>
+              </a:solidFill>
+            </a:endParaRPr>
+          </a:p>
+        </p:txBody>
+      </p:sp>
+      <p:cxnSp>
+        <p:nvCxnSpPr>
+          <p:cNvPr id="11" name="Straight Arrow Connector 10">
+            <a:extLst>
+              <a:ext uri="{FF2B5EF4-FFF2-40B4-BE49-F238E27FC236}">
+                <a16:creationId xmlns:a16="http://schemas.microsoft.com/office/drawing/2014/main" id="{9062AEAD-37FE-734A-9DF6-1F7A9D7FD5CA}"/>
+              </a:ext>
+            </a:extLst>
+          </p:cNvPr>
+          <p:cNvCxnSpPr>
+            <a:endCxn id="6" idx="1"/>
+          </p:cNvCxnSpPr>
+          <p:nvPr/>
+        </p:nvCxnSpPr>
+        <p:spPr>
+          <a:xfrm flipV="1">
+            <a:off x="3679371" y="1869775"/>
+            <a:ext cx="1267098" cy="424151"/>
+          </a:xfrm>
+          <a:prstGeom prst="straightConnector1">
+            <a:avLst/>
+          </a:prstGeom>
+          <a:ln>
+            <a:tailEnd type="triangle"/>
+          </a:ln>
+        </p:spPr>
+        <p:style>
+          <a:lnRef idx="1">
+            <a:schemeClr val="accent1"/>
+          </a:lnRef>
+          <a:fillRef idx="0">
+            <a:schemeClr val="accent1"/>
+          </a:fillRef>
+          <a:effectRef idx="0">
+            <a:schemeClr val="accent1"/>
+          </a:effectRef>
+          <a:fontRef idx="minor">
+            <a:schemeClr val="tx1"/>
+          </a:fontRef>
+        </p:style>
+      </p:cxnSp>
+      <p:cxnSp>
+        <p:nvCxnSpPr>
+          <p:cNvPr id="13" name="Straight Arrow Connector 12">
+            <a:extLst>
+              <a:ext uri="{FF2B5EF4-FFF2-40B4-BE49-F238E27FC236}">
+                <a16:creationId xmlns:a16="http://schemas.microsoft.com/office/drawing/2014/main" id="{BD7FBEED-D630-CE4D-B3C1-93A93F02264D}"/>
+              </a:ext>
+            </a:extLst>
+          </p:cNvPr>
+          <p:cNvCxnSpPr>
+            <a:stCxn id="6" idx="1"/>
+          </p:cNvCxnSpPr>
+          <p:nvPr/>
+        </p:nvCxnSpPr>
+        <p:spPr>
+          <a:xfrm flipH="1">
+            <a:off x="3668485" y="1869775"/>
+            <a:ext cx="1277984" cy="903123"/>
+          </a:xfrm>
+          <a:prstGeom prst="straightConnector1">
+            <a:avLst/>
+          </a:prstGeom>
+          <a:ln>
+            <a:tailEnd type="triangle"/>
+          </a:ln>
+        </p:spPr>
+        <p:style>
+          <a:lnRef idx="1">
+            <a:schemeClr val="accent1"/>
+          </a:lnRef>
+          <a:fillRef idx="0">
+            <a:schemeClr val="accent1"/>
+          </a:fillRef>
+          <a:effectRef idx="0">
+            <a:schemeClr val="accent1"/>
+          </a:effectRef>
+          <a:fontRef idx="minor">
+            <a:schemeClr val="tx1"/>
+          </a:fontRef>
+        </p:style>
+      </p:cxnSp>
+      <p:sp>
+        <p:nvSpPr>
+          <p:cNvPr id="14" name="Left Brace 13">
+            <a:extLst>
+              <a:ext uri="{FF2B5EF4-FFF2-40B4-BE49-F238E27FC236}">
+                <a16:creationId xmlns:a16="http://schemas.microsoft.com/office/drawing/2014/main" id="{A05E5D7C-BE9C-024A-8FB6-0F40ABA15FBD}"/>
+              </a:ext>
+            </a:extLst>
+          </p:cNvPr>
+          <p:cNvSpPr/>
+          <p:nvPr/>
+        </p:nvSpPr>
+        <p:spPr>
+          <a:xfrm>
+            <a:off x="75111" y="1335983"/>
+            <a:ext cx="952499" cy="4751308"/>
+          </a:xfrm>
+          <a:prstGeom prst="leftBrace">
+            <a:avLst/>
+          </a:prstGeom>
+        </p:spPr>
+        <p:style>
+          <a:lnRef idx="3">
+            <a:schemeClr val="dk1"/>
+          </a:lnRef>
+          <a:fillRef idx="0">
+            <a:schemeClr val="dk1"/>
+          </a:fillRef>
+          <a:effectRef idx="2">
+            <a:schemeClr val="dk1"/>
+          </a:effectRef>
+          <a:fontRef idx="minor">
+            <a:schemeClr val="tx1"/>
+          </a:fontRef>
+        </p:style>
+        <p:txBody>
+          <a:bodyPr rtlCol="0" anchor="ctr"/>
+          <a:lstStyle/>
+          <a:p>
+            <a:pPr algn="ctr"/>
+            <a:endParaRPr lang="en-US"/>
+          </a:p>
+        </p:txBody>
+      </p:sp>
+      <p:sp>
+        <p:nvSpPr>
+          <p:cNvPr id="15" name="TextBox 14">
+            <a:extLst>
+              <a:ext uri="{FF2B5EF4-FFF2-40B4-BE49-F238E27FC236}">
+                <a16:creationId xmlns:a16="http://schemas.microsoft.com/office/drawing/2014/main" id="{3A57CAC2-1E28-E647-B5B6-8BA663DD00A7}"/>
+              </a:ext>
+            </a:extLst>
+          </p:cNvPr>
+          <p:cNvSpPr txBox="1"/>
+          <p:nvPr/>
+        </p:nvSpPr>
+        <p:spPr>
+          <a:xfrm>
+            <a:off x="148046" y="966651"/>
+            <a:ext cx="1210490" cy="369332"/>
+          </a:xfrm>
+          <a:prstGeom prst="rect">
+            <a:avLst/>
+          </a:prstGeom>
+          <a:noFill/>
+        </p:spPr>
+        <p:txBody>
+          <a:bodyPr wrap="square" rtlCol="0">
+            <a:spAutoFit/>
+          </a:bodyPr>
+          <a:lstStyle/>
+          <a:p>
+            <a:r>
+              <a:rPr lang="en-US" dirty="0"/>
+              <a:t>DOM</a:t>
+            </a:r>
+          </a:p>
+        </p:txBody>
+      </p:sp>
+      <p:sp>
+        <p:nvSpPr>
+          <p:cNvPr id="16" name="Rounded Rectangle 15">
+            <a:extLst>
+              <a:ext uri="{FF2B5EF4-FFF2-40B4-BE49-F238E27FC236}">
+                <a16:creationId xmlns:a16="http://schemas.microsoft.com/office/drawing/2014/main" id="{A89D9A0B-AF15-6343-B86D-0EA2613F2649}"/>
+              </a:ext>
+            </a:extLst>
+          </p:cNvPr>
+          <p:cNvSpPr/>
+          <p:nvPr/>
+        </p:nvSpPr>
+        <p:spPr>
+          <a:xfrm>
+            <a:off x="1236617" y="2403566"/>
+            <a:ext cx="2172789" cy="1025434"/>
+          </a:xfrm>
+          <a:prstGeom prst="roundRect">
+            <a:avLst/>
+          </a:prstGeom>
+        </p:spPr>
+        <p:style>
+          <a:lnRef idx="2">
+            <a:schemeClr val="accent1">
+              <a:shade val="50000"/>
+            </a:schemeClr>
+          </a:lnRef>
+          <a:fillRef idx="1">
+            <a:schemeClr val="accent1"/>
+          </a:fillRef>
+          <a:effectRef idx="0">
+            <a:schemeClr val="accent1"/>
+          </a:effectRef>
+          <a:fontRef idx="minor">
+            <a:schemeClr val="lt1"/>
+          </a:fontRef>
+        </p:style>
+        <p:txBody>
+          <a:bodyPr rtlCol="0" anchor="ctr"/>
+          <a:lstStyle/>
+          <a:p>
+            <a:pPr algn="ctr"/>
+            <a:r>
+              <a:rPr lang="en-US" dirty="0"/>
+              <a:t>C1</a:t>
+            </a:r>
+          </a:p>
+          <a:p>
+            <a:pPr algn="ctr"/>
+            <a:r>
+              <a:rPr lang="en-US" dirty="0"/>
+              <a:t>Is loaded</a:t>
+            </a:r>
+          </a:p>
+        </p:txBody>
+      </p:sp>
+      <p:sp>
+        <p:nvSpPr>
+          <p:cNvPr id="17" name="Down Arrow 16">
+            <a:extLst>
+              <a:ext uri="{FF2B5EF4-FFF2-40B4-BE49-F238E27FC236}">
+                <a16:creationId xmlns:a16="http://schemas.microsoft.com/office/drawing/2014/main" id="{0E1CCEDD-E36E-FB4B-99FA-DA8C23580253}"/>
+              </a:ext>
+            </a:extLst>
+          </p:cNvPr>
+          <p:cNvSpPr/>
+          <p:nvPr/>
+        </p:nvSpPr>
+        <p:spPr>
+          <a:xfrm>
+            <a:off x="2173605" y="2028846"/>
+            <a:ext cx="246017" cy="388033"/>
+          </a:xfrm>
+          <a:prstGeom prst="downArrow">
+            <a:avLst/>
+          </a:prstGeom>
+        </p:spPr>
+        <p:style>
+          <a:lnRef idx="2">
+            <a:schemeClr val="accent1">
+              <a:shade val="50000"/>
+            </a:schemeClr>
+          </a:lnRef>
+          <a:fillRef idx="1">
+            <a:schemeClr val="accent1"/>
+          </a:fillRef>
+          <a:effectRef idx="0">
+            <a:schemeClr val="accent1"/>
+          </a:effectRef>
+          <a:fontRef idx="minor">
+            <a:schemeClr val="lt1"/>
+          </a:fontRef>
+        </p:style>
+        <p:txBody>
+          <a:bodyPr rtlCol="0" anchor="ctr"/>
+          <a:lstStyle/>
+          <a:p>
+            <a:pPr algn="ctr"/>
+            <a:endParaRPr lang="en-US"/>
+          </a:p>
+        </p:txBody>
+      </p:sp>
+      <p:sp>
+        <p:nvSpPr>
+          <p:cNvPr id="18" name="Rounded Rectangle 17">
+            <a:extLst>
+              <a:ext uri="{FF2B5EF4-FFF2-40B4-BE49-F238E27FC236}">
+                <a16:creationId xmlns:a16="http://schemas.microsoft.com/office/drawing/2014/main" id="{AB17642F-0B7B-2145-B724-4172758179D7}"/>
+              </a:ext>
+            </a:extLst>
+          </p:cNvPr>
+          <p:cNvSpPr/>
+          <p:nvPr/>
+        </p:nvSpPr>
+        <p:spPr>
+          <a:xfrm>
+            <a:off x="4946469" y="2963986"/>
+            <a:ext cx="1680754" cy="1067583"/>
+          </a:xfrm>
+          <a:prstGeom prst="roundRect">
+            <a:avLst/>
+          </a:prstGeom>
+        </p:spPr>
+        <p:style>
+          <a:lnRef idx="2">
+            <a:schemeClr val="accent1">
+              <a:shade val="50000"/>
+            </a:schemeClr>
+          </a:lnRef>
+          <a:fillRef idx="1">
+            <a:schemeClr val="accent1"/>
+          </a:fillRef>
+          <a:effectRef idx="0">
+            <a:schemeClr val="accent1"/>
+          </a:effectRef>
+          <a:fontRef idx="minor">
+            <a:schemeClr val="lt1"/>
+          </a:fontRef>
+        </p:style>
+        <p:txBody>
+          <a:bodyPr rtlCol="0" anchor="ctr"/>
+          <a:lstStyle/>
+          <a:p>
+            <a:pPr algn="ctr"/>
+            <a:r>
+              <a:rPr lang="en-US" dirty="0"/>
+              <a:t>C2</a:t>
+            </a:r>
+          </a:p>
+        </p:txBody>
+      </p:sp>
+      <p:cxnSp>
+        <p:nvCxnSpPr>
+          <p:cNvPr id="20" name="Straight Arrow Connector 19">
+            <a:extLst>
+              <a:ext uri="{FF2B5EF4-FFF2-40B4-BE49-F238E27FC236}">
+                <a16:creationId xmlns:a16="http://schemas.microsoft.com/office/drawing/2014/main" id="{E3273AE8-D2B0-764D-BDCF-DBF539F9003E}"/>
+              </a:ext>
+            </a:extLst>
+          </p:cNvPr>
+          <p:cNvCxnSpPr/>
+          <p:nvPr/>
+        </p:nvCxnSpPr>
+        <p:spPr>
+          <a:xfrm>
+            <a:off x="3657600" y="3452448"/>
+            <a:ext cx="1288869" cy="0"/>
+          </a:xfrm>
+          <a:prstGeom prst="straightConnector1">
+            <a:avLst/>
+          </a:prstGeom>
+          <a:ln>
+            <a:tailEnd type="triangle"/>
+          </a:ln>
+        </p:spPr>
+        <p:style>
+          <a:lnRef idx="1">
+            <a:schemeClr val="accent1"/>
+          </a:lnRef>
+          <a:fillRef idx="0">
+            <a:schemeClr val="accent1"/>
+          </a:fillRef>
+          <a:effectRef idx="0">
+            <a:schemeClr val="accent1"/>
+          </a:effectRef>
+          <a:fontRef idx="minor">
+            <a:schemeClr val="tx1"/>
+          </a:fontRef>
+        </p:style>
+      </p:cxnSp>
+      <p:cxnSp>
+        <p:nvCxnSpPr>
+          <p:cNvPr id="22" name="Straight Arrow Connector 21">
+            <a:extLst>
+              <a:ext uri="{FF2B5EF4-FFF2-40B4-BE49-F238E27FC236}">
+                <a16:creationId xmlns:a16="http://schemas.microsoft.com/office/drawing/2014/main" id="{1BA8D030-72D2-E84B-B978-6167908A3A48}"/>
+              </a:ext>
+            </a:extLst>
+          </p:cNvPr>
+          <p:cNvCxnSpPr>
+            <a:stCxn id="18" idx="1"/>
+          </p:cNvCxnSpPr>
+          <p:nvPr/>
+        </p:nvCxnSpPr>
+        <p:spPr>
+          <a:xfrm flipH="1">
+            <a:off x="3657600" y="3497778"/>
+            <a:ext cx="1288869" cy="533791"/>
+          </a:xfrm>
+          <a:prstGeom prst="straightConnector1">
+            <a:avLst/>
+          </a:prstGeom>
+          <a:ln>
+            <a:tailEnd type="triangle"/>
+          </a:ln>
+        </p:spPr>
+        <p:style>
+          <a:lnRef idx="1">
+            <a:schemeClr val="accent1"/>
+          </a:lnRef>
+          <a:fillRef idx="0">
+            <a:schemeClr val="accent1"/>
+          </a:fillRef>
+          <a:effectRef idx="0">
+            <a:schemeClr val="accent1"/>
+          </a:effectRef>
+          <a:fontRef idx="minor">
+            <a:schemeClr val="tx1"/>
+          </a:fontRef>
+        </p:style>
+      </p:cxnSp>
+      <p:sp>
+        <p:nvSpPr>
+          <p:cNvPr id="23" name="Rounded Rectangle 22">
+            <a:extLst>
+              <a:ext uri="{FF2B5EF4-FFF2-40B4-BE49-F238E27FC236}">
+                <a16:creationId xmlns:a16="http://schemas.microsoft.com/office/drawing/2014/main" id="{23C0141F-8885-8D45-8818-2EA58A3EFE6C}"/>
+              </a:ext>
+            </a:extLst>
+          </p:cNvPr>
+          <p:cNvSpPr/>
+          <p:nvPr/>
+        </p:nvSpPr>
+        <p:spPr>
+          <a:xfrm>
+            <a:off x="1149533" y="3692434"/>
+            <a:ext cx="2259874" cy="1067583"/>
+          </a:xfrm>
+          <a:prstGeom prst="roundRect">
+            <a:avLst/>
+          </a:prstGeom>
+        </p:spPr>
+        <p:style>
+          <a:lnRef idx="2">
+            <a:schemeClr val="accent1">
+              <a:shade val="50000"/>
+            </a:schemeClr>
+          </a:lnRef>
+          <a:fillRef idx="1">
+            <a:schemeClr val="accent1"/>
+          </a:fillRef>
+          <a:effectRef idx="0">
+            <a:schemeClr val="accent1"/>
+          </a:effectRef>
+          <a:fontRef idx="minor">
+            <a:schemeClr val="lt1"/>
+          </a:fontRef>
+        </p:style>
+        <p:txBody>
+          <a:bodyPr rtlCol="0" anchor="ctr"/>
+          <a:lstStyle/>
+          <a:p>
+            <a:pPr algn="ctr"/>
+            <a:r>
+              <a:rPr lang="en-US" dirty="0"/>
+              <a:t>C2</a:t>
+            </a:r>
+          </a:p>
+        </p:txBody>
+      </p:sp>
+      <p:sp>
+        <p:nvSpPr>
+          <p:cNvPr id="24" name="Down Arrow 23">
+            <a:extLst>
+              <a:ext uri="{FF2B5EF4-FFF2-40B4-BE49-F238E27FC236}">
+                <a16:creationId xmlns:a16="http://schemas.microsoft.com/office/drawing/2014/main" id="{EC9A91EF-262C-6049-AEAB-2315D88859D7}"/>
+              </a:ext>
+            </a:extLst>
+          </p:cNvPr>
+          <p:cNvSpPr/>
+          <p:nvPr/>
+        </p:nvSpPr>
+        <p:spPr>
+          <a:xfrm>
+            <a:off x="1158240" y="2274221"/>
+            <a:ext cx="78377" cy="1460362"/>
+          </a:xfrm>
+          <a:prstGeom prst="downArrow">
+            <a:avLst/>
+          </a:prstGeom>
+        </p:spPr>
+        <p:style>
+          <a:lnRef idx="2">
+            <a:schemeClr val="accent1">
+              <a:shade val="50000"/>
+            </a:schemeClr>
+          </a:lnRef>
+          <a:fillRef idx="1">
+            <a:schemeClr val="accent1"/>
+          </a:fillRef>
+          <a:effectRef idx="0">
+            <a:schemeClr val="accent1"/>
+          </a:effectRef>
+          <a:fontRef idx="minor">
+            <a:schemeClr val="lt1"/>
+          </a:fontRef>
+        </p:style>
+        <p:txBody>
+          <a:bodyPr rtlCol="0" anchor="ctr"/>
+          <a:lstStyle/>
+          <a:p>
+            <a:pPr algn="ctr"/>
+            <a:endParaRPr lang="en-US"/>
+          </a:p>
+        </p:txBody>
+      </p:sp>
+      <p:sp>
+        <p:nvSpPr>
+          <p:cNvPr id="25" name="TextBox 24">
+            <a:extLst>
+              <a:ext uri="{FF2B5EF4-FFF2-40B4-BE49-F238E27FC236}">
+                <a16:creationId xmlns:a16="http://schemas.microsoft.com/office/drawing/2014/main" id="{FC8CBBC7-ACD0-5848-B884-74C0F4356BFD}"/>
+              </a:ext>
+            </a:extLst>
+          </p:cNvPr>
+          <p:cNvSpPr txBox="1"/>
+          <p:nvPr/>
+        </p:nvSpPr>
+        <p:spPr>
+          <a:xfrm>
+            <a:off x="9469215" y="253119"/>
+            <a:ext cx="2246810" cy="6463308"/>
+          </a:xfrm>
+          <a:prstGeom prst="rect">
+            <a:avLst/>
+          </a:prstGeom>
+          <a:noFill/>
+        </p:spPr>
+        <p:txBody>
+          <a:bodyPr wrap="square" rtlCol="0">
+            <a:spAutoFit/>
+          </a:bodyPr>
+          <a:lstStyle/>
+          <a:p>
+            <a:r>
+              <a:rPr lang="en-US" dirty="0"/>
+              <a:t>First Cycle</a:t>
+            </a:r>
+          </a:p>
+          <a:p>
+            <a:r>
+              <a:rPr lang="en-US" dirty="0"/>
+              <a:t>getDefaultProps</a:t>
+            </a:r>
+          </a:p>
+          <a:p>
+            <a:r>
+              <a:rPr lang="en-US" dirty="0"/>
+              <a:t>getInitialState</a:t>
+            </a:r>
+          </a:p>
+          <a:p>
+            <a:r>
+              <a:rPr lang="en-US" dirty="0" err="1"/>
+              <a:t>Ctor</a:t>
+            </a:r>
+            <a:endParaRPr lang="en-US" dirty="0"/>
+          </a:p>
+          <a:p>
+            <a:r>
+              <a:rPr lang="en-US" dirty="0"/>
+              <a:t>Render</a:t>
+            </a:r>
+          </a:p>
+          <a:p>
+            <a:r>
+              <a:rPr lang="en-US" dirty="0"/>
+              <a:t>ComponentDidMount</a:t>
+            </a:r>
+          </a:p>
+          <a:p>
+            <a:endParaRPr lang="en-US" dirty="0"/>
+          </a:p>
+          <a:p>
+            <a:r>
+              <a:rPr lang="en-US" dirty="0"/>
+              <a:t>Second Cycle</a:t>
+            </a:r>
+          </a:p>
+          <a:p>
+            <a:r>
+              <a:rPr lang="en-US" dirty="0" err="1"/>
+              <a:t>PropChanges</a:t>
+            </a:r>
+            <a:endParaRPr lang="en-US" dirty="0"/>
+          </a:p>
+          <a:p>
+            <a:r>
+              <a:rPr lang="en-US" dirty="0" err="1"/>
+              <a:t>shouldComponentUpdate</a:t>
+            </a:r>
+            <a:endParaRPr lang="en-US" dirty="0"/>
+          </a:p>
+          <a:p>
+            <a:r>
+              <a:rPr lang="en-US" dirty="0"/>
+              <a:t>Render</a:t>
+            </a:r>
+          </a:p>
+          <a:p>
+            <a:r>
+              <a:rPr lang="en-US" dirty="0" err="1"/>
+              <a:t>CompoentDidUpdate</a:t>
+            </a:r>
+            <a:endParaRPr lang="en-US" dirty="0"/>
+          </a:p>
+          <a:p>
+            <a:endParaRPr lang="en-US" dirty="0"/>
+          </a:p>
+          <a:p>
+            <a:r>
+              <a:rPr lang="en-US" dirty="0"/>
+              <a:t>Third Cycle</a:t>
+            </a:r>
+          </a:p>
+          <a:p>
+            <a:r>
+              <a:rPr lang="en-US" dirty="0" err="1"/>
+              <a:t>StateChanges</a:t>
+            </a:r>
+            <a:endParaRPr lang="en-US" dirty="0"/>
+          </a:p>
+          <a:p>
+            <a:r>
+              <a:rPr lang="en-US" dirty="0" err="1"/>
+              <a:t>shouldComponentUpdate</a:t>
+            </a:r>
+            <a:endParaRPr lang="en-US" dirty="0"/>
+          </a:p>
+          <a:p>
+            <a:r>
+              <a:rPr lang="en-US" dirty="0"/>
+              <a:t>Render</a:t>
+            </a:r>
+          </a:p>
+          <a:p>
+            <a:r>
+              <a:rPr lang="en-US" dirty="0" err="1"/>
+              <a:t>CompoentDidUpdate</a:t>
+            </a:r>
+            <a:endParaRPr lang="en-US" dirty="0"/>
+          </a:p>
+          <a:p>
+            <a:endParaRPr lang="en-US" dirty="0"/>
+          </a:p>
+          <a:p>
+            <a:r>
+              <a:rPr lang="en-US"/>
+              <a:t>COmponentEillUnmount</a:t>
+            </a:r>
+            <a:endParaRPr lang="en-US" dirty="0"/>
+          </a:p>
+        </p:txBody>
+      </p:sp>
+    </p:spTree>
+    <p:extLst>
+      <p:ext uri="{BB962C8B-B14F-4D97-AF65-F5344CB8AC3E}">
+        <p14:creationId xmlns:p14="http://schemas.microsoft.com/office/powerpoint/2010/main" val="390361529"/>
+      </p:ext>
+    </p:extLst>
+  </p:cSld>
+  <p:clrMapOvr>
+    <a:masterClrMapping/>
+  </p:clrMapOvr>
+</p:sld>
+</file>
+
 <file path=ppt/slides/slide6.xml><?xml version="1.0" encoding="utf-8"?>
 <p:sld xmlns:a="http://schemas.openxmlformats.org/drawingml/2006/main" xmlns:r="http://schemas.openxmlformats.org/officeDocument/2006/relationships" xmlns:p="http://schemas.openxmlformats.org/presentationml/2006/main">
   <p:cSld>

--- a/SpotPPTs.pptx
+++ b/SpotPPTs.pptx
@@ -56,6 +56,9 @@
     <p:sldId id="304" r:id="rId50"/>
     <p:sldId id="305" r:id="rId51"/>
     <p:sldId id="306" r:id="rId52"/>
+    <p:sldId id="307" r:id="rId53"/>
+    <p:sldId id="308" r:id="rId54"/>
+    <p:sldId id="309" r:id="rId55"/>
   </p:sldIdLst>
   <p:sldSz cx="12192000" cy="6858000"/>
   <p:notesSz cx="6858000" cy="9144000"/>
@@ -311,7 +314,7 @@
           <a:p>
             <a:fld id="{6B75415C-91ED-7941-9068-396BBFB028E8}" type="datetimeFigureOut">
               <a:rPr lang="en-US" smtClean="0"/>
-              <a:t>5/11/21</a:t>
+              <a:t>5/12/21</a:t>
             </a:fld>
             <a:endParaRPr lang="en-US"/>
           </a:p>
@@ -511,7 +514,7 @@
           <a:p>
             <a:fld id="{6B75415C-91ED-7941-9068-396BBFB028E8}" type="datetimeFigureOut">
               <a:rPr lang="en-US" smtClean="0"/>
-              <a:t>5/11/21</a:t>
+              <a:t>5/12/21</a:t>
             </a:fld>
             <a:endParaRPr lang="en-US"/>
           </a:p>
@@ -721,7 +724,7 @@
           <a:p>
             <a:fld id="{6B75415C-91ED-7941-9068-396BBFB028E8}" type="datetimeFigureOut">
               <a:rPr lang="en-US" smtClean="0"/>
-              <a:t>5/11/21</a:t>
+              <a:t>5/12/21</a:t>
             </a:fld>
             <a:endParaRPr lang="en-US"/>
           </a:p>
@@ -921,7 +924,7 @@
           <a:p>
             <a:fld id="{6B75415C-91ED-7941-9068-396BBFB028E8}" type="datetimeFigureOut">
               <a:rPr lang="en-US" smtClean="0"/>
-              <a:t>5/11/21</a:t>
+              <a:t>5/12/21</a:t>
             </a:fld>
             <a:endParaRPr lang="en-US"/>
           </a:p>
@@ -1197,7 +1200,7 @@
           <a:p>
             <a:fld id="{6B75415C-91ED-7941-9068-396BBFB028E8}" type="datetimeFigureOut">
               <a:rPr lang="en-US" smtClean="0"/>
-              <a:t>5/11/21</a:t>
+              <a:t>5/12/21</a:t>
             </a:fld>
             <a:endParaRPr lang="en-US"/>
           </a:p>
@@ -1465,7 +1468,7 @@
           <a:p>
             <a:fld id="{6B75415C-91ED-7941-9068-396BBFB028E8}" type="datetimeFigureOut">
               <a:rPr lang="en-US" smtClean="0"/>
-              <a:t>5/11/21</a:t>
+              <a:t>5/12/21</a:t>
             </a:fld>
             <a:endParaRPr lang="en-US"/>
           </a:p>
@@ -1880,7 +1883,7 @@
           <a:p>
             <a:fld id="{6B75415C-91ED-7941-9068-396BBFB028E8}" type="datetimeFigureOut">
               <a:rPr lang="en-US" smtClean="0"/>
-              <a:t>5/11/21</a:t>
+              <a:t>5/12/21</a:t>
             </a:fld>
             <a:endParaRPr lang="en-US"/>
           </a:p>
@@ -2022,7 +2025,7 @@
           <a:p>
             <a:fld id="{6B75415C-91ED-7941-9068-396BBFB028E8}" type="datetimeFigureOut">
               <a:rPr lang="en-US" smtClean="0"/>
-              <a:t>5/11/21</a:t>
+              <a:t>5/12/21</a:t>
             </a:fld>
             <a:endParaRPr lang="en-US"/>
           </a:p>
@@ -2135,7 +2138,7 @@
           <a:p>
             <a:fld id="{6B75415C-91ED-7941-9068-396BBFB028E8}" type="datetimeFigureOut">
               <a:rPr lang="en-US" smtClean="0"/>
-              <a:t>5/11/21</a:t>
+              <a:t>5/12/21</a:t>
             </a:fld>
             <a:endParaRPr lang="en-US"/>
           </a:p>
@@ -2448,7 +2451,7 @@
           <a:p>
             <a:fld id="{6B75415C-91ED-7941-9068-396BBFB028E8}" type="datetimeFigureOut">
               <a:rPr lang="en-US" smtClean="0"/>
-              <a:t>5/11/21</a:t>
+              <a:t>5/12/21</a:t>
             </a:fld>
             <a:endParaRPr lang="en-US"/>
           </a:p>
@@ -2737,7 +2740,7 @@
           <a:p>
             <a:fld id="{6B75415C-91ED-7941-9068-396BBFB028E8}" type="datetimeFigureOut">
               <a:rPr lang="en-US" smtClean="0"/>
-              <a:t>5/11/21</a:t>
+              <a:t>5/12/21</a:t>
             </a:fld>
             <a:endParaRPr lang="en-US"/>
           </a:p>
@@ -2980,7 +2983,7 @@
           <a:p>
             <a:fld id="{6B75415C-91ED-7941-9068-396BBFB028E8}" type="datetimeFigureOut">
               <a:rPr lang="en-US" smtClean="0"/>
-              <a:t>5/11/21</a:t>
+              <a:t>5/12/21</a:t>
             </a:fld>
             <a:endParaRPr lang="en-US"/>
           </a:p>
@@ -34940,7 +34943,7 @@
         </p:nvSpPr>
         <p:spPr>
           <a:xfrm>
-            <a:off x="1038496" y="1402191"/>
+            <a:off x="1038496" y="1239730"/>
             <a:ext cx="2586446" cy="4873228"/>
           </a:xfrm>
           <a:prstGeom prst="roundRect">
@@ -35658,6 +35661,13 @@
               <a:t>C2</a:t>
             </a:r>
           </a:p>
+          <a:p>
+            <a:pPr algn="ctr"/>
+            <a:r>
+              <a:rPr lang="en-US" dirty="0"/>
+              <a:t>Is Loaded</a:t>
+            </a:r>
+          </a:p>
         </p:txBody>
       </p:sp>
       <p:sp>
@@ -35847,17 +35857,5576 @@
           </a:p>
           <a:p>
             <a:r>
-              <a:rPr lang="en-US"/>
+              <a:rPr lang="en-US" dirty="0" err="1"/>
               <a:t>COmponentEillUnmount</a:t>
             </a:r>
             <a:endParaRPr lang="en-US" dirty="0"/>
           </a:p>
         </p:txBody>
       </p:sp>
+      <p:sp>
+        <p:nvSpPr>
+          <p:cNvPr id="29" name="Curved Down Arrow 28">
+            <a:extLst>
+              <a:ext uri="{FF2B5EF4-FFF2-40B4-BE49-F238E27FC236}">
+                <a16:creationId xmlns:a16="http://schemas.microsoft.com/office/drawing/2014/main" id="{5F4C840A-4C33-8B49-8B3A-DAF42F1A2056}"/>
+              </a:ext>
+            </a:extLst>
+          </p:cNvPr>
+          <p:cNvSpPr/>
+          <p:nvPr/>
+        </p:nvSpPr>
+        <p:spPr>
+          <a:xfrm>
+            <a:off x="6303649" y="4307320"/>
+            <a:ext cx="1680754" cy="427003"/>
+          </a:xfrm>
+          <a:prstGeom prst="curvedDownArrow">
+            <a:avLst/>
+          </a:prstGeom>
+          <a:solidFill>
+            <a:schemeClr val="accent2"/>
+          </a:solidFill>
+        </p:spPr>
+        <p:style>
+          <a:lnRef idx="2">
+            <a:schemeClr val="accent1">
+              <a:shade val="50000"/>
+            </a:schemeClr>
+          </a:lnRef>
+          <a:fillRef idx="1">
+            <a:schemeClr val="accent1"/>
+          </a:fillRef>
+          <a:effectRef idx="0">
+            <a:schemeClr val="accent1"/>
+          </a:effectRef>
+          <a:fontRef idx="minor">
+            <a:schemeClr val="lt1"/>
+          </a:fontRef>
+        </p:style>
+        <p:txBody>
+          <a:bodyPr rtlCol="0" anchor="ctr"/>
+          <a:lstStyle/>
+          <a:p>
+            <a:pPr algn="ctr"/>
+            <a:endParaRPr lang="en-US">
+              <a:solidFill>
+                <a:schemeClr val="tx1"/>
+              </a:solidFill>
+            </a:endParaRPr>
+          </a:p>
+        </p:txBody>
+      </p:sp>
+      <p:sp>
+        <p:nvSpPr>
+          <p:cNvPr id="30" name="Curved Down Arrow 29">
+            <a:extLst>
+              <a:ext uri="{FF2B5EF4-FFF2-40B4-BE49-F238E27FC236}">
+                <a16:creationId xmlns:a16="http://schemas.microsoft.com/office/drawing/2014/main" id="{B94405EE-7FA3-D148-A9A7-81D28BA3D45B}"/>
+              </a:ext>
+            </a:extLst>
+          </p:cNvPr>
+          <p:cNvSpPr/>
+          <p:nvPr/>
+        </p:nvSpPr>
+        <p:spPr>
+          <a:xfrm rot="10800000">
+            <a:off x="6268818" y="5192305"/>
+            <a:ext cx="1680754" cy="427003"/>
+          </a:xfrm>
+          <a:prstGeom prst="curvedDownArrow">
+            <a:avLst/>
+          </a:prstGeom>
+          <a:solidFill>
+            <a:schemeClr val="accent2"/>
+          </a:solidFill>
+        </p:spPr>
+        <p:style>
+          <a:lnRef idx="2">
+            <a:schemeClr val="accent1">
+              <a:shade val="50000"/>
+            </a:schemeClr>
+          </a:lnRef>
+          <a:fillRef idx="1">
+            <a:schemeClr val="accent1"/>
+          </a:fillRef>
+          <a:effectRef idx="0">
+            <a:schemeClr val="accent1"/>
+          </a:effectRef>
+          <a:fontRef idx="minor">
+            <a:schemeClr val="lt1"/>
+          </a:fontRef>
+        </p:style>
+        <p:txBody>
+          <a:bodyPr rtlCol="0" anchor="ctr"/>
+          <a:lstStyle/>
+          <a:p>
+            <a:pPr algn="ctr"/>
+            <a:endParaRPr lang="en-US">
+              <a:solidFill>
+                <a:schemeClr val="tx1"/>
+              </a:solidFill>
+            </a:endParaRPr>
+          </a:p>
+        </p:txBody>
+      </p:sp>
+      <p:sp>
+        <p:nvSpPr>
+          <p:cNvPr id="31" name="TextBox 30">
+            <a:extLst>
+              <a:ext uri="{FF2B5EF4-FFF2-40B4-BE49-F238E27FC236}">
+                <a16:creationId xmlns:a16="http://schemas.microsoft.com/office/drawing/2014/main" id="{0A02ED44-0F1E-384A-8559-833A9485B854}"/>
+              </a:ext>
+            </a:extLst>
+          </p:cNvPr>
+          <p:cNvSpPr txBox="1"/>
+          <p:nvPr/>
+        </p:nvSpPr>
+        <p:spPr>
+          <a:xfrm>
+            <a:off x="5923184" y="4734323"/>
+            <a:ext cx="2750553" cy="369332"/>
+          </a:xfrm>
+          <a:prstGeom prst="rect">
+            <a:avLst/>
+          </a:prstGeom>
+          <a:noFill/>
+        </p:spPr>
+        <p:txBody>
+          <a:bodyPr wrap="square" rtlCol="0">
+            <a:spAutoFit/>
+          </a:bodyPr>
+          <a:lstStyle/>
+          <a:p>
+            <a:r>
+              <a:rPr lang="en-US" dirty="0" err="1"/>
+              <a:t>shouldComponentUpdate</a:t>
+            </a:r>
+            <a:endParaRPr lang="en-US" dirty="0"/>
+          </a:p>
+        </p:txBody>
+      </p:sp>
+      <p:sp>
+        <p:nvSpPr>
+          <p:cNvPr id="32" name="U-turn Arrow 31">
+            <a:extLst>
+              <a:ext uri="{FF2B5EF4-FFF2-40B4-BE49-F238E27FC236}">
+                <a16:creationId xmlns:a16="http://schemas.microsoft.com/office/drawing/2014/main" id="{0EFD1BE6-247C-8540-BFE9-9A1E344FF754}"/>
+              </a:ext>
+            </a:extLst>
+          </p:cNvPr>
+          <p:cNvSpPr/>
+          <p:nvPr/>
+        </p:nvSpPr>
+        <p:spPr>
+          <a:xfrm>
+            <a:off x="2785382" y="2046515"/>
+            <a:ext cx="375829" cy="542932"/>
+          </a:xfrm>
+          <a:prstGeom prst="uturnArrow">
+            <a:avLst/>
+          </a:prstGeom>
+          <a:solidFill>
+            <a:schemeClr val="accent2"/>
+          </a:solidFill>
+        </p:spPr>
+        <p:style>
+          <a:lnRef idx="2">
+            <a:schemeClr val="accent1">
+              <a:shade val="50000"/>
+            </a:schemeClr>
+          </a:lnRef>
+          <a:fillRef idx="1">
+            <a:schemeClr val="accent1"/>
+          </a:fillRef>
+          <a:effectRef idx="0">
+            <a:schemeClr val="accent1"/>
+          </a:effectRef>
+          <a:fontRef idx="minor">
+            <a:schemeClr val="lt1"/>
+          </a:fontRef>
+        </p:style>
+        <p:txBody>
+          <a:bodyPr rtlCol="0" anchor="ctr"/>
+          <a:lstStyle/>
+          <a:p>
+            <a:pPr algn="ctr"/>
+            <a:endParaRPr lang="en-US">
+              <a:solidFill>
+                <a:schemeClr val="tx1"/>
+              </a:solidFill>
+            </a:endParaRPr>
+          </a:p>
+        </p:txBody>
+      </p:sp>
+      <p:sp>
+        <p:nvSpPr>
+          <p:cNvPr id="33" name="U-turn Arrow 32">
+            <a:extLst>
+              <a:ext uri="{FF2B5EF4-FFF2-40B4-BE49-F238E27FC236}">
+                <a16:creationId xmlns:a16="http://schemas.microsoft.com/office/drawing/2014/main" id="{26C89470-C8D2-8445-ABD4-DA9CF21CB619}"/>
+              </a:ext>
+            </a:extLst>
+          </p:cNvPr>
+          <p:cNvSpPr/>
+          <p:nvPr/>
+        </p:nvSpPr>
+        <p:spPr>
+          <a:xfrm>
+            <a:off x="2785381" y="3452448"/>
+            <a:ext cx="375829" cy="542932"/>
+          </a:xfrm>
+          <a:prstGeom prst="uturnArrow">
+            <a:avLst>
+              <a:gd name="adj1" fmla="val 25000"/>
+              <a:gd name="adj2" fmla="val 25000"/>
+              <a:gd name="adj3" fmla="val 25000"/>
+              <a:gd name="adj4" fmla="val 22895"/>
+              <a:gd name="adj5" fmla="val 75000"/>
+            </a:avLst>
+          </a:prstGeom>
+          <a:solidFill>
+            <a:schemeClr val="accent2"/>
+          </a:solidFill>
+        </p:spPr>
+        <p:style>
+          <a:lnRef idx="2">
+            <a:schemeClr val="accent1">
+              <a:shade val="50000"/>
+            </a:schemeClr>
+          </a:lnRef>
+          <a:fillRef idx="1">
+            <a:schemeClr val="accent1"/>
+          </a:fillRef>
+          <a:effectRef idx="0">
+            <a:schemeClr val="accent1"/>
+          </a:effectRef>
+          <a:fontRef idx="minor">
+            <a:schemeClr val="lt1"/>
+          </a:fontRef>
+        </p:style>
+        <p:txBody>
+          <a:bodyPr rtlCol="0" anchor="ctr"/>
+          <a:lstStyle/>
+          <a:p>
+            <a:pPr algn="ctr"/>
+            <a:endParaRPr lang="en-US">
+              <a:solidFill>
+                <a:schemeClr val="tx1"/>
+              </a:solidFill>
+            </a:endParaRPr>
+          </a:p>
+        </p:txBody>
+      </p:sp>
+      <p:sp>
+        <p:nvSpPr>
+          <p:cNvPr id="34" name="Rounded Rectangle 33">
+            <a:extLst>
+              <a:ext uri="{FF2B5EF4-FFF2-40B4-BE49-F238E27FC236}">
+                <a16:creationId xmlns:a16="http://schemas.microsoft.com/office/drawing/2014/main" id="{BE1C8E09-EC42-434F-8330-476401CBF17A}"/>
+              </a:ext>
+            </a:extLst>
+          </p:cNvPr>
+          <p:cNvSpPr/>
+          <p:nvPr/>
+        </p:nvSpPr>
+        <p:spPr>
+          <a:xfrm>
+            <a:off x="1431471" y="5246914"/>
+            <a:ext cx="1572986" cy="483326"/>
+          </a:xfrm>
+          <a:prstGeom prst="roundRect">
+            <a:avLst/>
+          </a:prstGeom>
+        </p:spPr>
+        <p:style>
+          <a:lnRef idx="2">
+            <a:schemeClr val="accent1">
+              <a:shade val="50000"/>
+            </a:schemeClr>
+          </a:lnRef>
+          <a:fillRef idx="1">
+            <a:schemeClr val="accent1"/>
+          </a:fillRef>
+          <a:effectRef idx="0">
+            <a:schemeClr val="accent1"/>
+          </a:effectRef>
+          <a:fontRef idx="minor">
+            <a:schemeClr val="lt1"/>
+          </a:fontRef>
+        </p:style>
+        <p:txBody>
+          <a:bodyPr rtlCol="0" anchor="ctr"/>
+          <a:lstStyle/>
+          <a:p>
+            <a:pPr algn="ctr"/>
+            <a:r>
+              <a:rPr lang="en-US" dirty="0" err="1"/>
+              <a:t>Btn</a:t>
+            </a:r>
+            <a:r>
+              <a:rPr lang="en-US" dirty="0"/>
+              <a:t>-&gt; Click Event</a:t>
+            </a:r>
+          </a:p>
+        </p:txBody>
+      </p:sp>
+      <p:cxnSp>
+        <p:nvCxnSpPr>
+          <p:cNvPr id="36" name="Straight Arrow Connector 35">
+            <a:extLst>
+              <a:ext uri="{FF2B5EF4-FFF2-40B4-BE49-F238E27FC236}">
+                <a16:creationId xmlns:a16="http://schemas.microsoft.com/office/drawing/2014/main" id="{9909257B-B2CA-4645-9814-5672CEF7B7A9}"/>
+              </a:ext>
+            </a:extLst>
+          </p:cNvPr>
+          <p:cNvCxnSpPr/>
+          <p:nvPr/>
+        </p:nvCxnSpPr>
+        <p:spPr>
+          <a:xfrm>
+            <a:off x="2878179" y="5488577"/>
+            <a:ext cx="1434741" cy="129693"/>
+          </a:xfrm>
+          <a:prstGeom prst="straightConnector1">
+            <a:avLst/>
+          </a:prstGeom>
+          <a:ln>
+            <a:tailEnd type="triangle"/>
+          </a:ln>
+        </p:spPr>
+        <p:style>
+          <a:lnRef idx="1">
+            <a:schemeClr val="accent1"/>
+          </a:lnRef>
+          <a:fillRef idx="0">
+            <a:schemeClr val="accent1"/>
+          </a:fillRef>
+          <a:effectRef idx="0">
+            <a:schemeClr val="accent1"/>
+          </a:effectRef>
+          <a:fontRef idx="minor">
+            <a:schemeClr val="tx1"/>
+          </a:fontRef>
+        </p:style>
+      </p:cxnSp>
+      <p:sp>
+        <p:nvSpPr>
+          <p:cNvPr id="37" name="TextBox 36">
+            <a:extLst>
+              <a:ext uri="{FF2B5EF4-FFF2-40B4-BE49-F238E27FC236}">
+                <a16:creationId xmlns:a16="http://schemas.microsoft.com/office/drawing/2014/main" id="{D45B7FBB-1DF1-3442-A8CF-B901B92318F3}"/>
+              </a:ext>
+            </a:extLst>
+          </p:cNvPr>
+          <p:cNvSpPr txBox="1"/>
+          <p:nvPr/>
+        </p:nvSpPr>
+        <p:spPr>
+          <a:xfrm>
+            <a:off x="3835590" y="5502101"/>
+            <a:ext cx="4134394" cy="923330"/>
+          </a:xfrm>
+          <a:prstGeom prst="rect">
+            <a:avLst/>
+          </a:prstGeom>
+          <a:noFill/>
+        </p:spPr>
+        <p:txBody>
+          <a:bodyPr wrap="square" rtlCol="0">
+            <a:spAutoFit/>
+          </a:bodyPr>
+          <a:lstStyle/>
+          <a:p>
+            <a:r>
+              <a:rPr lang="en-US" dirty="0"/>
+              <a:t>Update the State  of the </a:t>
+            </a:r>
+            <a:r>
+              <a:rPr lang="en-US" dirty="0" err="1"/>
+              <a:t>RootComponent</a:t>
+            </a:r>
+            <a:endParaRPr lang="en-US" dirty="0"/>
+          </a:p>
+          <a:p>
+            <a:r>
+              <a:rPr lang="en-US" dirty="0"/>
+              <a:t>Will call ‘</a:t>
+            </a:r>
+            <a:r>
+              <a:rPr lang="en-US" dirty="0" err="1"/>
+              <a:t>shouldComponentUpdate</a:t>
+            </a:r>
+            <a:r>
+              <a:rPr lang="en-US" dirty="0"/>
+              <a:t>’ for whole DOM Tree</a:t>
+            </a:r>
+          </a:p>
+        </p:txBody>
+      </p:sp>
+      <p:sp>
+        <p:nvSpPr>
+          <p:cNvPr id="38" name="U-turn Arrow 37">
+            <a:extLst>
+              <a:ext uri="{FF2B5EF4-FFF2-40B4-BE49-F238E27FC236}">
+                <a16:creationId xmlns:a16="http://schemas.microsoft.com/office/drawing/2014/main" id="{893BB801-B78B-8A4A-92F5-D06A623F73E1}"/>
+              </a:ext>
+            </a:extLst>
+          </p:cNvPr>
+          <p:cNvSpPr/>
+          <p:nvPr/>
+        </p:nvSpPr>
+        <p:spPr>
+          <a:xfrm rot="5400000">
+            <a:off x="3489691" y="4987229"/>
+            <a:ext cx="375829" cy="542932"/>
+          </a:xfrm>
+          <a:prstGeom prst="uturnArrow">
+            <a:avLst>
+              <a:gd name="adj1" fmla="val 25000"/>
+              <a:gd name="adj2" fmla="val 25000"/>
+              <a:gd name="adj3" fmla="val 25000"/>
+              <a:gd name="adj4" fmla="val 43750"/>
+              <a:gd name="adj5" fmla="val 75000"/>
+            </a:avLst>
+          </a:prstGeom>
+          <a:solidFill>
+            <a:schemeClr val="accent2"/>
+          </a:solidFill>
+        </p:spPr>
+        <p:style>
+          <a:lnRef idx="2">
+            <a:schemeClr val="accent1">
+              <a:shade val="50000"/>
+            </a:schemeClr>
+          </a:lnRef>
+          <a:fillRef idx="1">
+            <a:schemeClr val="accent1"/>
+          </a:fillRef>
+          <a:effectRef idx="0">
+            <a:schemeClr val="accent1"/>
+          </a:effectRef>
+          <a:fontRef idx="minor">
+            <a:schemeClr val="lt1"/>
+          </a:fontRef>
+        </p:style>
+        <p:txBody>
+          <a:bodyPr rtlCol="0" anchor="ctr"/>
+          <a:lstStyle/>
+          <a:p>
+            <a:pPr algn="ctr"/>
+            <a:endParaRPr lang="en-US">
+              <a:solidFill>
+                <a:schemeClr val="tx1"/>
+              </a:solidFill>
+            </a:endParaRPr>
+          </a:p>
+        </p:txBody>
+      </p:sp>
+      <p:cxnSp>
+        <p:nvCxnSpPr>
+          <p:cNvPr id="40" name="Straight Arrow Connector 39">
+            <a:extLst>
+              <a:ext uri="{FF2B5EF4-FFF2-40B4-BE49-F238E27FC236}">
+                <a16:creationId xmlns:a16="http://schemas.microsoft.com/office/drawing/2014/main" id="{D7B3616E-C7CF-4541-B6E9-D46BD97D59C7}"/>
+              </a:ext>
+            </a:extLst>
+          </p:cNvPr>
+          <p:cNvCxnSpPr>
+            <a:stCxn id="31" idx="1"/>
+            <a:endCxn id="32" idx="2"/>
+          </p:cNvCxnSpPr>
+          <p:nvPr/>
+        </p:nvCxnSpPr>
+        <p:spPr>
+          <a:xfrm flipH="1" flipV="1">
+            <a:off x="3161211" y="2359757"/>
+            <a:ext cx="2761973" cy="2559232"/>
+          </a:xfrm>
+          <a:prstGeom prst="straightConnector1">
+            <a:avLst/>
+          </a:prstGeom>
+          <a:ln>
+            <a:tailEnd type="triangle"/>
+          </a:ln>
+        </p:spPr>
+        <p:style>
+          <a:lnRef idx="3">
+            <a:schemeClr val="dk1"/>
+          </a:lnRef>
+          <a:fillRef idx="0">
+            <a:schemeClr val="dk1"/>
+          </a:fillRef>
+          <a:effectRef idx="2">
+            <a:schemeClr val="dk1"/>
+          </a:effectRef>
+          <a:fontRef idx="minor">
+            <a:schemeClr val="tx1"/>
+          </a:fontRef>
+        </p:style>
+      </p:cxnSp>
+      <p:cxnSp>
+        <p:nvCxnSpPr>
+          <p:cNvPr id="42" name="Straight Arrow Connector 41">
+            <a:extLst>
+              <a:ext uri="{FF2B5EF4-FFF2-40B4-BE49-F238E27FC236}">
+                <a16:creationId xmlns:a16="http://schemas.microsoft.com/office/drawing/2014/main" id="{CAF35A20-1240-0A4F-8B05-172AECDBDE6A}"/>
+              </a:ext>
+            </a:extLst>
+          </p:cNvPr>
+          <p:cNvCxnSpPr>
+            <a:stCxn id="31" idx="1"/>
+            <a:endCxn id="23" idx="3"/>
+          </p:cNvCxnSpPr>
+          <p:nvPr/>
+        </p:nvCxnSpPr>
+        <p:spPr>
+          <a:xfrm flipH="1" flipV="1">
+            <a:off x="3409407" y="4226226"/>
+            <a:ext cx="2513777" cy="692763"/>
+          </a:xfrm>
+          <a:prstGeom prst="straightConnector1">
+            <a:avLst/>
+          </a:prstGeom>
+          <a:ln>
+            <a:tailEnd type="triangle"/>
+          </a:ln>
+        </p:spPr>
+        <p:style>
+          <a:lnRef idx="3">
+            <a:schemeClr val="dk1"/>
+          </a:lnRef>
+          <a:fillRef idx="0">
+            <a:schemeClr val="dk1"/>
+          </a:fillRef>
+          <a:effectRef idx="2">
+            <a:schemeClr val="dk1"/>
+          </a:effectRef>
+          <a:fontRef idx="minor">
+            <a:schemeClr val="tx1"/>
+          </a:fontRef>
+        </p:style>
+      </p:cxnSp>
+      <p:cxnSp>
+        <p:nvCxnSpPr>
+          <p:cNvPr id="44" name="Straight Arrow Connector 43">
+            <a:extLst>
+              <a:ext uri="{FF2B5EF4-FFF2-40B4-BE49-F238E27FC236}">
+                <a16:creationId xmlns:a16="http://schemas.microsoft.com/office/drawing/2014/main" id="{D863D6E1-6FCD-914D-BEAB-C071D1874ABC}"/>
+              </a:ext>
+            </a:extLst>
+          </p:cNvPr>
+          <p:cNvCxnSpPr>
+            <a:stCxn id="31" idx="1"/>
+            <a:endCxn id="38" idx="3"/>
+          </p:cNvCxnSpPr>
+          <p:nvPr/>
+        </p:nvCxnSpPr>
+        <p:spPr>
+          <a:xfrm flipH="1">
+            <a:off x="3949072" y="4918989"/>
+            <a:ext cx="1974112" cy="316217"/>
+          </a:xfrm>
+          <a:prstGeom prst="straightConnector1">
+            <a:avLst/>
+          </a:prstGeom>
+          <a:ln>
+            <a:tailEnd type="triangle"/>
+          </a:ln>
+        </p:spPr>
+        <p:style>
+          <a:lnRef idx="3">
+            <a:schemeClr val="dk1"/>
+          </a:lnRef>
+          <a:fillRef idx="0">
+            <a:schemeClr val="dk1"/>
+          </a:fillRef>
+          <a:effectRef idx="2">
+            <a:schemeClr val="dk1"/>
+          </a:effectRef>
+          <a:fontRef idx="minor">
+            <a:schemeClr val="tx1"/>
+          </a:fontRef>
+        </p:style>
+      </p:cxnSp>
     </p:spTree>
     <p:extLst>
       <p:ext uri="{BB962C8B-B14F-4D97-AF65-F5344CB8AC3E}">
         <p14:creationId xmlns:p14="http://schemas.microsoft.com/office/powerpoint/2010/main" val="390361529"/>
+      </p:ext>
+    </p:extLst>
+  </p:cSld>
+  <p:clrMapOvr>
+    <a:masterClrMapping/>
+  </p:clrMapOvr>
+</p:sld>
+</file>
+
+<file path=ppt/slides/slide52.xml><?xml version="1.0" encoding="utf-8"?>
+<p:sld xmlns:a="http://schemas.openxmlformats.org/drawingml/2006/main" xmlns:r="http://schemas.openxmlformats.org/officeDocument/2006/relationships" xmlns:p="http://schemas.openxmlformats.org/presentationml/2006/main">
+  <p:cSld>
+    <p:spTree>
+      <p:nvGrpSpPr>
+        <p:cNvPr id="1" name=""/>
+        <p:cNvGrpSpPr/>
+        <p:nvPr/>
+      </p:nvGrpSpPr>
+      <p:grpSpPr>
+        <a:xfrm>
+          <a:off x="0" y="0"/>
+          <a:ext cx="0" cy="0"/>
+          <a:chOff x="0" y="0"/>
+          <a:chExt cx="0" cy="0"/>
+        </a:xfrm>
+      </p:grpSpPr>
+      <p:sp>
+        <p:nvSpPr>
+          <p:cNvPr id="2" name="Rounded Rectangle 1">
+            <a:extLst>
+              <a:ext uri="{FF2B5EF4-FFF2-40B4-BE49-F238E27FC236}">
+                <a16:creationId xmlns:a16="http://schemas.microsoft.com/office/drawing/2014/main" id="{6093EE90-AA64-2748-9E25-33BFBD3AE06B}"/>
+              </a:ext>
+            </a:extLst>
+          </p:cNvPr>
+          <p:cNvSpPr/>
+          <p:nvPr/>
+        </p:nvSpPr>
+        <p:spPr>
+          <a:xfrm>
+            <a:off x="923109" y="3143794"/>
+            <a:ext cx="10659291" cy="1393372"/>
+          </a:xfrm>
+          <a:prstGeom prst="roundRect">
+            <a:avLst/>
+          </a:prstGeom>
+        </p:spPr>
+        <p:style>
+          <a:lnRef idx="2">
+            <a:schemeClr val="accent1">
+              <a:shade val="50000"/>
+            </a:schemeClr>
+          </a:lnRef>
+          <a:fillRef idx="1">
+            <a:schemeClr val="accent1"/>
+          </a:fillRef>
+          <a:effectRef idx="0">
+            <a:schemeClr val="accent1"/>
+          </a:effectRef>
+          <a:fontRef idx="minor">
+            <a:schemeClr val="lt1"/>
+          </a:fontRef>
+        </p:style>
+        <p:txBody>
+          <a:bodyPr rtlCol="0" anchor="ctr"/>
+          <a:lstStyle/>
+          <a:p>
+            <a:pPr algn="ctr"/>
+            <a:r>
+              <a:rPr lang="en-US" dirty="0"/>
+              <a:t>Search Service</a:t>
+            </a:r>
+          </a:p>
+        </p:txBody>
+      </p:sp>
+      <p:sp>
+        <p:nvSpPr>
+          <p:cNvPr id="3" name="Can 2">
+            <a:extLst>
+              <a:ext uri="{FF2B5EF4-FFF2-40B4-BE49-F238E27FC236}">
+                <a16:creationId xmlns:a16="http://schemas.microsoft.com/office/drawing/2014/main" id="{39C65A2A-3DC2-EA41-821A-60D8F2E7F6C8}"/>
+              </a:ext>
+            </a:extLst>
+          </p:cNvPr>
+          <p:cNvSpPr/>
+          <p:nvPr/>
+        </p:nvSpPr>
+        <p:spPr>
+          <a:xfrm>
+            <a:off x="990601" y="5120639"/>
+            <a:ext cx="1976846" cy="905691"/>
+          </a:xfrm>
+          <a:prstGeom prst="can">
+            <a:avLst/>
+          </a:prstGeom>
+        </p:spPr>
+        <p:style>
+          <a:lnRef idx="2">
+            <a:schemeClr val="accent1">
+              <a:shade val="50000"/>
+            </a:schemeClr>
+          </a:lnRef>
+          <a:fillRef idx="1">
+            <a:schemeClr val="accent1"/>
+          </a:fillRef>
+          <a:effectRef idx="0">
+            <a:schemeClr val="accent1"/>
+          </a:effectRef>
+          <a:fontRef idx="minor">
+            <a:schemeClr val="lt1"/>
+          </a:fontRef>
+        </p:style>
+        <p:txBody>
+          <a:bodyPr rtlCol="0" anchor="ctr"/>
+          <a:lstStyle/>
+          <a:p>
+            <a:pPr algn="ctr"/>
+            <a:endParaRPr lang="en-US"/>
+          </a:p>
+        </p:txBody>
+      </p:sp>
+      <p:sp>
+        <p:nvSpPr>
+          <p:cNvPr id="4" name="Can 3">
+            <a:extLst>
+              <a:ext uri="{FF2B5EF4-FFF2-40B4-BE49-F238E27FC236}">
+                <a16:creationId xmlns:a16="http://schemas.microsoft.com/office/drawing/2014/main" id="{D4748F28-10C0-0A43-BFF4-B391C1E3FD6B}"/>
+              </a:ext>
+            </a:extLst>
+          </p:cNvPr>
+          <p:cNvSpPr/>
+          <p:nvPr/>
+        </p:nvSpPr>
+        <p:spPr>
+          <a:xfrm>
+            <a:off x="3862252" y="5120639"/>
+            <a:ext cx="1976846" cy="905691"/>
+          </a:xfrm>
+          <a:prstGeom prst="can">
+            <a:avLst/>
+          </a:prstGeom>
+        </p:spPr>
+        <p:style>
+          <a:lnRef idx="2">
+            <a:schemeClr val="accent1">
+              <a:shade val="50000"/>
+            </a:schemeClr>
+          </a:lnRef>
+          <a:fillRef idx="1">
+            <a:schemeClr val="accent1"/>
+          </a:fillRef>
+          <a:effectRef idx="0">
+            <a:schemeClr val="accent1"/>
+          </a:effectRef>
+          <a:fontRef idx="minor">
+            <a:schemeClr val="lt1"/>
+          </a:fontRef>
+        </p:style>
+        <p:txBody>
+          <a:bodyPr rtlCol="0" anchor="ctr"/>
+          <a:lstStyle/>
+          <a:p>
+            <a:pPr algn="ctr"/>
+            <a:endParaRPr lang="en-US"/>
+          </a:p>
+        </p:txBody>
+      </p:sp>
+      <p:sp>
+        <p:nvSpPr>
+          <p:cNvPr id="5" name="Can 4">
+            <a:extLst>
+              <a:ext uri="{FF2B5EF4-FFF2-40B4-BE49-F238E27FC236}">
+                <a16:creationId xmlns:a16="http://schemas.microsoft.com/office/drawing/2014/main" id="{323D6860-DF4F-B94B-ADEE-6D7E67FB2580}"/>
+              </a:ext>
+            </a:extLst>
+          </p:cNvPr>
+          <p:cNvSpPr/>
+          <p:nvPr/>
+        </p:nvSpPr>
+        <p:spPr>
+          <a:xfrm>
+            <a:off x="6827519" y="5120640"/>
+            <a:ext cx="1976846" cy="905691"/>
+          </a:xfrm>
+          <a:prstGeom prst="can">
+            <a:avLst/>
+          </a:prstGeom>
+        </p:spPr>
+        <p:style>
+          <a:lnRef idx="2">
+            <a:schemeClr val="accent1">
+              <a:shade val="50000"/>
+            </a:schemeClr>
+          </a:lnRef>
+          <a:fillRef idx="1">
+            <a:schemeClr val="accent1"/>
+          </a:fillRef>
+          <a:effectRef idx="0">
+            <a:schemeClr val="accent1"/>
+          </a:effectRef>
+          <a:fontRef idx="minor">
+            <a:schemeClr val="lt1"/>
+          </a:fontRef>
+        </p:style>
+        <p:txBody>
+          <a:bodyPr rtlCol="0" anchor="ctr"/>
+          <a:lstStyle/>
+          <a:p>
+            <a:pPr algn="ctr"/>
+            <a:endParaRPr lang="en-US"/>
+          </a:p>
+        </p:txBody>
+      </p:sp>
+      <p:sp>
+        <p:nvSpPr>
+          <p:cNvPr id="6" name="Can 5">
+            <a:extLst>
+              <a:ext uri="{FF2B5EF4-FFF2-40B4-BE49-F238E27FC236}">
+                <a16:creationId xmlns:a16="http://schemas.microsoft.com/office/drawing/2014/main" id="{93D13FDE-4BB4-3440-AB32-92B4A2F259A3}"/>
+              </a:ext>
+            </a:extLst>
+          </p:cNvPr>
+          <p:cNvSpPr/>
+          <p:nvPr/>
+        </p:nvSpPr>
+        <p:spPr>
+          <a:xfrm>
+            <a:off x="9605554" y="5016137"/>
+            <a:ext cx="1976846" cy="905691"/>
+          </a:xfrm>
+          <a:prstGeom prst="can">
+            <a:avLst/>
+          </a:prstGeom>
+        </p:spPr>
+        <p:style>
+          <a:lnRef idx="2">
+            <a:schemeClr val="accent1">
+              <a:shade val="50000"/>
+            </a:schemeClr>
+          </a:lnRef>
+          <a:fillRef idx="1">
+            <a:schemeClr val="accent1"/>
+          </a:fillRef>
+          <a:effectRef idx="0">
+            <a:schemeClr val="accent1"/>
+          </a:effectRef>
+          <a:fontRef idx="minor">
+            <a:schemeClr val="lt1"/>
+          </a:fontRef>
+        </p:style>
+        <p:txBody>
+          <a:bodyPr rtlCol="0" anchor="ctr"/>
+          <a:lstStyle/>
+          <a:p>
+            <a:pPr algn="ctr"/>
+            <a:endParaRPr lang="en-US"/>
+          </a:p>
+        </p:txBody>
+      </p:sp>
+      <p:sp>
+        <p:nvSpPr>
+          <p:cNvPr id="7" name="Can 6">
+            <a:extLst>
+              <a:ext uri="{FF2B5EF4-FFF2-40B4-BE49-F238E27FC236}">
+                <a16:creationId xmlns:a16="http://schemas.microsoft.com/office/drawing/2014/main" id="{21585DBD-7D99-CB4A-A9BA-857DE66DE48C}"/>
+              </a:ext>
+            </a:extLst>
+          </p:cNvPr>
+          <p:cNvSpPr/>
+          <p:nvPr/>
+        </p:nvSpPr>
+        <p:spPr>
+          <a:xfrm>
+            <a:off x="5839099" y="2499360"/>
+            <a:ext cx="561702" cy="644434"/>
+          </a:xfrm>
+          <a:prstGeom prst="can">
+            <a:avLst/>
+          </a:prstGeom>
+        </p:spPr>
+        <p:style>
+          <a:lnRef idx="2">
+            <a:schemeClr val="accent1">
+              <a:shade val="50000"/>
+            </a:schemeClr>
+          </a:lnRef>
+          <a:fillRef idx="1">
+            <a:schemeClr val="accent1"/>
+          </a:fillRef>
+          <a:effectRef idx="0">
+            <a:schemeClr val="accent1"/>
+          </a:effectRef>
+          <a:fontRef idx="minor">
+            <a:schemeClr val="lt1"/>
+          </a:fontRef>
+        </p:style>
+        <p:txBody>
+          <a:bodyPr rtlCol="0" anchor="ctr"/>
+          <a:lstStyle/>
+          <a:p>
+            <a:pPr algn="ctr"/>
+            <a:endParaRPr lang="en-US"/>
+          </a:p>
+        </p:txBody>
+      </p:sp>
+      <p:sp>
+        <p:nvSpPr>
+          <p:cNvPr id="8" name="Rounded Rectangle 7">
+            <a:extLst>
+              <a:ext uri="{FF2B5EF4-FFF2-40B4-BE49-F238E27FC236}">
+                <a16:creationId xmlns:a16="http://schemas.microsoft.com/office/drawing/2014/main" id="{BA7F4283-8963-4742-9223-ECD39C5E8483}"/>
+              </a:ext>
+            </a:extLst>
+          </p:cNvPr>
+          <p:cNvSpPr/>
+          <p:nvPr/>
+        </p:nvSpPr>
+        <p:spPr>
+          <a:xfrm>
+            <a:off x="801189" y="557349"/>
+            <a:ext cx="1428205" cy="827314"/>
+          </a:xfrm>
+          <a:prstGeom prst="roundRect">
+            <a:avLst/>
+          </a:prstGeom>
+        </p:spPr>
+        <p:style>
+          <a:lnRef idx="2">
+            <a:schemeClr val="accent1">
+              <a:shade val="50000"/>
+            </a:schemeClr>
+          </a:lnRef>
+          <a:fillRef idx="1">
+            <a:schemeClr val="accent1"/>
+          </a:fillRef>
+          <a:effectRef idx="0">
+            <a:schemeClr val="accent1"/>
+          </a:effectRef>
+          <a:fontRef idx="minor">
+            <a:schemeClr val="lt1"/>
+          </a:fontRef>
+        </p:style>
+        <p:txBody>
+          <a:bodyPr rtlCol="0" anchor="ctr"/>
+          <a:lstStyle/>
+          <a:p>
+            <a:pPr algn="ctr"/>
+            <a:endParaRPr lang="en-US"/>
+          </a:p>
+        </p:txBody>
+      </p:sp>
+      <p:sp>
+        <p:nvSpPr>
+          <p:cNvPr id="9" name="Rounded Rectangle 8">
+            <a:extLst>
+              <a:ext uri="{FF2B5EF4-FFF2-40B4-BE49-F238E27FC236}">
+                <a16:creationId xmlns:a16="http://schemas.microsoft.com/office/drawing/2014/main" id="{FFAF982B-822F-CB49-AB37-AFC4664633C0}"/>
+              </a:ext>
+            </a:extLst>
+          </p:cNvPr>
+          <p:cNvSpPr/>
+          <p:nvPr/>
+        </p:nvSpPr>
+        <p:spPr>
+          <a:xfrm>
+            <a:off x="2660469" y="557349"/>
+            <a:ext cx="1428205" cy="827314"/>
+          </a:xfrm>
+          <a:prstGeom prst="roundRect">
+            <a:avLst/>
+          </a:prstGeom>
+        </p:spPr>
+        <p:style>
+          <a:lnRef idx="2">
+            <a:schemeClr val="accent1">
+              <a:shade val="50000"/>
+            </a:schemeClr>
+          </a:lnRef>
+          <a:fillRef idx="1">
+            <a:schemeClr val="accent1"/>
+          </a:fillRef>
+          <a:effectRef idx="0">
+            <a:schemeClr val="accent1"/>
+          </a:effectRef>
+          <a:fontRef idx="minor">
+            <a:schemeClr val="lt1"/>
+          </a:fontRef>
+        </p:style>
+        <p:txBody>
+          <a:bodyPr rtlCol="0" anchor="ctr"/>
+          <a:lstStyle/>
+          <a:p>
+            <a:pPr algn="ctr"/>
+            <a:endParaRPr lang="en-US"/>
+          </a:p>
+        </p:txBody>
+      </p:sp>
+      <p:sp>
+        <p:nvSpPr>
+          <p:cNvPr id="10" name="Rounded Rectangle 9">
+            <a:extLst>
+              <a:ext uri="{FF2B5EF4-FFF2-40B4-BE49-F238E27FC236}">
+                <a16:creationId xmlns:a16="http://schemas.microsoft.com/office/drawing/2014/main" id="{893B5E73-E217-994F-B9D9-0E39E3315FBA}"/>
+              </a:ext>
+            </a:extLst>
+          </p:cNvPr>
+          <p:cNvSpPr/>
+          <p:nvPr/>
+        </p:nvSpPr>
+        <p:spPr>
+          <a:xfrm>
+            <a:off x="4410893" y="557349"/>
+            <a:ext cx="1428205" cy="827314"/>
+          </a:xfrm>
+          <a:prstGeom prst="roundRect">
+            <a:avLst/>
+          </a:prstGeom>
+        </p:spPr>
+        <p:style>
+          <a:lnRef idx="2">
+            <a:schemeClr val="accent1">
+              <a:shade val="50000"/>
+            </a:schemeClr>
+          </a:lnRef>
+          <a:fillRef idx="1">
+            <a:schemeClr val="accent1"/>
+          </a:fillRef>
+          <a:effectRef idx="0">
+            <a:schemeClr val="accent1"/>
+          </a:effectRef>
+          <a:fontRef idx="minor">
+            <a:schemeClr val="lt1"/>
+          </a:fontRef>
+        </p:style>
+        <p:txBody>
+          <a:bodyPr rtlCol="0" anchor="ctr"/>
+          <a:lstStyle/>
+          <a:p>
+            <a:pPr algn="ctr"/>
+            <a:endParaRPr lang="en-US"/>
+          </a:p>
+        </p:txBody>
+      </p:sp>
+      <p:sp>
+        <p:nvSpPr>
+          <p:cNvPr id="11" name="Rounded Rectangle 10">
+            <a:extLst>
+              <a:ext uri="{FF2B5EF4-FFF2-40B4-BE49-F238E27FC236}">
+                <a16:creationId xmlns:a16="http://schemas.microsoft.com/office/drawing/2014/main" id="{3CDF1152-2BD9-C744-82E4-2181E9B90682}"/>
+              </a:ext>
+            </a:extLst>
+          </p:cNvPr>
+          <p:cNvSpPr/>
+          <p:nvPr/>
+        </p:nvSpPr>
+        <p:spPr>
+          <a:xfrm>
+            <a:off x="6252754" y="557349"/>
+            <a:ext cx="1428205" cy="827314"/>
+          </a:xfrm>
+          <a:prstGeom prst="roundRect">
+            <a:avLst/>
+          </a:prstGeom>
+        </p:spPr>
+        <p:style>
+          <a:lnRef idx="2">
+            <a:schemeClr val="accent1">
+              <a:shade val="50000"/>
+            </a:schemeClr>
+          </a:lnRef>
+          <a:fillRef idx="1">
+            <a:schemeClr val="accent1"/>
+          </a:fillRef>
+          <a:effectRef idx="0">
+            <a:schemeClr val="accent1"/>
+          </a:effectRef>
+          <a:fontRef idx="minor">
+            <a:schemeClr val="lt1"/>
+          </a:fontRef>
+        </p:style>
+        <p:txBody>
+          <a:bodyPr rtlCol="0" anchor="ctr"/>
+          <a:lstStyle/>
+          <a:p>
+            <a:pPr algn="ctr"/>
+            <a:endParaRPr lang="en-US"/>
+          </a:p>
+        </p:txBody>
+      </p:sp>
+      <p:sp>
+        <p:nvSpPr>
+          <p:cNvPr id="12" name="Rounded Rectangle 11">
+            <a:extLst>
+              <a:ext uri="{FF2B5EF4-FFF2-40B4-BE49-F238E27FC236}">
+                <a16:creationId xmlns:a16="http://schemas.microsoft.com/office/drawing/2014/main" id="{FFCBF0DA-AE2C-A140-9724-9144549F3787}"/>
+              </a:ext>
+            </a:extLst>
+          </p:cNvPr>
+          <p:cNvSpPr/>
+          <p:nvPr/>
+        </p:nvSpPr>
+        <p:spPr>
+          <a:xfrm>
+            <a:off x="8090262" y="557349"/>
+            <a:ext cx="1428205" cy="827314"/>
+          </a:xfrm>
+          <a:prstGeom prst="roundRect">
+            <a:avLst/>
+          </a:prstGeom>
+        </p:spPr>
+        <p:style>
+          <a:lnRef idx="2">
+            <a:schemeClr val="accent1">
+              <a:shade val="50000"/>
+            </a:schemeClr>
+          </a:lnRef>
+          <a:fillRef idx="1">
+            <a:schemeClr val="accent1"/>
+          </a:fillRef>
+          <a:effectRef idx="0">
+            <a:schemeClr val="accent1"/>
+          </a:effectRef>
+          <a:fontRef idx="minor">
+            <a:schemeClr val="lt1"/>
+          </a:fontRef>
+        </p:style>
+        <p:txBody>
+          <a:bodyPr rtlCol="0" anchor="ctr"/>
+          <a:lstStyle/>
+          <a:p>
+            <a:pPr algn="ctr"/>
+            <a:endParaRPr lang="en-US"/>
+          </a:p>
+        </p:txBody>
+      </p:sp>
+      <p:sp>
+        <p:nvSpPr>
+          <p:cNvPr id="13" name="Rounded Rectangle 12">
+            <a:extLst>
+              <a:ext uri="{FF2B5EF4-FFF2-40B4-BE49-F238E27FC236}">
+                <a16:creationId xmlns:a16="http://schemas.microsoft.com/office/drawing/2014/main" id="{393F36DE-5EFA-0F4F-9827-C0CCB2B52200}"/>
+              </a:ext>
+            </a:extLst>
+          </p:cNvPr>
+          <p:cNvSpPr/>
+          <p:nvPr/>
+        </p:nvSpPr>
+        <p:spPr>
+          <a:xfrm>
+            <a:off x="9962606" y="522515"/>
+            <a:ext cx="1428205" cy="827314"/>
+          </a:xfrm>
+          <a:prstGeom prst="roundRect">
+            <a:avLst/>
+          </a:prstGeom>
+        </p:spPr>
+        <p:style>
+          <a:lnRef idx="2">
+            <a:schemeClr val="accent1">
+              <a:shade val="50000"/>
+            </a:schemeClr>
+          </a:lnRef>
+          <a:fillRef idx="1">
+            <a:schemeClr val="accent1"/>
+          </a:fillRef>
+          <a:effectRef idx="0">
+            <a:schemeClr val="accent1"/>
+          </a:effectRef>
+          <a:fontRef idx="minor">
+            <a:schemeClr val="lt1"/>
+          </a:fontRef>
+        </p:style>
+        <p:txBody>
+          <a:bodyPr rtlCol="0" anchor="ctr"/>
+          <a:lstStyle/>
+          <a:p>
+            <a:pPr algn="ctr"/>
+            <a:endParaRPr lang="en-US"/>
+          </a:p>
+        </p:txBody>
+      </p:sp>
+      <p:cxnSp>
+        <p:nvCxnSpPr>
+          <p:cNvPr id="15" name="Straight Arrow Connector 14">
+            <a:extLst>
+              <a:ext uri="{FF2B5EF4-FFF2-40B4-BE49-F238E27FC236}">
+                <a16:creationId xmlns:a16="http://schemas.microsoft.com/office/drawing/2014/main" id="{8A8D8134-FA23-2A4E-9796-AEEC8749E521}"/>
+              </a:ext>
+            </a:extLst>
+          </p:cNvPr>
+          <p:cNvCxnSpPr>
+            <a:stCxn id="8" idx="2"/>
+            <a:endCxn id="7" idx="1"/>
+          </p:cNvCxnSpPr>
+          <p:nvPr/>
+        </p:nvCxnSpPr>
+        <p:spPr>
+          <a:xfrm>
+            <a:off x="1515292" y="1384663"/>
+            <a:ext cx="4604658" cy="1114697"/>
+          </a:xfrm>
+          <a:prstGeom prst="straightConnector1">
+            <a:avLst/>
+          </a:prstGeom>
+          <a:ln>
+            <a:tailEnd type="triangle"/>
+          </a:ln>
+        </p:spPr>
+        <p:style>
+          <a:lnRef idx="1">
+            <a:schemeClr val="accent1"/>
+          </a:lnRef>
+          <a:fillRef idx="0">
+            <a:schemeClr val="accent1"/>
+          </a:fillRef>
+          <a:effectRef idx="0">
+            <a:schemeClr val="accent1"/>
+          </a:effectRef>
+          <a:fontRef idx="minor">
+            <a:schemeClr val="tx1"/>
+          </a:fontRef>
+        </p:style>
+      </p:cxnSp>
+      <p:sp>
+        <p:nvSpPr>
+          <p:cNvPr id="16" name="Up-down Arrow 15">
+            <a:extLst>
+              <a:ext uri="{FF2B5EF4-FFF2-40B4-BE49-F238E27FC236}">
+                <a16:creationId xmlns:a16="http://schemas.microsoft.com/office/drawing/2014/main" id="{7620F3EB-0CA4-554D-A14D-388E1EFA665B}"/>
+              </a:ext>
+            </a:extLst>
+          </p:cNvPr>
+          <p:cNvSpPr/>
+          <p:nvPr/>
+        </p:nvSpPr>
+        <p:spPr>
+          <a:xfrm>
+            <a:off x="1793966" y="4537166"/>
+            <a:ext cx="365760" cy="644434"/>
+          </a:xfrm>
+          <a:prstGeom prst="upDownArrow">
+            <a:avLst/>
+          </a:prstGeom>
+        </p:spPr>
+        <p:style>
+          <a:lnRef idx="2">
+            <a:schemeClr val="accent1">
+              <a:shade val="50000"/>
+            </a:schemeClr>
+          </a:lnRef>
+          <a:fillRef idx="1">
+            <a:schemeClr val="accent1"/>
+          </a:fillRef>
+          <a:effectRef idx="0">
+            <a:schemeClr val="accent1"/>
+          </a:effectRef>
+          <a:fontRef idx="minor">
+            <a:schemeClr val="lt1"/>
+          </a:fontRef>
+        </p:style>
+        <p:txBody>
+          <a:bodyPr rtlCol="0" anchor="ctr"/>
+          <a:lstStyle/>
+          <a:p>
+            <a:pPr algn="ctr"/>
+            <a:endParaRPr lang="en-US"/>
+          </a:p>
+        </p:txBody>
+      </p:sp>
+      <p:sp>
+        <p:nvSpPr>
+          <p:cNvPr id="17" name="Up-down Arrow 16">
+            <a:extLst>
+              <a:ext uri="{FF2B5EF4-FFF2-40B4-BE49-F238E27FC236}">
+                <a16:creationId xmlns:a16="http://schemas.microsoft.com/office/drawing/2014/main" id="{2130D061-BCF8-8D4E-9097-73093A390021}"/>
+              </a:ext>
+            </a:extLst>
+          </p:cNvPr>
+          <p:cNvSpPr/>
+          <p:nvPr/>
+        </p:nvSpPr>
+        <p:spPr>
+          <a:xfrm>
+            <a:off x="4714603" y="4537166"/>
+            <a:ext cx="365760" cy="644434"/>
+          </a:xfrm>
+          <a:prstGeom prst="upDownArrow">
+            <a:avLst/>
+          </a:prstGeom>
+        </p:spPr>
+        <p:style>
+          <a:lnRef idx="2">
+            <a:schemeClr val="accent1">
+              <a:shade val="50000"/>
+            </a:schemeClr>
+          </a:lnRef>
+          <a:fillRef idx="1">
+            <a:schemeClr val="accent1"/>
+          </a:fillRef>
+          <a:effectRef idx="0">
+            <a:schemeClr val="accent1"/>
+          </a:effectRef>
+          <a:fontRef idx="minor">
+            <a:schemeClr val="lt1"/>
+          </a:fontRef>
+        </p:style>
+        <p:txBody>
+          <a:bodyPr rtlCol="0" anchor="ctr"/>
+          <a:lstStyle/>
+          <a:p>
+            <a:pPr algn="ctr"/>
+            <a:endParaRPr lang="en-US"/>
+          </a:p>
+        </p:txBody>
+      </p:sp>
+      <p:sp>
+        <p:nvSpPr>
+          <p:cNvPr id="18" name="Up-down Arrow 17">
+            <a:extLst>
+              <a:ext uri="{FF2B5EF4-FFF2-40B4-BE49-F238E27FC236}">
+                <a16:creationId xmlns:a16="http://schemas.microsoft.com/office/drawing/2014/main" id="{A10F1342-847E-6B4A-8044-DBF8A6D40FB8}"/>
+              </a:ext>
+            </a:extLst>
+          </p:cNvPr>
+          <p:cNvSpPr/>
+          <p:nvPr/>
+        </p:nvSpPr>
+        <p:spPr>
+          <a:xfrm>
+            <a:off x="7586254" y="4515395"/>
+            <a:ext cx="365760" cy="644434"/>
+          </a:xfrm>
+          <a:prstGeom prst="upDownArrow">
+            <a:avLst/>
+          </a:prstGeom>
+        </p:spPr>
+        <p:style>
+          <a:lnRef idx="2">
+            <a:schemeClr val="accent1">
+              <a:shade val="50000"/>
+            </a:schemeClr>
+          </a:lnRef>
+          <a:fillRef idx="1">
+            <a:schemeClr val="accent1"/>
+          </a:fillRef>
+          <a:effectRef idx="0">
+            <a:schemeClr val="accent1"/>
+          </a:effectRef>
+          <a:fontRef idx="minor">
+            <a:schemeClr val="lt1"/>
+          </a:fontRef>
+        </p:style>
+        <p:txBody>
+          <a:bodyPr rtlCol="0" anchor="ctr"/>
+          <a:lstStyle/>
+          <a:p>
+            <a:pPr algn="ctr"/>
+            <a:endParaRPr lang="en-US"/>
+          </a:p>
+        </p:txBody>
+      </p:sp>
+      <p:sp>
+        <p:nvSpPr>
+          <p:cNvPr id="19" name="Up-down Arrow 18">
+            <a:extLst>
+              <a:ext uri="{FF2B5EF4-FFF2-40B4-BE49-F238E27FC236}">
+                <a16:creationId xmlns:a16="http://schemas.microsoft.com/office/drawing/2014/main" id="{9C294612-5BA0-BB4F-A2AB-6ECD2A3FC9B6}"/>
+              </a:ext>
+            </a:extLst>
+          </p:cNvPr>
+          <p:cNvSpPr/>
+          <p:nvPr/>
+        </p:nvSpPr>
+        <p:spPr>
+          <a:xfrm>
+            <a:off x="10493828" y="4476205"/>
+            <a:ext cx="365760" cy="644434"/>
+          </a:xfrm>
+          <a:prstGeom prst="upDownArrow">
+            <a:avLst/>
+          </a:prstGeom>
+        </p:spPr>
+        <p:style>
+          <a:lnRef idx="2">
+            <a:schemeClr val="accent1">
+              <a:shade val="50000"/>
+            </a:schemeClr>
+          </a:lnRef>
+          <a:fillRef idx="1">
+            <a:schemeClr val="accent1"/>
+          </a:fillRef>
+          <a:effectRef idx="0">
+            <a:schemeClr val="accent1"/>
+          </a:effectRef>
+          <a:fontRef idx="minor">
+            <a:schemeClr val="lt1"/>
+          </a:fontRef>
+        </p:style>
+        <p:txBody>
+          <a:bodyPr rtlCol="0" anchor="ctr"/>
+          <a:lstStyle/>
+          <a:p>
+            <a:pPr algn="ctr"/>
+            <a:endParaRPr lang="en-US"/>
+          </a:p>
+        </p:txBody>
+      </p:sp>
+      <p:cxnSp>
+        <p:nvCxnSpPr>
+          <p:cNvPr id="21" name="Straight Arrow Connector 20">
+            <a:extLst>
+              <a:ext uri="{FF2B5EF4-FFF2-40B4-BE49-F238E27FC236}">
+                <a16:creationId xmlns:a16="http://schemas.microsoft.com/office/drawing/2014/main" id="{495EB027-D7B4-3240-93B2-906B0C6A9EB0}"/>
+              </a:ext>
+            </a:extLst>
+          </p:cNvPr>
+          <p:cNvCxnSpPr>
+            <a:stCxn id="7" idx="1"/>
+          </p:cNvCxnSpPr>
+          <p:nvPr/>
+        </p:nvCxnSpPr>
+        <p:spPr>
+          <a:xfrm flipH="1" flipV="1">
+            <a:off x="1356361" y="1384663"/>
+            <a:ext cx="4763589" cy="1114697"/>
+          </a:xfrm>
+          <a:prstGeom prst="straightConnector1">
+            <a:avLst/>
+          </a:prstGeom>
+          <a:ln>
+            <a:tailEnd type="triangle"/>
+          </a:ln>
+        </p:spPr>
+        <p:style>
+          <a:lnRef idx="1">
+            <a:schemeClr val="accent1"/>
+          </a:lnRef>
+          <a:fillRef idx="0">
+            <a:schemeClr val="accent1"/>
+          </a:fillRef>
+          <a:effectRef idx="0">
+            <a:schemeClr val="accent1"/>
+          </a:effectRef>
+          <a:fontRef idx="minor">
+            <a:schemeClr val="tx1"/>
+          </a:fontRef>
+        </p:style>
+      </p:cxnSp>
+      <p:sp>
+        <p:nvSpPr>
+          <p:cNvPr id="22" name="TextBox 21">
+            <a:extLst>
+              <a:ext uri="{FF2B5EF4-FFF2-40B4-BE49-F238E27FC236}">
+                <a16:creationId xmlns:a16="http://schemas.microsoft.com/office/drawing/2014/main" id="{C1A619C3-7F93-5042-AFDA-11E1B175F551}"/>
+              </a:ext>
+            </a:extLst>
+          </p:cNvPr>
+          <p:cNvSpPr txBox="1"/>
+          <p:nvPr/>
+        </p:nvSpPr>
+        <p:spPr>
+          <a:xfrm>
+            <a:off x="6662057" y="2499360"/>
+            <a:ext cx="3648892" cy="383177"/>
+          </a:xfrm>
+          <a:prstGeom prst="rect">
+            <a:avLst/>
+          </a:prstGeom>
+          <a:noFill/>
+        </p:spPr>
+        <p:txBody>
+          <a:bodyPr wrap="square" rtlCol="0">
+            <a:spAutoFit/>
+          </a:bodyPr>
+          <a:lstStyle/>
+          <a:p>
+            <a:r>
+              <a:rPr lang="en-US" dirty="0"/>
+              <a:t>192.168.10.90</a:t>
+            </a:r>
+          </a:p>
+        </p:txBody>
+      </p:sp>
+      <p:sp>
+        <p:nvSpPr>
+          <p:cNvPr id="23" name="&quot;No&quot; Symbol 22">
+            <a:extLst>
+              <a:ext uri="{FF2B5EF4-FFF2-40B4-BE49-F238E27FC236}">
+                <a16:creationId xmlns:a16="http://schemas.microsoft.com/office/drawing/2014/main" id="{2FFE8427-64C5-5C4A-A7F7-B93C479DC1D5}"/>
+              </a:ext>
+            </a:extLst>
+          </p:cNvPr>
+          <p:cNvSpPr/>
+          <p:nvPr/>
+        </p:nvSpPr>
+        <p:spPr>
+          <a:xfrm>
+            <a:off x="5477691" y="2412274"/>
+            <a:ext cx="1349828" cy="1367246"/>
+          </a:xfrm>
+          <a:prstGeom prst="noSmoking">
+            <a:avLst/>
+          </a:prstGeom>
+          <a:solidFill>
+            <a:schemeClr val="accent2"/>
+          </a:solidFill>
+        </p:spPr>
+        <p:style>
+          <a:lnRef idx="2">
+            <a:schemeClr val="accent1">
+              <a:shade val="50000"/>
+            </a:schemeClr>
+          </a:lnRef>
+          <a:fillRef idx="1">
+            <a:schemeClr val="accent1"/>
+          </a:fillRef>
+          <a:effectRef idx="0">
+            <a:schemeClr val="accent1"/>
+          </a:effectRef>
+          <a:fontRef idx="minor">
+            <a:schemeClr val="lt1"/>
+          </a:fontRef>
+        </p:style>
+        <p:txBody>
+          <a:bodyPr rtlCol="0" anchor="ctr"/>
+          <a:lstStyle/>
+          <a:p>
+            <a:pPr algn="ctr"/>
+            <a:endParaRPr lang="en-US">
+              <a:solidFill>
+                <a:schemeClr val="tx1"/>
+              </a:solidFill>
+            </a:endParaRPr>
+          </a:p>
+        </p:txBody>
+      </p:sp>
+    </p:spTree>
+    <p:extLst>
+      <p:ext uri="{BB962C8B-B14F-4D97-AF65-F5344CB8AC3E}">
+        <p14:creationId xmlns:p14="http://schemas.microsoft.com/office/powerpoint/2010/main" val="2460916655"/>
+      </p:ext>
+    </p:extLst>
+  </p:cSld>
+  <p:clrMapOvr>
+    <a:masterClrMapping/>
+  </p:clrMapOvr>
+</p:sld>
+</file>
+
+<file path=ppt/slides/slide53.xml><?xml version="1.0" encoding="utf-8"?>
+<p:sld xmlns:a="http://schemas.openxmlformats.org/drawingml/2006/main" xmlns:r="http://schemas.openxmlformats.org/officeDocument/2006/relationships" xmlns:p="http://schemas.openxmlformats.org/presentationml/2006/main">
+  <p:cSld>
+    <p:spTree>
+      <p:nvGrpSpPr>
+        <p:cNvPr id="1" name=""/>
+        <p:cNvGrpSpPr/>
+        <p:nvPr/>
+      </p:nvGrpSpPr>
+      <p:grpSpPr>
+        <a:xfrm>
+          <a:off x="0" y="0"/>
+          <a:ext cx="0" cy="0"/>
+          <a:chOff x="0" y="0"/>
+          <a:chExt cx="0" cy="0"/>
+        </a:xfrm>
+      </p:grpSpPr>
+      <p:sp>
+        <p:nvSpPr>
+          <p:cNvPr id="2" name="Can 1">
+            <a:extLst>
+              <a:ext uri="{FF2B5EF4-FFF2-40B4-BE49-F238E27FC236}">
+                <a16:creationId xmlns:a16="http://schemas.microsoft.com/office/drawing/2014/main" id="{BFA2573D-CB49-354C-BB73-7A1C0F6CC6A0}"/>
+              </a:ext>
+            </a:extLst>
+          </p:cNvPr>
+          <p:cNvSpPr/>
+          <p:nvPr/>
+        </p:nvSpPr>
+        <p:spPr>
+          <a:xfrm>
+            <a:off x="990601" y="5120639"/>
+            <a:ext cx="1976846" cy="905691"/>
+          </a:xfrm>
+          <a:prstGeom prst="can">
+            <a:avLst/>
+          </a:prstGeom>
+        </p:spPr>
+        <p:style>
+          <a:lnRef idx="2">
+            <a:schemeClr val="accent1">
+              <a:shade val="50000"/>
+            </a:schemeClr>
+          </a:lnRef>
+          <a:fillRef idx="1">
+            <a:schemeClr val="accent1"/>
+          </a:fillRef>
+          <a:effectRef idx="0">
+            <a:schemeClr val="accent1"/>
+          </a:effectRef>
+          <a:fontRef idx="minor">
+            <a:schemeClr val="lt1"/>
+          </a:fontRef>
+        </p:style>
+        <p:txBody>
+          <a:bodyPr rtlCol="0" anchor="ctr"/>
+          <a:lstStyle/>
+          <a:p>
+            <a:pPr algn="ctr"/>
+            <a:endParaRPr lang="en-US"/>
+          </a:p>
+        </p:txBody>
+      </p:sp>
+      <p:sp>
+        <p:nvSpPr>
+          <p:cNvPr id="3" name="Can 2">
+            <a:extLst>
+              <a:ext uri="{FF2B5EF4-FFF2-40B4-BE49-F238E27FC236}">
+                <a16:creationId xmlns:a16="http://schemas.microsoft.com/office/drawing/2014/main" id="{A88C498A-14BF-354F-9BCD-F2B33D17E196}"/>
+              </a:ext>
+            </a:extLst>
+          </p:cNvPr>
+          <p:cNvSpPr/>
+          <p:nvPr/>
+        </p:nvSpPr>
+        <p:spPr>
+          <a:xfrm>
+            <a:off x="3862252" y="5120639"/>
+            <a:ext cx="1976846" cy="905691"/>
+          </a:xfrm>
+          <a:prstGeom prst="can">
+            <a:avLst/>
+          </a:prstGeom>
+        </p:spPr>
+        <p:style>
+          <a:lnRef idx="2">
+            <a:schemeClr val="accent1">
+              <a:shade val="50000"/>
+            </a:schemeClr>
+          </a:lnRef>
+          <a:fillRef idx="1">
+            <a:schemeClr val="accent1"/>
+          </a:fillRef>
+          <a:effectRef idx="0">
+            <a:schemeClr val="accent1"/>
+          </a:effectRef>
+          <a:fontRef idx="minor">
+            <a:schemeClr val="lt1"/>
+          </a:fontRef>
+        </p:style>
+        <p:txBody>
+          <a:bodyPr rtlCol="0" anchor="ctr"/>
+          <a:lstStyle/>
+          <a:p>
+            <a:pPr algn="ctr"/>
+            <a:endParaRPr lang="en-US"/>
+          </a:p>
+        </p:txBody>
+      </p:sp>
+      <p:sp>
+        <p:nvSpPr>
+          <p:cNvPr id="4" name="Can 3">
+            <a:extLst>
+              <a:ext uri="{FF2B5EF4-FFF2-40B4-BE49-F238E27FC236}">
+                <a16:creationId xmlns:a16="http://schemas.microsoft.com/office/drawing/2014/main" id="{3666916D-50EC-3B44-991C-E24F14265DAA}"/>
+              </a:ext>
+            </a:extLst>
+          </p:cNvPr>
+          <p:cNvSpPr/>
+          <p:nvPr/>
+        </p:nvSpPr>
+        <p:spPr>
+          <a:xfrm>
+            <a:off x="6827519" y="5120640"/>
+            <a:ext cx="1976846" cy="905691"/>
+          </a:xfrm>
+          <a:prstGeom prst="can">
+            <a:avLst/>
+          </a:prstGeom>
+        </p:spPr>
+        <p:style>
+          <a:lnRef idx="2">
+            <a:schemeClr val="accent1">
+              <a:shade val="50000"/>
+            </a:schemeClr>
+          </a:lnRef>
+          <a:fillRef idx="1">
+            <a:schemeClr val="accent1"/>
+          </a:fillRef>
+          <a:effectRef idx="0">
+            <a:schemeClr val="accent1"/>
+          </a:effectRef>
+          <a:fontRef idx="minor">
+            <a:schemeClr val="lt1"/>
+          </a:fontRef>
+        </p:style>
+        <p:txBody>
+          <a:bodyPr rtlCol="0" anchor="ctr"/>
+          <a:lstStyle/>
+          <a:p>
+            <a:pPr algn="ctr"/>
+            <a:endParaRPr lang="en-US"/>
+          </a:p>
+        </p:txBody>
+      </p:sp>
+      <p:sp>
+        <p:nvSpPr>
+          <p:cNvPr id="5" name="Can 4">
+            <a:extLst>
+              <a:ext uri="{FF2B5EF4-FFF2-40B4-BE49-F238E27FC236}">
+                <a16:creationId xmlns:a16="http://schemas.microsoft.com/office/drawing/2014/main" id="{44BB8EB4-AC84-6644-A66E-B197CEC7A1E1}"/>
+              </a:ext>
+            </a:extLst>
+          </p:cNvPr>
+          <p:cNvSpPr/>
+          <p:nvPr/>
+        </p:nvSpPr>
+        <p:spPr>
+          <a:xfrm>
+            <a:off x="9605554" y="5016137"/>
+            <a:ext cx="1976846" cy="905691"/>
+          </a:xfrm>
+          <a:prstGeom prst="can">
+            <a:avLst/>
+          </a:prstGeom>
+        </p:spPr>
+        <p:style>
+          <a:lnRef idx="2">
+            <a:schemeClr val="accent1">
+              <a:shade val="50000"/>
+            </a:schemeClr>
+          </a:lnRef>
+          <a:fillRef idx="1">
+            <a:schemeClr val="accent1"/>
+          </a:fillRef>
+          <a:effectRef idx="0">
+            <a:schemeClr val="accent1"/>
+          </a:effectRef>
+          <a:fontRef idx="minor">
+            <a:schemeClr val="lt1"/>
+          </a:fontRef>
+        </p:style>
+        <p:txBody>
+          <a:bodyPr rtlCol="0" anchor="ctr"/>
+          <a:lstStyle/>
+          <a:p>
+            <a:pPr algn="ctr"/>
+            <a:endParaRPr lang="en-US"/>
+          </a:p>
+        </p:txBody>
+      </p:sp>
+      <p:sp>
+        <p:nvSpPr>
+          <p:cNvPr id="10" name="Rounded Rectangle 9">
+            <a:extLst>
+              <a:ext uri="{FF2B5EF4-FFF2-40B4-BE49-F238E27FC236}">
+                <a16:creationId xmlns:a16="http://schemas.microsoft.com/office/drawing/2014/main" id="{663759C8-B599-6443-B34C-97EC1D3BF3AF}"/>
+              </a:ext>
+            </a:extLst>
+          </p:cNvPr>
+          <p:cNvSpPr/>
+          <p:nvPr/>
+        </p:nvSpPr>
+        <p:spPr>
+          <a:xfrm>
+            <a:off x="757647" y="1241874"/>
+            <a:ext cx="674914" cy="452845"/>
+          </a:xfrm>
+          <a:prstGeom prst="roundRect">
+            <a:avLst/>
+          </a:prstGeom>
+        </p:spPr>
+        <p:style>
+          <a:lnRef idx="2">
+            <a:schemeClr val="accent1">
+              <a:shade val="50000"/>
+            </a:schemeClr>
+          </a:lnRef>
+          <a:fillRef idx="1">
+            <a:schemeClr val="accent1"/>
+          </a:fillRef>
+          <a:effectRef idx="0">
+            <a:schemeClr val="accent1"/>
+          </a:effectRef>
+          <a:fontRef idx="minor">
+            <a:schemeClr val="lt1"/>
+          </a:fontRef>
+        </p:style>
+        <p:txBody>
+          <a:bodyPr rtlCol="0" anchor="ctr"/>
+          <a:lstStyle/>
+          <a:p>
+            <a:pPr algn="ctr"/>
+            <a:endParaRPr lang="en-US"/>
+          </a:p>
+        </p:txBody>
+      </p:sp>
+      <p:sp>
+        <p:nvSpPr>
+          <p:cNvPr id="11" name="Rounded Rectangle 10">
+            <a:extLst>
+              <a:ext uri="{FF2B5EF4-FFF2-40B4-BE49-F238E27FC236}">
+                <a16:creationId xmlns:a16="http://schemas.microsoft.com/office/drawing/2014/main" id="{76952EE5-5FA0-0E4B-8853-3F4776757ECC}"/>
+              </a:ext>
+            </a:extLst>
+          </p:cNvPr>
+          <p:cNvSpPr/>
+          <p:nvPr/>
+        </p:nvSpPr>
+        <p:spPr>
+          <a:xfrm>
+            <a:off x="2616927" y="1241874"/>
+            <a:ext cx="674914" cy="452845"/>
+          </a:xfrm>
+          <a:prstGeom prst="roundRect">
+            <a:avLst/>
+          </a:prstGeom>
+        </p:spPr>
+        <p:style>
+          <a:lnRef idx="2">
+            <a:schemeClr val="accent1">
+              <a:shade val="50000"/>
+            </a:schemeClr>
+          </a:lnRef>
+          <a:fillRef idx="1">
+            <a:schemeClr val="accent1"/>
+          </a:fillRef>
+          <a:effectRef idx="0">
+            <a:schemeClr val="accent1"/>
+          </a:effectRef>
+          <a:fontRef idx="minor">
+            <a:schemeClr val="lt1"/>
+          </a:fontRef>
+        </p:style>
+        <p:txBody>
+          <a:bodyPr rtlCol="0" anchor="ctr"/>
+          <a:lstStyle/>
+          <a:p>
+            <a:pPr algn="ctr"/>
+            <a:endParaRPr lang="en-US"/>
+          </a:p>
+        </p:txBody>
+      </p:sp>
+      <p:sp>
+        <p:nvSpPr>
+          <p:cNvPr id="12" name="Rounded Rectangle 11">
+            <a:extLst>
+              <a:ext uri="{FF2B5EF4-FFF2-40B4-BE49-F238E27FC236}">
+                <a16:creationId xmlns:a16="http://schemas.microsoft.com/office/drawing/2014/main" id="{D7D26120-8B26-1243-8ABD-E99EFA89EA1A}"/>
+              </a:ext>
+            </a:extLst>
+          </p:cNvPr>
+          <p:cNvSpPr/>
+          <p:nvPr/>
+        </p:nvSpPr>
+        <p:spPr>
+          <a:xfrm>
+            <a:off x="4367351" y="1241874"/>
+            <a:ext cx="674914" cy="452845"/>
+          </a:xfrm>
+          <a:prstGeom prst="roundRect">
+            <a:avLst/>
+          </a:prstGeom>
+        </p:spPr>
+        <p:style>
+          <a:lnRef idx="2">
+            <a:schemeClr val="accent1">
+              <a:shade val="50000"/>
+            </a:schemeClr>
+          </a:lnRef>
+          <a:fillRef idx="1">
+            <a:schemeClr val="accent1"/>
+          </a:fillRef>
+          <a:effectRef idx="0">
+            <a:schemeClr val="accent1"/>
+          </a:effectRef>
+          <a:fontRef idx="minor">
+            <a:schemeClr val="lt1"/>
+          </a:fontRef>
+        </p:style>
+        <p:txBody>
+          <a:bodyPr rtlCol="0" anchor="ctr"/>
+          <a:lstStyle/>
+          <a:p>
+            <a:pPr algn="ctr"/>
+            <a:endParaRPr lang="en-US"/>
+          </a:p>
+        </p:txBody>
+      </p:sp>
+      <p:sp>
+        <p:nvSpPr>
+          <p:cNvPr id="13" name="Rounded Rectangle 12">
+            <a:extLst>
+              <a:ext uri="{FF2B5EF4-FFF2-40B4-BE49-F238E27FC236}">
+                <a16:creationId xmlns:a16="http://schemas.microsoft.com/office/drawing/2014/main" id="{8C832B0C-F0D8-CE40-A1F5-9127A1C4CBB2}"/>
+              </a:ext>
+            </a:extLst>
+          </p:cNvPr>
+          <p:cNvSpPr/>
+          <p:nvPr/>
+        </p:nvSpPr>
+        <p:spPr>
+          <a:xfrm>
+            <a:off x="6209212" y="1241874"/>
+            <a:ext cx="674914" cy="452845"/>
+          </a:xfrm>
+          <a:prstGeom prst="roundRect">
+            <a:avLst/>
+          </a:prstGeom>
+        </p:spPr>
+        <p:style>
+          <a:lnRef idx="2">
+            <a:schemeClr val="accent1">
+              <a:shade val="50000"/>
+            </a:schemeClr>
+          </a:lnRef>
+          <a:fillRef idx="1">
+            <a:schemeClr val="accent1"/>
+          </a:fillRef>
+          <a:effectRef idx="0">
+            <a:schemeClr val="accent1"/>
+          </a:effectRef>
+          <a:fontRef idx="minor">
+            <a:schemeClr val="lt1"/>
+          </a:fontRef>
+        </p:style>
+        <p:txBody>
+          <a:bodyPr rtlCol="0" anchor="ctr"/>
+          <a:lstStyle/>
+          <a:p>
+            <a:pPr algn="ctr"/>
+            <a:endParaRPr lang="en-US"/>
+          </a:p>
+        </p:txBody>
+      </p:sp>
+      <p:sp>
+        <p:nvSpPr>
+          <p:cNvPr id="14" name="Rounded Rectangle 13">
+            <a:extLst>
+              <a:ext uri="{FF2B5EF4-FFF2-40B4-BE49-F238E27FC236}">
+                <a16:creationId xmlns:a16="http://schemas.microsoft.com/office/drawing/2014/main" id="{EF57724C-E7C7-7949-9CF4-5F0AD3FB4C29}"/>
+              </a:ext>
+            </a:extLst>
+          </p:cNvPr>
+          <p:cNvSpPr/>
+          <p:nvPr/>
+        </p:nvSpPr>
+        <p:spPr>
+          <a:xfrm>
+            <a:off x="8046720" y="1241874"/>
+            <a:ext cx="674914" cy="452845"/>
+          </a:xfrm>
+          <a:prstGeom prst="roundRect">
+            <a:avLst/>
+          </a:prstGeom>
+        </p:spPr>
+        <p:style>
+          <a:lnRef idx="2">
+            <a:schemeClr val="accent1">
+              <a:shade val="50000"/>
+            </a:schemeClr>
+          </a:lnRef>
+          <a:fillRef idx="1">
+            <a:schemeClr val="accent1"/>
+          </a:fillRef>
+          <a:effectRef idx="0">
+            <a:schemeClr val="accent1"/>
+          </a:effectRef>
+          <a:fontRef idx="minor">
+            <a:schemeClr val="lt1"/>
+          </a:fontRef>
+        </p:style>
+        <p:txBody>
+          <a:bodyPr rtlCol="0" anchor="ctr"/>
+          <a:lstStyle/>
+          <a:p>
+            <a:pPr algn="ctr"/>
+            <a:endParaRPr lang="en-US"/>
+          </a:p>
+        </p:txBody>
+      </p:sp>
+      <p:sp>
+        <p:nvSpPr>
+          <p:cNvPr id="15" name="Rounded Rectangle 14">
+            <a:extLst>
+              <a:ext uri="{FF2B5EF4-FFF2-40B4-BE49-F238E27FC236}">
+                <a16:creationId xmlns:a16="http://schemas.microsoft.com/office/drawing/2014/main" id="{681A73BB-6EE7-1144-BF12-75368FE276E3}"/>
+              </a:ext>
+            </a:extLst>
+          </p:cNvPr>
+          <p:cNvSpPr/>
+          <p:nvPr/>
+        </p:nvSpPr>
+        <p:spPr>
+          <a:xfrm>
+            <a:off x="9919064" y="1207040"/>
+            <a:ext cx="674914" cy="452845"/>
+          </a:xfrm>
+          <a:prstGeom prst="roundRect">
+            <a:avLst/>
+          </a:prstGeom>
+        </p:spPr>
+        <p:style>
+          <a:lnRef idx="2">
+            <a:schemeClr val="accent1">
+              <a:shade val="50000"/>
+            </a:schemeClr>
+          </a:lnRef>
+          <a:fillRef idx="1">
+            <a:schemeClr val="accent1"/>
+          </a:fillRef>
+          <a:effectRef idx="0">
+            <a:schemeClr val="accent1"/>
+          </a:effectRef>
+          <a:fontRef idx="minor">
+            <a:schemeClr val="lt1"/>
+          </a:fontRef>
+        </p:style>
+        <p:txBody>
+          <a:bodyPr rtlCol="0" anchor="ctr"/>
+          <a:lstStyle/>
+          <a:p>
+            <a:pPr algn="ctr"/>
+            <a:endParaRPr lang="en-US"/>
+          </a:p>
+        </p:txBody>
+      </p:sp>
+      <p:sp>
+        <p:nvSpPr>
+          <p:cNvPr id="16" name="Rounded Rectangle 15">
+            <a:extLst>
+              <a:ext uri="{FF2B5EF4-FFF2-40B4-BE49-F238E27FC236}">
+                <a16:creationId xmlns:a16="http://schemas.microsoft.com/office/drawing/2014/main" id="{55E85A6B-BB3A-834A-983D-EDAD7444BF30}"/>
+              </a:ext>
+            </a:extLst>
+          </p:cNvPr>
+          <p:cNvSpPr/>
+          <p:nvPr/>
+        </p:nvSpPr>
+        <p:spPr>
+          <a:xfrm>
+            <a:off x="747850" y="2786743"/>
+            <a:ext cx="1384662" cy="1114697"/>
+          </a:xfrm>
+          <a:prstGeom prst="roundRect">
+            <a:avLst/>
+          </a:prstGeom>
+        </p:spPr>
+        <p:style>
+          <a:lnRef idx="2">
+            <a:schemeClr val="accent1">
+              <a:shade val="50000"/>
+            </a:schemeClr>
+          </a:lnRef>
+          <a:fillRef idx="1">
+            <a:schemeClr val="accent1"/>
+          </a:fillRef>
+          <a:effectRef idx="0">
+            <a:schemeClr val="accent1"/>
+          </a:effectRef>
+          <a:fontRef idx="minor">
+            <a:schemeClr val="lt1"/>
+          </a:fontRef>
+        </p:style>
+        <p:txBody>
+          <a:bodyPr rtlCol="0" anchor="ctr"/>
+          <a:lstStyle/>
+          <a:p>
+            <a:pPr algn="ctr"/>
+            <a:r>
+              <a:rPr lang="en-US" sz="1000" dirty="0"/>
+              <a:t>Search Service</a:t>
+            </a:r>
+          </a:p>
+          <a:p>
+            <a:pPr algn="ctr"/>
+            <a:r>
+              <a:rPr lang="en-US" sz="1000" dirty="0"/>
+              <a:t>Server 1</a:t>
+            </a:r>
+          </a:p>
+          <a:p>
+            <a:pPr algn="ctr"/>
+            <a:r>
+              <a:rPr lang="en-US" sz="1000" dirty="0"/>
+              <a:t>Biz Logic, Data Access, Security</a:t>
+            </a:r>
+          </a:p>
+        </p:txBody>
+      </p:sp>
+      <p:sp>
+        <p:nvSpPr>
+          <p:cNvPr id="17" name="Rounded Rectangle 16">
+            <a:extLst>
+              <a:ext uri="{FF2B5EF4-FFF2-40B4-BE49-F238E27FC236}">
+                <a16:creationId xmlns:a16="http://schemas.microsoft.com/office/drawing/2014/main" id="{6C77F0B4-93A8-C44B-A036-A5C1D6306E24}"/>
+              </a:ext>
+            </a:extLst>
+          </p:cNvPr>
+          <p:cNvSpPr/>
+          <p:nvPr/>
+        </p:nvSpPr>
+        <p:spPr>
+          <a:xfrm>
+            <a:off x="2355941" y="2801942"/>
+            <a:ext cx="1384662" cy="1114697"/>
+          </a:xfrm>
+          <a:prstGeom prst="roundRect">
+            <a:avLst/>
+          </a:prstGeom>
+        </p:spPr>
+        <p:style>
+          <a:lnRef idx="2">
+            <a:schemeClr val="accent1">
+              <a:shade val="50000"/>
+            </a:schemeClr>
+          </a:lnRef>
+          <a:fillRef idx="1">
+            <a:schemeClr val="accent1"/>
+          </a:fillRef>
+          <a:effectRef idx="0">
+            <a:schemeClr val="accent1"/>
+          </a:effectRef>
+          <a:fontRef idx="minor">
+            <a:schemeClr val="lt1"/>
+          </a:fontRef>
+        </p:style>
+        <p:txBody>
+          <a:bodyPr rtlCol="0" anchor="ctr"/>
+          <a:lstStyle/>
+          <a:p>
+            <a:pPr algn="ctr"/>
+            <a:r>
+              <a:rPr lang="en-US" sz="1000" dirty="0"/>
+              <a:t>Search Service</a:t>
+            </a:r>
+          </a:p>
+          <a:p>
+            <a:pPr algn="ctr"/>
+            <a:r>
+              <a:rPr lang="en-US" sz="1000" dirty="0"/>
+              <a:t>Server 2</a:t>
+            </a:r>
+          </a:p>
+          <a:p>
+            <a:pPr algn="ctr"/>
+            <a:r>
+              <a:rPr lang="en-US" sz="1000" dirty="0"/>
+              <a:t>Biz Logic, Data Access, Security</a:t>
+            </a:r>
+          </a:p>
+        </p:txBody>
+      </p:sp>
+      <p:sp>
+        <p:nvSpPr>
+          <p:cNvPr id="18" name="Rounded Rectangle 17">
+            <a:extLst>
+              <a:ext uri="{FF2B5EF4-FFF2-40B4-BE49-F238E27FC236}">
+                <a16:creationId xmlns:a16="http://schemas.microsoft.com/office/drawing/2014/main" id="{39FD17CA-499E-5A49-9EFA-32E4B610E4B6}"/>
+              </a:ext>
+            </a:extLst>
+          </p:cNvPr>
+          <p:cNvSpPr/>
+          <p:nvPr/>
+        </p:nvSpPr>
+        <p:spPr>
+          <a:xfrm>
+            <a:off x="4038603" y="2797626"/>
+            <a:ext cx="1384662" cy="1114697"/>
+          </a:xfrm>
+          <a:prstGeom prst="roundRect">
+            <a:avLst/>
+          </a:prstGeom>
+        </p:spPr>
+        <p:style>
+          <a:lnRef idx="2">
+            <a:schemeClr val="accent1">
+              <a:shade val="50000"/>
+            </a:schemeClr>
+          </a:lnRef>
+          <a:fillRef idx="1">
+            <a:schemeClr val="accent1"/>
+          </a:fillRef>
+          <a:effectRef idx="0">
+            <a:schemeClr val="accent1"/>
+          </a:effectRef>
+          <a:fontRef idx="minor">
+            <a:schemeClr val="lt1"/>
+          </a:fontRef>
+        </p:style>
+        <p:txBody>
+          <a:bodyPr rtlCol="0" anchor="ctr"/>
+          <a:lstStyle/>
+          <a:p>
+            <a:pPr algn="ctr"/>
+            <a:r>
+              <a:rPr lang="en-US" sz="1000" dirty="0"/>
+              <a:t>Search Service</a:t>
+            </a:r>
+          </a:p>
+          <a:p>
+            <a:pPr algn="ctr"/>
+            <a:r>
+              <a:rPr lang="en-US" sz="1000" dirty="0"/>
+              <a:t>Server 3</a:t>
+            </a:r>
+          </a:p>
+          <a:p>
+            <a:pPr algn="ctr"/>
+            <a:r>
+              <a:rPr lang="en-US" sz="1000" dirty="0"/>
+              <a:t>Biz Logic, Data Access, Security</a:t>
+            </a:r>
+          </a:p>
+        </p:txBody>
+      </p:sp>
+      <p:sp>
+        <p:nvSpPr>
+          <p:cNvPr id="19" name="Rounded Rectangle 18">
+            <a:extLst>
+              <a:ext uri="{FF2B5EF4-FFF2-40B4-BE49-F238E27FC236}">
+                <a16:creationId xmlns:a16="http://schemas.microsoft.com/office/drawing/2014/main" id="{6746900F-6085-2741-B797-B183460B3056}"/>
+              </a:ext>
+            </a:extLst>
+          </p:cNvPr>
+          <p:cNvSpPr/>
+          <p:nvPr/>
+        </p:nvSpPr>
+        <p:spPr>
+          <a:xfrm>
+            <a:off x="5803718" y="2815082"/>
+            <a:ext cx="1384662" cy="1114697"/>
+          </a:xfrm>
+          <a:prstGeom prst="roundRect">
+            <a:avLst/>
+          </a:prstGeom>
+        </p:spPr>
+        <p:style>
+          <a:lnRef idx="2">
+            <a:schemeClr val="accent1">
+              <a:shade val="50000"/>
+            </a:schemeClr>
+          </a:lnRef>
+          <a:fillRef idx="1">
+            <a:schemeClr val="accent1"/>
+          </a:fillRef>
+          <a:effectRef idx="0">
+            <a:schemeClr val="accent1"/>
+          </a:effectRef>
+          <a:fontRef idx="minor">
+            <a:schemeClr val="lt1"/>
+          </a:fontRef>
+        </p:style>
+        <p:txBody>
+          <a:bodyPr rtlCol="0" anchor="ctr"/>
+          <a:lstStyle/>
+          <a:p>
+            <a:pPr algn="ctr"/>
+            <a:r>
+              <a:rPr lang="en-US" sz="1000" dirty="0"/>
+              <a:t>Search Service</a:t>
+            </a:r>
+          </a:p>
+          <a:p>
+            <a:pPr algn="ctr"/>
+            <a:r>
+              <a:rPr lang="en-US" sz="1000" dirty="0"/>
+              <a:t>Server 4</a:t>
+            </a:r>
+          </a:p>
+          <a:p>
+            <a:pPr algn="ctr"/>
+            <a:r>
+              <a:rPr lang="en-US" sz="1000" dirty="0"/>
+              <a:t>Biz Logic, Data Access, Security</a:t>
+            </a:r>
+          </a:p>
+        </p:txBody>
+      </p:sp>
+      <p:cxnSp>
+        <p:nvCxnSpPr>
+          <p:cNvPr id="23" name="Straight Arrow Connector 22">
+            <a:extLst>
+              <a:ext uri="{FF2B5EF4-FFF2-40B4-BE49-F238E27FC236}">
+                <a16:creationId xmlns:a16="http://schemas.microsoft.com/office/drawing/2014/main" id="{063FA797-F0BB-DF4A-AB3C-1E67057C2B0C}"/>
+              </a:ext>
+            </a:extLst>
+          </p:cNvPr>
+          <p:cNvCxnSpPr>
+            <a:cxnSpLocks/>
+            <a:stCxn id="16" idx="2"/>
+            <a:endCxn id="2" idx="1"/>
+          </p:cNvCxnSpPr>
+          <p:nvPr/>
+        </p:nvCxnSpPr>
+        <p:spPr>
+          <a:xfrm>
+            <a:off x="1440181" y="3901440"/>
+            <a:ext cx="538843" cy="1219199"/>
+          </a:xfrm>
+          <a:prstGeom prst="straightConnector1">
+            <a:avLst/>
+          </a:prstGeom>
+          <a:ln>
+            <a:tailEnd type="triangle"/>
+          </a:ln>
+        </p:spPr>
+        <p:style>
+          <a:lnRef idx="1">
+            <a:schemeClr val="accent1"/>
+          </a:lnRef>
+          <a:fillRef idx="0">
+            <a:schemeClr val="accent1"/>
+          </a:fillRef>
+          <a:effectRef idx="0">
+            <a:schemeClr val="accent1"/>
+          </a:effectRef>
+          <a:fontRef idx="minor">
+            <a:schemeClr val="tx1"/>
+          </a:fontRef>
+        </p:style>
+      </p:cxnSp>
+      <p:cxnSp>
+        <p:nvCxnSpPr>
+          <p:cNvPr id="25" name="Straight Arrow Connector 24">
+            <a:extLst>
+              <a:ext uri="{FF2B5EF4-FFF2-40B4-BE49-F238E27FC236}">
+                <a16:creationId xmlns:a16="http://schemas.microsoft.com/office/drawing/2014/main" id="{26D64654-D7D6-4447-88A1-B2F1223287F5}"/>
+              </a:ext>
+            </a:extLst>
+          </p:cNvPr>
+          <p:cNvCxnSpPr>
+            <a:cxnSpLocks/>
+            <a:stCxn id="16" idx="2"/>
+            <a:endCxn id="3" idx="1"/>
+          </p:cNvCxnSpPr>
+          <p:nvPr/>
+        </p:nvCxnSpPr>
+        <p:spPr>
+          <a:xfrm>
+            <a:off x="1440181" y="3901440"/>
+            <a:ext cx="3410494" cy="1219199"/>
+          </a:xfrm>
+          <a:prstGeom prst="straightConnector1">
+            <a:avLst/>
+          </a:prstGeom>
+          <a:ln>
+            <a:tailEnd type="triangle"/>
+          </a:ln>
+        </p:spPr>
+        <p:style>
+          <a:lnRef idx="1">
+            <a:schemeClr val="accent1"/>
+          </a:lnRef>
+          <a:fillRef idx="0">
+            <a:schemeClr val="accent1"/>
+          </a:fillRef>
+          <a:effectRef idx="0">
+            <a:schemeClr val="accent1"/>
+          </a:effectRef>
+          <a:fontRef idx="minor">
+            <a:schemeClr val="tx1"/>
+          </a:fontRef>
+        </p:style>
+      </p:cxnSp>
+      <p:cxnSp>
+        <p:nvCxnSpPr>
+          <p:cNvPr id="27" name="Straight Arrow Connector 26">
+            <a:extLst>
+              <a:ext uri="{FF2B5EF4-FFF2-40B4-BE49-F238E27FC236}">
+                <a16:creationId xmlns:a16="http://schemas.microsoft.com/office/drawing/2014/main" id="{24806EB4-2E15-E94E-9CB8-5295546E61DF}"/>
+              </a:ext>
+            </a:extLst>
+          </p:cNvPr>
+          <p:cNvCxnSpPr>
+            <a:cxnSpLocks/>
+            <a:stCxn id="16" idx="2"/>
+            <a:endCxn id="4" idx="1"/>
+          </p:cNvCxnSpPr>
+          <p:nvPr/>
+        </p:nvCxnSpPr>
+        <p:spPr>
+          <a:xfrm>
+            <a:off x="1440181" y="3901440"/>
+            <a:ext cx="6375761" cy="1219200"/>
+          </a:xfrm>
+          <a:prstGeom prst="straightConnector1">
+            <a:avLst/>
+          </a:prstGeom>
+          <a:ln>
+            <a:tailEnd type="triangle"/>
+          </a:ln>
+        </p:spPr>
+        <p:style>
+          <a:lnRef idx="1">
+            <a:schemeClr val="accent1"/>
+          </a:lnRef>
+          <a:fillRef idx="0">
+            <a:schemeClr val="accent1"/>
+          </a:fillRef>
+          <a:effectRef idx="0">
+            <a:schemeClr val="accent1"/>
+          </a:effectRef>
+          <a:fontRef idx="minor">
+            <a:schemeClr val="tx1"/>
+          </a:fontRef>
+        </p:style>
+      </p:cxnSp>
+      <p:cxnSp>
+        <p:nvCxnSpPr>
+          <p:cNvPr id="29" name="Straight Arrow Connector 28">
+            <a:extLst>
+              <a:ext uri="{FF2B5EF4-FFF2-40B4-BE49-F238E27FC236}">
+                <a16:creationId xmlns:a16="http://schemas.microsoft.com/office/drawing/2014/main" id="{DC781DB5-B9AA-8D4D-B3D8-6BBC81FB6BB8}"/>
+              </a:ext>
+            </a:extLst>
+          </p:cNvPr>
+          <p:cNvCxnSpPr>
+            <a:cxnSpLocks/>
+            <a:stCxn id="16" idx="2"/>
+            <a:endCxn id="5" idx="1"/>
+          </p:cNvCxnSpPr>
+          <p:nvPr/>
+        </p:nvCxnSpPr>
+        <p:spPr>
+          <a:xfrm>
+            <a:off x="1440181" y="3901440"/>
+            <a:ext cx="9153796" cy="1114697"/>
+          </a:xfrm>
+          <a:prstGeom prst="straightConnector1">
+            <a:avLst/>
+          </a:prstGeom>
+          <a:ln>
+            <a:tailEnd type="triangle"/>
+          </a:ln>
+        </p:spPr>
+        <p:style>
+          <a:lnRef idx="1">
+            <a:schemeClr val="accent1"/>
+          </a:lnRef>
+          <a:fillRef idx="0">
+            <a:schemeClr val="accent1"/>
+          </a:fillRef>
+          <a:effectRef idx="0">
+            <a:schemeClr val="accent1"/>
+          </a:effectRef>
+          <a:fontRef idx="minor">
+            <a:schemeClr val="tx1"/>
+          </a:fontRef>
+        </p:style>
+      </p:cxnSp>
+      <p:cxnSp>
+        <p:nvCxnSpPr>
+          <p:cNvPr id="31" name="Straight Arrow Connector 30">
+            <a:extLst>
+              <a:ext uri="{FF2B5EF4-FFF2-40B4-BE49-F238E27FC236}">
+                <a16:creationId xmlns:a16="http://schemas.microsoft.com/office/drawing/2014/main" id="{781AE435-6C43-4E4B-B1F4-E32EF758C867}"/>
+              </a:ext>
+            </a:extLst>
+          </p:cNvPr>
+          <p:cNvCxnSpPr>
+            <a:cxnSpLocks/>
+            <a:stCxn id="17" idx="2"/>
+            <a:endCxn id="2" idx="1"/>
+          </p:cNvCxnSpPr>
+          <p:nvPr/>
+        </p:nvCxnSpPr>
+        <p:spPr>
+          <a:xfrm flipH="1">
+            <a:off x="1979024" y="3916639"/>
+            <a:ext cx="1069248" cy="1204000"/>
+          </a:xfrm>
+          <a:prstGeom prst="straightConnector1">
+            <a:avLst/>
+          </a:prstGeom>
+          <a:ln>
+            <a:tailEnd type="triangle"/>
+          </a:ln>
+        </p:spPr>
+        <p:style>
+          <a:lnRef idx="1">
+            <a:schemeClr val="accent1"/>
+          </a:lnRef>
+          <a:fillRef idx="0">
+            <a:schemeClr val="accent1"/>
+          </a:fillRef>
+          <a:effectRef idx="0">
+            <a:schemeClr val="accent1"/>
+          </a:effectRef>
+          <a:fontRef idx="minor">
+            <a:schemeClr val="tx1"/>
+          </a:fontRef>
+        </p:style>
+      </p:cxnSp>
+      <p:cxnSp>
+        <p:nvCxnSpPr>
+          <p:cNvPr id="33" name="Straight Arrow Connector 32">
+            <a:extLst>
+              <a:ext uri="{FF2B5EF4-FFF2-40B4-BE49-F238E27FC236}">
+                <a16:creationId xmlns:a16="http://schemas.microsoft.com/office/drawing/2014/main" id="{92F57C77-E08B-D54E-A898-AA1B70D41FD7}"/>
+              </a:ext>
+            </a:extLst>
+          </p:cNvPr>
+          <p:cNvCxnSpPr>
+            <a:cxnSpLocks/>
+            <a:stCxn id="17" idx="2"/>
+            <a:endCxn id="3" idx="1"/>
+          </p:cNvCxnSpPr>
+          <p:nvPr/>
+        </p:nvCxnSpPr>
+        <p:spPr>
+          <a:xfrm>
+            <a:off x="3048272" y="3916639"/>
+            <a:ext cx="1802403" cy="1204000"/>
+          </a:xfrm>
+          <a:prstGeom prst="straightConnector1">
+            <a:avLst/>
+          </a:prstGeom>
+          <a:ln>
+            <a:tailEnd type="triangle"/>
+          </a:ln>
+        </p:spPr>
+        <p:style>
+          <a:lnRef idx="1">
+            <a:schemeClr val="accent1"/>
+          </a:lnRef>
+          <a:fillRef idx="0">
+            <a:schemeClr val="accent1"/>
+          </a:fillRef>
+          <a:effectRef idx="0">
+            <a:schemeClr val="accent1"/>
+          </a:effectRef>
+          <a:fontRef idx="minor">
+            <a:schemeClr val="tx1"/>
+          </a:fontRef>
+        </p:style>
+      </p:cxnSp>
+      <p:cxnSp>
+        <p:nvCxnSpPr>
+          <p:cNvPr id="35" name="Straight Arrow Connector 34">
+            <a:extLst>
+              <a:ext uri="{FF2B5EF4-FFF2-40B4-BE49-F238E27FC236}">
+                <a16:creationId xmlns:a16="http://schemas.microsoft.com/office/drawing/2014/main" id="{A09D3848-4665-5B4D-B2EE-12351D606FD7}"/>
+              </a:ext>
+            </a:extLst>
+          </p:cNvPr>
+          <p:cNvCxnSpPr>
+            <a:cxnSpLocks/>
+            <a:stCxn id="17" idx="2"/>
+            <a:endCxn id="4" idx="1"/>
+          </p:cNvCxnSpPr>
+          <p:nvPr/>
+        </p:nvCxnSpPr>
+        <p:spPr>
+          <a:xfrm>
+            <a:off x="3048272" y="3916639"/>
+            <a:ext cx="4767670" cy="1204001"/>
+          </a:xfrm>
+          <a:prstGeom prst="straightConnector1">
+            <a:avLst/>
+          </a:prstGeom>
+          <a:ln>
+            <a:tailEnd type="triangle"/>
+          </a:ln>
+        </p:spPr>
+        <p:style>
+          <a:lnRef idx="1">
+            <a:schemeClr val="accent1"/>
+          </a:lnRef>
+          <a:fillRef idx="0">
+            <a:schemeClr val="accent1"/>
+          </a:fillRef>
+          <a:effectRef idx="0">
+            <a:schemeClr val="accent1"/>
+          </a:effectRef>
+          <a:fontRef idx="minor">
+            <a:schemeClr val="tx1"/>
+          </a:fontRef>
+        </p:style>
+      </p:cxnSp>
+      <p:cxnSp>
+        <p:nvCxnSpPr>
+          <p:cNvPr id="37" name="Straight Arrow Connector 36">
+            <a:extLst>
+              <a:ext uri="{FF2B5EF4-FFF2-40B4-BE49-F238E27FC236}">
+                <a16:creationId xmlns:a16="http://schemas.microsoft.com/office/drawing/2014/main" id="{681D07EF-F678-6845-9468-F0EB58F68850}"/>
+              </a:ext>
+            </a:extLst>
+          </p:cNvPr>
+          <p:cNvCxnSpPr>
+            <a:cxnSpLocks/>
+            <a:stCxn id="17" idx="2"/>
+            <a:endCxn id="5" idx="1"/>
+          </p:cNvCxnSpPr>
+          <p:nvPr/>
+        </p:nvCxnSpPr>
+        <p:spPr>
+          <a:xfrm>
+            <a:off x="3048272" y="3916639"/>
+            <a:ext cx="7545705" cy="1099498"/>
+          </a:xfrm>
+          <a:prstGeom prst="straightConnector1">
+            <a:avLst/>
+          </a:prstGeom>
+          <a:ln>
+            <a:tailEnd type="triangle"/>
+          </a:ln>
+        </p:spPr>
+        <p:style>
+          <a:lnRef idx="1">
+            <a:schemeClr val="accent1"/>
+          </a:lnRef>
+          <a:fillRef idx="0">
+            <a:schemeClr val="accent1"/>
+          </a:fillRef>
+          <a:effectRef idx="0">
+            <a:schemeClr val="accent1"/>
+          </a:effectRef>
+          <a:fontRef idx="minor">
+            <a:schemeClr val="tx1"/>
+          </a:fontRef>
+        </p:style>
+      </p:cxnSp>
+      <p:cxnSp>
+        <p:nvCxnSpPr>
+          <p:cNvPr id="39" name="Straight Arrow Connector 38">
+            <a:extLst>
+              <a:ext uri="{FF2B5EF4-FFF2-40B4-BE49-F238E27FC236}">
+                <a16:creationId xmlns:a16="http://schemas.microsoft.com/office/drawing/2014/main" id="{FAA480FF-F431-3C44-8181-82219B7EEF13}"/>
+              </a:ext>
+            </a:extLst>
+          </p:cNvPr>
+          <p:cNvCxnSpPr>
+            <a:cxnSpLocks/>
+            <a:stCxn id="18" idx="2"/>
+            <a:endCxn id="2" idx="1"/>
+          </p:cNvCxnSpPr>
+          <p:nvPr/>
+        </p:nvCxnSpPr>
+        <p:spPr>
+          <a:xfrm flipH="1">
+            <a:off x="1979024" y="3912323"/>
+            <a:ext cx="2751910" cy="1208316"/>
+          </a:xfrm>
+          <a:prstGeom prst="straightConnector1">
+            <a:avLst/>
+          </a:prstGeom>
+          <a:ln>
+            <a:tailEnd type="triangle"/>
+          </a:ln>
+        </p:spPr>
+        <p:style>
+          <a:lnRef idx="1">
+            <a:schemeClr val="accent1"/>
+          </a:lnRef>
+          <a:fillRef idx="0">
+            <a:schemeClr val="accent1"/>
+          </a:fillRef>
+          <a:effectRef idx="0">
+            <a:schemeClr val="accent1"/>
+          </a:effectRef>
+          <a:fontRef idx="minor">
+            <a:schemeClr val="tx1"/>
+          </a:fontRef>
+        </p:style>
+      </p:cxnSp>
+      <p:cxnSp>
+        <p:nvCxnSpPr>
+          <p:cNvPr id="41" name="Straight Arrow Connector 40">
+            <a:extLst>
+              <a:ext uri="{FF2B5EF4-FFF2-40B4-BE49-F238E27FC236}">
+                <a16:creationId xmlns:a16="http://schemas.microsoft.com/office/drawing/2014/main" id="{440D6CE9-50AE-8C43-8876-A4F16D88C1CA}"/>
+              </a:ext>
+            </a:extLst>
+          </p:cNvPr>
+          <p:cNvCxnSpPr>
+            <a:cxnSpLocks/>
+            <a:stCxn id="18" idx="2"/>
+            <a:endCxn id="3" idx="1"/>
+          </p:cNvCxnSpPr>
+          <p:nvPr/>
+        </p:nvCxnSpPr>
+        <p:spPr>
+          <a:xfrm>
+            <a:off x="4730934" y="3912323"/>
+            <a:ext cx="119741" cy="1208316"/>
+          </a:xfrm>
+          <a:prstGeom prst="straightConnector1">
+            <a:avLst/>
+          </a:prstGeom>
+          <a:ln>
+            <a:tailEnd type="triangle"/>
+          </a:ln>
+        </p:spPr>
+        <p:style>
+          <a:lnRef idx="1">
+            <a:schemeClr val="accent1"/>
+          </a:lnRef>
+          <a:fillRef idx="0">
+            <a:schemeClr val="accent1"/>
+          </a:fillRef>
+          <a:effectRef idx="0">
+            <a:schemeClr val="accent1"/>
+          </a:effectRef>
+          <a:fontRef idx="minor">
+            <a:schemeClr val="tx1"/>
+          </a:fontRef>
+        </p:style>
+      </p:cxnSp>
+      <p:cxnSp>
+        <p:nvCxnSpPr>
+          <p:cNvPr id="43" name="Straight Arrow Connector 42">
+            <a:extLst>
+              <a:ext uri="{FF2B5EF4-FFF2-40B4-BE49-F238E27FC236}">
+                <a16:creationId xmlns:a16="http://schemas.microsoft.com/office/drawing/2014/main" id="{525ED01B-258C-B04B-B4E9-9BEB058F6B4A}"/>
+              </a:ext>
+            </a:extLst>
+          </p:cNvPr>
+          <p:cNvCxnSpPr>
+            <a:cxnSpLocks/>
+            <a:stCxn id="18" idx="2"/>
+            <a:endCxn id="4" idx="1"/>
+          </p:cNvCxnSpPr>
+          <p:nvPr/>
+        </p:nvCxnSpPr>
+        <p:spPr>
+          <a:xfrm>
+            <a:off x="4730934" y="3912323"/>
+            <a:ext cx="3085008" cy="1208317"/>
+          </a:xfrm>
+          <a:prstGeom prst="straightConnector1">
+            <a:avLst/>
+          </a:prstGeom>
+          <a:ln>
+            <a:tailEnd type="triangle"/>
+          </a:ln>
+        </p:spPr>
+        <p:style>
+          <a:lnRef idx="1">
+            <a:schemeClr val="accent1"/>
+          </a:lnRef>
+          <a:fillRef idx="0">
+            <a:schemeClr val="accent1"/>
+          </a:fillRef>
+          <a:effectRef idx="0">
+            <a:schemeClr val="accent1"/>
+          </a:effectRef>
+          <a:fontRef idx="minor">
+            <a:schemeClr val="tx1"/>
+          </a:fontRef>
+        </p:style>
+      </p:cxnSp>
+      <p:cxnSp>
+        <p:nvCxnSpPr>
+          <p:cNvPr id="45" name="Straight Arrow Connector 44">
+            <a:extLst>
+              <a:ext uri="{FF2B5EF4-FFF2-40B4-BE49-F238E27FC236}">
+                <a16:creationId xmlns:a16="http://schemas.microsoft.com/office/drawing/2014/main" id="{56032EFF-8FB5-E944-83C7-65F4082302F3}"/>
+              </a:ext>
+            </a:extLst>
+          </p:cNvPr>
+          <p:cNvCxnSpPr>
+            <a:cxnSpLocks/>
+            <a:stCxn id="18" idx="2"/>
+            <a:endCxn id="5" idx="1"/>
+          </p:cNvCxnSpPr>
+          <p:nvPr/>
+        </p:nvCxnSpPr>
+        <p:spPr>
+          <a:xfrm>
+            <a:off x="4730934" y="3912323"/>
+            <a:ext cx="5863043" cy="1103814"/>
+          </a:xfrm>
+          <a:prstGeom prst="straightConnector1">
+            <a:avLst/>
+          </a:prstGeom>
+          <a:ln>
+            <a:tailEnd type="triangle"/>
+          </a:ln>
+        </p:spPr>
+        <p:style>
+          <a:lnRef idx="1">
+            <a:schemeClr val="accent1"/>
+          </a:lnRef>
+          <a:fillRef idx="0">
+            <a:schemeClr val="accent1"/>
+          </a:fillRef>
+          <a:effectRef idx="0">
+            <a:schemeClr val="accent1"/>
+          </a:effectRef>
+          <a:fontRef idx="minor">
+            <a:schemeClr val="tx1"/>
+          </a:fontRef>
+        </p:style>
+      </p:cxnSp>
+      <p:cxnSp>
+        <p:nvCxnSpPr>
+          <p:cNvPr id="47" name="Straight Arrow Connector 46">
+            <a:extLst>
+              <a:ext uri="{FF2B5EF4-FFF2-40B4-BE49-F238E27FC236}">
+                <a16:creationId xmlns:a16="http://schemas.microsoft.com/office/drawing/2014/main" id="{B31F6F5F-ED93-EE44-8589-A855EC5BE8A8}"/>
+              </a:ext>
+            </a:extLst>
+          </p:cNvPr>
+          <p:cNvCxnSpPr>
+            <a:cxnSpLocks/>
+            <a:stCxn id="19" idx="2"/>
+            <a:endCxn id="4" idx="1"/>
+          </p:cNvCxnSpPr>
+          <p:nvPr/>
+        </p:nvCxnSpPr>
+        <p:spPr>
+          <a:xfrm>
+            <a:off x="6496049" y="3929779"/>
+            <a:ext cx="1319893" cy="1190861"/>
+          </a:xfrm>
+          <a:prstGeom prst="straightConnector1">
+            <a:avLst/>
+          </a:prstGeom>
+          <a:ln>
+            <a:tailEnd type="triangle"/>
+          </a:ln>
+        </p:spPr>
+        <p:style>
+          <a:lnRef idx="1">
+            <a:schemeClr val="accent1"/>
+          </a:lnRef>
+          <a:fillRef idx="0">
+            <a:schemeClr val="accent1"/>
+          </a:fillRef>
+          <a:effectRef idx="0">
+            <a:schemeClr val="accent1"/>
+          </a:effectRef>
+          <a:fontRef idx="minor">
+            <a:schemeClr val="tx1"/>
+          </a:fontRef>
+        </p:style>
+      </p:cxnSp>
+      <p:cxnSp>
+        <p:nvCxnSpPr>
+          <p:cNvPr id="49" name="Straight Arrow Connector 48">
+            <a:extLst>
+              <a:ext uri="{FF2B5EF4-FFF2-40B4-BE49-F238E27FC236}">
+                <a16:creationId xmlns:a16="http://schemas.microsoft.com/office/drawing/2014/main" id="{62085A92-F3A5-9F4D-8EDC-6B5244A741E2}"/>
+              </a:ext>
+            </a:extLst>
+          </p:cNvPr>
+          <p:cNvCxnSpPr>
+            <a:cxnSpLocks/>
+            <a:endCxn id="2" idx="1"/>
+          </p:cNvCxnSpPr>
+          <p:nvPr/>
+        </p:nvCxnSpPr>
+        <p:spPr>
+          <a:xfrm flipH="1">
+            <a:off x="1979024" y="4026475"/>
+            <a:ext cx="6123486" cy="1094164"/>
+          </a:xfrm>
+          <a:prstGeom prst="straightConnector1">
+            <a:avLst/>
+          </a:prstGeom>
+          <a:ln>
+            <a:tailEnd type="triangle"/>
+          </a:ln>
+        </p:spPr>
+        <p:style>
+          <a:lnRef idx="1">
+            <a:schemeClr val="accent1"/>
+          </a:lnRef>
+          <a:fillRef idx="0">
+            <a:schemeClr val="accent1"/>
+          </a:fillRef>
+          <a:effectRef idx="0">
+            <a:schemeClr val="accent1"/>
+          </a:effectRef>
+          <a:fontRef idx="minor">
+            <a:schemeClr val="tx1"/>
+          </a:fontRef>
+        </p:style>
+      </p:cxnSp>
+      <p:cxnSp>
+        <p:nvCxnSpPr>
+          <p:cNvPr id="51" name="Straight Arrow Connector 50">
+            <a:extLst>
+              <a:ext uri="{FF2B5EF4-FFF2-40B4-BE49-F238E27FC236}">
+                <a16:creationId xmlns:a16="http://schemas.microsoft.com/office/drawing/2014/main" id="{AD8D5A05-21B4-4D44-A289-0CA002F3B007}"/>
+              </a:ext>
+            </a:extLst>
+          </p:cNvPr>
+          <p:cNvCxnSpPr>
+            <a:cxnSpLocks/>
+            <a:stCxn id="115" idx="2"/>
+            <a:endCxn id="2" idx="1"/>
+          </p:cNvCxnSpPr>
+          <p:nvPr/>
+        </p:nvCxnSpPr>
+        <p:spPr>
+          <a:xfrm flipH="1">
+            <a:off x="1979024" y="3867508"/>
+            <a:ext cx="6168932" cy="1253131"/>
+          </a:xfrm>
+          <a:prstGeom prst="straightConnector1">
+            <a:avLst/>
+          </a:prstGeom>
+          <a:ln>
+            <a:tailEnd type="triangle"/>
+          </a:ln>
+        </p:spPr>
+        <p:style>
+          <a:lnRef idx="1">
+            <a:schemeClr val="accent1"/>
+          </a:lnRef>
+          <a:fillRef idx="0">
+            <a:schemeClr val="accent1"/>
+          </a:fillRef>
+          <a:effectRef idx="0">
+            <a:schemeClr val="accent1"/>
+          </a:effectRef>
+          <a:fontRef idx="minor">
+            <a:schemeClr val="tx1"/>
+          </a:fontRef>
+        </p:style>
+      </p:cxnSp>
+      <p:cxnSp>
+        <p:nvCxnSpPr>
+          <p:cNvPr id="53" name="Straight Arrow Connector 52">
+            <a:extLst>
+              <a:ext uri="{FF2B5EF4-FFF2-40B4-BE49-F238E27FC236}">
+                <a16:creationId xmlns:a16="http://schemas.microsoft.com/office/drawing/2014/main" id="{3EDDCE41-2AD6-5F49-AFA7-30E1B5701CA8}"/>
+              </a:ext>
+            </a:extLst>
+          </p:cNvPr>
+          <p:cNvCxnSpPr>
+            <a:cxnSpLocks/>
+            <a:stCxn id="19" idx="2"/>
+            <a:endCxn id="5" idx="1"/>
+          </p:cNvCxnSpPr>
+          <p:nvPr/>
+        </p:nvCxnSpPr>
+        <p:spPr>
+          <a:xfrm>
+            <a:off x="6496049" y="3929779"/>
+            <a:ext cx="4097928" cy="1086358"/>
+          </a:xfrm>
+          <a:prstGeom prst="straightConnector1">
+            <a:avLst/>
+          </a:prstGeom>
+          <a:ln>
+            <a:tailEnd type="triangle"/>
+          </a:ln>
+        </p:spPr>
+        <p:style>
+          <a:lnRef idx="1">
+            <a:schemeClr val="accent1"/>
+          </a:lnRef>
+          <a:fillRef idx="0">
+            <a:schemeClr val="accent1"/>
+          </a:fillRef>
+          <a:effectRef idx="0">
+            <a:schemeClr val="accent1"/>
+          </a:effectRef>
+          <a:fontRef idx="minor">
+            <a:schemeClr val="tx1"/>
+          </a:fontRef>
+        </p:style>
+      </p:cxnSp>
+      <p:sp>
+        <p:nvSpPr>
+          <p:cNvPr id="54" name="Rectangle 53">
+            <a:extLst>
+              <a:ext uri="{FF2B5EF4-FFF2-40B4-BE49-F238E27FC236}">
+                <a16:creationId xmlns:a16="http://schemas.microsoft.com/office/drawing/2014/main" id="{D3F572C1-4353-D043-9300-3807FAA84E3A}"/>
+              </a:ext>
+            </a:extLst>
+          </p:cNvPr>
+          <p:cNvSpPr/>
+          <p:nvPr/>
+        </p:nvSpPr>
+        <p:spPr>
+          <a:xfrm>
+            <a:off x="932908" y="2151017"/>
+            <a:ext cx="10727871" cy="374469"/>
+          </a:xfrm>
+          <a:prstGeom prst="rect">
+            <a:avLst/>
+          </a:prstGeom>
+        </p:spPr>
+        <p:style>
+          <a:lnRef idx="2">
+            <a:schemeClr val="accent1">
+              <a:shade val="50000"/>
+            </a:schemeClr>
+          </a:lnRef>
+          <a:fillRef idx="1">
+            <a:schemeClr val="accent1"/>
+          </a:fillRef>
+          <a:effectRef idx="0">
+            <a:schemeClr val="accent1"/>
+          </a:effectRef>
+          <a:fontRef idx="minor">
+            <a:schemeClr val="lt1"/>
+          </a:fontRef>
+        </p:style>
+        <p:txBody>
+          <a:bodyPr rtlCol="0" anchor="ctr"/>
+          <a:lstStyle/>
+          <a:p>
+            <a:pPr algn="ctr"/>
+            <a:r>
+              <a:rPr lang="en-US" dirty="0"/>
+              <a:t>Load Balancer Topology</a:t>
+            </a:r>
+          </a:p>
+        </p:txBody>
+      </p:sp>
+      <p:sp>
+        <p:nvSpPr>
+          <p:cNvPr id="55" name="Up-down Arrow 54">
+            <a:extLst>
+              <a:ext uri="{FF2B5EF4-FFF2-40B4-BE49-F238E27FC236}">
+                <a16:creationId xmlns:a16="http://schemas.microsoft.com/office/drawing/2014/main" id="{B1F9B1D5-092D-4849-852E-454DAEB28DDD}"/>
+              </a:ext>
+            </a:extLst>
+          </p:cNvPr>
+          <p:cNvSpPr/>
+          <p:nvPr/>
+        </p:nvSpPr>
+        <p:spPr>
+          <a:xfrm>
+            <a:off x="1095104" y="1704214"/>
+            <a:ext cx="278674" cy="424244"/>
+          </a:xfrm>
+          <a:prstGeom prst="upDownArrow">
+            <a:avLst/>
+          </a:prstGeom>
+        </p:spPr>
+        <p:style>
+          <a:lnRef idx="2">
+            <a:schemeClr val="accent1">
+              <a:shade val="50000"/>
+            </a:schemeClr>
+          </a:lnRef>
+          <a:fillRef idx="1">
+            <a:schemeClr val="accent1"/>
+          </a:fillRef>
+          <a:effectRef idx="0">
+            <a:schemeClr val="accent1"/>
+          </a:effectRef>
+          <a:fontRef idx="minor">
+            <a:schemeClr val="lt1"/>
+          </a:fontRef>
+        </p:style>
+        <p:txBody>
+          <a:bodyPr rtlCol="0" anchor="ctr"/>
+          <a:lstStyle/>
+          <a:p>
+            <a:pPr algn="ctr"/>
+            <a:endParaRPr lang="en-US"/>
+          </a:p>
+        </p:txBody>
+      </p:sp>
+      <p:sp>
+        <p:nvSpPr>
+          <p:cNvPr id="56" name="Up-down Arrow 55">
+            <a:extLst>
+              <a:ext uri="{FF2B5EF4-FFF2-40B4-BE49-F238E27FC236}">
+                <a16:creationId xmlns:a16="http://schemas.microsoft.com/office/drawing/2014/main" id="{992C0F19-69A8-8A48-83E5-EAB05DEE1710}"/>
+              </a:ext>
+            </a:extLst>
+          </p:cNvPr>
+          <p:cNvSpPr/>
+          <p:nvPr/>
+        </p:nvSpPr>
+        <p:spPr>
+          <a:xfrm>
+            <a:off x="2784565" y="1693329"/>
+            <a:ext cx="278674" cy="424244"/>
+          </a:xfrm>
+          <a:prstGeom prst="upDownArrow">
+            <a:avLst/>
+          </a:prstGeom>
+        </p:spPr>
+        <p:style>
+          <a:lnRef idx="2">
+            <a:schemeClr val="accent1">
+              <a:shade val="50000"/>
+            </a:schemeClr>
+          </a:lnRef>
+          <a:fillRef idx="1">
+            <a:schemeClr val="accent1"/>
+          </a:fillRef>
+          <a:effectRef idx="0">
+            <a:schemeClr val="accent1"/>
+          </a:effectRef>
+          <a:fontRef idx="minor">
+            <a:schemeClr val="lt1"/>
+          </a:fontRef>
+        </p:style>
+        <p:txBody>
+          <a:bodyPr rtlCol="0" anchor="ctr"/>
+          <a:lstStyle/>
+          <a:p>
+            <a:pPr algn="ctr"/>
+            <a:endParaRPr lang="en-US"/>
+          </a:p>
+        </p:txBody>
+      </p:sp>
+      <p:sp>
+        <p:nvSpPr>
+          <p:cNvPr id="57" name="Up-down Arrow 56">
+            <a:extLst>
+              <a:ext uri="{FF2B5EF4-FFF2-40B4-BE49-F238E27FC236}">
+                <a16:creationId xmlns:a16="http://schemas.microsoft.com/office/drawing/2014/main" id="{78E0218B-6259-5C4A-AA21-1A990C4AC1BB}"/>
+              </a:ext>
+            </a:extLst>
+          </p:cNvPr>
+          <p:cNvSpPr/>
+          <p:nvPr/>
+        </p:nvSpPr>
+        <p:spPr>
+          <a:xfrm>
+            <a:off x="4533901" y="1713374"/>
+            <a:ext cx="278674" cy="424244"/>
+          </a:xfrm>
+          <a:prstGeom prst="upDownArrow">
+            <a:avLst/>
+          </a:prstGeom>
+        </p:spPr>
+        <p:style>
+          <a:lnRef idx="2">
+            <a:schemeClr val="accent1">
+              <a:shade val="50000"/>
+            </a:schemeClr>
+          </a:lnRef>
+          <a:fillRef idx="1">
+            <a:schemeClr val="accent1"/>
+          </a:fillRef>
+          <a:effectRef idx="0">
+            <a:schemeClr val="accent1"/>
+          </a:effectRef>
+          <a:fontRef idx="minor">
+            <a:schemeClr val="lt1"/>
+          </a:fontRef>
+        </p:style>
+        <p:txBody>
+          <a:bodyPr rtlCol="0" anchor="ctr"/>
+          <a:lstStyle/>
+          <a:p>
+            <a:pPr algn="ctr"/>
+            <a:endParaRPr lang="en-US"/>
+          </a:p>
+        </p:txBody>
+      </p:sp>
+      <p:sp>
+        <p:nvSpPr>
+          <p:cNvPr id="58" name="Up-down Arrow 57">
+            <a:extLst>
+              <a:ext uri="{FF2B5EF4-FFF2-40B4-BE49-F238E27FC236}">
+                <a16:creationId xmlns:a16="http://schemas.microsoft.com/office/drawing/2014/main" id="{3BFA308E-D907-FC42-BC48-A462DBC988CC}"/>
+              </a:ext>
+            </a:extLst>
+          </p:cNvPr>
+          <p:cNvSpPr/>
+          <p:nvPr/>
+        </p:nvSpPr>
+        <p:spPr>
+          <a:xfrm>
+            <a:off x="6422026" y="1704214"/>
+            <a:ext cx="278674" cy="424244"/>
+          </a:xfrm>
+          <a:prstGeom prst="upDownArrow">
+            <a:avLst/>
+          </a:prstGeom>
+        </p:spPr>
+        <p:style>
+          <a:lnRef idx="2">
+            <a:schemeClr val="accent1">
+              <a:shade val="50000"/>
+            </a:schemeClr>
+          </a:lnRef>
+          <a:fillRef idx="1">
+            <a:schemeClr val="accent1"/>
+          </a:fillRef>
+          <a:effectRef idx="0">
+            <a:schemeClr val="accent1"/>
+          </a:effectRef>
+          <a:fontRef idx="minor">
+            <a:schemeClr val="lt1"/>
+          </a:fontRef>
+        </p:style>
+        <p:txBody>
+          <a:bodyPr rtlCol="0" anchor="ctr"/>
+          <a:lstStyle/>
+          <a:p>
+            <a:pPr algn="ctr"/>
+            <a:endParaRPr lang="en-US"/>
+          </a:p>
+        </p:txBody>
+      </p:sp>
+      <p:sp>
+        <p:nvSpPr>
+          <p:cNvPr id="59" name="Up-down Arrow 58">
+            <a:extLst>
+              <a:ext uri="{FF2B5EF4-FFF2-40B4-BE49-F238E27FC236}">
+                <a16:creationId xmlns:a16="http://schemas.microsoft.com/office/drawing/2014/main" id="{461CF2AF-78D6-7C41-BDD5-4914E4DC9A5E}"/>
+              </a:ext>
+            </a:extLst>
+          </p:cNvPr>
+          <p:cNvSpPr/>
+          <p:nvPr/>
+        </p:nvSpPr>
+        <p:spPr>
+          <a:xfrm>
+            <a:off x="8244840" y="1690213"/>
+            <a:ext cx="278674" cy="424244"/>
+          </a:xfrm>
+          <a:prstGeom prst="upDownArrow">
+            <a:avLst/>
+          </a:prstGeom>
+        </p:spPr>
+        <p:style>
+          <a:lnRef idx="2">
+            <a:schemeClr val="accent1">
+              <a:shade val="50000"/>
+            </a:schemeClr>
+          </a:lnRef>
+          <a:fillRef idx="1">
+            <a:schemeClr val="accent1"/>
+          </a:fillRef>
+          <a:effectRef idx="0">
+            <a:schemeClr val="accent1"/>
+          </a:effectRef>
+          <a:fontRef idx="minor">
+            <a:schemeClr val="lt1"/>
+          </a:fontRef>
+        </p:style>
+        <p:txBody>
+          <a:bodyPr rtlCol="0" anchor="ctr"/>
+          <a:lstStyle/>
+          <a:p>
+            <a:pPr algn="ctr"/>
+            <a:endParaRPr lang="en-US"/>
+          </a:p>
+        </p:txBody>
+      </p:sp>
+      <p:sp>
+        <p:nvSpPr>
+          <p:cNvPr id="60" name="Up-down Arrow 59">
+            <a:extLst>
+              <a:ext uri="{FF2B5EF4-FFF2-40B4-BE49-F238E27FC236}">
+                <a16:creationId xmlns:a16="http://schemas.microsoft.com/office/drawing/2014/main" id="{8A689453-F466-7944-9DA0-8AC914DBB61E}"/>
+              </a:ext>
+            </a:extLst>
+          </p:cNvPr>
+          <p:cNvSpPr/>
+          <p:nvPr/>
+        </p:nvSpPr>
+        <p:spPr>
+          <a:xfrm>
+            <a:off x="10117184" y="1668927"/>
+            <a:ext cx="278674" cy="424244"/>
+          </a:xfrm>
+          <a:prstGeom prst="upDownArrow">
+            <a:avLst/>
+          </a:prstGeom>
+        </p:spPr>
+        <p:style>
+          <a:lnRef idx="2">
+            <a:schemeClr val="accent1">
+              <a:shade val="50000"/>
+            </a:schemeClr>
+          </a:lnRef>
+          <a:fillRef idx="1">
+            <a:schemeClr val="accent1"/>
+          </a:fillRef>
+          <a:effectRef idx="0">
+            <a:schemeClr val="accent1"/>
+          </a:effectRef>
+          <a:fontRef idx="minor">
+            <a:schemeClr val="lt1"/>
+          </a:fontRef>
+        </p:style>
+        <p:txBody>
+          <a:bodyPr rtlCol="0" anchor="ctr"/>
+          <a:lstStyle/>
+          <a:p>
+            <a:pPr algn="ctr"/>
+            <a:endParaRPr lang="en-US"/>
+          </a:p>
+        </p:txBody>
+      </p:sp>
+      <p:sp>
+        <p:nvSpPr>
+          <p:cNvPr id="61" name="Up-down Arrow 60">
+            <a:extLst>
+              <a:ext uri="{FF2B5EF4-FFF2-40B4-BE49-F238E27FC236}">
+                <a16:creationId xmlns:a16="http://schemas.microsoft.com/office/drawing/2014/main" id="{0C36973C-948D-5745-BC52-D38723603C41}"/>
+              </a:ext>
+            </a:extLst>
+          </p:cNvPr>
+          <p:cNvSpPr/>
+          <p:nvPr/>
+        </p:nvSpPr>
+        <p:spPr>
+          <a:xfrm>
+            <a:off x="1654628" y="2468879"/>
+            <a:ext cx="278674" cy="374469"/>
+          </a:xfrm>
+          <a:prstGeom prst="upDownArrow">
+            <a:avLst/>
+          </a:prstGeom>
+        </p:spPr>
+        <p:style>
+          <a:lnRef idx="2">
+            <a:schemeClr val="accent1">
+              <a:shade val="50000"/>
+            </a:schemeClr>
+          </a:lnRef>
+          <a:fillRef idx="1">
+            <a:schemeClr val="accent1"/>
+          </a:fillRef>
+          <a:effectRef idx="0">
+            <a:schemeClr val="accent1"/>
+          </a:effectRef>
+          <a:fontRef idx="minor">
+            <a:schemeClr val="lt1"/>
+          </a:fontRef>
+        </p:style>
+        <p:txBody>
+          <a:bodyPr rtlCol="0" anchor="ctr"/>
+          <a:lstStyle/>
+          <a:p>
+            <a:pPr algn="ctr"/>
+            <a:endParaRPr lang="en-US"/>
+          </a:p>
+        </p:txBody>
+      </p:sp>
+      <p:sp>
+        <p:nvSpPr>
+          <p:cNvPr id="62" name="Up-down Arrow 61">
+            <a:extLst>
+              <a:ext uri="{FF2B5EF4-FFF2-40B4-BE49-F238E27FC236}">
+                <a16:creationId xmlns:a16="http://schemas.microsoft.com/office/drawing/2014/main" id="{DEB40AAC-FDBC-E14F-AA50-72445D2FE1F2}"/>
+              </a:ext>
+            </a:extLst>
+          </p:cNvPr>
+          <p:cNvSpPr/>
+          <p:nvPr/>
+        </p:nvSpPr>
+        <p:spPr>
+          <a:xfrm>
+            <a:off x="3326945" y="2488433"/>
+            <a:ext cx="278674" cy="374469"/>
+          </a:xfrm>
+          <a:prstGeom prst="upDownArrow">
+            <a:avLst/>
+          </a:prstGeom>
+        </p:spPr>
+        <p:style>
+          <a:lnRef idx="2">
+            <a:schemeClr val="accent1">
+              <a:shade val="50000"/>
+            </a:schemeClr>
+          </a:lnRef>
+          <a:fillRef idx="1">
+            <a:schemeClr val="accent1"/>
+          </a:fillRef>
+          <a:effectRef idx="0">
+            <a:schemeClr val="accent1"/>
+          </a:effectRef>
+          <a:fontRef idx="minor">
+            <a:schemeClr val="lt1"/>
+          </a:fontRef>
+        </p:style>
+        <p:txBody>
+          <a:bodyPr rtlCol="0" anchor="ctr"/>
+          <a:lstStyle/>
+          <a:p>
+            <a:pPr algn="ctr"/>
+            <a:endParaRPr lang="en-US"/>
+          </a:p>
+        </p:txBody>
+      </p:sp>
+      <p:sp>
+        <p:nvSpPr>
+          <p:cNvPr id="63" name="Up-down Arrow 62">
+            <a:extLst>
+              <a:ext uri="{FF2B5EF4-FFF2-40B4-BE49-F238E27FC236}">
+                <a16:creationId xmlns:a16="http://schemas.microsoft.com/office/drawing/2014/main" id="{CE53A5C8-EACF-5346-A90F-FAFC49EB6474}"/>
+              </a:ext>
+            </a:extLst>
+          </p:cNvPr>
+          <p:cNvSpPr/>
+          <p:nvPr/>
+        </p:nvSpPr>
+        <p:spPr>
+          <a:xfrm>
+            <a:off x="5052062" y="2523306"/>
+            <a:ext cx="278674" cy="374469"/>
+          </a:xfrm>
+          <a:prstGeom prst="upDownArrow">
+            <a:avLst/>
+          </a:prstGeom>
+        </p:spPr>
+        <p:style>
+          <a:lnRef idx="2">
+            <a:schemeClr val="accent1">
+              <a:shade val="50000"/>
+            </a:schemeClr>
+          </a:lnRef>
+          <a:fillRef idx="1">
+            <a:schemeClr val="accent1"/>
+          </a:fillRef>
+          <a:effectRef idx="0">
+            <a:schemeClr val="accent1"/>
+          </a:effectRef>
+          <a:fontRef idx="minor">
+            <a:schemeClr val="lt1"/>
+          </a:fontRef>
+        </p:style>
+        <p:txBody>
+          <a:bodyPr rtlCol="0" anchor="ctr"/>
+          <a:lstStyle/>
+          <a:p>
+            <a:pPr algn="ctr"/>
+            <a:endParaRPr lang="en-US"/>
+          </a:p>
+        </p:txBody>
+      </p:sp>
+      <p:sp>
+        <p:nvSpPr>
+          <p:cNvPr id="64" name="Up-down Arrow 63">
+            <a:extLst>
+              <a:ext uri="{FF2B5EF4-FFF2-40B4-BE49-F238E27FC236}">
+                <a16:creationId xmlns:a16="http://schemas.microsoft.com/office/drawing/2014/main" id="{01F35808-A5D5-E94D-8244-6D2A8CFA3EB2}"/>
+              </a:ext>
+            </a:extLst>
+          </p:cNvPr>
+          <p:cNvSpPr/>
+          <p:nvPr/>
+        </p:nvSpPr>
+        <p:spPr>
+          <a:xfrm>
+            <a:off x="6635929" y="2501575"/>
+            <a:ext cx="278674" cy="374469"/>
+          </a:xfrm>
+          <a:prstGeom prst="upDownArrow">
+            <a:avLst/>
+          </a:prstGeom>
+        </p:spPr>
+        <p:style>
+          <a:lnRef idx="2">
+            <a:schemeClr val="accent1">
+              <a:shade val="50000"/>
+            </a:schemeClr>
+          </a:lnRef>
+          <a:fillRef idx="1">
+            <a:schemeClr val="accent1"/>
+          </a:fillRef>
+          <a:effectRef idx="0">
+            <a:schemeClr val="accent1"/>
+          </a:effectRef>
+          <a:fontRef idx="minor">
+            <a:schemeClr val="lt1"/>
+          </a:fontRef>
+        </p:style>
+        <p:txBody>
+          <a:bodyPr rtlCol="0" anchor="ctr"/>
+          <a:lstStyle/>
+          <a:p>
+            <a:pPr algn="ctr"/>
+            <a:endParaRPr lang="en-US"/>
+          </a:p>
+        </p:txBody>
+      </p:sp>
+      <p:sp>
+        <p:nvSpPr>
+          <p:cNvPr id="65" name="TextBox 64">
+            <a:extLst>
+              <a:ext uri="{FF2B5EF4-FFF2-40B4-BE49-F238E27FC236}">
+                <a16:creationId xmlns:a16="http://schemas.microsoft.com/office/drawing/2014/main" id="{BF7450EB-3DC5-924D-8768-A2C2C41C96E1}"/>
+              </a:ext>
+            </a:extLst>
+          </p:cNvPr>
+          <p:cNvSpPr txBox="1"/>
+          <p:nvPr/>
+        </p:nvSpPr>
+        <p:spPr>
+          <a:xfrm>
+            <a:off x="278674" y="6261463"/>
+            <a:ext cx="11546478" cy="369332"/>
+          </a:xfrm>
+          <a:prstGeom prst="rect">
+            <a:avLst/>
+          </a:prstGeom>
+          <a:noFill/>
+        </p:spPr>
+        <p:txBody>
+          <a:bodyPr wrap="square" rtlCol="0">
+            <a:spAutoFit/>
+          </a:bodyPr>
+          <a:lstStyle/>
+          <a:p>
+            <a:r>
+              <a:rPr lang="en-US" dirty="0"/>
+              <a:t>For each Server we need, H/W, OS, Patches, App Server (Web Server), Application Logic Deployed</a:t>
+            </a:r>
+          </a:p>
+        </p:txBody>
+      </p:sp>
+      <p:sp>
+        <p:nvSpPr>
+          <p:cNvPr id="66" name="TextBox 65">
+            <a:extLst>
+              <a:ext uri="{FF2B5EF4-FFF2-40B4-BE49-F238E27FC236}">
+                <a16:creationId xmlns:a16="http://schemas.microsoft.com/office/drawing/2014/main" id="{01A01D85-1F46-734D-B968-FC86F57C9C68}"/>
+              </a:ext>
+            </a:extLst>
+          </p:cNvPr>
+          <p:cNvSpPr txBox="1"/>
+          <p:nvPr/>
+        </p:nvSpPr>
+        <p:spPr>
+          <a:xfrm>
+            <a:off x="1175657" y="47896"/>
+            <a:ext cx="10084525" cy="369332"/>
+          </a:xfrm>
+          <a:prstGeom prst="rect">
+            <a:avLst/>
+          </a:prstGeom>
+          <a:noFill/>
+        </p:spPr>
+        <p:txBody>
+          <a:bodyPr wrap="square" rtlCol="0">
+            <a:spAutoFit/>
+          </a:bodyPr>
+          <a:lstStyle/>
+          <a:p>
+            <a:r>
+              <a:rPr lang="en-US" dirty="0"/>
+              <a:t>Search Service With Multiple Server Deployment in clusters for Scalability and Availability</a:t>
+            </a:r>
+          </a:p>
+        </p:txBody>
+      </p:sp>
+      <p:sp>
+        <p:nvSpPr>
+          <p:cNvPr id="67" name="Rounded Rectangle 66">
+            <a:extLst>
+              <a:ext uri="{FF2B5EF4-FFF2-40B4-BE49-F238E27FC236}">
+                <a16:creationId xmlns:a16="http://schemas.microsoft.com/office/drawing/2014/main" id="{CDD74C89-6111-EE48-AFD5-B8A3E37D5F98}"/>
+              </a:ext>
+            </a:extLst>
+          </p:cNvPr>
+          <p:cNvSpPr/>
+          <p:nvPr/>
+        </p:nvSpPr>
+        <p:spPr>
+          <a:xfrm>
+            <a:off x="10759439" y="1244540"/>
+            <a:ext cx="674914" cy="452845"/>
+          </a:xfrm>
+          <a:prstGeom prst="roundRect">
+            <a:avLst/>
+          </a:prstGeom>
+        </p:spPr>
+        <p:style>
+          <a:lnRef idx="2">
+            <a:schemeClr val="accent1">
+              <a:shade val="50000"/>
+            </a:schemeClr>
+          </a:lnRef>
+          <a:fillRef idx="1">
+            <a:schemeClr val="accent1"/>
+          </a:fillRef>
+          <a:effectRef idx="0">
+            <a:schemeClr val="accent1"/>
+          </a:effectRef>
+          <a:fontRef idx="minor">
+            <a:schemeClr val="lt1"/>
+          </a:fontRef>
+        </p:style>
+        <p:txBody>
+          <a:bodyPr rtlCol="0" anchor="ctr"/>
+          <a:lstStyle/>
+          <a:p>
+            <a:pPr algn="ctr"/>
+            <a:endParaRPr lang="en-US"/>
+          </a:p>
+        </p:txBody>
+      </p:sp>
+      <p:sp>
+        <p:nvSpPr>
+          <p:cNvPr id="68" name="Up-down Arrow 67">
+            <a:extLst>
+              <a:ext uri="{FF2B5EF4-FFF2-40B4-BE49-F238E27FC236}">
+                <a16:creationId xmlns:a16="http://schemas.microsoft.com/office/drawing/2014/main" id="{F4712F90-D587-9B40-92CD-3AEAD17139FD}"/>
+              </a:ext>
+            </a:extLst>
+          </p:cNvPr>
+          <p:cNvSpPr/>
+          <p:nvPr/>
+        </p:nvSpPr>
+        <p:spPr>
+          <a:xfrm>
+            <a:off x="10957559" y="1706427"/>
+            <a:ext cx="278674" cy="424244"/>
+          </a:xfrm>
+          <a:prstGeom prst="upDownArrow">
+            <a:avLst/>
+          </a:prstGeom>
+        </p:spPr>
+        <p:style>
+          <a:lnRef idx="2">
+            <a:schemeClr val="accent1">
+              <a:shade val="50000"/>
+            </a:schemeClr>
+          </a:lnRef>
+          <a:fillRef idx="1">
+            <a:schemeClr val="accent1"/>
+          </a:fillRef>
+          <a:effectRef idx="0">
+            <a:schemeClr val="accent1"/>
+          </a:effectRef>
+          <a:fontRef idx="minor">
+            <a:schemeClr val="lt1"/>
+          </a:fontRef>
+        </p:style>
+        <p:txBody>
+          <a:bodyPr rtlCol="0" anchor="ctr"/>
+          <a:lstStyle/>
+          <a:p>
+            <a:pPr algn="ctr"/>
+            <a:endParaRPr lang="en-US"/>
+          </a:p>
+        </p:txBody>
+      </p:sp>
+      <p:sp>
+        <p:nvSpPr>
+          <p:cNvPr id="69" name="Rounded Rectangle 68">
+            <a:extLst>
+              <a:ext uri="{FF2B5EF4-FFF2-40B4-BE49-F238E27FC236}">
+                <a16:creationId xmlns:a16="http://schemas.microsoft.com/office/drawing/2014/main" id="{C3DEA518-EEDD-8A4A-8BE4-12AD51EDDB16}"/>
+              </a:ext>
+            </a:extLst>
+          </p:cNvPr>
+          <p:cNvSpPr/>
+          <p:nvPr/>
+        </p:nvSpPr>
+        <p:spPr>
+          <a:xfrm>
+            <a:off x="9099368" y="1254735"/>
+            <a:ext cx="674914" cy="452845"/>
+          </a:xfrm>
+          <a:prstGeom prst="roundRect">
+            <a:avLst/>
+          </a:prstGeom>
+        </p:spPr>
+        <p:style>
+          <a:lnRef idx="2">
+            <a:schemeClr val="accent1">
+              <a:shade val="50000"/>
+            </a:schemeClr>
+          </a:lnRef>
+          <a:fillRef idx="1">
+            <a:schemeClr val="accent1"/>
+          </a:fillRef>
+          <a:effectRef idx="0">
+            <a:schemeClr val="accent1"/>
+          </a:effectRef>
+          <a:fontRef idx="minor">
+            <a:schemeClr val="lt1"/>
+          </a:fontRef>
+        </p:style>
+        <p:txBody>
+          <a:bodyPr rtlCol="0" anchor="ctr"/>
+          <a:lstStyle/>
+          <a:p>
+            <a:pPr algn="ctr"/>
+            <a:endParaRPr lang="en-US"/>
+          </a:p>
+        </p:txBody>
+      </p:sp>
+      <p:sp>
+        <p:nvSpPr>
+          <p:cNvPr id="70" name="Up-down Arrow 69">
+            <a:extLst>
+              <a:ext uri="{FF2B5EF4-FFF2-40B4-BE49-F238E27FC236}">
+                <a16:creationId xmlns:a16="http://schemas.microsoft.com/office/drawing/2014/main" id="{FD883809-3FE8-934F-A732-0329B9FF0074}"/>
+              </a:ext>
+            </a:extLst>
+          </p:cNvPr>
+          <p:cNvSpPr/>
+          <p:nvPr/>
+        </p:nvSpPr>
+        <p:spPr>
+          <a:xfrm>
+            <a:off x="9297488" y="1716622"/>
+            <a:ext cx="278674" cy="424244"/>
+          </a:xfrm>
+          <a:prstGeom prst="upDownArrow">
+            <a:avLst/>
+          </a:prstGeom>
+        </p:spPr>
+        <p:style>
+          <a:lnRef idx="2">
+            <a:schemeClr val="accent1">
+              <a:shade val="50000"/>
+            </a:schemeClr>
+          </a:lnRef>
+          <a:fillRef idx="1">
+            <a:schemeClr val="accent1"/>
+          </a:fillRef>
+          <a:effectRef idx="0">
+            <a:schemeClr val="accent1"/>
+          </a:effectRef>
+          <a:fontRef idx="minor">
+            <a:schemeClr val="lt1"/>
+          </a:fontRef>
+        </p:style>
+        <p:txBody>
+          <a:bodyPr rtlCol="0" anchor="ctr"/>
+          <a:lstStyle/>
+          <a:p>
+            <a:pPr algn="ctr"/>
+            <a:endParaRPr lang="en-US"/>
+          </a:p>
+        </p:txBody>
+      </p:sp>
+      <p:sp>
+        <p:nvSpPr>
+          <p:cNvPr id="73" name="Rounded Rectangle 72">
+            <a:extLst>
+              <a:ext uri="{FF2B5EF4-FFF2-40B4-BE49-F238E27FC236}">
+                <a16:creationId xmlns:a16="http://schemas.microsoft.com/office/drawing/2014/main" id="{3E42E7F1-DE57-1141-B488-895AD84917E2}"/>
+              </a:ext>
+            </a:extLst>
+          </p:cNvPr>
+          <p:cNvSpPr/>
+          <p:nvPr/>
+        </p:nvSpPr>
+        <p:spPr>
+          <a:xfrm>
+            <a:off x="7188380" y="1254735"/>
+            <a:ext cx="674914" cy="452845"/>
+          </a:xfrm>
+          <a:prstGeom prst="roundRect">
+            <a:avLst/>
+          </a:prstGeom>
+        </p:spPr>
+        <p:style>
+          <a:lnRef idx="2">
+            <a:schemeClr val="accent1">
+              <a:shade val="50000"/>
+            </a:schemeClr>
+          </a:lnRef>
+          <a:fillRef idx="1">
+            <a:schemeClr val="accent1"/>
+          </a:fillRef>
+          <a:effectRef idx="0">
+            <a:schemeClr val="accent1"/>
+          </a:effectRef>
+          <a:fontRef idx="minor">
+            <a:schemeClr val="lt1"/>
+          </a:fontRef>
+        </p:style>
+        <p:txBody>
+          <a:bodyPr rtlCol="0" anchor="ctr"/>
+          <a:lstStyle/>
+          <a:p>
+            <a:pPr algn="ctr"/>
+            <a:endParaRPr lang="en-US"/>
+          </a:p>
+        </p:txBody>
+      </p:sp>
+      <p:sp>
+        <p:nvSpPr>
+          <p:cNvPr id="74" name="Up-down Arrow 73">
+            <a:extLst>
+              <a:ext uri="{FF2B5EF4-FFF2-40B4-BE49-F238E27FC236}">
+                <a16:creationId xmlns:a16="http://schemas.microsoft.com/office/drawing/2014/main" id="{AC3988A1-0BCA-E749-B953-9096BEE2EED4}"/>
+              </a:ext>
+            </a:extLst>
+          </p:cNvPr>
+          <p:cNvSpPr/>
+          <p:nvPr/>
+        </p:nvSpPr>
+        <p:spPr>
+          <a:xfrm>
+            <a:off x="7386500" y="1716622"/>
+            <a:ext cx="278674" cy="424244"/>
+          </a:xfrm>
+          <a:prstGeom prst="upDownArrow">
+            <a:avLst/>
+          </a:prstGeom>
+        </p:spPr>
+        <p:style>
+          <a:lnRef idx="2">
+            <a:schemeClr val="accent1">
+              <a:shade val="50000"/>
+            </a:schemeClr>
+          </a:lnRef>
+          <a:fillRef idx="1">
+            <a:schemeClr val="accent1"/>
+          </a:fillRef>
+          <a:effectRef idx="0">
+            <a:schemeClr val="accent1"/>
+          </a:effectRef>
+          <a:fontRef idx="minor">
+            <a:schemeClr val="lt1"/>
+          </a:fontRef>
+        </p:style>
+        <p:txBody>
+          <a:bodyPr rtlCol="0" anchor="ctr"/>
+          <a:lstStyle/>
+          <a:p>
+            <a:pPr algn="ctr"/>
+            <a:endParaRPr lang="en-US"/>
+          </a:p>
+        </p:txBody>
+      </p:sp>
+      <p:sp>
+        <p:nvSpPr>
+          <p:cNvPr id="75" name="Rounded Rectangle 74">
+            <a:extLst>
+              <a:ext uri="{FF2B5EF4-FFF2-40B4-BE49-F238E27FC236}">
+                <a16:creationId xmlns:a16="http://schemas.microsoft.com/office/drawing/2014/main" id="{A9A1A5B0-7576-AD41-9556-63680EED750D}"/>
+              </a:ext>
+            </a:extLst>
+          </p:cNvPr>
+          <p:cNvSpPr/>
+          <p:nvPr/>
+        </p:nvSpPr>
+        <p:spPr>
+          <a:xfrm>
+            <a:off x="5316036" y="1245243"/>
+            <a:ext cx="674914" cy="452845"/>
+          </a:xfrm>
+          <a:prstGeom prst="roundRect">
+            <a:avLst/>
+          </a:prstGeom>
+        </p:spPr>
+        <p:style>
+          <a:lnRef idx="2">
+            <a:schemeClr val="accent1">
+              <a:shade val="50000"/>
+            </a:schemeClr>
+          </a:lnRef>
+          <a:fillRef idx="1">
+            <a:schemeClr val="accent1"/>
+          </a:fillRef>
+          <a:effectRef idx="0">
+            <a:schemeClr val="accent1"/>
+          </a:effectRef>
+          <a:fontRef idx="minor">
+            <a:schemeClr val="lt1"/>
+          </a:fontRef>
+        </p:style>
+        <p:txBody>
+          <a:bodyPr rtlCol="0" anchor="ctr"/>
+          <a:lstStyle/>
+          <a:p>
+            <a:pPr algn="ctr"/>
+            <a:endParaRPr lang="en-US"/>
+          </a:p>
+        </p:txBody>
+      </p:sp>
+      <p:sp>
+        <p:nvSpPr>
+          <p:cNvPr id="76" name="Up-down Arrow 75">
+            <a:extLst>
+              <a:ext uri="{FF2B5EF4-FFF2-40B4-BE49-F238E27FC236}">
+                <a16:creationId xmlns:a16="http://schemas.microsoft.com/office/drawing/2014/main" id="{DBBE70E7-562D-484D-82E0-9CECF05DBCBE}"/>
+              </a:ext>
+            </a:extLst>
+          </p:cNvPr>
+          <p:cNvSpPr/>
+          <p:nvPr/>
+        </p:nvSpPr>
+        <p:spPr>
+          <a:xfrm>
+            <a:off x="5514156" y="1707130"/>
+            <a:ext cx="278674" cy="424244"/>
+          </a:xfrm>
+          <a:prstGeom prst="upDownArrow">
+            <a:avLst/>
+          </a:prstGeom>
+        </p:spPr>
+        <p:style>
+          <a:lnRef idx="2">
+            <a:schemeClr val="accent1">
+              <a:shade val="50000"/>
+            </a:schemeClr>
+          </a:lnRef>
+          <a:fillRef idx="1">
+            <a:schemeClr val="accent1"/>
+          </a:fillRef>
+          <a:effectRef idx="0">
+            <a:schemeClr val="accent1"/>
+          </a:effectRef>
+          <a:fontRef idx="minor">
+            <a:schemeClr val="lt1"/>
+          </a:fontRef>
+        </p:style>
+        <p:txBody>
+          <a:bodyPr rtlCol="0" anchor="ctr"/>
+          <a:lstStyle/>
+          <a:p>
+            <a:pPr algn="ctr"/>
+            <a:endParaRPr lang="en-US"/>
+          </a:p>
+        </p:txBody>
+      </p:sp>
+      <p:sp>
+        <p:nvSpPr>
+          <p:cNvPr id="77" name="Rounded Rectangle 76">
+            <a:extLst>
+              <a:ext uri="{FF2B5EF4-FFF2-40B4-BE49-F238E27FC236}">
+                <a16:creationId xmlns:a16="http://schemas.microsoft.com/office/drawing/2014/main" id="{CE5036A4-EA2A-EC49-AE7F-809032284636}"/>
+              </a:ext>
+            </a:extLst>
+          </p:cNvPr>
+          <p:cNvSpPr/>
+          <p:nvPr/>
+        </p:nvSpPr>
+        <p:spPr>
+          <a:xfrm>
+            <a:off x="3463018" y="1260529"/>
+            <a:ext cx="674914" cy="452845"/>
+          </a:xfrm>
+          <a:prstGeom prst="roundRect">
+            <a:avLst/>
+          </a:prstGeom>
+        </p:spPr>
+        <p:style>
+          <a:lnRef idx="2">
+            <a:schemeClr val="accent1">
+              <a:shade val="50000"/>
+            </a:schemeClr>
+          </a:lnRef>
+          <a:fillRef idx="1">
+            <a:schemeClr val="accent1"/>
+          </a:fillRef>
+          <a:effectRef idx="0">
+            <a:schemeClr val="accent1"/>
+          </a:effectRef>
+          <a:fontRef idx="minor">
+            <a:schemeClr val="lt1"/>
+          </a:fontRef>
+        </p:style>
+        <p:txBody>
+          <a:bodyPr rtlCol="0" anchor="ctr"/>
+          <a:lstStyle/>
+          <a:p>
+            <a:pPr algn="ctr"/>
+            <a:endParaRPr lang="en-US"/>
+          </a:p>
+        </p:txBody>
+      </p:sp>
+      <p:sp>
+        <p:nvSpPr>
+          <p:cNvPr id="78" name="Up-down Arrow 77">
+            <a:extLst>
+              <a:ext uri="{FF2B5EF4-FFF2-40B4-BE49-F238E27FC236}">
+                <a16:creationId xmlns:a16="http://schemas.microsoft.com/office/drawing/2014/main" id="{270B80C0-BD81-BF48-9B50-0CD68FCCB629}"/>
+              </a:ext>
+            </a:extLst>
+          </p:cNvPr>
+          <p:cNvSpPr/>
+          <p:nvPr/>
+        </p:nvSpPr>
+        <p:spPr>
+          <a:xfrm>
+            <a:off x="3661138" y="1722416"/>
+            <a:ext cx="278674" cy="424244"/>
+          </a:xfrm>
+          <a:prstGeom prst="upDownArrow">
+            <a:avLst/>
+          </a:prstGeom>
+        </p:spPr>
+        <p:style>
+          <a:lnRef idx="2">
+            <a:schemeClr val="accent1">
+              <a:shade val="50000"/>
+            </a:schemeClr>
+          </a:lnRef>
+          <a:fillRef idx="1">
+            <a:schemeClr val="accent1"/>
+          </a:fillRef>
+          <a:effectRef idx="0">
+            <a:schemeClr val="accent1"/>
+          </a:effectRef>
+          <a:fontRef idx="minor">
+            <a:schemeClr val="lt1"/>
+          </a:fontRef>
+        </p:style>
+        <p:txBody>
+          <a:bodyPr rtlCol="0" anchor="ctr"/>
+          <a:lstStyle/>
+          <a:p>
+            <a:pPr algn="ctr"/>
+            <a:endParaRPr lang="en-US"/>
+          </a:p>
+        </p:txBody>
+      </p:sp>
+      <p:sp>
+        <p:nvSpPr>
+          <p:cNvPr id="79" name="Rounded Rectangle 78">
+            <a:extLst>
+              <a:ext uri="{FF2B5EF4-FFF2-40B4-BE49-F238E27FC236}">
+                <a16:creationId xmlns:a16="http://schemas.microsoft.com/office/drawing/2014/main" id="{8B756974-FA80-234C-BEA4-E4776B744736}"/>
+              </a:ext>
+            </a:extLst>
+          </p:cNvPr>
+          <p:cNvSpPr/>
+          <p:nvPr/>
+        </p:nvSpPr>
+        <p:spPr>
+          <a:xfrm>
+            <a:off x="1701981" y="1253379"/>
+            <a:ext cx="674914" cy="452845"/>
+          </a:xfrm>
+          <a:prstGeom prst="roundRect">
+            <a:avLst/>
+          </a:prstGeom>
+        </p:spPr>
+        <p:style>
+          <a:lnRef idx="2">
+            <a:schemeClr val="accent1">
+              <a:shade val="50000"/>
+            </a:schemeClr>
+          </a:lnRef>
+          <a:fillRef idx="1">
+            <a:schemeClr val="accent1"/>
+          </a:fillRef>
+          <a:effectRef idx="0">
+            <a:schemeClr val="accent1"/>
+          </a:effectRef>
+          <a:fontRef idx="minor">
+            <a:schemeClr val="lt1"/>
+          </a:fontRef>
+        </p:style>
+        <p:txBody>
+          <a:bodyPr rtlCol="0" anchor="ctr"/>
+          <a:lstStyle/>
+          <a:p>
+            <a:pPr algn="ctr"/>
+            <a:endParaRPr lang="en-US"/>
+          </a:p>
+        </p:txBody>
+      </p:sp>
+      <p:sp>
+        <p:nvSpPr>
+          <p:cNvPr id="80" name="Up-down Arrow 79">
+            <a:extLst>
+              <a:ext uri="{FF2B5EF4-FFF2-40B4-BE49-F238E27FC236}">
+                <a16:creationId xmlns:a16="http://schemas.microsoft.com/office/drawing/2014/main" id="{D6B31E16-6744-0D4C-BE92-12182C04827F}"/>
+              </a:ext>
+            </a:extLst>
+          </p:cNvPr>
+          <p:cNvSpPr/>
+          <p:nvPr/>
+        </p:nvSpPr>
+        <p:spPr>
+          <a:xfrm>
+            <a:off x="1900101" y="1715266"/>
+            <a:ext cx="278674" cy="424244"/>
+          </a:xfrm>
+          <a:prstGeom prst="upDownArrow">
+            <a:avLst/>
+          </a:prstGeom>
+        </p:spPr>
+        <p:style>
+          <a:lnRef idx="2">
+            <a:schemeClr val="accent1">
+              <a:shade val="50000"/>
+            </a:schemeClr>
+          </a:lnRef>
+          <a:fillRef idx="1">
+            <a:schemeClr val="accent1"/>
+          </a:fillRef>
+          <a:effectRef idx="0">
+            <a:schemeClr val="accent1"/>
+          </a:effectRef>
+          <a:fontRef idx="minor">
+            <a:schemeClr val="lt1"/>
+          </a:fontRef>
+        </p:style>
+        <p:txBody>
+          <a:bodyPr rtlCol="0" anchor="ctr"/>
+          <a:lstStyle/>
+          <a:p>
+            <a:pPr algn="ctr"/>
+            <a:endParaRPr lang="en-US"/>
+          </a:p>
+        </p:txBody>
+      </p:sp>
+      <p:sp>
+        <p:nvSpPr>
+          <p:cNvPr id="115" name="Rounded Rectangle 114">
+            <a:extLst>
+              <a:ext uri="{FF2B5EF4-FFF2-40B4-BE49-F238E27FC236}">
+                <a16:creationId xmlns:a16="http://schemas.microsoft.com/office/drawing/2014/main" id="{A4F6E9C2-F1F8-FE43-8676-CF9006B5EADF}"/>
+              </a:ext>
+            </a:extLst>
+          </p:cNvPr>
+          <p:cNvSpPr/>
+          <p:nvPr/>
+        </p:nvSpPr>
+        <p:spPr>
+          <a:xfrm>
+            <a:off x="7455625" y="2752811"/>
+            <a:ext cx="1384662" cy="1114697"/>
+          </a:xfrm>
+          <a:prstGeom prst="roundRect">
+            <a:avLst/>
+          </a:prstGeom>
+        </p:spPr>
+        <p:style>
+          <a:lnRef idx="2">
+            <a:schemeClr val="accent1">
+              <a:shade val="50000"/>
+            </a:schemeClr>
+          </a:lnRef>
+          <a:fillRef idx="1">
+            <a:schemeClr val="accent1"/>
+          </a:fillRef>
+          <a:effectRef idx="0">
+            <a:schemeClr val="accent1"/>
+          </a:effectRef>
+          <a:fontRef idx="minor">
+            <a:schemeClr val="lt1"/>
+          </a:fontRef>
+        </p:style>
+        <p:txBody>
+          <a:bodyPr rtlCol="0" anchor="ctr"/>
+          <a:lstStyle/>
+          <a:p>
+            <a:pPr algn="ctr"/>
+            <a:r>
+              <a:rPr lang="en-US" sz="1000" dirty="0"/>
+              <a:t>Search Service</a:t>
+            </a:r>
+          </a:p>
+          <a:p>
+            <a:pPr algn="ctr"/>
+            <a:r>
+              <a:rPr lang="en-US" sz="1000" dirty="0"/>
+              <a:t>Server 4</a:t>
+            </a:r>
+          </a:p>
+          <a:p>
+            <a:pPr algn="ctr"/>
+            <a:r>
+              <a:rPr lang="en-US" sz="1000" dirty="0"/>
+              <a:t>Biz Logic, Data Access, Security</a:t>
+            </a:r>
+          </a:p>
+        </p:txBody>
+      </p:sp>
+      <p:sp>
+        <p:nvSpPr>
+          <p:cNvPr id="116" name="Up-down Arrow 115">
+            <a:extLst>
+              <a:ext uri="{FF2B5EF4-FFF2-40B4-BE49-F238E27FC236}">
+                <a16:creationId xmlns:a16="http://schemas.microsoft.com/office/drawing/2014/main" id="{CE198289-4592-FE4C-B832-E54F269A8D2A}"/>
+              </a:ext>
+            </a:extLst>
+          </p:cNvPr>
+          <p:cNvSpPr/>
+          <p:nvPr/>
+        </p:nvSpPr>
+        <p:spPr>
+          <a:xfrm>
+            <a:off x="8287836" y="2439304"/>
+            <a:ext cx="278674" cy="374469"/>
+          </a:xfrm>
+          <a:prstGeom prst="upDownArrow">
+            <a:avLst/>
+          </a:prstGeom>
+        </p:spPr>
+        <p:style>
+          <a:lnRef idx="2">
+            <a:schemeClr val="accent1">
+              <a:shade val="50000"/>
+            </a:schemeClr>
+          </a:lnRef>
+          <a:fillRef idx="1">
+            <a:schemeClr val="accent1"/>
+          </a:fillRef>
+          <a:effectRef idx="0">
+            <a:schemeClr val="accent1"/>
+          </a:effectRef>
+          <a:fontRef idx="minor">
+            <a:schemeClr val="lt1"/>
+          </a:fontRef>
+        </p:style>
+        <p:txBody>
+          <a:bodyPr rtlCol="0" anchor="ctr"/>
+          <a:lstStyle/>
+          <a:p>
+            <a:pPr algn="ctr"/>
+            <a:endParaRPr lang="en-US"/>
+          </a:p>
+        </p:txBody>
+      </p:sp>
+      <p:sp>
+        <p:nvSpPr>
+          <p:cNvPr id="117" name="Rounded Rectangle 116">
+            <a:extLst>
+              <a:ext uri="{FF2B5EF4-FFF2-40B4-BE49-F238E27FC236}">
+                <a16:creationId xmlns:a16="http://schemas.microsoft.com/office/drawing/2014/main" id="{5A6A6D35-FF72-B946-92C3-D0D473D3736D}"/>
+              </a:ext>
+            </a:extLst>
+          </p:cNvPr>
+          <p:cNvSpPr/>
+          <p:nvPr/>
+        </p:nvSpPr>
+        <p:spPr>
+          <a:xfrm>
+            <a:off x="9107532" y="2758404"/>
+            <a:ext cx="1384662" cy="1114697"/>
+          </a:xfrm>
+          <a:prstGeom prst="roundRect">
+            <a:avLst/>
+          </a:prstGeom>
+        </p:spPr>
+        <p:style>
+          <a:lnRef idx="2">
+            <a:schemeClr val="accent1">
+              <a:shade val="50000"/>
+            </a:schemeClr>
+          </a:lnRef>
+          <a:fillRef idx="1">
+            <a:schemeClr val="accent1"/>
+          </a:fillRef>
+          <a:effectRef idx="0">
+            <a:schemeClr val="accent1"/>
+          </a:effectRef>
+          <a:fontRef idx="minor">
+            <a:schemeClr val="lt1"/>
+          </a:fontRef>
+        </p:style>
+        <p:txBody>
+          <a:bodyPr rtlCol="0" anchor="ctr"/>
+          <a:lstStyle/>
+          <a:p>
+            <a:pPr algn="ctr"/>
+            <a:r>
+              <a:rPr lang="en-US" sz="1000" dirty="0"/>
+              <a:t>Search Service</a:t>
+            </a:r>
+          </a:p>
+          <a:p>
+            <a:pPr algn="ctr"/>
+            <a:r>
+              <a:rPr lang="en-US" sz="1000" dirty="0"/>
+              <a:t>Server 4</a:t>
+            </a:r>
+          </a:p>
+          <a:p>
+            <a:pPr algn="ctr"/>
+            <a:r>
+              <a:rPr lang="en-US" sz="1000" dirty="0"/>
+              <a:t>Biz Logic, Data Access, Security</a:t>
+            </a:r>
+          </a:p>
+        </p:txBody>
+      </p:sp>
+      <p:sp>
+        <p:nvSpPr>
+          <p:cNvPr id="118" name="Up-down Arrow 117">
+            <a:extLst>
+              <a:ext uri="{FF2B5EF4-FFF2-40B4-BE49-F238E27FC236}">
+                <a16:creationId xmlns:a16="http://schemas.microsoft.com/office/drawing/2014/main" id="{E358AA57-5FFF-0047-99B7-D89357A2D0F4}"/>
+              </a:ext>
+            </a:extLst>
+          </p:cNvPr>
+          <p:cNvSpPr/>
+          <p:nvPr/>
+        </p:nvSpPr>
+        <p:spPr>
+          <a:xfrm>
+            <a:off x="9939743" y="2444897"/>
+            <a:ext cx="278674" cy="374469"/>
+          </a:xfrm>
+          <a:prstGeom prst="upDownArrow">
+            <a:avLst/>
+          </a:prstGeom>
+        </p:spPr>
+        <p:style>
+          <a:lnRef idx="2">
+            <a:schemeClr val="accent1">
+              <a:shade val="50000"/>
+            </a:schemeClr>
+          </a:lnRef>
+          <a:fillRef idx="1">
+            <a:schemeClr val="accent1"/>
+          </a:fillRef>
+          <a:effectRef idx="0">
+            <a:schemeClr val="accent1"/>
+          </a:effectRef>
+          <a:fontRef idx="minor">
+            <a:schemeClr val="lt1"/>
+          </a:fontRef>
+        </p:style>
+        <p:txBody>
+          <a:bodyPr rtlCol="0" anchor="ctr"/>
+          <a:lstStyle/>
+          <a:p>
+            <a:pPr algn="ctr"/>
+            <a:endParaRPr lang="en-US"/>
+          </a:p>
+        </p:txBody>
+      </p:sp>
+      <p:cxnSp>
+        <p:nvCxnSpPr>
+          <p:cNvPr id="120" name="Straight Arrow Connector 119">
+            <a:extLst>
+              <a:ext uri="{FF2B5EF4-FFF2-40B4-BE49-F238E27FC236}">
+                <a16:creationId xmlns:a16="http://schemas.microsoft.com/office/drawing/2014/main" id="{99E3C15A-80B2-6648-8773-D17D434E13F5}"/>
+              </a:ext>
+            </a:extLst>
+          </p:cNvPr>
+          <p:cNvCxnSpPr>
+            <a:stCxn id="115" idx="2"/>
+            <a:endCxn id="2" idx="1"/>
+          </p:cNvCxnSpPr>
+          <p:nvPr/>
+        </p:nvCxnSpPr>
+        <p:spPr>
+          <a:xfrm flipH="1">
+            <a:off x="1979024" y="3867508"/>
+            <a:ext cx="6168932" cy="1253131"/>
+          </a:xfrm>
+          <a:prstGeom prst="straightConnector1">
+            <a:avLst/>
+          </a:prstGeom>
+          <a:ln>
+            <a:tailEnd type="triangle"/>
+          </a:ln>
+        </p:spPr>
+        <p:style>
+          <a:lnRef idx="1">
+            <a:schemeClr val="accent1"/>
+          </a:lnRef>
+          <a:fillRef idx="0">
+            <a:schemeClr val="accent1"/>
+          </a:fillRef>
+          <a:effectRef idx="0">
+            <a:schemeClr val="accent1"/>
+          </a:effectRef>
+          <a:fontRef idx="minor">
+            <a:schemeClr val="tx1"/>
+          </a:fontRef>
+        </p:style>
+      </p:cxnSp>
+      <p:cxnSp>
+        <p:nvCxnSpPr>
+          <p:cNvPr id="122" name="Straight Arrow Connector 121">
+            <a:extLst>
+              <a:ext uri="{FF2B5EF4-FFF2-40B4-BE49-F238E27FC236}">
+                <a16:creationId xmlns:a16="http://schemas.microsoft.com/office/drawing/2014/main" id="{163A0332-4956-8B4A-BAB0-11BA959E122D}"/>
+              </a:ext>
+            </a:extLst>
+          </p:cNvPr>
+          <p:cNvCxnSpPr>
+            <a:stCxn id="115" idx="2"/>
+          </p:cNvCxnSpPr>
+          <p:nvPr/>
+        </p:nvCxnSpPr>
+        <p:spPr>
+          <a:xfrm flipH="1">
+            <a:off x="4800601" y="3867508"/>
+            <a:ext cx="3347355" cy="1182808"/>
+          </a:xfrm>
+          <a:prstGeom prst="straightConnector1">
+            <a:avLst/>
+          </a:prstGeom>
+          <a:ln>
+            <a:tailEnd type="triangle"/>
+          </a:ln>
+        </p:spPr>
+        <p:style>
+          <a:lnRef idx="1">
+            <a:schemeClr val="accent1"/>
+          </a:lnRef>
+          <a:fillRef idx="0">
+            <a:schemeClr val="accent1"/>
+          </a:fillRef>
+          <a:effectRef idx="0">
+            <a:schemeClr val="accent1"/>
+          </a:effectRef>
+          <a:fontRef idx="minor">
+            <a:schemeClr val="tx1"/>
+          </a:fontRef>
+        </p:style>
+      </p:cxnSp>
+      <p:cxnSp>
+        <p:nvCxnSpPr>
+          <p:cNvPr id="124" name="Straight Arrow Connector 123">
+            <a:extLst>
+              <a:ext uri="{FF2B5EF4-FFF2-40B4-BE49-F238E27FC236}">
+                <a16:creationId xmlns:a16="http://schemas.microsoft.com/office/drawing/2014/main" id="{B5BA854E-7847-3441-B67F-CE4E6DF302B0}"/>
+              </a:ext>
+            </a:extLst>
+          </p:cNvPr>
+          <p:cNvCxnSpPr>
+            <a:stCxn id="115" idx="2"/>
+            <a:endCxn id="4" idx="1"/>
+          </p:cNvCxnSpPr>
+          <p:nvPr/>
+        </p:nvCxnSpPr>
+        <p:spPr>
+          <a:xfrm flipH="1">
+            <a:off x="7815942" y="3867508"/>
+            <a:ext cx="332014" cy="1253132"/>
+          </a:xfrm>
+          <a:prstGeom prst="straightConnector1">
+            <a:avLst/>
+          </a:prstGeom>
+          <a:ln>
+            <a:tailEnd type="triangle"/>
+          </a:ln>
+        </p:spPr>
+        <p:style>
+          <a:lnRef idx="1">
+            <a:schemeClr val="accent1"/>
+          </a:lnRef>
+          <a:fillRef idx="0">
+            <a:schemeClr val="accent1"/>
+          </a:fillRef>
+          <a:effectRef idx="0">
+            <a:schemeClr val="accent1"/>
+          </a:effectRef>
+          <a:fontRef idx="minor">
+            <a:schemeClr val="tx1"/>
+          </a:fontRef>
+        </p:style>
+      </p:cxnSp>
+      <p:cxnSp>
+        <p:nvCxnSpPr>
+          <p:cNvPr id="126" name="Straight Arrow Connector 125">
+            <a:extLst>
+              <a:ext uri="{FF2B5EF4-FFF2-40B4-BE49-F238E27FC236}">
+                <a16:creationId xmlns:a16="http://schemas.microsoft.com/office/drawing/2014/main" id="{7EB8C3F0-73F7-7D44-90BB-30AFC3A1B526}"/>
+              </a:ext>
+            </a:extLst>
+          </p:cNvPr>
+          <p:cNvCxnSpPr>
+            <a:stCxn id="115" idx="2"/>
+            <a:endCxn id="5" idx="1"/>
+          </p:cNvCxnSpPr>
+          <p:nvPr/>
+        </p:nvCxnSpPr>
+        <p:spPr>
+          <a:xfrm>
+            <a:off x="8147956" y="3867508"/>
+            <a:ext cx="2446021" cy="1148629"/>
+          </a:xfrm>
+          <a:prstGeom prst="straightConnector1">
+            <a:avLst/>
+          </a:prstGeom>
+          <a:ln>
+            <a:tailEnd type="triangle"/>
+          </a:ln>
+        </p:spPr>
+        <p:style>
+          <a:lnRef idx="1">
+            <a:schemeClr val="accent1"/>
+          </a:lnRef>
+          <a:fillRef idx="0">
+            <a:schemeClr val="accent1"/>
+          </a:fillRef>
+          <a:effectRef idx="0">
+            <a:schemeClr val="accent1"/>
+          </a:effectRef>
+          <a:fontRef idx="minor">
+            <a:schemeClr val="tx1"/>
+          </a:fontRef>
+        </p:style>
+      </p:cxnSp>
+      <p:cxnSp>
+        <p:nvCxnSpPr>
+          <p:cNvPr id="128" name="Straight Arrow Connector 127">
+            <a:extLst>
+              <a:ext uri="{FF2B5EF4-FFF2-40B4-BE49-F238E27FC236}">
+                <a16:creationId xmlns:a16="http://schemas.microsoft.com/office/drawing/2014/main" id="{220AB83E-9E7D-904F-8894-F03995CF11D2}"/>
+              </a:ext>
+            </a:extLst>
+          </p:cNvPr>
+          <p:cNvCxnSpPr>
+            <a:stCxn id="117" idx="2"/>
+            <a:endCxn id="2" idx="1"/>
+          </p:cNvCxnSpPr>
+          <p:nvPr/>
+        </p:nvCxnSpPr>
+        <p:spPr>
+          <a:xfrm flipH="1">
+            <a:off x="1979024" y="3873101"/>
+            <a:ext cx="7820839" cy="1247538"/>
+          </a:xfrm>
+          <a:prstGeom prst="straightConnector1">
+            <a:avLst/>
+          </a:prstGeom>
+          <a:ln>
+            <a:tailEnd type="triangle"/>
+          </a:ln>
+        </p:spPr>
+        <p:style>
+          <a:lnRef idx="1">
+            <a:schemeClr val="accent1"/>
+          </a:lnRef>
+          <a:fillRef idx="0">
+            <a:schemeClr val="accent1"/>
+          </a:fillRef>
+          <a:effectRef idx="0">
+            <a:schemeClr val="accent1"/>
+          </a:effectRef>
+          <a:fontRef idx="minor">
+            <a:schemeClr val="tx1"/>
+          </a:fontRef>
+        </p:style>
+      </p:cxnSp>
+      <p:cxnSp>
+        <p:nvCxnSpPr>
+          <p:cNvPr id="130" name="Straight Arrow Connector 129">
+            <a:extLst>
+              <a:ext uri="{FF2B5EF4-FFF2-40B4-BE49-F238E27FC236}">
+                <a16:creationId xmlns:a16="http://schemas.microsoft.com/office/drawing/2014/main" id="{A9A9F1BA-C4B4-5244-AD51-400AC140EB5A}"/>
+              </a:ext>
+            </a:extLst>
+          </p:cNvPr>
+          <p:cNvCxnSpPr>
+            <a:stCxn id="117" idx="2"/>
+          </p:cNvCxnSpPr>
+          <p:nvPr/>
+        </p:nvCxnSpPr>
+        <p:spPr>
+          <a:xfrm flipH="1">
+            <a:off x="4796518" y="3873101"/>
+            <a:ext cx="5003345" cy="1192167"/>
+          </a:xfrm>
+          <a:prstGeom prst="straightConnector1">
+            <a:avLst/>
+          </a:prstGeom>
+          <a:ln>
+            <a:tailEnd type="triangle"/>
+          </a:ln>
+        </p:spPr>
+        <p:style>
+          <a:lnRef idx="1">
+            <a:schemeClr val="accent1"/>
+          </a:lnRef>
+          <a:fillRef idx="0">
+            <a:schemeClr val="accent1"/>
+          </a:fillRef>
+          <a:effectRef idx="0">
+            <a:schemeClr val="accent1"/>
+          </a:effectRef>
+          <a:fontRef idx="minor">
+            <a:schemeClr val="tx1"/>
+          </a:fontRef>
+        </p:style>
+      </p:cxnSp>
+      <p:cxnSp>
+        <p:nvCxnSpPr>
+          <p:cNvPr id="132" name="Straight Arrow Connector 131">
+            <a:extLst>
+              <a:ext uri="{FF2B5EF4-FFF2-40B4-BE49-F238E27FC236}">
+                <a16:creationId xmlns:a16="http://schemas.microsoft.com/office/drawing/2014/main" id="{D099847D-437D-FC48-961D-F3DCB8984BD3}"/>
+              </a:ext>
+            </a:extLst>
+          </p:cNvPr>
+          <p:cNvCxnSpPr>
+            <a:stCxn id="117" idx="2"/>
+            <a:endCxn id="4" idx="1"/>
+          </p:cNvCxnSpPr>
+          <p:nvPr/>
+        </p:nvCxnSpPr>
+        <p:spPr>
+          <a:xfrm flipH="1">
+            <a:off x="7815942" y="3873101"/>
+            <a:ext cx="1983921" cy="1247539"/>
+          </a:xfrm>
+          <a:prstGeom prst="straightConnector1">
+            <a:avLst/>
+          </a:prstGeom>
+          <a:ln>
+            <a:tailEnd type="triangle"/>
+          </a:ln>
+        </p:spPr>
+        <p:style>
+          <a:lnRef idx="1">
+            <a:schemeClr val="accent1"/>
+          </a:lnRef>
+          <a:fillRef idx="0">
+            <a:schemeClr val="accent1"/>
+          </a:fillRef>
+          <a:effectRef idx="0">
+            <a:schemeClr val="accent1"/>
+          </a:effectRef>
+          <a:fontRef idx="minor">
+            <a:schemeClr val="tx1"/>
+          </a:fontRef>
+        </p:style>
+      </p:cxnSp>
+      <p:cxnSp>
+        <p:nvCxnSpPr>
+          <p:cNvPr id="134" name="Straight Arrow Connector 133">
+            <a:extLst>
+              <a:ext uri="{FF2B5EF4-FFF2-40B4-BE49-F238E27FC236}">
+                <a16:creationId xmlns:a16="http://schemas.microsoft.com/office/drawing/2014/main" id="{9C0B6357-465C-254A-8DAE-7C7C624E6196}"/>
+              </a:ext>
+            </a:extLst>
+          </p:cNvPr>
+          <p:cNvCxnSpPr>
+            <a:stCxn id="117" idx="2"/>
+            <a:endCxn id="5" idx="1"/>
+          </p:cNvCxnSpPr>
+          <p:nvPr/>
+        </p:nvCxnSpPr>
+        <p:spPr>
+          <a:xfrm>
+            <a:off x="9799863" y="3873101"/>
+            <a:ext cx="794114" cy="1143036"/>
+          </a:xfrm>
+          <a:prstGeom prst="straightConnector1">
+            <a:avLst/>
+          </a:prstGeom>
+          <a:ln>
+            <a:tailEnd type="triangle"/>
+          </a:ln>
+        </p:spPr>
+        <p:style>
+          <a:lnRef idx="1">
+            <a:schemeClr val="accent1"/>
+          </a:lnRef>
+          <a:fillRef idx="0">
+            <a:schemeClr val="accent1"/>
+          </a:fillRef>
+          <a:effectRef idx="0">
+            <a:schemeClr val="accent1"/>
+          </a:effectRef>
+          <a:fontRef idx="minor">
+            <a:schemeClr val="tx1"/>
+          </a:fontRef>
+        </p:style>
+      </p:cxnSp>
+    </p:spTree>
+    <p:extLst>
+      <p:ext uri="{BB962C8B-B14F-4D97-AF65-F5344CB8AC3E}">
+        <p14:creationId xmlns:p14="http://schemas.microsoft.com/office/powerpoint/2010/main" val="724155122"/>
+      </p:ext>
+    </p:extLst>
+  </p:cSld>
+  <p:clrMapOvr>
+    <a:masterClrMapping/>
+  </p:clrMapOvr>
+</p:sld>
+</file>
+
+<file path=ppt/slides/slide54.xml><?xml version="1.0" encoding="utf-8"?>
+<p:sld xmlns:a="http://schemas.openxmlformats.org/drawingml/2006/main" xmlns:r="http://schemas.openxmlformats.org/officeDocument/2006/relationships" xmlns:p="http://schemas.openxmlformats.org/presentationml/2006/main">
+  <p:cSld>
+    <p:spTree>
+      <p:nvGrpSpPr>
+        <p:cNvPr id="1" name=""/>
+        <p:cNvGrpSpPr/>
+        <p:nvPr/>
+      </p:nvGrpSpPr>
+      <p:grpSpPr>
+        <a:xfrm>
+          <a:off x="0" y="0"/>
+          <a:ext cx="0" cy="0"/>
+          <a:chOff x="0" y="0"/>
+          <a:chExt cx="0" cy="0"/>
+        </a:xfrm>
+      </p:grpSpPr>
+      <p:sp>
+        <p:nvSpPr>
+          <p:cNvPr id="2" name="Rounded Rectangle 1">
+            <a:extLst>
+              <a:ext uri="{FF2B5EF4-FFF2-40B4-BE49-F238E27FC236}">
+                <a16:creationId xmlns:a16="http://schemas.microsoft.com/office/drawing/2014/main" id="{F1CAFD27-841E-F149-9DE7-1EDAE7674F3B}"/>
+              </a:ext>
+            </a:extLst>
+          </p:cNvPr>
+          <p:cNvSpPr/>
+          <p:nvPr/>
+        </p:nvSpPr>
+        <p:spPr>
+          <a:xfrm>
+            <a:off x="748937" y="2072640"/>
+            <a:ext cx="2394857" cy="2420983"/>
+          </a:xfrm>
+          <a:prstGeom prst="roundRect">
+            <a:avLst/>
+          </a:prstGeom>
+        </p:spPr>
+        <p:style>
+          <a:lnRef idx="2">
+            <a:schemeClr val="accent1">
+              <a:shade val="50000"/>
+            </a:schemeClr>
+          </a:lnRef>
+          <a:fillRef idx="1">
+            <a:schemeClr val="accent1"/>
+          </a:fillRef>
+          <a:effectRef idx="0">
+            <a:schemeClr val="accent1"/>
+          </a:effectRef>
+          <a:fontRef idx="minor">
+            <a:schemeClr val="lt1"/>
+          </a:fontRef>
+        </p:style>
+        <p:txBody>
+          <a:bodyPr rtlCol="0" anchor="ctr"/>
+          <a:lstStyle/>
+          <a:p>
+            <a:pPr algn="ctr"/>
+            <a:r>
+              <a:rPr lang="en-US" dirty="0"/>
+              <a:t>Vendor Service</a:t>
+            </a:r>
+          </a:p>
+        </p:txBody>
+      </p:sp>
+      <p:sp>
+        <p:nvSpPr>
+          <p:cNvPr id="3" name="Can 2">
+            <a:extLst>
+              <a:ext uri="{FF2B5EF4-FFF2-40B4-BE49-F238E27FC236}">
+                <a16:creationId xmlns:a16="http://schemas.microsoft.com/office/drawing/2014/main" id="{AA1FA6CC-2F19-414E-8193-ADDDA1869E71}"/>
+              </a:ext>
+            </a:extLst>
+          </p:cNvPr>
+          <p:cNvSpPr/>
+          <p:nvPr/>
+        </p:nvSpPr>
+        <p:spPr>
+          <a:xfrm>
+            <a:off x="1114697" y="5007429"/>
+            <a:ext cx="1463040" cy="1419497"/>
+          </a:xfrm>
+          <a:prstGeom prst="can">
+            <a:avLst/>
+          </a:prstGeom>
+        </p:spPr>
+        <p:style>
+          <a:lnRef idx="2">
+            <a:schemeClr val="accent1">
+              <a:shade val="50000"/>
+            </a:schemeClr>
+          </a:lnRef>
+          <a:fillRef idx="1">
+            <a:schemeClr val="accent1"/>
+          </a:fillRef>
+          <a:effectRef idx="0">
+            <a:schemeClr val="accent1"/>
+          </a:effectRef>
+          <a:fontRef idx="minor">
+            <a:schemeClr val="lt1"/>
+          </a:fontRef>
+        </p:style>
+        <p:txBody>
+          <a:bodyPr rtlCol="0" anchor="ctr"/>
+          <a:lstStyle/>
+          <a:p>
+            <a:pPr algn="ctr"/>
+            <a:r>
+              <a:rPr lang="en-US" dirty="0"/>
+              <a:t>Vendor DB</a:t>
+            </a:r>
+          </a:p>
+        </p:txBody>
+      </p:sp>
+      <p:sp>
+        <p:nvSpPr>
+          <p:cNvPr id="4" name="Up-down Arrow 3">
+            <a:extLst>
+              <a:ext uri="{FF2B5EF4-FFF2-40B4-BE49-F238E27FC236}">
+                <a16:creationId xmlns:a16="http://schemas.microsoft.com/office/drawing/2014/main" id="{33AC59EA-25D9-BE4F-A77B-7F719EE0E1BD}"/>
+              </a:ext>
+            </a:extLst>
+          </p:cNvPr>
+          <p:cNvSpPr/>
+          <p:nvPr/>
+        </p:nvSpPr>
+        <p:spPr>
+          <a:xfrm>
+            <a:off x="1837509" y="4493623"/>
+            <a:ext cx="108856" cy="679268"/>
+          </a:xfrm>
+          <a:prstGeom prst="upDownArrow">
+            <a:avLst/>
+          </a:prstGeom>
+        </p:spPr>
+        <p:style>
+          <a:lnRef idx="2">
+            <a:schemeClr val="accent1">
+              <a:shade val="50000"/>
+            </a:schemeClr>
+          </a:lnRef>
+          <a:fillRef idx="1">
+            <a:schemeClr val="accent1"/>
+          </a:fillRef>
+          <a:effectRef idx="0">
+            <a:schemeClr val="accent1"/>
+          </a:effectRef>
+          <a:fontRef idx="minor">
+            <a:schemeClr val="lt1"/>
+          </a:fontRef>
+        </p:style>
+        <p:txBody>
+          <a:bodyPr rtlCol="0" anchor="ctr"/>
+          <a:lstStyle/>
+          <a:p>
+            <a:pPr algn="ctr"/>
+            <a:endParaRPr lang="en-US"/>
+          </a:p>
+        </p:txBody>
+      </p:sp>
+      <p:sp>
+        <p:nvSpPr>
+          <p:cNvPr id="5" name="Rounded Rectangle 4">
+            <a:extLst>
+              <a:ext uri="{FF2B5EF4-FFF2-40B4-BE49-F238E27FC236}">
+                <a16:creationId xmlns:a16="http://schemas.microsoft.com/office/drawing/2014/main" id="{22870D3A-694D-FC4E-824B-1C6FB09DDC1C}"/>
+              </a:ext>
+            </a:extLst>
+          </p:cNvPr>
+          <p:cNvSpPr/>
+          <p:nvPr/>
+        </p:nvSpPr>
+        <p:spPr>
+          <a:xfrm>
+            <a:off x="4232366" y="2072640"/>
+            <a:ext cx="2394857" cy="2420983"/>
+          </a:xfrm>
+          <a:prstGeom prst="roundRect">
+            <a:avLst/>
+          </a:prstGeom>
+        </p:spPr>
+        <p:style>
+          <a:lnRef idx="2">
+            <a:schemeClr val="accent1">
+              <a:shade val="50000"/>
+            </a:schemeClr>
+          </a:lnRef>
+          <a:fillRef idx="1">
+            <a:schemeClr val="accent1"/>
+          </a:fillRef>
+          <a:effectRef idx="0">
+            <a:schemeClr val="accent1"/>
+          </a:effectRef>
+          <a:fontRef idx="minor">
+            <a:schemeClr val="lt1"/>
+          </a:fontRef>
+        </p:style>
+        <p:txBody>
+          <a:bodyPr rtlCol="0" anchor="ctr"/>
+          <a:lstStyle/>
+          <a:p>
+            <a:pPr algn="ctr"/>
+            <a:r>
+              <a:rPr lang="en-US" dirty="0"/>
+              <a:t>Product Service</a:t>
+            </a:r>
+          </a:p>
+        </p:txBody>
+      </p:sp>
+      <p:sp>
+        <p:nvSpPr>
+          <p:cNvPr id="6" name="Can 5">
+            <a:extLst>
+              <a:ext uri="{FF2B5EF4-FFF2-40B4-BE49-F238E27FC236}">
+                <a16:creationId xmlns:a16="http://schemas.microsoft.com/office/drawing/2014/main" id="{D9C9CDAF-C150-4442-A110-116C1E16D2B8}"/>
+              </a:ext>
+            </a:extLst>
+          </p:cNvPr>
+          <p:cNvSpPr/>
+          <p:nvPr/>
+        </p:nvSpPr>
+        <p:spPr>
+          <a:xfrm>
+            <a:off x="4598126" y="5007429"/>
+            <a:ext cx="1463040" cy="1419497"/>
+          </a:xfrm>
+          <a:prstGeom prst="can">
+            <a:avLst/>
+          </a:prstGeom>
+        </p:spPr>
+        <p:style>
+          <a:lnRef idx="2">
+            <a:schemeClr val="accent1">
+              <a:shade val="50000"/>
+            </a:schemeClr>
+          </a:lnRef>
+          <a:fillRef idx="1">
+            <a:schemeClr val="accent1"/>
+          </a:fillRef>
+          <a:effectRef idx="0">
+            <a:schemeClr val="accent1"/>
+          </a:effectRef>
+          <a:fontRef idx="minor">
+            <a:schemeClr val="lt1"/>
+          </a:fontRef>
+        </p:style>
+        <p:txBody>
+          <a:bodyPr rtlCol="0" anchor="ctr"/>
+          <a:lstStyle/>
+          <a:p>
+            <a:pPr algn="ctr"/>
+            <a:r>
+              <a:rPr lang="en-US" dirty="0"/>
+              <a:t>Products DB</a:t>
+            </a:r>
+          </a:p>
+        </p:txBody>
+      </p:sp>
+      <p:sp>
+        <p:nvSpPr>
+          <p:cNvPr id="7" name="Up-down Arrow 6">
+            <a:extLst>
+              <a:ext uri="{FF2B5EF4-FFF2-40B4-BE49-F238E27FC236}">
+                <a16:creationId xmlns:a16="http://schemas.microsoft.com/office/drawing/2014/main" id="{2EE18421-70E8-324E-9611-79E6F7FA9D2B}"/>
+              </a:ext>
+            </a:extLst>
+          </p:cNvPr>
+          <p:cNvSpPr/>
+          <p:nvPr/>
+        </p:nvSpPr>
+        <p:spPr>
+          <a:xfrm>
+            <a:off x="5320938" y="4493623"/>
+            <a:ext cx="108856" cy="679268"/>
+          </a:xfrm>
+          <a:prstGeom prst="upDownArrow">
+            <a:avLst/>
+          </a:prstGeom>
+        </p:spPr>
+        <p:style>
+          <a:lnRef idx="2">
+            <a:schemeClr val="accent1">
+              <a:shade val="50000"/>
+            </a:schemeClr>
+          </a:lnRef>
+          <a:fillRef idx="1">
+            <a:schemeClr val="accent1"/>
+          </a:fillRef>
+          <a:effectRef idx="0">
+            <a:schemeClr val="accent1"/>
+          </a:effectRef>
+          <a:fontRef idx="minor">
+            <a:schemeClr val="lt1"/>
+          </a:fontRef>
+        </p:style>
+        <p:txBody>
+          <a:bodyPr rtlCol="0" anchor="ctr"/>
+          <a:lstStyle/>
+          <a:p>
+            <a:pPr algn="ctr"/>
+            <a:endParaRPr lang="en-US"/>
+          </a:p>
+        </p:txBody>
+      </p:sp>
+      <p:sp>
+        <p:nvSpPr>
+          <p:cNvPr id="8" name="Rounded Rectangle 7">
+            <a:extLst>
+              <a:ext uri="{FF2B5EF4-FFF2-40B4-BE49-F238E27FC236}">
+                <a16:creationId xmlns:a16="http://schemas.microsoft.com/office/drawing/2014/main" id="{9F2AAB5D-AF84-7E46-882A-F6EB58F9ED03}"/>
+              </a:ext>
+            </a:extLst>
+          </p:cNvPr>
+          <p:cNvSpPr/>
+          <p:nvPr/>
+        </p:nvSpPr>
+        <p:spPr>
+          <a:xfrm>
+            <a:off x="8499567" y="1907178"/>
+            <a:ext cx="2699658" cy="2420983"/>
+          </a:xfrm>
+          <a:prstGeom prst="roundRect">
+            <a:avLst/>
+          </a:prstGeom>
+        </p:spPr>
+        <p:style>
+          <a:lnRef idx="2">
+            <a:schemeClr val="accent1">
+              <a:shade val="50000"/>
+            </a:schemeClr>
+          </a:lnRef>
+          <a:fillRef idx="1">
+            <a:schemeClr val="accent1"/>
+          </a:fillRef>
+          <a:effectRef idx="0">
+            <a:schemeClr val="accent1"/>
+          </a:effectRef>
+          <a:fontRef idx="minor">
+            <a:schemeClr val="lt1"/>
+          </a:fontRef>
+        </p:style>
+        <p:txBody>
+          <a:bodyPr rtlCol="0" anchor="ctr"/>
+          <a:lstStyle/>
+          <a:p>
+            <a:pPr algn="ctr"/>
+            <a:r>
+              <a:rPr lang="en-US" dirty="0"/>
+              <a:t>Search Service</a:t>
+            </a:r>
+          </a:p>
+        </p:txBody>
+      </p:sp>
+      <p:sp>
+        <p:nvSpPr>
+          <p:cNvPr id="9" name="Can 8">
+            <a:extLst>
+              <a:ext uri="{FF2B5EF4-FFF2-40B4-BE49-F238E27FC236}">
+                <a16:creationId xmlns:a16="http://schemas.microsoft.com/office/drawing/2014/main" id="{8255F024-0129-2246-86F1-4DC5D75132AB}"/>
+              </a:ext>
+            </a:extLst>
+          </p:cNvPr>
+          <p:cNvSpPr/>
+          <p:nvPr/>
+        </p:nvSpPr>
+        <p:spPr>
+          <a:xfrm>
+            <a:off x="9370426" y="5007428"/>
+            <a:ext cx="1463040" cy="1419497"/>
+          </a:xfrm>
+          <a:prstGeom prst="can">
+            <a:avLst/>
+          </a:prstGeom>
+        </p:spPr>
+        <p:style>
+          <a:lnRef idx="2">
+            <a:schemeClr val="accent1">
+              <a:shade val="50000"/>
+            </a:schemeClr>
+          </a:lnRef>
+          <a:fillRef idx="1">
+            <a:schemeClr val="accent1"/>
+          </a:fillRef>
+          <a:effectRef idx="0">
+            <a:schemeClr val="accent1"/>
+          </a:effectRef>
+          <a:fontRef idx="minor">
+            <a:schemeClr val="lt1"/>
+          </a:fontRef>
+        </p:style>
+        <p:txBody>
+          <a:bodyPr rtlCol="0" anchor="ctr"/>
+          <a:lstStyle/>
+          <a:p>
+            <a:pPr algn="ctr"/>
+            <a:r>
+              <a:rPr lang="en-US" dirty="0"/>
+              <a:t>Search DB</a:t>
+            </a:r>
+          </a:p>
+        </p:txBody>
+      </p:sp>
+      <p:sp>
+        <p:nvSpPr>
+          <p:cNvPr id="10" name="Up-down Arrow 9">
+            <a:extLst>
+              <a:ext uri="{FF2B5EF4-FFF2-40B4-BE49-F238E27FC236}">
+                <a16:creationId xmlns:a16="http://schemas.microsoft.com/office/drawing/2014/main" id="{AFA588B2-7A76-B34D-B927-64EC576B95CD}"/>
+              </a:ext>
+            </a:extLst>
+          </p:cNvPr>
+          <p:cNvSpPr/>
+          <p:nvPr/>
+        </p:nvSpPr>
+        <p:spPr>
+          <a:xfrm>
+            <a:off x="9892939" y="4328161"/>
+            <a:ext cx="108856" cy="679268"/>
+          </a:xfrm>
+          <a:prstGeom prst="upDownArrow">
+            <a:avLst/>
+          </a:prstGeom>
+        </p:spPr>
+        <p:style>
+          <a:lnRef idx="2">
+            <a:schemeClr val="accent1">
+              <a:shade val="50000"/>
+            </a:schemeClr>
+          </a:lnRef>
+          <a:fillRef idx="1">
+            <a:schemeClr val="accent1"/>
+          </a:fillRef>
+          <a:effectRef idx="0">
+            <a:schemeClr val="accent1"/>
+          </a:effectRef>
+          <a:fontRef idx="minor">
+            <a:schemeClr val="lt1"/>
+          </a:fontRef>
+        </p:style>
+        <p:txBody>
+          <a:bodyPr rtlCol="0" anchor="ctr"/>
+          <a:lstStyle/>
+          <a:p>
+            <a:pPr algn="ctr"/>
+            <a:endParaRPr lang="en-US"/>
+          </a:p>
+        </p:txBody>
+      </p:sp>
+      <p:sp>
+        <p:nvSpPr>
+          <p:cNvPr id="11" name="Parallelogram 10">
+            <a:extLst>
+              <a:ext uri="{FF2B5EF4-FFF2-40B4-BE49-F238E27FC236}">
+                <a16:creationId xmlns:a16="http://schemas.microsoft.com/office/drawing/2014/main" id="{3CE38FD4-149D-3749-83C2-7E0BCA78C357}"/>
+              </a:ext>
+            </a:extLst>
+          </p:cNvPr>
+          <p:cNvSpPr/>
+          <p:nvPr/>
+        </p:nvSpPr>
+        <p:spPr>
+          <a:xfrm>
+            <a:off x="975359" y="413656"/>
+            <a:ext cx="1942012" cy="809897"/>
+          </a:xfrm>
+          <a:prstGeom prst="parallelogram">
+            <a:avLst/>
+          </a:prstGeom>
+        </p:spPr>
+        <p:style>
+          <a:lnRef idx="2">
+            <a:schemeClr val="accent1">
+              <a:shade val="50000"/>
+            </a:schemeClr>
+          </a:lnRef>
+          <a:fillRef idx="1">
+            <a:schemeClr val="accent1"/>
+          </a:fillRef>
+          <a:effectRef idx="0">
+            <a:schemeClr val="accent1"/>
+          </a:effectRef>
+          <a:fontRef idx="minor">
+            <a:schemeClr val="lt1"/>
+          </a:fontRef>
+        </p:style>
+        <p:txBody>
+          <a:bodyPr rtlCol="0" anchor="ctr"/>
+          <a:lstStyle/>
+          <a:p>
+            <a:pPr algn="ctr"/>
+            <a:r>
+              <a:rPr lang="en-US" dirty="0"/>
+              <a:t>Vendor Client</a:t>
+            </a:r>
+          </a:p>
+          <a:p>
+            <a:pPr algn="ctr"/>
+            <a:r>
+              <a:rPr lang="en-US" dirty="0"/>
+              <a:t>CRUD</a:t>
+            </a:r>
+          </a:p>
+        </p:txBody>
+      </p:sp>
+      <p:sp>
+        <p:nvSpPr>
+          <p:cNvPr id="12" name="Up-down Arrow 11">
+            <a:extLst>
+              <a:ext uri="{FF2B5EF4-FFF2-40B4-BE49-F238E27FC236}">
+                <a16:creationId xmlns:a16="http://schemas.microsoft.com/office/drawing/2014/main" id="{42D32E49-DE20-A640-9707-6591C1BB228B}"/>
+              </a:ext>
+            </a:extLst>
+          </p:cNvPr>
+          <p:cNvSpPr/>
+          <p:nvPr/>
+        </p:nvSpPr>
+        <p:spPr>
+          <a:xfrm>
+            <a:off x="1837509" y="1223553"/>
+            <a:ext cx="278674" cy="849087"/>
+          </a:xfrm>
+          <a:prstGeom prst="upDownArrow">
+            <a:avLst/>
+          </a:prstGeom>
+        </p:spPr>
+        <p:style>
+          <a:lnRef idx="2">
+            <a:schemeClr val="accent1">
+              <a:shade val="50000"/>
+            </a:schemeClr>
+          </a:lnRef>
+          <a:fillRef idx="1">
+            <a:schemeClr val="accent1"/>
+          </a:fillRef>
+          <a:effectRef idx="0">
+            <a:schemeClr val="accent1"/>
+          </a:effectRef>
+          <a:fontRef idx="minor">
+            <a:schemeClr val="lt1"/>
+          </a:fontRef>
+        </p:style>
+        <p:txBody>
+          <a:bodyPr rtlCol="0" anchor="ctr"/>
+          <a:lstStyle/>
+          <a:p>
+            <a:pPr algn="ctr"/>
+            <a:endParaRPr lang="en-US"/>
+          </a:p>
+        </p:txBody>
+      </p:sp>
+      <p:sp>
+        <p:nvSpPr>
+          <p:cNvPr id="13" name="Parallelogram 12">
+            <a:extLst>
+              <a:ext uri="{FF2B5EF4-FFF2-40B4-BE49-F238E27FC236}">
+                <a16:creationId xmlns:a16="http://schemas.microsoft.com/office/drawing/2014/main" id="{B4525D4A-B085-1C4C-9E11-395C7911D6FD}"/>
+              </a:ext>
+            </a:extLst>
+          </p:cNvPr>
+          <p:cNvSpPr/>
+          <p:nvPr/>
+        </p:nvSpPr>
+        <p:spPr>
+          <a:xfrm>
+            <a:off x="4458788" y="413656"/>
+            <a:ext cx="1942012" cy="809897"/>
+          </a:xfrm>
+          <a:prstGeom prst="parallelogram">
+            <a:avLst/>
+          </a:prstGeom>
+        </p:spPr>
+        <p:style>
+          <a:lnRef idx="2">
+            <a:schemeClr val="accent1">
+              <a:shade val="50000"/>
+            </a:schemeClr>
+          </a:lnRef>
+          <a:fillRef idx="1">
+            <a:schemeClr val="accent1"/>
+          </a:fillRef>
+          <a:effectRef idx="0">
+            <a:schemeClr val="accent1"/>
+          </a:effectRef>
+          <a:fontRef idx="minor">
+            <a:schemeClr val="lt1"/>
+          </a:fontRef>
+        </p:style>
+        <p:txBody>
+          <a:bodyPr rtlCol="0" anchor="ctr"/>
+          <a:lstStyle/>
+          <a:p>
+            <a:pPr algn="ctr"/>
+            <a:r>
+              <a:rPr lang="en-US" dirty="0"/>
+              <a:t>Product Client</a:t>
+            </a:r>
+          </a:p>
+          <a:p>
+            <a:pPr algn="ctr"/>
+            <a:r>
+              <a:rPr lang="en-US" dirty="0"/>
+              <a:t>CRUD</a:t>
+            </a:r>
+          </a:p>
+        </p:txBody>
+      </p:sp>
+      <p:sp>
+        <p:nvSpPr>
+          <p:cNvPr id="14" name="Up-down Arrow 13">
+            <a:extLst>
+              <a:ext uri="{FF2B5EF4-FFF2-40B4-BE49-F238E27FC236}">
+                <a16:creationId xmlns:a16="http://schemas.microsoft.com/office/drawing/2014/main" id="{E3720951-443E-C743-B4F7-B3169429BF80}"/>
+              </a:ext>
+            </a:extLst>
+          </p:cNvPr>
+          <p:cNvSpPr/>
+          <p:nvPr/>
+        </p:nvSpPr>
+        <p:spPr>
+          <a:xfrm>
+            <a:off x="5320938" y="1223553"/>
+            <a:ext cx="278674" cy="849087"/>
+          </a:xfrm>
+          <a:prstGeom prst="upDownArrow">
+            <a:avLst/>
+          </a:prstGeom>
+        </p:spPr>
+        <p:style>
+          <a:lnRef idx="2">
+            <a:schemeClr val="accent1">
+              <a:shade val="50000"/>
+            </a:schemeClr>
+          </a:lnRef>
+          <a:fillRef idx="1">
+            <a:schemeClr val="accent1"/>
+          </a:fillRef>
+          <a:effectRef idx="0">
+            <a:schemeClr val="accent1"/>
+          </a:effectRef>
+          <a:fontRef idx="minor">
+            <a:schemeClr val="lt1"/>
+          </a:fontRef>
+        </p:style>
+        <p:txBody>
+          <a:bodyPr rtlCol="0" anchor="ctr"/>
+          <a:lstStyle/>
+          <a:p>
+            <a:pPr algn="ctr"/>
+            <a:endParaRPr lang="en-US"/>
+          </a:p>
+        </p:txBody>
+      </p:sp>
+      <p:sp>
+        <p:nvSpPr>
+          <p:cNvPr id="15" name="Parallelogram 14">
+            <a:extLst>
+              <a:ext uri="{FF2B5EF4-FFF2-40B4-BE49-F238E27FC236}">
+                <a16:creationId xmlns:a16="http://schemas.microsoft.com/office/drawing/2014/main" id="{57A2A69F-8D7A-DA4B-861B-E6ED6C4137F3}"/>
+              </a:ext>
+            </a:extLst>
+          </p:cNvPr>
+          <p:cNvSpPr/>
+          <p:nvPr/>
+        </p:nvSpPr>
+        <p:spPr>
+          <a:xfrm>
+            <a:off x="8961122" y="248194"/>
+            <a:ext cx="1942012" cy="809897"/>
+          </a:xfrm>
+          <a:prstGeom prst="parallelogram">
+            <a:avLst/>
+          </a:prstGeom>
+        </p:spPr>
+        <p:style>
+          <a:lnRef idx="2">
+            <a:schemeClr val="accent1">
+              <a:shade val="50000"/>
+            </a:schemeClr>
+          </a:lnRef>
+          <a:fillRef idx="1">
+            <a:schemeClr val="accent1"/>
+          </a:fillRef>
+          <a:effectRef idx="0">
+            <a:schemeClr val="accent1"/>
+          </a:effectRef>
+          <a:fontRef idx="minor">
+            <a:schemeClr val="lt1"/>
+          </a:fontRef>
+        </p:style>
+        <p:txBody>
+          <a:bodyPr rtlCol="0" anchor="ctr"/>
+          <a:lstStyle/>
+          <a:p>
+            <a:pPr algn="ctr"/>
+            <a:r>
+              <a:rPr lang="en-US" dirty="0"/>
+              <a:t>Search Client</a:t>
+            </a:r>
+          </a:p>
+        </p:txBody>
+      </p:sp>
+      <p:sp>
+        <p:nvSpPr>
+          <p:cNvPr id="16" name="Up-down Arrow 15">
+            <a:extLst>
+              <a:ext uri="{FF2B5EF4-FFF2-40B4-BE49-F238E27FC236}">
+                <a16:creationId xmlns:a16="http://schemas.microsoft.com/office/drawing/2014/main" id="{156AB29F-39AC-4C47-8D9A-5953546F9C57}"/>
+              </a:ext>
+            </a:extLst>
+          </p:cNvPr>
+          <p:cNvSpPr/>
+          <p:nvPr/>
+        </p:nvSpPr>
+        <p:spPr>
+          <a:xfrm>
+            <a:off x="9823272" y="1058091"/>
+            <a:ext cx="278674" cy="849087"/>
+          </a:xfrm>
+          <a:prstGeom prst="upDownArrow">
+            <a:avLst/>
+          </a:prstGeom>
+        </p:spPr>
+        <p:style>
+          <a:lnRef idx="2">
+            <a:schemeClr val="accent1">
+              <a:shade val="50000"/>
+            </a:schemeClr>
+          </a:lnRef>
+          <a:fillRef idx="1">
+            <a:schemeClr val="accent1"/>
+          </a:fillRef>
+          <a:effectRef idx="0">
+            <a:schemeClr val="accent1"/>
+          </a:effectRef>
+          <a:fontRef idx="minor">
+            <a:schemeClr val="lt1"/>
+          </a:fontRef>
+        </p:style>
+        <p:txBody>
+          <a:bodyPr rtlCol="0" anchor="ctr"/>
+          <a:lstStyle/>
+          <a:p>
+            <a:pPr algn="ctr"/>
+            <a:endParaRPr lang="en-US"/>
+          </a:p>
+        </p:txBody>
+      </p:sp>
+      <p:sp>
+        <p:nvSpPr>
+          <p:cNvPr id="18" name="Rounded Rectangle 17">
+            <a:extLst>
+              <a:ext uri="{FF2B5EF4-FFF2-40B4-BE49-F238E27FC236}">
+                <a16:creationId xmlns:a16="http://schemas.microsoft.com/office/drawing/2014/main" id="{39346916-DD60-5E46-B39A-469C1932C195}"/>
+              </a:ext>
+            </a:extLst>
+          </p:cNvPr>
+          <p:cNvSpPr/>
+          <p:nvPr/>
+        </p:nvSpPr>
+        <p:spPr>
+          <a:xfrm>
+            <a:off x="6779624" y="5094514"/>
+            <a:ext cx="1872343" cy="949235"/>
+          </a:xfrm>
+          <a:prstGeom prst="roundRect">
+            <a:avLst/>
+          </a:prstGeom>
+        </p:spPr>
+        <p:style>
+          <a:lnRef idx="2">
+            <a:schemeClr val="accent1">
+              <a:shade val="50000"/>
+            </a:schemeClr>
+          </a:lnRef>
+          <a:fillRef idx="1">
+            <a:schemeClr val="accent1"/>
+          </a:fillRef>
+          <a:effectRef idx="0">
+            <a:schemeClr val="accent1"/>
+          </a:effectRef>
+          <a:fontRef idx="minor">
+            <a:schemeClr val="lt1"/>
+          </a:fontRef>
+        </p:style>
+        <p:txBody>
+          <a:bodyPr rtlCol="0" anchor="ctr"/>
+          <a:lstStyle/>
+          <a:p>
+            <a:pPr algn="ctr"/>
+            <a:r>
+              <a:rPr lang="en-US" dirty="0"/>
+              <a:t>Messaging </a:t>
+            </a:r>
+          </a:p>
+          <a:p>
+            <a:pPr algn="ctr"/>
+            <a:r>
+              <a:rPr lang="en-US" dirty="0"/>
+              <a:t>Service</a:t>
+            </a:r>
+          </a:p>
+        </p:txBody>
+      </p:sp>
+      <p:sp>
+        <p:nvSpPr>
+          <p:cNvPr id="19" name="Bent Arrow 18">
+            <a:extLst>
+              <a:ext uri="{FF2B5EF4-FFF2-40B4-BE49-F238E27FC236}">
+                <a16:creationId xmlns:a16="http://schemas.microsoft.com/office/drawing/2014/main" id="{28803F90-5418-1E4F-962C-51645537D1D0}"/>
+              </a:ext>
+            </a:extLst>
+          </p:cNvPr>
+          <p:cNvSpPr/>
+          <p:nvPr/>
+        </p:nvSpPr>
+        <p:spPr>
+          <a:xfrm rot="5400000">
+            <a:off x="6291944" y="4040776"/>
+            <a:ext cx="1349829" cy="757646"/>
+          </a:xfrm>
+          <a:prstGeom prst="bentArrow">
+            <a:avLst/>
+          </a:prstGeom>
+        </p:spPr>
+        <p:style>
+          <a:lnRef idx="2">
+            <a:schemeClr val="accent1">
+              <a:shade val="50000"/>
+            </a:schemeClr>
+          </a:lnRef>
+          <a:fillRef idx="1">
+            <a:schemeClr val="accent1"/>
+          </a:fillRef>
+          <a:effectRef idx="0">
+            <a:schemeClr val="accent1"/>
+          </a:effectRef>
+          <a:fontRef idx="minor">
+            <a:schemeClr val="lt1"/>
+          </a:fontRef>
+        </p:style>
+        <p:txBody>
+          <a:bodyPr rtlCol="0" anchor="ctr"/>
+          <a:lstStyle/>
+          <a:p>
+            <a:pPr algn="ctr"/>
+            <a:endParaRPr lang="en-US">
+              <a:solidFill>
+                <a:schemeClr val="tx1"/>
+              </a:solidFill>
+            </a:endParaRPr>
+          </a:p>
+        </p:txBody>
+      </p:sp>
+      <p:sp>
+        <p:nvSpPr>
+          <p:cNvPr id="20" name="TextBox 19">
+            <a:extLst>
+              <a:ext uri="{FF2B5EF4-FFF2-40B4-BE49-F238E27FC236}">
+                <a16:creationId xmlns:a16="http://schemas.microsoft.com/office/drawing/2014/main" id="{503345DD-D8EC-C741-A5B1-C48978434916}"/>
+              </a:ext>
+            </a:extLst>
+          </p:cNvPr>
+          <p:cNvSpPr txBox="1"/>
+          <p:nvPr/>
+        </p:nvSpPr>
+        <p:spPr>
+          <a:xfrm>
+            <a:off x="6779624" y="2673531"/>
+            <a:ext cx="788125" cy="3139321"/>
+          </a:xfrm>
+          <a:prstGeom prst="rect">
+            <a:avLst/>
+          </a:prstGeom>
+          <a:noFill/>
+        </p:spPr>
+        <p:txBody>
+          <a:bodyPr wrap="square" rtlCol="0">
+            <a:spAutoFit/>
+          </a:bodyPr>
+          <a:lstStyle/>
+          <a:p>
+            <a:r>
+              <a:rPr lang="en-US" dirty="0"/>
+              <a:t>Product </a:t>
+            </a:r>
+            <a:r>
+              <a:rPr lang="en-US" dirty="0" err="1"/>
+              <a:t>Servoce</a:t>
+            </a:r>
+            <a:r>
+              <a:rPr lang="en-US" dirty="0"/>
+              <a:t> will </a:t>
+            </a:r>
+            <a:r>
+              <a:rPr lang="en-US" dirty="0" err="1"/>
+              <a:t>pu</a:t>
+            </a:r>
+            <a:r>
+              <a:rPr lang="en-US" dirty="0"/>
+              <a:t> data in </a:t>
+            </a:r>
+            <a:r>
+              <a:rPr lang="en-US"/>
+              <a:t>Messaging Service</a:t>
+            </a:r>
+          </a:p>
+        </p:txBody>
+      </p:sp>
+    </p:spTree>
+    <p:extLst>
+      <p:ext uri="{BB962C8B-B14F-4D97-AF65-F5344CB8AC3E}">
+        <p14:creationId xmlns:p14="http://schemas.microsoft.com/office/powerpoint/2010/main" val="3526444960"/>
       </p:ext>
     </p:extLst>
   </p:cSld>

--- a/SpotPPTs.pptx
+++ b/SpotPPTs.pptx
@@ -59,6 +59,14 @@
     <p:sldId id="307" r:id="rId53"/>
     <p:sldId id="308" r:id="rId54"/>
     <p:sldId id="309" r:id="rId55"/>
+    <p:sldId id="311" r:id="rId56"/>
+    <p:sldId id="313" r:id="rId57"/>
+    <p:sldId id="312" r:id="rId58"/>
+    <p:sldId id="315" r:id="rId59"/>
+    <p:sldId id="314" r:id="rId60"/>
+    <p:sldId id="310" r:id="rId61"/>
+    <p:sldId id="316" r:id="rId62"/>
+    <p:sldId id="317" r:id="rId63"/>
   </p:sldIdLst>
   <p:sldSz cx="12192000" cy="6858000"/>
   <p:notesSz cx="6858000" cy="9144000"/>
@@ -314,7 +322,7 @@
           <a:p>
             <a:fld id="{6B75415C-91ED-7941-9068-396BBFB028E8}" type="datetimeFigureOut">
               <a:rPr lang="en-US" smtClean="0"/>
-              <a:t>5/12/21</a:t>
+              <a:t>5/13/21</a:t>
             </a:fld>
             <a:endParaRPr lang="en-US"/>
           </a:p>
@@ -514,7 +522,7 @@
           <a:p>
             <a:fld id="{6B75415C-91ED-7941-9068-396BBFB028E8}" type="datetimeFigureOut">
               <a:rPr lang="en-US" smtClean="0"/>
-              <a:t>5/12/21</a:t>
+              <a:t>5/13/21</a:t>
             </a:fld>
             <a:endParaRPr lang="en-US"/>
           </a:p>
@@ -724,7 +732,7 @@
           <a:p>
             <a:fld id="{6B75415C-91ED-7941-9068-396BBFB028E8}" type="datetimeFigureOut">
               <a:rPr lang="en-US" smtClean="0"/>
-              <a:t>5/12/21</a:t>
+              <a:t>5/13/21</a:t>
             </a:fld>
             <a:endParaRPr lang="en-US"/>
           </a:p>
@@ -924,7 +932,7 @@
           <a:p>
             <a:fld id="{6B75415C-91ED-7941-9068-396BBFB028E8}" type="datetimeFigureOut">
               <a:rPr lang="en-US" smtClean="0"/>
-              <a:t>5/12/21</a:t>
+              <a:t>5/13/21</a:t>
             </a:fld>
             <a:endParaRPr lang="en-US"/>
           </a:p>
@@ -1200,7 +1208,7 @@
           <a:p>
             <a:fld id="{6B75415C-91ED-7941-9068-396BBFB028E8}" type="datetimeFigureOut">
               <a:rPr lang="en-US" smtClean="0"/>
-              <a:t>5/12/21</a:t>
+              <a:t>5/13/21</a:t>
             </a:fld>
             <a:endParaRPr lang="en-US"/>
           </a:p>
@@ -1468,7 +1476,7 @@
           <a:p>
             <a:fld id="{6B75415C-91ED-7941-9068-396BBFB028E8}" type="datetimeFigureOut">
               <a:rPr lang="en-US" smtClean="0"/>
-              <a:t>5/12/21</a:t>
+              <a:t>5/13/21</a:t>
             </a:fld>
             <a:endParaRPr lang="en-US"/>
           </a:p>
@@ -1883,7 +1891,7 @@
           <a:p>
             <a:fld id="{6B75415C-91ED-7941-9068-396BBFB028E8}" type="datetimeFigureOut">
               <a:rPr lang="en-US" smtClean="0"/>
-              <a:t>5/12/21</a:t>
+              <a:t>5/13/21</a:t>
             </a:fld>
             <a:endParaRPr lang="en-US"/>
           </a:p>
@@ -2025,7 +2033,7 @@
           <a:p>
             <a:fld id="{6B75415C-91ED-7941-9068-396BBFB028E8}" type="datetimeFigureOut">
               <a:rPr lang="en-US" smtClean="0"/>
-              <a:t>5/12/21</a:t>
+              <a:t>5/13/21</a:t>
             </a:fld>
             <a:endParaRPr lang="en-US"/>
           </a:p>
@@ -2138,7 +2146,7 @@
           <a:p>
             <a:fld id="{6B75415C-91ED-7941-9068-396BBFB028E8}" type="datetimeFigureOut">
               <a:rPr lang="en-US" smtClean="0"/>
-              <a:t>5/12/21</a:t>
+              <a:t>5/13/21</a:t>
             </a:fld>
             <a:endParaRPr lang="en-US"/>
           </a:p>
@@ -2451,7 +2459,7 @@
           <a:p>
             <a:fld id="{6B75415C-91ED-7941-9068-396BBFB028E8}" type="datetimeFigureOut">
               <a:rPr lang="en-US" smtClean="0"/>
-              <a:t>5/12/21</a:t>
+              <a:t>5/13/21</a:t>
             </a:fld>
             <a:endParaRPr lang="en-US"/>
           </a:p>
@@ -2740,7 +2748,7 @@
           <a:p>
             <a:fld id="{6B75415C-91ED-7941-9068-396BBFB028E8}" type="datetimeFigureOut">
               <a:rPr lang="en-US" smtClean="0"/>
-              <a:t>5/12/21</a:t>
+              <a:t>5/13/21</a:t>
             </a:fld>
             <a:endParaRPr lang="en-US"/>
           </a:p>
@@ -2983,7 +2991,7 @@
           <a:p>
             <a:fld id="{6B75415C-91ED-7941-9068-396BBFB028E8}" type="datetimeFigureOut">
               <a:rPr lang="en-US" smtClean="0"/>
-              <a:t>5/12/21</a:t>
+              <a:t>5/13/21</a:t>
             </a:fld>
             <a:endParaRPr lang="en-US"/>
           </a:p>
@@ -41382,8 +41390,8 @@
         </p:nvSpPr>
         <p:spPr>
           <a:xfrm>
-            <a:off x="6779624" y="2673531"/>
-            <a:ext cx="788125" cy="3139321"/>
+            <a:off x="5599612" y="2294485"/>
+            <a:ext cx="2281646" cy="923330"/>
           </a:xfrm>
           <a:prstGeom prst="rect">
             <a:avLst/>
@@ -41398,35 +41406,4350 @@
           <a:p>
             <a:r>
               <a:rPr lang="en-US" dirty="0"/>
-              <a:t>Product </a:t>
-            </a:r>
-            <a:r>
-              <a:rPr lang="en-US" dirty="0" err="1"/>
-              <a:t>Servoce</a:t>
-            </a:r>
-            <a:r>
-              <a:rPr lang="en-US" dirty="0"/>
-              <a:t> will </a:t>
-            </a:r>
-            <a:r>
-              <a:rPr lang="en-US" dirty="0" err="1"/>
-              <a:t>pu</a:t>
-            </a:r>
-            <a:r>
-              <a:rPr lang="en-US" dirty="0"/>
-              <a:t> data in </a:t>
-            </a:r>
-            <a:r>
-              <a:rPr lang="en-US"/>
-              <a:t>Messaging Service</a:t>
-            </a:r>
-          </a:p>
-        </p:txBody>
-      </p:sp>
+              <a:t>Product Service will put data in Messaging Service</a:t>
+            </a:r>
+          </a:p>
+        </p:txBody>
+      </p:sp>
+      <p:sp>
+        <p:nvSpPr>
+          <p:cNvPr id="21" name="Bent Arrow 20">
+            <a:extLst>
+              <a:ext uri="{FF2B5EF4-FFF2-40B4-BE49-F238E27FC236}">
+                <a16:creationId xmlns:a16="http://schemas.microsoft.com/office/drawing/2014/main" id="{A4A0C78A-104B-9F4E-82F0-6D2AA8227A79}"/>
+              </a:ext>
+            </a:extLst>
+          </p:cNvPr>
+          <p:cNvSpPr/>
+          <p:nvPr/>
+        </p:nvSpPr>
+        <p:spPr>
+          <a:xfrm rot="5400000" flipV="1">
+            <a:off x="7515498" y="4086497"/>
+            <a:ext cx="1349829" cy="666205"/>
+          </a:xfrm>
+          <a:prstGeom prst="bentArrow">
+            <a:avLst/>
+          </a:prstGeom>
+        </p:spPr>
+        <p:style>
+          <a:lnRef idx="2">
+            <a:schemeClr val="accent1">
+              <a:shade val="50000"/>
+            </a:schemeClr>
+          </a:lnRef>
+          <a:fillRef idx="1">
+            <a:schemeClr val="accent1"/>
+          </a:fillRef>
+          <a:effectRef idx="0">
+            <a:schemeClr val="accent1"/>
+          </a:effectRef>
+          <a:fontRef idx="minor">
+            <a:schemeClr val="lt1"/>
+          </a:fontRef>
+        </p:style>
+        <p:txBody>
+          <a:bodyPr rtlCol="0" anchor="ctr"/>
+          <a:lstStyle/>
+          <a:p>
+            <a:pPr algn="ctr"/>
+            <a:endParaRPr lang="en-US">
+              <a:solidFill>
+                <a:schemeClr val="tx1"/>
+              </a:solidFill>
+            </a:endParaRPr>
+          </a:p>
+        </p:txBody>
+      </p:sp>
+      <p:sp>
+        <p:nvSpPr>
+          <p:cNvPr id="22" name="Bent Up Arrow 21">
+            <a:extLst>
+              <a:ext uri="{FF2B5EF4-FFF2-40B4-BE49-F238E27FC236}">
+                <a16:creationId xmlns:a16="http://schemas.microsoft.com/office/drawing/2014/main" id="{28BC5D30-F8F4-5F43-A312-D27A3787E674}"/>
+              </a:ext>
+            </a:extLst>
+          </p:cNvPr>
+          <p:cNvSpPr/>
+          <p:nvPr/>
+        </p:nvSpPr>
+        <p:spPr>
+          <a:xfrm>
+            <a:off x="8647612" y="4328161"/>
+            <a:ext cx="526868" cy="1045028"/>
+          </a:xfrm>
+          <a:prstGeom prst="bentUpArrow">
+            <a:avLst/>
+          </a:prstGeom>
+        </p:spPr>
+        <p:style>
+          <a:lnRef idx="2">
+            <a:schemeClr val="accent1">
+              <a:shade val="50000"/>
+            </a:schemeClr>
+          </a:lnRef>
+          <a:fillRef idx="1">
+            <a:schemeClr val="accent1"/>
+          </a:fillRef>
+          <a:effectRef idx="0">
+            <a:schemeClr val="accent1"/>
+          </a:effectRef>
+          <a:fontRef idx="minor">
+            <a:schemeClr val="lt1"/>
+          </a:fontRef>
+        </p:style>
+        <p:txBody>
+          <a:bodyPr rtlCol="0" anchor="ctr"/>
+          <a:lstStyle/>
+          <a:p>
+            <a:pPr algn="ctr"/>
+            <a:endParaRPr lang="en-US"/>
+          </a:p>
+        </p:txBody>
+      </p:sp>
+      <p:sp>
+        <p:nvSpPr>
+          <p:cNvPr id="23" name="TextBox 22">
+            <a:extLst>
+              <a:ext uri="{FF2B5EF4-FFF2-40B4-BE49-F238E27FC236}">
+                <a16:creationId xmlns:a16="http://schemas.microsoft.com/office/drawing/2014/main" id="{D922EA05-976B-8F4B-BC82-72B3891CC597}"/>
+              </a:ext>
+            </a:extLst>
+          </p:cNvPr>
+          <p:cNvSpPr txBox="1"/>
+          <p:nvPr/>
+        </p:nvSpPr>
+        <p:spPr>
+          <a:xfrm>
+            <a:off x="7010399" y="446315"/>
+            <a:ext cx="1637213" cy="1477328"/>
+          </a:xfrm>
+          <a:prstGeom prst="rect">
+            <a:avLst/>
+          </a:prstGeom>
+          <a:noFill/>
+        </p:spPr>
+        <p:txBody>
+          <a:bodyPr wrap="square" rtlCol="0">
+            <a:spAutoFit/>
+          </a:bodyPr>
+          <a:lstStyle/>
+          <a:p>
+            <a:r>
+              <a:rPr lang="en-US" dirty="0"/>
+              <a:t>Search Service will subscribe to the Messaging and Get Data</a:t>
+            </a:r>
+          </a:p>
+        </p:txBody>
+      </p:sp>
+      <p:cxnSp>
+        <p:nvCxnSpPr>
+          <p:cNvPr id="25" name="Straight Arrow Connector 24">
+            <a:extLst>
+              <a:ext uri="{FF2B5EF4-FFF2-40B4-BE49-F238E27FC236}">
+                <a16:creationId xmlns:a16="http://schemas.microsoft.com/office/drawing/2014/main" id="{8A902181-413B-B44C-B75D-ABC04E41244D}"/>
+              </a:ext>
+            </a:extLst>
+          </p:cNvPr>
+          <p:cNvCxnSpPr>
+            <a:endCxn id="23" idx="2"/>
+          </p:cNvCxnSpPr>
+          <p:nvPr/>
+        </p:nvCxnSpPr>
+        <p:spPr>
+          <a:xfrm flipH="1" flipV="1">
+            <a:off x="7829006" y="1923643"/>
+            <a:ext cx="330928" cy="1821041"/>
+          </a:xfrm>
+          <a:prstGeom prst="straightConnector1">
+            <a:avLst/>
+          </a:prstGeom>
+          <a:ln>
+            <a:tailEnd type="triangle"/>
+          </a:ln>
+        </p:spPr>
+        <p:style>
+          <a:lnRef idx="1">
+            <a:schemeClr val="accent1"/>
+          </a:lnRef>
+          <a:fillRef idx="0">
+            <a:schemeClr val="accent1"/>
+          </a:fillRef>
+          <a:effectRef idx="0">
+            <a:schemeClr val="accent1"/>
+          </a:effectRef>
+          <a:fontRef idx="minor">
+            <a:schemeClr val="tx1"/>
+          </a:fontRef>
+        </p:style>
+      </p:cxnSp>
+      <p:cxnSp>
+        <p:nvCxnSpPr>
+          <p:cNvPr id="27" name="Straight Arrow Connector 26">
+            <a:extLst>
+              <a:ext uri="{FF2B5EF4-FFF2-40B4-BE49-F238E27FC236}">
+                <a16:creationId xmlns:a16="http://schemas.microsoft.com/office/drawing/2014/main" id="{058C035A-DB99-184F-A816-13D3C21CF2A8}"/>
+              </a:ext>
+            </a:extLst>
+          </p:cNvPr>
+          <p:cNvCxnSpPr>
+            <a:stCxn id="22" idx="1"/>
+          </p:cNvCxnSpPr>
+          <p:nvPr/>
+        </p:nvCxnSpPr>
+        <p:spPr>
+          <a:xfrm flipH="1" flipV="1">
+            <a:off x="8024948" y="1763486"/>
+            <a:ext cx="886098" cy="2696392"/>
+          </a:xfrm>
+          <a:prstGeom prst="straightConnector1">
+            <a:avLst/>
+          </a:prstGeom>
+          <a:ln>
+            <a:tailEnd type="triangle"/>
+          </a:ln>
+        </p:spPr>
+        <p:style>
+          <a:lnRef idx="3">
+            <a:schemeClr val="dk1"/>
+          </a:lnRef>
+          <a:fillRef idx="0">
+            <a:schemeClr val="dk1"/>
+          </a:fillRef>
+          <a:effectRef idx="2">
+            <a:schemeClr val="dk1"/>
+          </a:effectRef>
+          <a:fontRef idx="minor">
+            <a:schemeClr val="tx1"/>
+          </a:fontRef>
+        </p:style>
+      </p:cxnSp>
     </p:spTree>
     <p:extLst>
       <p:ext uri="{BB962C8B-B14F-4D97-AF65-F5344CB8AC3E}">
         <p14:creationId xmlns:p14="http://schemas.microsoft.com/office/powerpoint/2010/main" val="3526444960"/>
+      </p:ext>
+    </p:extLst>
+  </p:cSld>
+  <p:clrMapOvr>
+    <a:masterClrMapping/>
+  </p:clrMapOvr>
+</p:sld>
+</file>
+
+<file path=ppt/slides/slide55.xml><?xml version="1.0" encoding="utf-8"?>
+<p:sld xmlns:a="http://schemas.openxmlformats.org/drawingml/2006/main" xmlns:r="http://schemas.openxmlformats.org/officeDocument/2006/relationships" xmlns:p="http://schemas.openxmlformats.org/presentationml/2006/main">
+  <p:cSld>
+    <p:spTree>
+      <p:nvGrpSpPr>
+        <p:cNvPr id="1" name=""/>
+        <p:cNvGrpSpPr/>
+        <p:nvPr/>
+      </p:nvGrpSpPr>
+      <p:grpSpPr>
+        <a:xfrm>
+          <a:off x="0" y="0"/>
+          <a:ext cx="0" cy="0"/>
+          <a:chOff x="0" y="0"/>
+          <a:chExt cx="0" cy="0"/>
+        </a:xfrm>
+      </p:grpSpPr>
+      <p:sp>
+        <p:nvSpPr>
+          <p:cNvPr id="2" name="Rectangle 1">
+            <a:extLst>
+              <a:ext uri="{FF2B5EF4-FFF2-40B4-BE49-F238E27FC236}">
+                <a16:creationId xmlns:a16="http://schemas.microsoft.com/office/drawing/2014/main" id="{89E7FB1B-2085-9A4D-AF52-099284151E5A}"/>
+              </a:ext>
+            </a:extLst>
+          </p:cNvPr>
+          <p:cNvSpPr/>
+          <p:nvPr/>
+        </p:nvSpPr>
+        <p:spPr>
+          <a:xfrm>
+            <a:off x="3744686" y="1227908"/>
+            <a:ext cx="5033554" cy="1132115"/>
+          </a:xfrm>
+          <a:prstGeom prst="rect">
+            <a:avLst/>
+          </a:prstGeom>
+        </p:spPr>
+        <p:style>
+          <a:lnRef idx="2">
+            <a:schemeClr val="accent1">
+              <a:shade val="50000"/>
+            </a:schemeClr>
+          </a:lnRef>
+          <a:fillRef idx="1">
+            <a:schemeClr val="accent1"/>
+          </a:fillRef>
+          <a:effectRef idx="0">
+            <a:schemeClr val="accent1"/>
+          </a:effectRef>
+          <a:fontRef idx="minor">
+            <a:schemeClr val="lt1"/>
+          </a:fontRef>
+        </p:style>
+        <p:txBody>
+          <a:bodyPr rtlCol="0" anchor="ctr"/>
+          <a:lstStyle/>
+          <a:p>
+            <a:pPr algn="ctr"/>
+            <a:r>
+              <a:rPr lang="en-US" dirty="0"/>
+              <a:t>Service1: Accepting Data from Client</a:t>
+            </a:r>
+          </a:p>
+        </p:txBody>
+      </p:sp>
+      <p:sp>
+        <p:nvSpPr>
+          <p:cNvPr id="3" name="Can 2">
+            <a:extLst>
+              <a:ext uri="{FF2B5EF4-FFF2-40B4-BE49-F238E27FC236}">
+                <a16:creationId xmlns:a16="http://schemas.microsoft.com/office/drawing/2014/main" id="{95E17848-85B2-614E-ADB3-D62462D26F82}"/>
+              </a:ext>
+            </a:extLst>
+          </p:cNvPr>
+          <p:cNvSpPr/>
+          <p:nvPr/>
+        </p:nvSpPr>
+        <p:spPr>
+          <a:xfrm>
+            <a:off x="10328366" y="1288869"/>
+            <a:ext cx="1515291" cy="1114697"/>
+          </a:xfrm>
+          <a:prstGeom prst="can">
+            <a:avLst/>
+          </a:prstGeom>
+        </p:spPr>
+        <p:style>
+          <a:lnRef idx="2">
+            <a:schemeClr val="accent1">
+              <a:shade val="50000"/>
+            </a:schemeClr>
+          </a:lnRef>
+          <a:fillRef idx="1">
+            <a:schemeClr val="accent1"/>
+          </a:fillRef>
+          <a:effectRef idx="0">
+            <a:schemeClr val="accent1"/>
+          </a:effectRef>
+          <a:fontRef idx="minor">
+            <a:schemeClr val="lt1"/>
+          </a:fontRef>
+        </p:style>
+        <p:txBody>
+          <a:bodyPr rtlCol="0" anchor="ctr"/>
+          <a:lstStyle/>
+          <a:p>
+            <a:pPr algn="ctr"/>
+            <a:r>
+              <a:rPr lang="en-US" dirty="0"/>
+              <a:t>DB</a:t>
+            </a:r>
+          </a:p>
+        </p:txBody>
+      </p:sp>
+      <p:sp>
+        <p:nvSpPr>
+          <p:cNvPr id="4" name="Right Arrow 3">
+            <a:extLst>
+              <a:ext uri="{FF2B5EF4-FFF2-40B4-BE49-F238E27FC236}">
+                <a16:creationId xmlns:a16="http://schemas.microsoft.com/office/drawing/2014/main" id="{EFCF06E7-6C8F-264B-971B-F576E4A0139E}"/>
+              </a:ext>
+            </a:extLst>
+          </p:cNvPr>
+          <p:cNvSpPr/>
+          <p:nvPr/>
+        </p:nvSpPr>
+        <p:spPr>
+          <a:xfrm>
+            <a:off x="8778240" y="1358537"/>
+            <a:ext cx="1567543" cy="435428"/>
+          </a:xfrm>
+          <a:prstGeom prst="rightArrow">
+            <a:avLst/>
+          </a:prstGeom>
+        </p:spPr>
+        <p:style>
+          <a:lnRef idx="2">
+            <a:schemeClr val="accent1">
+              <a:shade val="50000"/>
+            </a:schemeClr>
+          </a:lnRef>
+          <a:fillRef idx="1">
+            <a:schemeClr val="accent1"/>
+          </a:fillRef>
+          <a:effectRef idx="0">
+            <a:schemeClr val="accent1"/>
+          </a:effectRef>
+          <a:fontRef idx="minor">
+            <a:schemeClr val="lt1"/>
+          </a:fontRef>
+        </p:style>
+        <p:txBody>
+          <a:bodyPr rtlCol="0" anchor="ctr"/>
+          <a:lstStyle/>
+          <a:p>
+            <a:pPr algn="ctr"/>
+            <a:r>
+              <a:rPr lang="en-US" dirty="0"/>
+              <a:t>Send Data</a:t>
+            </a:r>
+          </a:p>
+        </p:txBody>
+      </p:sp>
+      <p:sp>
+        <p:nvSpPr>
+          <p:cNvPr id="5" name="Left Arrow 4">
+            <a:extLst>
+              <a:ext uri="{FF2B5EF4-FFF2-40B4-BE49-F238E27FC236}">
+                <a16:creationId xmlns:a16="http://schemas.microsoft.com/office/drawing/2014/main" id="{5629E77D-6EE5-AE45-8DA7-330EBB155767}"/>
+              </a:ext>
+            </a:extLst>
+          </p:cNvPr>
+          <p:cNvSpPr/>
+          <p:nvPr/>
+        </p:nvSpPr>
+        <p:spPr>
+          <a:xfrm>
+            <a:off x="8778240" y="1924594"/>
+            <a:ext cx="1550126" cy="435429"/>
+          </a:xfrm>
+          <a:prstGeom prst="leftArrow">
+            <a:avLst/>
+          </a:prstGeom>
+        </p:spPr>
+        <p:style>
+          <a:lnRef idx="2">
+            <a:schemeClr val="accent1">
+              <a:shade val="50000"/>
+            </a:schemeClr>
+          </a:lnRef>
+          <a:fillRef idx="1">
+            <a:schemeClr val="accent1"/>
+          </a:fillRef>
+          <a:effectRef idx="0">
+            <a:schemeClr val="accent1"/>
+          </a:effectRef>
+          <a:fontRef idx="minor">
+            <a:schemeClr val="lt1"/>
+          </a:fontRef>
+        </p:style>
+        <p:txBody>
+          <a:bodyPr rtlCol="0" anchor="ctr"/>
+          <a:lstStyle/>
+          <a:p>
+            <a:pPr algn="ctr"/>
+            <a:r>
+              <a:rPr lang="en-US" dirty="0"/>
+              <a:t>Acknowledge</a:t>
+            </a:r>
+          </a:p>
+        </p:txBody>
+      </p:sp>
+      <p:sp>
+        <p:nvSpPr>
+          <p:cNvPr id="6" name="Rectangle 5">
+            <a:extLst>
+              <a:ext uri="{FF2B5EF4-FFF2-40B4-BE49-F238E27FC236}">
+                <a16:creationId xmlns:a16="http://schemas.microsoft.com/office/drawing/2014/main" id="{A049146D-42FC-CB4D-A9AA-3EEF0DCFAB0A}"/>
+              </a:ext>
+            </a:extLst>
+          </p:cNvPr>
+          <p:cNvSpPr/>
+          <p:nvPr/>
+        </p:nvSpPr>
+        <p:spPr>
+          <a:xfrm>
+            <a:off x="3744686" y="3897087"/>
+            <a:ext cx="5033554" cy="1132115"/>
+          </a:xfrm>
+          <a:prstGeom prst="rect">
+            <a:avLst/>
+          </a:prstGeom>
+        </p:spPr>
+        <p:style>
+          <a:lnRef idx="2">
+            <a:schemeClr val="accent1">
+              <a:shade val="50000"/>
+            </a:schemeClr>
+          </a:lnRef>
+          <a:fillRef idx="1">
+            <a:schemeClr val="accent1"/>
+          </a:fillRef>
+          <a:effectRef idx="0">
+            <a:schemeClr val="accent1"/>
+          </a:effectRef>
+          <a:fontRef idx="minor">
+            <a:schemeClr val="lt1"/>
+          </a:fontRef>
+        </p:style>
+        <p:txBody>
+          <a:bodyPr rtlCol="0" anchor="ctr"/>
+          <a:lstStyle/>
+          <a:p>
+            <a:pPr algn="ctr"/>
+            <a:r>
+              <a:rPr lang="en-US" dirty="0"/>
+              <a:t>Service2: Use the data from Service Accepting data</a:t>
+            </a:r>
+          </a:p>
+          <a:p>
+            <a:pPr algn="ctr"/>
+            <a:r>
+              <a:rPr lang="en-US" dirty="0"/>
+              <a:t>3. Process</a:t>
+            </a:r>
+          </a:p>
+        </p:txBody>
+      </p:sp>
+      <p:sp>
+        <p:nvSpPr>
+          <p:cNvPr id="7" name="Can 6">
+            <a:extLst>
+              <a:ext uri="{FF2B5EF4-FFF2-40B4-BE49-F238E27FC236}">
+                <a16:creationId xmlns:a16="http://schemas.microsoft.com/office/drawing/2014/main" id="{10762650-6449-8745-B704-AEACD45D7AA4}"/>
+              </a:ext>
+            </a:extLst>
+          </p:cNvPr>
+          <p:cNvSpPr/>
+          <p:nvPr/>
+        </p:nvSpPr>
+        <p:spPr>
+          <a:xfrm>
+            <a:off x="10328366" y="3958048"/>
+            <a:ext cx="1515291" cy="1114697"/>
+          </a:xfrm>
+          <a:prstGeom prst="can">
+            <a:avLst/>
+          </a:prstGeom>
+        </p:spPr>
+        <p:style>
+          <a:lnRef idx="2">
+            <a:schemeClr val="accent1">
+              <a:shade val="50000"/>
+            </a:schemeClr>
+          </a:lnRef>
+          <a:fillRef idx="1">
+            <a:schemeClr val="accent1"/>
+          </a:fillRef>
+          <a:effectRef idx="0">
+            <a:schemeClr val="accent1"/>
+          </a:effectRef>
+          <a:fontRef idx="minor">
+            <a:schemeClr val="lt1"/>
+          </a:fontRef>
+        </p:style>
+        <p:txBody>
+          <a:bodyPr rtlCol="0" anchor="ctr"/>
+          <a:lstStyle/>
+          <a:p>
+            <a:pPr algn="ctr"/>
+            <a:r>
+              <a:rPr lang="en-US" dirty="0"/>
+              <a:t>DB</a:t>
+            </a:r>
+          </a:p>
+        </p:txBody>
+      </p:sp>
+      <p:sp>
+        <p:nvSpPr>
+          <p:cNvPr id="8" name="Right Arrow 7">
+            <a:extLst>
+              <a:ext uri="{FF2B5EF4-FFF2-40B4-BE49-F238E27FC236}">
+                <a16:creationId xmlns:a16="http://schemas.microsoft.com/office/drawing/2014/main" id="{EB37C089-5F55-9547-B84F-BFCB065FB87F}"/>
+              </a:ext>
+            </a:extLst>
+          </p:cNvPr>
+          <p:cNvSpPr/>
+          <p:nvPr/>
+        </p:nvSpPr>
+        <p:spPr>
+          <a:xfrm>
+            <a:off x="8778240" y="4027716"/>
+            <a:ext cx="1567543" cy="435428"/>
+          </a:xfrm>
+          <a:prstGeom prst="rightArrow">
+            <a:avLst/>
+          </a:prstGeom>
+        </p:spPr>
+        <p:style>
+          <a:lnRef idx="2">
+            <a:schemeClr val="accent1">
+              <a:shade val="50000"/>
+            </a:schemeClr>
+          </a:lnRef>
+          <a:fillRef idx="1">
+            <a:schemeClr val="accent1"/>
+          </a:fillRef>
+          <a:effectRef idx="0">
+            <a:schemeClr val="accent1"/>
+          </a:effectRef>
+          <a:fontRef idx="minor">
+            <a:schemeClr val="lt1"/>
+          </a:fontRef>
+        </p:style>
+        <p:txBody>
+          <a:bodyPr rtlCol="0" anchor="ctr"/>
+          <a:lstStyle/>
+          <a:p>
+            <a:pPr algn="ctr"/>
+            <a:r>
+              <a:rPr lang="en-US" dirty="0"/>
+              <a:t>4. Send Data</a:t>
+            </a:r>
+          </a:p>
+        </p:txBody>
+      </p:sp>
+      <p:sp>
+        <p:nvSpPr>
+          <p:cNvPr id="9" name="Left Arrow 8">
+            <a:extLst>
+              <a:ext uri="{FF2B5EF4-FFF2-40B4-BE49-F238E27FC236}">
+                <a16:creationId xmlns:a16="http://schemas.microsoft.com/office/drawing/2014/main" id="{86E70F9A-B1E5-5D44-A550-F4C7BE1469DE}"/>
+              </a:ext>
+            </a:extLst>
+          </p:cNvPr>
+          <p:cNvSpPr/>
+          <p:nvPr/>
+        </p:nvSpPr>
+        <p:spPr>
+          <a:xfrm>
+            <a:off x="8778240" y="4593773"/>
+            <a:ext cx="1550126" cy="435429"/>
+          </a:xfrm>
+          <a:prstGeom prst="leftArrow">
+            <a:avLst/>
+          </a:prstGeom>
+        </p:spPr>
+        <p:style>
+          <a:lnRef idx="2">
+            <a:schemeClr val="accent1">
+              <a:shade val="50000"/>
+            </a:schemeClr>
+          </a:lnRef>
+          <a:fillRef idx="1">
+            <a:schemeClr val="accent1"/>
+          </a:fillRef>
+          <a:effectRef idx="0">
+            <a:schemeClr val="accent1"/>
+          </a:effectRef>
+          <a:fontRef idx="minor">
+            <a:schemeClr val="lt1"/>
+          </a:fontRef>
+        </p:style>
+        <p:txBody>
+          <a:bodyPr rtlCol="0" anchor="ctr"/>
+          <a:lstStyle/>
+          <a:p>
+            <a:pPr algn="ctr"/>
+            <a:r>
+              <a:rPr lang="en-US" dirty="0"/>
+              <a:t>Acknowledge</a:t>
+            </a:r>
+          </a:p>
+        </p:txBody>
+      </p:sp>
+      <p:cxnSp>
+        <p:nvCxnSpPr>
+          <p:cNvPr id="11" name="Straight Arrow Connector 10">
+            <a:extLst>
+              <a:ext uri="{FF2B5EF4-FFF2-40B4-BE49-F238E27FC236}">
+                <a16:creationId xmlns:a16="http://schemas.microsoft.com/office/drawing/2014/main" id="{38315A9F-135E-994F-A4F9-1E6D285BE808}"/>
+              </a:ext>
+            </a:extLst>
+          </p:cNvPr>
+          <p:cNvCxnSpPr>
+            <a:endCxn id="3" idx="3"/>
+          </p:cNvCxnSpPr>
+          <p:nvPr/>
+        </p:nvCxnSpPr>
+        <p:spPr>
+          <a:xfrm flipV="1">
+            <a:off x="6653349" y="2403566"/>
+            <a:ext cx="4432663" cy="1480457"/>
+          </a:xfrm>
+          <a:prstGeom prst="straightConnector1">
+            <a:avLst/>
+          </a:prstGeom>
+          <a:ln>
+            <a:tailEnd type="triangle"/>
+          </a:ln>
+        </p:spPr>
+        <p:style>
+          <a:lnRef idx="1">
+            <a:schemeClr val="accent1"/>
+          </a:lnRef>
+          <a:fillRef idx="0">
+            <a:schemeClr val="accent1"/>
+          </a:fillRef>
+          <a:effectRef idx="0">
+            <a:schemeClr val="accent1"/>
+          </a:effectRef>
+          <a:fontRef idx="minor">
+            <a:schemeClr val="tx1"/>
+          </a:fontRef>
+        </p:style>
+      </p:cxnSp>
+      <p:cxnSp>
+        <p:nvCxnSpPr>
+          <p:cNvPr id="13" name="Straight Arrow Connector 12">
+            <a:extLst>
+              <a:ext uri="{FF2B5EF4-FFF2-40B4-BE49-F238E27FC236}">
+                <a16:creationId xmlns:a16="http://schemas.microsoft.com/office/drawing/2014/main" id="{27B143A3-78D6-FD44-9DA7-C58619CBB0F5}"/>
+              </a:ext>
+            </a:extLst>
+          </p:cNvPr>
+          <p:cNvCxnSpPr>
+            <a:stCxn id="3" idx="3"/>
+          </p:cNvCxnSpPr>
+          <p:nvPr/>
+        </p:nvCxnSpPr>
+        <p:spPr>
+          <a:xfrm flipH="1">
+            <a:off x="7480663" y="2403566"/>
+            <a:ext cx="3605349" cy="1493521"/>
+          </a:xfrm>
+          <a:prstGeom prst="straightConnector1">
+            <a:avLst/>
+          </a:prstGeom>
+          <a:ln>
+            <a:tailEnd type="triangle"/>
+          </a:ln>
+        </p:spPr>
+        <p:style>
+          <a:lnRef idx="1">
+            <a:schemeClr val="accent1"/>
+          </a:lnRef>
+          <a:fillRef idx="0">
+            <a:schemeClr val="accent1"/>
+          </a:fillRef>
+          <a:effectRef idx="0">
+            <a:schemeClr val="accent1"/>
+          </a:effectRef>
+          <a:fontRef idx="minor">
+            <a:schemeClr val="tx1"/>
+          </a:fontRef>
+        </p:style>
+      </p:cxnSp>
+      <p:sp>
+        <p:nvSpPr>
+          <p:cNvPr id="15" name="TextBox 14">
+            <a:extLst>
+              <a:ext uri="{FF2B5EF4-FFF2-40B4-BE49-F238E27FC236}">
+                <a16:creationId xmlns:a16="http://schemas.microsoft.com/office/drawing/2014/main" id="{920D47E8-9CB0-9147-B4D1-722059DA087D}"/>
+              </a:ext>
+            </a:extLst>
+          </p:cNvPr>
+          <p:cNvSpPr txBox="1"/>
+          <p:nvPr/>
+        </p:nvSpPr>
+        <p:spPr>
+          <a:xfrm>
+            <a:off x="6731726" y="2751909"/>
+            <a:ext cx="2046514" cy="369332"/>
+          </a:xfrm>
+          <a:prstGeom prst="rect">
+            <a:avLst/>
+          </a:prstGeom>
+          <a:noFill/>
+        </p:spPr>
+        <p:txBody>
+          <a:bodyPr wrap="square" rtlCol="0">
+            <a:spAutoFit/>
+          </a:bodyPr>
+          <a:lstStyle/>
+          <a:p>
+            <a:r>
+              <a:rPr lang="en-US" dirty="0"/>
+              <a:t>1. Request for data</a:t>
+            </a:r>
+          </a:p>
+        </p:txBody>
+      </p:sp>
+      <p:sp>
+        <p:nvSpPr>
+          <p:cNvPr id="16" name="TextBox 15">
+            <a:extLst>
+              <a:ext uri="{FF2B5EF4-FFF2-40B4-BE49-F238E27FC236}">
+                <a16:creationId xmlns:a16="http://schemas.microsoft.com/office/drawing/2014/main" id="{C6F44187-971D-B642-8E54-6B1E0086E00E}"/>
+              </a:ext>
+            </a:extLst>
+          </p:cNvPr>
+          <p:cNvSpPr txBox="1"/>
+          <p:nvPr/>
+        </p:nvSpPr>
+        <p:spPr>
+          <a:xfrm>
+            <a:off x="10119360" y="2838994"/>
+            <a:ext cx="1436914" cy="646331"/>
+          </a:xfrm>
+          <a:prstGeom prst="rect">
+            <a:avLst/>
+          </a:prstGeom>
+          <a:noFill/>
+        </p:spPr>
+        <p:txBody>
+          <a:bodyPr wrap="square" rtlCol="0">
+            <a:spAutoFit/>
+          </a:bodyPr>
+          <a:lstStyle/>
+          <a:p>
+            <a:r>
+              <a:rPr lang="en-US" dirty="0"/>
+              <a:t>2, Receive Data</a:t>
+            </a:r>
+          </a:p>
+        </p:txBody>
+      </p:sp>
+      <p:sp>
+        <p:nvSpPr>
+          <p:cNvPr id="17" name="TextBox 16">
+            <a:extLst>
+              <a:ext uri="{FF2B5EF4-FFF2-40B4-BE49-F238E27FC236}">
+                <a16:creationId xmlns:a16="http://schemas.microsoft.com/office/drawing/2014/main" id="{E261CFE9-7C1A-894C-8579-CAAE27CB2630}"/>
+              </a:ext>
+            </a:extLst>
+          </p:cNvPr>
+          <p:cNvSpPr txBox="1"/>
+          <p:nvPr/>
+        </p:nvSpPr>
+        <p:spPr>
+          <a:xfrm>
+            <a:off x="9274629" y="5029202"/>
+            <a:ext cx="357051" cy="369332"/>
+          </a:xfrm>
+          <a:prstGeom prst="rect">
+            <a:avLst/>
+          </a:prstGeom>
+          <a:noFill/>
+        </p:spPr>
+        <p:txBody>
+          <a:bodyPr wrap="square" rtlCol="0">
+            <a:spAutoFit/>
+          </a:bodyPr>
+          <a:lstStyle/>
+          <a:p>
+            <a:r>
+              <a:rPr lang="en-US" dirty="0"/>
+              <a:t>5</a:t>
+            </a:r>
+          </a:p>
+        </p:txBody>
+      </p:sp>
+      <p:sp>
+        <p:nvSpPr>
+          <p:cNvPr id="18" name="TextBox 17">
+            <a:extLst>
+              <a:ext uri="{FF2B5EF4-FFF2-40B4-BE49-F238E27FC236}">
+                <a16:creationId xmlns:a16="http://schemas.microsoft.com/office/drawing/2014/main" id="{CF7F5CBC-D8D7-DA4C-8646-E3E8E9583438}"/>
+              </a:ext>
+            </a:extLst>
+          </p:cNvPr>
+          <p:cNvSpPr txBox="1"/>
+          <p:nvPr/>
+        </p:nvSpPr>
+        <p:spPr>
+          <a:xfrm>
+            <a:off x="3492137" y="2969624"/>
+            <a:ext cx="2029097" cy="646331"/>
+          </a:xfrm>
+          <a:prstGeom prst="rect">
+            <a:avLst/>
+          </a:prstGeom>
+          <a:noFill/>
+        </p:spPr>
+        <p:txBody>
+          <a:bodyPr wrap="square" rtlCol="0">
+            <a:spAutoFit/>
+          </a:bodyPr>
+          <a:lstStyle/>
+          <a:p>
+            <a:r>
+              <a:rPr lang="en-US" dirty="0"/>
+              <a:t>Dependency across multi-databases</a:t>
+            </a:r>
+          </a:p>
+        </p:txBody>
+      </p:sp>
+      <p:cxnSp>
+        <p:nvCxnSpPr>
+          <p:cNvPr id="20" name="Straight Arrow Connector 19">
+            <a:extLst>
+              <a:ext uri="{FF2B5EF4-FFF2-40B4-BE49-F238E27FC236}">
+                <a16:creationId xmlns:a16="http://schemas.microsoft.com/office/drawing/2014/main" id="{8BD26570-A431-BB47-99EB-6BC725E0B00D}"/>
+              </a:ext>
+            </a:extLst>
+          </p:cNvPr>
+          <p:cNvCxnSpPr/>
+          <p:nvPr/>
+        </p:nvCxnSpPr>
+        <p:spPr>
+          <a:xfrm>
+            <a:off x="5738949" y="3239589"/>
+            <a:ext cx="1445622" cy="0"/>
+          </a:xfrm>
+          <a:prstGeom prst="straightConnector1">
+            <a:avLst/>
+          </a:prstGeom>
+          <a:ln>
+            <a:tailEnd type="triangle"/>
+          </a:ln>
+        </p:spPr>
+        <p:style>
+          <a:lnRef idx="1">
+            <a:schemeClr val="accent1"/>
+          </a:lnRef>
+          <a:fillRef idx="0">
+            <a:schemeClr val="accent1"/>
+          </a:fillRef>
+          <a:effectRef idx="0">
+            <a:schemeClr val="accent1"/>
+          </a:effectRef>
+          <a:fontRef idx="minor">
+            <a:schemeClr val="tx1"/>
+          </a:fontRef>
+        </p:style>
+      </p:cxnSp>
+      <p:sp>
+        <p:nvSpPr>
+          <p:cNvPr id="21" name="TextBox 20">
+            <a:extLst>
+              <a:ext uri="{FF2B5EF4-FFF2-40B4-BE49-F238E27FC236}">
+                <a16:creationId xmlns:a16="http://schemas.microsoft.com/office/drawing/2014/main" id="{4C374469-865A-9546-818A-3D4420ED4F95}"/>
+              </a:ext>
+            </a:extLst>
+          </p:cNvPr>
+          <p:cNvSpPr txBox="1"/>
+          <p:nvPr/>
+        </p:nvSpPr>
+        <p:spPr>
+          <a:xfrm>
+            <a:off x="348343" y="1515291"/>
+            <a:ext cx="2603863" cy="3139321"/>
+          </a:xfrm>
+          <a:prstGeom prst="rect">
+            <a:avLst/>
+          </a:prstGeom>
+          <a:noFill/>
+        </p:spPr>
+        <p:txBody>
+          <a:bodyPr wrap="square" rtlCol="0">
+            <a:spAutoFit/>
+          </a:bodyPr>
+          <a:lstStyle/>
+          <a:p>
+            <a:r>
+              <a:rPr lang="en-US" dirty="0"/>
+              <a:t>Generally one microservice should interact with its own database. The Microservice MUST avoid data operations across multiple databases. The Dependency of Service 2 on Database of Service1 may result into non-scalability for Service 2   </a:t>
+            </a:r>
+          </a:p>
+        </p:txBody>
+      </p:sp>
+    </p:spTree>
+    <p:extLst>
+      <p:ext uri="{BB962C8B-B14F-4D97-AF65-F5344CB8AC3E}">
+        <p14:creationId xmlns:p14="http://schemas.microsoft.com/office/powerpoint/2010/main" val="2526349308"/>
+      </p:ext>
+    </p:extLst>
+  </p:cSld>
+  <p:clrMapOvr>
+    <a:masterClrMapping/>
+  </p:clrMapOvr>
+</p:sld>
+</file>
+
+<file path=ppt/slides/slide56.xml><?xml version="1.0" encoding="utf-8"?>
+<p:sld xmlns:a="http://schemas.openxmlformats.org/drawingml/2006/main" xmlns:r="http://schemas.openxmlformats.org/officeDocument/2006/relationships" xmlns:p="http://schemas.openxmlformats.org/presentationml/2006/main">
+  <p:cSld>
+    <p:spTree>
+      <p:nvGrpSpPr>
+        <p:cNvPr id="1" name=""/>
+        <p:cNvGrpSpPr/>
+        <p:nvPr/>
+      </p:nvGrpSpPr>
+      <p:grpSpPr>
+        <a:xfrm>
+          <a:off x="0" y="0"/>
+          <a:ext cx="0" cy="0"/>
+          <a:chOff x="0" y="0"/>
+          <a:chExt cx="0" cy="0"/>
+        </a:xfrm>
+      </p:grpSpPr>
+      <p:sp>
+        <p:nvSpPr>
+          <p:cNvPr id="2" name="TextBox 1">
+            <a:extLst>
+              <a:ext uri="{FF2B5EF4-FFF2-40B4-BE49-F238E27FC236}">
+                <a16:creationId xmlns:a16="http://schemas.microsoft.com/office/drawing/2014/main" id="{D63034CC-62C5-B546-9EFF-9EA571C085EF}"/>
+              </a:ext>
+            </a:extLst>
+          </p:cNvPr>
+          <p:cNvSpPr txBox="1"/>
+          <p:nvPr/>
+        </p:nvSpPr>
+        <p:spPr>
+          <a:xfrm>
+            <a:off x="3370217" y="226423"/>
+            <a:ext cx="5721532" cy="1077218"/>
+          </a:xfrm>
+          <a:prstGeom prst="rect">
+            <a:avLst/>
+          </a:prstGeom>
+          <a:noFill/>
+        </p:spPr>
+        <p:txBody>
+          <a:bodyPr wrap="square" rtlCol="0">
+            <a:spAutoFit/>
+          </a:bodyPr>
+          <a:lstStyle/>
+          <a:p>
+            <a:pPr algn="ctr"/>
+            <a:r>
+              <a:rPr lang="en-US" sz="3200" dirty="0"/>
+              <a:t>Microservices with State in Persistable Store</a:t>
+            </a:r>
+          </a:p>
+        </p:txBody>
+      </p:sp>
+      <p:sp>
+        <p:nvSpPr>
+          <p:cNvPr id="3" name="Rectangle 2">
+            <a:extLst>
+              <a:ext uri="{FF2B5EF4-FFF2-40B4-BE49-F238E27FC236}">
+                <a16:creationId xmlns:a16="http://schemas.microsoft.com/office/drawing/2014/main" id="{7A1F5158-2678-474A-BBFD-94ED5B98ACCD}"/>
+              </a:ext>
+            </a:extLst>
+          </p:cNvPr>
+          <p:cNvSpPr/>
+          <p:nvPr/>
+        </p:nvSpPr>
+        <p:spPr>
+          <a:xfrm>
+            <a:off x="2360023" y="2438399"/>
+            <a:ext cx="5033554" cy="1132115"/>
+          </a:xfrm>
+          <a:prstGeom prst="rect">
+            <a:avLst/>
+          </a:prstGeom>
+        </p:spPr>
+        <p:style>
+          <a:lnRef idx="2">
+            <a:schemeClr val="accent1">
+              <a:shade val="50000"/>
+            </a:schemeClr>
+          </a:lnRef>
+          <a:fillRef idx="1">
+            <a:schemeClr val="accent1"/>
+          </a:fillRef>
+          <a:effectRef idx="0">
+            <a:schemeClr val="accent1"/>
+          </a:effectRef>
+          <a:fontRef idx="minor">
+            <a:schemeClr val="lt1"/>
+          </a:fontRef>
+        </p:style>
+        <p:txBody>
+          <a:bodyPr rtlCol="0" anchor="ctr"/>
+          <a:lstStyle/>
+          <a:p>
+            <a:pPr algn="ctr"/>
+            <a:r>
+              <a:rPr lang="en-US" dirty="0"/>
+              <a:t>Service1: Accepting Data from Client</a:t>
+            </a:r>
+          </a:p>
+        </p:txBody>
+      </p:sp>
+      <p:sp>
+        <p:nvSpPr>
+          <p:cNvPr id="4" name="Rectangle 3">
+            <a:extLst>
+              <a:ext uri="{FF2B5EF4-FFF2-40B4-BE49-F238E27FC236}">
+                <a16:creationId xmlns:a16="http://schemas.microsoft.com/office/drawing/2014/main" id="{1EE830B5-5C9D-3743-B6BB-FF6616066A4A}"/>
+              </a:ext>
+            </a:extLst>
+          </p:cNvPr>
+          <p:cNvSpPr/>
+          <p:nvPr/>
+        </p:nvSpPr>
+        <p:spPr>
+          <a:xfrm>
+            <a:off x="2360023" y="4419601"/>
+            <a:ext cx="5033554" cy="1132115"/>
+          </a:xfrm>
+          <a:prstGeom prst="rect">
+            <a:avLst/>
+          </a:prstGeom>
+        </p:spPr>
+        <p:style>
+          <a:lnRef idx="2">
+            <a:schemeClr val="accent1">
+              <a:shade val="50000"/>
+            </a:schemeClr>
+          </a:lnRef>
+          <a:fillRef idx="1">
+            <a:schemeClr val="accent1"/>
+          </a:fillRef>
+          <a:effectRef idx="0">
+            <a:schemeClr val="accent1"/>
+          </a:effectRef>
+          <a:fontRef idx="minor">
+            <a:schemeClr val="lt1"/>
+          </a:fontRef>
+        </p:style>
+        <p:txBody>
+          <a:bodyPr rtlCol="0" anchor="ctr"/>
+          <a:lstStyle/>
+          <a:p>
+            <a:pPr algn="ctr"/>
+            <a:r>
+              <a:rPr lang="en-US" dirty="0"/>
+              <a:t>Service2: Use the data from Service Accepting data</a:t>
+            </a:r>
+          </a:p>
+          <a:p>
+            <a:pPr algn="ctr"/>
+            <a:r>
+              <a:rPr lang="en-US" dirty="0"/>
+              <a:t>3. Process</a:t>
+            </a:r>
+          </a:p>
+        </p:txBody>
+      </p:sp>
+      <p:sp>
+        <p:nvSpPr>
+          <p:cNvPr id="5" name="Rounded Rectangle 4">
+            <a:extLst>
+              <a:ext uri="{FF2B5EF4-FFF2-40B4-BE49-F238E27FC236}">
+                <a16:creationId xmlns:a16="http://schemas.microsoft.com/office/drawing/2014/main" id="{BCF1FD1F-62C5-D84D-B226-95F65F1DAC34}"/>
+              </a:ext>
+            </a:extLst>
+          </p:cNvPr>
+          <p:cNvSpPr/>
+          <p:nvPr/>
+        </p:nvSpPr>
+        <p:spPr>
+          <a:xfrm>
+            <a:off x="8508275" y="1303641"/>
+            <a:ext cx="3405052" cy="5158119"/>
+          </a:xfrm>
+          <a:prstGeom prst="roundRect">
+            <a:avLst/>
+          </a:prstGeom>
+        </p:spPr>
+        <p:style>
+          <a:lnRef idx="2">
+            <a:schemeClr val="accent6"/>
+          </a:lnRef>
+          <a:fillRef idx="1">
+            <a:schemeClr val="lt1"/>
+          </a:fillRef>
+          <a:effectRef idx="0">
+            <a:schemeClr val="accent6"/>
+          </a:effectRef>
+          <a:fontRef idx="minor">
+            <a:schemeClr val="dk1"/>
+          </a:fontRef>
+        </p:style>
+        <p:txBody>
+          <a:bodyPr rtlCol="0" anchor="ctr"/>
+          <a:lstStyle/>
+          <a:p>
+            <a:pPr algn="ctr"/>
+            <a:endParaRPr lang="en-US"/>
+          </a:p>
+        </p:txBody>
+      </p:sp>
+      <p:sp>
+        <p:nvSpPr>
+          <p:cNvPr id="6" name="TextBox 5">
+            <a:extLst>
+              <a:ext uri="{FF2B5EF4-FFF2-40B4-BE49-F238E27FC236}">
+                <a16:creationId xmlns:a16="http://schemas.microsoft.com/office/drawing/2014/main" id="{377BDA58-4F07-704A-AF4C-D3479D99EADC}"/>
+              </a:ext>
+            </a:extLst>
+          </p:cNvPr>
+          <p:cNvSpPr txBox="1"/>
+          <p:nvPr/>
+        </p:nvSpPr>
+        <p:spPr>
+          <a:xfrm>
+            <a:off x="9091749" y="1428206"/>
+            <a:ext cx="2595154" cy="369332"/>
+          </a:xfrm>
+          <a:prstGeom prst="rect">
+            <a:avLst/>
+          </a:prstGeom>
+          <a:noFill/>
+        </p:spPr>
+        <p:txBody>
+          <a:bodyPr wrap="square" rtlCol="0">
+            <a:spAutoFit/>
+          </a:bodyPr>
+          <a:lstStyle/>
+          <a:p>
+            <a:pPr algn="ctr"/>
+            <a:r>
+              <a:rPr lang="en-US" dirty="0"/>
+              <a:t>Database Clusters</a:t>
+            </a:r>
+          </a:p>
+        </p:txBody>
+      </p:sp>
+      <p:sp>
+        <p:nvSpPr>
+          <p:cNvPr id="7" name="Can 6">
+            <a:extLst>
+              <a:ext uri="{FF2B5EF4-FFF2-40B4-BE49-F238E27FC236}">
+                <a16:creationId xmlns:a16="http://schemas.microsoft.com/office/drawing/2014/main" id="{7F169F92-CC57-F040-83CB-2C65936482E1}"/>
+              </a:ext>
+            </a:extLst>
+          </p:cNvPr>
+          <p:cNvSpPr/>
+          <p:nvPr/>
+        </p:nvSpPr>
+        <p:spPr>
+          <a:xfrm>
+            <a:off x="8647611" y="2438399"/>
+            <a:ext cx="1375955" cy="783772"/>
+          </a:xfrm>
+          <a:prstGeom prst="can">
+            <a:avLst/>
+          </a:prstGeom>
+        </p:spPr>
+        <p:style>
+          <a:lnRef idx="2">
+            <a:schemeClr val="accent1">
+              <a:shade val="50000"/>
+            </a:schemeClr>
+          </a:lnRef>
+          <a:fillRef idx="1">
+            <a:schemeClr val="accent1"/>
+          </a:fillRef>
+          <a:effectRef idx="0">
+            <a:schemeClr val="accent1"/>
+          </a:effectRef>
+          <a:fontRef idx="minor">
+            <a:schemeClr val="lt1"/>
+          </a:fontRef>
+        </p:style>
+        <p:txBody>
+          <a:bodyPr rtlCol="0" anchor="ctr"/>
+          <a:lstStyle/>
+          <a:p>
+            <a:pPr algn="ctr"/>
+            <a:r>
+              <a:rPr lang="en-US" dirty="0"/>
+              <a:t>Primary</a:t>
+            </a:r>
+          </a:p>
+        </p:txBody>
+      </p:sp>
+      <p:sp>
+        <p:nvSpPr>
+          <p:cNvPr id="8" name="Can 7">
+            <a:extLst>
+              <a:ext uri="{FF2B5EF4-FFF2-40B4-BE49-F238E27FC236}">
+                <a16:creationId xmlns:a16="http://schemas.microsoft.com/office/drawing/2014/main" id="{CB4C581B-D01E-E64B-85C7-809B54E315CD}"/>
+              </a:ext>
+            </a:extLst>
+          </p:cNvPr>
+          <p:cNvSpPr/>
+          <p:nvPr/>
+        </p:nvSpPr>
+        <p:spPr>
+          <a:xfrm>
+            <a:off x="8647610" y="3831769"/>
+            <a:ext cx="1375955" cy="783772"/>
+          </a:xfrm>
+          <a:prstGeom prst="can">
+            <a:avLst/>
+          </a:prstGeom>
+        </p:spPr>
+        <p:style>
+          <a:lnRef idx="2">
+            <a:schemeClr val="accent1">
+              <a:shade val="50000"/>
+            </a:schemeClr>
+          </a:lnRef>
+          <a:fillRef idx="1">
+            <a:schemeClr val="accent1"/>
+          </a:fillRef>
+          <a:effectRef idx="0">
+            <a:schemeClr val="accent1"/>
+          </a:effectRef>
+          <a:fontRef idx="minor">
+            <a:schemeClr val="lt1"/>
+          </a:fontRef>
+        </p:style>
+        <p:txBody>
+          <a:bodyPr rtlCol="0" anchor="ctr"/>
+          <a:lstStyle/>
+          <a:p>
+            <a:pPr algn="ctr"/>
+            <a:r>
+              <a:rPr lang="en-US" dirty="0"/>
+              <a:t>Primary</a:t>
+            </a:r>
+          </a:p>
+        </p:txBody>
+      </p:sp>
+      <p:sp>
+        <p:nvSpPr>
+          <p:cNvPr id="9" name="Can 8">
+            <a:extLst>
+              <a:ext uri="{FF2B5EF4-FFF2-40B4-BE49-F238E27FC236}">
+                <a16:creationId xmlns:a16="http://schemas.microsoft.com/office/drawing/2014/main" id="{2EBA8428-FEF3-224B-8928-13B413B90012}"/>
+              </a:ext>
+            </a:extLst>
+          </p:cNvPr>
+          <p:cNvSpPr/>
+          <p:nvPr/>
+        </p:nvSpPr>
+        <p:spPr>
+          <a:xfrm>
+            <a:off x="8647610" y="5109282"/>
+            <a:ext cx="1375955" cy="783772"/>
+          </a:xfrm>
+          <a:prstGeom prst="can">
+            <a:avLst/>
+          </a:prstGeom>
+        </p:spPr>
+        <p:style>
+          <a:lnRef idx="2">
+            <a:schemeClr val="accent1">
+              <a:shade val="50000"/>
+            </a:schemeClr>
+          </a:lnRef>
+          <a:fillRef idx="1">
+            <a:schemeClr val="accent1"/>
+          </a:fillRef>
+          <a:effectRef idx="0">
+            <a:schemeClr val="accent1"/>
+          </a:effectRef>
+          <a:fontRef idx="minor">
+            <a:schemeClr val="lt1"/>
+          </a:fontRef>
+        </p:style>
+        <p:txBody>
+          <a:bodyPr rtlCol="0" anchor="ctr"/>
+          <a:lstStyle/>
+          <a:p>
+            <a:pPr algn="ctr"/>
+            <a:r>
+              <a:rPr lang="en-US" dirty="0"/>
+              <a:t>Primary</a:t>
+            </a:r>
+          </a:p>
+        </p:txBody>
+      </p:sp>
+      <p:sp>
+        <p:nvSpPr>
+          <p:cNvPr id="10" name="Can 9">
+            <a:extLst>
+              <a:ext uri="{FF2B5EF4-FFF2-40B4-BE49-F238E27FC236}">
+                <a16:creationId xmlns:a16="http://schemas.microsoft.com/office/drawing/2014/main" id="{BFBCE2C0-F6A0-E142-BEAB-64A6E25F39AE}"/>
+              </a:ext>
+            </a:extLst>
+          </p:cNvPr>
+          <p:cNvSpPr/>
+          <p:nvPr/>
+        </p:nvSpPr>
+        <p:spPr>
+          <a:xfrm>
+            <a:off x="10384971" y="2438399"/>
+            <a:ext cx="1375955" cy="783772"/>
+          </a:xfrm>
+          <a:prstGeom prst="can">
+            <a:avLst/>
+          </a:prstGeom>
+        </p:spPr>
+        <p:style>
+          <a:lnRef idx="2">
+            <a:schemeClr val="accent1">
+              <a:shade val="50000"/>
+            </a:schemeClr>
+          </a:lnRef>
+          <a:fillRef idx="1">
+            <a:schemeClr val="accent1"/>
+          </a:fillRef>
+          <a:effectRef idx="0">
+            <a:schemeClr val="accent1"/>
+          </a:effectRef>
+          <a:fontRef idx="minor">
+            <a:schemeClr val="lt1"/>
+          </a:fontRef>
+        </p:style>
+        <p:txBody>
+          <a:bodyPr rtlCol="0" anchor="ctr"/>
+          <a:lstStyle/>
+          <a:p>
+            <a:pPr algn="ctr"/>
+            <a:r>
+              <a:rPr lang="en-US" dirty="0"/>
+              <a:t>Secondary</a:t>
+            </a:r>
+          </a:p>
+        </p:txBody>
+      </p:sp>
+      <p:sp>
+        <p:nvSpPr>
+          <p:cNvPr id="11" name="Can 10">
+            <a:extLst>
+              <a:ext uri="{FF2B5EF4-FFF2-40B4-BE49-F238E27FC236}">
+                <a16:creationId xmlns:a16="http://schemas.microsoft.com/office/drawing/2014/main" id="{9FF17A82-7003-0E48-86D9-E0C0A4756C7E}"/>
+              </a:ext>
+            </a:extLst>
+          </p:cNvPr>
+          <p:cNvSpPr/>
+          <p:nvPr/>
+        </p:nvSpPr>
+        <p:spPr>
+          <a:xfrm>
+            <a:off x="10384970" y="3831769"/>
+            <a:ext cx="1375955" cy="783772"/>
+          </a:xfrm>
+          <a:prstGeom prst="can">
+            <a:avLst/>
+          </a:prstGeom>
+        </p:spPr>
+        <p:style>
+          <a:lnRef idx="2">
+            <a:schemeClr val="accent1">
+              <a:shade val="50000"/>
+            </a:schemeClr>
+          </a:lnRef>
+          <a:fillRef idx="1">
+            <a:schemeClr val="accent1"/>
+          </a:fillRef>
+          <a:effectRef idx="0">
+            <a:schemeClr val="accent1"/>
+          </a:effectRef>
+          <a:fontRef idx="minor">
+            <a:schemeClr val="lt1"/>
+          </a:fontRef>
+        </p:style>
+        <p:txBody>
+          <a:bodyPr rtlCol="0" anchor="ctr"/>
+          <a:lstStyle/>
+          <a:p>
+            <a:pPr algn="ctr"/>
+            <a:r>
+              <a:rPr lang="en-US" dirty="0"/>
+              <a:t>Secondary </a:t>
+            </a:r>
+          </a:p>
+        </p:txBody>
+      </p:sp>
+      <p:sp>
+        <p:nvSpPr>
+          <p:cNvPr id="12" name="Can 11">
+            <a:extLst>
+              <a:ext uri="{FF2B5EF4-FFF2-40B4-BE49-F238E27FC236}">
+                <a16:creationId xmlns:a16="http://schemas.microsoft.com/office/drawing/2014/main" id="{E5DA95EE-9A96-B242-A8BF-0462C22045A0}"/>
+              </a:ext>
+            </a:extLst>
+          </p:cNvPr>
+          <p:cNvSpPr/>
+          <p:nvPr/>
+        </p:nvSpPr>
+        <p:spPr>
+          <a:xfrm>
+            <a:off x="10384970" y="5109282"/>
+            <a:ext cx="1375955" cy="783772"/>
+          </a:xfrm>
+          <a:prstGeom prst="can">
+            <a:avLst/>
+          </a:prstGeom>
+        </p:spPr>
+        <p:style>
+          <a:lnRef idx="2">
+            <a:schemeClr val="accent1">
+              <a:shade val="50000"/>
+            </a:schemeClr>
+          </a:lnRef>
+          <a:fillRef idx="1">
+            <a:schemeClr val="accent1"/>
+          </a:fillRef>
+          <a:effectRef idx="0">
+            <a:schemeClr val="accent1"/>
+          </a:effectRef>
+          <a:fontRef idx="minor">
+            <a:schemeClr val="lt1"/>
+          </a:fontRef>
+        </p:style>
+        <p:txBody>
+          <a:bodyPr rtlCol="0" anchor="ctr"/>
+          <a:lstStyle/>
+          <a:p>
+            <a:pPr algn="ctr"/>
+            <a:r>
+              <a:rPr lang="en-US" dirty="0"/>
+              <a:t>Secondary</a:t>
+            </a:r>
+          </a:p>
+        </p:txBody>
+      </p:sp>
+      <p:sp>
+        <p:nvSpPr>
+          <p:cNvPr id="13" name="Left-right Arrow 12">
+            <a:extLst>
+              <a:ext uri="{FF2B5EF4-FFF2-40B4-BE49-F238E27FC236}">
+                <a16:creationId xmlns:a16="http://schemas.microsoft.com/office/drawing/2014/main" id="{08C89BA2-8299-F74C-AB75-E6F883D04628}"/>
+              </a:ext>
+            </a:extLst>
+          </p:cNvPr>
+          <p:cNvSpPr/>
+          <p:nvPr/>
+        </p:nvSpPr>
+        <p:spPr>
+          <a:xfrm>
+            <a:off x="10023565" y="2874756"/>
+            <a:ext cx="361405" cy="150690"/>
+          </a:xfrm>
+          <a:prstGeom prst="leftRightArrow">
+            <a:avLst/>
+          </a:prstGeom>
+        </p:spPr>
+        <p:style>
+          <a:lnRef idx="2">
+            <a:schemeClr val="accent1">
+              <a:shade val="50000"/>
+            </a:schemeClr>
+          </a:lnRef>
+          <a:fillRef idx="1">
+            <a:schemeClr val="accent1"/>
+          </a:fillRef>
+          <a:effectRef idx="0">
+            <a:schemeClr val="accent1"/>
+          </a:effectRef>
+          <a:fontRef idx="minor">
+            <a:schemeClr val="lt1"/>
+          </a:fontRef>
+        </p:style>
+        <p:txBody>
+          <a:bodyPr rtlCol="0" anchor="ctr"/>
+          <a:lstStyle/>
+          <a:p>
+            <a:pPr algn="ctr"/>
+            <a:endParaRPr lang="en-US"/>
+          </a:p>
+        </p:txBody>
+      </p:sp>
+      <p:sp>
+        <p:nvSpPr>
+          <p:cNvPr id="14" name="Left-right Arrow 13">
+            <a:extLst>
+              <a:ext uri="{FF2B5EF4-FFF2-40B4-BE49-F238E27FC236}">
+                <a16:creationId xmlns:a16="http://schemas.microsoft.com/office/drawing/2014/main" id="{15B3A28F-E571-354D-8DE9-369EC3990289}"/>
+              </a:ext>
+            </a:extLst>
+          </p:cNvPr>
+          <p:cNvSpPr/>
+          <p:nvPr/>
+        </p:nvSpPr>
+        <p:spPr>
+          <a:xfrm>
+            <a:off x="10023564" y="4162619"/>
+            <a:ext cx="361405" cy="150690"/>
+          </a:xfrm>
+          <a:prstGeom prst="leftRightArrow">
+            <a:avLst/>
+          </a:prstGeom>
+        </p:spPr>
+        <p:style>
+          <a:lnRef idx="2">
+            <a:schemeClr val="accent1">
+              <a:shade val="50000"/>
+            </a:schemeClr>
+          </a:lnRef>
+          <a:fillRef idx="1">
+            <a:schemeClr val="accent1"/>
+          </a:fillRef>
+          <a:effectRef idx="0">
+            <a:schemeClr val="accent1"/>
+          </a:effectRef>
+          <a:fontRef idx="minor">
+            <a:schemeClr val="lt1"/>
+          </a:fontRef>
+        </p:style>
+        <p:txBody>
+          <a:bodyPr rtlCol="0" anchor="ctr"/>
+          <a:lstStyle/>
+          <a:p>
+            <a:pPr algn="ctr"/>
+            <a:endParaRPr lang="en-US"/>
+          </a:p>
+        </p:txBody>
+      </p:sp>
+      <p:sp>
+        <p:nvSpPr>
+          <p:cNvPr id="15" name="Left-right Arrow 14">
+            <a:extLst>
+              <a:ext uri="{FF2B5EF4-FFF2-40B4-BE49-F238E27FC236}">
+                <a16:creationId xmlns:a16="http://schemas.microsoft.com/office/drawing/2014/main" id="{B2F2E03C-5D93-C646-930B-55D17B04A40A}"/>
+              </a:ext>
+            </a:extLst>
+          </p:cNvPr>
+          <p:cNvSpPr/>
+          <p:nvPr/>
+        </p:nvSpPr>
+        <p:spPr>
+          <a:xfrm>
+            <a:off x="10023563" y="5425823"/>
+            <a:ext cx="361405" cy="150690"/>
+          </a:xfrm>
+          <a:prstGeom prst="leftRightArrow">
+            <a:avLst/>
+          </a:prstGeom>
+        </p:spPr>
+        <p:style>
+          <a:lnRef idx="2">
+            <a:schemeClr val="accent1">
+              <a:shade val="50000"/>
+            </a:schemeClr>
+          </a:lnRef>
+          <a:fillRef idx="1">
+            <a:schemeClr val="accent1"/>
+          </a:fillRef>
+          <a:effectRef idx="0">
+            <a:schemeClr val="accent1"/>
+          </a:effectRef>
+          <a:fontRef idx="minor">
+            <a:schemeClr val="lt1"/>
+          </a:fontRef>
+        </p:style>
+        <p:txBody>
+          <a:bodyPr rtlCol="0" anchor="ctr"/>
+          <a:lstStyle/>
+          <a:p>
+            <a:pPr algn="ctr"/>
+            <a:endParaRPr lang="en-US"/>
+          </a:p>
+        </p:txBody>
+      </p:sp>
+      <p:sp>
+        <p:nvSpPr>
+          <p:cNvPr id="16" name="Left-right Arrow 15">
+            <a:extLst>
+              <a:ext uri="{FF2B5EF4-FFF2-40B4-BE49-F238E27FC236}">
+                <a16:creationId xmlns:a16="http://schemas.microsoft.com/office/drawing/2014/main" id="{FFF97A5A-2FCC-644E-88E9-442BC51E3468}"/>
+              </a:ext>
+            </a:extLst>
+          </p:cNvPr>
+          <p:cNvSpPr/>
+          <p:nvPr/>
+        </p:nvSpPr>
+        <p:spPr>
+          <a:xfrm>
+            <a:off x="7393577" y="2874756"/>
+            <a:ext cx="1114698" cy="347415"/>
+          </a:xfrm>
+          <a:prstGeom prst="leftRightArrow">
+            <a:avLst/>
+          </a:prstGeom>
+        </p:spPr>
+        <p:style>
+          <a:lnRef idx="2">
+            <a:schemeClr val="accent1">
+              <a:shade val="50000"/>
+            </a:schemeClr>
+          </a:lnRef>
+          <a:fillRef idx="1">
+            <a:schemeClr val="accent1"/>
+          </a:fillRef>
+          <a:effectRef idx="0">
+            <a:schemeClr val="accent1"/>
+          </a:effectRef>
+          <a:fontRef idx="minor">
+            <a:schemeClr val="lt1"/>
+          </a:fontRef>
+        </p:style>
+        <p:txBody>
+          <a:bodyPr rtlCol="0" anchor="ctr"/>
+          <a:lstStyle/>
+          <a:p>
+            <a:pPr algn="ctr"/>
+            <a:endParaRPr lang="en-US"/>
+          </a:p>
+        </p:txBody>
+      </p:sp>
+      <p:sp>
+        <p:nvSpPr>
+          <p:cNvPr id="17" name="Left-right Arrow 16">
+            <a:extLst>
+              <a:ext uri="{FF2B5EF4-FFF2-40B4-BE49-F238E27FC236}">
+                <a16:creationId xmlns:a16="http://schemas.microsoft.com/office/drawing/2014/main" id="{2F821529-99EF-1F40-8106-0E05D82B2D11}"/>
+              </a:ext>
+            </a:extLst>
+          </p:cNvPr>
+          <p:cNvSpPr/>
+          <p:nvPr/>
+        </p:nvSpPr>
+        <p:spPr>
+          <a:xfrm>
+            <a:off x="7380510" y="4842893"/>
+            <a:ext cx="1114698" cy="347415"/>
+          </a:xfrm>
+          <a:prstGeom prst="leftRightArrow">
+            <a:avLst/>
+          </a:prstGeom>
+        </p:spPr>
+        <p:style>
+          <a:lnRef idx="2">
+            <a:schemeClr val="accent1">
+              <a:shade val="50000"/>
+            </a:schemeClr>
+          </a:lnRef>
+          <a:fillRef idx="1">
+            <a:schemeClr val="accent1"/>
+          </a:fillRef>
+          <a:effectRef idx="0">
+            <a:schemeClr val="accent1"/>
+          </a:effectRef>
+          <a:fontRef idx="minor">
+            <a:schemeClr val="lt1"/>
+          </a:fontRef>
+        </p:style>
+        <p:txBody>
+          <a:bodyPr rtlCol="0" anchor="ctr"/>
+          <a:lstStyle/>
+          <a:p>
+            <a:pPr algn="ctr"/>
+            <a:endParaRPr lang="en-US"/>
+          </a:p>
+        </p:txBody>
+      </p:sp>
+    </p:spTree>
+    <p:extLst>
+      <p:ext uri="{BB962C8B-B14F-4D97-AF65-F5344CB8AC3E}">
+        <p14:creationId xmlns:p14="http://schemas.microsoft.com/office/powerpoint/2010/main" val="3954005603"/>
+      </p:ext>
+    </p:extLst>
+  </p:cSld>
+  <p:clrMapOvr>
+    <a:masterClrMapping/>
+  </p:clrMapOvr>
+</p:sld>
+</file>
+
+<file path=ppt/slides/slide57.xml><?xml version="1.0" encoding="utf-8"?>
+<p:sld xmlns:a="http://schemas.openxmlformats.org/drawingml/2006/main" xmlns:r="http://schemas.openxmlformats.org/officeDocument/2006/relationships" xmlns:p="http://schemas.openxmlformats.org/presentationml/2006/main">
+  <p:cSld>
+    <p:spTree>
+      <p:nvGrpSpPr>
+        <p:cNvPr id="1" name=""/>
+        <p:cNvGrpSpPr/>
+        <p:nvPr/>
+      </p:nvGrpSpPr>
+      <p:grpSpPr>
+        <a:xfrm>
+          <a:off x="0" y="0"/>
+          <a:ext cx="0" cy="0"/>
+          <a:chOff x="0" y="0"/>
+          <a:chExt cx="0" cy="0"/>
+        </a:xfrm>
+      </p:grpSpPr>
+      <p:sp>
+        <p:nvSpPr>
+          <p:cNvPr id="2" name="Rectangle 1">
+            <a:extLst>
+              <a:ext uri="{FF2B5EF4-FFF2-40B4-BE49-F238E27FC236}">
+                <a16:creationId xmlns:a16="http://schemas.microsoft.com/office/drawing/2014/main" id="{89E7FB1B-2085-9A4D-AF52-099284151E5A}"/>
+              </a:ext>
+            </a:extLst>
+          </p:cNvPr>
+          <p:cNvSpPr/>
+          <p:nvPr/>
+        </p:nvSpPr>
+        <p:spPr>
+          <a:xfrm>
+            <a:off x="3744686" y="1227908"/>
+            <a:ext cx="5033554" cy="1132115"/>
+          </a:xfrm>
+          <a:prstGeom prst="rect">
+            <a:avLst/>
+          </a:prstGeom>
+        </p:spPr>
+        <p:style>
+          <a:lnRef idx="2">
+            <a:schemeClr val="accent1">
+              <a:shade val="50000"/>
+            </a:schemeClr>
+          </a:lnRef>
+          <a:fillRef idx="1">
+            <a:schemeClr val="accent1"/>
+          </a:fillRef>
+          <a:effectRef idx="0">
+            <a:schemeClr val="accent1"/>
+          </a:effectRef>
+          <a:fontRef idx="minor">
+            <a:schemeClr val="lt1"/>
+          </a:fontRef>
+        </p:style>
+        <p:txBody>
+          <a:bodyPr rtlCol="0" anchor="ctr"/>
+          <a:lstStyle/>
+          <a:p>
+            <a:pPr algn="ctr"/>
+            <a:r>
+              <a:rPr lang="en-US" dirty="0"/>
+              <a:t>Service1: Accepting Data from Client</a:t>
+            </a:r>
+          </a:p>
+        </p:txBody>
+      </p:sp>
+      <p:sp>
+        <p:nvSpPr>
+          <p:cNvPr id="3" name="Can 2">
+            <a:extLst>
+              <a:ext uri="{FF2B5EF4-FFF2-40B4-BE49-F238E27FC236}">
+                <a16:creationId xmlns:a16="http://schemas.microsoft.com/office/drawing/2014/main" id="{95E17848-85B2-614E-ADB3-D62462D26F82}"/>
+              </a:ext>
+            </a:extLst>
+          </p:cNvPr>
+          <p:cNvSpPr/>
+          <p:nvPr/>
+        </p:nvSpPr>
+        <p:spPr>
+          <a:xfrm>
+            <a:off x="10328366" y="1288869"/>
+            <a:ext cx="1515291" cy="1114697"/>
+          </a:xfrm>
+          <a:prstGeom prst="can">
+            <a:avLst/>
+          </a:prstGeom>
+        </p:spPr>
+        <p:style>
+          <a:lnRef idx="2">
+            <a:schemeClr val="accent1">
+              <a:shade val="50000"/>
+            </a:schemeClr>
+          </a:lnRef>
+          <a:fillRef idx="1">
+            <a:schemeClr val="accent1"/>
+          </a:fillRef>
+          <a:effectRef idx="0">
+            <a:schemeClr val="accent1"/>
+          </a:effectRef>
+          <a:fontRef idx="minor">
+            <a:schemeClr val="lt1"/>
+          </a:fontRef>
+        </p:style>
+        <p:txBody>
+          <a:bodyPr rtlCol="0" anchor="ctr"/>
+          <a:lstStyle/>
+          <a:p>
+            <a:pPr algn="ctr"/>
+            <a:r>
+              <a:rPr lang="en-US" dirty="0"/>
+              <a:t>DB</a:t>
+            </a:r>
+          </a:p>
+        </p:txBody>
+      </p:sp>
+      <p:sp>
+        <p:nvSpPr>
+          <p:cNvPr id="4" name="Right Arrow 3">
+            <a:extLst>
+              <a:ext uri="{FF2B5EF4-FFF2-40B4-BE49-F238E27FC236}">
+                <a16:creationId xmlns:a16="http://schemas.microsoft.com/office/drawing/2014/main" id="{EFCF06E7-6C8F-264B-971B-F576E4A0139E}"/>
+              </a:ext>
+            </a:extLst>
+          </p:cNvPr>
+          <p:cNvSpPr/>
+          <p:nvPr/>
+        </p:nvSpPr>
+        <p:spPr>
+          <a:xfrm>
+            <a:off x="8778240" y="1358537"/>
+            <a:ext cx="1567543" cy="435428"/>
+          </a:xfrm>
+          <a:prstGeom prst="rightArrow">
+            <a:avLst/>
+          </a:prstGeom>
+        </p:spPr>
+        <p:style>
+          <a:lnRef idx="2">
+            <a:schemeClr val="accent1">
+              <a:shade val="50000"/>
+            </a:schemeClr>
+          </a:lnRef>
+          <a:fillRef idx="1">
+            <a:schemeClr val="accent1"/>
+          </a:fillRef>
+          <a:effectRef idx="0">
+            <a:schemeClr val="accent1"/>
+          </a:effectRef>
+          <a:fontRef idx="minor">
+            <a:schemeClr val="lt1"/>
+          </a:fontRef>
+        </p:style>
+        <p:txBody>
+          <a:bodyPr rtlCol="0" anchor="ctr"/>
+          <a:lstStyle/>
+          <a:p>
+            <a:pPr algn="ctr"/>
+            <a:r>
+              <a:rPr lang="en-US" dirty="0"/>
+              <a:t>Send Data</a:t>
+            </a:r>
+          </a:p>
+        </p:txBody>
+      </p:sp>
+      <p:sp>
+        <p:nvSpPr>
+          <p:cNvPr id="5" name="Left Arrow 4">
+            <a:extLst>
+              <a:ext uri="{FF2B5EF4-FFF2-40B4-BE49-F238E27FC236}">
+                <a16:creationId xmlns:a16="http://schemas.microsoft.com/office/drawing/2014/main" id="{5629E77D-6EE5-AE45-8DA7-330EBB155767}"/>
+              </a:ext>
+            </a:extLst>
+          </p:cNvPr>
+          <p:cNvSpPr/>
+          <p:nvPr/>
+        </p:nvSpPr>
+        <p:spPr>
+          <a:xfrm>
+            <a:off x="8778240" y="1924594"/>
+            <a:ext cx="1550126" cy="435429"/>
+          </a:xfrm>
+          <a:prstGeom prst="leftArrow">
+            <a:avLst/>
+          </a:prstGeom>
+        </p:spPr>
+        <p:style>
+          <a:lnRef idx="2">
+            <a:schemeClr val="accent1">
+              <a:shade val="50000"/>
+            </a:schemeClr>
+          </a:lnRef>
+          <a:fillRef idx="1">
+            <a:schemeClr val="accent1"/>
+          </a:fillRef>
+          <a:effectRef idx="0">
+            <a:schemeClr val="accent1"/>
+          </a:effectRef>
+          <a:fontRef idx="minor">
+            <a:schemeClr val="lt1"/>
+          </a:fontRef>
+        </p:style>
+        <p:txBody>
+          <a:bodyPr rtlCol="0" anchor="ctr"/>
+          <a:lstStyle/>
+          <a:p>
+            <a:pPr algn="ctr"/>
+            <a:r>
+              <a:rPr lang="en-US" dirty="0"/>
+              <a:t>Acknowledge</a:t>
+            </a:r>
+          </a:p>
+        </p:txBody>
+      </p:sp>
+      <p:sp>
+        <p:nvSpPr>
+          <p:cNvPr id="6" name="Rectangle 5">
+            <a:extLst>
+              <a:ext uri="{FF2B5EF4-FFF2-40B4-BE49-F238E27FC236}">
+                <a16:creationId xmlns:a16="http://schemas.microsoft.com/office/drawing/2014/main" id="{A049146D-42FC-CB4D-A9AA-3EEF0DCFAB0A}"/>
+              </a:ext>
+            </a:extLst>
+          </p:cNvPr>
+          <p:cNvSpPr/>
+          <p:nvPr/>
+        </p:nvSpPr>
+        <p:spPr>
+          <a:xfrm>
+            <a:off x="3169920" y="4846322"/>
+            <a:ext cx="5608320" cy="1132115"/>
+          </a:xfrm>
+          <a:prstGeom prst="rect">
+            <a:avLst/>
+          </a:prstGeom>
+        </p:spPr>
+        <p:style>
+          <a:lnRef idx="2">
+            <a:schemeClr val="accent1">
+              <a:shade val="50000"/>
+            </a:schemeClr>
+          </a:lnRef>
+          <a:fillRef idx="1">
+            <a:schemeClr val="accent1"/>
+          </a:fillRef>
+          <a:effectRef idx="0">
+            <a:schemeClr val="accent1"/>
+          </a:effectRef>
+          <a:fontRef idx="minor">
+            <a:schemeClr val="lt1"/>
+          </a:fontRef>
+        </p:style>
+        <p:txBody>
+          <a:bodyPr rtlCol="0" anchor="ctr"/>
+          <a:lstStyle/>
+          <a:p>
+            <a:pPr algn="ctr"/>
+            <a:r>
+              <a:rPr lang="en-US" dirty="0"/>
+              <a:t>Service2: Use the data from Service Accepting data</a:t>
+            </a:r>
+          </a:p>
+          <a:p>
+            <a:pPr algn="ctr"/>
+            <a:r>
+              <a:rPr lang="en-US" dirty="0"/>
+              <a:t> Process</a:t>
+            </a:r>
+          </a:p>
+        </p:txBody>
+      </p:sp>
+      <p:sp>
+        <p:nvSpPr>
+          <p:cNvPr id="7" name="Can 6">
+            <a:extLst>
+              <a:ext uri="{FF2B5EF4-FFF2-40B4-BE49-F238E27FC236}">
+                <a16:creationId xmlns:a16="http://schemas.microsoft.com/office/drawing/2014/main" id="{10762650-6449-8745-B704-AEACD45D7AA4}"/>
+              </a:ext>
+            </a:extLst>
+          </p:cNvPr>
+          <p:cNvSpPr/>
+          <p:nvPr/>
+        </p:nvSpPr>
+        <p:spPr>
+          <a:xfrm>
+            <a:off x="10345783" y="4846322"/>
+            <a:ext cx="1515291" cy="1114697"/>
+          </a:xfrm>
+          <a:prstGeom prst="can">
+            <a:avLst/>
+          </a:prstGeom>
+        </p:spPr>
+        <p:style>
+          <a:lnRef idx="2">
+            <a:schemeClr val="accent1">
+              <a:shade val="50000"/>
+            </a:schemeClr>
+          </a:lnRef>
+          <a:fillRef idx="1">
+            <a:schemeClr val="accent1"/>
+          </a:fillRef>
+          <a:effectRef idx="0">
+            <a:schemeClr val="accent1"/>
+          </a:effectRef>
+          <a:fontRef idx="minor">
+            <a:schemeClr val="lt1"/>
+          </a:fontRef>
+        </p:style>
+        <p:txBody>
+          <a:bodyPr rtlCol="0" anchor="ctr"/>
+          <a:lstStyle/>
+          <a:p>
+            <a:pPr algn="ctr"/>
+            <a:r>
+              <a:rPr lang="en-US" dirty="0"/>
+              <a:t>DB</a:t>
+            </a:r>
+          </a:p>
+        </p:txBody>
+      </p:sp>
+      <p:sp>
+        <p:nvSpPr>
+          <p:cNvPr id="8" name="Right Arrow 7">
+            <a:extLst>
+              <a:ext uri="{FF2B5EF4-FFF2-40B4-BE49-F238E27FC236}">
+                <a16:creationId xmlns:a16="http://schemas.microsoft.com/office/drawing/2014/main" id="{EB37C089-5F55-9547-B84F-BFCB065FB87F}"/>
+              </a:ext>
+            </a:extLst>
+          </p:cNvPr>
+          <p:cNvSpPr/>
+          <p:nvPr/>
+        </p:nvSpPr>
+        <p:spPr>
+          <a:xfrm>
+            <a:off x="8795657" y="4915990"/>
+            <a:ext cx="1567543" cy="435428"/>
+          </a:xfrm>
+          <a:prstGeom prst="rightArrow">
+            <a:avLst/>
+          </a:prstGeom>
+        </p:spPr>
+        <p:style>
+          <a:lnRef idx="2">
+            <a:schemeClr val="accent1">
+              <a:shade val="50000"/>
+            </a:schemeClr>
+          </a:lnRef>
+          <a:fillRef idx="1">
+            <a:schemeClr val="accent1"/>
+          </a:fillRef>
+          <a:effectRef idx="0">
+            <a:schemeClr val="accent1"/>
+          </a:effectRef>
+          <a:fontRef idx="minor">
+            <a:schemeClr val="lt1"/>
+          </a:fontRef>
+        </p:style>
+        <p:txBody>
+          <a:bodyPr rtlCol="0" anchor="ctr"/>
+          <a:lstStyle/>
+          <a:p>
+            <a:pPr algn="ctr"/>
+            <a:r>
+              <a:rPr lang="en-US" dirty="0"/>
+              <a:t> Send Data</a:t>
+            </a:r>
+          </a:p>
+        </p:txBody>
+      </p:sp>
+      <p:sp>
+        <p:nvSpPr>
+          <p:cNvPr id="9" name="Left Arrow 8">
+            <a:extLst>
+              <a:ext uri="{FF2B5EF4-FFF2-40B4-BE49-F238E27FC236}">
+                <a16:creationId xmlns:a16="http://schemas.microsoft.com/office/drawing/2014/main" id="{86E70F9A-B1E5-5D44-A550-F4C7BE1469DE}"/>
+              </a:ext>
+            </a:extLst>
+          </p:cNvPr>
+          <p:cNvSpPr/>
+          <p:nvPr/>
+        </p:nvSpPr>
+        <p:spPr>
+          <a:xfrm>
+            <a:off x="8795657" y="5482047"/>
+            <a:ext cx="1550126" cy="435429"/>
+          </a:xfrm>
+          <a:prstGeom prst="leftArrow">
+            <a:avLst/>
+          </a:prstGeom>
+        </p:spPr>
+        <p:style>
+          <a:lnRef idx="2">
+            <a:schemeClr val="accent1">
+              <a:shade val="50000"/>
+            </a:schemeClr>
+          </a:lnRef>
+          <a:fillRef idx="1">
+            <a:schemeClr val="accent1"/>
+          </a:fillRef>
+          <a:effectRef idx="0">
+            <a:schemeClr val="accent1"/>
+          </a:effectRef>
+          <a:fontRef idx="minor">
+            <a:schemeClr val="lt1"/>
+          </a:fontRef>
+        </p:style>
+        <p:txBody>
+          <a:bodyPr rtlCol="0" anchor="ctr"/>
+          <a:lstStyle/>
+          <a:p>
+            <a:pPr algn="ctr"/>
+            <a:r>
+              <a:rPr lang="en-US" dirty="0"/>
+              <a:t>Acknowledge</a:t>
+            </a:r>
+          </a:p>
+        </p:txBody>
+      </p:sp>
+      <p:sp>
+        <p:nvSpPr>
+          <p:cNvPr id="10" name="Rectangle 9">
+            <a:extLst>
+              <a:ext uri="{FF2B5EF4-FFF2-40B4-BE49-F238E27FC236}">
+                <a16:creationId xmlns:a16="http://schemas.microsoft.com/office/drawing/2014/main" id="{71A0D93A-2E50-7C4A-9357-EDFF283EEE75}"/>
+              </a:ext>
+            </a:extLst>
+          </p:cNvPr>
+          <p:cNvSpPr/>
+          <p:nvPr/>
+        </p:nvSpPr>
+        <p:spPr>
+          <a:xfrm>
+            <a:off x="3474721" y="3253741"/>
+            <a:ext cx="4336868" cy="698863"/>
+          </a:xfrm>
+          <a:prstGeom prst="rect">
+            <a:avLst/>
+          </a:prstGeom>
+        </p:spPr>
+        <p:style>
+          <a:lnRef idx="1">
+            <a:schemeClr val="accent3"/>
+          </a:lnRef>
+          <a:fillRef idx="2">
+            <a:schemeClr val="accent3"/>
+          </a:fillRef>
+          <a:effectRef idx="1">
+            <a:schemeClr val="accent3"/>
+          </a:effectRef>
+          <a:fontRef idx="minor">
+            <a:schemeClr val="dk1"/>
+          </a:fontRef>
+        </p:style>
+        <p:txBody>
+          <a:bodyPr rtlCol="0" anchor="ctr"/>
+          <a:lstStyle/>
+          <a:p>
+            <a:pPr algn="ctr"/>
+            <a:endParaRPr lang="en-US"/>
+          </a:p>
+        </p:txBody>
+      </p:sp>
+      <p:sp>
+        <p:nvSpPr>
+          <p:cNvPr id="12" name="Rectangle 11">
+            <a:extLst>
+              <a:ext uri="{FF2B5EF4-FFF2-40B4-BE49-F238E27FC236}">
+                <a16:creationId xmlns:a16="http://schemas.microsoft.com/office/drawing/2014/main" id="{36CBD2DC-CDAB-364C-9B18-00E9122F92D8}"/>
+              </a:ext>
+            </a:extLst>
+          </p:cNvPr>
+          <p:cNvSpPr/>
+          <p:nvPr/>
+        </p:nvSpPr>
+        <p:spPr>
+          <a:xfrm>
+            <a:off x="4589417" y="3257007"/>
+            <a:ext cx="87085" cy="695598"/>
+          </a:xfrm>
+          <a:prstGeom prst="rect">
+            <a:avLst/>
+          </a:prstGeom>
+        </p:spPr>
+        <p:style>
+          <a:lnRef idx="2">
+            <a:schemeClr val="accent1">
+              <a:shade val="50000"/>
+            </a:schemeClr>
+          </a:lnRef>
+          <a:fillRef idx="1">
+            <a:schemeClr val="accent1"/>
+          </a:fillRef>
+          <a:effectRef idx="0">
+            <a:schemeClr val="accent1"/>
+          </a:effectRef>
+          <a:fontRef idx="minor">
+            <a:schemeClr val="lt1"/>
+          </a:fontRef>
+        </p:style>
+        <p:txBody>
+          <a:bodyPr rtlCol="0" anchor="ctr"/>
+          <a:lstStyle/>
+          <a:p>
+            <a:pPr algn="ctr"/>
+            <a:endParaRPr lang="en-US"/>
+          </a:p>
+        </p:txBody>
+      </p:sp>
+      <p:sp>
+        <p:nvSpPr>
+          <p:cNvPr id="22" name="Rectangle 21">
+            <a:extLst>
+              <a:ext uri="{FF2B5EF4-FFF2-40B4-BE49-F238E27FC236}">
+                <a16:creationId xmlns:a16="http://schemas.microsoft.com/office/drawing/2014/main" id="{84A65F19-C677-854A-BF16-ED5BFA2A0C0E}"/>
+              </a:ext>
+            </a:extLst>
+          </p:cNvPr>
+          <p:cNvSpPr/>
+          <p:nvPr/>
+        </p:nvSpPr>
+        <p:spPr>
+          <a:xfrm>
+            <a:off x="5704113" y="3253740"/>
+            <a:ext cx="87085" cy="695598"/>
+          </a:xfrm>
+          <a:prstGeom prst="rect">
+            <a:avLst/>
+          </a:prstGeom>
+        </p:spPr>
+        <p:style>
+          <a:lnRef idx="2">
+            <a:schemeClr val="accent1">
+              <a:shade val="50000"/>
+            </a:schemeClr>
+          </a:lnRef>
+          <a:fillRef idx="1">
+            <a:schemeClr val="accent1"/>
+          </a:fillRef>
+          <a:effectRef idx="0">
+            <a:schemeClr val="accent1"/>
+          </a:effectRef>
+          <a:fontRef idx="minor">
+            <a:schemeClr val="lt1"/>
+          </a:fontRef>
+        </p:style>
+        <p:txBody>
+          <a:bodyPr rtlCol="0" anchor="ctr"/>
+          <a:lstStyle/>
+          <a:p>
+            <a:pPr algn="ctr"/>
+            <a:endParaRPr lang="en-US"/>
+          </a:p>
+        </p:txBody>
+      </p:sp>
+      <p:sp>
+        <p:nvSpPr>
+          <p:cNvPr id="23" name="Rectangle 22">
+            <a:extLst>
+              <a:ext uri="{FF2B5EF4-FFF2-40B4-BE49-F238E27FC236}">
+                <a16:creationId xmlns:a16="http://schemas.microsoft.com/office/drawing/2014/main" id="{54014D5B-548D-C641-8A83-66788B028FB1}"/>
+              </a:ext>
+            </a:extLst>
+          </p:cNvPr>
+          <p:cNvSpPr/>
+          <p:nvPr/>
+        </p:nvSpPr>
+        <p:spPr>
+          <a:xfrm>
+            <a:off x="6862351" y="3253740"/>
+            <a:ext cx="87085" cy="695598"/>
+          </a:xfrm>
+          <a:prstGeom prst="rect">
+            <a:avLst/>
+          </a:prstGeom>
+        </p:spPr>
+        <p:style>
+          <a:lnRef idx="2">
+            <a:schemeClr val="accent1">
+              <a:shade val="50000"/>
+            </a:schemeClr>
+          </a:lnRef>
+          <a:fillRef idx="1">
+            <a:schemeClr val="accent1"/>
+          </a:fillRef>
+          <a:effectRef idx="0">
+            <a:schemeClr val="accent1"/>
+          </a:effectRef>
+          <a:fontRef idx="minor">
+            <a:schemeClr val="lt1"/>
+          </a:fontRef>
+        </p:style>
+        <p:txBody>
+          <a:bodyPr rtlCol="0" anchor="ctr"/>
+          <a:lstStyle/>
+          <a:p>
+            <a:pPr algn="ctr"/>
+            <a:endParaRPr lang="en-US"/>
+          </a:p>
+        </p:txBody>
+      </p:sp>
+      <p:sp>
+        <p:nvSpPr>
+          <p:cNvPr id="24" name="Rectangle 23">
+            <a:extLst>
+              <a:ext uri="{FF2B5EF4-FFF2-40B4-BE49-F238E27FC236}">
+                <a16:creationId xmlns:a16="http://schemas.microsoft.com/office/drawing/2014/main" id="{A1DEEE03-515C-7846-B346-0E56E1260E89}"/>
+              </a:ext>
+            </a:extLst>
+          </p:cNvPr>
+          <p:cNvSpPr/>
+          <p:nvPr/>
+        </p:nvSpPr>
+        <p:spPr>
+          <a:xfrm>
+            <a:off x="6278882" y="3253740"/>
+            <a:ext cx="87085" cy="695598"/>
+          </a:xfrm>
+          <a:prstGeom prst="rect">
+            <a:avLst/>
+          </a:prstGeom>
+        </p:spPr>
+        <p:style>
+          <a:lnRef idx="2">
+            <a:schemeClr val="accent1">
+              <a:shade val="50000"/>
+            </a:schemeClr>
+          </a:lnRef>
+          <a:fillRef idx="1">
+            <a:schemeClr val="accent1"/>
+          </a:fillRef>
+          <a:effectRef idx="0">
+            <a:schemeClr val="accent1"/>
+          </a:effectRef>
+          <a:fontRef idx="minor">
+            <a:schemeClr val="lt1"/>
+          </a:fontRef>
+        </p:style>
+        <p:txBody>
+          <a:bodyPr rtlCol="0" anchor="ctr"/>
+          <a:lstStyle/>
+          <a:p>
+            <a:pPr algn="ctr"/>
+            <a:endParaRPr lang="en-US"/>
+          </a:p>
+        </p:txBody>
+      </p:sp>
+      <p:sp>
+        <p:nvSpPr>
+          <p:cNvPr id="25" name="Rectangle 24">
+            <a:extLst>
+              <a:ext uri="{FF2B5EF4-FFF2-40B4-BE49-F238E27FC236}">
+                <a16:creationId xmlns:a16="http://schemas.microsoft.com/office/drawing/2014/main" id="{3778AC8C-F552-9B48-92AA-F2B2D5D01F02}"/>
+              </a:ext>
+            </a:extLst>
+          </p:cNvPr>
+          <p:cNvSpPr/>
+          <p:nvPr/>
+        </p:nvSpPr>
+        <p:spPr>
+          <a:xfrm>
+            <a:off x="5172886" y="3253740"/>
+            <a:ext cx="87085" cy="695598"/>
+          </a:xfrm>
+          <a:prstGeom prst="rect">
+            <a:avLst/>
+          </a:prstGeom>
+        </p:spPr>
+        <p:style>
+          <a:lnRef idx="2">
+            <a:schemeClr val="accent1">
+              <a:shade val="50000"/>
+            </a:schemeClr>
+          </a:lnRef>
+          <a:fillRef idx="1">
+            <a:schemeClr val="accent1"/>
+          </a:fillRef>
+          <a:effectRef idx="0">
+            <a:schemeClr val="accent1"/>
+          </a:effectRef>
+          <a:fontRef idx="minor">
+            <a:schemeClr val="lt1"/>
+          </a:fontRef>
+        </p:style>
+        <p:txBody>
+          <a:bodyPr rtlCol="0" anchor="ctr"/>
+          <a:lstStyle/>
+          <a:p>
+            <a:pPr algn="ctr"/>
+            <a:endParaRPr lang="en-US"/>
+          </a:p>
+        </p:txBody>
+      </p:sp>
+      <p:sp>
+        <p:nvSpPr>
+          <p:cNvPr id="26" name="Rectangle 25">
+            <a:extLst>
+              <a:ext uri="{FF2B5EF4-FFF2-40B4-BE49-F238E27FC236}">
+                <a16:creationId xmlns:a16="http://schemas.microsoft.com/office/drawing/2014/main" id="{0994A079-EE83-C84C-83D7-536820B5D4BA}"/>
+              </a:ext>
+            </a:extLst>
+          </p:cNvPr>
+          <p:cNvSpPr/>
+          <p:nvPr/>
+        </p:nvSpPr>
+        <p:spPr>
+          <a:xfrm>
+            <a:off x="7289076" y="3253740"/>
+            <a:ext cx="87085" cy="695598"/>
+          </a:xfrm>
+          <a:prstGeom prst="rect">
+            <a:avLst/>
+          </a:prstGeom>
+        </p:spPr>
+        <p:style>
+          <a:lnRef idx="2">
+            <a:schemeClr val="accent1">
+              <a:shade val="50000"/>
+            </a:schemeClr>
+          </a:lnRef>
+          <a:fillRef idx="1">
+            <a:schemeClr val="accent1"/>
+          </a:fillRef>
+          <a:effectRef idx="0">
+            <a:schemeClr val="accent1"/>
+          </a:effectRef>
+          <a:fontRef idx="minor">
+            <a:schemeClr val="lt1"/>
+          </a:fontRef>
+        </p:style>
+        <p:txBody>
+          <a:bodyPr rtlCol="0" anchor="ctr"/>
+          <a:lstStyle/>
+          <a:p>
+            <a:pPr algn="ctr"/>
+            <a:endParaRPr lang="en-US"/>
+          </a:p>
+        </p:txBody>
+      </p:sp>
+      <p:sp>
+        <p:nvSpPr>
+          <p:cNvPr id="27" name="Rectangle 26">
+            <a:extLst>
+              <a:ext uri="{FF2B5EF4-FFF2-40B4-BE49-F238E27FC236}">
+                <a16:creationId xmlns:a16="http://schemas.microsoft.com/office/drawing/2014/main" id="{F1934C65-E095-E34D-85F7-A81BC884885F}"/>
+              </a:ext>
+            </a:extLst>
+          </p:cNvPr>
+          <p:cNvSpPr/>
+          <p:nvPr/>
+        </p:nvSpPr>
+        <p:spPr>
+          <a:xfrm>
+            <a:off x="3988527" y="3253740"/>
+            <a:ext cx="87085" cy="695598"/>
+          </a:xfrm>
+          <a:prstGeom prst="rect">
+            <a:avLst/>
+          </a:prstGeom>
+        </p:spPr>
+        <p:style>
+          <a:lnRef idx="2">
+            <a:schemeClr val="accent1">
+              <a:shade val="50000"/>
+            </a:schemeClr>
+          </a:lnRef>
+          <a:fillRef idx="1">
+            <a:schemeClr val="accent1"/>
+          </a:fillRef>
+          <a:effectRef idx="0">
+            <a:schemeClr val="accent1"/>
+          </a:effectRef>
+          <a:fontRef idx="minor">
+            <a:schemeClr val="lt1"/>
+          </a:fontRef>
+        </p:style>
+        <p:txBody>
+          <a:bodyPr rtlCol="0" anchor="ctr"/>
+          <a:lstStyle/>
+          <a:p>
+            <a:pPr algn="ctr"/>
+            <a:endParaRPr lang="en-US"/>
+          </a:p>
+        </p:txBody>
+      </p:sp>
+      <p:sp>
+        <p:nvSpPr>
+          <p:cNvPr id="19" name="U-turn Arrow 18">
+            <a:extLst>
+              <a:ext uri="{FF2B5EF4-FFF2-40B4-BE49-F238E27FC236}">
+                <a16:creationId xmlns:a16="http://schemas.microsoft.com/office/drawing/2014/main" id="{5A535FBF-1F1F-4B46-8C69-E30D098D095C}"/>
+              </a:ext>
+            </a:extLst>
+          </p:cNvPr>
+          <p:cNvSpPr/>
+          <p:nvPr/>
+        </p:nvSpPr>
+        <p:spPr>
+          <a:xfrm rot="16200000" flipH="1">
+            <a:off x="2360024" y="2360024"/>
+            <a:ext cx="1654629" cy="1114695"/>
+          </a:xfrm>
+          <a:prstGeom prst="uturnArrow">
+            <a:avLst>
+              <a:gd name="adj1" fmla="val 13489"/>
+              <a:gd name="adj2" fmla="val 25000"/>
+              <a:gd name="adj3" fmla="val 25000"/>
+              <a:gd name="adj4" fmla="val 43750"/>
+              <a:gd name="adj5" fmla="val 75000"/>
+            </a:avLst>
+          </a:prstGeom>
+        </p:spPr>
+        <p:style>
+          <a:lnRef idx="2">
+            <a:schemeClr val="accent1">
+              <a:shade val="50000"/>
+            </a:schemeClr>
+          </a:lnRef>
+          <a:fillRef idx="1">
+            <a:schemeClr val="accent1"/>
+          </a:fillRef>
+          <a:effectRef idx="0">
+            <a:schemeClr val="accent1"/>
+          </a:effectRef>
+          <a:fontRef idx="minor">
+            <a:schemeClr val="lt1"/>
+          </a:fontRef>
+        </p:style>
+        <p:txBody>
+          <a:bodyPr rtlCol="0" anchor="ctr"/>
+          <a:lstStyle/>
+          <a:p>
+            <a:pPr algn="ctr"/>
+            <a:endParaRPr lang="en-US">
+              <a:solidFill>
+                <a:schemeClr val="tx1"/>
+              </a:solidFill>
+            </a:endParaRPr>
+          </a:p>
+        </p:txBody>
+      </p:sp>
+      <p:sp>
+        <p:nvSpPr>
+          <p:cNvPr id="28" name="TextBox 27">
+            <a:extLst>
+              <a:ext uri="{FF2B5EF4-FFF2-40B4-BE49-F238E27FC236}">
+                <a16:creationId xmlns:a16="http://schemas.microsoft.com/office/drawing/2014/main" id="{8DFCE30E-C034-B145-9D9F-1BCDD13EB061}"/>
+              </a:ext>
+            </a:extLst>
+          </p:cNvPr>
+          <p:cNvSpPr txBox="1"/>
+          <p:nvPr/>
+        </p:nvSpPr>
+        <p:spPr>
+          <a:xfrm>
+            <a:off x="653138" y="797394"/>
+            <a:ext cx="2002971" cy="2585323"/>
+          </a:xfrm>
+          <a:prstGeom prst="rect">
+            <a:avLst/>
+          </a:prstGeom>
+          <a:noFill/>
+        </p:spPr>
+        <p:txBody>
+          <a:bodyPr wrap="square" rtlCol="0">
+            <a:spAutoFit/>
+          </a:bodyPr>
+          <a:lstStyle/>
+          <a:p>
+            <a:r>
+              <a:rPr lang="en-US" dirty="0"/>
+              <a:t>The service 1 will receive the Acknowledgment of data stored in DB and this data will now be added  in Enterprise Messaging Service (EMS) </a:t>
+            </a:r>
+          </a:p>
+        </p:txBody>
+      </p:sp>
+      <p:sp>
+        <p:nvSpPr>
+          <p:cNvPr id="29" name="U-turn Arrow 28">
+            <a:extLst>
+              <a:ext uri="{FF2B5EF4-FFF2-40B4-BE49-F238E27FC236}">
+                <a16:creationId xmlns:a16="http://schemas.microsoft.com/office/drawing/2014/main" id="{147F7B07-B124-1140-9F0D-0700A1C21E9B}"/>
+              </a:ext>
+            </a:extLst>
+          </p:cNvPr>
+          <p:cNvSpPr/>
+          <p:nvPr/>
+        </p:nvSpPr>
+        <p:spPr>
+          <a:xfrm rot="16200000" flipH="1">
+            <a:off x="1970316" y="4151252"/>
+            <a:ext cx="1859281" cy="1114695"/>
+          </a:xfrm>
+          <a:prstGeom prst="uturnArrow">
+            <a:avLst>
+              <a:gd name="adj1" fmla="val 13489"/>
+              <a:gd name="adj2" fmla="val 25000"/>
+              <a:gd name="adj3" fmla="val 25000"/>
+              <a:gd name="adj4" fmla="val 43750"/>
+              <a:gd name="adj5" fmla="val 75000"/>
+            </a:avLst>
+          </a:prstGeom>
+        </p:spPr>
+        <p:style>
+          <a:lnRef idx="2">
+            <a:schemeClr val="accent1">
+              <a:shade val="50000"/>
+            </a:schemeClr>
+          </a:lnRef>
+          <a:fillRef idx="1">
+            <a:schemeClr val="accent1"/>
+          </a:fillRef>
+          <a:effectRef idx="0">
+            <a:schemeClr val="accent1"/>
+          </a:effectRef>
+          <a:fontRef idx="minor">
+            <a:schemeClr val="lt1"/>
+          </a:fontRef>
+        </p:style>
+        <p:txBody>
+          <a:bodyPr rtlCol="0" anchor="ctr"/>
+          <a:lstStyle/>
+          <a:p>
+            <a:pPr algn="ctr"/>
+            <a:endParaRPr lang="en-US">
+              <a:solidFill>
+                <a:schemeClr val="tx1"/>
+              </a:solidFill>
+            </a:endParaRPr>
+          </a:p>
+        </p:txBody>
+      </p:sp>
+      <p:sp>
+        <p:nvSpPr>
+          <p:cNvPr id="30" name="Up Arrow 29">
+            <a:extLst>
+              <a:ext uri="{FF2B5EF4-FFF2-40B4-BE49-F238E27FC236}">
+                <a16:creationId xmlns:a16="http://schemas.microsoft.com/office/drawing/2014/main" id="{55751A89-1E78-3941-801A-7C0EEB0554C0}"/>
+              </a:ext>
+            </a:extLst>
+          </p:cNvPr>
+          <p:cNvSpPr/>
+          <p:nvPr/>
+        </p:nvSpPr>
+        <p:spPr>
+          <a:xfrm>
+            <a:off x="5434149" y="3949338"/>
+            <a:ext cx="357049" cy="896984"/>
+          </a:xfrm>
+          <a:prstGeom prst="upArrow">
+            <a:avLst/>
+          </a:prstGeom>
+        </p:spPr>
+        <p:style>
+          <a:lnRef idx="2">
+            <a:schemeClr val="accent1">
+              <a:shade val="50000"/>
+            </a:schemeClr>
+          </a:lnRef>
+          <a:fillRef idx="1">
+            <a:schemeClr val="accent1"/>
+          </a:fillRef>
+          <a:effectRef idx="0">
+            <a:schemeClr val="accent1"/>
+          </a:effectRef>
+          <a:fontRef idx="minor">
+            <a:schemeClr val="lt1"/>
+          </a:fontRef>
+        </p:style>
+        <p:txBody>
+          <a:bodyPr rtlCol="0" anchor="ctr"/>
+          <a:lstStyle/>
+          <a:p>
+            <a:pPr algn="ctr"/>
+            <a:endParaRPr lang="en-US"/>
+          </a:p>
+        </p:txBody>
+      </p:sp>
+      <p:sp>
+        <p:nvSpPr>
+          <p:cNvPr id="31" name="TextBox 30">
+            <a:extLst>
+              <a:ext uri="{FF2B5EF4-FFF2-40B4-BE49-F238E27FC236}">
+                <a16:creationId xmlns:a16="http://schemas.microsoft.com/office/drawing/2014/main" id="{F066DFDB-D0ED-8C48-80BA-394A06B47A7A}"/>
+              </a:ext>
+            </a:extLst>
+          </p:cNvPr>
+          <p:cNvSpPr txBox="1"/>
+          <p:nvPr/>
+        </p:nvSpPr>
+        <p:spPr>
+          <a:xfrm>
+            <a:off x="5939242" y="4119154"/>
+            <a:ext cx="3352803" cy="646331"/>
+          </a:xfrm>
+          <a:prstGeom prst="rect">
+            <a:avLst/>
+          </a:prstGeom>
+          <a:noFill/>
+        </p:spPr>
+        <p:txBody>
+          <a:bodyPr wrap="square" rtlCol="0">
+            <a:spAutoFit/>
+          </a:bodyPr>
+          <a:lstStyle/>
+          <a:p>
+            <a:r>
+              <a:rPr lang="en-US" dirty="0"/>
+              <a:t>Service 2 will have subscription of EMS</a:t>
+            </a:r>
+          </a:p>
+        </p:txBody>
+      </p:sp>
+      <p:sp>
+        <p:nvSpPr>
+          <p:cNvPr id="32" name="TextBox 31">
+            <a:extLst>
+              <a:ext uri="{FF2B5EF4-FFF2-40B4-BE49-F238E27FC236}">
+                <a16:creationId xmlns:a16="http://schemas.microsoft.com/office/drawing/2014/main" id="{3A728EE8-5C30-DD4D-B40E-CA350237FDC6}"/>
+              </a:ext>
+            </a:extLst>
+          </p:cNvPr>
+          <p:cNvSpPr txBox="1"/>
+          <p:nvPr/>
+        </p:nvSpPr>
+        <p:spPr>
+          <a:xfrm>
+            <a:off x="287384" y="4785361"/>
+            <a:ext cx="1872342" cy="923330"/>
+          </a:xfrm>
+          <a:prstGeom prst="rect">
+            <a:avLst/>
+          </a:prstGeom>
+          <a:noFill/>
+        </p:spPr>
+        <p:txBody>
+          <a:bodyPr wrap="square" rtlCol="0">
+            <a:spAutoFit/>
+          </a:bodyPr>
+          <a:lstStyle/>
+          <a:p>
+            <a:r>
+              <a:rPr lang="en-US" dirty="0"/>
+              <a:t>Service 2 will receive data from EMS </a:t>
+            </a:r>
+          </a:p>
+        </p:txBody>
+      </p:sp>
+      <p:sp>
+        <p:nvSpPr>
+          <p:cNvPr id="33" name="TextBox 32">
+            <a:extLst>
+              <a:ext uri="{FF2B5EF4-FFF2-40B4-BE49-F238E27FC236}">
+                <a16:creationId xmlns:a16="http://schemas.microsoft.com/office/drawing/2014/main" id="{4A3B24EA-781B-A642-BB3E-B613ECE7E79B}"/>
+              </a:ext>
+            </a:extLst>
+          </p:cNvPr>
+          <p:cNvSpPr txBox="1"/>
+          <p:nvPr/>
+        </p:nvSpPr>
+        <p:spPr>
+          <a:xfrm>
+            <a:off x="8447316" y="2722995"/>
+            <a:ext cx="3518263" cy="1477328"/>
+          </a:xfrm>
+          <a:prstGeom prst="rect">
+            <a:avLst/>
+          </a:prstGeom>
+          <a:noFill/>
+        </p:spPr>
+        <p:txBody>
+          <a:bodyPr wrap="square" rtlCol="0">
+            <a:spAutoFit/>
+          </a:bodyPr>
+          <a:lstStyle/>
+          <a:p>
+            <a:r>
+              <a:rPr lang="en-US" dirty="0"/>
+              <a:t>EMS Service must be decided based on </a:t>
+            </a:r>
+          </a:p>
+          <a:p>
+            <a:pPr marL="342900" indent="-342900">
+              <a:buAutoNum type="arabicPeriod"/>
+            </a:pPr>
+            <a:r>
+              <a:rPr lang="en-US" dirty="0"/>
+              <a:t>Data Volume</a:t>
+            </a:r>
+          </a:p>
+          <a:p>
+            <a:pPr marL="342900" indent="-342900">
+              <a:buAutoNum type="arabicPeriod"/>
+            </a:pPr>
+            <a:r>
+              <a:rPr lang="en-US" dirty="0"/>
+              <a:t>Data Formats</a:t>
+            </a:r>
+          </a:p>
+          <a:p>
+            <a:pPr marL="342900" indent="-342900">
+              <a:buAutoNum type="arabicPeriod"/>
+            </a:pPr>
+            <a:r>
+              <a:rPr lang="en-US" dirty="0"/>
+              <a:t>Transactions</a:t>
+            </a:r>
+          </a:p>
+        </p:txBody>
+      </p:sp>
+      <p:sp>
+        <p:nvSpPr>
+          <p:cNvPr id="34" name="TextBox 33">
+            <a:extLst>
+              <a:ext uri="{FF2B5EF4-FFF2-40B4-BE49-F238E27FC236}">
+                <a16:creationId xmlns:a16="http://schemas.microsoft.com/office/drawing/2014/main" id="{221831AF-1BB9-B34F-9752-278B55E928C5}"/>
+              </a:ext>
+            </a:extLst>
+          </p:cNvPr>
+          <p:cNvSpPr txBox="1"/>
+          <p:nvPr/>
+        </p:nvSpPr>
+        <p:spPr>
+          <a:xfrm>
+            <a:off x="461554" y="6104709"/>
+            <a:ext cx="5817328" cy="369332"/>
+          </a:xfrm>
+          <a:prstGeom prst="rect">
+            <a:avLst/>
+          </a:prstGeom>
+          <a:noFill/>
+        </p:spPr>
+        <p:txBody>
+          <a:bodyPr wrap="square" rtlCol="0">
+            <a:spAutoFit/>
+          </a:bodyPr>
+          <a:lstStyle/>
+          <a:p>
+            <a:r>
+              <a:rPr lang="en-US" dirty="0"/>
+              <a:t>EMS with Integration services like Queues, Caches</a:t>
+            </a:r>
+          </a:p>
+        </p:txBody>
+      </p:sp>
+      <p:sp>
+        <p:nvSpPr>
+          <p:cNvPr id="35" name="TextBox 34">
+            <a:extLst>
+              <a:ext uri="{FF2B5EF4-FFF2-40B4-BE49-F238E27FC236}">
+                <a16:creationId xmlns:a16="http://schemas.microsoft.com/office/drawing/2014/main" id="{01F43356-8916-9047-8B21-8CE2C82F68CF}"/>
+              </a:ext>
+            </a:extLst>
+          </p:cNvPr>
+          <p:cNvSpPr txBox="1"/>
+          <p:nvPr/>
+        </p:nvSpPr>
+        <p:spPr>
+          <a:xfrm>
+            <a:off x="3875314" y="182880"/>
+            <a:ext cx="5111932" cy="369332"/>
+          </a:xfrm>
+          <a:prstGeom prst="rect">
+            <a:avLst/>
+          </a:prstGeom>
+          <a:noFill/>
+        </p:spPr>
+        <p:txBody>
+          <a:bodyPr wrap="square" rtlCol="0">
+            <a:spAutoFit/>
+          </a:bodyPr>
+          <a:lstStyle/>
+          <a:p>
+            <a:r>
+              <a:rPr lang="en-US" dirty="0"/>
+              <a:t>Sender and Receiver are using Queue</a:t>
+            </a:r>
+          </a:p>
+        </p:txBody>
+      </p:sp>
+    </p:spTree>
+    <p:extLst>
+      <p:ext uri="{BB962C8B-B14F-4D97-AF65-F5344CB8AC3E}">
+        <p14:creationId xmlns:p14="http://schemas.microsoft.com/office/powerpoint/2010/main" val="1593776146"/>
+      </p:ext>
+    </p:extLst>
+  </p:cSld>
+  <p:clrMapOvr>
+    <a:masterClrMapping/>
+  </p:clrMapOvr>
+</p:sld>
+</file>
+
+<file path=ppt/slides/slide58.xml><?xml version="1.0" encoding="utf-8"?>
+<p:sld xmlns:a="http://schemas.openxmlformats.org/drawingml/2006/main" xmlns:r="http://schemas.openxmlformats.org/officeDocument/2006/relationships" xmlns:p="http://schemas.openxmlformats.org/presentationml/2006/main">
+  <p:cSld>
+    <p:spTree>
+      <p:nvGrpSpPr>
+        <p:cNvPr id="1" name=""/>
+        <p:cNvGrpSpPr/>
+        <p:nvPr/>
+      </p:nvGrpSpPr>
+      <p:grpSpPr>
+        <a:xfrm>
+          <a:off x="0" y="0"/>
+          <a:ext cx="0" cy="0"/>
+          <a:chOff x="0" y="0"/>
+          <a:chExt cx="0" cy="0"/>
+        </a:xfrm>
+      </p:grpSpPr>
+      <p:sp>
+        <p:nvSpPr>
+          <p:cNvPr id="2" name="Rectangle 1">
+            <a:extLst>
+              <a:ext uri="{FF2B5EF4-FFF2-40B4-BE49-F238E27FC236}">
+                <a16:creationId xmlns:a16="http://schemas.microsoft.com/office/drawing/2014/main" id="{89E7FB1B-2085-9A4D-AF52-099284151E5A}"/>
+              </a:ext>
+            </a:extLst>
+          </p:cNvPr>
+          <p:cNvSpPr/>
+          <p:nvPr/>
+        </p:nvSpPr>
+        <p:spPr>
+          <a:xfrm>
+            <a:off x="3744686" y="1227908"/>
+            <a:ext cx="5033554" cy="1132115"/>
+          </a:xfrm>
+          <a:prstGeom prst="rect">
+            <a:avLst/>
+          </a:prstGeom>
+        </p:spPr>
+        <p:style>
+          <a:lnRef idx="2">
+            <a:schemeClr val="accent1">
+              <a:shade val="50000"/>
+            </a:schemeClr>
+          </a:lnRef>
+          <a:fillRef idx="1">
+            <a:schemeClr val="accent1"/>
+          </a:fillRef>
+          <a:effectRef idx="0">
+            <a:schemeClr val="accent1"/>
+          </a:effectRef>
+          <a:fontRef idx="minor">
+            <a:schemeClr val="lt1"/>
+          </a:fontRef>
+        </p:style>
+        <p:txBody>
+          <a:bodyPr rtlCol="0" anchor="ctr"/>
+          <a:lstStyle/>
+          <a:p>
+            <a:pPr algn="ctr"/>
+            <a:r>
+              <a:rPr lang="en-US" dirty="0"/>
+              <a:t>Service1: Accepting Data from Client</a:t>
+            </a:r>
+          </a:p>
+        </p:txBody>
+      </p:sp>
+      <p:sp>
+        <p:nvSpPr>
+          <p:cNvPr id="3" name="Can 2">
+            <a:extLst>
+              <a:ext uri="{FF2B5EF4-FFF2-40B4-BE49-F238E27FC236}">
+                <a16:creationId xmlns:a16="http://schemas.microsoft.com/office/drawing/2014/main" id="{95E17848-85B2-614E-ADB3-D62462D26F82}"/>
+              </a:ext>
+            </a:extLst>
+          </p:cNvPr>
+          <p:cNvSpPr/>
+          <p:nvPr/>
+        </p:nvSpPr>
+        <p:spPr>
+          <a:xfrm>
+            <a:off x="10328366" y="1288869"/>
+            <a:ext cx="1515291" cy="1114697"/>
+          </a:xfrm>
+          <a:prstGeom prst="can">
+            <a:avLst/>
+          </a:prstGeom>
+        </p:spPr>
+        <p:style>
+          <a:lnRef idx="2">
+            <a:schemeClr val="accent1">
+              <a:shade val="50000"/>
+            </a:schemeClr>
+          </a:lnRef>
+          <a:fillRef idx="1">
+            <a:schemeClr val="accent1"/>
+          </a:fillRef>
+          <a:effectRef idx="0">
+            <a:schemeClr val="accent1"/>
+          </a:effectRef>
+          <a:fontRef idx="minor">
+            <a:schemeClr val="lt1"/>
+          </a:fontRef>
+        </p:style>
+        <p:txBody>
+          <a:bodyPr rtlCol="0" anchor="ctr"/>
+          <a:lstStyle/>
+          <a:p>
+            <a:pPr algn="ctr"/>
+            <a:r>
+              <a:rPr lang="en-US" dirty="0"/>
+              <a:t>DB</a:t>
+            </a:r>
+          </a:p>
+        </p:txBody>
+      </p:sp>
+      <p:sp>
+        <p:nvSpPr>
+          <p:cNvPr id="4" name="Right Arrow 3">
+            <a:extLst>
+              <a:ext uri="{FF2B5EF4-FFF2-40B4-BE49-F238E27FC236}">
+                <a16:creationId xmlns:a16="http://schemas.microsoft.com/office/drawing/2014/main" id="{EFCF06E7-6C8F-264B-971B-F576E4A0139E}"/>
+              </a:ext>
+            </a:extLst>
+          </p:cNvPr>
+          <p:cNvSpPr/>
+          <p:nvPr/>
+        </p:nvSpPr>
+        <p:spPr>
+          <a:xfrm>
+            <a:off x="8778240" y="1358537"/>
+            <a:ext cx="1567543" cy="435428"/>
+          </a:xfrm>
+          <a:prstGeom prst="rightArrow">
+            <a:avLst/>
+          </a:prstGeom>
+        </p:spPr>
+        <p:style>
+          <a:lnRef idx="2">
+            <a:schemeClr val="accent1">
+              <a:shade val="50000"/>
+            </a:schemeClr>
+          </a:lnRef>
+          <a:fillRef idx="1">
+            <a:schemeClr val="accent1"/>
+          </a:fillRef>
+          <a:effectRef idx="0">
+            <a:schemeClr val="accent1"/>
+          </a:effectRef>
+          <a:fontRef idx="minor">
+            <a:schemeClr val="lt1"/>
+          </a:fontRef>
+        </p:style>
+        <p:txBody>
+          <a:bodyPr rtlCol="0" anchor="ctr"/>
+          <a:lstStyle/>
+          <a:p>
+            <a:pPr algn="ctr"/>
+            <a:r>
+              <a:rPr lang="en-US" dirty="0"/>
+              <a:t>Send Data</a:t>
+            </a:r>
+          </a:p>
+        </p:txBody>
+      </p:sp>
+      <p:sp>
+        <p:nvSpPr>
+          <p:cNvPr id="5" name="Left Arrow 4">
+            <a:extLst>
+              <a:ext uri="{FF2B5EF4-FFF2-40B4-BE49-F238E27FC236}">
+                <a16:creationId xmlns:a16="http://schemas.microsoft.com/office/drawing/2014/main" id="{5629E77D-6EE5-AE45-8DA7-330EBB155767}"/>
+              </a:ext>
+            </a:extLst>
+          </p:cNvPr>
+          <p:cNvSpPr/>
+          <p:nvPr/>
+        </p:nvSpPr>
+        <p:spPr>
+          <a:xfrm>
+            <a:off x="8778240" y="1924594"/>
+            <a:ext cx="1550126" cy="435429"/>
+          </a:xfrm>
+          <a:prstGeom prst="leftArrow">
+            <a:avLst/>
+          </a:prstGeom>
+        </p:spPr>
+        <p:style>
+          <a:lnRef idx="2">
+            <a:schemeClr val="accent1">
+              <a:shade val="50000"/>
+            </a:schemeClr>
+          </a:lnRef>
+          <a:fillRef idx="1">
+            <a:schemeClr val="accent1"/>
+          </a:fillRef>
+          <a:effectRef idx="0">
+            <a:schemeClr val="accent1"/>
+          </a:effectRef>
+          <a:fontRef idx="minor">
+            <a:schemeClr val="lt1"/>
+          </a:fontRef>
+        </p:style>
+        <p:txBody>
+          <a:bodyPr rtlCol="0" anchor="ctr"/>
+          <a:lstStyle/>
+          <a:p>
+            <a:pPr algn="ctr"/>
+            <a:r>
+              <a:rPr lang="en-US" dirty="0"/>
+              <a:t>Acknowledge</a:t>
+            </a:r>
+          </a:p>
+        </p:txBody>
+      </p:sp>
+      <p:sp>
+        <p:nvSpPr>
+          <p:cNvPr id="6" name="Rectangle 5">
+            <a:extLst>
+              <a:ext uri="{FF2B5EF4-FFF2-40B4-BE49-F238E27FC236}">
+                <a16:creationId xmlns:a16="http://schemas.microsoft.com/office/drawing/2014/main" id="{A049146D-42FC-CB4D-A9AA-3EEF0DCFAB0A}"/>
+              </a:ext>
+            </a:extLst>
+          </p:cNvPr>
+          <p:cNvSpPr/>
+          <p:nvPr/>
+        </p:nvSpPr>
+        <p:spPr>
+          <a:xfrm>
+            <a:off x="3840479" y="5247026"/>
+            <a:ext cx="4920343" cy="1132115"/>
+          </a:xfrm>
+          <a:prstGeom prst="rect">
+            <a:avLst/>
+          </a:prstGeom>
+        </p:spPr>
+        <p:style>
+          <a:lnRef idx="2">
+            <a:schemeClr val="accent1">
+              <a:shade val="50000"/>
+            </a:schemeClr>
+          </a:lnRef>
+          <a:fillRef idx="1">
+            <a:schemeClr val="accent1"/>
+          </a:fillRef>
+          <a:effectRef idx="0">
+            <a:schemeClr val="accent1"/>
+          </a:effectRef>
+          <a:fontRef idx="minor">
+            <a:schemeClr val="lt1"/>
+          </a:fontRef>
+        </p:style>
+        <p:txBody>
+          <a:bodyPr rtlCol="0" anchor="ctr"/>
+          <a:lstStyle/>
+          <a:p>
+            <a:pPr algn="ctr"/>
+            <a:r>
+              <a:rPr lang="en-US" dirty="0"/>
+              <a:t>Service2: Use the data from Service Accepting data</a:t>
+            </a:r>
+          </a:p>
+          <a:p>
+            <a:pPr algn="ctr"/>
+            <a:r>
+              <a:rPr lang="en-US" dirty="0"/>
+              <a:t> Process</a:t>
+            </a:r>
+          </a:p>
+        </p:txBody>
+      </p:sp>
+      <p:sp>
+        <p:nvSpPr>
+          <p:cNvPr id="7" name="Can 6">
+            <a:extLst>
+              <a:ext uri="{FF2B5EF4-FFF2-40B4-BE49-F238E27FC236}">
+                <a16:creationId xmlns:a16="http://schemas.microsoft.com/office/drawing/2014/main" id="{10762650-6449-8745-B704-AEACD45D7AA4}"/>
+              </a:ext>
+            </a:extLst>
+          </p:cNvPr>
+          <p:cNvSpPr/>
+          <p:nvPr/>
+        </p:nvSpPr>
+        <p:spPr>
+          <a:xfrm>
+            <a:off x="10328366" y="5247026"/>
+            <a:ext cx="1515291" cy="1114697"/>
+          </a:xfrm>
+          <a:prstGeom prst="can">
+            <a:avLst/>
+          </a:prstGeom>
+        </p:spPr>
+        <p:style>
+          <a:lnRef idx="2">
+            <a:schemeClr val="accent1">
+              <a:shade val="50000"/>
+            </a:schemeClr>
+          </a:lnRef>
+          <a:fillRef idx="1">
+            <a:schemeClr val="accent1"/>
+          </a:fillRef>
+          <a:effectRef idx="0">
+            <a:schemeClr val="accent1"/>
+          </a:effectRef>
+          <a:fontRef idx="minor">
+            <a:schemeClr val="lt1"/>
+          </a:fontRef>
+        </p:style>
+        <p:txBody>
+          <a:bodyPr rtlCol="0" anchor="ctr"/>
+          <a:lstStyle/>
+          <a:p>
+            <a:pPr algn="ctr"/>
+            <a:r>
+              <a:rPr lang="en-US" dirty="0"/>
+              <a:t>DB</a:t>
+            </a:r>
+          </a:p>
+        </p:txBody>
+      </p:sp>
+      <p:sp>
+        <p:nvSpPr>
+          <p:cNvPr id="8" name="Right Arrow 7">
+            <a:extLst>
+              <a:ext uri="{FF2B5EF4-FFF2-40B4-BE49-F238E27FC236}">
+                <a16:creationId xmlns:a16="http://schemas.microsoft.com/office/drawing/2014/main" id="{EB37C089-5F55-9547-B84F-BFCB065FB87F}"/>
+              </a:ext>
+            </a:extLst>
+          </p:cNvPr>
+          <p:cNvSpPr/>
+          <p:nvPr/>
+        </p:nvSpPr>
+        <p:spPr>
+          <a:xfrm>
+            <a:off x="8778240" y="5316694"/>
+            <a:ext cx="1567543" cy="435428"/>
+          </a:xfrm>
+          <a:prstGeom prst="rightArrow">
+            <a:avLst/>
+          </a:prstGeom>
+        </p:spPr>
+        <p:style>
+          <a:lnRef idx="2">
+            <a:schemeClr val="accent1">
+              <a:shade val="50000"/>
+            </a:schemeClr>
+          </a:lnRef>
+          <a:fillRef idx="1">
+            <a:schemeClr val="accent1"/>
+          </a:fillRef>
+          <a:effectRef idx="0">
+            <a:schemeClr val="accent1"/>
+          </a:effectRef>
+          <a:fontRef idx="minor">
+            <a:schemeClr val="lt1"/>
+          </a:fontRef>
+        </p:style>
+        <p:txBody>
+          <a:bodyPr rtlCol="0" anchor="ctr"/>
+          <a:lstStyle/>
+          <a:p>
+            <a:pPr algn="ctr"/>
+            <a:r>
+              <a:rPr lang="en-US" dirty="0"/>
+              <a:t> Send Data</a:t>
+            </a:r>
+          </a:p>
+        </p:txBody>
+      </p:sp>
+      <p:sp>
+        <p:nvSpPr>
+          <p:cNvPr id="9" name="Left Arrow 8">
+            <a:extLst>
+              <a:ext uri="{FF2B5EF4-FFF2-40B4-BE49-F238E27FC236}">
+                <a16:creationId xmlns:a16="http://schemas.microsoft.com/office/drawing/2014/main" id="{86E70F9A-B1E5-5D44-A550-F4C7BE1469DE}"/>
+              </a:ext>
+            </a:extLst>
+          </p:cNvPr>
+          <p:cNvSpPr/>
+          <p:nvPr/>
+        </p:nvSpPr>
+        <p:spPr>
+          <a:xfrm>
+            <a:off x="8778240" y="5882751"/>
+            <a:ext cx="1550126" cy="435429"/>
+          </a:xfrm>
+          <a:prstGeom prst="leftArrow">
+            <a:avLst/>
+          </a:prstGeom>
+        </p:spPr>
+        <p:style>
+          <a:lnRef idx="2">
+            <a:schemeClr val="accent1">
+              <a:shade val="50000"/>
+            </a:schemeClr>
+          </a:lnRef>
+          <a:fillRef idx="1">
+            <a:schemeClr val="accent1"/>
+          </a:fillRef>
+          <a:effectRef idx="0">
+            <a:schemeClr val="accent1"/>
+          </a:effectRef>
+          <a:fontRef idx="minor">
+            <a:schemeClr val="lt1"/>
+          </a:fontRef>
+        </p:style>
+        <p:txBody>
+          <a:bodyPr rtlCol="0" anchor="ctr"/>
+          <a:lstStyle/>
+          <a:p>
+            <a:pPr algn="ctr"/>
+            <a:r>
+              <a:rPr lang="en-US" dirty="0"/>
+              <a:t>Acknowledge</a:t>
+            </a:r>
+          </a:p>
+        </p:txBody>
+      </p:sp>
+      <p:sp>
+        <p:nvSpPr>
+          <p:cNvPr id="10" name="Rectangle 9">
+            <a:extLst>
+              <a:ext uri="{FF2B5EF4-FFF2-40B4-BE49-F238E27FC236}">
+                <a16:creationId xmlns:a16="http://schemas.microsoft.com/office/drawing/2014/main" id="{71A0D93A-2E50-7C4A-9357-EDFF283EEE75}"/>
+              </a:ext>
+            </a:extLst>
+          </p:cNvPr>
+          <p:cNvSpPr/>
+          <p:nvPr/>
+        </p:nvSpPr>
+        <p:spPr>
+          <a:xfrm>
+            <a:off x="3474721" y="3253741"/>
+            <a:ext cx="4336868" cy="698863"/>
+          </a:xfrm>
+          <a:prstGeom prst="rect">
+            <a:avLst/>
+          </a:prstGeom>
+        </p:spPr>
+        <p:style>
+          <a:lnRef idx="1">
+            <a:schemeClr val="accent3"/>
+          </a:lnRef>
+          <a:fillRef idx="2">
+            <a:schemeClr val="accent3"/>
+          </a:fillRef>
+          <a:effectRef idx="1">
+            <a:schemeClr val="accent3"/>
+          </a:effectRef>
+          <a:fontRef idx="minor">
+            <a:schemeClr val="dk1"/>
+          </a:fontRef>
+        </p:style>
+        <p:txBody>
+          <a:bodyPr rtlCol="0" anchor="ctr"/>
+          <a:lstStyle/>
+          <a:p>
+            <a:pPr algn="ctr"/>
+            <a:endParaRPr lang="en-US"/>
+          </a:p>
+        </p:txBody>
+      </p:sp>
+      <p:sp>
+        <p:nvSpPr>
+          <p:cNvPr id="12" name="Rectangle 11">
+            <a:extLst>
+              <a:ext uri="{FF2B5EF4-FFF2-40B4-BE49-F238E27FC236}">
+                <a16:creationId xmlns:a16="http://schemas.microsoft.com/office/drawing/2014/main" id="{36CBD2DC-CDAB-364C-9B18-00E9122F92D8}"/>
+              </a:ext>
+            </a:extLst>
+          </p:cNvPr>
+          <p:cNvSpPr/>
+          <p:nvPr/>
+        </p:nvSpPr>
+        <p:spPr>
+          <a:xfrm>
+            <a:off x="4589417" y="3257007"/>
+            <a:ext cx="87085" cy="695598"/>
+          </a:xfrm>
+          <a:prstGeom prst="rect">
+            <a:avLst/>
+          </a:prstGeom>
+        </p:spPr>
+        <p:style>
+          <a:lnRef idx="2">
+            <a:schemeClr val="accent1">
+              <a:shade val="50000"/>
+            </a:schemeClr>
+          </a:lnRef>
+          <a:fillRef idx="1">
+            <a:schemeClr val="accent1"/>
+          </a:fillRef>
+          <a:effectRef idx="0">
+            <a:schemeClr val="accent1"/>
+          </a:effectRef>
+          <a:fontRef idx="minor">
+            <a:schemeClr val="lt1"/>
+          </a:fontRef>
+        </p:style>
+        <p:txBody>
+          <a:bodyPr rtlCol="0" anchor="ctr"/>
+          <a:lstStyle/>
+          <a:p>
+            <a:pPr algn="ctr"/>
+            <a:endParaRPr lang="en-US"/>
+          </a:p>
+        </p:txBody>
+      </p:sp>
+      <p:sp>
+        <p:nvSpPr>
+          <p:cNvPr id="22" name="Rectangle 21">
+            <a:extLst>
+              <a:ext uri="{FF2B5EF4-FFF2-40B4-BE49-F238E27FC236}">
+                <a16:creationId xmlns:a16="http://schemas.microsoft.com/office/drawing/2014/main" id="{84A65F19-C677-854A-BF16-ED5BFA2A0C0E}"/>
+              </a:ext>
+            </a:extLst>
+          </p:cNvPr>
+          <p:cNvSpPr/>
+          <p:nvPr/>
+        </p:nvSpPr>
+        <p:spPr>
+          <a:xfrm>
+            <a:off x="5704113" y="3253740"/>
+            <a:ext cx="87085" cy="695598"/>
+          </a:xfrm>
+          <a:prstGeom prst="rect">
+            <a:avLst/>
+          </a:prstGeom>
+        </p:spPr>
+        <p:style>
+          <a:lnRef idx="2">
+            <a:schemeClr val="accent1">
+              <a:shade val="50000"/>
+            </a:schemeClr>
+          </a:lnRef>
+          <a:fillRef idx="1">
+            <a:schemeClr val="accent1"/>
+          </a:fillRef>
+          <a:effectRef idx="0">
+            <a:schemeClr val="accent1"/>
+          </a:effectRef>
+          <a:fontRef idx="minor">
+            <a:schemeClr val="lt1"/>
+          </a:fontRef>
+        </p:style>
+        <p:txBody>
+          <a:bodyPr rtlCol="0" anchor="ctr"/>
+          <a:lstStyle/>
+          <a:p>
+            <a:pPr algn="ctr"/>
+            <a:endParaRPr lang="en-US"/>
+          </a:p>
+        </p:txBody>
+      </p:sp>
+      <p:sp>
+        <p:nvSpPr>
+          <p:cNvPr id="23" name="Rectangle 22">
+            <a:extLst>
+              <a:ext uri="{FF2B5EF4-FFF2-40B4-BE49-F238E27FC236}">
+                <a16:creationId xmlns:a16="http://schemas.microsoft.com/office/drawing/2014/main" id="{54014D5B-548D-C641-8A83-66788B028FB1}"/>
+              </a:ext>
+            </a:extLst>
+          </p:cNvPr>
+          <p:cNvSpPr/>
+          <p:nvPr/>
+        </p:nvSpPr>
+        <p:spPr>
+          <a:xfrm>
+            <a:off x="6862351" y="3253740"/>
+            <a:ext cx="87085" cy="695598"/>
+          </a:xfrm>
+          <a:prstGeom prst="rect">
+            <a:avLst/>
+          </a:prstGeom>
+        </p:spPr>
+        <p:style>
+          <a:lnRef idx="2">
+            <a:schemeClr val="accent1">
+              <a:shade val="50000"/>
+            </a:schemeClr>
+          </a:lnRef>
+          <a:fillRef idx="1">
+            <a:schemeClr val="accent1"/>
+          </a:fillRef>
+          <a:effectRef idx="0">
+            <a:schemeClr val="accent1"/>
+          </a:effectRef>
+          <a:fontRef idx="minor">
+            <a:schemeClr val="lt1"/>
+          </a:fontRef>
+        </p:style>
+        <p:txBody>
+          <a:bodyPr rtlCol="0" anchor="ctr"/>
+          <a:lstStyle/>
+          <a:p>
+            <a:pPr algn="ctr"/>
+            <a:endParaRPr lang="en-US"/>
+          </a:p>
+        </p:txBody>
+      </p:sp>
+      <p:sp>
+        <p:nvSpPr>
+          <p:cNvPr id="24" name="Rectangle 23">
+            <a:extLst>
+              <a:ext uri="{FF2B5EF4-FFF2-40B4-BE49-F238E27FC236}">
+                <a16:creationId xmlns:a16="http://schemas.microsoft.com/office/drawing/2014/main" id="{A1DEEE03-515C-7846-B346-0E56E1260E89}"/>
+              </a:ext>
+            </a:extLst>
+          </p:cNvPr>
+          <p:cNvSpPr/>
+          <p:nvPr/>
+        </p:nvSpPr>
+        <p:spPr>
+          <a:xfrm>
+            <a:off x="6278882" y="3253740"/>
+            <a:ext cx="87085" cy="695598"/>
+          </a:xfrm>
+          <a:prstGeom prst="rect">
+            <a:avLst/>
+          </a:prstGeom>
+        </p:spPr>
+        <p:style>
+          <a:lnRef idx="2">
+            <a:schemeClr val="accent1">
+              <a:shade val="50000"/>
+            </a:schemeClr>
+          </a:lnRef>
+          <a:fillRef idx="1">
+            <a:schemeClr val="accent1"/>
+          </a:fillRef>
+          <a:effectRef idx="0">
+            <a:schemeClr val="accent1"/>
+          </a:effectRef>
+          <a:fontRef idx="minor">
+            <a:schemeClr val="lt1"/>
+          </a:fontRef>
+        </p:style>
+        <p:txBody>
+          <a:bodyPr rtlCol="0" anchor="ctr"/>
+          <a:lstStyle/>
+          <a:p>
+            <a:pPr algn="ctr"/>
+            <a:endParaRPr lang="en-US"/>
+          </a:p>
+        </p:txBody>
+      </p:sp>
+      <p:sp>
+        <p:nvSpPr>
+          <p:cNvPr id="25" name="Rectangle 24">
+            <a:extLst>
+              <a:ext uri="{FF2B5EF4-FFF2-40B4-BE49-F238E27FC236}">
+                <a16:creationId xmlns:a16="http://schemas.microsoft.com/office/drawing/2014/main" id="{3778AC8C-F552-9B48-92AA-F2B2D5D01F02}"/>
+              </a:ext>
+            </a:extLst>
+          </p:cNvPr>
+          <p:cNvSpPr/>
+          <p:nvPr/>
+        </p:nvSpPr>
+        <p:spPr>
+          <a:xfrm>
+            <a:off x="5172886" y="3253740"/>
+            <a:ext cx="87085" cy="695598"/>
+          </a:xfrm>
+          <a:prstGeom prst="rect">
+            <a:avLst/>
+          </a:prstGeom>
+        </p:spPr>
+        <p:style>
+          <a:lnRef idx="2">
+            <a:schemeClr val="accent1">
+              <a:shade val="50000"/>
+            </a:schemeClr>
+          </a:lnRef>
+          <a:fillRef idx="1">
+            <a:schemeClr val="accent1"/>
+          </a:fillRef>
+          <a:effectRef idx="0">
+            <a:schemeClr val="accent1"/>
+          </a:effectRef>
+          <a:fontRef idx="minor">
+            <a:schemeClr val="lt1"/>
+          </a:fontRef>
+        </p:style>
+        <p:txBody>
+          <a:bodyPr rtlCol="0" anchor="ctr"/>
+          <a:lstStyle/>
+          <a:p>
+            <a:pPr algn="ctr"/>
+            <a:endParaRPr lang="en-US"/>
+          </a:p>
+        </p:txBody>
+      </p:sp>
+      <p:sp>
+        <p:nvSpPr>
+          <p:cNvPr id="26" name="Rectangle 25">
+            <a:extLst>
+              <a:ext uri="{FF2B5EF4-FFF2-40B4-BE49-F238E27FC236}">
+                <a16:creationId xmlns:a16="http://schemas.microsoft.com/office/drawing/2014/main" id="{0994A079-EE83-C84C-83D7-536820B5D4BA}"/>
+              </a:ext>
+            </a:extLst>
+          </p:cNvPr>
+          <p:cNvSpPr/>
+          <p:nvPr/>
+        </p:nvSpPr>
+        <p:spPr>
+          <a:xfrm>
+            <a:off x="7289076" y="3253740"/>
+            <a:ext cx="87085" cy="695598"/>
+          </a:xfrm>
+          <a:prstGeom prst="rect">
+            <a:avLst/>
+          </a:prstGeom>
+        </p:spPr>
+        <p:style>
+          <a:lnRef idx="2">
+            <a:schemeClr val="accent1">
+              <a:shade val="50000"/>
+            </a:schemeClr>
+          </a:lnRef>
+          <a:fillRef idx="1">
+            <a:schemeClr val="accent1"/>
+          </a:fillRef>
+          <a:effectRef idx="0">
+            <a:schemeClr val="accent1"/>
+          </a:effectRef>
+          <a:fontRef idx="minor">
+            <a:schemeClr val="lt1"/>
+          </a:fontRef>
+        </p:style>
+        <p:txBody>
+          <a:bodyPr rtlCol="0" anchor="ctr"/>
+          <a:lstStyle/>
+          <a:p>
+            <a:pPr algn="ctr"/>
+            <a:endParaRPr lang="en-US"/>
+          </a:p>
+        </p:txBody>
+      </p:sp>
+      <p:sp>
+        <p:nvSpPr>
+          <p:cNvPr id="27" name="Rectangle 26">
+            <a:extLst>
+              <a:ext uri="{FF2B5EF4-FFF2-40B4-BE49-F238E27FC236}">
+                <a16:creationId xmlns:a16="http://schemas.microsoft.com/office/drawing/2014/main" id="{F1934C65-E095-E34D-85F7-A81BC884885F}"/>
+              </a:ext>
+            </a:extLst>
+          </p:cNvPr>
+          <p:cNvSpPr/>
+          <p:nvPr/>
+        </p:nvSpPr>
+        <p:spPr>
+          <a:xfrm>
+            <a:off x="3988527" y="3253740"/>
+            <a:ext cx="87085" cy="695598"/>
+          </a:xfrm>
+          <a:prstGeom prst="rect">
+            <a:avLst/>
+          </a:prstGeom>
+        </p:spPr>
+        <p:style>
+          <a:lnRef idx="2">
+            <a:schemeClr val="accent1">
+              <a:shade val="50000"/>
+            </a:schemeClr>
+          </a:lnRef>
+          <a:fillRef idx="1">
+            <a:schemeClr val="accent1"/>
+          </a:fillRef>
+          <a:effectRef idx="0">
+            <a:schemeClr val="accent1"/>
+          </a:effectRef>
+          <a:fontRef idx="minor">
+            <a:schemeClr val="lt1"/>
+          </a:fontRef>
+        </p:style>
+        <p:txBody>
+          <a:bodyPr rtlCol="0" anchor="ctr"/>
+          <a:lstStyle/>
+          <a:p>
+            <a:pPr algn="ctr"/>
+            <a:endParaRPr lang="en-US"/>
+          </a:p>
+        </p:txBody>
+      </p:sp>
+      <p:sp>
+        <p:nvSpPr>
+          <p:cNvPr id="19" name="U-turn Arrow 18">
+            <a:extLst>
+              <a:ext uri="{FF2B5EF4-FFF2-40B4-BE49-F238E27FC236}">
+                <a16:creationId xmlns:a16="http://schemas.microsoft.com/office/drawing/2014/main" id="{5A535FBF-1F1F-4B46-8C69-E30D098D095C}"/>
+              </a:ext>
+            </a:extLst>
+          </p:cNvPr>
+          <p:cNvSpPr/>
+          <p:nvPr/>
+        </p:nvSpPr>
+        <p:spPr>
+          <a:xfrm rot="16200000" flipH="1">
+            <a:off x="2360024" y="2360024"/>
+            <a:ext cx="1654629" cy="1114695"/>
+          </a:xfrm>
+          <a:prstGeom prst="uturnArrow">
+            <a:avLst>
+              <a:gd name="adj1" fmla="val 13489"/>
+              <a:gd name="adj2" fmla="val 25000"/>
+              <a:gd name="adj3" fmla="val 25000"/>
+              <a:gd name="adj4" fmla="val 43750"/>
+              <a:gd name="adj5" fmla="val 75000"/>
+            </a:avLst>
+          </a:prstGeom>
+        </p:spPr>
+        <p:style>
+          <a:lnRef idx="2">
+            <a:schemeClr val="accent1">
+              <a:shade val="50000"/>
+            </a:schemeClr>
+          </a:lnRef>
+          <a:fillRef idx="1">
+            <a:schemeClr val="accent1"/>
+          </a:fillRef>
+          <a:effectRef idx="0">
+            <a:schemeClr val="accent1"/>
+          </a:effectRef>
+          <a:fontRef idx="minor">
+            <a:schemeClr val="lt1"/>
+          </a:fontRef>
+        </p:style>
+        <p:txBody>
+          <a:bodyPr rtlCol="0" anchor="ctr"/>
+          <a:lstStyle/>
+          <a:p>
+            <a:pPr algn="ctr"/>
+            <a:endParaRPr lang="en-US">
+              <a:solidFill>
+                <a:schemeClr val="tx1"/>
+              </a:solidFill>
+            </a:endParaRPr>
+          </a:p>
+        </p:txBody>
+      </p:sp>
+      <p:sp>
+        <p:nvSpPr>
+          <p:cNvPr id="28" name="TextBox 27">
+            <a:extLst>
+              <a:ext uri="{FF2B5EF4-FFF2-40B4-BE49-F238E27FC236}">
+                <a16:creationId xmlns:a16="http://schemas.microsoft.com/office/drawing/2014/main" id="{8DFCE30E-C034-B145-9D9F-1BCDD13EB061}"/>
+              </a:ext>
+            </a:extLst>
+          </p:cNvPr>
+          <p:cNvSpPr txBox="1"/>
+          <p:nvPr/>
+        </p:nvSpPr>
+        <p:spPr>
+          <a:xfrm>
+            <a:off x="653138" y="797394"/>
+            <a:ext cx="2002971" cy="2585323"/>
+          </a:xfrm>
+          <a:prstGeom prst="rect">
+            <a:avLst/>
+          </a:prstGeom>
+          <a:noFill/>
+        </p:spPr>
+        <p:txBody>
+          <a:bodyPr wrap="square" rtlCol="0">
+            <a:spAutoFit/>
+          </a:bodyPr>
+          <a:lstStyle/>
+          <a:p>
+            <a:r>
+              <a:rPr lang="en-US" dirty="0"/>
+              <a:t>The service 1 will receive the Acknowledgment of data stored in DB and this data will now be added  in Enterprise Messaging Service (EMS) </a:t>
+            </a:r>
+          </a:p>
+        </p:txBody>
+      </p:sp>
+      <p:sp>
+        <p:nvSpPr>
+          <p:cNvPr id="32" name="TextBox 31">
+            <a:extLst>
+              <a:ext uri="{FF2B5EF4-FFF2-40B4-BE49-F238E27FC236}">
+                <a16:creationId xmlns:a16="http://schemas.microsoft.com/office/drawing/2014/main" id="{3A728EE8-5C30-DD4D-B40E-CA350237FDC6}"/>
+              </a:ext>
+            </a:extLst>
+          </p:cNvPr>
+          <p:cNvSpPr txBox="1"/>
+          <p:nvPr/>
+        </p:nvSpPr>
+        <p:spPr>
+          <a:xfrm>
+            <a:off x="287384" y="4785361"/>
+            <a:ext cx="1872342" cy="923330"/>
+          </a:xfrm>
+          <a:prstGeom prst="rect">
+            <a:avLst/>
+          </a:prstGeom>
+          <a:noFill/>
+        </p:spPr>
+        <p:txBody>
+          <a:bodyPr wrap="square" rtlCol="0">
+            <a:spAutoFit/>
+          </a:bodyPr>
+          <a:lstStyle/>
+          <a:p>
+            <a:r>
+              <a:rPr lang="en-US" dirty="0"/>
+              <a:t>Service 2 will receive data from EMS </a:t>
+            </a:r>
+          </a:p>
+        </p:txBody>
+      </p:sp>
+      <p:sp>
+        <p:nvSpPr>
+          <p:cNvPr id="33" name="TextBox 32">
+            <a:extLst>
+              <a:ext uri="{FF2B5EF4-FFF2-40B4-BE49-F238E27FC236}">
+                <a16:creationId xmlns:a16="http://schemas.microsoft.com/office/drawing/2014/main" id="{4A3B24EA-781B-A642-BB3E-B613ECE7E79B}"/>
+              </a:ext>
+            </a:extLst>
+          </p:cNvPr>
+          <p:cNvSpPr txBox="1"/>
+          <p:nvPr/>
+        </p:nvSpPr>
+        <p:spPr>
+          <a:xfrm>
+            <a:off x="8447316" y="2722995"/>
+            <a:ext cx="3518263" cy="1477328"/>
+          </a:xfrm>
+          <a:prstGeom prst="rect">
+            <a:avLst/>
+          </a:prstGeom>
+          <a:noFill/>
+        </p:spPr>
+        <p:txBody>
+          <a:bodyPr wrap="square" rtlCol="0">
+            <a:spAutoFit/>
+          </a:bodyPr>
+          <a:lstStyle/>
+          <a:p>
+            <a:r>
+              <a:rPr lang="en-US" dirty="0"/>
+              <a:t>EMS Service must be decided based on </a:t>
+            </a:r>
+          </a:p>
+          <a:p>
+            <a:pPr marL="342900" indent="-342900">
+              <a:buAutoNum type="arabicPeriod"/>
+            </a:pPr>
+            <a:r>
+              <a:rPr lang="en-US" dirty="0"/>
+              <a:t>Data Volume</a:t>
+            </a:r>
+          </a:p>
+          <a:p>
+            <a:pPr marL="342900" indent="-342900">
+              <a:buAutoNum type="arabicPeriod"/>
+            </a:pPr>
+            <a:r>
+              <a:rPr lang="en-US" dirty="0"/>
+              <a:t>Data Formats</a:t>
+            </a:r>
+          </a:p>
+          <a:p>
+            <a:pPr marL="342900" indent="-342900">
+              <a:buAutoNum type="arabicPeriod"/>
+            </a:pPr>
+            <a:r>
+              <a:rPr lang="en-US" dirty="0"/>
+              <a:t>Transactions</a:t>
+            </a:r>
+          </a:p>
+        </p:txBody>
+      </p:sp>
+      <p:sp>
+        <p:nvSpPr>
+          <p:cNvPr id="34" name="TextBox 33">
+            <a:extLst>
+              <a:ext uri="{FF2B5EF4-FFF2-40B4-BE49-F238E27FC236}">
+                <a16:creationId xmlns:a16="http://schemas.microsoft.com/office/drawing/2014/main" id="{221831AF-1BB9-B34F-9752-278B55E928C5}"/>
+              </a:ext>
+            </a:extLst>
+          </p:cNvPr>
+          <p:cNvSpPr txBox="1"/>
+          <p:nvPr/>
+        </p:nvSpPr>
+        <p:spPr>
+          <a:xfrm>
+            <a:off x="156752" y="6502823"/>
+            <a:ext cx="5817328" cy="369332"/>
+          </a:xfrm>
+          <a:prstGeom prst="rect">
+            <a:avLst/>
+          </a:prstGeom>
+          <a:noFill/>
+        </p:spPr>
+        <p:txBody>
+          <a:bodyPr wrap="square" rtlCol="0">
+            <a:spAutoFit/>
+          </a:bodyPr>
+          <a:lstStyle/>
+          <a:p>
+            <a:r>
+              <a:rPr lang="en-US" dirty="0"/>
+              <a:t>EMS with Integration services like Queues, Caches</a:t>
+            </a:r>
+          </a:p>
+        </p:txBody>
+      </p:sp>
+      <p:sp>
+        <p:nvSpPr>
+          <p:cNvPr id="11" name="TextBox 10">
+            <a:extLst>
+              <a:ext uri="{FF2B5EF4-FFF2-40B4-BE49-F238E27FC236}">
+                <a16:creationId xmlns:a16="http://schemas.microsoft.com/office/drawing/2014/main" id="{69AB3846-3962-5048-84B0-94BCCEE74FA1}"/>
+              </a:ext>
+            </a:extLst>
+          </p:cNvPr>
+          <p:cNvSpPr txBox="1"/>
+          <p:nvPr/>
+        </p:nvSpPr>
+        <p:spPr>
+          <a:xfrm>
+            <a:off x="3544389" y="60960"/>
+            <a:ext cx="5843451" cy="923330"/>
+          </a:xfrm>
+          <a:prstGeom prst="rect">
+            <a:avLst/>
+          </a:prstGeom>
+          <a:noFill/>
+        </p:spPr>
+        <p:txBody>
+          <a:bodyPr wrap="square" rtlCol="0">
+            <a:spAutoFit/>
+          </a:bodyPr>
+          <a:lstStyle/>
+          <a:p>
+            <a:r>
+              <a:rPr lang="en-US" dirty="0"/>
+              <a:t>Sender sends data and the background receive data and save it in database and the other service will receive data from database </a:t>
+            </a:r>
+          </a:p>
+        </p:txBody>
+      </p:sp>
+      <p:sp>
+        <p:nvSpPr>
+          <p:cNvPr id="13" name="Rounded Rectangle 12">
+            <a:extLst>
+              <a:ext uri="{FF2B5EF4-FFF2-40B4-BE49-F238E27FC236}">
+                <a16:creationId xmlns:a16="http://schemas.microsoft.com/office/drawing/2014/main" id="{4BC486A4-40D5-E043-B105-E5525BD933E5}"/>
+              </a:ext>
+            </a:extLst>
+          </p:cNvPr>
+          <p:cNvSpPr/>
+          <p:nvPr/>
+        </p:nvSpPr>
+        <p:spPr>
+          <a:xfrm>
+            <a:off x="3840480" y="4200323"/>
+            <a:ext cx="3535681" cy="362968"/>
+          </a:xfrm>
+          <a:prstGeom prst="roundRect">
+            <a:avLst/>
+          </a:prstGeom>
+        </p:spPr>
+        <p:style>
+          <a:lnRef idx="2">
+            <a:schemeClr val="accent1">
+              <a:shade val="50000"/>
+            </a:schemeClr>
+          </a:lnRef>
+          <a:fillRef idx="1">
+            <a:schemeClr val="accent1"/>
+          </a:fillRef>
+          <a:effectRef idx="0">
+            <a:schemeClr val="accent1"/>
+          </a:effectRef>
+          <a:fontRef idx="minor">
+            <a:schemeClr val="lt1"/>
+          </a:fontRef>
+        </p:style>
+        <p:txBody>
+          <a:bodyPr rtlCol="0" anchor="ctr"/>
+          <a:lstStyle/>
+          <a:p>
+            <a:pPr algn="ctr"/>
+            <a:r>
+              <a:rPr lang="en-US" dirty="0"/>
+              <a:t>Receiver Background app</a:t>
+            </a:r>
+          </a:p>
+        </p:txBody>
+      </p:sp>
+      <p:sp>
+        <p:nvSpPr>
+          <p:cNvPr id="14" name="Bent Arrow 13">
+            <a:extLst>
+              <a:ext uri="{FF2B5EF4-FFF2-40B4-BE49-F238E27FC236}">
+                <a16:creationId xmlns:a16="http://schemas.microsoft.com/office/drawing/2014/main" id="{805EA052-CD5F-BE44-8B7C-50F91EB4A96C}"/>
+              </a:ext>
+            </a:extLst>
+          </p:cNvPr>
+          <p:cNvSpPr/>
+          <p:nvPr/>
+        </p:nvSpPr>
+        <p:spPr>
+          <a:xfrm flipV="1">
+            <a:off x="3544389" y="3946071"/>
+            <a:ext cx="296091" cy="617219"/>
+          </a:xfrm>
+          <a:prstGeom prst="bentArrow">
+            <a:avLst/>
+          </a:prstGeom>
+        </p:spPr>
+        <p:style>
+          <a:lnRef idx="2">
+            <a:schemeClr val="accent1">
+              <a:shade val="50000"/>
+            </a:schemeClr>
+          </a:lnRef>
+          <a:fillRef idx="1">
+            <a:schemeClr val="accent1"/>
+          </a:fillRef>
+          <a:effectRef idx="0">
+            <a:schemeClr val="accent1"/>
+          </a:effectRef>
+          <a:fontRef idx="minor">
+            <a:schemeClr val="lt1"/>
+          </a:fontRef>
+        </p:style>
+        <p:txBody>
+          <a:bodyPr rtlCol="0" anchor="ctr"/>
+          <a:lstStyle/>
+          <a:p>
+            <a:pPr algn="ctr"/>
+            <a:endParaRPr lang="en-US">
+              <a:solidFill>
+                <a:schemeClr val="tx1"/>
+              </a:solidFill>
+            </a:endParaRPr>
+          </a:p>
+        </p:txBody>
+      </p:sp>
+      <p:sp>
+        <p:nvSpPr>
+          <p:cNvPr id="15" name="Bent Up Arrow 14">
+            <a:extLst>
+              <a:ext uri="{FF2B5EF4-FFF2-40B4-BE49-F238E27FC236}">
+                <a16:creationId xmlns:a16="http://schemas.microsoft.com/office/drawing/2014/main" id="{A39E415D-EE87-6449-97F9-C4183DC8C1D6}"/>
+              </a:ext>
+            </a:extLst>
+          </p:cNvPr>
+          <p:cNvSpPr/>
+          <p:nvPr/>
+        </p:nvSpPr>
+        <p:spPr>
+          <a:xfrm flipV="1">
+            <a:off x="7376161" y="4314372"/>
+            <a:ext cx="3666308" cy="1002321"/>
+          </a:xfrm>
+          <a:prstGeom prst="bentUpArrow">
+            <a:avLst/>
+          </a:prstGeom>
+        </p:spPr>
+        <p:style>
+          <a:lnRef idx="2">
+            <a:schemeClr val="accent1">
+              <a:shade val="50000"/>
+            </a:schemeClr>
+          </a:lnRef>
+          <a:fillRef idx="1">
+            <a:schemeClr val="accent1"/>
+          </a:fillRef>
+          <a:effectRef idx="0">
+            <a:schemeClr val="accent1"/>
+          </a:effectRef>
+          <a:fontRef idx="minor">
+            <a:schemeClr val="lt1"/>
+          </a:fontRef>
+        </p:style>
+        <p:txBody>
+          <a:bodyPr rtlCol="0" anchor="ctr"/>
+          <a:lstStyle/>
+          <a:p>
+            <a:pPr algn="ctr"/>
+            <a:endParaRPr lang="en-US"/>
+          </a:p>
+        </p:txBody>
+      </p:sp>
+      <p:sp>
+        <p:nvSpPr>
+          <p:cNvPr id="16" name="TextBox 15">
+            <a:extLst>
+              <a:ext uri="{FF2B5EF4-FFF2-40B4-BE49-F238E27FC236}">
+                <a16:creationId xmlns:a16="http://schemas.microsoft.com/office/drawing/2014/main" id="{8223E693-8D4B-644E-BF09-08D0B3DAF2A2}"/>
+              </a:ext>
+            </a:extLst>
+          </p:cNvPr>
+          <p:cNvSpPr txBox="1"/>
+          <p:nvPr/>
+        </p:nvSpPr>
+        <p:spPr>
+          <a:xfrm>
+            <a:off x="7811589" y="4220505"/>
+            <a:ext cx="2743201" cy="646331"/>
+          </a:xfrm>
+          <a:prstGeom prst="rect">
+            <a:avLst/>
+          </a:prstGeom>
+          <a:noFill/>
+        </p:spPr>
+        <p:txBody>
+          <a:bodyPr wrap="square" rtlCol="0">
+            <a:spAutoFit/>
+          </a:bodyPr>
+          <a:lstStyle/>
+          <a:p>
+            <a:r>
+              <a:rPr lang="en-US" dirty="0"/>
+              <a:t>Background app will save data in database</a:t>
+            </a:r>
+          </a:p>
+        </p:txBody>
+      </p:sp>
+    </p:spTree>
+    <p:extLst>
+      <p:ext uri="{BB962C8B-B14F-4D97-AF65-F5344CB8AC3E}">
+        <p14:creationId xmlns:p14="http://schemas.microsoft.com/office/powerpoint/2010/main" val="623622941"/>
+      </p:ext>
+    </p:extLst>
+  </p:cSld>
+  <p:clrMapOvr>
+    <a:masterClrMapping/>
+  </p:clrMapOvr>
+</p:sld>
+</file>
+
+<file path=ppt/slides/slide59.xml><?xml version="1.0" encoding="utf-8"?>
+<p:sld xmlns:a="http://schemas.openxmlformats.org/drawingml/2006/main" xmlns:r="http://schemas.openxmlformats.org/officeDocument/2006/relationships" xmlns:p="http://schemas.openxmlformats.org/presentationml/2006/main">
+  <p:cSld>
+    <p:spTree>
+      <p:nvGrpSpPr>
+        <p:cNvPr id="1" name=""/>
+        <p:cNvGrpSpPr/>
+        <p:nvPr/>
+      </p:nvGrpSpPr>
+      <p:grpSpPr>
+        <a:xfrm>
+          <a:off x="0" y="0"/>
+          <a:ext cx="0" cy="0"/>
+          <a:chOff x="0" y="0"/>
+          <a:chExt cx="0" cy="0"/>
+        </a:xfrm>
+      </p:grpSpPr>
+      <p:sp>
+        <p:nvSpPr>
+          <p:cNvPr id="2" name="TextBox 1">
+            <a:extLst>
+              <a:ext uri="{FF2B5EF4-FFF2-40B4-BE49-F238E27FC236}">
+                <a16:creationId xmlns:a16="http://schemas.microsoft.com/office/drawing/2014/main" id="{A55443E0-98BF-BC4D-A711-FC0C12701933}"/>
+              </a:ext>
+            </a:extLst>
+          </p:cNvPr>
+          <p:cNvSpPr txBox="1"/>
+          <p:nvPr/>
+        </p:nvSpPr>
+        <p:spPr>
+          <a:xfrm>
+            <a:off x="435429" y="487680"/>
+            <a:ext cx="11260182" cy="3970318"/>
+          </a:xfrm>
+          <a:prstGeom prst="rect">
+            <a:avLst/>
+          </a:prstGeom>
+          <a:noFill/>
+        </p:spPr>
+        <p:txBody>
+          <a:bodyPr wrap="square" rtlCol="0">
+            <a:spAutoFit/>
+          </a:bodyPr>
+          <a:lstStyle/>
+          <a:p>
+            <a:pPr marL="342900" indent="-342900">
+              <a:buFont typeface="+mj-lt"/>
+              <a:buAutoNum type="arabicPeriod"/>
+            </a:pPr>
+            <a:r>
+              <a:rPr lang="en-US" dirty="0"/>
+              <a:t>Queue, the data will be stored by sender and data will be persist till its is not accepted by the receiver. </a:t>
+            </a:r>
+          </a:p>
+          <a:p>
+            <a:pPr marL="342900" indent="-342900">
+              <a:buFont typeface="+mj-lt"/>
+              <a:buAutoNum type="arabicPeriod"/>
+            </a:pPr>
+            <a:r>
+              <a:rPr lang="en-US" dirty="0"/>
+              <a:t>Data from queue will be removed once the data is dispatched to receiver</a:t>
+            </a:r>
+          </a:p>
+          <a:p>
+            <a:pPr marL="800100" lvl="1" indent="-342900">
+              <a:buFont typeface="+mj-lt"/>
+              <a:buAutoNum type="arabicPeriod"/>
+            </a:pPr>
+            <a:r>
+              <a:rPr lang="en-US" dirty="0"/>
+              <a:t>What if the data is dispatched but before processing it by client / receiver, the receiver crashed</a:t>
+            </a:r>
+          </a:p>
+          <a:p>
+            <a:pPr marL="1257300" lvl="2" indent="-342900">
+              <a:buFont typeface="+mj-lt"/>
+              <a:buAutoNum type="arabicPeriod"/>
+            </a:pPr>
+            <a:r>
+              <a:rPr lang="en-US" dirty="0"/>
+              <a:t>ANS</a:t>
+            </a:r>
+            <a:r>
+              <a:rPr lang="en-US" dirty="0">
+                <a:sym typeface="Wingdings" pitchFamily="2" charset="2"/>
+              </a:rPr>
+              <a:t> use the Acknowledgement service configuration with Queue. Unless the receiver does not acknowledge the data must not be removed from queue</a:t>
+            </a:r>
+          </a:p>
+          <a:p>
+            <a:pPr marL="342900" indent="-342900">
+              <a:buFont typeface="+mj-lt"/>
+              <a:buAutoNum type="arabicPeriod"/>
+            </a:pPr>
+            <a:r>
+              <a:rPr lang="en-US" dirty="0">
+                <a:sym typeface="Wingdings" pitchFamily="2" charset="2"/>
+              </a:rPr>
+              <a:t>Queue Cost is less and mostly we use Open-Source Queue Services</a:t>
+            </a:r>
+          </a:p>
+          <a:p>
+            <a:pPr marL="1257300" lvl="2" indent="-342900">
+              <a:buFont typeface="+mj-lt"/>
+              <a:buAutoNum type="arabicPeriod"/>
+            </a:pPr>
+            <a:endParaRPr lang="en-US" dirty="0">
+              <a:sym typeface="Wingdings" pitchFamily="2" charset="2"/>
+            </a:endParaRPr>
+          </a:p>
+          <a:p>
+            <a:pPr marL="342900" indent="-342900">
+              <a:buFont typeface="+mj-lt"/>
+              <a:buAutoNum type="arabicPeriod"/>
+            </a:pPr>
+            <a:r>
+              <a:rPr lang="en-US" dirty="0">
+                <a:sym typeface="Wingdings" pitchFamily="2" charset="2"/>
+              </a:rPr>
+              <a:t>Using Cache</a:t>
+            </a:r>
+          </a:p>
+          <a:p>
+            <a:pPr marL="800100" lvl="1" indent="-342900">
+              <a:buFont typeface="+mj-lt"/>
+              <a:buAutoNum type="arabicPeriod"/>
+            </a:pPr>
+            <a:r>
+              <a:rPr lang="en-US" dirty="0">
+                <a:sym typeface="Wingdings" pitchFamily="2" charset="2"/>
+              </a:rPr>
+              <a:t>Can store data of huge size as compare to Queue</a:t>
+            </a:r>
+          </a:p>
+          <a:p>
+            <a:pPr marL="800100" lvl="1" indent="-342900">
+              <a:buFont typeface="+mj-lt"/>
+              <a:buAutoNum type="arabicPeriod"/>
+            </a:pPr>
+            <a:r>
+              <a:rPr lang="en-US" dirty="0">
+                <a:sym typeface="Wingdings" pitchFamily="2" charset="2"/>
+              </a:rPr>
+              <a:t>Both sender and receiver must explicitly Write and Read data</a:t>
+            </a:r>
+          </a:p>
+          <a:p>
+            <a:pPr marL="800100" lvl="1" indent="-342900">
+              <a:buFont typeface="+mj-lt"/>
+              <a:buAutoNum type="arabicPeriod"/>
+            </a:pPr>
+            <a:r>
+              <a:rPr lang="en-US" dirty="0">
+                <a:sym typeface="Wingdings" pitchFamily="2" charset="2"/>
+              </a:rPr>
+              <a:t>No Acknowledgement is needed</a:t>
+            </a:r>
+          </a:p>
+          <a:p>
+            <a:pPr marL="800100" lvl="1" indent="-342900">
+              <a:buFont typeface="+mj-lt"/>
+              <a:buAutoNum type="arabicPeriod"/>
+            </a:pPr>
+            <a:r>
+              <a:rPr lang="en-US" dirty="0">
+                <a:sym typeface="Wingdings" pitchFamily="2" charset="2"/>
+              </a:rPr>
+              <a:t>Data has expiry based on the Configuration  </a:t>
+            </a:r>
+          </a:p>
+          <a:p>
+            <a:pPr marL="800100" lvl="1" indent="-342900">
+              <a:buFont typeface="+mj-lt"/>
+              <a:buAutoNum type="arabicPeriod"/>
+            </a:pPr>
+            <a:r>
+              <a:rPr lang="en-US" dirty="0">
+                <a:sym typeface="Wingdings" pitchFamily="2" charset="2"/>
+              </a:rPr>
+              <a:t>The Cache Cost is dependent on Data Volume and it is provided and managed by the Providers e.g. Cloud Providers</a:t>
+            </a:r>
+            <a:endParaRPr lang="en-US" dirty="0"/>
+          </a:p>
+        </p:txBody>
+      </p:sp>
+    </p:spTree>
+    <p:extLst>
+      <p:ext uri="{BB962C8B-B14F-4D97-AF65-F5344CB8AC3E}">
+        <p14:creationId xmlns:p14="http://schemas.microsoft.com/office/powerpoint/2010/main" val="1363991278"/>
       </p:ext>
     </p:extLst>
   </p:cSld>
@@ -41620,6 +45943,3440 @@
     <p:extLst>
       <p:ext uri="{BB962C8B-B14F-4D97-AF65-F5344CB8AC3E}">
         <p14:creationId xmlns:p14="http://schemas.microsoft.com/office/powerpoint/2010/main" val="3200406528"/>
+      </p:ext>
+    </p:extLst>
+  </p:cSld>
+  <p:clrMapOvr>
+    <a:masterClrMapping/>
+  </p:clrMapOvr>
+</p:sld>
+</file>
+
+<file path=ppt/slides/slide60.xml><?xml version="1.0" encoding="utf-8"?>
+<p:sld xmlns:a="http://schemas.openxmlformats.org/drawingml/2006/main" xmlns:r="http://schemas.openxmlformats.org/officeDocument/2006/relationships" xmlns:p="http://schemas.openxmlformats.org/presentationml/2006/main">
+  <p:cSld>
+    <p:spTree>
+      <p:nvGrpSpPr>
+        <p:cNvPr id="1" name=""/>
+        <p:cNvGrpSpPr/>
+        <p:nvPr/>
+      </p:nvGrpSpPr>
+      <p:grpSpPr>
+        <a:xfrm>
+          <a:off x="0" y="0"/>
+          <a:ext cx="0" cy="0"/>
+          <a:chOff x="0" y="0"/>
+          <a:chExt cx="0" cy="0"/>
+        </a:xfrm>
+      </p:grpSpPr>
+      <p:sp>
+        <p:nvSpPr>
+          <p:cNvPr id="2" name="Rectangle 1">
+            <a:extLst>
+              <a:ext uri="{FF2B5EF4-FFF2-40B4-BE49-F238E27FC236}">
+                <a16:creationId xmlns:a16="http://schemas.microsoft.com/office/drawing/2014/main" id="{A79FAA15-9781-1B46-B8D3-20B14FF1934F}"/>
+              </a:ext>
+            </a:extLst>
+          </p:cNvPr>
+          <p:cNvSpPr/>
+          <p:nvPr/>
+        </p:nvSpPr>
+        <p:spPr>
+          <a:xfrm>
+            <a:off x="635726" y="3997234"/>
+            <a:ext cx="10911840" cy="2151017"/>
+          </a:xfrm>
+          <a:prstGeom prst="rect">
+            <a:avLst/>
+          </a:prstGeom>
+        </p:spPr>
+        <p:style>
+          <a:lnRef idx="2">
+            <a:schemeClr val="accent1">
+              <a:shade val="50000"/>
+            </a:schemeClr>
+          </a:lnRef>
+          <a:fillRef idx="1">
+            <a:schemeClr val="accent1"/>
+          </a:fillRef>
+          <a:effectRef idx="0">
+            <a:schemeClr val="accent1"/>
+          </a:effectRef>
+          <a:fontRef idx="minor">
+            <a:schemeClr val="lt1"/>
+          </a:fontRef>
+        </p:style>
+        <p:txBody>
+          <a:bodyPr rtlCol="0" anchor="ctr"/>
+          <a:lstStyle/>
+          <a:p>
+            <a:pPr algn="ctr"/>
+            <a:r>
+              <a:rPr lang="en-US" dirty="0"/>
+              <a:t>OS</a:t>
+            </a:r>
+          </a:p>
+        </p:txBody>
+      </p:sp>
+      <p:sp>
+        <p:nvSpPr>
+          <p:cNvPr id="3" name="Rounded Rectangle 2">
+            <a:extLst>
+              <a:ext uri="{FF2B5EF4-FFF2-40B4-BE49-F238E27FC236}">
+                <a16:creationId xmlns:a16="http://schemas.microsoft.com/office/drawing/2014/main" id="{67947DBC-D7C8-654E-8515-DC3A7E353461}"/>
+              </a:ext>
+            </a:extLst>
+          </p:cNvPr>
+          <p:cNvSpPr/>
+          <p:nvPr/>
+        </p:nvSpPr>
+        <p:spPr>
+          <a:xfrm>
+            <a:off x="992777" y="2029097"/>
+            <a:ext cx="10040983" cy="1715589"/>
+          </a:xfrm>
+          <a:prstGeom prst="roundRect">
+            <a:avLst/>
+          </a:prstGeom>
+        </p:spPr>
+        <p:style>
+          <a:lnRef idx="2">
+            <a:schemeClr val="accent1">
+              <a:shade val="50000"/>
+            </a:schemeClr>
+          </a:lnRef>
+          <a:fillRef idx="1">
+            <a:schemeClr val="accent1"/>
+          </a:fillRef>
+          <a:effectRef idx="0">
+            <a:schemeClr val="accent1"/>
+          </a:effectRef>
+          <a:fontRef idx="minor">
+            <a:schemeClr val="lt1"/>
+          </a:fontRef>
+        </p:style>
+        <p:txBody>
+          <a:bodyPr rtlCol="0" anchor="ctr"/>
+          <a:lstStyle/>
+          <a:p>
+            <a:pPr algn="ctr"/>
+            <a:r>
+              <a:rPr lang="en-US" dirty="0"/>
+              <a:t>Docker</a:t>
+            </a:r>
+          </a:p>
+        </p:txBody>
+      </p:sp>
+      <p:sp>
+        <p:nvSpPr>
+          <p:cNvPr id="4" name="Rounded Rectangle 3">
+            <a:extLst>
+              <a:ext uri="{FF2B5EF4-FFF2-40B4-BE49-F238E27FC236}">
+                <a16:creationId xmlns:a16="http://schemas.microsoft.com/office/drawing/2014/main" id="{22CA69F9-4387-754F-B21D-E8BA193BC5FD}"/>
+              </a:ext>
+            </a:extLst>
+          </p:cNvPr>
+          <p:cNvSpPr/>
+          <p:nvPr/>
+        </p:nvSpPr>
+        <p:spPr>
+          <a:xfrm>
+            <a:off x="1062446" y="5007429"/>
+            <a:ext cx="1942011" cy="775062"/>
+          </a:xfrm>
+          <a:prstGeom prst="roundRect">
+            <a:avLst/>
+          </a:prstGeom>
+          <a:solidFill>
+            <a:schemeClr val="accent2"/>
+          </a:solidFill>
+        </p:spPr>
+        <p:style>
+          <a:lnRef idx="2">
+            <a:schemeClr val="accent1">
+              <a:shade val="50000"/>
+            </a:schemeClr>
+          </a:lnRef>
+          <a:fillRef idx="1">
+            <a:schemeClr val="accent1"/>
+          </a:fillRef>
+          <a:effectRef idx="0">
+            <a:schemeClr val="accent1"/>
+          </a:effectRef>
+          <a:fontRef idx="minor">
+            <a:schemeClr val="lt1"/>
+          </a:fontRef>
+        </p:style>
+        <p:txBody>
+          <a:bodyPr rtlCol="0" anchor="ctr"/>
+          <a:lstStyle/>
+          <a:p>
+            <a:pPr algn="ctr"/>
+            <a:r>
+              <a:rPr lang="en-US" dirty="0"/>
+              <a:t>Shell Drivers</a:t>
+            </a:r>
+          </a:p>
+        </p:txBody>
+      </p:sp>
+      <p:sp>
+        <p:nvSpPr>
+          <p:cNvPr id="5" name="Rounded Rectangle 4">
+            <a:extLst>
+              <a:ext uri="{FF2B5EF4-FFF2-40B4-BE49-F238E27FC236}">
+                <a16:creationId xmlns:a16="http://schemas.microsoft.com/office/drawing/2014/main" id="{EA33BB2C-62DF-4C4D-B51B-1E8F837EA100}"/>
+              </a:ext>
+            </a:extLst>
+          </p:cNvPr>
+          <p:cNvSpPr/>
+          <p:nvPr/>
+        </p:nvSpPr>
+        <p:spPr>
+          <a:xfrm>
+            <a:off x="3365864" y="5007429"/>
+            <a:ext cx="1942011" cy="775062"/>
+          </a:xfrm>
+          <a:prstGeom prst="roundRect">
+            <a:avLst/>
+          </a:prstGeom>
+          <a:solidFill>
+            <a:schemeClr val="accent2"/>
+          </a:solidFill>
+        </p:spPr>
+        <p:style>
+          <a:lnRef idx="2">
+            <a:schemeClr val="accent1">
+              <a:shade val="50000"/>
+            </a:schemeClr>
+          </a:lnRef>
+          <a:fillRef idx="1">
+            <a:schemeClr val="accent1"/>
+          </a:fillRef>
+          <a:effectRef idx="0">
+            <a:schemeClr val="accent1"/>
+          </a:effectRef>
+          <a:fontRef idx="minor">
+            <a:schemeClr val="lt1"/>
+          </a:fontRef>
+        </p:style>
+        <p:txBody>
+          <a:bodyPr rtlCol="0" anchor="ctr"/>
+          <a:lstStyle/>
+          <a:p>
+            <a:pPr algn="ctr"/>
+            <a:r>
+              <a:rPr lang="en-US" dirty="0"/>
+              <a:t>Network Resources</a:t>
+            </a:r>
+          </a:p>
+        </p:txBody>
+      </p:sp>
+      <p:sp>
+        <p:nvSpPr>
+          <p:cNvPr id="6" name="Rounded Rectangle 5">
+            <a:extLst>
+              <a:ext uri="{FF2B5EF4-FFF2-40B4-BE49-F238E27FC236}">
+                <a16:creationId xmlns:a16="http://schemas.microsoft.com/office/drawing/2014/main" id="{9FEA6CCF-B314-5E48-ACA6-DEB44B5589BA}"/>
+              </a:ext>
+            </a:extLst>
+          </p:cNvPr>
+          <p:cNvSpPr/>
+          <p:nvPr/>
+        </p:nvSpPr>
+        <p:spPr>
+          <a:xfrm>
+            <a:off x="6823167" y="5007429"/>
+            <a:ext cx="1942011" cy="775062"/>
+          </a:xfrm>
+          <a:prstGeom prst="roundRect">
+            <a:avLst/>
+          </a:prstGeom>
+          <a:solidFill>
+            <a:schemeClr val="accent2"/>
+          </a:solidFill>
+        </p:spPr>
+        <p:style>
+          <a:lnRef idx="2">
+            <a:schemeClr val="accent1">
+              <a:shade val="50000"/>
+            </a:schemeClr>
+          </a:lnRef>
+          <a:fillRef idx="1">
+            <a:schemeClr val="accent1"/>
+          </a:fillRef>
+          <a:effectRef idx="0">
+            <a:schemeClr val="accent1"/>
+          </a:effectRef>
+          <a:fontRef idx="minor">
+            <a:schemeClr val="lt1"/>
+          </a:fontRef>
+        </p:style>
+        <p:txBody>
+          <a:bodyPr rtlCol="0" anchor="ctr"/>
+          <a:lstStyle/>
+          <a:p>
+            <a:pPr algn="ctr"/>
+            <a:r>
+              <a:rPr lang="en-US" dirty="0"/>
+              <a:t>Disk Management</a:t>
+            </a:r>
+          </a:p>
+        </p:txBody>
+      </p:sp>
+      <p:sp>
+        <p:nvSpPr>
+          <p:cNvPr id="7" name="Rounded Rectangle 6">
+            <a:extLst>
+              <a:ext uri="{FF2B5EF4-FFF2-40B4-BE49-F238E27FC236}">
+                <a16:creationId xmlns:a16="http://schemas.microsoft.com/office/drawing/2014/main" id="{74132DC0-6367-244A-B328-B7A1D8E5D32A}"/>
+              </a:ext>
+            </a:extLst>
+          </p:cNvPr>
+          <p:cNvSpPr/>
+          <p:nvPr/>
+        </p:nvSpPr>
+        <p:spPr>
+          <a:xfrm>
+            <a:off x="9228909" y="5233852"/>
+            <a:ext cx="1942011" cy="775062"/>
+          </a:xfrm>
+          <a:prstGeom prst="roundRect">
+            <a:avLst/>
+          </a:prstGeom>
+          <a:solidFill>
+            <a:schemeClr val="accent2"/>
+          </a:solidFill>
+        </p:spPr>
+        <p:style>
+          <a:lnRef idx="2">
+            <a:schemeClr val="accent1">
+              <a:shade val="50000"/>
+            </a:schemeClr>
+          </a:lnRef>
+          <a:fillRef idx="1">
+            <a:schemeClr val="accent1"/>
+          </a:fillRef>
+          <a:effectRef idx="0">
+            <a:schemeClr val="accent1"/>
+          </a:effectRef>
+          <a:fontRef idx="minor">
+            <a:schemeClr val="lt1"/>
+          </a:fontRef>
+        </p:style>
+        <p:txBody>
+          <a:bodyPr rtlCol="0" anchor="ctr"/>
+          <a:lstStyle/>
+          <a:p>
+            <a:pPr algn="ctr"/>
+            <a:r>
+              <a:rPr lang="en-US" dirty="0"/>
+              <a:t>CPU Utilization Algo.</a:t>
+            </a:r>
+          </a:p>
+        </p:txBody>
+      </p:sp>
+      <p:sp>
+        <p:nvSpPr>
+          <p:cNvPr id="8" name="Rounded Rectangle 7">
+            <a:extLst>
+              <a:ext uri="{FF2B5EF4-FFF2-40B4-BE49-F238E27FC236}">
+                <a16:creationId xmlns:a16="http://schemas.microsoft.com/office/drawing/2014/main" id="{6410F5C3-C57F-3E41-AB26-72A8A826597A}"/>
+              </a:ext>
+            </a:extLst>
+          </p:cNvPr>
+          <p:cNvSpPr/>
+          <p:nvPr/>
+        </p:nvSpPr>
+        <p:spPr>
+          <a:xfrm>
+            <a:off x="9228909" y="4228012"/>
+            <a:ext cx="1942011" cy="775062"/>
+          </a:xfrm>
+          <a:prstGeom prst="roundRect">
+            <a:avLst/>
+          </a:prstGeom>
+          <a:solidFill>
+            <a:schemeClr val="accent2"/>
+          </a:solidFill>
+        </p:spPr>
+        <p:style>
+          <a:lnRef idx="2">
+            <a:schemeClr val="accent1">
+              <a:shade val="50000"/>
+            </a:schemeClr>
+          </a:lnRef>
+          <a:fillRef idx="1">
+            <a:schemeClr val="accent1"/>
+          </a:fillRef>
+          <a:effectRef idx="0">
+            <a:schemeClr val="accent1"/>
+          </a:effectRef>
+          <a:fontRef idx="minor">
+            <a:schemeClr val="lt1"/>
+          </a:fontRef>
+        </p:style>
+        <p:txBody>
+          <a:bodyPr rtlCol="0" anchor="ctr"/>
+          <a:lstStyle/>
+          <a:p>
+            <a:pPr algn="ctr"/>
+            <a:r>
+              <a:rPr lang="en-US" dirty="0"/>
+              <a:t>Memory Utilization Algo.</a:t>
+            </a:r>
+          </a:p>
+        </p:txBody>
+      </p:sp>
+      <p:sp>
+        <p:nvSpPr>
+          <p:cNvPr id="10" name="Rectangle 9">
+            <a:extLst>
+              <a:ext uri="{FF2B5EF4-FFF2-40B4-BE49-F238E27FC236}">
+                <a16:creationId xmlns:a16="http://schemas.microsoft.com/office/drawing/2014/main" id="{B640BEC2-792A-1041-877E-32215C0455C6}"/>
+              </a:ext>
+            </a:extLst>
+          </p:cNvPr>
+          <p:cNvSpPr/>
+          <p:nvPr/>
+        </p:nvSpPr>
+        <p:spPr>
+          <a:xfrm>
+            <a:off x="3204754" y="3429000"/>
+            <a:ext cx="4502332" cy="960120"/>
+          </a:xfrm>
+          <a:prstGeom prst="rect">
+            <a:avLst/>
+          </a:prstGeom>
+          <a:solidFill>
+            <a:srgbClr val="FFC000"/>
+          </a:solidFill>
+        </p:spPr>
+        <p:style>
+          <a:lnRef idx="2">
+            <a:schemeClr val="accent1">
+              <a:shade val="50000"/>
+            </a:schemeClr>
+          </a:lnRef>
+          <a:fillRef idx="1">
+            <a:schemeClr val="accent1"/>
+          </a:fillRef>
+          <a:effectRef idx="0">
+            <a:schemeClr val="accent1"/>
+          </a:effectRef>
+          <a:fontRef idx="minor">
+            <a:schemeClr val="lt1"/>
+          </a:fontRef>
+        </p:style>
+        <p:txBody>
+          <a:bodyPr rtlCol="0" anchor="ctr"/>
+          <a:lstStyle/>
+          <a:p>
+            <a:pPr algn="ctr"/>
+            <a:r>
+              <a:rPr lang="en-US" dirty="0"/>
+              <a:t>Virtualization Bridge</a:t>
+            </a:r>
+          </a:p>
+        </p:txBody>
+      </p:sp>
+      <p:sp>
+        <p:nvSpPr>
+          <p:cNvPr id="9" name="Up-down Arrow 8">
+            <a:extLst>
+              <a:ext uri="{FF2B5EF4-FFF2-40B4-BE49-F238E27FC236}">
+                <a16:creationId xmlns:a16="http://schemas.microsoft.com/office/drawing/2014/main" id="{DB3A6B53-C17A-8040-AD0A-4C332FD9C073}"/>
+              </a:ext>
+            </a:extLst>
+          </p:cNvPr>
+          <p:cNvSpPr/>
+          <p:nvPr/>
+        </p:nvSpPr>
+        <p:spPr>
+          <a:xfrm>
+            <a:off x="5455920" y="3104605"/>
+            <a:ext cx="363583" cy="548639"/>
+          </a:xfrm>
+          <a:prstGeom prst="upDownArrow">
+            <a:avLst/>
+          </a:prstGeom>
+          <a:solidFill>
+            <a:schemeClr val="accent2"/>
+          </a:solidFill>
+        </p:spPr>
+        <p:style>
+          <a:lnRef idx="2">
+            <a:schemeClr val="accent1">
+              <a:shade val="50000"/>
+            </a:schemeClr>
+          </a:lnRef>
+          <a:fillRef idx="1">
+            <a:schemeClr val="accent1"/>
+          </a:fillRef>
+          <a:effectRef idx="0">
+            <a:schemeClr val="accent1"/>
+          </a:effectRef>
+          <a:fontRef idx="minor">
+            <a:schemeClr val="lt1"/>
+          </a:fontRef>
+        </p:style>
+        <p:txBody>
+          <a:bodyPr rtlCol="0" anchor="ctr"/>
+          <a:lstStyle/>
+          <a:p>
+            <a:pPr algn="ctr"/>
+            <a:endParaRPr lang="en-US"/>
+          </a:p>
+        </p:txBody>
+      </p:sp>
+      <p:cxnSp>
+        <p:nvCxnSpPr>
+          <p:cNvPr id="12" name="Straight Arrow Connector 11">
+            <a:extLst>
+              <a:ext uri="{FF2B5EF4-FFF2-40B4-BE49-F238E27FC236}">
+                <a16:creationId xmlns:a16="http://schemas.microsoft.com/office/drawing/2014/main" id="{9A00EFD9-4CB0-8942-A969-61C3495D751C}"/>
+              </a:ext>
+            </a:extLst>
+          </p:cNvPr>
+          <p:cNvCxnSpPr>
+            <a:stCxn id="10" idx="2"/>
+            <a:endCxn id="4" idx="0"/>
+          </p:cNvCxnSpPr>
+          <p:nvPr/>
+        </p:nvCxnSpPr>
+        <p:spPr>
+          <a:xfrm flipH="1">
+            <a:off x="2033452" y="4389120"/>
+            <a:ext cx="3422468" cy="618309"/>
+          </a:xfrm>
+          <a:prstGeom prst="straightConnector1">
+            <a:avLst/>
+          </a:prstGeom>
+          <a:ln>
+            <a:tailEnd type="triangle"/>
+          </a:ln>
+        </p:spPr>
+        <p:style>
+          <a:lnRef idx="3">
+            <a:schemeClr val="dk1"/>
+          </a:lnRef>
+          <a:fillRef idx="0">
+            <a:schemeClr val="dk1"/>
+          </a:fillRef>
+          <a:effectRef idx="2">
+            <a:schemeClr val="dk1"/>
+          </a:effectRef>
+          <a:fontRef idx="minor">
+            <a:schemeClr val="tx1"/>
+          </a:fontRef>
+        </p:style>
+      </p:cxnSp>
+      <p:cxnSp>
+        <p:nvCxnSpPr>
+          <p:cNvPr id="14" name="Straight Arrow Connector 13">
+            <a:extLst>
+              <a:ext uri="{FF2B5EF4-FFF2-40B4-BE49-F238E27FC236}">
+                <a16:creationId xmlns:a16="http://schemas.microsoft.com/office/drawing/2014/main" id="{E126D86D-BFAD-7E44-9B1B-F719A3755D72}"/>
+              </a:ext>
+            </a:extLst>
+          </p:cNvPr>
+          <p:cNvCxnSpPr>
+            <a:stCxn id="10" idx="2"/>
+            <a:endCxn id="5" idx="0"/>
+          </p:cNvCxnSpPr>
+          <p:nvPr/>
+        </p:nvCxnSpPr>
+        <p:spPr>
+          <a:xfrm flipH="1">
+            <a:off x="4336870" y="4389120"/>
+            <a:ext cx="1119050" cy="618309"/>
+          </a:xfrm>
+          <a:prstGeom prst="straightConnector1">
+            <a:avLst/>
+          </a:prstGeom>
+          <a:ln>
+            <a:tailEnd type="triangle"/>
+          </a:ln>
+        </p:spPr>
+        <p:style>
+          <a:lnRef idx="3">
+            <a:schemeClr val="dk1"/>
+          </a:lnRef>
+          <a:fillRef idx="0">
+            <a:schemeClr val="dk1"/>
+          </a:fillRef>
+          <a:effectRef idx="2">
+            <a:schemeClr val="dk1"/>
+          </a:effectRef>
+          <a:fontRef idx="minor">
+            <a:schemeClr val="tx1"/>
+          </a:fontRef>
+        </p:style>
+      </p:cxnSp>
+      <p:cxnSp>
+        <p:nvCxnSpPr>
+          <p:cNvPr id="16" name="Straight Arrow Connector 15">
+            <a:extLst>
+              <a:ext uri="{FF2B5EF4-FFF2-40B4-BE49-F238E27FC236}">
+                <a16:creationId xmlns:a16="http://schemas.microsoft.com/office/drawing/2014/main" id="{1771A80B-1B8C-AF49-8924-CD0210F5C41F}"/>
+              </a:ext>
+            </a:extLst>
+          </p:cNvPr>
+          <p:cNvCxnSpPr>
+            <a:stCxn id="10" idx="2"/>
+            <a:endCxn id="6" idx="0"/>
+          </p:cNvCxnSpPr>
+          <p:nvPr/>
+        </p:nvCxnSpPr>
+        <p:spPr>
+          <a:xfrm>
+            <a:off x="5455920" y="4389120"/>
+            <a:ext cx="2338253" cy="618309"/>
+          </a:xfrm>
+          <a:prstGeom prst="straightConnector1">
+            <a:avLst/>
+          </a:prstGeom>
+          <a:ln>
+            <a:tailEnd type="triangle"/>
+          </a:ln>
+        </p:spPr>
+        <p:style>
+          <a:lnRef idx="3">
+            <a:schemeClr val="dk1"/>
+          </a:lnRef>
+          <a:fillRef idx="0">
+            <a:schemeClr val="dk1"/>
+          </a:fillRef>
+          <a:effectRef idx="2">
+            <a:schemeClr val="dk1"/>
+          </a:effectRef>
+          <a:fontRef idx="minor">
+            <a:schemeClr val="tx1"/>
+          </a:fontRef>
+        </p:style>
+      </p:cxnSp>
+      <p:cxnSp>
+        <p:nvCxnSpPr>
+          <p:cNvPr id="18" name="Straight Arrow Connector 17">
+            <a:extLst>
+              <a:ext uri="{FF2B5EF4-FFF2-40B4-BE49-F238E27FC236}">
+                <a16:creationId xmlns:a16="http://schemas.microsoft.com/office/drawing/2014/main" id="{540B4A8B-F1C9-224F-A750-BC399B30C14E}"/>
+              </a:ext>
+            </a:extLst>
+          </p:cNvPr>
+          <p:cNvCxnSpPr>
+            <a:stCxn id="10" idx="2"/>
+            <a:endCxn id="7" idx="0"/>
+          </p:cNvCxnSpPr>
+          <p:nvPr/>
+        </p:nvCxnSpPr>
+        <p:spPr>
+          <a:xfrm>
+            <a:off x="5455920" y="4389120"/>
+            <a:ext cx="4743995" cy="844732"/>
+          </a:xfrm>
+          <a:prstGeom prst="straightConnector1">
+            <a:avLst/>
+          </a:prstGeom>
+          <a:ln>
+            <a:tailEnd type="triangle"/>
+          </a:ln>
+        </p:spPr>
+        <p:style>
+          <a:lnRef idx="3">
+            <a:schemeClr val="dk1"/>
+          </a:lnRef>
+          <a:fillRef idx="0">
+            <a:schemeClr val="dk1"/>
+          </a:fillRef>
+          <a:effectRef idx="2">
+            <a:schemeClr val="dk1"/>
+          </a:effectRef>
+          <a:fontRef idx="minor">
+            <a:schemeClr val="tx1"/>
+          </a:fontRef>
+        </p:style>
+      </p:cxnSp>
+      <p:cxnSp>
+        <p:nvCxnSpPr>
+          <p:cNvPr id="20" name="Straight Arrow Connector 19">
+            <a:extLst>
+              <a:ext uri="{FF2B5EF4-FFF2-40B4-BE49-F238E27FC236}">
+                <a16:creationId xmlns:a16="http://schemas.microsoft.com/office/drawing/2014/main" id="{E2D4BB35-6477-924A-AB4F-793452319473}"/>
+              </a:ext>
+            </a:extLst>
+          </p:cNvPr>
+          <p:cNvCxnSpPr>
+            <a:stCxn id="10" idx="2"/>
+            <a:endCxn id="8" idx="1"/>
+          </p:cNvCxnSpPr>
+          <p:nvPr/>
+        </p:nvCxnSpPr>
+        <p:spPr>
+          <a:xfrm>
+            <a:off x="5455920" y="4389120"/>
+            <a:ext cx="3772989" cy="226423"/>
+          </a:xfrm>
+          <a:prstGeom prst="straightConnector1">
+            <a:avLst/>
+          </a:prstGeom>
+          <a:ln>
+            <a:tailEnd type="triangle"/>
+          </a:ln>
+        </p:spPr>
+        <p:style>
+          <a:lnRef idx="3">
+            <a:schemeClr val="dk1"/>
+          </a:lnRef>
+          <a:fillRef idx="0">
+            <a:schemeClr val="dk1"/>
+          </a:fillRef>
+          <a:effectRef idx="2">
+            <a:schemeClr val="dk1"/>
+          </a:effectRef>
+          <a:fontRef idx="minor">
+            <a:schemeClr val="tx1"/>
+          </a:fontRef>
+        </p:style>
+      </p:cxnSp>
+    </p:spTree>
+    <p:extLst>
+      <p:ext uri="{BB962C8B-B14F-4D97-AF65-F5344CB8AC3E}">
+        <p14:creationId xmlns:p14="http://schemas.microsoft.com/office/powerpoint/2010/main" val="1431918072"/>
+      </p:ext>
+    </p:extLst>
+  </p:cSld>
+  <p:clrMapOvr>
+    <a:masterClrMapping/>
+  </p:clrMapOvr>
+</p:sld>
+</file>
+
+<file path=ppt/slides/slide61.xml><?xml version="1.0" encoding="utf-8"?>
+<p:sld xmlns:a="http://schemas.openxmlformats.org/drawingml/2006/main" xmlns:r="http://schemas.openxmlformats.org/officeDocument/2006/relationships" xmlns:p="http://schemas.openxmlformats.org/presentationml/2006/main">
+  <p:cSld>
+    <p:spTree>
+      <p:nvGrpSpPr>
+        <p:cNvPr id="1" name=""/>
+        <p:cNvGrpSpPr/>
+        <p:nvPr/>
+      </p:nvGrpSpPr>
+      <p:grpSpPr>
+        <a:xfrm>
+          <a:off x="0" y="0"/>
+          <a:ext cx="0" cy="0"/>
+          <a:chOff x="0" y="0"/>
+          <a:chExt cx="0" cy="0"/>
+        </a:xfrm>
+      </p:grpSpPr>
+      <p:graphicFrame>
+        <p:nvGraphicFramePr>
+          <p:cNvPr id="2" name="Table 2">
+            <a:extLst>
+              <a:ext uri="{FF2B5EF4-FFF2-40B4-BE49-F238E27FC236}">
+                <a16:creationId xmlns:a16="http://schemas.microsoft.com/office/drawing/2014/main" id="{0D969894-0241-8646-ABA4-83C3CC24F4DD}"/>
+              </a:ext>
+            </a:extLst>
+          </p:cNvPr>
+          <p:cNvGraphicFramePr>
+            <a:graphicFrameLocks noGrp="1"/>
+          </p:cNvGraphicFramePr>
+          <p:nvPr>
+            <p:extLst>
+              <p:ext uri="{D42A27DB-BD31-4B8C-83A1-F6EECF244321}">
+                <p14:modId xmlns:p14="http://schemas.microsoft.com/office/powerpoint/2010/main" val="973120618"/>
+              </p:ext>
+            </p:extLst>
+          </p:nvPr>
+        </p:nvGraphicFramePr>
+        <p:xfrm>
+          <a:off x="731522" y="1945640"/>
+          <a:ext cx="10964093" cy="1483360"/>
+        </p:xfrm>
+        <a:graphic>
+          <a:graphicData uri="http://schemas.openxmlformats.org/drawingml/2006/table">
+            <a:tbl>
+              <a:tblPr firstRow="1" bandRow="1">
+                <a:tableStyleId>{5C22544A-7EE6-4342-B048-85BDC9FD1C3A}</a:tableStyleId>
+              </a:tblPr>
+              <a:tblGrid>
+                <a:gridCol w="1566299">
+                  <a:extLst>
+                    <a:ext uri="{9D8B030D-6E8A-4147-A177-3AD203B41FA5}">
+                      <a16:colId xmlns:a16="http://schemas.microsoft.com/office/drawing/2014/main" val="2396750449"/>
+                    </a:ext>
+                  </a:extLst>
+                </a:gridCol>
+                <a:gridCol w="1566299">
+                  <a:extLst>
+                    <a:ext uri="{9D8B030D-6E8A-4147-A177-3AD203B41FA5}">
+                      <a16:colId xmlns:a16="http://schemas.microsoft.com/office/drawing/2014/main" val="350656940"/>
+                    </a:ext>
+                  </a:extLst>
+                </a:gridCol>
+                <a:gridCol w="1566299">
+                  <a:extLst>
+                    <a:ext uri="{9D8B030D-6E8A-4147-A177-3AD203B41FA5}">
+                      <a16:colId xmlns:a16="http://schemas.microsoft.com/office/drawing/2014/main" val="3305897838"/>
+                    </a:ext>
+                  </a:extLst>
+                </a:gridCol>
+                <a:gridCol w="1566299">
+                  <a:extLst>
+                    <a:ext uri="{9D8B030D-6E8A-4147-A177-3AD203B41FA5}">
+                      <a16:colId xmlns:a16="http://schemas.microsoft.com/office/drawing/2014/main" val="4039677529"/>
+                    </a:ext>
+                  </a:extLst>
+                </a:gridCol>
+                <a:gridCol w="1566299">
+                  <a:extLst>
+                    <a:ext uri="{9D8B030D-6E8A-4147-A177-3AD203B41FA5}">
+                      <a16:colId xmlns:a16="http://schemas.microsoft.com/office/drawing/2014/main" val="462311305"/>
+                    </a:ext>
+                  </a:extLst>
+                </a:gridCol>
+                <a:gridCol w="1566299">
+                  <a:extLst>
+                    <a:ext uri="{9D8B030D-6E8A-4147-A177-3AD203B41FA5}">
+                      <a16:colId xmlns:a16="http://schemas.microsoft.com/office/drawing/2014/main" val="905302429"/>
+                    </a:ext>
+                  </a:extLst>
+                </a:gridCol>
+                <a:gridCol w="1566299">
+                  <a:extLst>
+                    <a:ext uri="{9D8B030D-6E8A-4147-A177-3AD203B41FA5}">
+                      <a16:colId xmlns:a16="http://schemas.microsoft.com/office/drawing/2014/main" val="1549783982"/>
+                    </a:ext>
+                  </a:extLst>
+                </a:gridCol>
+              </a:tblGrid>
+              <a:tr h="370840">
+                <a:tc>
+                  <a:txBody>
+                    <a:bodyPr/>
+                    <a:lstStyle/>
+                    <a:p>
+                      <a:r>
+                        <a:rPr lang="en-US" dirty="0" err="1"/>
+                        <a:t>ProductId</a:t>
+                      </a:r>
+                      <a:endParaRPr lang="en-US" dirty="0"/>
+                    </a:p>
+                  </a:txBody>
+                  <a:tcPr/>
+                </a:tc>
+                <a:tc>
+                  <a:txBody>
+                    <a:bodyPr/>
+                    <a:lstStyle/>
+                    <a:p>
+                      <a:r>
+                        <a:rPr lang="en-US" dirty="0"/>
+                        <a:t>ProductName</a:t>
+                      </a:r>
+                    </a:p>
+                  </a:txBody>
+                  <a:tcPr/>
+                </a:tc>
+                <a:tc>
+                  <a:txBody>
+                    <a:bodyPr/>
+                    <a:lstStyle/>
+                    <a:p>
+                      <a:r>
+                        <a:rPr lang="en-US" dirty="0"/>
+                        <a:t>Category</a:t>
+                      </a:r>
+                    </a:p>
+                  </a:txBody>
+                  <a:tcPr/>
+                </a:tc>
+                <a:tc>
+                  <a:txBody>
+                    <a:bodyPr/>
+                    <a:lstStyle/>
+                    <a:p>
+                      <a:r>
+                        <a:rPr lang="en-US" dirty="0"/>
+                        <a:t>Manufacturer</a:t>
+                      </a:r>
+                    </a:p>
+                  </a:txBody>
+                  <a:tcPr/>
+                </a:tc>
+                <a:tc>
+                  <a:txBody>
+                    <a:bodyPr/>
+                    <a:lstStyle/>
+                    <a:p>
+                      <a:r>
+                        <a:rPr lang="en-US" dirty="0"/>
+                        <a:t>Price</a:t>
+                      </a:r>
+                    </a:p>
+                  </a:txBody>
+                  <a:tcPr/>
+                </a:tc>
+                <a:tc>
+                  <a:txBody>
+                    <a:bodyPr/>
+                    <a:lstStyle/>
+                    <a:p>
+                      <a:r>
+                        <a:rPr lang="en-US" dirty="0"/>
+                        <a:t>Description</a:t>
+                      </a:r>
+                    </a:p>
+                  </a:txBody>
+                  <a:tcPr/>
+                </a:tc>
+                <a:tc>
+                  <a:txBody>
+                    <a:bodyPr/>
+                    <a:lstStyle/>
+                    <a:p>
+                      <a:r>
+                        <a:rPr lang="en-US" dirty="0"/>
+                        <a:t>Vendor</a:t>
+                      </a:r>
+                    </a:p>
+                  </a:txBody>
+                  <a:tcPr/>
+                </a:tc>
+                <a:extLst>
+                  <a:ext uri="{0D108BD9-81ED-4DB2-BD59-A6C34878D82A}">
+                    <a16:rowId xmlns:a16="http://schemas.microsoft.com/office/drawing/2014/main" val="2752443623"/>
+                  </a:ext>
+                </a:extLst>
+              </a:tr>
+              <a:tr h="370840">
+                <a:tc>
+                  <a:txBody>
+                    <a:bodyPr/>
+                    <a:lstStyle/>
+                    <a:p>
+                      <a:r>
+                        <a:rPr lang="en-US" dirty="0"/>
+                        <a:t>Prd-pp1</a:t>
+                      </a:r>
+                    </a:p>
+                  </a:txBody>
+                  <a:tcPr/>
+                </a:tc>
+                <a:tc>
+                  <a:txBody>
+                    <a:bodyPr/>
+                    <a:lstStyle/>
+                    <a:p>
+                      <a:r>
+                        <a:rPr lang="en-US" dirty="0"/>
+                        <a:t>Laptop</a:t>
+                      </a:r>
+                    </a:p>
+                  </a:txBody>
+                  <a:tcPr/>
+                </a:tc>
+                <a:tc>
+                  <a:txBody>
+                    <a:bodyPr/>
+                    <a:lstStyle/>
+                    <a:p>
+                      <a:r>
+                        <a:rPr lang="en-US" dirty="0"/>
+                        <a:t>IT</a:t>
+                      </a:r>
+                    </a:p>
+                  </a:txBody>
+                  <a:tcPr/>
+                </a:tc>
+                <a:tc>
+                  <a:txBody>
+                    <a:bodyPr/>
+                    <a:lstStyle/>
+                    <a:p>
+                      <a:r>
+                        <a:rPr lang="en-US" dirty="0"/>
+                        <a:t>HP</a:t>
+                      </a:r>
+                    </a:p>
+                  </a:txBody>
+                  <a:tcPr/>
+                </a:tc>
+                <a:tc>
+                  <a:txBody>
+                    <a:bodyPr/>
+                    <a:lstStyle/>
+                    <a:p>
+                      <a:r>
+                        <a:rPr lang="en-US" dirty="0"/>
+                        <a:t>120000</a:t>
+                      </a:r>
+                    </a:p>
+                  </a:txBody>
+                  <a:tcPr/>
+                </a:tc>
+                <a:tc>
+                  <a:txBody>
+                    <a:bodyPr/>
+                    <a:lstStyle/>
+                    <a:p>
+                      <a:r>
+                        <a:rPr lang="en-US" dirty="0"/>
+                        <a:t>Gaming</a:t>
+                      </a:r>
+                    </a:p>
+                  </a:txBody>
+                  <a:tcPr/>
+                </a:tc>
+                <a:tc>
+                  <a:txBody>
+                    <a:bodyPr/>
+                    <a:lstStyle/>
+                    <a:p>
+                      <a:r>
+                        <a:rPr lang="en-US" dirty="0"/>
+                        <a:t>MSIT</a:t>
+                      </a:r>
+                    </a:p>
+                  </a:txBody>
+                  <a:tcPr/>
+                </a:tc>
+                <a:extLst>
+                  <a:ext uri="{0D108BD9-81ED-4DB2-BD59-A6C34878D82A}">
+                    <a16:rowId xmlns:a16="http://schemas.microsoft.com/office/drawing/2014/main" val="1287273667"/>
+                  </a:ext>
+                </a:extLst>
+              </a:tr>
+              <a:tr h="370840">
+                <a:tc>
+                  <a:txBody>
+                    <a:bodyPr/>
+                    <a:lstStyle/>
+                    <a:p>
+                      <a:r>
+                        <a:rPr lang="en-US" dirty="0"/>
+                        <a:t>Prd-002</a:t>
+                      </a:r>
+                    </a:p>
+                  </a:txBody>
+                  <a:tcPr/>
+                </a:tc>
+                <a:tc>
+                  <a:txBody>
+                    <a:bodyPr/>
+                    <a:lstStyle/>
+                    <a:p>
+                      <a:r>
+                        <a:rPr lang="en-US" dirty="0"/>
+                        <a:t>Mixer</a:t>
+                      </a:r>
+                    </a:p>
+                  </a:txBody>
+                  <a:tcPr/>
+                </a:tc>
+                <a:tc>
+                  <a:txBody>
+                    <a:bodyPr/>
+                    <a:lstStyle/>
+                    <a:p>
+                      <a:r>
+                        <a:rPr lang="en-US" dirty="0"/>
+                        <a:t>HOM</a:t>
+                      </a:r>
+                    </a:p>
+                  </a:txBody>
+                  <a:tcPr/>
+                </a:tc>
+                <a:tc>
+                  <a:txBody>
+                    <a:bodyPr/>
+                    <a:lstStyle/>
+                    <a:p>
+                      <a:r>
+                        <a:rPr lang="en-US" dirty="0"/>
+                        <a:t>Bajaj</a:t>
+                      </a:r>
+                    </a:p>
+                  </a:txBody>
+                  <a:tcPr/>
+                </a:tc>
+                <a:tc>
+                  <a:txBody>
+                    <a:bodyPr/>
+                    <a:lstStyle/>
+                    <a:p>
+                      <a:r>
+                        <a:rPr lang="en-US" dirty="0"/>
+                        <a:t>2300</a:t>
+                      </a:r>
+                    </a:p>
+                  </a:txBody>
+                  <a:tcPr/>
+                </a:tc>
+                <a:tc>
+                  <a:txBody>
+                    <a:bodyPr/>
+                    <a:lstStyle/>
+                    <a:p>
+                      <a:r>
+                        <a:rPr lang="en-US" dirty="0"/>
+                        <a:t>Fast Grind</a:t>
+                      </a:r>
+                    </a:p>
+                  </a:txBody>
+                  <a:tcPr/>
+                </a:tc>
+                <a:tc>
+                  <a:txBody>
+                    <a:bodyPr/>
+                    <a:lstStyle/>
+                    <a:p>
+                      <a:r>
+                        <a:rPr lang="en-US" dirty="0"/>
+                        <a:t>LS-ECL</a:t>
+                      </a:r>
+                    </a:p>
+                  </a:txBody>
+                  <a:tcPr/>
+                </a:tc>
+                <a:extLst>
+                  <a:ext uri="{0D108BD9-81ED-4DB2-BD59-A6C34878D82A}">
+                    <a16:rowId xmlns:a16="http://schemas.microsoft.com/office/drawing/2014/main" val="4208922887"/>
+                  </a:ext>
+                </a:extLst>
+              </a:tr>
+              <a:tr h="370840">
+                <a:tc>
+                  <a:txBody>
+                    <a:bodyPr/>
+                    <a:lstStyle/>
+                    <a:p>
+                      <a:r>
+                        <a:rPr lang="en-US" dirty="0"/>
+                        <a:t>Prd-003</a:t>
+                      </a:r>
+                    </a:p>
+                  </a:txBody>
+                  <a:tcPr/>
+                </a:tc>
+                <a:tc>
+                  <a:txBody>
+                    <a:bodyPr/>
+                    <a:lstStyle/>
+                    <a:p>
+                      <a:r>
+                        <a:rPr lang="en-US" dirty="0"/>
+                        <a:t>Oil</a:t>
+                      </a:r>
+                    </a:p>
+                  </a:txBody>
+                  <a:tcPr/>
+                </a:tc>
+                <a:tc>
+                  <a:txBody>
+                    <a:bodyPr/>
+                    <a:lstStyle/>
+                    <a:p>
+                      <a:r>
+                        <a:rPr lang="en-US" dirty="0"/>
+                        <a:t>FOD</a:t>
+                      </a:r>
+                    </a:p>
+                  </a:txBody>
+                  <a:tcPr/>
+                </a:tc>
+                <a:tc>
+                  <a:txBody>
+                    <a:bodyPr/>
+                    <a:lstStyle/>
+                    <a:p>
+                      <a:r>
+                        <a:rPr lang="en-US" dirty="0"/>
+                        <a:t>Wipro</a:t>
+                      </a:r>
+                    </a:p>
+                  </a:txBody>
+                  <a:tcPr/>
+                </a:tc>
+                <a:tc>
+                  <a:txBody>
+                    <a:bodyPr/>
+                    <a:lstStyle/>
+                    <a:p>
+                      <a:r>
+                        <a:rPr lang="en-US" dirty="0"/>
+                        <a:t>300</a:t>
+                      </a:r>
+                    </a:p>
+                  </a:txBody>
+                  <a:tcPr/>
+                </a:tc>
+                <a:tc>
+                  <a:txBody>
+                    <a:bodyPr/>
+                    <a:lstStyle/>
+                    <a:p>
+                      <a:r>
+                        <a:rPr lang="en-US" dirty="0"/>
+                        <a:t>Energy</a:t>
+                      </a:r>
+                    </a:p>
+                  </a:txBody>
+                  <a:tcPr/>
+                </a:tc>
+                <a:tc>
+                  <a:txBody>
+                    <a:bodyPr/>
+                    <a:lstStyle/>
+                    <a:p>
+                      <a:r>
+                        <a:rPr lang="en-US" dirty="0"/>
+                        <a:t>Food-Mart</a:t>
+                      </a:r>
+                    </a:p>
+                  </a:txBody>
+                  <a:tcPr/>
+                </a:tc>
+                <a:extLst>
+                  <a:ext uri="{0D108BD9-81ED-4DB2-BD59-A6C34878D82A}">
+                    <a16:rowId xmlns:a16="http://schemas.microsoft.com/office/drawing/2014/main" val="4272240868"/>
+                  </a:ext>
+                </a:extLst>
+              </a:tr>
+            </a:tbl>
+          </a:graphicData>
+        </a:graphic>
+      </p:graphicFrame>
+      <p:sp>
+        <p:nvSpPr>
+          <p:cNvPr id="3" name="Down Arrow 2">
+            <a:extLst>
+              <a:ext uri="{FF2B5EF4-FFF2-40B4-BE49-F238E27FC236}">
+                <a16:creationId xmlns:a16="http://schemas.microsoft.com/office/drawing/2014/main" id="{118EDDDD-B66B-8447-97E2-2E460D4DACD7}"/>
+              </a:ext>
+            </a:extLst>
+          </p:cNvPr>
+          <p:cNvSpPr/>
+          <p:nvPr/>
+        </p:nvSpPr>
+        <p:spPr>
+          <a:xfrm>
+            <a:off x="1079863" y="1097280"/>
+            <a:ext cx="226423" cy="844731"/>
+          </a:xfrm>
+          <a:prstGeom prst="downArrow">
+            <a:avLst/>
+          </a:prstGeom>
+        </p:spPr>
+        <p:style>
+          <a:lnRef idx="2">
+            <a:schemeClr val="accent1">
+              <a:shade val="50000"/>
+            </a:schemeClr>
+          </a:lnRef>
+          <a:fillRef idx="1">
+            <a:schemeClr val="accent1"/>
+          </a:fillRef>
+          <a:effectRef idx="0">
+            <a:schemeClr val="accent1"/>
+          </a:effectRef>
+          <a:fontRef idx="minor">
+            <a:schemeClr val="lt1"/>
+          </a:fontRef>
+        </p:style>
+        <p:txBody>
+          <a:bodyPr rtlCol="0" anchor="ctr"/>
+          <a:lstStyle/>
+          <a:p>
+            <a:pPr algn="ctr"/>
+            <a:endParaRPr lang="en-US"/>
+          </a:p>
+        </p:txBody>
+      </p:sp>
+      <p:sp>
+        <p:nvSpPr>
+          <p:cNvPr id="4" name="TextBox 3">
+            <a:extLst>
+              <a:ext uri="{FF2B5EF4-FFF2-40B4-BE49-F238E27FC236}">
+                <a16:creationId xmlns:a16="http://schemas.microsoft.com/office/drawing/2014/main" id="{90D42DFA-30A9-5E44-96EA-B0281C126AEA}"/>
+              </a:ext>
+            </a:extLst>
+          </p:cNvPr>
+          <p:cNvSpPr txBox="1"/>
+          <p:nvPr/>
+        </p:nvSpPr>
+        <p:spPr>
+          <a:xfrm>
+            <a:off x="1262743" y="635726"/>
+            <a:ext cx="4362994" cy="369332"/>
+          </a:xfrm>
+          <a:prstGeom prst="rect">
+            <a:avLst/>
+          </a:prstGeom>
+          <a:noFill/>
+        </p:spPr>
+        <p:txBody>
+          <a:bodyPr wrap="square" rtlCol="0">
+            <a:spAutoFit/>
+          </a:bodyPr>
+          <a:lstStyle/>
+          <a:p>
+            <a:r>
+              <a:rPr lang="en-US" dirty="0"/>
+              <a:t>Default Indexing</a:t>
+            </a:r>
+          </a:p>
+        </p:txBody>
+      </p:sp>
+      <p:sp>
+        <p:nvSpPr>
+          <p:cNvPr id="5" name="TextBox 4">
+            <a:extLst>
+              <a:ext uri="{FF2B5EF4-FFF2-40B4-BE49-F238E27FC236}">
+                <a16:creationId xmlns:a16="http://schemas.microsoft.com/office/drawing/2014/main" id="{49156C18-1508-9147-B474-9F4FE5858595}"/>
+              </a:ext>
+            </a:extLst>
+          </p:cNvPr>
+          <p:cNvSpPr txBox="1"/>
+          <p:nvPr/>
+        </p:nvSpPr>
+        <p:spPr>
+          <a:xfrm>
+            <a:off x="4659086" y="5390606"/>
+            <a:ext cx="5556068" cy="1200329"/>
+          </a:xfrm>
+          <a:prstGeom prst="rect">
+            <a:avLst/>
+          </a:prstGeom>
+          <a:noFill/>
+        </p:spPr>
+        <p:txBody>
+          <a:bodyPr wrap="square" rtlCol="0">
+            <a:spAutoFit/>
+          </a:bodyPr>
+          <a:lstStyle/>
+          <a:p>
+            <a:pPr algn="ctr"/>
+            <a:r>
+              <a:rPr lang="en-US" dirty="0"/>
+              <a:t>Possible Groups for Data Access</a:t>
+            </a:r>
+          </a:p>
+          <a:p>
+            <a:pPr algn="ctr"/>
+            <a:endParaRPr lang="en-US" dirty="0"/>
+          </a:p>
+          <a:p>
+            <a:pPr algn="ctr"/>
+            <a:r>
+              <a:rPr lang="en-US" dirty="0"/>
+              <a:t>Where Category=‘IT’</a:t>
+            </a:r>
+          </a:p>
+          <a:p>
+            <a:pPr algn="ctr"/>
+            <a:r>
+              <a:rPr lang="en-US" dirty="0"/>
+              <a:t>Where Manufacturer=‘HP’</a:t>
+            </a:r>
+          </a:p>
+        </p:txBody>
+      </p:sp>
+      <p:cxnSp>
+        <p:nvCxnSpPr>
+          <p:cNvPr id="7" name="Straight Arrow Connector 6">
+            <a:extLst>
+              <a:ext uri="{FF2B5EF4-FFF2-40B4-BE49-F238E27FC236}">
+                <a16:creationId xmlns:a16="http://schemas.microsoft.com/office/drawing/2014/main" id="{72CF124B-DD83-234F-B4BB-9855DD481032}"/>
+              </a:ext>
+            </a:extLst>
+          </p:cNvPr>
+          <p:cNvCxnSpPr>
+            <a:stCxn id="5" idx="0"/>
+          </p:cNvCxnSpPr>
+          <p:nvPr/>
+        </p:nvCxnSpPr>
+        <p:spPr>
+          <a:xfrm flipH="1" flipV="1">
+            <a:off x="4563292" y="3429000"/>
+            <a:ext cx="2873828" cy="1961606"/>
+          </a:xfrm>
+          <a:prstGeom prst="straightConnector1">
+            <a:avLst/>
+          </a:prstGeom>
+          <a:ln>
+            <a:tailEnd type="triangle"/>
+          </a:ln>
+        </p:spPr>
+        <p:style>
+          <a:lnRef idx="1">
+            <a:schemeClr val="accent1"/>
+          </a:lnRef>
+          <a:fillRef idx="0">
+            <a:schemeClr val="accent1"/>
+          </a:fillRef>
+          <a:effectRef idx="0">
+            <a:schemeClr val="accent1"/>
+          </a:effectRef>
+          <a:fontRef idx="minor">
+            <a:schemeClr val="tx1"/>
+          </a:fontRef>
+        </p:style>
+      </p:cxnSp>
+      <p:cxnSp>
+        <p:nvCxnSpPr>
+          <p:cNvPr id="9" name="Straight Arrow Connector 8">
+            <a:extLst>
+              <a:ext uri="{FF2B5EF4-FFF2-40B4-BE49-F238E27FC236}">
+                <a16:creationId xmlns:a16="http://schemas.microsoft.com/office/drawing/2014/main" id="{E15E06FD-CDD8-224C-BFE1-F45574EDDF4D}"/>
+              </a:ext>
+            </a:extLst>
+          </p:cNvPr>
+          <p:cNvCxnSpPr>
+            <a:stCxn id="5" idx="0"/>
+            <a:endCxn id="2" idx="2"/>
+          </p:cNvCxnSpPr>
+          <p:nvPr/>
+        </p:nvCxnSpPr>
+        <p:spPr>
+          <a:xfrm flipH="1" flipV="1">
+            <a:off x="6213568" y="3429000"/>
+            <a:ext cx="1223552" cy="1961606"/>
+          </a:xfrm>
+          <a:prstGeom prst="straightConnector1">
+            <a:avLst/>
+          </a:prstGeom>
+          <a:ln>
+            <a:tailEnd type="triangle"/>
+          </a:ln>
+        </p:spPr>
+        <p:style>
+          <a:lnRef idx="1">
+            <a:schemeClr val="accent1"/>
+          </a:lnRef>
+          <a:fillRef idx="0">
+            <a:schemeClr val="accent1"/>
+          </a:fillRef>
+          <a:effectRef idx="0">
+            <a:schemeClr val="accent1"/>
+          </a:effectRef>
+          <a:fontRef idx="minor">
+            <a:schemeClr val="tx1"/>
+          </a:fontRef>
+        </p:style>
+      </p:cxnSp>
+      <p:cxnSp>
+        <p:nvCxnSpPr>
+          <p:cNvPr id="11" name="Straight Arrow Connector 10">
+            <a:extLst>
+              <a:ext uri="{FF2B5EF4-FFF2-40B4-BE49-F238E27FC236}">
+                <a16:creationId xmlns:a16="http://schemas.microsoft.com/office/drawing/2014/main" id="{5117F331-2C15-0840-8999-8E0959D72116}"/>
+              </a:ext>
+            </a:extLst>
+          </p:cNvPr>
+          <p:cNvCxnSpPr>
+            <a:stCxn id="5" idx="0"/>
+          </p:cNvCxnSpPr>
+          <p:nvPr/>
+        </p:nvCxnSpPr>
+        <p:spPr>
+          <a:xfrm flipV="1">
+            <a:off x="7437120" y="3429000"/>
+            <a:ext cx="3335383" cy="1961606"/>
+          </a:xfrm>
+          <a:prstGeom prst="straightConnector1">
+            <a:avLst/>
+          </a:prstGeom>
+          <a:ln>
+            <a:tailEnd type="triangle"/>
+          </a:ln>
+        </p:spPr>
+        <p:style>
+          <a:lnRef idx="1">
+            <a:schemeClr val="accent1"/>
+          </a:lnRef>
+          <a:fillRef idx="0">
+            <a:schemeClr val="accent1"/>
+          </a:fillRef>
+          <a:effectRef idx="0">
+            <a:schemeClr val="accent1"/>
+          </a:effectRef>
+          <a:fontRef idx="minor">
+            <a:schemeClr val="tx1"/>
+          </a:fontRef>
+        </p:style>
+      </p:cxnSp>
+      <p:sp>
+        <p:nvSpPr>
+          <p:cNvPr id="12" name="TextBox 11">
+            <a:extLst>
+              <a:ext uri="{FF2B5EF4-FFF2-40B4-BE49-F238E27FC236}">
+                <a16:creationId xmlns:a16="http://schemas.microsoft.com/office/drawing/2014/main" id="{61A7CB6A-2A43-6048-904D-AED991DDA577}"/>
+              </a:ext>
+            </a:extLst>
+          </p:cNvPr>
+          <p:cNvSpPr txBox="1"/>
+          <p:nvPr/>
+        </p:nvSpPr>
+        <p:spPr>
+          <a:xfrm>
+            <a:off x="437605" y="5022056"/>
+            <a:ext cx="3413760" cy="1477328"/>
+          </a:xfrm>
+          <a:prstGeom prst="rect">
+            <a:avLst/>
+          </a:prstGeom>
+          <a:noFill/>
+        </p:spPr>
+        <p:txBody>
+          <a:bodyPr wrap="square" rtlCol="0">
+            <a:spAutoFit/>
+          </a:bodyPr>
+          <a:lstStyle/>
+          <a:p>
+            <a:r>
+              <a:rPr lang="en-US" dirty="0"/>
+              <a:t>Re-Index the Table based on the specific column or columns</a:t>
+            </a:r>
+          </a:p>
+          <a:p>
+            <a:endParaRPr lang="en-US" dirty="0"/>
+          </a:p>
+          <a:p>
+            <a:r>
+              <a:rPr lang="en-US" dirty="0"/>
+              <a:t>Index on Category / Manufacturer / Vendor</a:t>
+            </a:r>
+          </a:p>
+        </p:txBody>
+      </p:sp>
+      <p:cxnSp>
+        <p:nvCxnSpPr>
+          <p:cNvPr id="14" name="Straight Arrow Connector 13">
+            <a:extLst>
+              <a:ext uri="{FF2B5EF4-FFF2-40B4-BE49-F238E27FC236}">
+                <a16:creationId xmlns:a16="http://schemas.microsoft.com/office/drawing/2014/main" id="{09E9480B-08C4-2C4C-BDF7-B794F0C20AAE}"/>
+              </a:ext>
+            </a:extLst>
+          </p:cNvPr>
+          <p:cNvCxnSpPr/>
+          <p:nvPr/>
+        </p:nvCxnSpPr>
+        <p:spPr>
+          <a:xfrm flipV="1">
+            <a:off x="4563292" y="1005058"/>
+            <a:ext cx="879565" cy="936953"/>
+          </a:xfrm>
+          <a:prstGeom prst="straightConnector1">
+            <a:avLst/>
+          </a:prstGeom>
+          <a:ln>
+            <a:tailEnd type="triangle"/>
+          </a:ln>
+        </p:spPr>
+        <p:style>
+          <a:lnRef idx="1">
+            <a:schemeClr val="accent1"/>
+          </a:lnRef>
+          <a:fillRef idx="0">
+            <a:schemeClr val="accent1"/>
+          </a:fillRef>
+          <a:effectRef idx="0">
+            <a:schemeClr val="accent1"/>
+          </a:effectRef>
+          <a:fontRef idx="minor">
+            <a:schemeClr val="tx1"/>
+          </a:fontRef>
+        </p:style>
+      </p:cxnSp>
+      <p:graphicFrame>
+        <p:nvGraphicFramePr>
+          <p:cNvPr id="15" name="Table 15">
+            <a:extLst>
+              <a:ext uri="{FF2B5EF4-FFF2-40B4-BE49-F238E27FC236}">
+                <a16:creationId xmlns:a16="http://schemas.microsoft.com/office/drawing/2014/main" id="{589DE6C6-D207-E641-9AB9-DCFB8E234C32}"/>
+              </a:ext>
+            </a:extLst>
+          </p:cNvPr>
+          <p:cNvGraphicFramePr>
+            <a:graphicFrameLocks noGrp="1"/>
+          </p:cNvGraphicFramePr>
+          <p:nvPr>
+            <p:extLst>
+              <p:ext uri="{D42A27DB-BD31-4B8C-83A1-F6EECF244321}">
+                <p14:modId xmlns:p14="http://schemas.microsoft.com/office/powerpoint/2010/main" val="1774022882"/>
+              </p:ext>
+            </p:extLst>
+          </p:nvPr>
+        </p:nvGraphicFramePr>
+        <p:xfrm>
+          <a:off x="5442857" y="632404"/>
+          <a:ext cx="2290354" cy="741680"/>
+        </p:xfrm>
+        <a:graphic>
+          <a:graphicData uri="http://schemas.openxmlformats.org/drawingml/2006/table">
+            <a:tbl>
+              <a:tblPr firstRow="1" bandRow="1">
+                <a:tableStyleId>{5C22544A-7EE6-4342-B048-85BDC9FD1C3A}</a:tableStyleId>
+              </a:tblPr>
+              <a:tblGrid>
+                <a:gridCol w="1145177">
+                  <a:extLst>
+                    <a:ext uri="{9D8B030D-6E8A-4147-A177-3AD203B41FA5}">
+                      <a16:colId xmlns:a16="http://schemas.microsoft.com/office/drawing/2014/main" val="2497681305"/>
+                    </a:ext>
+                  </a:extLst>
+                </a:gridCol>
+                <a:gridCol w="1145177">
+                  <a:extLst>
+                    <a:ext uri="{9D8B030D-6E8A-4147-A177-3AD203B41FA5}">
+                      <a16:colId xmlns:a16="http://schemas.microsoft.com/office/drawing/2014/main" val="799256501"/>
+                    </a:ext>
+                  </a:extLst>
+                </a:gridCol>
+              </a:tblGrid>
+              <a:tr h="370840">
+                <a:tc>
+                  <a:txBody>
+                    <a:bodyPr/>
+                    <a:lstStyle/>
+                    <a:p>
+                      <a:r>
+                        <a:rPr lang="en-US" dirty="0" err="1"/>
+                        <a:t>CatId</a:t>
+                      </a:r>
+                      <a:endParaRPr lang="en-US" dirty="0"/>
+                    </a:p>
+                  </a:txBody>
+                  <a:tcPr/>
+                </a:tc>
+                <a:tc>
+                  <a:txBody>
+                    <a:bodyPr/>
+                    <a:lstStyle/>
+                    <a:p>
+                      <a:r>
+                        <a:rPr lang="en-US" dirty="0"/>
+                        <a:t>Category</a:t>
+                      </a:r>
+                    </a:p>
+                  </a:txBody>
+                  <a:tcPr/>
+                </a:tc>
+                <a:extLst>
+                  <a:ext uri="{0D108BD9-81ED-4DB2-BD59-A6C34878D82A}">
+                    <a16:rowId xmlns:a16="http://schemas.microsoft.com/office/drawing/2014/main" val="244080050"/>
+                  </a:ext>
+                </a:extLst>
+              </a:tr>
+              <a:tr h="370840">
+                <a:tc>
+                  <a:txBody>
+                    <a:bodyPr/>
+                    <a:lstStyle/>
+                    <a:p>
+                      <a:endParaRPr lang="en-US"/>
+                    </a:p>
+                  </a:txBody>
+                  <a:tcPr/>
+                </a:tc>
+                <a:tc>
+                  <a:txBody>
+                    <a:bodyPr/>
+                    <a:lstStyle/>
+                    <a:p>
+                      <a:endParaRPr lang="en-US" dirty="0"/>
+                    </a:p>
+                  </a:txBody>
+                  <a:tcPr/>
+                </a:tc>
+                <a:extLst>
+                  <a:ext uri="{0D108BD9-81ED-4DB2-BD59-A6C34878D82A}">
+                    <a16:rowId xmlns:a16="http://schemas.microsoft.com/office/drawing/2014/main" val="3598969317"/>
+                  </a:ext>
+                </a:extLst>
+              </a:tr>
+            </a:tbl>
+          </a:graphicData>
+        </a:graphic>
+      </p:graphicFrame>
+      <p:graphicFrame>
+        <p:nvGraphicFramePr>
+          <p:cNvPr id="16" name="Table 15">
+            <a:extLst>
+              <a:ext uri="{FF2B5EF4-FFF2-40B4-BE49-F238E27FC236}">
+                <a16:creationId xmlns:a16="http://schemas.microsoft.com/office/drawing/2014/main" id="{55F7916C-A787-024C-A8D0-E75671A21B13}"/>
+              </a:ext>
+            </a:extLst>
+          </p:cNvPr>
+          <p:cNvGraphicFramePr>
+            <a:graphicFrameLocks noGrp="1"/>
+          </p:cNvGraphicFramePr>
+          <p:nvPr>
+            <p:extLst>
+              <p:ext uri="{D42A27DB-BD31-4B8C-83A1-F6EECF244321}">
+                <p14:modId xmlns:p14="http://schemas.microsoft.com/office/powerpoint/2010/main" val="3364411560"/>
+              </p:ext>
+            </p:extLst>
+          </p:nvPr>
+        </p:nvGraphicFramePr>
+        <p:xfrm>
+          <a:off x="8355874" y="462280"/>
+          <a:ext cx="3261360" cy="741680"/>
+        </p:xfrm>
+        <a:graphic>
+          <a:graphicData uri="http://schemas.openxmlformats.org/drawingml/2006/table">
+            <a:tbl>
+              <a:tblPr firstRow="1" bandRow="1">
+                <a:tableStyleId>{5C22544A-7EE6-4342-B048-85BDC9FD1C3A}</a:tableStyleId>
+              </a:tblPr>
+              <a:tblGrid>
+                <a:gridCol w="1630680">
+                  <a:extLst>
+                    <a:ext uri="{9D8B030D-6E8A-4147-A177-3AD203B41FA5}">
+                      <a16:colId xmlns:a16="http://schemas.microsoft.com/office/drawing/2014/main" val="2497681305"/>
+                    </a:ext>
+                  </a:extLst>
+                </a:gridCol>
+                <a:gridCol w="1630680">
+                  <a:extLst>
+                    <a:ext uri="{9D8B030D-6E8A-4147-A177-3AD203B41FA5}">
+                      <a16:colId xmlns:a16="http://schemas.microsoft.com/office/drawing/2014/main" val="799256501"/>
+                    </a:ext>
+                  </a:extLst>
+                </a:gridCol>
+              </a:tblGrid>
+              <a:tr h="370840">
+                <a:tc>
+                  <a:txBody>
+                    <a:bodyPr/>
+                    <a:lstStyle/>
+                    <a:p>
+                      <a:r>
+                        <a:rPr lang="en-US" dirty="0" err="1"/>
+                        <a:t>ManId</a:t>
+                      </a:r>
+                      <a:endParaRPr lang="en-US" dirty="0"/>
+                    </a:p>
+                  </a:txBody>
+                  <a:tcPr/>
+                </a:tc>
+                <a:tc>
+                  <a:txBody>
+                    <a:bodyPr/>
+                    <a:lstStyle/>
+                    <a:p>
+                      <a:r>
+                        <a:rPr lang="en-US" dirty="0"/>
+                        <a:t>Manufacturer</a:t>
+                      </a:r>
+                    </a:p>
+                  </a:txBody>
+                  <a:tcPr/>
+                </a:tc>
+                <a:extLst>
+                  <a:ext uri="{0D108BD9-81ED-4DB2-BD59-A6C34878D82A}">
+                    <a16:rowId xmlns:a16="http://schemas.microsoft.com/office/drawing/2014/main" val="244080050"/>
+                  </a:ext>
+                </a:extLst>
+              </a:tr>
+              <a:tr h="370840">
+                <a:tc>
+                  <a:txBody>
+                    <a:bodyPr/>
+                    <a:lstStyle/>
+                    <a:p>
+                      <a:endParaRPr lang="en-US"/>
+                    </a:p>
+                  </a:txBody>
+                  <a:tcPr/>
+                </a:tc>
+                <a:tc>
+                  <a:txBody>
+                    <a:bodyPr/>
+                    <a:lstStyle/>
+                    <a:p>
+                      <a:endParaRPr lang="en-US" dirty="0"/>
+                    </a:p>
+                  </a:txBody>
+                  <a:tcPr/>
+                </a:tc>
+                <a:extLst>
+                  <a:ext uri="{0D108BD9-81ED-4DB2-BD59-A6C34878D82A}">
+                    <a16:rowId xmlns:a16="http://schemas.microsoft.com/office/drawing/2014/main" val="3598969317"/>
+                  </a:ext>
+                </a:extLst>
+              </a:tr>
+            </a:tbl>
+          </a:graphicData>
+        </a:graphic>
+      </p:graphicFrame>
+      <p:cxnSp>
+        <p:nvCxnSpPr>
+          <p:cNvPr id="18" name="Straight Arrow Connector 17">
+            <a:extLst>
+              <a:ext uri="{FF2B5EF4-FFF2-40B4-BE49-F238E27FC236}">
+                <a16:creationId xmlns:a16="http://schemas.microsoft.com/office/drawing/2014/main" id="{22AB160F-DB6F-5E42-AFBE-C3ACB50D1E52}"/>
+              </a:ext>
+            </a:extLst>
+          </p:cNvPr>
+          <p:cNvCxnSpPr/>
+          <p:nvPr/>
+        </p:nvCxnSpPr>
+        <p:spPr>
+          <a:xfrm flipV="1">
+            <a:off x="6322422" y="1203960"/>
+            <a:ext cx="2560321" cy="738051"/>
+          </a:xfrm>
+          <a:prstGeom prst="straightConnector1">
+            <a:avLst/>
+          </a:prstGeom>
+          <a:ln>
+            <a:tailEnd type="triangle"/>
+          </a:ln>
+        </p:spPr>
+        <p:style>
+          <a:lnRef idx="1">
+            <a:schemeClr val="accent1"/>
+          </a:lnRef>
+          <a:fillRef idx="0">
+            <a:schemeClr val="accent1"/>
+          </a:fillRef>
+          <a:effectRef idx="0">
+            <a:schemeClr val="accent1"/>
+          </a:effectRef>
+          <a:fontRef idx="minor">
+            <a:schemeClr val="tx1"/>
+          </a:fontRef>
+        </p:style>
+      </p:cxnSp>
+      <p:graphicFrame>
+        <p:nvGraphicFramePr>
+          <p:cNvPr id="19" name="Table 15">
+            <a:extLst>
+              <a:ext uri="{FF2B5EF4-FFF2-40B4-BE49-F238E27FC236}">
+                <a16:creationId xmlns:a16="http://schemas.microsoft.com/office/drawing/2014/main" id="{EBDBD438-EB9C-7046-981E-FBBCAC667C1F}"/>
+              </a:ext>
+            </a:extLst>
+          </p:cNvPr>
+          <p:cNvGraphicFramePr>
+            <a:graphicFrameLocks noGrp="1"/>
+          </p:cNvGraphicFramePr>
+          <p:nvPr>
+            <p:extLst>
+              <p:ext uri="{D42A27DB-BD31-4B8C-83A1-F6EECF244321}">
+                <p14:modId xmlns:p14="http://schemas.microsoft.com/office/powerpoint/2010/main" val="3053694241"/>
+              </p:ext>
+            </p:extLst>
+          </p:nvPr>
+        </p:nvGraphicFramePr>
+        <p:xfrm>
+          <a:off x="9496701" y="4870574"/>
+          <a:ext cx="2290354" cy="741680"/>
+        </p:xfrm>
+        <a:graphic>
+          <a:graphicData uri="http://schemas.openxmlformats.org/drawingml/2006/table">
+            <a:tbl>
+              <a:tblPr firstRow="1" bandRow="1">
+                <a:tableStyleId>{5C22544A-7EE6-4342-B048-85BDC9FD1C3A}</a:tableStyleId>
+              </a:tblPr>
+              <a:tblGrid>
+                <a:gridCol w="1145177">
+                  <a:extLst>
+                    <a:ext uri="{9D8B030D-6E8A-4147-A177-3AD203B41FA5}">
+                      <a16:colId xmlns:a16="http://schemas.microsoft.com/office/drawing/2014/main" val="2497681305"/>
+                    </a:ext>
+                  </a:extLst>
+                </a:gridCol>
+                <a:gridCol w="1145177">
+                  <a:extLst>
+                    <a:ext uri="{9D8B030D-6E8A-4147-A177-3AD203B41FA5}">
+                      <a16:colId xmlns:a16="http://schemas.microsoft.com/office/drawing/2014/main" val="799256501"/>
+                    </a:ext>
+                  </a:extLst>
+                </a:gridCol>
+              </a:tblGrid>
+              <a:tr h="370840">
+                <a:tc>
+                  <a:txBody>
+                    <a:bodyPr/>
+                    <a:lstStyle/>
+                    <a:p>
+                      <a:r>
+                        <a:rPr lang="en-US" dirty="0" err="1"/>
+                        <a:t>VendorId</a:t>
+                      </a:r>
+                      <a:endParaRPr lang="en-US" dirty="0"/>
+                    </a:p>
+                  </a:txBody>
+                  <a:tcPr/>
+                </a:tc>
+                <a:tc>
+                  <a:txBody>
+                    <a:bodyPr/>
+                    <a:lstStyle/>
+                    <a:p>
+                      <a:r>
+                        <a:rPr lang="en-US" dirty="0" err="1"/>
+                        <a:t>Vandor</a:t>
+                      </a:r>
+                      <a:endParaRPr lang="en-US" dirty="0"/>
+                    </a:p>
+                  </a:txBody>
+                  <a:tcPr/>
+                </a:tc>
+                <a:extLst>
+                  <a:ext uri="{0D108BD9-81ED-4DB2-BD59-A6C34878D82A}">
+                    <a16:rowId xmlns:a16="http://schemas.microsoft.com/office/drawing/2014/main" val="244080050"/>
+                  </a:ext>
+                </a:extLst>
+              </a:tr>
+              <a:tr h="370840">
+                <a:tc>
+                  <a:txBody>
+                    <a:bodyPr/>
+                    <a:lstStyle/>
+                    <a:p>
+                      <a:endParaRPr lang="en-US"/>
+                    </a:p>
+                  </a:txBody>
+                  <a:tcPr/>
+                </a:tc>
+                <a:tc>
+                  <a:txBody>
+                    <a:bodyPr/>
+                    <a:lstStyle/>
+                    <a:p>
+                      <a:endParaRPr lang="en-US" dirty="0"/>
+                    </a:p>
+                  </a:txBody>
+                  <a:tcPr/>
+                </a:tc>
+                <a:extLst>
+                  <a:ext uri="{0D108BD9-81ED-4DB2-BD59-A6C34878D82A}">
+                    <a16:rowId xmlns:a16="http://schemas.microsoft.com/office/drawing/2014/main" val="3598969317"/>
+                  </a:ext>
+                </a:extLst>
+              </a:tr>
+            </a:tbl>
+          </a:graphicData>
+        </a:graphic>
+      </p:graphicFrame>
+      <p:cxnSp>
+        <p:nvCxnSpPr>
+          <p:cNvPr id="21" name="Straight Arrow Connector 20">
+            <a:extLst>
+              <a:ext uri="{FF2B5EF4-FFF2-40B4-BE49-F238E27FC236}">
+                <a16:creationId xmlns:a16="http://schemas.microsoft.com/office/drawing/2014/main" id="{380AC72B-F802-C846-B7BE-65F422B79E17}"/>
+              </a:ext>
+            </a:extLst>
+          </p:cNvPr>
+          <p:cNvCxnSpPr>
+            <a:endCxn id="19" idx="0"/>
+          </p:cNvCxnSpPr>
+          <p:nvPr/>
+        </p:nvCxnSpPr>
+        <p:spPr>
+          <a:xfrm flipH="1">
+            <a:off x="10641878" y="3429000"/>
+            <a:ext cx="870853" cy="1441574"/>
+          </a:xfrm>
+          <a:prstGeom prst="straightConnector1">
+            <a:avLst/>
+          </a:prstGeom>
+          <a:ln>
+            <a:tailEnd type="triangle"/>
+          </a:ln>
+        </p:spPr>
+        <p:style>
+          <a:lnRef idx="1">
+            <a:schemeClr val="accent1"/>
+          </a:lnRef>
+          <a:fillRef idx="0">
+            <a:schemeClr val="accent1"/>
+          </a:fillRef>
+          <a:effectRef idx="0">
+            <a:schemeClr val="accent1"/>
+          </a:effectRef>
+          <a:fontRef idx="minor">
+            <a:schemeClr val="tx1"/>
+          </a:fontRef>
+        </p:style>
+      </p:cxnSp>
+      <p:sp>
+        <p:nvSpPr>
+          <p:cNvPr id="22" name="TextBox 21">
+            <a:extLst>
+              <a:ext uri="{FF2B5EF4-FFF2-40B4-BE49-F238E27FC236}">
+                <a16:creationId xmlns:a16="http://schemas.microsoft.com/office/drawing/2014/main" id="{E59E6883-6CA1-5844-AB52-668072BADDB4}"/>
+              </a:ext>
+            </a:extLst>
+          </p:cNvPr>
+          <p:cNvSpPr txBox="1"/>
+          <p:nvPr/>
+        </p:nvSpPr>
+        <p:spPr>
+          <a:xfrm>
+            <a:off x="1001486" y="95794"/>
+            <a:ext cx="3735977" cy="366486"/>
+          </a:xfrm>
+          <a:prstGeom prst="rect">
+            <a:avLst/>
+          </a:prstGeom>
+          <a:noFill/>
+        </p:spPr>
+        <p:txBody>
+          <a:bodyPr wrap="square" rtlCol="0">
+            <a:spAutoFit/>
+          </a:bodyPr>
+          <a:lstStyle/>
+          <a:p>
+            <a:r>
+              <a:rPr lang="en-US" dirty="0"/>
+              <a:t>Relational DB Approach</a:t>
+            </a:r>
+          </a:p>
+        </p:txBody>
+      </p:sp>
+    </p:spTree>
+    <p:extLst>
+      <p:ext uri="{BB962C8B-B14F-4D97-AF65-F5344CB8AC3E}">
+        <p14:creationId xmlns:p14="http://schemas.microsoft.com/office/powerpoint/2010/main" val="3495491651"/>
+      </p:ext>
+    </p:extLst>
+  </p:cSld>
+  <p:clrMapOvr>
+    <a:masterClrMapping/>
+  </p:clrMapOvr>
+</p:sld>
+</file>
+
+<file path=ppt/slides/slide62.xml><?xml version="1.0" encoding="utf-8"?>
+<p:sld xmlns:a="http://schemas.openxmlformats.org/drawingml/2006/main" xmlns:r="http://schemas.openxmlformats.org/officeDocument/2006/relationships" xmlns:p="http://schemas.openxmlformats.org/presentationml/2006/main">
+  <p:cSld>
+    <p:spTree>
+      <p:nvGrpSpPr>
+        <p:cNvPr id="1" name=""/>
+        <p:cNvGrpSpPr/>
+        <p:nvPr/>
+      </p:nvGrpSpPr>
+      <p:grpSpPr>
+        <a:xfrm>
+          <a:off x="0" y="0"/>
+          <a:ext cx="0" cy="0"/>
+          <a:chOff x="0" y="0"/>
+          <a:chExt cx="0" cy="0"/>
+        </a:xfrm>
+      </p:grpSpPr>
+      <p:graphicFrame>
+        <p:nvGraphicFramePr>
+          <p:cNvPr id="2" name="Table 2">
+            <a:extLst>
+              <a:ext uri="{FF2B5EF4-FFF2-40B4-BE49-F238E27FC236}">
+                <a16:creationId xmlns:a16="http://schemas.microsoft.com/office/drawing/2014/main" id="{9A0B025D-86BB-1C4F-A094-7A30C16E73E0}"/>
+              </a:ext>
+            </a:extLst>
+          </p:cNvPr>
+          <p:cNvGraphicFramePr>
+            <a:graphicFrameLocks noGrp="1"/>
+          </p:cNvGraphicFramePr>
+          <p:nvPr>
+            <p:extLst>
+              <p:ext uri="{D42A27DB-BD31-4B8C-83A1-F6EECF244321}">
+                <p14:modId xmlns:p14="http://schemas.microsoft.com/office/powerpoint/2010/main" val="2504631391"/>
+              </p:ext>
+            </p:extLst>
+          </p:nvPr>
+        </p:nvGraphicFramePr>
+        <p:xfrm>
+          <a:off x="731522" y="630646"/>
+          <a:ext cx="10964093" cy="1483360"/>
+        </p:xfrm>
+        <a:graphic>
+          <a:graphicData uri="http://schemas.openxmlformats.org/drawingml/2006/table">
+            <a:tbl>
+              <a:tblPr firstRow="1" bandRow="1">
+                <a:tableStyleId>{5C22544A-7EE6-4342-B048-85BDC9FD1C3A}</a:tableStyleId>
+              </a:tblPr>
+              <a:tblGrid>
+                <a:gridCol w="1566299">
+                  <a:extLst>
+                    <a:ext uri="{9D8B030D-6E8A-4147-A177-3AD203B41FA5}">
+                      <a16:colId xmlns:a16="http://schemas.microsoft.com/office/drawing/2014/main" val="2396750449"/>
+                    </a:ext>
+                  </a:extLst>
+                </a:gridCol>
+                <a:gridCol w="1566299">
+                  <a:extLst>
+                    <a:ext uri="{9D8B030D-6E8A-4147-A177-3AD203B41FA5}">
+                      <a16:colId xmlns:a16="http://schemas.microsoft.com/office/drawing/2014/main" val="350656940"/>
+                    </a:ext>
+                  </a:extLst>
+                </a:gridCol>
+                <a:gridCol w="1566299">
+                  <a:extLst>
+                    <a:ext uri="{9D8B030D-6E8A-4147-A177-3AD203B41FA5}">
+                      <a16:colId xmlns:a16="http://schemas.microsoft.com/office/drawing/2014/main" val="3305897838"/>
+                    </a:ext>
+                  </a:extLst>
+                </a:gridCol>
+                <a:gridCol w="1566299">
+                  <a:extLst>
+                    <a:ext uri="{9D8B030D-6E8A-4147-A177-3AD203B41FA5}">
+                      <a16:colId xmlns:a16="http://schemas.microsoft.com/office/drawing/2014/main" val="4039677529"/>
+                    </a:ext>
+                  </a:extLst>
+                </a:gridCol>
+                <a:gridCol w="1566299">
+                  <a:extLst>
+                    <a:ext uri="{9D8B030D-6E8A-4147-A177-3AD203B41FA5}">
+                      <a16:colId xmlns:a16="http://schemas.microsoft.com/office/drawing/2014/main" val="462311305"/>
+                    </a:ext>
+                  </a:extLst>
+                </a:gridCol>
+                <a:gridCol w="1566299">
+                  <a:extLst>
+                    <a:ext uri="{9D8B030D-6E8A-4147-A177-3AD203B41FA5}">
+                      <a16:colId xmlns:a16="http://schemas.microsoft.com/office/drawing/2014/main" val="905302429"/>
+                    </a:ext>
+                  </a:extLst>
+                </a:gridCol>
+                <a:gridCol w="1566299">
+                  <a:extLst>
+                    <a:ext uri="{9D8B030D-6E8A-4147-A177-3AD203B41FA5}">
+                      <a16:colId xmlns:a16="http://schemas.microsoft.com/office/drawing/2014/main" val="1549783982"/>
+                    </a:ext>
+                  </a:extLst>
+                </a:gridCol>
+              </a:tblGrid>
+              <a:tr h="370840">
+                <a:tc>
+                  <a:txBody>
+                    <a:bodyPr/>
+                    <a:lstStyle/>
+                    <a:p>
+                      <a:r>
+                        <a:rPr lang="en-US" dirty="0" err="1"/>
+                        <a:t>ProductId</a:t>
+                      </a:r>
+                      <a:endParaRPr lang="en-US" dirty="0"/>
+                    </a:p>
+                  </a:txBody>
+                  <a:tcPr/>
+                </a:tc>
+                <a:tc>
+                  <a:txBody>
+                    <a:bodyPr/>
+                    <a:lstStyle/>
+                    <a:p>
+                      <a:r>
+                        <a:rPr lang="en-US" dirty="0"/>
+                        <a:t>ProductName</a:t>
+                      </a:r>
+                    </a:p>
+                  </a:txBody>
+                  <a:tcPr/>
+                </a:tc>
+                <a:tc>
+                  <a:txBody>
+                    <a:bodyPr/>
+                    <a:lstStyle/>
+                    <a:p>
+                      <a:r>
+                        <a:rPr lang="en-US" dirty="0"/>
+                        <a:t>Category</a:t>
+                      </a:r>
+                    </a:p>
+                  </a:txBody>
+                  <a:tcPr/>
+                </a:tc>
+                <a:tc>
+                  <a:txBody>
+                    <a:bodyPr/>
+                    <a:lstStyle/>
+                    <a:p>
+                      <a:r>
+                        <a:rPr lang="en-US" dirty="0"/>
+                        <a:t>Manufacturer</a:t>
+                      </a:r>
+                    </a:p>
+                  </a:txBody>
+                  <a:tcPr/>
+                </a:tc>
+                <a:tc>
+                  <a:txBody>
+                    <a:bodyPr/>
+                    <a:lstStyle/>
+                    <a:p>
+                      <a:r>
+                        <a:rPr lang="en-US" dirty="0"/>
+                        <a:t>Price</a:t>
+                      </a:r>
+                    </a:p>
+                  </a:txBody>
+                  <a:tcPr/>
+                </a:tc>
+                <a:tc>
+                  <a:txBody>
+                    <a:bodyPr/>
+                    <a:lstStyle/>
+                    <a:p>
+                      <a:r>
+                        <a:rPr lang="en-US" dirty="0"/>
+                        <a:t>Description</a:t>
+                      </a:r>
+                    </a:p>
+                  </a:txBody>
+                  <a:tcPr/>
+                </a:tc>
+                <a:tc>
+                  <a:txBody>
+                    <a:bodyPr/>
+                    <a:lstStyle/>
+                    <a:p>
+                      <a:r>
+                        <a:rPr lang="en-US" dirty="0"/>
+                        <a:t>Vendor</a:t>
+                      </a:r>
+                    </a:p>
+                  </a:txBody>
+                  <a:tcPr/>
+                </a:tc>
+                <a:extLst>
+                  <a:ext uri="{0D108BD9-81ED-4DB2-BD59-A6C34878D82A}">
+                    <a16:rowId xmlns:a16="http://schemas.microsoft.com/office/drawing/2014/main" val="2752443623"/>
+                  </a:ext>
+                </a:extLst>
+              </a:tr>
+              <a:tr h="370840">
+                <a:tc>
+                  <a:txBody>
+                    <a:bodyPr/>
+                    <a:lstStyle/>
+                    <a:p>
+                      <a:r>
+                        <a:rPr lang="en-US" dirty="0"/>
+                        <a:t>Prd-pp1</a:t>
+                      </a:r>
+                    </a:p>
+                  </a:txBody>
+                  <a:tcPr/>
+                </a:tc>
+                <a:tc>
+                  <a:txBody>
+                    <a:bodyPr/>
+                    <a:lstStyle/>
+                    <a:p>
+                      <a:r>
+                        <a:rPr lang="en-US" dirty="0"/>
+                        <a:t>Laptop</a:t>
+                      </a:r>
+                    </a:p>
+                  </a:txBody>
+                  <a:tcPr/>
+                </a:tc>
+                <a:tc>
+                  <a:txBody>
+                    <a:bodyPr/>
+                    <a:lstStyle/>
+                    <a:p>
+                      <a:r>
+                        <a:rPr lang="en-US" dirty="0"/>
+                        <a:t>IT</a:t>
+                      </a:r>
+                    </a:p>
+                  </a:txBody>
+                  <a:tcPr/>
+                </a:tc>
+                <a:tc>
+                  <a:txBody>
+                    <a:bodyPr/>
+                    <a:lstStyle/>
+                    <a:p>
+                      <a:r>
+                        <a:rPr lang="en-US" dirty="0"/>
+                        <a:t>HP</a:t>
+                      </a:r>
+                    </a:p>
+                  </a:txBody>
+                  <a:tcPr/>
+                </a:tc>
+                <a:tc>
+                  <a:txBody>
+                    <a:bodyPr/>
+                    <a:lstStyle/>
+                    <a:p>
+                      <a:r>
+                        <a:rPr lang="en-US" dirty="0"/>
+                        <a:t>120000</a:t>
+                      </a:r>
+                    </a:p>
+                  </a:txBody>
+                  <a:tcPr/>
+                </a:tc>
+                <a:tc>
+                  <a:txBody>
+                    <a:bodyPr/>
+                    <a:lstStyle/>
+                    <a:p>
+                      <a:r>
+                        <a:rPr lang="en-US" dirty="0"/>
+                        <a:t>Gaming</a:t>
+                      </a:r>
+                    </a:p>
+                  </a:txBody>
+                  <a:tcPr/>
+                </a:tc>
+                <a:tc>
+                  <a:txBody>
+                    <a:bodyPr/>
+                    <a:lstStyle/>
+                    <a:p>
+                      <a:r>
+                        <a:rPr lang="en-US" dirty="0"/>
+                        <a:t>MSIT</a:t>
+                      </a:r>
+                    </a:p>
+                  </a:txBody>
+                  <a:tcPr/>
+                </a:tc>
+                <a:extLst>
+                  <a:ext uri="{0D108BD9-81ED-4DB2-BD59-A6C34878D82A}">
+                    <a16:rowId xmlns:a16="http://schemas.microsoft.com/office/drawing/2014/main" val="1287273667"/>
+                  </a:ext>
+                </a:extLst>
+              </a:tr>
+              <a:tr h="370840">
+                <a:tc>
+                  <a:txBody>
+                    <a:bodyPr/>
+                    <a:lstStyle/>
+                    <a:p>
+                      <a:r>
+                        <a:rPr lang="en-US" dirty="0"/>
+                        <a:t>Prd-002</a:t>
+                      </a:r>
+                    </a:p>
+                  </a:txBody>
+                  <a:tcPr/>
+                </a:tc>
+                <a:tc>
+                  <a:txBody>
+                    <a:bodyPr/>
+                    <a:lstStyle/>
+                    <a:p>
+                      <a:r>
+                        <a:rPr lang="en-US" dirty="0"/>
+                        <a:t>Mixer</a:t>
+                      </a:r>
+                    </a:p>
+                  </a:txBody>
+                  <a:tcPr/>
+                </a:tc>
+                <a:tc>
+                  <a:txBody>
+                    <a:bodyPr/>
+                    <a:lstStyle/>
+                    <a:p>
+                      <a:r>
+                        <a:rPr lang="en-US" dirty="0"/>
+                        <a:t>HOM</a:t>
+                      </a:r>
+                    </a:p>
+                  </a:txBody>
+                  <a:tcPr/>
+                </a:tc>
+                <a:tc>
+                  <a:txBody>
+                    <a:bodyPr/>
+                    <a:lstStyle/>
+                    <a:p>
+                      <a:r>
+                        <a:rPr lang="en-US" dirty="0"/>
+                        <a:t>Bajaj</a:t>
+                      </a:r>
+                    </a:p>
+                  </a:txBody>
+                  <a:tcPr/>
+                </a:tc>
+                <a:tc>
+                  <a:txBody>
+                    <a:bodyPr/>
+                    <a:lstStyle/>
+                    <a:p>
+                      <a:r>
+                        <a:rPr lang="en-US" dirty="0"/>
+                        <a:t>2300</a:t>
+                      </a:r>
+                    </a:p>
+                  </a:txBody>
+                  <a:tcPr/>
+                </a:tc>
+                <a:tc>
+                  <a:txBody>
+                    <a:bodyPr/>
+                    <a:lstStyle/>
+                    <a:p>
+                      <a:r>
+                        <a:rPr lang="en-US" dirty="0"/>
+                        <a:t>Fast Grind</a:t>
+                      </a:r>
+                    </a:p>
+                  </a:txBody>
+                  <a:tcPr/>
+                </a:tc>
+                <a:tc>
+                  <a:txBody>
+                    <a:bodyPr/>
+                    <a:lstStyle/>
+                    <a:p>
+                      <a:r>
+                        <a:rPr lang="en-US" dirty="0"/>
+                        <a:t>LS-ECL</a:t>
+                      </a:r>
+                    </a:p>
+                  </a:txBody>
+                  <a:tcPr/>
+                </a:tc>
+                <a:extLst>
+                  <a:ext uri="{0D108BD9-81ED-4DB2-BD59-A6C34878D82A}">
+                    <a16:rowId xmlns:a16="http://schemas.microsoft.com/office/drawing/2014/main" val="4208922887"/>
+                  </a:ext>
+                </a:extLst>
+              </a:tr>
+              <a:tr h="370840">
+                <a:tc>
+                  <a:txBody>
+                    <a:bodyPr/>
+                    <a:lstStyle/>
+                    <a:p>
+                      <a:r>
+                        <a:rPr lang="en-US" dirty="0"/>
+                        <a:t>Prd-003</a:t>
+                      </a:r>
+                    </a:p>
+                  </a:txBody>
+                  <a:tcPr/>
+                </a:tc>
+                <a:tc>
+                  <a:txBody>
+                    <a:bodyPr/>
+                    <a:lstStyle/>
+                    <a:p>
+                      <a:r>
+                        <a:rPr lang="en-US" dirty="0"/>
+                        <a:t>Oil</a:t>
+                      </a:r>
+                    </a:p>
+                  </a:txBody>
+                  <a:tcPr/>
+                </a:tc>
+                <a:tc>
+                  <a:txBody>
+                    <a:bodyPr/>
+                    <a:lstStyle/>
+                    <a:p>
+                      <a:r>
+                        <a:rPr lang="en-US" dirty="0"/>
+                        <a:t>FOD</a:t>
+                      </a:r>
+                    </a:p>
+                  </a:txBody>
+                  <a:tcPr/>
+                </a:tc>
+                <a:tc>
+                  <a:txBody>
+                    <a:bodyPr/>
+                    <a:lstStyle/>
+                    <a:p>
+                      <a:r>
+                        <a:rPr lang="en-US" dirty="0"/>
+                        <a:t>Wipro</a:t>
+                      </a:r>
+                    </a:p>
+                  </a:txBody>
+                  <a:tcPr/>
+                </a:tc>
+                <a:tc>
+                  <a:txBody>
+                    <a:bodyPr/>
+                    <a:lstStyle/>
+                    <a:p>
+                      <a:r>
+                        <a:rPr lang="en-US" dirty="0"/>
+                        <a:t>300</a:t>
+                      </a:r>
+                    </a:p>
+                  </a:txBody>
+                  <a:tcPr/>
+                </a:tc>
+                <a:tc>
+                  <a:txBody>
+                    <a:bodyPr/>
+                    <a:lstStyle/>
+                    <a:p>
+                      <a:r>
+                        <a:rPr lang="en-US" dirty="0"/>
+                        <a:t>Energy</a:t>
+                      </a:r>
+                    </a:p>
+                  </a:txBody>
+                  <a:tcPr/>
+                </a:tc>
+                <a:tc>
+                  <a:txBody>
+                    <a:bodyPr/>
+                    <a:lstStyle/>
+                    <a:p>
+                      <a:r>
+                        <a:rPr lang="en-US" dirty="0"/>
+                        <a:t>Food-Mart</a:t>
+                      </a:r>
+                    </a:p>
+                  </a:txBody>
+                  <a:tcPr/>
+                </a:tc>
+                <a:extLst>
+                  <a:ext uri="{0D108BD9-81ED-4DB2-BD59-A6C34878D82A}">
+                    <a16:rowId xmlns:a16="http://schemas.microsoft.com/office/drawing/2014/main" val="4272240868"/>
+                  </a:ext>
+                </a:extLst>
+              </a:tr>
+            </a:tbl>
+          </a:graphicData>
+        </a:graphic>
+      </p:graphicFrame>
+      <p:sp>
+        <p:nvSpPr>
+          <p:cNvPr id="3" name="TextBox 2">
+            <a:extLst>
+              <a:ext uri="{FF2B5EF4-FFF2-40B4-BE49-F238E27FC236}">
+                <a16:creationId xmlns:a16="http://schemas.microsoft.com/office/drawing/2014/main" id="{2E90D0E5-6C84-8040-8E14-CEB3F412CC57}"/>
+              </a:ext>
+            </a:extLst>
+          </p:cNvPr>
+          <p:cNvSpPr txBox="1"/>
+          <p:nvPr/>
+        </p:nvSpPr>
+        <p:spPr>
+          <a:xfrm>
+            <a:off x="731522" y="139337"/>
+            <a:ext cx="5747655" cy="369332"/>
+          </a:xfrm>
+          <a:prstGeom prst="rect">
+            <a:avLst/>
+          </a:prstGeom>
+          <a:noFill/>
+        </p:spPr>
+        <p:txBody>
+          <a:bodyPr wrap="square" rtlCol="0">
+            <a:spAutoFit/>
+          </a:bodyPr>
+          <a:lstStyle/>
+          <a:p>
+            <a:r>
+              <a:rPr lang="en-US" dirty="0"/>
+              <a:t>NoSQL Approach</a:t>
+            </a:r>
+          </a:p>
+        </p:txBody>
+      </p:sp>
+      <p:sp>
+        <p:nvSpPr>
+          <p:cNvPr id="4" name="Rectangle 3">
+            <a:extLst>
+              <a:ext uri="{FF2B5EF4-FFF2-40B4-BE49-F238E27FC236}">
+                <a16:creationId xmlns:a16="http://schemas.microsoft.com/office/drawing/2014/main" id="{0A027A63-ED83-C445-8045-41CFB91E817C}"/>
+              </a:ext>
+            </a:extLst>
+          </p:cNvPr>
+          <p:cNvSpPr/>
+          <p:nvPr/>
+        </p:nvSpPr>
+        <p:spPr>
+          <a:xfrm>
+            <a:off x="287384" y="3030583"/>
+            <a:ext cx="11643360" cy="1739537"/>
+          </a:xfrm>
+          <a:prstGeom prst="rect">
+            <a:avLst/>
+          </a:prstGeom>
+        </p:spPr>
+        <p:style>
+          <a:lnRef idx="3">
+            <a:schemeClr val="lt1"/>
+          </a:lnRef>
+          <a:fillRef idx="1">
+            <a:schemeClr val="accent3"/>
+          </a:fillRef>
+          <a:effectRef idx="1">
+            <a:schemeClr val="accent3"/>
+          </a:effectRef>
+          <a:fontRef idx="minor">
+            <a:schemeClr val="lt1"/>
+          </a:fontRef>
+        </p:style>
+        <p:txBody>
+          <a:bodyPr rtlCol="0" anchor="ctr"/>
+          <a:lstStyle/>
+          <a:p>
+            <a:pPr algn="ctr"/>
+            <a:endParaRPr lang="en-US"/>
+          </a:p>
+        </p:txBody>
+      </p:sp>
+      <p:sp>
+        <p:nvSpPr>
+          <p:cNvPr id="5" name="TextBox 4">
+            <a:extLst>
+              <a:ext uri="{FF2B5EF4-FFF2-40B4-BE49-F238E27FC236}">
+                <a16:creationId xmlns:a16="http://schemas.microsoft.com/office/drawing/2014/main" id="{27D59352-26F4-4041-800E-BF8FC8D02164}"/>
+              </a:ext>
+            </a:extLst>
+          </p:cNvPr>
+          <p:cNvSpPr txBox="1"/>
+          <p:nvPr/>
+        </p:nvSpPr>
+        <p:spPr>
+          <a:xfrm>
+            <a:off x="3405052" y="2249129"/>
+            <a:ext cx="5947954" cy="646331"/>
+          </a:xfrm>
+          <a:prstGeom prst="rect">
+            <a:avLst/>
+          </a:prstGeom>
+          <a:noFill/>
+        </p:spPr>
+        <p:txBody>
+          <a:bodyPr wrap="square" rtlCol="0">
+            <a:spAutoFit/>
+          </a:bodyPr>
+          <a:lstStyle/>
+          <a:p>
+            <a:r>
+              <a:rPr lang="en-US" dirty="0"/>
+              <a:t>NoSQL Data Storage Cluster, Data is stored based on Partitions across physical Machines</a:t>
+            </a:r>
+          </a:p>
+        </p:txBody>
+      </p:sp>
+      <p:graphicFrame>
+        <p:nvGraphicFramePr>
+          <p:cNvPr id="6" name="Table 6">
+            <a:extLst>
+              <a:ext uri="{FF2B5EF4-FFF2-40B4-BE49-F238E27FC236}">
+                <a16:creationId xmlns:a16="http://schemas.microsoft.com/office/drawing/2014/main" id="{7E642936-79E4-2B47-88B8-A665C2115957}"/>
+              </a:ext>
+            </a:extLst>
+          </p:cNvPr>
+          <p:cNvGraphicFramePr>
+            <a:graphicFrameLocks noGrp="1"/>
+          </p:cNvGraphicFramePr>
+          <p:nvPr>
+            <p:extLst>
+              <p:ext uri="{D42A27DB-BD31-4B8C-83A1-F6EECF244321}">
+                <p14:modId xmlns:p14="http://schemas.microsoft.com/office/powerpoint/2010/main" val="1816914885"/>
+              </p:ext>
+            </p:extLst>
+          </p:nvPr>
+        </p:nvGraphicFramePr>
+        <p:xfrm>
+          <a:off x="731522" y="3733799"/>
+          <a:ext cx="1872340" cy="820784"/>
+        </p:xfrm>
+        <a:graphic>
+          <a:graphicData uri="http://schemas.openxmlformats.org/drawingml/2006/table">
+            <a:tbl>
+              <a:tblPr firstRow="1" bandRow="1">
+                <a:tableStyleId>{5C22544A-7EE6-4342-B048-85BDC9FD1C3A}</a:tableStyleId>
+              </a:tblPr>
+              <a:tblGrid>
+                <a:gridCol w="374468">
+                  <a:extLst>
+                    <a:ext uri="{9D8B030D-6E8A-4147-A177-3AD203B41FA5}">
+                      <a16:colId xmlns:a16="http://schemas.microsoft.com/office/drawing/2014/main" val="1130480605"/>
+                    </a:ext>
+                  </a:extLst>
+                </a:gridCol>
+                <a:gridCol w="374468">
+                  <a:extLst>
+                    <a:ext uri="{9D8B030D-6E8A-4147-A177-3AD203B41FA5}">
+                      <a16:colId xmlns:a16="http://schemas.microsoft.com/office/drawing/2014/main" val="3805069809"/>
+                    </a:ext>
+                  </a:extLst>
+                </a:gridCol>
+                <a:gridCol w="374468">
+                  <a:extLst>
+                    <a:ext uri="{9D8B030D-6E8A-4147-A177-3AD203B41FA5}">
+                      <a16:colId xmlns:a16="http://schemas.microsoft.com/office/drawing/2014/main" val="3235010706"/>
+                    </a:ext>
+                  </a:extLst>
+                </a:gridCol>
+                <a:gridCol w="374468">
+                  <a:extLst>
+                    <a:ext uri="{9D8B030D-6E8A-4147-A177-3AD203B41FA5}">
+                      <a16:colId xmlns:a16="http://schemas.microsoft.com/office/drawing/2014/main" val="2192361382"/>
+                    </a:ext>
+                  </a:extLst>
+                </a:gridCol>
+                <a:gridCol w="374468">
+                  <a:extLst>
+                    <a:ext uri="{9D8B030D-6E8A-4147-A177-3AD203B41FA5}">
+                      <a16:colId xmlns:a16="http://schemas.microsoft.com/office/drawing/2014/main" val="2449898795"/>
+                    </a:ext>
+                  </a:extLst>
+                </a:gridCol>
+              </a:tblGrid>
+              <a:tr h="410392">
+                <a:tc>
+                  <a:txBody>
+                    <a:bodyPr/>
+                    <a:lstStyle/>
+                    <a:p>
+                      <a:endParaRPr lang="en-US"/>
+                    </a:p>
+                  </a:txBody>
+                  <a:tcPr/>
+                </a:tc>
+                <a:tc>
+                  <a:txBody>
+                    <a:bodyPr/>
+                    <a:lstStyle/>
+                    <a:p>
+                      <a:endParaRPr lang="en-US"/>
+                    </a:p>
+                  </a:txBody>
+                  <a:tcPr/>
+                </a:tc>
+                <a:tc>
+                  <a:txBody>
+                    <a:bodyPr/>
+                    <a:lstStyle/>
+                    <a:p>
+                      <a:endParaRPr lang="en-US"/>
+                    </a:p>
+                  </a:txBody>
+                  <a:tcPr/>
+                </a:tc>
+                <a:tc>
+                  <a:txBody>
+                    <a:bodyPr/>
+                    <a:lstStyle/>
+                    <a:p>
+                      <a:endParaRPr lang="en-US"/>
+                    </a:p>
+                  </a:txBody>
+                  <a:tcPr/>
+                </a:tc>
+                <a:tc>
+                  <a:txBody>
+                    <a:bodyPr/>
+                    <a:lstStyle/>
+                    <a:p>
+                      <a:endParaRPr lang="en-US" dirty="0"/>
+                    </a:p>
+                  </a:txBody>
+                  <a:tcPr/>
+                </a:tc>
+                <a:extLst>
+                  <a:ext uri="{0D108BD9-81ED-4DB2-BD59-A6C34878D82A}">
+                    <a16:rowId xmlns:a16="http://schemas.microsoft.com/office/drawing/2014/main" val="1856404129"/>
+                  </a:ext>
+                </a:extLst>
+              </a:tr>
+              <a:tr h="410392">
+                <a:tc>
+                  <a:txBody>
+                    <a:bodyPr/>
+                    <a:lstStyle/>
+                    <a:p>
+                      <a:endParaRPr lang="en-US"/>
+                    </a:p>
+                  </a:txBody>
+                  <a:tcPr/>
+                </a:tc>
+                <a:tc>
+                  <a:txBody>
+                    <a:bodyPr/>
+                    <a:lstStyle/>
+                    <a:p>
+                      <a:endParaRPr lang="en-US"/>
+                    </a:p>
+                  </a:txBody>
+                  <a:tcPr/>
+                </a:tc>
+                <a:tc>
+                  <a:txBody>
+                    <a:bodyPr/>
+                    <a:lstStyle/>
+                    <a:p>
+                      <a:endParaRPr lang="en-US"/>
+                    </a:p>
+                  </a:txBody>
+                  <a:tcPr/>
+                </a:tc>
+                <a:tc>
+                  <a:txBody>
+                    <a:bodyPr/>
+                    <a:lstStyle/>
+                    <a:p>
+                      <a:endParaRPr lang="en-US"/>
+                    </a:p>
+                  </a:txBody>
+                  <a:tcPr/>
+                </a:tc>
+                <a:tc>
+                  <a:txBody>
+                    <a:bodyPr/>
+                    <a:lstStyle/>
+                    <a:p>
+                      <a:endParaRPr lang="en-US" dirty="0"/>
+                    </a:p>
+                  </a:txBody>
+                  <a:tcPr/>
+                </a:tc>
+                <a:extLst>
+                  <a:ext uri="{0D108BD9-81ED-4DB2-BD59-A6C34878D82A}">
+                    <a16:rowId xmlns:a16="http://schemas.microsoft.com/office/drawing/2014/main" val="468992382"/>
+                  </a:ext>
+                </a:extLst>
+              </a:tr>
+            </a:tbl>
+          </a:graphicData>
+        </a:graphic>
+      </p:graphicFrame>
+      <p:sp>
+        <p:nvSpPr>
+          <p:cNvPr id="7" name="TextBox 6">
+            <a:extLst>
+              <a:ext uri="{FF2B5EF4-FFF2-40B4-BE49-F238E27FC236}">
+                <a16:creationId xmlns:a16="http://schemas.microsoft.com/office/drawing/2014/main" id="{4CE8C1D8-B9C0-6541-A62F-A690C6B7541F}"/>
+              </a:ext>
+            </a:extLst>
+          </p:cNvPr>
+          <p:cNvSpPr txBox="1"/>
+          <p:nvPr/>
+        </p:nvSpPr>
+        <p:spPr>
+          <a:xfrm>
+            <a:off x="731522" y="3213463"/>
+            <a:ext cx="1820089" cy="369332"/>
+          </a:xfrm>
+          <a:prstGeom prst="rect">
+            <a:avLst/>
+          </a:prstGeom>
+          <a:noFill/>
+        </p:spPr>
+        <p:txBody>
+          <a:bodyPr wrap="square" rtlCol="0">
+            <a:spAutoFit/>
+          </a:bodyPr>
+          <a:lstStyle/>
+          <a:p>
+            <a:r>
+              <a:rPr lang="en-US" dirty="0"/>
+              <a:t>Category=“IT”</a:t>
+            </a:r>
+          </a:p>
+        </p:txBody>
+      </p:sp>
+      <p:graphicFrame>
+        <p:nvGraphicFramePr>
+          <p:cNvPr id="8" name="Table 6">
+            <a:extLst>
+              <a:ext uri="{FF2B5EF4-FFF2-40B4-BE49-F238E27FC236}">
+                <a16:creationId xmlns:a16="http://schemas.microsoft.com/office/drawing/2014/main" id="{623EFE56-B675-E346-8394-296DB272F26E}"/>
+              </a:ext>
+            </a:extLst>
+          </p:cNvPr>
+          <p:cNvGraphicFramePr>
+            <a:graphicFrameLocks noGrp="1"/>
+          </p:cNvGraphicFramePr>
+          <p:nvPr>
+            <p:extLst>
+              <p:ext uri="{D42A27DB-BD31-4B8C-83A1-F6EECF244321}">
+                <p14:modId xmlns:p14="http://schemas.microsoft.com/office/powerpoint/2010/main" val="3884488955"/>
+              </p:ext>
+            </p:extLst>
+          </p:nvPr>
+        </p:nvGraphicFramePr>
+        <p:xfrm>
+          <a:off x="4275911" y="3764670"/>
+          <a:ext cx="1872340" cy="820784"/>
+        </p:xfrm>
+        <a:graphic>
+          <a:graphicData uri="http://schemas.openxmlformats.org/drawingml/2006/table">
+            <a:tbl>
+              <a:tblPr firstRow="1" bandRow="1">
+                <a:tableStyleId>{5C22544A-7EE6-4342-B048-85BDC9FD1C3A}</a:tableStyleId>
+              </a:tblPr>
+              <a:tblGrid>
+                <a:gridCol w="374468">
+                  <a:extLst>
+                    <a:ext uri="{9D8B030D-6E8A-4147-A177-3AD203B41FA5}">
+                      <a16:colId xmlns:a16="http://schemas.microsoft.com/office/drawing/2014/main" val="1130480605"/>
+                    </a:ext>
+                  </a:extLst>
+                </a:gridCol>
+                <a:gridCol w="374468">
+                  <a:extLst>
+                    <a:ext uri="{9D8B030D-6E8A-4147-A177-3AD203B41FA5}">
+                      <a16:colId xmlns:a16="http://schemas.microsoft.com/office/drawing/2014/main" val="3805069809"/>
+                    </a:ext>
+                  </a:extLst>
+                </a:gridCol>
+                <a:gridCol w="374468">
+                  <a:extLst>
+                    <a:ext uri="{9D8B030D-6E8A-4147-A177-3AD203B41FA5}">
+                      <a16:colId xmlns:a16="http://schemas.microsoft.com/office/drawing/2014/main" val="3235010706"/>
+                    </a:ext>
+                  </a:extLst>
+                </a:gridCol>
+                <a:gridCol w="374468">
+                  <a:extLst>
+                    <a:ext uri="{9D8B030D-6E8A-4147-A177-3AD203B41FA5}">
+                      <a16:colId xmlns:a16="http://schemas.microsoft.com/office/drawing/2014/main" val="2192361382"/>
+                    </a:ext>
+                  </a:extLst>
+                </a:gridCol>
+                <a:gridCol w="374468">
+                  <a:extLst>
+                    <a:ext uri="{9D8B030D-6E8A-4147-A177-3AD203B41FA5}">
+                      <a16:colId xmlns:a16="http://schemas.microsoft.com/office/drawing/2014/main" val="2449898795"/>
+                    </a:ext>
+                  </a:extLst>
+                </a:gridCol>
+              </a:tblGrid>
+              <a:tr h="410392">
+                <a:tc>
+                  <a:txBody>
+                    <a:bodyPr/>
+                    <a:lstStyle/>
+                    <a:p>
+                      <a:endParaRPr lang="en-US"/>
+                    </a:p>
+                  </a:txBody>
+                  <a:tcPr/>
+                </a:tc>
+                <a:tc>
+                  <a:txBody>
+                    <a:bodyPr/>
+                    <a:lstStyle/>
+                    <a:p>
+                      <a:endParaRPr lang="en-US"/>
+                    </a:p>
+                  </a:txBody>
+                  <a:tcPr/>
+                </a:tc>
+                <a:tc>
+                  <a:txBody>
+                    <a:bodyPr/>
+                    <a:lstStyle/>
+                    <a:p>
+                      <a:endParaRPr lang="en-US"/>
+                    </a:p>
+                  </a:txBody>
+                  <a:tcPr/>
+                </a:tc>
+                <a:tc>
+                  <a:txBody>
+                    <a:bodyPr/>
+                    <a:lstStyle/>
+                    <a:p>
+                      <a:endParaRPr lang="en-US"/>
+                    </a:p>
+                  </a:txBody>
+                  <a:tcPr/>
+                </a:tc>
+                <a:tc>
+                  <a:txBody>
+                    <a:bodyPr/>
+                    <a:lstStyle/>
+                    <a:p>
+                      <a:endParaRPr lang="en-US" dirty="0"/>
+                    </a:p>
+                  </a:txBody>
+                  <a:tcPr/>
+                </a:tc>
+                <a:extLst>
+                  <a:ext uri="{0D108BD9-81ED-4DB2-BD59-A6C34878D82A}">
+                    <a16:rowId xmlns:a16="http://schemas.microsoft.com/office/drawing/2014/main" val="1856404129"/>
+                  </a:ext>
+                </a:extLst>
+              </a:tr>
+              <a:tr h="410392">
+                <a:tc>
+                  <a:txBody>
+                    <a:bodyPr/>
+                    <a:lstStyle/>
+                    <a:p>
+                      <a:endParaRPr lang="en-US"/>
+                    </a:p>
+                  </a:txBody>
+                  <a:tcPr/>
+                </a:tc>
+                <a:tc>
+                  <a:txBody>
+                    <a:bodyPr/>
+                    <a:lstStyle/>
+                    <a:p>
+                      <a:endParaRPr lang="en-US"/>
+                    </a:p>
+                  </a:txBody>
+                  <a:tcPr/>
+                </a:tc>
+                <a:tc>
+                  <a:txBody>
+                    <a:bodyPr/>
+                    <a:lstStyle/>
+                    <a:p>
+                      <a:endParaRPr lang="en-US"/>
+                    </a:p>
+                  </a:txBody>
+                  <a:tcPr/>
+                </a:tc>
+                <a:tc>
+                  <a:txBody>
+                    <a:bodyPr/>
+                    <a:lstStyle/>
+                    <a:p>
+                      <a:endParaRPr lang="en-US"/>
+                    </a:p>
+                  </a:txBody>
+                  <a:tcPr/>
+                </a:tc>
+                <a:tc>
+                  <a:txBody>
+                    <a:bodyPr/>
+                    <a:lstStyle/>
+                    <a:p>
+                      <a:endParaRPr lang="en-US" dirty="0"/>
+                    </a:p>
+                  </a:txBody>
+                  <a:tcPr/>
+                </a:tc>
+                <a:extLst>
+                  <a:ext uri="{0D108BD9-81ED-4DB2-BD59-A6C34878D82A}">
+                    <a16:rowId xmlns:a16="http://schemas.microsoft.com/office/drawing/2014/main" val="468992382"/>
+                  </a:ext>
+                </a:extLst>
+              </a:tr>
+            </a:tbl>
+          </a:graphicData>
+        </a:graphic>
+      </p:graphicFrame>
+      <p:sp>
+        <p:nvSpPr>
+          <p:cNvPr id="9" name="TextBox 8">
+            <a:extLst>
+              <a:ext uri="{FF2B5EF4-FFF2-40B4-BE49-F238E27FC236}">
+                <a16:creationId xmlns:a16="http://schemas.microsoft.com/office/drawing/2014/main" id="{F7D63F8B-E6E4-B640-ADCD-B1033A8F9128}"/>
+              </a:ext>
+            </a:extLst>
+          </p:cNvPr>
+          <p:cNvSpPr txBox="1"/>
+          <p:nvPr/>
+        </p:nvSpPr>
+        <p:spPr>
+          <a:xfrm>
+            <a:off x="4275911" y="3244334"/>
+            <a:ext cx="1820089" cy="369332"/>
+          </a:xfrm>
+          <a:prstGeom prst="rect">
+            <a:avLst/>
+          </a:prstGeom>
+          <a:noFill/>
+        </p:spPr>
+        <p:txBody>
+          <a:bodyPr wrap="square" rtlCol="0">
+            <a:spAutoFit/>
+          </a:bodyPr>
+          <a:lstStyle/>
+          <a:p>
+            <a:r>
+              <a:rPr lang="en-US" dirty="0"/>
+              <a:t>Category=“HOM”</a:t>
+            </a:r>
+          </a:p>
+        </p:txBody>
+      </p:sp>
+      <p:graphicFrame>
+        <p:nvGraphicFramePr>
+          <p:cNvPr id="10" name="Table 6">
+            <a:extLst>
+              <a:ext uri="{FF2B5EF4-FFF2-40B4-BE49-F238E27FC236}">
+                <a16:creationId xmlns:a16="http://schemas.microsoft.com/office/drawing/2014/main" id="{0FBAB1E1-D7D6-EC47-807A-DD0A36F2156B}"/>
+              </a:ext>
+            </a:extLst>
+          </p:cNvPr>
+          <p:cNvGraphicFramePr>
+            <a:graphicFrameLocks noGrp="1"/>
+          </p:cNvGraphicFramePr>
+          <p:nvPr>
+            <p:extLst>
+              <p:ext uri="{D42A27DB-BD31-4B8C-83A1-F6EECF244321}">
+                <p14:modId xmlns:p14="http://schemas.microsoft.com/office/powerpoint/2010/main" val="2563129674"/>
+              </p:ext>
+            </p:extLst>
+          </p:nvPr>
+        </p:nvGraphicFramePr>
+        <p:xfrm>
+          <a:off x="8704220" y="3815136"/>
+          <a:ext cx="1872340" cy="820784"/>
+        </p:xfrm>
+        <a:graphic>
+          <a:graphicData uri="http://schemas.openxmlformats.org/drawingml/2006/table">
+            <a:tbl>
+              <a:tblPr firstRow="1" bandRow="1">
+                <a:tableStyleId>{5C22544A-7EE6-4342-B048-85BDC9FD1C3A}</a:tableStyleId>
+              </a:tblPr>
+              <a:tblGrid>
+                <a:gridCol w="374468">
+                  <a:extLst>
+                    <a:ext uri="{9D8B030D-6E8A-4147-A177-3AD203B41FA5}">
+                      <a16:colId xmlns:a16="http://schemas.microsoft.com/office/drawing/2014/main" val="1130480605"/>
+                    </a:ext>
+                  </a:extLst>
+                </a:gridCol>
+                <a:gridCol w="374468">
+                  <a:extLst>
+                    <a:ext uri="{9D8B030D-6E8A-4147-A177-3AD203B41FA5}">
+                      <a16:colId xmlns:a16="http://schemas.microsoft.com/office/drawing/2014/main" val="3805069809"/>
+                    </a:ext>
+                  </a:extLst>
+                </a:gridCol>
+                <a:gridCol w="374468">
+                  <a:extLst>
+                    <a:ext uri="{9D8B030D-6E8A-4147-A177-3AD203B41FA5}">
+                      <a16:colId xmlns:a16="http://schemas.microsoft.com/office/drawing/2014/main" val="3235010706"/>
+                    </a:ext>
+                  </a:extLst>
+                </a:gridCol>
+                <a:gridCol w="374468">
+                  <a:extLst>
+                    <a:ext uri="{9D8B030D-6E8A-4147-A177-3AD203B41FA5}">
+                      <a16:colId xmlns:a16="http://schemas.microsoft.com/office/drawing/2014/main" val="2192361382"/>
+                    </a:ext>
+                  </a:extLst>
+                </a:gridCol>
+                <a:gridCol w="374468">
+                  <a:extLst>
+                    <a:ext uri="{9D8B030D-6E8A-4147-A177-3AD203B41FA5}">
+                      <a16:colId xmlns:a16="http://schemas.microsoft.com/office/drawing/2014/main" val="2449898795"/>
+                    </a:ext>
+                  </a:extLst>
+                </a:gridCol>
+              </a:tblGrid>
+              <a:tr h="410392">
+                <a:tc>
+                  <a:txBody>
+                    <a:bodyPr/>
+                    <a:lstStyle/>
+                    <a:p>
+                      <a:endParaRPr lang="en-US"/>
+                    </a:p>
+                  </a:txBody>
+                  <a:tcPr/>
+                </a:tc>
+                <a:tc>
+                  <a:txBody>
+                    <a:bodyPr/>
+                    <a:lstStyle/>
+                    <a:p>
+                      <a:endParaRPr lang="en-US"/>
+                    </a:p>
+                  </a:txBody>
+                  <a:tcPr/>
+                </a:tc>
+                <a:tc>
+                  <a:txBody>
+                    <a:bodyPr/>
+                    <a:lstStyle/>
+                    <a:p>
+                      <a:endParaRPr lang="en-US" dirty="0"/>
+                    </a:p>
+                  </a:txBody>
+                  <a:tcPr/>
+                </a:tc>
+                <a:tc>
+                  <a:txBody>
+                    <a:bodyPr/>
+                    <a:lstStyle/>
+                    <a:p>
+                      <a:endParaRPr lang="en-US"/>
+                    </a:p>
+                  </a:txBody>
+                  <a:tcPr/>
+                </a:tc>
+                <a:tc>
+                  <a:txBody>
+                    <a:bodyPr/>
+                    <a:lstStyle/>
+                    <a:p>
+                      <a:endParaRPr lang="en-US" dirty="0"/>
+                    </a:p>
+                  </a:txBody>
+                  <a:tcPr/>
+                </a:tc>
+                <a:extLst>
+                  <a:ext uri="{0D108BD9-81ED-4DB2-BD59-A6C34878D82A}">
+                    <a16:rowId xmlns:a16="http://schemas.microsoft.com/office/drawing/2014/main" val="1856404129"/>
+                  </a:ext>
+                </a:extLst>
+              </a:tr>
+              <a:tr h="410392">
+                <a:tc>
+                  <a:txBody>
+                    <a:bodyPr/>
+                    <a:lstStyle/>
+                    <a:p>
+                      <a:endParaRPr lang="en-US"/>
+                    </a:p>
+                  </a:txBody>
+                  <a:tcPr/>
+                </a:tc>
+                <a:tc>
+                  <a:txBody>
+                    <a:bodyPr/>
+                    <a:lstStyle/>
+                    <a:p>
+                      <a:endParaRPr lang="en-US"/>
+                    </a:p>
+                  </a:txBody>
+                  <a:tcPr/>
+                </a:tc>
+                <a:tc>
+                  <a:txBody>
+                    <a:bodyPr/>
+                    <a:lstStyle/>
+                    <a:p>
+                      <a:endParaRPr lang="en-US"/>
+                    </a:p>
+                  </a:txBody>
+                  <a:tcPr/>
+                </a:tc>
+                <a:tc>
+                  <a:txBody>
+                    <a:bodyPr/>
+                    <a:lstStyle/>
+                    <a:p>
+                      <a:endParaRPr lang="en-US"/>
+                    </a:p>
+                  </a:txBody>
+                  <a:tcPr/>
+                </a:tc>
+                <a:tc>
+                  <a:txBody>
+                    <a:bodyPr/>
+                    <a:lstStyle/>
+                    <a:p>
+                      <a:endParaRPr lang="en-US" dirty="0"/>
+                    </a:p>
+                  </a:txBody>
+                  <a:tcPr/>
+                </a:tc>
+                <a:extLst>
+                  <a:ext uri="{0D108BD9-81ED-4DB2-BD59-A6C34878D82A}">
+                    <a16:rowId xmlns:a16="http://schemas.microsoft.com/office/drawing/2014/main" val="468992382"/>
+                  </a:ext>
+                </a:extLst>
+              </a:tr>
+            </a:tbl>
+          </a:graphicData>
+        </a:graphic>
+      </p:graphicFrame>
+      <p:sp>
+        <p:nvSpPr>
+          <p:cNvPr id="11" name="TextBox 10">
+            <a:extLst>
+              <a:ext uri="{FF2B5EF4-FFF2-40B4-BE49-F238E27FC236}">
+                <a16:creationId xmlns:a16="http://schemas.microsoft.com/office/drawing/2014/main" id="{CDCE21FB-74EE-1743-B129-1CA5CA474AED}"/>
+              </a:ext>
+            </a:extLst>
+          </p:cNvPr>
+          <p:cNvSpPr txBox="1"/>
+          <p:nvPr/>
+        </p:nvSpPr>
+        <p:spPr>
+          <a:xfrm>
+            <a:off x="8704220" y="3294800"/>
+            <a:ext cx="1820089" cy="369332"/>
+          </a:xfrm>
+          <a:prstGeom prst="rect">
+            <a:avLst/>
+          </a:prstGeom>
+          <a:noFill/>
+        </p:spPr>
+        <p:txBody>
+          <a:bodyPr wrap="square" rtlCol="0">
+            <a:spAutoFit/>
+          </a:bodyPr>
+          <a:lstStyle/>
+          <a:p>
+            <a:r>
+              <a:rPr lang="en-US" dirty="0"/>
+              <a:t>Category=“FOD”</a:t>
+            </a:r>
+          </a:p>
+        </p:txBody>
+      </p:sp>
+      <p:sp>
+        <p:nvSpPr>
+          <p:cNvPr id="12" name="TextBox 11">
+            <a:extLst>
+              <a:ext uri="{FF2B5EF4-FFF2-40B4-BE49-F238E27FC236}">
+                <a16:creationId xmlns:a16="http://schemas.microsoft.com/office/drawing/2014/main" id="{3B7AE48D-91A6-724F-B808-8F5BC275F8A5}"/>
+              </a:ext>
+            </a:extLst>
+          </p:cNvPr>
+          <p:cNvSpPr txBox="1"/>
+          <p:nvPr/>
+        </p:nvSpPr>
+        <p:spPr>
+          <a:xfrm>
+            <a:off x="287384" y="5164183"/>
+            <a:ext cx="4371702" cy="369332"/>
+          </a:xfrm>
+          <a:prstGeom prst="rect">
+            <a:avLst/>
+          </a:prstGeom>
+          <a:noFill/>
+        </p:spPr>
+        <p:txBody>
+          <a:bodyPr wrap="square" rtlCol="0">
+            <a:spAutoFit/>
+          </a:bodyPr>
+          <a:lstStyle/>
+          <a:p>
+            <a:r>
+              <a:rPr lang="en-US" dirty="0"/>
+              <a:t>Insert Document for Category=IT</a:t>
+            </a:r>
+          </a:p>
+        </p:txBody>
+      </p:sp>
+      <p:cxnSp>
+        <p:nvCxnSpPr>
+          <p:cNvPr id="14" name="Straight Arrow Connector 13">
+            <a:extLst>
+              <a:ext uri="{FF2B5EF4-FFF2-40B4-BE49-F238E27FC236}">
+                <a16:creationId xmlns:a16="http://schemas.microsoft.com/office/drawing/2014/main" id="{F0E823EC-6862-F341-8BB9-B6268BA5E501}"/>
+              </a:ext>
+            </a:extLst>
+          </p:cNvPr>
+          <p:cNvCxnSpPr>
+            <a:stCxn id="12" idx="0"/>
+            <a:endCxn id="6" idx="2"/>
+          </p:cNvCxnSpPr>
+          <p:nvPr/>
+        </p:nvCxnSpPr>
+        <p:spPr>
+          <a:xfrm flipH="1" flipV="1">
+            <a:off x="1667692" y="4554583"/>
+            <a:ext cx="805543" cy="609600"/>
+          </a:xfrm>
+          <a:prstGeom prst="straightConnector1">
+            <a:avLst/>
+          </a:prstGeom>
+          <a:ln>
+            <a:tailEnd type="triangle"/>
+          </a:ln>
+        </p:spPr>
+        <p:style>
+          <a:lnRef idx="1">
+            <a:schemeClr val="accent1"/>
+          </a:lnRef>
+          <a:fillRef idx="0">
+            <a:schemeClr val="accent1"/>
+          </a:fillRef>
+          <a:effectRef idx="0">
+            <a:schemeClr val="accent1"/>
+          </a:effectRef>
+          <a:fontRef idx="minor">
+            <a:schemeClr val="tx1"/>
+          </a:fontRef>
+        </p:style>
+      </p:cxnSp>
+      <p:sp>
+        <p:nvSpPr>
+          <p:cNvPr id="15" name="TextBox 14">
+            <a:extLst>
+              <a:ext uri="{FF2B5EF4-FFF2-40B4-BE49-F238E27FC236}">
+                <a16:creationId xmlns:a16="http://schemas.microsoft.com/office/drawing/2014/main" id="{284B0B58-EFAB-D84D-8441-6F02A477C188}"/>
+              </a:ext>
+            </a:extLst>
+          </p:cNvPr>
+          <p:cNvSpPr txBox="1"/>
+          <p:nvPr/>
+        </p:nvSpPr>
+        <p:spPr>
+          <a:xfrm>
+            <a:off x="4598126" y="5460274"/>
+            <a:ext cx="4180114" cy="369332"/>
+          </a:xfrm>
+          <a:prstGeom prst="rect">
+            <a:avLst/>
+          </a:prstGeom>
+          <a:noFill/>
+        </p:spPr>
+        <p:txBody>
+          <a:bodyPr wrap="square" rtlCol="0">
+            <a:spAutoFit/>
+          </a:bodyPr>
+          <a:lstStyle/>
+          <a:p>
+            <a:r>
+              <a:rPr lang="en-US" dirty="0"/>
+              <a:t>Select all Products for Category=HOM</a:t>
+            </a:r>
+          </a:p>
+        </p:txBody>
+      </p:sp>
+      <p:cxnSp>
+        <p:nvCxnSpPr>
+          <p:cNvPr id="17" name="Straight Arrow Connector 16">
+            <a:extLst>
+              <a:ext uri="{FF2B5EF4-FFF2-40B4-BE49-F238E27FC236}">
+                <a16:creationId xmlns:a16="http://schemas.microsoft.com/office/drawing/2014/main" id="{72D1DD9A-ED32-EA41-BAC0-7BE5BCEB3B2B}"/>
+              </a:ext>
+            </a:extLst>
+          </p:cNvPr>
+          <p:cNvCxnSpPr>
+            <a:stCxn id="15" idx="0"/>
+            <a:endCxn id="8" idx="2"/>
+          </p:cNvCxnSpPr>
+          <p:nvPr/>
+        </p:nvCxnSpPr>
+        <p:spPr>
+          <a:xfrm flipH="1" flipV="1">
+            <a:off x="5212081" y="4585454"/>
+            <a:ext cx="1476102" cy="874820"/>
+          </a:xfrm>
+          <a:prstGeom prst="straightConnector1">
+            <a:avLst/>
+          </a:prstGeom>
+          <a:ln>
+            <a:tailEnd type="triangle"/>
+          </a:ln>
+        </p:spPr>
+        <p:style>
+          <a:lnRef idx="1">
+            <a:schemeClr val="accent1"/>
+          </a:lnRef>
+          <a:fillRef idx="0">
+            <a:schemeClr val="accent1"/>
+          </a:fillRef>
+          <a:effectRef idx="0">
+            <a:schemeClr val="accent1"/>
+          </a:effectRef>
+          <a:fontRef idx="minor">
+            <a:schemeClr val="tx1"/>
+          </a:fontRef>
+        </p:style>
+      </p:cxnSp>
+    </p:spTree>
+    <p:extLst>
+      <p:ext uri="{BB962C8B-B14F-4D97-AF65-F5344CB8AC3E}">
+        <p14:creationId xmlns:p14="http://schemas.microsoft.com/office/powerpoint/2010/main" val="3495699966"/>
       </p:ext>
     </p:extLst>
   </p:cSld>

--- a/SpotPPTs.pptx
+++ b/SpotPPTs.pptx
@@ -67,6 +67,11 @@
     <p:sldId id="310" r:id="rId61"/>
     <p:sldId id="316" r:id="rId62"/>
     <p:sldId id="317" r:id="rId63"/>
+    <p:sldId id="318" r:id="rId64"/>
+    <p:sldId id="319" r:id="rId65"/>
+    <p:sldId id="320" r:id="rId66"/>
+    <p:sldId id="321" r:id="rId67"/>
+    <p:sldId id="322" r:id="rId68"/>
   </p:sldIdLst>
   <p:sldSz cx="12192000" cy="6858000"/>
   <p:notesSz cx="6858000" cy="9144000"/>
@@ -322,7 +327,7 @@
           <a:p>
             <a:fld id="{6B75415C-91ED-7941-9068-396BBFB028E8}" type="datetimeFigureOut">
               <a:rPr lang="en-US" smtClean="0"/>
-              <a:t>5/13/21</a:t>
+              <a:t>5/14/21</a:t>
             </a:fld>
             <a:endParaRPr lang="en-US"/>
           </a:p>
@@ -522,7 +527,7 @@
           <a:p>
             <a:fld id="{6B75415C-91ED-7941-9068-396BBFB028E8}" type="datetimeFigureOut">
               <a:rPr lang="en-US" smtClean="0"/>
-              <a:t>5/13/21</a:t>
+              <a:t>5/14/21</a:t>
             </a:fld>
             <a:endParaRPr lang="en-US"/>
           </a:p>
@@ -732,7 +737,7 @@
           <a:p>
             <a:fld id="{6B75415C-91ED-7941-9068-396BBFB028E8}" type="datetimeFigureOut">
               <a:rPr lang="en-US" smtClean="0"/>
-              <a:t>5/13/21</a:t>
+              <a:t>5/14/21</a:t>
             </a:fld>
             <a:endParaRPr lang="en-US"/>
           </a:p>
@@ -932,7 +937,7 @@
           <a:p>
             <a:fld id="{6B75415C-91ED-7941-9068-396BBFB028E8}" type="datetimeFigureOut">
               <a:rPr lang="en-US" smtClean="0"/>
-              <a:t>5/13/21</a:t>
+              <a:t>5/14/21</a:t>
             </a:fld>
             <a:endParaRPr lang="en-US"/>
           </a:p>
@@ -1208,7 +1213,7 @@
           <a:p>
             <a:fld id="{6B75415C-91ED-7941-9068-396BBFB028E8}" type="datetimeFigureOut">
               <a:rPr lang="en-US" smtClean="0"/>
-              <a:t>5/13/21</a:t>
+              <a:t>5/14/21</a:t>
             </a:fld>
             <a:endParaRPr lang="en-US"/>
           </a:p>
@@ -1476,7 +1481,7 @@
           <a:p>
             <a:fld id="{6B75415C-91ED-7941-9068-396BBFB028E8}" type="datetimeFigureOut">
               <a:rPr lang="en-US" smtClean="0"/>
-              <a:t>5/13/21</a:t>
+              <a:t>5/14/21</a:t>
             </a:fld>
             <a:endParaRPr lang="en-US"/>
           </a:p>
@@ -1891,7 +1896,7 @@
           <a:p>
             <a:fld id="{6B75415C-91ED-7941-9068-396BBFB028E8}" type="datetimeFigureOut">
               <a:rPr lang="en-US" smtClean="0"/>
-              <a:t>5/13/21</a:t>
+              <a:t>5/14/21</a:t>
             </a:fld>
             <a:endParaRPr lang="en-US"/>
           </a:p>
@@ -2033,7 +2038,7 @@
           <a:p>
             <a:fld id="{6B75415C-91ED-7941-9068-396BBFB028E8}" type="datetimeFigureOut">
               <a:rPr lang="en-US" smtClean="0"/>
-              <a:t>5/13/21</a:t>
+              <a:t>5/14/21</a:t>
             </a:fld>
             <a:endParaRPr lang="en-US"/>
           </a:p>
@@ -2146,7 +2151,7 @@
           <a:p>
             <a:fld id="{6B75415C-91ED-7941-9068-396BBFB028E8}" type="datetimeFigureOut">
               <a:rPr lang="en-US" smtClean="0"/>
-              <a:t>5/13/21</a:t>
+              <a:t>5/14/21</a:t>
             </a:fld>
             <a:endParaRPr lang="en-US"/>
           </a:p>
@@ -2459,7 +2464,7 @@
           <a:p>
             <a:fld id="{6B75415C-91ED-7941-9068-396BBFB028E8}" type="datetimeFigureOut">
               <a:rPr lang="en-US" smtClean="0"/>
-              <a:t>5/13/21</a:t>
+              <a:t>5/14/21</a:t>
             </a:fld>
             <a:endParaRPr lang="en-US"/>
           </a:p>
@@ -2748,7 +2753,7 @@
           <a:p>
             <a:fld id="{6B75415C-91ED-7941-9068-396BBFB028E8}" type="datetimeFigureOut">
               <a:rPr lang="en-US" smtClean="0"/>
-              <a:t>5/13/21</a:t>
+              <a:t>5/14/21</a:t>
             </a:fld>
             <a:endParaRPr lang="en-US"/>
           </a:p>
@@ -2991,7 +2996,7 @@
           <a:p>
             <a:fld id="{6B75415C-91ED-7941-9068-396BBFB028E8}" type="datetimeFigureOut">
               <a:rPr lang="en-US" smtClean="0"/>
-              <a:t>5/13/21</a:t>
+              <a:t>5/14/21</a:t>
             </a:fld>
             <a:endParaRPr lang="en-US"/>
           </a:p>
@@ -49386,6 +49391,7669 @@
 </p:sld>
 </file>
 
+<file path=ppt/slides/slide63.xml><?xml version="1.0" encoding="utf-8"?>
+<p:sld xmlns:a="http://schemas.openxmlformats.org/drawingml/2006/main" xmlns:r="http://schemas.openxmlformats.org/officeDocument/2006/relationships" xmlns:p="http://schemas.openxmlformats.org/presentationml/2006/main">
+  <p:cSld>
+    <p:spTree>
+      <p:nvGrpSpPr>
+        <p:cNvPr id="1" name=""/>
+        <p:cNvGrpSpPr/>
+        <p:nvPr/>
+      </p:nvGrpSpPr>
+      <p:grpSpPr>
+        <a:xfrm>
+          <a:off x="0" y="0"/>
+          <a:ext cx="0" cy="0"/>
+          <a:chOff x="0" y="0"/>
+          <a:chExt cx="0" cy="0"/>
+        </a:xfrm>
+      </p:grpSpPr>
+      <p:sp>
+        <p:nvSpPr>
+          <p:cNvPr id="2" name="TextBox 1">
+            <a:extLst>
+              <a:ext uri="{FF2B5EF4-FFF2-40B4-BE49-F238E27FC236}">
+                <a16:creationId xmlns:a16="http://schemas.microsoft.com/office/drawing/2014/main" id="{734E236E-C558-1548-8A31-2657FAF54E24}"/>
+              </a:ext>
+            </a:extLst>
+          </p:cNvPr>
+          <p:cNvSpPr txBox="1"/>
+          <p:nvPr/>
+        </p:nvSpPr>
+        <p:spPr>
+          <a:xfrm>
+            <a:off x="3500846" y="200297"/>
+            <a:ext cx="5085805" cy="369332"/>
+          </a:xfrm>
+          <a:prstGeom prst="rect">
+            <a:avLst/>
+          </a:prstGeom>
+          <a:noFill/>
+        </p:spPr>
+        <p:txBody>
+          <a:bodyPr wrap="square" rtlCol="0">
+            <a:spAutoFit/>
+          </a:bodyPr>
+          <a:lstStyle/>
+          <a:p>
+            <a:pPr algn="ctr"/>
+            <a:r>
+              <a:rPr lang="en-US" dirty="0"/>
+              <a:t>Deployment Patterns of React</a:t>
+            </a:r>
+          </a:p>
+        </p:txBody>
+      </p:sp>
+      <p:sp>
+        <p:nvSpPr>
+          <p:cNvPr id="3" name="Rectangle 2">
+            <a:extLst>
+              <a:ext uri="{FF2B5EF4-FFF2-40B4-BE49-F238E27FC236}">
+                <a16:creationId xmlns:a16="http://schemas.microsoft.com/office/drawing/2014/main" id="{DD82B861-AC7A-DC4E-AC61-F8BEFE3E7142}"/>
+              </a:ext>
+            </a:extLst>
+          </p:cNvPr>
+          <p:cNvSpPr/>
+          <p:nvPr/>
+        </p:nvSpPr>
+        <p:spPr>
+          <a:xfrm>
+            <a:off x="2778034" y="1001486"/>
+            <a:ext cx="6139543" cy="4850674"/>
+          </a:xfrm>
+          <a:prstGeom prst="rect">
+            <a:avLst/>
+          </a:prstGeom>
+        </p:spPr>
+        <p:style>
+          <a:lnRef idx="2">
+            <a:schemeClr val="accent6"/>
+          </a:lnRef>
+          <a:fillRef idx="1">
+            <a:schemeClr val="lt1"/>
+          </a:fillRef>
+          <a:effectRef idx="0">
+            <a:schemeClr val="accent6"/>
+          </a:effectRef>
+          <a:fontRef idx="minor">
+            <a:schemeClr val="dk1"/>
+          </a:fontRef>
+        </p:style>
+        <p:txBody>
+          <a:bodyPr rtlCol="0" anchor="ctr"/>
+          <a:lstStyle/>
+          <a:p>
+            <a:pPr algn="ctr"/>
+            <a:endParaRPr lang="en-US"/>
+          </a:p>
+        </p:txBody>
+      </p:sp>
+      <p:sp>
+        <p:nvSpPr>
+          <p:cNvPr id="4" name="TextBox 3">
+            <a:extLst>
+              <a:ext uri="{FF2B5EF4-FFF2-40B4-BE49-F238E27FC236}">
+                <a16:creationId xmlns:a16="http://schemas.microsoft.com/office/drawing/2014/main" id="{0FDA8B86-5E7D-E442-9DF5-276BBC14E58E}"/>
+              </a:ext>
+            </a:extLst>
+          </p:cNvPr>
+          <p:cNvSpPr txBox="1"/>
+          <p:nvPr/>
+        </p:nvSpPr>
+        <p:spPr>
+          <a:xfrm>
+            <a:off x="3413760" y="1105989"/>
+            <a:ext cx="4902926" cy="369332"/>
+          </a:xfrm>
+          <a:prstGeom prst="rect">
+            <a:avLst/>
+          </a:prstGeom>
+          <a:noFill/>
+        </p:spPr>
+        <p:txBody>
+          <a:bodyPr wrap="square" rtlCol="0">
+            <a:spAutoFit/>
+          </a:bodyPr>
+          <a:lstStyle/>
+          <a:p>
+            <a:pPr algn="ctr"/>
+            <a:r>
+              <a:rPr lang="en-US" dirty="0"/>
+              <a:t>Server Hosted App</a:t>
+            </a:r>
+          </a:p>
+        </p:txBody>
+      </p:sp>
+      <p:sp>
+        <p:nvSpPr>
+          <p:cNvPr id="5" name="Rectangle 4">
+            <a:extLst>
+              <a:ext uri="{FF2B5EF4-FFF2-40B4-BE49-F238E27FC236}">
+                <a16:creationId xmlns:a16="http://schemas.microsoft.com/office/drawing/2014/main" id="{9B32522C-3619-A44B-B381-78898AB3E4DB}"/>
+              </a:ext>
+            </a:extLst>
+          </p:cNvPr>
+          <p:cNvSpPr/>
+          <p:nvPr/>
+        </p:nvSpPr>
+        <p:spPr>
+          <a:xfrm>
+            <a:off x="2778034" y="4772297"/>
+            <a:ext cx="6139543" cy="714103"/>
+          </a:xfrm>
+          <a:prstGeom prst="rect">
+            <a:avLst/>
+          </a:prstGeom>
+        </p:spPr>
+        <p:style>
+          <a:lnRef idx="2">
+            <a:schemeClr val="accent1">
+              <a:shade val="50000"/>
+            </a:schemeClr>
+          </a:lnRef>
+          <a:fillRef idx="1">
+            <a:schemeClr val="accent1"/>
+          </a:fillRef>
+          <a:effectRef idx="0">
+            <a:schemeClr val="accent1"/>
+          </a:effectRef>
+          <a:fontRef idx="minor">
+            <a:schemeClr val="lt1"/>
+          </a:fontRef>
+        </p:style>
+        <p:txBody>
+          <a:bodyPr rtlCol="0" anchor="ctr"/>
+          <a:lstStyle/>
+          <a:p>
+            <a:pPr algn="ctr"/>
+            <a:r>
+              <a:rPr lang="en-US" dirty="0"/>
+              <a:t>Data Access</a:t>
+            </a:r>
+          </a:p>
+        </p:txBody>
+      </p:sp>
+      <p:sp>
+        <p:nvSpPr>
+          <p:cNvPr id="6" name="Rectangle 5">
+            <a:extLst>
+              <a:ext uri="{FF2B5EF4-FFF2-40B4-BE49-F238E27FC236}">
+                <a16:creationId xmlns:a16="http://schemas.microsoft.com/office/drawing/2014/main" id="{020B3406-0C33-D241-B04E-BCE116A23005}"/>
+              </a:ext>
+            </a:extLst>
+          </p:cNvPr>
+          <p:cNvSpPr/>
+          <p:nvPr/>
+        </p:nvSpPr>
+        <p:spPr>
+          <a:xfrm>
+            <a:off x="2778034" y="3983388"/>
+            <a:ext cx="6139543" cy="714103"/>
+          </a:xfrm>
+          <a:prstGeom prst="rect">
+            <a:avLst/>
+          </a:prstGeom>
+        </p:spPr>
+        <p:style>
+          <a:lnRef idx="2">
+            <a:schemeClr val="accent1">
+              <a:shade val="50000"/>
+            </a:schemeClr>
+          </a:lnRef>
+          <a:fillRef idx="1">
+            <a:schemeClr val="accent1"/>
+          </a:fillRef>
+          <a:effectRef idx="0">
+            <a:schemeClr val="accent1"/>
+          </a:effectRef>
+          <a:fontRef idx="minor">
+            <a:schemeClr val="lt1"/>
+          </a:fontRef>
+        </p:style>
+        <p:txBody>
+          <a:bodyPr rtlCol="0" anchor="ctr"/>
+          <a:lstStyle/>
+          <a:p>
+            <a:pPr algn="ctr"/>
+            <a:r>
+              <a:rPr lang="en-US" dirty="0"/>
+              <a:t>Business Logic</a:t>
+            </a:r>
+          </a:p>
+        </p:txBody>
+      </p:sp>
+      <p:sp>
+        <p:nvSpPr>
+          <p:cNvPr id="7" name="Rectangle 6">
+            <a:extLst>
+              <a:ext uri="{FF2B5EF4-FFF2-40B4-BE49-F238E27FC236}">
+                <a16:creationId xmlns:a16="http://schemas.microsoft.com/office/drawing/2014/main" id="{45A777F0-4030-0644-9BEF-2D98C3736FA8}"/>
+              </a:ext>
+            </a:extLst>
+          </p:cNvPr>
+          <p:cNvSpPr/>
+          <p:nvPr/>
+        </p:nvSpPr>
+        <p:spPr>
+          <a:xfrm>
+            <a:off x="2778034" y="3217035"/>
+            <a:ext cx="6139543" cy="714103"/>
+          </a:xfrm>
+          <a:prstGeom prst="rect">
+            <a:avLst/>
+          </a:prstGeom>
+        </p:spPr>
+        <p:style>
+          <a:lnRef idx="2">
+            <a:schemeClr val="accent1">
+              <a:shade val="50000"/>
+            </a:schemeClr>
+          </a:lnRef>
+          <a:fillRef idx="1">
+            <a:schemeClr val="accent1"/>
+          </a:fillRef>
+          <a:effectRef idx="0">
+            <a:schemeClr val="accent1"/>
+          </a:effectRef>
+          <a:fontRef idx="minor">
+            <a:schemeClr val="lt1"/>
+          </a:fontRef>
+        </p:style>
+        <p:txBody>
+          <a:bodyPr rtlCol="0" anchor="ctr"/>
+          <a:lstStyle/>
+          <a:p>
+            <a:pPr algn="ctr"/>
+            <a:r>
+              <a:rPr lang="en-US" dirty="0"/>
+              <a:t>Security</a:t>
+            </a:r>
+          </a:p>
+        </p:txBody>
+      </p:sp>
+      <p:sp>
+        <p:nvSpPr>
+          <p:cNvPr id="8" name="Rounded Rectangle 7">
+            <a:extLst>
+              <a:ext uri="{FF2B5EF4-FFF2-40B4-BE49-F238E27FC236}">
+                <a16:creationId xmlns:a16="http://schemas.microsoft.com/office/drawing/2014/main" id="{BC2A28C0-9B4C-7E4D-89EB-DBF400FAB7C1}"/>
+              </a:ext>
+            </a:extLst>
+          </p:cNvPr>
+          <p:cNvSpPr/>
+          <p:nvPr/>
+        </p:nvSpPr>
+        <p:spPr>
+          <a:xfrm>
+            <a:off x="3065417" y="1811383"/>
+            <a:ext cx="5521234" cy="1193074"/>
+          </a:xfrm>
+          <a:prstGeom prst="roundRect">
+            <a:avLst/>
+          </a:prstGeom>
+        </p:spPr>
+        <p:style>
+          <a:lnRef idx="2">
+            <a:schemeClr val="accent1">
+              <a:shade val="50000"/>
+            </a:schemeClr>
+          </a:lnRef>
+          <a:fillRef idx="1">
+            <a:schemeClr val="accent1"/>
+          </a:fillRef>
+          <a:effectRef idx="0">
+            <a:schemeClr val="accent1"/>
+          </a:effectRef>
+          <a:fontRef idx="minor">
+            <a:schemeClr val="lt1"/>
+          </a:fontRef>
+        </p:style>
+        <p:txBody>
+          <a:bodyPr rtlCol="0" anchor="ctr"/>
+          <a:lstStyle/>
+          <a:p>
+            <a:pPr algn="ctr"/>
+            <a:r>
+              <a:rPr lang="en-US" dirty="0"/>
+              <a:t>Build for Front-End Apps integrated with Server Hosted App e.g. </a:t>
+            </a:r>
+            <a:r>
+              <a:rPr lang="en-US" dirty="0" err="1"/>
+              <a:t>React.js</a:t>
+            </a:r>
+            <a:r>
+              <a:rPr lang="en-US" dirty="0"/>
+              <a:t> Apps</a:t>
+            </a:r>
+          </a:p>
+        </p:txBody>
+      </p:sp>
+      <p:sp>
+        <p:nvSpPr>
+          <p:cNvPr id="9" name="Right Brace 8">
+            <a:extLst>
+              <a:ext uri="{FF2B5EF4-FFF2-40B4-BE49-F238E27FC236}">
+                <a16:creationId xmlns:a16="http://schemas.microsoft.com/office/drawing/2014/main" id="{64843FAF-02B1-4B43-B451-5D06F09676E6}"/>
+              </a:ext>
+            </a:extLst>
+          </p:cNvPr>
+          <p:cNvSpPr/>
+          <p:nvPr/>
+        </p:nvSpPr>
+        <p:spPr>
+          <a:xfrm>
+            <a:off x="9074331" y="3217035"/>
+            <a:ext cx="592183" cy="2269365"/>
+          </a:xfrm>
+          <a:prstGeom prst="rightBrace">
+            <a:avLst/>
+          </a:prstGeom>
+        </p:spPr>
+        <p:style>
+          <a:lnRef idx="3">
+            <a:schemeClr val="dk1"/>
+          </a:lnRef>
+          <a:fillRef idx="0">
+            <a:schemeClr val="dk1"/>
+          </a:fillRef>
+          <a:effectRef idx="2">
+            <a:schemeClr val="dk1"/>
+          </a:effectRef>
+          <a:fontRef idx="minor">
+            <a:schemeClr val="tx1"/>
+          </a:fontRef>
+        </p:style>
+        <p:txBody>
+          <a:bodyPr rtlCol="0" anchor="ctr"/>
+          <a:lstStyle/>
+          <a:p>
+            <a:pPr algn="ctr"/>
+            <a:endParaRPr lang="en-US"/>
+          </a:p>
+        </p:txBody>
+      </p:sp>
+      <p:sp>
+        <p:nvSpPr>
+          <p:cNvPr id="10" name="TextBox 9">
+            <a:extLst>
+              <a:ext uri="{FF2B5EF4-FFF2-40B4-BE49-F238E27FC236}">
+                <a16:creationId xmlns:a16="http://schemas.microsoft.com/office/drawing/2014/main" id="{767CDC6A-E145-AA4F-8AAE-212387A78EA9}"/>
+              </a:ext>
+            </a:extLst>
+          </p:cNvPr>
+          <p:cNvSpPr txBox="1"/>
+          <p:nvPr/>
+        </p:nvSpPr>
+        <p:spPr>
+          <a:xfrm>
+            <a:off x="9875520" y="3709851"/>
+            <a:ext cx="1854926" cy="2308324"/>
+          </a:xfrm>
+          <a:prstGeom prst="rect">
+            <a:avLst/>
+          </a:prstGeom>
+          <a:noFill/>
+        </p:spPr>
+        <p:txBody>
+          <a:bodyPr wrap="square" rtlCol="0">
+            <a:spAutoFit/>
+          </a:bodyPr>
+          <a:lstStyle/>
+          <a:p>
+            <a:r>
+              <a:rPr lang="en-US" dirty="0"/>
+              <a:t>Server-Side Session Management</a:t>
+            </a:r>
+          </a:p>
+          <a:p>
+            <a:endParaRPr lang="en-US" dirty="0"/>
+          </a:p>
+          <a:p>
+            <a:r>
+              <a:rPr lang="en-US" dirty="0"/>
+              <a:t>Using Common Data Share across all Layers of Application</a:t>
+            </a:r>
+          </a:p>
+        </p:txBody>
+      </p:sp>
+      <p:sp>
+        <p:nvSpPr>
+          <p:cNvPr id="11" name="Curved Right Arrow 10">
+            <a:extLst>
+              <a:ext uri="{FF2B5EF4-FFF2-40B4-BE49-F238E27FC236}">
+                <a16:creationId xmlns:a16="http://schemas.microsoft.com/office/drawing/2014/main" id="{C113BC06-43CF-2C45-89F9-A5006A9A83FD}"/>
+              </a:ext>
+            </a:extLst>
+          </p:cNvPr>
+          <p:cNvSpPr/>
+          <p:nvPr/>
+        </p:nvSpPr>
+        <p:spPr>
+          <a:xfrm>
+            <a:off x="2351314" y="2046514"/>
+            <a:ext cx="426720" cy="1382486"/>
+          </a:xfrm>
+          <a:prstGeom prst="curvedRightArrow">
+            <a:avLst/>
+          </a:prstGeom>
+          <a:solidFill>
+            <a:schemeClr val="accent2"/>
+          </a:solidFill>
+        </p:spPr>
+        <p:style>
+          <a:lnRef idx="2">
+            <a:schemeClr val="accent1">
+              <a:shade val="50000"/>
+            </a:schemeClr>
+          </a:lnRef>
+          <a:fillRef idx="1">
+            <a:schemeClr val="accent1"/>
+          </a:fillRef>
+          <a:effectRef idx="0">
+            <a:schemeClr val="accent1"/>
+          </a:effectRef>
+          <a:fontRef idx="minor">
+            <a:schemeClr val="lt1"/>
+          </a:fontRef>
+        </p:style>
+        <p:txBody>
+          <a:bodyPr rtlCol="0" anchor="ctr"/>
+          <a:lstStyle/>
+          <a:p>
+            <a:pPr algn="ctr"/>
+            <a:endParaRPr lang="en-US">
+              <a:solidFill>
+                <a:schemeClr val="tx1"/>
+              </a:solidFill>
+            </a:endParaRPr>
+          </a:p>
+        </p:txBody>
+      </p:sp>
+      <p:sp>
+        <p:nvSpPr>
+          <p:cNvPr id="12" name="TextBox 11">
+            <a:extLst>
+              <a:ext uri="{FF2B5EF4-FFF2-40B4-BE49-F238E27FC236}">
+                <a16:creationId xmlns:a16="http://schemas.microsoft.com/office/drawing/2014/main" id="{F2F27413-4B70-4346-AEAE-8FA70A9BE277}"/>
+              </a:ext>
+            </a:extLst>
+          </p:cNvPr>
+          <p:cNvSpPr txBox="1"/>
+          <p:nvPr/>
+        </p:nvSpPr>
+        <p:spPr>
+          <a:xfrm>
+            <a:off x="243840" y="2085703"/>
+            <a:ext cx="1959429" cy="1200329"/>
+          </a:xfrm>
+          <a:prstGeom prst="rect">
+            <a:avLst/>
+          </a:prstGeom>
+          <a:noFill/>
+        </p:spPr>
+        <p:txBody>
+          <a:bodyPr wrap="square" rtlCol="0">
+            <a:spAutoFit/>
+          </a:bodyPr>
+          <a:lstStyle/>
+          <a:p>
+            <a:r>
+              <a:rPr lang="en-US" dirty="0"/>
+              <a:t>Front-End App Executes in silos than the Server App</a:t>
+            </a:r>
+          </a:p>
+        </p:txBody>
+      </p:sp>
+      <p:sp>
+        <p:nvSpPr>
+          <p:cNvPr id="13" name="Curved Right Arrow 12">
+            <a:extLst>
+              <a:ext uri="{FF2B5EF4-FFF2-40B4-BE49-F238E27FC236}">
+                <a16:creationId xmlns:a16="http://schemas.microsoft.com/office/drawing/2014/main" id="{42A2128D-EA78-5641-837F-7BC55CCBE28B}"/>
+              </a:ext>
+            </a:extLst>
+          </p:cNvPr>
+          <p:cNvSpPr/>
+          <p:nvPr/>
+        </p:nvSpPr>
+        <p:spPr>
+          <a:xfrm rot="10800000">
+            <a:off x="8917576" y="2088969"/>
+            <a:ext cx="426720" cy="1382486"/>
+          </a:xfrm>
+          <a:prstGeom prst="curvedRightArrow">
+            <a:avLst/>
+          </a:prstGeom>
+          <a:solidFill>
+            <a:schemeClr val="accent2"/>
+          </a:solidFill>
+        </p:spPr>
+        <p:style>
+          <a:lnRef idx="2">
+            <a:schemeClr val="accent1">
+              <a:shade val="50000"/>
+            </a:schemeClr>
+          </a:lnRef>
+          <a:fillRef idx="1">
+            <a:schemeClr val="accent1"/>
+          </a:fillRef>
+          <a:effectRef idx="0">
+            <a:schemeClr val="accent1"/>
+          </a:effectRef>
+          <a:fontRef idx="minor">
+            <a:schemeClr val="lt1"/>
+          </a:fontRef>
+        </p:style>
+        <p:txBody>
+          <a:bodyPr rtlCol="0" anchor="ctr"/>
+          <a:lstStyle/>
+          <a:p>
+            <a:pPr algn="ctr"/>
+            <a:endParaRPr lang="en-US">
+              <a:solidFill>
+                <a:schemeClr val="tx1"/>
+              </a:solidFill>
+            </a:endParaRPr>
+          </a:p>
+        </p:txBody>
+      </p:sp>
+      <p:cxnSp>
+        <p:nvCxnSpPr>
+          <p:cNvPr id="15" name="Straight Connector 14">
+            <a:extLst>
+              <a:ext uri="{FF2B5EF4-FFF2-40B4-BE49-F238E27FC236}">
+                <a16:creationId xmlns:a16="http://schemas.microsoft.com/office/drawing/2014/main" id="{D62ED122-D475-924E-9166-B4C57484081F}"/>
+              </a:ext>
+            </a:extLst>
+          </p:cNvPr>
+          <p:cNvCxnSpPr>
+            <a:cxnSpLocks/>
+          </p:cNvCxnSpPr>
+          <p:nvPr/>
+        </p:nvCxnSpPr>
+        <p:spPr>
+          <a:xfrm>
+            <a:off x="2778034" y="3126383"/>
+            <a:ext cx="6139542" cy="0"/>
+          </a:xfrm>
+          <a:prstGeom prst="line">
+            <a:avLst/>
+          </a:prstGeom>
+          <a:ln w="9525" cap="flat" cmpd="sng" algn="ctr">
+            <a:solidFill>
+              <a:schemeClr val="dk1"/>
+            </a:solidFill>
+            <a:prstDash val="dash"/>
+            <a:round/>
+            <a:headEnd type="none" w="med" len="med"/>
+            <a:tailEnd type="none" w="med" len="med"/>
+          </a:ln>
+        </p:spPr>
+        <p:style>
+          <a:lnRef idx="0">
+            <a:scrgbClr r="0" g="0" b="0"/>
+          </a:lnRef>
+          <a:fillRef idx="0">
+            <a:scrgbClr r="0" g="0" b="0"/>
+          </a:fillRef>
+          <a:effectRef idx="0">
+            <a:scrgbClr r="0" g="0" b="0"/>
+          </a:effectRef>
+          <a:fontRef idx="minor">
+            <a:schemeClr val="tx1"/>
+          </a:fontRef>
+        </p:style>
+      </p:cxnSp>
+      <p:sp>
+        <p:nvSpPr>
+          <p:cNvPr id="17" name="TextBox 16">
+            <a:extLst>
+              <a:ext uri="{FF2B5EF4-FFF2-40B4-BE49-F238E27FC236}">
+                <a16:creationId xmlns:a16="http://schemas.microsoft.com/office/drawing/2014/main" id="{53A8817E-A0B1-DB4F-AC45-95253DFD45C6}"/>
+              </a:ext>
+            </a:extLst>
+          </p:cNvPr>
+          <p:cNvSpPr txBox="1"/>
+          <p:nvPr/>
+        </p:nvSpPr>
+        <p:spPr>
+          <a:xfrm>
+            <a:off x="9370422" y="1001486"/>
+            <a:ext cx="2569029" cy="1200329"/>
+          </a:xfrm>
+          <a:prstGeom prst="rect">
+            <a:avLst/>
+          </a:prstGeom>
+          <a:noFill/>
+        </p:spPr>
+        <p:txBody>
+          <a:bodyPr wrap="square" rtlCol="0">
+            <a:spAutoFit/>
+          </a:bodyPr>
+          <a:lstStyle/>
+          <a:p>
+            <a:r>
+              <a:rPr lang="en-US" dirty="0"/>
+              <a:t>Managing Session Based Access of the Server-Side Workflows from Front-End Apps (Challenge)</a:t>
+            </a:r>
+          </a:p>
+        </p:txBody>
+      </p:sp>
+      <p:sp>
+        <p:nvSpPr>
+          <p:cNvPr id="18" name="Left Brace 17">
+            <a:extLst>
+              <a:ext uri="{FF2B5EF4-FFF2-40B4-BE49-F238E27FC236}">
+                <a16:creationId xmlns:a16="http://schemas.microsoft.com/office/drawing/2014/main" id="{41838A9B-A848-FE41-8352-11E3E3556F99}"/>
+              </a:ext>
+            </a:extLst>
+          </p:cNvPr>
+          <p:cNvSpPr/>
+          <p:nvPr/>
+        </p:nvSpPr>
+        <p:spPr>
+          <a:xfrm>
+            <a:off x="2351313" y="3286031"/>
+            <a:ext cx="278676" cy="2270037"/>
+          </a:xfrm>
+          <a:prstGeom prst="leftBrace">
+            <a:avLst/>
+          </a:prstGeom>
+        </p:spPr>
+        <p:style>
+          <a:lnRef idx="3">
+            <a:schemeClr val="dk1"/>
+          </a:lnRef>
+          <a:fillRef idx="0">
+            <a:schemeClr val="dk1"/>
+          </a:fillRef>
+          <a:effectRef idx="2">
+            <a:schemeClr val="dk1"/>
+          </a:effectRef>
+          <a:fontRef idx="minor">
+            <a:schemeClr val="tx1"/>
+          </a:fontRef>
+        </p:style>
+        <p:txBody>
+          <a:bodyPr rtlCol="0" anchor="ctr"/>
+          <a:lstStyle/>
+          <a:p>
+            <a:pPr algn="ctr"/>
+            <a:endParaRPr lang="en-US"/>
+          </a:p>
+        </p:txBody>
+      </p:sp>
+      <p:sp>
+        <p:nvSpPr>
+          <p:cNvPr id="19" name="TextBox 18">
+            <a:extLst>
+              <a:ext uri="{FF2B5EF4-FFF2-40B4-BE49-F238E27FC236}">
+                <a16:creationId xmlns:a16="http://schemas.microsoft.com/office/drawing/2014/main" id="{D43C94DC-F194-CD45-A827-AC0F4B1D5AA0}"/>
+              </a:ext>
+            </a:extLst>
+          </p:cNvPr>
+          <p:cNvSpPr txBox="1"/>
+          <p:nvPr/>
+        </p:nvSpPr>
+        <p:spPr>
+          <a:xfrm>
+            <a:off x="217714" y="3931138"/>
+            <a:ext cx="1924594" cy="1477328"/>
+          </a:xfrm>
+          <a:prstGeom prst="rect">
+            <a:avLst/>
+          </a:prstGeom>
+          <a:noFill/>
+        </p:spPr>
+        <p:txBody>
+          <a:bodyPr wrap="square" rtlCol="0">
+            <a:spAutoFit/>
+          </a:bodyPr>
+          <a:lstStyle/>
+          <a:p>
+            <a:r>
+              <a:rPr lang="en-US" dirty="0"/>
+              <a:t>Identity Principal</a:t>
+            </a:r>
+          </a:p>
+          <a:p>
+            <a:endParaRPr lang="en-US" dirty="0"/>
+          </a:p>
+          <a:p>
+            <a:r>
+              <a:rPr lang="en-US" dirty="0"/>
+              <a:t>User Management</a:t>
+            </a:r>
+          </a:p>
+          <a:p>
+            <a:r>
+              <a:rPr lang="en-US" dirty="0"/>
+              <a:t>Role Management</a:t>
+            </a:r>
+          </a:p>
+          <a:p>
+            <a:r>
+              <a:rPr lang="en-US" dirty="0"/>
+              <a:t>Access Policies</a:t>
+            </a:r>
+          </a:p>
+        </p:txBody>
+      </p:sp>
+    </p:spTree>
+    <p:extLst>
+      <p:ext uri="{BB962C8B-B14F-4D97-AF65-F5344CB8AC3E}">
+        <p14:creationId xmlns:p14="http://schemas.microsoft.com/office/powerpoint/2010/main" val="1096508897"/>
+      </p:ext>
+    </p:extLst>
+  </p:cSld>
+  <p:clrMapOvr>
+    <a:masterClrMapping/>
+  </p:clrMapOvr>
+</p:sld>
+</file>
+
+<file path=ppt/slides/slide64.xml><?xml version="1.0" encoding="utf-8"?>
+<p:sld xmlns:a="http://schemas.openxmlformats.org/drawingml/2006/main" xmlns:r="http://schemas.openxmlformats.org/officeDocument/2006/relationships" xmlns:p="http://schemas.openxmlformats.org/presentationml/2006/main">
+  <p:cSld>
+    <p:spTree>
+      <p:nvGrpSpPr>
+        <p:cNvPr id="1" name=""/>
+        <p:cNvGrpSpPr/>
+        <p:nvPr/>
+      </p:nvGrpSpPr>
+      <p:grpSpPr>
+        <a:xfrm>
+          <a:off x="0" y="0"/>
+          <a:ext cx="0" cy="0"/>
+          <a:chOff x="0" y="0"/>
+          <a:chExt cx="0" cy="0"/>
+        </a:xfrm>
+      </p:grpSpPr>
+      <p:sp>
+        <p:nvSpPr>
+          <p:cNvPr id="2" name="Rectangle 1">
+            <a:extLst>
+              <a:ext uri="{FF2B5EF4-FFF2-40B4-BE49-F238E27FC236}">
+                <a16:creationId xmlns:a16="http://schemas.microsoft.com/office/drawing/2014/main" id="{CAC71819-52DE-BB48-A9DD-17FCF5792E19}"/>
+              </a:ext>
+            </a:extLst>
+          </p:cNvPr>
+          <p:cNvSpPr/>
+          <p:nvPr/>
+        </p:nvSpPr>
+        <p:spPr>
+          <a:xfrm>
+            <a:off x="6801394" y="707571"/>
+            <a:ext cx="3535680" cy="5684508"/>
+          </a:xfrm>
+          <a:prstGeom prst="rect">
+            <a:avLst/>
+          </a:prstGeom>
+        </p:spPr>
+        <p:style>
+          <a:lnRef idx="1">
+            <a:schemeClr val="accent3"/>
+          </a:lnRef>
+          <a:fillRef idx="2">
+            <a:schemeClr val="accent3"/>
+          </a:fillRef>
+          <a:effectRef idx="1">
+            <a:schemeClr val="accent3"/>
+          </a:effectRef>
+          <a:fontRef idx="minor">
+            <a:schemeClr val="dk1"/>
+          </a:fontRef>
+        </p:style>
+        <p:txBody>
+          <a:bodyPr rtlCol="0" anchor="ctr"/>
+          <a:lstStyle/>
+          <a:p>
+            <a:pPr algn="ctr"/>
+            <a:endParaRPr lang="en-US"/>
+          </a:p>
+        </p:txBody>
+      </p:sp>
+      <p:sp>
+        <p:nvSpPr>
+          <p:cNvPr id="3" name="TextBox 2">
+            <a:extLst>
+              <a:ext uri="{FF2B5EF4-FFF2-40B4-BE49-F238E27FC236}">
+                <a16:creationId xmlns:a16="http://schemas.microsoft.com/office/drawing/2014/main" id="{19B5B59B-D5FD-B645-A98F-4EEBB85612B8}"/>
+              </a:ext>
+            </a:extLst>
+          </p:cNvPr>
+          <p:cNvSpPr txBox="1"/>
+          <p:nvPr/>
+        </p:nvSpPr>
+        <p:spPr>
+          <a:xfrm>
+            <a:off x="7193280" y="829491"/>
+            <a:ext cx="2734491" cy="369332"/>
+          </a:xfrm>
+          <a:prstGeom prst="rect">
+            <a:avLst/>
+          </a:prstGeom>
+          <a:noFill/>
+        </p:spPr>
+        <p:txBody>
+          <a:bodyPr wrap="square" rtlCol="0">
+            <a:spAutoFit/>
+          </a:bodyPr>
+          <a:lstStyle/>
+          <a:p>
+            <a:pPr algn="ctr"/>
+            <a:r>
+              <a:rPr lang="en-US" dirty="0"/>
+              <a:t>Server Hosted App</a:t>
+            </a:r>
+          </a:p>
+        </p:txBody>
+      </p:sp>
+      <p:sp>
+        <p:nvSpPr>
+          <p:cNvPr id="4" name="Rectangle 3">
+            <a:extLst>
+              <a:ext uri="{FF2B5EF4-FFF2-40B4-BE49-F238E27FC236}">
+                <a16:creationId xmlns:a16="http://schemas.microsoft.com/office/drawing/2014/main" id="{2F724478-A240-E34F-B45F-9C7D2FC2BCD7}"/>
+              </a:ext>
+            </a:extLst>
+          </p:cNvPr>
+          <p:cNvSpPr/>
+          <p:nvPr/>
+        </p:nvSpPr>
+        <p:spPr>
+          <a:xfrm>
+            <a:off x="304800" y="1593668"/>
+            <a:ext cx="2638697" cy="4798413"/>
+          </a:xfrm>
+          <a:prstGeom prst="rect">
+            <a:avLst/>
+          </a:prstGeom>
+        </p:spPr>
+        <p:style>
+          <a:lnRef idx="1">
+            <a:schemeClr val="accent4"/>
+          </a:lnRef>
+          <a:fillRef idx="2">
+            <a:schemeClr val="accent4"/>
+          </a:fillRef>
+          <a:effectRef idx="1">
+            <a:schemeClr val="accent4"/>
+          </a:effectRef>
+          <a:fontRef idx="minor">
+            <a:schemeClr val="dk1"/>
+          </a:fontRef>
+        </p:style>
+        <p:txBody>
+          <a:bodyPr rtlCol="0" anchor="ctr"/>
+          <a:lstStyle/>
+          <a:p>
+            <a:pPr algn="ctr"/>
+            <a:endParaRPr lang="en-US"/>
+          </a:p>
+        </p:txBody>
+      </p:sp>
+      <p:sp>
+        <p:nvSpPr>
+          <p:cNvPr id="5" name="TextBox 4">
+            <a:extLst>
+              <a:ext uri="{FF2B5EF4-FFF2-40B4-BE49-F238E27FC236}">
+                <a16:creationId xmlns:a16="http://schemas.microsoft.com/office/drawing/2014/main" id="{8CF93A79-76E9-A44A-95C4-484B7B797D61}"/>
+              </a:ext>
+            </a:extLst>
+          </p:cNvPr>
+          <p:cNvSpPr txBox="1"/>
+          <p:nvPr/>
+        </p:nvSpPr>
+        <p:spPr>
+          <a:xfrm>
+            <a:off x="330926" y="992777"/>
+            <a:ext cx="2420983" cy="369332"/>
+          </a:xfrm>
+          <a:prstGeom prst="rect">
+            <a:avLst/>
+          </a:prstGeom>
+          <a:noFill/>
+        </p:spPr>
+        <p:txBody>
+          <a:bodyPr wrap="square" rtlCol="0">
+            <a:spAutoFit/>
+          </a:bodyPr>
+          <a:lstStyle/>
+          <a:p>
+            <a:pPr algn="ctr"/>
+            <a:r>
+              <a:rPr lang="en-US" dirty="0"/>
+              <a:t>React Client App</a:t>
+            </a:r>
+          </a:p>
+        </p:txBody>
+      </p:sp>
+      <p:sp>
+        <p:nvSpPr>
+          <p:cNvPr id="6" name="Rounded Rectangle 5">
+            <a:extLst>
+              <a:ext uri="{FF2B5EF4-FFF2-40B4-BE49-F238E27FC236}">
+                <a16:creationId xmlns:a16="http://schemas.microsoft.com/office/drawing/2014/main" id="{56B10A6F-5F17-4F49-91B6-85E505625DED}"/>
+              </a:ext>
+            </a:extLst>
+          </p:cNvPr>
+          <p:cNvSpPr/>
+          <p:nvPr/>
+        </p:nvSpPr>
+        <p:spPr>
+          <a:xfrm>
+            <a:off x="6958149" y="2229394"/>
+            <a:ext cx="3248297" cy="748937"/>
+          </a:xfrm>
+          <a:prstGeom prst="roundRect">
+            <a:avLst/>
+          </a:prstGeom>
+        </p:spPr>
+        <p:style>
+          <a:lnRef idx="2">
+            <a:schemeClr val="accent1">
+              <a:shade val="50000"/>
+            </a:schemeClr>
+          </a:lnRef>
+          <a:fillRef idx="1">
+            <a:schemeClr val="accent1"/>
+          </a:fillRef>
+          <a:effectRef idx="0">
+            <a:schemeClr val="accent1"/>
+          </a:effectRef>
+          <a:fontRef idx="minor">
+            <a:schemeClr val="lt1"/>
+          </a:fontRef>
+        </p:style>
+        <p:txBody>
+          <a:bodyPr rtlCol="0" anchor="ctr"/>
+          <a:lstStyle/>
+          <a:p>
+            <a:pPr algn="ctr"/>
+            <a:r>
+              <a:rPr lang="en-US" dirty="0"/>
+              <a:t>User Registration Process</a:t>
+            </a:r>
+          </a:p>
+        </p:txBody>
+      </p:sp>
+      <p:sp>
+        <p:nvSpPr>
+          <p:cNvPr id="7" name="Can 6">
+            <a:extLst>
+              <a:ext uri="{FF2B5EF4-FFF2-40B4-BE49-F238E27FC236}">
+                <a16:creationId xmlns:a16="http://schemas.microsoft.com/office/drawing/2014/main" id="{992033FC-2656-C748-9170-3B153E87C628}"/>
+              </a:ext>
+            </a:extLst>
+          </p:cNvPr>
+          <p:cNvSpPr/>
+          <p:nvPr/>
+        </p:nvSpPr>
+        <p:spPr>
+          <a:xfrm>
+            <a:off x="10519954" y="3187337"/>
+            <a:ext cx="1550126" cy="949234"/>
+          </a:xfrm>
+          <a:prstGeom prst="can">
+            <a:avLst/>
+          </a:prstGeom>
+        </p:spPr>
+        <p:style>
+          <a:lnRef idx="2">
+            <a:schemeClr val="accent1">
+              <a:shade val="50000"/>
+            </a:schemeClr>
+          </a:lnRef>
+          <a:fillRef idx="1">
+            <a:schemeClr val="accent1"/>
+          </a:fillRef>
+          <a:effectRef idx="0">
+            <a:schemeClr val="accent1"/>
+          </a:effectRef>
+          <a:fontRef idx="minor">
+            <a:schemeClr val="lt1"/>
+          </a:fontRef>
+        </p:style>
+        <p:txBody>
+          <a:bodyPr rtlCol="0" anchor="ctr"/>
+          <a:lstStyle/>
+          <a:p>
+            <a:pPr algn="ctr"/>
+            <a:r>
+              <a:rPr lang="en-US" dirty="0"/>
+              <a:t>Identity DB</a:t>
+            </a:r>
+          </a:p>
+        </p:txBody>
+      </p:sp>
+      <p:sp>
+        <p:nvSpPr>
+          <p:cNvPr id="8" name="Bent Arrow 7">
+            <a:extLst>
+              <a:ext uri="{FF2B5EF4-FFF2-40B4-BE49-F238E27FC236}">
+                <a16:creationId xmlns:a16="http://schemas.microsoft.com/office/drawing/2014/main" id="{3DCA60D1-A128-B244-88E5-E66FFEFE7B93}"/>
+              </a:ext>
+            </a:extLst>
+          </p:cNvPr>
+          <p:cNvSpPr/>
+          <p:nvPr/>
+        </p:nvSpPr>
+        <p:spPr>
+          <a:xfrm rot="5400000">
+            <a:off x="10313127" y="2366555"/>
+            <a:ext cx="875208" cy="1088571"/>
+          </a:xfrm>
+          <a:prstGeom prst="bentArrow">
+            <a:avLst/>
+          </a:prstGeom>
+          <a:solidFill>
+            <a:schemeClr val="accent2"/>
+          </a:solidFill>
+        </p:spPr>
+        <p:style>
+          <a:lnRef idx="2">
+            <a:schemeClr val="accent1">
+              <a:shade val="50000"/>
+            </a:schemeClr>
+          </a:lnRef>
+          <a:fillRef idx="1">
+            <a:schemeClr val="accent1"/>
+          </a:fillRef>
+          <a:effectRef idx="0">
+            <a:schemeClr val="accent1"/>
+          </a:effectRef>
+          <a:fontRef idx="minor">
+            <a:schemeClr val="lt1"/>
+          </a:fontRef>
+        </p:style>
+        <p:txBody>
+          <a:bodyPr rtlCol="0" anchor="ctr"/>
+          <a:lstStyle/>
+          <a:p>
+            <a:pPr algn="ctr"/>
+            <a:endParaRPr lang="en-US">
+              <a:solidFill>
+                <a:schemeClr val="tx1"/>
+              </a:solidFill>
+            </a:endParaRPr>
+          </a:p>
+        </p:txBody>
+      </p:sp>
+      <p:cxnSp>
+        <p:nvCxnSpPr>
+          <p:cNvPr id="10" name="Straight Arrow Connector 9">
+            <a:extLst>
+              <a:ext uri="{FF2B5EF4-FFF2-40B4-BE49-F238E27FC236}">
+                <a16:creationId xmlns:a16="http://schemas.microsoft.com/office/drawing/2014/main" id="{728E048F-CCBF-434B-ACD8-FADF3A017567}"/>
+              </a:ext>
+            </a:extLst>
+          </p:cNvPr>
+          <p:cNvCxnSpPr/>
+          <p:nvPr/>
+        </p:nvCxnSpPr>
+        <p:spPr>
+          <a:xfrm>
+            <a:off x="2943497" y="2394865"/>
+            <a:ext cx="4014652" cy="0"/>
+          </a:xfrm>
+          <a:prstGeom prst="straightConnector1">
+            <a:avLst/>
+          </a:prstGeom>
+          <a:ln>
+            <a:tailEnd type="triangle"/>
+          </a:ln>
+        </p:spPr>
+        <p:style>
+          <a:lnRef idx="3">
+            <a:schemeClr val="dk1"/>
+          </a:lnRef>
+          <a:fillRef idx="0">
+            <a:schemeClr val="dk1"/>
+          </a:fillRef>
+          <a:effectRef idx="2">
+            <a:schemeClr val="dk1"/>
+          </a:effectRef>
+          <a:fontRef idx="minor">
+            <a:schemeClr val="tx1"/>
+          </a:fontRef>
+        </p:style>
+      </p:cxnSp>
+      <p:sp>
+        <p:nvSpPr>
+          <p:cNvPr id="11" name="TextBox 10">
+            <a:extLst>
+              <a:ext uri="{FF2B5EF4-FFF2-40B4-BE49-F238E27FC236}">
+                <a16:creationId xmlns:a16="http://schemas.microsoft.com/office/drawing/2014/main" id="{8A56A825-D7D4-A342-9492-D58B6BB1FD3B}"/>
+              </a:ext>
+            </a:extLst>
+          </p:cNvPr>
+          <p:cNvSpPr txBox="1"/>
+          <p:nvPr/>
+        </p:nvSpPr>
+        <p:spPr>
+          <a:xfrm>
+            <a:off x="3230880" y="1942798"/>
+            <a:ext cx="3091543" cy="369332"/>
+          </a:xfrm>
+          <a:prstGeom prst="rect">
+            <a:avLst/>
+          </a:prstGeom>
+          <a:noFill/>
+        </p:spPr>
+        <p:txBody>
+          <a:bodyPr wrap="square" rtlCol="0">
+            <a:spAutoFit/>
+          </a:bodyPr>
+          <a:lstStyle/>
+          <a:p>
+            <a:r>
+              <a:rPr lang="en-US" dirty="0"/>
+              <a:t>1. Request for Registering User</a:t>
+            </a:r>
+          </a:p>
+        </p:txBody>
+      </p:sp>
+      <p:sp>
+        <p:nvSpPr>
+          <p:cNvPr id="12" name="TextBox 11">
+            <a:extLst>
+              <a:ext uri="{FF2B5EF4-FFF2-40B4-BE49-F238E27FC236}">
+                <a16:creationId xmlns:a16="http://schemas.microsoft.com/office/drawing/2014/main" id="{15791D07-3EB3-F247-B6B0-355118814591}"/>
+              </a:ext>
+            </a:extLst>
+          </p:cNvPr>
+          <p:cNvSpPr txBox="1"/>
+          <p:nvPr/>
+        </p:nvSpPr>
+        <p:spPr>
+          <a:xfrm>
+            <a:off x="10519954" y="1680754"/>
+            <a:ext cx="1550126" cy="646331"/>
+          </a:xfrm>
+          <a:prstGeom prst="rect">
+            <a:avLst/>
+          </a:prstGeom>
+          <a:noFill/>
+        </p:spPr>
+        <p:txBody>
+          <a:bodyPr wrap="square" rtlCol="0">
+            <a:spAutoFit/>
+          </a:bodyPr>
+          <a:lstStyle/>
+          <a:p>
+            <a:r>
+              <a:rPr lang="en-US" dirty="0"/>
+              <a:t>2. User is created</a:t>
+            </a:r>
+          </a:p>
+        </p:txBody>
+      </p:sp>
+      <p:cxnSp>
+        <p:nvCxnSpPr>
+          <p:cNvPr id="14" name="Straight Arrow Connector 13">
+            <a:extLst>
+              <a:ext uri="{FF2B5EF4-FFF2-40B4-BE49-F238E27FC236}">
+                <a16:creationId xmlns:a16="http://schemas.microsoft.com/office/drawing/2014/main" id="{34043984-DF33-C249-BA13-881DDE2718D6}"/>
+              </a:ext>
+            </a:extLst>
+          </p:cNvPr>
+          <p:cNvCxnSpPr/>
+          <p:nvPr/>
+        </p:nvCxnSpPr>
+        <p:spPr>
+          <a:xfrm flipH="1">
+            <a:off x="2943497" y="2734491"/>
+            <a:ext cx="4049485" cy="0"/>
+          </a:xfrm>
+          <a:prstGeom prst="straightConnector1">
+            <a:avLst/>
+          </a:prstGeom>
+          <a:ln>
+            <a:tailEnd type="triangle"/>
+          </a:ln>
+        </p:spPr>
+        <p:style>
+          <a:lnRef idx="3">
+            <a:schemeClr val="dk1"/>
+          </a:lnRef>
+          <a:fillRef idx="0">
+            <a:schemeClr val="dk1"/>
+          </a:fillRef>
+          <a:effectRef idx="2">
+            <a:schemeClr val="dk1"/>
+          </a:effectRef>
+          <a:fontRef idx="minor">
+            <a:schemeClr val="tx1"/>
+          </a:fontRef>
+        </p:style>
+      </p:cxnSp>
+      <p:sp>
+        <p:nvSpPr>
+          <p:cNvPr id="15" name="TextBox 14">
+            <a:extLst>
+              <a:ext uri="{FF2B5EF4-FFF2-40B4-BE49-F238E27FC236}">
+                <a16:creationId xmlns:a16="http://schemas.microsoft.com/office/drawing/2014/main" id="{AAE8F9CE-C594-E541-B229-AA70479E653A}"/>
+              </a:ext>
+            </a:extLst>
+          </p:cNvPr>
+          <p:cNvSpPr txBox="1"/>
+          <p:nvPr/>
+        </p:nvSpPr>
+        <p:spPr>
+          <a:xfrm>
+            <a:off x="3056709" y="2795451"/>
+            <a:ext cx="3335382" cy="369332"/>
+          </a:xfrm>
+          <a:prstGeom prst="rect">
+            <a:avLst/>
+          </a:prstGeom>
+          <a:noFill/>
+        </p:spPr>
+        <p:txBody>
+          <a:bodyPr wrap="square" rtlCol="0">
+            <a:spAutoFit/>
+          </a:bodyPr>
+          <a:lstStyle/>
+          <a:p>
+            <a:r>
+              <a:rPr lang="en-US" dirty="0"/>
+              <a:t>3. User is Created</a:t>
+            </a:r>
+          </a:p>
+        </p:txBody>
+      </p:sp>
+      <p:sp>
+        <p:nvSpPr>
+          <p:cNvPr id="16" name="Rounded Rectangle 15">
+            <a:extLst>
+              <a:ext uri="{FF2B5EF4-FFF2-40B4-BE49-F238E27FC236}">
+                <a16:creationId xmlns:a16="http://schemas.microsoft.com/office/drawing/2014/main" id="{AEB3E237-2E42-C642-8AA4-BB44DC67A49B}"/>
+              </a:ext>
+            </a:extLst>
+          </p:cNvPr>
+          <p:cNvSpPr/>
+          <p:nvPr/>
+        </p:nvSpPr>
+        <p:spPr>
+          <a:xfrm>
+            <a:off x="6992982" y="3194480"/>
+            <a:ext cx="3248297" cy="748937"/>
+          </a:xfrm>
+          <a:prstGeom prst="roundRect">
+            <a:avLst/>
+          </a:prstGeom>
+        </p:spPr>
+        <p:style>
+          <a:lnRef idx="2">
+            <a:schemeClr val="accent1">
+              <a:shade val="50000"/>
+            </a:schemeClr>
+          </a:lnRef>
+          <a:fillRef idx="1">
+            <a:schemeClr val="accent1"/>
+          </a:fillRef>
+          <a:effectRef idx="0">
+            <a:schemeClr val="accent1"/>
+          </a:effectRef>
+          <a:fontRef idx="minor">
+            <a:schemeClr val="lt1"/>
+          </a:fontRef>
+        </p:style>
+        <p:txBody>
+          <a:bodyPr rtlCol="0" anchor="ctr"/>
+          <a:lstStyle/>
+          <a:p>
+            <a:pPr algn="ctr"/>
+            <a:r>
+              <a:rPr lang="en-US" dirty="0"/>
+              <a:t>User Authentication Process</a:t>
+            </a:r>
+          </a:p>
+        </p:txBody>
+      </p:sp>
+      <p:cxnSp>
+        <p:nvCxnSpPr>
+          <p:cNvPr id="17" name="Straight Arrow Connector 16">
+            <a:extLst>
+              <a:ext uri="{FF2B5EF4-FFF2-40B4-BE49-F238E27FC236}">
+                <a16:creationId xmlns:a16="http://schemas.microsoft.com/office/drawing/2014/main" id="{B925CDD0-6988-B841-848A-DFFBBD2A3650}"/>
+              </a:ext>
+            </a:extLst>
+          </p:cNvPr>
+          <p:cNvCxnSpPr/>
+          <p:nvPr/>
+        </p:nvCxnSpPr>
+        <p:spPr>
+          <a:xfrm>
+            <a:off x="2960913" y="3459487"/>
+            <a:ext cx="4014652" cy="0"/>
+          </a:xfrm>
+          <a:prstGeom prst="straightConnector1">
+            <a:avLst/>
+          </a:prstGeom>
+          <a:ln>
+            <a:tailEnd type="triangle"/>
+          </a:ln>
+        </p:spPr>
+        <p:style>
+          <a:lnRef idx="3">
+            <a:schemeClr val="dk1"/>
+          </a:lnRef>
+          <a:fillRef idx="0">
+            <a:schemeClr val="dk1"/>
+          </a:fillRef>
+          <a:effectRef idx="2">
+            <a:schemeClr val="dk1"/>
+          </a:effectRef>
+          <a:fontRef idx="minor">
+            <a:schemeClr val="tx1"/>
+          </a:fontRef>
+        </p:style>
+      </p:cxnSp>
+      <p:sp>
+        <p:nvSpPr>
+          <p:cNvPr id="18" name="TextBox 17">
+            <a:extLst>
+              <a:ext uri="{FF2B5EF4-FFF2-40B4-BE49-F238E27FC236}">
+                <a16:creationId xmlns:a16="http://schemas.microsoft.com/office/drawing/2014/main" id="{B5A06A11-47EF-0A4E-9B87-31F75D79124B}"/>
+              </a:ext>
+            </a:extLst>
+          </p:cNvPr>
+          <p:cNvSpPr txBox="1"/>
+          <p:nvPr/>
+        </p:nvSpPr>
+        <p:spPr>
+          <a:xfrm>
+            <a:off x="3352800" y="3317956"/>
+            <a:ext cx="2743200" cy="646331"/>
+          </a:xfrm>
+          <a:prstGeom prst="rect">
+            <a:avLst/>
+          </a:prstGeom>
+          <a:noFill/>
+        </p:spPr>
+        <p:txBody>
+          <a:bodyPr wrap="square" rtlCol="0">
+            <a:spAutoFit/>
+          </a:bodyPr>
+          <a:lstStyle/>
+          <a:p>
+            <a:r>
+              <a:rPr lang="en-US" dirty="0"/>
+              <a:t>4. Client Send Auth Request</a:t>
+            </a:r>
+          </a:p>
+        </p:txBody>
+      </p:sp>
+      <p:sp>
+        <p:nvSpPr>
+          <p:cNvPr id="19" name="Left-right Arrow 18">
+            <a:extLst>
+              <a:ext uri="{FF2B5EF4-FFF2-40B4-BE49-F238E27FC236}">
+                <a16:creationId xmlns:a16="http://schemas.microsoft.com/office/drawing/2014/main" id="{434492F3-4537-0147-BB79-47BE3A1ECE28}"/>
+              </a:ext>
+            </a:extLst>
+          </p:cNvPr>
+          <p:cNvSpPr/>
+          <p:nvPr/>
+        </p:nvSpPr>
+        <p:spPr>
+          <a:xfrm>
+            <a:off x="10145485" y="3509556"/>
+            <a:ext cx="478972" cy="204650"/>
+          </a:xfrm>
+          <a:prstGeom prst="leftRightArrow">
+            <a:avLst/>
+          </a:prstGeom>
+          <a:solidFill>
+            <a:schemeClr val="accent2"/>
+          </a:solidFill>
+        </p:spPr>
+        <p:style>
+          <a:lnRef idx="2">
+            <a:schemeClr val="accent1">
+              <a:shade val="50000"/>
+            </a:schemeClr>
+          </a:lnRef>
+          <a:fillRef idx="1">
+            <a:schemeClr val="accent1"/>
+          </a:fillRef>
+          <a:effectRef idx="0">
+            <a:schemeClr val="accent1"/>
+          </a:effectRef>
+          <a:fontRef idx="minor">
+            <a:schemeClr val="lt1"/>
+          </a:fontRef>
+        </p:style>
+        <p:txBody>
+          <a:bodyPr rtlCol="0" anchor="ctr"/>
+          <a:lstStyle/>
+          <a:p>
+            <a:pPr algn="ctr"/>
+            <a:endParaRPr lang="en-US"/>
+          </a:p>
+        </p:txBody>
+      </p:sp>
+      <p:sp>
+        <p:nvSpPr>
+          <p:cNvPr id="20" name="TextBox 19">
+            <a:extLst>
+              <a:ext uri="{FF2B5EF4-FFF2-40B4-BE49-F238E27FC236}">
+                <a16:creationId xmlns:a16="http://schemas.microsoft.com/office/drawing/2014/main" id="{7121185D-ACB7-BA47-B84B-EDCA7A99280A}"/>
+              </a:ext>
+            </a:extLst>
+          </p:cNvPr>
+          <p:cNvSpPr txBox="1"/>
+          <p:nvPr/>
+        </p:nvSpPr>
+        <p:spPr>
+          <a:xfrm>
+            <a:off x="10519954" y="4275909"/>
+            <a:ext cx="1306286" cy="923330"/>
+          </a:xfrm>
+          <a:prstGeom prst="rect">
+            <a:avLst/>
+          </a:prstGeom>
+          <a:noFill/>
+        </p:spPr>
+        <p:txBody>
+          <a:bodyPr wrap="square" rtlCol="0">
+            <a:spAutoFit/>
+          </a:bodyPr>
+          <a:lstStyle/>
+          <a:p>
+            <a:r>
+              <a:rPr lang="en-US" dirty="0"/>
+              <a:t>5. User Credentials Check</a:t>
+            </a:r>
+          </a:p>
+        </p:txBody>
+      </p:sp>
+      <p:sp>
+        <p:nvSpPr>
+          <p:cNvPr id="21" name="Diamond 20">
+            <a:extLst>
+              <a:ext uri="{FF2B5EF4-FFF2-40B4-BE49-F238E27FC236}">
+                <a16:creationId xmlns:a16="http://schemas.microsoft.com/office/drawing/2014/main" id="{7A616AAA-8375-324B-BB26-A5686D06938D}"/>
+              </a:ext>
+            </a:extLst>
+          </p:cNvPr>
+          <p:cNvSpPr/>
+          <p:nvPr/>
+        </p:nvSpPr>
+        <p:spPr>
+          <a:xfrm>
+            <a:off x="7728857" y="4136571"/>
+            <a:ext cx="1706880" cy="792480"/>
+          </a:xfrm>
+          <a:prstGeom prst="diamond">
+            <a:avLst/>
+          </a:prstGeom>
+        </p:spPr>
+        <p:style>
+          <a:lnRef idx="2">
+            <a:schemeClr val="accent1">
+              <a:shade val="50000"/>
+            </a:schemeClr>
+          </a:lnRef>
+          <a:fillRef idx="1">
+            <a:schemeClr val="accent1"/>
+          </a:fillRef>
+          <a:effectRef idx="0">
+            <a:schemeClr val="accent1"/>
+          </a:effectRef>
+          <a:fontRef idx="minor">
+            <a:schemeClr val="lt1"/>
+          </a:fontRef>
+        </p:style>
+        <p:txBody>
+          <a:bodyPr rtlCol="0" anchor="ctr"/>
+          <a:lstStyle/>
+          <a:p>
+            <a:pPr algn="ctr"/>
+            <a:r>
+              <a:rPr lang="en-US" dirty="0"/>
+              <a:t>Is Auth</a:t>
+            </a:r>
+          </a:p>
+        </p:txBody>
+      </p:sp>
+      <p:sp>
+        <p:nvSpPr>
+          <p:cNvPr id="22" name="Down Arrow 21">
+            <a:extLst>
+              <a:ext uri="{FF2B5EF4-FFF2-40B4-BE49-F238E27FC236}">
+                <a16:creationId xmlns:a16="http://schemas.microsoft.com/office/drawing/2014/main" id="{A0D40B58-F70E-5144-82DF-8EE3570FC4E3}"/>
+              </a:ext>
+            </a:extLst>
+          </p:cNvPr>
+          <p:cNvSpPr/>
+          <p:nvPr/>
+        </p:nvSpPr>
+        <p:spPr>
+          <a:xfrm>
+            <a:off x="8560525" y="3943417"/>
+            <a:ext cx="56605" cy="193154"/>
+          </a:xfrm>
+          <a:prstGeom prst="downArrow">
+            <a:avLst/>
+          </a:prstGeom>
+          <a:solidFill>
+            <a:schemeClr val="accent2"/>
+          </a:solidFill>
+        </p:spPr>
+        <p:style>
+          <a:lnRef idx="2">
+            <a:schemeClr val="accent1">
+              <a:shade val="50000"/>
+            </a:schemeClr>
+          </a:lnRef>
+          <a:fillRef idx="1">
+            <a:schemeClr val="accent1"/>
+          </a:fillRef>
+          <a:effectRef idx="0">
+            <a:schemeClr val="accent1"/>
+          </a:effectRef>
+          <a:fontRef idx="minor">
+            <a:schemeClr val="lt1"/>
+          </a:fontRef>
+        </p:style>
+        <p:txBody>
+          <a:bodyPr rtlCol="0" anchor="ctr"/>
+          <a:lstStyle/>
+          <a:p>
+            <a:pPr algn="ctr"/>
+            <a:endParaRPr lang="en-US"/>
+          </a:p>
+        </p:txBody>
+      </p:sp>
+      <p:cxnSp>
+        <p:nvCxnSpPr>
+          <p:cNvPr id="24" name="Straight Arrow Connector 23">
+            <a:extLst>
+              <a:ext uri="{FF2B5EF4-FFF2-40B4-BE49-F238E27FC236}">
+                <a16:creationId xmlns:a16="http://schemas.microsoft.com/office/drawing/2014/main" id="{2F99CC71-0563-3E4E-AE1B-C0C2BF8D0FD4}"/>
+              </a:ext>
+            </a:extLst>
+          </p:cNvPr>
+          <p:cNvCxnSpPr/>
+          <p:nvPr/>
+        </p:nvCxnSpPr>
+        <p:spPr>
+          <a:xfrm flipH="1">
+            <a:off x="2943496" y="4532811"/>
+            <a:ext cx="4785361" cy="0"/>
+          </a:xfrm>
+          <a:prstGeom prst="straightConnector1">
+            <a:avLst/>
+          </a:prstGeom>
+          <a:ln>
+            <a:tailEnd type="triangle"/>
+          </a:ln>
+        </p:spPr>
+        <p:style>
+          <a:lnRef idx="1">
+            <a:schemeClr val="accent1"/>
+          </a:lnRef>
+          <a:fillRef idx="0">
+            <a:schemeClr val="accent1"/>
+          </a:fillRef>
+          <a:effectRef idx="0">
+            <a:schemeClr val="accent1"/>
+          </a:effectRef>
+          <a:fontRef idx="minor">
+            <a:schemeClr val="tx1"/>
+          </a:fontRef>
+        </p:style>
+      </p:cxnSp>
+      <p:sp>
+        <p:nvSpPr>
+          <p:cNvPr id="25" name="TextBox 24">
+            <a:extLst>
+              <a:ext uri="{FF2B5EF4-FFF2-40B4-BE49-F238E27FC236}">
+                <a16:creationId xmlns:a16="http://schemas.microsoft.com/office/drawing/2014/main" id="{C242D220-00D7-0745-83C6-6050DE4CFF53}"/>
+              </a:ext>
+            </a:extLst>
+          </p:cNvPr>
+          <p:cNvSpPr txBox="1"/>
+          <p:nvPr/>
+        </p:nvSpPr>
+        <p:spPr>
+          <a:xfrm>
+            <a:off x="3352800" y="4039994"/>
+            <a:ext cx="2969623" cy="646331"/>
+          </a:xfrm>
+          <a:prstGeom prst="rect">
+            <a:avLst/>
+          </a:prstGeom>
+          <a:noFill/>
+        </p:spPr>
+        <p:txBody>
+          <a:bodyPr wrap="square" rtlCol="0">
+            <a:spAutoFit/>
+          </a:bodyPr>
+          <a:lstStyle/>
+          <a:p>
+            <a:r>
+              <a:rPr lang="en-US" dirty="0"/>
+              <a:t>6. If user is Not Authenticated then return 401 Error</a:t>
+            </a:r>
+          </a:p>
+        </p:txBody>
+      </p:sp>
+      <p:sp>
+        <p:nvSpPr>
+          <p:cNvPr id="27" name="Bent Arrow 26">
+            <a:extLst>
+              <a:ext uri="{FF2B5EF4-FFF2-40B4-BE49-F238E27FC236}">
+                <a16:creationId xmlns:a16="http://schemas.microsoft.com/office/drawing/2014/main" id="{D5987983-CBB4-3441-AAE1-0473E56BDCC6}"/>
+              </a:ext>
+            </a:extLst>
+          </p:cNvPr>
+          <p:cNvSpPr/>
+          <p:nvPr/>
+        </p:nvSpPr>
+        <p:spPr>
+          <a:xfrm rot="10800000">
+            <a:off x="2943496" y="4918164"/>
+            <a:ext cx="5673634" cy="107465"/>
+          </a:xfrm>
+          <a:prstGeom prst="bentArrow">
+            <a:avLst>
+              <a:gd name="adj1" fmla="val 25000"/>
+              <a:gd name="adj2" fmla="val 25000"/>
+              <a:gd name="adj3" fmla="val 25000"/>
+              <a:gd name="adj4" fmla="val 60731"/>
+            </a:avLst>
+          </a:prstGeom>
+          <a:solidFill>
+            <a:schemeClr val="accent2"/>
+          </a:solidFill>
+        </p:spPr>
+        <p:style>
+          <a:lnRef idx="2">
+            <a:schemeClr val="accent1">
+              <a:shade val="50000"/>
+            </a:schemeClr>
+          </a:lnRef>
+          <a:fillRef idx="1">
+            <a:schemeClr val="accent1"/>
+          </a:fillRef>
+          <a:effectRef idx="0">
+            <a:schemeClr val="accent1"/>
+          </a:effectRef>
+          <a:fontRef idx="minor">
+            <a:schemeClr val="lt1"/>
+          </a:fontRef>
+        </p:style>
+        <p:txBody>
+          <a:bodyPr rtlCol="0" anchor="ctr"/>
+          <a:lstStyle/>
+          <a:p>
+            <a:pPr algn="ctr"/>
+            <a:endParaRPr lang="en-US">
+              <a:solidFill>
+                <a:schemeClr val="tx1"/>
+              </a:solidFill>
+            </a:endParaRPr>
+          </a:p>
+        </p:txBody>
+      </p:sp>
+      <p:sp>
+        <p:nvSpPr>
+          <p:cNvPr id="28" name="TextBox 27">
+            <a:extLst>
+              <a:ext uri="{FF2B5EF4-FFF2-40B4-BE49-F238E27FC236}">
+                <a16:creationId xmlns:a16="http://schemas.microsoft.com/office/drawing/2014/main" id="{721B3E61-FAE5-FC46-8BF0-E91A836B0FD2}"/>
+              </a:ext>
+            </a:extLst>
+          </p:cNvPr>
+          <p:cNvSpPr txBox="1"/>
+          <p:nvPr/>
+        </p:nvSpPr>
+        <p:spPr>
+          <a:xfrm>
+            <a:off x="3352800" y="4658252"/>
+            <a:ext cx="3039291" cy="923330"/>
+          </a:xfrm>
+          <a:prstGeom prst="rect">
+            <a:avLst/>
+          </a:prstGeom>
+          <a:noFill/>
+        </p:spPr>
+        <p:txBody>
+          <a:bodyPr wrap="square" rtlCol="0">
+            <a:spAutoFit/>
+          </a:bodyPr>
+          <a:lstStyle/>
+          <a:p>
+            <a:r>
+              <a:rPr lang="en-US" dirty="0"/>
+              <a:t>7. For Auth User Provide the Auth Token and establish a Security Context (Channel)</a:t>
+            </a:r>
+          </a:p>
+        </p:txBody>
+      </p:sp>
+      <p:sp>
+        <p:nvSpPr>
+          <p:cNvPr id="29" name="Right Arrow 28">
+            <a:extLst>
+              <a:ext uri="{FF2B5EF4-FFF2-40B4-BE49-F238E27FC236}">
+                <a16:creationId xmlns:a16="http://schemas.microsoft.com/office/drawing/2014/main" id="{DC75E591-7D76-5241-9742-7256B85DD04B}"/>
+              </a:ext>
+            </a:extLst>
+          </p:cNvPr>
+          <p:cNvSpPr/>
+          <p:nvPr/>
+        </p:nvSpPr>
+        <p:spPr>
+          <a:xfrm>
+            <a:off x="2943496" y="5745748"/>
+            <a:ext cx="3840481" cy="507006"/>
+          </a:xfrm>
+          <a:prstGeom prst="rightArrow">
+            <a:avLst/>
+          </a:prstGeom>
+        </p:spPr>
+        <p:style>
+          <a:lnRef idx="2">
+            <a:schemeClr val="accent1">
+              <a:shade val="50000"/>
+            </a:schemeClr>
+          </a:lnRef>
+          <a:fillRef idx="1">
+            <a:schemeClr val="accent1"/>
+          </a:fillRef>
+          <a:effectRef idx="0">
+            <a:schemeClr val="accent1"/>
+          </a:effectRef>
+          <a:fontRef idx="minor">
+            <a:schemeClr val="lt1"/>
+          </a:fontRef>
+        </p:style>
+        <p:txBody>
+          <a:bodyPr rtlCol="0" anchor="ctr"/>
+          <a:lstStyle/>
+          <a:p>
+            <a:pPr algn="ctr"/>
+            <a:r>
+              <a:rPr lang="en-US" dirty="0"/>
+              <a:t>8. Will call server by passing token</a:t>
+            </a:r>
+          </a:p>
+        </p:txBody>
+      </p:sp>
+      <p:sp>
+        <p:nvSpPr>
+          <p:cNvPr id="30" name="Right Brace 29">
+            <a:extLst>
+              <a:ext uri="{FF2B5EF4-FFF2-40B4-BE49-F238E27FC236}">
+                <a16:creationId xmlns:a16="http://schemas.microsoft.com/office/drawing/2014/main" id="{006B58C5-7149-9E4F-9822-655AD4F35298}"/>
+              </a:ext>
+            </a:extLst>
+          </p:cNvPr>
+          <p:cNvSpPr/>
+          <p:nvPr/>
+        </p:nvSpPr>
+        <p:spPr>
+          <a:xfrm rot="5400000">
+            <a:off x="4742213" y="4564460"/>
+            <a:ext cx="260464" cy="3857898"/>
+          </a:xfrm>
+          <a:prstGeom prst="rightBrace">
+            <a:avLst>
+              <a:gd name="adj1" fmla="val 8333"/>
+              <a:gd name="adj2" fmla="val 49546"/>
+            </a:avLst>
+          </a:prstGeom>
+        </p:spPr>
+        <p:style>
+          <a:lnRef idx="3">
+            <a:schemeClr val="dk1"/>
+          </a:lnRef>
+          <a:fillRef idx="0">
+            <a:schemeClr val="dk1"/>
+          </a:fillRef>
+          <a:effectRef idx="2">
+            <a:schemeClr val="dk1"/>
+          </a:effectRef>
+          <a:fontRef idx="minor">
+            <a:schemeClr val="tx1"/>
+          </a:fontRef>
+        </p:style>
+        <p:txBody>
+          <a:bodyPr rtlCol="0" anchor="ctr"/>
+          <a:lstStyle/>
+          <a:p>
+            <a:pPr algn="ctr"/>
+            <a:endParaRPr lang="en-US"/>
+          </a:p>
+        </p:txBody>
+      </p:sp>
+      <p:sp>
+        <p:nvSpPr>
+          <p:cNvPr id="31" name="TextBox 30">
+            <a:extLst>
+              <a:ext uri="{FF2B5EF4-FFF2-40B4-BE49-F238E27FC236}">
+                <a16:creationId xmlns:a16="http://schemas.microsoft.com/office/drawing/2014/main" id="{7975A675-52A2-0A4C-AC47-8EAD65D1657B}"/>
+              </a:ext>
+            </a:extLst>
+          </p:cNvPr>
+          <p:cNvSpPr txBox="1"/>
+          <p:nvPr/>
+        </p:nvSpPr>
+        <p:spPr>
+          <a:xfrm>
+            <a:off x="3352800" y="6252754"/>
+            <a:ext cx="2891246" cy="370888"/>
+          </a:xfrm>
+          <a:prstGeom prst="rect">
+            <a:avLst/>
+          </a:prstGeom>
+          <a:noFill/>
+        </p:spPr>
+        <p:txBody>
+          <a:bodyPr wrap="square" rtlCol="0">
+            <a:spAutoFit/>
+          </a:bodyPr>
+          <a:lstStyle/>
+          <a:p>
+            <a:r>
+              <a:rPr lang="en-US" dirty="0"/>
+              <a:t>Auth Session</a:t>
+            </a:r>
+          </a:p>
+        </p:txBody>
+      </p:sp>
+      <p:sp>
+        <p:nvSpPr>
+          <p:cNvPr id="32" name="TextBox 31">
+            <a:extLst>
+              <a:ext uri="{FF2B5EF4-FFF2-40B4-BE49-F238E27FC236}">
+                <a16:creationId xmlns:a16="http://schemas.microsoft.com/office/drawing/2014/main" id="{6B24A8CC-276E-9845-828C-F59100C88242}"/>
+              </a:ext>
+            </a:extLst>
+          </p:cNvPr>
+          <p:cNvSpPr txBox="1"/>
+          <p:nvPr/>
+        </p:nvSpPr>
+        <p:spPr>
+          <a:xfrm>
+            <a:off x="7262948" y="5406443"/>
+            <a:ext cx="2664823" cy="369332"/>
+          </a:xfrm>
+          <a:prstGeom prst="rect">
+            <a:avLst/>
+          </a:prstGeom>
+          <a:noFill/>
+        </p:spPr>
+        <p:txBody>
+          <a:bodyPr wrap="square" rtlCol="0">
+            <a:spAutoFit/>
+          </a:bodyPr>
+          <a:lstStyle/>
+          <a:p>
+            <a:r>
+              <a:rPr lang="en-US" dirty="0"/>
+              <a:t>Token with Expiry</a:t>
+            </a:r>
+          </a:p>
+        </p:txBody>
+      </p:sp>
+      <p:sp>
+        <p:nvSpPr>
+          <p:cNvPr id="33" name="TextBox 32">
+            <a:extLst>
+              <a:ext uri="{FF2B5EF4-FFF2-40B4-BE49-F238E27FC236}">
+                <a16:creationId xmlns:a16="http://schemas.microsoft.com/office/drawing/2014/main" id="{874CFC4D-10CE-FA43-AD3A-208C069153F2}"/>
+              </a:ext>
+            </a:extLst>
+          </p:cNvPr>
+          <p:cNvSpPr txBox="1"/>
+          <p:nvPr/>
+        </p:nvSpPr>
+        <p:spPr>
+          <a:xfrm>
+            <a:off x="505097" y="5421868"/>
+            <a:ext cx="2177143" cy="646331"/>
+          </a:xfrm>
+          <a:prstGeom prst="rect">
+            <a:avLst/>
+          </a:prstGeom>
+          <a:noFill/>
+        </p:spPr>
+        <p:txBody>
+          <a:bodyPr wrap="square" rtlCol="0">
+            <a:spAutoFit/>
+          </a:bodyPr>
+          <a:lstStyle/>
+          <a:p>
+            <a:r>
+              <a:rPr lang="en-US" dirty="0"/>
+              <a:t>Save token in the Application Process </a:t>
+            </a:r>
+          </a:p>
+        </p:txBody>
+      </p:sp>
+      <p:sp>
+        <p:nvSpPr>
+          <p:cNvPr id="34" name="TextBox 33">
+            <a:extLst>
+              <a:ext uri="{FF2B5EF4-FFF2-40B4-BE49-F238E27FC236}">
+                <a16:creationId xmlns:a16="http://schemas.microsoft.com/office/drawing/2014/main" id="{3848011C-2CB4-5243-A5C7-FDE274584445}"/>
+              </a:ext>
+            </a:extLst>
+          </p:cNvPr>
+          <p:cNvSpPr txBox="1"/>
+          <p:nvPr/>
+        </p:nvSpPr>
+        <p:spPr>
+          <a:xfrm>
+            <a:off x="1245326" y="104503"/>
+            <a:ext cx="4693920" cy="369332"/>
+          </a:xfrm>
+          <a:prstGeom prst="rect">
+            <a:avLst/>
+          </a:prstGeom>
+          <a:noFill/>
+        </p:spPr>
+        <p:txBody>
+          <a:bodyPr wrap="square" rtlCol="0">
+            <a:spAutoFit/>
+          </a:bodyPr>
+          <a:lstStyle/>
+          <a:p>
+            <a:r>
+              <a:rPr lang="en-US" dirty="0"/>
+              <a:t>Token Based </a:t>
+            </a:r>
+            <a:r>
+              <a:rPr lang="en-US" dirty="0" err="1"/>
+              <a:t>Sessioning</a:t>
+            </a:r>
+            <a:r>
+              <a:rPr lang="en-US" dirty="0"/>
+              <a:t> </a:t>
+            </a:r>
+          </a:p>
+        </p:txBody>
+      </p:sp>
+    </p:spTree>
+    <p:extLst>
+      <p:ext uri="{BB962C8B-B14F-4D97-AF65-F5344CB8AC3E}">
+        <p14:creationId xmlns:p14="http://schemas.microsoft.com/office/powerpoint/2010/main" val="3759273120"/>
+      </p:ext>
+    </p:extLst>
+  </p:cSld>
+  <p:clrMapOvr>
+    <a:masterClrMapping/>
+  </p:clrMapOvr>
+</p:sld>
+</file>
+
+<file path=ppt/slides/slide65.xml><?xml version="1.0" encoding="utf-8"?>
+<p:sld xmlns:a="http://schemas.openxmlformats.org/drawingml/2006/main" xmlns:r="http://schemas.openxmlformats.org/officeDocument/2006/relationships" xmlns:p="http://schemas.openxmlformats.org/presentationml/2006/main">
+  <p:cSld>
+    <p:spTree>
+      <p:nvGrpSpPr>
+        <p:cNvPr id="1" name=""/>
+        <p:cNvGrpSpPr/>
+        <p:nvPr/>
+      </p:nvGrpSpPr>
+      <p:grpSpPr>
+        <a:xfrm>
+          <a:off x="0" y="0"/>
+          <a:ext cx="0" cy="0"/>
+          <a:chOff x="0" y="0"/>
+          <a:chExt cx="0" cy="0"/>
+        </a:xfrm>
+      </p:grpSpPr>
+      <p:sp>
+        <p:nvSpPr>
+          <p:cNvPr id="2" name="Cube 1">
+            <a:extLst>
+              <a:ext uri="{FF2B5EF4-FFF2-40B4-BE49-F238E27FC236}">
+                <a16:creationId xmlns:a16="http://schemas.microsoft.com/office/drawing/2014/main" id="{D1ED5A07-7A5E-3547-9463-E1846D0A9647}"/>
+              </a:ext>
+            </a:extLst>
+          </p:cNvPr>
+          <p:cNvSpPr/>
+          <p:nvPr/>
+        </p:nvSpPr>
+        <p:spPr>
+          <a:xfrm>
+            <a:off x="1793964" y="69668"/>
+            <a:ext cx="5425441" cy="6122125"/>
+          </a:xfrm>
+          <a:prstGeom prst="cube">
+            <a:avLst>
+              <a:gd name="adj" fmla="val 15656"/>
+            </a:avLst>
+          </a:prstGeom>
+        </p:spPr>
+        <p:style>
+          <a:lnRef idx="2">
+            <a:schemeClr val="accent1">
+              <a:shade val="50000"/>
+            </a:schemeClr>
+          </a:lnRef>
+          <a:fillRef idx="1">
+            <a:schemeClr val="accent1"/>
+          </a:fillRef>
+          <a:effectRef idx="0">
+            <a:schemeClr val="accent1"/>
+          </a:effectRef>
+          <a:fontRef idx="minor">
+            <a:schemeClr val="lt1"/>
+          </a:fontRef>
+        </p:style>
+        <p:txBody>
+          <a:bodyPr rtlCol="0" anchor="ctr"/>
+          <a:lstStyle/>
+          <a:p>
+            <a:pPr algn="ctr"/>
+            <a:endParaRPr lang="en-US"/>
+          </a:p>
+        </p:txBody>
+      </p:sp>
+      <p:sp>
+        <p:nvSpPr>
+          <p:cNvPr id="3" name="TextBox 2">
+            <a:extLst>
+              <a:ext uri="{FF2B5EF4-FFF2-40B4-BE49-F238E27FC236}">
+                <a16:creationId xmlns:a16="http://schemas.microsoft.com/office/drawing/2014/main" id="{B0A99FFA-6EFC-9D48-8796-D3507A3013D9}"/>
+              </a:ext>
+            </a:extLst>
+          </p:cNvPr>
+          <p:cNvSpPr txBox="1"/>
+          <p:nvPr/>
+        </p:nvSpPr>
+        <p:spPr>
+          <a:xfrm>
+            <a:off x="7794171" y="461554"/>
+            <a:ext cx="3901440" cy="369332"/>
+          </a:xfrm>
+          <a:prstGeom prst="rect">
+            <a:avLst/>
+          </a:prstGeom>
+          <a:noFill/>
+        </p:spPr>
+        <p:txBody>
+          <a:bodyPr wrap="square" rtlCol="0">
+            <a:spAutoFit/>
+          </a:bodyPr>
+          <a:lstStyle/>
+          <a:p>
+            <a:r>
+              <a:rPr lang="en-US" dirty="0"/>
+              <a:t>Data Center</a:t>
+            </a:r>
+          </a:p>
+        </p:txBody>
+      </p:sp>
+      <p:sp>
+        <p:nvSpPr>
+          <p:cNvPr id="4" name="Cube 3">
+            <a:extLst>
+              <a:ext uri="{FF2B5EF4-FFF2-40B4-BE49-F238E27FC236}">
+                <a16:creationId xmlns:a16="http://schemas.microsoft.com/office/drawing/2014/main" id="{0785A272-3491-0D49-9DA0-8CCECB323692}"/>
+              </a:ext>
+            </a:extLst>
+          </p:cNvPr>
+          <p:cNvSpPr/>
+          <p:nvPr/>
+        </p:nvSpPr>
+        <p:spPr>
+          <a:xfrm>
+            <a:off x="1913708" y="1045028"/>
+            <a:ext cx="1402080" cy="1776549"/>
+          </a:xfrm>
+          <a:prstGeom prst="cube">
+            <a:avLst/>
+          </a:prstGeom>
+        </p:spPr>
+        <p:style>
+          <a:lnRef idx="1">
+            <a:schemeClr val="accent3"/>
+          </a:lnRef>
+          <a:fillRef idx="3">
+            <a:schemeClr val="accent3"/>
+          </a:fillRef>
+          <a:effectRef idx="2">
+            <a:schemeClr val="accent3"/>
+          </a:effectRef>
+          <a:fontRef idx="minor">
+            <a:schemeClr val="lt1"/>
+          </a:fontRef>
+        </p:style>
+        <p:txBody>
+          <a:bodyPr rtlCol="0" anchor="ctr"/>
+          <a:lstStyle/>
+          <a:p>
+            <a:pPr algn="ctr"/>
+            <a:endParaRPr lang="en-US"/>
+          </a:p>
+        </p:txBody>
+      </p:sp>
+      <p:sp>
+        <p:nvSpPr>
+          <p:cNvPr id="5" name="Cube 4">
+            <a:extLst>
+              <a:ext uri="{FF2B5EF4-FFF2-40B4-BE49-F238E27FC236}">
+                <a16:creationId xmlns:a16="http://schemas.microsoft.com/office/drawing/2014/main" id="{3226282D-38A0-C14F-8959-6102001C7A86}"/>
+              </a:ext>
+            </a:extLst>
+          </p:cNvPr>
+          <p:cNvSpPr/>
+          <p:nvPr/>
+        </p:nvSpPr>
+        <p:spPr>
+          <a:xfrm>
+            <a:off x="3315788" y="1045027"/>
+            <a:ext cx="1402080" cy="1776549"/>
+          </a:xfrm>
+          <a:prstGeom prst="cube">
+            <a:avLst/>
+          </a:prstGeom>
+        </p:spPr>
+        <p:style>
+          <a:lnRef idx="1">
+            <a:schemeClr val="accent3"/>
+          </a:lnRef>
+          <a:fillRef idx="3">
+            <a:schemeClr val="accent3"/>
+          </a:fillRef>
+          <a:effectRef idx="2">
+            <a:schemeClr val="accent3"/>
+          </a:effectRef>
+          <a:fontRef idx="minor">
+            <a:schemeClr val="lt1"/>
+          </a:fontRef>
+        </p:style>
+        <p:txBody>
+          <a:bodyPr rtlCol="0" anchor="ctr"/>
+          <a:lstStyle/>
+          <a:p>
+            <a:pPr algn="ctr"/>
+            <a:endParaRPr lang="en-US"/>
+          </a:p>
+        </p:txBody>
+      </p:sp>
+      <p:sp>
+        <p:nvSpPr>
+          <p:cNvPr id="6" name="Cube 5">
+            <a:extLst>
+              <a:ext uri="{FF2B5EF4-FFF2-40B4-BE49-F238E27FC236}">
+                <a16:creationId xmlns:a16="http://schemas.microsoft.com/office/drawing/2014/main" id="{1B144E4D-8EDE-1848-8A78-02FCC531F664}"/>
+              </a:ext>
+            </a:extLst>
+          </p:cNvPr>
+          <p:cNvSpPr/>
+          <p:nvPr/>
+        </p:nvSpPr>
+        <p:spPr>
+          <a:xfrm>
+            <a:off x="4800600" y="1045027"/>
+            <a:ext cx="1402080" cy="1776549"/>
+          </a:xfrm>
+          <a:prstGeom prst="cube">
+            <a:avLst/>
+          </a:prstGeom>
+        </p:spPr>
+        <p:style>
+          <a:lnRef idx="1">
+            <a:schemeClr val="accent3"/>
+          </a:lnRef>
+          <a:fillRef idx="3">
+            <a:schemeClr val="accent3"/>
+          </a:fillRef>
+          <a:effectRef idx="2">
+            <a:schemeClr val="accent3"/>
+          </a:effectRef>
+          <a:fontRef idx="minor">
+            <a:schemeClr val="lt1"/>
+          </a:fontRef>
+        </p:style>
+        <p:txBody>
+          <a:bodyPr rtlCol="0" anchor="ctr"/>
+          <a:lstStyle/>
+          <a:p>
+            <a:pPr algn="ctr"/>
+            <a:endParaRPr lang="en-US"/>
+          </a:p>
+        </p:txBody>
+      </p:sp>
+      <p:sp>
+        <p:nvSpPr>
+          <p:cNvPr id="7" name="Cube 6">
+            <a:extLst>
+              <a:ext uri="{FF2B5EF4-FFF2-40B4-BE49-F238E27FC236}">
+                <a16:creationId xmlns:a16="http://schemas.microsoft.com/office/drawing/2014/main" id="{0CFE31AD-3723-2C48-87F0-CD0A40D7C264}"/>
+              </a:ext>
+            </a:extLst>
+          </p:cNvPr>
+          <p:cNvSpPr/>
+          <p:nvPr/>
+        </p:nvSpPr>
+        <p:spPr>
+          <a:xfrm>
+            <a:off x="1885405" y="4184469"/>
+            <a:ext cx="1402080" cy="1776549"/>
+          </a:xfrm>
+          <a:prstGeom prst="cube">
+            <a:avLst/>
+          </a:prstGeom>
+        </p:spPr>
+        <p:style>
+          <a:lnRef idx="1">
+            <a:schemeClr val="accent3"/>
+          </a:lnRef>
+          <a:fillRef idx="3">
+            <a:schemeClr val="accent3"/>
+          </a:fillRef>
+          <a:effectRef idx="2">
+            <a:schemeClr val="accent3"/>
+          </a:effectRef>
+          <a:fontRef idx="minor">
+            <a:schemeClr val="lt1"/>
+          </a:fontRef>
+        </p:style>
+        <p:txBody>
+          <a:bodyPr rtlCol="0" anchor="ctr"/>
+          <a:lstStyle/>
+          <a:p>
+            <a:pPr algn="ctr"/>
+            <a:endParaRPr lang="en-US"/>
+          </a:p>
+        </p:txBody>
+      </p:sp>
+      <p:sp>
+        <p:nvSpPr>
+          <p:cNvPr id="8" name="Cube 7">
+            <a:extLst>
+              <a:ext uri="{FF2B5EF4-FFF2-40B4-BE49-F238E27FC236}">
+                <a16:creationId xmlns:a16="http://schemas.microsoft.com/office/drawing/2014/main" id="{AA7ED4BA-C167-384B-83B5-070975E0ACF8}"/>
+              </a:ext>
+            </a:extLst>
+          </p:cNvPr>
+          <p:cNvSpPr/>
+          <p:nvPr/>
+        </p:nvSpPr>
+        <p:spPr>
+          <a:xfrm>
+            <a:off x="3287485" y="4184468"/>
+            <a:ext cx="1402080" cy="1776549"/>
+          </a:xfrm>
+          <a:prstGeom prst="cube">
+            <a:avLst/>
+          </a:prstGeom>
+        </p:spPr>
+        <p:style>
+          <a:lnRef idx="1">
+            <a:schemeClr val="accent3"/>
+          </a:lnRef>
+          <a:fillRef idx="3">
+            <a:schemeClr val="accent3"/>
+          </a:fillRef>
+          <a:effectRef idx="2">
+            <a:schemeClr val="accent3"/>
+          </a:effectRef>
+          <a:fontRef idx="minor">
+            <a:schemeClr val="lt1"/>
+          </a:fontRef>
+        </p:style>
+        <p:txBody>
+          <a:bodyPr rtlCol="0" anchor="ctr"/>
+          <a:lstStyle/>
+          <a:p>
+            <a:pPr algn="ctr"/>
+            <a:endParaRPr lang="en-US"/>
+          </a:p>
+        </p:txBody>
+      </p:sp>
+      <p:sp>
+        <p:nvSpPr>
+          <p:cNvPr id="9" name="Cube 8">
+            <a:extLst>
+              <a:ext uri="{FF2B5EF4-FFF2-40B4-BE49-F238E27FC236}">
+                <a16:creationId xmlns:a16="http://schemas.microsoft.com/office/drawing/2014/main" id="{5C622310-87FD-6341-BA09-9AAEA6BECD8D}"/>
+              </a:ext>
+            </a:extLst>
+          </p:cNvPr>
+          <p:cNvSpPr/>
+          <p:nvPr/>
+        </p:nvSpPr>
+        <p:spPr>
+          <a:xfrm>
+            <a:off x="4772297" y="4184468"/>
+            <a:ext cx="1402080" cy="1776549"/>
+          </a:xfrm>
+          <a:prstGeom prst="cube">
+            <a:avLst/>
+          </a:prstGeom>
+        </p:spPr>
+        <p:style>
+          <a:lnRef idx="1">
+            <a:schemeClr val="accent3"/>
+          </a:lnRef>
+          <a:fillRef idx="3">
+            <a:schemeClr val="accent3"/>
+          </a:fillRef>
+          <a:effectRef idx="2">
+            <a:schemeClr val="accent3"/>
+          </a:effectRef>
+          <a:fontRef idx="minor">
+            <a:schemeClr val="lt1"/>
+          </a:fontRef>
+        </p:style>
+        <p:txBody>
+          <a:bodyPr rtlCol="0" anchor="ctr"/>
+          <a:lstStyle/>
+          <a:p>
+            <a:pPr algn="ctr"/>
+            <a:endParaRPr lang="en-US"/>
+          </a:p>
+        </p:txBody>
+      </p:sp>
+      <p:sp>
+        <p:nvSpPr>
+          <p:cNvPr id="10" name="Explosion 2 9">
+            <a:extLst>
+              <a:ext uri="{FF2B5EF4-FFF2-40B4-BE49-F238E27FC236}">
+                <a16:creationId xmlns:a16="http://schemas.microsoft.com/office/drawing/2014/main" id="{5103697F-CEFC-A145-92D7-4FD420883B46}"/>
+              </a:ext>
+            </a:extLst>
+          </p:cNvPr>
+          <p:cNvSpPr/>
+          <p:nvPr/>
+        </p:nvSpPr>
+        <p:spPr>
+          <a:xfrm>
+            <a:off x="8621485" y="2377440"/>
+            <a:ext cx="2717075" cy="1950720"/>
+          </a:xfrm>
+          <a:prstGeom prst="irregularSeal2">
+            <a:avLst/>
+          </a:prstGeom>
+        </p:spPr>
+        <p:style>
+          <a:lnRef idx="2">
+            <a:schemeClr val="accent1">
+              <a:shade val="50000"/>
+            </a:schemeClr>
+          </a:lnRef>
+          <a:fillRef idx="1">
+            <a:schemeClr val="accent1"/>
+          </a:fillRef>
+          <a:effectRef idx="0">
+            <a:schemeClr val="accent1"/>
+          </a:effectRef>
+          <a:fontRef idx="minor">
+            <a:schemeClr val="lt1"/>
+          </a:fontRef>
+        </p:style>
+        <p:txBody>
+          <a:bodyPr rtlCol="0" anchor="ctr"/>
+          <a:lstStyle/>
+          <a:p>
+            <a:pPr algn="ctr"/>
+            <a:r>
+              <a:rPr lang="en-US" dirty="0"/>
+              <a:t>Internet</a:t>
+            </a:r>
+          </a:p>
+        </p:txBody>
+      </p:sp>
+      <p:sp>
+        <p:nvSpPr>
+          <p:cNvPr id="11" name="Can 10">
+            <a:extLst>
+              <a:ext uri="{FF2B5EF4-FFF2-40B4-BE49-F238E27FC236}">
+                <a16:creationId xmlns:a16="http://schemas.microsoft.com/office/drawing/2014/main" id="{0120C66D-20B2-B548-A093-73C6401059DE}"/>
+              </a:ext>
+            </a:extLst>
+          </p:cNvPr>
+          <p:cNvSpPr/>
+          <p:nvPr/>
+        </p:nvSpPr>
+        <p:spPr>
+          <a:xfrm rot="5400000">
+            <a:off x="7178039" y="2547257"/>
+            <a:ext cx="696686" cy="1863633"/>
+          </a:xfrm>
+          <a:prstGeom prst="can">
+            <a:avLst/>
+          </a:prstGeom>
+        </p:spPr>
+        <p:style>
+          <a:lnRef idx="2">
+            <a:schemeClr val="accent1">
+              <a:shade val="50000"/>
+            </a:schemeClr>
+          </a:lnRef>
+          <a:fillRef idx="1">
+            <a:schemeClr val="accent1"/>
+          </a:fillRef>
+          <a:effectRef idx="0">
+            <a:schemeClr val="accent1"/>
+          </a:effectRef>
+          <a:fontRef idx="minor">
+            <a:schemeClr val="lt1"/>
+          </a:fontRef>
+        </p:style>
+        <p:txBody>
+          <a:bodyPr rtlCol="0" anchor="ctr"/>
+          <a:lstStyle/>
+          <a:p>
+            <a:pPr algn="ctr"/>
+            <a:endParaRPr lang="en-US"/>
+          </a:p>
+        </p:txBody>
+      </p:sp>
+      <p:sp>
+        <p:nvSpPr>
+          <p:cNvPr id="12" name="TextBox 11">
+            <a:extLst>
+              <a:ext uri="{FF2B5EF4-FFF2-40B4-BE49-F238E27FC236}">
+                <a16:creationId xmlns:a16="http://schemas.microsoft.com/office/drawing/2014/main" id="{AE130B0F-9139-9647-83C9-E887FA9B5524}"/>
+              </a:ext>
+            </a:extLst>
+          </p:cNvPr>
+          <p:cNvSpPr txBox="1"/>
+          <p:nvPr/>
+        </p:nvSpPr>
+        <p:spPr>
+          <a:xfrm>
+            <a:off x="6797040" y="3278776"/>
+            <a:ext cx="1275806" cy="369332"/>
+          </a:xfrm>
+          <a:prstGeom prst="rect">
+            <a:avLst/>
+          </a:prstGeom>
+          <a:noFill/>
+        </p:spPr>
+        <p:txBody>
+          <a:bodyPr wrap="square" rtlCol="0">
+            <a:spAutoFit/>
+          </a:bodyPr>
+          <a:lstStyle/>
+          <a:p>
+            <a:r>
+              <a:rPr lang="en-US" dirty="0"/>
+              <a:t>Gateway</a:t>
+            </a:r>
+          </a:p>
+        </p:txBody>
+      </p:sp>
+      <p:sp>
+        <p:nvSpPr>
+          <p:cNvPr id="13" name="Can 12">
+            <a:extLst>
+              <a:ext uri="{FF2B5EF4-FFF2-40B4-BE49-F238E27FC236}">
+                <a16:creationId xmlns:a16="http://schemas.microsoft.com/office/drawing/2014/main" id="{DE6B229E-8C32-C243-B34C-9F65AE29A39F}"/>
+              </a:ext>
+            </a:extLst>
+          </p:cNvPr>
+          <p:cNvSpPr/>
+          <p:nvPr/>
+        </p:nvSpPr>
+        <p:spPr>
+          <a:xfrm rot="5400000">
+            <a:off x="3822366" y="1296099"/>
+            <a:ext cx="443351" cy="4260668"/>
+          </a:xfrm>
+          <a:prstGeom prst="can">
+            <a:avLst/>
+          </a:prstGeom>
+          <a:solidFill>
+            <a:schemeClr val="accent2"/>
+          </a:solidFill>
+        </p:spPr>
+        <p:style>
+          <a:lnRef idx="2">
+            <a:schemeClr val="accent1">
+              <a:shade val="50000"/>
+            </a:schemeClr>
+          </a:lnRef>
+          <a:fillRef idx="1">
+            <a:schemeClr val="accent1"/>
+          </a:fillRef>
+          <a:effectRef idx="0">
+            <a:schemeClr val="accent1"/>
+          </a:effectRef>
+          <a:fontRef idx="minor">
+            <a:schemeClr val="lt1"/>
+          </a:fontRef>
+        </p:style>
+        <p:txBody>
+          <a:bodyPr rtlCol="0" anchor="ctr"/>
+          <a:lstStyle/>
+          <a:p>
+            <a:pPr algn="ctr"/>
+            <a:endParaRPr lang="en-US"/>
+          </a:p>
+        </p:txBody>
+      </p:sp>
+      <p:sp>
+        <p:nvSpPr>
+          <p:cNvPr id="14" name="TextBox 13">
+            <a:extLst>
+              <a:ext uri="{FF2B5EF4-FFF2-40B4-BE49-F238E27FC236}">
+                <a16:creationId xmlns:a16="http://schemas.microsoft.com/office/drawing/2014/main" id="{CA4AC501-4236-9A4D-A177-EB727F399F97}"/>
+              </a:ext>
+            </a:extLst>
+          </p:cNvPr>
+          <p:cNvSpPr txBox="1"/>
+          <p:nvPr/>
+        </p:nvSpPr>
+        <p:spPr>
+          <a:xfrm>
+            <a:off x="2542903" y="3278776"/>
+            <a:ext cx="2812868" cy="369332"/>
+          </a:xfrm>
+          <a:prstGeom prst="rect">
+            <a:avLst/>
+          </a:prstGeom>
+          <a:noFill/>
+        </p:spPr>
+        <p:txBody>
+          <a:bodyPr wrap="square" rtlCol="0">
+            <a:spAutoFit/>
+          </a:bodyPr>
+          <a:lstStyle/>
+          <a:p>
+            <a:r>
+              <a:rPr lang="en-US" dirty="0"/>
+              <a:t>Load Balancer</a:t>
+            </a:r>
+          </a:p>
+        </p:txBody>
+      </p:sp>
+      <p:sp>
+        <p:nvSpPr>
+          <p:cNvPr id="15" name="Up-down Arrow 14">
+            <a:extLst>
+              <a:ext uri="{FF2B5EF4-FFF2-40B4-BE49-F238E27FC236}">
+                <a16:creationId xmlns:a16="http://schemas.microsoft.com/office/drawing/2014/main" id="{D56A304A-9EC3-A045-86AA-AF98FCDC5012}"/>
+              </a:ext>
+            </a:extLst>
+          </p:cNvPr>
+          <p:cNvSpPr/>
+          <p:nvPr/>
+        </p:nvSpPr>
+        <p:spPr>
+          <a:xfrm>
+            <a:off x="2420983" y="2821576"/>
+            <a:ext cx="243840" cy="383181"/>
+          </a:xfrm>
+          <a:prstGeom prst="upDownArrow">
+            <a:avLst/>
+          </a:prstGeom>
+          <a:solidFill>
+            <a:srgbClr val="FFFF00"/>
+          </a:solidFill>
+        </p:spPr>
+        <p:style>
+          <a:lnRef idx="2">
+            <a:schemeClr val="accent1">
+              <a:shade val="50000"/>
+            </a:schemeClr>
+          </a:lnRef>
+          <a:fillRef idx="1">
+            <a:schemeClr val="accent1"/>
+          </a:fillRef>
+          <a:effectRef idx="0">
+            <a:schemeClr val="accent1"/>
+          </a:effectRef>
+          <a:fontRef idx="minor">
+            <a:schemeClr val="lt1"/>
+          </a:fontRef>
+        </p:style>
+        <p:txBody>
+          <a:bodyPr rtlCol="0" anchor="ctr"/>
+          <a:lstStyle/>
+          <a:p>
+            <a:pPr algn="ctr"/>
+            <a:endParaRPr lang="en-US"/>
+          </a:p>
+        </p:txBody>
+      </p:sp>
+      <p:sp>
+        <p:nvSpPr>
+          <p:cNvPr id="16" name="Up-down Arrow 15">
+            <a:extLst>
+              <a:ext uri="{FF2B5EF4-FFF2-40B4-BE49-F238E27FC236}">
+                <a16:creationId xmlns:a16="http://schemas.microsoft.com/office/drawing/2014/main" id="{C72A6DEA-259D-6844-91B4-24BD1A4C1950}"/>
+              </a:ext>
+            </a:extLst>
+          </p:cNvPr>
+          <p:cNvSpPr/>
+          <p:nvPr/>
+        </p:nvSpPr>
+        <p:spPr>
+          <a:xfrm>
+            <a:off x="3705497" y="2821575"/>
+            <a:ext cx="243840" cy="383181"/>
+          </a:xfrm>
+          <a:prstGeom prst="upDownArrow">
+            <a:avLst/>
+          </a:prstGeom>
+          <a:solidFill>
+            <a:srgbClr val="FFFF00"/>
+          </a:solidFill>
+        </p:spPr>
+        <p:style>
+          <a:lnRef idx="2">
+            <a:schemeClr val="accent1">
+              <a:shade val="50000"/>
+            </a:schemeClr>
+          </a:lnRef>
+          <a:fillRef idx="1">
+            <a:schemeClr val="accent1"/>
+          </a:fillRef>
+          <a:effectRef idx="0">
+            <a:schemeClr val="accent1"/>
+          </a:effectRef>
+          <a:fontRef idx="minor">
+            <a:schemeClr val="lt1"/>
+          </a:fontRef>
+        </p:style>
+        <p:txBody>
+          <a:bodyPr rtlCol="0" anchor="ctr"/>
+          <a:lstStyle/>
+          <a:p>
+            <a:pPr algn="ctr"/>
+            <a:endParaRPr lang="en-US"/>
+          </a:p>
+        </p:txBody>
+      </p:sp>
+      <p:sp>
+        <p:nvSpPr>
+          <p:cNvPr id="17" name="Up-down Arrow 16">
+            <a:extLst>
+              <a:ext uri="{FF2B5EF4-FFF2-40B4-BE49-F238E27FC236}">
+                <a16:creationId xmlns:a16="http://schemas.microsoft.com/office/drawing/2014/main" id="{A5C0D207-0761-8D40-B4A4-1998360248E0}"/>
+              </a:ext>
+            </a:extLst>
+          </p:cNvPr>
+          <p:cNvSpPr/>
+          <p:nvPr/>
+        </p:nvSpPr>
+        <p:spPr>
+          <a:xfrm>
+            <a:off x="5246913" y="2819006"/>
+            <a:ext cx="243840" cy="383181"/>
+          </a:xfrm>
+          <a:prstGeom prst="upDownArrow">
+            <a:avLst/>
+          </a:prstGeom>
+          <a:solidFill>
+            <a:srgbClr val="FFFF00"/>
+          </a:solidFill>
+        </p:spPr>
+        <p:style>
+          <a:lnRef idx="2">
+            <a:schemeClr val="accent1">
+              <a:shade val="50000"/>
+            </a:schemeClr>
+          </a:lnRef>
+          <a:fillRef idx="1">
+            <a:schemeClr val="accent1"/>
+          </a:fillRef>
+          <a:effectRef idx="0">
+            <a:schemeClr val="accent1"/>
+          </a:effectRef>
+          <a:fontRef idx="minor">
+            <a:schemeClr val="lt1"/>
+          </a:fontRef>
+        </p:style>
+        <p:txBody>
+          <a:bodyPr rtlCol="0" anchor="ctr"/>
+          <a:lstStyle/>
+          <a:p>
+            <a:pPr algn="ctr"/>
+            <a:endParaRPr lang="en-US"/>
+          </a:p>
+        </p:txBody>
+      </p:sp>
+      <p:sp>
+        <p:nvSpPr>
+          <p:cNvPr id="18" name="Up-down Arrow 17">
+            <a:extLst>
+              <a:ext uri="{FF2B5EF4-FFF2-40B4-BE49-F238E27FC236}">
+                <a16:creationId xmlns:a16="http://schemas.microsoft.com/office/drawing/2014/main" id="{BA5DC7D9-E737-5C4E-9A28-23AF3F4C4BD0}"/>
+              </a:ext>
+            </a:extLst>
+          </p:cNvPr>
+          <p:cNvSpPr/>
+          <p:nvPr/>
+        </p:nvSpPr>
+        <p:spPr>
+          <a:xfrm>
+            <a:off x="5351417" y="3630299"/>
+            <a:ext cx="243840" cy="696687"/>
+          </a:xfrm>
+          <a:prstGeom prst="upDownArrow">
+            <a:avLst/>
+          </a:prstGeom>
+          <a:solidFill>
+            <a:srgbClr val="FFFF00"/>
+          </a:solidFill>
+        </p:spPr>
+        <p:style>
+          <a:lnRef idx="2">
+            <a:schemeClr val="accent1">
+              <a:shade val="50000"/>
+            </a:schemeClr>
+          </a:lnRef>
+          <a:fillRef idx="1">
+            <a:schemeClr val="accent1"/>
+          </a:fillRef>
+          <a:effectRef idx="0">
+            <a:schemeClr val="accent1"/>
+          </a:effectRef>
+          <a:fontRef idx="minor">
+            <a:schemeClr val="lt1"/>
+          </a:fontRef>
+        </p:style>
+        <p:txBody>
+          <a:bodyPr rtlCol="0" anchor="ctr"/>
+          <a:lstStyle/>
+          <a:p>
+            <a:pPr algn="ctr"/>
+            <a:endParaRPr lang="en-US"/>
+          </a:p>
+        </p:txBody>
+      </p:sp>
+      <p:sp>
+        <p:nvSpPr>
+          <p:cNvPr id="19" name="Up-down Arrow 18">
+            <a:extLst>
+              <a:ext uri="{FF2B5EF4-FFF2-40B4-BE49-F238E27FC236}">
+                <a16:creationId xmlns:a16="http://schemas.microsoft.com/office/drawing/2014/main" id="{F810230D-2EE7-B647-BB26-483A55451B61}"/>
+              </a:ext>
+            </a:extLst>
+          </p:cNvPr>
+          <p:cNvSpPr/>
+          <p:nvPr/>
+        </p:nvSpPr>
+        <p:spPr>
+          <a:xfrm>
+            <a:off x="3962400" y="3630299"/>
+            <a:ext cx="243840" cy="696687"/>
+          </a:xfrm>
+          <a:prstGeom prst="upDownArrow">
+            <a:avLst/>
+          </a:prstGeom>
+          <a:solidFill>
+            <a:srgbClr val="FFFF00"/>
+          </a:solidFill>
+        </p:spPr>
+        <p:style>
+          <a:lnRef idx="2">
+            <a:schemeClr val="accent1">
+              <a:shade val="50000"/>
+            </a:schemeClr>
+          </a:lnRef>
+          <a:fillRef idx="1">
+            <a:schemeClr val="accent1"/>
+          </a:fillRef>
+          <a:effectRef idx="0">
+            <a:schemeClr val="accent1"/>
+          </a:effectRef>
+          <a:fontRef idx="minor">
+            <a:schemeClr val="lt1"/>
+          </a:fontRef>
+        </p:style>
+        <p:txBody>
+          <a:bodyPr rtlCol="0" anchor="ctr"/>
+          <a:lstStyle/>
+          <a:p>
+            <a:pPr algn="ctr"/>
+            <a:endParaRPr lang="en-US"/>
+          </a:p>
+        </p:txBody>
+      </p:sp>
+      <p:sp>
+        <p:nvSpPr>
+          <p:cNvPr id="20" name="Up-down Arrow 19">
+            <a:extLst>
+              <a:ext uri="{FF2B5EF4-FFF2-40B4-BE49-F238E27FC236}">
+                <a16:creationId xmlns:a16="http://schemas.microsoft.com/office/drawing/2014/main" id="{653C9D3E-D2C8-8F47-804D-3B819CA400BF}"/>
+              </a:ext>
+            </a:extLst>
+          </p:cNvPr>
+          <p:cNvSpPr/>
+          <p:nvPr/>
+        </p:nvSpPr>
+        <p:spPr>
+          <a:xfrm>
+            <a:off x="2441666" y="3655641"/>
+            <a:ext cx="243840" cy="696687"/>
+          </a:xfrm>
+          <a:prstGeom prst="upDownArrow">
+            <a:avLst/>
+          </a:prstGeom>
+          <a:solidFill>
+            <a:srgbClr val="FFFF00"/>
+          </a:solidFill>
+        </p:spPr>
+        <p:style>
+          <a:lnRef idx="2">
+            <a:schemeClr val="accent1">
+              <a:shade val="50000"/>
+            </a:schemeClr>
+          </a:lnRef>
+          <a:fillRef idx="1">
+            <a:schemeClr val="accent1"/>
+          </a:fillRef>
+          <a:effectRef idx="0">
+            <a:schemeClr val="accent1"/>
+          </a:effectRef>
+          <a:fontRef idx="minor">
+            <a:schemeClr val="lt1"/>
+          </a:fontRef>
+        </p:style>
+        <p:txBody>
+          <a:bodyPr rtlCol="0" anchor="ctr"/>
+          <a:lstStyle/>
+          <a:p>
+            <a:pPr algn="ctr"/>
+            <a:endParaRPr lang="en-US"/>
+          </a:p>
+        </p:txBody>
+      </p:sp>
+      <p:sp>
+        <p:nvSpPr>
+          <p:cNvPr id="21" name="Rectangle 20">
+            <a:extLst>
+              <a:ext uri="{FF2B5EF4-FFF2-40B4-BE49-F238E27FC236}">
+                <a16:creationId xmlns:a16="http://schemas.microsoft.com/office/drawing/2014/main" id="{38B83BC5-7323-FB47-A91C-4E359FCF5AB0}"/>
+              </a:ext>
+            </a:extLst>
+          </p:cNvPr>
+          <p:cNvSpPr/>
+          <p:nvPr/>
+        </p:nvSpPr>
+        <p:spPr>
+          <a:xfrm>
+            <a:off x="1985554" y="4693920"/>
+            <a:ext cx="139337" cy="1114697"/>
+          </a:xfrm>
+          <a:prstGeom prst="rect">
+            <a:avLst/>
+          </a:prstGeom>
+        </p:spPr>
+        <p:style>
+          <a:lnRef idx="2">
+            <a:schemeClr val="accent1">
+              <a:shade val="50000"/>
+            </a:schemeClr>
+          </a:lnRef>
+          <a:fillRef idx="1">
+            <a:schemeClr val="accent1"/>
+          </a:fillRef>
+          <a:effectRef idx="0">
+            <a:schemeClr val="accent1"/>
+          </a:effectRef>
+          <a:fontRef idx="minor">
+            <a:schemeClr val="lt1"/>
+          </a:fontRef>
+        </p:style>
+        <p:txBody>
+          <a:bodyPr rtlCol="0" anchor="ctr"/>
+          <a:lstStyle/>
+          <a:p>
+            <a:pPr algn="ctr"/>
+            <a:endParaRPr lang="en-US"/>
+          </a:p>
+        </p:txBody>
+      </p:sp>
+      <p:sp>
+        <p:nvSpPr>
+          <p:cNvPr id="22" name="Rectangle 21">
+            <a:extLst>
+              <a:ext uri="{FF2B5EF4-FFF2-40B4-BE49-F238E27FC236}">
+                <a16:creationId xmlns:a16="http://schemas.microsoft.com/office/drawing/2014/main" id="{6E117823-E805-8F48-8FA1-EB5A4A4E714A}"/>
+              </a:ext>
+            </a:extLst>
+          </p:cNvPr>
+          <p:cNvSpPr/>
+          <p:nvPr/>
+        </p:nvSpPr>
+        <p:spPr>
+          <a:xfrm>
+            <a:off x="2342605" y="4706200"/>
+            <a:ext cx="139337" cy="1114697"/>
+          </a:xfrm>
+          <a:prstGeom prst="rect">
+            <a:avLst/>
+          </a:prstGeom>
+        </p:spPr>
+        <p:style>
+          <a:lnRef idx="2">
+            <a:schemeClr val="accent1">
+              <a:shade val="50000"/>
+            </a:schemeClr>
+          </a:lnRef>
+          <a:fillRef idx="1">
+            <a:schemeClr val="accent1"/>
+          </a:fillRef>
+          <a:effectRef idx="0">
+            <a:schemeClr val="accent1"/>
+          </a:effectRef>
+          <a:fontRef idx="minor">
+            <a:schemeClr val="lt1"/>
+          </a:fontRef>
+        </p:style>
+        <p:txBody>
+          <a:bodyPr rtlCol="0" anchor="ctr"/>
+          <a:lstStyle/>
+          <a:p>
+            <a:pPr algn="ctr"/>
+            <a:endParaRPr lang="en-US"/>
+          </a:p>
+        </p:txBody>
+      </p:sp>
+      <p:sp>
+        <p:nvSpPr>
+          <p:cNvPr id="23" name="Rectangle 22">
+            <a:extLst>
+              <a:ext uri="{FF2B5EF4-FFF2-40B4-BE49-F238E27FC236}">
+                <a16:creationId xmlns:a16="http://schemas.microsoft.com/office/drawing/2014/main" id="{37A0E5A0-654F-6D4D-B11D-A60041F288A6}"/>
+              </a:ext>
+            </a:extLst>
+          </p:cNvPr>
+          <p:cNvSpPr/>
+          <p:nvPr/>
+        </p:nvSpPr>
+        <p:spPr>
+          <a:xfrm>
+            <a:off x="2686593" y="4728754"/>
+            <a:ext cx="139337" cy="1114697"/>
+          </a:xfrm>
+          <a:prstGeom prst="rect">
+            <a:avLst/>
+          </a:prstGeom>
+        </p:spPr>
+        <p:style>
+          <a:lnRef idx="2">
+            <a:schemeClr val="accent1">
+              <a:shade val="50000"/>
+            </a:schemeClr>
+          </a:lnRef>
+          <a:fillRef idx="1">
+            <a:schemeClr val="accent1"/>
+          </a:fillRef>
+          <a:effectRef idx="0">
+            <a:schemeClr val="accent1"/>
+          </a:effectRef>
+          <a:fontRef idx="minor">
+            <a:schemeClr val="lt1"/>
+          </a:fontRef>
+        </p:style>
+        <p:txBody>
+          <a:bodyPr rtlCol="0" anchor="ctr"/>
+          <a:lstStyle/>
+          <a:p>
+            <a:pPr algn="ctr"/>
+            <a:endParaRPr lang="en-US"/>
+          </a:p>
+        </p:txBody>
+      </p:sp>
+      <p:sp>
+        <p:nvSpPr>
+          <p:cNvPr id="24" name="Rectangle 23">
+            <a:extLst>
+              <a:ext uri="{FF2B5EF4-FFF2-40B4-BE49-F238E27FC236}">
+                <a16:creationId xmlns:a16="http://schemas.microsoft.com/office/drawing/2014/main" id="{DCE79581-6414-B843-B266-42A05F598A23}"/>
+              </a:ext>
+            </a:extLst>
+          </p:cNvPr>
+          <p:cNvSpPr/>
+          <p:nvPr/>
+        </p:nvSpPr>
+        <p:spPr>
+          <a:xfrm>
+            <a:off x="3365864" y="4671366"/>
+            <a:ext cx="139337" cy="1114697"/>
+          </a:xfrm>
+          <a:prstGeom prst="rect">
+            <a:avLst/>
+          </a:prstGeom>
+        </p:spPr>
+        <p:style>
+          <a:lnRef idx="2">
+            <a:schemeClr val="accent1">
+              <a:shade val="50000"/>
+            </a:schemeClr>
+          </a:lnRef>
+          <a:fillRef idx="1">
+            <a:schemeClr val="accent1"/>
+          </a:fillRef>
+          <a:effectRef idx="0">
+            <a:schemeClr val="accent1"/>
+          </a:effectRef>
+          <a:fontRef idx="minor">
+            <a:schemeClr val="lt1"/>
+          </a:fontRef>
+        </p:style>
+        <p:txBody>
+          <a:bodyPr rtlCol="0" anchor="ctr"/>
+          <a:lstStyle/>
+          <a:p>
+            <a:pPr algn="ctr"/>
+            <a:endParaRPr lang="en-US"/>
+          </a:p>
+        </p:txBody>
+      </p:sp>
+      <p:sp>
+        <p:nvSpPr>
+          <p:cNvPr id="25" name="Rectangle 24">
+            <a:extLst>
+              <a:ext uri="{FF2B5EF4-FFF2-40B4-BE49-F238E27FC236}">
+                <a16:creationId xmlns:a16="http://schemas.microsoft.com/office/drawing/2014/main" id="{BEF67D96-2D20-9E42-BC2D-7D723712F94D}"/>
+              </a:ext>
+            </a:extLst>
+          </p:cNvPr>
+          <p:cNvSpPr/>
+          <p:nvPr/>
+        </p:nvSpPr>
+        <p:spPr>
+          <a:xfrm>
+            <a:off x="3722915" y="4683646"/>
+            <a:ext cx="139337" cy="1114697"/>
+          </a:xfrm>
+          <a:prstGeom prst="rect">
+            <a:avLst/>
+          </a:prstGeom>
+        </p:spPr>
+        <p:style>
+          <a:lnRef idx="2">
+            <a:schemeClr val="accent1">
+              <a:shade val="50000"/>
+            </a:schemeClr>
+          </a:lnRef>
+          <a:fillRef idx="1">
+            <a:schemeClr val="accent1"/>
+          </a:fillRef>
+          <a:effectRef idx="0">
+            <a:schemeClr val="accent1"/>
+          </a:effectRef>
+          <a:fontRef idx="minor">
+            <a:schemeClr val="lt1"/>
+          </a:fontRef>
+        </p:style>
+        <p:txBody>
+          <a:bodyPr rtlCol="0" anchor="ctr"/>
+          <a:lstStyle/>
+          <a:p>
+            <a:pPr algn="ctr"/>
+            <a:endParaRPr lang="en-US"/>
+          </a:p>
+        </p:txBody>
+      </p:sp>
+      <p:sp>
+        <p:nvSpPr>
+          <p:cNvPr id="26" name="Rectangle 25">
+            <a:extLst>
+              <a:ext uri="{FF2B5EF4-FFF2-40B4-BE49-F238E27FC236}">
+                <a16:creationId xmlns:a16="http://schemas.microsoft.com/office/drawing/2014/main" id="{CB0CB809-A3EE-4449-BE99-E14815902FED}"/>
+              </a:ext>
+            </a:extLst>
+          </p:cNvPr>
+          <p:cNvSpPr/>
+          <p:nvPr/>
+        </p:nvSpPr>
+        <p:spPr>
+          <a:xfrm>
+            <a:off x="4066903" y="4706200"/>
+            <a:ext cx="139337" cy="1114697"/>
+          </a:xfrm>
+          <a:prstGeom prst="rect">
+            <a:avLst/>
+          </a:prstGeom>
+        </p:spPr>
+        <p:style>
+          <a:lnRef idx="2">
+            <a:schemeClr val="accent1">
+              <a:shade val="50000"/>
+            </a:schemeClr>
+          </a:lnRef>
+          <a:fillRef idx="1">
+            <a:schemeClr val="accent1"/>
+          </a:fillRef>
+          <a:effectRef idx="0">
+            <a:schemeClr val="accent1"/>
+          </a:effectRef>
+          <a:fontRef idx="minor">
+            <a:schemeClr val="lt1"/>
+          </a:fontRef>
+        </p:style>
+        <p:txBody>
+          <a:bodyPr rtlCol="0" anchor="ctr"/>
+          <a:lstStyle/>
+          <a:p>
+            <a:pPr algn="ctr"/>
+            <a:endParaRPr lang="en-US"/>
+          </a:p>
+        </p:txBody>
+      </p:sp>
+      <p:sp>
+        <p:nvSpPr>
+          <p:cNvPr id="27" name="Rectangle 26">
+            <a:extLst>
+              <a:ext uri="{FF2B5EF4-FFF2-40B4-BE49-F238E27FC236}">
+                <a16:creationId xmlns:a16="http://schemas.microsoft.com/office/drawing/2014/main" id="{C67BE1E3-F74C-3348-BD6F-86391F47241A}"/>
+              </a:ext>
+            </a:extLst>
+          </p:cNvPr>
+          <p:cNvSpPr/>
+          <p:nvPr/>
+        </p:nvSpPr>
+        <p:spPr>
+          <a:xfrm>
+            <a:off x="4878976" y="4635358"/>
+            <a:ext cx="139337" cy="1114697"/>
+          </a:xfrm>
+          <a:prstGeom prst="rect">
+            <a:avLst/>
+          </a:prstGeom>
+        </p:spPr>
+        <p:style>
+          <a:lnRef idx="2">
+            <a:schemeClr val="accent1">
+              <a:shade val="50000"/>
+            </a:schemeClr>
+          </a:lnRef>
+          <a:fillRef idx="1">
+            <a:schemeClr val="accent1"/>
+          </a:fillRef>
+          <a:effectRef idx="0">
+            <a:schemeClr val="accent1"/>
+          </a:effectRef>
+          <a:fontRef idx="minor">
+            <a:schemeClr val="lt1"/>
+          </a:fontRef>
+        </p:style>
+        <p:txBody>
+          <a:bodyPr rtlCol="0" anchor="ctr"/>
+          <a:lstStyle/>
+          <a:p>
+            <a:pPr algn="ctr"/>
+            <a:endParaRPr lang="en-US"/>
+          </a:p>
+        </p:txBody>
+      </p:sp>
+      <p:sp>
+        <p:nvSpPr>
+          <p:cNvPr id="28" name="Rectangle 27">
+            <a:extLst>
+              <a:ext uri="{FF2B5EF4-FFF2-40B4-BE49-F238E27FC236}">
+                <a16:creationId xmlns:a16="http://schemas.microsoft.com/office/drawing/2014/main" id="{3676E777-7624-A242-9985-8B9E6258E64D}"/>
+              </a:ext>
+            </a:extLst>
+          </p:cNvPr>
+          <p:cNvSpPr/>
+          <p:nvPr/>
+        </p:nvSpPr>
+        <p:spPr>
+          <a:xfrm>
+            <a:off x="5236027" y="4647638"/>
+            <a:ext cx="139337" cy="1114697"/>
+          </a:xfrm>
+          <a:prstGeom prst="rect">
+            <a:avLst/>
+          </a:prstGeom>
+        </p:spPr>
+        <p:style>
+          <a:lnRef idx="2">
+            <a:schemeClr val="accent1">
+              <a:shade val="50000"/>
+            </a:schemeClr>
+          </a:lnRef>
+          <a:fillRef idx="1">
+            <a:schemeClr val="accent1"/>
+          </a:fillRef>
+          <a:effectRef idx="0">
+            <a:schemeClr val="accent1"/>
+          </a:effectRef>
+          <a:fontRef idx="minor">
+            <a:schemeClr val="lt1"/>
+          </a:fontRef>
+        </p:style>
+        <p:txBody>
+          <a:bodyPr rtlCol="0" anchor="ctr"/>
+          <a:lstStyle/>
+          <a:p>
+            <a:pPr algn="ctr"/>
+            <a:endParaRPr lang="en-US"/>
+          </a:p>
+        </p:txBody>
+      </p:sp>
+      <p:sp>
+        <p:nvSpPr>
+          <p:cNvPr id="29" name="Rectangle 28">
+            <a:extLst>
+              <a:ext uri="{FF2B5EF4-FFF2-40B4-BE49-F238E27FC236}">
+                <a16:creationId xmlns:a16="http://schemas.microsoft.com/office/drawing/2014/main" id="{769875B6-61C0-844C-B097-B6ED6704E13B}"/>
+              </a:ext>
+            </a:extLst>
+          </p:cNvPr>
+          <p:cNvSpPr/>
+          <p:nvPr/>
+        </p:nvSpPr>
+        <p:spPr>
+          <a:xfrm>
+            <a:off x="5580015" y="4670192"/>
+            <a:ext cx="139337" cy="1114697"/>
+          </a:xfrm>
+          <a:prstGeom prst="rect">
+            <a:avLst/>
+          </a:prstGeom>
+        </p:spPr>
+        <p:style>
+          <a:lnRef idx="2">
+            <a:schemeClr val="accent1">
+              <a:shade val="50000"/>
+            </a:schemeClr>
+          </a:lnRef>
+          <a:fillRef idx="1">
+            <a:schemeClr val="accent1"/>
+          </a:fillRef>
+          <a:effectRef idx="0">
+            <a:schemeClr val="accent1"/>
+          </a:effectRef>
+          <a:fontRef idx="minor">
+            <a:schemeClr val="lt1"/>
+          </a:fontRef>
+        </p:style>
+        <p:txBody>
+          <a:bodyPr rtlCol="0" anchor="ctr"/>
+          <a:lstStyle/>
+          <a:p>
+            <a:pPr algn="ctr"/>
+            <a:endParaRPr lang="en-US"/>
+          </a:p>
+        </p:txBody>
+      </p:sp>
+      <p:sp>
+        <p:nvSpPr>
+          <p:cNvPr id="30" name="Rectangle 29">
+            <a:extLst>
+              <a:ext uri="{FF2B5EF4-FFF2-40B4-BE49-F238E27FC236}">
+                <a16:creationId xmlns:a16="http://schemas.microsoft.com/office/drawing/2014/main" id="{9B62BBD6-013A-EB47-8804-2906E7C98A94}"/>
+              </a:ext>
+            </a:extLst>
+          </p:cNvPr>
+          <p:cNvSpPr/>
+          <p:nvPr/>
+        </p:nvSpPr>
+        <p:spPr>
+          <a:xfrm>
+            <a:off x="2008415" y="1517469"/>
+            <a:ext cx="139337" cy="1114697"/>
+          </a:xfrm>
+          <a:prstGeom prst="rect">
+            <a:avLst/>
+          </a:prstGeom>
+        </p:spPr>
+        <p:style>
+          <a:lnRef idx="2">
+            <a:schemeClr val="accent1">
+              <a:shade val="50000"/>
+            </a:schemeClr>
+          </a:lnRef>
+          <a:fillRef idx="1">
+            <a:schemeClr val="accent1"/>
+          </a:fillRef>
+          <a:effectRef idx="0">
+            <a:schemeClr val="accent1"/>
+          </a:effectRef>
+          <a:fontRef idx="minor">
+            <a:schemeClr val="lt1"/>
+          </a:fontRef>
+        </p:style>
+        <p:txBody>
+          <a:bodyPr rtlCol="0" anchor="ctr"/>
+          <a:lstStyle/>
+          <a:p>
+            <a:pPr algn="ctr"/>
+            <a:endParaRPr lang="en-US"/>
+          </a:p>
+        </p:txBody>
+      </p:sp>
+      <p:sp>
+        <p:nvSpPr>
+          <p:cNvPr id="31" name="Rectangle 30">
+            <a:extLst>
+              <a:ext uri="{FF2B5EF4-FFF2-40B4-BE49-F238E27FC236}">
+                <a16:creationId xmlns:a16="http://schemas.microsoft.com/office/drawing/2014/main" id="{F7544D7C-118A-864C-9A67-BD9DB54DEC02}"/>
+              </a:ext>
+            </a:extLst>
+          </p:cNvPr>
+          <p:cNvSpPr/>
+          <p:nvPr/>
+        </p:nvSpPr>
+        <p:spPr>
+          <a:xfrm>
+            <a:off x="2365466" y="1529749"/>
+            <a:ext cx="139337" cy="1114697"/>
+          </a:xfrm>
+          <a:prstGeom prst="rect">
+            <a:avLst/>
+          </a:prstGeom>
+        </p:spPr>
+        <p:style>
+          <a:lnRef idx="2">
+            <a:schemeClr val="accent1">
+              <a:shade val="50000"/>
+            </a:schemeClr>
+          </a:lnRef>
+          <a:fillRef idx="1">
+            <a:schemeClr val="accent1"/>
+          </a:fillRef>
+          <a:effectRef idx="0">
+            <a:schemeClr val="accent1"/>
+          </a:effectRef>
+          <a:fontRef idx="minor">
+            <a:schemeClr val="lt1"/>
+          </a:fontRef>
+        </p:style>
+        <p:txBody>
+          <a:bodyPr rtlCol="0" anchor="ctr"/>
+          <a:lstStyle/>
+          <a:p>
+            <a:pPr algn="ctr"/>
+            <a:endParaRPr lang="en-US"/>
+          </a:p>
+        </p:txBody>
+      </p:sp>
+      <p:sp>
+        <p:nvSpPr>
+          <p:cNvPr id="32" name="Rectangle 31">
+            <a:extLst>
+              <a:ext uri="{FF2B5EF4-FFF2-40B4-BE49-F238E27FC236}">
+                <a16:creationId xmlns:a16="http://schemas.microsoft.com/office/drawing/2014/main" id="{7F603550-E766-E444-8B5C-0AC148759AD0}"/>
+              </a:ext>
+            </a:extLst>
+          </p:cNvPr>
+          <p:cNvSpPr/>
+          <p:nvPr/>
+        </p:nvSpPr>
+        <p:spPr>
+          <a:xfrm>
+            <a:off x="2709454" y="1552303"/>
+            <a:ext cx="139337" cy="1114697"/>
+          </a:xfrm>
+          <a:prstGeom prst="rect">
+            <a:avLst/>
+          </a:prstGeom>
+        </p:spPr>
+        <p:style>
+          <a:lnRef idx="2">
+            <a:schemeClr val="accent1">
+              <a:shade val="50000"/>
+            </a:schemeClr>
+          </a:lnRef>
+          <a:fillRef idx="1">
+            <a:schemeClr val="accent1"/>
+          </a:fillRef>
+          <a:effectRef idx="0">
+            <a:schemeClr val="accent1"/>
+          </a:effectRef>
+          <a:fontRef idx="minor">
+            <a:schemeClr val="lt1"/>
+          </a:fontRef>
+        </p:style>
+        <p:txBody>
+          <a:bodyPr rtlCol="0" anchor="ctr"/>
+          <a:lstStyle/>
+          <a:p>
+            <a:pPr algn="ctr"/>
+            <a:endParaRPr lang="en-US"/>
+          </a:p>
+        </p:txBody>
+      </p:sp>
+      <p:sp>
+        <p:nvSpPr>
+          <p:cNvPr id="33" name="Rectangle 32">
+            <a:extLst>
+              <a:ext uri="{FF2B5EF4-FFF2-40B4-BE49-F238E27FC236}">
+                <a16:creationId xmlns:a16="http://schemas.microsoft.com/office/drawing/2014/main" id="{C9FDF5BB-1946-1B48-BBDE-9C08833E49E2}"/>
+              </a:ext>
+            </a:extLst>
+          </p:cNvPr>
+          <p:cNvSpPr/>
+          <p:nvPr/>
+        </p:nvSpPr>
+        <p:spPr>
+          <a:xfrm>
+            <a:off x="3385458" y="1531924"/>
+            <a:ext cx="139337" cy="1114697"/>
+          </a:xfrm>
+          <a:prstGeom prst="rect">
+            <a:avLst/>
+          </a:prstGeom>
+        </p:spPr>
+        <p:style>
+          <a:lnRef idx="2">
+            <a:schemeClr val="accent1">
+              <a:shade val="50000"/>
+            </a:schemeClr>
+          </a:lnRef>
+          <a:fillRef idx="1">
+            <a:schemeClr val="accent1"/>
+          </a:fillRef>
+          <a:effectRef idx="0">
+            <a:schemeClr val="accent1"/>
+          </a:effectRef>
+          <a:fontRef idx="minor">
+            <a:schemeClr val="lt1"/>
+          </a:fontRef>
+        </p:style>
+        <p:txBody>
+          <a:bodyPr rtlCol="0" anchor="ctr"/>
+          <a:lstStyle/>
+          <a:p>
+            <a:pPr algn="ctr"/>
+            <a:endParaRPr lang="en-US"/>
+          </a:p>
+        </p:txBody>
+      </p:sp>
+      <p:sp>
+        <p:nvSpPr>
+          <p:cNvPr id="34" name="Rectangle 33">
+            <a:extLst>
+              <a:ext uri="{FF2B5EF4-FFF2-40B4-BE49-F238E27FC236}">
+                <a16:creationId xmlns:a16="http://schemas.microsoft.com/office/drawing/2014/main" id="{8E2EF9C2-086F-D14C-BD1F-22C09D517DFC}"/>
+              </a:ext>
+            </a:extLst>
+          </p:cNvPr>
+          <p:cNvSpPr/>
+          <p:nvPr/>
+        </p:nvSpPr>
+        <p:spPr>
+          <a:xfrm>
+            <a:off x="3742509" y="1544204"/>
+            <a:ext cx="139337" cy="1114697"/>
+          </a:xfrm>
+          <a:prstGeom prst="rect">
+            <a:avLst/>
+          </a:prstGeom>
+        </p:spPr>
+        <p:style>
+          <a:lnRef idx="2">
+            <a:schemeClr val="accent1">
+              <a:shade val="50000"/>
+            </a:schemeClr>
+          </a:lnRef>
+          <a:fillRef idx="1">
+            <a:schemeClr val="accent1"/>
+          </a:fillRef>
+          <a:effectRef idx="0">
+            <a:schemeClr val="accent1"/>
+          </a:effectRef>
+          <a:fontRef idx="minor">
+            <a:schemeClr val="lt1"/>
+          </a:fontRef>
+        </p:style>
+        <p:txBody>
+          <a:bodyPr rtlCol="0" anchor="ctr"/>
+          <a:lstStyle/>
+          <a:p>
+            <a:pPr algn="ctr"/>
+            <a:endParaRPr lang="en-US"/>
+          </a:p>
+        </p:txBody>
+      </p:sp>
+      <p:sp>
+        <p:nvSpPr>
+          <p:cNvPr id="35" name="Rectangle 34">
+            <a:extLst>
+              <a:ext uri="{FF2B5EF4-FFF2-40B4-BE49-F238E27FC236}">
+                <a16:creationId xmlns:a16="http://schemas.microsoft.com/office/drawing/2014/main" id="{553697E3-6A88-C64C-A1B2-A857BB0A881E}"/>
+              </a:ext>
+            </a:extLst>
+          </p:cNvPr>
+          <p:cNvSpPr/>
+          <p:nvPr/>
+        </p:nvSpPr>
+        <p:spPr>
+          <a:xfrm>
+            <a:off x="4086497" y="1566758"/>
+            <a:ext cx="139337" cy="1114697"/>
+          </a:xfrm>
+          <a:prstGeom prst="rect">
+            <a:avLst/>
+          </a:prstGeom>
+        </p:spPr>
+        <p:style>
+          <a:lnRef idx="2">
+            <a:schemeClr val="accent1">
+              <a:shade val="50000"/>
+            </a:schemeClr>
+          </a:lnRef>
+          <a:fillRef idx="1">
+            <a:schemeClr val="accent1"/>
+          </a:fillRef>
+          <a:effectRef idx="0">
+            <a:schemeClr val="accent1"/>
+          </a:effectRef>
+          <a:fontRef idx="minor">
+            <a:schemeClr val="lt1"/>
+          </a:fontRef>
+        </p:style>
+        <p:txBody>
+          <a:bodyPr rtlCol="0" anchor="ctr"/>
+          <a:lstStyle/>
+          <a:p>
+            <a:pPr algn="ctr"/>
+            <a:endParaRPr lang="en-US"/>
+          </a:p>
+        </p:txBody>
+      </p:sp>
+      <p:sp>
+        <p:nvSpPr>
+          <p:cNvPr id="36" name="Rectangle 35">
+            <a:extLst>
+              <a:ext uri="{FF2B5EF4-FFF2-40B4-BE49-F238E27FC236}">
+                <a16:creationId xmlns:a16="http://schemas.microsoft.com/office/drawing/2014/main" id="{931D42DC-182D-8048-AFEC-1EEA10051F22}"/>
+              </a:ext>
+            </a:extLst>
+          </p:cNvPr>
+          <p:cNvSpPr/>
+          <p:nvPr/>
+        </p:nvSpPr>
+        <p:spPr>
+          <a:xfrm>
+            <a:off x="4890951" y="1458513"/>
+            <a:ext cx="139337" cy="1114697"/>
+          </a:xfrm>
+          <a:prstGeom prst="rect">
+            <a:avLst/>
+          </a:prstGeom>
+        </p:spPr>
+        <p:style>
+          <a:lnRef idx="2">
+            <a:schemeClr val="accent1">
+              <a:shade val="50000"/>
+            </a:schemeClr>
+          </a:lnRef>
+          <a:fillRef idx="1">
+            <a:schemeClr val="accent1"/>
+          </a:fillRef>
+          <a:effectRef idx="0">
+            <a:schemeClr val="accent1"/>
+          </a:effectRef>
+          <a:fontRef idx="minor">
+            <a:schemeClr val="lt1"/>
+          </a:fontRef>
+        </p:style>
+        <p:txBody>
+          <a:bodyPr rtlCol="0" anchor="ctr"/>
+          <a:lstStyle/>
+          <a:p>
+            <a:pPr algn="ctr"/>
+            <a:endParaRPr lang="en-US"/>
+          </a:p>
+        </p:txBody>
+      </p:sp>
+      <p:sp>
+        <p:nvSpPr>
+          <p:cNvPr id="37" name="Rectangle 36">
+            <a:extLst>
+              <a:ext uri="{FF2B5EF4-FFF2-40B4-BE49-F238E27FC236}">
+                <a16:creationId xmlns:a16="http://schemas.microsoft.com/office/drawing/2014/main" id="{100D8923-0552-A24F-99FF-B99B0656C5EE}"/>
+              </a:ext>
+            </a:extLst>
+          </p:cNvPr>
+          <p:cNvSpPr/>
+          <p:nvPr/>
+        </p:nvSpPr>
+        <p:spPr>
+          <a:xfrm>
+            <a:off x="5248002" y="1470793"/>
+            <a:ext cx="139337" cy="1114697"/>
+          </a:xfrm>
+          <a:prstGeom prst="rect">
+            <a:avLst/>
+          </a:prstGeom>
+        </p:spPr>
+        <p:style>
+          <a:lnRef idx="2">
+            <a:schemeClr val="accent1">
+              <a:shade val="50000"/>
+            </a:schemeClr>
+          </a:lnRef>
+          <a:fillRef idx="1">
+            <a:schemeClr val="accent1"/>
+          </a:fillRef>
+          <a:effectRef idx="0">
+            <a:schemeClr val="accent1"/>
+          </a:effectRef>
+          <a:fontRef idx="minor">
+            <a:schemeClr val="lt1"/>
+          </a:fontRef>
+        </p:style>
+        <p:txBody>
+          <a:bodyPr rtlCol="0" anchor="ctr"/>
+          <a:lstStyle/>
+          <a:p>
+            <a:pPr algn="ctr"/>
+            <a:endParaRPr lang="en-US"/>
+          </a:p>
+        </p:txBody>
+      </p:sp>
+      <p:sp>
+        <p:nvSpPr>
+          <p:cNvPr id="38" name="Rectangle 37">
+            <a:extLst>
+              <a:ext uri="{FF2B5EF4-FFF2-40B4-BE49-F238E27FC236}">
+                <a16:creationId xmlns:a16="http://schemas.microsoft.com/office/drawing/2014/main" id="{EBB950F6-1710-B84A-8EF7-50398B23E1C3}"/>
+              </a:ext>
+            </a:extLst>
+          </p:cNvPr>
+          <p:cNvSpPr/>
+          <p:nvPr/>
+        </p:nvSpPr>
+        <p:spPr>
+          <a:xfrm>
+            <a:off x="5591990" y="1493347"/>
+            <a:ext cx="139337" cy="1114697"/>
+          </a:xfrm>
+          <a:prstGeom prst="rect">
+            <a:avLst/>
+          </a:prstGeom>
+        </p:spPr>
+        <p:style>
+          <a:lnRef idx="2">
+            <a:schemeClr val="accent1">
+              <a:shade val="50000"/>
+            </a:schemeClr>
+          </a:lnRef>
+          <a:fillRef idx="1">
+            <a:schemeClr val="accent1"/>
+          </a:fillRef>
+          <a:effectRef idx="0">
+            <a:schemeClr val="accent1"/>
+          </a:effectRef>
+          <a:fontRef idx="minor">
+            <a:schemeClr val="lt1"/>
+          </a:fontRef>
+        </p:style>
+        <p:txBody>
+          <a:bodyPr rtlCol="0" anchor="ctr"/>
+          <a:lstStyle/>
+          <a:p>
+            <a:pPr algn="ctr"/>
+            <a:endParaRPr lang="en-US"/>
+          </a:p>
+        </p:txBody>
+      </p:sp>
+      <p:sp>
+        <p:nvSpPr>
+          <p:cNvPr id="39" name="Rectangle 38">
+            <a:extLst>
+              <a:ext uri="{FF2B5EF4-FFF2-40B4-BE49-F238E27FC236}">
+                <a16:creationId xmlns:a16="http://schemas.microsoft.com/office/drawing/2014/main" id="{0A589A45-202F-2944-8D2D-0A81104CBBE6}"/>
+              </a:ext>
+            </a:extLst>
+          </p:cNvPr>
+          <p:cNvSpPr/>
+          <p:nvPr/>
+        </p:nvSpPr>
+        <p:spPr>
+          <a:xfrm>
+            <a:off x="8078288" y="1025430"/>
+            <a:ext cx="139337" cy="1114697"/>
+          </a:xfrm>
+          <a:prstGeom prst="rect">
+            <a:avLst/>
+          </a:prstGeom>
+        </p:spPr>
+        <p:style>
+          <a:lnRef idx="2">
+            <a:schemeClr val="accent1">
+              <a:shade val="50000"/>
+            </a:schemeClr>
+          </a:lnRef>
+          <a:fillRef idx="1">
+            <a:schemeClr val="accent1"/>
+          </a:fillRef>
+          <a:effectRef idx="0">
+            <a:schemeClr val="accent1"/>
+          </a:effectRef>
+          <a:fontRef idx="minor">
+            <a:schemeClr val="lt1"/>
+          </a:fontRef>
+        </p:style>
+        <p:txBody>
+          <a:bodyPr rtlCol="0" anchor="ctr"/>
+          <a:lstStyle/>
+          <a:p>
+            <a:pPr algn="ctr"/>
+            <a:endParaRPr lang="en-US"/>
+          </a:p>
+        </p:txBody>
+      </p:sp>
+      <p:sp>
+        <p:nvSpPr>
+          <p:cNvPr id="40" name="Rectangle 39">
+            <a:extLst>
+              <a:ext uri="{FF2B5EF4-FFF2-40B4-BE49-F238E27FC236}">
+                <a16:creationId xmlns:a16="http://schemas.microsoft.com/office/drawing/2014/main" id="{E7AF9EAE-A723-D14C-9041-1B88C13E79E8}"/>
+              </a:ext>
+            </a:extLst>
+          </p:cNvPr>
+          <p:cNvSpPr/>
+          <p:nvPr/>
+        </p:nvSpPr>
+        <p:spPr>
+          <a:xfrm>
+            <a:off x="8435339" y="1037710"/>
+            <a:ext cx="139337" cy="1114697"/>
+          </a:xfrm>
+          <a:prstGeom prst="rect">
+            <a:avLst/>
+          </a:prstGeom>
+        </p:spPr>
+        <p:style>
+          <a:lnRef idx="2">
+            <a:schemeClr val="accent1">
+              <a:shade val="50000"/>
+            </a:schemeClr>
+          </a:lnRef>
+          <a:fillRef idx="1">
+            <a:schemeClr val="accent1"/>
+          </a:fillRef>
+          <a:effectRef idx="0">
+            <a:schemeClr val="accent1"/>
+          </a:effectRef>
+          <a:fontRef idx="minor">
+            <a:schemeClr val="lt1"/>
+          </a:fontRef>
+        </p:style>
+        <p:txBody>
+          <a:bodyPr rtlCol="0" anchor="ctr"/>
+          <a:lstStyle/>
+          <a:p>
+            <a:pPr algn="ctr"/>
+            <a:endParaRPr lang="en-US"/>
+          </a:p>
+        </p:txBody>
+      </p:sp>
+      <p:sp>
+        <p:nvSpPr>
+          <p:cNvPr id="41" name="Rectangle 40">
+            <a:extLst>
+              <a:ext uri="{FF2B5EF4-FFF2-40B4-BE49-F238E27FC236}">
+                <a16:creationId xmlns:a16="http://schemas.microsoft.com/office/drawing/2014/main" id="{C51F7B63-18AA-5742-9671-2FF2C58C21C4}"/>
+              </a:ext>
+            </a:extLst>
+          </p:cNvPr>
+          <p:cNvSpPr/>
+          <p:nvPr/>
+        </p:nvSpPr>
+        <p:spPr>
+          <a:xfrm>
+            <a:off x="8779327" y="1060264"/>
+            <a:ext cx="139337" cy="1114697"/>
+          </a:xfrm>
+          <a:prstGeom prst="rect">
+            <a:avLst/>
+          </a:prstGeom>
+        </p:spPr>
+        <p:style>
+          <a:lnRef idx="2">
+            <a:schemeClr val="accent1">
+              <a:shade val="50000"/>
+            </a:schemeClr>
+          </a:lnRef>
+          <a:fillRef idx="1">
+            <a:schemeClr val="accent1"/>
+          </a:fillRef>
+          <a:effectRef idx="0">
+            <a:schemeClr val="accent1"/>
+          </a:effectRef>
+          <a:fontRef idx="minor">
+            <a:schemeClr val="lt1"/>
+          </a:fontRef>
+        </p:style>
+        <p:txBody>
+          <a:bodyPr rtlCol="0" anchor="ctr"/>
+          <a:lstStyle/>
+          <a:p>
+            <a:pPr algn="ctr"/>
+            <a:endParaRPr lang="en-US"/>
+          </a:p>
+        </p:txBody>
+      </p:sp>
+      <p:sp>
+        <p:nvSpPr>
+          <p:cNvPr id="42" name="TextBox 41">
+            <a:extLst>
+              <a:ext uri="{FF2B5EF4-FFF2-40B4-BE49-F238E27FC236}">
+                <a16:creationId xmlns:a16="http://schemas.microsoft.com/office/drawing/2014/main" id="{0B289BFE-35A7-8D47-9F13-12CC6DE12202}"/>
+              </a:ext>
+            </a:extLst>
+          </p:cNvPr>
+          <p:cNvSpPr txBox="1"/>
+          <p:nvPr/>
+        </p:nvSpPr>
+        <p:spPr>
+          <a:xfrm>
+            <a:off x="9149442" y="230721"/>
+            <a:ext cx="1689462" cy="1754326"/>
+          </a:xfrm>
+          <a:prstGeom prst="rect">
+            <a:avLst/>
+          </a:prstGeom>
+          <a:noFill/>
+        </p:spPr>
+        <p:txBody>
+          <a:bodyPr wrap="square" rtlCol="0">
+            <a:spAutoFit/>
+          </a:bodyPr>
+          <a:lstStyle/>
+          <a:p>
+            <a:r>
+              <a:rPr lang="en-US" dirty="0"/>
+              <a:t>Racks and each rack contains multiple Machines running multiple VMs</a:t>
+            </a:r>
+          </a:p>
+        </p:txBody>
+      </p:sp>
+      <p:sp>
+        <p:nvSpPr>
+          <p:cNvPr id="43" name="Left Arrow 42">
+            <a:extLst>
+              <a:ext uri="{FF2B5EF4-FFF2-40B4-BE49-F238E27FC236}">
+                <a16:creationId xmlns:a16="http://schemas.microsoft.com/office/drawing/2014/main" id="{1FE547AC-8322-FA4F-9551-55EFB5EA3D74}"/>
+              </a:ext>
+            </a:extLst>
+          </p:cNvPr>
+          <p:cNvSpPr/>
+          <p:nvPr/>
+        </p:nvSpPr>
+        <p:spPr>
+          <a:xfrm>
+            <a:off x="11164389" y="2377440"/>
+            <a:ext cx="870857" cy="441566"/>
+          </a:xfrm>
+          <a:prstGeom prst="leftArrow">
+            <a:avLst/>
+          </a:prstGeom>
+          <a:solidFill>
+            <a:srgbClr val="FFFF00"/>
+          </a:solidFill>
+        </p:spPr>
+        <p:style>
+          <a:lnRef idx="2">
+            <a:schemeClr val="accent1">
+              <a:shade val="50000"/>
+            </a:schemeClr>
+          </a:lnRef>
+          <a:fillRef idx="1">
+            <a:schemeClr val="accent1"/>
+          </a:fillRef>
+          <a:effectRef idx="0">
+            <a:schemeClr val="accent1"/>
+          </a:effectRef>
+          <a:fontRef idx="minor">
+            <a:schemeClr val="lt1"/>
+          </a:fontRef>
+        </p:style>
+        <p:txBody>
+          <a:bodyPr rtlCol="0" anchor="ctr"/>
+          <a:lstStyle/>
+          <a:p>
+            <a:pPr algn="ctr"/>
+            <a:endParaRPr lang="en-US"/>
+          </a:p>
+        </p:txBody>
+      </p:sp>
+      <p:sp>
+        <p:nvSpPr>
+          <p:cNvPr id="44" name="Left Arrow 43">
+            <a:extLst>
+              <a:ext uri="{FF2B5EF4-FFF2-40B4-BE49-F238E27FC236}">
+                <a16:creationId xmlns:a16="http://schemas.microsoft.com/office/drawing/2014/main" id="{95C24D57-B2DD-A543-828E-91BD851B2713}"/>
+              </a:ext>
+            </a:extLst>
+          </p:cNvPr>
+          <p:cNvSpPr/>
+          <p:nvPr/>
+        </p:nvSpPr>
+        <p:spPr>
+          <a:xfrm>
+            <a:off x="8435339" y="3278776"/>
+            <a:ext cx="551907" cy="74024"/>
+          </a:xfrm>
+          <a:prstGeom prst="leftArrow">
+            <a:avLst/>
+          </a:prstGeom>
+          <a:solidFill>
+            <a:srgbClr val="FFFF00"/>
+          </a:solidFill>
+        </p:spPr>
+        <p:style>
+          <a:lnRef idx="2">
+            <a:schemeClr val="accent1">
+              <a:shade val="50000"/>
+            </a:schemeClr>
+          </a:lnRef>
+          <a:fillRef idx="1">
+            <a:schemeClr val="accent1"/>
+          </a:fillRef>
+          <a:effectRef idx="0">
+            <a:schemeClr val="accent1"/>
+          </a:effectRef>
+          <a:fontRef idx="minor">
+            <a:schemeClr val="lt1"/>
+          </a:fontRef>
+        </p:style>
+        <p:txBody>
+          <a:bodyPr rtlCol="0" anchor="ctr"/>
+          <a:lstStyle/>
+          <a:p>
+            <a:pPr algn="ctr"/>
+            <a:endParaRPr lang="en-US"/>
+          </a:p>
+        </p:txBody>
+      </p:sp>
+      <p:sp>
+        <p:nvSpPr>
+          <p:cNvPr id="45" name="Left Arrow 44">
+            <a:extLst>
+              <a:ext uri="{FF2B5EF4-FFF2-40B4-BE49-F238E27FC236}">
+                <a16:creationId xmlns:a16="http://schemas.microsoft.com/office/drawing/2014/main" id="{AF2E2565-3460-454D-AC8C-826E43AA76ED}"/>
+              </a:ext>
+            </a:extLst>
+          </p:cNvPr>
+          <p:cNvSpPr/>
+          <p:nvPr/>
+        </p:nvSpPr>
+        <p:spPr>
+          <a:xfrm>
+            <a:off x="6217374" y="3352800"/>
+            <a:ext cx="377191" cy="126273"/>
+          </a:xfrm>
+          <a:prstGeom prst="leftArrow">
+            <a:avLst/>
+          </a:prstGeom>
+          <a:solidFill>
+            <a:srgbClr val="FFFF00"/>
+          </a:solidFill>
+        </p:spPr>
+        <p:style>
+          <a:lnRef idx="2">
+            <a:schemeClr val="accent1">
+              <a:shade val="50000"/>
+            </a:schemeClr>
+          </a:lnRef>
+          <a:fillRef idx="1">
+            <a:schemeClr val="accent1"/>
+          </a:fillRef>
+          <a:effectRef idx="0">
+            <a:schemeClr val="accent1"/>
+          </a:effectRef>
+          <a:fontRef idx="minor">
+            <a:schemeClr val="lt1"/>
+          </a:fontRef>
+        </p:style>
+        <p:txBody>
+          <a:bodyPr rtlCol="0" anchor="ctr"/>
+          <a:lstStyle/>
+          <a:p>
+            <a:pPr algn="ctr"/>
+            <a:endParaRPr lang="en-US"/>
+          </a:p>
+        </p:txBody>
+      </p:sp>
+      <p:sp>
+        <p:nvSpPr>
+          <p:cNvPr id="46" name="TextBox 45">
+            <a:extLst>
+              <a:ext uri="{FF2B5EF4-FFF2-40B4-BE49-F238E27FC236}">
+                <a16:creationId xmlns:a16="http://schemas.microsoft.com/office/drawing/2014/main" id="{624B7FFC-7E61-4846-A15D-02B17C064194}"/>
+              </a:ext>
+            </a:extLst>
+          </p:cNvPr>
+          <p:cNvSpPr txBox="1"/>
+          <p:nvPr/>
+        </p:nvSpPr>
+        <p:spPr>
+          <a:xfrm>
+            <a:off x="7698377" y="4572000"/>
+            <a:ext cx="3701143" cy="923330"/>
+          </a:xfrm>
+          <a:prstGeom prst="rect">
+            <a:avLst/>
+          </a:prstGeom>
+          <a:noFill/>
+        </p:spPr>
+        <p:txBody>
+          <a:bodyPr wrap="square" rtlCol="0">
+            <a:spAutoFit/>
+          </a:bodyPr>
+          <a:lstStyle/>
+          <a:p>
+            <a:r>
+              <a:rPr lang="en-US" dirty="0"/>
+              <a:t>Each VM have an IP with OS and Application’s Deployed and Running on it</a:t>
+            </a:r>
+          </a:p>
+        </p:txBody>
+      </p:sp>
+    </p:spTree>
+    <p:extLst>
+      <p:ext uri="{BB962C8B-B14F-4D97-AF65-F5344CB8AC3E}">
+        <p14:creationId xmlns:p14="http://schemas.microsoft.com/office/powerpoint/2010/main" val="3415954607"/>
+      </p:ext>
+    </p:extLst>
+  </p:cSld>
+  <p:clrMapOvr>
+    <a:masterClrMapping/>
+  </p:clrMapOvr>
+</p:sld>
+</file>
+
+<file path=ppt/slides/slide66.xml><?xml version="1.0" encoding="utf-8"?>
+<p:sld xmlns:a="http://schemas.openxmlformats.org/drawingml/2006/main" xmlns:r="http://schemas.openxmlformats.org/officeDocument/2006/relationships" xmlns:p="http://schemas.openxmlformats.org/presentationml/2006/main">
+  <p:cSld>
+    <p:spTree>
+      <p:nvGrpSpPr>
+        <p:cNvPr id="1" name=""/>
+        <p:cNvGrpSpPr/>
+        <p:nvPr/>
+      </p:nvGrpSpPr>
+      <p:grpSpPr>
+        <a:xfrm>
+          <a:off x="0" y="0"/>
+          <a:ext cx="0" cy="0"/>
+          <a:chOff x="0" y="0"/>
+          <a:chExt cx="0" cy="0"/>
+        </a:xfrm>
+      </p:grpSpPr>
+      <p:sp>
+        <p:nvSpPr>
+          <p:cNvPr id="2" name="Cube 1">
+            <a:extLst>
+              <a:ext uri="{FF2B5EF4-FFF2-40B4-BE49-F238E27FC236}">
+                <a16:creationId xmlns:a16="http://schemas.microsoft.com/office/drawing/2014/main" id="{FB6480E0-A541-E74A-8E82-0670693C6C84}"/>
+              </a:ext>
+            </a:extLst>
+          </p:cNvPr>
+          <p:cNvSpPr/>
+          <p:nvPr/>
+        </p:nvSpPr>
+        <p:spPr>
+          <a:xfrm>
+            <a:off x="5216434" y="243839"/>
+            <a:ext cx="4946468" cy="6235337"/>
+          </a:xfrm>
+          <a:prstGeom prst="cube">
+            <a:avLst>
+              <a:gd name="adj" fmla="val 6162"/>
+            </a:avLst>
+          </a:prstGeom>
+        </p:spPr>
+        <p:style>
+          <a:lnRef idx="1">
+            <a:schemeClr val="accent3"/>
+          </a:lnRef>
+          <a:fillRef idx="2">
+            <a:schemeClr val="accent3"/>
+          </a:fillRef>
+          <a:effectRef idx="1">
+            <a:schemeClr val="accent3"/>
+          </a:effectRef>
+          <a:fontRef idx="minor">
+            <a:schemeClr val="dk1"/>
+          </a:fontRef>
+        </p:style>
+        <p:txBody>
+          <a:bodyPr rtlCol="0" anchor="ctr"/>
+          <a:lstStyle/>
+          <a:p>
+            <a:pPr algn="ctr"/>
+            <a:endParaRPr lang="en-US"/>
+          </a:p>
+        </p:txBody>
+      </p:sp>
+      <p:sp>
+        <p:nvSpPr>
+          <p:cNvPr id="3" name="TextBox 2">
+            <a:extLst>
+              <a:ext uri="{FF2B5EF4-FFF2-40B4-BE49-F238E27FC236}">
+                <a16:creationId xmlns:a16="http://schemas.microsoft.com/office/drawing/2014/main" id="{38284538-FC99-2949-8EC7-86FE3D03B1CC}"/>
+              </a:ext>
+            </a:extLst>
+          </p:cNvPr>
+          <p:cNvSpPr txBox="1"/>
+          <p:nvPr/>
+        </p:nvSpPr>
+        <p:spPr>
+          <a:xfrm>
+            <a:off x="5495109" y="748937"/>
+            <a:ext cx="4180114" cy="369332"/>
+          </a:xfrm>
+          <a:prstGeom prst="rect">
+            <a:avLst/>
+          </a:prstGeom>
+          <a:noFill/>
+        </p:spPr>
+        <p:txBody>
+          <a:bodyPr wrap="square" rtlCol="0">
+            <a:spAutoFit/>
+          </a:bodyPr>
+          <a:lstStyle/>
+          <a:p>
+            <a:r>
+              <a:rPr lang="en-US" dirty="0"/>
+              <a:t>Deployment and Hosting Environment</a:t>
+            </a:r>
+          </a:p>
+        </p:txBody>
+      </p:sp>
+      <p:sp>
+        <p:nvSpPr>
+          <p:cNvPr id="4" name="Rectangle 3">
+            <a:extLst>
+              <a:ext uri="{FF2B5EF4-FFF2-40B4-BE49-F238E27FC236}">
+                <a16:creationId xmlns:a16="http://schemas.microsoft.com/office/drawing/2014/main" id="{2AF8D170-D837-A244-9620-1F150BFE9E7D}"/>
+              </a:ext>
+            </a:extLst>
+          </p:cNvPr>
+          <p:cNvSpPr/>
+          <p:nvPr/>
+        </p:nvSpPr>
+        <p:spPr>
+          <a:xfrm>
+            <a:off x="5408023" y="1336375"/>
+            <a:ext cx="1663337" cy="1541417"/>
+          </a:xfrm>
+          <a:prstGeom prst="rect">
+            <a:avLst/>
+          </a:prstGeom>
+        </p:spPr>
+        <p:style>
+          <a:lnRef idx="2">
+            <a:schemeClr val="accent1">
+              <a:shade val="50000"/>
+            </a:schemeClr>
+          </a:lnRef>
+          <a:fillRef idx="1">
+            <a:schemeClr val="accent1"/>
+          </a:fillRef>
+          <a:effectRef idx="0">
+            <a:schemeClr val="accent1"/>
+          </a:effectRef>
+          <a:fontRef idx="minor">
+            <a:schemeClr val="lt1"/>
+          </a:fontRef>
+        </p:style>
+        <p:txBody>
+          <a:bodyPr rtlCol="0" anchor="ctr"/>
+          <a:lstStyle/>
+          <a:p>
+            <a:pPr algn="ctr"/>
+            <a:r>
+              <a:rPr lang="en-US" dirty="0"/>
+              <a:t>VM1 hosting Serv 1</a:t>
+            </a:r>
+          </a:p>
+        </p:txBody>
+      </p:sp>
+      <p:sp>
+        <p:nvSpPr>
+          <p:cNvPr id="5" name="Rectangle 4">
+            <a:extLst>
+              <a:ext uri="{FF2B5EF4-FFF2-40B4-BE49-F238E27FC236}">
+                <a16:creationId xmlns:a16="http://schemas.microsoft.com/office/drawing/2014/main" id="{67820C31-B9C0-E941-BF2C-56434F297AC0}"/>
+              </a:ext>
+            </a:extLst>
+          </p:cNvPr>
+          <p:cNvSpPr/>
+          <p:nvPr/>
+        </p:nvSpPr>
+        <p:spPr>
+          <a:xfrm>
+            <a:off x="7829005" y="1336375"/>
+            <a:ext cx="1663337" cy="1541417"/>
+          </a:xfrm>
+          <a:prstGeom prst="rect">
+            <a:avLst/>
+          </a:prstGeom>
+        </p:spPr>
+        <p:style>
+          <a:lnRef idx="2">
+            <a:schemeClr val="accent1">
+              <a:shade val="50000"/>
+            </a:schemeClr>
+          </a:lnRef>
+          <a:fillRef idx="1">
+            <a:schemeClr val="accent1"/>
+          </a:fillRef>
+          <a:effectRef idx="0">
+            <a:schemeClr val="accent1"/>
+          </a:effectRef>
+          <a:fontRef idx="minor">
+            <a:schemeClr val="lt1"/>
+          </a:fontRef>
+        </p:style>
+        <p:txBody>
+          <a:bodyPr rtlCol="0" anchor="ctr"/>
+          <a:lstStyle/>
+          <a:p>
+            <a:pPr algn="ctr"/>
+            <a:r>
+              <a:rPr lang="en-US" dirty="0"/>
+              <a:t>VM2 hosting Serv 2</a:t>
+            </a:r>
+          </a:p>
+        </p:txBody>
+      </p:sp>
+      <p:sp>
+        <p:nvSpPr>
+          <p:cNvPr id="6" name="Rectangle 5">
+            <a:extLst>
+              <a:ext uri="{FF2B5EF4-FFF2-40B4-BE49-F238E27FC236}">
+                <a16:creationId xmlns:a16="http://schemas.microsoft.com/office/drawing/2014/main" id="{EB53C81F-CE22-9942-B6F6-69AEAE82E1C1}"/>
+              </a:ext>
+            </a:extLst>
+          </p:cNvPr>
+          <p:cNvSpPr/>
+          <p:nvPr/>
+        </p:nvSpPr>
+        <p:spPr>
+          <a:xfrm>
+            <a:off x="5408023" y="4637316"/>
+            <a:ext cx="1663337" cy="1541417"/>
+          </a:xfrm>
+          <a:prstGeom prst="rect">
+            <a:avLst/>
+          </a:prstGeom>
+        </p:spPr>
+        <p:style>
+          <a:lnRef idx="2">
+            <a:schemeClr val="accent1">
+              <a:shade val="50000"/>
+            </a:schemeClr>
+          </a:lnRef>
+          <a:fillRef idx="1">
+            <a:schemeClr val="accent1"/>
+          </a:fillRef>
+          <a:effectRef idx="0">
+            <a:schemeClr val="accent1"/>
+          </a:effectRef>
+          <a:fontRef idx="minor">
+            <a:schemeClr val="lt1"/>
+          </a:fontRef>
+        </p:style>
+        <p:txBody>
+          <a:bodyPr rtlCol="0" anchor="ctr"/>
+          <a:lstStyle/>
+          <a:p>
+            <a:pPr algn="ctr"/>
+            <a:r>
+              <a:rPr lang="en-US" dirty="0"/>
+              <a:t>VM3 hosting Serv 3</a:t>
+            </a:r>
+          </a:p>
+        </p:txBody>
+      </p:sp>
+      <p:sp>
+        <p:nvSpPr>
+          <p:cNvPr id="7" name="Rectangle 6">
+            <a:extLst>
+              <a:ext uri="{FF2B5EF4-FFF2-40B4-BE49-F238E27FC236}">
+                <a16:creationId xmlns:a16="http://schemas.microsoft.com/office/drawing/2014/main" id="{153E2516-D24D-6841-85D5-9D110379B707}"/>
+              </a:ext>
+            </a:extLst>
+          </p:cNvPr>
+          <p:cNvSpPr/>
+          <p:nvPr/>
+        </p:nvSpPr>
+        <p:spPr>
+          <a:xfrm>
+            <a:off x="7829005" y="4567646"/>
+            <a:ext cx="1663337" cy="1541417"/>
+          </a:xfrm>
+          <a:prstGeom prst="rect">
+            <a:avLst/>
+          </a:prstGeom>
+        </p:spPr>
+        <p:style>
+          <a:lnRef idx="2">
+            <a:schemeClr val="accent1">
+              <a:shade val="50000"/>
+            </a:schemeClr>
+          </a:lnRef>
+          <a:fillRef idx="1">
+            <a:schemeClr val="accent1"/>
+          </a:fillRef>
+          <a:effectRef idx="0">
+            <a:schemeClr val="accent1"/>
+          </a:effectRef>
+          <a:fontRef idx="minor">
+            <a:schemeClr val="lt1"/>
+          </a:fontRef>
+        </p:style>
+        <p:txBody>
+          <a:bodyPr rtlCol="0" anchor="ctr"/>
+          <a:lstStyle/>
+          <a:p>
+            <a:pPr algn="ctr"/>
+            <a:r>
+              <a:rPr lang="en-US" dirty="0"/>
+              <a:t>VM4 hosting Serv 4</a:t>
+            </a:r>
+          </a:p>
+        </p:txBody>
+      </p:sp>
+      <p:sp>
+        <p:nvSpPr>
+          <p:cNvPr id="9" name="Can 8">
+            <a:extLst>
+              <a:ext uri="{FF2B5EF4-FFF2-40B4-BE49-F238E27FC236}">
+                <a16:creationId xmlns:a16="http://schemas.microsoft.com/office/drawing/2014/main" id="{81DAF4F2-6BF5-E548-8EAF-9F369F704A55}"/>
+              </a:ext>
+            </a:extLst>
+          </p:cNvPr>
+          <p:cNvSpPr/>
+          <p:nvPr/>
+        </p:nvSpPr>
+        <p:spPr>
+          <a:xfrm>
+            <a:off x="5651863" y="3353190"/>
+            <a:ext cx="3596640" cy="864326"/>
+          </a:xfrm>
+          <a:prstGeom prst="can">
+            <a:avLst/>
+          </a:prstGeom>
+        </p:spPr>
+        <p:style>
+          <a:lnRef idx="2">
+            <a:schemeClr val="accent1">
+              <a:shade val="50000"/>
+            </a:schemeClr>
+          </a:lnRef>
+          <a:fillRef idx="1">
+            <a:schemeClr val="accent1"/>
+          </a:fillRef>
+          <a:effectRef idx="0">
+            <a:schemeClr val="accent1"/>
+          </a:effectRef>
+          <a:fontRef idx="minor">
+            <a:schemeClr val="lt1"/>
+          </a:fontRef>
+        </p:style>
+        <p:txBody>
+          <a:bodyPr rtlCol="0" anchor="ctr"/>
+          <a:lstStyle/>
+          <a:p>
+            <a:pPr algn="ctr"/>
+            <a:endParaRPr lang="en-US"/>
+          </a:p>
+        </p:txBody>
+      </p:sp>
+      <p:sp>
+        <p:nvSpPr>
+          <p:cNvPr id="10" name="Up-down Arrow 9">
+            <a:extLst>
+              <a:ext uri="{FF2B5EF4-FFF2-40B4-BE49-F238E27FC236}">
+                <a16:creationId xmlns:a16="http://schemas.microsoft.com/office/drawing/2014/main" id="{6973BB67-A4F6-B242-992A-E8B9BB12D1CD}"/>
+              </a:ext>
+            </a:extLst>
+          </p:cNvPr>
+          <p:cNvSpPr/>
+          <p:nvPr/>
+        </p:nvSpPr>
+        <p:spPr>
+          <a:xfrm>
+            <a:off x="6239691" y="2877792"/>
+            <a:ext cx="204652" cy="551208"/>
+          </a:xfrm>
+          <a:prstGeom prst="upDownArrow">
+            <a:avLst/>
+          </a:prstGeom>
+        </p:spPr>
+        <p:style>
+          <a:lnRef idx="2">
+            <a:schemeClr val="accent1">
+              <a:shade val="50000"/>
+            </a:schemeClr>
+          </a:lnRef>
+          <a:fillRef idx="1">
+            <a:schemeClr val="accent1"/>
+          </a:fillRef>
+          <a:effectRef idx="0">
+            <a:schemeClr val="accent1"/>
+          </a:effectRef>
+          <a:fontRef idx="minor">
+            <a:schemeClr val="lt1"/>
+          </a:fontRef>
+        </p:style>
+        <p:txBody>
+          <a:bodyPr rtlCol="0" anchor="ctr"/>
+          <a:lstStyle/>
+          <a:p>
+            <a:pPr algn="ctr"/>
+            <a:endParaRPr lang="en-US"/>
+          </a:p>
+        </p:txBody>
+      </p:sp>
+      <p:sp>
+        <p:nvSpPr>
+          <p:cNvPr id="11" name="Up-down Arrow 10">
+            <a:extLst>
+              <a:ext uri="{FF2B5EF4-FFF2-40B4-BE49-F238E27FC236}">
+                <a16:creationId xmlns:a16="http://schemas.microsoft.com/office/drawing/2014/main" id="{D5D49D32-C8BC-DF40-84E3-7B9BFCBFBEAE}"/>
+              </a:ext>
+            </a:extLst>
+          </p:cNvPr>
+          <p:cNvSpPr/>
+          <p:nvPr/>
+        </p:nvSpPr>
+        <p:spPr>
+          <a:xfrm>
+            <a:off x="8371114" y="2874835"/>
+            <a:ext cx="204652" cy="551208"/>
+          </a:xfrm>
+          <a:prstGeom prst="upDownArrow">
+            <a:avLst/>
+          </a:prstGeom>
+        </p:spPr>
+        <p:style>
+          <a:lnRef idx="2">
+            <a:schemeClr val="accent1">
+              <a:shade val="50000"/>
+            </a:schemeClr>
+          </a:lnRef>
+          <a:fillRef idx="1">
+            <a:schemeClr val="accent1"/>
+          </a:fillRef>
+          <a:effectRef idx="0">
+            <a:schemeClr val="accent1"/>
+          </a:effectRef>
+          <a:fontRef idx="minor">
+            <a:schemeClr val="lt1"/>
+          </a:fontRef>
+        </p:style>
+        <p:txBody>
+          <a:bodyPr rtlCol="0" anchor="ctr"/>
+          <a:lstStyle/>
+          <a:p>
+            <a:pPr algn="ctr"/>
+            <a:endParaRPr lang="en-US"/>
+          </a:p>
+        </p:txBody>
+      </p:sp>
+      <p:sp>
+        <p:nvSpPr>
+          <p:cNvPr id="12" name="Up-down Arrow 11">
+            <a:extLst>
+              <a:ext uri="{FF2B5EF4-FFF2-40B4-BE49-F238E27FC236}">
+                <a16:creationId xmlns:a16="http://schemas.microsoft.com/office/drawing/2014/main" id="{E51A62D3-C54D-3845-8798-E83DC1462BAF}"/>
+              </a:ext>
+            </a:extLst>
+          </p:cNvPr>
+          <p:cNvSpPr/>
+          <p:nvPr/>
+        </p:nvSpPr>
+        <p:spPr>
+          <a:xfrm>
+            <a:off x="8371114" y="4005665"/>
+            <a:ext cx="204652" cy="551208"/>
+          </a:xfrm>
+          <a:prstGeom prst="upDownArrow">
+            <a:avLst/>
+          </a:prstGeom>
+        </p:spPr>
+        <p:style>
+          <a:lnRef idx="2">
+            <a:schemeClr val="accent1">
+              <a:shade val="50000"/>
+            </a:schemeClr>
+          </a:lnRef>
+          <a:fillRef idx="1">
+            <a:schemeClr val="accent1"/>
+          </a:fillRef>
+          <a:effectRef idx="0">
+            <a:schemeClr val="accent1"/>
+          </a:effectRef>
+          <a:fontRef idx="minor">
+            <a:schemeClr val="lt1"/>
+          </a:fontRef>
+        </p:style>
+        <p:txBody>
+          <a:bodyPr rtlCol="0" anchor="ctr"/>
+          <a:lstStyle/>
+          <a:p>
+            <a:pPr algn="ctr"/>
+            <a:endParaRPr lang="en-US"/>
+          </a:p>
+        </p:txBody>
+      </p:sp>
+      <p:sp>
+        <p:nvSpPr>
+          <p:cNvPr id="13" name="Up-down Arrow 12">
+            <a:extLst>
+              <a:ext uri="{FF2B5EF4-FFF2-40B4-BE49-F238E27FC236}">
+                <a16:creationId xmlns:a16="http://schemas.microsoft.com/office/drawing/2014/main" id="{A1408AB3-A3D2-B24A-8C0E-EF1F55FD8ABE}"/>
+              </a:ext>
+            </a:extLst>
+          </p:cNvPr>
+          <p:cNvSpPr/>
+          <p:nvPr/>
+        </p:nvSpPr>
+        <p:spPr>
+          <a:xfrm>
+            <a:off x="6239691" y="4069696"/>
+            <a:ext cx="204652" cy="551208"/>
+          </a:xfrm>
+          <a:prstGeom prst="upDownArrow">
+            <a:avLst/>
+          </a:prstGeom>
+        </p:spPr>
+        <p:style>
+          <a:lnRef idx="2">
+            <a:schemeClr val="accent1">
+              <a:shade val="50000"/>
+            </a:schemeClr>
+          </a:lnRef>
+          <a:fillRef idx="1">
+            <a:schemeClr val="accent1"/>
+          </a:fillRef>
+          <a:effectRef idx="0">
+            <a:schemeClr val="accent1"/>
+          </a:effectRef>
+          <a:fontRef idx="minor">
+            <a:schemeClr val="lt1"/>
+          </a:fontRef>
+        </p:style>
+        <p:txBody>
+          <a:bodyPr rtlCol="0" anchor="ctr"/>
+          <a:lstStyle/>
+          <a:p>
+            <a:pPr algn="ctr"/>
+            <a:endParaRPr lang="en-US"/>
+          </a:p>
+        </p:txBody>
+      </p:sp>
+      <p:sp>
+        <p:nvSpPr>
+          <p:cNvPr id="14" name="TextBox 13">
+            <a:extLst>
+              <a:ext uri="{FF2B5EF4-FFF2-40B4-BE49-F238E27FC236}">
+                <a16:creationId xmlns:a16="http://schemas.microsoft.com/office/drawing/2014/main" id="{68C561C1-1BE1-0A48-B69E-AA4F7ECF8E43}"/>
+              </a:ext>
+            </a:extLst>
+          </p:cNvPr>
+          <p:cNvSpPr txBox="1"/>
+          <p:nvPr/>
+        </p:nvSpPr>
+        <p:spPr>
+          <a:xfrm>
+            <a:off x="130629" y="850871"/>
+            <a:ext cx="4604657" cy="3970318"/>
+          </a:xfrm>
+          <a:prstGeom prst="rect">
+            <a:avLst/>
+          </a:prstGeom>
+          <a:noFill/>
+        </p:spPr>
+        <p:txBody>
+          <a:bodyPr wrap="square" rtlCol="0">
+            <a:spAutoFit/>
+          </a:bodyPr>
+          <a:lstStyle/>
+          <a:p>
+            <a:r>
+              <a:rPr lang="en-US" dirty="0"/>
+              <a:t>Adv. : Predictable hosting model where each VM has public accessibility, it has knowledge of its Application runtime, management, security, etc. This is classic </a:t>
+            </a:r>
+            <a:r>
+              <a:rPr lang="en-US" dirty="0" err="1"/>
+              <a:t>WebFarm</a:t>
+            </a:r>
+            <a:r>
+              <a:rPr lang="en-US" dirty="0"/>
+              <a:t> concept</a:t>
+            </a:r>
+          </a:p>
+          <a:p>
+            <a:endParaRPr lang="en-US" dirty="0"/>
+          </a:p>
+          <a:p>
+            <a:r>
+              <a:rPr lang="en-US" dirty="0"/>
+              <a:t>Limitations: Each VM must be created explicitly. IF VM crash, then the app will crash and there is possibility of data loss. If there is dependency across services/Apps running on separate VMs then if the dependency VM crash then the app will also crash</a:t>
+            </a:r>
+          </a:p>
+          <a:p>
+            <a:endParaRPr lang="en-US" dirty="0"/>
+          </a:p>
+          <a:p>
+            <a:r>
+              <a:rPr lang="en-US" dirty="0"/>
+              <a:t>To prevent the app from going down, we must create a VM Cluster   </a:t>
+            </a:r>
+          </a:p>
+        </p:txBody>
+      </p:sp>
+      <p:sp>
+        <p:nvSpPr>
+          <p:cNvPr id="15" name="Right Arrow 14">
+            <a:extLst>
+              <a:ext uri="{FF2B5EF4-FFF2-40B4-BE49-F238E27FC236}">
+                <a16:creationId xmlns:a16="http://schemas.microsoft.com/office/drawing/2014/main" id="{C87692A1-58E3-054A-A77B-770E99130B33}"/>
+              </a:ext>
+            </a:extLst>
+          </p:cNvPr>
+          <p:cNvSpPr/>
+          <p:nvPr/>
+        </p:nvSpPr>
+        <p:spPr>
+          <a:xfrm>
+            <a:off x="7067006" y="2107083"/>
+            <a:ext cx="761999" cy="218106"/>
+          </a:xfrm>
+          <a:prstGeom prst="rightArrow">
+            <a:avLst/>
+          </a:prstGeom>
+        </p:spPr>
+        <p:style>
+          <a:lnRef idx="2">
+            <a:schemeClr val="accent1">
+              <a:shade val="50000"/>
+            </a:schemeClr>
+          </a:lnRef>
+          <a:fillRef idx="1">
+            <a:schemeClr val="accent1"/>
+          </a:fillRef>
+          <a:effectRef idx="0">
+            <a:schemeClr val="accent1"/>
+          </a:effectRef>
+          <a:fontRef idx="minor">
+            <a:schemeClr val="lt1"/>
+          </a:fontRef>
+        </p:style>
+        <p:txBody>
+          <a:bodyPr rtlCol="0" anchor="ctr"/>
+          <a:lstStyle/>
+          <a:p>
+            <a:pPr algn="ctr"/>
+            <a:endParaRPr lang="en-US"/>
+          </a:p>
+        </p:txBody>
+      </p:sp>
+      <p:sp>
+        <p:nvSpPr>
+          <p:cNvPr id="16" name="Down Arrow 15">
+            <a:extLst>
+              <a:ext uri="{FF2B5EF4-FFF2-40B4-BE49-F238E27FC236}">
+                <a16:creationId xmlns:a16="http://schemas.microsoft.com/office/drawing/2014/main" id="{4ECE8438-1BD5-924A-B340-48B67DBB0D20}"/>
+              </a:ext>
+            </a:extLst>
+          </p:cNvPr>
+          <p:cNvSpPr/>
+          <p:nvPr/>
+        </p:nvSpPr>
+        <p:spPr>
+          <a:xfrm>
+            <a:off x="9376955" y="2888565"/>
+            <a:ext cx="45719" cy="1631492"/>
+          </a:xfrm>
+          <a:prstGeom prst="downArrow">
+            <a:avLst/>
+          </a:prstGeom>
+        </p:spPr>
+        <p:style>
+          <a:lnRef idx="2">
+            <a:schemeClr val="accent1">
+              <a:shade val="50000"/>
+            </a:schemeClr>
+          </a:lnRef>
+          <a:fillRef idx="1">
+            <a:schemeClr val="accent1"/>
+          </a:fillRef>
+          <a:effectRef idx="0">
+            <a:schemeClr val="accent1"/>
+          </a:effectRef>
+          <a:fontRef idx="minor">
+            <a:schemeClr val="lt1"/>
+          </a:fontRef>
+        </p:style>
+        <p:txBody>
+          <a:bodyPr rtlCol="0" anchor="ctr"/>
+          <a:lstStyle/>
+          <a:p>
+            <a:pPr algn="ctr"/>
+            <a:endParaRPr lang="en-US"/>
+          </a:p>
+        </p:txBody>
+      </p:sp>
+      <p:sp>
+        <p:nvSpPr>
+          <p:cNvPr id="17" name="Left Arrow 16">
+            <a:extLst>
+              <a:ext uri="{FF2B5EF4-FFF2-40B4-BE49-F238E27FC236}">
+                <a16:creationId xmlns:a16="http://schemas.microsoft.com/office/drawing/2014/main" id="{9DC658DA-DCD9-C34E-B1A0-065A19B40F75}"/>
+              </a:ext>
+            </a:extLst>
+          </p:cNvPr>
+          <p:cNvSpPr/>
+          <p:nvPr/>
+        </p:nvSpPr>
+        <p:spPr>
+          <a:xfrm>
+            <a:off x="7067006" y="5338354"/>
+            <a:ext cx="756557" cy="183271"/>
+          </a:xfrm>
+          <a:prstGeom prst="leftArrow">
+            <a:avLst/>
+          </a:prstGeom>
+        </p:spPr>
+        <p:style>
+          <a:lnRef idx="2">
+            <a:schemeClr val="accent1">
+              <a:shade val="50000"/>
+            </a:schemeClr>
+          </a:lnRef>
+          <a:fillRef idx="1">
+            <a:schemeClr val="accent1"/>
+          </a:fillRef>
+          <a:effectRef idx="0">
+            <a:schemeClr val="accent1"/>
+          </a:effectRef>
+          <a:fontRef idx="minor">
+            <a:schemeClr val="lt1"/>
+          </a:fontRef>
+        </p:style>
+        <p:txBody>
+          <a:bodyPr rtlCol="0" anchor="ctr"/>
+          <a:lstStyle/>
+          <a:p>
+            <a:pPr algn="ctr"/>
+            <a:endParaRPr lang="en-US"/>
+          </a:p>
+        </p:txBody>
+      </p:sp>
+      <p:sp>
+        <p:nvSpPr>
+          <p:cNvPr id="18" name="&quot;No&quot; Symbol 17">
+            <a:extLst>
+              <a:ext uri="{FF2B5EF4-FFF2-40B4-BE49-F238E27FC236}">
+                <a16:creationId xmlns:a16="http://schemas.microsoft.com/office/drawing/2014/main" id="{86EE2384-3DD4-4B46-8CCE-E652FC6B9799}"/>
+              </a:ext>
+            </a:extLst>
+          </p:cNvPr>
+          <p:cNvSpPr/>
+          <p:nvPr/>
+        </p:nvSpPr>
+        <p:spPr>
+          <a:xfrm>
+            <a:off x="5495109" y="4556873"/>
+            <a:ext cx="1571897" cy="1552190"/>
+          </a:xfrm>
+          <a:prstGeom prst="noSmoking">
+            <a:avLst/>
+          </a:prstGeom>
+          <a:solidFill>
+            <a:srgbClr val="FF0000"/>
+          </a:solidFill>
+        </p:spPr>
+        <p:style>
+          <a:lnRef idx="2">
+            <a:schemeClr val="accent1">
+              <a:shade val="50000"/>
+            </a:schemeClr>
+          </a:lnRef>
+          <a:fillRef idx="1">
+            <a:schemeClr val="accent1"/>
+          </a:fillRef>
+          <a:effectRef idx="0">
+            <a:schemeClr val="accent1"/>
+          </a:effectRef>
+          <a:fontRef idx="minor">
+            <a:schemeClr val="lt1"/>
+          </a:fontRef>
+        </p:style>
+        <p:txBody>
+          <a:bodyPr rtlCol="0" anchor="ctr"/>
+          <a:lstStyle/>
+          <a:p>
+            <a:pPr algn="ctr"/>
+            <a:endParaRPr lang="en-US">
+              <a:solidFill>
+                <a:schemeClr val="tx1"/>
+              </a:solidFill>
+            </a:endParaRPr>
+          </a:p>
+        </p:txBody>
+      </p:sp>
+    </p:spTree>
+    <p:extLst>
+      <p:ext uri="{BB962C8B-B14F-4D97-AF65-F5344CB8AC3E}">
+        <p14:creationId xmlns:p14="http://schemas.microsoft.com/office/powerpoint/2010/main" val="1161551737"/>
+      </p:ext>
+    </p:extLst>
+  </p:cSld>
+  <p:clrMapOvr>
+    <a:masterClrMapping/>
+  </p:clrMapOvr>
+</p:sld>
+</file>
+
+<file path=ppt/slides/slide67.xml><?xml version="1.0" encoding="utf-8"?>
+<p:sld xmlns:a="http://schemas.openxmlformats.org/drawingml/2006/main" xmlns:r="http://schemas.openxmlformats.org/officeDocument/2006/relationships" xmlns:p="http://schemas.openxmlformats.org/presentationml/2006/main">
+  <p:cSld>
+    <p:spTree>
+      <p:nvGrpSpPr>
+        <p:cNvPr id="1" name=""/>
+        <p:cNvGrpSpPr/>
+        <p:nvPr/>
+      </p:nvGrpSpPr>
+      <p:grpSpPr>
+        <a:xfrm>
+          <a:off x="0" y="0"/>
+          <a:ext cx="0" cy="0"/>
+          <a:chOff x="0" y="0"/>
+          <a:chExt cx="0" cy="0"/>
+        </a:xfrm>
+      </p:grpSpPr>
+      <p:sp>
+        <p:nvSpPr>
+          <p:cNvPr id="2" name="Cube 1">
+            <a:extLst>
+              <a:ext uri="{FF2B5EF4-FFF2-40B4-BE49-F238E27FC236}">
+                <a16:creationId xmlns:a16="http://schemas.microsoft.com/office/drawing/2014/main" id="{DC9795A7-FDFC-4549-81ED-996C15D7729D}"/>
+              </a:ext>
+            </a:extLst>
+          </p:cNvPr>
+          <p:cNvSpPr/>
+          <p:nvPr/>
+        </p:nvSpPr>
+        <p:spPr>
+          <a:xfrm>
+            <a:off x="3570514" y="191589"/>
+            <a:ext cx="7863839" cy="6522720"/>
+          </a:xfrm>
+          <a:prstGeom prst="cube">
+            <a:avLst>
+              <a:gd name="adj" fmla="val 4141"/>
+            </a:avLst>
+          </a:prstGeom>
+        </p:spPr>
+        <p:style>
+          <a:lnRef idx="0">
+            <a:schemeClr val="accent3"/>
+          </a:lnRef>
+          <a:fillRef idx="3">
+            <a:schemeClr val="accent3"/>
+          </a:fillRef>
+          <a:effectRef idx="3">
+            <a:schemeClr val="accent3"/>
+          </a:effectRef>
+          <a:fontRef idx="minor">
+            <a:schemeClr val="lt1"/>
+          </a:fontRef>
+        </p:style>
+        <p:txBody>
+          <a:bodyPr rtlCol="0" anchor="ctr"/>
+          <a:lstStyle/>
+          <a:p>
+            <a:pPr algn="ctr"/>
+            <a:endParaRPr lang="en-US"/>
+          </a:p>
+        </p:txBody>
+      </p:sp>
+      <p:sp>
+        <p:nvSpPr>
+          <p:cNvPr id="3" name="Rectangle 2">
+            <a:extLst>
+              <a:ext uri="{FF2B5EF4-FFF2-40B4-BE49-F238E27FC236}">
+                <a16:creationId xmlns:a16="http://schemas.microsoft.com/office/drawing/2014/main" id="{D91AC86A-BCB6-1D48-B773-E9213E042C2C}"/>
+              </a:ext>
+            </a:extLst>
+          </p:cNvPr>
+          <p:cNvSpPr/>
+          <p:nvPr/>
+        </p:nvSpPr>
+        <p:spPr>
+          <a:xfrm>
+            <a:off x="3831770" y="731520"/>
+            <a:ext cx="3056709" cy="2612571"/>
+          </a:xfrm>
+          <a:prstGeom prst="rect">
+            <a:avLst/>
+          </a:prstGeom>
+        </p:spPr>
+        <p:style>
+          <a:lnRef idx="2">
+            <a:schemeClr val="accent1">
+              <a:shade val="50000"/>
+            </a:schemeClr>
+          </a:lnRef>
+          <a:fillRef idx="1">
+            <a:schemeClr val="accent1"/>
+          </a:fillRef>
+          <a:effectRef idx="0">
+            <a:schemeClr val="accent1"/>
+          </a:effectRef>
+          <a:fontRef idx="minor">
+            <a:schemeClr val="lt1"/>
+          </a:fontRef>
+        </p:style>
+        <p:txBody>
+          <a:bodyPr rtlCol="0" anchor="ctr"/>
+          <a:lstStyle/>
+          <a:p>
+            <a:pPr algn="ctr"/>
+            <a:endParaRPr lang="en-US"/>
+          </a:p>
+        </p:txBody>
+      </p:sp>
+      <p:sp>
+        <p:nvSpPr>
+          <p:cNvPr id="4" name="TextBox 3">
+            <a:extLst>
+              <a:ext uri="{FF2B5EF4-FFF2-40B4-BE49-F238E27FC236}">
+                <a16:creationId xmlns:a16="http://schemas.microsoft.com/office/drawing/2014/main" id="{077850DF-C9B0-FD48-BD6F-66F2D93B65C4}"/>
+              </a:ext>
+            </a:extLst>
+          </p:cNvPr>
+          <p:cNvSpPr txBox="1"/>
+          <p:nvPr/>
+        </p:nvSpPr>
+        <p:spPr>
+          <a:xfrm>
+            <a:off x="4171406" y="783771"/>
+            <a:ext cx="2386148" cy="369332"/>
+          </a:xfrm>
+          <a:prstGeom prst="rect">
+            <a:avLst/>
+          </a:prstGeom>
+          <a:noFill/>
+        </p:spPr>
+        <p:txBody>
+          <a:bodyPr wrap="square" rtlCol="0">
+            <a:spAutoFit/>
+          </a:bodyPr>
+          <a:lstStyle/>
+          <a:p>
+            <a:pPr algn="ctr"/>
+            <a:r>
+              <a:rPr lang="en-US" b="1" dirty="0"/>
+              <a:t>Server Rack</a:t>
+            </a:r>
+          </a:p>
+        </p:txBody>
+      </p:sp>
+      <p:sp>
+        <p:nvSpPr>
+          <p:cNvPr id="5" name="Rounded Rectangle 4">
+            <a:extLst>
+              <a:ext uri="{FF2B5EF4-FFF2-40B4-BE49-F238E27FC236}">
+                <a16:creationId xmlns:a16="http://schemas.microsoft.com/office/drawing/2014/main" id="{6C38F262-AFBC-C944-8B9F-E621AFA6C1AF}"/>
+              </a:ext>
+            </a:extLst>
+          </p:cNvPr>
+          <p:cNvSpPr/>
+          <p:nvPr/>
+        </p:nvSpPr>
+        <p:spPr>
+          <a:xfrm>
+            <a:off x="3997234" y="1323703"/>
+            <a:ext cx="670560" cy="548640"/>
+          </a:xfrm>
+          <a:prstGeom prst="roundRect">
+            <a:avLst/>
+          </a:prstGeom>
+          <a:solidFill>
+            <a:srgbClr val="FFFF00"/>
+          </a:solidFill>
+        </p:spPr>
+        <p:style>
+          <a:lnRef idx="2">
+            <a:schemeClr val="accent1">
+              <a:shade val="50000"/>
+            </a:schemeClr>
+          </a:lnRef>
+          <a:fillRef idx="1">
+            <a:schemeClr val="accent1"/>
+          </a:fillRef>
+          <a:effectRef idx="0">
+            <a:schemeClr val="accent1"/>
+          </a:effectRef>
+          <a:fontRef idx="minor">
+            <a:schemeClr val="lt1"/>
+          </a:fontRef>
+        </p:style>
+        <p:txBody>
+          <a:bodyPr rtlCol="0" anchor="ctr"/>
+          <a:lstStyle/>
+          <a:p>
+            <a:pPr algn="ctr"/>
+            <a:r>
+              <a:rPr lang="en-US" dirty="0">
+                <a:ln w="0"/>
+                <a:solidFill>
+                  <a:schemeClr val="tx1"/>
+                </a:solidFill>
+                <a:effectLst>
+                  <a:outerShdw blurRad="38100" dist="19050" dir="2700000" algn="tl" rotWithShape="0">
+                    <a:schemeClr val="dk1">
+                      <a:alpha val="40000"/>
+                    </a:schemeClr>
+                  </a:outerShdw>
+                </a:effectLst>
+              </a:rPr>
+              <a:t>VM</a:t>
+            </a:r>
+            <a:endParaRPr lang="en-US" dirty="0"/>
+          </a:p>
+        </p:txBody>
+      </p:sp>
+      <p:sp>
+        <p:nvSpPr>
+          <p:cNvPr id="6" name="Rounded Rectangle 5">
+            <a:extLst>
+              <a:ext uri="{FF2B5EF4-FFF2-40B4-BE49-F238E27FC236}">
+                <a16:creationId xmlns:a16="http://schemas.microsoft.com/office/drawing/2014/main" id="{BEDA65C7-D973-B14E-A330-D3987ABE3533}"/>
+              </a:ext>
+            </a:extLst>
+          </p:cNvPr>
+          <p:cNvSpPr/>
+          <p:nvPr/>
+        </p:nvSpPr>
+        <p:spPr>
+          <a:xfrm>
+            <a:off x="5024844" y="1323703"/>
+            <a:ext cx="670560" cy="548640"/>
+          </a:xfrm>
+          <a:prstGeom prst="roundRect">
+            <a:avLst/>
+          </a:prstGeom>
+          <a:solidFill>
+            <a:srgbClr val="FFFF00"/>
+          </a:solidFill>
+        </p:spPr>
+        <p:style>
+          <a:lnRef idx="2">
+            <a:schemeClr val="accent1">
+              <a:shade val="50000"/>
+            </a:schemeClr>
+          </a:lnRef>
+          <a:fillRef idx="1">
+            <a:schemeClr val="accent1"/>
+          </a:fillRef>
+          <a:effectRef idx="0">
+            <a:schemeClr val="accent1"/>
+          </a:effectRef>
+          <a:fontRef idx="minor">
+            <a:schemeClr val="lt1"/>
+          </a:fontRef>
+        </p:style>
+        <p:txBody>
+          <a:bodyPr rtlCol="0" anchor="ctr"/>
+          <a:lstStyle/>
+          <a:p>
+            <a:pPr algn="ctr"/>
+            <a:r>
+              <a:rPr lang="en-US" dirty="0">
+                <a:ln w="0"/>
+                <a:solidFill>
+                  <a:schemeClr val="tx1"/>
+                </a:solidFill>
+                <a:effectLst>
+                  <a:outerShdw blurRad="38100" dist="19050" dir="2700000" algn="tl" rotWithShape="0">
+                    <a:schemeClr val="dk1">
+                      <a:alpha val="40000"/>
+                    </a:schemeClr>
+                  </a:outerShdw>
+                </a:effectLst>
+              </a:rPr>
+              <a:t>VM</a:t>
+            </a:r>
+            <a:endParaRPr lang="en-US" dirty="0"/>
+          </a:p>
+        </p:txBody>
+      </p:sp>
+      <p:sp>
+        <p:nvSpPr>
+          <p:cNvPr id="7" name="Rounded Rectangle 6">
+            <a:extLst>
+              <a:ext uri="{FF2B5EF4-FFF2-40B4-BE49-F238E27FC236}">
+                <a16:creationId xmlns:a16="http://schemas.microsoft.com/office/drawing/2014/main" id="{5CD07023-45DE-084D-9364-7195540A67BE}"/>
+              </a:ext>
+            </a:extLst>
+          </p:cNvPr>
+          <p:cNvSpPr/>
+          <p:nvPr/>
+        </p:nvSpPr>
+        <p:spPr>
+          <a:xfrm>
+            <a:off x="6061164" y="1323703"/>
+            <a:ext cx="670560" cy="548640"/>
+          </a:xfrm>
+          <a:prstGeom prst="roundRect">
+            <a:avLst/>
+          </a:prstGeom>
+          <a:solidFill>
+            <a:srgbClr val="FFFF00"/>
+          </a:solidFill>
+        </p:spPr>
+        <p:style>
+          <a:lnRef idx="2">
+            <a:schemeClr val="accent1">
+              <a:shade val="50000"/>
+            </a:schemeClr>
+          </a:lnRef>
+          <a:fillRef idx="1">
+            <a:schemeClr val="accent1"/>
+          </a:fillRef>
+          <a:effectRef idx="0">
+            <a:schemeClr val="accent1"/>
+          </a:effectRef>
+          <a:fontRef idx="minor">
+            <a:schemeClr val="lt1"/>
+          </a:fontRef>
+        </p:style>
+        <p:txBody>
+          <a:bodyPr rtlCol="0" anchor="ctr"/>
+          <a:lstStyle/>
+          <a:p>
+            <a:pPr algn="ctr"/>
+            <a:r>
+              <a:rPr lang="en-US" dirty="0">
+                <a:ln w="0"/>
+                <a:solidFill>
+                  <a:schemeClr val="tx1"/>
+                </a:solidFill>
+                <a:effectLst>
+                  <a:outerShdw blurRad="38100" dist="19050" dir="2700000" algn="tl" rotWithShape="0">
+                    <a:schemeClr val="dk1">
+                      <a:alpha val="40000"/>
+                    </a:schemeClr>
+                  </a:outerShdw>
+                </a:effectLst>
+              </a:rPr>
+              <a:t>VM</a:t>
+            </a:r>
+            <a:endParaRPr lang="en-US" dirty="0"/>
+          </a:p>
+        </p:txBody>
+      </p:sp>
+      <p:sp>
+        <p:nvSpPr>
+          <p:cNvPr id="8" name="Rounded Rectangle 7">
+            <a:extLst>
+              <a:ext uri="{FF2B5EF4-FFF2-40B4-BE49-F238E27FC236}">
+                <a16:creationId xmlns:a16="http://schemas.microsoft.com/office/drawing/2014/main" id="{72984BDB-0BE9-A347-BD9D-661B9ED1E3B8}"/>
+              </a:ext>
+            </a:extLst>
+          </p:cNvPr>
+          <p:cNvSpPr/>
+          <p:nvPr/>
+        </p:nvSpPr>
+        <p:spPr>
+          <a:xfrm>
+            <a:off x="3979815" y="2004757"/>
+            <a:ext cx="670560" cy="548640"/>
+          </a:xfrm>
+          <a:prstGeom prst="roundRect">
+            <a:avLst/>
+          </a:prstGeom>
+          <a:solidFill>
+            <a:srgbClr val="FFFF00"/>
+          </a:solidFill>
+        </p:spPr>
+        <p:style>
+          <a:lnRef idx="2">
+            <a:schemeClr val="accent1">
+              <a:shade val="50000"/>
+            </a:schemeClr>
+          </a:lnRef>
+          <a:fillRef idx="1">
+            <a:schemeClr val="accent1"/>
+          </a:fillRef>
+          <a:effectRef idx="0">
+            <a:schemeClr val="accent1"/>
+          </a:effectRef>
+          <a:fontRef idx="minor">
+            <a:schemeClr val="lt1"/>
+          </a:fontRef>
+        </p:style>
+        <p:txBody>
+          <a:bodyPr rtlCol="0" anchor="ctr"/>
+          <a:lstStyle/>
+          <a:p>
+            <a:pPr algn="ctr"/>
+            <a:r>
+              <a:rPr lang="en-US" dirty="0">
+                <a:ln w="0"/>
+                <a:solidFill>
+                  <a:schemeClr val="tx1"/>
+                </a:solidFill>
+                <a:effectLst>
+                  <a:outerShdw blurRad="38100" dist="19050" dir="2700000" algn="tl" rotWithShape="0">
+                    <a:schemeClr val="dk1">
+                      <a:alpha val="40000"/>
+                    </a:schemeClr>
+                  </a:outerShdw>
+                </a:effectLst>
+              </a:rPr>
+              <a:t>VM</a:t>
+            </a:r>
+            <a:endParaRPr lang="en-US" dirty="0"/>
+          </a:p>
+        </p:txBody>
+      </p:sp>
+      <p:sp>
+        <p:nvSpPr>
+          <p:cNvPr id="9" name="Rounded Rectangle 8">
+            <a:extLst>
+              <a:ext uri="{FF2B5EF4-FFF2-40B4-BE49-F238E27FC236}">
+                <a16:creationId xmlns:a16="http://schemas.microsoft.com/office/drawing/2014/main" id="{5A23BFF7-B55B-FB4F-AE3F-611FF79E1607}"/>
+              </a:ext>
+            </a:extLst>
+          </p:cNvPr>
+          <p:cNvSpPr/>
+          <p:nvPr/>
+        </p:nvSpPr>
+        <p:spPr>
+          <a:xfrm>
+            <a:off x="5007425" y="2004757"/>
+            <a:ext cx="670560" cy="548640"/>
+          </a:xfrm>
+          <a:prstGeom prst="roundRect">
+            <a:avLst/>
+          </a:prstGeom>
+          <a:solidFill>
+            <a:srgbClr val="C00000"/>
+          </a:solidFill>
+        </p:spPr>
+        <p:style>
+          <a:lnRef idx="2">
+            <a:schemeClr val="accent1">
+              <a:shade val="50000"/>
+            </a:schemeClr>
+          </a:lnRef>
+          <a:fillRef idx="1">
+            <a:schemeClr val="accent1"/>
+          </a:fillRef>
+          <a:effectRef idx="0">
+            <a:schemeClr val="accent1"/>
+          </a:effectRef>
+          <a:fontRef idx="minor">
+            <a:schemeClr val="lt1"/>
+          </a:fontRef>
+        </p:style>
+        <p:txBody>
+          <a:bodyPr rtlCol="0" anchor="ctr"/>
+          <a:lstStyle/>
+          <a:p>
+            <a:pPr algn="ctr"/>
+            <a:r>
+              <a:rPr lang="en-US" dirty="0">
+                <a:ln w="0"/>
+                <a:solidFill>
+                  <a:schemeClr val="tx1"/>
+                </a:solidFill>
+                <a:effectLst>
+                  <a:outerShdw blurRad="38100" dist="19050" dir="2700000" algn="tl" rotWithShape="0">
+                    <a:schemeClr val="dk1">
+                      <a:alpha val="40000"/>
+                    </a:schemeClr>
+                  </a:outerShdw>
+                </a:effectLst>
+              </a:rPr>
+              <a:t>VM</a:t>
+            </a:r>
+            <a:endParaRPr lang="en-US" dirty="0"/>
+          </a:p>
+        </p:txBody>
+      </p:sp>
+      <p:sp>
+        <p:nvSpPr>
+          <p:cNvPr id="10" name="Rounded Rectangle 9">
+            <a:extLst>
+              <a:ext uri="{FF2B5EF4-FFF2-40B4-BE49-F238E27FC236}">
+                <a16:creationId xmlns:a16="http://schemas.microsoft.com/office/drawing/2014/main" id="{B4DD39E0-E53D-6F45-B7CE-D62C09B5507E}"/>
+              </a:ext>
+            </a:extLst>
+          </p:cNvPr>
+          <p:cNvSpPr/>
+          <p:nvPr/>
+        </p:nvSpPr>
+        <p:spPr>
+          <a:xfrm>
+            <a:off x="6043745" y="2004757"/>
+            <a:ext cx="670560" cy="548640"/>
+          </a:xfrm>
+          <a:prstGeom prst="roundRect">
+            <a:avLst/>
+          </a:prstGeom>
+          <a:solidFill>
+            <a:srgbClr val="FFFF00"/>
+          </a:solidFill>
+        </p:spPr>
+        <p:style>
+          <a:lnRef idx="2">
+            <a:schemeClr val="accent1">
+              <a:shade val="50000"/>
+            </a:schemeClr>
+          </a:lnRef>
+          <a:fillRef idx="1">
+            <a:schemeClr val="accent1"/>
+          </a:fillRef>
+          <a:effectRef idx="0">
+            <a:schemeClr val="accent1"/>
+          </a:effectRef>
+          <a:fontRef idx="minor">
+            <a:schemeClr val="lt1"/>
+          </a:fontRef>
+        </p:style>
+        <p:txBody>
+          <a:bodyPr rtlCol="0" anchor="ctr"/>
+          <a:lstStyle/>
+          <a:p>
+            <a:pPr algn="ctr"/>
+            <a:r>
+              <a:rPr lang="en-US" dirty="0">
+                <a:ln w="0"/>
+                <a:solidFill>
+                  <a:schemeClr val="tx1"/>
+                </a:solidFill>
+                <a:effectLst>
+                  <a:outerShdw blurRad="38100" dist="19050" dir="2700000" algn="tl" rotWithShape="0">
+                    <a:schemeClr val="dk1">
+                      <a:alpha val="40000"/>
+                    </a:schemeClr>
+                  </a:outerShdw>
+                </a:effectLst>
+              </a:rPr>
+              <a:t>VM</a:t>
+            </a:r>
+            <a:endParaRPr lang="en-US" dirty="0"/>
+          </a:p>
+        </p:txBody>
+      </p:sp>
+      <p:sp>
+        <p:nvSpPr>
+          <p:cNvPr id="11" name="Rounded Rectangle 10">
+            <a:extLst>
+              <a:ext uri="{FF2B5EF4-FFF2-40B4-BE49-F238E27FC236}">
+                <a16:creationId xmlns:a16="http://schemas.microsoft.com/office/drawing/2014/main" id="{1A6EA4DB-FEDA-EB46-BDC3-1C8CACE76C65}"/>
+              </a:ext>
+            </a:extLst>
+          </p:cNvPr>
+          <p:cNvSpPr/>
+          <p:nvPr/>
+        </p:nvSpPr>
+        <p:spPr>
+          <a:xfrm>
+            <a:off x="3997234" y="2674424"/>
+            <a:ext cx="670560" cy="548640"/>
+          </a:xfrm>
+          <a:prstGeom prst="roundRect">
+            <a:avLst/>
+          </a:prstGeom>
+          <a:solidFill>
+            <a:srgbClr val="FFFF00"/>
+          </a:solidFill>
+        </p:spPr>
+        <p:style>
+          <a:lnRef idx="2">
+            <a:schemeClr val="accent1">
+              <a:shade val="50000"/>
+            </a:schemeClr>
+          </a:lnRef>
+          <a:fillRef idx="1">
+            <a:schemeClr val="accent1"/>
+          </a:fillRef>
+          <a:effectRef idx="0">
+            <a:schemeClr val="accent1"/>
+          </a:effectRef>
+          <a:fontRef idx="minor">
+            <a:schemeClr val="lt1"/>
+          </a:fontRef>
+        </p:style>
+        <p:txBody>
+          <a:bodyPr rtlCol="0" anchor="ctr"/>
+          <a:lstStyle/>
+          <a:p>
+            <a:pPr algn="ctr"/>
+            <a:r>
+              <a:rPr lang="en-US" dirty="0">
+                <a:ln w="0"/>
+                <a:solidFill>
+                  <a:schemeClr val="tx1"/>
+                </a:solidFill>
+                <a:effectLst>
+                  <a:outerShdw blurRad="38100" dist="19050" dir="2700000" algn="tl" rotWithShape="0">
+                    <a:schemeClr val="dk1">
+                      <a:alpha val="40000"/>
+                    </a:schemeClr>
+                  </a:outerShdw>
+                </a:effectLst>
+              </a:rPr>
+              <a:t>VM</a:t>
+            </a:r>
+            <a:endParaRPr lang="en-US" dirty="0"/>
+          </a:p>
+        </p:txBody>
+      </p:sp>
+      <p:sp>
+        <p:nvSpPr>
+          <p:cNvPr id="12" name="Rounded Rectangle 11">
+            <a:extLst>
+              <a:ext uri="{FF2B5EF4-FFF2-40B4-BE49-F238E27FC236}">
+                <a16:creationId xmlns:a16="http://schemas.microsoft.com/office/drawing/2014/main" id="{064F91D0-A897-C64F-8EDC-EA13D4FF2C7B}"/>
+              </a:ext>
+            </a:extLst>
+          </p:cNvPr>
+          <p:cNvSpPr/>
+          <p:nvPr/>
+        </p:nvSpPr>
+        <p:spPr>
+          <a:xfrm>
+            <a:off x="5024844" y="2674424"/>
+            <a:ext cx="670560" cy="548640"/>
+          </a:xfrm>
+          <a:prstGeom prst="roundRect">
+            <a:avLst/>
+          </a:prstGeom>
+          <a:solidFill>
+            <a:srgbClr val="FFFF00"/>
+          </a:solidFill>
+        </p:spPr>
+        <p:style>
+          <a:lnRef idx="2">
+            <a:schemeClr val="accent1">
+              <a:shade val="50000"/>
+            </a:schemeClr>
+          </a:lnRef>
+          <a:fillRef idx="1">
+            <a:schemeClr val="accent1"/>
+          </a:fillRef>
+          <a:effectRef idx="0">
+            <a:schemeClr val="accent1"/>
+          </a:effectRef>
+          <a:fontRef idx="minor">
+            <a:schemeClr val="lt1"/>
+          </a:fontRef>
+        </p:style>
+        <p:txBody>
+          <a:bodyPr rtlCol="0" anchor="ctr"/>
+          <a:lstStyle/>
+          <a:p>
+            <a:pPr algn="ctr"/>
+            <a:r>
+              <a:rPr lang="en-US" dirty="0">
+                <a:ln w="0"/>
+                <a:solidFill>
+                  <a:schemeClr val="tx1"/>
+                </a:solidFill>
+                <a:effectLst>
+                  <a:outerShdw blurRad="38100" dist="19050" dir="2700000" algn="tl" rotWithShape="0">
+                    <a:schemeClr val="dk1">
+                      <a:alpha val="40000"/>
+                    </a:schemeClr>
+                  </a:outerShdw>
+                </a:effectLst>
+              </a:rPr>
+              <a:t>VM</a:t>
+            </a:r>
+            <a:endParaRPr lang="en-US" dirty="0"/>
+          </a:p>
+        </p:txBody>
+      </p:sp>
+      <p:sp>
+        <p:nvSpPr>
+          <p:cNvPr id="13" name="Rounded Rectangle 12">
+            <a:extLst>
+              <a:ext uri="{FF2B5EF4-FFF2-40B4-BE49-F238E27FC236}">
+                <a16:creationId xmlns:a16="http://schemas.microsoft.com/office/drawing/2014/main" id="{9443A602-0CAE-EA49-A4D8-11D107F54A4A}"/>
+              </a:ext>
+            </a:extLst>
+          </p:cNvPr>
+          <p:cNvSpPr/>
+          <p:nvPr/>
+        </p:nvSpPr>
+        <p:spPr>
+          <a:xfrm>
+            <a:off x="6061164" y="2674424"/>
+            <a:ext cx="670560" cy="548640"/>
+          </a:xfrm>
+          <a:prstGeom prst="roundRect">
+            <a:avLst/>
+          </a:prstGeom>
+          <a:solidFill>
+            <a:srgbClr val="FFFF00"/>
+          </a:solidFill>
+        </p:spPr>
+        <p:style>
+          <a:lnRef idx="2">
+            <a:schemeClr val="accent1">
+              <a:shade val="50000"/>
+            </a:schemeClr>
+          </a:lnRef>
+          <a:fillRef idx="1">
+            <a:schemeClr val="accent1"/>
+          </a:fillRef>
+          <a:effectRef idx="0">
+            <a:schemeClr val="accent1"/>
+          </a:effectRef>
+          <a:fontRef idx="minor">
+            <a:schemeClr val="lt1"/>
+          </a:fontRef>
+        </p:style>
+        <p:txBody>
+          <a:bodyPr rtlCol="0" anchor="ctr"/>
+          <a:lstStyle/>
+          <a:p>
+            <a:pPr algn="ctr"/>
+            <a:r>
+              <a:rPr lang="en-US" dirty="0">
+                <a:ln w="0"/>
+                <a:solidFill>
+                  <a:schemeClr val="tx1"/>
+                </a:solidFill>
+                <a:effectLst>
+                  <a:outerShdw blurRad="38100" dist="19050" dir="2700000" algn="tl" rotWithShape="0">
+                    <a:schemeClr val="dk1">
+                      <a:alpha val="40000"/>
+                    </a:schemeClr>
+                  </a:outerShdw>
+                </a:effectLst>
+              </a:rPr>
+              <a:t>VM</a:t>
+            </a:r>
+            <a:endParaRPr lang="en-US" dirty="0"/>
+          </a:p>
+        </p:txBody>
+      </p:sp>
+      <p:sp>
+        <p:nvSpPr>
+          <p:cNvPr id="14" name="Rectangle 13">
+            <a:extLst>
+              <a:ext uri="{FF2B5EF4-FFF2-40B4-BE49-F238E27FC236}">
+                <a16:creationId xmlns:a16="http://schemas.microsoft.com/office/drawing/2014/main" id="{FCDDE2A0-31B0-BA4D-8B0B-162D590979A2}"/>
+              </a:ext>
+            </a:extLst>
+          </p:cNvPr>
+          <p:cNvSpPr/>
+          <p:nvPr/>
+        </p:nvSpPr>
+        <p:spPr>
+          <a:xfrm>
+            <a:off x="7467599" y="783772"/>
+            <a:ext cx="3056709" cy="2612571"/>
+          </a:xfrm>
+          <a:prstGeom prst="rect">
+            <a:avLst/>
+          </a:prstGeom>
+        </p:spPr>
+        <p:style>
+          <a:lnRef idx="2">
+            <a:schemeClr val="accent1">
+              <a:shade val="50000"/>
+            </a:schemeClr>
+          </a:lnRef>
+          <a:fillRef idx="1">
+            <a:schemeClr val="accent1"/>
+          </a:fillRef>
+          <a:effectRef idx="0">
+            <a:schemeClr val="accent1"/>
+          </a:effectRef>
+          <a:fontRef idx="minor">
+            <a:schemeClr val="lt1"/>
+          </a:fontRef>
+        </p:style>
+        <p:txBody>
+          <a:bodyPr rtlCol="0" anchor="ctr"/>
+          <a:lstStyle/>
+          <a:p>
+            <a:pPr algn="ctr"/>
+            <a:endParaRPr lang="en-US"/>
+          </a:p>
+        </p:txBody>
+      </p:sp>
+      <p:sp>
+        <p:nvSpPr>
+          <p:cNvPr id="15" name="TextBox 14">
+            <a:extLst>
+              <a:ext uri="{FF2B5EF4-FFF2-40B4-BE49-F238E27FC236}">
+                <a16:creationId xmlns:a16="http://schemas.microsoft.com/office/drawing/2014/main" id="{BC6E59A4-79F5-F546-92C3-5F33C36E913A}"/>
+              </a:ext>
+            </a:extLst>
+          </p:cNvPr>
+          <p:cNvSpPr txBox="1"/>
+          <p:nvPr/>
+        </p:nvSpPr>
+        <p:spPr>
+          <a:xfrm>
+            <a:off x="7807235" y="836023"/>
+            <a:ext cx="2386148" cy="369332"/>
+          </a:xfrm>
+          <a:prstGeom prst="rect">
+            <a:avLst/>
+          </a:prstGeom>
+          <a:noFill/>
+        </p:spPr>
+        <p:txBody>
+          <a:bodyPr wrap="square" rtlCol="0">
+            <a:spAutoFit/>
+          </a:bodyPr>
+          <a:lstStyle/>
+          <a:p>
+            <a:pPr algn="ctr"/>
+            <a:r>
+              <a:rPr lang="en-US" b="1" dirty="0"/>
+              <a:t>Server Rack</a:t>
+            </a:r>
+          </a:p>
+        </p:txBody>
+      </p:sp>
+      <p:sp>
+        <p:nvSpPr>
+          <p:cNvPr id="16" name="Rounded Rectangle 15">
+            <a:extLst>
+              <a:ext uri="{FF2B5EF4-FFF2-40B4-BE49-F238E27FC236}">
+                <a16:creationId xmlns:a16="http://schemas.microsoft.com/office/drawing/2014/main" id="{53785F09-F6F9-8A42-8308-B252FBE28DA4}"/>
+              </a:ext>
+            </a:extLst>
+          </p:cNvPr>
+          <p:cNvSpPr/>
+          <p:nvPr/>
+        </p:nvSpPr>
+        <p:spPr>
+          <a:xfrm>
+            <a:off x="7633063" y="1375955"/>
+            <a:ext cx="670560" cy="548640"/>
+          </a:xfrm>
+          <a:prstGeom prst="roundRect">
+            <a:avLst/>
+          </a:prstGeom>
+          <a:solidFill>
+            <a:srgbClr val="FFFF00"/>
+          </a:solidFill>
+        </p:spPr>
+        <p:style>
+          <a:lnRef idx="2">
+            <a:schemeClr val="accent1">
+              <a:shade val="50000"/>
+            </a:schemeClr>
+          </a:lnRef>
+          <a:fillRef idx="1">
+            <a:schemeClr val="accent1"/>
+          </a:fillRef>
+          <a:effectRef idx="0">
+            <a:schemeClr val="accent1"/>
+          </a:effectRef>
+          <a:fontRef idx="minor">
+            <a:schemeClr val="lt1"/>
+          </a:fontRef>
+        </p:style>
+        <p:txBody>
+          <a:bodyPr rtlCol="0" anchor="ctr"/>
+          <a:lstStyle/>
+          <a:p>
+            <a:pPr algn="ctr"/>
+            <a:r>
+              <a:rPr lang="en-US" dirty="0">
+                <a:ln w="0"/>
+                <a:solidFill>
+                  <a:schemeClr val="tx1"/>
+                </a:solidFill>
+                <a:effectLst>
+                  <a:outerShdw blurRad="38100" dist="19050" dir="2700000" algn="tl" rotWithShape="0">
+                    <a:schemeClr val="dk1">
+                      <a:alpha val="40000"/>
+                    </a:schemeClr>
+                  </a:outerShdw>
+                </a:effectLst>
+              </a:rPr>
+              <a:t>VM</a:t>
+            </a:r>
+            <a:endParaRPr lang="en-US" dirty="0"/>
+          </a:p>
+        </p:txBody>
+      </p:sp>
+      <p:sp>
+        <p:nvSpPr>
+          <p:cNvPr id="17" name="Rounded Rectangle 16">
+            <a:extLst>
+              <a:ext uri="{FF2B5EF4-FFF2-40B4-BE49-F238E27FC236}">
+                <a16:creationId xmlns:a16="http://schemas.microsoft.com/office/drawing/2014/main" id="{5CF65FAD-A4A7-754F-AB47-7521EAC1B864}"/>
+              </a:ext>
+            </a:extLst>
+          </p:cNvPr>
+          <p:cNvSpPr/>
+          <p:nvPr/>
+        </p:nvSpPr>
+        <p:spPr>
+          <a:xfrm>
+            <a:off x="8660673" y="1375955"/>
+            <a:ext cx="670560" cy="548640"/>
+          </a:xfrm>
+          <a:prstGeom prst="roundRect">
+            <a:avLst/>
+          </a:prstGeom>
+          <a:solidFill>
+            <a:srgbClr val="FFFF00"/>
+          </a:solidFill>
+        </p:spPr>
+        <p:style>
+          <a:lnRef idx="2">
+            <a:schemeClr val="accent1">
+              <a:shade val="50000"/>
+            </a:schemeClr>
+          </a:lnRef>
+          <a:fillRef idx="1">
+            <a:schemeClr val="accent1"/>
+          </a:fillRef>
+          <a:effectRef idx="0">
+            <a:schemeClr val="accent1"/>
+          </a:effectRef>
+          <a:fontRef idx="minor">
+            <a:schemeClr val="lt1"/>
+          </a:fontRef>
+        </p:style>
+        <p:txBody>
+          <a:bodyPr rtlCol="0" anchor="ctr"/>
+          <a:lstStyle/>
+          <a:p>
+            <a:pPr algn="ctr"/>
+            <a:r>
+              <a:rPr lang="en-US" dirty="0">
+                <a:ln w="0"/>
+                <a:solidFill>
+                  <a:schemeClr val="tx1"/>
+                </a:solidFill>
+                <a:effectLst>
+                  <a:outerShdw blurRad="38100" dist="19050" dir="2700000" algn="tl" rotWithShape="0">
+                    <a:schemeClr val="dk1">
+                      <a:alpha val="40000"/>
+                    </a:schemeClr>
+                  </a:outerShdw>
+                </a:effectLst>
+              </a:rPr>
+              <a:t>VM</a:t>
+            </a:r>
+            <a:endParaRPr lang="en-US" dirty="0"/>
+          </a:p>
+        </p:txBody>
+      </p:sp>
+      <p:sp>
+        <p:nvSpPr>
+          <p:cNvPr id="18" name="Rounded Rectangle 17">
+            <a:extLst>
+              <a:ext uri="{FF2B5EF4-FFF2-40B4-BE49-F238E27FC236}">
+                <a16:creationId xmlns:a16="http://schemas.microsoft.com/office/drawing/2014/main" id="{5EA7AAC3-E569-264D-B6DF-CB3C6F82AB60}"/>
+              </a:ext>
+            </a:extLst>
+          </p:cNvPr>
+          <p:cNvSpPr/>
+          <p:nvPr/>
+        </p:nvSpPr>
+        <p:spPr>
+          <a:xfrm>
+            <a:off x="9696993" y="1375955"/>
+            <a:ext cx="670560" cy="548640"/>
+          </a:xfrm>
+          <a:prstGeom prst="roundRect">
+            <a:avLst/>
+          </a:prstGeom>
+          <a:solidFill>
+            <a:srgbClr val="C00000"/>
+          </a:solidFill>
+        </p:spPr>
+        <p:style>
+          <a:lnRef idx="2">
+            <a:schemeClr val="accent1">
+              <a:shade val="50000"/>
+            </a:schemeClr>
+          </a:lnRef>
+          <a:fillRef idx="1">
+            <a:schemeClr val="accent1"/>
+          </a:fillRef>
+          <a:effectRef idx="0">
+            <a:schemeClr val="accent1"/>
+          </a:effectRef>
+          <a:fontRef idx="minor">
+            <a:schemeClr val="lt1"/>
+          </a:fontRef>
+        </p:style>
+        <p:txBody>
+          <a:bodyPr rtlCol="0" anchor="ctr"/>
+          <a:lstStyle/>
+          <a:p>
+            <a:pPr algn="ctr"/>
+            <a:r>
+              <a:rPr lang="en-US" dirty="0">
+                <a:ln w="0"/>
+                <a:solidFill>
+                  <a:schemeClr val="tx1"/>
+                </a:solidFill>
+                <a:effectLst>
+                  <a:outerShdw blurRad="38100" dist="19050" dir="2700000" algn="tl" rotWithShape="0">
+                    <a:schemeClr val="dk1">
+                      <a:alpha val="40000"/>
+                    </a:schemeClr>
+                  </a:outerShdw>
+                </a:effectLst>
+              </a:rPr>
+              <a:t>VM</a:t>
+            </a:r>
+            <a:endParaRPr lang="en-US" dirty="0"/>
+          </a:p>
+        </p:txBody>
+      </p:sp>
+      <p:sp>
+        <p:nvSpPr>
+          <p:cNvPr id="19" name="Rounded Rectangle 18">
+            <a:extLst>
+              <a:ext uri="{FF2B5EF4-FFF2-40B4-BE49-F238E27FC236}">
+                <a16:creationId xmlns:a16="http://schemas.microsoft.com/office/drawing/2014/main" id="{C9FA58B0-8F7C-5642-8588-EFB54ECD5C46}"/>
+              </a:ext>
+            </a:extLst>
+          </p:cNvPr>
+          <p:cNvSpPr/>
+          <p:nvPr/>
+        </p:nvSpPr>
+        <p:spPr>
+          <a:xfrm>
+            <a:off x="8643254" y="2057009"/>
+            <a:ext cx="670560" cy="548640"/>
+          </a:xfrm>
+          <a:prstGeom prst="roundRect">
+            <a:avLst/>
+          </a:prstGeom>
+          <a:solidFill>
+            <a:srgbClr val="C00000"/>
+          </a:solidFill>
+        </p:spPr>
+        <p:style>
+          <a:lnRef idx="2">
+            <a:schemeClr val="accent1">
+              <a:shade val="50000"/>
+            </a:schemeClr>
+          </a:lnRef>
+          <a:fillRef idx="1">
+            <a:schemeClr val="accent1"/>
+          </a:fillRef>
+          <a:effectRef idx="0">
+            <a:schemeClr val="accent1"/>
+          </a:effectRef>
+          <a:fontRef idx="minor">
+            <a:schemeClr val="lt1"/>
+          </a:fontRef>
+        </p:style>
+        <p:txBody>
+          <a:bodyPr rtlCol="0" anchor="ctr"/>
+          <a:lstStyle/>
+          <a:p>
+            <a:pPr algn="ctr"/>
+            <a:r>
+              <a:rPr lang="en-US" dirty="0">
+                <a:ln w="0"/>
+                <a:solidFill>
+                  <a:schemeClr val="tx1"/>
+                </a:solidFill>
+                <a:effectLst>
+                  <a:outerShdw blurRad="38100" dist="19050" dir="2700000" algn="tl" rotWithShape="0">
+                    <a:schemeClr val="dk1">
+                      <a:alpha val="40000"/>
+                    </a:schemeClr>
+                  </a:outerShdw>
+                </a:effectLst>
+              </a:rPr>
+              <a:t>VM</a:t>
+            </a:r>
+            <a:endParaRPr lang="en-US" dirty="0"/>
+          </a:p>
+        </p:txBody>
+      </p:sp>
+      <p:sp>
+        <p:nvSpPr>
+          <p:cNvPr id="20" name="Rounded Rectangle 19">
+            <a:extLst>
+              <a:ext uri="{FF2B5EF4-FFF2-40B4-BE49-F238E27FC236}">
+                <a16:creationId xmlns:a16="http://schemas.microsoft.com/office/drawing/2014/main" id="{14922010-4F5B-9F45-AE4A-AFDE5B4182EC}"/>
+              </a:ext>
+            </a:extLst>
+          </p:cNvPr>
+          <p:cNvSpPr/>
+          <p:nvPr/>
+        </p:nvSpPr>
+        <p:spPr>
+          <a:xfrm>
+            <a:off x="9679574" y="2057009"/>
+            <a:ext cx="670560" cy="548640"/>
+          </a:xfrm>
+          <a:prstGeom prst="roundRect">
+            <a:avLst/>
+          </a:prstGeom>
+          <a:solidFill>
+            <a:srgbClr val="FFFF00"/>
+          </a:solidFill>
+        </p:spPr>
+        <p:style>
+          <a:lnRef idx="2">
+            <a:schemeClr val="accent1">
+              <a:shade val="50000"/>
+            </a:schemeClr>
+          </a:lnRef>
+          <a:fillRef idx="1">
+            <a:schemeClr val="accent1"/>
+          </a:fillRef>
+          <a:effectRef idx="0">
+            <a:schemeClr val="accent1"/>
+          </a:effectRef>
+          <a:fontRef idx="minor">
+            <a:schemeClr val="lt1"/>
+          </a:fontRef>
+        </p:style>
+        <p:txBody>
+          <a:bodyPr rtlCol="0" anchor="ctr"/>
+          <a:lstStyle/>
+          <a:p>
+            <a:pPr algn="ctr"/>
+            <a:r>
+              <a:rPr lang="en-US" dirty="0">
+                <a:ln w="0"/>
+                <a:solidFill>
+                  <a:schemeClr val="tx1"/>
+                </a:solidFill>
+                <a:effectLst>
+                  <a:outerShdw blurRad="38100" dist="19050" dir="2700000" algn="tl" rotWithShape="0">
+                    <a:schemeClr val="dk1">
+                      <a:alpha val="40000"/>
+                    </a:schemeClr>
+                  </a:outerShdw>
+                </a:effectLst>
+              </a:rPr>
+              <a:t>VM</a:t>
+            </a:r>
+            <a:endParaRPr lang="en-US" dirty="0"/>
+          </a:p>
+        </p:txBody>
+      </p:sp>
+      <p:sp>
+        <p:nvSpPr>
+          <p:cNvPr id="21" name="Rounded Rectangle 20">
+            <a:extLst>
+              <a:ext uri="{FF2B5EF4-FFF2-40B4-BE49-F238E27FC236}">
+                <a16:creationId xmlns:a16="http://schemas.microsoft.com/office/drawing/2014/main" id="{E3B6DD5E-8EDA-B041-AEC8-DCE26D6F25F0}"/>
+              </a:ext>
+            </a:extLst>
+          </p:cNvPr>
+          <p:cNvSpPr/>
+          <p:nvPr/>
+        </p:nvSpPr>
+        <p:spPr>
+          <a:xfrm>
+            <a:off x="7633063" y="2726676"/>
+            <a:ext cx="670560" cy="548640"/>
+          </a:xfrm>
+          <a:prstGeom prst="roundRect">
+            <a:avLst/>
+          </a:prstGeom>
+          <a:solidFill>
+            <a:srgbClr val="C00000"/>
+          </a:solidFill>
+        </p:spPr>
+        <p:style>
+          <a:lnRef idx="2">
+            <a:schemeClr val="accent1">
+              <a:shade val="50000"/>
+            </a:schemeClr>
+          </a:lnRef>
+          <a:fillRef idx="1">
+            <a:schemeClr val="accent1"/>
+          </a:fillRef>
+          <a:effectRef idx="0">
+            <a:schemeClr val="accent1"/>
+          </a:effectRef>
+          <a:fontRef idx="minor">
+            <a:schemeClr val="lt1"/>
+          </a:fontRef>
+        </p:style>
+        <p:txBody>
+          <a:bodyPr rtlCol="0" anchor="ctr"/>
+          <a:lstStyle/>
+          <a:p>
+            <a:pPr algn="ctr"/>
+            <a:r>
+              <a:rPr lang="en-US" dirty="0">
+                <a:ln w="0"/>
+                <a:solidFill>
+                  <a:schemeClr val="tx1"/>
+                </a:solidFill>
+                <a:effectLst>
+                  <a:outerShdw blurRad="38100" dist="19050" dir="2700000" algn="tl" rotWithShape="0">
+                    <a:schemeClr val="dk1">
+                      <a:alpha val="40000"/>
+                    </a:schemeClr>
+                  </a:outerShdw>
+                </a:effectLst>
+              </a:rPr>
+              <a:t>VM</a:t>
+            </a:r>
+            <a:endParaRPr lang="en-US" dirty="0"/>
+          </a:p>
+        </p:txBody>
+      </p:sp>
+      <p:sp>
+        <p:nvSpPr>
+          <p:cNvPr id="22" name="Rounded Rectangle 21">
+            <a:extLst>
+              <a:ext uri="{FF2B5EF4-FFF2-40B4-BE49-F238E27FC236}">
+                <a16:creationId xmlns:a16="http://schemas.microsoft.com/office/drawing/2014/main" id="{2A08775C-6212-F946-BA57-80B035C27F37}"/>
+              </a:ext>
+            </a:extLst>
+          </p:cNvPr>
+          <p:cNvSpPr/>
+          <p:nvPr/>
+        </p:nvSpPr>
+        <p:spPr>
+          <a:xfrm>
+            <a:off x="8660673" y="2726676"/>
+            <a:ext cx="670560" cy="548640"/>
+          </a:xfrm>
+          <a:prstGeom prst="roundRect">
+            <a:avLst/>
+          </a:prstGeom>
+          <a:solidFill>
+            <a:srgbClr val="FFFF00"/>
+          </a:solidFill>
+        </p:spPr>
+        <p:style>
+          <a:lnRef idx="2">
+            <a:schemeClr val="accent1">
+              <a:shade val="50000"/>
+            </a:schemeClr>
+          </a:lnRef>
+          <a:fillRef idx="1">
+            <a:schemeClr val="accent1"/>
+          </a:fillRef>
+          <a:effectRef idx="0">
+            <a:schemeClr val="accent1"/>
+          </a:effectRef>
+          <a:fontRef idx="minor">
+            <a:schemeClr val="lt1"/>
+          </a:fontRef>
+        </p:style>
+        <p:txBody>
+          <a:bodyPr rtlCol="0" anchor="ctr"/>
+          <a:lstStyle/>
+          <a:p>
+            <a:pPr algn="ctr"/>
+            <a:r>
+              <a:rPr lang="en-US" dirty="0">
+                <a:ln w="0"/>
+                <a:solidFill>
+                  <a:schemeClr val="tx1"/>
+                </a:solidFill>
+                <a:effectLst>
+                  <a:outerShdw blurRad="38100" dist="19050" dir="2700000" algn="tl" rotWithShape="0">
+                    <a:schemeClr val="dk1">
+                      <a:alpha val="40000"/>
+                    </a:schemeClr>
+                  </a:outerShdw>
+                </a:effectLst>
+              </a:rPr>
+              <a:t>VM</a:t>
+            </a:r>
+            <a:endParaRPr lang="en-US" dirty="0"/>
+          </a:p>
+        </p:txBody>
+      </p:sp>
+      <p:sp>
+        <p:nvSpPr>
+          <p:cNvPr id="23" name="Rounded Rectangle 22">
+            <a:extLst>
+              <a:ext uri="{FF2B5EF4-FFF2-40B4-BE49-F238E27FC236}">
+                <a16:creationId xmlns:a16="http://schemas.microsoft.com/office/drawing/2014/main" id="{CC2519C2-3010-EB46-BA1E-5B8A5DA99CA1}"/>
+              </a:ext>
+            </a:extLst>
+          </p:cNvPr>
+          <p:cNvSpPr/>
+          <p:nvPr/>
+        </p:nvSpPr>
+        <p:spPr>
+          <a:xfrm>
+            <a:off x="9696993" y="2726676"/>
+            <a:ext cx="670560" cy="548640"/>
+          </a:xfrm>
+          <a:prstGeom prst="roundRect">
+            <a:avLst/>
+          </a:prstGeom>
+          <a:solidFill>
+            <a:srgbClr val="FFFF00"/>
+          </a:solidFill>
+        </p:spPr>
+        <p:style>
+          <a:lnRef idx="2">
+            <a:schemeClr val="accent1">
+              <a:shade val="50000"/>
+            </a:schemeClr>
+          </a:lnRef>
+          <a:fillRef idx="1">
+            <a:schemeClr val="accent1"/>
+          </a:fillRef>
+          <a:effectRef idx="0">
+            <a:schemeClr val="accent1"/>
+          </a:effectRef>
+          <a:fontRef idx="minor">
+            <a:schemeClr val="lt1"/>
+          </a:fontRef>
+        </p:style>
+        <p:txBody>
+          <a:bodyPr rtlCol="0" anchor="ctr"/>
+          <a:lstStyle/>
+          <a:p>
+            <a:pPr algn="ctr"/>
+            <a:r>
+              <a:rPr lang="en-US" dirty="0">
+                <a:ln w="0"/>
+                <a:solidFill>
+                  <a:schemeClr val="tx1"/>
+                </a:solidFill>
+                <a:effectLst>
+                  <a:outerShdw blurRad="38100" dist="19050" dir="2700000" algn="tl" rotWithShape="0">
+                    <a:schemeClr val="dk1">
+                      <a:alpha val="40000"/>
+                    </a:schemeClr>
+                  </a:outerShdw>
+                </a:effectLst>
+              </a:rPr>
+              <a:t>VM</a:t>
+            </a:r>
+            <a:endParaRPr lang="en-US" dirty="0"/>
+          </a:p>
+        </p:txBody>
+      </p:sp>
+      <p:sp>
+        <p:nvSpPr>
+          <p:cNvPr id="24" name="Rounded Rectangle 23">
+            <a:extLst>
+              <a:ext uri="{FF2B5EF4-FFF2-40B4-BE49-F238E27FC236}">
+                <a16:creationId xmlns:a16="http://schemas.microsoft.com/office/drawing/2014/main" id="{EA7E7DD9-3119-6048-9869-174A0F66094A}"/>
+              </a:ext>
+            </a:extLst>
+          </p:cNvPr>
+          <p:cNvSpPr/>
+          <p:nvPr/>
+        </p:nvSpPr>
+        <p:spPr>
+          <a:xfrm>
+            <a:off x="7633063" y="2057009"/>
+            <a:ext cx="670560" cy="548640"/>
+          </a:xfrm>
+          <a:prstGeom prst="roundRect">
+            <a:avLst/>
+          </a:prstGeom>
+          <a:solidFill>
+            <a:srgbClr val="FFFF00"/>
+          </a:solidFill>
+        </p:spPr>
+        <p:style>
+          <a:lnRef idx="2">
+            <a:schemeClr val="accent1">
+              <a:shade val="50000"/>
+            </a:schemeClr>
+          </a:lnRef>
+          <a:fillRef idx="1">
+            <a:schemeClr val="accent1"/>
+          </a:fillRef>
+          <a:effectRef idx="0">
+            <a:schemeClr val="accent1"/>
+          </a:effectRef>
+          <a:fontRef idx="minor">
+            <a:schemeClr val="lt1"/>
+          </a:fontRef>
+        </p:style>
+        <p:txBody>
+          <a:bodyPr rtlCol="0" anchor="ctr"/>
+          <a:lstStyle/>
+          <a:p>
+            <a:pPr algn="ctr"/>
+            <a:r>
+              <a:rPr lang="en-US" dirty="0">
+                <a:ln w="0"/>
+                <a:solidFill>
+                  <a:schemeClr val="tx1"/>
+                </a:solidFill>
+                <a:effectLst>
+                  <a:outerShdw blurRad="38100" dist="19050" dir="2700000" algn="tl" rotWithShape="0">
+                    <a:schemeClr val="dk1">
+                      <a:alpha val="40000"/>
+                    </a:schemeClr>
+                  </a:outerShdw>
+                </a:effectLst>
+              </a:rPr>
+              <a:t>VM</a:t>
+            </a:r>
+            <a:endParaRPr lang="en-US" dirty="0"/>
+          </a:p>
+        </p:txBody>
+      </p:sp>
+      <p:sp>
+        <p:nvSpPr>
+          <p:cNvPr id="25" name="Rectangle 24">
+            <a:extLst>
+              <a:ext uri="{FF2B5EF4-FFF2-40B4-BE49-F238E27FC236}">
+                <a16:creationId xmlns:a16="http://schemas.microsoft.com/office/drawing/2014/main" id="{99D5D8A1-1BD9-3B45-856A-0EF590FB19A7}"/>
+              </a:ext>
+            </a:extLst>
+          </p:cNvPr>
+          <p:cNvSpPr/>
+          <p:nvPr/>
+        </p:nvSpPr>
+        <p:spPr>
+          <a:xfrm>
+            <a:off x="7467599" y="3566943"/>
+            <a:ext cx="3056709" cy="2612571"/>
+          </a:xfrm>
+          <a:prstGeom prst="rect">
+            <a:avLst/>
+          </a:prstGeom>
+        </p:spPr>
+        <p:style>
+          <a:lnRef idx="2">
+            <a:schemeClr val="accent1">
+              <a:shade val="50000"/>
+            </a:schemeClr>
+          </a:lnRef>
+          <a:fillRef idx="1">
+            <a:schemeClr val="accent1"/>
+          </a:fillRef>
+          <a:effectRef idx="0">
+            <a:schemeClr val="accent1"/>
+          </a:effectRef>
+          <a:fontRef idx="minor">
+            <a:schemeClr val="lt1"/>
+          </a:fontRef>
+        </p:style>
+        <p:txBody>
+          <a:bodyPr rtlCol="0" anchor="ctr"/>
+          <a:lstStyle/>
+          <a:p>
+            <a:pPr algn="ctr"/>
+            <a:endParaRPr lang="en-US"/>
+          </a:p>
+        </p:txBody>
+      </p:sp>
+      <p:sp>
+        <p:nvSpPr>
+          <p:cNvPr id="26" name="TextBox 25">
+            <a:extLst>
+              <a:ext uri="{FF2B5EF4-FFF2-40B4-BE49-F238E27FC236}">
+                <a16:creationId xmlns:a16="http://schemas.microsoft.com/office/drawing/2014/main" id="{5F768EA8-1E02-9C40-B864-B4F4E372B5C9}"/>
+              </a:ext>
+            </a:extLst>
+          </p:cNvPr>
+          <p:cNvSpPr txBox="1"/>
+          <p:nvPr/>
+        </p:nvSpPr>
+        <p:spPr>
+          <a:xfrm>
+            <a:off x="7807235" y="3619194"/>
+            <a:ext cx="2386148" cy="369332"/>
+          </a:xfrm>
+          <a:prstGeom prst="rect">
+            <a:avLst/>
+          </a:prstGeom>
+          <a:noFill/>
+        </p:spPr>
+        <p:txBody>
+          <a:bodyPr wrap="square" rtlCol="0">
+            <a:spAutoFit/>
+          </a:bodyPr>
+          <a:lstStyle/>
+          <a:p>
+            <a:pPr algn="ctr"/>
+            <a:r>
+              <a:rPr lang="en-US" b="1" dirty="0"/>
+              <a:t>Server Rack</a:t>
+            </a:r>
+          </a:p>
+        </p:txBody>
+      </p:sp>
+      <p:sp>
+        <p:nvSpPr>
+          <p:cNvPr id="27" name="Rounded Rectangle 26">
+            <a:extLst>
+              <a:ext uri="{FF2B5EF4-FFF2-40B4-BE49-F238E27FC236}">
+                <a16:creationId xmlns:a16="http://schemas.microsoft.com/office/drawing/2014/main" id="{64ADC6A3-3A27-6944-8E07-F331B444AF63}"/>
+              </a:ext>
+            </a:extLst>
+          </p:cNvPr>
+          <p:cNvSpPr/>
+          <p:nvPr/>
+        </p:nvSpPr>
+        <p:spPr>
+          <a:xfrm>
+            <a:off x="7633063" y="4159126"/>
+            <a:ext cx="670560" cy="548640"/>
+          </a:xfrm>
+          <a:prstGeom prst="roundRect">
+            <a:avLst/>
+          </a:prstGeom>
+          <a:solidFill>
+            <a:srgbClr val="FFFF00"/>
+          </a:solidFill>
+        </p:spPr>
+        <p:style>
+          <a:lnRef idx="2">
+            <a:schemeClr val="accent1">
+              <a:shade val="50000"/>
+            </a:schemeClr>
+          </a:lnRef>
+          <a:fillRef idx="1">
+            <a:schemeClr val="accent1"/>
+          </a:fillRef>
+          <a:effectRef idx="0">
+            <a:schemeClr val="accent1"/>
+          </a:effectRef>
+          <a:fontRef idx="minor">
+            <a:schemeClr val="lt1"/>
+          </a:fontRef>
+        </p:style>
+        <p:txBody>
+          <a:bodyPr rtlCol="0" anchor="ctr"/>
+          <a:lstStyle/>
+          <a:p>
+            <a:pPr algn="ctr"/>
+            <a:r>
+              <a:rPr lang="en-US" dirty="0">
+                <a:ln w="0"/>
+                <a:solidFill>
+                  <a:schemeClr val="tx1"/>
+                </a:solidFill>
+                <a:effectLst>
+                  <a:outerShdw blurRad="38100" dist="19050" dir="2700000" algn="tl" rotWithShape="0">
+                    <a:schemeClr val="dk1">
+                      <a:alpha val="40000"/>
+                    </a:schemeClr>
+                  </a:outerShdw>
+                </a:effectLst>
+              </a:rPr>
+              <a:t>VM</a:t>
+            </a:r>
+            <a:endParaRPr lang="en-US" dirty="0"/>
+          </a:p>
+        </p:txBody>
+      </p:sp>
+      <p:sp>
+        <p:nvSpPr>
+          <p:cNvPr id="28" name="Rounded Rectangle 27">
+            <a:extLst>
+              <a:ext uri="{FF2B5EF4-FFF2-40B4-BE49-F238E27FC236}">
+                <a16:creationId xmlns:a16="http://schemas.microsoft.com/office/drawing/2014/main" id="{96D24D14-BD24-5C42-8D6E-F39172386EB5}"/>
+              </a:ext>
+            </a:extLst>
+          </p:cNvPr>
+          <p:cNvSpPr/>
+          <p:nvPr/>
+        </p:nvSpPr>
+        <p:spPr>
+          <a:xfrm>
+            <a:off x="8660673" y="4159126"/>
+            <a:ext cx="670560" cy="548640"/>
+          </a:xfrm>
+          <a:prstGeom prst="roundRect">
+            <a:avLst/>
+          </a:prstGeom>
+          <a:solidFill>
+            <a:srgbClr val="FFFF00"/>
+          </a:solidFill>
+        </p:spPr>
+        <p:style>
+          <a:lnRef idx="2">
+            <a:schemeClr val="accent1">
+              <a:shade val="50000"/>
+            </a:schemeClr>
+          </a:lnRef>
+          <a:fillRef idx="1">
+            <a:schemeClr val="accent1"/>
+          </a:fillRef>
+          <a:effectRef idx="0">
+            <a:schemeClr val="accent1"/>
+          </a:effectRef>
+          <a:fontRef idx="minor">
+            <a:schemeClr val="lt1"/>
+          </a:fontRef>
+        </p:style>
+        <p:txBody>
+          <a:bodyPr rtlCol="0" anchor="ctr"/>
+          <a:lstStyle/>
+          <a:p>
+            <a:pPr algn="ctr"/>
+            <a:r>
+              <a:rPr lang="en-US" dirty="0">
+                <a:ln w="0"/>
+                <a:solidFill>
+                  <a:schemeClr val="tx1"/>
+                </a:solidFill>
+                <a:effectLst>
+                  <a:outerShdw blurRad="38100" dist="19050" dir="2700000" algn="tl" rotWithShape="0">
+                    <a:schemeClr val="dk1">
+                      <a:alpha val="40000"/>
+                    </a:schemeClr>
+                  </a:outerShdw>
+                </a:effectLst>
+              </a:rPr>
+              <a:t>VM</a:t>
+            </a:r>
+            <a:endParaRPr lang="en-US" dirty="0"/>
+          </a:p>
+        </p:txBody>
+      </p:sp>
+      <p:sp>
+        <p:nvSpPr>
+          <p:cNvPr id="29" name="Rounded Rectangle 28">
+            <a:extLst>
+              <a:ext uri="{FF2B5EF4-FFF2-40B4-BE49-F238E27FC236}">
+                <a16:creationId xmlns:a16="http://schemas.microsoft.com/office/drawing/2014/main" id="{29E50559-3D6A-6743-A9B7-6EA08BB1AA6A}"/>
+              </a:ext>
+            </a:extLst>
+          </p:cNvPr>
+          <p:cNvSpPr/>
+          <p:nvPr/>
+        </p:nvSpPr>
+        <p:spPr>
+          <a:xfrm>
+            <a:off x="9696993" y="4159126"/>
+            <a:ext cx="670560" cy="548640"/>
+          </a:xfrm>
+          <a:prstGeom prst="roundRect">
+            <a:avLst/>
+          </a:prstGeom>
+          <a:solidFill>
+            <a:srgbClr val="FFFF00"/>
+          </a:solidFill>
+        </p:spPr>
+        <p:style>
+          <a:lnRef idx="2">
+            <a:schemeClr val="accent1">
+              <a:shade val="50000"/>
+            </a:schemeClr>
+          </a:lnRef>
+          <a:fillRef idx="1">
+            <a:schemeClr val="accent1"/>
+          </a:fillRef>
+          <a:effectRef idx="0">
+            <a:schemeClr val="accent1"/>
+          </a:effectRef>
+          <a:fontRef idx="minor">
+            <a:schemeClr val="lt1"/>
+          </a:fontRef>
+        </p:style>
+        <p:txBody>
+          <a:bodyPr rtlCol="0" anchor="ctr"/>
+          <a:lstStyle/>
+          <a:p>
+            <a:pPr algn="ctr"/>
+            <a:r>
+              <a:rPr lang="en-US" dirty="0">
+                <a:ln w="0"/>
+                <a:solidFill>
+                  <a:schemeClr val="tx1"/>
+                </a:solidFill>
+                <a:effectLst>
+                  <a:outerShdw blurRad="38100" dist="19050" dir="2700000" algn="tl" rotWithShape="0">
+                    <a:schemeClr val="dk1">
+                      <a:alpha val="40000"/>
+                    </a:schemeClr>
+                  </a:outerShdw>
+                </a:effectLst>
+              </a:rPr>
+              <a:t>VM</a:t>
+            </a:r>
+            <a:endParaRPr lang="en-US" dirty="0"/>
+          </a:p>
+        </p:txBody>
+      </p:sp>
+      <p:sp>
+        <p:nvSpPr>
+          <p:cNvPr id="30" name="Rounded Rectangle 29">
+            <a:extLst>
+              <a:ext uri="{FF2B5EF4-FFF2-40B4-BE49-F238E27FC236}">
+                <a16:creationId xmlns:a16="http://schemas.microsoft.com/office/drawing/2014/main" id="{FA4D313C-67D6-6149-B030-9D9A265435ED}"/>
+              </a:ext>
+            </a:extLst>
+          </p:cNvPr>
+          <p:cNvSpPr/>
+          <p:nvPr/>
+        </p:nvSpPr>
+        <p:spPr>
+          <a:xfrm>
+            <a:off x="8643254" y="4840180"/>
+            <a:ext cx="670560" cy="548640"/>
+          </a:xfrm>
+          <a:prstGeom prst="roundRect">
+            <a:avLst/>
+          </a:prstGeom>
+          <a:solidFill>
+            <a:srgbClr val="C00000"/>
+          </a:solidFill>
+        </p:spPr>
+        <p:style>
+          <a:lnRef idx="2">
+            <a:schemeClr val="accent1">
+              <a:shade val="50000"/>
+            </a:schemeClr>
+          </a:lnRef>
+          <a:fillRef idx="1">
+            <a:schemeClr val="accent1"/>
+          </a:fillRef>
+          <a:effectRef idx="0">
+            <a:schemeClr val="accent1"/>
+          </a:effectRef>
+          <a:fontRef idx="minor">
+            <a:schemeClr val="lt1"/>
+          </a:fontRef>
+        </p:style>
+        <p:txBody>
+          <a:bodyPr rtlCol="0" anchor="ctr"/>
+          <a:lstStyle/>
+          <a:p>
+            <a:pPr algn="ctr"/>
+            <a:r>
+              <a:rPr lang="en-US" dirty="0">
+                <a:ln w="0"/>
+                <a:solidFill>
+                  <a:schemeClr val="tx1"/>
+                </a:solidFill>
+                <a:effectLst>
+                  <a:outerShdw blurRad="38100" dist="19050" dir="2700000" algn="tl" rotWithShape="0">
+                    <a:schemeClr val="dk1">
+                      <a:alpha val="40000"/>
+                    </a:schemeClr>
+                  </a:outerShdw>
+                </a:effectLst>
+              </a:rPr>
+              <a:t>VM</a:t>
+            </a:r>
+            <a:endParaRPr lang="en-US" dirty="0"/>
+          </a:p>
+        </p:txBody>
+      </p:sp>
+      <p:sp>
+        <p:nvSpPr>
+          <p:cNvPr id="31" name="Rounded Rectangle 30">
+            <a:extLst>
+              <a:ext uri="{FF2B5EF4-FFF2-40B4-BE49-F238E27FC236}">
+                <a16:creationId xmlns:a16="http://schemas.microsoft.com/office/drawing/2014/main" id="{97E030DE-0FCD-6445-93E4-305F805CBFE7}"/>
+              </a:ext>
+            </a:extLst>
+          </p:cNvPr>
+          <p:cNvSpPr/>
+          <p:nvPr/>
+        </p:nvSpPr>
+        <p:spPr>
+          <a:xfrm>
+            <a:off x="9679574" y="4840180"/>
+            <a:ext cx="670560" cy="548640"/>
+          </a:xfrm>
+          <a:prstGeom prst="roundRect">
+            <a:avLst/>
+          </a:prstGeom>
+          <a:solidFill>
+            <a:srgbClr val="FFFF00"/>
+          </a:solidFill>
+        </p:spPr>
+        <p:style>
+          <a:lnRef idx="2">
+            <a:schemeClr val="accent1">
+              <a:shade val="50000"/>
+            </a:schemeClr>
+          </a:lnRef>
+          <a:fillRef idx="1">
+            <a:schemeClr val="accent1"/>
+          </a:fillRef>
+          <a:effectRef idx="0">
+            <a:schemeClr val="accent1"/>
+          </a:effectRef>
+          <a:fontRef idx="minor">
+            <a:schemeClr val="lt1"/>
+          </a:fontRef>
+        </p:style>
+        <p:txBody>
+          <a:bodyPr rtlCol="0" anchor="ctr"/>
+          <a:lstStyle/>
+          <a:p>
+            <a:pPr algn="ctr"/>
+            <a:r>
+              <a:rPr lang="en-US" dirty="0">
+                <a:ln w="0"/>
+                <a:solidFill>
+                  <a:schemeClr val="tx1"/>
+                </a:solidFill>
+                <a:effectLst>
+                  <a:outerShdw blurRad="38100" dist="19050" dir="2700000" algn="tl" rotWithShape="0">
+                    <a:schemeClr val="dk1">
+                      <a:alpha val="40000"/>
+                    </a:schemeClr>
+                  </a:outerShdw>
+                </a:effectLst>
+              </a:rPr>
+              <a:t>VM</a:t>
+            </a:r>
+            <a:endParaRPr lang="en-US" dirty="0"/>
+          </a:p>
+        </p:txBody>
+      </p:sp>
+      <p:sp>
+        <p:nvSpPr>
+          <p:cNvPr id="32" name="Rounded Rectangle 31">
+            <a:extLst>
+              <a:ext uri="{FF2B5EF4-FFF2-40B4-BE49-F238E27FC236}">
+                <a16:creationId xmlns:a16="http://schemas.microsoft.com/office/drawing/2014/main" id="{9A6A5940-C45D-3C48-A213-C3EEB13BB90B}"/>
+              </a:ext>
+            </a:extLst>
+          </p:cNvPr>
+          <p:cNvSpPr/>
+          <p:nvPr/>
+        </p:nvSpPr>
+        <p:spPr>
+          <a:xfrm>
+            <a:off x="7633063" y="5509847"/>
+            <a:ext cx="670560" cy="548640"/>
+          </a:xfrm>
+          <a:prstGeom prst="roundRect">
+            <a:avLst/>
+          </a:prstGeom>
+          <a:solidFill>
+            <a:srgbClr val="FFFF00"/>
+          </a:solidFill>
+        </p:spPr>
+        <p:style>
+          <a:lnRef idx="2">
+            <a:schemeClr val="accent1">
+              <a:shade val="50000"/>
+            </a:schemeClr>
+          </a:lnRef>
+          <a:fillRef idx="1">
+            <a:schemeClr val="accent1"/>
+          </a:fillRef>
+          <a:effectRef idx="0">
+            <a:schemeClr val="accent1"/>
+          </a:effectRef>
+          <a:fontRef idx="minor">
+            <a:schemeClr val="lt1"/>
+          </a:fontRef>
+        </p:style>
+        <p:txBody>
+          <a:bodyPr rtlCol="0" anchor="ctr"/>
+          <a:lstStyle/>
+          <a:p>
+            <a:pPr algn="ctr"/>
+            <a:r>
+              <a:rPr lang="en-US" dirty="0">
+                <a:ln w="0"/>
+                <a:solidFill>
+                  <a:schemeClr val="tx1"/>
+                </a:solidFill>
+                <a:effectLst>
+                  <a:outerShdw blurRad="38100" dist="19050" dir="2700000" algn="tl" rotWithShape="0">
+                    <a:schemeClr val="dk1">
+                      <a:alpha val="40000"/>
+                    </a:schemeClr>
+                  </a:outerShdw>
+                </a:effectLst>
+              </a:rPr>
+              <a:t>VM</a:t>
+            </a:r>
+            <a:endParaRPr lang="en-US" dirty="0"/>
+          </a:p>
+        </p:txBody>
+      </p:sp>
+      <p:sp>
+        <p:nvSpPr>
+          <p:cNvPr id="33" name="Rounded Rectangle 32">
+            <a:extLst>
+              <a:ext uri="{FF2B5EF4-FFF2-40B4-BE49-F238E27FC236}">
+                <a16:creationId xmlns:a16="http://schemas.microsoft.com/office/drawing/2014/main" id="{3E85B793-9384-0A41-91E5-D07A9E1BEF65}"/>
+              </a:ext>
+            </a:extLst>
+          </p:cNvPr>
+          <p:cNvSpPr/>
+          <p:nvPr/>
+        </p:nvSpPr>
+        <p:spPr>
+          <a:xfrm>
+            <a:off x="8660673" y="5509847"/>
+            <a:ext cx="670560" cy="548640"/>
+          </a:xfrm>
+          <a:prstGeom prst="roundRect">
+            <a:avLst/>
+          </a:prstGeom>
+          <a:solidFill>
+            <a:srgbClr val="FFFF00"/>
+          </a:solidFill>
+        </p:spPr>
+        <p:style>
+          <a:lnRef idx="2">
+            <a:schemeClr val="accent1">
+              <a:shade val="50000"/>
+            </a:schemeClr>
+          </a:lnRef>
+          <a:fillRef idx="1">
+            <a:schemeClr val="accent1"/>
+          </a:fillRef>
+          <a:effectRef idx="0">
+            <a:schemeClr val="accent1"/>
+          </a:effectRef>
+          <a:fontRef idx="minor">
+            <a:schemeClr val="lt1"/>
+          </a:fontRef>
+        </p:style>
+        <p:txBody>
+          <a:bodyPr rtlCol="0" anchor="ctr"/>
+          <a:lstStyle/>
+          <a:p>
+            <a:pPr algn="ctr"/>
+            <a:r>
+              <a:rPr lang="en-US" dirty="0">
+                <a:ln w="0"/>
+                <a:solidFill>
+                  <a:schemeClr val="tx1"/>
+                </a:solidFill>
+                <a:effectLst>
+                  <a:outerShdw blurRad="38100" dist="19050" dir="2700000" algn="tl" rotWithShape="0">
+                    <a:schemeClr val="dk1">
+                      <a:alpha val="40000"/>
+                    </a:schemeClr>
+                  </a:outerShdw>
+                </a:effectLst>
+              </a:rPr>
+              <a:t>VM</a:t>
+            </a:r>
+            <a:endParaRPr lang="en-US" dirty="0"/>
+          </a:p>
+        </p:txBody>
+      </p:sp>
+      <p:sp>
+        <p:nvSpPr>
+          <p:cNvPr id="34" name="Rounded Rectangle 33">
+            <a:extLst>
+              <a:ext uri="{FF2B5EF4-FFF2-40B4-BE49-F238E27FC236}">
+                <a16:creationId xmlns:a16="http://schemas.microsoft.com/office/drawing/2014/main" id="{187B5278-E592-024A-9A7A-6BF30DEB9CEF}"/>
+              </a:ext>
+            </a:extLst>
+          </p:cNvPr>
+          <p:cNvSpPr/>
+          <p:nvPr/>
+        </p:nvSpPr>
+        <p:spPr>
+          <a:xfrm>
+            <a:off x="9696993" y="5509847"/>
+            <a:ext cx="670560" cy="548640"/>
+          </a:xfrm>
+          <a:prstGeom prst="roundRect">
+            <a:avLst/>
+          </a:prstGeom>
+          <a:solidFill>
+            <a:srgbClr val="FFFF00"/>
+          </a:solidFill>
+        </p:spPr>
+        <p:style>
+          <a:lnRef idx="2">
+            <a:schemeClr val="accent1">
+              <a:shade val="50000"/>
+            </a:schemeClr>
+          </a:lnRef>
+          <a:fillRef idx="1">
+            <a:schemeClr val="accent1"/>
+          </a:fillRef>
+          <a:effectRef idx="0">
+            <a:schemeClr val="accent1"/>
+          </a:effectRef>
+          <a:fontRef idx="minor">
+            <a:schemeClr val="lt1"/>
+          </a:fontRef>
+        </p:style>
+        <p:txBody>
+          <a:bodyPr rtlCol="0" anchor="ctr"/>
+          <a:lstStyle/>
+          <a:p>
+            <a:pPr algn="ctr"/>
+            <a:r>
+              <a:rPr lang="en-US" dirty="0">
+                <a:ln w="0"/>
+                <a:solidFill>
+                  <a:schemeClr val="tx1"/>
+                </a:solidFill>
+                <a:effectLst>
+                  <a:outerShdw blurRad="38100" dist="19050" dir="2700000" algn="tl" rotWithShape="0">
+                    <a:schemeClr val="dk1">
+                      <a:alpha val="40000"/>
+                    </a:schemeClr>
+                  </a:outerShdw>
+                </a:effectLst>
+              </a:rPr>
+              <a:t>VM</a:t>
+            </a:r>
+            <a:endParaRPr lang="en-US" dirty="0"/>
+          </a:p>
+        </p:txBody>
+      </p:sp>
+      <p:sp>
+        <p:nvSpPr>
+          <p:cNvPr id="35" name="Rounded Rectangle 34">
+            <a:extLst>
+              <a:ext uri="{FF2B5EF4-FFF2-40B4-BE49-F238E27FC236}">
+                <a16:creationId xmlns:a16="http://schemas.microsoft.com/office/drawing/2014/main" id="{9A4306C9-7622-954C-B7FA-8365414FE59D}"/>
+              </a:ext>
+            </a:extLst>
+          </p:cNvPr>
+          <p:cNvSpPr/>
+          <p:nvPr/>
+        </p:nvSpPr>
+        <p:spPr>
+          <a:xfrm>
+            <a:off x="7633063" y="4840180"/>
+            <a:ext cx="670560" cy="548640"/>
+          </a:xfrm>
+          <a:prstGeom prst="roundRect">
+            <a:avLst/>
+          </a:prstGeom>
+          <a:solidFill>
+            <a:srgbClr val="FFFF00"/>
+          </a:solidFill>
+        </p:spPr>
+        <p:style>
+          <a:lnRef idx="2">
+            <a:schemeClr val="accent1">
+              <a:shade val="50000"/>
+            </a:schemeClr>
+          </a:lnRef>
+          <a:fillRef idx="1">
+            <a:schemeClr val="accent1"/>
+          </a:fillRef>
+          <a:effectRef idx="0">
+            <a:schemeClr val="accent1"/>
+          </a:effectRef>
+          <a:fontRef idx="minor">
+            <a:schemeClr val="lt1"/>
+          </a:fontRef>
+        </p:style>
+        <p:txBody>
+          <a:bodyPr rtlCol="0" anchor="ctr"/>
+          <a:lstStyle/>
+          <a:p>
+            <a:pPr algn="ctr"/>
+            <a:r>
+              <a:rPr lang="en-US" dirty="0">
+                <a:ln w="0"/>
+                <a:solidFill>
+                  <a:schemeClr val="tx1"/>
+                </a:solidFill>
+                <a:effectLst>
+                  <a:outerShdw blurRad="38100" dist="19050" dir="2700000" algn="tl" rotWithShape="0">
+                    <a:schemeClr val="dk1">
+                      <a:alpha val="40000"/>
+                    </a:schemeClr>
+                  </a:outerShdw>
+                </a:effectLst>
+              </a:rPr>
+              <a:t>VM</a:t>
+            </a:r>
+            <a:endParaRPr lang="en-US" dirty="0"/>
+          </a:p>
+        </p:txBody>
+      </p:sp>
+      <p:sp>
+        <p:nvSpPr>
+          <p:cNvPr id="36" name="Rectangle 35">
+            <a:extLst>
+              <a:ext uri="{FF2B5EF4-FFF2-40B4-BE49-F238E27FC236}">
+                <a16:creationId xmlns:a16="http://schemas.microsoft.com/office/drawing/2014/main" id="{30F25ABC-6C95-904D-847D-F8990153E6CC}"/>
+              </a:ext>
+            </a:extLst>
+          </p:cNvPr>
+          <p:cNvSpPr/>
+          <p:nvPr/>
+        </p:nvSpPr>
+        <p:spPr>
+          <a:xfrm>
+            <a:off x="3862250" y="3614058"/>
+            <a:ext cx="3056709" cy="2612571"/>
+          </a:xfrm>
+          <a:prstGeom prst="rect">
+            <a:avLst/>
+          </a:prstGeom>
+        </p:spPr>
+        <p:style>
+          <a:lnRef idx="2">
+            <a:schemeClr val="accent1">
+              <a:shade val="50000"/>
+            </a:schemeClr>
+          </a:lnRef>
+          <a:fillRef idx="1">
+            <a:schemeClr val="accent1"/>
+          </a:fillRef>
+          <a:effectRef idx="0">
+            <a:schemeClr val="accent1"/>
+          </a:effectRef>
+          <a:fontRef idx="minor">
+            <a:schemeClr val="lt1"/>
+          </a:fontRef>
+        </p:style>
+        <p:txBody>
+          <a:bodyPr rtlCol="0" anchor="ctr"/>
+          <a:lstStyle/>
+          <a:p>
+            <a:pPr algn="ctr"/>
+            <a:endParaRPr lang="en-US"/>
+          </a:p>
+        </p:txBody>
+      </p:sp>
+      <p:sp>
+        <p:nvSpPr>
+          <p:cNvPr id="37" name="TextBox 36">
+            <a:extLst>
+              <a:ext uri="{FF2B5EF4-FFF2-40B4-BE49-F238E27FC236}">
+                <a16:creationId xmlns:a16="http://schemas.microsoft.com/office/drawing/2014/main" id="{205D290A-5C31-7A4C-98AC-F2BDA7451B4D}"/>
+              </a:ext>
+            </a:extLst>
+          </p:cNvPr>
+          <p:cNvSpPr txBox="1"/>
+          <p:nvPr/>
+        </p:nvSpPr>
+        <p:spPr>
+          <a:xfrm>
+            <a:off x="4201886" y="3666309"/>
+            <a:ext cx="2386148" cy="369332"/>
+          </a:xfrm>
+          <a:prstGeom prst="rect">
+            <a:avLst/>
+          </a:prstGeom>
+          <a:noFill/>
+        </p:spPr>
+        <p:txBody>
+          <a:bodyPr wrap="square" rtlCol="0">
+            <a:spAutoFit/>
+          </a:bodyPr>
+          <a:lstStyle/>
+          <a:p>
+            <a:pPr algn="ctr"/>
+            <a:r>
+              <a:rPr lang="en-US" b="1" dirty="0"/>
+              <a:t>Server Rack</a:t>
+            </a:r>
+          </a:p>
+        </p:txBody>
+      </p:sp>
+      <p:sp>
+        <p:nvSpPr>
+          <p:cNvPr id="38" name="Rounded Rectangle 37">
+            <a:extLst>
+              <a:ext uri="{FF2B5EF4-FFF2-40B4-BE49-F238E27FC236}">
+                <a16:creationId xmlns:a16="http://schemas.microsoft.com/office/drawing/2014/main" id="{583218E0-F4C1-B448-B5A8-F5A3D1FF60B6}"/>
+              </a:ext>
+            </a:extLst>
+          </p:cNvPr>
+          <p:cNvSpPr/>
+          <p:nvPr/>
+        </p:nvSpPr>
+        <p:spPr>
+          <a:xfrm>
+            <a:off x="4027714" y="4206241"/>
+            <a:ext cx="670560" cy="548640"/>
+          </a:xfrm>
+          <a:prstGeom prst="roundRect">
+            <a:avLst/>
+          </a:prstGeom>
+          <a:solidFill>
+            <a:srgbClr val="FFFF00"/>
+          </a:solidFill>
+        </p:spPr>
+        <p:style>
+          <a:lnRef idx="2">
+            <a:schemeClr val="accent1">
+              <a:shade val="50000"/>
+            </a:schemeClr>
+          </a:lnRef>
+          <a:fillRef idx="1">
+            <a:schemeClr val="accent1"/>
+          </a:fillRef>
+          <a:effectRef idx="0">
+            <a:schemeClr val="accent1"/>
+          </a:effectRef>
+          <a:fontRef idx="minor">
+            <a:schemeClr val="lt1"/>
+          </a:fontRef>
+        </p:style>
+        <p:txBody>
+          <a:bodyPr rtlCol="0" anchor="ctr"/>
+          <a:lstStyle/>
+          <a:p>
+            <a:pPr algn="ctr"/>
+            <a:r>
+              <a:rPr lang="en-US" dirty="0">
+                <a:ln w="0"/>
+                <a:solidFill>
+                  <a:schemeClr val="tx1"/>
+                </a:solidFill>
+                <a:effectLst>
+                  <a:outerShdw blurRad="38100" dist="19050" dir="2700000" algn="tl" rotWithShape="0">
+                    <a:schemeClr val="dk1">
+                      <a:alpha val="40000"/>
+                    </a:schemeClr>
+                  </a:outerShdw>
+                </a:effectLst>
+              </a:rPr>
+              <a:t>VM</a:t>
+            </a:r>
+            <a:endParaRPr lang="en-US" dirty="0"/>
+          </a:p>
+        </p:txBody>
+      </p:sp>
+      <p:sp>
+        <p:nvSpPr>
+          <p:cNvPr id="39" name="Rounded Rectangle 38">
+            <a:extLst>
+              <a:ext uri="{FF2B5EF4-FFF2-40B4-BE49-F238E27FC236}">
+                <a16:creationId xmlns:a16="http://schemas.microsoft.com/office/drawing/2014/main" id="{E9894DE8-D38A-DF49-A0B0-054FCC8E1DB3}"/>
+              </a:ext>
+            </a:extLst>
+          </p:cNvPr>
+          <p:cNvSpPr/>
+          <p:nvPr/>
+        </p:nvSpPr>
+        <p:spPr>
+          <a:xfrm>
+            <a:off x="5055324" y="4206241"/>
+            <a:ext cx="670560" cy="548640"/>
+          </a:xfrm>
+          <a:prstGeom prst="roundRect">
+            <a:avLst/>
+          </a:prstGeom>
+          <a:solidFill>
+            <a:srgbClr val="FFFF00"/>
+          </a:solidFill>
+        </p:spPr>
+        <p:style>
+          <a:lnRef idx="2">
+            <a:schemeClr val="accent1">
+              <a:shade val="50000"/>
+            </a:schemeClr>
+          </a:lnRef>
+          <a:fillRef idx="1">
+            <a:schemeClr val="accent1"/>
+          </a:fillRef>
+          <a:effectRef idx="0">
+            <a:schemeClr val="accent1"/>
+          </a:effectRef>
+          <a:fontRef idx="minor">
+            <a:schemeClr val="lt1"/>
+          </a:fontRef>
+        </p:style>
+        <p:txBody>
+          <a:bodyPr rtlCol="0" anchor="ctr"/>
+          <a:lstStyle/>
+          <a:p>
+            <a:pPr algn="ctr"/>
+            <a:r>
+              <a:rPr lang="en-US" dirty="0">
+                <a:ln w="0"/>
+                <a:solidFill>
+                  <a:schemeClr val="tx1"/>
+                </a:solidFill>
+                <a:effectLst>
+                  <a:outerShdw blurRad="38100" dist="19050" dir="2700000" algn="tl" rotWithShape="0">
+                    <a:schemeClr val="dk1">
+                      <a:alpha val="40000"/>
+                    </a:schemeClr>
+                  </a:outerShdw>
+                </a:effectLst>
+              </a:rPr>
+              <a:t>VM</a:t>
+            </a:r>
+            <a:endParaRPr lang="en-US" dirty="0"/>
+          </a:p>
+        </p:txBody>
+      </p:sp>
+      <p:sp>
+        <p:nvSpPr>
+          <p:cNvPr id="40" name="Rounded Rectangle 39">
+            <a:extLst>
+              <a:ext uri="{FF2B5EF4-FFF2-40B4-BE49-F238E27FC236}">
+                <a16:creationId xmlns:a16="http://schemas.microsoft.com/office/drawing/2014/main" id="{A61E5FBF-2E7B-2C42-B0BF-EC8E36C544EA}"/>
+              </a:ext>
+            </a:extLst>
+          </p:cNvPr>
+          <p:cNvSpPr/>
+          <p:nvPr/>
+        </p:nvSpPr>
+        <p:spPr>
+          <a:xfrm>
+            <a:off x="6091644" y="4206241"/>
+            <a:ext cx="670560" cy="548640"/>
+          </a:xfrm>
+          <a:prstGeom prst="roundRect">
+            <a:avLst/>
+          </a:prstGeom>
+          <a:solidFill>
+            <a:srgbClr val="C00000"/>
+          </a:solidFill>
+        </p:spPr>
+        <p:style>
+          <a:lnRef idx="2">
+            <a:schemeClr val="accent1">
+              <a:shade val="50000"/>
+            </a:schemeClr>
+          </a:lnRef>
+          <a:fillRef idx="1">
+            <a:schemeClr val="accent1"/>
+          </a:fillRef>
+          <a:effectRef idx="0">
+            <a:schemeClr val="accent1"/>
+          </a:effectRef>
+          <a:fontRef idx="minor">
+            <a:schemeClr val="lt1"/>
+          </a:fontRef>
+        </p:style>
+        <p:txBody>
+          <a:bodyPr rtlCol="0" anchor="ctr"/>
+          <a:lstStyle/>
+          <a:p>
+            <a:pPr algn="ctr"/>
+            <a:r>
+              <a:rPr lang="en-US" dirty="0">
+                <a:ln w="0"/>
+                <a:solidFill>
+                  <a:schemeClr val="tx1"/>
+                </a:solidFill>
+                <a:effectLst>
+                  <a:outerShdw blurRad="38100" dist="19050" dir="2700000" algn="tl" rotWithShape="0">
+                    <a:schemeClr val="dk1">
+                      <a:alpha val="40000"/>
+                    </a:schemeClr>
+                  </a:outerShdw>
+                </a:effectLst>
+              </a:rPr>
+              <a:t>VM</a:t>
+            </a:r>
+            <a:endParaRPr lang="en-US" dirty="0"/>
+          </a:p>
+        </p:txBody>
+      </p:sp>
+      <p:sp>
+        <p:nvSpPr>
+          <p:cNvPr id="41" name="Rounded Rectangle 40">
+            <a:extLst>
+              <a:ext uri="{FF2B5EF4-FFF2-40B4-BE49-F238E27FC236}">
+                <a16:creationId xmlns:a16="http://schemas.microsoft.com/office/drawing/2014/main" id="{CF81252C-9D89-2D46-9809-CD505165924B}"/>
+              </a:ext>
+            </a:extLst>
+          </p:cNvPr>
+          <p:cNvSpPr/>
+          <p:nvPr/>
+        </p:nvSpPr>
+        <p:spPr>
+          <a:xfrm>
+            <a:off x="5037905" y="4887295"/>
+            <a:ext cx="670560" cy="548640"/>
+          </a:xfrm>
+          <a:prstGeom prst="roundRect">
+            <a:avLst/>
+          </a:prstGeom>
+          <a:solidFill>
+            <a:srgbClr val="FFFF00"/>
+          </a:solidFill>
+        </p:spPr>
+        <p:style>
+          <a:lnRef idx="2">
+            <a:schemeClr val="accent1">
+              <a:shade val="50000"/>
+            </a:schemeClr>
+          </a:lnRef>
+          <a:fillRef idx="1">
+            <a:schemeClr val="accent1"/>
+          </a:fillRef>
+          <a:effectRef idx="0">
+            <a:schemeClr val="accent1"/>
+          </a:effectRef>
+          <a:fontRef idx="minor">
+            <a:schemeClr val="lt1"/>
+          </a:fontRef>
+        </p:style>
+        <p:txBody>
+          <a:bodyPr rtlCol="0" anchor="ctr"/>
+          <a:lstStyle/>
+          <a:p>
+            <a:pPr algn="ctr"/>
+            <a:r>
+              <a:rPr lang="en-US" dirty="0">
+                <a:ln w="0"/>
+                <a:solidFill>
+                  <a:schemeClr val="tx1"/>
+                </a:solidFill>
+                <a:effectLst>
+                  <a:outerShdw blurRad="38100" dist="19050" dir="2700000" algn="tl" rotWithShape="0">
+                    <a:schemeClr val="dk1">
+                      <a:alpha val="40000"/>
+                    </a:schemeClr>
+                  </a:outerShdw>
+                </a:effectLst>
+              </a:rPr>
+              <a:t>VM</a:t>
+            </a:r>
+            <a:endParaRPr lang="en-US" dirty="0"/>
+          </a:p>
+        </p:txBody>
+      </p:sp>
+      <p:sp>
+        <p:nvSpPr>
+          <p:cNvPr id="42" name="Rounded Rectangle 41">
+            <a:extLst>
+              <a:ext uri="{FF2B5EF4-FFF2-40B4-BE49-F238E27FC236}">
+                <a16:creationId xmlns:a16="http://schemas.microsoft.com/office/drawing/2014/main" id="{678D2537-DCDB-444F-8B81-C9B5570A6F7B}"/>
+              </a:ext>
+            </a:extLst>
+          </p:cNvPr>
+          <p:cNvSpPr/>
+          <p:nvPr/>
+        </p:nvSpPr>
+        <p:spPr>
+          <a:xfrm>
+            <a:off x="6074225" y="4887295"/>
+            <a:ext cx="670560" cy="548640"/>
+          </a:xfrm>
+          <a:prstGeom prst="roundRect">
+            <a:avLst/>
+          </a:prstGeom>
+          <a:solidFill>
+            <a:srgbClr val="FFFF00"/>
+          </a:solidFill>
+        </p:spPr>
+        <p:style>
+          <a:lnRef idx="2">
+            <a:schemeClr val="accent1">
+              <a:shade val="50000"/>
+            </a:schemeClr>
+          </a:lnRef>
+          <a:fillRef idx="1">
+            <a:schemeClr val="accent1"/>
+          </a:fillRef>
+          <a:effectRef idx="0">
+            <a:schemeClr val="accent1"/>
+          </a:effectRef>
+          <a:fontRef idx="minor">
+            <a:schemeClr val="lt1"/>
+          </a:fontRef>
+        </p:style>
+        <p:txBody>
+          <a:bodyPr rtlCol="0" anchor="ctr"/>
+          <a:lstStyle/>
+          <a:p>
+            <a:pPr algn="ctr"/>
+            <a:r>
+              <a:rPr lang="en-US" dirty="0">
+                <a:ln w="0"/>
+                <a:solidFill>
+                  <a:schemeClr val="tx1"/>
+                </a:solidFill>
+                <a:effectLst>
+                  <a:outerShdw blurRad="38100" dist="19050" dir="2700000" algn="tl" rotWithShape="0">
+                    <a:schemeClr val="dk1">
+                      <a:alpha val="40000"/>
+                    </a:schemeClr>
+                  </a:outerShdw>
+                </a:effectLst>
+              </a:rPr>
+              <a:t>VM</a:t>
+            </a:r>
+            <a:endParaRPr lang="en-US" dirty="0"/>
+          </a:p>
+        </p:txBody>
+      </p:sp>
+      <p:sp>
+        <p:nvSpPr>
+          <p:cNvPr id="43" name="Rounded Rectangle 42">
+            <a:extLst>
+              <a:ext uri="{FF2B5EF4-FFF2-40B4-BE49-F238E27FC236}">
+                <a16:creationId xmlns:a16="http://schemas.microsoft.com/office/drawing/2014/main" id="{1796F7B0-B474-0D4C-A5A0-6253DF58AE40}"/>
+              </a:ext>
+            </a:extLst>
+          </p:cNvPr>
+          <p:cNvSpPr/>
+          <p:nvPr/>
+        </p:nvSpPr>
+        <p:spPr>
+          <a:xfrm>
+            <a:off x="4027714" y="5556962"/>
+            <a:ext cx="670560" cy="548640"/>
+          </a:xfrm>
+          <a:prstGeom prst="roundRect">
+            <a:avLst/>
+          </a:prstGeom>
+          <a:solidFill>
+            <a:srgbClr val="FFFF00"/>
+          </a:solidFill>
+        </p:spPr>
+        <p:style>
+          <a:lnRef idx="2">
+            <a:schemeClr val="accent1">
+              <a:shade val="50000"/>
+            </a:schemeClr>
+          </a:lnRef>
+          <a:fillRef idx="1">
+            <a:schemeClr val="accent1"/>
+          </a:fillRef>
+          <a:effectRef idx="0">
+            <a:schemeClr val="accent1"/>
+          </a:effectRef>
+          <a:fontRef idx="minor">
+            <a:schemeClr val="lt1"/>
+          </a:fontRef>
+        </p:style>
+        <p:txBody>
+          <a:bodyPr rtlCol="0" anchor="ctr"/>
+          <a:lstStyle/>
+          <a:p>
+            <a:pPr algn="ctr"/>
+            <a:r>
+              <a:rPr lang="en-US" dirty="0">
+                <a:ln w="0"/>
+                <a:solidFill>
+                  <a:schemeClr val="tx1"/>
+                </a:solidFill>
+                <a:effectLst>
+                  <a:outerShdw blurRad="38100" dist="19050" dir="2700000" algn="tl" rotWithShape="0">
+                    <a:schemeClr val="dk1">
+                      <a:alpha val="40000"/>
+                    </a:schemeClr>
+                  </a:outerShdw>
+                </a:effectLst>
+              </a:rPr>
+              <a:t>VM</a:t>
+            </a:r>
+            <a:endParaRPr lang="en-US" dirty="0"/>
+          </a:p>
+        </p:txBody>
+      </p:sp>
+      <p:sp>
+        <p:nvSpPr>
+          <p:cNvPr id="44" name="Rounded Rectangle 43">
+            <a:extLst>
+              <a:ext uri="{FF2B5EF4-FFF2-40B4-BE49-F238E27FC236}">
+                <a16:creationId xmlns:a16="http://schemas.microsoft.com/office/drawing/2014/main" id="{54120687-FDD8-6745-80F0-702B78D34081}"/>
+              </a:ext>
+            </a:extLst>
+          </p:cNvPr>
+          <p:cNvSpPr/>
+          <p:nvPr/>
+        </p:nvSpPr>
+        <p:spPr>
+          <a:xfrm>
+            <a:off x="5055324" y="5556962"/>
+            <a:ext cx="670560" cy="548640"/>
+          </a:xfrm>
+          <a:prstGeom prst="roundRect">
+            <a:avLst/>
+          </a:prstGeom>
+          <a:solidFill>
+            <a:srgbClr val="FFFF00"/>
+          </a:solidFill>
+        </p:spPr>
+        <p:style>
+          <a:lnRef idx="2">
+            <a:schemeClr val="accent1">
+              <a:shade val="50000"/>
+            </a:schemeClr>
+          </a:lnRef>
+          <a:fillRef idx="1">
+            <a:schemeClr val="accent1"/>
+          </a:fillRef>
+          <a:effectRef idx="0">
+            <a:schemeClr val="accent1"/>
+          </a:effectRef>
+          <a:fontRef idx="minor">
+            <a:schemeClr val="lt1"/>
+          </a:fontRef>
+        </p:style>
+        <p:txBody>
+          <a:bodyPr rtlCol="0" anchor="ctr"/>
+          <a:lstStyle/>
+          <a:p>
+            <a:pPr algn="ctr"/>
+            <a:r>
+              <a:rPr lang="en-US" dirty="0">
+                <a:ln w="0"/>
+                <a:solidFill>
+                  <a:schemeClr val="tx1"/>
+                </a:solidFill>
+                <a:effectLst>
+                  <a:outerShdw blurRad="38100" dist="19050" dir="2700000" algn="tl" rotWithShape="0">
+                    <a:schemeClr val="dk1">
+                      <a:alpha val="40000"/>
+                    </a:schemeClr>
+                  </a:outerShdw>
+                </a:effectLst>
+              </a:rPr>
+              <a:t>VM</a:t>
+            </a:r>
+            <a:endParaRPr lang="en-US" dirty="0"/>
+          </a:p>
+        </p:txBody>
+      </p:sp>
+      <p:sp>
+        <p:nvSpPr>
+          <p:cNvPr id="45" name="Rounded Rectangle 44">
+            <a:extLst>
+              <a:ext uri="{FF2B5EF4-FFF2-40B4-BE49-F238E27FC236}">
+                <a16:creationId xmlns:a16="http://schemas.microsoft.com/office/drawing/2014/main" id="{784C5632-C542-AC42-83D0-D28299620A15}"/>
+              </a:ext>
+            </a:extLst>
+          </p:cNvPr>
+          <p:cNvSpPr/>
+          <p:nvPr/>
+        </p:nvSpPr>
+        <p:spPr>
+          <a:xfrm>
+            <a:off x="6091644" y="5556962"/>
+            <a:ext cx="670560" cy="548640"/>
+          </a:xfrm>
+          <a:prstGeom prst="roundRect">
+            <a:avLst/>
+          </a:prstGeom>
+          <a:solidFill>
+            <a:srgbClr val="C00000"/>
+          </a:solidFill>
+        </p:spPr>
+        <p:style>
+          <a:lnRef idx="2">
+            <a:schemeClr val="accent1">
+              <a:shade val="50000"/>
+            </a:schemeClr>
+          </a:lnRef>
+          <a:fillRef idx="1">
+            <a:schemeClr val="accent1"/>
+          </a:fillRef>
+          <a:effectRef idx="0">
+            <a:schemeClr val="accent1"/>
+          </a:effectRef>
+          <a:fontRef idx="minor">
+            <a:schemeClr val="lt1"/>
+          </a:fontRef>
+        </p:style>
+        <p:txBody>
+          <a:bodyPr rtlCol="0" anchor="ctr"/>
+          <a:lstStyle/>
+          <a:p>
+            <a:pPr algn="ctr"/>
+            <a:r>
+              <a:rPr lang="en-US" dirty="0">
+                <a:ln w="0"/>
+                <a:solidFill>
+                  <a:schemeClr val="tx1"/>
+                </a:solidFill>
+                <a:effectLst>
+                  <a:outerShdw blurRad="38100" dist="19050" dir="2700000" algn="tl" rotWithShape="0">
+                    <a:schemeClr val="dk1">
+                      <a:alpha val="40000"/>
+                    </a:schemeClr>
+                  </a:outerShdw>
+                </a:effectLst>
+              </a:rPr>
+              <a:t>VM</a:t>
+            </a:r>
+            <a:endParaRPr lang="en-US" dirty="0"/>
+          </a:p>
+        </p:txBody>
+      </p:sp>
+      <p:sp>
+        <p:nvSpPr>
+          <p:cNvPr id="46" name="Rounded Rectangle 45">
+            <a:extLst>
+              <a:ext uri="{FF2B5EF4-FFF2-40B4-BE49-F238E27FC236}">
+                <a16:creationId xmlns:a16="http://schemas.microsoft.com/office/drawing/2014/main" id="{5B790990-8DB8-7A46-9009-F1D727B1D676}"/>
+              </a:ext>
+            </a:extLst>
+          </p:cNvPr>
+          <p:cNvSpPr/>
+          <p:nvPr/>
+        </p:nvSpPr>
+        <p:spPr>
+          <a:xfrm>
+            <a:off x="4027714" y="4887295"/>
+            <a:ext cx="670560" cy="548640"/>
+          </a:xfrm>
+          <a:prstGeom prst="roundRect">
+            <a:avLst/>
+          </a:prstGeom>
+          <a:solidFill>
+            <a:srgbClr val="FFFF00"/>
+          </a:solidFill>
+        </p:spPr>
+        <p:style>
+          <a:lnRef idx="2">
+            <a:schemeClr val="accent1">
+              <a:shade val="50000"/>
+            </a:schemeClr>
+          </a:lnRef>
+          <a:fillRef idx="1">
+            <a:schemeClr val="accent1"/>
+          </a:fillRef>
+          <a:effectRef idx="0">
+            <a:schemeClr val="accent1"/>
+          </a:effectRef>
+          <a:fontRef idx="minor">
+            <a:schemeClr val="lt1"/>
+          </a:fontRef>
+        </p:style>
+        <p:txBody>
+          <a:bodyPr rtlCol="0" anchor="ctr"/>
+          <a:lstStyle/>
+          <a:p>
+            <a:pPr algn="ctr"/>
+            <a:r>
+              <a:rPr lang="en-US" dirty="0">
+                <a:ln w="0"/>
+                <a:solidFill>
+                  <a:schemeClr val="tx1"/>
+                </a:solidFill>
+                <a:effectLst>
+                  <a:outerShdw blurRad="38100" dist="19050" dir="2700000" algn="tl" rotWithShape="0">
+                    <a:schemeClr val="dk1">
+                      <a:alpha val="40000"/>
+                    </a:schemeClr>
+                  </a:outerShdw>
+                </a:effectLst>
+              </a:rPr>
+              <a:t>VM</a:t>
+            </a:r>
+            <a:endParaRPr lang="en-US" dirty="0"/>
+          </a:p>
+        </p:txBody>
+      </p:sp>
+      <p:sp>
+        <p:nvSpPr>
+          <p:cNvPr id="47" name="TextBox 46">
+            <a:extLst>
+              <a:ext uri="{FF2B5EF4-FFF2-40B4-BE49-F238E27FC236}">
+                <a16:creationId xmlns:a16="http://schemas.microsoft.com/office/drawing/2014/main" id="{48EBA035-D694-C243-B7A7-4E27396ECE1A}"/>
+              </a:ext>
+            </a:extLst>
+          </p:cNvPr>
+          <p:cNvSpPr txBox="1"/>
+          <p:nvPr/>
+        </p:nvSpPr>
+        <p:spPr>
+          <a:xfrm>
+            <a:off x="217714" y="1872343"/>
+            <a:ext cx="2882537" cy="4247317"/>
+          </a:xfrm>
+          <a:prstGeom prst="rect">
+            <a:avLst/>
+          </a:prstGeom>
+          <a:noFill/>
+        </p:spPr>
+        <p:txBody>
+          <a:bodyPr wrap="square" rtlCol="0">
+            <a:spAutoFit/>
+          </a:bodyPr>
+          <a:lstStyle/>
+          <a:p>
+            <a:r>
+              <a:rPr lang="en-US" dirty="0"/>
+              <a:t>Cluster of Server Racks those  are having multiple VM with app deploy on it. If one VM / Rach goes down then the load is transferred to other VM in other racks</a:t>
+            </a:r>
+          </a:p>
+          <a:p>
+            <a:endParaRPr lang="en-US" dirty="0"/>
+          </a:p>
+          <a:p>
+            <a:endParaRPr lang="en-US" dirty="0"/>
+          </a:p>
+          <a:p>
+            <a:r>
+              <a:rPr lang="en-US" dirty="0"/>
+              <a:t>Class concept of Data Centers</a:t>
+            </a:r>
+          </a:p>
+          <a:p>
+            <a:endParaRPr lang="en-US" dirty="0"/>
+          </a:p>
+          <a:p>
+            <a:r>
+              <a:rPr lang="en-US" dirty="0"/>
+              <a:t>For the App, we need to configure, IPs, VM OS, Replication and Backup and also </a:t>
+            </a:r>
+            <a:r>
+              <a:rPr lang="en-US"/>
+              <a:t>failure configuration  </a:t>
+            </a:r>
+            <a:endParaRPr lang="en-US" dirty="0"/>
+          </a:p>
+        </p:txBody>
+      </p:sp>
+    </p:spTree>
+    <p:extLst>
+      <p:ext uri="{BB962C8B-B14F-4D97-AF65-F5344CB8AC3E}">
+        <p14:creationId xmlns:p14="http://schemas.microsoft.com/office/powerpoint/2010/main" val="734231420"/>
+      </p:ext>
+    </p:extLst>
+  </p:cSld>
+  <p:clrMapOvr>
+    <a:masterClrMapping/>
+  </p:clrMapOvr>
+</p:sld>
+</file>
+
 <file path=ppt/slides/slide7.xml><?xml version="1.0" encoding="utf-8"?>
 <p:sld xmlns:a="http://schemas.openxmlformats.org/drawingml/2006/main" xmlns:r="http://schemas.openxmlformats.org/officeDocument/2006/relationships" xmlns:p="http://schemas.openxmlformats.org/presentationml/2006/main">
   <p:cSld>
